--- a/lectures/CC-02-Python.pptx
+++ b/lectures/CC-02-Python.pptx
@@ -16,6 +16,12 @@
     <p:sldId id="264" r:id="rId10"/>
     <p:sldId id="265" r:id="rId11"/>
     <p:sldId id="266" r:id="rId12"/>
+    <p:sldId id="267" r:id="rId13"/>
+    <p:sldId id="268" r:id="rId14"/>
+    <p:sldId id="270" r:id="rId15"/>
+    <p:sldId id="271" r:id="rId16"/>
+    <p:sldId id="272" r:id="rId17"/>
+    <p:sldId id="273" r:id="rId18"/>
   </p:sldIdLst>
   <p:sldSz cx="12192000" cy="6858000"/>
   <p:notesSz cx="6858000" cy="9144000"/>
@@ -114,6 +120,11 @@
       </a:defRPr>
     </a:lvl9pPr>
   </p:defaultTextStyle>
+  <p:extLst>
+    <p:ext uri="{EFAFB233-063F-42B5-8137-9DF3F51BA10A}">
+      <p15:sldGuideLst xmlns:p15="http://schemas.microsoft.com/office/powerpoint/2012/main"/>
+    </p:ext>
+  </p:extLst>
 </p:presentation>
 </file>
 
@@ -3768,7 +3779,7 @@
           <a:p>
             <a:r>
               <a:rPr lang="en-US" dirty="0"/>
-              <a:t>Line Input</a:t>
+              <a:t>Line Input (safe)</a:t>
             </a:r>
           </a:p>
         </p:txBody>
@@ -4038,6 +4049,3476 @@
     <p:extLst>
       <p:ext uri="{BB962C8B-B14F-4D97-AF65-F5344CB8AC3E}">
         <p14:creationId xmlns:p14="http://schemas.microsoft.com/office/powerpoint/2010/main" val="2081602882"/>
+      </p:ext>
+    </p:extLst>
+  </p:cSld>
+  <p:clrMapOvr>
+    <a:masterClrMapping/>
+  </p:clrMapOvr>
+</p:sld>
+</file>
+
+<file path=ppt/slides/slide12.xml><?xml version="1.0" encoding="utf-8"?>
+<p:sld xmlns:a="http://schemas.openxmlformats.org/drawingml/2006/main" xmlns:r="http://schemas.openxmlformats.org/officeDocument/2006/relationships" xmlns:p="http://schemas.openxmlformats.org/presentationml/2006/main">
+  <p:cSld>
+    <p:spTree>
+      <p:nvGrpSpPr>
+        <p:cNvPr id="1" name=""/>
+        <p:cNvGrpSpPr/>
+        <p:nvPr/>
+      </p:nvGrpSpPr>
+      <p:grpSpPr>
+        <a:xfrm>
+          <a:off x="0" y="0"/>
+          <a:ext cx="0" cy="0"/>
+          <a:chOff x="0" y="0"/>
+          <a:chExt cx="0" cy="0"/>
+        </a:xfrm>
+      </p:grpSpPr>
+      <p:sp>
+        <p:nvSpPr>
+          <p:cNvPr id="4" name="Title 3">
+            <a:extLst>
+              <a:ext uri="{FF2B5EF4-FFF2-40B4-BE49-F238E27FC236}">
+                <a16:creationId xmlns:a16="http://schemas.microsoft.com/office/drawing/2014/main" id="{C2B508E1-B5B9-9A0B-37F0-15F2BB303BFA}"/>
+              </a:ext>
+            </a:extLst>
+          </p:cNvPr>
+          <p:cNvSpPr>
+            <a:spLocks noGrp="1"/>
+          </p:cNvSpPr>
+          <p:nvPr>
+            <p:ph type="title"/>
+          </p:nvPr>
+        </p:nvSpPr>
+        <p:spPr/>
+        <p:txBody>
+          <a:bodyPr/>
+          <a:lstStyle/>
+          <a:p>
+            <a:r>
+              <a:rPr lang="en-US" dirty="0"/>
+              <a:t>Read A File</a:t>
+            </a:r>
+          </a:p>
+        </p:txBody>
+      </p:sp>
+      <p:sp>
+        <p:nvSpPr>
+          <p:cNvPr id="5" name="TextBox 4">
+            <a:extLst>
+              <a:ext uri="{FF2B5EF4-FFF2-40B4-BE49-F238E27FC236}">
+                <a16:creationId xmlns:a16="http://schemas.microsoft.com/office/drawing/2014/main" id="{FDC36094-8775-EBE3-1FED-6DF8907EC500}"/>
+              </a:ext>
+            </a:extLst>
+          </p:cNvPr>
+          <p:cNvSpPr txBox="1"/>
+          <p:nvPr/>
+        </p:nvSpPr>
+        <p:spPr>
+          <a:xfrm>
+            <a:off x="954156" y="1682693"/>
+            <a:ext cx="3493264" cy="923330"/>
+          </a:xfrm>
+          <a:prstGeom prst="rect">
+            <a:avLst/>
+          </a:prstGeom>
+          <a:noFill/>
+        </p:spPr>
+        <p:txBody>
+          <a:bodyPr wrap="none" rtlCol="0">
+            <a:spAutoFit/>
+          </a:bodyPr>
+          <a:lstStyle/>
+          <a:p>
+            <a:r>
+              <a:rPr lang="en-US" dirty="0">
+                <a:latin typeface="Courier New" panose="02070309020205020404" pitchFamily="49" charset="0"/>
+                <a:cs typeface="Courier New" panose="02070309020205020404" pitchFamily="49" charset="0"/>
+              </a:rPr>
+              <a:t>hand = open('</a:t>
+            </a:r>
+            <a:r>
+              <a:rPr lang="en-US" dirty="0" err="1">
+                <a:latin typeface="Courier New" panose="02070309020205020404" pitchFamily="49" charset="0"/>
+                <a:cs typeface="Courier New" panose="02070309020205020404" pitchFamily="49" charset="0"/>
+              </a:rPr>
+              <a:t>romeo.txt</a:t>
+            </a:r>
+            <a:r>
+              <a:rPr lang="en-US" dirty="0">
+                <a:latin typeface="Courier New" panose="02070309020205020404" pitchFamily="49" charset="0"/>
+                <a:cs typeface="Courier New" panose="02070309020205020404" pitchFamily="49" charset="0"/>
+              </a:rPr>
+              <a:t>')</a:t>
+            </a:r>
+          </a:p>
+          <a:p>
+            <a:r>
+              <a:rPr lang="en-US" dirty="0">
+                <a:latin typeface="Courier New" panose="02070309020205020404" pitchFamily="49" charset="0"/>
+                <a:cs typeface="Courier New" panose="02070309020205020404" pitchFamily="49" charset="0"/>
+              </a:rPr>
+              <a:t>for line in hand:</a:t>
+            </a:r>
+          </a:p>
+          <a:p>
+            <a:r>
+              <a:rPr lang="en-US" dirty="0">
+                <a:latin typeface="Courier New" panose="02070309020205020404" pitchFamily="49" charset="0"/>
+                <a:cs typeface="Courier New" panose="02070309020205020404" pitchFamily="49" charset="0"/>
+              </a:rPr>
+              <a:t>    print(</a:t>
+            </a:r>
+            <a:r>
+              <a:rPr lang="en-US" dirty="0" err="1">
+                <a:latin typeface="Courier New" panose="02070309020205020404" pitchFamily="49" charset="0"/>
+                <a:cs typeface="Courier New" panose="02070309020205020404" pitchFamily="49" charset="0"/>
+              </a:rPr>
+              <a:t>line.strip</a:t>
+            </a:r>
+            <a:r>
+              <a:rPr lang="en-US" dirty="0">
+                <a:latin typeface="Courier New" panose="02070309020205020404" pitchFamily="49" charset="0"/>
+                <a:cs typeface="Courier New" panose="02070309020205020404" pitchFamily="49" charset="0"/>
+              </a:rPr>
+              <a:t>())</a:t>
+            </a:r>
+          </a:p>
+        </p:txBody>
+      </p:sp>
+      <p:sp>
+        <p:nvSpPr>
+          <p:cNvPr id="6" name="TextBox 5">
+            <a:extLst>
+              <a:ext uri="{FF2B5EF4-FFF2-40B4-BE49-F238E27FC236}">
+                <a16:creationId xmlns:a16="http://schemas.microsoft.com/office/drawing/2014/main" id="{C004B7C8-BBD4-1EE7-3894-3C801D6DC253}"/>
+              </a:ext>
+            </a:extLst>
+          </p:cNvPr>
+          <p:cNvSpPr txBox="1"/>
+          <p:nvPr/>
+        </p:nvSpPr>
+        <p:spPr>
+          <a:xfrm>
+            <a:off x="5293487" y="1027906"/>
+            <a:ext cx="6526146" cy="2585323"/>
+          </a:xfrm>
+          <a:prstGeom prst="rect">
+            <a:avLst/>
+          </a:prstGeom>
+          <a:noFill/>
+        </p:spPr>
+        <p:txBody>
+          <a:bodyPr wrap="none" rtlCol="0">
+            <a:spAutoFit/>
+          </a:bodyPr>
+          <a:lstStyle/>
+          <a:p>
+            <a:r>
+              <a:rPr lang="en-US" dirty="0">
+                <a:latin typeface="Courier New" panose="02070309020205020404" pitchFamily="49" charset="0"/>
+                <a:cs typeface="Courier New" panose="02070309020205020404" pitchFamily="49" charset="0"/>
+              </a:rPr>
+              <a:t>#include &lt;</a:t>
+            </a:r>
+            <a:r>
+              <a:rPr lang="en-US" dirty="0" err="1">
+                <a:latin typeface="Courier New" panose="02070309020205020404" pitchFamily="49" charset="0"/>
+                <a:cs typeface="Courier New" panose="02070309020205020404" pitchFamily="49" charset="0"/>
+              </a:rPr>
+              <a:t>stdio.h</a:t>
+            </a:r>
+            <a:r>
+              <a:rPr lang="en-US" dirty="0">
+                <a:latin typeface="Courier New" panose="02070309020205020404" pitchFamily="49" charset="0"/>
+                <a:cs typeface="Courier New" panose="02070309020205020404" pitchFamily="49" charset="0"/>
+              </a:rPr>
+              <a:t>&gt;</a:t>
+            </a:r>
+          </a:p>
+          <a:p>
+            <a:r>
+              <a:rPr lang="en-US" dirty="0">
+                <a:latin typeface="Courier New" panose="02070309020205020404" pitchFamily="49" charset="0"/>
+                <a:cs typeface="Courier New" panose="02070309020205020404" pitchFamily="49" charset="0"/>
+              </a:rPr>
+              <a:t>int main() {</a:t>
+            </a:r>
+          </a:p>
+          <a:p>
+            <a:r>
+              <a:rPr lang="en-US" dirty="0">
+                <a:latin typeface="Courier New" panose="02070309020205020404" pitchFamily="49" charset="0"/>
+                <a:cs typeface="Courier New" panose="02070309020205020404" pitchFamily="49" charset="0"/>
+              </a:rPr>
+              <a:t>    char line[1000];</a:t>
+            </a:r>
+          </a:p>
+          <a:p>
+            <a:r>
+              <a:rPr lang="en-US" dirty="0">
+                <a:latin typeface="Courier New" panose="02070309020205020404" pitchFamily="49" charset="0"/>
+                <a:cs typeface="Courier New" panose="02070309020205020404" pitchFamily="49" charset="0"/>
+              </a:rPr>
+              <a:t>    FILE *hand;</a:t>
+            </a:r>
+          </a:p>
+          <a:p>
+            <a:r>
+              <a:rPr lang="en-US" dirty="0">
+                <a:latin typeface="Courier New" panose="02070309020205020404" pitchFamily="49" charset="0"/>
+                <a:cs typeface="Courier New" panose="02070309020205020404" pitchFamily="49" charset="0"/>
+              </a:rPr>
+              <a:t>    hand = </a:t>
+            </a:r>
+            <a:r>
+              <a:rPr lang="en-US" dirty="0" err="1">
+                <a:latin typeface="Courier New" panose="02070309020205020404" pitchFamily="49" charset="0"/>
+                <a:cs typeface="Courier New" panose="02070309020205020404" pitchFamily="49" charset="0"/>
+              </a:rPr>
+              <a:t>fopen</a:t>
+            </a:r>
+            <a:r>
+              <a:rPr lang="en-US" dirty="0">
+                <a:latin typeface="Courier New" panose="02070309020205020404" pitchFamily="49" charset="0"/>
+                <a:cs typeface="Courier New" panose="02070309020205020404" pitchFamily="49" charset="0"/>
+              </a:rPr>
+              <a:t>("</a:t>
+            </a:r>
+            <a:r>
+              <a:rPr lang="en-US" dirty="0" err="1">
+                <a:latin typeface="Courier New" panose="02070309020205020404" pitchFamily="49" charset="0"/>
+                <a:cs typeface="Courier New" panose="02070309020205020404" pitchFamily="49" charset="0"/>
+              </a:rPr>
+              <a:t>romeo.txt</a:t>
+            </a:r>
+            <a:r>
+              <a:rPr lang="en-US" dirty="0">
+                <a:latin typeface="Courier New" panose="02070309020205020404" pitchFamily="49" charset="0"/>
+                <a:cs typeface="Courier New" panose="02070309020205020404" pitchFamily="49" charset="0"/>
+              </a:rPr>
+              <a:t>", "r");</a:t>
+            </a:r>
+          </a:p>
+          <a:p>
+            <a:r>
+              <a:rPr lang="en-US" dirty="0">
+                <a:latin typeface="Courier New" panose="02070309020205020404" pitchFamily="49" charset="0"/>
+                <a:cs typeface="Courier New" panose="02070309020205020404" pitchFamily="49" charset="0"/>
+              </a:rPr>
+              <a:t>    while( </a:t>
+            </a:r>
+            <a:r>
+              <a:rPr lang="en-US" dirty="0" err="1">
+                <a:latin typeface="Courier New" panose="02070309020205020404" pitchFamily="49" charset="0"/>
+                <a:cs typeface="Courier New" panose="02070309020205020404" pitchFamily="49" charset="0"/>
+              </a:rPr>
+              <a:t>fgets</a:t>
+            </a:r>
+            <a:r>
+              <a:rPr lang="en-US" dirty="0">
+                <a:latin typeface="Courier New" panose="02070309020205020404" pitchFamily="49" charset="0"/>
+                <a:cs typeface="Courier New" panose="02070309020205020404" pitchFamily="49" charset="0"/>
+              </a:rPr>
+              <a:t>(line, 1000, hand) != NULL ) {</a:t>
+            </a:r>
+          </a:p>
+          <a:p>
+            <a:r>
+              <a:rPr lang="en-US" dirty="0">
+                <a:latin typeface="Courier New" panose="02070309020205020404" pitchFamily="49" charset="0"/>
+                <a:cs typeface="Courier New" panose="02070309020205020404" pitchFamily="49" charset="0"/>
+              </a:rPr>
+              <a:t>        </a:t>
+            </a:r>
+            <a:r>
+              <a:rPr lang="en-US" dirty="0" err="1">
+                <a:latin typeface="Courier New" panose="02070309020205020404" pitchFamily="49" charset="0"/>
+                <a:cs typeface="Courier New" panose="02070309020205020404" pitchFamily="49" charset="0"/>
+              </a:rPr>
+              <a:t>printf</a:t>
+            </a:r>
+            <a:r>
+              <a:rPr lang="en-US" dirty="0">
+                <a:latin typeface="Courier New" panose="02070309020205020404" pitchFamily="49" charset="0"/>
+                <a:cs typeface="Courier New" panose="02070309020205020404" pitchFamily="49" charset="0"/>
+              </a:rPr>
+              <a:t>("%s", line);</a:t>
+            </a:r>
+          </a:p>
+          <a:p>
+            <a:r>
+              <a:rPr lang="en-US" dirty="0">
+                <a:latin typeface="Courier New" panose="02070309020205020404" pitchFamily="49" charset="0"/>
+                <a:cs typeface="Courier New" panose="02070309020205020404" pitchFamily="49" charset="0"/>
+              </a:rPr>
+              <a:t>    }</a:t>
+            </a:r>
+          </a:p>
+          <a:p>
+            <a:r>
+              <a:rPr lang="en-US" dirty="0">
+                <a:latin typeface="Courier New" panose="02070309020205020404" pitchFamily="49" charset="0"/>
+                <a:cs typeface="Courier New" panose="02070309020205020404" pitchFamily="49" charset="0"/>
+              </a:rPr>
+              <a:t>}</a:t>
+            </a:r>
+          </a:p>
+        </p:txBody>
+      </p:sp>
+      <p:sp>
+        <p:nvSpPr>
+          <p:cNvPr id="7" name="TextBox 6">
+            <a:extLst>
+              <a:ext uri="{FF2B5EF4-FFF2-40B4-BE49-F238E27FC236}">
+                <a16:creationId xmlns:a16="http://schemas.microsoft.com/office/drawing/2014/main" id="{03B4458A-37BA-02AB-CE8C-B288D36FE6BF}"/>
+              </a:ext>
+            </a:extLst>
+          </p:cNvPr>
+          <p:cNvSpPr txBox="1"/>
+          <p:nvPr/>
+        </p:nvSpPr>
+        <p:spPr>
+          <a:xfrm>
+            <a:off x="954156" y="4200590"/>
+            <a:ext cx="6801862" cy="1200329"/>
+          </a:xfrm>
+          <a:prstGeom prst="rect">
+            <a:avLst/>
+          </a:prstGeom>
+          <a:noFill/>
+        </p:spPr>
+        <p:txBody>
+          <a:bodyPr wrap="none" rtlCol="0">
+            <a:spAutoFit/>
+          </a:bodyPr>
+          <a:lstStyle/>
+          <a:p>
+            <a:r>
+              <a:rPr lang="en-US" dirty="0">
+                <a:latin typeface="Monaco" pitchFamily="2" charset="77"/>
+              </a:rPr>
+              <a:t>But soft what light through yonder window breaks</a:t>
+            </a:r>
+          </a:p>
+          <a:p>
+            <a:r>
+              <a:rPr lang="en-US" dirty="0">
+                <a:latin typeface="Monaco" pitchFamily="2" charset="77"/>
+              </a:rPr>
+              <a:t>It is the east and Juliet is the sun</a:t>
+            </a:r>
+          </a:p>
+          <a:p>
+            <a:r>
+              <a:rPr lang="en-US" dirty="0">
+                <a:latin typeface="Monaco" pitchFamily="2" charset="77"/>
+              </a:rPr>
+              <a:t>Arise fair sun and kill the envious moon</a:t>
+            </a:r>
+          </a:p>
+          <a:p>
+            <a:r>
+              <a:rPr lang="en-US" dirty="0">
+                <a:latin typeface="Monaco" pitchFamily="2" charset="77"/>
+              </a:rPr>
+              <a:t>Who is already sick and pale with grief</a:t>
+            </a:r>
+          </a:p>
+        </p:txBody>
+      </p:sp>
+    </p:spTree>
+    <p:extLst>
+      <p:ext uri="{BB962C8B-B14F-4D97-AF65-F5344CB8AC3E}">
+        <p14:creationId xmlns:p14="http://schemas.microsoft.com/office/powerpoint/2010/main" val="224831238"/>
+      </p:ext>
+    </p:extLst>
+  </p:cSld>
+  <p:clrMapOvr>
+    <a:masterClrMapping/>
+  </p:clrMapOvr>
+</p:sld>
+</file>
+
+<file path=ppt/slides/slide13.xml><?xml version="1.0" encoding="utf-8"?>
+<p:sld xmlns:a="http://schemas.openxmlformats.org/drawingml/2006/main" xmlns:r="http://schemas.openxmlformats.org/officeDocument/2006/relationships" xmlns:p="http://schemas.openxmlformats.org/presentationml/2006/main">
+  <p:cSld>
+    <p:spTree>
+      <p:nvGrpSpPr>
+        <p:cNvPr id="1" name=""/>
+        <p:cNvGrpSpPr/>
+        <p:nvPr/>
+      </p:nvGrpSpPr>
+      <p:grpSpPr>
+        <a:xfrm>
+          <a:off x="0" y="0"/>
+          <a:ext cx="0" cy="0"/>
+          <a:chOff x="0" y="0"/>
+          <a:chExt cx="0" cy="0"/>
+        </a:xfrm>
+      </p:grpSpPr>
+      <p:sp>
+        <p:nvSpPr>
+          <p:cNvPr id="4" name="Title 3">
+            <a:extLst>
+              <a:ext uri="{FF2B5EF4-FFF2-40B4-BE49-F238E27FC236}">
+                <a16:creationId xmlns:a16="http://schemas.microsoft.com/office/drawing/2014/main" id="{C2B508E1-B5B9-9A0B-37F0-15F2BB303BFA}"/>
+              </a:ext>
+            </a:extLst>
+          </p:cNvPr>
+          <p:cNvSpPr>
+            <a:spLocks noGrp="1"/>
+          </p:cNvSpPr>
+          <p:nvPr>
+            <p:ph type="title"/>
+          </p:nvPr>
+        </p:nvSpPr>
+        <p:spPr/>
+        <p:txBody>
+          <a:bodyPr/>
+          <a:lstStyle/>
+          <a:p>
+            <a:r>
+              <a:rPr lang="en-US" dirty="0"/>
+              <a:t>Counted Loop</a:t>
+            </a:r>
+          </a:p>
+        </p:txBody>
+      </p:sp>
+      <p:sp>
+        <p:nvSpPr>
+          <p:cNvPr id="5" name="TextBox 4">
+            <a:extLst>
+              <a:ext uri="{FF2B5EF4-FFF2-40B4-BE49-F238E27FC236}">
+                <a16:creationId xmlns:a16="http://schemas.microsoft.com/office/drawing/2014/main" id="{FDC36094-8775-EBE3-1FED-6DF8907EC500}"/>
+              </a:ext>
+            </a:extLst>
+          </p:cNvPr>
+          <p:cNvSpPr txBox="1"/>
+          <p:nvPr/>
+        </p:nvSpPr>
+        <p:spPr>
+          <a:xfrm>
+            <a:off x="954156" y="1682693"/>
+            <a:ext cx="2803973" cy="646331"/>
+          </a:xfrm>
+          <a:prstGeom prst="rect">
+            <a:avLst/>
+          </a:prstGeom>
+          <a:noFill/>
+        </p:spPr>
+        <p:txBody>
+          <a:bodyPr wrap="none" rtlCol="0">
+            <a:spAutoFit/>
+          </a:bodyPr>
+          <a:lstStyle/>
+          <a:p>
+            <a:r>
+              <a:rPr lang="en-US" dirty="0">
+                <a:latin typeface="Courier New" panose="02070309020205020404" pitchFamily="49" charset="0"/>
+                <a:cs typeface="Courier New" panose="02070309020205020404" pitchFamily="49" charset="0"/>
+              </a:rPr>
+              <a:t>for </a:t>
+            </a:r>
+            <a:r>
+              <a:rPr lang="en-US" dirty="0" err="1">
+                <a:latin typeface="Courier New" panose="02070309020205020404" pitchFamily="49" charset="0"/>
+                <a:cs typeface="Courier New" panose="02070309020205020404" pitchFamily="49" charset="0"/>
+              </a:rPr>
+              <a:t>i</a:t>
+            </a:r>
+            <a:r>
+              <a:rPr lang="en-US" dirty="0">
+                <a:latin typeface="Courier New" panose="02070309020205020404" pitchFamily="49" charset="0"/>
+                <a:cs typeface="Courier New" panose="02070309020205020404" pitchFamily="49" charset="0"/>
+              </a:rPr>
+              <a:t> in range(5) :</a:t>
+            </a:r>
+          </a:p>
+          <a:p>
+            <a:r>
+              <a:rPr lang="en-US" dirty="0">
+                <a:latin typeface="Courier New" panose="02070309020205020404" pitchFamily="49" charset="0"/>
+                <a:cs typeface="Courier New" panose="02070309020205020404" pitchFamily="49" charset="0"/>
+              </a:rPr>
+              <a:t>    print(</a:t>
+            </a:r>
+            <a:r>
+              <a:rPr lang="en-US" dirty="0" err="1">
+                <a:latin typeface="Courier New" panose="02070309020205020404" pitchFamily="49" charset="0"/>
+                <a:cs typeface="Courier New" panose="02070309020205020404" pitchFamily="49" charset="0"/>
+              </a:rPr>
+              <a:t>i</a:t>
+            </a:r>
+            <a:r>
+              <a:rPr lang="en-US" dirty="0">
+                <a:latin typeface="Courier New" panose="02070309020205020404" pitchFamily="49" charset="0"/>
+                <a:cs typeface="Courier New" panose="02070309020205020404" pitchFamily="49" charset="0"/>
+              </a:rPr>
+              <a:t>)</a:t>
+            </a:r>
+          </a:p>
+        </p:txBody>
+      </p:sp>
+      <p:sp>
+        <p:nvSpPr>
+          <p:cNvPr id="6" name="TextBox 5">
+            <a:extLst>
+              <a:ext uri="{FF2B5EF4-FFF2-40B4-BE49-F238E27FC236}">
+                <a16:creationId xmlns:a16="http://schemas.microsoft.com/office/drawing/2014/main" id="{C004B7C8-BBD4-1EE7-3894-3C801D6DC253}"/>
+              </a:ext>
+            </a:extLst>
+          </p:cNvPr>
+          <p:cNvSpPr txBox="1"/>
+          <p:nvPr/>
+        </p:nvSpPr>
+        <p:spPr>
+          <a:xfrm>
+            <a:off x="5293487" y="1027906"/>
+            <a:ext cx="3631122" cy="2031325"/>
+          </a:xfrm>
+          <a:prstGeom prst="rect">
+            <a:avLst/>
+          </a:prstGeom>
+          <a:noFill/>
+        </p:spPr>
+        <p:txBody>
+          <a:bodyPr wrap="none" rtlCol="0">
+            <a:spAutoFit/>
+          </a:bodyPr>
+          <a:lstStyle/>
+          <a:p>
+            <a:r>
+              <a:rPr lang="en-US" dirty="0">
+                <a:latin typeface="Courier New" panose="02070309020205020404" pitchFamily="49" charset="0"/>
+                <a:cs typeface="Courier New" panose="02070309020205020404" pitchFamily="49" charset="0"/>
+              </a:rPr>
+              <a:t>#include &lt;</a:t>
+            </a:r>
+            <a:r>
+              <a:rPr lang="en-US" dirty="0" err="1">
+                <a:latin typeface="Courier New" panose="02070309020205020404" pitchFamily="49" charset="0"/>
+                <a:cs typeface="Courier New" panose="02070309020205020404" pitchFamily="49" charset="0"/>
+              </a:rPr>
+              <a:t>stdio.h</a:t>
+            </a:r>
+            <a:r>
+              <a:rPr lang="en-US" dirty="0">
+                <a:latin typeface="Courier New" panose="02070309020205020404" pitchFamily="49" charset="0"/>
+                <a:cs typeface="Courier New" panose="02070309020205020404" pitchFamily="49" charset="0"/>
+              </a:rPr>
+              <a:t>&gt;</a:t>
+            </a:r>
+          </a:p>
+          <a:p>
+            <a:r>
+              <a:rPr lang="en-US" dirty="0">
+                <a:latin typeface="Courier New" panose="02070309020205020404" pitchFamily="49" charset="0"/>
+                <a:cs typeface="Courier New" panose="02070309020205020404" pitchFamily="49" charset="0"/>
+              </a:rPr>
+              <a:t>int main() {</a:t>
+            </a:r>
+          </a:p>
+          <a:p>
+            <a:r>
+              <a:rPr lang="en-US" dirty="0">
+                <a:latin typeface="Courier New" panose="02070309020205020404" pitchFamily="49" charset="0"/>
+                <a:cs typeface="Courier New" panose="02070309020205020404" pitchFamily="49" charset="0"/>
+              </a:rPr>
+              <a:t>    int </a:t>
+            </a:r>
+            <a:r>
+              <a:rPr lang="en-US" dirty="0" err="1">
+                <a:latin typeface="Courier New" panose="02070309020205020404" pitchFamily="49" charset="0"/>
+                <a:cs typeface="Courier New" panose="02070309020205020404" pitchFamily="49" charset="0"/>
+              </a:rPr>
+              <a:t>i</a:t>
+            </a:r>
+            <a:r>
+              <a:rPr lang="en-US" dirty="0">
+                <a:latin typeface="Courier New" panose="02070309020205020404" pitchFamily="49" charset="0"/>
+                <a:cs typeface="Courier New" panose="02070309020205020404" pitchFamily="49" charset="0"/>
+              </a:rPr>
+              <a:t>;</a:t>
+            </a:r>
+          </a:p>
+          <a:p>
+            <a:r>
+              <a:rPr lang="en-US" dirty="0">
+                <a:latin typeface="Courier New" panose="02070309020205020404" pitchFamily="49" charset="0"/>
+                <a:cs typeface="Courier New" panose="02070309020205020404" pitchFamily="49" charset="0"/>
+              </a:rPr>
+              <a:t>    for(</a:t>
+            </a:r>
+            <a:r>
+              <a:rPr lang="en-US" dirty="0" err="1">
+                <a:latin typeface="Courier New" panose="02070309020205020404" pitchFamily="49" charset="0"/>
+                <a:cs typeface="Courier New" panose="02070309020205020404" pitchFamily="49" charset="0"/>
+              </a:rPr>
+              <a:t>i</a:t>
+            </a:r>
+            <a:r>
+              <a:rPr lang="en-US" dirty="0">
+                <a:latin typeface="Courier New" panose="02070309020205020404" pitchFamily="49" charset="0"/>
+                <a:cs typeface="Courier New" panose="02070309020205020404" pitchFamily="49" charset="0"/>
+              </a:rPr>
+              <a:t>=0; </a:t>
+            </a:r>
+            <a:r>
+              <a:rPr lang="en-US" dirty="0" err="1">
+                <a:latin typeface="Courier New" panose="02070309020205020404" pitchFamily="49" charset="0"/>
+                <a:cs typeface="Courier New" panose="02070309020205020404" pitchFamily="49" charset="0"/>
+              </a:rPr>
+              <a:t>i</a:t>
+            </a:r>
+            <a:r>
+              <a:rPr lang="en-US" dirty="0">
+                <a:latin typeface="Courier New" panose="02070309020205020404" pitchFamily="49" charset="0"/>
+                <a:cs typeface="Courier New" panose="02070309020205020404" pitchFamily="49" charset="0"/>
+              </a:rPr>
+              <a:t>&lt;5; </a:t>
+            </a:r>
+            <a:r>
+              <a:rPr lang="en-US" dirty="0" err="1">
+                <a:latin typeface="Courier New" panose="02070309020205020404" pitchFamily="49" charset="0"/>
+                <a:cs typeface="Courier New" panose="02070309020205020404" pitchFamily="49" charset="0"/>
+              </a:rPr>
+              <a:t>i</a:t>
+            </a:r>
+            <a:r>
+              <a:rPr lang="en-US" dirty="0">
+                <a:latin typeface="Courier New" panose="02070309020205020404" pitchFamily="49" charset="0"/>
+                <a:cs typeface="Courier New" panose="02070309020205020404" pitchFamily="49" charset="0"/>
+              </a:rPr>
+              <a:t>++) {</a:t>
+            </a:r>
+          </a:p>
+          <a:p>
+            <a:r>
+              <a:rPr lang="en-US" dirty="0">
+                <a:latin typeface="Courier New" panose="02070309020205020404" pitchFamily="49" charset="0"/>
+                <a:cs typeface="Courier New" panose="02070309020205020404" pitchFamily="49" charset="0"/>
+              </a:rPr>
+              <a:t>        </a:t>
+            </a:r>
+            <a:r>
+              <a:rPr lang="en-US" dirty="0" err="1">
+                <a:latin typeface="Courier New" panose="02070309020205020404" pitchFamily="49" charset="0"/>
+                <a:cs typeface="Courier New" panose="02070309020205020404" pitchFamily="49" charset="0"/>
+              </a:rPr>
+              <a:t>printf</a:t>
+            </a:r>
+            <a:r>
+              <a:rPr lang="en-US" dirty="0">
+                <a:latin typeface="Courier New" panose="02070309020205020404" pitchFamily="49" charset="0"/>
+                <a:cs typeface="Courier New" panose="02070309020205020404" pitchFamily="49" charset="0"/>
+              </a:rPr>
+              <a:t>("%d\n",</a:t>
+            </a:r>
+            <a:r>
+              <a:rPr lang="en-US" dirty="0" err="1">
+                <a:latin typeface="Courier New" panose="02070309020205020404" pitchFamily="49" charset="0"/>
+                <a:cs typeface="Courier New" panose="02070309020205020404" pitchFamily="49" charset="0"/>
+              </a:rPr>
+              <a:t>i</a:t>
+            </a:r>
+            <a:r>
+              <a:rPr lang="en-US" dirty="0">
+                <a:latin typeface="Courier New" panose="02070309020205020404" pitchFamily="49" charset="0"/>
+                <a:cs typeface="Courier New" panose="02070309020205020404" pitchFamily="49" charset="0"/>
+              </a:rPr>
+              <a:t>);</a:t>
+            </a:r>
+          </a:p>
+          <a:p>
+            <a:r>
+              <a:rPr lang="en-US" dirty="0">
+                <a:latin typeface="Courier New" panose="02070309020205020404" pitchFamily="49" charset="0"/>
+                <a:cs typeface="Courier New" panose="02070309020205020404" pitchFamily="49" charset="0"/>
+              </a:rPr>
+              <a:t>    }   </a:t>
+            </a:r>
+          </a:p>
+          <a:p>
+            <a:r>
+              <a:rPr lang="en-US" dirty="0">
+                <a:latin typeface="Courier New" panose="02070309020205020404" pitchFamily="49" charset="0"/>
+                <a:cs typeface="Courier New" panose="02070309020205020404" pitchFamily="49" charset="0"/>
+              </a:rPr>
+              <a:t>}</a:t>
+            </a:r>
+          </a:p>
+        </p:txBody>
+      </p:sp>
+      <p:sp>
+        <p:nvSpPr>
+          <p:cNvPr id="7" name="TextBox 6">
+            <a:extLst>
+              <a:ext uri="{FF2B5EF4-FFF2-40B4-BE49-F238E27FC236}">
+                <a16:creationId xmlns:a16="http://schemas.microsoft.com/office/drawing/2014/main" id="{03B4458A-37BA-02AB-CE8C-B288D36FE6BF}"/>
+              </a:ext>
+            </a:extLst>
+          </p:cNvPr>
+          <p:cNvSpPr txBox="1"/>
+          <p:nvPr/>
+        </p:nvSpPr>
+        <p:spPr>
+          <a:xfrm>
+            <a:off x="2646769" y="3790313"/>
+            <a:ext cx="322524" cy="1477328"/>
+          </a:xfrm>
+          <a:prstGeom prst="rect">
+            <a:avLst/>
+          </a:prstGeom>
+          <a:noFill/>
+        </p:spPr>
+        <p:txBody>
+          <a:bodyPr wrap="none" rtlCol="0">
+            <a:spAutoFit/>
+          </a:bodyPr>
+          <a:lstStyle/>
+          <a:p>
+            <a:r>
+              <a:rPr lang="en-US" dirty="0">
+                <a:latin typeface="Monaco" pitchFamily="2" charset="77"/>
+              </a:rPr>
+              <a:t>0</a:t>
+            </a:r>
+          </a:p>
+          <a:p>
+            <a:r>
+              <a:rPr lang="en-US" dirty="0">
+                <a:latin typeface="Monaco" pitchFamily="2" charset="77"/>
+              </a:rPr>
+              <a:t>1</a:t>
+            </a:r>
+          </a:p>
+          <a:p>
+            <a:r>
+              <a:rPr lang="en-US" dirty="0">
+                <a:latin typeface="Monaco" pitchFamily="2" charset="77"/>
+              </a:rPr>
+              <a:t>2</a:t>
+            </a:r>
+          </a:p>
+          <a:p>
+            <a:r>
+              <a:rPr lang="en-US" dirty="0">
+                <a:latin typeface="Monaco" pitchFamily="2" charset="77"/>
+              </a:rPr>
+              <a:t>3</a:t>
+            </a:r>
+          </a:p>
+          <a:p>
+            <a:r>
+              <a:rPr lang="en-US" dirty="0">
+                <a:latin typeface="Monaco" pitchFamily="2" charset="77"/>
+              </a:rPr>
+              <a:t>4</a:t>
+            </a:r>
+          </a:p>
+        </p:txBody>
+      </p:sp>
+    </p:spTree>
+    <p:extLst>
+      <p:ext uri="{BB962C8B-B14F-4D97-AF65-F5344CB8AC3E}">
+        <p14:creationId xmlns:p14="http://schemas.microsoft.com/office/powerpoint/2010/main" val="3946844952"/>
+      </p:ext>
+    </p:extLst>
+  </p:cSld>
+  <p:clrMapOvr>
+    <a:masterClrMapping/>
+  </p:clrMapOvr>
+</p:sld>
+</file>
+
+<file path=ppt/slides/slide14.xml><?xml version="1.0" encoding="utf-8"?>
+<p:sld xmlns:a="http://schemas.openxmlformats.org/drawingml/2006/main" xmlns:r="http://schemas.openxmlformats.org/officeDocument/2006/relationships" xmlns:p="http://schemas.openxmlformats.org/presentationml/2006/main">
+  <p:cSld>
+    <p:spTree>
+      <p:nvGrpSpPr>
+        <p:cNvPr id="1" name=""/>
+        <p:cNvGrpSpPr/>
+        <p:nvPr/>
+      </p:nvGrpSpPr>
+      <p:grpSpPr>
+        <a:xfrm>
+          <a:off x="0" y="0"/>
+          <a:ext cx="0" cy="0"/>
+          <a:chOff x="0" y="0"/>
+          <a:chExt cx="0" cy="0"/>
+        </a:xfrm>
+      </p:grpSpPr>
+      <p:sp>
+        <p:nvSpPr>
+          <p:cNvPr id="4" name="Title 3">
+            <a:extLst>
+              <a:ext uri="{FF2B5EF4-FFF2-40B4-BE49-F238E27FC236}">
+                <a16:creationId xmlns:a16="http://schemas.microsoft.com/office/drawing/2014/main" id="{C2B508E1-B5B9-9A0B-37F0-15F2BB303BFA}"/>
+              </a:ext>
+            </a:extLst>
+          </p:cNvPr>
+          <p:cNvSpPr>
+            <a:spLocks noGrp="1"/>
+          </p:cNvSpPr>
+          <p:nvPr>
+            <p:ph type="title"/>
+          </p:nvPr>
+        </p:nvSpPr>
+        <p:spPr/>
+        <p:txBody>
+          <a:bodyPr/>
+          <a:lstStyle/>
+          <a:p>
+            <a:r>
+              <a:rPr lang="en-US" dirty="0"/>
+              <a:t>Max / Min</a:t>
+            </a:r>
+          </a:p>
+        </p:txBody>
+      </p:sp>
+      <p:sp>
+        <p:nvSpPr>
+          <p:cNvPr id="5" name="TextBox 4">
+            <a:extLst>
+              <a:ext uri="{FF2B5EF4-FFF2-40B4-BE49-F238E27FC236}">
+                <a16:creationId xmlns:a16="http://schemas.microsoft.com/office/drawing/2014/main" id="{FDC36094-8775-EBE3-1FED-6DF8907EC500}"/>
+              </a:ext>
+            </a:extLst>
+          </p:cNvPr>
+          <p:cNvSpPr txBox="1"/>
+          <p:nvPr/>
+        </p:nvSpPr>
+        <p:spPr>
+          <a:xfrm>
+            <a:off x="996477" y="1443841"/>
+            <a:ext cx="6112571" cy="3970318"/>
+          </a:xfrm>
+          <a:prstGeom prst="rect">
+            <a:avLst/>
+          </a:prstGeom>
+          <a:noFill/>
+        </p:spPr>
+        <p:txBody>
+          <a:bodyPr wrap="none" rtlCol="0">
+            <a:spAutoFit/>
+          </a:bodyPr>
+          <a:lstStyle/>
+          <a:p>
+            <a:r>
+              <a:rPr lang="en-US" dirty="0" err="1">
+                <a:latin typeface="Courier New" panose="02070309020205020404" pitchFamily="49" charset="0"/>
+                <a:cs typeface="Courier New" panose="02070309020205020404" pitchFamily="49" charset="0"/>
+              </a:rPr>
+              <a:t>maxval</a:t>
+            </a:r>
+            <a:r>
+              <a:rPr lang="en-US" dirty="0">
+                <a:latin typeface="Courier New" panose="02070309020205020404" pitchFamily="49" charset="0"/>
+                <a:cs typeface="Courier New" panose="02070309020205020404" pitchFamily="49" charset="0"/>
+              </a:rPr>
+              <a:t> = None</a:t>
+            </a:r>
+          </a:p>
+          <a:p>
+            <a:r>
+              <a:rPr lang="en-US" dirty="0" err="1">
+                <a:latin typeface="Courier New" panose="02070309020205020404" pitchFamily="49" charset="0"/>
+                <a:cs typeface="Courier New" panose="02070309020205020404" pitchFamily="49" charset="0"/>
+              </a:rPr>
+              <a:t>minval</a:t>
+            </a:r>
+            <a:r>
+              <a:rPr lang="en-US" dirty="0">
+                <a:latin typeface="Courier New" panose="02070309020205020404" pitchFamily="49" charset="0"/>
+                <a:cs typeface="Courier New" panose="02070309020205020404" pitchFamily="49" charset="0"/>
+              </a:rPr>
+              <a:t> = None</a:t>
+            </a:r>
+          </a:p>
+          <a:p>
+            <a:r>
+              <a:rPr lang="en-US" dirty="0">
+                <a:latin typeface="Courier New" panose="02070309020205020404" pitchFamily="49" charset="0"/>
+                <a:cs typeface="Courier New" panose="02070309020205020404" pitchFamily="49" charset="0"/>
+              </a:rPr>
+              <a:t>while True:</a:t>
+            </a:r>
+          </a:p>
+          <a:p>
+            <a:r>
+              <a:rPr lang="en-US" dirty="0">
+                <a:latin typeface="Courier New" panose="02070309020205020404" pitchFamily="49" charset="0"/>
+                <a:cs typeface="Courier New" panose="02070309020205020404" pitchFamily="49" charset="0"/>
+              </a:rPr>
+              <a:t>    line = input()</a:t>
+            </a:r>
+          </a:p>
+          <a:p>
+            <a:r>
+              <a:rPr lang="en-US" dirty="0">
+                <a:latin typeface="Courier New" panose="02070309020205020404" pitchFamily="49" charset="0"/>
+                <a:cs typeface="Courier New" panose="02070309020205020404" pitchFamily="49" charset="0"/>
+              </a:rPr>
+              <a:t>    line = </a:t>
+            </a:r>
+            <a:r>
+              <a:rPr lang="en-US" dirty="0" err="1">
+                <a:latin typeface="Courier New" panose="02070309020205020404" pitchFamily="49" charset="0"/>
+                <a:cs typeface="Courier New" panose="02070309020205020404" pitchFamily="49" charset="0"/>
+              </a:rPr>
+              <a:t>line.strip</a:t>
+            </a:r>
+            <a:r>
+              <a:rPr lang="en-US" dirty="0">
+                <a:latin typeface="Courier New" panose="02070309020205020404" pitchFamily="49" charset="0"/>
+                <a:cs typeface="Courier New" panose="02070309020205020404" pitchFamily="49" charset="0"/>
+              </a:rPr>
+              <a:t>()</a:t>
+            </a:r>
+          </a:p>
+          <a:p>
+            <a:r>
+              <a:rPr lang="en-US" dirty="0">
+                <a:latin typeface="Courier New" panose="02070309020205020404" pitchFamily="49" charset="0"/>
+                <a:cs typeface="Courier New" panose="02070309020205020404" pitchFamily="49" charset="0"/>
+              </a:rPr>
+              <a:t>    if line == "done" : break</a:t>
+            </a:r>
+          </a:p>
+          <a:p>
+            <a:r>
+              <a:rPr lang="en-US" dirty="0">
+                <a:latin typeface="Courier New" panose="02070309020205020404" pitchFamily="49" charset="0"/>
+                <a:cs typeface="Courier New" panose="02070309020205020404" pitchFamily="49" charset="0"/>
+              </a:rPr>
+              <a:t>    </a:t>
+            </a:r>
+            <a:r>
+              <a:rPr lang="en-US" dirty="0" err="1">
+                <a:latin typeface="Courier New" panose="02070309020205020404" pitchFamily="49" charset="0"/>
+                <a:cs typeface="Courier New" panose="02070309020205020404" pitchFamily="49" charset="0"/>
+              </a:rPr>
+              <a:t>ival</a:t>
+            </a:r>
+            <a:r>
+              <a:rPr lang="en-US" dirty="0">
+                <a:latin typeface="Courier New" panose="02070309020205020404" pitchFamily="49" charset="0"/>
+                <a:cs typeface="Courier New" panose="02070309020205020404" pitchFamily="49" charset="0"/>
+              </a:rPr>
+              <a:t> = int(line)</a:t>
+            </a:r>
+          </a:p>
+          <a:p>
+            <a:r>
+              <a:rPr lang="en-US" dirty="0">
+                <a:latin typeface="Courier New" panose="02070309020205020404" pitchFamily="49" charset="0"/>
+                <a:cs typeface="Courier New" panose="02070309020205020404" pitchFamily="49" charset="0"/>
+              </a:rPr>
+              <a:t>    if ( </a:t>
+            </a:r>
+            <a:r>
+              <a:rPr lang="en-US" dirty="0" err="1">
+                <a:latin typeface="Courier New" panose="02070309020205020404" pitchFamily="49" charset="0"/>
+                <a:cs typeface="Courier New" panose="02070309020205020404" pitchFamily="49" charset="0"/>
+              </a:rPr>
+              <a:t>maxval</a:t>
+            </a:r>
+            <a:r>
+              <a:rPr lang="en-US" dirty="0">
+                <a:latin typeface="Courier New" panose="02070309020205020404" pitchFamily="49" charset="0"/>
+                <a:cs typeface="Courier New" panose="02070309020205020404" pitchFamily="49" charset="0"/>
+              </a:rPr>
+              <a:t> is None or </a:t>
+            </a:r>
+            <a:r>
+              <a:rPr lang="en-US" dirty="0" err="1">
+                <a:latin typeface="Courier New" panose="02070309020205020404" pitchFamily="49" charset="0"/>
+                <a:cs typeface="Courier New" panose="02070309020205020404" pitchFamily="49" charset="0"/>
+              </a:rPr>
+              <a:t>ival</a:t>
+            </a:r>
+            <a:r>
+              <a:rPr lang="en-US" dirty="0">
+                <a:latin typeface="Courier New" panose="02070309020205020404" pitchFamily="49" charset="0"/>
+                <a:cs typeface="Courier New" panose="02070309020205020404" pitchFamily="49" charset="0"/>
+              </a:rPr>
+              <a:t> &gt; </a:t>
+            </a:r>
+            <a:r>
+              <a:rPr lang="en-US" dirty="0" err="1">
+                <a:latin typeface="Courier New" panose="02070309020205020404" pitchFamily="49" charset="0"/>
+                <a:cs typeface="Courier New" panose="02070309020205020404" pitchFamily="49" charset="0"/>
+              </a:rPr>
+              <a:t>maxval</a:t>
+            </a:r>
+            <a:r>
+              <a:rPr lang="en-US" dirty="0">
+                <a:latin typeface="Courier New" panose="02070309020205020404" pitchFamily="49" charset="0"/>
+                <a:cs typeface="Courier New" panose="02070309020205020404" pitchFamily="49" charset="0"/>
+              </a:rPr>
+              <a:t>) :</a:t>
+            </a:r>
+          </a:p>
+          <a:p>
+            <a:r>
+              <a:rPr lang="en-US" dirty="0">
+                <a:latin typeface="Courier New" panose="02070309020205020404" pitchFamily="49" charset="0"/>
+                <a:cs typeface="Courier New" panose="02070309020205020404" pitchFamily="49" charset="0"/>
+              </a:rPr>
+              <a:t>        </a:t>
+            </a:r>
+            <a:r>
+              <a:rPr lang="en-US" dirty="0" err="1">
+                <a:latin typeface="Courier New" panose="02070309020205020404" pitchFamily="49" charset="0"/>
+                <a:cs typeface="Courier New" panose="02070309020205020404" pitchFamily="49" charset="0"/>
+              </a:rPr>
+              <a:t>maxval</a:t>
+            </a:r>
+            <a:r>
+              <a:rPr lang="en-US" dirty="0">
+                <a:latin typeface="Courier New" panose="02070309020205020404" pitchFamily="49" charset="0"/>
+                <a:cs typeface="Courier New" panose="02070309020205020404" pitchFamily="49" charset="0"/>
+              </a:rPr>
+              <a:t> = </a:t>
+            </a:r>
+            <a:r>
+              <a:rPr lang="en-US" dirty="0" err="1">
+                <a:latin typeface="Courier New" panose="02070309020205020404" pitchFamily="49" charset="0"/>
+                <a:cs typeface="Courier New" panose="02070309020205020404" pitchFamily="49" charset="0"/>
+              </a:rPr>
+              <a:t>ival</a:t>
+            </a:r>
+            <a:endParaRPr lang="en-US" dirty="0">
+              <a:latin typeface="Courier New" panose="02070309020205020404" pitchFamily="49" charset="0"/>
+              <a:cs typeface="Courier New" panose="02070309020205020404" pitchFamily="49" charset="0"/>
+            </a:endParaRPr>
+          </a:p>
+          <a:p>
+            <a:r>
+              <a:rPr lang="en-US" dirty="0">
+                <a:latin typeface="Courier New" panose="02070309020205020404" pitchFamily="49" charset="0"/>
+                <a:cs typeface="Courier New" panose="02070309020205020404" pitchFamily="49" charset="0"/>
+              </a:rPr>
+              <a:t>    if ( </a:t>
+            </a:r>
+            <a:r>
+              <a:rPr lang="en-US" dirty="0" err="1">
+                <a:latin typeface="Courier New" panose="02070309020205020404" pitchFamily="49" charset="0"/>
+                <a:cs typeface="Courier New" panose="02070309020205020404" pitchFamily="49" charset="0"/>
+              </a:rPr>
+              <a:t>minval</a:t>
+            </a:r>
+            <a:r>
+              <a:rPr lang="en-US" dirty="0">
+                <a:latin typeface="Courier New" panose="02070309020205020404" pitchFamily="49" charset="0"/>
+                <a:cs typeface="Courier New" panose="02070309020205020404" pitchFamily="49" charset="0"/>
+              </a:rPr>
+              <a:t> is None or </a:t>
+            </a:r>
+            <a:r>
+              <a:rPr lang="en-US" dirty="0" err="1">
+                <a:latin typeface="Courier New" panose="02070309020205020404" pitchFamily="49" charset="0"/>
+                <a:cs typeface="Courier New" panose="02070309020205020404" pitchFamily="49" charset="0"/>
+              </a:rPr>
+              <a:t>ival</a:t>
+            </a:r>
+            <a:r>
+              <a:rPr lang="en-US" dirty="0">
+                <a:latin typeface="Courier New" panose="02070309020205020404" pitchFamily="49" charset="0"/>
+                <a:cs typeface="Courier New" panose="02070309020205020404" pitchFamily="49" charset="0"/>
+              </a:rPr>
+              <a:t> &lt; </a:t>
+            </a:r>
+            <a:r>
+              <a:rPr lang="en-US" dirty="0" err="1">
+                <a:latin typeface="Courier New" panose="02070309020205020404" pitchFamily="49" charset="0"/>
+                <a:cs typeface="Courier New" panose="02070309020205020404" pitchFamily="49" charset="0"/>
+              </a:rPr>
+              <a:t>minval</a:t>
+            </a:r>
+            <a:r>
+              <a:rPr lang="en-US" dirty="0">
+                <a:latin typeface="Courier New" panose="02070309020205020404" pitchFamily="49" charset="0"/>
+                <a:cs typeface="Courier New" panose="02070309020205020404" pitchFamily="49" charset="0"/>
+              </a:rPr>
+              <a:t>) :</a:t>
+            </a:r>
+          </a:p>
+          <a:p>
+            <a:r>
+              <a:rPr lang="en-US" dirty="0">
+                <a:latin typeface="Courier New" panose="02070309020205020404" pitchFamily="49" charset="0"/>
+                <a:cs typeface="Courier New" panose="02070309020205020404" pitchFamily="49" charset="0"/>
+              </a:rPr>
+              <a:t>        </a:t>
+            </a:r>
+            <a:r>
+              <a:rPr lang="en-US" dirty="0" err="1">
+                <a:latin typeface="Courier New" panose="02070309020205020404" pitchFamily="49" charset="0"/>
+                <a:cs typeface="Courier New" panose="02070309020205020404" pitchFamily="49" charset="0"/>
+              </a:rPr>
+              <a:t>minval</a:t>
+            </a:r>
+            <a:r>
+              <a:rPr lang="en-US" dirty="0">
+                <a:latin typeface="Courier New" panose="02070309020205020404" pitchFamily="49" charset="0"/>
+                <a:cs typeface="Courier New" panose="02070309020205020404" pitchFamily="49" charset="0"/>
+              </a:rPr>
+              <a:t> = </a:t>
+            </a:r>
+            <a:r>
+              <a:rPr lang="en-US" dirty="0" err="1">
+                <a:latin typeface="Courier New" panose="02070309020205020404" pitchFamily="49" charset="0"/>
+                <a:cs typeface="Courier New" panose="02070309020205020404" pitchFamily="49" charset="0"/>
+              </a:rPr>
+              <a:t>ival</a:t>
+            </a:r>
+            <a:endParaRPr lang="en-US" dirty="0">
+              <a:latin typeface="Courier New" panose="02070309020205020404" pitchFamily="49" charset="0"/>
+              <a:cs typeface="Courier New" panose="02070309020205020404" pitchFamily="49" charset="0"/>
+            </a:endParaRPr>
+          </a:p>
+          <a:p>
+            <a:r>
+              <a:rPr lang="en-US" dirty="0">
+                <a:latin typeface="Courier New" panose="02070309020205020404" pitchFamily="49" charset="0"/>
+                <a:cs typeface="Courier New" panose="02070309020205020404" pitchFamily="49" charset="0"/>
+              </a:rPr>
+              <a:t>        </a:t>
+            </a:r>
+          </a:p>
+          <a:p>
+            <a:r>
+              <a:rPr lang="en-US" dirty="0">
+                <a:latin typeface="Courier New" panose="02070309020205020404" pitchFamily="49" charset="0"/>
+                <a:cs typeface="Courier New" panose="02070309020205020404" pitchFamily="49" charset="0"/>
+              </a:rPr>
+              <a:t>print('Maximum', </a:t>
+            </a:r>
+            <a:r>
+              <a:rPr lang="en-US" dirty="0" err="1">
+                <a:latin typeface="Courier New" panose="02070309020205020404" pitchFamily="49" charset="0"/>
+                <a:cs typeface="Courier New" panose="02070309020205020404" pitchFamily="49" charset="0"/>
+              </a:rPr>
+              <a:t>maxval</a:t>
+            </a:r>
+            <a:r>
+              <a:rPr lang="en-US" dirty="0">
+                <a:latin typeface="Courier New" panose="02070309020205020404" pitchFamily="49" charset="0"/>
+                <a:cs typeface="Courier New" panose="02070309020205020404" pitchFamily="49" charset="0"/>
+              </a:rPr>
+              <a:t>)</a:t>
+            </a:r>
+          </a:p>
+          <a:p>
+            <a:r>
+              <a:rPr lang="en-US" dirty="0">
+                <a:latin typeface="Courier New" panose="02070309020205020404" pitchFamily="49" charset="0"/>
+                <a:cs typeface="Courier New" panose="02070309020205020404" pitchFamily="49" charset="0"/>
+              </a:rPr>
+              <a:t>print('Minimum', </a:t>
+            </a:r>
+            <a:r>
+              <a:rPr lang="en-US" dirty="0" err="1">
+                <a:latin typeface="Courier New" panose="02070309020205020404" pitchFamily="49" charset="0"/>
+                <a:cs typeface="Courier New" panose="02070309020205020404" pitchFamily="49" charset="0"/>
+              </a:rPr>
+              <a:t>minval</a:t>
+            </a:r>
+            <a:r>
+              <a:rPr lang="en-US" dirty="0">
+                <a:latin typeface="Courier New" panose="02070309020205020404" pitchFamily="49" charset="0"/>
+                <a:cs typeface="Courier New" panose="02070309020205020404" pitchFamily="49" charset="0"/>
+              </a:rPr>
+              <a:t>)</a:t>
+            </a:r>
+          </a:p>
+        </p:txBody>
+      </p:sp>
+      <p:sp>
+        <p:nvSpPr>
+          <p:cNvPr id="7" name="TextBox 6">
+            <a:extLst>
+              <a:ext uri="{FF2B5EF4-FFF2-40B4-BE49-F238E27FC236}">
+                <a16:creationId xmlns:a16="http://schemas.microsoft.com/office/drawing/2014/main" id="{03B4458A-37BA-02AB-CE8C-B288D36FE6BF}"/>
+              </a:ext>
+            </a:extLst>
+          </p:cNvPr>
+          <p:cNvSpPr txBox="1"/>
+          <p:nvPr/>
+        </p:nvSpPr>
+        <p:spPr>
+          <a:xfrm>
+            <a:off x="8775195" y="2885890"/>
+            <a:ext cx="1425390" cy="1754326"/>
+          </a:xfrm>
+          <a:prstGeom prst="rect">
+            <a:avLst/>
+          </a:prstGeom>
+          <a:noFill/>
+        </p:spPr>
+        <p:txBody>
+          <a:bodyPr wrap="none" rtlCol="0">
+            <a:spAutoFit/>
+          </a:bodyPr>
+          <a:lstStyle/>
+          <a:p>
+            <a:r>
+              <a:rPr lang="en-US" dirty="0">
+                <a:latin typeface="Monaco" pitchFamily="2" charset="77"/>
+              </a:rPr>
+              <a:t>5</a:t>
+            </a:r>
+          </a:p>
+          <a:p>
+            <a:r>
+              <a:rPr lang="en-US" dirty="0">
+                <a:latin typeface="Monaco" pitchFamily="2" charset="77"/>
+              </a:rPr>
+              <a:t>2</a:t>
+            </a:r>
+          </a:p>
+          <a:p>
+            <a:r>
+              <a:rPr lang="en-US" dirty="0">
+                <a:latin typeface="Monaco" pitchFamily="2" charset="77"/>
+              </a:rPr>
+              <a:t>9</a:t>
+            </a:r>
+          </a:p>
+          <a:p>
+            <a:r>
+              <a:rPr lang="en-US" dirty="0">
+                <a:latin typeface="Monaco" pitchFamily="2" charset="77"/>
+              </a:rPr>
+              <a:t>done</a:t>
+            </a:r>
+          </a:p>
+          <a:p>
+            <a:r>
+              <a:rPr lang="en-US" dirty="0">
+                <a:latin typeface="Monaco" pitchFamily="2" charset="77"/>
+              </a:rPr>
+              <a:t>Maximum 9</a:t>
+            </a:r>
+          </a:p>
+          <a:p>
+            <a:r>
+              <a:rPr lang="en-US" dirty="0">
+                <a:latin typeface="Monaco" pitchFamily="2" charset="77"/>
+              </a:rPr>
+              <a:t>Minimum 2</a:t>
+            </a:r>
+          </a:p>
+        </p:txBody>
+      </p:sp>
+    </p:spTree>
+    <p:extLst>
+      <p:ext uri="{BB962C8B-B14F-4D97-AF65-F5344CB8AC3E}">
+        <p14:creationId xmlns:p14="http://schemas.microsoft.com/office/powerpoint/2010/main" val="1387947297"/>
+      </p:ext>
+    </p:extLst>
+  </p:cSld>
+  <p:clrMapOvr>
+    <a:masterClrMapping/>
+  </p:clrMapOvr>
+</p:sld>
+</file>
+
+<file path=ppt/slides/slide15.xml><?xml version="1.0" encoding="utf-8"?>
+<p:sld xmlns:a="http://schemas.openxmlformats.org/drawingml/2006/main" xmlns:r="http://schemas.openxmlformats.org/officeDocument/2006/relationships" xmlns:p="http://schemas.openxmlformats.org/presentationml/2006/main">
+  <p:cSld>
+    <p:spTree>
+      <p:nvGrpSpPr>
+        <p:cNvPr id="1" name=""/>
+        <p:cNvGrpSpPr/>
+        <p:nvPr/>
+      </p:nvGrpSpPr>
+      <p:grpSpPr>
+        <a:xfrm>
+          <a:off x="0" y="0"/>
+          <a:ext cx="0" cy="0"/>
+          <a:chOff x="0" y="0"/>
+          <a:chExt cx="0" cy="0"/>
+        </a:xfrm>
+      </p:grpSpPr>
+      <p:sp>
+        <p:nvSpPr>
+          <p:cNvPr id="4" name="Title 3">
+            <a:extLst>
+              <a:ext uri="{FF2B5EF4-FFF2-40B4-BE49-F238E27FC236}">
+                <a16:creationId xmlns:a16="http://schemas.microsoft.com/office/drawing/2014/main" id="{C2B508E1-B5B9-9A0B-37F0-15F2BB303BFA}"/>
+              </a:ext>
+            </a:extLst>
+          </p:cNvPr>
+          <p:cNvSpPr>
+            <a:spLocks noGrp="1"/>
+          </p:cNvSpPr>
+          <p:nvPr>
+            <p:ph type="title"/>
+          </p:nvPr>
+        </p:nvSpPr>
+        <p:spPr/>
+        <p:txBody>
+          <a:bodyPr/>
+          <a:lstStyle/>
+          <a:p>
+            <a:r>
+              <a:rPr lang="en-US" dirty="0"/>
+              <a:t>Max / Min</a:t>
+            </a:r>
+          </a:p>
+        </p:txBody>
+      </p:sp>
+      <p:sp>
+        <p:nvSpPr>
+          <p:cNvPr id="5" name="TextBox 4">
+            <a:extLst>
+              <a:ext uri="{FF2B5EF4-FFF2-40B4-BE49-F238E27FC236}">
+                <a16:creationId xmlns:a16="http://schemas.microsoft.com/office/drawing/2014/main" id="{FDC36094-8775-EBE3-1FED-6DF8907EC500}"/>
+              </a:ext>
+            </a:extLst>
+          </p:cNvPr>
+          <p:cNvSpPr txBox="1"/>
+          <p:nvPr/>
+        </p:nvSpPr>
+        <p:spPr>
+          <a:xfrm>
+            <a:off x="5895945" y="365125"/>
+            <a:ext cx="5862502" cy="6186309"/>
+          </a:xfrm>
+          <a:prstGeom prst="rect">
+            <a:avLst/>
+          </a:prstGeom>
+          <a:noFill/>
+        </p:spPr>
+        <p:txBody>
+          <a:bodyPr wrap="none" rtlCol="0">
+            <a:spAutoFit/>
+          </a:bodyPr>
+          <a:lstStyle/>
+          <a:p>
+            <a:r>
+              <a:rPr lang="en-US" sz="1600" dirty="0">
+                <a:latin typeface="Courier New" panose="02070309020205020404" pitchFamily="49" charset="0"/>
+                <a:cs typeface="Courier New" panose="02070309020205020404" pitchFamily="49" charset="0"/>
+              </a:rPr>
+              <a:t>#include &lt;</a:t>
+            </a:r>
+            <a:r>
+              <a:rPr lang="en-US" sz="1600" dirty="0" err="1">
+                <a:latin typeface="Courier New" panose="02070309020205020404" pitchFamily="49" charset="0"/>
+                <a:cs typeface="Courier New" panose="02070309020205020404" pitchFamily="49" charset="0"/>
+              </a:rPr>
+              <a:t>stdio.h</a:t>
+            </a:r>
+            <a:r>
+              <a:rPr lang="en-US" sz="1600" dirty="0">
+                <a:latin typeface="Courier New" panose="02070309020205020404" pitchFamily="49" charset="0"/>
+                <a:cs typeface="Courier New" panose="02070309020205020404" pitchFamily="49" charset="0"/>
+              </a:rPr>
+              <a:t>&gt;</a:t>
+            </a:r>
+          </a:p>
+          <a:p>
+            <a:r>
+              <a:rPr lang="en-US" sz="1600" dirty="0">
+                <a:latin typeface="Courier New" panose="02070309020205020404" pitchFamily="49" charset="0"/>
+                <a:cs typeface="Courier New" panose="02070309020205020404" pitchFamily="49" charset="0"/>
+              </a:rPr>
+              <a:t>#include &lt;</a:t>
+            </a:r>
+            <a:r>
+              <a:rPr lang="en-US" sz="1600" dirty="0" err="1">
+                <a:latin typeface="Courier New" panose="02070309020205020404" pitchFamily="49" charset="0"/>
+                <a:cs typeface="Courier New" panose="02070309020205020404" pitchFamily="49" charset="0"/>
+              </a:rPr>
+              <a:t>stdlib.h</a:t>
+            </a:r>
+            <a:r>
+              <a:rPr lang="en-US" sz="1600" dirty="0">
+                <a:latin typeface="Courier New" panose="02070309020205020404" pitchFamily="49" charset="0"/>
+                <a:cs typeface="Courier New" panose="02070309020205020404" pitchFamily="49" charset="0"/>
+              </a:rPr>
+              <a:t>&gt;</a:t>
+            </a:r>
+          </a:p>
+          <a:p>
+            <a:r>
+              <a:rPr lang="en-US" sz="1600" dirty="0">
+                <a:latin typeface="Courier New" panose="02070309020205020404" pitchFamily="49" charset="0"/>
+                <a:cs typeface="Courier New" panose="02070309020205020404" pitchFamily="49" charset="0"/>
+              </a:rPr>
+              <a:t>#include &lt;</a:t>
+            </a:r>
+            <a:r>
+              <a:rPr lang="en-US" sz="1600" dirty="0" err="1">
+                <a:latin typeface="Courier New" panose="02070309020205020404" pitchFamily="49" charset="0"/>
+                <a:cs typeface="Courier New" panose="02070309020205020404" pitchFamily="49" charset="0"/>
+              </a:rPr>
+              <a:t>string.h</a:t>
+            </a:r>
+            <a:r>
+              <a:rPr lang="en-US" sz="1600" dirty="0">
+                <a:latin typeface="Courier New" panose="02070309020205020404" pitchFamily="49" charset="0"/>
+                <a:cs typeface="Courier New" panose="02070309020205020404" pitchFamily="49" charset="0"/>
+              </a:rPr>
+              <a:t>&gt;</a:t>
+            </a:r>
+          </a:p>
+          <a:p>
+            <a:r>
+              <a:rPr lang="en-US" sz="1600" dirty="0">
+                <a:latin typeface="Courier New" panose="02070309020205020404" pitchFamily="49" charset="0"/>
+                <a:cs typeface="Courier New" panose="02070309020205020404" pitchFamily="49" charset="0"/>
+              </a:rPr>
+              <a:t>int main() {</a:t>
+            </a:r>
+          </a:p>
+          <a:p>
+            <a:r>
+              <a:rPr lang="en-US" sz="1600" dirty="0">
+                <a:latin typeface="Courier New" panose="02070309020205020404" pitchFamily="49" charset="0"/>
+                <a:cs typeface="Courier New" panose="02070309020205020404" pitchFamily="49" charset="0"/>
+              </a:rPr>
+              <a:t>    int first = 1;</a:t>
+            </a:r>
+          </a:p>
+          <a:p>
+            <a:r>
+              <a:rPr lang="en-US" sz="1600" dirty="0">
+                <a:latin typeface="Courier New" panose="02070309020205020404" pitchFamily="49" charset="0"/>
+                <a:cs typeface="Courier New" panose="02070309020205020404" pitchFamily="49" charset="0"/>
+              </a:rPr>
+              <a:t>    int </a:t>
+            </a:r>
+            <a:r>
+              <a:rPr lang="en-US" sz="1600" dirty="0" err="1">
+                <a:latin typeface="Courier New" panose="02070309020205020404" pitchFamily="49" charset="0"/>
+                <a:cs typeface="Courier New" panose="02070309020205020404" pitchFamily="49" charset="0"/>
+              </a:rPr>
+              <a:t>val</a:t>
+            </a:r>
+            <a:r>
+              <a:rPr lang="en-US" sz="1600" dirty="0">
+                <a:latin typeface="Courier New" panose="02070309020205020404" pitchFamily="49" charset="0"/>
+                <a:cs typeface="Courier New" panose="02070309020205020404" pitchFamily="49" charset="0"/>
+              </a:rPr>
+              <a:t>, </a:t>
+            </a:r>
+            <a:r>
+              <a:rPr lang="en-US" sz="1600" dirty="0" err="1">
+                <a:latin typeface="Courier New" panose="02070309020205020404" pitchFamily="49" charset="0"/>
+                <a:cs typeface="Courier New" panose="02070309020205020404" pitchFamily="49" charset="0"/>
+              </a:rPr>
+              <a:t>maxval</a:t>
+            </a:r>
+            <a:r>
+              <a:rPr lang="en-US" sz="1600" dirty="0">
+                <a:latin typeface="Courier New" panose="02070309020205020404" pitchFamily="49" charset="0"/>
+                <a:cs typeface="Courier New" panose="02070309020205020404" pitchFamily="49" charset="0"/>
+              </a:rPr>
+              <a:t>, </a:t>
+            </a:r>
+            <a:r>
+              <a:rPr lang="en-US" sz="1600" dirty="0" err="1">
+                <a:latin typeface="Courier New" panose="02070309020205020404" pitchFamily="49" charset="0"/>
+                <a:cs typeface="Courier New" panose="02070309020205020404" pitchFamily="49" charset="0"/>
+              </a:rPr>
+              <a:t>minval</a:t>
+            </a:r>
+            <a:r>
+              <a:rPr lang="en-US" sz="1600" dirty="0">
+                <a:latin typeface="Courier New" panose="02070309020205020404" pitchFamily="49" charset="0"/>
+                <a:cs typeface="Courier New" panose="02070309020205020404" pitchFamily="49" charset="0"/>
+              </a:rPr>
+              <a:t>;</a:t>
+            </a:r>
+          </a:p>
+          <a:p>
+            <a:r>
+              <a:rPr lang="en-US" sz="1600" dirty="0">
+                <a:latin typeface="Courier New" panose="02070309020205020404" pitchFamily="49" charset="0"/>
+                <a:cs typeface="Courier New" panose="02070309020205020404" pitchFamily="49" charset="0"/>
+              </a:rPr>
+              <a:t>    char line[1000];</a:t>
+            </a:r>
+          </a:p>
+          <a:p>
+            <a:endParaRPr lang="en-US" sz="1600" dirty="0">
+              <a:latin typeface="Courier New" panose="02070309020205020404" pitchFamily="49" charset="0"/>
+              <a:cs typeface="Courier New" panose="02070309020205020404" pitchFamily="49" charset="0"/>
+            </a:endParaRPr>
+          </a:p>
+          <a:p>
+            <a:r>
+              <a:rPr lang="en-US" sz="1600" dirty="0">
+                <a:latin typeface="Courier New" panose="02070309020205020404" pitchFamily="49" charset="0"/>
+                <a:cs typeface="Courier New" panose="02070309020205020404" pitchFamily="49" charset="0"/>
+              </a:rPr>
+              <a:t>    while(gets(line) != NULL ) {</a:t>
+            </a:r>
+          </a:p>
+          <a:p>
+            <a:r>
+              <a:rPr lang="en-US" sz="1600" dirty="0">
+                <a:latin typeface="Courier New" panose="02070309020205020404" pitchFamily="49" charset="0"/>
+                <a:cs typeface="Courier New" panose="02070309020205020404" pitchFamily="49" charset="0"/>
+              </a:rPr>
+              <a:t>        if ( </a:t>
+            </a:r>
+            <a:r>
+              <a:rPr lang="en-US" sz="1600" dirty="0" err="1">
+                <a:latin typeface="Courier New" panose="02070309020205020404" pitchFamily="49" charset="0"/>
+                <a:cs typeface="Courier New" panose="02070309020205020404" pitchFamily="49" charset="0"/>
+              </a:rPr>
+              <a:t>strcmp</a:t>
+            </a:r>
+            <a:r>
+              <a:rPr lang="en-US" sz="1600" dirty="0">
+                <a:latin typeface="Courier New" panose="02070309020205020404" pitchFamily="49" charset="0"/>
+                <a:cs typeface="Courier New" panose="02070309020205020404" pitchFamily="49" charset="0"/>
+              </a:rPr>
+              <a:t>(</a:t>
+            </a:r>
+            <a:r>
+              <a:rPr lang="en-US" sz="1600" dirty="0" err="1">
+                <a:latin typeface="Courier New" panose="02070309020205020404" pitchFamily="49" charset="0"/>
+                <a:cs typeface="Courier New" panose="02070309020205020404" pitchFamily="49" charset="0"/>
+              </a:rPr>
+              <a:t>line,"done</a:t>
+            </a:r>
+            <a:r>
+              <a:rPr lang="en-US" sz="1600" dirty="0">
+                <a:latin typeface="Courier New" panose="02070309020205020404" pitchFamily="49" charset="0"/>
+                <a:cs typeface="Courier New" panose="02070309020205020404" pitchFamily="49" charset="0"/>
+              </a:rPr>
+              <a:t>") == 0 ) break;</a:t>
+            </a:r>
+          </a:p>
+          <a:p>
+            <a:r>
+              <a:rPr lang="en-US" sz="1600" dirty="0">
+                <a:latin typeface="Courier New" panose="02070309020205020404" pitchFamily="49" charset="0"/>
+                <a:cs typeface="Courier New" panose="02070309020205020404" pitchFamily="49" charset="0"/>
+              </a:rPr>
+              <a:t>        </a:t>
+            </a:r>
+            <a:r>
+              <a:rPr lang="en-US" sz="1600" dirty="0" err="1">
+                <a:latin typeface="Courier New" panose="02070309020205020404" pitchFamily="49" charset="0"/>
+                <a:cs typeface="Courier New" panose="02070309020205020404" pitchFamily="49" charset="0"/>
+              </a:rPr>
+              <a:t>val</a:t>
+            </a:r>
+            <a:r>
+              <a:rPr lang="en-US" sz="1600" dirty="0">
+                <a:latin typeface="Courier New" panose="02070309020205020404" pitchFamily="49" charset="0"/>
+                <a:cs typeface="Courier New" panose="02070309020205020404" pitchFamily="49" charset="0"/>
+              </a:rPr>
+              <a:t> = </a:t>
+            </a:r>
+            <a:r>
+              <a:rPr lang="en-US" sz="1600" dirty="0" err="1">
+                <a:latin typeface="Courier New" panose="02070309020205020404" pitchFamily="49" charset="0"/>
+                <a:cs typeface="Courier New" panose="02070309020205020404" pitchFamily="49" charset="0"/>
+              </a:rPr>
+              <a:t>atoi</a:t>
+            </a:r>
+            <a:r>
+              <a:rPr lang="en-US" sz="1600" dirty="0">
+                <a:latin typeface="Courier New" panose="02070309020205020404" pitchFamily="49" charset="0"/>
+                <a:cs typeface="Courier New" panose="02070309020205020404" pitchFamily="49" charset="0"/>
+              </a:rPr>
+              <a:t>(line);</a:t>
+            </a:r>
+          </a:p>
+          <a:p>
+            <a:r>
+              <a:rPr lang="en-US" sz="1600" dirty="0">
+                <a:latin typeface="Courier New" panose="02070309020205020404" pitchFamily="49" charset="0"/>
+                <a:cs typeface="Courier New" panose="02070309020205020404" pitchFamily="49" charset="0"/>
+              </a:rPr>
+              <a:t>        if ( first ) {</a:t>
+            </a:r>
+          </a:p>
+          <a:p>
+            <a:r>
+              <a:rPr lang="en-US" sz="1600" dirty="0">
+                <a:latin typeface="Courier New" panose="02070309020205020404" pitchFamily="49" charset="0"/>
+                <a:cs typeface="Courier New" panose="02070309020205020404" pitchFamily="49" charset="0"/>
+              </a:rPr>
+              <a:t>            </a:t>
+            </a:r>
+            <a:r>
+              <a:rPr lang="en-US" sz="1600" dirty="0" err="1">
+                <a:latin typeface="Courier New" panose="02070309020205020404" pitchFamily="49" charset="0"/>
+                <a:cs typeface="Courier New" panose="02070309020205020404" pitchFamily="49" charset="0"/>
+              </a:rPr>
+              <a:t>maxval</a:t>
+            </a:r>
+            <a:r>
+              <a:rPr lang="en-US" sz="1600" dirty="0">
+                <a:latin typeface="Courier New" panose="02070309020205020404" pitchFamily="49" charset="0"/>
+                <a:cs typeface="Courier New" panose="02070309020205020404" pitchFamily="49" charset="0"/>
+              </a:rPr>
+              <a:t> = </a:t>
+            </a:r>
+            <a:r>
+              <a:rPr lang="en-US" sz="1600" dirty="0" err="1">
+                <a:latin typeface="Courier New" panose="02070309020205020404" pitchFamily="49" charset="0"/>
+                <a:cs typeface="Courier New" panose="02070309020205020404" pitchFamily="49" charset="0"/>
+              </a:rPr>
+              <a:t>val</a:t>
+            </a:r>
+            <a:r>
+              <a:rPr lang="en-US" sz="1600" dirty="0">
+                <a:latin typeface="Courier New" panose="02070309020205020404" pitchFamily="49" charset="0"/>
+                <a:cs typeface="Courier New" panose="02070309020205020404" pitchFamily="49" charset="0"/>
+              </a:rPr>
+              <a:t>;</a:t>
+            </a:r>
+          </a:p>
+          <a:p>
+            <a:r>
+              <a:rPr lang="en-US" sz="1600" dirty="0">
+                <a:latin typeface="Courier New" panose="02070309020205020404" pitchFamily="49" charset="0"/>
+                <a:cs typeface="Courier New" panose="02070309020205020404" pitchFamily="49" charset="0"/>
+              </a:rPr>
+              <a:t>            </a:t>
+            </a:r>
+            <a:r>
+              <a:rPr lang="en-US" sz="1600" dirty="0" err="1">
+                <a:latin typeface="Courier New" panose="02070309020205020404" pitchFamily="49" charset="0"/>
+                <a:cs typeface="Courier New" panose="02070309020205020404" pitchFamily="49" charset="0"/>
+              </a:rPr>
+              <a:t>minval</a:t>
+            </a:r>
+            <a:r>
+              <a:rPr lang="en-US" sz="1600" dirty="0">
+                <a:latin typeface="Courier New" panose="02070309020205020404" pitchFamily="49" charset="0"/>
+                <a:cs typeface="Courier New" panose="02070309020205020404" pitchFamily="49" charset="0"/>
+              </a:rPr>
+              <a:t> = </a:t>
+            </a:r>
+            <a:r>
+              <a:rPr lang="en-US" sz="1600" dirty="0" err="1">
+                <a:latin typeface="Courier New" panose="02070309020205020404" pitchFamily="49" charset="0"/>
+                <a:cs typeface="Courier New" panose="02070309020205020404" pitchFamily="49" charset="0"/>
+              </a:rPr>
+              <a:t>val</a:t>
+            </a:r>
+            <a:r>
+              <a:rPr lang="en-US" sz="1600" dirty="0">
+                <a:latin typeface="Courier New" panose="02070309020205020404" pitchFamily="49" charset="0"/>
+                <a:cs typeface="Courier New" panose="02070309020205020404" pitchFamily="49" charset="0"/>
+              </a:rPr>
+              <a:t>;</a:t>
+            </a:r>
+          </a:p>
+          <a:p>
+            <a:r>
+              <a:rPr lang="en-US" sz="1600" dirty="0">
+                <a:latin typeface="Courier New" panose="02070309020205020404" pitchFamily="49" charset="0"/>
+                <a:cs typeface="Courier New" panose="02070309020205020404" pitchFamily="49" charset="0"/>
+              </a:rPr>
+              <a:t>            first = 0;</a:t>
+            </a:r>
+          </a:p>
+          <a:p>
+            <a:r>
+              <a:rPr lang="en-US" sz="1600" dirty="0">
+                <a:latin typeface="Courier New" panose="02070309020205020404" pitchFamily="49" charset="0"/>
+                <a:cs typeface="Courier New" panose="02070309020205020404" pitchFamily="49" charset="0"/>
+              </a:rPr>
+              <a:t>        } else {</a:t>
+            </a:r>
+          </a:p>
+          <a:p>
+            <a:r>
+              <a:rPr lang="en-US" sz="1600" dirty="0">
+                <a:latin typeface="Courier New" panose="02070309020205020404" pitchFamily="49" charset="0"/>
+                <a:cs typeface="Courier New" panose="02070309020205020404" pitchFamily="49" charset="0"/>
+              </a:rPr>
+              <a:t>            if ( </a:t>
+            </a:r>
+            <a:r>
+              <a:rPr lang="en-US" sz="1600" dirty="0" err="1">
+                <a:latin typeface="Courier New" panose="02070309020205020404" pitchFamily="49" charset="0"/>
+                <a:cs typeface="Courier New" panose="02070309020205020404" pitchFamily="49" charset="0"/>
+              </a:rPr>
+              <a:t>val</a:t>
+            </a:r>
+            <a:r>
+              <a:rPr lang="en-US" sz="1600" dirty="0">
+                <a:latin typeface="Courier New" panose="02070309020205020404" pitchFamily="49" charset="0"/>
+                <a:cs typeface="Courier New" panose="02070309020205020404" pitchFamily="49" charset="0"/>
+              </a:rPr>
+              <a:t> &gt; </a:t>
+            </a:r>
+            <a:r>
+              <a:rPr lang="en-US" sz="1600" dirty="0" err="1">
+                <a:latin typeface="Courier New" panose="02070309020205020404" pitchFamily="49" charset="0"/>
+                <a:cs typeface="Courier New" panose="02070309020205020404" pitchFamily="49" charset="0"/>
+              </a:rPr>
+              <a:t>maxval</a:t>
+            </a:r>
+            <a:r>
+              <a:rPr lang="en-US" sz="1600" dirty="0">
+                <a:latin typeface="Courier New" panose="02070309020205020404" pitchFamily="49" charset="0"/>
+                <a:cs typeface="Courier New" panose="02070309020205020404" pitchFamily="49" charset="0"/>
+              </a:rPr>
+              <a:t> ) </a:t>
+            </a:r>
+            <a:r>
+              <a:rPr lang="en-US" sz="1600" dirty="0" err="1">
+                <a:latin typeface="Courier New" panose="02070309020205020404" pitchFamily="49" charset="0"/>
+                <a:cs typeface="Courier New" panose="02070309020205020404" pitchFamily="49" charset="0"/>
+              </a:rPr>
+              <a:t>maxval</a:t>
+            </a:r>
+            <a:r>
+              <a:rPr lang="en-US" sz="1600" dirty="0">
+                <a:latin typeface="Courier New" panose="02070309020205020404" pitchFamily="49" charset="0"/>
+                <a:cs typeface="Courier New" panose="02070309020205020404" pitchFamily="49" charset="0"/>
+              </a:rPr>
+              <a:t> = </a:t>
+            </a:r>
+            <a:r>
+              <a:rPr lang="en-US" sz="1600" dirty="0" err="1">
+                <a:latin typeface="Courier New" panose="02070309020205020404" pitchFamily="49" charset="0"/>
+                <a:cs typeface="Courier New" panose="02070309020205020404" pitchFamily="49" charset="0"/>
+              </a:rPr>
+              <a:t>val</a:t>
+            </a:r>
+            <a:r>
+              <a:rPr lang="en-US" sz="1600" dirty="0">
+                <a:latin typeface="Courier New" panose="02070309020205020404" pitchFamily="49" charset="0"/>
+                <a:cs typeface="Courier New" panose="02070309020205020404" pitchFamily="49" charset="0"/>
+              </a:rPr>
+              <a:t>;</a:t>
+            </a:r>
+          </a:p>
+          <a:p>
+            <a:r>
+              <a:rPr lang="en-US" sz="1600" dirty="0">
+                <a:latin typeface="Courier New" panose="02070309020205020404" pitchFamily="49" charset="0"/>
+                <a:cs typeface="Courier New" panose="02070309020205020404" pitchFamily="49" charset="0"/>
+              </a:rPr>
+              <a:t>            if ( </a:t>
+            </a:r>
+            <a:r>
+              <a:rPr lang="en-US" sz="1600" dirty="0" err="1">
+                <a:latin typeface="Courier New" panose="02070309020205020404" pitchFamily="49" charset="0"/>
+                <a:cs typeface="Courier New" panose="02070309020205020404" pitchFamily="49" charset="0"/>
+              </a:rPr>
+              <a:t>val</a:t>
+            </a:r>
+            <a:r>
+              <a:rPr lang="en-US" sz="1600" dirty="0">
+                <a:latin typeface="Courier New" panose="02070309020205020404" pitchFamily="49" charset="0"/>
+                <a:cs typeface="Courier New" panose="02070309020205020404" pitchFamily="49" charset="0"/>
+              </a:rPr>
+              <a:t> &lt; </a:t>
+            </a:r>
+            <a:r>
+              <a:rPr lang="en-US" sz="1600" dirty="0" err="1">
+                <a:latin typeface="Courier New" panose="02070309020205020404" pitchFamily="49" charset="0"/>
+                <a:cs typeface="Courier New" panose="02070309020205020404" pitchFamily="49" charset="0"/>
+              </a:rPr>
+              <a:t>minval</a:t>
+            </a:r>
+            <a:r>
+              <a:rPr lang="en-US" sz="1600" dirty="0">
+                <a:latin typeface="Courier New" panose="02070309020205020404" pitchFamily="49" charset="0"/>
+                <a:cs typeface="Courier New" panose="02070309020205020404" pitchFamily="49" charset="0"/>
+              </a:rPr>
+              <a:t> ) </a:t>
+            </a:r>
+            <a:r>
+              <a:rPr lang="en-US" sz="1600" dirty="0" err="1">
+                <a:latin typeface="Courier New" panose="02070309020205020404" pitchFamily="49" charset="0"/>
+                <a:cs typeface="Courier New" panose="02070309020205020404" pitchFamily="49" charset="0"/>
+              </a:rPr>
+              <a:t>minval</a:t>
+            </a:r>
+            <a:r>
+              <a:rPr lang="en-US" sz="1600" dirty="0">
+                <a:latin typeface="Courier New" panose="02070309020205020404" pitchFamily="49" charset="0"/>
+                <a:cs typeface="Courier New" panose="02070309020205020404" pitchFamily="49" charset="0"/>
+              </a:rPr>
+              <a:t> = </a:t>
+            </a:r>
+            <a:r>
+              <a:rPr lang="en-US" sz="1600" dirty="0" err="1">
+                <a:latin typeface="Courier New" panose="02070309020205020404" pitchFamily="49" charset="0"/>
+                <a:cs typeface="Courier New" panose="02070309020205020404" pitchFamily="49" charset="0"/>
+              </a:rPr>
+              <a:t>val</a:t>
+            </a:r>
+            <a:r>
+              <a:rPr lang="en-US" sz="1600" dirty="0">
+                <a:latin typeface="Courier New" panose="02070309020205020404" pitchFamily="49" charset="0"/>
+                <a:cs typeface="Courier New" panose="02070309020205020404" pitchFamily="49" charset="0"/>
+              </a:rPr>
+              <a:t>;</a:t>
+            </a:r>
+          </a:p>
+          <a:p>
+            <a:r>
+              <a:rPr lang="en-US" sz="1600" dirty="0">
+                <a:latin typeface="Courier New" panose="02070309020205020404" pitchFamily="49" charset="0"/>
+                <a:cs typeface="Courier New" panose="02070309020205020404" pitchFamily="49" charset="0"/>
+              </a:rPr>
+              <a:t>        }</a:t>
+            </a:r>
+          </a:p>
+          <a:p>
+            <a:r>
+              <a:rPr lang="en-US" sz="1600" dirty="0">
+                <a:latin typeface="Courier New" panose="02070309020205020404" pitchFamily="49" charset="0"/>
+                <a:cs typeface="Courier New" panose="02070309020205020404" pitchFamily="49" charset="0"/>
+              </a:rPr>
+              <a:t>    }</a:t>
+            </a:r>
+          </a:p>
+          <a:p>
+            <a:endParaRPr lang="en-US" sz="1600" dirty="0">
+              <a:latin typeface="Courier New" panose="02070309020205020404" pitchFamily="49" charset="0"/>
+              <a:cs typeface="Courier New" panose="02070309020205020404" pitchFamily="49" charset="0"/>
+            </a:endParaRPr>
+          </a:p>
+          <a:p>
+            <a:r>
+              <a:rPr lang="en-US" sz="1600" dirty="0">
+                <a:latin typeface="Courier New" panose="02070309020205020404" pitchFamily="49" charset="0"/>
+                <a:cs typeface="Courier New" panose="02070309020205020404" pitchFamily="49" charset="0"/>
+              </a:rPr>
+              <a:t>    </a:t>
+            </a:r>
+            <a:r>
+              <a:rPr lang="en-US" sz="1600" dirty="0" err="1">
+                <a:latin typeface="Courier New" panose="02070309020205020404" pitchFamily="49" charset="0"/>
+                <a:cs typeface="Courier New" panose="02070309020205020404" pitchFamily="49" charset="0"/>
+              </a:rPr>
+              <a:t>printf</a:t>
+            </a:r>
+            <a:r>
+              <a:rPr lang="en-US" sz="1600" dirty="0">
+                <a:latin typeface="Courier New" panose="02070309020205020404" pitchFamily="49" charset="0"/>
+                <a:cs typeface="Courier New" panose="02070309020205020404" pitchFamily="49" charset="0"/>
+              </a:rPr>
+              <a:t>("Maximum %d\n", </a:t>
+            </a:r>
+            <a:r>
+              <a:rPr lang="en-US" sz="1600" dirty="0" err="1">
+                <a:latin typeface="Courier New" panose="02070309020205020404" pitchFamily="49" charset="0"/>
+                <a:cs typeface="Courier New" panose="02070309020205020404" pitchFamily="49" charset="0"/>
+              </a:rPr>
+              <a:t>maxval</a:t>
+            </a:r>
+            <a:r>
+              <a:rPr lang="en-US" sz="1600" dirty="0">
+                <a:latin typeface="Courier New" panose="02070309020205020404" pitchFamily="49" charset="0"/>
+                <a:cs typeface="Courier New" panose="02070309020205020404" pitchFamily="49" charset="0"/>
+              </a:rPr>
+              <a:t>);</a:t>
+            </a:r>
+          </a:p>
+          <a:p>
+            <a:r>
+              <a:rPr lang="en-US" sz="1600" dirty="0">
+                <a:latin typeface="Courier New" panose="02070309020205020404" pitchFamily="49" charset="0"/>
+                <a:cs typeface="Courier New" panose="02070309020205020404" pitchFamily="49" charset="0"/>
+              </a:rPr>
+              <a:t>    </a:t>
+            </a:r>
+            <a:r>
+              <a:rPr lang="en-US" sz="1600" dirty="0" err="1">
+                <a:latin typeface="Courier New" panose="02070309020205020404" pitchFamily="49" charset="0"/>
+                <a:cs typeface="Courier New" panose="02070309020205020404" pitchFamily="49" charset="0"/>
+              </a:rPr>
+              <a:t>printf</a:t>
+            </a:r>
+            <a:r>
+              <a:rPr lang="en-US" sz="1600" dirty="0">
+                <a:latin typeface="Courier New" panose="02070309020205020404" pitchFamily="49" charset="0"/>
+                <a:cs typeface="Courier New" panose="02070309020205020404" pitchFamily="49" charset="0"/>
+              </a:rPr>
+              <a:t>("Minimum %d\n", </a:t>
+            </a:r>
+            <a:r>
+              <a:rPr lang="en-US" sz="1600" dirty="0" err="1">
+                <a:latin typeface="Courier New" panose="02070309020205020404" pitchFamily="49" charset="0"/>
+                <a:cs typeface="Courier New" panose="02070309020205020404" pitchFamily="49" charset="0"/>
+              </a:rPr>
+              <a:t>minval</a:t>
+            </a:r>
+            <a:r>
+              <a:rPr lang="en-US" sz="1600" dirty="0">
+                <a:latin typeface="Courier New" panose="02070309020205020404" pitchFamily="49" charset="0"/>
+                <a:cs typeface="Courier New" panose="02070309020205020404" pitchFamily="49" charset="0"/>
+              </a:rPr>
+              <a:t>);</a:t>
+            </a:r>
+          </a:p>
+          <a:p>
+            <a:r>
+              <a:rPr lang="en-US" sz="1600" dirty="0">
+                <a:latin typeface="Courier New" panose="02070309020205020404" pitchFamily="49" charset="0"/>
+                <a:cs typeface="Courier New" panose="02070309020205020404" pitchFamily="49" charset="0"/>
+              </a:rPr>
+              <a:t>}</a:t>
+            </a:r>
+          </a:p>
+        </p:txBody>
+      </p:sp>
+      <p:sp>
+        <p:nvSpPr>
+          <p:cNvPr id="7" name="TextBox 6">
+            <a:extLst>
+              <a:ext uri="{FF2B5EF4-FFF2-40B4-BE49-F238E27FC236}">
+                <a16:creationId xmlns:a16="http://schemas.microsoft.com/office/drawing/2014/main" id="{03B4458A-37BA-02AB-CE8C-B288D36FE6BF}"/>
+              </a:ext>
+            </a:extLst>
+          </p:cNvPr>
+          <p:cNvSpPr txBox="1"/>
+          <p:nvPr/>
+        </p:nvSpPr>
+        <p:spPr>
+          <a:xfrm>
+            <a:off x="1086295" y="2534055"/>
+            <a:ext cx="5009705" cy="2308324"/>
+          </a:xfrm>
+          <a:prstGeom prst="rect">
+            <a:avLst/>
+          </a:prstGeom>
+          <a:noFill/>
+        </p:spPr>
+        <p:txBody>
+          <a:bodyPr wrap="none" rtlCol="0">
+            <a:spAutoFit/>
+          </a:bodyPr>
+          <a:lstStyle/>
+          <a:p>
+            <a:r>
+              <a:rPr lang="en-US" dirty="0">
+                <a:latin typeface="Monaco" pitchFamily="2" charset="77"/>
+              </a:rPr>
+              <a:t>warning: this program uses gets(), </a:t>
+            </a:r>
+          </a:p>
+          <a:p>
+            <a:r>
+              <a:rPr lang="en-US" dirty="0">
+                <a:latin typeface="Monaco" pitchFamily="2" charset="77"/>
+              </a:rPr>
+              <a:t>  which is unsafe.</a:t>
+            </a:r>
+          </a:p>
+          <a:p>
+            <a:r>
+              <a:rPr lang="en-US" dirty="0">
+                <a:latin typeface="Monaco" pitchFamily="2" charset="77"/>
+              </a:rPr>
+              <a:t>5</a:t>
+            </a:r>
+          </a:p>
+          <a:p>
+            <a:r>
+              <a:rPr lang="en-US" dirty="0">
+                <a:latin typeface="Monaco" pitchFamily="2" charset="77"/>
+              </a:rPr>
+              <a:t>2</a:t>
+            </a:r>
+          </a:p>
+          <a:p>
+            <a:r>
+              <a:rPr lang="en-US" dirty="0">
+                <a:latin typeface="Monaco" pitchFamily="2" charset="77"/>
+              </a:rPr>
+              <a:t>9</a:t>
+            </a:r>
+          </a:p>
+          <a:p>
+            <a:r>
+              <a:rPr lang="en-US" dirty="0">
+                <a:latin typeface="Monaco" pitchFamily="2" charset="77"/>
+              </a:rPr>
+              <a:t>done</a:t>
+            </a:r>
+          </a:p>
+          <a:p>
+            <a:r>
+              <a:rPr lang="en-US" dirty="0">
+                <a:latin typeface="Monaco" pitchFamily="2" charset="77"/>
+              </a:rPr>
+              <a:t>Maximum 9</a:t>
+            </a:r>
+          </a:p>
+          <a:p>
+            <a:r>
+              <a:rPr lang="en-US" dirty="0">
+                <a:latin typeface="Monaco" pitchFamily="2" charset="77"/>
+              </a:rPr>
+              <a:t>Minimum 2</a:t>
+            </a:r>
+          </a:p>
+        </p:txBody>
+      </p:sp>
+    </p:spTree>
+    <p:extLst>
+      <p:ext uri="{BB962C8B-B14F-4D97-AF65-F5344CB8AC3E}">
+        <p14:creationId xmlns:p14="http://schemas.microsoft.com/office/powerpoint/2010/main" val="4109945481"/>
+      </p:ext>
+    </p:extLst>
+  </p:cSld>
+  <p:clrMapOvr>
+    <a:masterClrMapping/>
+  </p:clrMapOvr>
+</p:sld>
+</file>
+
+<file path=ppt/slides/slide16.xml><?xml version="1.0" encoding="utf-8"?>
+<p:sld xmlns:a="http://schemas.openxmlformats.org/drawingml/2006/main" xmlns:r="http://schemas.openxmlformats.org/officeDocument/2006/relationships" xmlns:p="http://schemas.openxmlformats.org/presentationml/2006/main">
+  <p:cSld>
+    <p:spTree>
+      <p:nvGrpSpPr>
+        <p:cNvPr id="1" name=""/>
+        <p:cNvGrpSpPr/>
+        <p:nvPr/>
+      </p:nvGrpSpPr>
+      <p:grpSpPr>
+        <a:xfrm>
+          <a:off x="0" y="0"/>
+          <a:ext cx="0" cy="0"/>
+          <a:chOff x="0" y="0"/>
+          <a:chExt cx="0" cy="0"/>
+        </a:xfrm>
+      </p:grpSpPr>
+      <p:sp>
+        <p:nvSpPr>
+          <p:cNvPr id="4" name="Title 3">
+            <a:extLst>
+              <a:ext uri="{FF2B5EF4-FFF2-40B4-BE49-F238E27FC236}">
+                <a16:creationId xmlns:a16="http://schemas.microsoft.com/office/drawing/2014/main" id="{C2B508E1-B5B9-9A0B-37F0-15F2BB303BFA}"/>
+              </a:ext>
+            </a:extLst>
+          </p:cNvPr>
+          <p:cNvSpPr>
+            <a:spLocks noGrp="1"/>
+          </p:cNvSpPr>
+          <p:nvPr>
+            <p:ph type="title"/>
+          </p:nvPr>
+        </p:nvSpPr>
+        <p:spPr/>
+        <p:txBody>
+          <a:bodyPr/>
+          <a:lstStyle/>
+          <a:p>
+            <a:r>
+              <a:rPr lang="en-US" dirty="0"/>
+              <a:t>Max / Min</a:t>
+            </a:r>
+          </a:p>
+        </p:txBody>
+      </p:sp>
+      <p:sp>
+        <p:nvSpPr>
+          <p:cNvPr id="5" name="TextBox 4">
+            <a:extLst>
+              <a:ext uri="{FF2B5EF4-FFF2-40B4-BE49-F238E27FC236}">
+                <a16:creationId xmlns:a16="http://schemas.microsoft.com/office/drawing/2014/main" id="{FDC36094-8775-EBE3-1FED-6DF8907EC500}"/>
+              </a:ext>
+            </a:extLst>
+          </p:cNvPr>
+          <p:cNvSpPr txBox="1"/>
+          <p:nvPr/>
+        </p:nvSpPr>
+        <p:spPr>
+          <a:xfrm>
+            <a:off x="5895945" y="365125"/>
+            <a:ext cx="5862502" cy="6186309"/>
+          </a:xfrm>
+          <a:prstGeom prst="rect">
+            <a:avLst/>
+          </a:prstGeom>
+          <a:noFill/>
+        </p:spPr>
+        <p:txBody>
+          <a:bodyPr wrap="none" rtlCol="0">
+            <a:spAutoFit/>
+          </a:bodyPr>
+          <a:lstStyle/>
+          <a:p>
+            <a:r>
+              <a:rPr lang="en-US" sz="1600" dirty="0">
+                <a:latin typeface="Courier New" panose="02070309020205020404" pitchFamily="49" charset="0"/>
+                <a:cs typeface="Courier New" panose="02070309020205020404" pitchFamily="49" charset="0"/>
+              </a:rPr>
+              <a:t>#include &lt;</a:t>
+            </a:r>
+            <a:r>
+              <a:rPr lang="en-US" sz="1600" dirty="0" err="1">
+                <a:latin typeface="Courier New" panose="02070309020205020404" pitchFamily="49" charset="0"/>
+                <a:cs typeface="Courier New" panose="02070309020205020404" pitchFamily="49" charset="0"/>
+              </a:rPr>
+              <a:t>stdio.h</a:t>
+            </a:r>
+            <a:r>
+              <a:rPr lang="en-US" sz="1600" dirty="0">
+                <a:latin typeface="Courier New" panose="02070309020205020404" pitchFamily="49" charset="0"/>
+                <a:cs typeface="Courier New" panose="02070309020205020404" pitchFamily="49" charset="0"/>
+              </a:rPr>
+              <a:t>&gt;</a:t>
+            </a:r>
+          </a:p>
+          <a:p>
+            <a:r>
+              <a:rPr lang="en-US" sz="1600" dirty="0">
+                <a:latin typeface="Courier New" panose="02070309020205020404" pitchFamily="49" charset="0"/>
+                <a:cs typeface="Courier New" panose="02070309020205020404" pitchFamily="49" charset="0"/>
+              </a:rPr>
+              <a:t>#include &lt;</a:t>
+            </a:r>
+            <a:r>
+              <a:rPr lang="en-US" sz="1600" dirty="0" err="1">
+                <a:latin typeface="Courier New" panose="02070309020205020404" pitchFamily="49" charset="0"/>
+                <a:cs typeface="Courier New" panose="02070309020205020404" pitchFamily="49" charset="0"/>
+              </a:rPr>
+              <a:t>stdlib.h</a:t>
+            </a:r>
+            <a:r>
+              <a:rPr lang="en-US" sz="1600" dirty="0">
+                <a:latin typeface="Courier New" panose="02070309020205020404" pitchFamily="49" charset="0"/>
+                <a:cs typeface="Courier New" panose="02070309020205020404" pitchFamily="49" charset="0"/>
+              </a:rPr>
+              <a:t>&gt;</a:t>
+            </a:r>
+          </a:p>
+          <a:p>
+            <a:r>
+              <a:rPr lang="en-US" sz="1600" dirty="0">
+                <a:latin typeface="Courier New" panose="02070309020205020404" pitchFamily="49" charset="0"/>
+                <a:cs typeface="Courier New" panose="02070309020205020404" pitchFamily="49" charset="0"/>
+              </a:rPr>
+              <a:t>#include &lt;</a:t>
+            </a:r>
+            <a:r>
+              <a:rPr lang="en-US" sz="1600" dirty="0" err="1">
+                <a:latin typeface="Courier New" panose="02070309020205020404" pitchFamily="49" charset="0"/>
+                <a:cs typeface="Courier New" panose="02070309020205020404" pitchFamily="49" charset="0"/>
+              </a:rPr>
+              <a:t>string.h</a:t>
+            </a:r>
+            <a:r>
+              <a:rPr lang="en-US" sz="1600" dirty="0">
+                <a:latin typeface="Courier New" panose="02070309020205020404" pitchFamily="49" charset="0"/>
+                <a:cs typeface="Courier New" panose="02070309020205020404" pitchFamily="49" charset="0"/>
+              </a:rPr>
+              <a:t>&gt;</a:t>
+            </a:r>
+          </a:p>
+          <a:p>
+            <a:r>
+              <a:rPr lang="en-US" sz="1600" dirty="0">
+                <a:latin typeface="Courier New" panose="02070309020205020404" pitchFamily="49" charset="0"/>
+                <a:cs typeface="Courier New" panose="02070309020205020404" pitchFamily="49" charset="0"/>
+              </a:rPr>
+              <a:t>int main() {</a:t>
+            </a:r>
+          </a:p>
+          <a:p>
+            <a:r>
+              <a:rPr lang="en-US" sz="1600" dirty="0">
+                <a:latin typeface="Courier New" panose="02070309020205020404" pitchFamily="49" charset="0"/>
+                <a:cs typeface="Courier New" panose="02070309020205020404" pitchFamily="49" charset="0"/>
+              </a:rPr>
+              <a:t>    int first = 1;</a:t>
+            </a:r>
+          </a:p>
+          <a:p>
+            <a:r>
+              <a:rPr lang="en-US" sz="1600" dirty="0">
+                <a:latin typeface="Courier New" panose="02070309020205020404" pitchFamily="49" charset="0"/>
+                <a:cs typeface="Courier New" panose="02070309020205020404" pitchFamily="49" charset="0"/>
+              </a:rPr>
+              <a:t>    int </a:t>
+            </a:r>
+            <a:r>
+              <a:rPr lang="en-US" sz="1600" dirty="0" err="1">
+                <a:latin typeface="Courier New" panose="02070309020205020404" pitchFamily="49" charset="0"/>
+                <a:cs typeface="Courier New" panose="02070309020205020404" pitchFamily="49" charset="0"/>
+              </a:rPr>
+              <a:t>val</a:t>
+            </a:r>
+            <a:r>
+              <a:rPr lang="en-US" sz="1600" dirty="0">
+                <a:latin typeface="Courier New" panose="02070309020205020404" pitchFamily="49" charset="0"/>
+                <a:cs typeface="Courier New" panose="02070309020205020404" pitchFamily="49" charset="0"/>
+              </a:rPr>
+              <a:t>, </a:t>
+            </a:r>
+            <a:r>
+              <a:rPr lang="en-US" sz="1600" dirty="0" err="1">
+                <a:latin typeface="Courier New" panose="02070309020205020404" pitchFamily="49" charset="0"/>
+                <a:cs typeface="Courier New" panose="02070309020205020404" pitchFamily="49" charset="0"/>
+              </a:rPr>
+              <a:t>maxval</a:t>
+            </a:r>
+            <a:r>
+              <a:rPr lang="en-US" sz="1600" dirty="0">
+                <a:latin typeface="Courier New" panose="02070309020205020404" pitchFamily="49" charset="0"/>
+                <a:cs typeface="Courier New" panose="02070309020205020404" pitchFamily="49" charset="0"/>
+              </a:rPr>
+              <a:t>, </a:t>
+            </a:r>
+            <a:r>
+              <a:rPr lang="en-US" sz="1600" dirty="0" err="1">
+                <a:latin typeface="Courier New" panose="02070309020205020404" pitchFamily="49" charset="0"/>
+                <a:cs typeface="Courier New" panose="02070309020205020404" pitchFamily="49" charset="0"/>
+              </a:rPr>
+              <a:t>minval</a:t>
+            </a:r>
+            <a:r>
+              <a:rPr lang="en-US" sz="1600" dirty="0">
+                <a:latin typeface="Courier New" panose="02070309020205020404" pitchFamily="49" charset="0"/>
+                <a:cs typeface="Courier New" panose="02070309020205020404" pitchFamily="49" charset="0"/>
+              </a:rPr>
+              <a:t>;</a:t>
+            </a:r>
+          </a:p>
+          <a:p>
+            <a:r>
+              <a:rPr lang="en-US" sz="1600" dirty="0">
+                <a:latin typeface="Courier New" panose="02070309020205020404" pitchFamily="49" charset="0"/>
+                <a:cs typeface="Courier New" panose="02070309020205020404" pitchFamily="49" charset="0"/>
+              </a:rPr>
+              <a:t>    char line[1000];</a:t>
+            </a:r>
+          </a:p>
+          <a:p>
+            <a:endParaRPr lang="en-US" sz="1600" dirty="0">
+              <a:latin typeface="Courier New" panose="02070309020205020404" pitchFamily="49" charset="0"/>
+              <a:cs typeface="Courier New" panose="02070309020205020404" pitchFamily="49" charset="0"/>
+            </a:endParaRPr>
+          </a:p>
+          <a:p>
+            <a:r>
+              <a:rPr lang="en-US" sz="1600" dirty="0">
+                <a:latin typeface="Courier New" panose="02070309020205020404" pitchFamily="49" charset="0"/>
+                <a:cs typeface="Courier New" panose="02070309020205020404" pitchFamily="49" charset="0"/>
+              </a:rPr>
+              <a:t>    while(gets(line) != NULL ) {</a:t>
+            </a:r>
+          </a:p>
+          <a:p>
+            <a:r>
+              <a:rPr lang="en-US" sz="1600" dirty="0">
+                <a:latin typeface="Courier New" panose="02070309020205020404" pitchFamily="49" charset="0"/>
+                <a:cs typeface="Courier New" panose="02070309020205020404" pitchFamily="49" charset="0"/>
+              </a:rPr>
+              <a:t>        if ( </a:t>
+            </a:r>
+            <a:r>
+              <a:rPr lang="en-US" sz="1600" dirty="0" err="1">
+                <a:latin typeface="Courier New" panose="02070309020205020404" pitchFamily="49" charset="0"/>
+                <a:cs typeface="Courier New" panose="02070309020205020404" pitchFamily="49" charset="0"/>
+              </a:rPr>
+              <a:t>strcmp</a:t>
+            </a:r>
+            <a:r>
+              <a:rPr lang="en-US" sz="1600" dirty="0">
+                <a:latin typeface="Courier New" panose="02070309020205020404" pitchFamily="49" charset="0"/>
+                <a:cs typeface="Courier New" panose="02070309020205020404" pitchFamily="49" charset="0"/>
+              </a:rPr>
+              <a:t>(</a:t>
+            </a:r>
+            <a:r>
+              <a:rPr lang="en-US" sz="1600" dirty="0" err="1">
+                <a:latin typeface="Courier New" panose="02070309020205020404" pitchFamily="49" charset="0"/>
+                <a:cs typeface="Courier New" panose="02070309020205020404" pitchFamily="49" charset="0"/>
+              </a:rPr>
+              <a:t>line,"done</a:t>
+            </a:r>
+            <a:r>
+              <a:rPr lang="en-US" sz="1600" dirty="0">
+                <a:latin typeface="Courier New" panose="02070309020205020404" pitchFamily="49" charset="0"/>
+                <a:cs typeface="Courier New" panose="02070309020205020404" pitchFamily="49" charset="0"/>
+              </a:rPr>
+              <a:t>") == 0 ) break;</a:t>
+            </a:r>
+          </a:p>
+          <a:p>
+            <a:r>
+              <a:rPr lang="en-US" sz="1600" dirty="0">
+                <a:latin typeface="Courier New" panose="02070309020205020404" pitchFamily="49" charset="0"/>
+                <a:cs typeface="Courier New" panose="02070309020205020404" pitchFamily="49" charset="0"/>
+              </a:rPr>
+              <a:t>        </a:t>
+            </a:r>
+            <a:r>
+              <a:rPr lang="en-US" sz="1600" dirty="0" err="1">
+                <a:latin typeface="Courier New" panose="02070309020205020404" pitchFamily="49" charset="0"/>
+                <a:cs typeface="Courier New" panose="02070309020205020404" pitchFamily="49" charset="0"/>
+              </a:rPr>
+              <a:t>val</a:t>
+            </a:r>
+            <a:r>
+              <a:rPr lang="en-US" sz="1600" dirty="0">
+                <a:latin typeface="Courier New" panose="02070309020205020404" pitchFamily="49" charset="0"/>
+                <a:cs typeface="Courier New" panose="02070309020205020404" pitchFamily="49" charset="0"/>
+              </a:rPr>
+              <a:t> = </a:t>
+            </a:r>
+            <a:r>
+              <a:rPr lang="en-US" sz="1600" dirty="0" err="1">
+                <a:latin typeface="Courier New" panose="02070309020205020404" pitchFamily="49" charset="0"/>
+                <a:cs typeface="Courier New" panose="02070309020205020404" pitchFamily="49" charset="0"/>
+              </a:rPr>
+              <a:t>atoi</a:t>
+            </a:r>
+            <a:r>
+              <a:rPr lang="en-US" sz="1600" dirty="0">
+                <a:latin typeface="Courier New" panose="02070309020205020404" pitchFamily="49" charset="0"/>
+                <a:cs typeface="Courier New" panose="02070309020205020404" pitchFamily="49" charset="0"/>
+              </a:rPr>
+              <a:t>(line);</a:t>
+            </a:r>
+          </a:p>
+          <a:p>
+            <a:r>
+              <a:rPr lang="en-US" sz="1600" dirty="0">
+                <a:latin typeface="Courier New" panose="02070309020205020404" pitchFamily="49" charset="0"/>
+                <a:cs typeface="Courier New" panose="02070309020205020404" pitchFamily="49" charset="0"/>
+              </a:rPr>
+              <a:t>        if ( first ) {</a:t>
+            </a:r>
+          </a:p>
+          <a:p>
+            <a:r>
+              <a:rPr lang="en-US" sz="1600" dirty="0">
+                <a:latin typeface="Courier New" panose="02070309020205020404" pitchFamily="49" charset="0"/>
+                <a:cs typeface="Courier New" panose="02070309020205020404" pitchFamily="49" charset="0"/>
+              </a:rPr>
+              <a:t>            </a:t>
+            </a:r>
+            <a:r>
+              <a:rPr lang="en-US" sz="1600" dirty="0" err="1">
+                <a:latin typeface="Courier New" panose="02070309020205020404" pitchFamily="49" charset="0"/>
+                <a:cs typeface="Courier New" panose="02070309020205020404" pitchFamily="49" charset="0"/>
+              </a:rPr>
+              <a:t>maxval</a:t>
+            </a:r>
+            <a:r>
+              <a:rPr lang="en-US" sz="1600" dirty="0">
+                <a:latin typeface="Courier New" panose="02070309020205020404" pitchFamily="49" charset="0"/>
+                <a:cs typeface="Courier New" panose="02070309020205020404" pitchFamily="49" charset="0"/>
+              </a:rPr>
+              <a:t> = </a:t>
+            </a:r>
+            <a:r>
+              <a:rPr lang="en-US" sz="1600" dirty="0" err="1">
+                <a:latin typeface="Courier New" panose="02070309020205020404" pitchFamily="49" charset="0"/>
+                <a:cs typeface="Courier New" panose="02070309020205020404" pitchFamily="49" charset="0"/>
+              </a:rPr>
+              <a:t>val</a:t>
+            </a:r>
+            <a:r>
+              <a:rPr lang="en-US" sz="1600" dirty="0">
+                <a:latin typeface="Courier New" panose="02070309020205020404" pitchFamily="49" charset="0"/>
+                <a:cs typeface="Courier New" panose="02070309020205020404" pitchFamily="49" charset="0"/>
+              </a:rPr>
+              <a:t>;</a:t>
+            </a:r>
+          </a:p>
+          <a:p>
+            <a:r>
+              <a:rPr lang="en-US" sz="1600" dirty="0">
+                <a:latin typeface="Courier New" panose="02070309020205020404" pitchFamily="49" charset="0"/>
+                <a:cs typeface="Courier New" panose="02070309020205020404" pitchFamily="49" charset="0"/>
+              </a:rPr>
+              <a:t>            </a:t>
+            </a:r>
+            <a:r>
+              <a:rPr lang="en-US" sz="1600" dirty="0" err="1">
+                <a:latin typeface="Courier New" panose="02070309020205020404" pitchFamily="49" charset="0"/>
+                <a:cs typeface="Courier New" panose="02070309020205020404" pitchFamily="49" charset="0"/>
+              </a:rPr>
+              <a:t>minval</a:t>
+            </a:r>
+            <a:r>
+              <a:rPr lang="en-US" sz="1600" dirty="0">
+                <a:latin typeface="Courier New" panose="02070309020205020404" pitchFamily="49" charset="0"/>
+                <a:cs typeface="Courier New" panose="02070309020205020404" pitchFamily="49" charset="0"/>
+              </a:rPr>
+              <a:t> = </a:t>
+            </a:r>
+            <a:r>
+              <a:rPr lang="en-US" sz="1600" dirty="0" err="1">
+                <a:latin typeface="Courier New" panose="02070309020205020404" pitchFamily="49" charset="0"/>
+                <a:cs typeface="Courier New" panose="02070309020205020404" pitchFamily="49" charset="0"/>
+              </a:rPr>
+              <a:t>val</a:t>
+            </a:r>
+            <a:r>
+              <a:rPr lang="en-US" sz="1600" dirty="0">
+                <a:latin typeface="Courier New" panose="02070309020205020404" pitchFamily="49" charset="0"/>
+                <a:cs typeface="Courier New" panose="02070309020205020404" pitchFamily="49" charset="0"/>
+              </a:rPr>
+              <a:t>;</a:t>
+            </a:r>
+          </a:p>
+          <a:p>
+            <a:r>
+              <a:rPr lang="en-US" sz="1600" dirty="0">
+                <a:latin typeface="Courier New" panose="02070309020205020404" pitchFamily="49" charset="0"/>
+                <a:cs typeface="Courier New" panose="02070309020205020404" pitchFamily="49" charset="0"/>
+              </a:rPr>
+              <a:t>            first = 0;</a:t>
+            </a:r>
+          </a:p>
+          <a:p>
+            <a:r>
+              <a:rPr lang="en-US" sz="1600" dirty="0">
+                <a:latin typeface="Courier New" panose="02070309020205020404" pitchFamily="49" charset="0"/>
+                <a:cs typeface="Courier New" panose="02070309020205020404" pitchFamily="49" charset="0"/>
+              </a:rPr>
+              <a:t>        } else {</a:t>
+            </a:r>
+          </a:p>
+          <a:p>
+            <a:r>
+              <a:rPr lang="en-US" sz="1600" dirty="0">
+                <a:latin typeface="Courier New" panose="02070309020205020404" pitchFamily="49" charset="0"/>
+                <a:cs typeface="Courier New" panose="02070309020205020404" pitchFamily="49" charset="0"/>
+              </a:rPr>
+              <a:t>            if ( </a:t>
+            </a:r>
+            <a:r>
+              <a:rPr lang="en-US" sz="1600" dirty="0" err="1">
+                <a:latin typeface="Courier New" panose="02070309020205020404" pitchFamily="49" charset="0"/>
+                <a:cs typeface="Courier New" panose="02070309020205020404" pitchFamily="49" charset="0"/>
+              </a:rPr>
+              <a:t>val</a:t>
+            </a:r>
+            <a:r>
+              <a:rPr lang="en-US" sz="1600" dirty="0">
+                <a:latin typeface="Courier New" panose="02070309020205020404" pitchFamily="49" charset="0"/>
+                <a:cs typeface="Courier New" panose="02070309020205020404" pitchFamily="49" charset="0"/>
+              </a:rPr>
+              <a:t> &gt; </a:t>
+            </a:r>
+            <a:r>
+              <a:rPr lang="en-US" sz="1600" dirty="0" err="1">
+                <a:latin typeface="Courier New" panose="02070309020205020404" pitchFamily="49" charset="0"/>
+                <a:cs typeface="Courier New" panose="02070309020205020404" pitchFamily="49" charset="0"/>
+              </a:rPr>
+              <a:t>maxval</a:t>
+            </a:r>
+            <a:r>
+              <a:rPr lang="en-US" sz="1600" dirty="0">
+                <a:latin typeface="Courier New" panose="02070309020205020404" pitchFamily="49" charset="0"/>
+                <a:cs typeface="Courier New" panose="02070309020205020404" pitchFamily="49" charset="0"/>
+              </a:rPr>
+              <a:t> ) </a:t>
+            </a:r>
+            <a:r>
+              <a:rPr lang="en-US" sz="1600" dirty="0" err="1">
+                <a:latin typeface="Courier New" panose="02070309020205020404" pitchFamily="49" charset="0"/>
+                <a:cs typeface="Courier New" panose="02070309020205020404" pitchFamily="49" charset="0"/>
+              </a:rPr>
+              <a:t>maxval</a:t>
+            </a:r>
+            <a:r>
+              <a:rPr lang="en-US" sz="1600" dirty="0">
+                <a:latin typeface="Courier New" panose="02070309020205020404" pitchFamily="49" charset="0"/>
+                <a:cs typeface="Courier New" panose="02070309020205020404" pitchFamily="49" charset="0"/>
+              </a:rPr>
+              <a:t> = </a:t>
+            </a:r>
+            <a:r>
+              <a:rPr lang="en-US" sz="1600" dirty="0" err="1">
+                <a:latin typeface="Courier New" panose="02070309020205020404" pitchFamily="49" charset="0"/>
+                <a:cs typeface="Courier New" panose="02070309020205020404" pitchFamily="49" charset="0"/>
+              </a:rPr>
+              <a:t>val</a:t>
+            </a:r>
+            <a:r>
+              <a:rPr lang="en-US" sz="1600" dirty="0">
+                <a:latin typeface="Courier New" panose="02070309020205020404" pitchFamily="49" charset="0"/>
+                <a:cs typeface="Courier New" panose="02070309020205020404" pitchFamily="49" charset="0"/>
+              </a:rPr>
+              <a:t>;</a:t>
+            </a:r>
+          </a:p>
+          <a:p>
+            <a:r>
+              <a:rPr lang="en-US" sz="1600" dirty="0">
+                <a:latin typeface="Courier New" panose="02070309020205020404" pitchFamily="49" charset="0"/>
+                <a:cs typeface="Courier New" panose="02070309020205020404" pitchFamily="49" charset="0"/>
+              </a:rPr>
+              <a:t>            if ( </a:t>
+            </a:r>
+            <a:r>
+              <a:rPr lang="en-US" sz="1600" dirty="0" err="1">
+                <a:latin typeface="Courier New" panose="02070309020205020404" pitchFamily="49" charset="0"/>
+                <a:cs typeface="Courier New" panose="02070309020205020404" pitchFamily="49" charset="0"/>
+              </a:rPr>
+              <a:t>val</a:t>
+            </a:r>
+            <a:r>
+              <a:rPr lang="en-US" sz="1600" dirty="0">
+                <a:latin typeface="Courier New" panose="02070309020205020404" pitchFamily="49" charset="0"/>
+                <a:cs typeface="Courier New" panose="02070309020205020404" pitchFamily="49" charset="0"/>
+              </a:rPr>
+              <a:t> &lt; </a:t>
+            </a:r>
+            <a:r>
+              <a:rPr lang="en-US" sz="1600" dirty="0" err="1">
+                <a:latin typeface="Courier New" panose="02070309020205020404" pitchFamily="49" charset="0"/>
+                <a:cs typeface="Courier New" panose="02070309020205020404" pitchFamily="49" charset="0"/>
+              </a:rPr>
+              <a:t>minval</a:t>
+            </a:r>
+            <a:r>
+              <a:rPr lang="en-US" sz="1600" dirty="0">
+                <a:latin typeface="Courier New" panose="02070309020205020404" pitchFamily="49" charset="0"/>
+                <a:cs typeface="Courier New" panose="02070309020205020404" pitchFamily="49" charset="0"/>
+              </a:rPr>
+              <a:t> ) </a:t>
+            </a:r>
+            <a:r>
+              <a:rPr lang="en-US" sz="1600" dirty="0" err="1">
+                <a:latin typeface="Courier New" panose="02070309020205020404" pitchFamily="49" charset="0"/>
+                <a:cs typeface="Courier New" panose="02070309020205020404" pitchFamily="49" charset="0"/>
+              </a:rPr>
+              <a:t>minval</a:t>
+            </a:r>
+            <a:r>
+              <a:rPr lang="en-US" sz="1600" dirty="0">
+                <a:latin typeface="Courier New" panose="02070309020205020404" pitchFamily="49" charset="0"/>
+                <a:cs typeface="Courier New" panose="02070309020205020404" pitchFamily="49" charset="0"/>
+              </a:rPr>
+              <a:t> = </a:t>
+            </a:r>
+            <a:r>
+              <a:rPr lang="en-US" sz="1600" dirty="0" err="1">
+                <a:latin typeface="Courier New" panose="02070309020205020404" pitchFamily="49" charset="0"/>
+                <a:cs typeface="Courier New" panose="02070309020205020404" pitchFamily="49" charset="0"/>
+              </a:rPr>
+              <a:t>val</a:t>
+            </a:r>
+            <a:r>
+              <a:rPr lang="en-US" sz="1600" dirty="0">
+                <a:latin typeface="Courier New" panose="02070309020205020404" pitchFamily="49" charset="0"/>
+                <a:cs typeface="Courier New" panose="02070309020205020404" pitchFamily="49" charset="0"/>
+              </a:rPr>
+              <a:t>;</a:t>
+            </a:r>
+          </a:p>
+          <a:p>
+            <a:r>
+              <a:rPr lang="en-US" sz="1600" dirty="0">
+                <a:latin typeface="Courier New" panose="02070309020205020404" pitchFamily="49" charset="0"/>
+                <a:cs typeface="Courier New" panose="02070309020205020404" pitchFamily="49" charset="0"/>
+              </a:rPr>
+              <a:t>        }</a:t>
+            </a:r>
+          </a:p>
+          <a:p>
+            <a:r>
+              <a:rPr lang="en-US" sz="1600" dirty="0">
+                <a:latin typeface="Courier New" panose="02070309020205020404" pitchFamily="49" charset="0"/>
+                <a:cs typeface="Courier New" panose="02070309020205020404" pitchFamily="49" charset="0"/>
+              </a:rPr>
+              <a:t>    }</a:t>
+            </a:r>
+          </a:p>
+          <a:p>
+            <a:endParaRPr lang="en-US" sz="1600" dirty="0">
+              <a:latin typeface="Courier New" panose="02070309020205020404" pitchFamily="49" charset="0"/>
+              <a:cs typeface="Courier New" panose="02070309020205020404" pitchFamily="49" charset="0"/>
+            </a:endParaRPr>
+          </a:p>
+          <a:p>
+            <a:r>
+              <a:rPr lang="en-US" sz="1600" dirty="0">
+                <a:latin typeface="Courier New" panose="02070309020205020404" pitchFamily="49" charset="0"/>
+                <a:cs typeface="Courier New" panose="02070309020205020404" pitchFamily="49" charset="0"/>
+              </a:rPr>
+              <a:t>    </a:t>
+            </a:r>
+            <a:r>
+              <a:rPr lang="en-US" sz="1600" dirty="0" err="1">
+                <a:latin typeface="Courier New" panose="02070309020205020404" pitchFamily="49" charset="0"/>
+                <a:cs typeface="Courier New" panose="02070309020205020404" pitchFamily="49" charset="0"/>
+              </a:rPr>
+              <a:t>printf</a:t>
+            </a:r>
+            <a:r>
+              <a:rPr lang="en-US" sz="1600" dirty="0">
+                <a:latin typeface="Courier New" panose="02070309020205020404" pitchFamily="49" charset="0"/>
+                <a:cs typeface="Courier New" panose="02070309020205020404" pitchFamily="49" charset="0"/>
+              </a:rPr>
+              <a:t>("Maximum %d\n", </a:t>
+            </a:r>
+            <a:r>
+              <a:rPr lang="en-US" sz="1600" dirty="0" err="1">
+                <a:latin typeface="Courier New" panose="02070309020205020404" pitchFamily="49" charset="0"/>
+                <a:cs typeface="Courier New" panose="02070309020205020404" pitchFamily="49" charset="0"/>
+              </a:rPr>
+              <a:t>maxval</a:t>
+            </a:r>
+            <a:r>
+              <a:rPr lang="en-US" sz="1600" dirty="0">
+                <a:latin typeface="Courier New" panose="02070309020205020404" pitchFamily="49" charset="0"/>
+                <a:cs typeface="Courier New" panose="02070309020205020404" pitchFamily="49" charset="0"/>
+              </a:rPr>
+              <a:t>);</a:t>
+            </a:r>
+          </a:p>
+          <a:p>
+            <a:r>
+              <a:rPr lang="en-US" sz="1600" dirty="0">
+                <a:latin typeface="Courier New" panose="02070309020205020404" pitchFamily="49" charset="0"/>
+                <a:cs typeface="Courier New" panose="02070309020205020404" pitchFamily="49" charset="0"/>
+              </a:rPr>
+              <a:t>    </a:t>
+            </a:r>
+            <a:r>
+              <a:rPr lang="en-US" sz="1600" dirty="0" err="1">
+                <a:latin typeface="Courier New" panose="02070309020205020404" pitchFamily="49" charset="0"/>
+                <a:cs typeface="Courier New" panose="02070309020205020404" pitchFamily="49" charset="0"/>
+              </a:rPr>
+              <a:t>printf</a:t>
+            </a:r>
+            <a:r>
+              <a:rPr lang="en-US" sz="1600" dirty="0">
+                <a:latin typeface="Courier New" panose="02070309020205020404" pitchFamily="49" charset="0"/>
+                <a:cs typeface="Courier New" panose="02070309020205020404" pitchFamily="49" charset="0"/>
+              </a:rPr>
+              <a:t>("Minimum %d\n", </a:t>
+            </a:r>
+            <a:r>
+              <a:rPr lang="en-US" sz="1600" dirty="0" err="1">
+                <a:latin typeface="Courier New" panose="02070309020205020404" pitchFamily="49" charset="0"/>
+                <a:cs typeface="Courier New" panose="02070309020205020404" pitchFamily="49" charset="0"/>
+              </a:rPr>
+              <a:t>minval</a:t>
+            </a:r>
+            <a:r>
+              <a:rPr lang="en-US" sz="1600" dirty="0">
+                <a:latin typeface="Courier New" panose="02070309020205020404" pitchFamily="49" charset="0"/>
+                <a:cs typeface="Courier New" panose="02070309020205020404" pitchFamily="49" charset="0"/>
+              </a:rPr>
+              <a:t>);</a:t>
+            </a:r>
+          </a:p>
+          <a:p>
+            <a:r>
+              <a:rPr lang="en-US" sz="1600" dirty="0">
+                <a:latin typeface="Courier New" panose="02070309020205020404" pitchFamily="49" charset="0"/>
+                <a:cs typeface="Courier New" panose="02070309020205020404" pitchFamily="49" charset="0"/>
+              </a:rPr>
+              <a:t>}</a:t>
+            </a:r>
+          </a:p>
+        </p:txBody>
+      </p:sp>
+      <p:sp>
+        <p:nvSpPr>
+          <p:cNvPr id="7" name="TextBox 6">
+            <a:extLst>
+              <a:ext uri="{FF2B5EF4-FFF2-40B4-BE49-F238E27FC236}">
+                <a16:creationId xmlns:a16="http://schemas.microsoft.com/office/drawing/2014/main" id="{03B4458A-37BA-02AB-CE8C-B288D36FE6BF}"/>
+              </a:ext>
+            </a:extLst>
+          </p:cNvPr>
+          <p:cNvSpPr txBox="1"/>
+          <p:nvPr/>
+        </p:nvSpPr>
+        <p:spPr>
+          <a:xfrm>
+            <a:off x="1086295" y="2534055"/>
+            <a:ext cx="5009705" cy="2308324"/>
+          </a:xfrm>
+          <a:prstGeom prst="rect">
+            <a:avLst/>
+          </a:prstGeom>
+          <a:noFill/>
+        </p:spPr>
+        <p:txBody>
+          <a:bodyPr wrap="none" rtlCol="0">
+            <a:spAutoFit/>
+          </a:bodyPr>
+          <a:lstStyle/>
+          <a:p>
+            <a:r>
+              <a:rPr lang="en-US" dirty="0">
+                <a:latin typeface="Monaco" pitchFamily="2" charset="77"/>
+              </a:rPr>
+              <a:t>warning: this program uses gets(), </a:t>
+            </a:r>
+          </a:p>
+          <a:p>
+            <a:r>
+              <a:rPr lang="en-US" dirty="0">
+                <a:latin typeface="Monaco" pitchFamily="2" charset="77"/>
+              </a:rPr>
+              <a:t>  which is unsafe.</a:t>
+            </a:r>
+          </a:p>
+          <a:p>
+            <a:r>
+              <a:rPr lang="en-US" dirty="0">
+                <a:latin typeface="Monaco" pitchFamily="2" charset="77"/>
+              </a:rPr>
+              <a:t>5</a:t>
+            </a:r>
+          </a:p>
+          <a:p>
+            <a:r>
+              <a:rPr lang="en-US" dirty="0">
+                <a:latin typeface="Monaco" pitchFamily="2" charset="77"/>
+              </a:rPr>
+              <a:t>2</a:t>
+            </a:r>
+          </a:p>
+          <a:p>
+            <a:r>
+              <a:rPr lang="en-US" dirty="0">
+                <a:latin typeface="Monaco" pitchFamily="2" charset="77"/>
+              </a:rPr>
+              <a:t>9</a:t>
+            </a:r>
+          </a:p>
+          <a:p>
+            <a:r>
+              <a:rPr lang="en-US" dirty="0">
+                <a:latin typeface="Monaco" pitchFamily="2" charset="77"/>
+              </a:rPr>
+              <a:t>done</a:t>
+            </a:r>
+          </a:p>
+          <a:p>
+            <a:r>
+              <a:rPr lang="en-US" dirty="0">
+                <a:latin typeface="Monaco" pitchFamily="2" charset="77"/>
+              </a:rPr>
+              <a:t>Maximum 9</a:t>
+            </a:r>
+          </a:p>
+          <a:p>
+            <a:r>
+              <a:rPr lang="en-US" dirty="0">
+                <a:latin typeface="Monaco" pitchFamily="2" charset="77"/>
+              </a:rPr>
+              <a:t>Minimum 2</a:t>
+            </a:r>
+          </a:p>
+        </p:txBody>
+      </p:sp>
+    </p:spTree>
+    <p:extLst>
+      <p:ext uri="{BB962C8B-B14F-4D97-AF65-F5344CB8AC3E}">
+        <p14:creationId xmlns:p14="http://schemas.microsoft.com/office/powerpoint/2010/main" val="3289950258"/>
+      </p:ext>
+    </p:extLst>
+  </p:cSld>
+  <p:clrMapOvr>
+    <a:masterClrMapping/>
+  </p:clrMapOvr>
+</p:sld>
+</file>
+
+<file path=ppt/slides/slide17.xml><?xml version="1.0" encoding="utf-8"?>
+<p:sld xmlns:a="http://schemas.openxmlformats.org/drawingml/2006/main" xmlns:r="http://schemas.openxmlformats.org/officeDocument/2006/relationships" xmlns:p="http://schemas.openxmlformats.org/presentationml/2006/main">
+  <p:cSld>
+    <p:spTree>
+      <p:nvGrpSpPr>
+        <p:cNvPr id="1" name=""/>
+        <p:cNvGrpSpPr/>
+        <p:nvPr/>
+      </p:nvGrpSpPr>
+      <p:grpSpPr>
+        <a:xfrm>
+          <a:off x="0" y="0"/>
+          <a:ext cx="0" cy="0"/>
+          <a:chOff x="0" y="0"/>
+          <a:chExt cx="0" cy="0"/>
+        </a:xfrm>
+      </p:grpSpPr>
+      <p:sp>
+        <p:nvSpPr>
+          <p:cNvPr id="4" name="Title 3">
+            <a:extLst>
+              <a:ext uri="{FF2B5EF4-FFF2-40B4-BE49-F238E27FC236}">
+                <a16:creationId xmlns:a16="http://schemas.microsoft.com/office/drawing/2014/main" id="{C2B508E1-B5B9-9A0B-37F0-15F2BB303BFA}"/>
+              </a:ext>
+            </a:extLst>
+          </p:cNvPr>
+          <p:cNvSpPr>
+            <a:spLocks noGrp="1"/>
+          </p:cNvSpPr>
+          <p:nvPr>
+            <p:ph type="title"/>
+          </p:nvPr>
+        </p:nvSpPr>
+        <p:spPr/>
+        <p:txBody>
+          <a:bodyPr/>
+          <a:lstStyle/>
+          <a:p>
+            <a:r>
+              <a:rPr lang="en-US" dirty="0"/>
+              <a:t>Max / Min v2</a:t>
+            </a:r>
+          </a:p>
+        </p:txBody>
+      </p:sp>
+      <p:sp>
+        <p:nvSpPr>
+          <p:cNvPr id="5" name="TextBox 4">
+            <a:extLst>
+              <a:ext uri="{FF2B5EF4-FFF2-40B4-BE49-F238E27FC236}">
+                <a16:creationId xmlns:a16="http://schemas.microsoft.com/office/drawing/2014/main" id="{FDC36094-8775-EBE3-1FED-6DF8907EC500}"/>
+              </a:ext>
+            </a:extLst>
+          </p:cNvPr>
+          <p:cNvSpPr txBox="1"/>
+          <p:nvPr/>
+        </p:nvSpPr>
+        <p:spPr>
+          <a:xfrm>
+            <a:off x="5144352" y="638845"/>
+            <a:ext cx="6388287" cy="5632311"/>
+          </a:xfrm>
+          <a:prstGeom prst="rect">
+            <a:avLst/>
+          </a:prstGeom>
+          <a:noFill/>
+        </p:spPr>
+        <p:txBody>
+          <a:bodyPr wrap="none" rtlCol="0">
+            <a:spAutoFit/>
+          </a:bodyPr>
+          <a:lstStyle/>
+          <a:p>
+            <a:r>
+              <a:rPr lang="en-US" dirty="0">
+                <a:latin typeface="Courier New" panose="02070309020205020404" pitchFamily="49" charset="0"/>
+                <a:cs typeface="Courier New" panose="02070309020205020404" pitchFamily="49" charset="0"/>
+              </a:rPr>
+              <a:t>#include &lt;</a:t>
+            </a:r>
+            <a:r>
+              <a:rPr lang="en-US" dirty="0" err="1">
+                <a:latin typeface="Courier New" panose="02070309020205020404" pitchFamily="49" charset="0"/>
+                <a:cs typeface="Courier New" panose="02070309020205020404" pitchFamily="49" charset="0"/>
+              </a:rPr>
+              <a:t>stdio.h</a:t>
+            </a:r>
+            <a:r>
+              <a:rPr lang="en-US" dirty="0">
+                <a:latin typeface="Courier New" panose="02070309020205020404" pitchFamily="49" charset="0"/>
+                <a:cs typeface="Courier New" panose="02070309020205020404" pitchFamily="49" charset="0"/>
+              </a:rPr>
+              <a:t>&gt;</a:t>
+            </a:r>
+          </a:p>
+          <a:p>
+            <a:endParaRPr lang="en-US" dirty="0">
+              <a:latin typeface="Courier New" panose="02070309020205020404" pitchFamily="49" charset="0"/>
+              <a:cs typeface="Courier New" panose="02070309020205020404" pitchFamily="49" charset="0"/>
+            </a:endParaRPr>
+          </a:p>
+          <a:p>
+            <a:r>
+              <a:rPr lang="en-US" dirty="0">
+                <a:latin typeface="Courier New" panose="02070309020205020404" pitchFamily="49" charset="0"/>
+                <a:cs typeface="Courier New" panose="02070309020205020404" pitchFamily="49" charset="0"/>
+              </a:rPr>
+              <a:t>int main() {</a:t>
+            </a:r>
+          </a:p>
+          <a:p>
+            <a:r>
+              <a:rPr lang="en-US" dirty="0">
+                <a:latin typeface="Courier New" panose="02070309020205020404" pitchFamily="49" charset="0"/>
+                <a:cs typeface="Courier New" panose="02070309020205020404" pitchFamily="49" charset="0"/>
+              </a:rPr>
+              <a:t>    int first = 1;</a:t>
+            </a:r>
+          </a:p>
+          <a:p>
+            <a:r>
+              <a:rPr lang="en-US" dirty="0">
+                <a:latin typeface="Courier New" panose="02070309020205020404" pitchFamily="49" charset="0"/>
+                <a:cs typeface="Courier New" panose="02070309020205020404" pitchFamily="49" charset="0"/>
+              </a:rPr>
+              <a:t>    int </a:t>
+            </a:r>
+            <a:r>
+              <a:rPr lang="en-US" dirty="0" err="1">
+                <a:latin typeface="Courier New" panose="02070309020205020404" pitchFamily="49" charset="0"/>
+                <a:cs typeface="Courier New" panose="02070309020205020404" pitchFamily="49" charset="0"/>
+              </a:rPr>
+              <a:t>val</a:t>
+            </a:r>
+            <a:r>
+              <a:rPr lang="en-US" dirty="0">
+                <a:latin typeface="Courier New" panose="02070309020205020404" pitchFamily="49" charset="0"/>
+                <a:cs typeface="Courier New" panose="02070309020205020404" pitchFamily="49" charset="0"/>
+              </a:rPr>
+              <a:t>, </a:t>
+            </a:r>
+            <a:r>
+              <a:rPr lang="en-US" dirty="0" err="1">
+                <a:latin typeface="Courier New" panose="02070309020205020404" pitchFamily="49" charset="0"/>
+                <a:cs typeface="Courier New" panose="02070309020205020404" pitchFamily="49" charset="0"/>
+              </a:rPr>
+              <a:t>maxval</a:t>
+            </a:r>
+            <a:r>
+              <a:rPr lang="en-US" dirty="0">
+                <a:latin typeface="Courier New" panose="02070309020205020404" pitchFamily="49" charset="0"/>
+                <a:cs typeface="Courier New" panose="02070309020205020404" pitchFamily="49" charset="0"/>
+              </a:rPr>
+              <a:t>, </a:t>
+            </a:r>
+            <a:r>
+              <a:rPr lang="en-US" dirty="0" err="1">
+                <a:latin typeface="Courier New" panose="02070309020205020404" pitchFamily="49" charset="0"/>
+                <a:cs typeface="Courier New" panose="02070309020205020404" pitchFamily="49" charset="0"/>
+              </a:rPr>
+              <a:t>minval</a:t>
+            </a:r>
+            <a:r>
+              <a:rPr lang="en-US" dirty="0">
+                <a:latin typeface="Courier New" panose="02070309020205020404" pitchFamily="49" charset="0"/>
+                <a:cs typeface="Courier New" panose="02070309020205020404" pitchFamily="49" charset="0"/>
+              </a:rPr>
+              <a:t>;</a:t>
+            </a:r>
+          </a:p>
+          <a:p>
+            <a:endParaRPr lang="en-US" dirty="0">
+              <a:latin typeface="Courier New" panose="02070309020205020404" pitchFamily="49" charset="0"/>
+              <a:cs typeface="Courier New" panose="02070309020205020404" pitchFamily="49" charset="0"/>
+            </a:endParaRPr>
+          </a:p>
+          <a:p>
+            <a:r>
+              <a:rPr lang="en-US" dirty="0">
+                <a:latin typeface="Courier New" panose="02070309020205020404" pitchFamily="49" charset="0"/>
+                <a:cs typeface="Courier New" panose="02070309020205020404" pitchFamily="49" charset="0"/>
+              </a:rPr>
+              <a:t>    while(</a:t>
+            </a:r>
+            <a:r>
+              <a:rPr lang="en-US" dirty="0" err="1">
+                <a:latin typeface="Courier New" panose="02070309020205020404" pitchFamily="49" charset="0"/>
+                <a:cs typeface="Courier New" panose="02070309020205020404" pitchFamily="49" charset="0"/>
+              </a:rPr>
+              <a:t>scanf</a:t>
+            </a:r>
+            <a:r>
+              <a:rPr lang="en-US" dirty="0">
+                <a:latin typeface="Courier New" panose="02070309020205020404" pitchFamily="49" charset="0"/>
+                <a:cs typeface="Courier New" panose="02070309020205020404" pitchFamily="49" charset="0"/>
+              </a:rPr>
+              <a:t>("%d",&amp;</a:t>
+            </a:r>
+            <a:r>
+              <a:rPr lang="en-US" dirty="0" err="1">
+                <a:latin typeface="Courier New" panose="02070309020205020404" pitchFamily="49" charset="0"/>
+                <a:cs typeface="Courier New" panose="02070309020205020404" pitchFamily="49" charset="0"/>
+              </a:rPr>
+              <a:t>val</a:t>
+            </a:r>
+            <a:r>
+              <a:rPr lang="en-US" dirty="0">
+                <a:latin typeface="Courier New" panose="02070309020205020404" pitchFamily="49" charset="0"/>
+                <a:cs typeface="Courier New" panose="02070309020205020404" pitchFamily="49" charset="0"/>
+              </a:rPr>
+              <a:t>) != EOF ) {</a:t>
+            </a:r>
+          </a:p>
+          <a:p>
+            <a:r>
+              <a:rPr lang="en-US" dirty="0">
+                <a:latin typeface="Courier New" panose="02070309020205020404" pitchFamily="49" charset="0"/>
+                <a:cs typeface="Courier New" panose="02070309020205020404" pitchFamily="49" charset="0"/>
+              </a:rPr>
+              <a:t>        if ( first ) {</a:t>
+            </a:r>
+          </a:p>
+          <a:p>
+            <a:r>
+              <a:rPr lang="en-US" dirty="0">
+                <a:latin typeface="Courier New" panose="02070309020205020404" pitchFamily="49" charset="0"/>
+                <a:cs typeface="Courier New" panose="02070309020205020404" pitchFamily="49" charset="0"/>
+              </a:rPr>
+              <a:t>            </a:t>
+            </a:r>
+            <a:r>
+              <a:rPr lang="en-US" dirty="0" err="1">
+                <a:latin typeface="Courier New" panose="02070309020205020404" pitchFamily="49" charset="0"/>
+                <a:cs typeface="Courier New" panose="02070309020205020404" pitchFamily="49" charset="0"/>
+              </a:rPr>
+              <a:t>maxval</a:t>
+            </a:r>
+            <a:r>
+              <a:rPr lang="en-US" dirty="0">
+                <a:latin typeface="Courier New" panose="02070309020205020404" pitchFamily="49" charset="0"/>
+                <a:cs typeface="Courier New" panose="02070309020205020404" pitchFamily="49" charset="0"/>
+              </a:rPr>
+              <a:t> = </a:t>
+            </a:r>
+            <a:r>
+              <a:rPr lang="en-US" dirty="0" err="1">
+                <a:latin typeface="Courier New" panose="02070309020205020404" pitchFamily="49" charset="0"/>
+                <a:cs typeface="Courier New" panose="02070309020205020404" pitchFamily="49" charset="0"/>
+              </a:rPr>
+              <a:t>val</a:t>
+            </a:r>
+            <a:r>
+              <a:rPr lang="en-US" dirty="0">
+                <a:latin typeface="Courier New" panose="02070309020205020404" pitchFamily="49" charset="0"/>
+                <a:cs typeface="Courier New" panose="02070309020205020404" pitchFamily="49" charset="0"/>
+              </a:rPr>
+              <a:t>;</a:t>
+            </a:r>
+          </a:p>
+          <a:p>
+            <a:r>
+              <a:rPr lang="en-US" dirty="0">
+                <a:latin typeface="Courier New" panose="02070309020205020404" pitchFamily="49" charset="0"/>
+                <a:cs typeface="Courier New" panose="02070309020205020404" pitchFamily="49" charset="0"/>
+              </a:rPr>
+              <a:t>            </a:t>
+            </a:r>
+            <a:r>
+              <a:rPr lang="en-US" dirty="0" err="1">
+                <a:latin typeface="Courier New" panose="02070309020205020404" pitchFamily="49" charset="0"/>
+                <a:cs typeface="Courier New" panose="02070309020205020404" pitchFamily="49" charset="0"/>
+              </a:rPr>
+              <a:t>minval</a:t>
+            </a:r>
+            <a:r>
+              <a:rPr lang="en-US" dirty="0">
+                <a:latin typeface="Courier New" panose="02070309020205020404" pitchFamily="49" charset="0"/>
+                <a:cs typeface="Courier New" panose="02070309020205020404" pitchFamily="49" charset="0"/>
+              </a:rPr>
+              <a:t> = </a:t>
+            </a:r>
+            <a:r>
+              <a:rPr lang="en-US" dirty="0" err="1">
+                <a:latin typeface="Courier New" panose="02070309020205020404" pitchFamily="49" charset="0"/>
+                <a:cs typeface="Courier New" panose="02070309020205020404" pitchFamily="49" charset="0"/>
+              </a:rPr>
+              <a:t>val</a:t>
+            </a:r>
+            <a:r>
+              <a:rPr lang="en-US" dirty="0">
+                <a:latin typeface="Courier New" panose="02070309020205020404" pitchFamily="49" charset="0"/>
+                <a:cs typeface="Courier New" panose="02070309020205020404" pitchFamily="49" charset="0"/>
+              </a:rPr>
+              <a:t>;</a:t>
+            </a:r>
+          </a:p>
+          <a:p>
+            <a:r>
+              <a:rPr lang="en-US" dirty="0">
+                <a:latin typeface="Courier New" panose="02070309020205020404" pitchFamily="49" charset="0"/>
+                <a:cs typeface="Courier New" panose="02070309020205020404" pitchFamily="49" charset="0"/>
+              </a:rPr>
+              <a:t>            first = 0;</a:t>
+            </a:r>
+          </a:p>
+          <a:p>
+            <a:r>
+              <a:rPr lang="en-US" dirty="0">
+                <a:latin typeface="Courier New" panose="02070309020205020404" pitchFamily="49" charset="0"/>
+                <a:cs typeface="Courier New" panose="02070309020205020404" pitchFamily="49" charset="0"/>
+              </a:rPr>
+              <a:t>        } else {</a:t>
+            </a:r>
+          </a:p>
+          <a:p>
+            <a:r>
+              <a:rPr lang="en-US" dirty="0">
+                <a:latin typeface="Courier New" panose="02070309020205020404" pitchFamily="49" charset="0"/>
+                <a:cs typeface="Courier New" panose="02070309020205020404" pitchFamily="49" charset="0"/>
+              </a:rPr>
+              <a:t>            if ( </a:t>
+            </a:r>
+            <a:r>
+              <a:rPr lang="en-US" dirty="0" err="1">
+                <a:latin typeface="Courier New" panose="02070309020205020404" pitchFamily="49" charset="0"/>
+                <a:cs typeface="Courier New" panose="02070309020205020404" pitchFamily="49" charset="0"/>
+              </a:rPr>
+              <a:t>val</a:t>
+            </a:r>
+            <a:r>
+              <a:rPr lang="en-US" dirty="0">
+                <a:latin typeface="Courier New" panose="02070309020205020404" pitchFamily="49" charset="0"/>
+                <a:cs typeface="Courier New" panose="02070309020205020404" pitchFamily="49" charset="0"/>
+              </a:rPr>
+              <a:t> &gt; </a:t>
+            </a:r>
+            <a:r>
+              <a:rPr lang="en-US" dirty="0" err="1">
+                <a:latin typeface="Courier New" panose="02070309020205020404" pitchFamily="49" charset="0"/>
+                <a:cs typeface="Courier New" panose="02070309020205020404" pitchFamily="49" charset="0"/>
+              </a:rPr>
+              <a:t>maxval</a:t>
+            </a:r>
+            <a:r>
+              <a:rPr lang="en-US" dirty="0">
+                <a:latin typeface="Courier New" panose="02070309020205020404" pitchFamily="49" charset="0"/>
+                <a:cs typeface="Courier New" panose="02070309020205020404" pitchFamily="49" charset="0"/>
+              </a:rPr>
+              <a:t> ) </a:t>
+            </a:r>
+            <a:r>
+              <a:rPr lang="en-US" dirty="0" err="1">
+                <a:latin typeface="Courier New" panose="02070309020205020404" pitchFamily="49" charset="0"/>
+                <a:cs typeface="Courier New" panose="02070309020205020404" pitchFamily="49" charset="0"/>
+              </a:rPr>
+              <a:t>maxval</a:t>
+            </a:r>
+            <a:r>
+              <a:rPr lang="en-US" dirty="0">
+                <a:latin typeface="Courier New" panose="02070309020205020404" pitchFamily="49" charset="0"/>
+                <a:cs typeface="Courier New" panose="02070309020205020404" pitchFamily="49" charset="0"/>
+              </a:rPr>
+              <a:t> = </a:t>
+            </a:r>
+            <a:r>
+              <a:rPr lang="en-US" dirty="0" err="1">
+                <a:latin typeface="Courier New" panose="02070309020205020404" pitchFamily="49" charset="0"/>
+                <a:cs typeface="Courier New" panose="02070309020205020404" pitchFamily="49" charset="0"/>
+              </a:rPr>
+              <a:t>val</a:t>
+            </a:r>
+            <a:r>
+              <a:rPr lang="en-US" dirty="0">
+                <a:latin typeface="Courier New" panose="02070309020205020404" pitchFamily="49" charset="0"/>
+                <a:cs typeface="Courier New" panose="02070309020205020404" pitchFamily="49" charset="0"/>
+              </a:rPr>
+              <a:t>;</a:t>
+            </a:r>
+          </a:p>
+          <a:p>
+            <a:r>
+              <a:rPr lang="en-US" dirty="0">
+                <a:latin typeface="Courier New" panose="02070309020205020404" pitchFamily="49" charset="0"/>
+                <a:cs typeface="Courier New" panose="02070309020205020404" pitchFamily="49" charset="0"/>
+              </a:rPr>
+              <a:t>            if ( </a:t>
+            </a:r>
+            <a:r>
+              <a:rPr lang="en-US" dirty="0" err="1">
+                <a:latin typeface="Courier New" panose="02070309020205020404" pitchFamily="49" charset="0"/>
+                <a:cs typeface="Courier New" panose="02070309020205020404" pitchFamily="49" charset="0"/>
+              </a:rPr>
+              <a:t>val</a:t>
+            </a:r>
+            <a:r>
+              <a:rPr lang="en-US" dirty="0">
+                <a:latin typeface="Courier New" panose="02070309020205020404" pitchFamily="49" charset="0"/>
+                <a:cs typeface="Courier New" panose="02070309020205020404" pitchFamily="49" charset="0"/>
+              </a:rPr>
+              <a:t> &lt; </a:t>
+            </a:r>
+            <a:r>
+              <a:rPr lang="en-US" dirty="0" err="1">
+                <a:latin typeface="Courier New" panose="02070309020205020404" pitchFamily="49" charset="0"/>
+                <a:cs typeface="Courier New" panose="02070309020205020404" pitchFamily="49" charset="0"/>
+              </a:rPr>
+              <a:t>minval</a:t>
+            </a:r>
+            <a:r>
+              <a:rPr lang="en-US" dirty="0">
+                <a:latin typeface="Courier New" panose="02070309020205020404" pitchFamily="49" charset="0"/>
+                <a:cs typeface="Courier New" panose="02070309020205020404" pitchFamily="49" charset="0"/>
+              </a:rPr>
+              <a:t> ) </a:t>
+            </a:r>
+            <a:r>
+              <a:rPr lang="en-US" dirty="0" err="1">
+                <a:latin typeface="Courier New" panose="02070309020205020404" pitchFamily="49" charset="0"/>
+                <a:cs typeface="Courier New" panose="02070309020205020404" pitchFamily="49" charset="0"/>
+              </a:rPr>
+              <a:t>minval</a:t>
+            </a:r>
+            <a:r>
+              <a:rPr lang="en-US" dirty="0">
+                <a:latin typeface="Courier New" panose="02070309020205020404" pitchFamily="49" charset="0"/>
+                <a:cs typeface="Courier New" panose="02070309020205020404" pitchFamily="49" charset="0"/>
+              </a:rPr>
+              <a:t> = </a:t>
+            </a:r>
+            <a:r>
+              <a:rPr lang="en-US" dirty="0" err="1">
+                <a:latin typeface="Courier New" panose="02070309020205020404" pitchFamily="49" charset="0"/>
+                <a:cs typeface="Courier New" panose="02070309020205020404" pitchFamily="49" charset="0"/>
+              </a:rPr>
+              <a:t>val</a:t>
+            </a:r>
+            <a:r>
+              <a:rPr lang="en-US" dirty="0">
+                <a:latin typeface="Courier New" panose="02070309020205020404" pitchFamily="49" charset="0"/>
+                <a:cs typeface="Courier New" panose="02070309020205020404" pitchFamily="49" charset="0"/>
+              </a:rPr>
+              <a:t>;</a:t>
+            </a:r>
+          </a:p>
+          <a:p>
+            <a:r>
+              <a:rPr lang="en-US" dirty="0">
+                <a:latin typeface="Courier New" panose="02070309020205020404" pitchFamily="49" charset="0"/>
+                <a:cs typeface="Courier New" panose="02070309020205020404" pitchFamily="49" charset="0"/>
+              </a:rPr>
+              <a:t>        }</a:t>
+            </a:r>
+          </a:p>
+          <a:p>
+            <a:r>
+              <a:rPr lang="en-US" dirty="0">
+                <a:latin typeface="Courier New" panose="02070309020205020404" pitchFamily="49" charset="0"/>
+                <a:cs typeface="Courier New" panose="02070309020205020404" pitchFamily="49" charset="0"/>
+              </a:rPr>
+              <a:t>    }</a:t>
+            </a:r>
+          </a:p>
+          <a:p>
+            <a:r>
+              <a:rPr lang="en-US" dirty="0">
+                <a:latin typeface="Courier New" panose="02070309020205020404" pitchFamily="49" charset="0"/>
+                <a:cs typeface="Courier New" panose="02070309020205020404" pitchFamily="49" charset="0"/>
+              </a:rPr>
+              <a:t>        </a:t>
+            </a:r>
+          </a:p>
+          <a:p>
+            <a:r>
+              <a:rPr lang="en-US" dirty="0">
+                <a:latin typeface="Courier New" panose="02070309020205020404" pitchFamily="49" charset="0"/>
+                <a:cs typeface="Courier New" panose="02070309020205020404" pitchFamily="49" charset="0"/>
+              </a:rPr>
+              <a:t>    </a:t>
+            </a:r>
+            <a:r>
+              <a:rPr lang="en-US" dirty="0" err="1">
+                <a:latin typeface="Courier New" panose="02070309020205020404" pitchFamily="49" charset="0"/>
+                <a:cs typeface="Courier New" panose="02070309020205020404" pitchFamily="49" charset="0"/>
+              </a:rPr>
+              <a:t>printf</a:t>
+            </a:r>
+            <a:r>
+              <a:rPr lang="en-US" dirty="0">
+                <a:latin typeface="Courier New" panose="02070309020205020404" pitchFamily="49" charset="0"/>
+                <a:cs typeface="Courier New" panose="02070309020205020404" pitchFamily="49" charset="0"/>
+              </a:rPr>
+              <a:t>("Maximum %d\n", </a:t>
+            </a:r>
+            <a:r>
+              <a:rPr lang="en-US" dirty="0" err="1">
+                <a:latin typeface="Courier New" panose="02070309020205020404" pitchFamily="49" charset="0"/>
+                <a:cs typeface="Courier New" panose="02070309020205020404" pitchFamily="49" charset="0"/>
+              </a:rPr>
+              <a:t>maxval</a:t>
+            </a:r>
+            <a:r>
+              <a:rPr lang="en-US" dirty="0">
+                <a:latin typeface="Courier New" panose="02070309020205020404" pitchFamily="49" charset="0"/>
+                <a:cs typeface="Courier New" panose="02070309020205020404" pitchFamily="49" charset="0"/>
+              </a:rPr>
+              <a:t>);</a:t>
+            </a:r>
+          </a:p>
+          <a:p>
+            <a:r>
+              <a:rPr lang="en-US" dirty="0">
+                <a:latin typeface="Courier New" panose="02070309020205020404" pitchFamily="49" charset="0"/>
+                <a:cs typeface="Courier New" panose="02070309020205020404" pitchFamily="49" charset="0"/>
+              </a:rPr>
+              <a:t>    </a:t>
+            </a:r>
+            <a:r>
+              <a:rPr lang="en-US" dirty="0" err="1">
+                <a:latin typeface="Courier New" panose="02070309020205020404" pitchFamily="49" charset="0"/>
+                <a:cs typeface="Courier New" panose="02070309020205020404" pitchFamily="49" charset="0"/>
+              </a:rPr>
+              <a:t>printf</a:t>
+            </a:r>
+            <a:r>
+              <a:rPr lang="en-US" dirty="0">
+                <a:latin typeface="Courier New" panose="02070309020205020404" pitchFamily="49" charset="0"/>
+                <a:cs typeface="Courier New" panose="02070309020205020404" pitchFamily="49" charset="0"/>
+              </a:rPr>
+              <a:t>("Minimum %d\n", </a:t>
+            </a:r>
+            <a:r>
+              <a:rPr lang="en-US" dirty="0" err="1">
+                <a:latin typeface="Courier New" panose="02070309020205020404" pitchFamily="49" charset="0"/>
+                <a:cs typeface="Courier New" panose="02070309020205020404" pitchFamily="49" charset="0"/>
+              </a:rPr>
+              <a:t>minval</a:t>
+            </a:r>
+            <a:r>
+              <a:rPr lang="en-US" dirty="0">
+                <a:latin typeface="Courier New" panose="02070309020205020404" pitchFamily="49" charset="0"/>
+                <a:cs typeface="Courier New" panose="02070309020205020404" pitchFamily="49" charset="0"/>
+              </a:rPr>
+              <a:t>);</a:t>
+            </a:r>
+          </a:p>
+          <a:p>
+            <a:r>
+              <a:rPr lang="en-US" dirty="0">
+                <a:latin typeface="Courier New" panose="02070309020205020404" pitchFamily="49" charset="0"/>
+                <a:cs typeface="Courier New" panose="02070309020205020404" pitchFamily="49" charset="0"/>
+              </a:rPr>
+              <a:t>}</a:t>
+            </a:r>
+          </a:p>
+        </p:txBody>
+      </p:sp>
+      <p:sp>
+        <p:nvSpPr>
+          <p:cNvPr id="7" name="TextBox 6">
+            <a:extLst>
+              <a:ext uri="{FF2B5EF4-FFF2-40B4-BE49-F238E27FC236}">
+                <a16:creationId xmlns:a16="http://schemas.microsoft.com/office/drawing/2014/main" id="{03B4458A-37BA-02AB-CE8C-B288D36FE6BF}"/>
+              </a:ext>
+            </a:extLst>
+          </p:cNvPr>
+          <p:cNvSpPr txBox="1"/>
+          <p:nvPr/>
+        </p:nvSpPr>
+        <p:spPr>
+          <a:xfrm>
+            <a:off x="2253614" y="1690688"/>
+            <a:ext cx="1425390" cy="3693319"/>
+          </a:xfrm>
+          <a:prstGeom prst="rect">
+            <a:avLst/>
+          </a:prstGeom>
+          <a:noFill/>
+        </p:spPr>
+        <p:txBody>
+          <a:bodyPr wrap="none" rtlCol="0">
+            <a:spAutoFit/>
+          </a:bodyPr>
+          <a:lstStyle/>
+          <a:p>
+            <a:r>
+              <a:rPr lang="en-US" dirty="0">
+                <a:latin typeface="Monaco" pitchFamily="2" charset="77"/>
+              </a:rPr>
+              <a:t>5</a:t>
+            </a:r>
+          </a:p>
+          <a:p>
+            <a:r>
+              <a:rPr lang="en-US" dirty="0">
+                <a:latin typeface="Monaco" pitchFamily="2" charset="77"/>
+              </a:rPr>
+              <a:t>2</a:t>
+            </a:r>
+          </a:p>
+          <a:p>
+            <a:r>
+              <a:rPr lang="en-US" dirty="0">
+                <a:latin typeface="Monaco" pitchFamily="2" charset="77"/>
+              </a:rPr>
+              <a:t>9</a:t>
+            </a:r>
+          </a:p>
+          <a:p>
+            <a:r>
+              <a:rPr lang="en-US" dirty="0">
+                <a:latin typeface="Monaco" pitchFamily="2" charset="77"/>
+              </a:rPr>
+              <a:t>(EOF)</a:t>
+            </a:r>
+          </a:p>
+          <a:p>
+            <a:r>
+              <a:rPr lang="en-US" dirty="0">
+                <a:latin typeface="Monaco" pitchFamily="2" charset="77"/>
+              </a:rPr>
+              <a:t>Maximum 9</a:t>
+            </a:r>
+          </a:p>
+          <a:p>
+            <a:r>
+              <a:rPr lang="en-US" dirty="0">
+                <a:latin typeface="Monaco" pitchFamily="2" charset="77"/>
+              </a:rPr>
+              <a:t>Minimum 2</a:t>
+            </a:r>
+          </a:p>
+          <a:p>
+            <a:endParaRPr lang="en-US" dirty="0">
+              <a:latin typeface="Monaco" pitchFamily="2" charset="77"/>
+            </a:endParaRPr>
+          </a:p>
+          <a:p>
+            <a:endParaRPr lang="en-US" dirty="0">
+              <a:latin typeface="Monaco" pitchFamily="2" charset="77"/>
+            </a:endParaRPr>
+          </a:p>
+          <a:p>
+            <a:endParaRPr lang="en-US" dirty="0">
+              <a:latin typeface="Monaco" pitchFamily="2" charset="77"/>
+            </a:endParaRPr>
+          </a:p>
+          <a:p>
+            <a:r>
+              <a:rPr lang="en-US" dirty="0">
+                <a:latin typeface="Monaco" pitchFamily="2" charset="77"/>
+              </a:rPr>
+              <a:t>5 2 9</a:t>
+            </a:r>
+          </a:p>
+          <a:p>
+            <a:r>
+              <a:rPr lang="en-US" dirty="0">
+                <a:latin typeface="Monaco" pitchFamily="2" charset="77"/>
+              </a:rPr>
+              <a:t>(EOF)</a:t>
+            </a:r>
+          </a:p>
+          <a:p>
+            <a:r>
+              <a:rPr lang="en-US" dirty="0">
+                <a:latin typeface="Monaco" pitchFamily="2" charset="77"/>
+              </a:rPr>
+              <a:t>Maximum 9</a:t>
+            </a:r>
+          </a:p>
+          <a:p>
+            <a:r>
+              <a:rPr lang="en-US" dirty="0">
+                <a:latin typeface="Monaco" pitchFamily="2" charset="77"/>
+              </a:rPr>
+              <a:t>Minimum 2</a:t>
+            </a:r>
+          </a:p>
+        </p:txBody>
+      </p:sp>
+    </p:spTree>
+    <p:extLst>
+      <p:ext uri="{BB962C8B-B14F-4D97-AF65-F5344CB8AC3E}">
+        <p14:creationId xmlns:p14="http://schemas.microsoft.com/office/powerpoint/2010/main" val="2735925725"/>
       </p:ext>
     </p:extLst>
   </p:cSld>

--- a/lectures/CC-02-Python.pptx
+++ b/lectures/CC-02-Python.pptx
@@ -22,6 +22,7 @@
     <p:sldId id="271" r:id="rId16"/>
     <p:sldId id="272" r:id="rId17"/>
     <p:sldId id="273" r:id="rId18"/>
+    <p:sldId id="274" r:id="rId19"/>
   </p:sldIdLst>
   <p:sldSz cx="12192000" cy="6858000"/>
   <p:notesSz cx="6858000" cy="9144000"/>
@@ -7528,6 +7529,577 @@
 </p:sld>
 </file>
 
+<file path=ppt/slides/slide18.xml><?xml version="1.0" encoding="utf-8"?>
+<p:sld xmlns:a="http://schemas.openxmlformats.org/drawingml/2006/main" xmlns:r="http://schemas.openxmlformats.org/officeDocument/2006/relationships" xmlns:p="http://schemas.openxmlformats.org/presentationml/2006/main">
+  <p:cSld>
+    <p:spTree>
+      <p:nvGrpSpPr>
+        <p:cNvPr id="1" name=""/>
+        <p:cNvGrpSpPr/>
+        <p:nvPr/>
+      </p:nvGrpSpPr>
+      <p:grpSpPr>
+        <a:xfrm>
+          <a:off x="0" y="0"/>
+          <a:ext cx="0" cy="0"/>
+          <a:chOff x="0" y="0"/>
+          <a:chExt cx="0" cy="0"/>
+        </a:xfrm>
+      </p:grpSpPr>
+      <p:sp>
+        <p:nvSpPr>
+          <p:cNvPr id="4" name="Title 3">
+            <a:extLst>
+              <a:ext uri="{FF2B5EF4-FFF2-40B4-BE49-F238E27FC236}">
+                <a16:creationId xmlns:a16="http://schemas.microsoft.com/office/drawing/2014/main" id="{C2B508E1-B5B9-9A0B-37F0-15F2BB303BFA}"/>
+              </a:ext>
+            </a:extLst>
+          </p:cNvPr>
+          <p:cNvSpPr>
+            <a:spLocks noGrp="1"/>
+          </p:cNvSpPr>
+          <p:nvPr>
+            <p:ph type="title"/>
+          </p:nvPr>
+        </p:nvSpPr>
+        <p:spPr/>
+        <p:txBody>
+          <a:bodyPr/>
+          <a:lstStyle/>
+          <a:p>
+            <a:r>
+              <a:rPr lang="en-US" dirty="0"/>
+              <a:t>Guessing</a:t>
+            </a:r>
+          </a:p>
+        </p:txBody>
+      </p:sp>
+      <p:sp>
+        <p:nvSpPr>
+          <p:cNvPr id="5" name="TextBox 4">
+            <a:extLst>
+              <a:ext uri="{FF2B5EF4-FFF2-40B4-BE49-F238E27FC236}">
+                <a16:creationId xmlns:a16="http://schemas.microsoft.com/office/drawing/2014/main" id="{FDC36094-8775-EBE3-1FED-6DF8907EC500}"/>
+              </a:ext>
+            </a:extLst>
+          </p:cNvPr>
+          <p:cNvSpPr txBox="1"/>
+          <p:nvPr/>
+        </p:nvSpPr>
+        <p:spPr>
+          <a:xfrm>
+            <a:off x="316833" y="1659285"/>
+            <a:ext cx="4998484" cy="3539430"/>
+          </a:xfrm>
+          <a:prstGeom prst="rect">
+            <a:avLst/>
+          </a:prstGeom>
+          <a:noFill/>
+        </p:spPr>
+        <p:txBody>
+          <a:bodyPr wrap="none" rtlCol="0">
+            <a:spAutoFit/>
+          </a:bodyPr>
+          <a:lstStyle/>
+          <a:p>
+            <a:r>
+              <a:rPr lang="en-US" sz="1600" dirty="0">
+                <a:latin typeface="Courier New" panose="02070309020205020404" pitchFamily="49" charset="0"/>
+                <a:cs typeface="Courier New" panose="02070309020205020404" pitchFamily="49" charset="0"/>
+              </a:rPr>
+              <a:t>while True:</a:t>
+            </a:r>
+          </a:p>
+          <a:p>
+            <a:r>
+              <a:rPr lang="en-US" sz="1600" dirty="0">
+                <a:latin typeface="Courier New" panose="02070309020205020404" pitchFamily="49" charset="0"/>
+                <a:cs typeface="Courier New" panose="02070309020205020404" pitchFamily="49" charset="0"/>
+              </a:rPr>
+              <a:t>    try:</a:t>
+            </a:r>
+          </a:p>
+          <a:p>
+            <a:r>
+              <a:rPr lang="en-US" sz="1600" dirty="0">
+                <a:latin typeface="Courier New" panose="02070309020205020404" pitchFamily="49" charset="0"/>
+                <a:cs typeface="Courier New" panose="02070309020205020404" pitchFamily="49" charset="0"/>
+              </a:rPr>
+              <a:t>        line = input()</a:t>
+            </a:r>
+          </a:p>
+          <a:p>
+            <a:r>
+              <a:rPr lang="en-US" sz="1600" dirty="0">
+                <a:latin typeface="Courier New" panose="02070309020205020404" pitchFamily="49" charset="0"/>
+                <a:cs typeface="Courier New" panose="02070309020205020404" pitchFamily="49" charset="0"/>
+              </a:rPr>
+              <a:t>    except:  # If we get EOF</a:t>
+            </a:r>
+          </a:p>
+          <a:p>
+            <a:r>
+              <a:rPr lang="en-US" sz="1600" dirty="0">
+                <a:latin typeface="Courier New" panose="02070309020205020404" pitchFamily="49" charset="0"/>
+                <a:cs typeface="Courier New" panose="02070309020205020404" pitchFamily="49" charset="0"/>
+              </a:rPr>
+              <a:t>        break</a:t>
+            </a:r>
+          </a:p>
+          <a:p>
+            <a:r>
+              <a:rPr lang="en-US" sz="1600" dirty="0">
+                <a:latin typeface="Courier New" panose="02070309020205020404" pitchFamily="49" charset="0"/>
+                <a:cs typeface="Courier New" panose="02070309020205020404" pitchFamily="49" charset="0"/>
+              </a:rPr>
+              <a:t>    line = </a:t>
+            </a:r>
+            <a:r>
+              <a:rPr lang="en-US" sz="1600" dirty="0" err="1">
+                <a:latin typeface="Courier New" panose="02070309020205020404" pitchFamily="49" charset="0"/>
+                <a:cs typeface="Courier New" panose="02070309020205020404" pitchFamily="49" charset="0"/>
+              </a:rPr>
+              <a:t>line.strip</a:t>
+            </a:r>
+            <a:r>
+              <a:rPr lang="en-US" sz="1600" dirty="0">
+                <a:latin typeface="Courier New" panose="02070309020205020404" pitchFamily="49" charset="0"/>
+                <a:cs typeface="Courier New" panose="02070309020205020404" pitchFamily="49" charset="0"/>
+              </a:rPr>
+              <a:t>()</a:t>
+            </a:r>
+          </a:p>
+          <a:p>
+            <a:r>
+              <a:rPr lang="en-US" sz="1600" dirty="0">
+                <a:latin typeface="Courier New" panose="02070309020205020404" pitchFamily="49" charset="0"/>
+                <a:cs typeface="Courier New" panose="02070309020205020404" pitchFamily="49" charset="0"/>
+              </a:rPr>
+              <a:t>    guess = int(line)</a:t>
+            </a:r>
+          </a:p>
+          <a:p>
+            <a:r>
+              <a:rPr lang="en-US" sz="1600" dirty="0">
+                <a:latin typeface="Courier New" panose="02070309020205020404" pitchFamily="49" charset="0"/>
+                <a:cs typeface="Courier New" panose="02070309020205020404" pitchFamily="49" charset="0"/>
+              </a:rPr>
+              <a:t>    if guess == 42:</a:t>
+            </a:r>
+          </a:p>
+          <a:p>
+            <a:r>
+              <a:rPr lang="en-US" sz="1600" dirty="0">
+                <a:latin typeface="Courier New" panose="02070309020205020404" pitchFamily="49" charset="0"/>
+                <a:cs typeface="Courier New" panose="02070309020205020404" pitchFamily="49" charset="0"/>
+              </a:rPr>
+              <a:t>        print('Nice work!')</a:t>
+            </a:r>
+          </a:p>
+          <a:p>
+            <a:r>
+              <a:rPr lang="en-US" sz="1600" dirty="0">
+                <a:latin typeface="Courier New" panose="02070309020205020404" pitchFamily="49" charset="0"/>
+                <a:cs typeface="Courier New" panose="02070309020205020404" pitchFamily="49" charset="0"/>
+              </a:rPr>
+              <a:t>        break</a:t>
+            </a:r>
+          </a:p>
+          <a:p>
+            <a:r>
+              <a:rPr lang="en-US" sz="1600" dirty="0">
+                <a:latin typeface="Courier New" panose="02070309020205020404" pitchFamily="49" charset="0"/>
+                <a:cs typeface="Courier New" panose="02070309020205020404" pitchFamily="49" charset="0"/>
+              </a:rPr>
+              <a:t>    </a:t>
+            </a:r>
+            <a:r>
+              <a:rPr lang="en-US" sz="1600" dirty="0" err="1">
+                <a:latin typeface="Courier New" panose="02070309020205020404" pitchFamily="49" charset="0"/>
+                <a:cs typeface="Courier New" panose="02070309020205020404" pitchFamily="49" charset="0"/>
+              </a:rPr>
+              <a:t>elif</a:t>
+            </a:r>
+            <a:r>
+              <a:rPr lang="en-US" sz="1600" dirty="0">
+                <a:latin typeface="Courier New" panose="02070309020205020404" pitchFamily="49" charset="0"/>
+                <a:cs typeface="Courier New" panose="02070309020205020404" pitchFamily="49" charset="0"/>
+              </a:rPr>
+              <a:t> guess &lt; 42 : </a:t>
+            </a:r>
+          </a:p>
+          <a:p>
+            <a:r>
+              <a:rPr lang="en-US" sz="1600" dirty="0">
+                <a:latin typeface="Courier New" panose="02070309020205020404" pitchFamily="49" charset="0"/>
+                <a:cs typeface="Courier New" panose="02070309020205020404" pitchFamily="49" charset="0"/>
+              </a:rPr>
+              <a:t>        print('Too low - guess again')</a:t>
+            </a:r>
+          </a:p>
+          <a:p>
+            <a:r>
+              <a:rPr lang="en-US" sz="1600" dirty="0">
+                <a:latin typeface="Courier New" panose="02070309020205020404" pitchFamily="49" charset="0"/>
+                <a:cs typeface="Courier New" panose="02070309020205020404" pitchFamily="49" charset="0"/>
+              </a:rPr>
+              <a:t>    else :</a:t>
+            </a:r>
+          </a:p>
+          <a:p>
+            <a:r>
+              <a:rPr lang="en-US" sz="1600" dirty="0">
+                <a:latin typeface="Courier New" panose="02070309020205020404" pitchFamily="49" charset="0"/>
+                <a:cs typeface="Courier New" panose="02070309020205020404" pitchFamily="49" charset="0"/>
+              </a:rPr>
+              <a:t>        print('Too </a:t>
+            </a:r>
+            <a:r>
+              <a:rPr lang="en-US" sz="1600">
+                <a:latin typeface="Courier New" panose="02070309020205020404" pitchFamily="49" charset="0"/>
+                <a:cs typeface="Courier New" panose="02070309020205020404" pitchFamily="49" charset="0"/>
+              </a:rPr>
+              <a:t>high - guess </a:t>
+            </a:r>
+            <a:r>
+              <a:rPr lang="en-US" sz="1600" dirty="0">
+                <a:latin typeface="Courier New" panose="02070309020205020404" pitchFamily="49" charset="0"/>
+                <a:cs typeface="Courier New" panose="02070309020205020404" pitchFamily="49" charset="0"/>
+              </a:rPr>
+              <a:t>again')</a:t>
+            </a:r>
+          </a:p>
+        </p:txBody>
+      </p:sp>
+      <p:sp>
+        <p:nvSpPr>
+          <p:cNvPr id="6" name="TextBox 5">
+            <a:extLst>
+              <a:ext uri="{FF2B5EF4-FFF2-40B4-BE49-F238E27FC236}">
+                <a16:creationId xmlns:a16="http://schemas.microsoft.com/office/drawing/2014/main" id="{C004B7C8-BBD4-1EE7-3894-3C801D6DC253}"/>
+              </a:ext>
+            </a:extLst>
+          </p:cNvPr>
+          <p:cNvSpPr txBox="1"/>
+          <p:nvPr/>
+        </p:nvSpPr>
+        <p:spPr>
+          <a:xfrm>
+            <a:off x="5713253" y="766733"/>
+            <a:ext cx="5985934" cy="3539430"/>
+          </a:xfrm>
+          <a:prstGeom prst="rect">
+            <a:avLst/>
+          </a:prstGeom>
+          <a:noFill/>
+        </p:spPr>
+        <p:txBody>
+          <a:bodyPr wrap="none" rtlCol="0">
+            <a:spAutoFit/>
+          </a:bodyPr>
+          <a:lstStyle/>
+          <a:p>
+            <a:r>
+              <a:rPr lang="en-US" sz="1600" dirty="0">
+                <a:latin typeface="Courier New" panose="02070309020205020404" pitchFamily="49" charset="0"/>
+                <a:cs typeface="Courier New" panose="02070309020205020404" pitchFamily="49" charset="0"/>
+              </a:rPr>
+              <a:t>#include &lt;</a:t>
+            </a:r>
+            <a:r>
+              <a:rPr lang="en-US" sz="1600" dirty="0" err="1">
+                <a:latin typeface="Courier New" panose="02070309020205020404" pitchFamily="49" charset="0"/>
+                <a:cs typeface="Courier New" panose="02070309020205020404" pitchFamily="49" charset="0"/>
+              </a:rPr>
+              <a:t>stdio.h</a:t>
+            </a:r>
+            <a:r>
+              <a:rPr lang="en-US" sz="1600" dirty="0">
+                <a:latin typeface="Courier New" panose="02070309020205020404" pitchFamily="49" charset="0"/>
+                <a:cs typeface="Courier New" panose="02070309020205020404" pitchFamily="49" charset="0"/>
+              </a:rPr>
+              <a:t>&gt;</a:t>
+            </a:r>
+          </a:p>
+          <a:p>
+            <a:r>
+              <a:rPr lang="en-US" sz="1600" dirty="0">
+                <a:latin typeface="Courier New" panose="02070309020205020404" pitchFamily="49" charset="0"/>
+                <a:cs typeface="Courier New" panose="02070309020205020404" pitchFamily="49" charset="0"/>
+              </a:rPr>
+              <a:t>int main() {</a:t>
+            </a:r>
+          </a:p>
+          <a:p>
+            <a:r>
+              <a:rPr lang="en-US" sz="1600" dirty="0">
+                <a:latin typeface="Courier New" panose="02070309020205020404" pitchFamily="49" charset="0"/>
+                <a:cs typeface="Courier New" panose="02070309020205020404" pitchFamily="49" charset="0"/>
+              </a:rPr>
+              <a:t>    int guess;</a:t>
+            </a:r>
+          </a:p>
+          <a:p>
+            <a:r>
+              <a:rPr lang="en-US" sz="1600" dirty="0">
+                <a:latin typeface="Courier New" panose="02070309020205020404" pitchFamily="49" charset="0"/>
+                <a:cs typeface="Courier New" panose="02070309020205020404" pitchFamily="49" charset="0"/>
+              </a:rPr>
+              <a:t>    while(</a:t>
+            </a:r>
+            <a:r>
+              <a:rPr lang="en-US" sz="1600" dirty="0" err="1">
+                <a:latin typeface="Courier New" panose="02070309020205020404" pitchFamily="49" charset="0"/>
+                <a:cs typeface="Courier New" panose="02070309020205020404" pitchFamily="49" charset="0"/>
+              </a:rPr>
+              <a:t>scanf</a:t>
+            </a:r>
+            <a:r>
+              <a:rPr lang="en-US" sz="1600" dirty="0">
+                <a:latin typeface="Courier New" panose="02070309020205020404" pitchFamily="49" charset="0"/>
+                <a:cs typeface="Courier New" panose="02070309020205020404" pitchFamily="49" charset="0"/>
+              </a:rPr>
+              <a:t>("%</a:t>
+            </a:r>
+            <a:r>
+              <a:rPr lang="en-US" sz="1600" dirty="0" err="1">
+                <a:latin typeface="Courier New" panose="02070309020205020404" pitchFamily="49" charset="0"/>
+                <a:cs typeface="Courier New" panose="02070309020205020404" pitchFamily="49" charset="0"/>
+              </a:rPr>
+              <a:t>d",&amp;guess</a:t>
+            </a:r>
+            <a:r>
+              <a:rPr lang="en-US" sz="1600" dirty="0">
+                <a:latin typeface="Courier New" panose="02070309020205020404" pitchFamily="49" charset="0"/>
+                <a:cs typeface="Courier New" panose="02070309020205020404" pitchFamily="49" charset="0"/>
+              </a:rPr>
+              <a:t>) != EOF ) {</a:t>
+            </a:r>
+          </a:p>
+          <a:p>
+            <a:r>
+              <a:rPr lang="en-US" sz="1600" dirty="0">
+                <a:latin typeface="Courier New" panose="02070309020205020404" pitchFamily="49" charset="0"/>
+                <a:cs typeface="Courier New" panose="02070309020205020404" pitchFamily="49" charset="0"/>
+              </a:rPr>
+              <a:t>        if ( guess == 42 ) {</a:t>
+            </a:r>
+          </a:p>
+          <a:p>
+            <a:r>
+              <a:rPr lang="en-US" sz="1600" dirty="0">
+                <a:latin typeface="Courier New" panose="02070309020205020404" pitchFamily="49" charset="0"/>
+                <a:cs typeface="Courier New" panose="02070309020205020404" pitchFamily="49" charset="0"/>
+              </a:rPr>
+              <a:t>            </a:t>
+            </a:r>
+            <a:r>
+              <a:rPr lang="en-US" sz="1600" dirty="0" err="1">
+                <a:latin typeface="Courier New" panose="02070309020205020404" pitchFamily="49" charset="0"/>
+                <a:cs typeface="Courier New" panose="02070309020205020404" pitchFamily="49" charset="0"/>
+              </a:rPr>
+              <a:t>printf</a:t>
+            </a:r>
+            <a:r>
+              <a:rPr lang="en-US" sz="1600" dirty="0">
+                <a:latin typeface="Courier New" panose="02070309020205020404" pitchFamily="49" charset="0"/>
+                <a:cs typeface="Courier New" panose="02070309020205020404" pitchFamily="49" charset="0"/>
+              </a:rPr>
+              <a:t>("Nice work!\n");</a:t>
+            </a:r>
+          </a:p>
+          <a:p>
+            <a:r>
+              <a:rPr lang="en-US" sz="1600" dirty="0">
+                <a:latin typeface="Courier New" panose="02070309020205020404" pitchFamily="49" charset="0"/>
+                <a:cs typeface="Courier New" panose="02070309020205020404" pitchFamily="49" charset="0"/>
+              </a:rPr>
+              <a:t>            break;</a:t>
+            </a:r>
+          </a:p>
+          <a:p>
+            <a:r>
+              <a:rPr lang="en-US" sz="1600" dirty="0">
+                <a:latin typeface="Courier New" panose="02070309020205020404" pitchFamily="49" charset="0"/>
+                <a:cs typeface="Courier New" panose="02070309020205020404" pitchFamily="49" charset="0"/>
+              </a:rPr>
+              <a:t>        }</a:t>
+            </a:r>
+          </a:p>
+          <a:p>
+            <a:r>
+              <a:rPr lang="en-US" sz="1600" dirty="0">
+                <a:latin typeface="Courier New" panose="02070309020205020404" pitchFamily="49" charset="0"/>
+                <a:cs typeface="Courier New" panose="02070309020205020404" pitchFamily="49" charset="0"/>
+              </a:rPr>
+              <a:t>        else if ( guess &lt; 42 ) </a:t>
+            </a:r>
+          </a:p>
+          <a:p>
+            <a:r>
+              <a:rPr lang="en-US" sz="1600" dirty="0">
+                <a:latin typeface="Courier New" panose="02070309020205020404" pitchFamily="49" charset="0"/>
+                <a:cs typeface="Courier New" panose="02070309020205020404" pitchFamily="49" charset="0"/>
+              </a:rPr>
+              <a:t>            </a:t>
+            </a:r>
+            <a:r>
+              <a:rPr lang="en-US" sz="1600" dirty="0" err="1">
+                <a:latin typeface="Courier New" panose="02070309020205020404" pitchFamily="49" charset="0"/>
+                <a:cs typeface="Courier New" panose="02070309020205020404" pitchFamily="49" charset="0"/>
+              </a:rPr>
+              <a:t>printf</a:t>
+            </a:r>
+            <a:r>
+              <a:rPr lang="en-US" sz="1600" dirty="0">
+                <a:latin typeface="Courier New" panose="02070309020205020404" pitchFamily="49" charset="0"/>
+                <a:cs typeface="Courier New" panose="02070309020205020404" pitchFamily="49" charset="0"/>
+              </a:rPr>
+              <a:t>("Too low - guess again\n");</a:t>
+            </a:r>
+          </a:p>
+          <a:p>
+            <a:r>
+              <a:rPr lang="en-US" sz="1600" dirty="0">
+                <a:latin typeface="Courier New" panose="02070309020205020404" pitchFamily="49" charset="0"/>
+                <a:cs typeface="Courier New" panose="02070309020205020404" pitchFamily="49" charset="0"/>
+              </a:rPr>
+              <a:t>        else</a:t>
+            </a:r>
+          </a:p>
+          <a:p>
+            <a:r>
+              <a:rPr lang="en-US" sz="1600" dirty="0">
+                <a:latin typeface="Courier New" panose="02070309020205020404" pitchFamily="49" charset="0"/>
+                <a:cs typeface="Courier New" panose="02070309020205020404" pitchFamily="49" charset="0"/>
+              </a:rPr>
+              <a:t>            </a:t>
+            </a:r>
+            <a:r>
+              <a:rPr lang="en-US" sz="1600" dirty="0" err="1">
+                <a:latin typeface="Courier New" panose="02070309020205020404" pitchFamily="49" charset="0"/>
+                <a:cs typeface="Courier New" panose="02070309020205020404" pitchFamily="49" charset="0"/>
+              </a:rPr>
+              <a:t>printf</a:t>
+            </a:r>
+            <a:r>
+              <a:rPr lang="en-US" sz="1600" dirty="0">
+                <a:latin typeface="Courier New" panose="02070309020205020404" pitchFamily="49" charset="0"/>
+                <a:cs typeface="Courier New" panose="02070309020205020404" pitchFamily="49" charset="0"/>
+              </a:rPr>
+              <a:t>("Too high - guess again\n");</a:t>
+            </a:r>
+          </a:p>
+          <a:p>
+            <a:r>
+              <a:rPr lang="en-US" sz="1600" dirty="0">
+                <a:latin typeface="Courier New" panose="02070309020205020404" pitchFamily="49" charset="0"/>
+                <a:cs typeface="Courier New" panose="02070309020205020404" pitchFamily="49" charset="0"/>
+              </a:rPr>
+              <a:t>    }</a:t>
+            </a:r>
+          </a:p>
+          <a:p>
+            <a:r>
+              <a:rPr lang="en-US" sz="1600" dirty="0">
+                <a:latin typeface="Courier New" panose="02070309020205020404" pitchFamily="49" charset="0"/>
+                <a:cs typeface="Courier New" panose="02070309020205020404" pitchFamily="49" charset="0"/>
+              </a:rPr>
+              <a:t>} </a:t>
+            </a:r>
+          </a:p>
+        </p:txBody>
+      </p:sp>
+      <p:sp>
+        <p:nvSpPr>
+          <p:cNvPr id="7" name="TextBox 6">
+            <a:extLst>
+              <a:ext uri="{FF2B5EF4-FFF2-40B4-BE49-F238E27FC236}">
+                <a16:creationId xmlns:a16="http://schemas.microsoft.com/office/drawing/2014/main" id="{03B4458A-37BA-02AB-CE8C-B288D36FE6BF}"/>
+              </a:ext>
+            </a:extLst>
+          </p:cNvPr>
+          <p:cNvSpPr txBox="1"/>
+          <p:nvPr/>
+        </p:nvSpPr>
+        <p:spPr>
+          <a:xfrm>
+            <a:off x="7648259" y="4501661"/>
+            <a:ext cx="3217547" cy="1754326"/>
+          </a:xfrm>
+          <a:prstGeom prst="rect">
+            <a:avLst/>
+          </a:prstGeom>
+          <a:noFill/>
+        </p:spPr>
+        <p:txBody>
+          <a:bodyPr wrap="none" rtlCol="0">
+            <a:spAutoFit/>
+          </a:bodyPr>
+          <a:lstStyle/>
+          <a:p>
+            <a:r>
+              <a:rPr lang="en-US" dirty="0">
+                <a:latin typeface="Monaco" pitchFamily="2" charset="77"/>
+              </a:rPr>
+              <a:t>5</a:t>
+            </a:r>
+          </a:p>
+          <a:p>
+            <a:r>
+              <a:rPr lang="en-US" dirty="0">
+                <a:latin typeface="Monaco" pitchFamily="2" charset="77"/>
+              </a:rPr>
+              <a:t>Too low - guess again</a:t>
+            </a:r>
+          </a:p>
+          <a:p>
+            <a:r>
+              <a:rPr lang="en-US" dirty="0">
+                <a:latin typeface="Monaco" pitchFamily="2" charset="77"/>
+              </a:rPr>
+              <a:t>50</a:t>
+            </a:r>
+          </a:p>
+          <a:p>
+            <a:r>
+              <a:rPr lang="en-US" dirty="0">
+                <a:latin typeface="Monaco" pitchFamily="2" charset="77"/>
+              </a:rPr>
+              <a:t>Too high - guess again</a:t>
+            </a:r>
+          </a:p>
+          <a:p>
+            <a:r>
+              <a:rPr lang="en-US" dirty="0">
+                <a:latin typeface="Monaco" pitchFamily="2" charset="77"/>
+              </a:rPr>
+              <a:t>42</a:t>
+            </a:r>
+          </a:p>
+          <a:p>
+            <a:r>
+              <a:rPr lang="en-US" dirty="0">
+                <a:latin typeface="Monaco" pitchFamily="2" charset="77"/>
+              </a:rPr>
+              <a:t>Nice work!</a:t>
+            </a:r>
+          </a:p>
+        </p:txBody>
+      </p:sp>
+    </p:spTree>
+    <p:extLst>
+      <p:ext uri="{BB962C8B-B14F-4D97-AF65-F5344CB8AC3E}">
+        <p14:creationId xmlns:p14="http://schemas.microsoft.com/office/powerpoint/2010/main" val="688616102"/>
+      </p:ext>
+    </p:extLst>
+  </p:cSld>
+  <p:clrMapOvr>
+    <a:masterClrMapping/>
+  </p:clrMapOvr>
+</p:sld>
+</file>
+
 <file path=ppt/slides/slide2.xml><?xml version="1.0" encoding="utf-8"?>
 <p:sld xmlns:a="http://schemas.openxmlformats.org/drawingml/2006/main" xmlns:r="http://schemas.openxmlformats.org/officeDocument/2006/relationships" xmlns:p="http://schemas.openxmlformats.org/presentationml/2006/main">
   <p:cSld>

--- a/lectures/CC-02-Python.pptx
+++ b/lectures/CC-02-Python.pptx
@@ -20,9 +20,9 @@
     <p:sldId id="268" r:id="rId14"/>
     <p:sldId id="270" r:id="rId15"/>
     <p:sldId id="271" r:id="rId16"/>
-    <p:sldId id="272" r:id="rId17"/>
-    <p:sldId id="273" r:id="rId18"/>
-    <p:sldId id="274" r:id="rId19"/>
+    <p:sldId id="273" r:id="rId17"/>
+    <p:sldId id="274" r:id="rId18"/>
+    <p:sldId id="275" r:id="rId19"/>
   </p:sldIdLst>
   <p:sldSz cx="12192000" cy="6858000"/>
   <p:notesSz cx="6858000" cy="9144000"/>
@@ -3534,7 +3534,7 @@
         <p:spPr>
           <a:xfrm>
             <a:off x="6322193" y="1027906"/>
-            <a:ext cx="4871847" cy="2031325"/>
+            <a:ext cx="4458272" cy="2031325"/>
           </a:xfrm>
           <a:prstGeom prst="rect">
             <a:avLst/>
@@ -3584,15 +3584,12 @@
                 <a:latin typeface="Courier New" panose="02070309020205020404" pitchFamily="49" charset="0"/>
                 <a:cs typeface="Courier New" panose="02070309020205020404" pitchFamily="49" charset="0"/>
               </a:rPr>
-              <a:t>    char line[1000]; </a:t>
-            </a:r>
-            <a:r>
-              <a:rPr lang="en-US" b="1" dirty="0">
-                <a:latin typeface="Courier New" panose="02070309020205020404" pitchFamily="49" charset="0"/>
-                <a:cs typeface="Courier New" panose="02070309020205020404" pitchFamily="49" charset="0"/>
-              </a:rPr>
-              <a:t>/* Warning */</a:t>
-            </a:r>
+              <a:t>    char line[1000];</a:t>
+            </a:r>
+            <a:endParaRPr lang="en-US" b="1" dirty="0">
+              <a:latin typeface="Courier New" panose="02070309020205020404" pitchFamily="49" charset="0"/>
+              <a:cs typeface="Courier New" panose="02070309020205020404" pitchFamily="49" charset="0"/>
+            </a:endParaRPr>
           </a:p>
           <a:p>
             <a:r>
@@ -3637,7 +3634,7 @@
                 <a:latin typeface="Courier New" panose="02070309020205020404" pitchFamily="49" charset="0"/>
                 <a:cs typeface="Courier New" panose="02070309020205020404" pitchFamily="49" charset="0"/>
               </a:rPr>
-              <a:t>("%[^\n]s", line);</a:t>
+              <a:t>("%[^\n]1000s", line);</a:t>
             </a:r>
           </a:p>
           <a:p>
@@ -3724,6 +3721,63 @@
               </a:rPr>
               <a:t>Line: Hello world - have a nice day</a:t>
             </a:r>
+          </a:p>
+        </p:txBody>
+      </p:sp>
+      <p:sp>
+        <p:nvSpPr>
+          <p:cNvPr id="8" name="TextBox 7">
+            <a:extLst>
+              <a:ext uri="{FF2B5EF4-FFF2-40B4-BE49-F238E27FC236}">
+                <a16:creationId xmlns:a16="http://schemas.microsoft.com/office/drawing/2014/main" id="{7A44232A-55BC-5745-7C8F-B12E691A9A45}"/>
+              </a:ext>
+            </a:extLst>
+          </p:cNvPr>
+          <p:cNvSpPr txBox="1"/>
+          <p:nvPr/>
+        </p:nvSpPr>
+        <p:spPr>
+          <a:xfrm>
+            <a:off x="10460182" y="6323598"/>
+            <a:ext cx="1600199" cy="338554"/>
+          </a:xfrm>
+          <a:prstGeom prst="rect">
+            <a:avLst/>
+          </a:prstGeom>
+          <a:noFill/>
+        </p:spPr>
+        <p:txBody>
+          <a:bodyPr wrap="square">
+            <a:spAutoFit/>
+          </a:bodyPr>
+          <a:lstStyle/>
+          <a:p>
+            <a:r>
+              <a:rPr lang="en-US" sz="1600" dirty="0">
+                <a:solidFill>
+                  <a:srgbClr val="000000"/>
+                </a:solidFill>
+                <a:effectLst/>
+                <a:latin typeface="Menlo" panose="020B0609030804020204" pitchFamily="49" charset="0"/>
+              </a:rPr>
+              <a:t>cc_02_04.</a:t>
+            </a:r>
+            <a:r>
+              <a:rPr lang="en-US" sz="1600" dirty="0">
+                <a:solidFill>
+                  <a:srgbClr val="000000"/>
+                </a:solidFill>
+                <a:latin typeface="Menlo" panose="020B0609030804020204" pitchFamily="49" charset="0"/>
+              </a:rPr>
+              <a:t>c</a:t>
+            </a:r>
+            <a:endParaRPr lang="en-US" sz="1600" dirty="0">
+              <a:solidFill>
+                <a:srgbClr val="000000"/>
+              </a:solidFill>
+              <a:effectLst/>
+              <a:latin typeface="Menlo" panose="020B0609030804020204" pitchFamily="49" charset="0"/>
+            </a:endParaRPr>
           </a:p>
         </p:txBody>
       </p:sp>
@@ -4046,6 +4100,63 @@
           </a:p>
         </p:txBody>
       </p:sp>
+      <p:sp>
+        <p:nvSpPr>
+          <p:cNvPr id="8" name="TextBox 7">
+            <a:extLst>
+              <a:ext uri="{FF2B5EF4-FFF2-40B4-BE49-F238E27FC236}">
+                <a16:creationId xmlns:a16="http://schemas.microsoft.com/office/drawing/2014/main" id="{283B718D-9746-DB0F-BC19-822E89CD93AC}"/>
+              </a:ext>
+            </a:extLst>
+          </p:cNvPr>
+          <p:cNvSpPr txBox="1"/>
+          <p:nvPr/>
+        </p:nvSpPr>
+        <p:spPr>
+          <a:xfrm>
+            <a:off x="10460182" y="6323598"/>
+            <a:ext cx="1600199" cy="338554"/>
+          </a:xfrm>
+          <a:prstGeom prst="rect">
+            <a:avLst/>
+          </a:prstGeom>
+          <a:noFill/>
+        </p:spPr>
+        <p:txBody>
+          <a:bodyPr wrap="square">
+            <a:spAutoFit/>
+          </a:bodyPr>
+          <a:lstStyle/>
+          <a:p>
+            <a:r>
+              <a:rPr lang="en-US" sz="1600" dirty="0">
+                <a:solidFill>
+                  <a:srgbClr val="000000"/>
+                </a:solidFill>
+                <a:effectLst/>
+                <a:latin typeface="Menlo" panose="020B0609030804020204" pitchFamily="49" charset="0"/>
+              </a:rPr>
+              <a:t>cc_02_09.</a:t>
+            </a:r>
+            <a:r>
+              <a:rPr lang="en-US" sz="1600" dirty="0">
+                <a:solidFill>
+                  <a:srgbClr val="000000"/>
+                </a:solidFill>
+                <a:latin typeface="Menlo" panose="020B0609030804020204" pitchFamily="49" charset="0"/>
+              </a:rPr>
+              <a:t>c</a:t>
+            </a:r>
+            <a:endParaRPr lang="en-US" sz="1600" dirty="0">
+              <a:solidFill>
+                <a:srgbClr val="000000"/>
+              </a:solidFill>
+              <a:effectLst/>
+              <a:latin typeface="Menlo" panose="020B0609030804020204" pitchFamily="49" charset="0"/>
+            </a:endParaRPr>
+          </a:p>
+        </p:txBody>
+      </p:sp>
     </p:spTree>
     <p:extLst>
       <p:ext uri="{BB962C8B-B14F-4D97-AF65-F5344CB8AC3E}">
@@ -4429,6 +4540,47 @@
           </a:p>
         </p:txBody>
       </p:sp>
+      <p:sp>
+        <p:nvSpPr>
+          <p:cNvPr id="8" name="TextBox 7">
+            <a:extLst>
+              <a:ext uri="{FF2B5EF4-FFF2-40B4-BE49-F238E27FC236}">
+                <a16:creationId xmlns:a16="http://schemas.microsoft.com/office/drawing/2014/main" id="{7C6B6CA9-47F0-59DF-DF09-8741C9A2B62F}"/>
+              </a:ext>
+            </a:extLst>
+          </p:cNvPr>
+          <p:cNvSpPr txBox="1"/>
+          <p:nvPr/>
+        </p:nvSpPr>
+        <p:spPr>
+          <a:xfrm>
+            <a:off x="10460182" y="6323598"/>
+            <a:ext cx="1600199" cy="338554"/>
+          </a:xfrm>
+          <a:prstGeom prst="rect">
+            <a:avLst/>
+          </a:prstGeom>
+          <a:noFill/>
+        </p:spPr>
+        <p:txBody>
+          <a:bodyPr wrap="square">
+            <a:spAutoFit/>
+          </a:bodyPr>
+          <a:lstStyle/>
+          <a:p>
+            <a:r>
+              <a:rPr lang="en-US" sz="1600" dirty="0">
+                <a:solidFill>
+                  <a:srgbClr val="000000"/>
+                </a:solidFill>
+                <a:effectLst/>
+                <a:latin typeface="Menlo" panose="020B0609030804020204" pitchFamily="49" charset="0"/>
+              </a:rPr>
+              <a:t>cc_02_06.c</a:t>
+            </a:r>
+          </a:p>
+        </p:txBody>
+      </p:sp>
     </p:spTree>
     <p:extLst>
       <p:ext uri="{BB962C8B-B14F-4D97-AF65-F5344CB8AC3E}">
@@ -4821,6 +4973,63 @@
           </a:p>
         </p:txBody>
       </p:sp>
+      <p:sp>
+        <p:nvSpPr>
+          <p:cNvPr id="8" name="TextBox 7">
+            <a:extLst>
+              <a:ext uri="{FF2B5EF4-FFF2-40B4-BE49-F238E27FC236}">
+                <a16:creationId xmlns:a16="http://schemas.microsoft.com/office/drawing/2014/main" id="{3CF08E69-CA57-FC40-50CD-99DCEC9E45DE}"/>
+              </a:ext>
+            </a:extLst>
+          </p:cNvPr>
+          <p:cNvSpPr txBox="1"/>
+          <p:nvPr/>
+        </p:nvSpPr>
+        <p:spPr>
+          <a:xfrm>
+            <a:off x="10460182" y="6323598"/>
+            <a:ext cx="1600199" cy="338554"/>
+          </a:xfrm>
+          <a:prstGeom prst="rect">
+            <a:avLst/>
+          </a:prstGeom>
+          <a:noFill/>
+        </p:spPr>
+        <p:txBody>
+          <a:bodyPr wrap="square">
+            <a:spAutoFit/>
+          </a:bodyPr>
+          <a:lstStyle/>
+          <a:p>
+            <a:r>
+              <a:rPr lang="en-US" sz="1600" dirty="0">
+                <a:solidFill>
+                  <a:srgbClr val="000000"/>
+                </a:solidFill>
+                <a:effectLst/>
+                <a:latin typeface="Menlo" panose="020B0609030804020204" pitchFamily="49" charset="0"/>
+              </a:rPr>
+              <a:t>cc_02_07.</a:t>
+            </a:r>
+            <a:r>
+              <a:rPr lang="en-US" sz="1600" dirty="0">
+                <a:solidFill>
+                  <a:srgbClr val="000000"/>
+                </a:solidFill>
+                <a:latin typeface="Menlo" panose="020B0609030804020204" pitchFamily="49" charset="0"/>
+              </a:rPr>
+              <a:t>c</a:t>
+            </a:r>
+            <a:endParaRPr lang="en-US" sz="1600" dirty="0">
+              <a:solidFill>
+                <a:srgbClr val="000000"/>
+              </a:solidFill>
+              <a:effectLst/>
+              <a:latin typeface="Menlo" panose="020B0609030804020204" pitchFamily="49" charset="0"/>
+            </a:endParaRPr>
+          </a:p>
+        </p:txBody>
+      </p:sp>
     </p:spTree>
     <p:extLst>
       <p:ext uri="{BB962C8B-B14F-4D97-AF65-F5344CB8AC3E}">
@@ -5315,6 +5524,63 @@
           </a:p>
         </p:txBody>
       </p:sp>
+      <p:sp>
+        <p:nvSpPr>
+          <p:cNvPr id="6" name="TextBox 5">
+            <a:extLst>
+              <a:ext uri="{FF2B5EF4-FFF2-40B4-BE49-F238E27FC236}">
+                <a16:creationId xmlns:a16="http://schemas.microsoft.com/office/drawing/2014/main" id="{71FDADED-BD0F-8B9B-630C-3F40951617EF}"/>
+              </a:ext>
+            </a:extLst>
+          </p:cNvPr>
+          <p:cNvSpPr txBox="1"/>
+          <p:nvPr/>
+        </p:nvSpPr>
+        <p:spPr>
+          <a:xfrm>
+            <a:off x="10460182" y="6323598"/>
+            <a:ext cx="1600199" cy="338554"/>
+          </a:xfrm>
+          <a:prstGeom prst="rect">
+            <a:avLst/>
+          </a:prstGeom>
+          <a:noFill/>
+        </p:spPr>
+        <p:txBody>
+          <a:bodyPr wrap="square">
+            <a:spAutoFit/>
+          </a:bodyPr>
+          <a:lstStyle/>
+          <a:p>
+            <a:r>
+              <a:rPr lang="en-US" sz="1600" dirty="0">
+                <a:solidFill>
+                  <a:srgbClr val="000000"/>
+                </a:solidFill>
+                <a:effectLst/>
+                <a:latin typeface="Menlo" panose="020B0609030804020204" pitchFamily="49" charset="0"/>
+              </a:rPr>
+              <a:t>cc_02_08.</a:t>
+            </a:r>
+            <a:r>
+              <a:rPr lang="en-US" sz="1600" dirty="0">
+                <a:solidFill>
+                  <a:srgbClr val="000000"/>
+                </a:solidFill>
+                <a:latin typeface="Menlo" panose="020B0609030804020204" pitchFamily="49" charset="0"/>
+              </a:rPr>
+              <a:t>py</a:t>
+            </a:r>
+            <a:endParaRPr lang="en-US" sz="1600" dirty="0">
+              <a:solidFill>
+                <a:srgbClr val="000000"/>
+              </a:solidFill>
+              <a:effectLst/>
+              <a:latin typeface="Menlo" panose="020B0609030804020204" pitchFamily="49" charset="0"/>
+            </a:endParaRPr>
+          </a:p>
+        </p:txBody>
+      </p:sp>
     </p:spTree>
     <p:extLst>
       <p:ext uri="{BB962C8B-B14F-4D97-AF65-F5344CB8AC3E}">
@@ -6069,6 +6335,47 @@
           </a:p>
         </p:txBody>
       </p:sp>
+      <p:sp>
+        <p:nvSpPr>
+          <p:cNvPr id="6" name="TextBox 5">
+            <a:extLst>
+              <a:ext uri="{FF2B5EF4-FFF2-40B4-BE49-F238E27FC236}">
+                <a16:creationId xmlns:a16="http://schemas.microsoft.com/office/drawing/2014/main" id="{A854214C-9B57-45D9-2941-E5D785607661}"/>
+              </a:ext>
+            </a:extLst>
+          </p:cNvPr>
+          <p:cNvSpPr txBox="1"/>
+          <p:nvPr/>
+        </p:nvSpPr>
+        <p:spPr>
+          <a:xfrm>
+            <a:off x="10508673" y="6323598"/>
+            <a:ext cx="1413163" cy="338554"/>
+          </a:xfrm>
+          <a:prstGeom prst="rect">
+            <a:avLst/>
+          </a:prstGeom>
+          <a:noFill/>
+        </p:spPr>
+        <p:txBody>
+          <a:bodyPr wrap="square">
+            <a:spAutoFit/>
+          </a:bodyPr>
+          <a:lstStyle/>
+          <a:p>
+            <a:r>
+              <a:rPr lang="en-US" sz="1600" dirty="0">
+                <a:solidFill>
+                  <a:srgbClr val="000000"/>
+                </a:solidFill>
+                <a:effectLst/>
+                <a:latin typeface="Menlo" panose="020B0609030804020204" pitchFamily="49" charset="0"/>
+              </a:rPr>
+              <a:t>cc_02_08.c</a:t>
+            </a:r>
+          </a:p>
+        </p:txBody>
+      </p:sp>
     </p:spTree>
     <p:extLst>
       <p:ext uri="{BB962C8B-B14F-4D97-AF65-F5344CB8AC3E}">
@@ -6122,7 +6429,7 @@
           <a:p>
             <a:r>
               <a:rPr lang="en-US" dirty="0"/>
-              <a:t>Max / Min</a:t>
+              <a:t>Max / Min v2</a:t>
             </a:r>
           </a:p>
         </p:txBody>
@@ -6141,8 +6448,8 @@
         </p:nvSpPr>
         <p:spPr>
           <a:xfrm>
-            <a:off x="5895945" y="365125"/>
-            <a:ext cx="5862502" cy="6186309"/>
+            <a:off x="5144352" y="638845"/>
+            <a:ext cx="6388287" cy="5632311"/>
           </a:xfrm>
           <a:prstGeom prst="rect">
             <a:avLst/>
@@ -6156,21 +6463,21 @@
           <a:lstStyle/>
           <a:p>
             <a:r>
-              <a:rPr lang="en-US" sz="1600" dirty="0">
+              <a:rPr lang="en-US" dirty="0">
                 <a:latin typeface="Courier New" panose="02070309020205020404" pitchFamily="49" charset="0"/>
                 <a:cs typeface="Courier New" panose="02070309020205020404" pitchFamily="49" charset="0"/>
               </a:rPr>
               <a:t>#include &lt;</a:t>
             </a:r>
             <a:r>
-              <a:rPr lang="en-US" sz="1600" dirty="0" err="1">
+              <a:rPr lang="en-US" dirty="0" err="1">
                 <a:latin typeface="Courier New" panose="02070309020205020404" pitchFamily="49" charset="0"/>
                 <a:cs typeface="Courier New" panose="02070309020205020404" pitchFamily="49" charset="0"/>
               </a:rPr>
               <a:t>stdio.h</a:t>
             </a:r>
             <a:r>
-              <a:rPr lang="en-US" sz="1600" dirty="0">
+              <a:rPr lang="en-US" dirty="0">
                 <a:latin typeface="Courier New" panose="02070309020205020404" pitchFamily="49" charset="0"/>
                 <a:cs typeface="Courier New" panose="02070309020205020404" pitchFamily="49" charset="0"/>
               </a:rPr>
@@ -6178,258 +6485,74 @@
             </a:r>
           </a:p>
           <a:p>
-            <a:r>
-              <a:rPr lang="en-US" sz="1600" dirty="0">
-                <a:latin typeface="Courier New" panose="02070309020205020404" pitchFamily="49" charset="0"/>
-                <a:cs typeface="Courier New" panose="02070309020205020404" pitchFamily="49" charset="0"/>
-              </a:rPr>
-              <a:t>#include &lt;</a:t>
-            </a:r>
-            <a:r>
-              <a:rPr lang="en-US" sz="1600" dirty="0" err="1">
-                <a:latin typeface="Courier New" panose="02070309020205020404" pitchFamily="49" charset="0"/>
-                <a:cs typeface="Courier New" panose="02070309020205020404" pitchFamily="49" charset="0"/>
-              </a:rPr>
-              <a:t>stdlib.h</a:t>
-            </a:r>
-            <a:r>
-              <a:rPr lang="en-US" sz="1600" dirty="0">
-                <a:latin typeface="Courier New" panose="02070309020205020404" pitchFamily="49" charset="0"/>
-                <a:cs typeface="Courier New" panose="02070309020205020404" pitchFamily="49" charset="0"/>
-              </a:rPr>
-              <a:t>&gt;</a:t>
-            </a:r>
-          </a:p>
-          <a:p>
-            <a:r>
-              <a:rPr lang="en-US" sz="1600" dirty="0">
-                <a:latin typeface="Courier New" panose="02070309020205020404" pitchFamily="49" charset="0"/>
-                <a:cs typeface="Courier New" panose="02070309020205020404" pitchFamily="49" charset="0"/>
-              </a:rPr>
-              <a:t>#include &lt;</a:t>
-            </a:r>
-            <a:r>
-              <a:rPr lang="en-US" sz="1600" dirty="0" err="1">
-                <a:latin typeface="Courier New" panose="02070309020205020404" pitchFamily="49" charset="0"/>
-                <a:cs typeface="Courier New" panose="02070309020205020404" pitchFamily="49" charset="0"/>
-              </a:rPr>
-              <a:t>string.h</a:t>
-            </a:r>
-            <a:r>
-              <a:rPr lang="en-US" sz="1600" dirty="0">
-                <a:latin typeface="Courier New" panose="02070309020205020404" pitchFamily="49" charset="0"/>
-                <a:cs typeface="Courier New" panose="02070309020205020404" pitchFamily="49" charset="0"/>
-              </a:rPr>
-              <a:t>&gt;</a:t>
-            </a:r>
-          </a:p>
-          <a:p>
-            <a:r>
-              <a:rPr lang="en-US" sz="1600" dirty="0">
-                <a:latin typeface="Courier New" panose="02070309020205020404" pitchFamily="49" charset="0"/>
-                <a:cs typeface="Courier New" panose="02070309020205020404" pitchFamily="49" charset="0"/>
-              </a:rPr>
-              <a:t>int main() {</a:t>
-            </a:r>
-          </a:p>
-          <a:p>
-            <a:r>
-              <a:rPr lang="en-US" sz="1600" dirty="0">
-                <a:latin typeface="Courier New" panose="02070309020205020404" pitchFamily="49" charset="0"/>
-                <a:cs typeface="Courier New" panose="02070309020205020404" pitchFamily="49" charset="0"/>
-              </a:rPr>
-              <a:t>    int first = 1;</a:t>
-            </a:r>
-          </a:p>
-          <a:p>
-            <a:r>
-              <a:rPr lang="en-US" sz="1600" dirty="0">
-                <a:latin typeface="Courier New" panose="02070309020205020404" pitchFamily="49" charset="0"/>
-                <a:cs typeface="Courier New" panose="02070309020205020404" pitchFamily="49" charset="0"/>
-              </a:rPr>
-              <a:t>    int </a:t>
-            </a:r>
-            <a:r>
-              <a:rPr lang="en-US" sz="1600" dirty="0" err="1">
-                <a:latin typeface="Courier New" panose="02070309020205020404" pitchFamily="49" charset="0"/>
-                <a:cs typeface="Courier New" panose="02070309020205020404" pitchFamily="49" charset="0"/>
-              </a:rPr>
-              <a:t>val</a:t>
-            </a:r>
-            <a:r>
-              <a:rPr lang="en-US" sz="1600" dirty="0">
-                <a:latin typeface="Courier New" panose="02070309020205020404" pitchFamily="49" charset="0"/>
-                <a:cs typeface="Courier New" panose="02070309020205020404" pitchFamily="49" charset="0"/>
-              </a:rPr>
-              <a:t>, </a:t>
-            </a:r>
-            <a:r>
-              <a:rPr lang="en-US" sz="1600" dirty="0" err="1">
-                <a:latin typeface="Courier New" panose="02070309020205020404" pitchFamily="49" charset="0"/>
-                <a:cs typeface="Courier New" panose="02070309020205020404" pitchFamily="49" charset="0"/>
-              </a:rPr>
-              <a:t>maxval</a:t>
-            </a:r>
-            <a:r>
-              <a:rPr lang="en-US" sz="1600" dirty="0">
-                <a:latin typeface="Courier New" panose="02070309020205020404" pitchFamily="49" charset="0"/>
-                <a:cs typeface="Courier New" panose="02070309020205020404" pitchFamily="49" charset="0"/>
-              </a:rPr>
-              <a:t>, </a:t>
-            </a:r>
-            <a:r>
-              <a:rPr lang="en-US" sz="1600" dirty="0" err="1">
-                <a:latin typeface="Courier New" panose="02070309020205020404" pitchFamily="49" charset="0"/>
-                <a:cs typeface="Courier New" panose="02070309020205020404" pitchFamily="49" charset="0"/>
-              </a:rPr>
-              <a:t>minval</a:t>
-            </a:r>
-            <a:r>
-              <a:rPr lang="en-US" sz="1600" dirty="0">
-                <a:latin typeface="Courier New" panose="02070309020205020404" pitchFamily="49" charset="0"/>
-                <a:cs typeface="Courier New" panose="02070309020205020404" pitchFamily="49" charset="0"/>
-              </a:rPr>
-              <a:t>;</a:t>
-            </a:r>
-          </a:p>
-          <a:p>
-            <a:r>
-              <a:rPr lang="en-US" sz="1600" dirty="0">
-                <a:latin typeface="Courier New" panose="02070309020205020404" pitchFamily="49" charset="0"/>
-                <a:cs typeface="Courier New" panose="02070309020205020404" pitchFamily="49" charset="0"/>
-              </a:rPr>
-              <a:t>    char line[1000];</a:t>
-            </a:r>
-          </a:p>
-          <a:p>
-            <a:endParaRPr lang="en-US" sz="1600" dirty="0">
+            <a:endParaRPr lang="en-US" dirty="0">
               <a:latin typeface="Courier New" panose="02070309020205020404" pitchFamily="49" charset="0"/>
               <a:cs typeface="Courier New" panose="02070309020205020404" pitchFamily="49" charset="0"/>
             </a:endParaRPr>
           </a:p>
           <a:p>
             <a:r>
-              <a:rPr lang="en-US" sz="1600" dirty="0">
-                <a:latin typeface="Courier New" panose="02070309020205020404" pitchFamily="49" charset="0"/>
-                <a:cs typeface="Courier New" panose="02070309020205020404" pitchFamily="49" charset="0"/>
-              </a:rPr>
-              <a:t>    while(gets(line) != NULL ) {</a:t>
-            </a:r>
-          </a:p>
-          <a:p>
-            <a:r>
-              <a:rPr lang="en-US" sz="1600" dirty="0">
-                <a:latin typeface="Courier New" panose="02070309020205020404" pitchFamily="49" charset="0"/>
-                <a:cs typeface="Courier New" panose="02070309020205020404" pitchFamily="49" charset="0"/>
-              </a:rPr>
-              <a:t>        if ( </a:t>
-            </a:r>
-            <a:r>
-              <a:rPr lang="en-US" sz="1600" dirty="0" err="1">
-                <a:latin typeface="Courier New" panose="02070309020205020404" pitchFamily="49" charset="0"/>
-                <a:cs typeface="Courier New" panose="02070309020205020404" pitchFamily="49" charset="0"/>
-              </a:rPr>
-              <a:t>strcmp</a:t>
-            </a:r>
-            <a:r>
-              <a:rPr lang="en-US" sz="1600" dirty="0">
-                <a:latin typeface="Courier New" panose="02070309020205020404" pitchFamily="49" charset="0"/>
-                <a:cs typeface="Courier New" panose="02070309020205020404" pitchFamily="49" charset="0"/>
-              </a:rPr>
-              <a:t>(</a:t>
-            </a:r>
-            <a:r>
-              <a:rPr lang="en-US" sz="1600" dirty="0" err="1">
-                <a:latin typeface="Courier New" panose="02070309020205020404" pitchFamily="49" charset="0"/>
-                <a:cs typeface="Courier New" panose="02070309020205020404" pitchFamily="49" charset="0"/>
-              </a:rPr>
-              <a:t>line,"done</a:t>
-            </a:r>
-            <a:r>
-              <a:rPr lang="en-US" sz="1600" dirty="0">
-                <a:latin typeface="Courier New" panose="02070309020205020404" pitchFamily="49" charset="0"/>
-                <a:cs typeface="Courier New" panose="02070309020205020404" pitchFamily="49" charset="0"/>
-              </a:rPr>
-              <a:t>") == 0 ) break;</a:t>
-            </a:r>
-          </a:p>
-          <a:p>
-            <a:r>
-              <a:rPr lang="en-US" sz="1600" dirty="0">
-                <a:latin typeface="Courier New" panose="02070309020205020404" pitchFamily="49" charset="0"/>
-                <a:cs typeface="Courier New" panose="02070309020205020404" pitchFamily="49" charset="0"/>
-              </a:rPr>
-              <a:t>        </a:t>
-            </a:r>
-            <a:r>
-              <a:rPr lang="en-US" sz="1600" dirty="0" err="1">
+              <a:rPr lang="en-US" dirty="0">
+                <a:latin typeface="Courier New" panose="02070309020205020404" pitchFamily="49" charset="0"/>
+                <a:cs typeface="Courier New" panose="02070309020205020404" pitchFamily="49" charset="0"/>
+              </a:rPr>
+              <a:t>int main() {</a:t>
+            </a:r>
+          </a:p>
+          <a:p>
+            <a:r>
+              <a:rPr lang="en-US" dirty="0">
+                <a:latin typeface="Courier New" panose="02070309020205020404" pitchFamily="49" charset="0"/>
+                <a:cs typeface="Courier New" panose="02070309020205020404" pitchFamily="49" charset="0"/>
+              </a:rPr>
+              <a:t>    int first = 1;</a:t>
+            </a:r>
+          </a:p>
+          <a:p>
+            <a:r>
+              <a:rPr lang="en-US" dirty="0">
+                <a:latin typeface="Courier New" panose="02070309020205020404" pitchFamily="49" charset="0"/>
+                <a:cs typeface="Courier New" panose="02070309020205020404" pitchFamily="49" charset="0"/>
+              </a:rPr>
+              <a:t>    int </a:t>
+            </a:r>
+            <a:r>
+              <a:rPr lang="en-US" dirty="0" err="1">
                 <a:latin typeface="Courier New" panose="02070309020205020404" pitchFamily="49" charset="0"/>
                 <a:cs typeface="Courier New" panose="02070309020205020404" pitchFamily="49" charset="0"/>
               </a:rPr>
               <a:t>val</a:t>
             </a:r>
             <a:r>
-              <a:rPr lang="en-US" sz="1600" dirty="0">
-                <a:latin typeface="Courier New" panose="02070309020205020404" pitchFamily="49" charset="0"/>
-                <a:cs typeface="Courier New" panose="02070309020205020404" pitchFamily="49" charset="0"/>
-              </a:rPr>
-              <a:t> = </a:t>
-            </a:r>
-            <a:r>
-              <a:rPr lang="en-US" sz="1600" dirty="0" err="1">
-                <a:latin typeface="Courier New" panose="02070309020205020404" pitchFamily="49" charset="0"/>
-                <a:cs typeface="Courier New" panose="02070309020205020404" pitchFamily="49" charset="0"/>
-              </a:rPr>
-              <a:t>atoi</a:t>
-            </a:r>
-            <a:r>
-              <a:rPr lang="en-US" sz="1600" dirty="0">
-                <a:latin typeface="Courier New" panose="02070309020205020404" pitchFamily="49" charset="0"/>
-                <a:cs typeface="Courier New" panose="02070309020205020404" pitchFamily="49" charset="0"/>
-              </a:rPr>
-              <a:t>(line);</a:t>
-            </a:r>
-          </a:p>
-          <a:p>
-            <a:r>
-              <a:rPr lang="en-US" sz="1600" dirty="0">
-                <a:latin typeface="Courier New" panose="02070309020205020404" pitchFamily="49" charset="0"/>
-                <a:cs typeface="Courier New" panose="02070309020205020404" pitchFamily="49" charset="0"/>
-              </a:rPr>
-              <a:t>        if ( first ) {</a:t>
-            </a:r>
-          </a:p>
-          <a:p>
-            <a:r>
-              <a:rPr lang="en-US" sz="1600" dirty="0">
-                <a:latin typeface="Courier New" panose="02070309020205020404" pitchFamily="49" charset="0"/>
-                <a:cs typeface="Courier New" panose="02070309020205020404" pitchFamily="49" charset="0"/>
-              </a:rPr>
-              <a:t>            </a:t>
-            </a:r>
-            <a:r>
-              <a:rPr lang="en-US" sz="1600" dirty="0" err="1">
+              <a:rPr lang="en-US" dirty="0">
+                <a:latin typeface="Courier New" panose="02070309020205020404" pitchFamily="49" charset="0"/>
+                <a:cs typeface="Courier New" panose="02070309020205020404" pitchFamily="49" charset="0"/>
+              </a:rPr>
+              <a:t>, </a:t>
+            </a:r>
+            <a:r>
+              <a:rPr lang="en-US" dirty="0" err="1">
                 <a:latin typeface="Courier New" panose="02070309020205020404" pitchFamily="49" charset="0"/>
                 <a:cs typeface="Courier New" panose="02070309020205020404" pitchFamily="49" charset="0"/>
               </a:rPr>
               <a:t>maxval</a:t>
             </a:r>
             <a:r>
-              <a:rPr lang="en-US" sz="1600" dirty="0">
-                <a:latin typeface="Courier New" panose="02070309020205020404" pitchFamily="49" charset="0"/>
-                <a:cs typeface="Courier New" panose="02070309020205020404" pitchFamily="49" charset="0"/>
-              </a:rPr>
-              <a:t> = </a:t>
-            </a:r>
-            <a:r>
-              <a:rPr lang="en-US" sz="1600" dirty="0" err="1">
-                <a:latin typeface="Courier New" panose="02070309020205020404" pitchFamily="49" charset="0"/>
-                <a:cs typeface="Courier New" panose="02070309020205020404" pitchFamily="49" charset="0"/>
-              </a:rPr>
-              <a:t>val</a:t>
-            </a:r>
-            <a:r>
-              <a:rPr lang="en-US" sz="1600" dirty="0">
+              <a:rPr lang="en-US" dirty="0">
+                <a:latin typeface="Courier New" panose="02070309020205020404" pitchFamily="49" charset="0"/>
+                <a:cs typeface="Courier New" panose="02070309020205020404" pitchFamily="49" charset="0"/>
+              </a:rPr>
+              <a:t>, </a:t>
+            </a:r>
+            <a:r>
+              <a:rPr lang="en-US" dirty="0" err="1">
+                <a:latin typeface="Courier New" panose="02070309020205020404" pitchFamily="49" charset="0"/>
+                <a:cs typeface="Courier New" panose="02070309020205020404" pitchFamily="49" charset="0"/>
+              </a:rPr>
+              <a:t>minval</a:t>
+            </a:r>
+            <a:r>
+              <a:rPr lang="en-US" dirty="0">
                 <a:latin typeface="Courier New" panose="02070309020205020404" pitchFamily="49" charset="0"/>
                 <a:cs typeface="Courier New" panose="02070309020205020404" pitchFamily="49" charset="0"/>
               </a:rPr>
@@ -6437,245 +6560,337 @@
             </a:r>
           </a:p>
           <a:p>
-            <a:r>
-              <a:rPr lang="en-US" sz="1600" dirty="0">
-                <a:latin typeface="Courier New" panose="02070309020205020404" pitchFamily="49" charset="0"/>
-                <a:cs typeface="Courier New" panose="02070309020205020404" pitchFamily="49" charset="0"/>
-              </a:rPr>
-              <a:t>            </a:t>
-            </a:r>
-            <a:r>
-              <a:rPr lang="en-US" sz="1600" dirty="0" err="1">
-                <a:latin typeface="Courier New" panose="02070309020205020404" pitchFamily="49" charset="0"/>
-                <a:cs typeface="Courier New" panose="02070309020205020404" pitchFamily="49" charset="0"/>
-              </a:rPr>
-              <a:t>minval</a:t>
-            </a:r>
-            <a:r>
-              <a:rPr lang="en-US" sz="1600" dirty="0">
-                <a:latin typeface="Courier New" panose="02070309020205020404" pitchFamily="49" charset="0"/>
-                <a:cs typeface="Courier New" panose="02070309020205020404" pitchFamily="49" charset="0"/>
-              </a:rPr>
-              <a:t> = </a:t>
-            </a:r>
-            <a:r>
-              <a:rPr lang="en-US" sz="1600" dirty="0" err="1">
-                <a:latin typeface="Courier New" panose="02070309020205020404" pitchFamily="49" charset="0"/>
-                <a:cs typeface="Courier New" panose="02070309020205020404" pitchFamily="49" charset="0"/>
-              </a:rPr>
-              <a:t>val</a:t>
-            </a:r>
-            <a:r>
-              <a:rPr lang="en-US" sz="1600" dirty="0">
-                <a:latin typeface="Courier New" panose="02070309020205020404" pitchFamily="49" charset="0"/>
-                <a:cs typeface="Courier New" panose="02070309020205020404" pitchFamily="49" charset="0"/>
-              </a:rPr>
-              <a:t>;</a:t>
-            </a:r>
-          </a:p>
-          <a:p>
-            <a:r>
-              <a:rPr lang="en-US" sz="1600" dirty="0">
-                <a:latin typeface="Courier New" panose="02070309020205020404" pitchFamily="49" charset="0"/>
-                <a:cs typeface="Courier New" panose="02070309020205020404" pitchFamily="49" charset="0"/>
-              </a:rPr>
-              <a:t>            first = 0;</a:t>
-            </a:r>
-          </a:p>
-          <a:p>
-            <a:r>
-              <a:rPr lang="en-US" sz="1600" dirty="0">
-                <a:latin typeface="Courier New" panose="02070309020205020404" pitchFamily="49" charset="0"/>
-                <a:cs typeface="Courier New" panose="02070309020205020404" pitchFamily="49" charset="0"/>
-              </a:rPr>
-              <a:t>        } else {</a:t>
-            </a:r>
-          </a:p>
-          <a:p>
-            <a:r>
-              <a:rPr lang="en-US" sz="1600" dirty="0">
-                <a:latin typeface="Courier New" panose="02070309020205020404" pitchFamily="49" charset="0"/>
-                <a:cs typeface="Courier New" panose="02070309020205020404" pitchFamily="49" charset="0"/>
-              </a:rPr>
-              <a:t>            if ( </a:t>
-            </a:r>
-            <a:r>
-              <a:rPr lang="en-US" sz="1600" dirty="0" err="1">
-                <a:latin typeface="Courier New" panose="02070309020205020404" pitchFamily="49" charset="0"/>
-                <a:cs typeface="Courier New" panose="02070309020205020404" pitchFamily="49" charset="0"/>
-              </a:rPr>
-              <a:t>val</a:t>
-            </a:r>
-            <a:r>
-              <a:rPr lang="en-US" sz="1600" dirty="0">
-                <a:latin typeface="Courier New" panose="02070309020205020404" pitchFamily="49" charset="0"/>
-                <a:cs typeface="Courier New" panose="02070309020205020404" pitchFamily="49" charset="0"/>
-              </a:rPr>
-              <a:t> &gt; </a:t>
-            </a:r>
-            <a:r>
-              <a:rPr lang="en-US" sz="1600" dirty="0" err="1">
-                <a:latin typeface="Courier New" panose="02070309020205020404" pitchFamily="49" charset="0"/>
-                <a:cs typeface="Courier New" panose="02070309020205020404" pitchFamily="49" charset="0"/>
-              </a:rPr>
-              <a:t>maxval</a:t>
-            </a:r>
-            <a:r>
-              <a:rPr lang="en-US" sz="1600" dirty="0">
-                <a:latin typeface="Courier New" panose="02070309020205020404" pitchFamily="49" charset="0"/>
-                <a:cs typeface="Courier New" panose="02070309020205020404" pitchFamily="49" charset="0"/>
-              </a:rPr>
-              <a:t> ) </a:t>
-            </a:r>
-            <a:r>
-              <a:rPr lang="en-US" sz="1600" dirty="0" err="1">
-                <a:latin typeface="Courier New" panose="02070309020205020404" pitchFamily="49" charset="0"/>
-                <a:cs typeface="Courier New" panose="02070309020205020404" pitchFamily="49" charset="0"/>
-              </a:rPr>
-              <a:t>maxval</a:t>
-            </a:r>
-            <a:r>
-              <a:rPr lang="en-US" sz="1600" dirty="0">
-                <a:latin typeface="Courier New" panose="02070309020205020404" pitchFamily="49" charset="0"/>
-                <a:cs typeface="Courier New" panose="02070309020205020404" pitchFamily="49" charset="0"/>
-              </a:rPr>
-              <a:t> = </a:t>
-            </a:r>
-            <a:r>
-              <a:rPr lang="en-US" sz="1600" dirty="0" err="1">
-                <a:latin typeface="Courier New" panose="02070309020205020404" pitchFamily="49" charset="0"/>
-                <a:cs typeface="Courier New" panose="02070309020205020404" pitchFamily="49" charset="0"/>
-              </a:rPr>
-              <a:t>val</a:t>
-            </a:r>
-            <a:r>
-              <a:rPr lang="en-US" sz="1600" dirty="0">
-                <a:latin typeface="Courier New" panose="02070309020205020404" pitchFamily="49" charset="0"/>
-                <a:cs typeface="Courier New" panose="02070309020205020404" pitchFamily="49" charset="0"/>
-              </a:rPr>
-              <a:t>;</a:t>
-            </a:r>
-          </a:p>
-          <a:p>
-            <a:r>
-              <a:rPr lang="en-US" sz="1600" dirty="0">
-                <a:latin typeface="Courier New" panose="02070309020205020404" pitchFamily="49" charset="0"/>
-                <a:cs typeface="Courier New" panose="02070309020205020404" pitchFamily="49" charset="0"/>
-              </a:rPr>
-              <a:t>            if ( </a:t>
-            </a:r>
-            <a:r>
-              <a:rPr lang="en-US" sz="1600" dirty="0" err="1">
-                <a:latin typeface="Courier New" panose="02070309020205020404" pitchFamily="49" charset="0"/>
-                <a:cs typeface="Courier New" panose="02070309020205020404" pitchFamily="49" charset="0"/>
-              </a:rPr>
-              <a:t>val</a:t>
-            </a:r>
-            <a:r>
-              <a:rPr lang="en-US" sz="1600" dirty="0">
-                <a:latin typeface="Courier New" panose="02070309020205020404" pitchFamily="49" charset="0"/>
-                <a:cs typeface="Courier New" panose="02070309020205020404" pitchFamily="49" charset="0"/>
-              </a:rPr>
-              <a:t> &lt; </a:t>
-            </a:r>
-            <a:r>
-              <a:rPr lang="en-US" sz="1600" dirty="0" err="1">
-                <a:latin typeface="Courier New" panose="02070309020205020404" pitchFamily="49" charset="0"/>
-                <a:cs typeface="Courier New" panose="02070309020205020404" pitchFamily="49" charset="0"/>
-              </a:rPr>
-              <a:t>minval</a:t>
-            </a:r>
-            <a:r>
-              <a:rPr lang="en-US" sz="1600" dirty="0">
-                <a:latin typeface="Courier New" panose="02070309020205020404" pitchFamily="49" charset="0"/>
-                <a:cs typeface="Courier New" panose="02070309020205020404" pitchFamily="49" charset="0"/>
-              </a:rPr>
-              <a:t> ) </a:t>
-            </a:r>
-            <a:r>
-              <a:rPr lang="en-US" sz="1600" dirty="0" err="1">
-                <a:latin typeface="Courier New" panose="02070309020205020404" pitchFamily="49" charset="0"/>
-                <a:cs typeface="Courier New" panose="02070309020205020404" pitchFamily="49" charset="0"/>
-              </a:rPr>
-              <a:t>minval</a:t>
-            </a:r>
-            <a:r>
-              <a:rPr lang="en-US" sz="1600" dirty="0">
-                <a:latin typeface="Courier New" panose="02070309020205020404" pitchFamily="49" charset="0"/>
-                <a:cs typeface="Courier New" panose="02070309020205020404" pitchFamily="49" charset="0"/>
-              </a:rPr>
-              <a:t> = </a:t>
-            </a:r>
-            <a:r>
-              <a:rPr lang="en-US" sz="1600" dirty="0" err="1">
-                <a:latin typeface="Courier New" panose="02070309020205020404" pitchFamily="49" charset="0"/>
-                <a:cs typeface="Courier New" panose="02070309020205020404" pitchFamily="49" charset="0"/>
-              </a:rPr>
-              <a:t>val</a:t>
-            </a:r>
-            <a:r>
-              <a:rPr lang="en-US" sz="1600" dirty="0">
-                <a:latin typeface="Courier New" panose="02070309020205020404" pitchFamily="49" charset="0"/>
-                <a:cs typeface="Courier New" panose="02070309020205020404" pitchFamily="49" charset="0"/>
-              </a:rPr>
-              <a:t>;</a:t>
-            </a:r>
-          </a:p>
-          <a:p>
-            <a:r>
-              <a:rPr lang="en-US" sz="1600" dirty="0">
-                <a:latin typeface="Courier New" panose="02070309020205020404" pitchFamily="49" charset="0"/>
-                <a:cs typeface="Courier New" panose="02070309020205020404" pitchFamily="49" charset="0"/>
-              </a:rPr>
-              <a:t>        }</a:t>
-            </a:r>
-          </a:p>
-          <a:p>
-            <a:r>
-              <a:rPr lang="en-US" sz="1600" dirty="0">
-                <a:latin typeface="Courier New" panose="02070309020205020404" pitchFamily="49" charset="0"/>
-                <a:cs typeface="Courier New" panose="02070309020205020404" pitchFamily="49" charset="0"/>
-              </a:rPr>
-              <a:t>    }</a:t>
-            </a:r>
-          </a:p>
-          <a:p>
-            <a:endParaRPr lang="en-US" sz="1600" dirty="0">
+            <a:endParaRPr lang="en-US" dirty="0">
               <a:latin typeface="Courier New" panose="02070309020205020404" pitchFamily="49" charset="0"/>
               <a:cs typeface="Courier New" panose="02070309020205020404" pitchFamily="49" charset="0"/>
             </a:endParaRPr>
           </a:p>
           <a:p>
             <a:r>
-              <a:rPr lang="en-US" sz="1600" dirty="0">
+              <a:rPr lang="en-US" dirty="0">
+                <a:latin typeface="Courier New" panose="02070309020205020404" pitchFamily="49" charset="0"/>
+                <a:cs typeface="Courier New" panose="02070309020205020404" pitchFamily="49" charset="0"/>
+              </a:rPr>
+              <a:t>    while(</a:t>
+            </a:r>
+            <a:r>
+              <a:rPr lang="en-US" dirty="0" err="1">
+                <a:latin typeface="Courier New" panose="02070309020205020404" pitchFamily="49" charset="0"/>
+                <a:cs typeface="Courier New" panose="02070309020205020404" pitchFamily="49" charset="0"/>
+              </a:rPr>
+              <a:t>scanf</a:t>
+            </a:r>
+            <a:r>
+              <a:rPr lang="en-US" dirty="0">
+                <a:latin typeface="Courier New" panose="02070309020205020404" pitchFamily="49" charset="0"/>
+                <a:cs typeface="Courier New" panose="02070309020205020404" pitchFamily="49" charset="0"/>
+              </a:rPr>
+              <a:t>("%d",&amp;</a:t>
+            </a:r>
+            <a:r>
+              <a:rPr lang="en-US" dirty="0" err="1">
+                <a:latin typeface="Courier New" panose="02070309020205020404" pitchFamily="49" charset="0"/>
+                <a:cs typeface="Courier New" panose="02070309020205020404" pitchFamily="49" charset="0"/>
+              </a:rPr>
+              <a:t>val</a:t>
+            </a:r>
+            <a:r>
+              <a:rPr lang="en-US" dirty="0">
+                <a:latin typeface="Courier New" panose="02070309020205020404" pitchFamily="49" charset="0"/>
+                <a:cs typeface="Courier New" panose="02070309020205020404" pitchFamily="49" charset="0"/>
+              </a:rPr>
+              <a:t>) != EOF ) {</a:t>
+            </a:r>
+          </a:p>
+          <a:p>
+            <a:r>
+              <a:rPr lang="en-US" dirty="0">
+                <a:latin typeface="Courier New" panose="02070309020205020404" pitchFamily="49" charset="0"/>
+                <a:cs typeface="Courier New" panose="02070309020205020404" pitchFamily="49" charset="0"/>
+              </a:rPr>
+              <a:t>        if ( first ) {</a:t>
+            </a:r>
+          </a:p>
+          <a:p>
+            <a:r>
+              <a:rPr lang="en-US" dirty="0">
+                <a:latin typeface="Courier New" panose="02070309020205020404" pitchFamily="49" charset="0"/>
+                <a:cs typeface="Courier New" panose="02070309020205020404" pitchFamily="49" charset="0"/>
+              </a:rPr>
+              <a:t>            </a:t>
+            </a:r>
+            <a:r>
+              <a:rPr lang="en-US" dirty="0" err="1">
+                <a:latin typeface="Courier New" panose="02070309020205020404" pitchFamily="49" charset="0"/>
+                <a:cs typeface="Courier New" panose="02070309020205020404" pitchFamily="49" charset="0"/>
+              </a:rPr>
+              <a:t>maxval</a:t>
+            </a:r>
+            <a:r>
+              <a:rPr lang="en-US" dirty="0">
+                <a:latin typeface="Courier New" panose="02070309020205020404" pitchFamily="49" charset="0"/>
+                <a:cs typeface="Courier New" panose="02070309020205020404" pitchFamily="49" charset="0"/>
+              </a:rPr>
+              <a:t> = </a:t>
+            </a:r>
+            <a:r>
+              <a:rPr lang="en-US" dirty="0" err="1">
+                <a:latin typeface="Courier New" panose="02070309020205020404" pitchFamily="49" charset="0"/>
+                <a:cs typeface="Courier New" panose="02070309020205020404" pitchFamily="49" charset="0"/>
+              </a:rPr>
+              <a:t>val</a:t>
+            </a:r>
+            <a:r>
+              <a:rPr lang="en-US" dirty="0">
+                <a:latin typeface="Courier New" panose="02070309020205020404" pitchFamily="49" charset="0"/>
+                <a:cs typeface="Courier New" panose="02070309020205020404" pitchFamily="49" charset="0"/>
+              </a:rPr>
+              <a:t>;</a:t>
+            </a:r>
+          </a:p>
+          <a:p>
+            <a:r>
+              <a:rPr lang="en-US" dirty="0">
+                <a:latin typeface="Courier New" panose="02070309020205020404" pitchFamily="49" charset="0"/>
+                <a:cs typeface="Courier New" panose="02070309020205020404" pitchFamily="49" charset="0"/>
+              </a:rPr>
+              <a:t>            </a:t>
+            </a:r>
+            <a:r>
+              <a:rPr lang="en-US" dirty="0" err="1">
+                <a:latin typeface="Courier New" panose="02070309020205020404" pitchFamily="49" charset="0"/>
+                <a:cs typeface="Courier New" panose="02070309020205020404" pitchFamily="49" charset="0"/>
+              </a:rPr>
+              <a:t>minval</a:t>
+            </a:r>
+            <a:r>
+              <a:rPr lang="en-US" dirty="0">
+                <a:latin typeface="Courier New" panose="02070309020205020404" pitchFamily="49" charset="0"/>
+                <a:cs typeface="Courier New" panose="02070309020205020404" pitchFamily="49" charset="0"/>
+              </a:rPr>
+              <a:t> = </a:t>
+            </a:r>
+            <a:r>
+              <a:rPr lang="en-US" dirty="0" err="1">
+                <a:latin typeface="Courier New" panose="02070309020205020404" pitchFamily="49" charset="0"/>
+                <a:cs typeface="Courier New" panose="02070309020205020404" pitchFamily="49" charset="0"/>
+              </a:rPr>
+              <a:t>val</a:t>
+            </a:r>
+            <a:r>
+              <a:rPr lang="en-US" dirty="0">
+                <a:latin typeface="Courier New" panose="02070309020205020404" pitchFamily="49" charset="0"/>
+                <a:cs typeface="Courier New" panose="02070309020205020404" pitchFamily="49" charset="0"/>
+              </a:rPr>
+              <a:t>;</a:t>
+            </a:r>
+          </a:p>
+          <a:p>
+            <a:r>
+              <a:rPr lang="en-US" dirty="0">
+                <a:latin typeface="Courier New" panose="02070309020205020404" pitchFamily="49" charset="0"/>
+                <a:cs typeface="Courier New" panose="02070309020205020404" pitchFamily="49" charset="0"/>
+              </a:rPr>
+              <a:t>            first = 0;</a:t>
+            </a:r>
+          </a:p>
+          <a:p>
+            <a:r>
+              <a:rPr lang="en-US" dirty="0">
+                <a:latin typeface="Courier New" panose="02070309020205020404" pitchFamily="49" charset="0"/>
+                <a:cs typeface="Courier New" panose="02070309020205020404" pitchFamily="49" charset="0"/>
+              </a:rPr>
+              <a:t>        } else {</a:t>
+            </a:r>
+          </a:p>
+          <a:p>
+            <a:r>
+              <a:rPr lang="en-US" dirty="0">
+                <a:latin typeface="Courier New" panose="02070309020205020404" pitchFamily="49" charset="0"/>
+                <a:cs typeface="Courier New" panose="02070309020205020404" pitchFamily="49" charset="0"/>
+              </a:rPr>
+              <a:t>            if ( </a:t>
+            </a:r>
+            <a:r>
+              <a:rPr lang="en-US" dirty="0" err="1">
+                <a:latin typeface="Courier New" panose="02070309020205020404" pitchFamily="49" charset="0"/>
+                <a:cs typeface="Courier New" panose="02070309020205020404" pitchFamily="49" charset="0"/>
+              </a:rPr>
+              <a:t>val</a:t>
+            </a:r>
+            <a:r>
+              <a:rPr lang="en-US" dirty="0">
+                <a:latin typeface="Courier New" panose="02070309020205020404" pitchFamily="49" charset="0"/>
+                <a:cs typeface="Courier New" panose="02070309020205020404" pitchFamily="49" charset="0"/>
+              </a:rPr>
+              <a:t> &gt; </a:t>
+            </a:r>
+            <a:r>
+              <a:rPr lang="en-US" dirty="0" err="1">
+                <a:latin typeface="Courier New" panose="02070309020205020404" pitchFamily="49" charset="0"/>
+                <a:cs typeface="Courier New" panose="02070309020205020404" pitchFamily="49" charset="0"/>
+              </a:rPr>
+              <a:t>maxval</a:t>
+            </a:r>
+            <a:r>
+              <a:rPr lang="en-US" dirty="0">
+                <a:latin typeface="Courier New" panose="02070309020205020404" pitchFamily="49" charset="0"/>
+                <a:cs typeface="Courier New" panose="02070309020205020404" pitchFamily="49" charset="0"/>
+              </a:rPr>
+              <a:t> ) </a:t>
+            </a:r>
+            <a:r>
+              <a:rPr lang="en-US" dirty="0" err="1">
+                <a:latin typeface="Courier New" panose="02070309020205020404" pitchFamily="49" charset="0"/>
+                <a:cs typeface="Courier New" panose="02070309020205020404" pitchFamily="49" charset="0"/>
+              </a:rPr>
+              <a:t>maxval</a:t>
+            </a:r>
+            <a:r>
+              <a:rPr lang="en-US" dirty="0">
+                <a:latin typeface="Courier New" panose="02070309020205020404" pitchFamily="49" charset="0"/>
+                <a:cs typeface="Courier New" panose="02070309020205020404" pitchFamily="49" charset="0"/>
+              </a:rPr>
+              <a:t> = </a:t>
+            </a:r>
+            <a:r>
+              <a:rPr lang="en-US" dirty="0" err="1">
+                <a:latin typeface="Courier New" panose="02070309020205020404" pitchFamily="49" charset="0"/>
+                <a:cs typeface="Courier New" panose="02070309020205020404" pitchFamily="49" charset="0"/>
+              </a:rPr>
+              <a:t>val</a:t>
+            </a:r>
+            <a:r>
+              <a:rPr lang="en-US" dirty="0">
+                <a:latin typeface="Courier New" panose="02070309020205020404" pitchFamily="49" charset="0"/>
+                <a:cs typeface="Courier New" panose="02070309020205020404" pitchFamily="49" charset="0"/>
+              </a:rPr>
+              <a:t>;</a:t>
+            </a:r>
+          </a:p>
+          <a:p>
+            <a:r>
+              <a:rPr lang="en-US" dirty="0">
+                <a:latin typeface="Courier New" panose="02070309020205020404" pitchFamily="49" charset="0"/>
+                <a:cs typeface="Courier New" panose="02070309020205020404" pitchFamily="49" charset="0"/>
+              </a:rPr>
+              <a:t>            if ( </a:t>
+            </a:r>
+            <a:r>
+              <a:rPr lang="en-US" dirty="0" err="1">
+                <a:latin typeface="Courier New" panose="02070309020205020404" pitchFamily="49" charset="0"/>
+                <a:cs typeface="Courier New" panose="02070309020205020404" pitchFamily="49" charset="0"/>
+              </a:rPr>
+              <a:t>val</a:t>
+            </a:r>
+            <a:r>
+              <a:rPr lang="en-US" dirty="0">
+                <a:latin typeface="Courier New" panose="02070309020205020404" pitchFamily="49" charset="0"/>
+                <a:cs typeface="Courier New" panose="02070309020205020404" pitchFamily="49" charset="0"/>
+              </a:rPr>
+              <a:t> &lt; </a:t>
+            </a:r>
+            <a:r>
+              <a:rPr lang="en-US" dirty="0" err="1">
+                <a:latin typeface="Courier New" panose="02070309020205020404" pitchFamily="49" charset="0"/>
+                <a:cs typeface="Courier New" panose="02070309020205020404" pitchFamily="49" charset="0"/>
+              </a:rPr>
+              <a:t>minval</a:t>
+            </a:r>
+            <a:r>
+              <a:rPr lang="en-US" dirty="0">
+                <a:latin typeface="Courier New" panose="02070309020205020404" pitchFamily="49" charset="0"/>
+                <a:cs typeface="Courier New" panose="02070309020205020404" pitchFamily="49" charset="0"/>
+              </a:rPr>
+              <a:t> ) </a:t>
+            </a:r>
+            <a:r>
+              <a:rPr lang="en-US" dirty="0" err="1">
+                <a:latin typeface="Courier New" panose="02070309020205020404" pitchFamily="49" charset="0"/>
+                <a:cs typeface="Courier New" panose="02070309020205020404" pitchFamily="49" charset="0"/>
+              </a:rPr>
+              <a:t>minval</a:t>
+            </a:r>
+            <a:r>
+              <a:rPr lang="en-US" dirty="0">
+                <a:latin typeface="Courier New" panose="02070309020205020404" pitchFamily="49" charset="0"/>
+                <a:cs typeface="Courier New" panose="02070309020205020404" pitchFamily="49" charset="0"/>
+              </a:rPr>
+              <a:t> = </a:t>
+            </a:r>
+            <a:r>
+              <a:rPr lang="en-US" dirty="0" err="1">
+                <a:latin typeface="Courier New" panose="02070309020205020404" pitchFamily="49" charset="0"/>
+                <a:cs typeface="Courier New" panose="02070309020205020404" pitchFamily="49" charset="0"/>
+              </a:rPr>
+              <a:t>val</a:t>
+            </a:r>
+            <a:r>
+              <a:rPr lang="en-US" dirty="0">
+                <a:latin typeface="Courier New" panose="02070309020205020404" pitchFamily="49" charset="0"/>
+                <a:cs typeface="Courier New" panose="02070309020205020404" pitchFamily="49" charset="0"/>
+              </a:rPr>
+              <a:t>;</a:t>
+            </a:r>
+          </a:p>
+          <a:p>
+            <a:r>
+              <a:rPr lang="en-US" dirty="0">
+                <a:latin typeface="Courier New" panose="02070309020205020404" pitchFamily="49" charset="0"/>
+                <a:cs typeface="Courier New" panose="02070309020205020404" pitchFamily="49" charset="0"/>
+              </a:rPr>
+              <a:t>        }</a:t>
+            </a:r>
+          </a:p>
+          <a:p>
+            <a:r>
+              <a:rPr lang="en-US" dirty="0">
+                <a:latin typeface="Courier New" panose="02070309020205020404" pitchFamily="49" charset="0"/>
+                <a:cs typeface="Courier New" panose="02070309020205020404" pitchFamily="49" charset="0"/>
+              </a:rPr>
+              <a:t>    }</a:t>
+            </a:r>
+          </a:p>
+          <a:p>
+            <a:r>
+              <a:rPr lang="en-US" dirty="0">
+                <a:latin typeface="Courier New" panose="02070309020205020404" pitchFamily="49" charset="0"/>
+                <a:cs typeface="Courier New" panose="02070309020205020404" pitchFamily="49" charset="0"/>
+              </a:rPr>
+              <a:t>        </a:t>
+            </a:r>
+          </a:p>
+          <a:p>
+            <a:r>
+              <a:rPr lang="en-US" dirty="0">
                 <a:latin typeface="Courier New" panose="02070309020205020404" pitchFamily="49" charset="0"/>
                 <a:cs typeface="Courier New" panose="02070309020205020404" pitchFamily="49" charset="0"/>
               </a:rPr>
               <a:t>    </a:t>
             </a:r>
             <a:r>
-              <a:rPr lang="en-US" sz="1600" dirty="0" err="1">
+              <a:rPr lang="en-US" dirty="0" err="1">
                 <a:latin typeface="Courier New" panose="02070309020205020404" pitchFamily="49" charset="0"/>
                 <a:cs typeface="Courier New" panose="02070309020205020404" pitchFamily="49" charset="0"/>
               </a:rPr>
               <a:t>printf</a:t>
             </a:r>
             <a:r>
-              <a:rPr lang="en-US" sz="1600" dirty="0">
+              <a:rPr lang="en-US" dirty="0">
                 <a:latin typeface="Courier New" panose="02070309020205020404" pitchFamily="49" charset="0"/>
                 <a:cs typeface="Courier New" panose="02070309020205020404" pitchFamily="49" charset="0"/>
               </a:rPr>
               <a:t>("Maximum %d\n", </a:t>
             </a:r>
             <a:r>
-              <a:rPr lang="en-US" sz="1600" dirty="0" err="1">
+              <a:rPr lang="en-US" dirty="0" err="1">
                 <a:latin typeface="Courier New" panose="02070309020205020404" pitchFamily="49" charset="0"/>
                 <a:cs typeface="Courier New" panose="02070309020205020404" pitchFamily="49" charset="0"/>
               </a:rPr>
               <a:t>maxval</a:t>
             </a:r>
             <a:r>
-              <a:rPr lang="en-US" sz="1600" dirty="0">
+              <a:rPr lang="en-US" dirty="0">
                 <a:latin typeface="Courier New" panose="02070309020205020404" pitchFamily="49" charset="0"/>
                 <a:cs typeface="Courier New" panose="02070309020205020404" pitchFamily="49" charset="0"/>
               </a:rPr>
@@ -6684,35 +6899,35 @@
           </a:p>
           <a:p>
             <a:r>
-              <a:rPr lang="en-US" sz="1600" dirty="0">
+              <a:rPr lang="en-US" dirty="0">
                 <a:latin typeface="Courier New" panose="02070309020205020404" pitchFamily="49" charset="0"/>
                 <a:cs typeface="Courier New" panose="02070309020205020404" pitchFamily="49" charset="0"/>
               </a:rPr>
               <a:t>    </a:t>
             </a:r>
             <a:r>
-              <a:rPr lang="en-US" sz="1600" dirty="0" err="1">
+              <a:rPr lang="en-US" dirty="0" err="1">
                 <a:latin typeface="Courier New" panose="02070309020205020404" pitchFamily="49" charset="0"/>
                 <a:cs typeface="Courier New" panose="02070309020205020404" pitchFamily="49" charset="0"/>
               </a:rPr>
               <a:t>printf</a:t>
             </a:r>
             <a:r>
-              <a:rPr lang="en-US" sz="1600" dirty="0">
+              <a:rPr lang="en-US" dirty="0">
                 <a:latin typeface="Courier New" panose="02070309020205020404" pitchFamily="49" charset="0"/>
                 <a:cs typeface="Courier New" panose="02070309020205020404" pitchFamily="49" charset="0"/>
               </a:rPr>
               <a:t>("Minimum %d\n", </a:t>
             </a:r>
             <a:r>
-              <a:rPr lang="en-US" sz="1600" dirty="0" err="1">
+              <a:rPr lang="en-US" dirty="0" err="1">
                 <a:latin typeface="Courier New" panose="02070309020205020404" pitchFamily="49" charset="0"/>
                 <a:cs typeface="Courier New" panose="02070309020205020404" pitchFamily="49" charset="0"/>
               </a:rPr>
               <a:t>minval</a:t>
             </a:r>
             <a:r>
-              <a:rPr lang="en-US" sz="1600" dirty="0">
+              <a:rPr lang="en-US" dirty="0">
                 <a:latin typeface="Courier New" panose="02070309020205020404" pitchFamily="49" charset="0"/>
                 <a:cs typeface="Courier New" panose="02070309020205020404" pitchFamily="49" charset="0"/>
               </a:rPr>
@@ -6721,7 +6936,7 @@
           </a:p>
           <a:p>
             <a:r>
-              <a:rPr lang="en-US" sz="1600" dirty="0">
+              <a:rPr lang="en-US" dirty="0">
                 <a:latin typeface="Courier New" panose="02070309020205020404" pitchFamily="49" charset="0"/>
                 <a:cs typeface="Courier New" panose="02070309020205020404" pitchFamily="49" charset="0"/>
               </a:rPr>
@@ -6744,8 +6959,8 @@
         </p:nvSpPr>
         <p:spPr>
           <a:xfrm>
-            <a:off x="1086295" y="2534055"/>
-            <a:ext cx="5009705" cy="2308324"/>
+            <a:off x="2253614" y="1690688"/>
+            <a:ext cx="1425390" cy="3693319"/>
           </a:xfrm>
           <a:prstGeom prst="rect">
             <a:avLst/>
@@ -6762,7 +6977,7 @@
               <a:rPr lang="en-US" dirty="0">
                 <a:latin typeface="Monaco" pitchFamily="2" charset="77"/>
               </a:rPr>
-              <a:t>warning: this program uses gets(), </a:t>
+              <a:t>5</a:t>
             </a:r>
           </a:p>
           <a:p>
@@ -6770,7 +6985,7 @@
               <a:rPr lang="en-US" dirty="0">
                 <a:latin typeface="Monaco" pitchFamily="2" charset="77"/>
               </a:rPr>
-              <a:t>  which is unsafe.</a:t>
+              <a:t>2</a:t>
             </a:r>
           </a:p>
           <a:p>
@@ -6778,7 +6993,7 @@
               <a:rPr lang="en-US" dirty="0">
                 <a:latin typeface="Monaco" pitchFamily="2" charset="77"/>
               </a:rPr>
-              <a:t>5</a:t>
+              <a:t>9</a:t>
             </a:r>
           </a:p>
           <a:p>
@@ -6786,7 +7001,7 @@
               <a:rPr lang="en-US" dirty="0">
                 <a:latin typeface="Monaco" pitchFamily="2" charset="77"/>
               </a:rPr>
-              <a:t>2</a:t>
+              <a:t>(EOF)</a:t>
             </a:r>
           </a:p>
           <a:p>
@@ -6794,7 +7009,7 @@
               <a:rPr lang="en-US" dirty="0">
                 <a:latin typeface="Monaco" pitchFamily="2" charset="77"/>
               </a:rPr>
-              <a:t>9</a:t>
+              <a:t>Maximum 9</a:t>
             </a:r>
           </a:p>
           <a:p>
@@ -6802,14 +7017,45 @@
               <a:rPr lang="en-US" dirty="0">
                 <a:latin typeface="Monaco" pitchFamily="2" charset="77"/>
               </a:rPr>
-              <a:t>done</a:t>
-            </a:r>
+              <a:t>Minimum 2</a:t>
+            </a:r>
+          </a:p>
+          <a:p>
+            <a:endParaRPr lang="en-US" dirty="0">
+              <a:latin typeface="Monaco" pitchFamily="2" charset="77"/>
+            </a:endParaRPr>
+          </a:p>
+          <a:p>
+            <a:endParaRPr lang="en-US" dirty="0">
+              <a:latin typeface="Monaco" pitchFamily="2" charset="77"/>
+            </a:endParaRPr>
+          </a:p>
+          <a:p>
+            <a:endParaRPr lang="en-US" dirty="0">
+              <a:latin typeface="Monaco" pitchFamily="2" charset="77"/>
+            </a:endParaRPr>
           </a:p>
           <a:p>
             <a:r>
               <a:rPr lang="en-US" dirty="0">
                 <a:latin typeface="Monaco" pitchFamily="2" charset="77"/>
               </a:rPr>
+              <a:t>5 2 9</a:t>
+            </a:r>
+          </a:p>
+          <a:p>
+            <a:r>
+              <a:rPr lang="en-US" dirty="0">
+                <a:latin typeface="Monaco" pitchFamily="2" charset="77"/>
+              </a:rPr>
+              <a:t>(EOF)</a:t>
+            </a:r>
+          </a:p>
+          <a:p>
+            <a:r>
+              <a:rPr lang="en-US" dirty="0">
+                <a:latin typeface="Monaco" pitchFamily="2" charset="77"/>
+              </a:rPr>
               <a:t>Maximum 9</a:t>
             </a:r>
           </a:p>
@@ -6819,6 +7065,47 @@
                 <a:latin typeface="Monaco" pitchFamily="2" charset="77"/>
               </a:rPr>
               <a:t>Minimum 2</a:t>
+            </a:r>
+          </a:p>
+        </p:txBody>
+      </p:sp>
+      <p:sp>
+        <p:nvSpPr>
+          <p:cNvPr id="6" name="TextBox 5">
+            <a:extLst>
+              <a:ext uri="{FF2B5EF4-FFF2-40B4-BE49-F238E27FC236}">
+                <a16:creationId xmlns:a16="http://schemas.microsoft.com/office/drawing/2014/main" id="{DA1DE167-0E6E-B081-0CCE-F2ADE4702860}"/>
+              </a:ext>
+            </a:extLst>
+          </p:cNvPr>
+          <p:cNvSpPr txBox="1"/>
+          <p:nvPr/>
+        </p:nvSpPr>
+        <p:spPr>
+          <a:xfrm>
+            <a:off x="10363200" y="6323598"/>
+            <a:ext cx="1697181" cy="338554"/>
+          </a:xfrm>
+          <a:prstGeom prst="rect">
+            <a:avLst/>
+          </a:prstGeom>
+          <a:noFill/>
+        </p:spPr>
+        <p:txBody>
+          <a:bodyPr wrap="square">
+            <a:spAutoFit/>
+          </a:bodyPr>
+          <a:lstStyle/>
+          <a:p>
+            <a:r>
+              <a:rPr lang="en-US" sz="1600" dirty="0">
+                <a:solidFill>
+                  <a:srgbClr val="000000"/>
+                </a:solidFill>
+                <a:effectLst/>
+                <a:latin typeface="Menlo" panose="020B0609030804020204" pitchFamily="49" charset="0"/>
+              </a:rPr>
+              <a:t>cc_02_08_b.c</a:t>
             </a:r>
           </a:p>
         </p:txBody>
@@ -6826,7 +7113,7 @@
     </p:spTree>
     <p:extLst>
       <p:ext uri="{BB962C8B-B14F-4D97-AF65-F5344CB8AC3E}">
-        <p14:creationId xmlns:p14="http://schemas.microsoft.com/office/powerpoint/2010/main" val="3289950258"/>
+        <p14:creationId xmlns:p14="http://schemas.microsoft.com/office/powerpoint/2010/main" val="2735925725"/>
       </p:ext>
     </p:extLst>
   </p:cSld>
@@ -6876,7 +7163,7 @@
           <a:p>
             <a:r>
               <a:rPr lang="en-US" dirty="0"/>
-              <a:t>Max / Min v2</a:t>
+              <a:t>Guessing</a:t>
             </a:r>
           </a:p>
         </p:txBody>
@@ -6895,8 +7182,8 @@
         </p:nvSpPr>
         <p:spPr>
           <a:xfrm>
-            <a:off x="5144352" y="638845"/>
-            <a:ext cx="6388287" cy="5632311"/>
+            <a:off x="316833" y="1659285"/>
+            <a:ext cx="4998484" cy="3539430"/>
           </a:xfrm>
           <a:prstGeom prst="rect">
             <a:avLst/>
@@ -6910,494 +7197,180 @@
           <a:lstStyle/>
           <a:p>
             <a:r>
-              <a:rPr lang="en-US" dirty="0">
-                <a:latin typeface="Courier New" panose="02070309020205020404" pitchFamily="49" charset="0"/>
-                <a:cs typeface="Courier New" panose="02070309020205020404" pitchFamily="49" charset="0"/>
-              </a:rPr>
-              <a:t>#include &lt;</a:t>
-            </a:r>
-            <a:r>
-              <a:rPr lang="en-US" dirty="0" err="1">
-                <a:latin typeface="Courier New" panose="02070309020205020404" pitchFamily="49" charset="0"/>
-                <a:cs typeface="Courier New" panose="02070309020205020404" pitchFamily="49" charset="0"/>
-              </a:rPr>
-              <a:t>stdio.h</a:t>
-            </a:r>
-            <a:r>
-              <a:rPr lang="en-US" dirty="0">
-                <a:latin typeface="Courier New" panose="02070309020205020404" pitchFamily="49" charset="0"/>
-                <a:cs typeface="Courier New" panose="02070309020205020404" pitchFamily="49" charset="0"/>
-              </a:rPr>
-              <a:t>&gt;</a:t>
-            </a:r>
-          </a:p>
-          <a:p>
-            <a:endParaRPr lang="en-US" dirty="0">
-              <a:latin typeface="Courier New" panose="02070309020205020404" pitchFamily="49" charset="0"/>
-              <a:cs typeface="Courier New" panose="02070309020205020404" pitchFamily="49" charset="0"/>
-            </a:endParaRPr>
-          </a:p>
-          <a:p>
-            <a:r>
-              <a:rPr lang="en-US" dirty="0">
-                <a:latin typeface="Courier New" panose="02070309020205020404" pitchFamily="49" charset="0"/>
-                <a:cs typeface="Courier New" panose="02070309020205020404" pitchFamily="49" charset="0"/>
-              </a:rPr>
-              <a:t>int main() {</a:t>
-            </a:r>
-          </a:p>
-          <a:p>
-            <a:r>
-              <a:rPr lang="en-US" dirty="0">
-                <a:latin typeface="Courier New" panose="02070309020205020404" pitchFamily="49" charset="0"/>
-                <a:cs typeface="Courier New" panose="02070309020205020404" pitchFamily="49" charset="0"/>
-              </a:rPr>
-              <a:t>    int first = 1;</a:t>
-            </a:r>
-          </a:p>
-          <a:p>
-            <a:r>
-              <a:rPr lang="en-US" dirty="0">
-                <a:latin typeface="Courier New" panose="02070309020205020404" pitchFamily="49" charset="0"/>
-                <a:cs typeface="Courier New" panose="02070309020205020404" pitchFamily="49" charset="0"/>
-              </a:rPr>
-              <a:t>    int </a:t>
-            </a:r>
-            <a:r>
-              <a:rPr lang="en-US" dirty="0" err="1">
-                <a:latin typeface="Courier New" panose="02070309020205020404" pitchFamily="49" charset="0"/>
-                <a:cs typeface="Courier New" panose="02070309020205020404" pitchFamily="49" charset="0"/>
-              </a:rPr>
-              <a:t>val</a:t>
-            </a:r>
-            <a:r>
-              <a:rPr lang="en-US" dirty="0">
-                <a:latin typeface="Courier New" panose="02070309020205020404" pitchFamily="49" charset="0"/>
-                <a:cs typeface="Courier New" panose="02070309020205020404" pitchFamily="49" charset="0"/>
-              </a:rPr>
-              <a:t>, </a:t>
-            </a:r>
-            <a:r>
-              <a:rPr lang="en-US" dirty="0" err="1">
-                <a:latin typeface="Courier New" panose="02070309020205020404" pitchFamily="49" charset="0"/>
-                <a:cs typeface="Courier New" panose="02070309020205020404" pitchFamily="49" charset="0"/>
-              </a:rPr>
-              <a:t>maxval</a:t>
-            </a:r>
-            <a:r>
-              <a:rPr lang="en-US" dirty="0">
-                <a:latin typeface="Courier New" panose="02070309020205020404" pitchFamily="49" charset="0"/>
-                <a:cs typeface="Courier New" panose="02070309020205020404" pitchFamily="49" charset="0"/>
-              </a:rPr>
-              <a:t>, </a:t>
-            </a:r>
-            <a:r>
-              <a:rPr lang="en-US" dirty="0" err="1">
-                <a:latin typeface="Courier New" panose="02070309020205020404" pitchFamily="49" charset="0"/>
-                <a:cs typeface="Courier New" panose="02070309020205020404" pitchFamily="49" charset="0"/>
-              </a:rPr>
-              <a:t>minval</a:t>
-            </a:r>
-            <a:r>
-              <a:rPr lang="en-US" dirty="0">
-                <a:latin typeface="Courier New" panose="02070309020205020404" pitchFamily="49" charset="0"/>
-                <a:cs typeface="Courier New" panose="02070309020205020404" pitchFamily="49" charset="0"/>
-              </a:rPr>
-              <a:t>;</a:t>
-            </a:r>
-          </a:p>
-          <a:p>
-            <a:endParaRPr lang="en-US" dirty="0">
-              <a:latin typeface="Courier New" panose="02070309020205020404" pitchFamily="49" charset="0"/>
-              <a:cs typeface="Courier New" panose="02070309020205020404" pitchFamily="49" charset="0"/>
-            </a:endParaRPr>
-          </a:p>
-          <a:p>
-            <a:r>
-              <a:rPr lang="en-US" dirty="0">
-                <a:latin typeface="Courier New" panose="02070309020205020404" pitchFamily="49" charset="0"/>
-                <a:cs typeface="Courier New" panose="02070309020205020404" pitchFamily="49" charset="0"/>
-              </a:rPr>
-              <a:t>    while(</a:t>
-            </a:r>
-            <a:r>
-              <a:rPr lang="en-US" dirty="0" err="1">
-                <a:latin typeface="Courier New" panose="02070309020205020404" pitchFamily="49" charset="0"/>
-                <a:cs typeface="Courier New" panose="02070309020205020404" pitchFamily="49" charset="0"/>
-              </a:rPr>
-              <a:t>scanf</a:t>
-            </a:r>
-            <a:r>
-              <a:rPr lang="en-US" dirty="0">
-                <a:latin typeface="Courier New" panose="02070309020205020404" pitchFamily="49" charset="0"/>
-                <a:cs typeface="Courier New" panose="02070309020205020404" pitchFamily="49" charset="0"/>
-              </a:rPr>
-              <a:t>("%d",&amp;</a:t>
-            </a:r>
-            <a:r>
-              <a:rPr lang="en-US" dirty="0" err="1">
-                <a:latin typeface="Courier New" panose="02070309020205020404" pitchFamily="49" charset="0"/>
-                <a:cs typeface="Courier New" panose="02070309020205020404" pitchFamily="49" charset="0"/>
-              </a:rPr>
-              <a:t>val</a:t>
-            </a:r>
-            <a:r>
-              <a:rPr lang="en-US" dirty="0">
-                <a:latin typeface="Courier New" panose="02070309020205020404" pitchFamily="49" charset="0"/>
-                <a:cs typeface="Courier New" panose="02070309020205020404" pitchFamily="49" charset="0"/>
-              </a:rPr>
-              <a:t>) != EOF ) {</a:t>
-            </a:r>
-          </a:p>
-          <a:p>
-            <a:r>
-              <a:rPr lang="en-US" dirty="0">
-                <a:latin typeface="Courier New" panose="02070309020205020404" pitchFamily="49" charset="0"/>
-                <a:cs typeface="Courier New" panose="02070309020205020404" pitchFamily="49" charset="0"/>
-              </a:rPr>
-              <a:t>        if ( first ) {</a:t>
-            </a:r>
-          </a:p>
-          <a:p>
-            <a:r>
-              <a:rPr lang="en-US" dirty="0">
-                <a:latin typeface="Courier New" panose="02070309020205020404" pitchFamily="49" charset="0"/>
-                <a:cs typeface="Courier New" panose="02070309020205020404" pitchFamily="49" charset="0"/>
-              </a:rPr>
-              <a:t>            </a:t>
-            </a:r>
-            <a:r>
-              <a:rPr lang="en-US" dirty="0" err="1">
-                <a:latin typeface="Courier New" panose="02070309020205020404" pitchFamily="49" charset="0"/>
-                <a:cs typeface="Courier New" panose="02070309020205020404" pitchFamily="49" charset="0"/>
-              </a:rPr>
-              <a:t>maxval</a:t>
-            </a:r>
-            <a:r>
-              <a:rPr lang="en-US" dirty="0">
-                <a:latin typeface="Courier New" panose="02070309020205020404" pitchFamily="49" charset="0"/>
-                <a:cs typeface="Courier New" panose="02070309020205020404" pitchFamily="49" charset="0"/>
-              </a:rPr>
-              <a:t> = </a:t>
-            </a:r>
-            <a:r>
-              <a:rPr lang="en-US" dirty="0" err="1">
-                <a:latin typeface="Courier New" panose="02070309020205020404" pitchFamily="49" charset="0"/>
-                <a:cs typeface="Courier New" panose="02070309020205020404" pitchFamily="49" charset="0"/>
-              </a:rPr>
-              <a:t>val</a:t>
-            </a:r>
-            <a:r>
-              <a:rPr lang="en-US" dirty="0">
-                <a:latin typeface="Courier New" panose="02070309020205020404" pitchFamily="49" charset="0"/>
-                <a:cs typeface="Courier New" panose="02070309020205020404" pitchFamily="49" charset="0"/>
-              </a:rPr>
-              <a:t>;</a:t>
-            </a:r>
-          </a:p>
-          <a:p>
-            <a:r>
-              <a:rPr lang="en-US" dirty="0">
-                <a:latin typeface="Courier New" panose="02070309020205020404" pitchFamily="49" charset="0"/>
-                <a:cs typeface="Courier New" panose="02070309020205020404" pitchFamily="49" charset="0"/>
-              </a:rPr>
-              <a:t>            </a:t>
-            </a:r>
-            <a:r>
-              <a:rPr lang="en-US" dirty="0" err="1">
-                <a:latin typeface="Courier New" panose="02070309020205020404" pitchFamily="49" charset="0"/>
-                <a:cs typeface="Courier New" panose="02070309020205020404" pitchFamily="49" charset="0"/>
-              </a:rPr>
-              <a:t>minval</a:t>
-            </a:r>
-            <a:r>
-              <a:rPr lang="en-US" dirty="0">
-                <a:latin typeface="Courier New" panose="02070309020205020404" pitchFamily="49" charset="0"/>
-                <a:cs typeface="Courier New" panose="02070309020205020404" pitchFamily="49" charset="0"/>
-              </a:rPr>
-              <a:t> = </a:t>
-            </a:r>
-            <a:r>
-              <a:rPr lang="en-US" dirty="0" err="1">
-                <a:latin typeface="Courier New" panose="02070309020205020404" pitchFamily="49" charset="0"/>
-                <a:cs typeface="Courier New" panose="02070309020205020404" pitchFamily="49" charset="0"/>
-              </a:rPr>
-              <a:t>val</a:t>
-            </a:r>
-            <a:r>
-              <a:rPr lang="en-US" dirty="0">
-                <a:latin typeface="Courier New" panose="02070309020205020404" pitchFamily="49" charset="0"/>
-                <a:cs typeface="Courier New" panose="02070309020205020404" pitchFamily="49" charset="0"/>
-              </a:rPr>
-              <a:t>;</a:t>
-            </a:r>
-          </a:p>
-          <a:p>
-            <a:r>
-              <a:rPr lang="en-US" dirty="0">
-                <a:latin typeface="Courier New" panose="02070309020205020404" pitchFamily="49" charset="0"/>
-                <a:cs typeface="Courier New" panose="02070309020205020404" pitchFamily="49" charset="0"/>
-              </a:rPr>
-              <a:t>            first = 0;</a:t>
-            </a:r>
-          </a:p>
-          <a:p>
-            <a:r>
-              <a:rPr lang="en-US" dirty="0">
-                <a:latin typeface="Courier New" panose="02070309020205020404" pitchFamily="49" charset="0"/>
-                <a:cs typeface="Courier New" panose="02070309020205020404" pitchFamily="49" charset="0"/>
-              </a:rPr>
-              <a:t>        } else {</a:t>
-            </a:r>
-          </a:p>
-          <a:p>
-            <a:r>
-              <a:rPr lang="en-US" dirty="0">
-                <a:latin typeface="Courier New" panose="02070309020205020404" pitchFamily="49" charset="0"/>
-                <a:cs typeface="Courier New" panose="02070309020205020404" pitchFamily="49" charset="0"/>
-              </a:rPr>
-              <a:t>            if ( </a:t>
-            </a:r>
-            <a:r>
-              <a:rPr lang="en-US" dirty="0" err="1">
-                <a:latin typeface="Courier New" panose="02070309020205020404" pitchFamily="49" charset="0"/>
-                <a:cs typeface="Courier New" panose="02070309020205020404" pitchFamily="49" charset="0"/>
-              </a:rPr>
-              <a:t>val</a:t>
-            </a:r>
-            <a:r>
-              <a:rPr lang="en-US" dirty="0">
-                <a:latin typeface="Courier New" panose="02070309020205020404" pitchFamily="49" charset="0"/>
-                <a:cs typeface="Courier New" panose="02070309020205020404" pitchFamily="49" charset="0"/>
-              </a:rPr>
-              <a:t> &gt; </a:t>
-            </a:r>
-            <a:r>
-              <a:rPr lang="en-US" dirty="0" err="1">
-                <a:latin typeface="Courier New" panose="02070309020205020404" pitchFamily="49" charset="0"/>
-                <a:cs typeface="Courier New" panose="02070309020205020404" pitchFamily="49" charset="0"/>
-              </a:rPr>
-              <a:t>maxval</a:t>
-            </a:r>
-            <a:r>
-              <a:rPr lang="en-US" dirty="0">
-                <a:latin typeface="Courier New" panose="02070309020205020404" pitchFamily="49" charset="0"/>
-                <a:cs typeface="Courier New" panose="02070309020205020404" pitchFamily="49" charset="0"/>
-              </a:rPr>
-              <a:t> ) </a:t>
-            </a:r>
-            <a:r>
-              <a:rPr lang="en-US" dirty="0" err="1">
-                <a:latin typeface="Courier New" panose="02070309020205020404" pitchFamily="49" charset="0"/>
-                <a:cs typeface="Courier New" panose="02070309020205020404" pitchFamily="49" charset="0"/>
-              </a:rPr>
-              <a:t>maxval</a:t>
-            </a:r>
-            <a:r>
-              <a:rPr lang="en-US" dirty="0">
-                <a:latin typeface="Courier New" panose="02070309020205020404" pitchFamily="49" charset="0"/>
-                <a:cs typeface="Courier New" panose="02070309020205020404" pitchFamily="49" charset="0"/>
-              </a:rPr>
-              <a:t> = </a:t>
-            </a:r>
-            <a:r>
-              <a:rPr lang="en-US" dirty="0" err="1">
-                <a:latin typeface="Courier New" panose="02070309020205020404" pitchFamily="49" charset="0"/>
-                <a:cs typeface="Courier New" panose="02070309020205020404" pitchFamily="49" charset="0"/>
-              </a:rPr>
-              <a:t>val</a:t>
-            </a:r>
-            <a:r>
-              <a:rPr lang="en-US" dirty="0">
-                <a:latin typeface="Courier New" panose="02070309020205020404" pitchFamily="49" charset="0"/>
-                <a:cs typeface="Courier New" panose="02070309020205020404" pitchFamily="49" charset="0"/>
-              </a:rPr>
-              <a:t>;</a:t>
-            </a:r>
-          </a:p>
-          <a:p>
-            <a:r>
-              <a:rPr lang="en-US" dirty="0">
-                <a:latin typeface="Courier New" panose="02070309020205020404" pitchFamily="49" charset="0"/>
-                <a:cs typeface="Courier New" panose="02070309020205020404" pitchFamily="49" charset="0"/>
-              </a:rPr>
-              <a:t>            if ( </a:t>
-            </a:r>
-            <a:r>
-              <a:rPr lang="en-US" dirty="0" err="1">
-                <a:latin typeface="Courier New" panose="02070309020205020404" pitchFamily="49" charset="0"/>
-                <a:cs typeface="Courier New" panose="02070309020205020404" pitchFamily="49" charset="0"/>
-              </a:rPr>
-              <a:t>val</a:t>
-            </a:r>
-            <a:r>
-              <a:rPr lang="en-US" dirty="0">
-                <a:latin typeface="Courier New" panose="02070309020205020404" pitchFamily="49" charset="0"/>
-                <a:cs typeface="Courier New" panose="02070309020205020404" pitchFamily="49" charset="0"/>
-              </a:rPr>
-              <a:t> &lt; </a:t>
-            </a:r>
-            <a:r>
-              <a:rPr lang="en-US" dirty="0" err="1">
-                <a:latin typeface="Courier New" panose="02070309020205020404" pitchFamily="49" charset="0"/>
-                <a:cs typeface="Courier New" panose="02070309020205020404" pitchFamily="49" charset="0"/>
-              </a:rPr>
-              <a:t>minval</a:t>
-            </a:r>
-            <a:r>
-              <a:rPr lang="en-US" dirty="0">
-                <a:latin typeface="Courier New" panose="02070309020205020404" pitchFamily="49" charset="0"/>
-                <a:cs typeface="Courier New" panose="02070309020205020404" pitchFamily="49" charset="0"/>
-              </a:rPr>
-              <a:t> ) </a:t>
-            </a:r>
-            <a:r>
-              <a:rPr lang="en-US" dirty="0" err="1">
-                <a:latin typeface="Courier New" panose="02070309020205020404" pitchFamily="49" charset="0"/>
-                <a:cs typeface="Courier New" panose="02070309020205020404" pitchFamily="49" charset="0"/>
-              </a:rPr>
-              <a:t>minval</a:t>
-            </a:r>
-            <a:r>
-              <a:rPr lang="en-US" dirty="0">
-                <a:latin typeface="Courier New" panose="02070309020205020404" pitchFamily="49" charset="0"/>
-                <a:cs typeface="Courier New" panose="02070309020205020404" pitchFamily="49" charset="0"/>
-              </a:rPr>
-              <a:t> = </a:t>
-            </a:r>
-            <a:r>
-              <a:rPr lang="en-US" dirty="0" err="1">
-                <a:latin typeface="Courier New" panose="02070309020205020404" pitchFamily="49" charset="0"/>
-                <a:cs typeface="Courier New" panose="02070309020205020404" pitchFamily="49" charset="0"/>
-              </a:rPr>
-              <a:t>val</a:t>
-            </a:r>
-            <a:r>
-              <a:rPr lang="en-US" dirty="0">
-                <a:latin typeface="Courier New" panose="02070309020205020404" pitchFamily="49" charset="0"/>
-                <a:cs typeface="Courier New" panose="02070309020205020404" pitchFamily="49" charset="0"/>
-              </a:rPr>
-              <a:t>;</a:t>
-            </a:r>
-          </a:p>
-          <a:p>
-            <a:r>
-              <a:rPr lang="en-US" dirty="0">
-                <a:latin typeface="Courier New" panose="02070309020205020404" pitchFamily="49" charset="0"/>
-                <a:cs typeface="Courier New" panose="02070309020205020404" pitchFamily="49" charset="0"/>
-              </a:rPr>
-              <a:t>        }</a:t>
-            </a:r>
-          </a:p>
-          <a:p>
-            <a:r>
-              <a:rPr lang="en-US" dirty="0">
-                <a:latin typeface="Courier New" panose="02070309020205020404" pitchFamily="49" charset="0"/>
-                <a:cs typeface="Courier New" panose="02070309020205020404" pitchFamily="49" charset="0"/>
-              </a:rPr>
-              <a:t>    }</a:t>
-            </a:r>
-          </a:p>
-          <a:p>
-            <a:r>
-              <a:rPr lang="en-US" dirty="0">
-                <a:latin typeface="Courier New" panose="02070309020205020404" pitchFamily="49" charset="0"/>
-                <a:cs typeface="Courier New" panose="02070309020205020404" pitchFamily="49" charset="0"/>
-              </a:rPr>
-              <a:t>        </a:t>
-            </a:r>
-          </a:p>
-          <a:p>
-            <a:r>
-              <a:rPr lang="en-US" dirty="0">
+              <a:rPr lang="en-US" sz="1600" dirty="0">
+                <a:latin typeface="Courier New" panose="02070309020205020404" pitchFamily="49" charset="0"/>
+                <a:cs typeface="Courier New" panose="02070309020205020404" pitchFamily="49" charset="0"/>
+              </a:rPr>
+              <a:t>while True:</a:t>
+            </a:r>
+          </a:p>
+          <a:p>
+            <a:r>
+              <a:rPr lang="en-US" sz="1600" dirty="0">
+                <a:latin typeface="Courier New" panose="02070309020205020404" pitchFamily="49" charset="0"/>
+                <a:cs typeface="Courier New" panose="02070309020205020404" pitchFamily="49" charset="0"/>
+              </a:rPr>
+              <a:t>    try:</a:t>
+            </a:r>
+          </a:p>
+          <a:p>
+            <a:r>
+              <a:rPr lang="en-US" sz="1600" dirty="0">
+                <a:latin typeface="Courier New" panose="02070309020205020404" pitchFamily="49" charset="0"/>
+                <a:cs typeface="Courier New" panose="02070309020205020404" pitchFamily="49" charset="0"/>
+              </a:rPr>
+              <a:t>        line = input()</a:t>
+            </a:r>
+          </a:p>
+          <a:p>
+            <a:r>
+              <a:rPr lang="en-US" sz="1600" dirty="0">
+                <a:latin typeface="Courier New" panose="02070309020205020404" pitchFamily="49" charset="0"/>
+                <a:cs typeface="Courier New" panose="02070309020205020404" pitchFamily="49" charset="0"/>
+              </a:rPr>
+              <a:t>    except:  # If we get EOF</a:t>
+            </a:r>
+          </a:p>
+          <a:p>
+            <a:r>
+              <a:rPr lang="en-US" sz="1600" dirty="0">
+                <a:latin typeface="Courier New" panose="02070309020205020404" pitchFamily="49" charset="0"/>
+                <a:cs typeface="Courier New" panose="02070309020205020404" pitchFamily="49" charset="0"/>
+              </a:rPr>
+              <a:t>        break</a:t>
+            </a:r>
+          </a:p>
+          <a:p>
+            <a:r>
+              <a:rPr lang="en-US" sz="1600" dirty="0">
+                <a:latin typeface="Courier New" panose="02070309020205020404" pitchFamily="49" charset="0"/>
+                <a:cs typeface="Courier New" panose="02070309020205020404" pitchFamily="49" charset="0"/>
+              </a:rPr>
+              <a:t>    line = </a:t>
+            </a:r>
+            <a:r>
+              <a:rPr lang="en-US" sz="1600" dirty="0" err="1">
+                <a:latin typeface="Courier New" panose="02070309020205020404" pitchFamily="49" charset="0"/>
+                <a:cs typeface="Courier New" panose="02070309020205020404" pitchFamily="49" charset="0"/>
+              </a:rPr>
+              <a:t>line.strip</a:t>
+            </a:r>
+            <a:r>
+              <a:rPr lang="en-US" sz="1600" dirty="0">
+                <a:latin typeface="Courier New" panose="02070309020205020404" pitchFamily="49" charset="0"/>
+                <a:cs typeface="Courier New" panose="02070309020205020404" pitchFamily="49" charset="0"/>
+              </a:rPr>
+              <a:t>()</a:t>
+            </a:r>
+          </a:p>
+          <a:p>
+            <a:r>
+              <a:rPr lang="en-US" sz="1600" dirty="0">
+                <a:latin typeface="Courier New" panose="02070309020205020404" pitchFamily="49" charset="0"/>
+                <a:cs typeface="Courier New" panose="02070309020205020404" pitchFamily="49" charset="0"/>
+              </a:rPr>
+              <a:t>    guess = int(line)</a:t>
+            </a:r>
+          </a:p>
+          <a:p>
+            <a:r>
+              <a:rPr lang="en-US" sz="1600" dirty="0">
+                <a:latin typeface="Courier New" panose="02070309020205020404" pitchFamily="49" charset="0"/>
+                <a:cs typeface="Courier New" panose="02070309020205020404" pitchFamily="49" charset="0"/>
+              </a:rPr>
+              <a:t>    if guess == 42:</a:t>
+            </a:r>
+          </a:p>
+          <a:p>
+            <a:r>
+              <a:rPr lang="en-US" sz="1600" dirty="0">
+                <a:latin typeface="Courier New" panose="02070309020205020404" pitchFamily="49" charset="0"/>
+                <a:cs typeface="Courier New" panose="02070309020205020404" pitchFamily="49" charset="0"/>
+              </a:rPr>
+              <a:t>        print('Nice work!')</a:t>
+            </a:r>
+          </a:p>
+          <a:p>
+            <a:r>
+              <a:rPr lang="en-US" sz="1600" dirty="0">
+                <a:latin typeface="Courier New" panose="02070309020205020404" pitchFamily="49" charset="0"/>
+                <a:cs typeface="Courier New" panose="02070309020205020404" pitchFamily="49" charset="0"/>
+              </a:rPr>
+              <a:t>        break</a:t>
+            </a:r>
+          </a:p>
+          <a:p>
+            <a:r>
+              <a:rPr lang="en-US" sz="1600" dirty="0">
                 <a:latin typeface="Courier New" panose="02070309020205020404" pitchFamily="49" charset="0"/>
                 <a:cs typeface="Courier New" panose="02070309020205020404" pitchFamily="49" charset="0"/>
               </a:rPr>
               <a:t>    </a:t>
             </a:r>
             <a:r>
-              <a:rPr lang="en-US" dirty="0" err="1">
-                <a:latin typeface="Courier New" panose="02070309020205020404" pitchFamily="49" charset="0"/>
-                <a:cs typeface="Courier New" panose="02070309020205020404" pitchFamily="49" charset="0"/>
-              </a:rPr>
-              <a:t>printf</a:t>
-            </a:r>
-            <a:r>
-              <a:rPr lang="en-US" dirty="0">
-                <a:latin typeface="Courier New" panose="02070309020205020404" pitchFamily="49" charset="0"/>
-                <a:cs typeface="Courier New" panose="02070309020205020404" pitchFamily="49" charset="0"/>
-              </a:rPr>
-              <a:t>("Maximum %d\n", </a:t>
-            </a:r>
-            <a:r>
-              <a:rPr lang="en-US" dirty="0" err="1">
-                <a:latin typeface="Courier New" panose="02070309020205020404" pitchFamily="49" charset="0"/>
-                <a:cs typeface="Courier New" panose="02070309020205020404" pitchFamily="49" charset="0"/>
-              </a:rPr>
-              <a:t>maxval</a:t>
-            </a:r>
-            <a:r>
-              <a:rPr lang="en-US" dirty="0">
-                <a:latin typeface="Courier New" panose="02070309020205020404" pitchFamily="49" charset="0"/>
-                <a:cs typeface="Courier New" panose="02070309020205020404" pitchFamily="49" charset="0"/>
-              </a:rPr>
-              <a:t>);</a:t>
-            </a:r>
-          </a:p>
-          <a:p>
-            <a:r>
-              <a:rPr lang="en-US" dirty="0">
-                <a:latin typeface="Courier New" panose="02070309020205020404" pitchFamily="49" charset="0"/>
-                <a:cs typeface="Courier New" panose="02070309020205020404" pitchFamily="49" charset="0"/>
-              </a:rPr>
-              <a:t>    </a:t>
-            </a:r>
-            <a:r>
-              <a:rPr lang="en-US" dirty="0" err="1">
-                <a:latin typeface="Courier New" panose="02070309020205020404" pitchFamily="49" charset="0"/>
-                <a:cs typeface="Courier New" panose="02070309020205020404" pitchFamily="49" charset="0"/>
-              </a:rPr>
-              <a:t>printf</a:t>
-            </a:r>
-            <a:r>
-              <a:rPr lang="en-US" dirty="0">
-                <a:latin typeface="Courier New" panose="02070309020205020404" pitchFamily="49" charset="0"/>
-                <a:cs typeface="Courier New" panose="02070309020205020404" pitchFamily="49" charset="0"/>
-              </a:rPr>
-              <a:t>("Minimum %d\n", </a:t>
-            </a:r>
-            <a:r>
-              <a:rPr lang="en-US" dirty="0" err="1">
-                <a:latin typeface="Courier New" panose="02070309020205020404" pitchFamily="49" charset="0"/>
-                <a:cs typeface="Courier New" panose="02070309020205020404" pitchFamily="49" charset="0"/>
-              </a:rPr>
-              <a:t>minval</a:t>
-            </a:r>
-            <a:r>
-              <a:rPr lang="en-US" dirty="0">
-                <a:latin typeface="Courier New" panose="02070309020205020404" pitchFamily="49" charset="0"/>
-                <a:cs typeface="Courier New" panose="02070309020205020404" pitchFamily="49" charset="0"/>
-              </a:rPr>
-              <a:t>);</a:t>
-            </a:r>
-          </a:p>
-          <a:p>
-            <a:r>
-              <a:rPr lang="en-US" dirty="0">
-                <a:latin typeface="Courier New" panose="02070309020205020404" pitchFamily="49" charset="0"/>
-                <a:cs typeface="Courier New" panose="02070309020205020404" pitchFamily="49" charset="0"/>
-              </a:rPr>
-              <a:t>}</a:t>
-            </a:r>
-          </a:p>
-        </p:txBody>
-      </p:sp>
-      <p:sp>
-        <p:nvSpPr>
-          <p:cNvPr id="7" name="TextBox 6">
-            <a:extLst>
-              <a:ext uri="{FF2B5EF4-FFF2-40B4-BE49-F238E27FC236}">
-                <a16:creationId xmlns:a16="http://schemas.microsoft.com/office/drawing/2014/main" id="{03B4458A-37BA-02AB-CE8C-B288D36FE6BF}"/>
+              <a:rPr lang="en-US" sz="1600" dirty="0" err="1">
+                <a:latin typeface="Courier New" panose="02070309020205020404" pitchFamily="49" charset="0"/>
+                <a:cs typeface="Courier New" panose="02070309020205020404" pitchFamily="49" charset="0"/>
+              </a:rPr>
+              <a:t>elif</a:t>
+            </a:r>
+            <a:r>
+              <a:rPr lang="en-US" sz="1600" dirty="0">
+                <a:latin typeface="Courier New" panose="02070309020205020404" pitchFamily="49" charset="0"/>
+                <a:cs typeface="Courier New" panose="02070309020205020404" pitchFamily="49" charset="0"/>
+              </a:rPr>
+              <a:t> guess &lt; 42 : </a:t>
+            </a:r>
+          </a:p>
+          <a:p>
+            <a:r>
+              <a:rPr lang="en-US" sz="1600" dirty="0">
+                <a:latin typeface="Courier New" panose="02070309020205020404" pitchFamily="49" charset="0"/>
+                <a:cs typeface="Courier New" panose="02070309020205020404" pitchFamily="49" charset="0"/>
+              </a:rPr>
+              <a:t>        print('Too low - guess again')</a:t>
+            </a:r>
+          </a:p>
+          <a:p>
+            <a:r>
+              <a:rPr lang="en-US" sz="1600" dirty="0">
+                <a:latin typeface="Courier New" panose="02070309020205020404" pitchFamily="49" charset="0"/>
+                <a:cs typeface="Courier New" panose="02070309020205020404" pitchFamily="49" charset="0"/>
+              </a:rPr>
+              <a:t>    else :</a:t>
+            </a:r>
+          </a:p>
+          <a:p>
+            <a:r>
+              <a:rPr lang="en-US" sz="1600" dirty="0">
+                <a:latin typeface="Courier New" panose="02070309020205020404" pitchFamily="49" charset="0"/>
+                <a:cs typeface="Courier New" panose="02070309020205020404" pitchFamily="49" charset="0"/>
+              </a:rPr>
+              <a:t>        print('Too </a:t>
+            </a:r>
+            <a:r>
+              <a:rPr lang="en-US" sz="1600">
+                <a:latin typeface="Courier New" panose="02070309020205020404" pitchFamily="49" charset="0"/>
+                <a:cs typeface="Courier New" panose="02070309020205020404" pitchFamily="49" charset="0"/>
+              </a:rPr>
+              <a:t>high - guess </a:t>
+            </a:r>
+            <a:r>
+              <a:rPr lang="en-US" sz="1600" dirty="0">
+                <a:latin typeface="Courier New" panose="02070309020205020404" pitchFamily="49" charset="0"/>
+                <a:cs typeface="Courier New" panose="02070309020205020404" pitchFamily="49" charset="0"/>
+              </a:rPr>
+              <a:t>again')</a:t>
+            </a:r>
+          </a:p>
+        </p:txBody>
+      </p:sp>
+      <p:sp>
+        <p:nvSpPr>
+          <p:cNvPr id="6" name="TextBox 5">
+            <a:extLst>
+              <a:ext uri="{FF2B5EF4-FFF2-40B4-BE49-F238E27FC236}">
+                <a16:creationId xmlns:a16="http://schemas.microsoft.com/office/drawing/2014/main" id="{C004B7C8-BBD4-1EE7-3894-3C801D6DC253}"/>
               </a:ext>
             </a:extLst>
           </p:cNvPr>
@@ -7406,8 +7379,8 @@
         </p:nvSpPr>
         <p:spPr>
           <a:xfrm>
-            <a:off x="2253614" y="1690688"/>
-            <a:ext cx="1425390" cy="3693319"/>
+            <a:off x="5713253" y="766733"/>
+            <a:ext cx="5985934" cy="3539430"/>
           </a:xfrm>
           <a:prstGeom prst="rect">
             <a:avLst/>
@@ -7421,6 +7394,245 @@
           <a:lstStyle/>
           <a:p>
             <a:r>
+              <a:rPr lang="en-US" sz="1600" dirty="0">
+                <a:latin typeface="Courier New" panose="02070309020205020404" pitchFamily="49" charset="0"/>
+                <a:cs typeface="Courier New" panose="02070309020205020404" pitchFamily="49" charset="0"/>
+              </a:rPr>
+              <a:t>#include &lt;</a:t>
+            </a:r>
+            <a:r>
+              <a:rPr lang="en-US" sz="1600" dirty="0" err="1">
+                <a:latin typeface="Courier New" panose="02070309020205020404" pitchFamily="49" charset="0"/>
+                <a:cs typeface="Courier New" panose="02070309020205020404" pitchFamily="49" charset="0"/>
+              </a:rPr>
+              <a:t>stdio.h</a:t>
+            </a:r>
+            <a:r>
+              <a:rPr lang="en-US" sz="1600" dirty="0">
+                <a:latin typeface="Courier New" panose="02070309020205020404" pitchFamily="49" charset="0"/>
+                <a:cs typeface="Courier New" panose="02070309020205020404" pitchFamily="49" charset="0"/>
+              </a:rPr>
+              <a:t>&gt;</a:t>
+            </a:r>
+          </a:p>
+          <a:p>
+            <a:r>
+              <a:rPr lang="en-US" sz="1600" dirty="0">
+                <a:latin typeface="Courier New" panose="02070309020205020404" pitchFamily="49" charset="0"/>
+                <a:cs typeface="Courier New" panose="02070309020205020404" pitchFamily="49" charset="0"/>
+              </a:rPr>
+              <a:t>int main() {</a:t>
+            </a:r>
+          </a:p>
+          <a:p>
+            <a:r>
+              <a:rPr lang="en-US" sz="1600" dirty="0">
+                <a:latin typeface="Courier New" panose="02070309020205020404" pitchFamily="49" charset="0"/>
+                <a:cs typeface="Courier New" panose="02070309020205020404" pitchFamily="49" charset="0"/>
+              </a:rPr>
+              <a:t>    int guess;</a:t>
+            </a:r>
+          </a:p>
+          <a:p>
+            <a:r>
+              <a:rPr lang="en-US" sz="1600" dirty="0">
+                <a:latin typeface="Courier New" panose="02070309020205020404" pitchFamily="49" charset="0"/>
+                <a:cs typeface="Courier New" panose="02070309020205020404" pitchFamily="49" charset="0"/>
+              </a:rPr>
+              <a:t>    while(</a:t>
+            </a:r>
+            <a:r>
+              <a:rPr lang="en-US" sz="1600" dirty="0" err="1">
+                <a:latin typeface="Courier New" panose="02070309020205020404" pitchFamily="49" charset="0"/>
+                <a:cs typeface="Courier New" panose="02070309020205020404" pitchFamily="49" charset="0"/>
+              </a:rPr>
+              <a:t>scanf</a:t>
+            </a:r>
+            <a:r>
+              <a:rPr lang="en-US" sz="1600" dirty="0">
+                <a:latin typeface="Courier New" panose="02070309020205020404" pitchFamily="49" charset="0"/>
+                <a:cs typeface="Courier New" panose="02070309020205020404" pitchFamily="49" charset="0"/>
+              </a:rPr>
+              <a:t>("%</a:t>
+            </a:r>
+            <a:r>
+              <a:rPr lang="en-US" sz="1600" dirty="0" err="1">
+                <a:latin typeface="Courier New" panose="02070309020205020404" pitchFamily="49" charset="0"/>
+                <a:cs typeface="Courier New" panose="02070309020205020404" pitchFamily="49" charset="0"/>
+              </a:rPr>
+              <a:t>d",&amp;guess</a:t>
+            </a:r>
+            <a:r>
+              <a:rPr lang="en-US" sz="1600" dirty="0">
+                <a:latin typeface="Courier New" panose="02070309020205020404" pitchFamily="49" charset="0"/>
+                <a:cs typeface="Courier New" panose="02070309020205020404" pitchFamily="49" charset="0"/>
+              </a:rPr>
+              <a:t>) != EOF ) {</a:t>
+            </a:r>
+          </a:p>
+          <a:p>
+            <a:r>
+              <a:rPr lang="en-US" sz="1600" dirty="0">
+                <a:latin typeface="Courier New" panose="02070309020205020404" pitchFamily="49" charset="0"/>
+                <a:cs typeface="Courier New" panose="02070309020205020404" pitchFamily="49" charset="0"/>
+              </a:rPr>
+              <a:t>        if ( guess == 42 ) {</a:t>
+            </a:r>
+          </a:p>
+          <a:p>
+            <a:r>
+              <a:rPr lang="en-US" sz="1600" dirty="0">
+                <a:latin typeface="Courier New" panose="02070309020205020404" pitchFamily="49" charset="0"/>
+                <a:cs typeface="Courier New" panose="02070309020205020404" pitchFamily="49" charset="0"/>
+              </a:rPr>
+              <a:t>            </a:t>
+            </a:r>
+            <a:r>
+              <a:rPr lang="en-US" sz="1600" dirty="0" err="1">
+                <a:latin typeface="Courier New" panose="02070309020205020404" pitchFamily="49" charset="0"/>
+                <a:cs typeface="Courier New" panose="02070309020205020404" pitchFamily="49" charset="0"/>
+              </a:rPr>
+              <a:t>printf</a:t>
+            </a:r>
+            <a:r>
+              <a:rPr lang="en-US" sz="1600" dirty="0">
+                <a:latin typeface="Courier New" panose="02070309020205020404" pitchFamily="49" charset="0"/>
+                <a:cs typeface="Courier New" panose="02070309020205020404" pitchFamily="49" charset="0"/>
+              </a:rPr>
+              <a:t>("Nice work!\n");</a:t>
+            </a:r>
+          </a:p>
+          <a:p>
+            <a:r>
+              <a:rPr lang="en-US" sz="1600" dirty="0">
+                <a:latin typeface="Courier New" panose="02070309020205020404" pitchFamily="49" charset="0"/>
+                <a:cs typeface="Courier New" panose="02070309020205020404" pitchFamily="49" charset="0"/>
+              </a:rPr>
+              <a:t>            break;</a:t>
+            </a:r>
+          </a:p>
+          <a:p>
+            <a:r>
+              <a:rPr lang="en-US" sz="1600" dirty="0">
+                <a:latin typeface="Courier New" panose="02070309020205020404" pitchFamily="49" charset="0"/>
+                <a:cs typeface="Courier New" panose="02070309020205020404" pitchFamily="49" charset="0"/>
+              </a:rPr>
+              <a:t>        }</a:t>
+            </a:r>
+          </a:p>
+          <a:p>
+            <a:r>
+              <a:rPr lang="en-US" sz="1600" dirty="0">
+                <a:latin typeface="Courier New" panose="02070309020205020404" pitchFamily="49" charset="0"/>
+                <a:cs typeface="Courier New" panose="02070309020205020404" pitchFamily="49" charset="0"/>
+              </a:rPr>
+              <a:t>        else if ( guess &lt; 42 ) </a:t>
+            </a:r>
+          </a:p>
+          <a:p>
+            <a:r>
+              <a:rPr lang="en-US" sz="1600" dirty="0">
+                <a:latin typeface="Courier New" panose="02070309020205020404" pitchFamily="49" charset="0"/>
+                <a:cs typeface="Courier New" panose="02070309020205020404" pitchFamily="49" charset="0"/>
+              </a:rPr>
+              <a:t>            </a:t>
+            </a:r>
+            <a:r>
+              <a:rPr lang="en-US" sz="1600" dirty="0" err="1">
+                <a:latin typeface="Courier New" panose="02070309020205020404" pitchFamily="49" charset="0"/>
+                <a:cs typeface="Courier New" panose="02070309020205020404" pitchFamily="49" charset="0"/>
+              </a:rPr>
+              <a:t>printf</a:t>
+            </a:r>
+            <a:r>
+              <a:rPr lang="en-US" sz="1600" dirty="0">
+                <a:latin typeface="Courier New" panose="02070309020205020404" pitchFamily="49" charset="0"/>
+                <a:cs typeface="Courier New" panose="02070309020205020404" pitchFamily="49" charset="0"/>
+              </a:rPr>
+              <a:t>("Too low - guess again\n");</a:t>
+            </a:r>
+          </a:p>
+          <a:p>
+            <a:r>
+              <a:rPr lang="en-US" sz="1600" dirty="0">
+                <a:latin typeface="Courier New" panose="02070309020205020404" pitchFamily="49" charset="0"/>
+                <a:cs typeface="Courier New" panose="02070309020205020404" pitchFamily="49" charset="0"/>
+              </a:rPr>
+              <a:t>        else</a:t>
+            </a:r>
+          </a:p>
+          <a:p>
+            <a:r>
+              <a:rPr lang="en-US" sz="1600" dirty="0">
+                <a:latin typeface="Courier New" panose="02070309020205020404" pitchFamily="49" charset="0"/>
+                <a:cs typeface="Courier New" panose="02070309020205020404" pitchFamily="49" charset="0"/>
+              </a:rPr>
+              <a:t>            </a:t>
+            </a:r>
+            <a:r>
+              <a:rPr lang="en-US" sz="1600" dirty="0" err="1">
+                <a:latin typeface="Courier New" panose="02070309020205020404" pitchFamily="49" charset="0"/>
+                <a:cs typeface="Courier New" panose="02070309020205020404" pitchFamily="49" charset="0"/>
+              </a:rPr>
+              <a:t>printf</a:t>
+            </a:r>
+            <a:r>
+              <a:rPr lang="en-US" sz="1600" dirty="0">
+                <a:latin typeface="Courier New" panose="02070309020205020404" pitchFamily="49" charset="0"/>
+                <a:cs typeface="Courier New" panose="02070309020205020404" pitchFamily="49" charset="0"/>
+              </a:rPr>
+              <a:t>("Too high - guess again\n");</a:t>
+            </a:r>
+          </a:p>
+          <a:p>
+            <a:r>
+              <a:rPr lang="en-US" sz="1600" dirty="0">
+                <a:latin typeface="Courier New" panose="02070309020205020404" pitchFamily="49" charset="0"/>
+                <a:cs typeface="Courier New" panose="02070309020205020404" pitchFamily="49" charset="0"/>
+              </a:rPr>
+              <a:t>    }</a:t>
+            </a:r>
+          </a:p>
+          <a:p>
+            <a:r>
+              <a:rPr lang="en-US" sz="1600" dirty="0">
+                <a:latin typeface="Courier New" panose="02070309020205020404" pitchFamily="49" charset="0"/>
+                <a:cs typeface="Courier New" panose="02070309020205020404" pitchFamily="49" charset="0"/>
+              </a:rPr>
+              <a:t>} </a:t>
+            </a:r>
+          </a:p>
+        </p:txBody>
+      </p:sp>
+      <p:sp>
+        <p:nvSpPr>
+          <p:cNvPr id="7" name="TextBox 6">
+            <a:extLst>
+              <a:ext uri="{FF2B5EF4-FFF2-40B4-BE49-F238E27FC236}">
+                <a16:creationId xmlns:a16="http://schemas.microsoft.com/office/drawing/2014/main" id="{03B4458A-37BA-02AB-CE8C-B288D36FE6BF}"/>
+              </a:ext>
+            </a:extLst>
+          </p:cNvPr>
+          <p:cNvSpPr txBox="1"/>
+          <p:nvPr/>
+        </p:nvSpPr>
+        <p:spPr>
+          <a:xfrm>
+            <a:off x="7648259" y="4501661"/>
+            <a:ext cx="3217547" cy="1754326"/>
+          </a:xfrm>
+          <a:prstGeom prst="rect">
+            <a:avLst/>
+          </a:prstGeom>
+          <a:noFill/>
+        </p:spPr>
+        <p:txBody>
+          <a:bodyPr wrap="none" rtlCol="0">
+            <a:spAutoFit/>
+          </a:bodyPr>
+          <a:lstStyle/>
+          <a:p>
+            <a:r>
               <a:rPr lang="en-US" dirty="0">
                 <a:latin typeface="Monaco" pitchFamily="2" charset="77"/>
               </a:rPr>
@@ -7432,7 +7644,7 @@
               <a:rPr lang="en-US" dirty="0">
                 <a:latin typeface="Monaco" pitchFamily="2" charset="77"/>
               </a:rPr>
-              <a:t>2</a:t>
+              <a:t>Too low - guess again</a:t>
             </a:r>
           </a:p>
           <a:p>
@@ -7440,7 +7652,7 @@
               <a:rPr lang="en-US" dirty="0">
                 <a:latin typeface="Monaco" pitchFamily="2" charset="77"/>
               </a:rPr>
-              <a:t>9</a:t>
+              <a:t>50</a:t>
             </a:r>
           </a:p>
           <a:p>
@@ -7448,7 +7660,7 @@
               <a:rPr lang="en-US" dirty="0">
                 <a:latin typeface="Monaco" pitchFamily="2" charset="77"/>
               </a:rPr>
-              <a:t>(EOF)</a:t>
+              <a:t>Too high - guess again</a:t>
             </a:r>
           </a:p>
           <a:p>
@@ -7456,7 +7668,7 @@
               <a:rPr lang="en-US" dirty="0">
                 <a:latin typeface="Monaco" pitchFamily="2" charset="77"/>
               </a:rPr>
-              <a:t>Maximum 9</a:t>
+              <a:t>42</a:t>
             </a:r>
           </a:p>
           <a:p>
@@ -7464,54 +7676,48 @@
               <a:rPr lang="en-US" dirty="0">
                 <a:latin typeface="Monaco" pitchFamily="2" charset="77"/>
               </a:rPr>
-              <a:t>Minimum 2</a:t>
-            </a:r>
-          </a:p>
-          <a:p>
-            <a:endParaRPr lang="en-US" dirty="0">
-              <a:latin typeface="Monaco" pitchFamily="2" charset="77"/>
-            </a:endParaRPr>
-          </a:p>
-          <a:p>
-            <a:endParaRPr lang="en-US" dirty="0">
-              <a:latin typeface="Monaco" pitchFamily="2" charset="77"/>
-            </a:endParaRPr>
-          </a:p>
-          <a:p>
-            <a:endParaRPr lang="en-US" dirty="0">
-              <a:latin typeface="Monaco" pitchFamily="2" charset="77"/>
-            </a:endParaRPr>
-          </a:p>
-          <a:p>
-            <a:r>
-              <a:rPr lang="en-US" dirty="0">
-                <a:latin typeface="Monaco" pitchFamily="2" charset="77"/>
-              </a:rPr>
-              <a:t>5 2 9</a:t>
-            </a:r>
-          </a:p>
-          <a:p>
-            <a:r>
-              <a:rPr lang="en-US" dirty="0">
-                <a:latin typeface="Monaco" pitchFamily="2" charset="77"/>
-              </a:rPr>
-              <a:t>(EOF)</a:t>
-            </a:r>
-          </a:p>
-          <a:p>
-            <a:r>
-              <a:rPr lang="en-US" dirty="0">
-                <a:latin typeface="Monaco" pitchFamily="2" charset="77"/>
-              </a:rPr>
-              <a:t>Maximum 9</a:t>
-            </a:r>
-          </a:p>
-          <a:p>
-            <a:r>
-              <a:rPr lang="en-US" dirty="0">
-                <a:latin typeface="Monaco" pitchFamily="2" charset="77"/>
-              </a:rPr>
-              <a:t>Minimum 2</a:t>
+              <a:t>Nice work!</a:t>
+            </a:r>
+          </a:p>
+        </p:txBody>
+      </p:sp>
+      <p:sp>
+        <p:nvSpPr>
+          <p:cNvPr id="8" name="TextBox 7">
+            <a:extLst>
+              <a:ext uri="{FF2B5EF4-FFF2-40B4-BE49-F238E27FC236}">
+                <a16:creationId xmlns:a16="http://schemas.microsoft.com/office/drawing/2014/main" id="{D56035B7-27F7-E969-9952-F807B645317D}"/>
+              </a:ext>
+            </a:extLst>
+          </p:cNvPr>
+          <p:cNvSpPr txBox="1"/>
+          <p:nvPr/>
+        </p:nvSpPr>
+        <p:spPr>
+          <a:xfrm>
+            <a:off x="10647218" y="6323598"/>
+            <a:ext cx="1413163" cy="338554"/>
+          </a:xfrm>
+          <a:prstGeom prst="rect">
+            <a:avLst/>
+          </a:prstGeom>
+          <a:noFill/>
+        </p:spPr>
+        <p:txBody>
+          <a:bodyPr wrap="square">
+            <a:spAutoFit/>
+          </a:bodyPr>
+          <a:lstStyle/>
+          <a:p>
+            <a:r>
+              <a:rPr lang="en-US" sz="1600" dirty="0">
+                <a:solidFill>
+                  <a:srgbClr val="000000"/>
+                </a:solidFill>
+                <a:effectLst/>
+                <a:latin typeface="Menlo" panose="020B0609030804020204" pitchFamily="49" charset="0"/>
+              </a:rPr>
+              <a:t>cc_02_09.c</a:t>
             </a:r>
           </a:p>
         </p:txBody>
@@ -7519,7 +7725,7 @@
     </p:spTree>
     <p:extLst>
       <p:ext uri="{BB962C8B-B14F-4D97-AF65-F5344CB8AC3E}">
-        <p14:creationId xmlns:p14="http://schemas.microsoft.com/office/powerpoint/2010/main" val="2735925725"/>
+        <p14:creationId xmlns:p14="http://schemas.microsoft.com/office/powerpoint/2010/main" val="688616102"/>
       </p:ext>
     </p:extLst>
   </p:cSld>
@@ -7569,7 +7775,7 @@
           <a:p>
             <a:r>
               <a:rPr lang="en-US" dirty="0"/>
-              <a:t>Guessing</a:t>
+              <a:t>Shouting</a:t>
             </a:r>
           </a:p>
         </p:txBody>
@@ -7588,8 +7794,8 @@
         </p:nvSpPr>
         <p:spPr>
           <a:xfrm>
-            <a:off x="316833" y="1659285"/>
-            <a:ext cx="4998484" cy="3539430"/>
+            <a:off x="954156" y="2172500"/>
+            <a:ext cx="4458272" cy="923330"/>
           </a:xfrm>
           <a:prstGeom prst="rect">
             <a:avLst/>
@@ -7603,170 +7809,57 @@
           <a:lstStyle/>
           <a:p>
             <a:r>
-              <a:rPr lang="en-US" sz="1600" dirty="0">
-                <a:latin typeface="Courier New" panose="02070309020205020404" pitchFamily="49" charset="0"/>
-                <a:cs typeface="Courier New" panose="02070309020205020404" pitchFamily="49" charset="0"/>
-              </a:rPr>
-              <a:t>while True:</a:t>
-            </a:r>
-          </a:p>
-          <a:p>
-            <a:r>
-              <a:rPr lang="en-US" sz="1600" dirty="0">
-                <a:latin typeface="Courier New" panose="02070309020205020404" pitchFamily="49" charset="0"/>
-                <a:cs typeface="Courier New" panose="02070309020205020404" pitchFamily="49" charset="0"/>
-              </a:rPr>
-              <a:t>    try:</a:t>
-            </a:r>
-          </a:p>
-          <a:p>
-            <a:r>
-              <a:rPr lang="en-US" sz="1600" dirty="0">
-                <a:latin typeface="Courier New" panose="02070309020205020404" pitchFamily="49" charset="0"/>
-                <a:cs typeface="Courier New" panose="02070309020205020404" pitchFamily="49" charset="0"/>
-              </a:rPr>
-              <a:t>        line = input()</a:t>
-            </a:r>
-          </a:p>
-          <a:p>
-            <a:r>
-              <a:rPr lang="en-US" sz="1600" dirty="0">
-                <a:latin typeface="Courier New" panose="02070309020205020404" pitchFamily="49" charset="0"/>
-                <a:cs typeface="Courier New" panose="02070309020205020404" pitchFamily="49" charset="0"/>
-              </a:rPr>
-              <a:t>    except:  # If we get EOF</a:t>
-            </a:r>
-          </a:p>
-          <a:p>
-            <a:r>
-              <a:rPr lang="en-US" sz="1600" dirty="0">
-                <a:latin typeface="Courier New" panose="02070309020205020404" pitchFamily="49" charset="0"/>
-                <a:cs typeface="Courier New" panose="02070309020205020404" pitchFamily="49" charset="0"/>
-              </a:rPr>
-              <a:t>        break</a:t>
-            </a:r>
-          </a:p>
-          <a:p>
-            <a:r>
-              <a:rPr lang="en-US" sz="1600" dirty="0">
-                <a:latin typeface="Courier New" panose="02070309020205020404" pitchFamily="49" charset="0"/>
-                <a:cs typeface="Courier New" panose="02070309020205020404" pitchFamily="49" charset="0"/>
-              </a:rPr>
-              <a:t>    line = </a:t>
-            </a:r>
-            <a:r>
-              <a:rPr lang="en-US" sz="1600" dirty="0" err="1">
+              <a:rPr lang="en-US" dirty="0">
+                <a:latin typeface="Courier New" panose="02070309020205020404" pitchFamily="49" charset="0"/>
+                <a:cs typeface="Courier New" panose="02070309020205020404" pitchFamily="49" charset="0"/>
+              </a:rPr>
+              <a:t>hand = open('</a:t>
+            </a:r>
+            <a:r>
+              <a:rPr lang="en-US" dirty="0" err="1">
+                <a:latin typeface="Courier New" panose="02070309020205020404" pitchFamily="49" charset="0"/>
+                <a:cs typeface="Courier New" panose="02070309020205020404" pitchFamily="49" charset="0"/>
+              </a:rPr>
+              <a:t>romeo.txt</a:t>
+            </a:r>
+            <a:r>
+              <a:rPr lang="en-US" dirty="0">
+                <a:latin typeface="Courier New" panose="02070309020205020404" pitchFamily="49" charset="0"/>
+                <a:cs typeface="Courier New" panose="02070309020205020404" pitchFamily="49" charset="0"/>
+              </a:rPr>
+              <a:t>')</a:t>
+            </a:r>
+          </a:p>
+          <a:p>
+            <a:r>
+              <a:rPr lang="en-US" dirty="0">
+                <a:latin typeface="Courier New" panose="02070309020205020404" pitchFamily="49" charset="0"/>
+                <a:cs typeface="Courier New" panose="02070309020205020404" pitchFamily="49" charset="0"/>
+              </a:rPr>
+              <a:t>for line in hand:</a:t>
+            </a:r>
+          </a:p>
+          <a:p>
+            <a:r>
+              <a:rPr lang="en-US" dirty="0">
+                <a:latin typeface="Courier New" panose="02070309020205020404" pitchFamily="49" charset="0"/>
+                <a:cs typeface="Courier New" panose="02070309020205020404" pitchFamily="49" charset="0"/>
+              </a:rPr>
+              <a:t>    print(</a:t>
+            </a:r>
+            <a:r>
+              <a:rPr lang="en-US" dirty="0" err="1">
                 <a:latin typeface="Courier New" panose="02070309020205020404" pitchFamily="49" charset="0"/>
                 <a:cs typeface="Courier New" panose="02070309020205020404" pitchFamily="49" charset="0"/>
               </a:rPr>
               <a:t>line.strip</a:t>
             </a:r>
             <a:r>
-              <a:rPr lang="en-US" sz="1600" dirty="0">
-                <a:latin typeface="Courier New" panose="02070309020205020404" pitchFamily="49" charset="0"/>
-                <a:cs typeface="Courier New" panose="02070309020205020404" pitchFamily="49" charset="0"/>
-              </a:rPr>
-              <a:t>()</a:t>
-            </a:r>
-          </a:p>
-          <a:p>
-            <a:r>
-              <a:rPr lang="en-US" sz="1600" dirty="0">
-                <a:latin typeface="Courier New" panose="02070309020205020404" pitchFamily="49" charset="0"/>
-                <a:cs typeface="Courier New" panose="02070309020205020404" pitchFamily="49" charset="0"/>
-              </a:rPr>
-              <a:t>    guess = int(line)</a:t>
-            </a:r>
-          </a:p>
-          <a:p>
-            <a:r>
-              <a:rPr lang="en-US" sz="1600" dirty="0">
-                <a:latin typeface="Courier New" panose="02070309020205020404" pitchFamily="49" charset="0"/>
-                <a:cs typeface="Courier New" panose="02070309020205020404" pitchFamily="49" charset="0"/>
-              </a:rPr>
-              <a:t>    if guess == 42:</a:t>
-            </a:r>
-          </a:p>
-          <a:p>
-            <a:r>
-              <a:rPr lang="en-US" sz="1600" dirty="0">
-                <a:latin typeface="Courier New" panose="02070309020205020404" pitchFamily="49" charset="0"/>
-                <a:cs typeface="Courier New" panose="02070309020205020404" pitchFamily="49" charset="0"/>
-              </a:rPr>
-              <a:t>        print('Nice work!')</a:t>
-            </a:r>
-          </a:p>
-          <a:p>
-            <a:r>
-              <a:rPr lang="en-US" sz="1600" dirty="0">
-                <a:latin typeface="Courier New" panose="02070309020205020404" pitchFamily="49" charset="0"/>
-                <a:cs typeface="Courier New" panose="02070309020205020404" pitchFamily="49" charset="0"/>
-              </a:rPr>
-              <a:t>        break</a:t>
-            </a:r>
-          </a:p>
-          <a:p>
-            <a:r>
-              <a:rPr lang="en-US" sz="1600" dirty="0">
-                <a:latin typeface="Courier New" panose="02070309020205020404" pitchFamily="49" charset="0"/>
-                <a:cs typeface="Courier New" panose="02070309020205020404" pitchFamily="49" charset="0"/>
-              </a:rPr>
-              <a:t>    </a:t>
-            </a:r>
-            <a:r>
-              <a:rPr lang="en-US" sz="1600" dirty="0" err="1">
-                <a:latin typeface="Courier New" panose="02070309020205020404" pitchFamily="49" charset="0"/>
-                <a:cs typeface="Courier New" panose="02070309020205020404" pitchFamily="49" charset="0"/>
-              </a:rPr>
-              <a:t>elif</a:t>
-            </a:r>
-            <a:r>
-              <a:rPr lang="en-US" sz="1600" dirty="0">
-                <a:latin typeface="Courier New" panose="02070309020205020404" pitchFamily="49" charset="0"/>
-                <a:cs typeface="Courier New" panose="02070309020205020404" pitchFamily="49" charset="0"/>
-              </a:rPr>
-              <a:t> guess &lt; 42 : </a:t>
-            </a:r>
-          </a:p>
-          <a:p>
-            <a:r>
-              <a:rPr lang="en-US" sz="1600" dirty="0">
-                <a:latin typeface="Courier New" panose="02070309020205020404" pitchFamily="49" charset="0"/>
-                <a:cs typeface="Courier New" panose="02070309020205020404" pitchFamily="49" charset="0"/>
-              </a:rPr>
-              <a:t>        print('Too low - guess again')</a:t>
-            </a:r>
-          </a:p>
-          <a:p>
-            <a:r>
-              <a:rPr lang="en-US" sz="1600" dirty="0">
-                <a:latin typeface="Courier New" panose="02070309020205020404" pitchFamily="49" charset="0"/>
-                <a:cs typeface="Courier New" panose="02070309020205020404" pitchFamily="49" charset="0"/>
-              </a:rPr>
-              <a:t>    else :</a:t>
-            </a:r>
-          </a:p>
-          <a:p>
-            <a:r>
-              <a:rPr lang="en-US" sz="1600" dirty="0">
-                <a:latin typeface="Courier New" panose="02070309020205020404" pitchFamily="49" charset="0"/>
-                <a:cs typeface="Courier New" panose="02070309020205020404" pitchFamily="49" charset="0"/>
-              </a:rPr>
-              <a:t>        print('Too </a:t>
-            </a:r>
-            <a:r>
-              <a:rPr lang="en-US" sz="1600">
-                <a:latin typeface="Courier New" panose="02070309020205020404" pitchFamily="49" charset="0"/>
-                <a:cs typeface="Courier New" panose="02070309020205020404" pitchFamily="49" charset="0"/>
-              </a:rPr>
-              <a:t>high - guess </a:t>
-            </a:r>
-            <a:r>
-              <a:rPr lang="en-US" sz="1600" dirty="0">
-                <a:latin typeface="Courier New" panose="02070309020205020404" pitchFamily="49" charset="0"/>
-                <a:cs typeface="Courier New" panose="02070309020205020404" pitchFamily="49" charset="0"/>
-              </a:rPr>
-              <a:t>again')</a:t>
+              <a:rPr lang="en-US" dirty="0">
+                <a:latin typeface="Courier New" panose="02070309020205020404" pitchFamily="49" charset="0"/>
+                <a:cs typeface="Courier New" panose="02070309020205020404" pitchFamily="49" charset="0"/>
+              </a:rPr>
+              <a:t>().upper())</a:t>
             </a:r>
           </a:p>
         </p:txBody>
@@ -7785,8 +7878,8 @@
         </p:nvSpPr>
         <p:spPr>
           <a:xfrm>
-            <a:off x="5713253" y="766733"/>
-            <a:ext cx="5985934" cy="3539430"/>
+            <a:off x="5833814" y="1027906"/>
+            <a:ext cx="6250429" cy="3416320"/>
           </a:xfrm>
           <a:prstGeom prst="rect">
             <a:avLst/>
@@ -7800,21 +7893,21 @@
           <a:lstStyle/>
           <a:p>
             <a:r>
-              <a:rPr lang="en-US" sz="1600" dirty="0">
+              <a:rPr lang="en-US" dirty="0">
                 <a:latin typeface="Courier New" panose="02070309020205020404" pitchFamily="49" charset="0"/>
                 <a:cs typeface="Courier New" panose="02070309020205020404" pitchFamily="49" charset="0"/>
               </a:rPr>
               <a:t>#include &lt;</a:t>
             </a:r>
             <a:r>
-              <a:rPr lang="en-US" sz="1600" dirty="0" err="1">
+              <a:rPr lang="en-US" dirty="0" err="1">
                 <a:latin typeface="Courier New" panose="02070309020205020404" pitchFamily="49" charset="0"/>
                 <a:cs typeface="Courier New" panose="02070309020205020404" pitchFamily="49" charset="0"/>
               </a:rPr>
               <a:t>stdio.h</a:t>
             </a:r>
             <a:r>
-              <a:rPr lang="en-US" sz="1600" dirty="0">
+              <a:rPr lang="en-US" dirty="0">
                 <a:latin typeface="Courier New" panose="02070309020205020404" pitchFamily="49" charset="0"/>
                 <a:cs typeface="Courier New" panose="02070309020205020404" pitchFamily="49" charset="0"/>
               </a:rPr>
@@ -7823,7 +7916,53 @@
           </a:p>
           <a:p>
             <a:r>
-              <a:rPr lang="en-US" sz="1600" dirty="0">
+              <a:rPr lang="en-US" dirty="0">
+                <a:latin typeface="Courier New" panose="02070309020205020404" pitchFamily="49" charset="0"/>
+                <a:cs typeface="Courier New" panose="02070309020205020404" pitchFamily="49" charset="0"/>
+              </a:rPr>
+              <a:t>#include &lt;</a:t>
+            </a:r>
+            <a:r>
+              <a:rPr lang="en-US" dirty="0" err="1">
+                <a:latin typeface="Courier New" panose="02070309020205020404" pitchFamily="49" charset="0"/>
+                <a:cs typeface="Courier New" panose="02070309020205020404" pitchFamily="49" charset="0"/>
+              </a:rPr>
+              <a:t>string.h</a:t>
+            </a:r>
+            <a:r>
+              <a:rPr lang="en-US" dirty="0">
+                <a:latin typeface="Courier New" panose="02070309020205020404" pitchFamily="49" charset="0"/>
+                <a:cs typeface="Courier New" panose="02070309020205020404" pitchFamily="49" charset="0"/>
+              </a:rPr>
+              <a:t>&gt;</a:t>
+            </a:r>
+          </a:p>
+          <a:p>
+            <a:r>
+              <a:rPr lang="en-US" dirty="0">
+                <a:latin typeface="Courier New" panose="02070309020205020404" pitchFamily="49" charset="0"/>
+                <a:cs typeface="Courier New" panose="02070309020205020404" pitchFamily="49" charset="0"/>
+              </a:rPr>
+              <a:t>#include &lt;</a:t>
+            </a:r>
+            <a:r>
+              <a:rPr lang="en-US" dirty="0" err="1">
+                <a:latin typeface="Courier New" panose="02070309020205020404" pitchFamily="49" charset="0"/>
+                <a:cs typeface="Courier New" panose="02070309020205020404" pitchFamily="49" charset="0"/>
+              </a:rPr>
+              <a:t>ctype.h</a:t>
+            </a:r>
+            <a:r>
+              <a:rPr lang="en-US" dirty="0">
+                <a:latin typeface="Courier New" panose="02070309020205020404" pitchFamily="49" charset="0"/>
+                <a:cs typeface="Courier New" panose="02070309020205020404" pitchFamily="49" charset="0"/>
+              </a:rPr>
+              <a:t>&gt;</a:t>
+            </a:r>
+          </a:p>
+          <a:p>
+            <a:r>
+              <a:rPr lang="en-US" dirty="0">
                 <a:latin typeface="Courier New" panose="02070309020205020404" pitchFamily="49" charset="0"/>
                 <a:cs typeface="Courier New" panose="02070309020205020404" pitchFamily="49" charset="0"/>
               </a:rPr>
@@ -7832,180 +7971,228 @@
           </a:p>
           <a:p>
             <a:r>
-              <a:rPr lang="en-US" sz="1600" dirty="0">
-                <a:latin typeface="Courier New" panose="02070309020205020404" pitchFamily="49" charset="0"/>
-                <a:cs typeface="Courier New" panose="02070309020205020404" pitchFamily="49" charset="0"/>
-              </a:rPr>
-              <a:t>    int guess;</a:t>
-            </a:r>
-          </a:p>
-          <a:p>
-            <a:r>
-              <a:rPr lang="en-US" sz="1600" dirty="0">
-                <a:latin typeface="Courier New" panose="02070309020205020404" pitchFamily="49" charset="0"/>
-                <a:cs typeface="Courier New" panose="02070309020205020404" pitchFamily="49" charset="0"/>
-              </a:rPr>
-              <a:t>    while(</a:t>
-            </a:r>
-            <a:r>
-              <a:rPr lang="en-US" sz="1600" dirty="0" err="1">
-                <a:latin typeface="Courier New" panose="02070309020205020404" pitchFamily="49" charset="0"/>
-                <a:cs typeface="Courier New" panose="02070309020205020404" pitchFamily="49" charset="0"/>
-              </a:rPr>
-              <a:t>scanf</a:t>
-            </a:r>
-            <a:r>
-              <a:rPr lang="en-US" sz="1600" dirty="0">
-                <a:latin typeface="Courier New" panose="02070309020205020404" pitchFamily="49" charset="0"/>
-                <a:cs typeface="Courier New" panose="02070309020205020404" pitchFamily="49" charset="0"/>
-              </a:rPr>
-              <a:t>("%</a:t>
-            </a:r>
-            <a:r>
-              <a:rPr lang="en-US" sz="1600" dirty="0" err="1">
-                <a:latin typeface="Courier New" panose="02070309020205020404" pitchFamily="49" charset="0"/>
-                <a:cs typeface="Courier New" panose="02070309020205020404" pitchFamily="49" charset="0"/>
-              </a:rPr>
-              <a:t>d",&amp;guess</a:t>
-            </a:r>
-            <a:r>
-              <a:rPr lang="en-US" sz="1600" dirty="0">
-                <a:latin typeface="Courier New" panose="02070309020205020404" pitchFamily="49" charset="0"/>
-                <a:cs typeface="Courier New" panose="02070309020205020404" pitchFamily="49" charset="0"/>
-              </a:rPr>
-              <a:t>) != EOF ) {</a:t>
-            </a:r>
-          </a:p>
-          <a:p>
-            <a:r>
-              <a:rPr lang="en-US" sz="1600" dirty="0">
-                <a:latin typeface="Courier New" panose="02070309020205020404" pitchFamily="49" charset="0"/>
-                <a:cs typeface="Courier New" panose="02070309020205020404" pitchFamily="49" charset="0"/>
-              </a:rPr>
-              <a:t>        if ( guess == 42 ) {</a:t>
-            </a:r>
-          </a:p>
-          <a:p>
-            <a:r>
-              <a:rPr lang="en-US" sz="1600" dirty="0">
+              <a:rPr lang="en-US" dirty="0">
+                <a:latin typeface="Courier New" panose="02070309020205020404" pitchFamily="49" charset="0"/>
+                <a:cs typeface="Courier New" panose="02070309020205020404" pitchFamily="49" charset="0"/>
+              </a:rPr>
+              <a:t>    char line[1000];</a:t>
+            </a:r>
+          </a:p>
+          <a:p>
+            <a:r>
+              <a:rPr lang="en-US" dirty="0">
+                <a:latin typeface="Courier New" panose="02070309020205020404" pitchFamily="49" charset="0"/>
+                <a:cs typeface="Courier New" panose="02070309020205020404" pitchFamily="49" charset="0"/>
+              </a:rPr>
+              <a:t>    FILE *hand;</a:t>
+            </a:r>
+          </a:p>
+          <a:p>
+            <a:r>
+              <a:rPr lang="en-US" dirty="0">
+                <a:latin typeface="Courier New" panose="02070309020205020404" pitchFamily="49" charset="0"/>
+                <a:cs typeface="Courier New" panose="02070309020205020404" pitchFamily="49" charset="0"/>
+              </a:rPr>
+              <a:t>    int </a:t>
+            </a:r>
+            <a:r>
+              <a:rPr lang="en-US" dirty="0" err="1">
+                <a:latin typeface="Courier New" panose="02070309020205020404" pitchFamily="49" charset="0"/>
+                <a:cs typeface="Courier New" panose="02070309020205020404" pitchFamily="49" charset="0"/>
+              </a:rPr>
+              <a:t>i</a:t>
+            </a:r>
+            <a:r>
+              <a:rPr lang="en-US" dirty="0">
+                <a:latin typeface="Courier New" panose="02070309020205020404" pitchFamily="49" charset="0"/>
+                <a:cs typeface="Courier New" panose="02070309020205020404" pitchFamily="49" charset="0"/>
+              </a:rPr>
+              <a:t>; </a:t>
+            </a:r>
+          </a:p>
+          <a:p>
+            <a:r>
+              <a:rPr lang="en-US" dirty="0">
+                <a:latin typeface="Courier New" panose="02070309020205020404" pitchFamily="49" charset="0"/>
+                <a:cs typeface="Courier New" panose="02070309020205020404" pitchFamily="49" charset="0"/>
+              </a:rPr>
+              <a:t>    hand = </a:t>
+            </a:r>
+            <a:r>
+              <a:rPr lang="en-US" dirty="0" err="1">
+                <a:latin typeface="Courier New" panose="02070309020205020404" pitchFamily="49" charset="0"/>
+                <a:cs typeface="Courier New" panose="02070309020205020404" pitchFamily="49" charset="0"/>
+              </a:rPr>
+              <a:t>fopen</a:t>
+            </a:r>
+            <a:r>
+              <a:rPr lang="en-US" dirty="0">
+                <a:latin typeface="Courier New" panose="02070309020205020404" pitchFamily="49" charset="0"/>
+                <a:cs typeface="Courier New" panose="02070309020205020404" pitchFamily="49" charset="0"/>
+              </a:rPr>
+              <a:t>("</a:t>
+            </a:r>
+            <a:r>
+              <a:rPr lang="en-US" dirty="0" err="1">
+                <a:latin typeface="Courier New" panose="02070309020205020404" pitchFamily="49" charset="0"/>
+                <a:cs typeface="Courier New" panose="02070309020205020404" pitchFamily="49" charset="0"/>
+              </a:rPr>
+              <a:t>romeo.txt</a:t>
+            </a:r>
+            <a:r>
+              <a:rPr lang="en-US" dirty="0">
+                <a:latin typeface="Courier New" panose="02070309020205020404" pitchFamily="49" charset="0"/>
+                <a:cs typeface="Courier New" panose="02070309020205020404" pitchFamily="49" charset="0"/>
+              </a:rPr>
+              <a:t>", "r");</a:t>
+            </a:r>
+          </a:p>
+          <a:p>
+            <a:r>
+              <a:rPr lang="en-US" dirty="0">
+                <a:latin typeface="Courier New" panose="02070309020205020404" pitchFamily="49" charset="0"/>
+                <a:cs typeface="Courier New" panose="02070309020205020404" pitchFamily="49" charset="0"/>
+              </a:rPr>
+              <a:t>    while( </a:t>
+            </a:r>
+            <a:r>
+              <a:rPr lang="en-US" dirty="0" err="1">
+                <a:latin typeface="Courier New" panose="02070309020205020404" pitchFamily="49" charset="0"/>
+                <a:cs typeface="Courier New" panose="02070309020205020404" pitchFamily="49" charset="0"/>
+              </a:rPr>
+              <a:t>fgets</a:t>
+            </a:r>
+            <a:r>
+              <a:rPr lang="en-US" dirty="0">
+                <a:latin typeface="Courier New" panose="02070309020205020404" pitchFamily="49" charset="0"/>
+                <a:cs typeface="Courier New" panose="02070309020205020404" pitchFamily="49" charset="0"/>
+              </a:rPr>
+              <a:t>(line, 1000, hand) != NULL )</a:t>
+            </a:r>
+          </a:p>
+          <a:p>
+            <a:r>
+              <a:rPr lang="en-US" dirty="0">
+                <a:latin typeface="Courier New" panose="02070309020205020404" pitchFamily="49" charset="0"/>
+                <a:cs typeface="Courier New" panose="02070309020205020404" pitchFamily="49" charset="0"/>
+              </a:rPr>
+              <a:t>        for(</a:t>
+            </a:r>
+            <a:r>
+              <a:rPr lang="en-US" dirty="0" err="1">
+                <a:latin typeface="Courier New" panose="02070309020205020404" pitchFamily="49" charset="0"/>
+                <a:cs typeface="Courier New" panose="02070309020205020404" pitchFamily="49" charset="0"/>
+              </a:rPr>
+              <a:t>i</a:t>
+            </a:r>
+            <a:r>
+              <a:rPr lang="en-US" dirty="0">
+                <a:latin typeface="Courier New" panose="02070309020205020404" pitchFamily="49" charset="0"/>
+                <a:cs typeface="Courier New" panose="02070309020205020404" pitchFamily="49" charset="0"/>
+              </a:rPr>
+              <a:t>=0; </a:t>
+            </a:r>
+            <a:r>
+              <a:rPr lang="en-US" dirty="0" err="1">
+                <a:latin typeface="Courier New" panose="02070309020205020404" pitchFamily="49" charset="0"/>
+                <a:cs typeface="Courier New" panose="02070309020205020404" pitchFamily="49" charset="0"/>
+              </a:rPr>
+              <a:t>i</a:t>
+            </a:r>
+            <a:r>
+              <a:rPr lang="en-US" dirty="0">
+                <a:latin typeface="Courier New" panose="02070309020205020404" pitchFamily="49" charset="0"/>
+                <a:cs typeface="Courier New" panose="02070309020205020404" pitchFamily="49" charset="0"/>
+              </a:rPr>
+              <a:t>&lt;</a:t>
+            </a:r>
+            <a:r>
+              <a:rPr lang="en-US" dirty="0" err="1">
+                <a:latin typeface="Courier New" panose="02070309020205020404" pitchFamily="49" charset="0"/>
+                <a:cs typeface="Courier New" panose="02070309020205020404" pitchFamily="49" charset="0"/>
+              </a:rPr>
+              <a:t>strlen</a:t>
+            </a:r>
+            <a:r>
+              <a:rPr lang="en-US" dirty="0">
+                <a:latin typeface="Courier New" panose="02070309020205020404" pitchFamily="49" charset="0"/>
+                <a:cs typeface="Courier New" panose="02070309020205020404" pitchFamily="49" charset="0"/>
+              </a:rPr>
+              <a:t>(line); </a:t>
+            </a:r>
+            <a:r>
+              <a:rPr lang="en-US" dirty="0" err="1">
+                <a:latin typeface="Courier New" panose="02070309020205020404" pitchFamily="49" charset="0"/>
+                <a:cs typeface="Courier New" panose="02070309020205020404" pitchFamily="49" charset="0"/>
+              </a:rPr>
+              <a:t>i</a:t>
+            </a:r>
+            <a:r>
+              <a:rPr lang="en-US" dirty="0">
+                <a:latin typeface="Courier New" panose="02070309020205020404" pitchFamily="49" charset="0"/>
+                <a:cs typeface="Courier New" panose="02070309020205020404" pitchFamily="49" charset="0"/>
+              </a:rPr>
+              <a:t>++) </a:t>
+            </a:r>
+          </a:p>
+          <a:p>
+            <a:r>
+              <a:rPr lang="en-US" dirty="0">
                 <a:latin typeface="Courier New" panose="02070309020205020404" pitchFamily="49" charset="0"/>
                 <a:cs typeface="Courier New" panose="02070309020205020404" pitchFamily="49" charset="0"/>
               </a:rPr>
               <a:t>            </a:t>
             </a:r>
             <a:r>
-              <a:rPr lang="en-US" sz="1600" dirty="0" err="1">
-                <a:latin typeface="Courier New" panose="02070309020205020404" pitchFamily="49" charset="0"/>
-                <a:cs typeface="Courier New" panose="02070309020205020404" pitchFamily="49" charset="0"/>
-              </a:rPr>
-              <a:t>printf</a:t>
-            </a:r>
-            <a:r>
-              <a:rPr lang="en-US" sz="1600" dirty="0">
-                <a:latin typeface="Courier New" panose="02070309020205020404" pitchFamily="49" charset="0"/>
-                <a:cs typeface="Courier New" panose="02070309020205020404" pitchFamily="49" charset="0"/>
-              </a:rPr>
-              <a:t>("Nice work!\n");</a:t>
-            </a:r>
-          </a:p>
-          <a:p>
-            <a:r>
-              <a:rPr lang="en-US" sz="1600" dirty="0">
-                <a:latin typeface="Courier New" panose="02070309020205020404" pitchFamily="49" charset="0"/>
-                <a:cs typeface="Courier New" panose="02070309020205020404" pitchFamily="49" charset="0"/>
-              </a:rPr>
-              <a:t>            break;</a:t>
-            </a:r>
-          </a:p>
-          <a:p>
-            <a:r>
-              <a:rPr lang="en-US" sz="1600" dirty="0">
-                <a:latin typeface="Courier New" panose="02070309020205020404" pitchFamily="49" charset="0"/>
-                <a:cs typeface="Courier New" panose="02070309020205020404" pitchFamily="49" charset="0"/>
-              </a:rPr>
-              <a:t>        }</a:t>
-            </a:r>
-          </a:p>
-          <a:p>
-            <a:r>
-              <a:rPr lang="en-US" sz="1600" dirty="0">
-                <a:latin typeface="Courier New" panose="02070309020205020404" pitchFamily="49" charset="0"/>
-                <a:cs typeface="Courier New" panose="02070309020205020404" pitchFamily="49" charset="0"/>
-              </a:rPr>
-              <a:t>        else if ( guess &lt; 42 ) </a:t>
-            </a:r>
-          </a:p>
-          <a:p>
-            <a:r>
-              <a:rPr lang="en-US" sz="1600" dirty="0">
-                <a:latin typeface="Courier New" panose="02070309020205020404" pitchFamily="49" charset="0"/>
-                <a:cs typeface="Courier New" panose="02070309020205020404" pitchFamily="49" charset="0"/>
-              </a:rPr>
-              <a:t>            </a:t>
-            </a:r>
-            <a:r>
-              <a:rPr lang="en-US" sz="1600" dirty="0" err="1">
-                <a:latin typeface="Courier New" panose="02070309020205020404" pitchFamily="49" charset="0"/>
-                <a:cs typeface="Courier New" panose="02070309020205020404" pitchFamily="49" charset="0"/>
-              </a:rPr>
-              <a:t>printf</a:t>
-            </a:r>
-            <a:r>
-              <a:rPr lang="en-US" sz="1600" dirty="0">
-                <a:latin typeface="Courier New" panose="02070309020205020404" pitchFamily="49" charset="0"/>
-                <a:cs typeface="Courier New" panose="02070309020205020404" pitchFamily="49" charset="0"/>
-              </a:rPr>
-              <a:t>("Too low - guess again\n");</a:t>
-            </a:r>
-          </a:p>
-          <a:p>
-            <a:r>
-              <a:rPr lang="en-US" sz="1600" dirty="0">
-                <a:latin typeface="Courier New" panose="02070309020205020404" pitchFamily="49" charset="0"/>
-                <a:cs typeface="Courier New" panose="02070309020205020404" pitchFamily="49" charset="0"/>
-              </a:rPr>
-              <a:t>        else</a:t>
-            </a:r>
-          </a:p>
-          <a:p>
-            <a:r>
-              <a:rPr lang="en-US" sz="1600" dirty="0">
-                <a:latin typeface="Courier New" panose="02070309020205020404" pitchFamily="49" charset="0"/>
-                <a:cs typeface="Courier New" panose="02070309020205020404" pitchFamily="49" charset="0"/>
-              </a:rPr>
-              <a:t>            </a:t>
-            </a:r>
-            <a:r>
-              <a:rPr lang="en-US" sz="1600" dirty="0" err="1">
-                <a:latin typeface="Courier New" panose="02070309020205020404" pitchFamily="49" charset="0"/>
-                <a:cs typeface="Courier New" panose="02070309020205020404" pitchFamily="49" charset="0"/>
-              </a:rPr>
-              <a:t>printf</a:t>
-            </a:r>
-            <a:r>
-              <a:rPr lang="en-US" sz="1600" dirty="0">
-                <a:latin typeface="Courier New" panose="02070309020205020404" pitchFamily="49" charset="0"/>
-                <a:cs typeface="Courier New" panose="02070309020205020404" pitchFamily="49" charset="0"/>
-              </a:rPr>
-              <a:t>("Too high - guess again\n");</a:t>
-            </a:r>
-          </a:p>
-          <a:p>
-            <a:r>
-              <a:rPr lang="en-US" sz="1600" dirty="0">
-                <a:latin typeface="Courier New" panose="02070309020205020404" pitchFamily="49" charset="0"/>
-                <a:cs typeface="Courier New" panose="02070309020205020404" pitchFamily="49" charset="0"/>
-              </a:rPr>
-              <a:t>    }</a:t>
-            </a:r>
-          </a:p>
-          <a:p>
-            <a:r>
-              <a:rPr lang="en-US" sz="1600" dirty="0">
-                <a:latin typeface="Courier New" panose="02070309020205020404" pitchFamily="49" charset="0"/>
-                <a:cs typeface="Courier New" panose="02070309020205020404" pitchFamily="49" charset="0"/>
-              </a:rPr>
-              <a:t>} </a:t>
+              <a:rPr lang="en-US" dirty="0" err="1">
+                <a:latin typeface="Courier New" panose="02070309020205020404" pitchFamily="49" charset="0"/>
+                <a:cs typeface="Courier New" panose="02070309020205020404" pitchFamily="49" charset="0"/>
+              </a:rPr>
+              <a:t>putchar</a:t>
+            </a:r>
+            <a:r>
+              <a:rPr lang="en-US" dirty="0">
+                <a:latin typeface="Courier New" panose="02070309020205020404" pitchFamily="49" charset="0"/>
+                <a:cs typeface="Courier New" panose="02070309020205020404" pitchFamily="49" charset="0"/>
+              </a:rPr>
+              <a:t>(</a:t>
+            </a:r>
+            <a:r>
+              <a:rPr lang="en-US" dirty="0" err="1">
+                <a:latin typeface="Courier New" panose="02070309020205020404" pitchFamily="49" charset="0"/>
+                <a:cs typeface="Courier New" panose="02070309020205020404" pitchFamily="49" charset="0"/>
+              </a:rPr>
+              <a:t>toupper</a:t>
+            </a:r>
+            <a:r>
+              <a:rPr lang="en-US" dirty="0">
+                <a:latin typeface="Courier New" panose="02070309020205020404" pitchFamily="49" charset="0"/>
+                <a:cs typeface="Courier New" panose="02070309020205020404" pitchFamily="49" charset="0"/>
+              </a:rPr>
+              <a:t>(line[</a:t>
+            </a:r>
+            <a:r>
+              <a:rPr lang="en-US" dirty="0" err="1">
+                <a:latin typeface="Courier New" panose="02070309020205020404" pitchFamily="49" charset="0"/>
+                <a:cs typeface="Courier New" panose="02070309020205020404" pitchFamily="49" charset="0"/>
+              </a:rPr>
+              <a:t>i</a:t>
+            </a:r>
+            <a:r>
+              <a:rPr lang="en-US" dirty="0">
+                <a:latin typeface="Courier New" panose="02070309020205020404" pitchFamily="49" charset="0"/>
+                <a:cs typeface="Courier New" panose="02070309020205020404" pitchFamily="49" charset="0"/>
+              </a:rPr>
+              <a:t>]));</a:t>
+            </a:r>
+          </a:p>
+          <a:p>
+            <a:r>
+              <a:rPr lang="en-US" dirty="0">
+                <a:latin typeface="Courier New" panose="02070309020205020404" pitchFamily="49" charset="0"/>
+                <a:cs typeface="Courier New" panose="02070309020205020404" pitchFamily="49" charset="0"/>
+              </a:rPr>
+              <a:t>}</a:t>
             </a:r>
           </a:p>
         </p:txBody>
@@ -8024,8 +8211,8 @@
         </p:nvSpPr>
         <p:spPr>
           <a:xfrm>
-            <a:off x="7648259" y="4501661"/>
-            <a:ext cx="3217547" cy="1754326"/>
+            <a:off x="2432883" y="4783747"/>
+            <a:ext cx="6801862" cy="1200329"/>
           </a:xfrm>
           <a:prstGeom prst="rect">
             <a:avLst/>
@@ -8042,7 +8229,7 @@
               <a:rPr lang="en-US" dirty="0">
                 <a:latin typeface="Monaco" pitchFamily="2" charset="77"/>
               </a:rPr>
-              <a:t>5</a:t>
+              <a:t>BUT SOFT WHAT LIGHT THROUGH YONDER WINDOW BREAKS</a:t>
             </a:r>
           </a:p>
           <a:p>
@@ -8050,7 +8237,7 @@
               <a:rPr lang="en-US" dirty="0">
                 <a:latin typeface="Monaco" pitchFamily="2" charset="77"/>
               </a:rPr>
-              <a:t>Too low - guess again</a:t>
+              <a:t>IT IS THE EAST AND JULIET IS THE SUN</a:t>
             </a:r>
           </a:p>
           <a:p>
@@ -8058,7 +8245,7 @@
               <a:rPr lang="en-US" dirty="0">
                 <a:latin typeface="Monaco" pitchFamily="2" charset="77"/>
               </a:rPr>
-              <a:t>50</a:t>
+              <a:t>ARISE FAIR SUN AND KILL THE ENVIOUS MOON</a:t>
             </a:r>
           </a:p>
           <a:p>
@@ -8066,23 +8253,48 @@
               <a:rPr lang="en-US" dirty="0">
                 <a:latin typeface="Monaco" pitchFamily="2" charset="77"/>
               </a:rPr>
-              <a:t>Too high - guess again</a:t>
-            </a:r>
-          </a:p>
-          <a:p>
-            <a:r>
-              <a:rPr lang="en-US" dirty="0">
-                <a:latin typeface="Monaco" pitchFamily="2" charset="77"/>
-              </a:rPr>
-              <a:t>42</a:t>
-            </a:r>
-          </a:p>
-          <a:p>
-            <a:r>
-              <a:rPr lang="en-US" dirty="0">
-                <a:latin typeface="Monaco" pitchFamily="2" charset="77"/>
-              </a:rPr>
-              <a:t>Nice work!</a:t>
+              <a:t>WHO IS ALREADY SICK AND PALE WITH GRIEF</a:t>
+            </a:r>
+          </a:p>
+        </p:txBody>
+      </p:sp>
+      <p:sp>
+        <p:nvSpPr>
+          <p:cNvPr id="8" name="TextBox 7">
+            <a:extLst>
+              <a:ext uri="{FF2B5EF4-FFF2-40B4-BE49-F238E27FC236}">
+                <a16:creationId xmlns:a16="http://schemas.microsoft.com/office/drawing/2014/main" id="{F7AC2D4A-1256-8DC4-CDEF-7E9063C86FCE}"/>
+              </a:ext>
+            </a:extLst>
+          </p:cNvPr>
+          <p:cNvSpPr txBox="1"/>
+          <p:nvPr/>
+        </p:nvSpPr>
+        <p:spPr>
+          <a:xfrm>
+            <a:off x="10647218" y="6323598"/>
+            <a:ext cx="1413163" cy="338554"/>
+          </a:xfrm>
+          <a:prstGeom prst="rect">
+            <a:avLst/>
+          </a:prstGeom>
+          <a:noFill/>
+        </p:spPr>
+        <p:txBody>
+          <a:bodyPr wrap="square">
+            <a:spAutoFit/>
+          </a:bodyPr>
+          <a:lstStyle/>
+          <a:p>
+            <a:r>
+              <a:rPr lang="en-US" sz="1600" dirty="0">
+                <a:solidFill>
+                  <a:srgbClr val="000000"/>
+                </a:solidFill>
+                <a:effectLst/>
+                <a:latin typeface="Menlo" panose="020B0609030804020204" pitchFamily="49" charset="0"/>
+              </a:rPr>
+              <a:t>cc_02_10.c</a:t>
             </a:r>
           </a:p>
         </p:txBody>
@@ -8090,7 +8302,7 @@
     </p:spTree>
     <p:extLst>
       <p:ext uri="{BB962C8B-B14F-4D97-AF65-F5344CB8AC3E}">
-        <p14:creationId xmlns:p14="http://schemas.microsoft.com/office/powerpoint/2010/main" val="688616102"/>
+        <p14:creationId xmlns:p14="http://schemas.microsoft.com/office/powerpoint/2010/main" val="1459537303"/>
       </p:ext>
     </p:extLst>
   </p:cSld>
@@ -11206,7 +11418,7 @@
         <p:spPr>
           <a:xfrm>
             <a:off x="954156" y="1682693"/>
-            <a:ext cx="3217547" cy="1200329"/>
+            <a:ext cx="3217547" cy="1477328"/>
           </a:xfrm>
           <a:prstGeom prst="rect">
             <a:avLst/>
@@ -11224,6 +11436,15 @@
                 <a:latin typeface="Courier New" panose="02070309020205020404" pitchFamily="49" charset="0"/>
                 <a:cs typeface="Courier New" panose="02070309020205020404" pitchFamily="49" charset="0"/>
               </a:rPr>
+              <a:t># I am a comment</a:t>
+            </a:r>
+          </a:p>
+          <a:p>
+            <a:r>
+              <a:rPr lang="en-US" dirty="0">
+                <a:latin typeface="Courier New" panose="02070309020205020404" pitchFamily="49" charset="0"/>
+                <a:cs typeface="Courier New" panose="02070309020205020404" pitchFamily="49" charset="0"/>
+              </a:rPr>
               <a:t>print('Hello world')</a:t>
             </a:r>
           </a:p>
@@ -11271,7 +11492,7 @@
         <p:spPr>
           <a:xfrm>
             <a:off x="6322193" y="1027906"/>
-            <a:ext cx="5423280" cy="2031325"/>
+            <a:ext cx="5423280" cy="2308324"/>
           </a:xfrm>
           <a:prstGeom prst="rect">
             <a:avLst/>
@@ -11304,6 +11525,15 @@
                 <a:cs typeface="Courier New" panose="02070309020205020404" pitchFamily="49" charset="0"/>
               </a:rPr>
               <a:t>&gt;</a:t>
+            </a:r>
+          </a:p>
+          <a:p>
+            <a:r>
+              <a:rPr lang="en-US" dirty="0">
+                <a:latin typeface="Courier New" panose="02070309020205020404" pitchFamily="49" charset="0"/>
+                <a:cs typeface="Courier New" panose="02070309020205020404" pitchFamily="49" charset="0"/>
+              </a:rPr>
+              <a:t>/* I am a comment */</a:t>
             </a:r>
           </a:p>
           <a:p>
@@ -11501,6 +11731,47 @@
                 <a:latin typeface="Monaco" pitchFamily="2" charset="77"/>
               </a:rPr>
               <a:t> 100</a:t>
+            </a:r>
+          </a:p>
+        </p:txBody>
+      </p:sp>
+      <p:sp>
+        <p:nvSpPr>
+          <p:cNvPr id="8" name="TextBox 7">
+            <a:extLst>
+              <a:ext uri="{FF2B5EF4-FFF2-40B4-BE49-F238E27FC236}">
+                <a16:creationId xmlns:a16="http://schemas.microsoft.com/office/drawing/2014/main" id="{B428CDF7-E206-237B-5834-303417C8C9F2}"/>
+              </a:ext>
+            </a:extLst>
+          </p:cNvPr>
+          <p:cNvSpPr txBox="1"/>
+          <p:nvPr/>
+        </p:nvSpPr>
+        <p:spPr>
+          <a:xfrm>
+            <a:off x="10460182" y="6323598"/>
+            <a:ext cx="1600199" cy="338554"/>
+          </a:xfrm>
+          <a:prstGeom prst="rect">
+            <a:avLst/>
+          </a:prstGeom>
+          <a:noFill/>
+        </p:spPr>
+        <p:txBody>
+          <a:bodyPr wrap="square">
+            <a:spAutoFit/>
+          </a:bodyPr>
+          <a:lstStyle/>
+          <a:p>
+            <a:r>
+              <a:rPr lang="en-US" sz="1600" dirty="0">
+                <a:solidFill>
+                  <a:srgbClr val="000000"/>
+                </a:solidFill>
+                <a:effectLst/>
+                <a:latin typeface="Menlo" panose="020B0609030804020204" pitchFamily="49" charset="0"/>
+              </a:rPr>
+              <a:t>cc_02_01.c</a:t>
             </a:r>
           </a:p>
         </p:txBody>
@@ -11964,6 +12235,63 @@
           </a:p>
         </p:txBody>
       </p:sp>
+      <p:sp>
+        <p:nvSpPr>
+          <p:cNvPr id="8" name="TextBox 7">
+            <a:extLst>
+              <a:ext uri="{FF2B5EF4-FFF2-40B4-BE49-F238E27FC236}">
+                <a16:creationId xmlns:a16="http://schemas.microsoft.com/office/drawing/2014/main" id="{90C45FFE-7DC3-FDAE-69BA-C033FBD70A6E}"/>
+              </a:ext>
+            </a:extLst>
+          </p:cNvPr>
+          <p:cNvSpPr txBox="1"/>
+          <p:nvPr/>
+        </p:nvSpPr>
+        <p:spPr>
+          <a:xfrm>
+            <a:off x="10460182" y="6323598"/>
+            <a:ext cx="1600199" cy="338554"/>
+          </a:xfrm>
+          <a:prstGeom prst="rect">
+            <a:avLst/>
+          </a:prstGeom>
+          <a:noFill/>
+        </p:spPr>
+        <p:txBody>
+          <a:bodyPr wrap="square">
+            <a:spAutoFit/>
+          </a:bodyPr>
+          <a:lstStyle/>
+          <a:p>
+            <a:r>
+              <a:rPr lang="en-US" sz="1600" dirty="0">
+                <a:solidFill>
+                  <a:srgbClr val="000000"/>
+                </a:solidFill>
+                <a:effectLst/>
+                <a:latin typeface="Menlo" panose="020B0609030804020204" pitchFamily="49" charset="0"/>
+              </a:rPr>
+              <a:t>cc_02_02.</a:t>
+            </a:r>
+            <a:r>
+              <a:rPr lang="en-US" sz="1600" dirty="0">
+                <a:solidFill>
+                  <a:srgbClr val="000000"/>
+                </a:solidFill>
+                <a:latin typeface="Menlo" panose="020B0609030804020204" pitchFamily="49" charset="0"/>
+              </a:rPr>
+              <a:t>c</a:t>
+            </a:r>
+            <a:endParaRPr lang="en-US" sz="1600" dirty="0">
+              <a:solidFill>
+                <a:srgbClr val="000000"/>
+              </a:solidFill>
+              <a:effectLst/>
+              <a:latin typeface="Menlo" panose="020B0609030804020204" pitchFamily="49" charset="0"/>
+            </a:endParaRPr>
+          </a:p>
+        </p:txBody>
+      </p:sp>
     </p:spTree>
     <p:extLst>
       <p:ext uri="{BB962C8B-B14F-4D97-AF65-F5344CB8AC3E}">
@@ -12093,7 +12421,7 @@
         <p:spPr>
           <a:xfrm>
             <a:off x="6322193" y="1027906"/>
-            <a:ext cx="4733988" cy="2031325"/>
+            <a:ext cx="4458272" cy="2031325"/>
           </a:xfrm>
           <a:prstGeom prst="rect">
             <a:avLst/>
@@ -12143,15 +12471,12 @@
                 <a:latin typeface="Courier New" panose="02070309020205020404" pitchFamily="49" charset="0"/>
                 <a:cs typeface="Courier New" panose="02070309020205020404" pitchFamily="49" charset="0"/>
               </a:rPr>
-              <a:t>    char name[100]; </a:t>
-            </a:r>
-            <a:r>
-              <a:rPr lang="en-US" b="1" dirty="0">
-                <a:latin typeface="Courier New" panose="02070309020205020404" pitchFamily="49" charset="0"/>
-                <a:cs typeface="Courier New" panose="02070309020205020404" pitchFamily="49" charset="0"/>
-              </a:rPr>
-              <a:t>/* Warning */</a:t>
-            </a:r>
+              <a:t>    char name[100];</a:t>
+            </a:r>
+            <a:endParaRPr lang="en-US" b="1" dirty="0">
+              <a:latin typeface="Courier New" panose="02070309020205020404" pitchFamily="49" charset="0"/>
+              <a:cs typeface="Courier New" panose="02070309020205020404" pitchFamily="49" charset="0"/>
+            </a:endParaRPr>
           </a:p>
           <a:p>
             <a:r>
@@ -12196,7 +12521,7 @@
                 <a:latin typeface="Courier New" panose="02070309020205020404" pitchFamily="49" charset="0"/>
                 <a:cs typeface="Courier New" panose="02070309020205020404" pitchFamily="49" charset="0"/>
               </a:rPr>
-              <a:t>("%s", name);</a:t>
+              <a:t>("%100s", name);</a:t>
             </a:r>
           </a:p>
           <a:p>
@@ -12283,6 +12608,63 @@
               </a:rPr>
               <a:t>Hello Sarah</a:t>
             </a:r>
+          </a:p>
+        </p:txBody>
+      </p:sp>
+      <p:sp>
+        <p:nvSpPr>
+          <p:cNvPr id="8" name="TextBox 7">
+            <a:extLst>
+              <a:ext uri="{FF2B5EF4-FFF2-40B4-BE49-F238E27FC236}">
+                <a16:creationId xmlns:a16="http://schemas.microsoft.com/office/drawing/2014/main" id="{75CF0506-F045-000E-B8E8-AFF9EA53CB9C}"/>
+              </a:ext>
+            </a:extLst>
+          </p:cNvPr>
+          <p:cNvSpPr txBox="1"/>
+          <p:nvPr/>
+        </p:nvSpPr>
+        <p:spPr>
+          <a:xfrm>
+            <a:off x="10460182" y="6323598"/>
+            <a:ext cx="1600199" cy="338554"/>
+          </a:xfrm>
+          <a:prstGeom prst="rect">
+            <a:avLst/>
+          </a:prstGeom>
+          <a:noFill/>
+        </p:spPr>
+        <p:txBody>
+          <a:bodyPr wrap="square">
+            <a:spAutoFit/>
+          </a:bodyPr>
+          <a:lstStyle/>
+          <a:p>
+            <a:r>
+              <a:rPr lang="en-US" sz="1600" dirty="0">
+                <a:solidFill>
+                  <a:srgbClr val="000000"/>
+                </a:solidFill>
+                <a:effectLst/>
+                <a:latin typeface="Menlo" panose="020B0609030804020204" pitchFamily="49" charset="0"/>
+              </a:rPr>
+              <a:t>cc_02_03.</a:t>
+            </a:r>
+            <a:r>
+              <a:rPr lang="en-US" sz="1600" dirty="0">
+                <a:solidFill>
+                  <a:srgbClr val="000000"/>
+                </a:solidFill>
+                <a:latin typeface="Menlo" panose="020B0609030804020204" pitchFamily="49" charset="0"/>
+              </a:rPr>
+              <a:t>c</a:t>
+            </a:r>
+            <a:endParaRPr lang="en-US" sz="1600" dirty="0">
+              <a:solidFill>
+                <a:srgbClr val="000000"/>
+              </a:solidFill>
+              <a:effectLst/>
+              <a:latin typeface="Menlo" panose="020B0609030804020204" pitchFamily="49" charset="0"/>
+            </a:endParaRPr>
           </a:p>
         </p:txBody>
       </p:sp>

--- a/lectures/CC-02-Python.pptx
+++ b/lectures/CC-02-Python.pptx
@@ -11,18 +11,19 @@
     <p:sldId id="258" r:id="rId5"/>
     <p:sldId id="259" r:id="rId6"/>
     <p:sldId id="261" r:id="rId7"/>
-    <p:sldId id="262" r:id="rId8"/>
-    <p:sldId id="263" r:id="rId9"/>
-    <p:sldId id="264" r:id="rId10"/>
-    <p:sldId id="265" r:id="rId11"/>
-    <p:sldId id="266" r:id="rId12"/>
-    <p:sldId id="267" r:id="rId13"/>
-    <p:sldId id="268" r:id="rId14"/>
-    <p:sldId id="270" r:id="rId15"/>
-    <p:sldId id="271" r:id="rId16"/>
-    <p:sldId id="273" r:id="rId17"/>
-    <p:sldId id="274" r:id="rId18"/>
-    <p:sldId id="275" r:id="rId19"/>
+    <p:sldId id="276" r:id="rId8"/>
+    <p:sldId id="262" r:id="rId9"/>
+    <p:sldId id="263" r:id="rId10"/>
+    <p:sldId id="264" r:id="rId11"/>
+    <p:sldId id="265" r:id="rId12"/>
+    <p:sldId id="266" r:id="rId13"/>
+    <p:sldId id="267" r:id="rId14"/>
+    <p:sldId id="268" r:id="rId15"/>
+    <p:sldId id="270" r:id="rId16"/>
+    <p:sldId id="271" r:id="rId17"/>
+    <p:sldId id="273" r:id="rId18"/>
+    <p:sldId id="274" r:id="rId19"/>
+    <p:sldId id="275" r:id="rId20"/>
   </p:sldIdLst>
   <p:sldSz cx="12192000" cy="6858000"/>
   <p:notesSz cx="6858000" cy="9144000"/>
@@ -3458,7 +3459,7 @@
           <a:p>
             <a:r>
               <a:rPr lang="en-US" dirty="0"/>
-              <a:t>Line Input</a:t>
+              <a:t>String Input</a:t>
             </a:r>
           </a:p>
         </p:txBody>
@@ -3496,25 +3497,25 @@
                 <a:latin typeface="Courier New" panose="02070309020205020404" pitchFamily="49" charset="0"/>
                 <a:cs typeface="Courier New" panose="02070309020205020404" pitchFamily="49" charset="0"/>
               </a:rPr>
-              <a:t>print('Enter line')</a:t>
-            </a:r>
-          </a:p>
-          <a:p>
-            <a:r>
-              <a:rPr lang="en-US" dirty="0">
-                <a:latin typeface="Courier New" panose="02070309020205020404" pitchFamily="49" charset="0"/>
-                <a:cs typeface="Courier New" panose="02070309020205020404" pitchFamily="49" charset="0"/>
-              </a:rPr>
-              <a:t>line = input()</a:t>
-            </a:r>
-          </a:p>
-          <a:p>
-            <a:r>
-              <a:rPr lang="en-US" dirty="0">
-                <a:latin typeface="Courier New" panose="02070309020205020404" pitchFamily="49" charset="0"/>
-                <a:cs typeface="Courier New" panose="02070309020205020404" pitchFamily="49" charset="0"/>
-              </a:rPr>
-              <a:t>print('Line:', line)</a:t>
+              <a:t>print('Enter name')</a:t>
+            </a:r>
+          </a:p>
+          <a:p>
+            <a:r>
+              <a:rPr lang="en-US" dirty="0">
+                <a:latin typeface="Courier New" panose="02070309020205020404" pitchFamily="49" charset="0"/>
+                <a:cs typeface="Courier New" panose="02070309020205020404" pitchFamily="49" charset="0"/>
+              </a:rPr>
+              <a:t>name = input()</a:t>
+            </a:r>
+          </a:p>
+          <a:p>
+            <a:r>
+              <a:rPr lang="en-US" dirty="0">
+                <a:latin typeface="Courier New" panose="02070309020205020404" pitchFamily="49" charset="0"/>
+                <a:cs typeface="Courier New" panose="02070309020205020404" pitchFamily="49" charset="0"/>
+              </a:rPr>
+              <a:t>print('Hello', name)</a:t>
             </a:r>
           </a:p>
         </p:txBody>
@@ -3584,7 +3585,7 @@
                 <a:latin typeface="Courier New" panose="02070309020205020404" pitchFamily="49" charset="0"/>
                 <a:cs typeface="Courier New" panose="02070309020205020404" pitchFamily="49" charset="0"/>
               </a:rPr>
-              <a:t>    char line[1000];</a:t>
+              <a:t>    char name[100];</a:t>
             </a:r>
             <a:endParaRPr lang="en-US" b="1" dirty="0">
               <a:latin typeface="Courier New" panose="02070309020205020404" pitchFamily="49" charset="0"/>
@@ -3611,7 +3612,7 @@
                 <a:latin typeface="Courier New" panose="02070309020205020404" pitchFamily="49" charset="0"/>
                 <a:cs typeface="Courier New" panose="02070309020205020404" pitchFamily="49" charset="0"/>
               </a:rPr>
-              <a:t>("Enter line\n");</a:t>
+              <a:t>("Enter name\n");</a:t>
             </a:r>
           </a:p>
           <a:p>
@@ -3634,7 +3635,7 @@
                 <a:latin typeface="Courier New" panose="02070309020205020404" pitchFamily="49" charset="0"/>
                 <a:cs typeface="Courier New" panose="02070309020205020404" pitchFamily="49" charset="0"/>
               </a:rPr>
-              <a:t>("%[^\n]1000s", line);</a:t>
+              <a:t>("%100s", name);</a:t>
             </a:r>
           </a:p>
           <a:p>
@@ -3657,7 +3658,7 @@
                 <a:latin typeface="Courier New" panose="02070309020205020404" pitchFamily="49" charset="0"/>
                 <a:cs typeface="Courier New" panose="02070309020205020404" pitchFamily="49" charset="0"/>
               </a:rPr>
-              <a:t>("Line: %s\n", line);</a:t>
+              <a:t>("Hello %s\n", name);</a:t>
             </a:r>
           </a:p>
           <a:p>
@@ -3686,7 +3687,7 @@
         <p:spPr>
           <a:xfrm>
             <a:off x="954156" y="4200590"/>
-            <a:ext cx="5009705" cy="923330"/>
+            <a:ext cx="1701107" cy="923330"/>
           </a:xfrm>
           <a:prstGeom prst="rect">
             <a:avLst/>
@@ -3703,7 +3704,7 @@
               <a:rPr lang="en-US" dirty="0">
                 <a:latin typeface="Monaco" pitchFamily="2" charset="77"/>
               </a:rPr>
-              <a:t>Enter line</a:t>
+              <a:t>Enter name</a:t>
             </a:r>
           </a:p>
           <a:p>
@@ -3711,7 +3712,7 @@
               <a:rPr lang="en-US" b="1" dirty="0">
                 <a:latin typeface="Monaco" pitchFamily="2" charset="77"/>
               </a:rPr>
-              <a:t>Hello world - have a nice day</a:t>
+              <a:t>Sarah</a:t>
             </a:r>
           </a:p>
           <a:p>
@@ -3719,7 +3720,7 @@
               <a:rPr lang="en-US" dirty="0">
                 <a:latin typeface="Monaco" pitchFamily="2" charset="77"/>
               </a:rPr>
-              <a:t>Line: Hello world - have a nice day</a:t>
+              <a:t>Hello Sarah</a:t>
             </a:r>
           </a:p>
         </p:txBody>
@@ -3729,7 +3730,7 @@
           <p:cNvPr id="8" name="TextBox 7">
             <a:extLst>
               <a:ext uri="{FF2B5EF4-FFF2-40B4-BE49-F238E27FC236}">
-                <a16:creationId xmlns:a16="http://schemas.microsoft.com/office/drawing/2014/main" id="{7A44232A-55BC-5745-7C8F-B12E691A9A45}"/>
+                <a16:creationId xmlns:a16="http://schemas.microsoft.com/office/drawing/2014/main" id="{75CF0506-F045-000E-B8E8-AFF9EA53CB9C}"/>
               </a:ext>
             </a:extLst>
           </p:cNvPr>
@@ -3760,7 +3761,7 @@
                 <a:effectLst/>
                 <a:latin typeface="Menlo" panose="020B0609030804020204" pitchFamily="49" charset="0"/>
               </a:rPr>
-              <a:t>cc_02_04.</a:t>
+              <a:t>cc_02_03.</a:t>
             </a:r>
             <a:r>
               <a:rPr lang="en-US" sz="1600" dirty="0">
@@ -3784,7 +3785,7 @@
     </p:spTree>
     <p:extLst>
       <p:ext uri="{BB962C8B-B14F-4D97-AF65-F5344CB8AC3E}">
-        <p14:creationId xmlns:p14="http://schemas.microsoft.com/office/powerpoint/2010/main" val="1311538875"/>
+        <p14:creationId xmlns:p14="http://schemas.microsoft.com/office/powerpoint/2010/main" val="2945285699"/>
       </p:ext>
     </p:extLst>
   </p:cSld>
@@ -3834,7 +3835,7 @@
           <a:p>
             <a:r>
               <a:rPr lang="en-US" dirty="0"/>
-              <a:t>Line Input (safe)</a:t>
+              <a:t>Line Input</a:t>
             </a:r>
           </a:p>
         </p:txBody>
@@ -4003,14 +4004,14 @@
                 <a:latin typeface="Courier New" panose="02070309020205020404" pitchFamily="49" charset="0"/>
                 <a:cs typeface="Courier New" panose="02070309020205020404" pitchFamily="49" charset="0"/>
               </a:rPr>
-              <a:t>fgets</a:t>
-            </a:r>
-            <a:r>
-              <a:rPr lang="en-US" dirty="0">
-                <a:latin typeface="Courier New" panose="02070309020205020404" pitchFamily="49" charset="0"/>
-                <a:cs typeface="Courier New" panose="02070309020205020404" pitchFamily="49" charset="0"/>
-              </a:rPr>
-              <a:t>(line, 1000, stdin);</a:t>
+              <a:t>scanf</a:t>
+            </a:r>
+            <a:r>
+              <a:rPr lang="en-US" dirty="0">
+                <a:latin typeface="Courier New" panose="02070309020205020404" pitchFamily="49" charset="0"/>
+                <a:cs typeface="Courier New" panose="02070309020205020404" pitchFamily="49" charset="0"/>
+              </a:rPr>
+              <a:t>("%[^\n]1000s", line);</a:t>
             </a:r>
           </a:p>
           <a:p>
@@ -4105,7 +4106,7 @@
           <p:cNvPr id="8" name="TextBox 7">
             <a:extLst>
               <a:ext uri="{FF2B5EF4-FFF2-40B4-BE49-F238E27FC236}">
-                <a16:creationId xmlns:a16="http://schemas.microsoft.com/office/drawing/2014/main" id="{283B718D-9746-DB0F-BC19-822E89CD93AC}"/>
+                <a16:creationId xmlns:a16="http://schemas.microsoft.com/office/drawing/2014/main" id="{7A44232A-55BC-5745-7C8F-B12E691A9A45}"/>
               </a:ext>
             </a:extLst>
           </p:cNvPr>
@@ -4136,7 +4137,7 @@
                 <a:effectLst/>
                 <a:latin typeface="Menlo" panose="020B0609030804020204" pitchFamily="49" charset="0"/>
               </a:rPr>
-              <a:t>cc_02_09.</a:t>
+              <a:t>cc_02_04.</a:t>
             </a:r>
             <a:r>
               <a:rPr lang="en-US" sz="1600" dirty="0">
@@ -4160,7 +4161,7 @@
     </p:spTree>
     <p:extLst>
       <p:ext uri="{BB962C8B-B14F-4D97-AF65-F5344CB8AC3E}">
-        <p14:creationId xmlns:p14="http://schemas.microsoft.com/office/powerpoint/2010/main" val="2081602882"/>
+        <p14:creationId xmlns:p14="http://schemas.microsoft.com/office/powerpoint/2010/main" val="1311538875"/>
       </p:ext>
     </p:extLst>
   </p:cSld>
@@ -4210,7 +4211,7 @@
           <a:p>
             <a:r>
               <a:rPr lang="en-US" dirty="0"/>
-              <a:t>Read A File</a:t>
+              <a:t>Line Input (safe)</a:t>
             </a:r>
           </a:p>
         </p:txBody>
@@ -4230,7 +4231,7 @@
         <p:spPr>
           <a:xfrm>
             <a:off x="954156" y="1682693"/>
-            <a:ext cx="3493264" cy="923330"/>
+            <a:ext cx="2941831" cy="923330"/>
           </a:xfrm>
           <a:prstGeom prst="rect">
             <a:avLst/>
@@ -4248,53 +4249,25 @@
                 <a:latin typeface="Courier New" panose="02070309020205020404" pitchFamily="49" charset="0"/>
                 <a:cs typeface="Courier New" panose="02070309020205020404" pitchFamily="49" charset="0"/>
               </a:rPr>
-              <a:t>hand = open('</a:t>
-            </a:r>
-            <a:r>
-              <a:rPr lang="en-US" dirty="0" err="1">
-                <a:latin typeface="Courier New" panose="02070309020205020404" pitchFamily="49" charset="0"/>
-                <a:cs typeface="Courier New" panose="02070309020205020404" pitchFamily="49" charset="0"/>
-              </a:rPr>
-              <a:t>romeo.txt</a:t>
-            </a:r>
-            <a:r>
-              <a:rPr lang="en-US" dirty="0">
-                <a:latin typeface="Courier New" panose="02070309020205020404" pitchFamily="49" charset="0"/>
-                <a:cs typeface="Courier New" panose="02070309020205020404" pitchFamily="49" charset="0"/>
-              </a:rPr>
-              <a:t>')</a:t>
-            </a:r>
-          </a:p>
-          <a:p>
-            <a:r>
-              <a:rPr lang="en-US" dirty="0">
-                <a:latin typeface="Courier New" panose="02070309020205020404" pitchFamily="49" charset="0"/>
-                <a:cs typeface="Courier New" panose="02070309020205020404" pitchFamily="49" charset="0"/>
-              </a:rPr>
-              <a:t>for line in hand:</a:t>
-            </a:r>
-          </a:p>
-          <a:p>
-            <a:r>
-              <a:rPr lang="en-US" dirty="0">
-                <a:latin typeface="Courier New" panose="02070309020205020404" pitchFamily="49" charset="0"/>
-                <a:cs typeface="Courier New" panose="02070309020205020404" pitchFamily="49" charset="0"/>
-              </a:rPr>
-              <a:t>    print(</a:t>
-            </a:r>
-            <a:r>
-              <a:rPr lang="en-US" dirty="0" err="1">
-                <a:latin typeface="Courier New" panose="02070309020205020404" pitchFamily="49" charset="0"/>
-                <a:cs typeface="Courier New" panose="02070309020205020404" pitchFamily="49" charset="0"/>
-              </a:rPr>
-              <a:t>line.strip</a:t>
-            </a:r>
-            <a:r>
-              <a:rPr lang="en-US" dirty="0">
-                <a:latin typeface="Courier New" panose="02070309020205020404" pitchFamily="49" charset="0"/>
-                <a:cs typeface="Courier New" panose="02070309020205020404" pitchFamily="49" charset="0"/>
-              </a:rPr>
-              <a:t>())</a:t>
+              <a:t>print('Enter line')</a:t>
+            </a:r>
+          </a:p>
+          <a:p>
+            <a:r>
+              <a:rPr lang="en-US" dirty="0">
+                <a:latin typeface="Courier New" panose="02070309020205020404" pitchFamily="49" charset="0"/>
+                <a:cs typeface="Courier New" panose="02070309020205020404" pitchFamily="49" charset="0"/>
+              </a:rPr>
+              <a:t>line = input()</a:t>
+            </a:r>
+          </a:p>
+          <a:p>
+            <a:r>
+              <a:rPr lang="en-US" dirty="0">
+                <a:latin typeface="Courier New" panose="02070309020205020404" pitchFamily="49" charset="0"/>
+                <a:cs typeface="Courier New" panose="02070309020205020404" pitchFamily="49" charset="0"/>
+              </a:rPr>
+              <a:t>print('Line:', line)</a:t>
             </a:r>
           </a:p>
         </p:txBody>
@@ -4313,8 +4286,8 @@
         </p:nvSpPr>
         <p:spPr>
           <a:xfrm>
-            <a:off x="5293487" y="1027906"/>
-            <a:ext cx="6526146" cy="2585323"/>
+            <a:off x="6322193" y="1027906"/>
+            <a:ext cx="4458272" cy="2031325"/>
           </a:xfrm>
           <a:prstGeom prst="rect">
             <a:avLst/>
@@ -4366,89 +4339,70 @@
               </a:rPr>
               <a:t>    char line[1000];</a:t>
             </a:r>
-          </a:p>
-          <a:p>
-            <a:r>
-              <a:rPr lang="en-US" dirty="0">
-                <a:latin typeface="Courier New" panose="02070309020205020404" pitchFamily="49" charset="0"/>
-                <a:cs typeface="Courier New" panose="02070309020205020404" pitchFamily="49" charset="0"/>
-              </a:rPr>
-              <a:t>    FILE *hand;</a:t>
-            </a:r>
-          </a:p>
-          <a:p>
-            <a:r>
-              <a:rPr lang="en-US" dirty="0">
-                <a:latin typeface="Courier New" panose="02070309020205020404" pitchFamily="49" charset="0"/>
-                <a:cs typeface="Courier New" panose="02070309020205020404" pitchFamily="49" charset="0"/>
-              </a:rPr>
-              <a:t>    hand = </a:t>
+            <a:endParaRPr lang="en-US" b="1" dirty="0">
+              <a:latin typeface="Courier New" panose="02070309020205020404" pitchFamily="49" charset="0"/>
+              <a:cs typeface="Courier New" panose="02070309020205020404" pitchFamily="49" charset="0"/>
+            </a:endParaRPr>
+          </a:p>
+          <a:p>
+            <a:r>
+              <a:rPr lang="en-US" dirty="0">
+                <a:latin typeface="Courier New" panose="02070309020205020404" pitchFamily="49" charset="0"/>
+                <a:cs typeface="Courier New" panose="02070309020205020404" pitchFamily="49" charset="0"/>
+              </a:rPr>
+              <a:t>    </a:t>
             </a:r>
             <a:r>
               <a:rPr lang="en-US" dirty="0" err="1">
                 <a:latin typeface="Courier New" panose="02070309020205020404" pitchFamily="49" charset="0"/>
                 <a:cs typeface="Courier New" panose="02070309020205020404" pitchFamily="49" charset="0"/>
               </a:rPr>
-              <a:t>fopen</a:t>
-            </a:r>
-            <a:r>
-              <a:rPr lang="en-US" dirty="0">
-                <a:latin typeface="Courier New" panose="02070309020205020404" pitchFamily="49" charset="0"/>
-                <a:cs typeface="Courier New" panose="02070309020205020404" pitchFamily="49" charset="0"/>
-              </a:rPr>
-              <a:t>("</a:t>
+              <a:t>printf</a:t>
+            </a:r>
+            <a:r>
+              <a:rPr lang="en-US" dirty="0">
+                <a:latin typeface="Courier New" panose="02070309020205020404" pitchFamily="49" charset="0"/>
+                <a:cs typeface="Courier New" panose="02070309020205020404" pitchFamily="49" charset="0"/>
+              </a:rPr>
+              <a:t>("Enter line\n");</a:t>
+            </a:r>
+          </a:p>
+          <a:p>
+            <a:r>
+              <a:rPr lang="en-US" dirty="0">
+                <a:latin typeface="Courier New" panose="02070309020205020404" pitchFamily="49" charset="0"/>
+                <a:cs typeface="Courier New" panose="02070309020205020404" pitchFamily="49" charset="0"/>
+              </a:rPr>
+              <a:t>    </a:t>
             </a:r>
             <a:r>
               <a:rPr lang="en-US" dirty="0" err="1">
                 <a:latin typeface="Courier New" panose="02070309020205020404" pitchFamily="49" charset="0"/>
                 <a:cs typeface="Courier New" panose="02070309020205020404" pitchFamily="49" charset="0"/>
               </a:rPr>
-              <a:t>romeo.txt</a:t>
-            </a:r>
-            <a:r>
-              <a:rPr lang="en-US" dirty="0">
-                <a:latin typeface="Courier New" panose="02070309020205020404" pitchFamily="49" charset="0"/>
-                <a:cs typeface="Courier New" panose="02070309020205020404" pitchFamily="49" charset="0"/>
-              </a:rPr>
-              <a:t>", "r");</a:t>
-            </a:r>
-          </a:p>
-          <a:p>
-            <a:r>
-              <a:rPr lang="en-US" dirty="0">
-                <a:latin typeface="Courier New" panose="02070309020205020404" pitchFamily="49" charset="0"/>
-                <a:cs typeface="Courier New" panose="02070309020205020404" pitchFamily="49" charset="0"/>
-              </a:rPr>
-              <a:t>    while( </a:t>
+              <a:t>fgets</a:t>
+            </a:r>
+            <a:r>
+              <a:rPr lang="en-US" dirty="0">
+                <a:latin typeface="Courier New" panose="02070309020205020404" pitchFamily="49" charset="0"/>
+                <a:cs typeface="Courier New" panose="02070309020205020404" pitchFamily="49" charset="0"/>
+              </a:rPr>
+              <a:t>(line, 1000, stdin);</a:t>
+            </a:r>
+          </a:p>
+          <a:p>
+            <a:r>
+              <a:rPr lang="en-US" dirty="0">
+                <a:latin typeface="Courier New" panose="02070309020205020404" pitchFamily="49" charset="0"/>
+                <a:cs typeface="Courier New" panose="02070309020205020404" pitchFamily="49" charset="0"/>
+              </a:rPr>
+              <a:t>    </a:t>
             </a:r>
             <a:r>
               <a:rPr lang="en-US" dirty="0" err="1">
                 <a:latin typeface="Courier New" panose="02070309020205020404" pitchFamily="49" charset="0"/>
                 <a:cs typeface="Courier New" panose="02070309020205020404" pitchFamily="49" charset="0"/>
               </a:rPr>
-              <a:t>fgets</a:t>
-            </a:r>
-            <a:r>
-              <a:rPr lang="en-US" dirty="0">
-                <a:latin typeface="Courier New" panose="02070309020205020404" pitchFamily="49" charset="0"/>
-                <a:cs typeface="Courier New" panose="02070309020205020404" pitchFamily="49" charset="0"/>
-              </a:rPr>
-              <a:t>(line, 1000, hand) != NULL ) {</a:t>
-            </a:r>
-          </a:p>
-          <a:p>
-            <a:r>
-              <a:rPr lang="en-US" dirty="0">
-                <a:latin typeface="Courier New" panose="02070309020205020404" pitchFamily="49" charset="0"/>
-                <a:cs typeface="Courier New" panose="02070309020205020404" pitchFamily="49" charset="0"/>
-              </a:rPr>
-              <a:t>        </a:t>
-            </a:r>
-            <a:r>
-              <a:rPr lang="en-US" dirty="0" err="1">
-                <a:latin typeface="Courier New" panose="02070309020205020404" pitchFamily="49" charset="0"/>
-                <a:cs typeface="Courier New" panose="02070309020205020404" pitchFamily="49" charset="0"/>
-              </a:rPr>
               <a:t>printf</a:t>
             </a:r>
             <a:r>
@@ -4456,16 +4410,7 @@
                 <a:latin typeface="Courier New" panose="02070309020205020404" pitchFamily="49" charset="0"/>
                 <a:cs typeface="Courier New" panose="02070309020205020404" pitchFamily="49" charset="0"/>
               </a:rPr>
-              <a:t>("%s", line);</a:t>
-            </a:r>
-          </a:p>
-          <a:p>
-            <a:r>
-              <a:rPr lang="en-US" dirty="0">
-                <a:latin typeface="Courier New" panose="02070309020205020404" pitchFamily="49" charset="0"/>
-                <a:cs typeface="Courier New" panose="02070309020205020404" pitchFamily="49" charset="0"/>
-              </a:rPr>
-              <a:t>    }</a:t>
+              <a:t>("Line: %s\n", line);</a:t>
             </a:r>
           </a:p>
           <a:p>
@@ -4494,7 +4439,7 @@
         <p:spPr>
           <a:xfrm>
             <a:off x="954156" y="4200590"/>
-            <a:ext cx="6801862" cy="1200329"/>
+            <a:ext cx="5009705" cy="923330"/>
           </a:xfrm>
           <a:prstGeom prst="rect">
             <a:avLst/>
@@ -4511,15 +4456,15 @@
               <a:rPr lang="en-US" dirty="0">
                 <a:latin typeface="Monaco" pitchFamily="2" charset="77"/>
               </a:rPr>
-              <a:t>But soft what light through yonder window breaks</a:t>
-            </a:r>
-          </a:p>
-          <a:p>
-            <a:r>
-              <a:rPr lang="en-US" dirty="0">
+              <a:t>Enter line</a:t>
+            </a:r>
+          </a:p>
+          <a:p>
+            <a:r>
+              <a:rPr lang="en-US" b="1" dirty="0">
                 <a:latin typeface="Monaco" pitchFamily="2" charset="77"/>
               </a:rPr>
-              <a:t>It is the east and Juliet is the sun</a:t>
+              <a:t>Hello world - have a nice day</a:t>
             </a:r>
           </a:p>
           <a:p>
@@ -4527,15 +4472,7 @@
               <a:rPr lang="en-US" dirty="0">
                 <a:latin typeface="Monaco" pitchFamily="2" charset="77"/>
               </a:rPr>
-              <a:t>Arise fair sun and kill the envious moon</a:t>
-            </a:r>
-          </a:p>
-          <a:p>
-            <a:r>
-              <a:rPr lang="en-US" dirty="0">
-                <a:latin typeface="Monaco" pitchFamily="2" charset="77"/>
-              </a:rPr>
-              <a:t>Who is already sick and pale with grief</a:t>
+              <a:t>Line: Hello world - have a nice day</a:t>
             </a:r>
           </a:p>
         </p:txBody>
@@ -4545,7 +4482,7 @@
           <p:cNvPr id="8" name="TextBox 7">
             <a:extLst>
               <a:ext uri="{FF2B5EF4-FFF2-40B4-BE49-F238E27FC236}">
-                <a16:creationId xmlns:a16="http://schemas.microsoft.com/office/drawing/2014/main" id="{7C6B6CA9-47F0-59DF-DF09-8741C9A2B62F}"/>
+                <a16:creationId xmlns:a16="http://schemas.microsoft.com/office/drawing/2014/main" id="{283B718D-9746-DB0F-BC19-822E89CD93AC}"/>
               </a:ext>
             </a:extLst>
           </p:cNvPr>
@@ -4576,15 +4513,31 @@
                 <a:effectLst/>
                 <a:latin typeface="Menlo" panose="020B0609030804020204" pitchFamily="49" charset="0"/>
               </a:rPr>
-              <a:t>cc_02_06.c</a:t>
-            </a:r>
+              <a:t>cc_02_09.</a:t>
+            </a:r>
+            <a:r>
+              <a:rPr lang="en-US" sz="1600" dirty="0">
+                <a:solidFill>
+                  <a:srgbClr val="000000"/>
+                </a:solidFill>
+                <a:latin typeface="Menlo" panose="020B0609030804020204" pitchFamily="49" charset="0"/>
+              </a:rPr>
+              <a:t>c</a:t>
+            </a:r>
+            <a:endParaRPr lang="en-US" sz="1600" dirty="0">
+              <a:solidFill>
+                <a:srgbClr val="000000"/>
+              </a:solidFill>
+              <a:effectLst/>
+              <a:latin typeface="Menlo" panose="020B0609030804020204" pitchFamily="49" charset="0"/>
+            </a:endParaRPr>
           </a:p>
         </p:txBody>
       </p:sp>
     </p:spTree>
     <p:extLst>
       <p:ext uri="{BB962C8B-B14F-4D97-AF65-F5344CB8AC3E}">
-        <p14:creationId xmlns:p14="http://schemas.microsoft.com/office/powerpoint/2010/main" val="224831238"/>
+        <p14:creationId xmlns:p14="http://schemas.microsoft.com/office/powerpoint/2010/main" val="2081602882"/>
       </p:ext>
     </p:extLst>
   </p:cSld>
@@ -4634,7 +4587,7 @@
           <a:p>
             <a:r>
               <a:rPr lang="en-US" dirty="0"/>
-              <a:t>Counted Loop</a:t>
+              <a:t>Read A File</a:t>
             </a:r>
           </a:p>
         </p:txBody>
@@ -4654,7 +4607,7 @@
         <p:spPr>
           <a:xfrm>
             <a:off x="954156" y="1682693"/>
-            <a:ext cx="2803973" cy="646331"/>
+            <a:ext cx="3493264" cy="923330"/>
           </a:xfrm>
           <a:prstGeom prst="rect">
             <a:avLst/>
@@ -4672,21 +4625,30 @@
                 <a:latin typeface="Courier New" panose="02070309020205020404" pitchFamily="49" charset="0"/>
                 <a:cs typeface="Courier New" panose="02070309020205020404" pitchFamily="49" charset="0"/>
               </a:rPr>
-              <a:t>for </a:t>
+              <a:t>hand = open('</a:t>
             </a:r>
             <a:r>
               <a:rPr lang="en-US" dirty="0" err="1">
                 <a:latin typeface="Courier New" panose="02070309020205020404" pitchFamily="49" charset="0"/>
                 <a:cs typeface="Courier New" panose="02070309020205020404" pitchFamily="49" charset="0"/>
               </a:rPr>
-              <a:t>i</a:t>
-            </a:r>
-            <a:r>
-              <a:rPr lang="en-US" dirty="0">
-                <a:latin typeface="Courier New" panose="02070309020205020404" pitchFamily="49" charset="0"/>
-                <a:cs typeface="Courier New" panose="02070309020205020404" pitchFamily="49" charset="0"/>
-              </a:rPr>
-              <a:t> in range(5) :</a:t>
+              <a:t>romeo.txt</a:t>
+            </a:r>
+            <a:r>
+              <a:rPr lang="en-US" dirty="0">
+                <a:latin typeface="Courier New" panose="02070309020205020404" pitchFamily="49" charset="0"/>
+                <a:cs typeface="Courier New" panose="02070309020205020404" pitchFamily="49" charset="0"/>
+              </a:rPr>
+              <a:t>')</a:t>
+            </a:r>
+          </a:p>
+          <a:p>
+            <a:r>
+              <a:rPr lang="en-US" dirty="0">
+                <a:latin typeface="Courier New" panose="02070309020205020404" pitchFamily="49" charset="0"/>
+                <a:cs typeface="Courier New" panose="02070309020205020404" pitchFamily="49" charset="0"/>
+              </a:rPr>
+              <a:t>for line in hand:</a:t>
             </a:r>
           </a:p>
           <a:p>
@@ -4702,14 +4664,14 @@
                 <a:latin typeface="Courier New" panose="02070309020205020404" pitchFamily="49" charset="0"/>
                 <a:cs typeface="Courier New" panose="02070309020205020404" pitchFamily="49" charset="0"/>
               </a:rPr>
-              <a:t>i</a:t>
-            </a:r>
-            <a:r>
-              <a:rPr lang="en-US" dirty="0">
-                <a:latin typeface="Courier New" panose="02070309020205020404" pitchFamily="49" charset="0"/>
-                <a:cs typeface="Courier New" panose="02070309020205020404" pitchFamily="49" charset="0"/>
-              </a:rPr>
-              <a:t>)</a:t>
+              <a:t>line.strip</a:t>
+            </a:r>
+            <a:r>
+              <a:rPr lang="en-US" dirty="0">
+                <a:latin typeface="Courier New" panose="02070309020205020404" pitchFamily="49" charset="0"/>
+                <a:cs typeface="Courier New" panose="02070309020205020404" pitchFamily="49" charset="0"/>
+              </a:rPr>
+              <a:t>())</a:t>
             </a:r>
           </a:p>
         </p:txBody>
@@ -4729,7 +4691,7 @@
         <p:spPr>
           <a:xfrm>
             <a:off x="5293487" y="1027906"/>
-            <a:ext cx="3631122" cy="2031325"/>
+            <a:ext cx="6526146" cy="2585323"/>
           </a:xfrm>
           <a:prstGeom prst="rect">
             <a:avLst/>
@@ -4779,87 +4741,91 @@
                 <a:latin typeface="Courier New" panose="02070309020205020404" pitchFamily="49" charset="0"/>
                 <a:cs typeface="Courier New" panose="02070309020205020404" pitchFamily="49" charset="0"/>
               </a:rPr>
-              <a:t>    int </a:t>
+              <a:t>    char line[1000];</a:t>
+            </a:r>
+          </a:p>
+          <a:p>
+            <a:r>
+              <a:rPr lang="en-US" dirty="0">
+                <a:latin typeface="Courier New" panose="02070309020205020404" pitchFamily="49" charset="0"/>
+                <a:cs typeface="Courier New" panose="02070309020205020404" pitchFamily="49" charset="0"/>
+              </a:rPr>
+              <a:t>    FILE *hand;</a:t>
+            </a:r>
+          </a:p>
+          <a:p>
+            <a:r>
+              <a:rPr lang="en-US" dirty="0">
+                <a:latin typeface="Courier New" panose="02070309020205020404" pitchFamily="49" charset="0"/>
+                <a:cs typeface="Courier New" panose="02070309020205020404" pitchFamily="49" charset="0"/>
+              </a:rPr>
+              <a:t>    hand = </a:t>
             </a:r>
             <a:r>
               <a:rPr lang="en-US" dirty="0" err="1">
                 <a:latin typeface="Courier New" panose="02070309020205020404" pitchFamily="49" charset="0"/>
                 <a:cs typeface="Courier New" panose="02070309020205020404" pitchFamily="49" charset="0"/>
               </a:rPr>
-              <a:t>i</a:t>
-            </a:r>
-            <a:r>
-              <a:rPr lang="en-US" dirty="0">
-                <a:latin typeface="Courier New" panose="02070309020205020404" pitchFamily="49" charset="0"/>
-                <a:cs typeface="Courier New" panose="02070309020205020404" pitchFamily="49" charset="0"/>
-              </a:rPr>
-              <a:t>;</a:t>
-            </a:r>
-          </a:p>
-          <a:p>
-            <a:r>
-              <a:rPr lang="en-US" dirty="0">
-                <a:latin typeface="Courier New" panose="02070309020205020404" pitchFamily="49" charset="0"/>
-                <a:cs typeface="Courier New" panose="02070309020205020404" pitchFamily="49" charset="0"/>
-              </a:rPr>
-              <a:t>    for(</a:t>
+              <a:t>fopen</a:t>
+            </a:r>
+            <a:r>
+              <a:rPr lang="en-US" dirty="0">
+                <a:latin typeface="Courier New" panose="02070309020205020404" pitchFamily="49" charset="0"/>
+                <a:cs typeface="Courier New" panose="02070309020205020404" pitchFamily="49" charset="0"/>
+              </a:rPr>
+              <a:t>("</a:t>
             </a:r>
             <a:r>
               <a:rPr lang="en-US" dirty="0" err="1">
                 <a:latin typeface="Courier New" panose="02070309020205020404" pitchFamily="49" charset="0"/>
                 <a:cs typeface="Courier New" panose="02070309020205020404" pitchFamily="49" charset="0"/>
               </a:rPr>
-              <a:t>i</a:t>
-            </a:r>
-            <a:r>
-              <a:rPr lang="en-US" dirty="0">
-                <a:latin typeface="Courier New" panose="02070309020205020404" pitchFamily="49" charset="0"/>
-                <a:cs typeface="Courier New" panose="02070309020205020404" pitchFamily="49" charset="0"/>
-              </a:rPr>
-              <a:t>=0; </a:t>
+              <a:t>romeo.txt</a:t>
+            </a:r>
+            <a:r>
+              <a:rPr lang="en-US" dirty="0">
+                <a:latin typeface="Courier New" panose="02070309020205020404" pitchFamily="49" charset="0"/>
+                <a:cs typeface="Courier New" panose="02070309020205020404" pitchFamily="49" charset="0"/>
+              </a:rPr>
+              <a:t>", "r");</a:t>
+            </a:r>
+          </a:p>
+          <a:p>
+            <a:r>
+              <a:rPr lang="en-US" dirty="0">
+                <a:latin typeface="Courier New" panose="02070309020205020404" pitchFamily="49" charset="0"/>
+                <a:cs typeface="Courier New" panose="02070309020205020404" pitchFamily="49" charset="0"/>
+              </a:rPr>
+              <a:t>    while( </a:t>
             </a:r>
             <a:r>
               <a:rPr lang="en-US" dirty="0" err="1">
                 <a:latin typeface="Courier New" panose="02070309020205020404" pitchFamily="49" charset="0"/>
                 <a:cs typeface="Courier New" panose="02070309020205020404" pitchFamily="49" charset="0"/>
               </a:rPr>
-              <a:t>i</a:t>
-            </a:r>
-            <a:r>
-              <a:rPr lang="en-US" dirty="0">
-                <a:latin typeface="Courier New" panose="02070309020205020404" pitchFamily="49" charset="0"/>
-                <a:cs typeface="Courier New" panose="02070309020205020404" pitchFamily="49" charset="0"/>
-              </a:rPr>
-              <a:t>&lt;5; </a:t>
+              <a:t>fgets</a:t>
+            </a:r>
+            <a:r>
+              <a:rPr lang="en-US" dirty="0">
+                <a:latin typeface="Courier New" panose="02070309020205020404" pitchFamily="49" charset="0"/>
+                <a:cs typeface="Courier New" panose="02070309020205020404" pitchFamily="49" charset="0"/>
+              </a:rPr>
+              <a:t>(line, 1000, hand) != NULL ) {</a:t>
+            </a:r>
+          </a:p>
+          <a:p>
+            <a:r>
+              <a:rPr lang="en-US" dirty="0">
+                <a:latin typeface="Courier New" panose="02070309020205020404" pitchFamily="49" charset="0"/>
+                <a:cs typeface="Courier New" panose="02070309020205020404" pitchFamily="49" charset="0"/>
+              </a:rPr>
+              <a:t>        </a:t>
             </a:r>
             <a:r>
               <a:rPr lang="en-US" dirty="0" err="1">
                 <a:latin typeface="Courier New" panose="02070309020205020404" pitchFamily="49" charset="0"/>
                 <a:cs typeface="Courier New" panose="02070309020205020404" pitchFamily="49" charset="0"/>
               </a:rPr>
-              <a:t>i</a:t>
-            </a:r>
-            <a:r>
-              <a:rPr lang="en-US" dirty="0">
-                <a:latin typeface="Courier New" panose="02070309020205020404" pitchFamily="49" charset="0"/>
-                <a:cs typeface="Courier New" panose="02070309020205020404" pitchFamily="49" charset="0"/>
-              </a:rPr>
-              <a:t>++) {</a:t>
-            </a:r>
-          </a:p>
-          <a:p>
-            <a:r>
-              <a:rPr lang="en-US" dirty="0">
-                <a:latin typeface="Courier New" panose="02070309020205020404" pitchFamily="49" charset="0"/>
-                <a:cs typeface="Courier New" panose="02070309020205020404" pitchFamily="49" charset="0"/>
-              </a:rPr>
-              <a:t>        </a:t>
-            </a:r>
-            <a:r>
-              <a:rPr lang="en-US" dirty="0" err="1">
-                <a:latin typeface="Courier New" panose="02070309020205020404" pitchFamily="49" charset="0"/>
-                <a:cs typeface="Courier New" panose="02070309020205020404" pitchFamily="49" charset="0"/>
-              </a:rPr>
               <a:t>printf</a:t>
             </a:r>
             <a:r>
@@ -4867,30 +4833,16 @@
                 <a:latin typeface="Courier New" panose="02070309020205020404" pitchFamily="49" charset="0"/>
                 <a:cs typeface="Courier New" panose="02070309020205020404" pitchFamily="49" charset="0"/>
               </a:rPr>
-              <a:t>("%d\n",</a:t>
-            </a:r>
-            <a:r>
-              <a:rPr lang="en-US" dirty="0" err="1">
-                <a:latin typeface="Courier New" panose="02070309020205020404" pitchFamily="49" charset="0"/>
-                <a:cs typeface="Courier New" panose="02070309020205020404" pitchFamily="49" charset="0"/>
-              </a:rPr>
-              <a:t>i</a:t>
-            </a:r>
-            <a:r>
-              <a:rPr lang="en-US" dirty="0">
-                <a:latin typeface="Courier New" panose="02070309020205020404" pitchFamily="49" charset="0"/>
-                <a:cs typeface="Courier New" panose="02070309020205020404" pitchFamily="49" charset="0"/>
-              </a:rPr>
-              <a:t>);</a:t>
-            </a:r>
-          </a:p>
-          <a:p>
-            <a:r>
-              <a:rPr lang="en-US" dirty="0">
-                <a:latin typeface="Courier New" panose="02070309020205020404" pitchFamily="49" charset="0"/>
-                <a:cs typeface="Courier New" panose="02070309020205020404" pitchFamily="49" charset="0"/>
-              </a:rPr>
-              <a:t>    }   </a:t>
+              <a:t>("%s", line);</a:t>
+            </a:r>
+          </a:p>
+          <a:p>
+            <a:r>
+              <a:rPr lang="en-US" dirty="0">
+                <a:latin typeface="Courier New" panose="02070309020205020404" pitchFamily="49" charset="0"/>
+                <a:cs typeface="Courier New" panose="02070309020205020404" pitchFamily="49" charset="0"/>
+              </a:rPr>
+              <a:t>    }</a:t>
             </a:r>
           </a:p>
           <a:p>
@@ -4918,8 +4870,8 @@
         </p:nvSpPr>
         <p:spPr>
           <a:xfrm>
-            <a:off x="2646769" y="3790313"/>
-            <a:ext cx="322524" cy="1477328"/>
+            <a:off x="954156" y="4200590"/>
+            <a:ext cx="6801862" cy="1200329"/>
           </a:xfrm>
           <a:prstGeom prst="rect">
             <a:avLst/>
@@ -4936,7 +4888,7 @@
               <a:rPr lang="en-US" dirty="0">
                 <a:latin typeface="Monaco" pitchFamily="2" charset="77"/>
               </a:rPr>
-              <a:t>0</a:t>
+              <a:t>But soft what light through yonder window breaks</a:t>
             </a:r>
           </a:p>
           <a:p>
@@ -4944,7 +4896,7 @@
               <a:rPr lang="en-US" dirty="0">
                 <a:latin typeface="Monaco" pitchFamily="2" charset="77"/>
               </a:rPr>
-              <a:t>1</a:t>
+              <a:t>It is the east and Juliet is the sun</a:t>
             </a:r>
           </a:p>
           <a:p>
@@ -4952,7 +4904,7 @@
               <a:rPr lang="en-US" dirty="0">
                 <a:latin typeface="Monaco" pitchFamily="2" charset="77"/>
               </a:rPr>
-              <a:t>2</a:t>
+              <a:t>Arise fair sun and kill the envious moon</a:t>
             </a:r>
           </a:p>
           <a:p>
@@ -4960,15 +4912,7 @@
               <a:rPr lang="en-US" dirty="0">
                 <a:latin typeface="Monaco" pitchFamily="2" charset="77"/>
               </a:rPr>
-              <a:t>3</a:t>
-            </a:r>
-          </a:p>
-          <a:p>
-            <a:r>
-              <a:rPr lang="en-US" dirty="0">
-                <a:latin typeface="Monaco" pitchFamily="2" charset="77"/>
-              </a:rPr>
-              <a:t>4</a:t>
+              <a:t>Who is already sick and pale with grief</a:t>
             </a:r>
           </a:p>
         </p:txBody>
@@ -4978,7 +4922,7 @@
           <p:cNvPr id="8" name="TextBox 7">
             <a:extLst>
               <a:ext uri="{FF2B5EF4-FFF2-40B4-BE49-F238E27FC236}">
-                <a16:creationId xmlns:a16="http://schemas.microsoft.com/office/drawing/2014/main" id="{3CF08E69-CA57-FC40-50CD-99DCEC9E45DE}"/>
+                <a16:creationId xmlns:a16="http://schemas.microsoft.com/office/drawing/2014/main" id="{7C6B6CA9-47F0-59DF-DF09-8741C9A2B62F}"/>
               </a:ext>
             </a:extLst>
           </p:cNvPr>
@@ -5009,31 +4953,15 @@
                 <a:effectLst/>
                 <a:latin typeface="Menlo" panose="020B0609030804020204" pitchFamily="49" charset="0"/>
               </a:rPr>
-              <a:t>cc_02_07.</a:t>
-            </a:r>
-            <a:r>
-              <a:rPr lang="en-US" sz="1600" dirty="0">
-                <a:solidFill>
-                  <a:srgbClr val="000000"/>
-                </a:solidFill>
-                <a:latin typeface="Menlo" panose="020B0609030804020204" pitchFamily="49" charset="0"/>
-              </a:rPr>
-              <a:t>c</a:t>
-            </a:r>
-            <a:endParaRPr lang="en-US" sz="1600" dirty="0">
-              <a:solidFill>
-                <a:srgbClr val="000000"/>
-              </a:solidFill>
-              <a:effectLst/>
-              <a:latin typeface="Menlo" panose="020B0609030804020204" pitchFamily="49" charset="0"/>
-            </a:endParaRPr>
+              <a:t>cc_02_06.c</a:t>
+            </a:r>
           </a:p>
         </p:txBody>
       </p:sp>
     </p:spTree>
     <p:extLst>
       <p:ext uri="{BB962C8B-B14F-4D97-AF65-F5344CB8AC3E}">
-        <p14:creationId xmlns:p14="http://schemas.microsoft.com/office/powerpoint/2010/main" val="3946844952"/>
+        <p14:creationId xmlns:p14="http://schemas.microsoft.com/office/powerpoint/2010/main" val="224831238"/>
       </p:ext>
     </p:extLst>
   </p:cSld>
@@ -5083,7 +5011,7 @@
           <a:p>
             <a:r>
               <a:rPr lang="en-US" dirty="0"/>
-              <a:t>Max / Min</a:t>
+              <a:t>Counted Loop</a:t>
             </a:r>
           </a:p>
         </p:txBody>
@@ -5102,8 +5030,8 @@
         </p:nvSpPr>
         <p:spPr>
           <a:xfrm>
-            <a:off x="996477" y="1443841"/>
-            <a:ext cx="6112571" cy="3970318"/>
+            <a:off x="954156" y="1682693"/>
+            <a:ext cx="2803973" cy="646331"/>
           </a:xfrm>
           <a:prstGeom prst="rect">
             <a:avLst/>
@@ -5117,302 +5045,41 @@
           <a:lstStyle/>
           <a:p>
             <a:r>
+              <a:rPr lang="en-US" dirty="0">
+                <a:latin typeface="Courier New" panose="02070309020205020404" pitchFamily="49" charset="0"/>
+                <a:cs typeface="Courier New" panose="02070309020205020404" pitchFamily="49" charset="0"/>
+              </a:rPr>
+              <a:t>for </a:t>
+            </a:r>
+            <a:r>
               <a:rPr lang="en-US" dirty="0" err="1">
                 <a:latin typeface="Courier New" panose="02070309020205020404" pitchFamily="49" charset="0"/>
                 <a:cs typeface="Courier New" panose="02070309020205020404" pitchFamily="49" charset="0"/>
               </a:rPr>
-              <a:t>maxval</a:t>
-            </a:r>
-            <a:r>
-              <a:rPr lang="en-US" dirty="0">
-                <a:latin typeface="Courier New" panose="02070309020205020404" pitchFamily="49" charset="0"/>
-                <a:cs typeface="Courier New" panose="02070309020205020404" pitchFamily="49" charset="0"/>
-              </a:rPr>
-              <a:t> = None</a:t>
-            </a:r>
-          </a:p>
-          <a:p>
+              <a:t>i</a:t>
+            </a:r>
+            <a:r>
+              <a:rPr lang="en-US" dirty="0">
+                <a:latin typeface="Courier New" panose="02070309020205020404" pitchFamily="49" charset="0"/>
+                <a:cs typeface="Courier New" panose="02070309020205020404" pitchFamily="49" charset="0"/>
+              </a:rPr>
+              <a:t> in range(5) :</a:t>
+            </a:r>
+          </a:p>
+          <a:p>
+            <a:r>
+              <a:rPr lang="en-US" dirty="0">
+                <a:latin typeface="Courier New" panose="02070309020205020404" pitchFamily="49" charset="0"/>
+                <a:cs typeface="Courier New" panose="02070309020205020404" pitchFamily="49" charset="0"/>
+              </a:rPr>
+              <a:t>    print(</a:t>
+            </a:r>
             <a:r>
               <a:rPr lang="en-US" dirty="0" err="1">
                 <a:latin typeface="Courier New" panose="02070309020205020404" pitchFamily="49" charset="0"/>
                 <a:cs typeface="Courier New" panose="02070309020205020404" pitchFamily="49" charset="0"/>
               </a:rPr>
-              <a:t>minval</a:t>
-            </a:r>
-            <a:r>
-              <a:rPr lang="en-US" dirty="0">
-                <a:latin typeface="Courier New" panose="02070309020205020404" pitchFamily="49" charset="0"/>
-                <a:cs typeface="Courier New" panose="02070309020205020404" pitchFamily="49" charset="0"/>
-              </a:rPr>
-              <a:t> = None</a:t>
-            </a:r>
-          </a:p>
-          <a:p>
-            <a:r>
-              <a:rPr lang="en-US" dirty="0">
-                <a:latin typeface="Courier New" panose="02070309020205020404" pitchFamily="49" charset="0"/>
-                <a:cs typeface="Courier New" panose="02070309020205020404" pitchFamily="49" charset="0"/>
-              </a:rPr>
-              <a:t>while True:</a:t>
-            </a:r>
-          </a:p>
-          <a:p>
-            <a:r>
-              <a:rPr lang="en-US" dirty="0">
-                <a:latin typeface="Courier New" panose="02070309020205020404" pitchFamily="49" charset="0"/>
-                <a:cs typeface="Courier New" panose="02070309020205020404" pitchFamily="49" charset="0"/>
-              </a:rPr>
-              <a:t>    line = input()</a:t>
-            </a:r>
-          </a:p>
-          <a:p>
-            <a:r>
-              <a:rPr lang="en-US" dirty="0">
-                <a:latin typeface="Courier New" panose="02070309020205020404" pitchFamily="49" charset="0"/>
-                <a:cs typeface="Courier New" panose="02070309020205020404" pitchFamily="49" charset="0"/>
-              </a:rPr>
-              <a:t>    line = </a:t>
-            </a:r>
-            <a:r>
-              <a:rPr lang="en-US" dirty="0" err="1">
-                <a:latin typeface="Courier New" panose="02070309020205020404" pitchFamily="49" charset="0"/>
-                <a:cs typeface="Courier New" panose="02070309020205020404" pitchFamily="49" charset="0"/>
-              </a:rPr>
-              <a:t>line.strip</a:t>
-            </a:r>
-            <a:r>
-              <a:rPr lang="en-US" dirty="0">
-                <a:latin typeface="Courier New" panose="02070309020205020404" pitchFamily="49" charset="0"/>
-                <a:cs typeface="Courier New" panose="02070309020205020404" pitchFamily="49" charset="0"/>
-              </a:rPr>
-              <a:t>()</a:t>
-            </a:r>
-          </a:p>
-          <a:p>
-            <a:r>
-              <a:rPr lang="en-US" dirty="0">
-                <a:latin typeface="Courier New" panose="02070309020205020404" pitchFamily="49" charset="0"/>
-                <a:cs typeface="Courier New" panose="02070309020205020404" pitchFamily="49" charset="0"/>
-              </a:rPr>
-              <a:t>    if line == "done" : break</a:t>
-            </a:r>
-          </a:p>
-          <a:p>
-            <a:r>
-              <a:rPr lang="en-US" dirty="0">
-                <a:latin typeface="Courier New" panose="02070309020205020404" pitchFamily="49" charset="0"/>
-                <a:cs typeface="Courier New" panose="02070309020205020404" pitchFamily="49" charset="0"/>
-              </a:rPr>
-              <a:t>    </a:t>
-            </a:r>
-            <a:r>
-              <a:rPr lang="en-US" dirty="0" err="1">
-                <a:latin typeface="Courier New" panose="02070309020205020404" pitchFamily="49" charset="0"/>
-                <a:cs typeface="Courier New" panose="02070309020205020404" pitchFamily="49" charset="0"/>
-              </a:rPr>
-              <a:t>ival</a:t>
-            </a:r>
-            <a:r>
-              <a:rPr lang="en-US" dirty="0">
-                <a:latin typeface="Courier New" panose="02070309020205020404" pitchFamily="49" charset="0"/>
-                <a:cs typeface="Courier New" panose="02070309020205020404" pitchFamily="49" charset="0"/>
-              </a:rPr>
-              <a:t> = int(line)</a:t>
-            </a:r>
-          </a:p>
-          <a:p>
-            <a:r>
-              <a:rPr lang="en-US" dirty="0">
-                <a:latin typeface="Courier New" panose="02070309020205020404" pitchFamily="49" charset="0"/>
-                <a:cs typeface="Courier New" panose="02070309020205020404" pitchFamily="49" charset="0"/>
-              </a:rPr>
-              <a:t>    if ( </a:t>
-            </a:r>
-            <a:r>
-              <a:rPr lang="en-US" dirty="0" err="1">
-                <a:latin typeface="Courier New" panose="02070309020205020404" pitchFamily="49" charset="0"/>
-                <a:cs typeface="Courier New" panose="02070309020205020404" pitchFamily="49" charset="0"/>
-              </a:rPr>
-              <a:t>maxval</a:t>
-            </a:r>
-            <a:r>
-              <a:rPr lang="en-US" dirty="0">
-                <a:latin typeface="Courier New" panose="02070309020205020404" pitchFamily="49" charset="0"/>
-                <a:cs typeface="Courier New" panose="02070309020205020404" pitchFamily="49" charset="0"/>
-              </a:rPr>
-              <a:t> is None or </a:t>
-            </a:r>
-            <a:r>
-              <a:rPr lang="en-US" dirty="0" err="1">
-                <a:latin typeface="Courier New" panose="02070309020205020404" pitchFamily="49" charset="0"/>
-                <a:cs typeface="Courier New" panose="02070309020205020404" pitchFamily="49" charset="0"/>
-              </a:rPr>
-              <a:t>ival</a:t>
-            </a:r>
-            <a:r>
-              <a:rPr lang="en-US" dirty="0">
-                <a:latin typeface="Courier New" panose="02070309020205020404" pitchFamily="49" charset="0"/>
-                <a:cs typeface="Courier New" panose="02070309020205020404" pitchFamily="49" charset="0"/>
-              </a:rPr>
-              <a:t> &gt; </a:t>
-            </a:r>
-            <a:r>
-              <a:rPr lang="en-US" dirty="0" err="1">
-                <a:latin typeface="Courier New" panose="02070309020205020404" pitchFamily="49" charset="0"/>
-                <a:cs typeface="Courier New" panose="02070309020205020404" pitchFamily="49" charset="0"/>
-              </a:rPr>
-              <a:t>maxval</a:t>
-            </a:r>
-            <a:r>
-              <a:rPr lang="en-US" dirty="0">
-                <a:latin typeface="Courier New" panose="02070309020205020404" pitchFamily="49" charset="0"/>
-                <a:cs typeface="Courier New" panose="02070309020205020404" pitchFamily="49" charset="0"/>
-              </a:rPr>
-              <a:t>) :</a:t>
-            </a:r>
-          </a:p>
-          <a:p>
-            <a:r>
-              <a:rPr lang="en-US" dirty="0">
-                <a:latin typeface="Courier New" panose="02070309020205020404" pitchFamily="49" charset="0"/>
-                <a:cs typeface="Courier New" panose="02070309020205020404" pitchFamily="49" charset="0"/>
-              </a:rPr>
-              <a:t>        </a:t>
-            </a:r>
-            <a:r>
-              <a:rPr lang="en-US" dirty="0" err="1">
-                <a:latin typeface="Courier New" panose="02070309020205020404" pitchFamily="49" charset="0"/>
-                <a:cs typeface="Courier New" panose="02070309020205020404" pitchFamily="49" charset="0"/>
-              </a:rPr>
-              <a:t>maxval</a:t>
-            </a:r>
-            <a:r>
-              <a:rPr lang="en-US" dirty="0">
-                <a:latin typeface="Courier New" panose="02070309020205020404" pitchFamily="49" charset="0"/>
-                <a:cs typeface="Courier New" panose="02070309020205020404" pitchFamily="49" charset="0"/>
-              </a:rPr>
-              <a:t> = </a:t>
-            </a:r>
-            <a:r>
-              <a:rPr lang="en-US" dirty="0" err="1">
-                <a:latin typeface="Courier New" panose="02070309020205020404" pitchFamily="49" charset="0"/>
-                <a:cs typeface="Courier New" panose="02070309020205020404" pitchFamily="49" charset="0"/>
-              </a:rPr>
-              <a:t>ival</a:t>
-            </a:r>
-            <a:endParaRPr lang="en-US" dirty="0">
-              <a:latin typeface="Courier New" panose="02070309020205020404" pitchFamily="49" charset="0"/>
-              <a:cs typeface="Courier New" panose="02070309020205020404" pitchFamily="49" charset="0"/>
-            </a:endParaRPr>
-          </a:p>
-          <a:p>
-            <a:r>
-              <a:rPr lang="en-US" dirty="0">
-                <a:latin typeface="Courier New" panose="02070309020205020404" pitchFamily="49" charset="0"/>
-                <a:cs typeface="Courier New" panose="02070309020205020404" pitchFamily="49" charset="0"/>
-              </a:rPr>
-              <a:t>    if ( </a:t>
-            </a:r>
-            <a:r>
-              <a:rPr lang="en-US" dirty="0" err="1">
-                <a:latin typeface="Courier New" panose="02070309020205020404" pitchFamily="49" charset="0"/>
-                <a:cs typeface="Courier New" panose="02070309020205020404" pitchFamily="49" charset="0"/>
-              </a:rPr>
-              <a:t>minval</a:t>
-            </a:r>
-            <a:r>
-              <a:rPr lang="en-US" dirty="0">
-                <a:latin typeface="Courier New" panose="02070309020205020404" pitchFamily="49" charset="0"/>
-                <a:cs typeface="Courier New" panose="02070309020205020404" pitchFamily="49" charset="0"/>
-              </a:rPr>
-              <a:t> is None or </a:t>
-            </a:r>
-            <a:r>
-              <a:rPr lang="en-US" dirty="0" err="1">
-                <a:latin typeface="Courier New" panose="02070309020205020404" pitchFamily="49" charset="0"/>
-                <a:cs typeface="Courier New" panose="02070309020205020404" pitchFamily="49" charset="0"/>
-              </a:rPr>
-              <a:t>ival</a:t>
-            </a:r>
-            <a:r>
-              <a:rPr lang="en-US" dirty="0">
-                <a:latin typeface="Courier New" panose="02070309020205020404" pitchFamily="49" charset="0"/>
-                <a:cs typeface="Courier New" panose="02070309020205020404" pitchFamily="49" charset="0"/>
-              </a:rPr>
-              <a:t> &lt; </a:t>
-            </a:r>
-            <a:r>
-              <a:rPr lang="en-US" dirty="0" err="1">
-                <a:latin typeface="Courier New" panose="02070309020205020404" pitchFamily="49" charset="0"/>
-                <a:cs typeface="Courier New" panose="02070309020205020404" pitchFamily="49" charset="0"/>
-              </a:rPr>
-              <a:t>minval</a:t>
-            </a:r>
-            <a:r>
-              <a:rPr lang="en-US" dirty="0">
-                <a:latin typeface="Courier New" panose="02070309020205020404" pitchFamily="49" charset="0"/>
-                <a:cs typeface="Courier New" panose="02070309020205020404" pitchFamily="49" charset="0"/>
-              </a:rPr>
-              <a:t>) :</a:t>
-            </a:r>
-          </a:p>
-          <a:p>
-            <a:r>
-              <a:rPr lang="en-US" dirty="0">
-                <a:latin typeface="Courier New" panose="02070309020205020404" pitchFamily="49" charset="0"/>
-                <a:cs typeface="Courier New" panose="02070309020205020404" pitchFamily="49" charset="0"/>
-              </a:rPr>
-              <a:t>        </a:t>
-            </a:r>
-            <a:r>
-              <a:rPr lang="en-US" dirty="0" err="1">
-                <a:latin typeface="Courier New" panose="02070309020205020404" pitchFamily="49" charset="0"/>
-                <a:cs typeface="Courier New" panose="02070309020205020404" pitchFamily="49" charset="0"/>
-              </a:rPr>
-              <a:t>minval</a:t>
-            </a:r>
-            <a:r>
-              <a:rPr lang="en-US" dirty="0">
-                <a:latin typeface="Courier New" panose="02070309020205020404" pitchFamily="49" charset="0"/>
-                <a:cs typeface="Courier New" panose="02070309020205020404" pitchFamily="49" charset="0"/>
-              </a:rPr>
-              <a:t> = </a:t>
-            </a:r>
-            <a:r>
-              <a:rPr lang="en-US" dirty="0" err="1">
-                <a:latin typeface="Courier New" panose="02070309020205020404" pitchFamily="49" charset="0"/>
-                <a:cs typeface="Courier New" panose="02070309020205020404" pitchFamily="49" charset="0"/>
-              </a:rPr>
-              <a:t>ival</a:t>
-            </a:r>
-            <a:endParaRPr lang="en-US" dirty="0">
-              <a:latin typeface="Courier New" panose="02070309020205020404" pitchFamily="49" charset="0"/>
-              <a:cs typeface="Courier New" panose="02070309020205020404" pitchFamily="49" charset="0"/>
-            </a:endParaRPr>
-          </a:p>
-          <a:p>
-            <a:r>
-              <a:rPr lang="en-US" dirty="0">
-                <a:latin typeface="Courier New" panose="02070309020205020404" pitchFamily="49" charset="0"/>
-                <a:cs typeface="Courier New" panose="02070309020205020404" pitchFamily="49" charset="0"/>
-              </a:rPr>
-              <a:t>        </a:t>
-            </a:r>
-          </a:p>
-          <a:p>
-            <a:r>
-              <a:rPr lang="en-US" dirty="0">
-                <a:latin typeface="Courier New" panose="02070309020205020404" pitchFamily="49" charset="0"/>
-                <a:cs typeface="Courier New" panose="02070309020205020404" pitchFamily="49" charset="0"/>
-              </a:rPr>
-              <a:t>print('Maximum', </a:t>
-            </a:r>
-            <a:r>
-              <a:rPr lang="en-US" dirty="0" err="1">
-                <a:latin typeface="Courier New" panose="02070309020205020404" pitchFamily="49" charset="0"/>
-                <a:cs typeface="Courier New" panose="02070309020205020404" pitchFamily="49" charset="0"/>
-              </a:rPr>
-              <a:t>maxval</a:t>
+              <a:t>i</a:t>
             </a:r>
             <a:r>
               <a:rPr lang="en-US" dirty="0">
@@ -5422,37 +5089,14 @@
               <a:t>)</a:t>
             </a:r>
           </a:p>
-          <a:p>
-            <a:r>
-              <a:rPr lang="en-US" dirty="0">
-                <a:latin typeface="Courier New" panose="02070309020205020404" pitchFamily="49" charset="0"/>
-                <a:cs typeface="Courier New" panose="02070309020205020404" pitchFamily="49" charset="0"/>
-              </a:rPr>
-              <a:t>print('Minimum', </a:t>
-            </a:r>
-            <a:r>
-              <a:rPr lang="en-US" dirty="0" err="1">
-                <a:latin typeface="Courier New" panose="02070309020205020404" pitchFamily="49" charset="0"/>
-                <a:cs typeface="Courier New" panose="02070309020205020404" pitchFamily="49" charset="0"/>
-              </a:rPr>
-              <a:t>minval</a:t>
-            </a:r>
-            <a:r>
-              <a:rPr lang="en-US" dirty="0">
-                <a:latin typeface="Courier New" panose="02070309020205020404" pitchFamily="49" charset="0"/>
-                <a:cs typeface="Courier New" panose="02070309020205020404" pitchFamily="49" charset="0"/>
-              </a:rPr>
-              <a:t>)</a:t>
-            </a:r>
-          </a:p>
-        </p:txBody>
-      </p:sp>
-      <p:sp>
-        <p:nvSpPr>
-          <p:cNvPr id="7" name="TextBox 6">
-            <a:extLst>
-              <a:ext uri="{FF2B5EF4-FFF2-40B4-BE49-F238E27FC236}">
-                <a16:creationId xmlns:a16="http://schemas.microsoft.com/office/drawing/2014/main" id="{03B4458A-37BA-02AB-CE8C-B288D36FE6BF}"/>
+        </p:txBody>
+      </p:sp>
+      <p:sp>
+        <p:nvSpPr>
+          <p:cNvPr id="6" name="TextBox 5">
+            <a:extLst>
+              <a:ext uri="{FF2B5EF4-FFF2-40B4-BE49-F238E27FC236}">
+                <a16:creationId xmlns:a16="http://schemas.microsoft.com/office/drawing/2014/main" id="{C004B7C8-BBD4-1EE7-3894-3C801D6DC253}"/>
               </a:ext>
             </a:extLst>
           </p:cNvPr>
@@ -5461,8 +5105,8 @@
         </p:nvSpPr>
         <p:spPr>
           <a:xfrm>
-            <a:off x="8775195" y="2885890"/>
-            <a:ext cx="1425390" cy="1754326"/>
+            <a:off x="5293487" y="1027906"/>
+            <a:ext cx="3631122" cy="2031325"/>
           </a:xfrm>
           <a:prstGeom prst="rect">
             <a:avLst/>
@@ -5477,9 +5121,199 @@
           <a:p>
             <a:r>
               <a:rPr lang="en-US" dirty="0">
+                <a:latin typeface="Courier New" panose="02070309020205020404" pitchFamily="49" charset="0"/>
+                <a:cs typeface="Courier New" panose="02070309020205020404" pitchFamily="49" charset="0"/>
+              </a:rPr>
+              <a:t>#include &lt;</a:t>
+            </a:r>
+            <a:r>
+              <a:rPr lang="en-US" dirty="0" err="1">
+                <a:latin typeface="Courier New" panose="02070309020205020404" pitchFamily="49" charset="0"/>
+                <a:cs typeface="Courier New" panose="02070309020205020404" pitchFamily="49" charset="0"/>
+              </a:rPr>
+              <a:t>stdio.h</a:t>
+            </a:r>
+            <a:r>
+              <a:rPr lang="en-US" dirty="0">
+                <a:latin typeface="Courier New" panose="02070309020205020404" pitchFamily="49" charset="0"/>
+                <a:cs typeface="Courier New" panose="02070309020205020404" pitchFamily="49" charset="0"/>
+              </a:rPr>
+              <a:t>&gt;</a:t>
+            </a:r>
+          </a:p>
+          <a:p>
+            <a:r>
+              <a:rPr lang="en-US" dirty="0">
+                <a:latin typeface="Courier New" panose="02070309020205020404" pitchFamily="49" charset="0"/>
+                <a:cs typeface="Courier New" panose="02070309020205020404" pitchFamily="49" charset="0"/>
+              </a:rPr>
+              <a:t>int main() {</a:t>
+            </a:r>
+          </a:p>
+          <a:p>
+            <a:r>
+              <a:rPr lang="en-US" dirty="0">
+                <a:latin typeface="Courier New" panose="02070309020205020404" pitchFamily="49" charset="0"/>
+                <a:cs typeface="Courier New" panose="02070309020205020404" pitchFamily="49" charset="0"/>
+              </a:rPr>
+              <a:t>    int </a:t>
+            </a:r>
+            <a:r>
+              <a:rPr lang="en-US" dirty="0" err="1">
+                <a:latin typeface="Courier New" panose="02070309020205020404" pitchFamily="49" charset="0"/>
+                <a:cs typeface="Courier New" panose="02070309020205020404" pitchFamily="49" charset="0"/>
+              </a:rPr>
+              <a:t>i</a:t>
+            </a:r>
+            <a:r>
+              <a:rPr lang="en-US" dirty="0">
+                <a:latin typeface="Courier New" panose="02070309020205020404" pitchFamily="49" charset="0"/>
+                <a:cs typeface="Courier New" panose="02070309020205020404" pitchFamily="49" charset="0"/>
+              </a:rPr>
+              <a:t>;</a:t>
+            </a:r>
+          </a:p>
+          <a:p>
+            <a:r>
+              <a:rPr lang="en-US" dirty="0">
+                <a:latin typeface="Courier New" panose="02070309020205020404" pitchFamily="49" charset="0"/>
+                <a:cs typeface="Courier New" panose="02070309020205020404" pitchFamily="49" charset="0"/>
+              </a:rPr>
+              <a:t>    for(</a:t>
+            </a:r>
+            <a:r>
+              <a:rPr lang="en-US" dirty="0" err="1">
+                <a:latin typeface="Courier New" panose="02070309020205020404" pitchFamily="49" charset="0"/>
+                <a:cs typeface="Courier New" panose="02070309020205020404" pitchFamily="49" charset="0"/>
+              </a:rPr>
+              <a:t>i</a:t>
+            </a:r>
+            <a:r>
+              <a:rPr lang="en-US" dirty="0">
+                <a:latin typeface="Courier New" panose="02070309020205020404" pitchFamily="49" charset="0"/>
+                <a:cs typeface="Courier New" panose="02070309020205020404" pitchFamily="49" charset="0"/>
+              </a:rPr>
+              <a:t>=0; </a:t>
+            </a:r>
+            <a:r>
+              <a:rPr lang="en-US" dirty="0" err="1">
+                <a:latin typeface="Courier New" panose="02070309020205020404" pitchFamily="49" charset="0"/>
+                <a:cs typeface="Courier New" panose="02070309020205020404" pitchFamily="49" charset="0"/>
+              </a:rPr>
+              <a:t>i</a:t>
+            </a:r>
+            <a:r>
+              <a:rPr lang="en-US" dirty="0">
+                <a:latin typeface="Courier New" panose="02070309020205020404" pitchFamily="49" charset="0"/>
+                <a:cs typeface="Courier New" panose="02070309020205020404" pitchFamily="49" charset="0"/>
+              </a:rPr>
+              <a:t>&lt;5; </a:t>
+            </a:r>
+            <a:r>
+              <a:rPr lang="en-US" dirty="0" err="1">
+                <a:latin typeface="Courier New" panose="02070309020205020404" pitchFamily="49" charset="0"/>
+                <a:cs typeface="Courier New" panose="02070309020205020404" pitchFamily="49" charset="0"/>
+              </a:rPr>
+              <a:t>i</a:t>
+            </a:r>
+            <a:r>
+              <a:rPr lang="en-US" dirty="0">
+                <a:latin typeface="Courier New" panose="02070309020205020404" pitchFamily="49" charset="0"/>
+                <a:cs typeface="Courier New" panose="02070309020205020404" pitchFamily="49" charset="0"/>
+              </a:rPr>
+              <a:t>++) {</a:t>
+            </a:r>
+          </a:p>
+          <a:p>
+            <a:r>
+              <a:rPr lang="en-US" dirty="0">
+                <a:latin typeface="Courier New" panose="02070309020205020404" pitchFamily="49" charset="0"/>
+                <a:cs typeface="Courier New" panose="02070309020205020404" pitchFamily="49" charset="0"/>
+              </a:rPr>
+              <a:t>        </a:t>
+            </a:r>
+            <a:r>
+              <a:rPr lang="en-US" dirty="0" err="1">
+                <a:latin typeface="Courier New" panose="02070309020205020404" pitchFamily="49" charset="0"/>
+                <a:cs typeface="Courier New" panose="02070309020205020404" pitchFamily="49" charset="0"/>
+              </a:rPr>
+              <a:t>printf</a:t>
+            </a:r>
+            <a:r>
+              <a:rPr lang="en-US" dirty="0">
+                <a:latin typeface="Courier New" panose="02070309020205020404" pitchFamily="49" charset="0"/>
+                <a:cs typeface="Courier New" panose="02070309020205020404" pitchFamily="49" charset="0"/>
+              </a:rPr>
+              <a:t>("%d\n",</a:t>
+            </a:r>
+            <a:r>
+              <a:rPr lang="en-US" dirty="0" err="1">
+                <a:latin typeface="Courier New" panose="02070309020205020404" pitchFamily="49" charset="0"/>
+                <a:cs typeface="Courier New" panose="02070309020205020404" pitchFamily="49" charset="0"/>
+              </a:rPr>
+              <a:t>i</a:t>
+            </a:r>
+            <a:r>
+              <a:rPr lang="en-US" dirty="0">
+                <a:latin typeface="Courier New" panose="02070309020205020404" pitchFamily="49" charset="0"/>
+                <a:cs typeface="Courier New" panose="02070309020205020404" pitchFamily="49" charset="0"/>
+              </a:rPr>
+              <a:t>);</a:t>
+            </a:r>
+          </a:p>
+          <a:p>
+            <a:r>
+              <a:rPr lang="en-US" dirty="0">
+                <a:latin typeface="Courier New" panose="02070309020205020404" pitchFamily="49" charset="0"/>
+                <a:cs typeface="Courier New" panose="02070309020205020404" pitchFamily="49" charset="0"/>
+              </a:rPr>
+              <a:t>    }   </a:t>
+            </a:r>
+          </a:p>
+          <a:p>
+            <a:r>
+              <a:rPr lang="en-US" dirty="0">
+                <a:latin typeface="Courier New" panose="02070309020205020404" pitchFamily="49" charset="0"/>
+                <a:cs typeface="Courier New" panose="02070309020205020404" pitchFamily="49" charset="0"/>
+              </a:rPr>
+              <a:t>}</a:t>
+            </a:r>
+          </a:p>
+        </p:txBody>
+      </p:sp>
+      <p:sp>
+        <p:nvSpPr>
+          <p:cNvPr id="7" name="TextBox 6">
+            <a:extLst>
+              <a:ext uri="{FF2B5EF4-FFF2-40B4-BE49-F238E27FC236}">
+                <a16:creationId xmlns:a16="http://schemas.microsoft.com/office/drawing/2014/main" id="{03B4458A-37BA-02AB-CE8C-B288D36FE6BF}"/>
+              </a:ext>
+            </a:extLst>
+          </p:cNvPr>
+          <p:cNvSpPr txBox="1"/>
+          <p:nvPr/>
+        </p:nvSpPr>
+        <p:spPr>
+          <a:xfrm>
+            <a:off x="2646769" y="3790313"/>
+            <a:ext cx="322524" cy="1477328"/>
+          </a:xfrm>
+          <a:prstGeom prst="rect">
+            <a:avLst/>
+          </a:prstGeom>
+          <a:noFill/>
+        </p:spPr>
+        <p:txBody>
+          <a:bodyPr wrap="none" rtlCol="0">
+            <a:spAutoFit/>
+          </a:bodyPr>
+          <a:lstStyle/>
+          <a:p>
+            <a:r>
+              <a:rPr lang="en-US" dirty="0">
                 <a:latin typeface="Monaco" pitchFamily="2" charset="77"/>
               </a:rPr>
-              <a:t>5</a:t>
+              <a:t>0</a:t>
             </a:r>
           </a:p>
           <a:p>
@@ -5487,6 +5321,14 @@
               <a:rPr lang="en-US" dirty="0">
                 <a:latin typeface="Monaco" pitchFamily="2" charset="77"/>
               </a:rPr>
+              <a:t>1</a:t>
+            </a:r>
+          </a:p>
+          <a:p>
+            <a:r>
+              <a:rPr lang="en-US" dirty="0">
+                <a:latin typeface="Monaco" pitchFamily="2" charset="77"/>
+              </a:rPr>
               <a:t>2</a:t>
             </a:r>
           </a:p>
@@ -5495,7 +5337,7 @@
               <a:rPr lang="en-US" dirty="0">
                 <a:latin typeface="Monaco" pitchFamily="2" charset="77"/>
               </a:rPr>
-              <a:t>9</a:t>
+              <a:t>3</a:t>
             </a:r>
           </a:p>
           <a:p>
@@ -5503,33 +5345,17 @@
               <a:rPr lang="en-US" dirty="0">
                 <a:latin typeface="Monaco" pitchFamily="2" charset="77"/>
               </a:rPr>
-              <a:t>done</a:t>
-            </a:r>
-          </a:p>
-          <a:p>
-            <a:r>
-              <a:rPr lang="en-US" dirty="0">
-                <a:latin typeface="Monaco" pitchFamily="2" charset="77"/>
-              </a:rPr>
-              <a:t>Maximum 9</a:t>
-            </a:r>
-          </a:p>
-          <a:p>
-            <a:r>
-              <a:rPr lang="en-US" dirty="0">
-                <a:latin typeface="Monaco" pitchFamily="2" charset="77"/>
-              </a:rPr>
-              <a:t>Minimum 2</a:t>
-            </a:r>
-          </a:p>
-        </p:txBody>
-      </p:sp>
-      <p:sp>
-        <p:nvSpPr>
-          <p:cNvPr id="6" name="TextBox 5">
-            <a:extLst>
-              <a:ext uri="{FF2B5EF4-FFF2-40B4-BE49-F238E27FC236}">
-                <a16:creationId xmlns:a16="http://schemas.microsoft.com/office/drawing/2014/main" id="{71FDADED-BD0F-8B9B-630C-3F40951617EF}"/>
+              <a:t>4</a:t>
+            </a:r>
+          </a:p>
+        </p:txBody>
+      </p:sp>
+      <p:sp>
+        <p:nvSpPr>
+          <p:cNvPr id="8" name="TextBox 7">
+            <a:extLst>
+              <a:ext uri="{FF2B5EF4-FFF2-40B4-BE49-F238E27FC236}">
+                <a16:creationId xmlns:a16="http://schemas.microsoft.com/office/drawing/2014/main" id="{3CF08E69-CA57-FC40-50CD-99DCEC9E45DE}"/>
               </a:ext>
             </a:extLst>
           </p:cNvPr>
@@ -5560,7 +5386,7 @@
                 <a:effectLst/>
                 <a:latin typeface="Menlo" panose="020B0609030804020204" pitchFamily="49" charset="0"/>
               </a:rPr>
-              <a:t>cc_02_08.</a:t>
+              <a:t>cc_02_07.</a:t>
             </a:r>
             <a:r>
               <a:rPr lang="en-US" sz="1600" dirty="0">
@@ -5569,7 +5395,7 @@
                 </a:solidFill>
                 <a:latin typeface="Menlo" panose="020B0609030804020204" pitchFamily="49" charset="0"/>
               </a:rPr>
-              <a:t>py</a:t>
+              <a:t>c</a:t>
             </a:r>
             <a:endParaRPr lang="en-US" sz="1600" dirty="0">
               <a:solidFill>
@@ -5584,7 +5410,7 @@
     </p:spTree>
     <p:extLst>
       <p:ext uri="{BB962C8B-B14F-4D97-AF65-F5344CB8AC3E}">
-        <p14:creationId xmlns:p14="http://schemas.microsoft.com/office/powerpoint/2010/main" val="1387947297"/>
+        <p14:creationId xmlns:p14="http://schemas.microsoft.com/office/powerpoint/2010/main" val="3946844952"/>
       </p:ext>
     </p:extLst>
   </p:cSld>
@@ -5653,8 +5479,8 @@
         </p:nvSpPr>
         <p:spPr>
           <a:xfrm>
-            <a:off x="5895945" y="365125"/>
-            <a:ext cx="5862502" cy="6186309"/>
+            <a:off x="996477" y="1443841"/>
+            <a:ext cx="6112571" cy="3970318"/>
           </a:xfrm>
           <a:prstGeom prst="rect">
             <a:avLst/>
@@ -5668,576 +5494,332 @@
           <a:lstStyle/>
           <a:p>
             <a:r>
-              <a:rPr lang="en-US" sz="1600" dirty="0">
-                <a:latin typeface="Courier New" panose="02070309020205020404" pitchFamily="49" charset="0"/>
-                <a:cs typeface="Courier New" panose="02070309020205020404" pitchFamily="49" charset="0"/>
-              </a:rPr>
-              <a:t>#include &lt;</a:t>
-            </a:r>
-            <a:r>
-              <a:rPr lang="en-US" sz="1600" dirty="0" err="1">
-                <a:latin typeface="Courier New" panose="02070309020205020404" pitchFamily="49" charset="0"/>
-                <a:cs typeface="Courier New" panose="02070309020205020404" pitchFamily="49" charset="0"/>
-              </a:rPr>
-              <a:t>stdio.h</a:t>
-            </a:r>
-            <a:r>
-              <a:rPr lang="en-US" sz="1600" dirty="0">
-                <a:latin typeface="Courier New" panose="02070309020205020404" pitchFamily="49" charset="0"/>
-                <a:cs typeface="Courier New" panose="02070309020205020404" pitchFamily="49" charset="0"/>
-              </a:rPr>
-              <a:t>&gt;</a:t>
-            </a:r>
-          </a:p>
-          <a:p>
-            <a:r>
-              <a:rPr lang="en-US" sz="1600" dirty="0">
-                <a:latin typeface="Courier New" panose="02070309020205020404" pitchFamily="49" charset="0"/>
-                <a:cs typeface="Courier New" panose="02070309020205020404" pitchFamily="49" charset="0"/>
-              </a:rPr>
-              <a:t>#include &lt;</a:t>
-            </a:r>
-            <a:r>
-              <a:rPr lang="en-US" sz="1600" dirty="0" err="1">
-                <a:latin typeface="Courier New" panose="02070309020205020404" pitchFamily="49" charset="0"/>
-                <a:cs typeface="Courier New" panose="02070309020205020404" pitchFamily="49" charset="0"/>
-              </a:rPr>
-              <a:t>stdlib.h</a:t>
-            </a:r>
-            <a:r>
-              <a:rPr lang="en-US" sz="1600" dirty="0">
-                <a:latin typeface="Courier New" panose="02070309020205020404" pitchFamily="49" charset="0"/>
-                <a:cs typeface="Courier New" panose="02070309020205020404" pitchFamily="49" charset="0"/>
-              </a:rPr>
-              <a:t>&gt;</a:t>
-            </a:r>
-          </a:p>
-          <a:p>
-            <a:r>
-              <a:rPr lang="en-US" sz="1600" dirty="0">
-                <a:latin typeface="Courier New" panose="02070309020205020404" pitchFamily="49" charset="0"/>
-                <a:cs typeface="Courier New" panose="02070309020205020404" pitchFamily="49" charset="0"/>
-              </a:rPr>
-              <a:t>#include &lt;</a:t>
-            </a:r>
-            <a:r>
-              <a:rPr lang="en-US" sz="1600" dirty="0" err="1">
-                <a:latin typeface="Courier New" panose="02070309020205020404" pitchFamily="49" charset="0"/>
-                <a:cs typeface="Courier New" panose="02070309020205020404" pitchFamily="49" charset="0"/>
-              </a:rPr>
-              <a:t>string.h</a:t>
-            </a:r>
-            <a:r>
-              <a:rPr lang="en-US" sz="1600" dirty="0">
-                <a:latin typeface="Courier New" panose="02070309020205020404" pitchFamily="49" charset="0"/>
-                <a:cs typeface="Courier New" panose="02070309020205020404" pitchFamily="49" charset="0"/>
-              </a:rPr>
-              <a:t>&gt;</a:t>
-            </a:r>
-          </a:p>
-          <a:p>
-            <a:r>
-              <a:rPr lang="en-US" sz="1600" dirty="0">
-                <a:latin typeface="Courier New" panose="02070309020205020404" pitchFamily="49" charset="0"/>
-                <a:cs typeface="Courier New" panose="02070309020205020404" pitchFamily="49" charset="0"/>
-              </a:rPr>
-              <a:t>int main() {</a:t>
-            </a:r>
-          </a:p>
-          <a:p>
-            <a:r>
-              <a:rPr lang="en-US" sz="1600" dirty="0">
-                <a:latin typeface="Courier New" panose="02070309020205020404" pitchFamily="49" charset="0"/>
-                <a:cs typeface="Courier New" panose="02070309020205020404" pitchFamily="49" charset="0"/>
-              </a:rPr>
-              <a:t>    int first = 1;</a:t>
-            </a:r>
-          </a:p>
-          <a:p>
-            <a:r>
-              <a:rPr lang="en-US" sz="1600" dirty="0">
-                <a:latin typeface="Courier New" panose="02070309020205020404" pitchFamily="49" charset="0"/>
-                <a:cs typeface="Courier New" panose="02070309020205020404" pitchFamily="49" charset="0"/>
-              </a:rPr>
-              <a:t>    int </a:t>
-            </a:r>
-            <a:r>
-              <a:rPr lang="en-US" sz="1600" dirty="0" err="1">
-                <a:latin typeface="Courier New" panose="02070309020205020404" pitchFamily="49" charset="0"/>
-                <a:cs typeface="Courier New" panose="02070309020205020404" pitchFamily="49" charset="0"/>
-              </a:rPr>
-              <a:t>val</a:t>
-            </a:r>
-            <a:r>
-              <a:rPr lang="en-US" sz="1600" dirty="0">
-                <a:latin typeface="Courier New" panose="02070309020205020404" pitchFamily="49" charset="0"/>
-                <a:cs typeface="Courier New" panose="02070309020205020404" pitchFamily="49" charset="0"/>
-              </a:rPr>
-              <a:t>, </a:t>
-            </a:r>
-            <a:r>
-              <a:rPr lang="en-US" sz="1600" dirty="0" err="1">
+              <a:rPr lang="en-US" dirty="0" err="1">
                 <a:latin typeface="Courier New" panose="02070309020205020404" pitchFamily="49" charset="0"/>
                 <a:cs typeface="Courier New" panose="02070309020205020404" pitchFamily="49" charset="0"/>
               </a:rPr>
               <a:t>maxval</a:t>
             </a:r>
             <a:r>
-              <a:rPr lang="en-US" sz="1600" dirty="0">
-                <a:latin typeface="Courier New" panose="02070309020205020404" pitchFamily="49" charset="0"/>
-                <a:cs typeface="Courier New" panose="02070309020205020404" pitchFamily="49" charset="0"/>
-              </a:rPr>
-              <a:t>, </a:t>
-            </a:r>
-            <a:r>
-              <a:rPr lang="en-US" sz="1600" dirty="0" err="1">
+              <a:rPr lang="en-US" dirty="0">
+                <a:latin typeface="Courier New" panose="02070309020205020404" pitchFamily="49" charset="0"/>
+                <a:cs typeface="Courier New" panose="02070309020205020404" pitchFamily="49" charset="0"/>
+              </a:rPr>
+              <a:t> = None</a:t>
+            </a:r>
+          </a:p>
+          <a:p>
+            <a:r>
+              <a:rPr lang="en-US" dirty="0" err="1">
                 <a:latin typeface="Courier New" panose="02070309020205020404" pitchFamily="49" charset="0"/>
                 <a:cs typeface="Courier New" panose="02070309020205020404" pitchFamily="49" charset="0"/>
               </a:rPr>
               <a:t>minval</a:t>
             </a:r>
             <a:r>
-              <a:rPr lang="en-US" sz="1600" dirty="0">
-                <a:latin typeface="Courier New" panose="02070309020205020404" pitchFamily="49" charset="0"/>
-                <a:cs typeface="Courier New" panose="02070309020205020404" pitchFamily="49" charset="0"/>
-              </a:rPr>
-              <a:t>;</a:t>
-            </a:r>
-          </a:p>
-          <a:p>
-            <a:r>
-              <a:rPr lang="en-US" sz="1600" dirty="0">
-                <a:latin typeface="Courier New" panose="02070309020205020404" pitchFamily="49" charset="0"/>
-                <a:cs typeface="Courier New" panose="02070309020205020404" pitchFamily="49" charset="0"/>
-              </a:rPr>
-              <a:t>    char line[1000];</a:t>
-            </a:r>
-          </a:p>
-          <a:p>
-            <a:endParaRPr lang="en-US" sz="1600" dirty="0">
+              <a:rPr lang="en-US" dirty="0">
+                <a:latin typeface="Courier New" panose="02070309020205020404" pitchFamily="49" charset="0"/>
+                <a:cs typeface="Courier New" panose="02070309020205020404" pitchFamily="49" charset="0"/>
+              </a:rPr>
+              <a:t> = None</a:t>
+            </a:r>
+          </a:p>
+          <a:p>
+            <a:r>
+              <a:rPr lang="en-US" dirty="0">
+                <a:latin typeface="Courier New" panose="02070309020205020404" pitchFamily="49" charset="0"/>
+                <a:cs typeface="Courier New" panose="02070309020205020404" pitchFamily="49" charset="0"/>
+              </a:rPr>
+              <a:t>while True:</a:t>
+            </a:r>
+          </a:p>
+          <a:p>
+            <a:r>
+              <a:rPr lang="en-US" dirty="0">
+                <a:latin typeface="Courier New" panose="02070309020205020404" pitchFamily="49" charset="0"/>
+                <a:cs typeface="Courier New" panose="02070309020205020404" pitchFamily="49" charset="0"/>
+              </a:rPr>
+              <a:t>    line = input()</a:t>
+            </a:r>
+          </a:p>
+          <a:p>
+            <a:r>
+              <a:rPr lang="en-US" dirty="0">
+                <a:latin typeface="Courier New" panose="02070309020205020404" pitchFamily="49" charset="0"/>
+                <a:cs typeface="Courier New" panose="02070309020205020404" pitchFamily="49" charset="0"/>
+              </a:rPr>
+              <a:t>    line = </a:t>
+            </a:r>
+            <a:r>
+              <a:rPr lang="en-US" dirty="0" err="1">
+                <a:latin typeface="Courier New" panose="02070309020205020404" pitchFamily="49" charset="0"/>
+                <a:cs typeface="Courier New" panose="02070309020205020404" pitchFamily="49" charset="0"/>
+              </a:rPr>
+              <a:t>line.strip</a:t>
+            </a:r>
+            <a:r>
+              <a:rPr lang="en-US" dirty="0">
+                <a:latin typeface="Courier New" panose="02070309020205020404" pitchFamily="49" charset="0"/>
+                <a:cs typeface="Courier New" panose="02070309020205020404" pitchFamily="49" charset="0"/>
+              </a:rPr>
+              <a:t>()</a:t>
+            </a:r>
+          </a:p>
+          <a:p>
+            <a:r>
+              <a:rPr lang="en-US" dirty="0">
+                <a:latin typeface="Courier New" panose="02070309020205020404" pitchFamily="49" charset="0"/>
+                <a:cs typeface="Courier New" panose="02070309020205020404" pitchFamily="49" charset="0"/>
+              </a:rPr>
+              <a:t>    if line == "done" : break</a:t>
+            </a:r>
+          </a:p>
+          <a:p>
+            <a:r>
+              <a:rPr lang="en-US" dirty="0">
+                <a:latin typeface="Courier New" panose="02070309020205020404" pitchFamily="49" charset="0"/>
+                <a:cs typeface="Courier New" panose="02070309020205020404" pitchFamily="49" charset="0"/>
+              </a:rPr>
+              <a:t>    </a:t>
+            </a:r>
+            <a:r>
+              <a:rPr lang="en-US" dirty="0" err="1">
+                <a:latin typeface="Courier New" panose="02070309020205020404" pitchFamily="49" charset="0"/>
+                <a:cs typeface="Courier New" panose="02070309020205020404" pitchFamily="49" charset="0"/>
+              </a:rPr>
+              <a:t>ival</a:t>
+            </a:r>
+            <a:r>
+              <a:rPr lang="en-US" dirty="0">
+                <a:latin typeface="Courier New" panose="02070309020205020404" pitchFamily="49" charset="0"/>
+                <a:cs typeface="Courier New" panose="02070309020205020404" pitchFamily="49" charset="0"/>
+              </a:rPr>
+              <a:t> = int(line)</a:t>
+            </a:r>
+          </a:p>
+          <a:p>
+            <a:r>
+              <a:rPr lang="en-US" dirty="0">
+                <a:latin typeface="Courier New" panose="02070309020205020404" pitchFamily="49" charset="0"/>
+                <a:cs typeface="Courier New" panose="02070309020205020404" pitchFamily="49" charset="0"/>
+              </a:rPr>
+              <a:t>    if ( </a:t>
+            </a:r>
+            <a:r>
+              <a:rPr lang="en-US" dirty="0" err="1">
+                <a:latin typeface="Courier New" panose="02070309020205020404" pitchFamily="49" charset="0"/>
+                <a:cs typeface="Courier New" panose="02070309020205020404" pitchFamily="49" charset="0"/>
+              </a:rPr>
+              <a:t>maxval</a:t>
+            </a:r>
+            <a:r>
+              <a:rPr lang="en-US" dirty="0">
+                <a:latin typeface="Courier New" panose="02070309020205020404" pitchFamily="49" charset="0"/>
+                <a:cs typeface="Courier New" panose="02070309020205020404" pitchFamily="49" charset="0"/>
+              </a:rPr>
+              <a:t> is None or </a:t>
+            </a:r>
+            <a:r>
+              <a:rPr lang="en-US" dirty="0" err="1">
+                <a:latin typeface="Courier New" panose="02070309020205020404" pitchFamily="49" charset="0"/>
+                <a:cs typeface="Courier New" panose="02070309020205020404" pitchFamily="49" charset="0"/>
+              </a:rPr>
+              <a:t>ival</a:t>
+            </a:r>
+            <a:r>
+              <a:rPr lang="en-US" dirty="0">
+                <a:latin typeface="Courier New" panose="02070309020205020404" pitchFamily="49" charset="0"/>
+                <a:cs typeface="Courier New" panose="02070309020205020404" pitchFamily="49" charset="0"/>
+              </a:rPr>
+              <a:t> &gt; </a:t>
+            </a:r>
+            <a:r>
+              <a:rPr lang="en-US" dirty="0" err="1">
+                <a:latin typeface="Courier New" panose="02070309020205020404" pitchFamily="49" charset="0"/>
+                <a:cs typeface="Courier New" panose="02070309020205020404" pitchFamily="49" charset="0"/>
+              </a:rPr>
+              <a:t>maxval</a:t>
+            </a:r>
+            <a:r>
+              <a:rPr lang="en-US" dirty="0">
+                <a:latin typeface="Courier New" panose="02070309020205020404" pitchFamily="49" charset="0"/>
+                <a:cs typeface="Courier New" panose="02070309020205020404" pitchFamily="49" charset="0"/>
+              </a:rPr>
+              <a:t>) :</a:t>
+            </a:r>
+          </a:p>
+          <a:p>
+            <a:r>
+              <a:rPr lang="en-US" dirty="0">
+                <a:latin typeface="Courier New" panose="02070309020205020404" pitchFamily="49" charset="0"/>
+                <a:cs typeface="Courier New" panose="02070309020205020404" pitchFamily="49" charset="0"/>
+              </a:rPr>
+              <a:t>        </a:t>
+            </a:r>
+            <a:r>
+              <a:rPr lang="en-US" dirty="0" err="1">
+                <a:latin typeface="Courier New" panose="02070309020205020404" pitchFamily="49" charset="0"/>
+                <a:cs typeface="Courier New" panose="02070309020205020404" pitchFamily="49" charset="0"/>
+              </a:rPr>
+              <a:t>maxval</a:t>
+            </a:r>
+            <a:r>
+              <a:rPr lang="en-US" dirty="0">
+                <a:latin typeface="Courier New" panose="02070309020205020404" pitchFamily="49" charset="0"/>
+                <a:cs typeface="Courier New" panose="02070309020205020404" pitchFamily="49" charset="0"/>
+              </a:rPr>
+              <a:t> = </a:t>
+            </a:r>
+            <a:r>
+              <a:rPr lang="en-US" dirty="0" err="1">
+                <a:latin typeface="Courier New" panose="02070309020205020404" pitchFamily="49" charset="0"/>
+                <a:cs typeface="Courier New" panose="02070309020205020404" pitchFamily="49" charset="0"/>
+              </a:rPr>
+              <a:t>ival</a:t>
+            </a:r>
+            <a:endParaRPr lang="en-US" dirty="0">
               <a:latin typeface="Courier New" panose="02070309020205020404" pitchFamily="49" charset="0"/>
               <a:cs typeface="Courier New" panose="02070309020205020404" pitchFamily="49" charset="0"/>
             </a:endParaRPr>
           </a:p>
           <a:p>
             <a:r>
-              <a:rPr lang="en-US" sz="1600" dirty="0">
-                <a:latin typeface="Courier New" panose="02070309020205020404" pitchFamily="49" charset="0"/>
-                <a:cs typeface="Courier New" panose="02070309020205020404" pitchFamily="49" charset="0"/>
-              </a:rPr>
-              <a:t>    while(gets(line) != NULL ) {</a:t>
-            </a:r>
-          </a:p>
-          <a:p>
-            <a:r>
-              <a:rPr lang="en-US" sz="1600" dirty="0">
-                <a:latin typeface="Courier New" panose="02070309020205020404" pitchFamily="49" charset="0"/>
-                <a:cs typeface="Courier New" panose="02070309020205020404" pitchFamily="49" charset="0"/>
-              </a:rPr>
-              <a:t>        if ( </a:t>
-            </a:r>
-            <a:r>
-              <a:rPr lang="en-US" sz="1600" dirty="0" err="1">
-                <a:latin typeface="Courier New" panose="02070309020205020404" pitchFamily="49" charset="0"/>
-                <a:cs typeface="Courier New" panose="02070309020205020404" pitchFamily="49" charset="0"/>
-              </a:rPr>
-              <a:t>strcmp</a:t>
-            </a:r>
-            <a:r>
-              <a:rPr lang="en-US" sz="1600" dirty="0">
-                <a:latin typeface="Courier New" panose="02070309020205020404" pitchFamily="49" charset="0"/>
-                <a:cs typeface="Courier New" panose="02070309020205020404" pitchFamily="49" charset="0"/>
-              </a:rPr>
-              <a:t>(</a:t>
-            </a:r>
-            <a:r>
-              <a:rPr lang="en-US" sz="1600" dirty="0" err="1">
-                <a:latin typeface="Courier New" panose="02070309020205020404" pitchFamily="49" charset="0"/>
-                <a:cs typeface="Courier New" panose="02070309020205020404" pitchFamily="49" charset="0"/>
-              </a:rPr>
-              <a:t>line,"done</a:t>
-            </a:r>
-            <a:r>
-              <a:rPr lang="en-US" sz="1600" dirty="0">
-                <a:latin typeface="Courier New" panose="02070309020205020404" pitchFamily="49" charset="0"/>
-                <a:cs typeface="Courier New" panose="02070309020205020404" pitchFamily="49" charset="0"/>
-              </a:rPr>
-              <a:t>") == 0 ) break;</a:t>
-            </a:r>
-          </a:p>
-          <a:p>
-            <a:r>
-              <a:rPr lang="en-US" sz="1600" dirty="0">
+              <a:rPr lang="en-US" dirty="0">
+                <a:latin typeface="Courier New" panose="02070309020205020404" pitchFamily="49" charset="0"/>
+                <a:cs typeface="Courier New" panose="02070309020205020404" pitchFamily="49" charset="0"/>
+              </a:rPr>
+              <a:t>    if ( </a:t>
+            </a:r>
+            <a:r>
+              <a:rPr lang="en-US" dirty="0" err="1">
+                <a:latin typeface="Courier New" panose="02070309020205020404" pitchFamily="49" charset="0"/>
+                <a:cs typeface="Courier New" panose="02070309020205020404" pitchFamily="49" charset="0"/>
+              </a:rPr>
+              <a:t>minval</a:t>
+            </a:r>
+            <a:r>
+              <a:rPr lang="en-US" dirty="0">
+                <a:latin typeface="Courier New" panose="02070309020205020404" pitchFamily="49" charset="0"/>
+                <a:cs typeface="Courier New" panose="02070309020205020404" pitchFamily="49" charset="0"/>
+              </a:rPr>
+              <a:t> is None or </a:t>
+            </a:r>
+            <a:r>
+              <a:rPr lang="en-US" dirty="0" err="1">
+                <a:latin typeface="Courier New" panose="02070309020205020404" pitchFamily="49" charset="0"/>
+                <a:cs typeface="Courier New" panose="02070309020205020404" pitchFamily="49" charset="0"/>
+              </a:rPr>
+              <a:t>ival</a:t>
+            </a:r>
+            <a:r>
+              <a:rPr lang="en-US" dirty="0">
+                <a:latin typeface="Courier New" panose="02070309020205020404" pitchFamily="49" charset="0"/>
+                <a:cs typeface="Courier New" panose="02070309020205020404" pitchFamily="49" charset="0"/>
+              </a:rPr>
+              <a:t> &lt; </a:t>
+            </a:r>
+            <a:r>
+              <a:rPr lang="en-US" dirty="0" err="1">
+                <a:latin typeface="Courier New" panose="02070309020205020404" pitchFamily="49" charset="0"/>
+                <a:cs typeface="Courier New" panose="02070309020205020404" pitchFamily="49" charset="0"/>
+              </a:rPr>
+              <a:t>minval</a:t>
+            </a:r>
+            <a:r>
+              <a:rPr lang="en-US" dirty="0">
+                <a:latin typeface="Courier New" panose="02070309020205020404" pitchFamily="49" charset="0"/>
+                <a:cs typeface="Courier New" panose="02070309020205020404" pitchFamily="49" charset="0"/>
+              </a:rPr>
+              <a:t>) :</a:t>
+            </a:r>
+          </a:p>
+          <a:p>
+            <a:r>
+              <a:rPr lang="en-US" dirty="0">
                 <a:latin typeface="Courier New" panose="02070309020205020404" pitchFamily="49" charset="0"/>
                 <a:cs typeface="Courier New" panose="02070309020205020404" pitchFamily="49" charset="0"/>
               </a:rPr>
               <a:t>        </a:t>
             </a:r>
             <a:r>
-              <a:rPr lang="en-US" sz="1600" dirty="0" err="1">
-                <a:latin typeface="Courier New" panose="02070309020205020404" pitchFamily="49" charset="0"/>
-                <a:cs typeface="Courier New" panose="02070309020205020404" pitchFamily="49" charset="0"/>
-              </a:rPr>
-              <a:t>val</a:t>
-            </a:r>
-            <a:r>
-              <a:rPr lang="en-US" sz="1600" dirty="0">
+              <a:rPr lang="en-US" dirty="0" err="1">
+                <a:latin typeface="Courier New" panose="02070309020205020404" pitchFamily="49" charset="0"/>
+                <a:cs typeface="Courier New" panose="02070309020205020404" pitchFamily="49" charset="0"/>
+              </a:rPr>
+              <a:t>minval</a:t>
+            </a:r>
+            <a:r>
+              <a:rPr lang="en-US" dirty="0">
                 <a:latin typeface="Courier New" panose="02070309020205020404" pitchFamily="49" charset="0"/>
                 <a:cs typeface="Courier New" panose="02070309020205020404" pitchFamily="49" charset="0"/>
               </a:rPr>
               <a:t> = </a:t>
             </a:r>
             <a:r>
-              <a:rPr lang="en-US" sz="1600" dirty="0" err="1">
-                <a:latin typeface="Courier New" panose="02070309020205020404" pitchFamily="49" charset="0"/>
-                <a:cs typeface="Courier New" panose="02070309020205020404" pitchFamily="49" charset="0"/>
-              </a:rPr>
-              <a:t>atoi</a:t>
-            </a:r>
-            <a:r>
-              <a:rPr lang="en-US" sz="1600" dirty="0">
-                <a:latin typeface="Courier New" panose="02070309020205020404" pitchFamily="49" charset="0"/>
-                <a:cs typeface="Courier New" panose="02070309020205020404" pitchFamily="49" charset="0"/>
-              </a:rPr>
-              <a:t>(line);</a:t>
-            </a:r>
-          </a:p>
-          <a:p>
-            <a:r>
-              <a:rPr lang="en-US" sz="1600" dirty="0">
-                <a:latin typeface="Courier New" panose="02070309020205020404" pitchFamily="49" charset="0"/>
-                <a:cs typeface="Courier New" panose="02070309020205020404" pitchFamily="49" charset="0"/>
-              </a:rPr>
-              <a:t>        if ( first ) {</a:t>
-            </a:r>
-          </a:p>
-          <a:p>
-            <a:r>
-              <a:rPr lang="en-US" sz="1600" dirty="0">
-                <a:latin typeface="Courier New" panose="02070309020205020404" pitchFamily="49" charset="0"/>
-                <a:cs typeface="Courier New" panose="02070309020205020404" pitchFamily="49" charset="0"/>
-              </a:rPr>
-              <a:t>            </a:t>
-            </a:r>
-            <a:r>
-              <a:rPr lang="en-US" sz="1600" dirty="0" err="1">
-                <a:latin typeface="Courier New" panose="02070309020205020404" pitchFamily="49" charset="0"/>
-                <a:cs typeface="Courier New" panose="02070309020205020404" pitchFamily="49" charset="0"/>
-              </a:rPr>
-              <a:t>maxval</a:t>
-            </a:r>
-            <a:r>
-              <a:rPr lang="en-US" sz="1600" dirty="0">
-                <a:latin typeface="Courier New" panose="02070309020205020404" pitchFamily="49" charset="0"/>
-                <a:cs typeface="Courier New" panose="02070309020205020404" pitchFamily="49" charset="0"/>
-              </a:rPr>
-              <a:t> = </a:t>
-            </a:r>
-            <a:r>
-              <a:rPr lang="en-US" sz="1600" dirty="0" err="1">
-                <a:latin typeface="Courier New" panose="02070309020205020404" pitchFamily="49" charset="0"/>
-                <a:cs typeface="Courier New" panose="02070309020205020404" pitchFamily="49" charset="0"/>
-              </a:rPr>
-              <a:t>val</a:t>
-            </a:r>
-            <a:r>
-              <a:rPr lang="en-US" sz="1600" dirty="0">
-                <a:latin typeface="Courier New" panose="02070309020205020404" pitchFamily="49" charset="0"/>
-                <a:cs typeface="Courier New" panose="02070309020205020404" pitchFamily="49" charset="0"/>
-              </a:rPr>
-              <a:t>;</a:t>
-            </a:r>
-          </a:p>
-          <a:p>
-            <a:r>
-              <a:rPr lang="en-US" sz="1600" dirty="0">
-                <a:latin typeface="Courier New" panose="02070309020205020404" pitchFamily="49" charset="0"/>
-                <a:cs typeface="Courier New" panose="02070309020205020404" pitchFamily="49" charset="0"/>
-              </a:rPr>
-              <a:t>            </a:t>
-            </a:r>
-            <a:r>
-              <a:rPr lang="en-US" sz="1600" dirty="0" err="1">
-                <a:latin typeface="Courier New" panose="02070309020205020404" pitchFamily="49" charset="0"/>
-                <a:cs typeface="Courier New" panose="02070309020205020404" pitchFamily="49" charset="0"/>
-              </a:rPr>
-              <a:t>minval</a:t>
-            </a:r>
-            <a:r>
-              <a:rPr lang="en-US" sz="1600" dirty="0">
-                <a:latin typeface="Courier New" panose="02070309020205020404" pitchFamily="49" charset="0"/>
-                <a:cs typeface="Courier New" panose="02070309020205020404" pitchFamily="49" charset="0"/>
-              </a:rPr>
-              <a:t> = </a:t>
-            </a:r>
-            <a:r>
-              <a:rPr lang="en-US" sz="1600" dirty="0" err="1">
-                <a:latin typeface="Courier New" panose="02070309020205020404" pitchFamily="49" charset="0"/>
-                <a:cs typeface="Courier New" panose="02070309020205020404" pitchFamily="49" charset="0"/>
-              </a:rPr>
-              <a:t>val</a:t>
-            </a:r>
-            <a:r>
-              <a:rPr lang="en-US" sz="1600" dirty="0">
-                <a:latin typeface="Courier New" panose="02070309020205020404" pitchFamily="49" charset="0"/>
-                <a:cs typeface="Courier New" panose="02070309020205020404" pitchFamily="49" charset="0"/>
-              </a:rPr>
-              <a:t>;</a:t>
-            </a:r>
-          </a:p>
-          <a:p>
-            <a:r>
-              <a:rPr lang="en-US" sz="1600" dirty="0">
-                <a:latin typeface="Courier New" panose="02070309020205020404" pitchFamily="49" charset="0"/>
-                <a:cs typeface="Courier New" panose="02070309020205020404" pitchFamily="49" charset="0"/>
-              </a:rPr>
-              <a:t>            first = 0;</a:t>
-            </a:r>
-          </a:p>
-          <a:p>
-            <a:r>
-              <a:rPr lang="en-US" sz="1600" dirty="0">
-                <a:latin typeface="Courier New" panose="02070309020205020404" pitchFamily="49" charset="0"/>
-                <a:cs typeface="Courier New" panose="02070309020205020404" pitchFamily="49" charset="0"/>
-              </a:rPr>
-              <a:t>        } else {</a:t>
-            </a:r>
-          </a:p>
-          <a:p>
-            <a:r>
-              <a:rPr lang="en-US" sz="1600" dirty="0">
-                <a:latin typeface="Courier New" panose="02070309020205020404" pitchFamily="49" charset="0"/>
-                <a:cs typeface="Courier New" panose="02070309020205020404" pitchFamily="49" charset="0"/>
-              </a:rPr>
-              <a:t>            if ( </a:t>
-            </a:r>
-            <a:r>
-              <a:rPr lang="en-US" sz="1600" dirty="0" err="1">
-                <a:latin typeface="Courier New" panose="02070309020205020404" pitchFamily="49" charset="0"/>
-                <a:cs typeface="Courier New" panose="02070309020205020404" pitchFamily="49" charset="0"/>
-              </a:rPr>
-              <a:t>val</a:t>
-            </a:r>
-            <a:r>
-              <a:rPr lang="en-US" sz="1600" dirty="0">
-                <a:latin typeface="Courier New" panose="02070309020205020404" pitchFamily="49" charset="0"/>
-                <a:cs typeface="Courier New" panose="02070309020205020404" pitchFamily="49" charset="0"/>
-              </a:rPr>
-              <a:t> &gt; </a:t>
-            </a:r>
-            <a:r>
-              <a:rPr lang="en-US" sz="1600" dirty="0" err="1">
-                <a:latin typeface="Courier New" panose="02070309020205020404" pitchFamily="49" charset="0"/>
-                <a:cs typeface="Courier New" panose="02070309020205020404" pitchFamily="49" charset="0"/>
-              </a:rPr>
-              <a:t>maxval</a:t>
-            </a:r>
-            <a:r>
-              <a:rPr lang="en-US" sz="1600" dirty="0">
-                <a:latin typeface="Courier New" panose="02070309020205020404" pitchFamily="49" charset="0"/>
-                <a:cs typeface="Courier New" panose="02070309020205020404" pitchFamily="49" charset="0"/>
-              </a:rPr>
-              <a:t> ) </a:t>
-            </a:r>
-            <a:r>
-              <a:rPr lang="en-US" sz="1600" dirty="0" err="1">
-                <a:latin typeface="Courier New" panose="02070309020205020404" pitchFamily="49" charset="0"/>
-                <a:cs typeface="Courier New" panose="02070309020205020404" pitchFamily="49" charset="0"/>
-              </a:rPr>
-              <a:t>maxval</a:t>
-            </a:r>
-            <a:r>
-              <a:rPr lang="en-US" sz="1600" dirty="0">
-                <a:latin typeface="Courier New" panose="02070309020205020404" pitchFamily="49" charset="0"/>
-                <a:cs typeface="Courier New" panose="02070309020205020404" pitchFamily="49" charset="0"/>
-              </a:rPr>
-              <a:t> = </a:t>
-            </a:r>
-            <a:r>
-              <a:rPr lang="en-US" sz="1600" dirty="0" err="1">
-                <a:latin typeface="Courier New" panose="02070309020205020404" pitchFamily="49" charset="0"/>
-                <a:cs typeface="Courier New" panose="02070309020205020404" pitchFamily="49" charset="0"/>
-              </a:rPr>
-              <a:t>val</a:t>
-            </a:r>
-            <a:r>
-              <a:rPr lang="en-US" sz="1600" dirty="0">
-                <a:latin typeface="Courier New" panose="02070309020205020404" pitchFamily="49" charset="0"/>
-                <a:cs typeface="Courier New" panose="02070309020205020404" pitchFamily="49" charset="0"/>
-              </a:rPr>
-              <a:t>;</a:t>
-            </a:r>
-          </a:p>
-          <a:p>
-            <a:r>
-              <a:rPr lang="en-US" sz="1600" dirty="0">
-                <a:latin typeface="Courier New" panose="02070309020205020404" pitchFamily="49" charset="0"/>
-                <a:cs typeface="Courier New" panose="02070309020205020404" pitchFamily="49" charset="0"/>
-              </a:rPr>
-              <a:t>            if ( </a:t>
-            </a:r>
-            <a:r>
-              <a:rPr lang="en-US" sz="1600" dirty="0" err="1">
-                <a:latin typeface="Courier New" panose="02070309020205020404" pitchFamily="49" charset="0"/>
-                <a:cs typeface="Courier New" panose="02070309020205020404" pitchFamily="49" charset="0"/>
-              </a:rPr>
-              <a:t>val</a:t>
-            </a:r>
-            <a:r>
-              <a:rPr lang="en-US" sz="1600" dirty="0">
-                <a:latin typeface="Courier New" panose="02070309020205020404" pitchFamily="49" charset="0"/>
-                <a:cs typeface="Courier New" panose="02070309020205020404" pitchFamily="49" charset="0"/>
-              </a:rPr>
-              <a:t> &lt; </a:t>
-            </a:r>
-            <a:r>
-              <a:rPr lang="en-US" sz="1600" dirty="0" err="1">
-                <a:latin typeface="Courier New" panose="02070309020205020404" pitchFamily="49" charset="0"/>
-                <a:cs typeface="Courier New" panose="02070309020205020404" pitchFamily="49" charset="0"/>
-              </a:rPr>
-              <a:t>minval</a:t>
-            </a:r>
-            <a:r>
-              <a:rPr lang="en-US" sz="1600" dirty="0">
-                <a:latin typeface="Courier New" panose="02070309020205020404" pitchFamily="49" charset="0"/>
-                <a:cs typeface="Courier New" panose="02070309020205020404" pitchFamily="49" charset="0"/>
-              </a:rPr>
-              <a:t> ) </a:t>
-            </a:r>
-            <a:r>
-              <a:rPr lang="en-US" sz="1600" dirty="0" err="1">
-                <a:latin typeface="Courier New" panose="02070309020205020404" pitchFamily="49" charset="0"/>
-                <a:cs typeface="Courier New" panose="02070309020205020404" pitchFamily="49" charset="0"/>
-              </a:rPr>
-              <a:t>minval</a:t>
-            </a:r>
-            <a:r>
-              <a:rPr lang="en-US" sz="1600" dirty="0">
-                <a:latin typeface="Courier New" panose="02070309020205020404" pitchFamily="49" charset="0"/>
-                <a:cs typeface="Courier New" panose="02070309020205020404" pitchFamily="49" charset="0"/>
-              </a:rPr>
-              <a:t> = </a:t>
-            </a:r>
-            <a:r>
-              <a:rPr lang="en-US" sz="1600" dirty="0" err="1">
-                <a:latin typeface="Courier New" panose="02070309020205020404" pitchFamily="49" charset="0"/>
-                <a:cs typeface="Courier New" panose="02070309020205020404" pitchFamily="49" charset="0"/>
-              </a:rPr>
-              <a:t>val</a:t>
-            </a:r>
-            <a:r>
-              <a:rPr lang="en-US" sz="1600" dirty="0">
-                <a:latin typeface="Courier New" panose="02070309020205020404" pitchFamily="49" charset="0"/>
-                <a:cs typeface="Courier New" panose="02070309020205020404" pitchFamily="49" charset="0"/>
-              </a:rPr>
-              <a:t>;</a:t>
-            </a:r>
-          </a:p>
-          <a:p>
-            <a:r>
-              <a:rPr lang="en-US" sz="1600" dirty="0">
-                <a:latin typeface="Courier New" panose="02070309020205020404" pitchFamily="49" charset="0"/>
-                <a:cs typeface="Courier New" panose="02070309020205020404" pitchFamily="49" charset="0"/>
-              </a:rPr>
-              <a:t>        }</a:t>
-            </a:r>
-          </a:p>
-          <a:p>
-            <a:r>
-              <a:rPr lang="en-US" sz="1600" dirty="0">
-                <a:latin typeface="Courier New" panose="02070309020205020404" pitchFamily="49" charset="0"/>
-                <a:cs typeface="Courier New" panose="02070309020205020404" pitchFamily="49" charset="0"/>
-              </a:rPr>
-              <a:t>    }</a:t>
-            </a:r>
-          </a:p>
-          <a:p>
-            <a:endParaRPr lang="en-US" sz="1600" dirty="0">
+              <a:rPr lang="en-US" dirty="0" err="1">
+                <a:latin typeface="Courier New" panose="02070309020205020404" pitchFamily="49" charset="0"/>
+                <a:cs typeface="Courier New" panose="02070309020205020404" pitchFamily="49" charset="0"/>
+              </a:rPr>
+              <a:t>ival</a:t>
+            </a:r>
+            <a:endParaRPr lang="en-US" dirty="0">
               <a:latin typeface="Courier New" panose="02070309020205020404" pitchFamily="49" charset="0"/>
               <a:cs typeface="Courier New" panose="02070309020205020404" pitchFamily="49" charset="0"/>
             </a:endParaRPr>
           </a:p>
           <a:p>
             <a:r>
-              <a:rPr lang="en-US" sz="1600" dirty="0">
-                <a:latin typeface="Courier New" panose="02070309020205020404" pitchFamily="49" charset="0"/>
-                <a:cs typeface="Courier New" panose="02070309020205020404" pitchFamily="49" charset="0"/>
-              </a:rPr>
-              <a:t>    </a:t>
-            </a:r>
-            <a:r>
-              <a:rPr lang="en-US" sz="1600" dirty="0" err="1">
-                <a:latin typeface="Courier New" panose="02070309020205020404" pitchFamily="49" charset="0"/>
-                <a:cs typeface="Courier New" panose="02070309020205020404" pitchFamily="49" charset="0"/>
-              </a:rPr>
-              <a:t>printf</a:t>
-            </a:r>
-            <a:r>
-              <a:rPr lang="en-US" sz="1600" dirty="0">
-                <a:latin typeface="Courier New" panose="02070309020205020404" pitchFamily="49" charset="0"/>
-                <a:cs typeface="Courier New" panose="02070309020205020404" pitchFamily="49" charset="0"/>
-              </a:rPr>
-              <a:t>("Maximum %d\n", </a:t>
-            </a:r>
-            <a:r>
-              <a:rPr lang="en-US" sz="1600" dirty="0" err="1">
+              <a:rPr lang="en-US" dirty="0">
+                <a:latin typeface="Courier New" panose="02070309020205020404" pitchFamily="49" charset="0"/>
+                <a:cs typeface="Courier New" panose="02070309020205020404" pitchFamily="49" charset="0"/>
+              </a:rPr>
+              <a:t>        </a:t>
+            </a:r>
+          </a:p>
+          <a:p>
+            <a:r>
+              <a:rPr lang="en-US" dirty="0">
+                <a:latin typeface="Courier New" panose="02070309020205020404" pitchFamily="49" charset="0"/>
+                <a:cs typeface="Courier New" panose="02070309020205020404" pitchFamily="49" charset="0"/>
+              </a:rPr>
+              <a:t>print('Maximum', </a:t>
+            </a:r>
+            <a:r>
+              <a:rPr lang="en-US" dirty="0" err="1">
                 <a:latin typeface="Courier New" panose="02070309020205020404" pitchFamily="49" charset="0"/>
                 <a:cs typeface="Courier New" panose="02070309020205020404" pitchFamily="49" charset="0"/>
               </a:rPr>
               <a:t>maxval</a:t>
             </a:r>
             <a:r>
-              <a:rPr lang="en-US" sz="1600" dirty="0">
-                <a:latin typeface="Courier New" panose="02070309020205020404" pitchFamily="49" charset="0"/>
-                <a:cs typeface="Courier New" panose="02070309020205020404" pitchFamily="49" charset="0"/>
-              </a:rPr>
-              <a:t>);</a:t>
-            </a:r>
-          </a:p>
-          <a:p>
-            <a:r>
-              <a:rPr lang="en-US" sz="1600" dirty="0">
-                <a:latin typeface="Courier New" panose="02070309020205020404" pitchFamily="49" charset="0"/>
-                <a:cs typeface="Courier New" panose="02070309020205020404" pitchFamily="49" charset="0"/>
-              </a:rPr>
-              <a:t>    </a:t>
-            </a:r>
-            <a:r>
-              <a:rPr lang="en-US" sz="1600" dirty="0" err="1">
-                <a:latin typeface="Courier New" panose="02070309020205020404" pitchFamily="49" charset="0"/>
-                <a:cs typeface="Courier New" panose="02070309020205020404" pitchFamily="49" charset="0"/>
-              </a:rPr>
-              <a:t>printf</a:t>
-            </a:r>
-            <a:r>
-              <a:rPr lang="en-US" sz="1600" dirty="0">
-                <a:latin typeface="Courier New" panose="02070309020205020404" pitchFamily="49" charset="0"/>
-                <a:cs typeface="Courier New" panose="02070309020205020404" pitchFamily="49" charset="0"/>
-              </a:rPr>
-              <a:t>("Minimum %d\n", </a:t>
-            </a:r>
-            <a:r>
-              <a:rPr lang="en-US" sz="1600" dirty="0" err="1">
+              <a:rPr lang="en-US" dirty="0">
+                <a:latin typeface="Courier New" panose="02070309020205020404" pitchFamily="49" charset="0"/>
+                <a:cs typeface="Courier New" panose="02070309020205020404" pitchFamily="49" charset="0"/>
+              </a:rPr>
+              <a:t>)</a:t>
+            </a:r>
+          </a:p>
+          <a:p>
+            <a:r>
+              <a:rPr lang="en-US" dirty="0">
+                <a:latin typeface="Courier New" panose="02070309020205020404" pitchFamily="49" charset="0"/>
+                <a:cs typeface="Courier New" panose="02070309020205020404" pitchFamily="49" charset="0"/>
+              </a:rPr>
+              <a:t>print('Minimum', </a:t>
+            </a:r>
+            <a:r>
+              <a:rPr lang="en-US" dirty="0" err="1">
                 <a:latin typeface="Courier New" panose="02070309020205020404" pitchFamily="49" charset="0"/>
                 <a:cs typeface="Courier New" panose="02070309020205020404" pitchFamily="49" charset="0"/>
               </a:rPr>
               <a:t>minval</a:t>
             </a:r>
             <a:r>
-              <a:rPr lang="en-US" sz="1600" dirty="0">
-                <a:latin typeface="Courier New" panose="02070309020205020404" pitchFamily="49" charset="0"/>
-                <a:cs typeface="Courier New" panose="02070309020205020404" pitchFamily="49" charset="0"/>
-              </a:rPr>
-              <a:t>);</a:t>
-            </a:r>
-          </a:p>
-          <a:p>
-            <a:r>
-              <a:rPr lang="en-US" sz="1600" dirty="0">
-                <a:latin typeface="Courier New" panose="02070309020205020404" pitchFamily="49" charset="0"/>
-                <a:cs typeface="Courier New" panose="02070309020205020404" pitchFamily="49" charset="0"/>
-              </a:rPr>
-              <a:t>}</a:t>
+              <a:rPr lang="en-US" dirty="0">
+                <a:latin typeface="Courier New" panose="02070309020205020404" pitchFamily="49" charset="0"/>
+                <a:cs typeface="Courier New" panose="02070309020205020404" pitchFamily="49" charset="0"/>
+              </a:rPr>
+              <a:t>)</a:t>
             </a:r>
           </a:p>
         </p:txBody>
@@ -6256,8 +5838,8 @@
         </p:nvSpPr>
         <p:spPr>
           <a:xfrm>
-            <a:off x="1086295" y="2534055"/>
-            <a:ext cx="5009705" cy="2308324"/>
+            <a:off x="8775195" y="2885890"/>
+            <a:ext cx="1425390" cy="1754326"/>
           </a:xfrm>
           <a:prstGeom prst="rect">
             <a:avLst/>
@@ -6274,7 +5856,7 @@
               <a:rPr lang="en-US" dirty="0">
                 <a:latin typeface="Monaco" pitchFamily="2" charset="77"/>
               </a:rPr>
-              <a:t>warning: this program uses gets(), </a:t>
+              <a:t>5</a:t>
             </a:r>
           </a:p>
           <a:p>
@@ -6282,7 +5864,7 @@
               <a:rPr lang="en-US" dirty="0">
                 <a:latin typeface="Monaco" pitchFamily="2" charset="77"/>
               </a:rPr>
-              <a:t>  which is unsafe.</a:t>
+              <a:t>2</a:t>
             </a:r>
           </a:p>
           <a:p>
@@ -6290,7 +5872,7 @@
               <a:rPr lang="en-US" dirty="0">
                 <a:latin typeface="Monaco" pitchFamily="2" charset="77"/>
               </a:rPr>
-              <a:t>5</a:t>
+              <a:t>9</a:t>
             </a:r>
           </a:p>
           <a:p>
@@ -6298,7 +5880,7 @@
               <a:rPr lang="en-US" dirty="0">
                 <a:latin typeface="Monaco" pitchFamily="2" charset="77"/>
               </a:rPr>
-              <a:t>2</a:t>
+              <a:t>done</a:t>
             </a:r>
           </a:p>
           <a:p>
@@ -6306,7 +5888,7 @@
               <a:rPr lang="en-US" dirty="0">
                 <a:latin typeface="Monaco" pitchFamily="2" charset="77"/>
               </a:rPr>
-              <a:t>9</a:t>
+              <a:t>Maximum 9</a:t>
             </a:r>
           </a:p>
           <a:p>
@@ -6314,22 +5896,6 @@
               <a:rPr lang="en-US" dirty="0">
                 <a:latin typeface="Monaco" pitchFamily="2" charset="77"/>
               </a:rPr>
-              <a:t>done</a:t>
-            </a:r>
-          </a:p>
-          <a:p>
-            <a:r>
-              <a:rPr lang="en-US" dirty="0">
-                <a:latin typeface="Monaco" pitchFamily="2" charset="77"/>
-              </a:rPr>
-              <a:t>Maximum 9</a:t>
-            </a:r>
-          </a:p>
-          <a:p>
-            <a:r>
-              <a:rPr lang="en-US" dirty="0">
-                <a:latin typeface="Monaco" pitchFamily="2" charset="77"/>
-              </a:rPr>
               <a:t>Minimum 2</a:t>
             </a:r>
           </a:p>
@@ -6340,7 +5906,7 @@
           <p:cNvPr id="6" name="TextBox 5">
             <a:extLst>
               <a:ext uri="{FF2B5EF4-FFF2-40B4-BE49-F238E27FC236}">
-                <a16:creationId xmlns:a16="http://schemas.microsoft.com/office/drawing/2014/main" id="{A854214C-9B57-45D9-2941-E5D785607661}"/>
+                <a16:creationId xmlns:a16="http://schemas.microsoft.com/office/drawing/2014/main" id="{71FDADED-BD0F-8B9B-630C-3F40951617EF}"/>
               </a:ext>
             </a:extLst>
           </p:cNvPr>
@@ -6349,8 +5915,8 @@
         </p:nvSpPr>
         <p:spPr>
           <a:xfrm>
-            <a:off x="10508673" y="6323598"/>
-            <a:ext cx="1413163" cy="338554"/>
+            <a:off x="10460182" y="6323598"/>
+            <a:ext cx="1600199" cy="338554"/>
           </a:xfrm>
           <a:prstGeom prst="rect">
             <a:avLst/>
@@ -6371,15 +5937,31 @@
                 <a:effectLst/>
                 <a:latin typeface="Menlo" panose="020B0609030804020204" pitchFamily="49" charset="0"/>
               </a:rPr>
-              <a:t>cc_02_08.c</a:t>
-            </a:r>
+              <a:t>cc_02_08.</a:t>
+            </a:r>
+            <a:r>
+              <a:rPr lang="en-US" sz="1600" dirty="0">
+                <a:solidFill>
+                  <a:srgbClr val="000000"/>
+                </a:solidFill>
+                <a:latin typeface="Menlo" panose="020B0609030804020204" pitchFamily="49" charset="0"/>
+              </a:rPr>
+              <a:t>py</a:t>
+            </a:r>
+            <a:endParaRPr lang="en-US" sz="1600" dirty="0">
+              <a:solidFill>
+                <a:srgbClr val="000000"/>
+              </a:solidFill>
+              <a:effectLst/>
+              <a:latin typeface="Menlo" panose="020B0609030804020204" pitchFamily="49" charset="0"/>
+            </a:endParaRPr>
           </a:p>
         </p:txBody>
       </p:sp>
     </p:spTree>
     <p:extLst>
       <p:ext uri="{BB962C8B-B14F-4D97-AF65-F5344CB8AC3E}">
-        <p14:creationId xmlns:p14="http://schemas.microsoft.com/office/powerpoint/2010/main" val="4109945481"/>
+        <p14:creationId xmlns:p14="http://schemas.microsoft.com/office/powerpoint/2010/main" val="1387947297"/>
       </p:ext>
     </p:extLst>
   </p:cSld>
@@ -6429,7 +6011,7 @@
           <a:p>
             <a:r>
               <a:rPr lang="en-US" dirty="0"/>
-              <a:t>Max / Min v2</a:t>
+              <a:t>Max / Min</a:t>
             </a:r>
           </a:p>
         </p:txBody>
@@ -6448,8 +6030,8 @@
         </p:nvSpPr>
         <p:spPr>
           <a:xfrm>
-            <a:off x="5144352" y="638845"/>
-            <a:ext cx="6388287" cy="5632311"/>
+            <a:off x="5895945" y="365125"/>
+            <a:ext cx="5862502" cy="6186309"/>
           </a:xfrm>
           <a:prstGeom prst="rect">
             <a:avLst/>
@@ -6463,21 +6045,21 @@
           <a:lstStyle/>
           <a:p>
             <a:r>
-              <a:rPr lang="en-US" dirty="0">
+              <a:rPr lang="en-US" sz="1600" dirty="0">
                 <a:latin typeface="Courier New" panose="02070309020205020404" pitchFamily="49" charset="0"/>
                 <a:cs typeface="Courier New" panose="02070309020205020404" pitchFamily="49" charset="0"/>
               </a:rPr>
               <a:t>#include &lt;</a:t>
             </a:r>
             <a:r>
-              <a:rPr lang="en-US" dirty="0" err="1">
+              <a:rPr lang="en-US" sz="1600" dirty="0" err="1">
                 <a:latin typeface="Courier New" panose="02070309020205020404" pitchFamily="49" charset="0"/>
                 <a:cs typeface="Courier New" panose="02070309020205020404" pitchFamily="49" charset="0"/>
               </a:rPr>
               <a:t>stdio.h</a:t>
             </a:r>
             <a:r>
-              <a:rPr lang="en-US" dirty="0">
+              <a:rPr lang="en-US" sz="1600" dirty="0">
                 <a:latin typeface="Courier New" panose="02070309020205020404" pitchFamily="49" charset="0"/>
                 <a:cs typeface="Courier New" panose="02070309020205020404" pitchFamily="49" charset="0"/>
               </a:rPr>
@@ -6485,74 +6067,295 @@
             </a:r>
           </a:p>
           <a:p>
-            <a:endParaRPr lang="en-US" dirty="0">
+            <a:r>
+              <a:rPr lang="en-US" sz="1600" dirty="0">
+                <a:latin typeface="Courier New" panose="02070309020205020404" pitchFamily="49" charset="0"/>
+                <a:cs typeface="Courier New" panose="02070309020205020404" pitchFamily="49" charset="0"/>
+              </a:rPr>
+              <a:t>#include &lt;</a:t>
+            </a:r>
+            <a:r>
+              <a:rPr lang="en-US" sz="1600" dirty="0" err="1">
+                <a:latin typeface="Courier New" panose="02070309020205020404" pitchFamily="49" charset="0"/>
+                <a:cs typeface="Courier New" panose="02070309020205020404" pitchFamily="49" charset="0"/>
+              </a:rPr>
+              <a:t>stdlib.h</a:t>
+            </a:r>
+            <a:r>
+              <a:rPr lang="en-US" sz="1600" dirty="0">
+                <a:latin typeface="Courier New" panose="02070309020205020404" pitchFamily="49" charset="0"/>
+                <a:cs typeface="Courier New" panose="02070309020205020404" pitchFamily="49" charset="0"/>
+              </a:rPr>
+              <a:t>&gt;</a:t>
+            </a:r>
+          </a:p>
+          <a:p>
+            <a:r>
+              <a:rPr lang="en-US" sz="1600" dirty="0">
+                <a:latin typeface="Courier New" panose="02070309020205020404" pitchFamily="49" charset="0"/>
+                <a:cs typeface="Courier New" panose="02070309020205020404" pitchFamily="49" charset="0"/>
+              </a:rPr>
+              <a:t>#include &lt;</a:t>
+            </a:r>
+            <a:r>
+              <a:rPr lang="en-US" sz="1600" dirty="0" err="1">
+                <a:latin typeface="Courier New" panose="02070309020205020404" pitchFamily="49" charset="0"/>
+                <a:cs typeface="Courier New" panose="02070309020205020404" pitchFamily="49" charset="0"/>
+              </a:rPr>
+              <a:t>string.h</a:t>
+            </a:r>
+            <a:r>
+              <a:rPr lang="en-US" sz="1600" dirty="0">
+                <a:latin typeface="Courier New" panose="02070309020205020404" pitchFamily="49" charset="0"/>
+                <a:cs typeface="Courier New" panose="02070309020205020404" pitchFamily="49" charset="0"/>
+              </a:rPr>
+              <a:t>&gt;</a:t>
+            </a:r>
+          </a:p>
+          <a:p>
+            <a:r>
+              <a:rPr lang="en-US" sz="1600" dirty="0">
+                <a:latin typeface="Courier New" panose="02070309020205020404" pitchFamily="49" charset="0"/>
+                <a:cs typeface="Courier New" panose="02070309020205020404" pitchFamily="49" charset="0"/>
+              </a:rPr>
+              <a:t>int main() {</a:t>
+            </a:r>
+          </a:p>
+          <a:p>
+            <a:r>
+              <a:rPr lang="en-US" sz="1600" dirty="0">
+                <a:latin typeface="Courier New" panose="02070309020205020404" pitchFamily="49" charset="0"/>
+                <a:cs typeface="Courier New" panose="02070309020205020404" pitchFamily="49" charset="0"/>
+              </a:rPr>
+              <a:t>    int first = 1;</a:t>
+            </a:r>
+          </a:p>
+          <a:p>
+            <a:r>
+              <a:rPr lang="en-US" sz="1600" dirty="0">
+                <a:latin typeface="Courier New" panose="02070309020205020404" pitchFamily="49" charset="0"/>
+                <a:cs typeface="Courier New" panose="02070309020205020404" pitchFamily="49" charset="0"/>
+              </a:rPr>
+              <a:t>    int </a:t>
+            </a:r>
+            <a:r>
+              <a:rPr lang="en-US" sz="1600" dirty="0" err="1">
+                <a:latin typeface="Courier New" panose="02070309020205020404" pitchFamily="49" charset="0"/>
+                <a:cs typeface="Courier New" panose="02070309020205020404" pitchFamily="49" charset="0"/>
+              </a:rPr>
+              <a:t>val</a:t>
+            </a:r>
+            <a:r>
+              <a:rPr lang="en-US" sz="1600" dirty="0">
+                <a:latin typeface="Courier New" panose="02070309020205020404" pitchFamily="49" charset="0"/>
+                <a:cs typeface="Courier New" panose="02070309020205020404" pitchFamily="49" charset="0"/>
+              </a:rPr>
+              <a:t>, </a:t>
+            </a:r>
+            <a:r>
+              <a:rPr lang="en-US" sz="1600" dirty="0" err="1">
+                <a:latin typeface="Courier New" panose="02070309020205020404" pitchFamily="49" charset="0"/>
+                <a:cs typeface="Courier New" panose="02070309020205020404" pitchFamily="49" charset="0"/>
+              </a:rPr>
+              <a:t>maxval</a:t>
+            </a:r>
+            <a:r>
+              <a:rPr lang="en-US" sz="1600" dirty="0">
+                <a:latin typeface="Courier New" panose="02070309020205020404" pitchFamily="49" charset="0"/>
+                <a:cs typeface="Courier New" panose="02070309020205020404" pitchFamily="49" charset="0"/>
+              </a:rPr>
+              <a:t>, </a:t>
+            </a:r>
+            <a:r>
+              <a:rPr lang="en-US" sz="1600" dirty="0" err="1">
+                <a:latin typeface="Courier New" panose="02070309020205020404" pitchFamily="49" charset="0"/>
+                <a:cs typeface="Courier New" panose="02070309020205020404" pitchFamily="49" charset="0"/>
+              </a:rPr>
+              <a:t>minval</a:t>
+            </a:r>
+            <a:r>
+              <a:rPr lang="en-US" sz="1600" dirty="0">
+                <a:latin typeface="Courier New" panose="02070309020205020404" pitchFamily="49" charset="0"/>
+                <a:cs typeface="Courier New" panose="02070309020205020404" pitchFamily="49" charset="0"/>
+              </a:rPr>
+              <a:t>;</a:t>
+            </a:r>
+          </a:p>
+          <a:p>
+            <a:r>
+              <a:rPr lang="en-US" sz="1600" dirty="0">
+                <a:latin typeface="Courier New" panose="02070309020205020404" pitchFamily="49" charset="0"/>
+                <a:cs typeface="Courier New" panose="02070309020205020404" pitchFamily="49" charset="0"/>
+              </a:rPr>
+              <a:t>    char line[1000];</a:t>
+            </a:r>
+          </a:p>
+          <a:p>
+            <a:endParaRPr lang="en-US" sz="1600" dirty="0">
               <a:latin typeface="Courier New" panose="02070309020205020404" pitchFamily="49" charset="0"/>
               <a:cs typeface="Courier New" panose="02070309020205020404" pitchFamily="49" charset="0"/>
             </a:endParaRPr>
           </a:p>
           <a:p>
             <a:r>
-              <a:rPr lang="en-US" dirty="0">
-                <a:latin typeface="Courier New" panose="02070309020205020404" pitchFamily="49" charset="0"/>
-                <a:cs typeface="Courier New" panose="02070309020205020404" pitchFamily="49" charset="0"/>
-              </a:rPr>
-              <a:t>int main() {</a:t>
-            </a:r>
-          </a:p>
-          <a:p>
-            <a:r>
-              <a:rPr lang="en-US" dirty="0">
-                <a:latin typeface="Courier New" panose="02070309020205020404" pitchFamily="49" charset="0"/>
-                <a:cs typeface="Courier New" panose="02070309020205020404" pitchFamily="49" charset="0"/>
-              </a:rPr>
-              <a:t>    int first = 1;</a:t>
-            </a:r>
-          </a:p>
-          <a:p>
-            <a:r>
-              <a:rPr lang="en-US" dirty="0">
-                <a:latin typeface="Courier New" panose="02070309020205020404" pitchFamily="49" charset="0"/>
-                <a:cs typeface="Courier New" panose="02070309020205020404" pitchFamily="49" charset="0"/>
-              </a:rPr>
-              <a:t>    int </a:t>
-            </a:r>
-            <a:r>
-              <a:rPr lang="en-US" dirty="0" err="1">
+              <a:rPr lang="en-US" sz="1600" dirty="0">
+                <a:latin typeface="Courier New" panose="02070309020205020404" pitchFamily="49" charset="0"/>
+                <a:cs typeface="Courier New" panose="02070309020205020404" pitchFamily="49" charset="0"/>
+              </a:rPr>
+              <a:t>    while(gets(line) != NULL ) {</a:t>
+            </a:r>
+          </a:p>
+          <a:p>
+            <a:r>
+              <a:rPr lang="en-US" sz="1600" dirty="0">
+                <a:latin typeface="Courier New" panose="02070309020205020404" pitchFamily="49" charset="0"/>
+                <a:cs typeface="Courier New" panose="02070309020205020404" pitchFamily="49" charset="0"/>
+              </a:rPr>
+              <a:t>        if ( </a:t>
+            </a:r>
+            <a:r>
+              <a:rPr lang="en-US" sz="1600" dirty="0" err="1">
+                <a:latin typeface="Courier New" panose="02070309020205020404" pitchFamily="49" charset="0"/>
+                <a:cs typeface="Courier New" panose="02070309020205020404" pitchFamily="49" charset="0"/>
+              </a:rPr>
+              <a:t>strcmp</a:t>
+            </a:r>
+            <a:r>
+              <a:rPr lang="en-US" sz="1600" dirty="0">
+                <a:latin typeface="Courier New" panose="02070309020205020404" pitchFamily="49" charset="0"/>
+                <a:cs typeface="Courier New" panose="02070309020205020404" pitchFamily="49" charset="0"/>
+              </a:rPr>
+              <a:t>(</a:t>
+            </a:r>
+            <a:r>
+              <a:rPr lang="en-US" sz="1600" dirty="0" err="1">
+                <a:latin typeface="Courier New" panose="02070309020205020404" pitchFamily="49" charset="0"/>
+                <a:cs typeface="Courier New" panose="02070309020205020404" pitchFamily="49" charset="0"/>
+              </a:rPr>
+              <a:t>line,"done</a:t>
+            </a:r>
+            <a:r>
+              <a:rPr lang="en-US" sz="1600" dirty="0">
+                <a:latin typeface="Courier New" panose="02070309020205020404" pitchFamily="49" charset="0"/>
+                <a:cs typeface="Courier New" panose="02070309020205020404" pitchFamily="49" charset="0"/>
+              </a:rPr>
+              <a:t>") == 0 ) break;</a:t>
+            </a:r>
+          </a:p>
+          <a:p>
+            <a:r>
+              <a:rPr lang="en-US" sz="1600" dirty="0">
+                <a:latin typeface="Courier New" panose="02070309020205020404" pitchFamily="49" charset="0"/>
+                <a:cs typeface="Courier New" panose="02070309020205020404" pitchFamily="49" charset="0"/>
+              </a:rPr>
+              <a:t>        </a:t>
+            </a:r>
+            <a:r>
+              <a:rPr lang="en-US" sz="1600" dirty="0" err="1">
                 <a:latin typeface="Courier New" panose="02070309020205020404" pitchFamily="49" charset="0"/>
                 <a:cs typeface="Courier New" panose="02070309020205020404" pitchFamily="49" charset="0"/>
               </a:rPr>
               <a:t>val</a:t>
             </a:r>
             <a:r>
-              <a:rPr lang="en-US" dirty="0">
-                <a:latin typeface="Courier New" panose="02070309020205020404" pitchFamily="49" charset="0"/>
-                <a:cs typeface="Courier New" panose="02070309020205020404" pitchFamily="49" charset="0"/>
-              </a:rPr>
-              <a:t>, </a:t>
-            </a:r>
-            <a:r>
-              <a:rPr lang="en-US" dirty="0" err="1">
+              <a:rPr lang="en-US" sz="1600" dirty="0">
+                <a:latin typeface="Courier New" panose="02070309020205020404" pitchFamily="49" charset="0"/>
+                <a:cs typeface="Courier New" panose="02070309020205020404" pitchFamily="49" charset="0"/>
+              </a:rPr>
+              <a:t> = </a:t>
+            </a:r>
+            <a:r>
+              <a:rPr lang="en-US" sz="1600" dirty="0" err="1">
+                <a:latin typeface="Courier New" panose="02070309020205020404" pitchFamily="49" charset="0"/>
+                <a:cs typeface="Courier New" panose="02070309020205020404" pitchFamily="49" charset="0"/>
+              </a:rPr>
+              <a:t>atoi</a:t>
+            </a:r>
+            <a:r>
+              <a:rPr lang="en-US" sz="1600" dirty="0">
+                <a:latin typeface="Courier New" panose="02070309020205020404" pitchFamily="49" charset="0"/>
+                <a:cs typeface="Courier New" panose="02070309020205020404" pitchFamily="49" charset="0"/>
+              </a:rPr>
+              <a:t>(line);</a:t>
+            </a:r>
+          </a:p>
+          <a:p>
+            <a:r>
+              <a:rPr lang="en-US" sz="1600" dirty="0">
+                <a:latin typeface="Courier New" panose="02070309020205020404" pitchFamily="49" charset="0"/>
+                <a:cs typeface="Courier New" panose="02070309020205020404" pitchFamily="49" charset="0"/>
+              </a:rPr>
+              <a:t>        if ( first ) {</a:t>
+            </a:r>
+          </a:p>
+          <a:p>
+            <a:r>
+              <a:rPr lang="en-US" sz="1600" dirty="0">
+                <a:latin typeface="Courier New" panose="02070309020205020404" pitchFamily="49" charset="0"/>
+                <a:cs typeface="Courier New" panose="02070309020205020404" pitchFamily="49" charset="0"/>
+              </a:rPr>
+              <a:t>            </a:t>
+            </a:r>
+            <a:r>
+              <a:rPr lang="en-US" sz="1600" dirty="0" err="1">
                 <a:latin typeface="Courier New" panose="02070309020205020404" pitchFamily="49" charset="0"/>
                 <a:cs typeface="Courier New" panose="02070309020205020404" pitchFamily="49" charset="0"/>
               </a:rPr>
               <a:t>maxval</a:t>
             </a:r>
             <a:r>
-              <a:rPr lang="en-US" dirty="0">
-                <a:latin typeface="Courier New" panose="02070309020205020404" pitchFamily="49" charset="0"/>
-                <a:cs typeface="Courier New" panose="02070309020205020404" pitchFamily="49" charset="0"/>
-              </a:rPr>
-              <a:t>, </a:t>
-            </a:r>
-            <a:r>
-              <a:rPr lang="en-US" dirty="0" err="1">
+              <a:rPr lang="en-US" sz="1600" dirty="0">
+                <a:latin typeface="Courier New" panose="02070309020205020404" pitchFamily="49" charset="0"/>
+                <a:cs typeface="Courier New" panose="02070309020205020404" pitchFamily="49" charset="0"/>
+              </a:rPr>
+              <a:t> = </a:t>
+            </a:r>
+            <a:r>
+              <a:rPr lang="en-US" sz="1600" dirty="0" err="1">
+                <a:latin typeface="Courier New" panose="02070309020205020404" pitchFamily="49" charset="0"/>
+                <a:cs typeface="Courier New" panose="02070309020205020404" pitchFamily="49" charset="0"/>
+              </a:rPr>
+              <a:t>val</a:t>
+            </a:r>
+            <a:r>
+              <a:rPr lang="en-US" sz="1600" dirty="0">
+                <a:latin typeface="Courier New" panose="02070309020205020404" pitchFamily="49" charset="0"/>
+                <a:cs typeface="Courier New" panose="02070309020205020404" pitchFamily="49" charset="0"/>
+              </a:rPr>
+              <a:t>;</a:t>
+            </a:r>
+          </a:p>
+          <a:p>
+            <a:r>
+              <a:rPr lang="en-US" sz="1600" dirty="0">
+                <a:latin typeface="Courier New" panose="02070309020205020404" pitchFamily="49" charset="0"/>
+                <a:cs typeface="Courier New" panose="02070309020205020404" pitchFamily="49" charset="0"/>
+              </a:rPr>
+              <a:t>            </a:t>
+            </a:r>
+            <a:r>
+              <a:rPr lang="en-US" sz="1600" dirty="0" err="1">
                 <a:latin typeface="Courier New" panose="02070309020205020404" pitchFamily="49" charset="0"/>
                 <a:cs typeface="Courier New" panose="02070309020205020404" pitchFamily="49" charset="0"/>
               </a:rPr>
               <a:t>minval</a:t>
             </a:r>
             <a:r>
-              <a:rPr lang="en-US" dirty="0">
+              <a:rPr lang="en-US" sz="1600" dirty="0">
+                <a:latin typeface="Courier New" panose="02070309020205020404" pitchFamily="49" charset="0"/>
+                <a:cs typeface="Courier New" panose="02070309020205020404" pitchFamily="49" charset="0"/>
+              </a:rPr>
+              <a:t> = </a:t>
+            </a:r>
+            <a:r>
+              <a:rPr lang="en-US" sz="1600" dirty="0" err="1">
+                <a:latin typeface="Courier New" panose="02070309020205020404" pitchFamily="49" charset="0"/>
+                <a:cs typeface="Courier New" panose="02070309020205020404" pitchFamily="49" charset="0"/>
+              </a:rPr>
+              <a:t>val</a:t>
+            </a:r>
+            <a:r>
+              <a:rPr lang="en-US" sz="1600" dirty="0">
                 <a:latin typeface="Courier New" panose="02070309020205020404" pitchFamily="49" charset="0"/>
                 <a:cs typeface="Courier New" panose="02070309020205020404" pitchFamily="49" charset="0"/>
               </a:rPr>
@@ -6560,337 +6363,245 @@
             </a:r>
           </a:p>
           <a:p>
-            <a:endParaRPr lang="en-US" dirty="0">
+            <a:r>
+              <a:rPr lang="en-US" sz="1600" dirty="0">
+                <a:latin typeface="Courier New" panose="02070309020205020404" pitchFamily="49" charset="0"/>
+                <a:cs typeface="Courier New" panose="02070309020205020404" pitchFamily="49" charset="0"/>
+              </a:rPr>
+              <a:t>            first = 0;</a:t>
+            </a:r>
+          </a:p>
+          <a:p>
+            <a:r>
+              <a:rPr lang="en-US" sz="1600" dirty="0">
+                <a:latin typeface="Courier New" panose="02070309020205020404" pitchFamily="49" charset="0"/>
+                <a:cs typeface="Courier New" panose="02070309020205020404" pitchFamily="49" charset="0"/>
+              </a:rPr>
+              <a:t>        } else {</a:t>
+            </a:r>
+          </a:p>
+          <a:p>
+            <a:r>
+              <a:rPr lang="en-US" sz="1600" dirty="0">
+                <a:latin typeface="Courier New" panose="02070309020205020404" pitchFamily="49" charset="0"/>
+                <a:cs typeface="Courier New" panose="02070309020205020404" pitchFamily="49" charset="0"/>
+              </a:rPr>
+              <a:t>            if ( </a:t>
+            </a:r>
+            <a:r>
+              <a:rPr lang="en-US" sz="1600" dirty="0" err="1">
+                <a:latin typeface="Courier New" panose="02070309020205020404" pitchFamily="49" charset="0"/>
+                <a:cs typeface="Courier New" panose="02070309020205020404" pitchFamily="49" charset="0"/>
+              </a:rPr>
+              <a:t>val</a:t>
+            </a:r>
+            <a:r>
+              <a:rPr lang="en-US" sz="1600" dirty="0">
+                <a:latin typeface="Courier New" panose="02070309020205020404" pitchFamily="49" charset="0"/>
+                <a:cs typeface="Courier New" panose="02070309020205020404" pitchFamily="49" charset="0"/>
+              </a:rPr>
+              <a:t> &gt; </a:t>
+            </a:r>
+            <a:r>
+              <a:rPr lang="en-US" sz="1600" dirty="0" err="1">
+                <a:latin typeface="Courier New" panose="02070309020205020404" pitchFamily="49" charset="0"/>
+                <a:cs typeface="Courier New" panose="02070309020205020404" pitchFamily="49" charset="0"/>
+              </a:rPr>
+              <a:t>maxval</a:t>
+            </a:r>
+            <a:r>
+              <a:rPr lang="en-US" sz="1600" dirty="0">
+                <a:latin typeface="Courier New" panose="02070309020205020404" pitchFamily="49" charset="0"/>
+                <a:cs typeface="Courier New" panose="02070309020205020404" pitchFamily="49" charset="0"/>
+              </a:rPr>
+              <a:t> ) </a:t>
+            </a:r>
+            <a:r>
+              <a:rPr lang="en-US" sz="1600" dirty="0" err="1">
+                <a:latin typeface="Courier New" panose="02070309020205020404" pitchFamily="49" charset="0"/>
+                <a:cs typeface="Courier New" panose="02070309020205020404" pitchFamily="49" charset="0"/>
+              </a:rPr>
+              <a:t>maxval</a:t>
+            </a:r>
+            <a:r>
+              <a:rPr lang="en-US" sz="1600" dirty="0">
+                <a:latin typeface="Courier New" panose="02070309020205020404" pitchFamily="49" charset="0"/>
+                <a:cs typeface="Courier New" panose="02070309020205020404" pitchFamily="49" charset="0"/>
+              </a:rPr>
+              <a:t> = </a:t>
+            </a:r>
+            <a:r>
+              <a:rPr lang="en-US" sz="1600" dirty="0" err="1">
+                <a:latin typeface="Courier New" panose="02070309020205020404" pitchFamily="49" charset="0"/>
+                <a:cs typeface="Courier New" panose="02070309020205020404" pitchFamily="49" charset="0"/>
+              </a:rPr>
+              <a:t>val</a:t>
+            </a:r>
+            <a:r>
+              <a:rPr lang="en-US" sz="1600" dirty="0">
+                <a:latin typeface="Courier New" panose="02070309020205020404" pitchFamily="49" charset="0"/>
+                <a:cs typeface="Courier New" panose="02070309020205020404" pitchFamily="49" charset="0"/>
+              </a:rPr>
+              <a:t>;</a:t>
+            </a:r>
+          </a:p>
+          <a:p>
+            <a:r>
+              <a:rPr lang="en-US" sz="1600" dirty="0">
+                <a:latin typeface="Courier New" panose="02070309020205020404" pitchFamily="49" charset="0"/>
+                <a:cs typeface="Courier New" panose="02070309020205020404" pitchFamily="49" charset="0"/>
+              </a:rPr>
+              <a:t>            if ( </a:t>
+            </a:r>
+            <a:r>
+              <a:rPr lang="en-US" sz="1600" dirty="0" err="1">
+                <a:latin typeface="Courier New" panose="02070309020205020404" pitchFamily="49" charset="0"/>
+                <a:cs typeface="Courier New" panose="02070309020205020404" pitchFamily="49" charset="0"/>
+              </a:rPr>
+              <a:t>val</a:t>
+            </a:r>
+            <a:r>
+              <a:rPr lang="en-US" sz="1600" dirty="0">
+                <a:latin typeface="Courier New" panose="02070309020205020404" pitchFamily="49" charset="0"/>
+                <a:cs typeface="Courier New" panose="02070309020205020404" pitchFamily="49" charset="0"/>
+              </a:rPr>
+              <a:t> &lt; </a:t>
+            </a:r>
+            <a:r>
+              <a:rPr lang="en-US" sz="1600" dirty="0" err="1">
+                <a:latin typeface="Courier New" panose="02070309020205020404" pitchFamily="49" charset="0"/>
+                <a:cs typeface="Courier New" panose="02070309020205020404" pitchFamily="49" charset="0"/>
+              </a:rPr>
+              <a:t>minval</a:t>
+            </a:r>
+            <a:r>
+              <a:rPr lang="en-US" sz="1600" dirty="0">
+                <a:latin typeface="Courier New" panose="02070309020205020404" pitchFamily="49" charset="0"/>
+                <a:cs typeface="Courier New" panose="02070309020205020404" pitchFamily="49" charset="0"/>
+              </a:rPr>
+              <a:t> ) </a:t>
+            </a:r>
+            <a:r>
+              <a:rPr lang="en-US" sz="1600" dirty="0" err="1">
+                <a:latin typeface="Courier New" panose="02070309020205020404" pitchFamily="49" charset="0"/>
+                <a:cs typeface="Courier New" panose="02070309020205020404" pitchFamily="49" charset="0"/>
+              </a:rPr>
+              <a:t>minval</a:t>
+            </a:r>
+            <a:r>
+              <a:rPr lang="en-US" sz="1600" dirty="0">
+                <a:latin typeface="Courier New" panose="02070309020205020404" pitchFamily="49" charset="0"/>
+                <a:cs typeface="Courier New" panose="02070309020205020404" pitchFamily="49" charset="0"/>
+              </a:rPr>
+              <a:t> = </a:t>
+            </a:r>
+            <a:r>
+              <a:rPr lang="en-US" sz="1600" dirty="0" err="1">
+                <a:latin typeface="Courier New" panose="02070309020205020404" pitchFamily="49" charset="0"/>
+                <a:cs typeface="Courier New" panose="02070309020205020404" pitchFamily="49" charset="0"/>
+              </a:rPr>
+              <a:t>val</a:t>
+            </a:r>
+            <a:r>
+              <a:rPr lang="en-US" sz="1600" dirty="0">
+                <a:latin typeface="Courier New" panose="02070309020205020404" pitchFamily="49" charset="0"/>
+                <a:cs typeface="Courier New" panose="02070309020205020404" pitchFamily="49" charset="0"/>
+              </a:rPr>
+              <a:t>;</a:t>
+            </a:r>
+          </a:p>
+          <a:p>
+            <a:r>
+              <a:rPr lang="en-US" sz="1600" dirty="0">
+                <a:latin typeface="Courier New" panose="02070309020205020404" pitchFamily="49" charset="0"/>
+                <a:cs typeface="Courier New" panose="02070309020205020404" pitchFamily="49" charset="0"/>
+              </a:rPr>
+              <a:t>        }</a:t>
+            </a:r>
+          </a:p>
+          <a:p>
+            <a:r>
+              <a:rPr lang="en-US" sz="1600" dirty="0">
+                <a:latin typeface="Courier New" panose="02070309020205020404" pitchFamily="49" charset="0"/>
+                <a:cs typeface="Courier New" panose="02070309020205020404" pitchFamily="49" charset="0"/>
+              </a:rPr>
+              <a:t>    }</a:t>
+            </a:r>
+          </a:p>
+          <a:p>
+            <a:endParaRPr lang="en-US" sz="1600" dirty="0">
               <a:latin typeface="Courier New" panose="02070309020205020404" pitchFamily="49" charset="0"/>
               <a:cs typeface="Courier New" panose="02070309020205020404" pitchFamily="49" charset="0"/>
             </a:endParaRPr>
           </a:p>
           <a:p>
             <a:r>
-              <a:rPr lang="en-US" dirty="0">
-                <a:latin typeface="Courier New" panose="02070309020205020404" pitchFamily="49" charset="0"/>
-                <a:cs typeface="Courier New" panose="02070309020205020404" pitchFamily="49" charset="0"/>
-              </a:rPr>
-              <a:t>    while(</a:t>
-            </a:r>
-            <a:r>
-              <a:rPr lang="en-US" dirty="0" err="1">
-                <a:latin typeface="Courier New" panose="02070309020205020404" pitchFamily="49" charset="0"/>
-                <a:cs typeface="Courier New" panose="02070309020205020404" pitchFamily="49" charset="0"/>
-              </a:rPr>
-              <a:t>scanf</a:t>
-            </a:r>
-            <a:r>
-              <a:rPr lang="en-US" dirty="0">
-                <a:latin typeface="Courier New" panose="02070309020205020404" pitchFamily="49" charset="0"/>
-                <a:cs typeface="Courier New" panose="02070309020205020404" pitchFamily="49" charset="0"/>
-              </a:rPr>
-              <a:t>("%d",&amp;</a:t>
-            </a:r>
-            <a:r>
-              <a:rPr lang="en-US" dirty="0" err="1">
-                <a:latin typeface="Courier New" panose="02070309020205020404" pitchFamily="49" charset="0"/>
-                <a:cs typeface="Courier New" panose="02070309020205020404" pitchFamily="49" charset="0"/>
-              </a:rPr>
-              <a:t>val</a:t>
-            </a:r>
-            <a:r>
-              <a:rPr lang="en-US" dirty="0">
-                <a:latin typeface="Courier New" panose="02070309020205020404" pitchFamily="49" charset="0"/>
-                <a:cs typeface="Courier New" panose="02070309020205020404" pitchFamily="49" charset="0"/>
-              </a:rPr>
-              <a:t>) != EOF ) {</a:t>
-            </a:r>
-          </a:p>
-          <a:p>
-            <a:r>
-              <a:rPr lang="en-US" dirty="0">
-                <a:latin typeface="Courier New" panose="02070309020205020404" pitchFamily="49" charset="0"/>
-                <a:cs typeface="Courier New" panose="02070309020205020404" pitchFamily="49" charset="0"/>
-              </a:rPr>
-              <a:t>        if ( first ) {</a:t>
-            </a:r>
-          </a:p>
-          <a:p>
-            <a:r>
-              <a:rPr lang="en-US" dirty="0">
-                <a:latin typeface="Courier New" panose="02070309020205020404" pitchFamily="49" charset="0"/>
-                <a:cs typeface="Courier New" panose="02070309020205020404" pitchFamily="49" charset="0"/>
-              </a:rPr>
-              <a:t>            </a:t>
-            </a:r>
-            <a:r>
-              <a:rPr lang="en-US" dirty="0" err="1">
+              <a:rPr lang="en-US" sz="1600" dirty="0">
+                <a:latin typeface="Courier New" panose="02070309020205020404" pitchFamily="49" charset="0"/>
+                <a:cs typeface="Courier New" panose="02070309020205020404" pitchFamily="49" charset="0"/>
+              </a:rPr>
+              <a:t>    </a:t>
+            </a:r>
+            <a:r>
+              <a:rPr lang="en-US" sz="1600" dirty="0" err="1">
+                <a:latin typeface="Courier New" panose="02070309020205020404" pitchFamily="49" charset="0"/>
+                <a:cs typeface="Courier New" panose="02070309020205020404" pitchFamily="49" charset="0"/>
+              </a:rPr>
+              <a:t>printf</a:t>
+            </a:r>
+            <a:r>
+              <a:rPr lang="en-US" sz="1600" dirty="0">
+                <a:latin typeface="Courier New" panose="02070309020205020404" pitchFamily="49" charset="0"/>
+                <a:cs typeface="Courier New" panose="02070309020205020404" pitchFamily="49" charset="0"/>
+              </a:rPr>
+              <a:t>("Maximum %d\n", </a:t>
+            </a:r>
+            <a:r>
+              <a:rPr lang="en-US" sz="1600" dirty="0" err="1">
                 <a:latin typeface="Courier New" panose="02070309020205020404" pitchFamily="49" charset="0"/>
                 <a:cs typeface="Courier New" panose="02070309020205020404" pitchFamily="49" charset="0"/>
               </a:rPr>
               <a:t>maxval</a:t>
             </a:r>
             <a:r>
-              <a:rPr lang="en-US" dirty="0">
-                <a:latin typeface="Courier New" panose="02070309020205020404" pitchFamily="49" charset="0"/>
-                <a:cs typeface="Courier New" panose="02070309020205020404" pitchFamily="49" charset="0"/>
-              </a:rPr>
-              <a:t> = </a:t>
-            </a:r>
-            <a:r>
-              <a:rPr lang="en-US" dirty="0" err="1">
-                <a:latin typeface="Courier New" panose="02070309020205020404" pitchFamily="49" charset="0"/>
-                <a:cs typeface="Courier New" panose="02070309020205020404" pitchFamily="49" charset="0"/>
-              </a:rPr>
-              <a:t>val</a:t>
-            </a:r>
-            <a:r>
-              <a:rPr lang="en-US" dirty="0">
-                <a:latin typeface="Courier New" panose="02070309020205020404" pitchFamily="49" charset="0"/>
-                <a:cs typeface="Courier New" panose="02070309020205020404" pitchFamily="49" charset="0"/>
-              </a:rPr>
-              <a:t>;</a:t>
-            </a:r>
-          </a:p>
-          <a:p>
-            <a:r>
-              <a:rPr lang="en-US" dirty="0">
-                <a:latin typeface="Courier New" panose="02070309020205020404" pitchFamily="49" charset="0"/>
-                <a:cs typeface="Courier New" panose="02070309020205020404" pitchFamily="49" charset="0"/>
-              </a:rPr>
-              <a:t>            </a:t>
-            </a:r>
-            <a:r>
-              <a:rPr lang="en-US" dirty="0" err="1">
+              <a:rPr lang="en-US" sz="1600" dirty="0">
+                <a:latin typeface="Courier New" panose="02070309020205020404" pitchFamily="49" charset="0"/>
+                <a:cs typeface="Courier New" panose="02070309020205020404" pitchFamily="49" charset="0"/>
+              </a:rPr>
+              <a:t>);</a:t>
+            </a:r>
+          </a:p>
+          <a:p>
+            <a:r>
+              <a:rPr lang="en-US" sz="1600" dirty="0">
+                <a:latin typeface="Courier New" panose="02070309020205020404" pitchFamily="49" charset="0"/>
+                <a:cs typeface="Courier New" panose="02070309020205020404" pitchFamily="49" charset="0"/>
+              </a:rPr>
+              <a:t>    </a:t>
+            </a:r>
+            <a:r>
+              <a:rPr lang="en-US" sz="1600" dirty="0" err="1">
+                <a:latin typeface="Courier New" panose="02070309020205020404" pitchFamily="49" charset="0"/>
+                <a:cs typeface="Courier New" panose="02070309020205020404" pitchFamily="49" charset="0"/>
+              </a:rPr>
+              <a:t>printf</a:t>
+            </a:r>
+            <a:r>
+              <a:rPr lang="en-US" sz="1600" dirty="0">
+                <a:latin typeface="Courier New" panose="02070309020205020404" pitchFamily="49" charset="0"/>
+                <a:cs typeface="Courier New" panose="02070309020205020404" pitchFamily="49" charset="0"/>
+              </a:rPr>
+              <a:t>("Minimum %d\n", </a:t>
+            </a:r>
+            <a:r>
+              <a:rPr lang="en-US" sz="1600" dirty="0" err="1">
                 <a:latin typeface="Courier New" panose="02070309020205020404" pitchFamily="49" charset="0"/>
                 <a:cs typeface="Courier New" panose="02070309020205020404" pitchFamily="49" charset="0"/>
               </a:rPr>
               <a:t>minval</a:t>
             </a:r>
             <a:r>
-              <a:rPr lang="en-US" dirty="0">
-                <a:latin typeface="Courier New" panose="02070309020205020404" pitchFamily="49" charset="0"/>
-                <a:cs typeface="Courier New" panose="02070309020205020404" pitchFamily="49" charset="0"/>
-              </a:rPr>
-              <a:t> = </a:t>
-            </a:r>
-            <a:r>
-              <a:rPr lang="en-US" dirty="0" err="1">
-                <a:latin typeface="Courier New" panose="02070309020205020404" pitchFamily="49" charset="0"/>
-                <a:cs typeface="Courier New" panose="02070309020205020404" pitchFamily="49" charset="0"/>
-              </a:rPr>
-              <a:t>val</a:t>
-            </a:r>
-            <a:r>
-              <a:rPr lang="en-US" dirty="0">
-                <a:latin typeface="Courier New" panose="02070309020205020404" pitchFamily="49" charset="0"/>
-                <a:cs typeface="Courier New" panose="02070309020205020404" pitchFamily="49" charset="0"/>
-              </a:rPr>
-              <a:t>;</a:t>
-            </a:r>
-          </a:p>
-          <a:p>
-            <a:r>
-              <a:rPr lang="en-US" dirty="0">
-                <a:latin typeface="Courier New" panose="02070309020205020404" pitchFamily="49" charset="0"/>
-                <a:cs typeface="Courier New" panose="02070309020205020404" pitchFamily="49" charset="0"/>
-              </a:rPr>
-              <a:t>            first = 0;</a:t>
-            </a:r>
-          </a:p>
-          <a:p>
-            <a:r>
-              <a:rPr lang="en-US" dirty="0">
-                <a:latin typeface="Courier New" panose="02070309020205020404" pitchFamily="49" charset="0"/>
-                <a:cs typeface="Courier New" panose="02070309020205020404" pitchFamily="49" charset="0"/>
-              </a:rPr>
-              <a:t>        } else {</a:t>
-            </a:r>
-          </a:p>
-          <a:p>
-            <a:r>
-              <a:rPr lang="en-US" dirty="0">
-                <a:latin typeface="Courier New" panose="02070309020205020404" pitchFamily="49" charset="0"/>
-                <a:cs typeface="Courier New" panose="02070309020205020404" pitchFamily="49" charset="0"/>
-              </a:rPr>
-              <a:t>            if ( </a:t>
-            </a:r>
-            <a:r>
-              <a:rPr lang="en-US" dirty="0" err="1">
-                <a:latin typeface="Courier New" panose="02070309020205020404" pitchFamily="49" charset="0"/>
-                <a:cs typeface="Courier New" panose="02070309020205020404" pitchFamily="49" charset="0"/>
-              </a:rPr>
-              <a:t>val</a:t>
-            </a:r>
-            <a:r>
-              <a:rPr lang="en-US" dirty="0">
-                <a:latin typeface="Courier New" panose="02070309020205020404" pitchFamily="49" charset="0"/>
-                <a:cs typeface="Courier New" panose="02070309020205020404" pitchFamily="49" charset="0"/>
-              </a:rPr>
-              <a:t> &gt; </a:t>
-            </a:r>
-            <a:r>
-              <a:rPr lang="en-US" dirty="0" err="1">
-                <a:latin typeface="Courier New" panose="02070309020205020404" pitchFamily="49" charset="0"/>
-                <a:cs typeface="Courier New" panose="02070309020205020404" pitchFamily="49" charset="0"/>
-              </a:rPr>
-              <a:t>maxval</a:t>
-            </a:r>
-            <a:r>
-              <a:rPr lang="en-US" dirty="0">
-                <a:latin typeface="Courier New" panose="02070309020205020404" pitchFamily="49" charset="0"/>
-                <a:cs typeface="Courier New" panose="02070309020205020404" pitchFamily="49" charset="0"/>
-              </a:rPr>
-              <a:t> ) </a:t>
-            </a:r>
-            <a:r>
-              <a:rPr lang="en-US" dirty="0" err="1">
-                <a:latin typeface="Courier New" panose="02070309020205020404" pitchFamily="49" charset="0"/>
-                <a:cs typeface="Courier New" panose="02070309020205020404" pitchFamily="49" charset="0"/>
-              </a:rPr>
-              <a:t>maxval</a:t>
-            </a:r>
-            <a:r>
-              <a:rPr lang="en-US" dirty="0">
-                <a:latin typeface="Courier New" panose="02070309020205020404" pitchFamily="49" charset="0"/>
-                <a:cs typeface="Courier New" panose="02070309020205020404" pitchFamily="49" charset="0"/>
-              </a:rPr>
-              <a:t> = </a:t>
-            </a:r>
-            <a:r>
-              <a:rPr lang="en-US" dirty="0" err="1">
-                <a:latin typeface="Courier New" panose="02070309020205020404" pitchFamily="49" charset="0"/>
-                <a:cs typeface="Courier New" panose="02070309020205020404" pitchFamily="49" charset="0"/>
-              </a:rPr>
-              <a:t>val</a:t>
-            </a:r>
-            <a:r>
-              <a:rPr lang="en-US" dirty="0">
-                <a:latin typeface="Courier New" panose="02070309020205020404" pitchFamily="49" charset="0"/>
-                <a:cs typeface="Courier New" panose="02070309020205020404" pitchFamily="49" charset="0"/>
-              </a:rPr>
-              <a:t>;</a:t>
-            </a:r>
-          </a:p>
-          <a:p>
-            <a:r>
-              <a:rPr lang="en-US" dirty="0">
-                <a:latin typeface="Courier New" panose="02070309020205020404" pitchFamily="49" charset="0"/>
-                <a:cs typeface="Courier New" panose="02070309020205020404" pitchFamily="49" charset="0"/>
-              </a:rPr>
-              <a:t>            if ( </a:t>
-            </a:r>
-            <a:r>
-              <a:rPr lang="en-US" dirty="0" err="1">
-                <a:latin typeface="Courier New" panose="02070309020205020404" pitchFamily="49" charset="0"/>
-                <a:cs typeface="Courier New" panose="02070309020205020404" pitchFamily="49" charset="0"/>
-              </a:rPr>
-              <a:t>val</a:t>
-            </a:r>
-            <a:r>
-              <a:rPr lang="en-US" dirty="0">
-                <a:latin typeface="Courier New" panose="02070309020205020404" pitchFamily="49" charset="0"/>
-                <a:cs typeface="Courier New" panose="02070309020205020404" pitchFamily="49" charset="0"/>
-              </a:rPr>
-              <a:t> &lt; </a:t>
-            </a:r>
-            <a:r>
-              <a:rPr lang="en-US" dirty="0" err="1">
-                <a:latin typeface="Courier New" panose="02070309020205020404" pitchFamily="49" charset="0"/>
-                <a:cs typeface="Courier New" panose="02070309020205020404" pitchFamily="49" charset="0"/>
-              </a:rPr>
-              <a:t>minval</a:t>
-            </a:r>
-            <a:r>
-              <a:rPr lang="en-US" dirty="0">
-                <a:latin typeface="Courier New" panose="02070309020205020404" pitchFamily="49" charset="0"/>
-                <a:cs typeface="Courier New" panose="02070309020205020404" pitchFamily="49" charset="0"/>
-              </a:rPr>
-              <a:t> ) </a:t>
-            </a:r>
-            <a:r>
-              <a:rPr lang="en-US" dirty="0" err="1">
-                <a:latin typeface="Courier New" panose="02070309020205020404" pitchFamily="49" charset="0"/>
-                <a:cs typeface="Courier New" panose="02070309020205020404" pitchFamily="49" charset="0"/>
-              </a:rPr>
-              <a:t>minval</a:t>
-            </a:r>
-            <a:r>
-              <a:rPr lang="en-US" dirty="0">
-                <a:latin typeface="Courier New" panose="02070309020205020404" pitchFamily="49" charset="0"/>
-                <a:cs typeface="Courier New" panose="02070309020205020404" pitchFamily="49" charset="0"/>
-              </a:rPr>
-              <a:t> = </a:t>
-            </a:r>
-            <a:r>
-              <a:rPr lang="en-US" dirty="0" err="1">
-                <a:latin typeface="Courier New" panose="02070309020205020404" pitchFamily="49" charset="0"/>
-                <a:cs typeface="Courier New" panose="02070309020205020404" pitchFamily="49" charset="0"/>
-              </a:rPr>
-              <a:t>val</a:t>
-            </a:r>
-            <a:r>
-              <a:rPr lang="en-US" dirty="0">
-                <a:latin typeface="Courier New" panose="02070309020205020404" pitchFamily="49" charset="0"/>
-                <a:cs typeface="Courier New" panose="02070309020205020404" pitchFamily="49" charset="0"/>
-              </a:rPr>
-              <a:t>;</a:t>
-            </a:r>
-          </a:p>
-          <a:p>
-            <a:r>
-              <a:rPr lang="en-US" dirty="0">
-                <a:latin typeface="Courier New" panose="02070309020205020404" pitchFamily="49" charset="0"/>
-                <a:cs typeface="Courier New" panose="02070309020205020404" pitchFamily="49" charset="0"/>
-              </a:rPr>
-              <a:t>        }</a:t>
-            </a:r>
-          </a:p>
-          <a:p>
-            <a:r>
-              <a:rPr lang="en-US" dirty="0">
-                <a:latin typeface="Courier New" panose="02070309020205020404" pitchFamily="49" charset="0"/>
-                <a:cs typeface="Courier New" panose="02070309020205020404" pitchFamily="49" charset="0"/>
-              </a:rPr>
-              <a:t>    }</a:t>
-            </a:r>
-          </a:p>
-          <a:p>
-            <a:r>
-              <a:rPr lang="en-US" dirty="0">
-                <a:latin typeface="Courier New" panose="02070309020205020404" pitchFamily="49" charset="0"/>
-                <a:cs typeface="Courier New" panose="02070309020205020404" pitchFamily="49" charset="0"/>
-              </a:rPr>
-              <a:t>        </a:t>
-            </a:r>
-          </a:p>
-          <a:p>
-            <a:r>
-              <a:rPr lang="en-US" dirty="0">
-                <a:latin typeface="Courier New" panose="02070309020205020404" pitchFamily="49" charset="0"/>
-                <a:cs typeface="Courier New" panose="02070309020205020404" pitchFamily="49" charset="0"/>
-              </a:rPr>
-              <a:t>    </a:t>
-            </a:r>
-            <a:r>
-              <a:rPr lang="en-US" dirty="0" err="1">
-                <a:latin typeface="Courier New" panose="02070309020205020404" pitchFamily="49" charset="0"/>
-                <a:cs typeface="Courier New" panose="02070309020205020404" pitchFamily="49" charset="0"/>
-              </a:rPr>
-              <a:t>printf</a:t>
-            </a:r>
-            <a:r>
-              <a:rPr lang="en-US" dirty="0">
-                <a:latin typeface="Courier New" panose="02070309020205020404" pitchFamily="49" charset="0"/>
-                <a:cs typeface="Courier New" panose="02070309020205020404" pitchFamily="49" charset="0"/>
-              </a:rPr>
-              <a:t>("Maximum %d\n", </a:t>
-            </a:r>
-            <a:r>
-              <a:rPr lang="en-US" dirty="0" err="1">
-                <a:latin typeface="Courier New" panose="02070309020205020404" pitchFamily="49" charset="0"/>
-                <a:cs typeface="Courier New" panose="02070309020205020404" pitchFamily="49" charset="0"/>
-              </a:rPr>
-              <a:t>maxval</a:t>
-            </a:r>
-            <a:r>
-              <a:rPr lang="en-US" dirty="0">
+              <a:rPr lang="en-US" sz="1600" dirty="0">
                 <a:latin typeface="Courier New" panose="02070309020205020404" pitchFamily="49" charset="0"/>
                 <a:cs typeface="Courier New" panose="02070309020205020404" pitchFamily="49" charset="0"/>
               </a:rPr>
@@ -6899,44 +6610,7 @@
           </a:p>
           <a:p>
             <a:r>
-              <a:rPr lang="en-US" dirty="0">
-                <a:latin typeface="Courier New" panose="02070309020205020404" pitchFamily="49" charset="0"/>
-                <a:cs typeface="Courier New" panose="02070309020205020404" pitchFamily="49" charset="0"/>
-              </a:rPr>
-              <a:t>    </a:t>
-            </a:r>
-            <a:r>
-              <a:rPr lang="en-US" dirty="0" err="1">
-                <a:latin typeface="Courier New" panose="02070309020205020404" pitchFamily="49" charset="0"/>
-                <a:cs typeface="Courier New" panose="02070309020205020404" pitchFamily="49" charset="0"/>
-              </a:rPr>
-              <a:t>printf</a:t>
-            </a:r>
-            <a:r>
-              <a:rPr lang="en-US" dirty="0">
-                <a:latin typeface="Courier New" panose="02070309020205020404" pitchFamily="49" charset="0"/>
-                <a:cs typeface="Courier New" panose="02070309020205020404" pitchFamily="49" charset="0"/>
-              </a:rPr>
-              <a:t>("Minimum %d\n", </a:t>
-            </a:r>
-            <a:r>
-              <a:rPr lang="en-US" dirty="0" err="1">
-                <a:latin typeface="Courier New" panose="02070309020205020404" pitchFamily="49" charset="0"/>
-                <a:cs typeface="Courier New" panose="02070309020205020404" pitchFamily="49" charset="0"/>
-              </a:rPr>
-              <a:t>minval</a:t>
-            </a:r>
-            <a:r>
-              <a:rPr lang="en-US" dirty="0">
-                <a:latin typeface="Courier New" panose="02070309020205020404" pitchFamily="49" charset="0"/>
-                <a:cs typeface="Courier New" panose="02070309020205020404" pitchFamily="49" charset="0"/>
-              </a:rPr>
-              <a:t>);</a:t>
-            </a:r>
-          </a:p>
-          <a:p>
-            <a:r>
-              <a:rPr lang="en-US" dirty="0">
+              <a:rPr lang="en-US" sz="1600" dirty="0">
                 <a:latin typeface="Courier New" panose="02070309020205020404" pitchFamily="49" charset="0"/>
                 <a:cs typeface="Courier New" panose="02070309020205020404" pitchFamily="49" charset="0"/>
               </a:rPr>
@@ -6959,8 +6633,8 @@
         </p:nvSpPr>
         <p:spPr>
           <a:xfrm>
-            <a:off x="2253614" y="1690688"/>
-            <a:ext cx="1425390" cy="3693319"/>
+            <a:off x="1086295" y="2534055"/>
+            <a:ext cx="5009705" cy="2308324"/>
           </a:xfrm>
           <a:prstGeom prst="rect">
             <a:avLst/>
@@ -6977,6 +6651,22 @@
               <a:rPr lang="en-US" dirty="0">
                 <a:latin typeface="Monaco" pitchFamily="2" charset="77"/>
               </a:rPr>
+              <a:t>warning: this program uses gets(), </a:t>
+            </a:r>
+          </a:p>
+          <a:p>
+            <a:r>
+              <a:rPr lang="en-US" dirty="0">
+                <a:latin typeface="Monaco" pitchFamily="2" charset="77"/>
+              </a:rPr>
+              <a:t>  which is unsafe.</a:t>
+            </a:r>
+          </a:p>
+          <a:p>
+            <a:r>
+              <a:rPr lang="en-US" dirty="0">
+                <a:latin typeface="Monaco" pitchFamily="2" charset="77"/>
+              </a:rPr>
               <a:t>5</a:t>
             </a:r>
           </a:p>
@@ -7001,7 +6691,7 @@
               <a:rPr lang="en-US" dirty="0">
                 <a:latin typeface="Monaco" pitchFamily="2" charset="77"/>
               </a:rPr>
-              <a:t>(EOF)</a:t>
+              <a:t>done</a:t>
             </a:r>
           </a:p>
           <a:p>
@@ -7020,53 +6710,6 @@
               <a:t>Minimum 2</a:t>
             </a:r>
           </a:p>
-          <a:p>
-            <a:endParaRPr lang="en-US" dirty="0">
-              <a:latin typeface="Monaco" pitchFamily="2" charset="77"/>
-            </a:endParaRPr>
-          </a:p>
-          <a:p>
-            <a:endParaRPr lang="en-US" dirty="0">
-              <a:latin typeface="Monaco" pitchFamily="2" charset="77"/>
-            </a:endParaRPr>
-          </a:p>
-          <a:p>
-            <a:endParaRPr lang="en-US" dirty="0">
-              <a:latin typeface="Monaco" pitchFamily="2" charset="77"/>
-            </a:endParaRPr>
-          </a:p>
-          <a:p>
-            <a:r>
-              <a:rPr lang="en-US" dirty="0">
-                <a:latin typeface="Monaco" pitchFamily="2" charset="77"/>
-              </a:rPr>
-              <a:t>5 2 9</a:t>
-            </a:r>
-          </a:p>
-          <a:p>
-            <a:r>
-              <a:rPr lang="en-US" dirty="0">
-                <a:latin typeface="Monaco" pitchFamily="2" charset="77"/>
-              </a:rPr>
-              <a:t>(EOF)</a:t>
-            </a:r>
-          </a:p>
-          <a:p>
-            <a:r>
-              <a:rPr lang="en-US" dirty="0">
-                <a:latin typeface="Monaco" pitchFamily="2" charset="77"/>
-              </a:rPr>
-              <a:t>Maximum 9</a:t>
-            </a:r>
-          </a:p>
-          <a:p>
-            <a:r>
-              <a:rPr lang="en-US" dirty="0">
-                <a:latin typeface="Monaco" pitchFamily="2" charset="77"/>
-              </a:rPr>
-              <a:t>Minimum 2</a:t>
-            </a:r>
-          </a:p>
         </p:txBody>
       </p:sp>
       <p:sp>
@@ -7074,7 +6717,7 @@
           <p:cNvPr id="6" name="TextBox 5">
             <a:extLst>
               <a:ext uri="{FF2B5EF4-FFF2-40B4-BE49-F238E27FC236}">
-                <a16:creationId xmlns:a16="http://schemas.microsoft.com/office/drawing/2014/main" id="{DA1DE167-0E6E-B081-0CCE-F2ADE4702860}"/>
+                <a16:creationId xmlns:a16="http://schemas.microsoft.com/office/drawing/2014/main" id="{A854214C-9B57-45D9-2941-E5D785607661}"/>
               </a:ext>
             </a:extLst>
           </p:cNvPr>
@@ -7083,8 +6726,8 @@
         </p:nvSpPr>
         <p:spPr>
           <a:xfrm>
-            <a:off x="10363200" y="6323598"/>
-            <a:ext cx="1697181" cy="338554"/>
+            <a:off x="10508673" y="6323598"/>
+            <a:ext cx="1413163" cy="338554"/>
           </a:xfrm>
           <a:prstGeom prst="rect">
             <a:avLst/>
@@ -7105,7 +6748,7 @@
                 <a:effectLst/>
                 <a:latin typeface="Menlo" panose="020B0609030804020204" pitchFamily="49" charset="0"/>
               </a:rPr>
-              <a:t>cc_02_08_b.c</a:t>
+              <a:t>cc_02_08.c</a:t>
             </a:r>
           </a:p>
         </p:txBody>
@@ -7113,7 +6756,7 @@
     </p:spTree>
     <p:extLst>
       <p:ext uri="{BB962C8B-B14F-4D97-AF65-F5344CB8AC3E}">
-        <p14:creationId xmlns:p14="http://schemas.microsoft.com/office/powerpoint/2010/main" val="2735925725"/>
+        <p14:creationId xmlns:p14="http://schemas.microsoft.com/office/powerpoint/2010/main" val="4109945481"/>
       </p:ext>
     </p:extLst>
   </p:cSld>
@@ -7163,6 +6806,740 @@
           <a:p>
             <a:r>
               <a:rPr lang="en-US" dirty="0"/>
+              <a:t>Max / Min v2</a:t>
+            </a:r>
+          </a:p>
+        </p:txBody>
+      </p:sp>
+      <p:sp>
+        <p:nvSpPr>
+          <p:cNvPr id="5" name="TextBox 4">
+            <a:extLst>
+              <a:ext uri="{FF2B5EF4-FFF2-40B4-BE49-F238E27FC236}">
+                <a16:creationId xmlns:a16="http://schemas.microsoft.com/office/drawing/2014/main" id="{FDC36094-8775-EBE3-1FED-6DF8907EC500}"/>
+              </a:ext>
+            </a:extLst>
+          </p:cNvPr>
+          <p:cNvSpPr txBox="1"/>
+          <p:nvPr/>
+        </p:nvSpPr>
+        <p:spPr>
+          <a:xfrm>
+            <a:off x="5144352" y="638845"/>
+            <a:ext cx="6388287" cy="5632311"/>
+          </a:xfrm>
+          <a:prstGeom prst="rect">
+            <a:avLst/>
+          </a:prstGeom>
+          <a:noFill/>
+        </p:spPr>
+        <p:txBody>
+          <a:bodyPr wrap="none" rtlCol="0">
+            <a:spAutoFit/>
+          </a:bodyPr>
+          <a:lstStyle/>
+          <a:p>
+            <a:r>
+              <a:rPr lang="en-US" dirty="0">
+                <a:latin typeface="Courier New" panose="02070309020205020404" pitchFamily="49" charset="0"/>
+                <a:cs typeface="Courier New" panose="02070309020205020404" pitchFamily="49" charset="0"/>
+              </a:rPr>
+              <a:t>#include &lt;</a:t>
+            </a:r>
+            <a:r>
+              <a:rPr lang="en-US" dirty="0" err="1">
+                <a:latin typeface="Courier New" panose="02070309020205020404" pitchFamily="49" charset="0"/>
+                <a:cs typeface="Courier New" panose="02070309020205020404" pitchFamily="49" charset="0"/>
+              </a:rPr>
+              <a:t>stdio.h</a:t>
+            </a:r>
+            <a:r>
+              <a:rPr lang="en-US" dirty="0">
+                <a:latin typeface="Courier New" panose="02070309020205020404" pitchFamily="49" charset="0"/>
+                <a:cs typeface="Courier New" panose="02070309020205020404" pitchFamily="49" charset="0"/>
+              </a:rPr>
+              <a:t>&gt;</a:t>
+            </a:r>
+          </a:p>
+          <a:p>
+            <a:endParaRPr lang="en-US" dirty="0">
+              <a:latin typeface="Courier New" panose="02070309020205020404" pitchFamily="49" charset="0"/>
+              <a:cs typeface="Courier New" panose="02070309020205020404" pitchFamily="49" charset="0"/>
+            </a:endParaRPr>
+          </a:p>
+          <a:p>
+            <a:r>
+              <a:rPr lang="en-US" dirty="0">
+                <a:latin typeface="Courier New" panose="02070309020205020404" pitchFamily="49" charset="0"/>
+                <a:cs typeface="Courier New" panose="02070309020205020404" pitchFamily="49" charset="0"/>
+              </a:rPr>
+              <a:t>int main() {</a:t>
+            </a:r>
+          </a:p>
+          <a:p>
+            <a:r>
+              <a:rPr lang="en-US" dirty="0">
+                <a:latin typeface="Courier New" panose="02070309020205020404" pitchFamily="49" charset="0"/>
+                <a:cs typeface="Courier New" panose="02070309020205020404" pitchFamily="49" charset="0"/>
+              </a:rPr>
+              <a:t>    int first = 1;</a:t>
+            </a:r>
+          </a:p>
+          <a:p>
+            <a:r>
+              <a:rPr lang="en-US" dirty="0">
+                <a:latin typeface="Courier New" panose="02070309020205020404" pitchFamily="49" charset="0"/>
+                <a:cs typeface="Courier New" panose="02070309020205020404" pitchFamily="49" charset="0"/>
+              </a:rPr>
+              <a:t>    int </a:t>
+            </a:r>
+            <a:r>
+              <a:rPr lang="en-US" dirty="0" err="1">
+                <a:latin typeface="Courier New" panose="02070309020205020404" pitchFamily="49" charset="0"/>
+                <a:cs typeface="Courier New" panose="02070309020205020404" pitchFamily="49" charset="0"/>
+              </a:rPr>
+              <a:t>val</a:t>
+            </a:r>
+            <a:r>
+              <a:rPr lang="en-US" dirty="0">
+                <a:latin typeface="Courier New" panose="02070309020205020404" pitchFamily="49" charset="0"/>
+                <a:cs typeface="Courier New" panose="02070309020205020404" pitchFamily="49" charset="0"/>
+              </a:rPr>
+              <a:t>, </a:t>
+            </a:r>
+            <a:r>
+              <a:rPr lang="en-US" dirty="0" err="1">
+                <a:latin typeface="Courier New" panose="02070309020205020404" pitchFamily="49" charset="0"/>
+                <a:cs typeface="Courier New" panose="02070309020205020404" pitchFamily="49" charset="0"/>
+              </a:rPr>
+              <a:t>maxval</a:t>
+            </a:r>
+            <a:r>
+              <a:rPr lang="en-US" dirty="0">
+                <a:latin typeface="Courier New" panose="02070309020205020404" pitchFamily="49" charset="0"/>
+                <a:cs typeface="Courier New" panose="02070309020205020404" pitchFamily="49" charset="0"/>
+              </a:rPr>
+              <a:t>, </a:t>
+            </a:r>
+            <a:r>
+              <a:rPr lang="en-US" dirty="0" err="1">
+                <a:latin typeface="Courier New" panose="02070309020205020404" pitchFamily="49" charset="0"/>
+                <a:cs typeface="Courier New" panose="02070309020205020404" pitchFamily="49" charset="0"/>
+              </a:rPr>
+              <a:t>minval</a:t>
+            </a:r>
+            <a:r>
+              <a:rPr lang="en-US" dirty="0">
+                <a:latin typeface="Courier New" panose="02070309020205020404" pitchFamily="49" charset="0"/>
+                <a:cs typeface="Courier New" panose="02070309020205020404" pitchFamily="49" charset="0"/>
+              </a:rPr>
+              <a:t>;</a:t>
+            </a:r>
+          </a:p>
+          <a:p>
+            <a:endParaRPr lang="en-US" dirty="0">
+              <a:latin typeface="Courier New" panose="02070309020205020404" pitchFamily="49" charset="0"/>
+              <a:cs typeface="Courier New" panose="02070309020205020404" pitchFamily="49" charset="0"/>
+            </a:endParaRPr>
+          </a:p>
+          <a:p>
+            <a:r>
+              <a:rPr lang="en-US" dirty="0">
+                <a:latin typeface="Courier New" panose="02070309020205020404" pitchFamily="49" charset="0"/>
+                <a:cs typeface="Courier New" panose="02070309020205020404" pitchFamily="49" charset="0"/>
+              </a:rPr>
+              <a:t>    while(</a:t>
+            </a:r>
+            <a:r>
+              <a:rPr lang="en-US" dirty="0" err="1">
+                <a:latin typeface="Courier New" panose="02070309020205020404" pitchFamily="49" charset="0"/>
+                <a:cs typeface="Courier New" panose="02070309020205020404" pitchFamily="49" charset="0"/>
+              </a:rPr>
+              <a:t>scanf</a:t>
+            </a:r>
+            <a:r>
+              <a:rPr lang="en-US" dirty="0">
+                <a:latin typeface="Courier New" panose="02070309020205020404" pitchFamily="49" charset="0"/>
+                <a:cs typeface="Courier New" panose="02070309020205020404" pitchFamily="49" charset="0"/>
+              </a:rPr>
+              <a:t>("%d",&amp;</a:t>
+            </a:r>
+            <a:r>
+              <a:rPr lang="en-US" dirty="0" err="1">
+                <a:latin typeface="Courier New" panose="02070309020205020404" pitchFamily="49" charset="0"/>
+                <a:cs typeface="Courier New" panose="02070309020205020404" pitchFamily="49" charset="0"/>
+              </a:rPr>
+              <a:t>val</a:t>
+            </a:r>
+            <a:r>
+              <a:rPr lang="en-US" dirty="0">
+                <a:latin typeface="Courier New" panose="02070309020205020404" pitchFamily="49" charset="0"/>
+                <a:cs typeface="Courier New" panose="02070309020205020404" pitchFamily="49" charset="0"/>
+              </a:rPr>
+              <a:t>) != EOF ) {</a:t>
+            </a:r>
+          </a:p>
+          <a:p>
+            <a:r>
+              <a:rPr lang="en-US" dirty="0">
+                <a:latin typeface="Courier New" panose="02070309020205020404" pitchFamily="49" charset="0"/>
+                <a:cs typeface="Courier New" panose="02070309020205020404" pitchFamily="49" charset="0"/>
+              </a:rPr>
+              <a:t>        if ( first ) {</a:t>
+            </a:r>
+          </a:p>
+          <a:p>
+            <a:r>
+              <a:rPr lang="en-US" dirty="0">
+                <a:latin typeface="Courier New" panose="02070309020205020404" pitchFamily="49" charset="0"/>
+                <a:cs typeface="Courier New" panose="02070309020205020404" pitchFamily="49" charset="0"/>
+              </a:rPr>
+              <a:t>            </a:t>
+            </a:r>
+            <a:r>
+              <a:rPr lang="en-US" dirty="0" err="1">
+                <a:latin typeface="Courier New" panose="02070309020205020404" pitchFamily="49" charset="0"/>
+                <a:cs typeface="Courier New" panose="02070309020205020404" pitchFamily="49" charset="0"/>
+              </a:rPr>
+              <a:t>maxval</a:t>
+            </a:r>
+            <a:r>
+              <a:rPr lang="en-US" dirty="0">
+                <a:latin typeface="Courier New" panose="02070309020205020404" pitchFamily="49" charset="0"/>
+                <a:cs typeface="Courier New" panose="02070309020205020404" pitchFamily="49" charset="0"/>
+              </a:rPr>
+              <a:t> = </a:t>
+            </a:r>
+            <a:r>
+              <a:rPr lang="en-US" dirty="0" err="1">
+                <a:latin typeface="Courier New" panose="02070309020205020404" pitchFamily="49" charset="0"/>
+                <a:cs typeface="Courier New" panose="02070309020205020404" pitchFamily="49" charset="0"/>
+              </a:rPr>
+              <a:t>val</a:t>
+            </a:r>
+            <a:r>
+              <a:rPr lang="en-US" dirty="0">
+                <a:latin typeface="Courier New" panose="02070309020205020404" pitchFamily="49" charset="0"/>
+                <a:cs typeface="Courier New" panose="02070309020205020404" pitchFamily="49" charset="0"/>
+              </a:rPr>
+              <a:t>;</a:t>
+            </a:r>
+          </a:p>
+          <a:p>
+            <a:r>
+              <a:rPr lang="en-US" dirty="0">
+                <a:latin typeface="Courier New" panose="02070309020205020404" pitchFamily="49" charset="0"/>
+                <a:cs typeface="Courier New" panose="02070309020205020404" pitchFamily="49" charset="0"/>
+              </a:rPr>
+              <a:t>            </a:t>
+            </a:r>
+            <a:r>
+              <a:rPr lang="en-US" dirty="0" err="1">
+                <a:latin typeface="Courier New" panose="02070309020205020404" pitchFamily="49" charset="0"/>
+                <a:cs typeface="Courier New" panose="02070309020205020404" pitchFamily="49" charset="0"/>
+              </a:rPr>
+              <a:t>minval</a:t>
+            </a:r>
+            <a:r>
+              <a:rPr lang="en-US" dirty="0">
+                <a:latin typeface="Courier New" panose="02070309020205020404" pitchFamily="49" charset="0"/>
+                <a:cs typeface="Courier New" panose="02070309020205020404" pitchFamily="49" charset="0"/>
+              </a:rPr>
+              <a:t> = </a:t>
+            </a:r>
+            <a:r>
+              <a:rPr lang="en-US" dirty="0" err="1">
+                <a:latin typeface="Courier New" panose="02070309020205020404" pitchFamily="49" charset="0"/>
+                <a:cs typeface="Courier New" panose="02070309020205020404" pitchFamily="49" charset="0"/>
+              </a:rPr>
+              <a:t>val</a:t>
+            </a:r>
+            <a:r>
+              <a:rPr lang="en-US" dirty="0">
+                <a:latin typeface="Courier New" panose="02070309020205020404" pitchFamily="49" charset="0"/>
+                <a:cs typeface="Courier New" panose="02070309020205020404" pitchFamily="49" charset="0"/>
+              </a:rPr>
+              <a:t>;</a:t>
+            </a:r>
+          </a:p>
+          <a:p>
+            <a:r>
+              <a:rPr lang="en-US" dirty="0">
+                <a:latin typeface="Courier New" panose="02070309020205020404" pitchFamily="49" charset="0"/>
+                <a:cs typeface="Courier New" panose="02070309020205020404" pitchFamily="49" charset="0"/>
+              </a:rPr>
+              <a:t>            first = 0;</a:t>
+            </a:r>
+          </a:p>
+          <a:p>
+            <a:r>
+              <a:rPr lang="en-US" dirty="0">
+                <a:latin typeface="Courier New" panose="02070309020205020404" pitchFamily="49" charset="0"/>
+                <a:cs typeface="Courier New" panose="02070309020205020404" pitchFamily="49" charset="0"/>
+              </a:rPr>
+              <a:t>        } else {</a:t>
+            </a:r>
+          </a:p>
+          <a:p>
+            <a:r>
+              <a:rPr lang="en-US" dirty="0">
+                <a:latin typeface="Courier New" panose="02070309020205020404" pitchFamily="49" charset="0"/>
+                <a:cs typeface="Courier New" panose="02070309020205020404" pitchFamily="49" charset="0"/>
+              </a:rPr>
+              <a:t>            if ( </a:t>
+            </a:r>
+            <a:r>
+              <a:rPr lang="en-US" dirty="0" err="1">
+                <a:latin typeface="Courier New" panose="02070309020205020404" pitchFamily="49" charset="0"/>
+                <a:cs typeface="Courier New" panose="02070309020205020404" pitchFamily="49" charset="0"/>
+              </a:rPr>
+              <a:t>val</a:t>
+            </a:r>
+            <a:r>
+              <a:rPr lang="en-US" dirty="0">
+                <a:latin typeface="Courier New" panose="02070309020205020404" pitchFamily="49" charset="0"/>
+                <a:cs typeface="Courier New" panose="02070309020205020404" pitchFamily="49" charset="0"/>
+              </a:rPr>
+              <a:t> &gt; </a:t>
+            </a:r>
+            <a:r>
+              <a:rPr lang="en-US" dirty="0" err="1">
+                <a:latin typeface="Courier New" panose="02070309020205020404" pitchFamily="49" charset="0"/>
+                <a:cs typeface="Courier New" panose="02070309020205020404" pitchFamily="49" charset="0"/>
+              </a:rPr>
+              <a:t>maxval</a:t>
+            </a:r>
+            <a:r>
+              <a:rPr lang="en-US" dirty="0">
+                <a:latin typeface="Courier New" panose="02070309020205020404" pitchFamily="49" charset="0"/>
+                <a:cs typeface="Courier New" panose="02070309020205020404" pitchFamily="49" charset="0"/>
+              </a:rPr>
+              <a:t> ) </a:t>
+            </a:r>
+            <a:r>
+              <a:rPr lang="en-US" dirty="0" err="1">
+                <a:latin typeface="Courier New" panose="02070309020205020404" pitchFamily="49" charset="0"/>
+                <a:cs typeface="Courier New" panose="02070309020205020404" pitchFamily="49" charset="0"/>
+              </a:rPr>
+              <a:t>maxval</a:t>
+            </a:r>
+            <a:r>
+              <a:rPr lang="en-US" dirty="0">
+                <a:latin typeface="Courier New" panose="02070309020205020404" pitchFamily="49" charset="0"/>
+                <a:cs typeface="Courier New" panose="02070309020205020404" pitchFamily="49" charset="0"/>
+              </a:rPr>
+              <a:t> = </a:t>
+            </a:r>
+            <a:r>
+              <a:rPr lang="en-US" dirty="0" err="1">
+                <a:latin typeface="Courier New" panose="02070309020205020404" pitchFamily="49" charset="0"/>
+                <a:cs typeface="Courier New" panose="02070309020205020404" pitchFamily="49" charset="0"/>
+              </a:rPr>
+              <a:t>val</a:t>
+            </a:r>
+            <a:r>
+              <a:rPr lang="en-US" dirty="0">
+                <a:latin typeface="Courier New" panose="02070309020205020404" pitchFamily="49" charset="0"/>
+                <a:cs typeface="Courier New" panose="02070309020205020404" pitchFamily="49" charset="0"/>
+              </a:rPr>
+              <a:t>;</a:t>
+            </a:r>
+          </a:p>
+          <a:p>
+            <a:r>
+              <a:rPr lang="en-US" dirty="0">
+                <a:latin typeface="Courier New" panose="02070309020205020404" pitchFamily="49" charset="0"/>
+                <a:cs typeface="Courier New" panose="02070309020205020404" pitchFamily="49" charset="0"/>
+              </a:rPr>
+              <a:t>            if ( </a:t>
+            </a:r>
+            <a:r>
+              <a:rPr lang="en-US" dirty="0" err="1">
+                <a:latin typeface="Courier New" panose="02070309020205020404" pitchFamily="49" charset="0"/>
+                <a:cs typeface="Courier New" panose="02070309020205020404" pitchFamily="49" charset="0"/>
+              </a:rPr>
+              <a:t>val</a:t>
+            </a:r>
+            <a:r>
+              <a:rPr lang="en-US" dirty="0">
+                <a:latin typeface="Courier New" panose="02070309020205020404" pitchFamily="49" charset="0"/>
+                <a:cs typeface="Courier New" panose="02070309020205020404" pitchFamily="49" charset="0"/>
+              </a:rPr>
+              <a:t> &lt; </a:t>
+            </a:r>
+            <a:r>
+              <a:rPr lang="en-US" dirty="0" err="1">
+                <a:latin typeface="Courier New" panose="02070309020205020404" pitchFamily="49" charset="0"/>
+                <a:cs typeface="Courier New" panose="02070309020205020404" pitchFamily="49" charset="0"/>
+              </a:rPr>
+              <a:t>minval</a:t>
+            </a:r>
+            <a:r>
+              <a:rPr lang="en-US" dirty="0">
+                <a:latin typeface="Courier New" panose="02070309020205020404" pitchFamily="49" charset="0"/>
+                <a:cs typeface="Courier New" panose="02070309020205020404" pitchFamily="49" charset="0"/>
+              </a:rPr>
+              <a:t> ) </a:t>
+            </a:r>
+            <a:r>
+              <a:rPr lang="en-US" dirty="0" err="1">
+                <a:latin typeface="Courier New" panose="02070309020205020404" pitchFamily="49" charset="0"/>
+                <a:cs typeface="Courier New" panose="02070309020205020404" pitchFamily="49" charset="0"/>
+              </a:rPr>
+              <a:t>minval</a:t>
+            </a:r>
+            <a:r>
+              <a:rPr lang="en-US" dirty="0">
+                <a:latin typeface="Courier New" panose="02070309020205020404" pitchFamily="49" charset="0"/>
+                <a:cs typeface="Courier New" panose="02070309020205020404" pitchFamily="49" charset="0"/>
+              </a:rPr>
+              <a:t> = </a:t>
+            </a:r>
+            <a:r>
+              <a:rPr lang="en-US" dirty="0" err="1">
+                <a:latin typeface="Courier New" panose="02070309020205020404" pitchFamily="49" charset="0"/>
+                <a:cs typeface="Courier New" panose="02070309020205020404" pitchFamily="49" charset="0"/>
+              </a:rPr>
+              <a:t>val</a:t>
+            </a:r>
+            <a:r>
+              <a:rPr lang="en-US" dirty="0">
+                <a:latin typeface="Courier New" panose="02070309020205020404" pitchFamily="49" charset="0"/>
+                <a:cs typeface="Courier New" panose="02070309020205020404" pitchFamily="49" charset="0"/>
+              </a:rPr>
+              <a:t>;</a:t>
+            </a:r>
+          </a:p>
+          <a:p>
+            <a:r>
+              <a:rPr lang="en-US" dirty="0">
+                <a:latin typeface="Courier New" panose="02070309020205020404" pitchFamily="49" charset="0"/>
+                <a:cs typeface="Courier New" panose="02070309020205020404" pitchFamily="49" charset="0"/>
+              </a:rPr>
+              <a:t>        }</a:t>
+            </a:r>
+          </a:p>
+          <a:p>
+            <a:r>
+              <a:rPr lang="en-US" dirty="0">
+                <a:latin typeface="Courier New" panose="02070309020205020404" pitchFamily="49" charset="0"/>
+                <a:cs typeface="Courier New" panose="02070309020205020404" pitchFamily="49" charset="0"/>
+              </a:rPr>
+              <a:t>    }</a:t>
+            </a:r>
+          </a:p>
+          <a:p>
+            <a:r>
+              <a:rPr lang="en-US" dirty="0">
+                <a:latin typeface="Courier New" panose="02070309020205020404" pitchFamily="49" charset="0"/>
+                <a:cs typeface="Courier New" panose="02070309020205020404" pitchFamily="49" charset="0"/>
+              </a:rPr>
+              <a:t>        </a:t>
+            </a:r>
+          </a:p>
+          <a:p>
+            <a:r>
+              <a:rPr lang="en-US" dirty="0">
+                <a:latin typeface="Courier New" panose="02070309020205020404" pitchFamily="49" charset="0"/>
+                <a:cs typeface="Courier New" panose="02070309020205020404" pitchFamily="49" charset="0"/>
+              </a:rPr>
+              <a:t>    </a:t>
+            </a:r>
+            <a:r>
+              <a:rPr lang="en-US" dirty="0" err="1">
+                <a:latin typeface="Courier New" panose="02070309020205020404" pitchFamily="49" charset="0"/>
+                <a:cs typeface="Courier New" panose="02070309020205020404" pitchFamily="49" charset="0"/>
+              </a:rPr>
+              <a:t>printf</a:t>
+            </a:r>
+            <a:r>
+              <a:rPr lang="en-US" dirty="0">
+                <a:latin typeface="Courier New" panose="02070309020205020404" pitchFamily="49" charset="0"/>
+                <a:cs typeface="Courier New" panose="02070309020205020404" pitchFamily="49" charset="0"/>
+              </a:rPr>
+              <a:t>("Maximum %d\n", </a:t>
+            </a:r>
+            <a:r>
+              <a:rPr lang="en-US" dirty="0" err="1">
+                <a:latin typeface="Courier New" panose="02070309020205020404" pitchFamily="49" charset="0"/>
+                <a:cs typeface="Courier New" panose="02070309020205020404" pitchFamily="49" charset="0"/>
+              </a:rPr>
+              <a:t>maxval</a:t>
+            </a:r>
+            <a:r>
+              <a:rPr lang="en-US" dirty="0">
+                <a:latin typeface="Courier New" panose="02070309020205020404" pitchFamily="49" charset="0"/>
+                <a:cs typeface="Courier New" panose="02070309020205020404" pitchFamily="49" charset="0"/>
+              </a:rPr>
+              <a:t>);</a:t>
+            </a:r>
+          </a:p>
+          <a:p>
+            <a:r>
+              <a:rPr lang="en-US" dirty="0">
+                <a:latin typeface="Courier New" panose="02070309020205020404" pitchFamily="49" charset="0"/>
+                <a:cs typeface="Courier New" panose="02070309020205020404" pitchFamily="49" charset="0"/>
+              </a:rPr>
+              <a:t>    </a:t>
+            </a:r>
+            <a:r>
+              <a:rPr lang="en-US" dirty="0" err="1">
+                <a:latin typeface="Courier New" panose="02070309020205020404" pitchFamily="49" charset="0"/>
+                <a:cs typeface="Courier New" panose="02070309020205020404" pitchFamily="49" charset="0"/>
+              </a:rPr>
+              <a:t>printf</a:t>
+            </a:r>
+            <a:r>
+              <a:rPr lang="en-US" dirty="0">
+                <a:latin typeface="Courier New" panose="02070309020205020404" pitchFamily="49" charset="0"/>
+                <a:cs typeface="Courier New" panose="02070309020205020404" pitchFamily="49" charset="0"/>
+              </a:rPr>
+              <a:t>("Minimum %d\n", </a:t>
+            </a:r>
+            <a:r>
+              <a:rPr lang="en-US" dirty="0" err="1">
+                <a:latin typeface="Courier New" panose="02070309020205020404" pitchFamily="49" charset="0"/>
+                <a:cs typeface="Courier New" panose="02070309020205020404" pitchFamily="49" charset="0"/>
+              </a:rPr>
+              <a:t>minval</a:t>
+            </a:r>
+            <a:r>
+              <a:rPr lang="en-US" dirty="0">
+                <a:latin typeface="Courier New" panose="02070309020205020404" pitchFamily="49" charset="0"/>
+                <a:cs typeface="Courier New" panose="02070309020205020404" pitchFamily="49" charset="0"/>
+              </a:rPr>
+              <a:t>);</a:t>
+            </a:r>
+          </a:p>
+          <a:p>
+            <a:r>
+              <a:rPr lang="en-US" dirty="0">
+                <a:latin typeface="Courier New" panose="02070309020205020404" pitchFamily="49" charset="0"/>
+                <a:cs typeface="Courier New" panose="02070309020205020404" pitchFamily="49" charset="0"/>
+              </a:rPr>
+              <a:t>}</a:t>
+            </a:r>
+          </a:p>
+        </p:txBody>
+      </p:sp>
+      <p:sp>
+        <p:nvSpPr>
+          <p:cNvPr id="7" name="TextBox 6">
+            <a:extLst>
+              <a:ext uri="{FF2B5EF4-FFF2-40B4-BE49-F238E27FC236}">
+                <a16:creationId xmlns:a16="http://schemas.microsoft.com/office/drawing/2014/main" id="{03B4458A-37BA-02AB-CE8C-B288D36FE6BF}"/>
+              </a:ext>
+            </a:extLst>
+          </p:cNvPr>
+          <p:cNvSpPr txBox="1"/>
+          <p:nvPr/>
+        </p:nvSpPr>
+        <p:spPr>
+          <a:xfrm>
+            <a:off x="2253614" y="1690688"/>
+            <a:ext cx="1425390" cy="3693319"/>
+          </a:xfrm>
+          <a:prstGeom prst="rect">
+            <a:avLst/>
+          </a:prstGeom>
+          <a:noFill/>
+        </p:spPr>
+        <p:txBody>
+          <a:bodyPr wrap="none" rtlCol="0">
+            <a:spAutoFit/>
+          </a:bodyPr>
+          <a:lstStyle/>
+          <a:p>
+            <a:r>
+              <a:rPr lang="en-US" dirty="0">
+                <a:latin typeface="Monaco" pitchFamily="2" charset="77"/>
+              </a:rPr>
+              <a:t>5</a:t>
+            </a:r>
+          </a:p>
+          <a:p>
+            <a:r>
+              <a:rPr lang="en-US" dirty="0">
+                <a:latin typeface="Monaco" pitchFamily="2" charset="77"/>
+              </a:rPr>
+              <a:t>2</a:t>
+            </a:r>
+          </a:p>
+          <a:p>
+            <a:r>
+              <a:rPr lang="en-US" dirty="0">
+                <a:latin typeface="Monaco" pitchFamily="2" charset="77"/>
+              </a:rPr>
+              <a:t>9</a:t>
+            </a:r>
+          </a:p>
+          <a:p>
+            <a:r>
+              <a:rPr lang="en-US" dirty="0">
+                <a:latin typeface="Monaco" pitchFamily="2" charset="77"/>
+              </a:rPr>
+              <a:t>(EOF)</a:t>
+            </a:r>
+          </a:p>
+          <a:p>
+            <a:r>
+              <a:rPr lang="en-US" dirty="0">
+                <a:latin typeface="Monaco" pitchFamily="2" charset="77"/>
+              </a:rPr>
+              <a:t>Maximum 9</a:t>
+            </a:r>
+          </a:p>
+          <a:p>
+            <a:r>
+              <a:rPr lang="en-US" dirty="0">
+                <a:latin typeface="Monaco" pitchFamily="2" charset="77"/>
+              </a:rPr>
+              <a:t>Minimum 2</a:t>
+            </a:r>
+          </a:p>
+          <a:p>
+            <a:endParaRPr lang="en-US" dirty="0">
+              <a:latin typeface="Monaco" pitchFamily="2" charset="77"/>
+            </a:endParaRPr>
+          </a:p>
+          <a:p>
+            <a:endParaRPr lang="en-US" dirty="0">
+              <a:latin typeface="Monaco" pitchFamily="2" charset="77"/>
+            </a:endParaRPr>
+          </a:p>
+          <a:p>
+            <a:endParaRPr lang="en-US" dirty="0">
+              <a:latin typeface="Monaco" pitchFamily="2" charset="77"/>
+            </a:endParaRPr>
+          </a:p>
+          <a:p>
+            <a:r>
+              <a:rPr lang="en-US" dirty="0">
+                <a:latin typeface="Monaco" pitchFamily="2" charset="77"/>
+              </a:rPr>
+              <a:t>5 2 9</a:t>
+            </a:r>
+          </a:p>
+          <a:p>
+            <a:r>
+              <a:rPr lang="en-US" dirty="0">
+                <a:latin typeface="Monaco" pitchFamily="2" charset="77"/>
+              </a:rPr>
+              <a:t>(EOF)</a:t>
+            </a:r>
+          </a:p>
+          <a:p>
+            <a:r>
+              <a:rPr lang="en-US" dirty="0">
+                <a:latin typeface="Monaco" pitchFamily="2" charset="77"/>
+              </a:rPr>
+              <a:t>Maximum 9</a:t>
+            </a:r>
+          </a:p>
+          <a:p>
+            <a:r>
+              <a:rPr lang="en-US" dirty="0">
+                <a:latin typeface="Monaco" pitchFamily="2" charset="77"/>
+              </a:rPr>
+              <a:t>Minimum 2</a:t>
+            </a:r>
+          </a:p>
+        </p:txBody>
+      </p:sp>
+      <p:sp>
+        <p:nvSpPr>
+          <p:cNvPr id="6" name="TextBox 5">
+            <a:extLst>
+              <a:ext uri="{FF2B5EF4-FFF2-40B4-BE49-F238E27FC236}">
+                <a16:creationId xmlns:a16="http://schemas.microsoft.com/office/drawing/2014/main" id="{DA1DE167-0E6E-B081-0CCE-F2ADE4702860}"/>
+              </a:ext>
+            </a:extLst>
+          </p:cNvPr>
+          <p:cNvSpPr txBox="1"/>
+          <p:nvPr/>
+        </p:nvSpPr>
+        <p:spPr>
+          <a:xfrm>
+            <a:off x="10363200" y="6323598"/>
+            <a:ext cx="1697181" cy="338554"/>
+          </a:xfrm>
+          <a:prstGeom prst="rect">
+            <a:avLst/>
+          </a:prstGeom>
+          <a:noFill/>
+        </p:spPr>
+        <p:txBody>
+          <a:bodyPr wrap="square">
+            <a:spAutoFit/>
+          </a:bodyPr>
+          <a:lstStyle/>
+          <a:p>
+            <a:r>
+              <a:rPr lang="en-US" sz="1600" dirty="0">
+                <a:solidFill>
+                  <a:srgbClr val="000000"/>
+                </a:solidFill>
+                <a:effectLst/>
+                <a:latin typeface="Menlo" panose="020B0609030804020204" pitchFamily="49" charset="0"/>
+              </a:rPr>
+              <a:t>cc_02_08_b.c</a:t>
+            </a:r>
+          </a:p>
+        </p:txBody>
+      </p:sp>
+    </p:spTree>
+    <p:extLst>
+      <p:ext uri="{BB962C8B-B14F-4D97-AF65-F5344CB8AC3E}">
+        <p14:creationId xmlns:p14="http://schemas.microsoft.com/office/powerpoint/2010/main" val="2735925725"/>
+      </p:ext>
+    </p:extLst>
+  </p:cSld>
+  <p:clrMapOvr>
+    <a:masterClrMapping/>
+  </p:clrMapOvr>
+</p:sld>
+</file>
+
+<file path=ppt/slides/slide18.xml><?xml version="1.0" encoding="utf-8"?>
+<p:sld xmlns:a="http://schemas.openxmlformats.org/drawingml/2006/main" xmlns:r="http://schemas.openxmlformats.org/officeDocument/2006/relationships" xmlns:p="http://schemas.openxmlformats.org/presentationml/2006/main">
+  <p:cSld>
+    <p:spTree>
+      <p:nvGrpSpPr>
+        <p:cNvPr id="1" name=""/>
+        <p:cNvGrpSpPr/>
+        <p:nvPr/>
+      </p:nvGrpSpPr>
+      <p:grpSpPr>
+        <a:xfrm>
+          <a:off x="0" y="0"/>
+          <a:ext cx="0" cy="0"/>
+          <a:chOff x="0" y="0"/>
+          <a:chExt cx="0" cy="0"/>
+        </a:xfrm>
+      </p:grpSpPr>
+      <p:sp>
+        <p:nvSpPr>
+          <p:cNvPr id="4" name="Title 3">
+            <a:extLst>
+              <a:ext uri="{FF2B5EF4-FFF2-40B4-BE49-F238E27FC236}">
+                <a16:creationId xmlns:a16="http://schemas.microsoft.com/office/drawing/2014/main" id="{C2B508E1-B5B9-9A0B-37F0-15F2BB303BFA}"/>
+              </a:ext>
+            </a:extLst>
+          </p:cNvPr>
+          <p:cNvSpPr>
+            <a:spLocks noGrp="1"/>
+          </p:cNvSpPr>
+          <p:nvPr>
+            <p:ph type="title"/>
+          </p:nvPr>
+        </p:nvSpPr>
+        <p:spPr/>
+        <p:txBody>
+          <a:bodyPr/>
+          <a:lstStyle/>
+          <a:p>
+            <a:r>
+              <a:rPr lang="en-US" dirty="0"/>
               <a:t>Guessing</a:t>
             </a:r>
           </a:p>
@@ -7735,7 +8112,7 @@
 </p:sld>
 </file>
 
-<file path=ppt/slides/slide18.xml><?xml version="1.0" encoding="utf-8"?>
+<file path=ppt/slides/slide19.xml><?xml version="1.0" encoding="utf-8"?>
 <p:sld xmlns:a="http://schemas.openxmlformats.org/drawingml/2006/main" xmlns:r="http://schemas.openxmlformats.org/officeDocument/2006/relationships" xmlns:p="http://schemas.openxmlformats.org/presentationml/2006/main">
   <p:cSld>
     <p:spTree>
@@ -11380,7 +11757,7 @@
           <p:cNvPr id="4" name="Title 3">
             <a:extLst>
               <a:ext uri="{FF2B5EF4-FFF2-40B4-BE49-F238E27FC236}">
-                <a16:creationId xmlns:a16="http://schemas.microsoft.com/office/drawing/2014/main" id="{C2B508E1-B5B9-9A0B-37F0-15F2BB303BFA}"/>
+                <a16:creationId xmlns:a16="http://schemas.microsoft.com/office/drawing/2014/main" id="{93E75395-E56B-5576-57F3-7147B3EFA0C6}"/>
               </a:ext>
             </a:extLst>
           </p:cNvPr>
@@ -11398,388 +11775,91 @@
           <a:p>
             <a:r>
               <a:rPr lang="en-US" dirty="0"/>
-              <a:t>Output</a:t>
-            </a:r>
-          </a:p>
-        </p:txBody>
-      </p:sp>
-      <p:sp>
-        <p:nvSpPr>
-          <p:cNvPr id="5" name="TextBox 4">
-            <a:extLst>
-              <a:ext uri="{FF2B5EF4-FFF2-40B4-BE49-F238E27FC236}">
-                <a16:creationId xmlns:a16="http://schemas.microsoft.com/office/drawing/2014/main" id="{FDC36094-8775-EBE3-1FED-6DF8907EC500}"/>
-              </a:ext>
-            </a:extLst>
-          </p:cNvPr>
-          <p:cNvSpPr txBox="1"/>
-          <p:nvPr/>
-        </p:nvSpPr>
-        <p:spPr>
-          <a:xfrm>
-            <a:off x="954156" y="1682693"/>
-            <a:ext cx="3217547" cy="1477328"/>
-          </a:xfrm>
-          <a:prstGeom prst="rect">
-            <a:avLst/>
-          </a:prstGeom>
-          <a:noFill/>
-        </p:spPr>
-        <p:txBody>
-          <a:bodyPr wrap="none" rtlCol="0">
-            <a:spAutoFit/>
-          </a:bodyPr>
+              <a:t>Similarities</a:t>
+            </a:r>
+          </a:p>
+        </p:txBody>
+      </p:sp>
+      <p:sp>
+        <p:nvSpPr>
+          <p:cNvPr id="5" name="Content Placeholder 4">
+            <a:extLst>
+              <a:ext uri="{FF2B5EF4-FFF2-40B4-BE49-F238E27FC236}">
+                <a16:creationId xmlns:a16="http://schemas.microsoft.com/office/drawing/2014/main" id="{CBC96E02-877B-3E12-E2F9-BE0A304F4CC8}"/>
+              </a:ext>
+            </a:extLst>
+          </p:cNvPr>
+          <p:cNvSpPr>
+            <a:spLocks noGrp="1"/>
+          </p:cNvSpPr>
+          <p:nvPr>
+            <p:ph idx="1"/>
+          </p:nvPr>
+        </p:nvSpPr>
+        <p:spPr/>
+        <p:txBody>
+          <a:bodyPr/>
           <a:lstStyle/>
           <a:p>
             <a:r>
-              <a:rPr lang="en-US" dirty="0">
-                <a:latin typeface="Courier New" panose="02070309020205020404" pitchFamily="49" charset="0"/>
-                <a:cs typeface="Courier New" panose="02070309020205020404" pitchFamily="49" charset="0"/>
-              </a:rPr>
-              <a:t># I am a comment</a:t>
-            </a:r>
-          </a:p>
-          <a:p>
-            <a:r>
-              <a:rPr lang="en-US" dirty="0">
-                <a:latin typeface="Courier New" panose="02070309020205020404" pitchFamily="49" charset="0"/>
-                <a:cs typeface="Courier New" panose="02070309020205020404" pitchFamily="49" charset="0"/>
-              </a:rPr>
-              <a:t>print('Hello world')</a:t>
-            </a:r>
-          </a:p>
-          <a:p>
-            <a:r>
-              <a:rPr lang="en-US" dirty="0">
-                <a:latin typeface="Courier New" panose="02070309020205020404" pitchFamily="49" charset="0"/>
-                <a:cs typeface="Courier New" panose="02070309020205020404" pitchFamily="49" charset="0"/>
-              </a:rPr>
-              <a:t>print('Answer', 42)</a:t>
-            </a:r>
-          </a:p>
-          <a:p>
-            <a:r>
-              <a:rPr lang="en-US" dirty="0">
-                <a:latin typeface="Courier New" panose="02070309020205020404" pitchFamily="49" charset="0"/>
-                <a:cs typeface="Courier New" panose="02070309020205020404" pitchFamily="49" charset="0"/>
-              </a:rPr>
-              <a:t>print('Name', 'Sarah')</a:t>
-            </a:r>
-          </a:p>
-          <a:p>
-            <a:r>
-              <a:rPr lang="en-US" dirty="0">
-                <a:latin typeface="Courier New" panose="02070309020205020404" pitchFamily="49" charset="0"/>
-                <a:cs typeface="Courier New" panose="02070309020205020404" pitchFamily="49" charset="0"/>
-              </a:rPr>
-              <a:t>print('x',3.5,'i',10)</a:t>
-            </a:r>
-          </a:p>
-        </p:txBody>
-      </p:sp>
-      <p:sp>
-        <p:nvSpPr>
-          <p:cNvPr id="6" name="TextBox 5">
-            <a:extLst>
-              <a:ext uri="{FF2B5EF4-FFF2-40B4-BE49-F238E27FC236}">
-                <a16:creationId xmlns:a16="http://schemas.microsoft.com/office/drawing/2014/main" id="{C004B7C8-BBD4-1EE7-3894-3C801D6DC253}"/>
-              </a:ext>
-            </a:extLst>
-          </p:cNvPr>
-          <p:cNvSpPr txBox="1"/>
-          <p:nvPr/>
-        </p:nvSpPr>
-        <p:spPr>
-          <a:xfrm>
-            <a:off x="6322193" y="1027906"/>
-            <a:ext cx="5423280" cy="2308324"/>
-          </a:xfrm>
-          <a:prstGeom prst="rect">
-            <a:avLst/>
-          </a:prstGeom>
-          <a:noFill/>
-        </p:spPr>
-        <p:txBody>
-          <a:bodyPr wrap="none" rtlCol="0">
-            <a:spAutoFit/>
-          </a:bodyPr>
-          <a:lstStyle/>
-          <a:p>
-            <a:r>
-              <a:rPr lang="en-US" dirty="0">
-                <a:latin typeface="Courier New" panose="02070309020205020404" pitchFamily="49" charset="0"/>
-                <a:cs typeface="Courier New" panose="02070309020205020404" pitchFamily="49" charset="0"/>
-              </a:rPr>
-              <a:t>#include &lt;</a:t>
-            </a:r>
-            <a:r>
-              <a:rPr lang="en-US" dirty="0" err="1">
-                <a:latin typeface="Courier New" panose="02070309020205020404" pitchFamily="49" charset="0"/>
-                <a:cs typeface="Courier New" panose="02070309020205020404" pitchFamily="49" charset="0"/>
-              </a:rPr>
-              <a:t>stdio.h</a:t>
-            </a:r>
-            <a:r>
-              <a:rPr lang="en-US" dirty="0">
-                <a:latin typeface="Courier New" panose="02070309020205020404" pitchFamily="49" charset="0"/>
-                <a:cs typeface="Courier New" panose="02070309020205020404" pitchFamily="49" charset="0"/>
-              </a:rPr>
-              <a:t>&gt;</a:t>
-            </a:r>
-          </a:p>
-          <a:p>
-            <a:r>
-              <a:rPr lang="en-US" dirty="0">
-                <a:latin typeface="Courier New" panose="02070309020205020404" pitchFamily="49" charset="0"/>
-                <a:cs typeface="Courier New" panose="02070309020205020404" pitchFamily="49" charset="0"/>
-              </a:rPr>
-              <a:t>/* I am a comment */</a:t>
-            </a:r>
-          </a:p>
-          <a:p>
-            <a:r>
-              <a:rPr lang="en-US" dirty="0">
-                <a:latin typeface="Courier New" panose="02070309020205020404" pitchFamily="49" charset="0"/>
-                <a:cs typeface="Courier New" panose="02070309020205020404" pitchFamily="49" charset="0"/>
-              </a:rPr>
-              <a:t>int main() {</a:t>
-            </a:r>
-          </a:p>
-          <a:p>
-            <a:r>
-              <a:rPr lang="en-US" dirty="0">
-                <a:latin typeface="Courier New" panose="02070309020205020404" pitchFamily="49" charset="0"/>
-                <a:cs typeface="Courier New" panose="02070309020205020404" pitchFamily="49" charset="0"/>
-              </a:rPr>
-              <a:t>    </a:t>
-            </a:r>
-            <a:r>
-              <a:rPr lang="en-US" dirty="0" err="1">
-                <a:latin typeface="Courier New" panose="02070309020205020404" pitchFamily="49" charset="0"/>
-                <a:cs typeface="Courier New" panose="02070309020205020404" pitchFamily="49" charset="0"/>
-              </a:rPr>
-              <a:t>printf</a:t>
-            </a:r>
-            <a:r>
-              <a:rPr lang="en-US" dirty="0">
-                <a:latin typeface="Courier New" panose="02070309020205020404" pitchFamily="49" charset="0"/>
-                <a:cs typeface="Courier New" panose="02070309020205020404" pitchFamily="49" charset="0"/>
-              </a:rPr>
-              <a:t>("Hello world\n");</a:t>
-            </a:r>
-          </a:p>
-          <a:p>
-            <a:r>
-              <a:rPr lang="en-US" dirty="0">
-                <a:latin typeface="Courier New" panose="02070309020205020404" pitchFamily="49" charset="0"/>
-                <a:cs typeface="Courier New" panose="02070309020205020404" pitchFamily="49" charset="0"/>
-              </a:rPr>
-              <a:t>    </a:t>
-            </a:r>
-            <a:r>
-              <a:rPr lang="en-US" dirty="0" err="1">
-                <a:latin typeface="Courier New" panose="02070309020205020404" pitchFamily="49" charset="0"/>
-                <a:cs typeface="Courier New" panose="02070309020205020404" pitchFamily="49" charset="0"/>
-              </a:rPr>
-              <a:t>printf</a:t>
-            </a:r>
-            <a:r>
-              <a:rPr lang="en-US" dirty="0">
-                <a:latin typeface="Courier New" panose="02070309020205020404" pitchFamily="49" charset="0"/>
-                <a:cs typeface="Courier New" panose="02070309020205020404" pitchFamily="49" charset="0"/>
-              </a:rPr>
-              <a:t>("Answer %d\n", 42);</a:t>
-            </a:r>
-          </a:p>
-          <a:p>
-            <a:r>
-              <a:rPr lang="en-US" dirty="0">
-                <a:latin typeface="Courier New" panose="02070309020205020404" pitchFamily="49" charset="0"/>
-                <a:cs typeface="Courier New" panose="02070309020205020404" pitchFamily="49" charset="0"/>
-              </a:rPr>
-              <a:t>    </a:t>
-            </a:r>
-            <a:r>
-              <a:rPr lang="en-US" dirty="0" err="1">
-                <a:latin typeface="Courier New" panose="02070309020205020404" pitchFamily="49" charset="0"/>
-                <a:cs typeface="Courier New" panose="02070309020205020404" pitchFamily="49" charset="0"/>
-              </a:rPr>
-              <a:t>printf</a:t>
-            </a:r>
-            <a:r>
-              <a:rPr lang="en-US" dirty="0">
-                <a:latin typeface="Courier New" panose="02070309020205020404" pitchFamily="49" charset="0"/>
-                <a:cs typeface="Courier New" panose="02070309020205020404" pitchFamily="49" charset="0"/>
-              </a:rPr>
-              <a:t>("Name %s\n", "Sarah");</a:t>
-            </a:r>
-          </a:p>
-          <a:p>
-            <a:r>
-              <a:rPr lang="en-US" dirty="0">
-                <a:latin typeface="Courier New" panose="02070309020205020404" pitchFamily="49" charset="0"/>
-                <a:cs typeface="Courier New" panose="02070309020205020404" pitchFamily="49" charset="0"/>
-              </a:rPr>
-              <a:t>    </a:t>
-            </a:r>
-            <a:r>
-              <a:rPr lang="en-US" dirty="0" err="1">
-                <a:latin typeface="Courier New" panose="02070309020205020404" pitchFamily="49" charset="0"/>
-                <a:cs typeface="Courier New" panose="02070309020205020404" pitchFamily="49" charset="0"/>
-              </a:rPr>
-              <a:t>printf</a:t>
-            </a:r>
-            <a:r>
-              <a:rPr lang="en-US" dirty="0">
-                <a:latin typeface="Courier New" panose="02070309020205020404" pitchFamily="49" charset="0"/>
-                <a:cs typeface="Courier New" panose="02070309020205020404" pitchFamily="49" charset="0"/>
-              </a:rPr>
-              <a:t>("x %.1f </a:t>
-            </a:r>
-            <a:r>
-              <a:rPr lang="en-US" dirty="0" err="1">
-                <a:latin typeface="Courier New" panose="02070309020205020404" pitchFamily="49" charset="0"/>
-                <a:cs typeface="Courier New" panose="02070309020205020404" pitchFamily="49" charset="0"/>
-              </a:rPr>
-              <a:t>i</a:t>
-            </a:r>
-            <a:r>
-              <a:rPr lang="en-US" dirty="0">
-                <a:latin typeface="Courier New" panose="02070309020205020404" pitchFamily="49" charset="0"/>
-                <a:cs typeface="Courier New" panose="02070309020205020404" pitchFamily="49" charset="0"/>
-              </a:rPr>
-              <a:t> %d\n", 3.5, 100);</a:t>
-            </a:r>
-          </a:p>
-          <a:p>
-            <a:r>
-              <a:rPr lang="en-US" dirty="0">
-                <a:latin typeface="Courier New" panose="02070309020205020404" pitchFamily="49" charset="0"/>
-                <a:cs typeface="Courier New" panose="02070309020205020404" pitchFamily="49" charset="0"/>
-              </a:rPr>
-              <a:t>}</a:t>
-            </a:r>
-          </a:p>
-        </p:txBody>
-      </p:sp>
-      <p:sp>
-        <p:nvSpPr>
-          <p:cNvPr id="7" name="TextBox 6">
-            <a:extLst>
-              <a:ext uri="{FF2B5EF4-FFF2-40B4-BE49-F238E27FC236}">
-                <a16:creationId xmlns:a16="http://schemas.microsoft.com/office/drawing/2014/main" id="{03B4458A-37BA-02AB-CE8C-B288D36FE6BF}"/>
-              </a:ext>
-            </a:extLst>
-          </p:cNvPr>
-          <p:cNvSpPr txBox="1"/>
-          <p:nvPr/>
-        </p:nvSpPr>
-        <p:spPr>
-          <a:xfrm>
-            <a:off x="954156" y="4200590"/>
-            <a:ext cx="1701107" cy="1200329"/>
-          </a:xfrm>
-          <a:prstGeom prst="rect">
-            <a:avLst/>
-          </a:prstGeom>
-          <a:noFill/>
-        </p:spPr>
-        <p:txBody>
-          <a:bodyPr wrap="none" rtlCol="0">
-            <a:spAutoFit/>
-          </a:bodyPr>
-          <a:lstStyle/>
-          <a:p>
-            <a:r>
-              <a:rPr lang="en-US" dirty="0">
-                <a:latin typeface="Monaco" pitchFamily="2" charset="77"/>
-              </a:rPr>
-              <a:t>Hello world</a:t>
-            </a:r>
-          </a:p>
-          <a:p>
-            <a:r>
-              <a:rPr lang="en-US" dirty="0">
-                <a:latin typeface="Monaco" pitchFamily="2" charset="77"/>
-              </a:rPr>
-              <a:t>Answer 42</a:t>
-            </a:r>
-          </a:p>
-          <a:p>
-            <a:r>
-              <a:rPr lang="en-US" dirty="0">
-                <a:latin typeface="Monaco" pitchFamily="2" charset="77"/>
-              </a:rPr>
-              <a:t>Name Sarah</a:t>
-            </a:r>
-          </a:p>
-          <a:p>
-            <a:r>
-              <a:rPr lang="en-US" dirty="0">
-                <a:latin typeface="Monaco" pitchFamily="2" charset="77"/>
-              </a:rPr>
-              <a:t>x 3.5 </a:t>
-            </a:r>
-            <a:r>
-              <a:rPr lang="en-US" dirty="0" err="1">
-                <a:latin typeface="Monaco" pitchFamily="2" charset="77"/>
-              </a:rPr>
-              <a:t>i</a:t>
-            </a:r>
-            <a:r>
-              <a:rPr lang="en-US" dirty="0">
-                <a:latin typeface="Monaco" pitchFamily="2" charset="77"/>
-              </a:rPr>
-              <a:t> 100</a:t>
-            </a:r>
-          </a:p>
-        </p:txBody>
-      </p:sp>
-      <p:sp>
-        <p:nvSpPr>
-          <p:cNvPr id="8" name="TextBox 7">
-            <a:extLst>
-              <a:ext uri="{FF2B5EF4-FFF2-40B4-BE49-F238E27FC236}">
-                <a16:creationId xmlns:a16="http://schemas.microsoft.com/office/drawing/2014/main" id="{B428CDF7-E206-237B-5834-303417C8C9F2}"/>
-              </a:ext>
-            </a:extLst>
-          </p:cNvPr>
-          <p:cNvSpPr txBox="1"/>
-          <p:nvPr/>
-        </p:nvSpPr>
-        <p:spPr>
-          <a:xfrm>
-            <a:off x="10460182" y="6323598"/>
-            <a:ext cx="1600199" cy="338554"/>
-          </a:xfrm>
-          <a:prstGeom prst="rect">
-            <a:avLst/>
-          </a:prstGeom>
-          <a:noFill/>
-        </p:spPr>
-        <p:txBody>
-          <a:bodyPr wrap="square">
-            <a:spAutoFit/>
-          </a:bodyPr>
-          <a:lstStyle/>
-          <a:p>
-            <a:r>
-              <a:rPr lang="en-US" sz="1600" dirty="0">
-                <a:solidFill>
-                  <a:srgbClr val="000000"/>
-                </a:solidFill>
-                <a:effectLst/>
-                <a:latin typeface="Menlo" panose="020B0609030804020204" pitchFamily="49" charset="0"/>
-              </a:rPr>
-              <a:t>cc_02_01.c</a:t>
-            </a:r>
+              <a:rPr lang="en-US" dirty="0"/>
+              <a:t>Operators: + - * / % </a:t>
+            </a:r>
+          </a:p>
+          <a:p>
+            <a:r>
+              <a:rPr lang="en-US" dirty="0"/>
+              <a:t>Variable naming rules – letter/underscore + numbers/letters/underscores</a:t>
+            </a:r>
+          </a:p>
+          <a:p>
+            <a:r>
+              <a:rPr lang="en-US" dirty="0"/>
+              <a:t>Variable name case matters</a:t>
+            </a:r>
+          </a:p>
+          <a:p>
+            <a:r>
+              <a:rPr lang="en-US" dirty="0"/>
+              <a:t>Both have int / float, (char, byte)</a:t>
+            </a:r>
+          </a:p>
+          <a:p>
+            <a:pPr lvl="1"/>
+            <a:r>
+              <a:rPr lang="en-US" dirty="0"/>
+              <a:t>C has no str, list, or </a:t>
+            </a:r>
+            <a:r>
+              <a:rPr lang="en-US" dirty="0" err="1"/>
+              <a:t>dict</a:t>
+            </a:r>
+            <a:endParaRPr lang="en-US" dirty="0"/>
+          </a:p>
+          <a:p>
+            <a:pPr lvl="1"/>
+            <a:r>
+              <a:rPr lang="en-US" dirty="0"/>
+              <a:t>Python has no struct </a:t>
+            </a:r>
+            <a:r>
+              <a:rPr lang="en-US"/>
+              <a:t>or double</a:t>
+            </a:r>
+            <a:endParaRPr lang="en-US" dirty="0"/>
+          </a:p>
+          <a:p>
+            <a:endParaRPr lang="en-US" dirty="0"/>
+          </a:p>
+          <a:p>
+            <a:endParaRPr lang="en-US" dirty="0"/>
           </a:p>
         </p:txBody>
       </p:sp>
     </p:spTree>
     <p:extLst>
       <p:ext uri="{BB962C8B-B14F-4D97-AF65-F5344CB8AC3E}">
-        <p14:creationId xmlns:p14="http://schemas.microsoft.com/office/powerpoint/2010/main" val="879912693"/>
+        <p14:creationId xmlns:p14="http://schemas.microsoft.com/office/powerpoint/2010/main" val="784893423"/>
       </p:ext>
     </p:extLst>
   </p:cSld>
@@ -11829,7 +11909,7 @@
           <a:p>
             <a:r>
               <a:rPr lang="en-US" dirty="0"/>
-              <a:t>Number Input</a:t>
+              <a:t>Output</a:t>
             </a:r>
           </a:p>
         </p:txBody>
@@ -11849,7 +11929,7 @@
         <p:spPr>
           <a:xfrm>
             <a:off x="954156" y="1682693"/>
-            <a:ext cx="3355406" cy="1200329"/>
+            <a:ext cx="3217547" cy="1477328"/>
           </a:xfrm>
           <a:prstGeom prst="rect">
             <a:avLst/>
@@ -11867,76 +11947,43 @@
                 <a:latin typeface="Courier New" panose="02070309020205020404" pitchFamily="49" charset="0"/>
                 <a:cs typeface="Courier New" panose="02070309020205020404" pitchFamily="49" charset="0"/>
               </a:rPr>
-              <a:t>print('Enter US Floor')</a:t>
-            </a:r>
-          </a:p>
-          <a:p>
-            <a:r>
-              <a:rPr lang="en-US" dirty="0" err="1">
-                <a:latin typeface="Courier New" panose="02070309020205020404" pitchFamily="49" charset="0"/>
-                <a:cs typeface="Courier New" panose="02070309020205020404" pitchFamily="49" charset="0"/>
-              </a:rPr>
-              <a:t>usf</a:t>
-            </a:r>
-            <a:r>
-              <a:rPr lang="en-US" dirty="0">
-                <a:latin typeface="Courier New" panose="02070309020205020404" pitchFamily="49" charset="0"/>
-                <a:cs typeface="Courier New" panose="02070309020205020404" pitchFamily="49" charset="0"/>
-              </a:rPr>
-              <a:t> = int(input())</a:t>
-            </a:r>
-          </a:p>
-          <a:p>
-            <a:r>
-              <a:rPr lang="en-US" dirty="0" err="1">
-                <a:latin typeface="Courier New" panose="02070309020205020404" pitchFamily="49" charset="0"/>
-                <a:cs typeface="Courier New" panose="02070309020205020404" pitchFamily="49" charset="0"/>
-              </a:rPr>
-              <a:t>euf</a:t>
-            </a:r>
-            <a:r>
-              <a:rPr lang="en-US" dirty="0">
-                <a:latin typeface="Courier New" panose="02070309020205020404" pitchFamily="49" charset="0"/>
-                <a:cs typeface="Courier New" panose="02070309020205020404" pitchFamily="49" charset="0"/>
-              </a:rPr>
-              <a:t> = </a:t>
-            </a:r>
-            <a:r>
-              <a:rPr lang="en-US" dirty="0" err="1">
-                <a:latin typeface="Courier New" panose="02070309020205020404" pitchFamily="49" charset="0"/>
-                <a:cs typeface="Courier New" panose="02070309020205020404" pitchFamily="49" charset="0"/>
-              </a:rPr>
-              <a:t>usf</a:t>
-            </a:r>
-            <a:r>
-              <a:rPr lang="en-US" dirty="0">
-                <a:latin typeface="Courier New" panose="02070309020205020404" pitchFamily="49" charset="0"/>
-                <a:cs typeface="Courier New" panose="02070309020205020404" pitchFamily="49" charset="0"/>
-              </a:rPr>
-              <a:t> - 1</a:t>
-            </a:r>
-          </a:p>
-          <a:p>
-            <a:r>
-              <a:rPr lang="en-US" dirty="0">
-                <a:latin typeface="Courier New" panose="02070309020205020404" pitchFamily="49" charset="0"/>
-                <a:cs typeface="Courier New" panose="02070309020205020404" pitchFamily="49" charset="0"/>
-              </a:rPr>
-              <a:t>print('EU Floor', </a:t>
-            </a:r>
-            <a:r>
-              <a:rPr lang="en-US" dirty="0" err="1">
-                <a:latin typeface="Courier New" panose="02070309020205020404" pitchFamily="49" charset="0"/>
-                <a:cs typeface="Courier New" panose="02070309020205020404" pitchFamily="49" charset="0"/>
-              </a:rPr>
-              <a:t>euf</a:t>
-            </a:r>
-            <a:r>
-              <a:rPr lang="en-US" dirty="0">
-                <a:latin typeface="Courier New" panose="02070309020205020404" pitchFamily="49" charset="0"/>
-                <a:cs typeface="Courier New" panose="02070309020205020404" pitchFamily="49" charset="0"/>
-              </a:rPr>
-              <a:t>)</a:t>
+              <a:t># I am a comment</a:t>
+            </a:r>
+          </a:p>
+          <a:p>
+            <a:r>
+              <a:rPr lang="en-US" dirty="0">
+                <a:latin typeface="Courier New" panose="02070309020205020404" pitchFamily="49" charset="0"/>
+                <a:cs typeface="Courier New" panose="02070309020205020404" pitchFamily="49" charset="0"/>
+              </a:rPr>
+              <a:t>print('Hello world')</a:t>
+            </a:r>
+          </a:p>
+          <a:p>
+            <a:r>
+              <a:rPr lang="en-US" dirty="0">
+                <a:latin typeface="Courier New" panose="02070309020205020404" pitchFamily="49" charset="0"/>
+                <a:cs typeface="Courier New" panose="02070309020205020404" pitchFamily="49" charset="0"/>
+              </a:rPr>
+              <a:t>print('Answer', 42)</a:t>
+            </a:r>
+          </a:p>
+          <a:p>
+            <a:r>
+              <a:rPr lang="en-US" dirty="0">
+                <a:latin typeface="Courier New" panose="02070309020205020404" pitchFamily="49" charset="0"/>
+                <a:cs typeface="Courier New" panose="02070309020205020404" pitchFamily="49" charset="0"/>
+              </a:rPr>
+              <a:t>print('Name', 'Sarah')</a:t>
+            </a:r>
+          </a:p>
+          <a:p>
+            <a:r>
+              <a:rPr lang="en-US" dirty="0">
+                <a:latin typeface="Courier New" panose="02070309020205020404" pitchFamily="49" charset="0"/>
+                <a:cs typeface="Courier New" panose="02070309020205020404" pitchFamily="49" charset="0"/>
+              </a:rPr>
+              <a:t>print('x',3.5,'i',10)</a:t>
             </a:r>
           </a:p>
         </p:txBody>
@@ -11956,7 +12003,7 @@
         <p:spPr>
           <a:xfrm>
             <a:off x="6322193" y="1027906"/>
-            <a:ext cx="4733988" cy="2308324"/>
+            <a:ext cx="5423280" cy="2308324"/>
           </a:xfrm>
           <a:prstGeom prst="rect">
             <a:avLst/>
@@ -11997,6 +12044,15 @@
                 <a:latin typeface="Courier New" panose="02070309020205020404" pitchFamily="49" charset="0"/>
                 <a:cs typeface="Courier New" panose="02070309020205020404" pitchFamily="49" charset="0"/>
               </a:rPr>
+              <a:t>/* I am a comment */</a:t>
+            </a:r>
+          </a:p>
+          <a:p>
+            <a:r>
+              <a:rPr lang="en-US" dirty="0">
+                <a:latin typeface="Courier New" panose="02070309020205020404" pitchFamily="49" charset="0"/>
+                <a:cs typeface="Courier New" panose="02070309020205020404" pitchFamily="49" charset="0"/>
+              </a:rPr>
               <a:t>int main() {</a:t>
             </a:r>
           </a:p>
@@ -12006,35 +12062,44 @@
                 <a:latin typeface="Courier New" panose="02070309020205020404" pitchFamily="49" charset="0"/>
                 <a:cs typeface="Courier New" panose="02070309020205020404" pitchFamily="49" charset="0"/>
               </a:rPr>
-              <a:t>    int </a:t>
+              <a:t>    </a:t>
             </a:r>
             <a:r>
               <a:rPr lang="en-US" dirty="0" err="1">
                 <a:latin typeface="Courier New" panose="02070309020205020404" pitchFamily="49" charset="0"/>
                 <a:cs typeface="Courier New" panose="02070309020205020404" pitchFamily="49" charset="0"/>
               </a:rPr>
-              <a:t>usf</a:t>
-            </a:r>
-            <a:r>
-              <a:rPr lang="en-US" dirty="0">
-                <a:latin typeface="Courier New" panose="02070309020205020404" pitchFamily="49" charset="0"/>
-                <a:cs typeface="Courier New" panose="02070309020205020404" pitchFamily="49" charset="0"/>
-              </a:rPr>
-              <a:t>, </a:t>
+              <a:t>printf</a:t>
+            </a:r>
+            <a:r>
+              <a:rPr lang="en-US" dirty="0">
+                <a:latin typeface="Courier New" panose="02070309020205020404" pitchFamily="49" charset="0"/>
+                <a:cs typeface="Courier New" panose="02070309020205020404" pitchFamily="49" charset="0"/>
+              </a:rPr>
+              <a:t>("Hello world\n");</a:t>
+            </a:r>
+          </a:p>
+          <a:p>
+            <a:r>
+              <a:rPr lang="en-US" dirty="0">
+                <a:latin typeface="Courier New" panose="02070309020205020404" pitchFamily="49" charset="0"/>
+                <a:cs typeface="Courier New" panose="02070309020205020404" pitchFamily="49" charset="0"/>
+              </a:rPr>
+              <a:t>    </a:t>
             </a:r>
             <a:r>
               <a:rPr lang="en-US" dirty="0" err="1">
                 <a:latin typeface="Courier New" panose="02070309020205020404" pitchFamily="49" charset="0"/>
                 <a:cs typeface="Courier New" panose="02070309020205020404" pitchFamily="49" charset="0"/>
               </a:rPr>
-              <a:t>euf</a:t>
-            </a:r>
-            <a:r>
-              <a:rPr lang="en-US" dirty="0">
-                <a:latin typeface="Courier New" panose="02070309020205020404" pitchFamily="49" charset="0"/>
-                <a:cs typeface="Courier New" panose="02070309020205020404" pitchFamily="49" charset="0"/>
-              </a:rPr>
-              <a:t>;</a:t>
+              <a:t>printf</a:t>
+            </a:r>
+            <a:r>
+              <a:rPr lang="en-US" dirty="0">
+                <a:latin typeface="Courier New" panose="02070309020205020404" pitchFamily="49" charset="0"/>
+                <a:cs typeface="Courier New" panose="02070309020205020404" pitchFamily="49" charset="0"/>
+              </a:rPr>
+              <a:t>("Answer %d\n", 42);</a:t>
             </a:r>
           </a:p>
           <a:p>
@@ -12057,7 +12122,7 @@
                 <a:latin typeface="Courier New" panose="02070309020205020404" pitchFamily="49" charset="0"/>
                 <a:cs typeface="Courier New" panose="02070309020205020404" pitchFamily="49" charset="0"/>
               </a:rPr>
-              <a:t>("Enter US Floor\n");</a:t>
+              <a:t>("Name %s\n", "Sarah");</a:t>
             </a:r>
           </a:p>
           <a:p>
@@ -12073,102 +12138,28 @@
                 <a:latin typeface="Courier New" panose="02070309020205020404" pitchFamily="49" charset="0"/>
                 <a:cs typeface="Courier New" panose="02070309020205020404" pitchFamily="49" charset="0"/>
               </a:rPr>
-              <a:t>scanf</a:t>
-            </a:r>
-            <a:r>
-              <a:rPr lang="en-US" dirty="0">
-                <a:latin typeface="Courier New" panose="02070309020205020404" pitchFamily="49" charset="0"/>
-                <a:cs typeface="Courier New" panose="02070309020205020404" pitchFamily="49" charset="0"/>
-              </a:rPr>
-              <a:t>("%d", &amp;</a:t>
+              <a:t>printf</a:t>
+            </a:r>
+            <a:r>
+              <a:rPr lang="en-US" dirty="0">
+                <a:latin typeface="Courier New" panose="02070309020205020404" pitchFamily="49" charset="0"/>
+                <a:cs typeface="Courier New" panose="02070309020205020404" pitchFamily="49" charset="0"/>
+              </a:rPr>
+              <a:t>("x %.1f </a:t>
             </a:r>
             <a:r>
               <a:rPr lang="en-US" dirty="0" err="1">
                 <a:latin typeface="Courier New" panose="02070309020205020404" pitchFamily="49" charset="0"/>
                 <a:cs typeface="Courier New" panose="02070309020205020404" pitchFamily="49" charset="0"/>
               </a:rPr>
-              <a:t>usf</a:t>
-            </a:r>
-            <a:r>
-              <a:rPr lang="en-US" dirty="0">
-                <a:latin typeface="Courier New" panose="02070309020205020404" pitchFamily="49" charset="0"/>
-                <a:cs typeface="Courier New" panose="02070309020205020404" pitchFamily="49" charset="0"/>
-              </a:rPr>
-              <a:t>);</a:t>
-            </a:r>
-          </a:p>
-          <a:p>
-            <a:r>
-              <a:rPr lang="en-US" dirty="0">
-                <a:latin typeface="Courier New" panose="02070309020205020404" pitchFamily="49" charset="0"/>
-                <a:cs typeface="Courier New" panose="02070309020205020404" pitchFamily="49" charset="0"/>
-              </a:rPr>
-              <a:t>    </a:t>
-            </a:r>
-            <a:r>
-              <a:rPr lang="en-US" dirty="0" err="1">
-                <a:latin typeface="Courier New" panose="02070309020205020404" pitchFamily="49" charset="0"/>
-                <a:cs typeface="Courier New" panose="02070309020205020404" pitchFamily="49" charset="0"/>
-              </a:rPr>
-              <a:t>euf</a:t>
-            </a:r>
-            <a:r>
-              <a:rPr lang="en-US" dirty="0">
-                <a:latin typeface="Courier New" panose="02070309020205020404" pitchFamily="49" charset="0"/>
-                <a:cs typeface="Courier New" panose="02070309020205020404" pitchFamily="49" charset="0"/>
-              </a:rPr>
-              <a:t> = </a:t>
-            </a:r>
-            <a:r>
-              <a:rPr lang="en-US" dirty="0" err="1">
-                <a:latin typeface="Courier New" panose="02070309020205020404" pitchFamily="49" charset="0"/>
-                <a:cs typeface="Courier New" panose="02070309020205020404" pitchFamily="49" charset="0"/>
-              </a:rPr>
-              <a:t>usf</a:t>
-            </a:r>
-            <a:r>
-              <a:rPr lang="en-US" dirty="0">
-                <a:latin typeface="Courier New" panose="02070309020205020404" pitchFamily="49" charset="0"/>
-                <a:cs typeface="Courier New" panose="02070309020205020404" pitchFamily="49" charset="0"/>
-              </a:rPr>
-              <a:t> – 1;</a:t>
-            </a:r>
-          </a:p>
-          <a:p>
-            <a:r>
-              <a:rPr lang="en-US" dirty="0">
-                <a:latin typeface="Courier New" panose="02070309020205020404" pitchFamily="49" charset="0"/>
-                <a:cs typeface="Courier New" panose="02070309020205020404" pitchFamily="49" charset="0"/>
-              </a:rPr>
-              <a:t>    </a:t>
-            </a:r>
-            <a:r>
-              <a:rPr lang="en-US" dirty="0" err="1">
-                <a:latin typeface="Courier New" panose="02070309020205020404" pitchFamily="49" charset="0"/>
-                <a:cs typeface="Courier New" panose="02070309020205020404" pitchFamily="49" charset="0"/>
-              </a:rPr>
-              <a:t>printf</a:t>
-            </a:r>
-            <a:r>
-              <a:rPr lang="en-US" dirty="0">
-                <a:latin typeface="Courier New" panose="02070309020205020404" pitchFamily="49" charset="0"/>
-                <a:cs typeface="Courier New" panose="02070309020205020404" pitchFamily="49" charset="0"/>
-              </a:rPr>
-              <a:t>("EU Floor %d\n", </a:t>
-            </a:r>
-            <a:r>
-              <a:rPr lang="en-US" dirty="0" err="1">
-                <a:latin typeface="Courier New" panose="02070309020205020404" pitchFamily="49" charset="0"/>
-                <a:cs typeface="Courier New" panose="02070309020205020404" pitchFamily="49" charset="0"/>
-              </a:rPr>
-              <a:t>euf</a:t>
-            </a:r>
-            <a:r>
-              <a:rPr lang="en-US" dirty="0">
-                <a:latin typeface="Courier New" panose="02070309020205020404" pitchFamily="49" charset="0"/>
-                <a:cs typeface="Courier New" panose="02070309020205020404" pitchFamily="49" charset="0"/>
-              </a:rPr>
-              <a:t>);</a:t>
+              <a:t>i</a:t>
+            </a:r>
+            <a:r>
+              <a:rPr lang="en-US" dirty="0">
+                <a:latin typeface="Courier New" panose="02070309020205020404" pitchFamily="49" charset="0"/>
+                <a:cs typeface="Courier New" panose="02070309020205020404" pitchFamily="49" charset="0"/>
+              </a:rPr>
+              <a:t> %d\n", 3.5, 100);</a:t>
             </a:r>
           </a:p>
           <a:p>
@@ -12197,7 +12188,7 @@
         <p:spPr>
           <a:xfrm>
             <a:off x="954156" y="4200590"/>
-            <a:ext cx="2114681" cy="923330"/>
+            <a:ext cx="1701107" cy="1200329"/>
           </a:xfrm>
           <a:prstGeom prst="rect">
             <a:avLst/>
@@ -12214,15 +12205,15 @@
               <a:rPr lang="en-US" dirty="0">
                 <a:latin typeface="Monaco" pitchFamily="2" charset="77"/>
               </a:rPr>
-              <a:t>Enter US Floor</a:t>
-            </a:r>
-          </a:p>
-          <a:p>
-            <a:r>
-              <a:rPr lang="en-US" b="1" dirty="0">
+              <a:t>Hello world</a:t>
+            </a:r>
+          </a:p>
+          <a:p>
+            <a:r>
+              <a:rPr lang="en-US" dirty="0">
                 <a:latin typeface="Monaco" pitchFamily="2" charset="77"/>
               </a:rPr>
-              <a:t>2</a:t>
+              <a:t>Answer 42</a:t>
             </a:r>
           </a:p>
           <a:p>
@@ -12230,7 +12221,27 @@
               <a:rPr lang="en-US" dirty="0">
                 <a:latin typeface="Monaco" pitchFamily="2" charset="77"/>
               </a:rPr>
-              <a:t>EU Floor 1</a:t>
+              <a:t>Name Sarah</a:t>
+            </a:r>
+          </a:p>
+          <a:p>
+            <a:r>
+              <a:rPr lang="en-US" dirty="0">
+                <a:latin typeface="Monaco" pitchFamily="2" charset="77"/>
+              </a:rPr>
+              <a:t>x 3.5 </a:t>
+            </a:r>
+            <a:r>
+              <a:rPr lang="en-US" dirty="0" err="1">
+                <a:latin typeface="Monaco" pitchFamily="2" charset="77"/>
+              </a:rPr>
+              <a:t>i</a:t>
+            </a:r>
+            <a:r>
+              <a:rPr lang="en-US" dirty="0">
+                <a:latin typeface="Monaco" pitchFamily="2" charset="77"/>
+              </a:rPr>
+              <a:t> 100</a:t>
             </a:r>
           </a:p>
         </p:txBody>
@@ -12240,7 +12251,7 @@
           <p:cNvPr id="8" name="TextBox 7">
             <a:extLst>
               <a:ext uri="{FF2B5EF4-FFF2-40B4-BE49-F238E27FC236}">
-                <a16:creationId xmlns:a16="http://schemas.microsoft.com/office/drawing/2014/main" id="{90C45FFE-7DC3-FDAE-69BA-C033FBD70A6E}"/>
+                <a16:creationId xmlns:a16="http://schemas.microsoft.com/office/drawing/2014/main" id="{B428CDF7-E206-237B-5834-303417C8C9F2}"/>
               </a:ext>
             </a:extLst>
           </p:cNvPr>
@@ -12271,31 +12282,15 @@
                 <a:effectLst/>
                 <a:latin typeface="Menlo" panose="020B0609030804020204" pitchFamily="49" charset="0"/>
               </a:rPr>
-              <a:t>cc_02_02.</a:t>
-            </a:r>
-            <a:r>
-              <a:rPr lang="en-US" sz="1600" dirty="0">
-                <a:solidFill>
-                  <a:srgbClr val="000000"/>
-                </a:solidFill>
-                <a:latin typeface="Menlo" panose="020B0609030804020204" pitchFamily="49" charset="0"/>
-              </a:rPr>
-              <a:t>c</a:t>
-            </a:r>
-            <a:endParaRPr lang="en-US" sz="1600" dirty="0">
-              <a:solidFill>
-                <a:srgbClr val="000000"/>
-              </a:solidFill>
-              <a:effectLst/>
-              <a:latin typeface="Menlo" panose="020B0609030804020204" pitchFamily="49" charset="0"/>
-            </a:endParaRPr>
+              <a:t>cc_02_01.c</a:t>
+            </a:r>
           </a:p>
         </p:txBody>
       </p:sp>
     </p:spTree>
     <p:extLst>
       <p:ext uri="{BB962C8B-B14F-4D97-AF65-F5344CB8AC3E}">
-        <p14:creationId xmlns:p14="http://schemas.microsoft.com/office/powerpoint/2010/main" val="2948564051"/>
+        <p14:creationId xmlns:p14="http://schemas.microsoft.com/office/powerpoint/2010/main" val="879912693"/>
       </p:ext>
     </p:extLst>
   </p:cSld>
@@ -12345,7 +12340,7 @@
           <a:p>
             <a:r>
               <a:rPr lang="en-US" dirty="0"/>
-              <a:t>String Input</a:t>
+              <a:t>Number Input</a:t>
             </a:r>
           </a:p>
         </p:txBody>
@@ -12365,7 +12360,7 @@
         <p:spPr>
           <a:xfrm>
             <a:off x="954156" y="1682693"/>
-            <a:ext cx="2941831" cy="923330"/>
+            <a:ext cx="3355406" cy="1200329"/>
           </a:xfrm>
           <a:prstGeom prst="rect">
             <a:avLst/>
@@ -12383,25 +12378,76 @@
                 <a:latin typeface="Courier New" panose="02070309020205020404" pitchFamily="49" charset="0"/>
                 <a:cs typeface="Courier New" panose="02070309020205020404" pitchFamily="49" charset="0"/>
               </a:rPr>
-              <a:t>print('Enter name')</a:t>
-            </a:r>
-          </a:p>
-          <a:p>
-            <a:r>
-              <a:rPr lang="en-US" dirty="0">
-                <a:latin typeface="Courier New" panose="02070309020205020404" pitchFamily="49" charset="0"/>
-                <a:cs typeface="Courier New" panose="02070309020205020404" pitchFamily="49" charset="0"/>
-              </a:rPr>
-              <a:t>name = input()</a:t>
-            </a:r>
-          </a:p>
-          <a:p>
-            <a:r>
-              <a:rPr lang="en-US" dirty="0">
-                <a:latin typeface="Courier New" panose="02070309020205020404" pitchFamily="49" charset="0"/>
-                <a:cs typeface="Courier New" panose="02070309020205020404" pitchFamily="49" charset="0"/>
-              </a:rPr>
-              <a:t>print('Hello', name)</a:t>
+              <a:t>print('Enter US Floor')</a:t>
+            </a:r>
+          </a:p>
+          <a:p>
+            <a:r>
+              <a:rPr lang="en-US" dirty="0" err="1">
+                <a:latin typeface="Courier New" panose="02070309020205020404" pitchFamily="49" charset="0"/>
+                <a:cs typeface="Courier New" panose="02070309020205020404" pitchFamily="49" charset="0"/>
+              </a:rPr>
+              <a:t>usf</a:t>
+            </a:r>
+            <a:r>
+              <a:rPr lang="en-US" dirty="0">
+                <a:latin typeface="Courier New" panose="02070309020205020404" pitchFamily="49" charset="0"/>
+                <a:cs typeface="Courier New" panose="02070309020205020404" pitchFamily="49" charset="0"/>
+              </a:rPr>
+              <a:t> = int(input())</a:t>
+            </a:r>
+          </a:p>
+          <a:p>
+            <a:r>
+              <a:rPr lang="en-US" dirty="0" err="1">
+                <a:latin typeface="Courier New" panose="02070309020205020404" pitchFamily="49" charset="0"/>
+                <a:cs typeface="Courier New" panose="02070309020205020404" pitchFamily="49" charset="0"/>
+              </a:rPr>
+              <a:t>euf</a:t>
+            </a:r>
+            <a:r>
+              <a:rPr lang="en-US" dirty="0">
+                <a:latin typeface="Courier New" panose="02070309020205020404" pitchFamily="49" charset="0"/>
+                <a:cs typeface="Courier New" panose="02070309020205020404" pitchFamily="49" charset="0"/>
+              </a:rPr>
+              <a:t> = </a:t>
+            </a:r>
+            <a:r>
+              <a:rPr lang="en-US" dirty="0" err="1">
+                <a:latin typeface="Courier New" panose="02070309020205020404" pitchFamily="49" charset="0"/>
+                <a:cs typeface="Courier New" panose="02070309020205020404" pitchFamily="49" charset="0"/>
+              </a:rPr>
+              <a:t>usf</a:t>
+            </a:r>
+            <a:r>
+              <a:rPr lang="en-US" dirty="0">
+                <a:latin typeface="Courier New" panose="02070309020205020404" pitchFamily="49" charset="0"/>
+                <a:cs typeface="Courier New" panose="02070309020205020404" pitchFamily="49" charset="0"/>
+              </a:rPr>
+              <a:t> - 1</a:t>
+            </a:r>
+          </a:p>
+          <a:p>
+            <a:r>
+              <a:rPr lang="en-US" dirty="0">
+                <a:latin typeface="Courier New" panose="02070309020205020404" pitchFamily="49" charset="0"/>
+                <a:cs typeface="Courier New" panose="02070309020205020404" pitchFamily="49" charset="0"/>
+              </a:rPr>
+              <a:t>print('EU Floor', </a:t>
+            </a:r>
+            <a:r>
+              <a:rPr lang="en-US" dirty="0" err="1">
+                <a:latin typeface="Courier New" panose="02070309020205020404" pitchFamily="49" charset="0"/>
+                <a:cs typeface="Courier New" panose="02070309020205020404" pitchFamily="49" charset="0"/>
+              </a:rPr>
+              <a:t>euf</a:t>
+            </a:r>
+            <a:r>
+              <a:rPr lang="en-US" dirty="0">
+                <a:latin typeface="Courier New" panose="02070309020205020404" pitchFamily="49" charset="0"/>
+                <a:cs typeface="Courier New" panose="02070309020205020404" pitchFamily="49" charset="0"/>
+              </a:rPr>
+              <a:t>)</a:t>
             </a:r>
           </a:p>
         </p:txBody>
@@ -12421,7 +12467,7 @@
         <p:spPr>
           <a:xfrm>
             <a:off x="6322193" y="1027906"/>
-            <a:ext cx="4458272" cy="2031325"/>
+            <a:ext cx="4733988" cy="2308324"/>
           </a:xfrm>
           <a:prstGeom prst="rect">
             <a:avLst/>
@@ -12471,12 +12517,36 @@
                 <a:latin typeface="Courier New" panose="02070309020205020404" pitchFamily="49" charset="0"/>
                 <a:cs typeface="Courier New" panose="02070309020205020404" pitchFamily="49" charset="0"/>
               </a:rPr>
-              <a:t>    char name[100];</a:t>
-            </a:r>
-            <a:endParaRPr lang="en-US" b="1" dirty="0">
-              <a:latin typeface="Courier New" panose="02070309020205020404" pitchFamily="49" charset="0"/>
-              <a:cs typeface="Courier New" panose="02070309020205020404" pitchFamily="49" charset="0"/>
-            </a:endParaRPr>
+              <a:t>    int </a:t>
+            </a:r>
+            <a:r>
+              <a:rPr lang="en-US" dirty="0" err="1">
+                <a:latin typeface="Courier New" panose="02070309020205020404" pitchFamily="49" charset="0"/>
+                <a:cs typeface="Courier New" panose="02070309020205020404" pitchFamily="49" charset="0"/>
+              </a:rPr>
+              <a:t>usf</a:t>
+            </a:r>
+            <a:r>
+              <a:rPr lang="en-US" dirty="0">
+                <a:latin typeface="Courier New" panose="02070309020205020404" pitchFamily="49" charset="0"/>
+                <a:cs typeface="Courier New" panose="02070309020205020404" pitchFamily="49" charset="0"/>
+              </a:rPr>
+              <a:t>, </a:t>
+            </a:r>
+            <a:r>
+              <a:rPr lang="en-US" dirty="0" err="1">
+                <a:latin typeface="Courier New" panose="02070309020205020404" pitchFamily="49" charset="0"/>
+                <a:cs typeface="Courier New" panose="02070309020205020404" pitchFamily="49" charset="0"/>
+              </a:rPr>
+              <a:t>euf</a:t>
+            </a:r>
+            <a:r>
+              <a:rPr lang="en-US" dirty="0">
+                <a:latin typeface="Courier New" panose="02070309020205020404" pitchFamily="49" charset="0"/>
+                <a:cs typeface="Courier New" panose="02070309020205020404" pitchFamily="49" charset="0"/>
+              </a:rPr>
+              <a:t>;</a:t>
+            </a:r>
           </a:p>
           <a:p>
             <a:r>
@@ -12498,7 +12568,7 @@
                 <a:latin typeface="Courier New" panose="02070309020205020404" pitchFamily="49" charset="0"/>
                 <a:cs typeface="Courier New" panose="02070309020205020404" pitchFamily="49" charset="0"/>
               </a:rPr>
-              <a:t>("Enter name\n");</a:t>
+              <a:t>("Enter US Floor\n");</a:t>
             </a:r>
           </a:p>
           <a:p>
@@ -12521,7 +12591,21 @@
                 <a:latin typeface="Courier New" panose="02070309020205020404" pitchFamily="49" charset="0"/>
                 <a:cs typeface="Courier New" panose="02070309020205020404" pitchFamily="49" charset="0"/>
               </a:rPr>
-              <a:t>("%100s", name);</a:t>
+              <a:t>("%d", &amp;</a:t>
+            </a:r>
+            <a:r>
+              <a:rPr lang="en-US" dirty="0" err="1">
+                <a:latin typeface="Courier New" panose="02070309020205020404" pitchFamily="49" charset="0"/>
+                <a:cs typeface="Courier New" panose="02070309020205020404" pitchFamily="49" charset="0"/>
+              </a:rPr>
+              <a:t>usf</a:t>
+            </a:r>
+            <a:r>
+              <a:rPr lang="en-US" dirty="0">
+                <a:latin typeface="Courier New" panose="02070309020205020404" pitchFamily="49" charset="0"/>
+                <a:cs typeface="Courier New" panose="02070309020205020404" pitchFamily="49" charset="0"/>
+              </a:rPr>
+              <a:t>);</a:t>
             </a:r>
           </a:p>
           <a:p>
@@ -12537,6 +12621,43 @@
                 <a:latin typeface="Courier New" panose="02070309020205020404" pitchFamily="49" charset="0"/>
                 <a:cs typeface="Courier New" panose="02070309020205020404" pitchFamily="49" charset="0"/>
               </a:rPr>
+              <a:t>euf</a:t>
+            </a:r>
+            <a:r>
+              <a:rPr lang="en-US" dirty="0">
+                <a:latin typeface="Courier New" panose="02070309020205020404" pitchFamily="49" charset="0"/>
+                <a:cs typeface="Courier New" panose="02070309020205020404" pitchFamily="49" charset="0"/>
+              </a:rPr>
+              <a:t> = </a:t>
+            </a:r>
+            <a:r>
+              <a:rPr lang="en-US" dirty="0" err="1">
+                <a:latin typeface="Courier New" panose="02070309020205020404" pitchFamily="49" charset="0"/>
+                <a:cs typeface="Courier New" panose="02070309020205020404" pitchFamily="49" charset="0"/>
+              </a:rPr>
+              <a:t>usf</a:t>
+            </a:r>
+            <a:r>
+              <a:rPr lang="en-US" dirty="0">
+                <a:latin typeface="Courier New" panose="02070309020205020404" pitchFamily="49" charset="0"/>
+                <a:cs typeface="Courier New" panose="02070309020205020404" pitchFamily="49" charset="0"/>
+              </a:rPr>
+              <a:t> – 1;</a:t>
+            </a:r>
+          </a:p>
+          <a:p>
+            <a:r>
+              <a:rPr lang="en-US" dirty="0">
+                <a:latin typeface="Courier New" panose="02070309020205020404" pitchFamily="49" charset="0"/>
+                <a:cs typeface="Courier New" panose="02070309020205020404" pitchFamily="49" charset="0"/>
+              </a:rPr>
+              <a:t>    </a:t>
+            </a:r>
+            <a:r>
+              <a:rPr lang="en-US" dirty="0" err="1">
+                <a:latin typeface="Courier New" panose="02070309020205020404" pitchFamily="49" charset="0"/>
+                <a:cs typeface="Courier New" panose="02070309020205020404" pitchFamily="49" charset="0"/>
+              </a:rPr>
               <a:t>printf</a:t>
             </a:r>
             <a:r>
@@ -12544,7 +12665,21 @@
                 <a:latin typeface="Courier New" panose="02070309020205020404" pitchFamily="49" charset="0"/>
                 <a:cs typeface="Courier New" panose="02070309020205020404" pitchFamily="49" charset="0"/>
               </a:rPr>
-              <a:t>("Hello %s\n", name);</a:t>
+              <a:t>("EU Floor %d\n", </a:t>
+            </a:r>
+            <a:r>
+              <a:rPr lang="en-US" dirty="0" err="1">
+                <a:latin typeface="Courier New" panose="02070309020205020404" pitchFamily="49" charset="0"/>
+                <a:cs typeface="Courier New" panose="02070309020205020404" pitchFamily="49" charset="0"/>
+              </a:rPr>
+              <a:t>euf</a:t>
+            </a:r>
+            <a:r>
+              <a:rPr lang="en-US" dirty="0">
+                <a:latin typeface="Courier New" panose="02070309020205020404" pitchFamily="49" charset="0"/>
+                <a:cs typeface="Courier New" panose="02070309020205020404" pitchFamily="49" charset="0"/>
+              </a:rPr>
+              <a:t>);</a:t>
             </a:r>
           </a:p>
           <a:p>
@@ -12573,7 +12708,7 @@
         <p:spPr>
           <a:xfrm>
             <a:off x="954156" y="4200590"/>
-            <a:ext cx="1701107" cy="923330"/>
+            <a:ext cx="2114681" cy="923330"/>
           </a:xfrm>
           <a:prstGeom prst="rect">
             <a:avLst/>
@@ -12590,7 +12725,7 @@
               <a:rPr lang="en-US" dirty="0">
                 <a:latin typeface="Monaco" pitchFamily="2" charset="77"/>
               </a:rPr>
-              <a:t>Enter name</a:t>
+              <a:t>Enter US Floor</a:t>
             </a:r>
           </a:p>
           <a:p>
@@ -12598,7 +12733,7 @@
               <a:rPr lang="en-US" b="1" dirty="0">
                 <a:latin typeface="Monaco" pitchFamily="2" charset="77"/>
               </a:rPr>
-              <a:t>Sarah</a:t>
+              <a:t>2</a:t>
             </a:r>
           </a:p>
           <a:p>
@@ -12606,7 +12741,7 @@
               <a:rPr lang="en-US" dirty="0">
                 <a:latin typeface="Monaco" pitchFamily="2" charset="77"/>
               </a:rPr>
-              <a:t>Hello Sarah</a:t>
+              <a:t>EU Floor 1</a:t>
             </a:r>
           </a:p>
         </p:txBody>
@@ -12616,7 +12751,7 @@
           <p:cNvPr id="8" name="TextBox 7">
             <a:extLst>
               <a:ext uri="{FF2B5EF4-FFF2-40B4-BE49-F238E27FC236}">
-                <a16:creationId xmlns:a16="http://schemas.microsoft.com/office/drawing/2014/main" id="{75CF0506-F045-000E-B8E8-AFF9EA53CB9C}"/>
+                <a16:creationId xmlns:a16="http://schemas.microsoft.com/office/drawing/2014/main" id="{90C45FFE-7DC3-FDAE-69BA-C033FBD70A6E}"/>
               </a:ext>
             </a:extLst>
           </p:cNvPr>
@@ -12647,7 +12782,7 @@
                 <a:effectLst/>
                 <a:latin typeface="Menlo" panose="020B0609030804020204" pitchFamily="49" charset="0"/>
               </a:rPr>
-              <a:t>cc_02_03.</a:t>
+              <a:t>cc_02_02.</a:t>
             </a:r>
             <a:r>
               <a:rPr lang="en-US" sz="1600" dirty="0">
@@ -12671,7 +12806,7 @@
     </p:spTree>
     <p:extLst>
       <p:ext uri="{BB962C8B-B14F-4D97-AF65-F5344CB8AC3E}">
-        <p14:creationId xmlns:p14="http://schemas.microsoft.com/office/powerpoint/2010/main" val="2945285699"/>
+        <p14:creationId xmlns:p14="http://schemas.microsoft.com/office/powerpoint/2010/main" val="2948564051"/>
       </p:ext>
     </p:extLst>
   </p:cSld>

--- a/lectures/CC-02-Python.pptx
+++ b/lectures/CC-02-Python.pptx
@@ -11798,12 +11798,27 @@
         </p:nvSpPr>
         <p:spPr/>
         <p:txBody>
-          <a:bodyPr/>
+          <a:bodyPr>
+            <a:normAutofit lnSpcReduction="10000"/>
+          </a:bodyPr>
           <a:lstStyle/>
           <a:p>
             <a:r>
               <a:rPr lang="en-US" dirty="0"/>
-              <a:t>Operators: + - * / % </a:t>
+              <a:t>Arithmetic Operators: + - * / % </a:t>
+            </a:r>
+          </a:p>
+          <a:p>
+            <a:r>
+              <a:rPr lang="en-US" dirty="0"/>
+              <a:t>Comparison Operators: == != &lt; &gt; &lt;= the same</a:t>
+            </a:r>
+          </a:p>
+          <a:p>
+            <a:pPr lvl="1"/>
+            <a:r>
+              <a:rPr lang="en-US" dirty="0"/>
+              <a:t>is / in / and / not / or - are different</a:t>
             </a:r>
           </a:p>
           <a:p>
@@ -11821,6 +11836,12 @@
           <a:p>
             <a:r>
               <a:rPr lang="en-US" dirty="0"/>
+              <a:t>Constants similar except for strings and characters</a:t>
+            </a:r>
+          </a:p>
+          <a:p>
+            <a:r>
+              <a:rPr lang="en-US" dirty="0"/>
               <a:t>Both have int / float, (char, byte)</a:t>
             </a:r>
           </a:p>
@@ -11840,13 +11861,8 @@
             <a:pPr lvl="1"/>
             <a:r>
               <a:rPr lang="en-US" dirty="0"/>
-              <a:t>Python has no struct </a:t>
-            </a:r>
-            <a:r>
-              <a:rPr lang="en-US"/>
-              <a:t>or double</a:t>
-            </a:r>
-            <a:endParaRPr lang="en-US" dirty="0"/>
+              <a:t>Python has no struct or double</a:t>
+            </a:r>
           </a:p>
           <a:p>
             <a:endParaRPr lang="en-US" dirty="0"/>

--- a/lectures/CC-02-Python.pptx
+++ b/lectures/CC-02-Python.pptx
@@ -24,6 +24,7 @@
     <p:sldId id="273" r:id="rId18"/>
     <p:sldId id="274" r:id="rId19"/>
     <p:sldId id="275" r:id="rId20"/>
+    <p:sldId id="277" r:id="rId21"/>
   </p:sldIdLst>
   <p:sldSz cx="12192000" cy="6858000"/>
   <p:notesSz cx="6858000" cy="9144000"/>
@@ -8637,10 +8638,10 @@
       </p:sp>
       <p:sp>
         <p:nvSpPr>
-          <p:cNvPr id="8" name="TextBox 7">
-            <a:extLst>
-              <a:ext uri="{FF2B5EF4-FFF2-40B4-BE49-F238E27FC236}">
-                <a16:creationId xmlns:a16="http://schemas.microsoft.com/office/drawing/2014/main" id="{F7AC2D4A-1256-8DC4-CDEF-7E9063C86FCE}"/>
+          <p:cNvPr id="9" name="TextBox 8">
+            <a:extLst>
+              <a:ext uri="{FF2B5EF4-FFF2-40B4-BE49-F238E27FC236}">
+                <a16:creationId xmlns:a16="http://schemas.microsoft.com/office/drawing/2014/main" id="{C880686D-54E3-5C35-770B-778EBE0D0537}"/>
               </a:ext>
             </a:extLst>
           </p:cNvPr>
@@ -8649,8 +8650,8 @@
         </p:nvSpPr>
         <p:spPr>
           <a:xfrm>
-            <a:off x="10647218" y="6323598"/>
-            <a:ext cx="1413163" cy="338554"/>
+            <a:off x="10460182" y="6323598"/>
+            <a:ext cx="1600199" cy="338554"/>
           </a:xfrm>
           <a:prstGeom prst="rect">
             <a:avLst/>
@@ -11096,6 +11097,564 @@
 </p:sld>
 </file>
 
+<file path=ppt/slides/slide20.xml><?xml version="1.0" encoding="utf-8"?>
+<p:sld xmlns:a="http://schemas.openxmlformats.org/drawingml/2006/main" xmlns:r="http://schemas.openxmlformats.org/officeDocument/2006/relationships" xmlns:p="http://schemas.openxmlformats.org/presentationml/2006/main">
+  <p:cSld>
+    <p:spTree>
+      <p:nvGrpSpPr>
+        <p:cNvPr id="1" name=""/>
+        <p:cNvGrpSpPr/>
+        <p:nvPr/>
+      </p:nvGrpSpPr>
+      <p:grpSpPr>
+        <a:xfrm>
+          <a:off x="0" y="0"/>
+          <a:ext cx="0" cy="0"/>
+          <a:chOff x="0" y="0"/>
+          <a:chExt cx="0" cy="0"/>
+        </a:xfrm>
+      </p:grpSpPr>
+      <p:sp>
+        <p:nvSpPr>
+          <p:cNvPr id="4" name="Title 3">
+            <a:extLst>
+              <a:ext uri="{FF2B5EF4-FFF2-40B4-BE49-F238E27FC236}">
+                <a16:creationId xmlns:a16="http://schemas.microsoft.com/office/drawing/2014/main" id="{C2B508E1-B5B9-9A0B-37F0-15F2BB303BFA}"/>
+              </a:ext>
+            </a:extLst>
+          </p:cNvPr>
+          <p:cNvSpPr>
+            <a:spLocks noGrp="1"/>
+          </p:cNvSpPr>
+          <p:nvPr>
+            <p:ph type="title"/>
+          </p:nvPr>
+        </p:nvSpPr>
+        <p:spPr/>
+        <p:txBody>
+          <a:bodyPr/>
+          <a:lstStyle/>
+          <a:p>
+            <a:r>
+              <a:rPr lang="en-US" dirty="0"/>
+              <a:t>Concatenation</a:t>
+            </a:r>
+          </a:p>
+        </p:txBody>
+      </p:sp>
+      <p:sp>
+        <p:nvSpPr>
+          <p:cNvPr id="5" name="TextBox 4">
+            <a:extLst>
+              <a:ext uri="{FF2B5EF4-FFF2-40B4-BE49-F238E27FC236}">
+                <a16:creationId xmlns:a16="http://schemas.microsoft.com/office/drawing/2014/main" id="{FDC36094-8775-EBE3-1FED-6DF8907EC500}"/>
+              </a:ext>
+            </a:extLst>
+          </p:cNvPr>
+          <p:cNvSpPr txBox="1"/>
+          <p:nvPr/>
+        </p:nvSpPr>
+        <p:spPr>
+          <a:xfrm>
+            <a:off x="838200" y="2577706"/>
+            <a:ext cx="4182555" cy="1200329"/>
+          </a:xfrm>
+          <a:prstGeom prst="rect">
+            <a:avLst/>
+          </a:prstGeom>
+          <a:noFill/>
+        </p:spPr>
+        <p:txBody>
+          <a:bodyPr wrap="none" rtlCol="0">
+            <a:spAutoFit/>
+          </a:bodyPr>
+          <a:lstStyle/>
+          <a:p>
+            <a:r>
+              <a:rPr lang="en-US" dirty="0">
+                <a:latin typeface="Courier New" panose="02070309020205020404" pitchFamily="49" charset="0"/>
+                <a:cs typeface="Courier New" panose="02070309020205020404" pitchFamily="49" charset="0"/>
+              </a:rPr>
+              <a:t>print('Enter two strings');</a:t>
+            </a:r>
+          </a:p>
+          <a:p>
+            <a:r>
+              <a:rPr lang="en-US" dirty="0">
+                <a:latin typeface="Courier New" panose="02070309020205020404" pitchFamily="49" charset="0"/>
+                <a:cs typeface="Courier New" panose="02070309020205020404" pitchFamily="49" charset="0"/>
+              </a:rPr>
+              <a:t>first = input()</a:t>
+            </a:r>
+          </a:p>
+          <a:p>
+            <a:r>
+              <a:rPr lang="en-US" dirty="0">
+                <a:latin typeface="Courier New" panose="02070309020205020404" pitchFamily="49" charset="0"/>
+                <a:cs typeface="Courier New" panose="02070309020205020404" pitchFamily="49" charset="0"/>
+              </a:rPr>
+              <a:t>second = input()</a:t>
+            </a:r>
+          </a:p>
+          <a:p>
+            <a:r>
+              <a:rPr lang="en-US" dirty="0">
+                <a:latin typeface="Courier New" panose="02070309020205020404" pitchFamily="49" charset="0"/>
+                <a:cs typeface="Courier New" panose="02070309020205020404" pitchFamily="49" charset="0"/>
+              </a:rPr>
+              <a:t>print(first + " &amp; " + second)</a:t>
+            </a:r>
+          </a:p>
+        </p:txBody>
+      </p:sp>
+      <p:sp>
+        <p:nvSpPr>
+          <p:cNvPr id="6" name="TextBox 5">
+            <a:extLst>
+              <a:ext uri="{FF2B5EF4-FFF2-40B4-BE49-F238E27FC236}">
+                <a16:creationId xmlns:a16="http://schemas.microsoft.com/office/drawing/2014/main" id="{C004B7C8-BBD4-1EE7-3894-3C801D6DC253}"/>
+              </a:ext>
+            </a:extLst>
+          </p:cNvPr>
+          <p:cNvSpPr txBox="1"/>
+          <p:nvPr/>
+        </p:nvSpPr>
+        <p:spPr>
+          <a:xfrm>
+            <a:off x="5665854" y="1367427"/>
+            <a:ext cx="6526146" cy="3416320"/>
+          </a:xfrm>
+          <a:prstGeom prst="rect">
+            <a:avLst/>
+          </a:prstGeom>
+          <a:noFill/>
+        </p:spPr>
+        <p:txBody>
+          <a:bodyPr wrap="none" rtlCol="0">
+            <a:spAutoFit/>
+          </a:bodyPr>
+          <a:lstStyle/>
+          <a:p>
+            <a:r>
+              <a:rPr lang="en-US" dirty="0">
+                <a:latin typeface="Courier New" panose="02070309020205020404" pitchFamily="49" charset="0"/>
+                <a:cs typeface="Courier New" panose="02070309020205020404" pitchFamily="49" charset="0"/>
+              </a:rPr>
+              <a:t>#include &lt;</a:t>
+            </a:r>
+            <a:r>
+              <a:rPr lang="en-US" dirty="0" err="1">
+                <a:latin typeface="Courier New" panose="02070309020205020404" pitchFamily="49" charset="0"/>
+                <a:cs typeface="Courier New" panose="02070309020205020404" pitchFamily="49" charset="0"/>
+              </a:rPr>
+              <a:t>stdio.h</a:t>
+            </a:r>
+            <a:r>
+              <a:rPr lang="en-US" dirty="0">
+                <a:latin typeface="Courier New" panose="02070309020205020404" pitchFamily="49" charset="0"/>
+                <a:cs typeface="Courier New" panose="02070309020205020404" pitchFamily="49" charset="0"/>
+              </a:rPr>
+              <a:t>&gt;</a:t>
+            </a:r>
+          </a:p>
+          <a:p>
+            <a:r>
+              <a:rPr lang="en-US" dirty="0">
+                <a:latin typeface="Courier New" panose="02070309020205020404" pitchFamily="49" charset="0"/>
+                <a:cs typeface="Courier New" panose="02070309020205020404" pitchFamily="49" charset="0"/>
+              </a:rPr>
+              <a:t>#include &lt;</a:t>
+            </a:r>
+            <a:r>
+              <a:rPr lang="en-US" dirty="0" err="1">
+                <a:latin typeface="Courier New" panose="02070309020205020404" pitchFamily="49" charset="0"/>
+                <a:cs typeface="Courier New" panose="02070309020205020404" pitchFamily="49" charset="0"/>
+              </a:rPr>
+              <a:t>string.h</a:t>
+            </a:r>
+            <a:r>
+              <a:rPr lang="en-US" dirty="0">
+                <a:latin typeface="Courier New" panose="02070309020205020404" pitchFamily="49" charset="0"/>
+                <a:cs typeface="Courier New" panose="02070309020205020404" pitchFamily="49" charset="0"/>
+              </a:rPr>
+              <a:t>&gt;</a:t>
+            </a:r>
+          </a:p>
+          <a:p>
+            <a:r>
+              <a:rPr lang="en-US" dirty="0">
+                <a:latin typeface="Courier New" panose="02070309020205020404" pitchFamily="49" charset="0"/>
+                <a:cs typeface="Courier New" panose="02070309020205020404" pitchFamily="49" charset="0"/>
+              </a:rPr>
+              <a:t>int main() {</a:t>
+            </a:r>
+          </a:p>
+          <a:p>
+            <a:r>
+              <a:rPr lang="en-US" dirty="0">
+                <a:latin typeface="Courier New" panose="02070309020205020404" pitchFamily="49" charset="0"/>
+                <a:cs typeface="Courier New" panose="02070309020205020404" pitchFamily="49" charset="0"/>
+              </a:rPr>
+              <a:t>    char first[100], second[100], </a:t>
+            </a:r>
+            <a:r>
+              <a:rPr lang="en-US" dirty="0" err="1">
+                <a:latin typeface="Courier New" panose="02070309020205020404" pitchFamily="49" charset="0"/>
+                <a:cs typeface="Courier New" panose="02070309020205020404" pitchFamily="49" charset="0"/>
+              </a:rPr>
+              <a:t>concat</a:t>
+            </a:r>
+            <a:r>
+              <a:rPr lang="en-US" dirty="0">
+                <a:latin typeface="Courier New" panose="02070309020205020404" pitchFamily="49" charset="0"/>
+                <a:cs typeface="Courier New" panose="02070309020205020404" pitchFamily="49" charset="0"/>
+              </a:rPr>
+              <a:t>[303];</a:t>
+            </a:r>
+          </a:p>
+          <a:p>
+            <a:r>
+              <a:rPr lang="en-US" dirty="0">
+                <a:latin typeface="Courier New" panose="02070309020205020404" pitchFamily="49" charset="0"/>
+                <a:cs typeface="Courier New" panose="02070309020205020404" pitchFamily="49" charset="0"/>
+              </a:rPr>
+              <a:t>    </a:t>
+            </a:r>
+            <a:r>
+              <a:rPr lang="en-US" dirty="0" err="1">
+                <a:latin typeface="Courier New" panose="02070309020205020404" pitchFamily="49" charset="0"/>
+                <a:cs typeface="Courier New" panose="02070309020205020404" pitchFamily="49" charset="0"/>
+              </a:rPr>
+              <a:t>printf</a:t>
+            </a:r>
+            <a:r>
+              <a:rPr lang="en-US" dirty="0">
+                <a:latin typeface="Courier New" panose="02070309020205020404" pitchFamily="49" charset="0"/>
+                <a:cs typeface="Courier New" panose="02070309020205020404" pitchFamily="49" charset="0"/>
+              </a:rPr>
+              <a:t>("Enter two strings\n");</a:t>
+            </a:r>
+          </a:p>
+          <a:p>
+            <a:r>
+              <a:rPr lang="en-US" dirty="0">
+                <a:latin typeface="Courier New" panose="02070309020205020404" pitchFamily="49" charset="0"/>
+                <a:cs typeface="Courier New" panose="02070309020205020404" pitchFamily="49" charset="0"/>
+              </a:rPr>
+              <a:t>    </a:t>
+            </a:r>
+            <a:r>
+              <a:rPr lang="en-US" dirty="0" err="1">
+                <a:latin typeface="Courier New" panose="02070309020205020404" pitchFamily="49" charset="0"/>
+                <a:cs typeface="Courier New" panose="02070309020205020404" pitchFamily="49" charset="0"/>
+              </a:rPr>
+              <a:t>scanf</a:t>
+            </a:r>
+            <a:r>
+              <a:rPr lang="en-US" dirty="0">
+                <a:latin typeface="Courier New" panose="02070309020205020404" pitchFamily="49" charset="0"/>
+                <a:cs typeface="Courier New" panose="02070309020205020404" pitchFamily="49" charset="0"/>
+              </a:rPr>
+              <a:t>("%100s", first);</a:t>
+            </a:r>
+          </a:p>
+          <a:p>
+            <a:r>
+              <a:rPr lang="en-US" dirty="0">
+                <a:latin typeface="Courier New" panose="02070309020205020404" pitchFamily="49" charset="0"/>
+                <a:cs typeface="Courier New" panose="02070309020205020404" pitchFamily="49" charset="0"/>
+              </a:rPr>
+              <a:t>    </a:t>
+            </a:r>
+            <a:r>
+              <a:rPr lang="en-US" dirty="0" err="1">
+                <a:latin typeface="Courier New" panose="02070309020205020404" pitchFamily="49" charset="0"/>
+                <a:cs typeface="Courier New" panose="02070309020205020404" pitchFamily="49" charset="0"/>
+              </a:rPr>
+              <a:t>scanf</a:t>
+            </a:r>
+            <a:r>
+              <a:rPr lang="en-US" dirty="0">
+                <a:latin typeface="Courier New" panose="02070309020205020404" pitchFamily="49" charset="0"/>
+                <a:cs typeface="Courier New" panose="02070309020205020404" pitchFamily="49" charset="0"/>
+              </a:rPr>
+              <a:t>("%100s", second);</a:t>
+            </a:r>
+          </a:p>
+          <a:p>
+            <a:r>
+              <a:rPr lang="en-US" dirty="0">
+                <a:latin typeface="Courier New" panose="02070309020205020404" pitchFamily="49" charset="0"/>
+                <a:cs typeface="Courier New" panose="02070309020205020404" pitchFamily="49" charset="0"/>
+              </a:rPr>
+              <a:t>    </a:t>
+            </a:r>
+            <a:r>
+              <a:rPr lang="en-US" dirty="0" err="1">
+                <a:latin typeface="Courier New" panose="02070309020205020404" pitchFamily="49" charset="0"/>
+                <a:cs typeface="Courier New" panose="02070309020205020404" pitchFamily="49" charset="0"/>
+              </a:rPr>
+              <a:t>strcpy</a:t>
+            </a:r>
+            <a:r>
+              <a:rPr lang="en-US" dirty="0">
+                <a:latin typeface="Courier New" panose="02070309020205020404" pitchFamily="49" charset="0"/>
+                <a:cs typeface="Courier New" panose="02070309020205020404" pitchFamily="49" charset="0"/>
+              </a:rPr>
+              <a:t>(</a:t>
+            </a:r>
+            <a:r>
+              <a:rPr lang="en-US" dirty="0" err="1">
+                <a:latin typeface="Courier New" panose="02070309020205020404" pitchFamily="49" charset="0"/>
+                <a:cs typeface="Courier New" panose="02070309020205020404" pitchFamily="49" charset="0"/>
+              </a:rPr>
+              <a:t>concat</a:t>
+            </a:r>
+            <a:r>
+              <a:rPr lang="en-US" dirty="0">
+                <a:latin typeface="Courier New" panose="02070309020205020404" pitchFamily="49" charset="0"/>
+                <a:cs typeface="Courier New" panose="02070309020205020404" pitchFamily="49" charset="0"/>
+              </a:rPr>
+              <a:t>, first);</a:t>
+            </a:r>
+          </a:p>
+          <a:p>
+            <a:r>
+              <a:rPr lang="en-US" dirty="0">
+                <a:latin typeface="Courier New" panose="02070309020205020404" pitchFamily="49" charset="0"/>
+                <a:cs typeface="Courier New" panose="02070309020205020404" pitchFamily="49" charset="0"/>
+              </a:rPr>
+              <a:t>    </a:t>
+            </a:r>
+            <a:r>
+              <a:rPr lang="en-US" dirty="0" err="1">
+                <a:latin typeface="Courier New" panose="02070309020205020404" pitchFamily="49" charset="0"/>
+                <a:cs typeface="Courier New" panose="02070309020205020404" pitchFamily="49" charset="0"/>
+              </a:rPr>
+              <a:t>strcat</a:t>
+            </a:r>
+            <a:r>
+              <a:rPr lang="en-US" dirty="0">
+                <a:latin typeface="Courier New" panose="02070309020205020404" pitchFamily="49" charset="0"/>
+                <a:cs typeface="Courier New" panose="02070309020205020404" pitchFamily="49" charset="0"/>
+              </a:rPr>
+              <a:t>(</a:t>
+            </a:r>
+            <a:r>
+              <a:rPr lang="en-US" dirty="0" err="1">
+                <a:latin typeface="Courier New" panose="02070309020205020404" pitchFamily="49" charset="0"/>
+                <a:cs typeface="Courier New" panose="02070309020205020404" pitchFamily="49" charset="0"/>
+              </a:rPr>
+              <a:t>concat</a:t>
+            </a:r>
+            <a:r>
+              <a:rPr lang="en-US" dirty="0">
+                <a:latin typeface="Courier New" panose="02070309020205020404" pitchFamily="49" charset="0"/>
+                <a:cs typeface="Courier New" panose="02070309020205020404" pitchFamily="49" charset="0"/>
+              </a:rPr>
+              <a:t>, " &amp; ");</a:t>
+            </a:r>
+          </a:p>
+          <a:p>
+            <a:r>
+              <a:rPr lang="en-US" dirty="0">
+                <a:latin typeface="Courier New" panose="02070309020205020404" pitchFamily="49" charset="0"/>
+                <a:cs typeface="Courier New" panose="02070309020205020404" pitchFamily="49" charset="0"/>
+              </a:rPr>
+              <a:t>    </a:t>
+            </a:r>
+            <a:r>
+              <a:rPr lang="en-US" dirty="0" err="1">
+                <a:latin typeface="Courier New" panose="02070309020205020404" pitchFamily="49" charset="0"/>
+                <a:cs typeface="Courier New" panose="02070309020205020404" pitchFamily="49" charset="0"/>
+              </a:rPr>
+              <a:t>strcat</a:t>
+            </a:r>
+            <a:r>
+              <a:rPr lang="en-US" dirty="0">
+                <a:latin typeface="Courier New" panose="02070309020205020404" pitchFamily="49" charset="0"/>
+                <a:cs typeface="Courier New" panose="02070309020205020404" pitchFamily="49" charset="0"/>
+              </a:rPr>
+              <a:t>(</a:t>
+            </a:r>
+            <a:r>
+              <a:rPr lang="en-US" dirty="0" err="1">
+                <a:latin typeface="Courier New" panose="02070309020205020404" pitchFamily="49" charset="0"/>
+                <a:cs typeface="Courier New" panose="02070309020205020404" pitchFamily="49" charset="0"/>
+              </a:rPr>
+              <a:t>concat</a:t>
+            </a:r>
+            <a:r>
+              <a:rPr lang="en-US" dirty="0">
+                <a:latin typeface="Courier New" panose="02070309020205020404" pitchFamily="49" charset="0"/>
+                <a:cs typeface="Courier New" panose="02070309020205020404" pitchFamily="49" charset="0"/>
+              </a:rPr>
+              <a:t>, second);</a:t>
+            </a:r>
+          </a:p>
+          <a:p>
+            <a:r>
+              <a:rPr lang="en-US" dirty="0">
+                <a:latin typeface="Courier New" panose="02070309020205020404" pitchFamily="49" charset="0"/>
+                <a:cs typeface="Courier New" panose="02070309020205020404" pitchFamily="49" charset="0"/>
+              </a:rPr>
+              <a:t>    </a:t>
+            </a:r>
+            <a:r>
+              <a:rPr lang="en-US" dirty="0" err="1">
+                <a:latin typeface="Courier New" panose="02070309020205020404" pitchFamily="49" charset="0"/>
+                <a:cs typeface="Courier New" panose="02070309020205020404" pitchFamily="49" charset="0"/>
+              </a:rPr>
+              <a:t>printf</a:t>
+            </a:r>
+            <a:r>
+              <a:rPr lang="en-US" dirty="0">
+                <a:latin typeface="Courier New" panose="02070309020205020404" pitchFamily="49" charset="0"/>
+                <a:cs typeface="Courier New" panose="02070309020205020404" pitchFamily="49" charset="0"/>
+              </a:rPr>
+              <a:t>("%s\n", </a:t>
+            </a:r>
+            <a:r>
+              <a:rPr lang="en-US" dirty="0" err="1">
+                <a:latin typeface="Courier New" panose="02070309020205020404" pitchFamily="49" charset="0"/>
+                <a:cs typeface="Courier New" panose="02070309020205020404" pitchFamily="49" charset="0"/>
+              </a:rPr>
+              <a:t>concat</a:t>
+            </a:r>
+            <a:r>
+              <a:rPr lang="en-US" dirty="0">
+                <a:latin typeface="Courier New" panose="02070309020205020404" pitchFamily="49" charset="0"/>
+                <a:cs typeface="Courier New" panose="02070309020205020404" pitchFamily="49" charset="0"/>
+              </a:rPr>
+              <a:t>);</a:t>
+            </a:r>
+          </a:p>
+          <a:p>
+            <a:r>
+              <a:rPr lang="en-US" dirty="0">
+                <a:latin typeface="Courier New" panose="02070309020205020404" pitchFamily="49" charset="0"/>
+                <a:cs typeface="Courier New" panose="02070309020205020404" pitchFamily="49" charset="0"/>
+              </a:rPr>
+              <a:t>}</a:t>
+            </a:r>
+          </a:p>
+        </p:txBody>
+      </p:sp>
+      <p:sp>
+        <p:nvSpPr>
+          <p:cNvPr id="7" name="TextBox 6">
+            <a:extLst>
+              <a:ext uri="{FF2B5EF4-FFF2-40B4-BE49-F238E27FC236}">
+                <a16:creationId xmlns:a16="http://schemas.microsoft.com/office/drawing/2014/main" id="{03B4458A-37BA-02AB-CE8C-B288D36FE6BF}"/>
+              </a:ext>
+            </a:extLst>
+          </p:cNvPr>
+          <p:cNvSpPr txBox="1"/>
+          <p:nvPr/>
+        </p:nvSpPr>
+        <p:spPr>
+          <a:xfrm>
+            <a:off x="1657029" y="4815385"/>
+            <a:ext cx="2803973" cy="1200329"/>
+          </a:xfrm>
+          <a:prstGeom prst="rect">
+            <a:avLst/>
+          </a:prstGeom>
+          <a:noFill/>
+        </p:spPr>
+        <p:txBody>
+          <a:bodyPr wrap="none" rtlCol="0">
+            <a:spAutoFit/>
+          </a:bodyPr>
+          <a:lstStyle/>
+          <a:p>
+            <a:r>
+              <a:rPr lang="en-US" dirty="0">
+                <a:latin typeface="Monaco" pitchFamily="2" charset="77"/>
+              </a:rPr>
+              <a:t>Enter two strings</a:t>
+            </a:r>
+          </a:p>
+          <a:p>
+            <a:r>
+              <a:rPr lang="en-US" b="1" dirty="0">
+                <a:latin typeface="Monaco" pitchFamily="2" charset="77"/>
+              </a:rPr>
+              <a:t>Kernighan</a:t>
+            </a:r>
+          </a:p>
+          <a:p>
+            <a:r>
+              <a:rPr lang="en-US" b="1" dirty="0">
+                <a:latin typeface="Monaco" pitchFamily="2" charset="77"/>
+              </a:rPr>
+              <a:t>Ritchie</a:t>
+            </a:r>
+          </a:p>
+          <a:p>
+            <a:r>
+              <a:rPr lang="en-US" dirty="0">
+                <a:latin typeface="Monaco" pitchFamily="2" charset="77"/>
+              </a:rPr>
+              <a:t>Kernighan &amp; Ritchie</a:t>
+            </a:r>
+          </a:p>
+        </p:txBody>
+      </p:sp>
+      <p:sp>
+        <p:nvSpPr>
+          <p:cNvPr id="8" name="TextBox 7">
+            <a:extLst>
+              <a:ext uri="{FF2B5EF4-FFF2-40B4-BE49-F238E27FC236}">
+                <a16:creationId xmlns:a16="http://schemas.microsoft.com/office/drawing/2014/main" id="{F7AC2D4A-1256-8DC4-CDEF-7E9063C86FCE}"/>
+              </a:ext>
+            </a:extLst>
+          </p:cNvPr>
+          <p:cNvSpPr txBox="1"/>
+          <p:nvPr/>
+        </p:nvSpPr>
+        <p:spPr>
+          <a:xfrm>
+            <a:off x="10460182" y="6323598"/>
+            <a:ext cx="1600199" cy="338554"/>
+          </a:xfrm>
+          <a:prstGeom prst="rect">
+            <a:avLst/>
+          </a:prstGeom>
+          <a:noFill/>
+        </p:spPr>
+        <p:txBody>
+          <a:bodyPr wrap="square">
+            <a:spAutoFit/>
+          </a:bodyPr>
+          <a:lstStyle/>
+          <a:p>
+            <a:r>
+              <a:rPr lang="en-US" sz="1600" dirty="0">
+                <a:solidFill>
+                  <a:srgbClr val="000000"/>
+                </a:solidFill>
+                <a:effectLst/>
+                <a:latin typeface="Menlo" panose="020B0609030804020204" pitchFamily="49" charset="0"/>
+              </a:rPr>
+              <a:t>cc_02_11.c</a:t>
+            </a:r>
+          </a:p>
+        </p:txBody>
+      </p:sp>
+    </p:spTree>
+    <p:extLst>
+      <p:ext uri="{BB962C8B-B14F-4D97-AF65-F5344CB8AC3E}">
+        <p14:creationId xmlns:p14="http://schemas.microsoft.com/office/powerpoint/2010/main" val="340733453"/>
+      </p:ext>
+    </p:extLst>
+  </p:cSld>
+  <p:clrMapOvr>
+    <a:masterClrMapping/>
+  </p:clrMapOvr>
+</p:sld>
+</file>
+
 <file path=ppt/slides/slide3.xml><?xml version="1.0" encoding="utf-8"?>
 <p:sld xmlns:a="http://schemas.openxmlformats.org/drawingml/2006/main" xmlns:r="http://schemas.openxmlformats.org/officeDocument/2006/relationships" xmlns:p="http://schemas.openxmlformats.org/presentationml/2006/main">
   <p:cSld>
@@ -11824,20 +12383,25 @@
           <a:p>
             <a:r>
               <a:rPr lang="en-US" dirty="0"/>
-              <a:t>Variable naming rules – letter/underscore + numbers/letters/underscores</a:t>
+              <a:t>Variable naming rules – letter/underscore + numbers/letters/underscores – also case matters</a:t>
             </a:r>
           </a:p>
           <a:p>
             <a:r>
               <a:rPr lang="en-US" dirty="0"/>
-              <a:t>Variable name case matters</a:t>
+              <a:t>While loops – also break and continue in loops</a:t>
             </a:r>
           </a:p>
           <a:p>
             <a:r>
               <a:rPr lang="en-US" dirty="0"/>
-              <a:t>Constants similar except for strings and characters</a:t>
-            </a:r>
+              <a:t>Constants similar except for strings and characters and </a:t>
+            </a:r>
+            <a:r>
+              <a:rPr lang="en-US" dirty="0" err="1"/>
+              <a:t>booleans</a:t>
+            </a:r>
+            <a:endParaRPr lang="en-US" dirty="0"/>
           </a:p>
           <a:p>
             <a:r>

--- a/lectures/CC-02-Python.pptx
+++ b/lectures/CC-02-Python.pptx
@@ -25,6 +25,8 @@
     <p:sldId id="274" r:id="rId19"/>
     <p:sldId id="275" r:id="rId20"/>
     <p:sldId id="277" r:id="rId21"/>
+    <p:sldId id="278" r:id="rId22"/>
+    <p:sldId id="279" r:id="rId23"/>
   </p:sldIdLst>
   <p:sldSz cx="12192000" cy="6858000"/>
   <p:notesSz cx="6858000" cy="9144000"/>
@@ -11655,6 +11657,1533 @@
 </p:sld>
 </file>
 
+<file path=ppt/slides/slide21.xml><?xml version="1.0" encoding="utf-8"?>
+<p:sld xmlns:a="http://schemas.openxmlformats.org/drawingml/2006/main" xmlns:r="http://schemas.openxmlformats.org/officeDocument/2006/relationships" xmlns:p="http://schemas.openxmlformats.org/presentationml/2006/main">
+  <p:cSld>
+    <p:spTree>
+      <p:nvGrpSpPr>
+        <p:cNvPr id="1" name=""/>
+        <p:cNvGrpSpPr/>
+        <p:nvPr/>
+      </p:nvGrpSpPr>
+      <p:grpSpPr>
+        <a:xfrm>
+          <a:off x="0" y="0"/>
+          <a:ext cx="0" cy="0"/>
+          <a:chOff x="0" y="0"/>
+          <a:chExt cx="0" cy="0"/>
+        </a:xfrm>
+      </p:grpSpPr>
+      <p:sp>
+        <p:nvSpPr>
+          <p:cNvPr id="4" name="Title 3">
+            <a:extLst>
+              <a:ext uri="{FF2B5EF4-FFF2-40B4-BE49-F238E27FC236}">
+                <a16:creationId xmlns:a16="http://schemas.microsoft.com/office/drawing/2014/main" id="{C2B508E1-B5B9-9A0B-37F0-15F2BB303BFA}"/>
+              </a:ext>
+            </a:extLst>
+          </p:cNvPr>
+          <p:cNvSpPr>
+            <a:spLocks noGrp="1"/>
+          </p:cNvSpPr>
+          <p:nvPr>
+            <p:ph type="title"/>
+          </p:nvPr>
+        </p:nvSpPr>
+        <p:spPr/>
+        <p:txBody>
+          <a:bodyPr/>
+          <a:lstStyle/>
+          <a:p>
+            <a:r>
+              <a:rPr lang="en-US" dirty="0"/>
+              <a:t>Right Strip</a:t>
+            </a:r>
+          </a:p>
+        </p:txBody>
+      </p:sp>
+      <p:sp>
+        <p:nvSpPr>
+          <p:cNvPr id="5" name="TextBox 4">
+            <a:extLst>
+              <a:ext uri="{FF2B5EF4-FFF2-40B4-BE49-F238E27FC236}">
+                <a16:creationId xmlns:a16="http://schemas.microsoft.com/office/drawing/2014/main" id="{FDC36094-8775-EBE3-1FED-6DF8907EC500}"/>
+              </a:ext>
+            </a:extLst>
+          </p:cNvPr>
+          <p:cNvSpPr txBox="1"/>
+          <p:nvPr/>
+        </p:nvSpPr>
+        <p:spPr>
+          <a:xfrm>
+            <a:off x="838200" y="2577706"/>
+            <a:ext cx="3906839" cy="646331"/>
+          </a:xfrm>
+          <a:prstGeom prst="rect">
+            <a:avLst/>
+          </a:prstGeom>
+          <a:noFill/>
+        </p:spPr>
+        <p:txBody>
+          <a:bodyPr wrap="none" rtlCol="0">
+            <a:spAutoFit/>
+          </a:bodyPr>
+          <a:lstStyle/>
+          <a:p>
+            <a:r>
+              <a:rPr lang="en-US" dirty="0">
+                <a:latin typeface="Courier New" panose="02070309020205020404" pitchFamily="49" charset="0"/>
+                <a:cs typeface="Courier New" panose="02070309020205020404" pitchFamily="49" charset="0"/>
+              </a:rPr>
+              <a:t>s1 = "   Hello   World    "</a:t>
+            </a:r>
+          </a:p>
+          <a:p>
+            <a:r>
+              <a:rPr lang="en-US" dirty="0">
+                <a:latin typeface="Courier New" panose="02070309020205020404" pitchFamily="49" charset="0"/>
+                <a:cs typeface="Courier New" panose="02070309020205020404" pitchFamily="49" charset="0"/>
+              </a:rPr>
+              <a:t>print('-'+s1.rstrip()+'-')</a:t>
+            </a:r>
+          </a:p>
+        </p:txBody>
+      </p:sp>
+      <p:sp>
+        <p:nvSpPr>
+          <p:cNvPr id="6" name="TextBox 5">
+            <a:extLst>
+              <a:ext uri="{FF2B5EF4-FFF2-40B4-BE49-F238E27FC236}">
+                <a16:creationId xmlns:a16="http://schemas.microsoft.com/office/drawing/2014/main" id="{C004B7C8-BBD4-1EE7-3894-3C801D6DC253}"/>
+              </a:ext>
+            </a:extLst>
+          </p:cNvPr>
+          <p:cNvSpPr txBox="1"/>
+          <p:nvPr/>
+        </p:nvSpPr>
+        <p:spPr>
+          <a:xfrm>
+            <a:off x="5951016" y="365125"/>
+            <a:ext cx="6109365" cy="5755422"/>
+          </a:xfrm>
+          <a:prstGeom prst="rect">
+            <a:avLst/>
+          </a:prstGeom>
+          <a:noFill/>
+        </p:spPr>
+        <p:txBody>
+          <a:bodyPr wrap="none" rtlCol="0">
+            <a:spAutoFit/>
+          </a:bodyPr>
+          <a:lstStyle/>
+          <a:p>
+            <a:r>
+              <a:rPr lang="en-US" sz="1600" dirty="0">
+                <a:latin typeface="Courier New" panose="02070309020205020404" pitchFamily="49" charset="0"/>
+                <a:cs typeface="Courier New" panose="02070309020205020404" pitchFamily="49" charset="0"/>
+              </a:rPr>
+              <a:t>#include &lt;</a:t>
+            </a:r>
+            <a:r>
+              <a:rPr lang="en-US" sz="1600" dirty="0" err="1">
+                <a:latin typeface="Courier New" panose="02070309020205020404" pitchFamily="49" charset="0"/>
+                <a:cs typeface="Courier New" panose="02070309020205020404" pitchFamily="49" charset="0"/>
+              </a:rPr>
+              <a:t>stdio.h</a:t>
+            </a:r>
+            <a:r>
+              <a:rPr lang="en-US" sz="1600" dirty="0">
+                <a:latin typeface="Courier New" panose="02070309020205020404" pitchFamily="49" charset="0"/>
+                <a:cs typeface="Courier New" panose="02070309020205020404" pitchFamily="49" charset="0"/>
+              </a:rPr>
+              <a:t>&gt;</a:t>
+            </a:r>
+          </a:p>
+          <a:p>
+            <a:r>
+              <a:rPr lang="en-US" sz="1600" dirty="0">
+                <a:latin typeface="Courier New" panose="02070309020205020404" pitchFamily="49" charset="0"/>
+                <a:cs typeface="Courier New" panose="02070309020205020404" pitchFamily="49" charset="0"/>
+              </a:rPr>
+              <a:t>#include &lt;</a:t>
+            </a:r>
+            <a:r>
+              <a:rPr lang="en-US" sz="1600" dirty="0" err="1">
+                <a:latin typeface="Courier New" panose="02070309020205020404" pitchFamily="49" charset="0"/>
+                <a:cs typeface="Courier New" panose="02070309020205020404" pitchFamily="49" charset="0"/>
+              </a:rPr>
+              <a:t>string.h</a:t>
+            </a:r>
+            <a:r>
+              <a:rPr lang="en-US" sz="1600" dirty="0">
+                <a:latin typeface="Courier New" panose="02070309020205020404" pitchFamily="49" charset="0"/>
+                <a:cs typeface="Courier New" panose="02070309020205020404" pitchFamily="49" charset="0"/>
+              </a:rPr>
+              <a:t>&gt;</a:t>
+            </a:r>
+          </a:p>
+          <a:p>
+            <a:r>
+              <a:rPr lang="en-US" sz="1600" dirty="0">
+                <a:latin typeface="Courier New" panose="02070309020205020404" pitchFamily="49" charset="0"/>
+                <a:cs typeface="Courier New" panose="02070309020205020404" pitchFamily="49" charset="0"/>
+              </a:rPr>
+              <a:t>int main() {</a:t>
+            </a:r>
+          </a:p>
+          <a:p>
+            <a:r>
+              <a:rPr lang="en-US" sz="1600" dirty="0">
+                <a:latin typeface="Courier New" panose="02070309020205020404" pitchFamily="49" charset="0"/>
+                <a:cs typeface="Courier New" panose="02070309020205020404" pitchFamily="49" charset="0"/>
+              </a:rPr>
+              <a:t>    char s1[] = "   Hello   World    ";</a:t>
+            </a:r>
+          </a:p>
+          <a:p>
+            <a:r>
+              <a:rPr lang="en-US" sz="1600" dirty="0">
+                <a:latin typeface="Courier New" panose="02070309020205020404" pitchFamily="49" charset="0"/>
+                <a:cs typeface="Courier New" panose="02070309020205020404" pitchFamily="49" charset="0"/>
+              </a:rPr>
+              <a:t>    void </a:t>
+            </a:r>
+            <a:r>
+              <a:rPr lang="en-US" sz="1600" dirty="0" err="1">
+                <a:latin typeface="Courier New" panose="02070309020205020404" pitchFamily="49" charset="0"/>
+                <a:cs typeface="Courier New" panose="02070309020205020404" pitchFamily="49" charset="0"/>
+              </a:rPr>
+              <a:t>py_rstrip</a:t>
+            </a:r>
+            <a:r>
+              <a:rPr lang="en-US" sz="1600" dirty="0">
+                <a:latin typeface="Courier New" panose="02070309020205020404" pitchFamily="49" charset="0"/>
+                <a:cs typeface="Courier New" panose="02070309020205020404" pitchFamily="49" charset="0"/>
+              </a:rPr>
+              <a:t>();</a:t>
+            </a:r>
+          </a:p>
+          <a:p>
+            <a:r>
+              <a:rPr lang="en-US" sz="1600" dirty="0">
+                <a:latin typeface="Courier New" panose="02070309020205020404" pitchFamily="49" charset="0"/>
+                <a:cs typeface="Courier New" panose="02070309020205020404" pitchFamily="49" charset="0"/>
+              </a:rPr>
+              <a:t>    </a:t>
+            </a:r>
+            <a:r>
+              <a:rPr lang="en-US" sz="1600" dirty="0" err="1">
+                <a:latin typeface="Courier New" panose="02070309020205020404" pitchFamily="49" charset="0"/>
+                <a:cs typeface="Courier New" panose="02070309020205020404" pitchFamily="49" charset="0"/>
+              </a:rPr>
+              <a:t>py_rstrip</a:t>
+            </a:r>
+            <a:r>
+              <a:rPr lang="en-US" sz="1600" dirty="0">
+                <a:latin typeface="Courier New" panose="02070309020205020404" pitchFamily="49" charset="0"/>
+                <a:cs typeface="Courier New" panose="02070309020205020404" pitchFamily="49" charset="0"/>
+              </a:rPr>
+              <a:t>(s1);</a:t>
+            </a:r>
+          </a:p>
+          <a:p>
+            <a:r>
+              <a:rPr lang="en-US" sz="1600" dirty="0">
+                <a:latin typeface="Courier New" panose="02070309020205020404" pitchFamily="49" charset="0"/>
+                <a:cs typeface="Courier New" panose="02070309020205020404" pitchFamily="49" charset="0"/>
+              </a:rPr>
+              <a:t>    </a:t>
+            </a:r>
+            <a:r>
+              <a:rPr lang="en-US" sz="1600" dirty="0" err="1">
+                <a:latin typeface="Courier New" panose="02070309020205020404" pitchFamily="49" charset="0"/>
+                <a:cs typeface="Courier New" panose="02070309020205020404" pitchFamily="49" charset="0"/>
+              </a:rPr>
+              <a:t>printf</a:t>
+            </a:r>
+            <a:r>
+              <a:rPr lang="en-US" sz="1600" dirty="0">
+                <a:latin typeface="Courier New" panose="02070309020205020404" pitchFamily="49" charset="0"/>
+                <a:cs typeface="Courier New" panose="02070309020205020404" pitchFamily="49" charset="0"/>
+              </a:rPr>
+              <a:t>("-%s-\n", s1);</a:t>
+            </a:r>
+          </a:p>
+          <a:p>
+            <a:r>
+              <a:rPr lang="en-US" sz="1600" dirty="0">
+                <a:latin typeface="Courier New" panose="02070309020205020404" pitchFamily="49" charset="0"/>
+                <a:cs typeface="Courier New" panose="02070309020205020404" pitchFamily="49" charset="0"/>
+              </a:rPr>
+              <a:t>}</a:t>
+            </a:r>
+          </a:p>
+          <a:p>
+            <a:endParaRPr lang="en-US" sz="1600" dirty="0">
+              <a:latin typeface="Courier New" panose="02070309020205020404" pitchFamily="49" charset="0"/>
+              <a:cs typeface="Courier New" panose="02070309020205020404" pitchFamily="49" charset="0"/>
+            </a:endParaRPr>
+          </a:p>
+          <a:p>
+            <a:r>
+              <a:rPr lang="en-US" sz="1600" dirty="0">
+                <a:latin typeface="Courier New" panose="02070309020205020404" pitchFamily="49" charset="0"/>
+                <a:cs typeface="Courier New" panose="02070309020205020404" pitchFamily="49" charset="0"/>
+              </a:rPr>
+              <a:t>void </a:t>
+            </a:r>
+            <a:r>
+              <a:rPr lang="en-US" sz="1600" dirty="0" err="1">
+                <a:latin typeface="Courier New" panose="02070309020205020404" pitchFamily="49" charset="0"/>
+                <a:cs typeface="Courier New" panose="02070309020205020404" pitchFamily="49" charset="0"/>
+              </a:rPr>
+              <a:t>py_rstrip</a:t>
+            </a:r>
+            <a:r>
+              <a:rPr lang="en-US" sz="1600" dirty="0">
+                <a:latin typeface="Courier New" panose="02070309020205020404" pitchFamily="49" charset="0"/>
+                <a:cs typeface="Courier New" panose="02070309020205020404" pitchFamily="49" charset="0"/>
+              </a:rPr>
+              <a:t>(</a:t>
+            </a:r>
+            <a:r>
+              <a:rPr lang="en-US" sz="1600" dirty="0" err="1">
+                <a:latin typeface="Courier New" panose="02070309020205020404" pitchFamily="49" charset="0"/>
+                <a:cs typeface="Courier New" panose="02070309020205020404" pitchFamily="49" charset="0"/>
+              </a:rPr>
+              <a:t>inp</a:t>
+            </a:r>
+            <a:r>
+              <a:rPr lang="en-US" sz="1600" dirty="0">
+                <a:latin typeface="Courier New" panose="02070309020205020404" pitchFamily="49" charset="0"/>
+                <a:cs typeface="Courier New" panose="02070309020205020404" pitchFamily="49" charset="0"/>
+              </a:rPr>
+              <a:t>)</a:t>
+            </a:r>
+          </a:p>
+          <a:p>
+            <a:r>
+              <a:rPr lang="en-US" sz="1600" dirty="0">
+                <a:latin typeface="Courier New" panose="02070309020205020404" pitchFamily="49" charset="0"/>
+                <a:cs typeface="Courier New" panose="02070309020205020404" pitchFamily="49" charset="0"/>
+              </a:rPr>
+              <a:t>    char </a:t>
+            </a:r>
+            <a:r>
+              <a:rPr lang="en-US" sz="1600" dirty="0" err="1">
+                <a:latin typeface="Courier New" panose="02070309020205020404" pitchFamily="49" charset="0"/>
+                <a:cs typeface="Courier New" panose="02070309020205020404" pitchFamily="49" charset="0"/>
+              </a:rPr>
+              <a:t>inp</a:t>
+            </a:r>
+            <a:r>
+              <a:rPr lang="en-US" sz="1600" dirty="0">
+                <a:latin typeface="Courier New" panose="02070309020205020404" pitchFamily="49" charset="0"/>
+                <a:cs typeface="Courier New" panose="02070309020205020404" pitchFamily="49" charset="0"/>
+              </a:rPr>
+              <a:t>[];</a:t>
+            </a:r>
+          </a:p>
+          <a:p>
+            <a:r>
+              <a:rPr lang="en-US" sz="1600" dirty="0">
+                <a:latin typeface="Courier New" panose="02070309020205020404" pitchFamily="49" charset="0"/>
+                <a:cs typeface="Courier New" panose="02070309020205020404" pitchFamily="49" charset="0"/>
+              </a:rPr>
+              <a:t>{   </a:t>
+            </a:r>
+          </a:p>
+          <a:p>
+            <a:r>
+              <a:rPr lang="en-US" sz="1600" dirty="0">
+                <a:latin typeface="Courier New" panose="02070309020205020404" pitchFamily="49" charset="0"/>
+                <a:cs typeface="Courier New" panose="02070309020205020404" pitchFamily="49" charset="0"/>
+              </a:rPr>
+              <a:t>    int </a:t>
+            </a:r>
+            <a:r>
+              <a:rPr lang="en-US" sz="1600" dirty="0" err="1">
+                <a:latin typeface="Courier New" panose="02070309020205020404" pitchFamily="49" charset="0"/>
+                <a:cs typeface="Courier New" panose="02070309020205020404" pitchFamily="49" charset="0"/>
+              </a:rPr>
+              <a:t>i</a:t>
+            </a:r>
+            <a:r>
+              <a:rPr lang="en-US" sz="1600" dirty="0">
+                <a:latin typeface="Courier New" panose="02070309020205020404" pitchFamily="49" charset="0"/>
+                <a:cs typeface="Courier New" panose="02070309020205020404" pitchFamily="49" charset="0"/>
+              </a:rPr>
+              <a:t>, j;</a:t>
+            </a:r>
+          </a:p>
+          <a:p>
+            <a:r>
+              <a:rPr lang="en-US" sz="1600" dirty="0">
+                <a:latin typeface="Courier New" panose="02070309020205020404" pitchFamily="49" charset="0"/>
+                <a:cs typeface="Courier New" panose="02070309020205020404" pitchFamily="49" charset="0"/>
+              </a:rPr>
+              <a:t>    for(</a:t>
+            </a:r>
+            <a:r>
+              <a:rPr lang="en-US" sz="1600" dirty="0" err="1">
+                <a:latin typeface="Courier New" panose="02070309020205020404" pitchFamily="49" charset="0"/>
+                <a:cs typeface="Courier New" panose="02070309020205020404" pitchFamily="49" charset="0"/>
+              </a:rPr>
+              <a:t>i</a:t>
+            </a:r>
+            <a:r>
+              <a:rPr lang="en-US" sz="1600" dirty="0">
+                <a:latin typeface="Courier New" panose="02070309020205020404" pitchFamily="49" charset="0"/>
+                <a:cs typeface="Courier New" panose="02070309020205020404" pitchFamily="49" charset="0"/>
+              </a:rPr>
+              <a:t>=0, j=0; </a:t>
+            </a:r>
+            <a:r>
+              <a:rPr lang="en-US" sz="1600" dirty="0" err="1">
+                <a:latin typeface="Courier New" panose="02070309020205020404" pitchFamily="49" charset="0"/>
+                <a:cs typeface="Courier New" panose="02070309020205020404" pitchFamily="49" charset="0"/>
+              </a:rPr>
+              <a:t>i</a:t>
+            </a:r>
+            <a:r>
+              <a:rPr lang="en-US" sz="1600" dirty="0">
+                <a:latin typeface="Courier New" panose="02070309020205020404" pitchFamily="49" charset="0"/>
+                <a:cs typeface="Courier New" panose="02070309020205020404" pitchFamily="49" charset="0"/>
+              </a:rPr>
+              <a:t>&lt;</a:t>
+            </a:r>
+            <a:r>
+              <a:rPr lang="en-US" sz="1600" dirty="0" err="1">
+                <a:latin typeface="Courier New" panose="02070309020205020404" pitchFamily="49" charset="0"/>
+                <a:cs typeface="Courier New" panose="02070309020205020404" pitchFamily="49" charset="0"/>
+              </a:rPr>
+              <a:t>strlen</a:t>
+            </a:r>
+            <a:r>
+              <a:rPr lang="en-US" sz="1600" dirty="0">
+                <a:latin typeface="Courier New" panose="02070309020205020404" pitchFamily="49" charset="0"/>
+                <a:cs typeface="Courier New" panose="02070309020205020404" pitchFamily="49" charset="0"/>
+              </a:rPr>
+              <a:t>(</a:t>
+            </a:r>
+            <a:r>
+              <a:rPr lang="en-US" sz="1600" dirty="0" err="1">
+                <a:latin typeface="Courier New" panose="02070309020205020404" pitchFamily="49" charset="0"/>
+                <a:cs typeface="Courier New" panose="02070309020205020404" pitchFamily="49" charset="0"/>
+              </a:rPr>
+              <a:t>inp</a:t>
+            </a:r>
+            <a:r>
+              <a:rPr lang="en-US" sz="1600" dirty="0">
+                <a:latin typeface="Courier New" panose="02070309020205020404" pitchFamily="49" charset="0"/>
+                <a:cs typeface="Courier New" panose="02070309020205020404" pitchFamily="49" charset="0"/>
+              </a:rPr>
+              <a:t>)-1; </a:t>
+            </a:r>
+            <a:r>
+              <a:rPr lang="en-US" sz="1600" dirty="0" err="1">
+                <a:latin typeface="Courier New" panose="02070309020205020404" pitchFamily="49" charset="0"/>
+                <a:cs typeface="Courier New" panose="02070309020205020404" pitchFamily="49" charset="0"/>
+              </a:rPr>
+              <a:t>i</a:t>
+            </a:r>
+            <a:r>
+              <a:rPr lang="en-US" sz="1600" dirty="0">
+                <a:latin typeface="Courier New" panose="02070309020205020404" pitchFamily="49" charset="0"/>
+                <a:cs typeface="Courier New" panose="02070309020205020404" pitchFamily="49" charset="0"/>
+              </a:rPr>
+              <a:t>++) {</a:t>
+            </a:r>
+          </a:p>
+          <a:p>
+            <a:r>
+              <a:rPr lang="en-US" sz="1600" dirty="0">
+                <a:latin typeface="Courier New" panose="02070309020205020404" pitchFamily="49" charset="0"/>
+                <a:cs typeface="Courier New" panose="02070309020205020404" pitchFamily="49" charset="0"/>
+              </a:rPr>
+              <a:t>        if ( </a:t>
+            </a:r>
+            <a:r>
+              <a:rPr lang="en-US" sz="1600" dirty="0" err="1">
+                <a:latin typeface="Courier New" panose="02070309020205020404" pitchFamily="49" charset="0"/>
+                <a:cs typeface="Courier New" panose="02070309020205020404" pitchFamily="49" charset="0"/>
+              </a:rPr>
+              <a:t>inp</a:t>
+            </a:r>
+            <a:r>
+              <a:rPr lang="en-US" sz="1600" dirty="0">
+                <a:latin typeface="Courier New" panose="02070309020205020404" pitchFamily="49" charset="0"/>
+                <a:cs typeface="Courier New" panose="02070309020205020404" pitchFamily="49" charset="0"/>
+              </a:rPr>
+              <a:t>[</a:t>
+            </a:r>
+            <a:r>
+              <a:rPr lang="en-US" sz="1600" dirty="0" err="1">
+                <a:latin typeface="Courier New" panose="02070309020205020404" pitchFamily="49" charset="0"/>
+                <a:cs typeface="Courier New" panose="02070309020205020404" pitchFamily="49" charset="0"/>
+              </a:rPr>
+              <a:t>i</a:t>
+            </a:r>
+            <a:r>
+              <a:rPr lang="en-US" sz="1600" dirty="0">
+                <a:latin typeface="Courier New" panose="02070309020205020404" pitchFamily="49" charset="0"/>
+                <a:cs typeface="Courier New" panose="02070309020205020404" pitchFamily="49" charset="0"/>
+              </a:rPr>
+              <a:t>] == '\n' || </a:t>
+            </a:r>
+          </a:p>
+          <a:p>
+            <a:r>
+              <a:rPr lang="en-US" sz="1600" dirty="0">
+                <a:latin typeface="Courier New" panose="02070309020205020404" pitchFamily="49" charset="0"/>
+                <a:cs typeface="Courier New" panose="02070309020205020404" pitchFamily="49" charset="0"/>
+              </a:rPr>
+              <a:t>             </a:t>
+            </a:r>
+            <a:r>
+              <a:rPr lang="en-US" sz="1600" dirty="0" err="1">
+                <a:latin typeface="Courier New" panose="02070309020205020404" pitchFamily="49" charset="0"/>
+                <a:cs typeface="Courier New" panose="02070309020205020404" pitchFamily="49" charset="0"/>
+              </a:rPr>
+              <a:t>inp</a:t>
+            </a:r>
+            <a:r>
+              <a:rPr lang="en-US" sz="1600" dirty="0">
+                <a:latin typeface="Courier New" panose="02070309020205020404" pitchFamily="49" charset="0"/>
+                <a:cs typeface="Courier New" panose="02070309020205020404" pitchFamily="49" charset="0"/>
+              </a:rPr>
+              <a:t>[</a:t>
+            </a:r>
+            <a:r>
+              <a:rPr lang="en-US" sz="1600" dirty="0" err="1">
+                <a:latin typeface="Courier New" panose="02070309020205020404" pitchFamily="49" charset="0"/>
+                <a:cs typeface="Courier New" panose="02070309020205020404" pitchFamily="49" charset="0"/>
+              </a:rPr>
+              <a:t>i</a:t>
+            </a:r>
+            <a:r>
+              <a:rPr lang="en-US" sz="1600" dirty="0">
+                <a:latin typeface="Courier New" panose="02070309020205020404" pitchFamily="49" charset="0"/>
+                <a:cs typeface="Courier New" panose="02070309020205020404" pitchFamily="49" charset="0"/>
+              </a:rPr>
+              <a:t>] == '\t' || </a:t>
+            </a:r>
+            <a:r>
+              <a:rPr lang="en-US" sz="1600" dirty="0" err="1">
+                <a:latin typeface="Courier New" panose="02070309020205020404" pitchFamily="49" charset="0"/>
+                <a:cs typeface="Courier New" panose="02070309020205020404" pitchFamily="49" charset="0"/>
+              </a:rPr>
+              <a:t>inp</a:t>
+            </a:r>
+            <a:r>
+              <a:rPr lang="en-US" sz="1600" dirty="0">
+                <a:latin typeface="Courier New" panose="02070309020205020404" pitchFamily="49" charset="0"/>
+                <a:cs typeface="Courier New" panose="02070309020205020404" pitchFamily="49" charset="0"/>
+              </a:rPr>
+              <a:t>[</a:t>
+            </a:r>
+            <a:r>
+              <a:rPr lang="en-US" sz="1600" dirty="0" err="1">
+                <a:latin typeface="Courier New" panose="02070309020205020404" pitchFamily="49" charset="0"/>
+                <a:cs typeface="Courier New" panose="02070309020205020404" pitchFamily="49" charset="0"/>
+              </a:rPr>
+              <a:t>i</a:t>
+            </a:r>
+            <a:r>
+              <a:rPr lang="en-US" sz="1600" dirty="0">
+                <a:latin typeface="Courier New" panose="02070309020205020404" pitchFamily="49" charset="0"/>
+                <a:cs typeface="Courier New" panose="02070309020205020404" pitchFamily="49" charset="0"/>
+              </a:rPr>
+              <a:t>] == ' ' ) {</a:t>
+            </a:r>
+          </a:p>
+          <a:p>
+            <a:r>
+              <a:rPr lang="en-US" sz="1600" dirty="0">
+                <a:latin typeface="Courier New" panose="02070309020205020404" pitchFamily="49" charset="0"/>
+                <a:cs typeface="Courier New" panose="02070309020205020404" pitchFamily="49" charset="0"/>
+              </a:rPr>
+              <a:t>            /* Whitespace skip  */</a:t>
+            </a:r>
+          </a:p>
+          <a:p>
+            <a:r>
+              <a:rPr lang="en-US" sz="1600" dirty="0">
+                <a:latin typeface="Courier New" panose="02070309020205020404" pitchFamily="49" charset="0"/>
+                <a:cs typeface="Courier New" panose="02070309020205020404" pitchFamily="49" charset="0"/>
+              </a:rPr>
+              <a:t>        } else {</a:t>
+            </a:r>
+          </a:p>
+          <a:p>
+            <a:r>
+              <a:rPr lang="en-US" sz="1600" dirty="0">
+                <a:latin typeface="Courier New" panose="02070309020205020404" pitchFamily="49" charset="0"/>
+                <a:cs typeface="Courier New" panose="02070309020205020404" pitchFamily="49" charset="0"/>
+              </a:rPr>
+              <a:t>            j = </a:t>
+            </a:r>
+            <a:r>
+              <a:rPr lang="en-US" sz="1600" dirty="0" err="1">
+                <a:latin typeface="Courier New" panose="02070309020205020404" pitchFamily="49" charset="0"/>
+                <a:cs typeface="Courier New" panose="02070309020205020404" pitchFamily="49" charset="0"/>
+              </a:rPr>
+              <a:t>i</a:t>
+            </a:r>
+            <a:r>
+              <a:rPr lang="en-US" sz="1600" dirty="0">
+                <a:latin typeface="Courier New" panose="02070309020205020404" pitchFamily="49" charset="0"/>
+                <a:cs typeface="Courier New" panose="02070309020205020404" pitchFamily="49" charset="0"/>
+              </a:rPr>
+              <a:t>; /* the last non-blank */</a:t>
+            </a:r>
+          </a:p>
+          <a:p>
+            <a:r>
+              <a:rPr lang="en-US" sz="1600" dirty="0">
+                <a:latin typeface="Courier New" panose="02070309020205020404" pitchFamily="49" charset="0"/>
+                <a:cs typeface="Courier New" panose="02070309020205020404" pitchFamily="49" charset="0"/>
+              </a:rPr>
+              <a:t>        }</a:t>
+            </a:r>
+          </a:p>
+          <a:p>
+            <a:r>
+              <a:rPr lang="en-US" sz="1600" dirty="0">
+                <a:latin typeface="Courier New" panose="02070309020205020404" pitchFamily="49" charset="0"/>
+                <a:cs typeface="Courier New" panose="02070309020205020404" pitchFamily="49" charset="0"/>
+              </a:rPr>
+              <a:t>    }</a:t>
+            </a:r>
+          </a:p>
+          <a:p>
+            <a:r>
+              <a:rPr lang="en-US" sz="1600" dirty="0">
+                <a:latin typeface="Courier New" panose="02070309020205020404" pitchFamily="49" charset="0"/>
+                <a:cs typeface="Courier New" panose="02070309020205020404" pitchFamily="49" charset="0"/>
+              </a:rPr>
+              <a:t>    if ( j+1 &lt; </a:t>
+            </a:r>
+            <a:r>
+              <a:rPr lang="en-US" sz="1600" dirty="0" err="1">
+                <a:latin typeface="Courier New" panose="02070309020205020404" pitchFamily="49" charset="0"/>
+                <a:cs typeface="Courier New" panose="02070309020205020404" pitchFamily="49" charset="0"/>
+              </a:rPr>
+              <a:t>strlen</a:t>
+            </a:r>
+            <a:r>
+              <a:rPr lang="en-US" sz="1600" dirty="0">
+                <a:latin typeface="Courier New" panose="02070309020205020404" pitchFamily="49" charset="0"/>
+                <a:cs typeface="Courier New" panose="02070309020205020404" pitchFamily="49" charset="0"/>
+              </a:rPr>
+              <a:t>(</a:t>
+            </a:r>
+            <a:r>
+              <a:rPr lang="en-US" sz="1600" dirty="0" err="1">
+                <a:latin typeface="Courier New" panose="02070309020205020404" pitchFamily="49" charset="0"/>
+                <a:cs typeface="Courier New" panose="02070309020205020404" pitchFamily="49" charset="0"/>
+              </a:rPr>
+              <a:t>inp</a:t>
+            </a:r>
+            <a:r>
+              <a:rPr lang="en-US" sz="1600" dirty="0">
+                <a:latin typeface="Courier New" panose="02070309020205020404" pitchFamily="49" charset="0"/>
+                <a:cs typeface="Courier New" panose="02070309020205020404" pitchFamily="49" charset="0"/>
+              </a:rPr>
+              <a:t>) ) </a:t>
+            </a:r>
+            <a:r>
+              <a:rPr lang="en-US" sz="1600" dirty="0" err="1">
+                <a:latin typeface="Courier New" panose="02070309020205020404" pitchFamily="49" charset="0"/>
+                <a:cs typeface="Courier New" panose="02070309020205020404" pitchFamily="49" charset="0"/>
+              </a:rPr>
+              <a:t>inp</a:t>
+            </a:r>
+            <a:r>
+              <a:rPr lang="en-US" sz="1600" dirty="0">
+                <a:latin typeface="Courier New" panose="02070309020205020404" pitchFamily="49" charset="0"/>
+                <a:cs typeface="Courier New" panose="02070309020205020404" pitchFamily="49" charset="0"/>
+              </a:rPr>
+              <a:t>[j+1] = '\0';</a:t>
+            </a:r>
+          </a:p>
+          <a:p>
+            <a:r>
+              <a:rPr lang="en-US" sz="1600" dirty="0">
+                <a:latin typeface="Courier New" panose="02070309020205020404" pitchFamily="49" charset="0"/>
+                <a:cs typeface="Courier New" panose="02070309020205020404" pitchFamily="49" charset="0"/>
+              </a:rPr>
+              <a:t>}</a:t>
+            </a:r>
+          </a:p>
+        </p:txBody>
+      </p:sp>
+      <p:sp>
+        <p:nvSpPr>
+          <p:cNvPr id="7" name="TextBox 6">
+            <a:extLst>
+              <a:ext uri="{FF2B5EF4-FFF2-40B4-BE49-F238E27FC236}">
+                <a16:creationId xmlns:a16="http://schemas.microsoft.com/office/drawing/2014/main" id="{03B4458A-37BA-02AB-CE8C-B288D36FE6BF}"/>
+              </a:ext>
+            </a:extLst>
+          </p:cNvPr>
+          <p:cNvSpPr txBox="1"/>
+          <p:nvPr/>
+        </p:nvSpPr>
+        <p:spPr>
+          <a:xfrm>
+            <a:off x="992011" y="4111055"/>
+            <a:ext cx="2666114" cy="369332"/>
+          </a:xfrm>
+          <a:prstGeom prst="rect">
+            <a:avLst/>
+          </a:prstGeom>
+          <a:noFill/>
+        </p:spPr>
+        <p:txBody>
+          <a:bodyPr wrap="none" rtlCol="0">
+            <a:spAutoFit/>
+          </a:bodyPr>
+          <a:lstStyle/>
+          <a:p>
+            <a:r>
+              <a:rPr lang="en-US" dirty="0">
+                <a:latin typeface="Monaco" pitchFamily="2" charset="77"/>
+              </a:rPr>
+              <a:t>-   Hello   World-</a:t>
+            </a:r>
+          </a:p>
+        </p:txBody>
+      </p:sp>
+      <p:sp>
+        <p:nvSpPr>
+          <p:cNvPr id="8" name="TextBox 7">
+            <a:extLst>
+              <a:ext uri="{FF2B5EF4-FFF2-40B4-BE49-F238E27FC236}">
+                <a16:creationId xmlns:a16="http://schemas.microsoft.com/office/drawing/2014/main" id="{F7AC2D4A-1256-8DC4-CDEF-7E9063C86FCE}"/>
+              </a:ext>
+            </a:extLst>
+          </p:cNvPr>
+          <p:cNvSpPr txBox="1"/>
+          <p:nvPr/>
+        </p:nvSpPr>
+        <p:spPr>
+          <a:xfrm>
+            <a:off x="10460182" y="6323598"/>
+            <a:ext cx="1600199" cy="338554"/>
+          </a:xfrm>
+          <a:prstGeom prst="rect">
+            <a:avLst/>
+          </a:prstGeom>
+          <a:noFill/>
+        </p:spPr>
+        <p:txBody>
+          <a:bodyPr wrap="square">
+            <a:spAutoFit/>
+          </a:bodyPr>
+          <a:lstStyle/>
+          <a:p>
+            <a:r>
+              <a:rPr lang="en-US" sz="1600" dirty="0">
+                <a:solidFill>
+                  <a:srgbClr val="000000"/>
+                </a:solidFill>
+                <a:effectLst/>
+                <a:latin typeface="Menlo" panose="020B0609030804020204" pitchFamily="49" charset="0"/>
+              </a:rPr>
+              <a:t>cc_02_12.c</a:t>
+            </a:r>
+          </a:p>
+        </p:txBody>
+      </p:sp>
+    </p:spTree>
+    <p:extLst>
+      <p:ext uri="{BB962C8B-B14F-4D97-AF65-F5344CB8AC3E}">
+        <p14:creationId xmlns:p14="http://schemas.microsoft.com/office/powerpoint/2010/main" val="1497677615"/>
+      </p:ext>
+    </p:extLst>
+  </p:cSld>
+  <p:clrMapOvr>
+    <a:masterClrMapping/>
+  </p:clrMapOvr>
+</p:sld>
+</file>
+
+<file path=ppt/slides/slide22.xml><?xml version="1.0" encoding="utf-8"?>
+<p:sld xmlns:a="http://schemas.openxmlformats.org/drawingml/2006/main" xmlns:r="http://schemas.openxmlformats.org/officeDocument/2006/relationships" xmlns:p="http://schemas.openxmlformats.org/presentationml/2006/main">
+  <p:cSld>
+    <p:spTree>
+      <p:nvGrpSpPr>
+        <p:cNvPr id="1" name=""/>
+        <p:cNvGrpSpPr/>
+        <p:nvPr/>
+      </p:nvGrpSpPr>
+      <p:grpSpPr>
+        <a:xfrm>
+          <a:off x="0" y="0"/>
+          <a:ext cx="0" cy="0"/>
+          <a:chOff x="0" y="0"/>
+          <a:chExt cx="0" cy="0"/>
+        </a:xfrm>
+      </p:grpSpPr>
+      <p:sp>
+        <p:nvSpPr>
+          <p:cNvPr id="4" name="Title 3">
+            <a:extLst>
+              <a:ext uri="{FF2B5EF4-FFF2-40B4-BE49-F238E27FC236}">
+                <a16:creationId xmlns:a16="http://schemas.microsoft.com/office/drawing/2014/main" id="{C2B508E1-B5B9-9A0B-37F0-15F2BB303BFA}"/>
+              </a:ext>
+            </a:extLst>
+          </p:cNvPr>
+          <p:cNvSpPr>
+            <a:spLocks noGrp="1"/>
+          </p:cNvSpPr>
+          <p:nvPr>
+            <p:ph type="title"/>
+          </p:nvPr>
+        </p:nvSpPr>
+        <p:spPr/>
+        <p:txBody>
+          <a:bodyPr/>
+          <a:lstStyle/>
+          <a:p>
+            <a:r>
+              <a:rPr lang="en-US" dirty="0"/>
+              <a:t>Left Strip</a:t>
+            </a:r>
+          </a:p>
+        </p:txBody>
+      </p:sp>
+      <p:sp>
+        <p:nvSpPr>
+          <p:cNvPr id="5" name="TextBox 4">
+            <a:extLst>
+              <a:ext uri="{FF2B5EF4-FFF2-40B4-BE49-F238E27FC236}">
+                <a16:creationId xmlns:a16="http://schemas.microsoft.com/office/drawing/2014/main" id="{FDC36094-8775-EBE3-1FED-6DF8907EC500}"/>
+              </a:ext>
+            </a:extLst>
+          </p:cNvPr>
+          <p:cNvSpPr txBox="1"/>
+          <p:nvPr/>
+        </p:nvSpPr>
+        <p:spPr>
+          <a:xfrm>
+            <a:off x="838200" y="2577706"/>
+            <a:ext cx="3906839" cy="646331"/>
+          </a:xfrm>
+          <a:prstGeom prst="rect">
+            <a:avLst/>
+          </a:prstGeom>
+          <a:noFill/>
+        </p:spPr>
+        <p:txBody>
+          <a:bodyPr wrap="none" rtlCol="0">
+            <a:spAutoFit/>
+          </a:bodyPr>
+          <a:lstStyle/>
+          <a:p>
+            <a:r>
+              <a:rPr lang="en-US" dirty="0">
+                <a:latin typeface="Courier New" panose="02070309020205020404" pitchFamily="49" charset="0"/>
+                <a:cs typeface="Courier New" panose="02070309020205020404" pitchFamily="49" charset="0"/>
+              </a:rPr>
+              <a:t>s1 = "   Hello   World    "</a:t>
+            </a:r>
+          </a:p>
+          <a:p>
+            <a:r>
+              <a:rPr lang="en-US" dirty="0">
+                <a:latin typeface="Courier New" panose="02070309020205020404" pitchFamily="49" charset="0"/>
+                <a:cs typeface="Courier New" panose="02070309020205020404" pitchFamily="49" charset="0"/>
+              </a:rPr>
+              <a:t>print('-'+s1.lstrip()+'-')</a:t>
+            </a:r>
+          </a:p>
+        </p:txBody>
+      </p:sp>
+      <p:sp>
+        <p:nvSpPr>
+          <p:cNvPr id="6" name="TextBox 5">
+            <a:extLst>
+              <a:ext uri="{FF2B5EF4-FFF2-40B4-BE49-F238E27FC236}">
+                <a16:creationId xmlns:a16="http://schemas.microsoft.com/office/drawing/2014/main" id="{C004B7C8-BBD4-1EE7-3894-3C801D6DC253}"/>
+              </a:ext>
+            </a:extLst>
+          </p:cNvPr>
+          <p:cNvSpPr txBox="1"/>
+          <p:nvPr/>
+        </p:nvSpPr>
+        <p:spPr>
+          <a:xfrm>
+            <a:off x="5580722" y="365125"/>
+            <a:ext cx="6479659" cy="6001643"/>
+          </a:xfrm>
+          <a:prstGeom prst="rect">
+            <a:avLst/>
+          </a:prstGeom>
+          <a:noFill/>
+        </p:spPr>
+        <p:txBody>
+          <a:bodyPr wrap="none" rtlCol="0">
+            <a:spAutoFit/>
+          </a:bodyPr>
+          <a:lstStyle/>
+          <a:p>
+            <a:r>
+              <a:rPr lang="en-US" sz="1600" dirty="0">
+                <a:latin typeface="Courier New" panose="02070309020205020404" pitchFamily="49" charset="0"/>
+                <a:cs typeface="Courier New" panose="02070309020205020404" pitchFamily="49" charset="0"/>
+              </a:rPr>
+              <a:t>#include &lt;</a:t>
+            </a:r>
+            <a:r>
+              <a:rPr lang="en-US" sz="1600" dirty="0" err="1">
+                <a:latin typeface="Courier New" panose="02070309020205020404" pitchFamily="49" charset="0"/>
+                <a:cs typeface="Courier New" panose="02070309020205020404" pitchFamily="49" charset="0"/>
+              </a:rPr>
+              <a:t>stdio.h</a:t>
+            </a:r>
+            <a:r>
+              <a:rPr lang="en-US" sz="1600" dirty="0">
+                <a:latin typeface="Courier New" panose="02070309020205020404" pitchFamily="49" charset="0"/>
+                <a:cs typeface="Courier New" panose="02070309020205020404" pitchFamily="49" charset="0"/>
+              </a:rPr>
+              <a:t>&gt;</a:t>
+            </a:r>
+          </a:p>
+          <a:p>
+            <a:r>
+              <a:rPr lang="en-US" sz="1600" dirty="0">
+                <a:latin typeface="Courier New" panose="02070309020205020404" pitchFamily="49" charset="0"/>
+                <a:cs typeface="Courier New" panose="02070309020205020404" pitchFamily="49" charset="0"/>
+              </a:rPr>
+              <a:t>#include &lt;</a:t>
+            </a:r>
+            <a:r>
+              <a:rPr lang="en-US" sz="1600" dirty="0" err="1">
+                <a:latin typeface="Courier New" panose="02070309020205020404" pitchFamily="49" charset="0"/>
+                <a:cs typeface="Courier New" panose="02070309020205020404" pitchFamily="49" charset="0"/>
+              </a:rPr>
+              <a:t>string.h</a:t>
+            </a:r>
+            <a:r>
+              <a:rPr lang="en-US" sz="1600" dirty="0">
+                <a:latin typeface="Courier New" panose="02070309020205020404" pitchFamily="49" charset="0"/>
+                <a:cs typeface="Courier New" panose="02070309020205020404" pitchFamily="49" charset="0"/>
+              </a:rPr>
+              <a:t>&gt;</a:t>
+            </a:r>
+          </a:p>
+          <a:p>
+            <a:r>
+              <a:rPr lang="en-US" sz="1600" dirty="0">
+                <a:latin typeface="Courier New" panose="02070309020205020404" pitchFamily="49" charset="0"/>
+                <a:cs typeface="Courier New" panose="02070309020205020404" pitchFamily="49" charset="0"/>
+              </a:rPr>
+              <a:t>#include &lt;</a:t>
+            </a:r>
+            <a:r>
+              <a:rPr lang="en-US" sz="1600" dirty="0" err="1">
+                <a:latin typeface="Courier New" panose="02070309020205020404" pitchFamily="49" charset="0"/>
+                <a:cs typeface="Courier New" panose="02070309020205020404" pitchFamily="49" charset="0"/>
+              </a:rPr>
+              <a:t>ctype.h</a:t>
+            </a:r>
+            <a:r>
+              <a:rPr lang="en-US" sz="1600" dirty="0">
+                <a:latin typeface="Courier New" panose="02070309020205020404" pitchFamily="49" charset="0"/>
+                <a:cs typeface="Courier New" panose="02070309020205020404" pitchFamily="49" charset="0"/>
+              </a:rPr>
+              <a:t>&gt;</a:t>
+            </a:r>
+          </a:p>
+          <a:p>
+            <a:r>
+              <a:rPr lang="en-US" sz="1600" dirty="0">
+                <a:latin typeface="Courier New" panose="02070309020205020404" pitchFamily="49" charset="0"/>
+                <a:cs typeface="Courier New" panose="02070309020205020404" pitchFamily="49" charset="0"/>
+              </a:rPr>
+              <a:t>int main() {</a:t>
+            </a:r>
+          </a:p>
+          <a:p>
+            <a:r>
+              <a:rPr lang="en-US" sz="1600" dirty="0">
+                <a:latin typeface="Courier New" panose="02070309020205020404" pitchFamily="49" charset="0"/>
+                <a:cs typeface="Courier New" panose="02070309020205020404" pitchFamily="49" charset="0"/>
+              </a:rPr>
+              <a:t>    char s1[] = "   Hello   World    ";</a:t>
+            </a:r>
+          </a:p>
+          <a:p>
+            <a:r>
+              <a:rPr lang="en-US" sz="1600" dirty="0">
+                <a:latin typeface="Courier New" panose="02070309020205020404" pitchFamily="49" charset="0"/>
+                <a:cs typeface="Courier New" panose="02070309020205020404" pitchFamily="49" charset="0"/>
+              </a:rPr>
+              <a:t>    void </a:t>
+            </a:r>
+            <a:r>
+              <a:rPr lang="en-US" sz="1600" dirty="0" err="1">
+                <a:latin typeface="Courier New" panose="02070309020205020404" pitchFamily="49" charset="0"/>
+                <a:cs typeface="Courier New" panose="02070309020205020404" pitchFamily="49" charset="0"/>
+              </a:rPr>
+              <a:t>py_lstrip</a:t>
+            </a:r>
+            <a:r>
+              <a:rPr lang="en-US" sz="1600" dirty="0">
+                <a:latin typeface="Courier New" panose="02070309020205020404" pitchFamily="49" charset="0"/>
+                <a:cs typeface="Courier New" panose="02070309020205020404" pitchFamily="49" charset="0"/>
+              </a:rPr>
+              <a:t>();</a:t>
+            </a:r>
+          </a:p>
+          <a:p>
+            <a:r>
+              <a:rPr lang="en-US" sz="1600" dirty="0">
+                <a:latin typeface="Courier New" panose="02070309020205020404" pitchFamily="49" charset="0"/>
+                <a:cs typeface="Courier New" panose="02070309020205020404" pitchFamily="49" charset="0"/>
+              </a:rPr>
+              <a:t>    </a:t>
+            </a:r>
+            <a:r>
+              <a:rPr lang="en-US" sz="1600" dirty="0" err="1">
+                <a:latin typeface="Courier New" panose="02070309020205020404" pitchFamily="49" charset="0"/>
+                <a:cs typeface="Courier New" panose="02070309020205020404" pitchFamily="49" charset="0"/>
+              </a:rPr>
+              <a:t>printf</a:t>
+            </a:r>
+            <a:r>
+              <a:rPr lang="en-US" sz="1600" dirty="0">
+                <a:latin typeface="Courier New" panose="02070309020205020404" pitchFamily="49" charset="0"/>
+                <a:cs typeface="Courier New" panose="02070309020205020404" pitchFamily="49" charset="0"/>
+              </a:rPr>
+              <a:t>("-%s-\n", s1);</a:t>
+            </a:r>
+          </a:p>
+          <a:p>
+            <a:r>
+              <a:rPr lang="en-US" sz="1600" dirty="0">
+                <a:latin typeface="Courier New" panose="02070309020205020404" pitchFamily="49" charset="0"/>
+                <a:cs typeface="Courier New" panose="02070309020205020404" pitchFamily="49" charset="0"/>
+              </a:rPr>
+              <a:t>    </a:t>
+            </a:r>
+            <a:r>
+              <a:rPr lang="en-US" sz="1600" dirty="0" err="1">
+                <a:latin typeface="Courier New" panose="02070309020205020404" pitchFamily="49" charset="0"/>
+                <a:cs typeface="Courier New" panose="02070309020205020404" pitchFamily="49" charset="0"/>
+              </a:rPr>
+              <a:t>py_lstrip</a:t>
+            </a:r>
+            <a:r>
+              <a:rPr lang="en-US" sz="1600" dirty="0">
+                <a:latin typeface="Courier New" panose="02070309020205020404" pitchFamily="49" charset="0"/>
+                <a:cs typeface="Courier New" panose="02070309020205020404" pitchFamily="49" charset="0"/>
+              </a:rPr>
+              <a:t>(s1);</a:t>
+            </a:r>
+          </a:p>
+          <a:p>
+            <a:r>
+              <a:rPr lang="en-US" sz="1600" dirty="0">
+                <a:latin typeface="Courier New" panose="02070309020205020404" pitchFamily="49" charset="0"/>
+                <a:cs typeface="Courier New" panose="02070309020205020404" pitchFamily="49" charset="0"/>
+              </a:rPr>
+              <a:t>    </a:t>
+            </a:r>
+            <a:r>
+              <a:rPr lang="en-US" sz="1600" dirty="0" err="1">
+                <a:latin typeface="Courier New" panose="02070309020205020404" pitchFamily="49" charset="0"/>
+                <a:cs typeface="Courier New" panose="02070309020205020404" pitchFamily="49" charset="0"/>
+              </a:rPr>
+              <a:t>printf</a:t>
+            </a:r>
+            <a:r>
+              <a:rPr lang="en-US" sz="1600" dirty="0">
+                <a:latin typeface="Courier New" panose="02070309020205020404" pitchFamily="49" charset="0"/>
+                <a:cs typeface="Courier New" panose="02070309020205020404" pitchFamily="49" charset="0"/>
+              </a:rPr>
+              <a:t>("-%s-\n", s1);</a:t>
+            </a:r>
+          </a:p>
+          <a:p>
+            <a:r>
+              <a:rPr lang="en-US" sz="1600" dirty="0">
+                <a:latin typeface="Courier New" panose="02070309020205020404" pitchFamily="49" charset="0"/>
+                <a:cs typeface="Courier New" panose="02070309020205020404" pitchFamily="49" charset="0"/>
+              </a:rPr>
+              <a:t>}</a:t>
+            </a:r>
+          </a:p>
+          <a:p>
+            <a:endParaRPr lang="en-US" sz="1600" dirty="0">
+              <a:latin typeface="Courier New" panose="02070309020205020404" pitchFamily="49" charset="0"/>
+              <a:cs typeface="Courier New" panose="02070309020205020404" pitchFamily="49" charset="0"/>
+            </a:endParaRPr>
+          </a:p>
+          <a:p>
+            <a:r>
+              <a:rPr lang="en-US" sz="1600" dirty="0">
+                <a:latin typeface="Courier New" panose="02070309020205020404" pitchFamily="49" charset="0"/>
+                <a:cs typeface="Courier New" panose="02070309020205020404" pitchFamily="49" charset="0"/>
+              </a:rPr>
+              <a:t>void </a:t>
+            </a:r>
+            <a:r>
+              <a:rPr lang="en-US" sz="1600" dirty="0" err="1">
+                <a:latin typeface="Courier New" panose="02070309020205020404" pitchFamily="49" charset="0"/>
+                <a:cs typeface="Courier New" panose="02070309020205020404" pitchFamily="49" charset="0"/>
+              </a:rPr>
+              <a:t>py_lstrip</a:t>
+            </a:r>
+            <a:r>
+              <a:rPr lang="en-US" sz="1600" dirty="0">
+                <a:latin typeface="Courier New" panose="02070309020205020404" pitchFamily="49" charset="0"/>
+                <a:cs typeface="Courier New" panose="02070309020205020404" pitchFamily="49" charset="0"/>
+              </a:rPr>
+              <a:t>(</a:t>
+            </a:r>
+            <a:r>
+              <a:rPr lang="en-US" sz="1600" dirty="0" err="1">
+                <a:latin typeface="Courier New" panose="02070309020205020404" pitchFamily="49" charset="0"/>
+                <a:cs typeface="Courier New" panose="02070309020205020404" pitchFamily="49" charset="0"/>
+              </a:rPr>
+              <a:t>inp</a:t>
+            </a:r>
+            <a:r>
+              <a:rPr lang="en-US" sz="1600" dirty="0">
+                <a:latin typeface="Courier New" panose="02070309020205020404" pitchFamily="49" charset="0"/>
+                <a:cs typeface="Courier New" panose="02070309020205020404" pitchFamily="49" charset="0"/>
+              </a:rPr>
+              <a:t>)</a:t>
+            </a:r>
+          </a:p>
+          <a:p>
+            <a:r>
+              <a:rPr lang="en-US" sz="1600" dirty="0">
+                <a:latin typeface="Courier New" panose="02070309020205020404" pitchFamily="49" charset="0"/>
+                <a:cs typeface="Courier New" panose="02070309020205020404" pitchFamily="49" charset="0"/>
+              </a:rPr>
+              <a:t>    char </a:t>
+            </a:r>
+            <a:r>
+              <a:rPr lang="en-US" sz="1600" dirty="0" err="1">
+                <a:latin typeface="Courier New" panose="02070309020205020404" pitchFamily="49" charset="0"/>
+                <a:cs typeface="Courier New" panose="02070309020205020404" pitchFamily="49" charset="0"/>
+              </a:rPr>
+              <a:t>inp</a:t>
+            </a:r>
+            <a:r>
+              <a:rPr lang="en-US" sz="1600" dirty="0">
+                <a:latin typeface="Courier New" panose="02070309020205020404" pitchFamily="49" charset="0"/>
+                <a:cs typeface="Courier New" panose="02070309020205020404" pitchFamily="49" charset="0"/>
+              </a:rPr>
+              <a:t>[];</a:t>
+            </a:r>
+          </a:p>
+          <a:p>
+            <a:r>
+              <a:rPr lang="en-US" sz="1600" dirty="0">
+                <a:latin typeface="Courier New" panose="02070309020205020404" pitchFamily="49" charset="0"/>
+                <a:cs typeface="Courier New" panose="02070309020205020404" pitchFamily="49" charset="0"/>
+              </a:rPr>
+              <a:t>{</a:t>
+            </a:r>
+          </a:p>
+          <a:p>
+            <a:r>
+              <a:rPr lang="en-US" sz="1600" dirty="0">
+                <a:latin typeface="Courier New" panose="02070309020205020404" pitchFamily="49" charset="0"/>
+                <a:cs typeface="Courier New" panose="02070309020205020404" pitchFamily="49" charset="0"/>
+              </a:rPr>
+              <a:t>    int </a:t>
+            </a:r>
+            <a:r>
+              <a:rPr lang="en-US" sz="1600" dirty="0" err="1">
+                <a:latin typeface="Courier New" panose="02070309020205020404" pitchFamily="49" charset="0"/>
+                <a:cs typeface="Courier New" panose="02070309020205020404" pitchFamily="49" charset="0"/>
+              </a:rPr>
+              <a:t>i</a:t>
+            </a:r>
+            <a:r>
+              <a:rPr lang="en-US" sz="1600" dirty="0">
+                <a:latin typeface="Courier New" panose="02070309020205020404" pitchFamily="49" charset="0"/>
+                <a:cs typeface="Courier New" panose="02070309020205020404" pitchFamily="49" charset="0"/>
+              </a:rPr>
+              <a:t>, j;</a:t>
+            </a:r>
+          </a:p>
+          <a:p>
+            <a:r>
+              <a:rPr lang="en-US" sz="1600" dirty="0">
+                <a:latin typeface="Courier New" panose="02070309020205020404" pitchFamily="49" charset="0"/>
+                <a:cs typeface="Courier New" panose="02070309020205020404" pitchFamily="49" charset="0"/>
+              </a:rPr>
+              <a:t>    int found = 0;</a:t>
+            </a:r>
+          </a:p>
+          <a:p>
+            <a:r>
+              <a:rPr lang="en-US" sz="1600" dirty="0">
+                <a:latin typeface="Courier New" panose="02070309020205020404" pitchFamily="49" charset="0"/>
+                <a:cs typeface="Courier New" panose="02070309020205020404" pitchFamily="49" charset="0"/>
+              </a:rPr>
+              <a:t>    for(</a:t>
+            </a:r>
+            <a:r>
+              <a:rPr lang="en-US" sz="1600" dirty="0" err="1">
+                <a:latin typeface="Courier New" panose="02070309020205020404" pitchFamily="49" charset="0"/>
+                <a:cs typeface="Courier New" panose="02070309020205020404" pitchFamily="49" charset="0"/>
+              </a:rPr>
+              <a:t>i</a:t>
+            </a:r>
+            <a:r>
+              <a:rPr lang="en-US" sz="1600" dirty="0">
+                <a:latin typeface="Courier New" panose="02070309020205020404" pitchFamily="49" charset="0"/>
+                <a:cs typeface="Courier New" panose="02070309020205020404" pitchFamily="49" charset="0"/>
+              </a:rPr>
+              <a:t>=0, j=0; </a:t>
+            </a:r>
+            <a:r>
+              <a:rPr lang="en-US" sz="1600" dirty="0" err="1">
+                <a:latin typeface="Courier New" panose="02070309020205020404" pitchFamily="49" charset="0"/>
+                <a:cs typeface="Courier New" panose="02070309020205020404" pitchFamily="49" charset="0"/>
+              </a:rPr>
+              <a:t>i</a:t>
+            </a:r>
+            <a:r>
+              <a:rPr lang="en-US" sz="1600" dirty="0">
+                <a:latin typeface="Courier New" panose="02070309020205020404" pitchFamily="49" charset="0"/>
+                <a:cs typeface="Courier New" panose="02070309020205020404" pitchFamily="49" charset="0"/>
+              </a:rPr>
+              <a:t>&lt;</a:t>
+            </a:r>
+            <a:r>
+              <a:rPr lang="en-US" sz="1600" dirty="0" err="1">
+                <a:latin typeface="Courier New" panose="02070309020205020404" pitchFamily="49" charset="0"/>
+                <a:cs typeface="Courier New" panose="02070309020205020404" pitchFamily="49" charset="0"/>
+              </a:rPr>
+              <a:t>strlen</a:t>
+            </a:r>
+            <a:r>
+              <a:rPr lang="en-US" sz="1600" dirty="0">
+                <a:latin typeface="Courier New" panose="02070309020205020404" pitchFamily="49" charset="0"/>
+                <a:cs typeface="Courier New" panose="02070309020205020404" pitchFamily="49" charset="0"/>
+              </a:rPr>
+              <a:t>(</a:t>
+            </a:r>
+            <a:r>
+              <a:rPr lang="en-US" sz="1600" dirty="0" err="1">
+                <a:latin typeface="Courier New" panose="02070309020205020404" pitchFamily="49" charset="0"/>
+                <a:cs typeface="Courier New" panose="02070309020205020404" pitchFamily="49" charset="0"/>
+              </a:rPr>
+              <a:t>inp</a:t>
+            </a:r>
+            <a:r>
+              <a:rPr lang="en-US" sz="1600" dirty="0">
+                <a:latin typeface="Courier New" panose="02070309020205020404" pitchFamily="49" charset="0"/>
+                <a:cs typeface="Courier New" panose="02070309020205020404" pitchFamily="49" charset="0"/>
+              </a:rPr>
+              <a:t>)-1; </a:t>
+            </a:r>
+            <a:r>
+              <a:rPr lang="en-US" sz="1600" dirty="0" err="1">
+                <a:latin typeface="Courier New" panose="02070309020205020404" pitchFamily="49" charset="0"/>
+                <a:cs typeface="Courier New" panose="02070309020205020404" pitchFamily="49" charset="0"/>
+              </a:rPr>
+              <a:t>i</a:t>
+            </a:r>
+            <a:r>
+              <a:rPr lang="en-US" sz="1600" dirty="0">
+                <a:latin typeface="Courier New" panose="02070309020205020404" pitchFamily="49" charset="0"/>
+                <a:cs typeface="Courier New" panose="02070309020205020404" pitchFamily="49" charset="0"/>
+              </a:rPr>
+              <a:t>++) {</a:t>
+            </a:r>
+          </a:p>
+          <a:p>
+            <a:r>
+              <a:rPr lang="en-US" sz="1600" dirty="0">
+                <a:latin typeface="Courier New" panose="02070309020205020404" pitchFamily="49" charset="0"/>
+                <a:cs typeface="Courier New" panose="02070309020205020404" pitchFamily="49" charset="0"/>
+              </a:rPr>
+              <a:t>        if ( ! found &amp;&amp; </a:t>
+            </a:r>
+            <a:r>
+              <a:rPr lang="en-US" sz="1600" dirty="0" err="1">
+                <a:latin typeface="Courier New" panose="02070309020205020404" pitchFamily="49" charset="0"/>
+                <a:cs typeface="Courier New" panose="02070309020205020404" pitchFamily="49" charset="0"/>
+              </a:rPr>
+              <a:t>isspace</a:t>
+            </a:r>
+            <a:r>
+              <a:rPr lang="en-US" sz="1600" dirty="0">
+                <a:latin typeface="Courier New" panose="02070309020205020404" pitchFamily="49" charset="0"/>
+                <a:cs typeface="Courier New" panose="02070309020205020404" pitchFamily="49" charset="0"/>
+              </a:rPr>
+              <a:t>(</a:t>
+            </a:r>
+            <a:r>
+              <a:rPr lang="en-US" sz="1600" dirty="0" err="1">
+                <a:latin typeface="Courier New" panose="02070309020205020404" pitchFamily="49" charset="0"/>
+                <a:cs typeface="Courier New" panose="02070309020205020404" pitchFamily="49" charset="0"/>
+              </a:rPr>
+              <a:t>inp</a:t>
+            </a:r>
+            <a:r>
+              <a:rPr lang="en-US" sz="1600" dirty="0">
+                <a:latin typeface="Courier New" panose="02070309020205020404" pitchFamily="49" charset="0"/>
+                <a:cs typeface="Courier New" panose="02070309020205020404" pitchFamily="49" charset="0"/>
+              </a:rPr>
+              <a:t>[</a:t>
+            </a:r>
+            <a:r>
+              <a:rPr lang="en-US" sz="1600" dirty="0" err="1">
+                <a:latin typeface="Courier New" panose="02070309020205020404" pitchFamily="49" charset="0"/>
+                <a:cs typeface="Courier New" panose="02070309020205020404" pitchFamily="49" charset="0"/>
+              </a:rPr>
+              <a:t>i</a:t>
+            </a:r>
+            <a:r>
+              <a:rPr lang="en-US" sz="1600" dirty="0">
+                <a:latin typeface="Courier New" panose="02070309020205020404" pitchFamily="49" charset="0"/>
+                <a:cs typeface="Courier New" panose="02070309020205020404" pitchFamily="49" charset="0"/>
+              </a:rPr>
+              <a:t>]) ) continue;</a:t>
+            </a:r>
+          </a:p>
+          <a:p>
+            <a:r>
+              <a:rPr lang="en-US" sz="1600" dirty="0">
+                <a:latin typeface="Courier New" panose="02070309020205020404" pitchFamily="49" charset="0"/>
+                <a:cs typeface="Courier New" panose="02070309020205020404" pitchFamily="49" charset="0"/>
+              </a:rPr>
+              <a:t>        if ( </a:t>
+            </a:r>
+            <a:r>
+              <a:rPr lang="en-US" sz="1600" dirty="0" err="1">
+                <a:latin typeface="Courier New" panose="02070309020205020404" pitchFamily="49" charset="0"/>
+                <a:cs typeface="Courier New" panose="02070309020205020404" pitchFamily="49" charset="0"/>
+              </a:rPr>
+              <a:t>i</a:t>
+            </a:r>
+            <a:r>
+              <a:rPr lang="en-US" sz="1600" dirty="0">
+                <a:latin typeface="Courier New" panose="02070309020205020404" pitchFamily="49" charset="0"/>
+                <a:cs typeface="Courier New" panose="02070309020205020404" pitchFamily="49" charset="0"/>
+              </a:rPr>
+              <a:t> == j ) return;</a:t>
+            </a:r>
+          </a:p>
+          <a:p>
+            <a:r>
+              <a:rPr lang="en-US" sz="1600" dirty="0">
+                <a:latin typeface="Courier New" panose="02070309020205020404" pitchFamily="49" charset="0"/>
+                <a:cs typeface="Courier New" panose="02070309020205020404" pitchFamily="49" charset="0"/>
+              </a:rPr>
+              <a:t>        found = 1;</a:t>
+            </a:r>
+          </a:p>
+          <a:p>
+            <a:r>
+              <a:rPr lang="en-US" sz="1600" dirty="0">
+                <a:latin typeface="Courier New" panose="02070309020205020404" pitchFamily="49" charset="0"/>
+                <a:cs typeface="Courier New" panose="02070309020205020404" pitchFamily="49" charset="0"/>
+              </a:rPr>
+              <a:t>        </a:t>
+            </a:r>
+            <a:r>
+              <a:rPr lang="en-US" sz="1600" dirty="0" err="1">
+                <a:latin typeface="Courier New" panose="02070309020205020404" pitchFamily="49" charset="0"/>
+                <a:cs typeface="Courier New" panose="02070309020205020404" pitchFamily="49" charset="0"/>
+              </a:rPr>
+              <a:t>inp</a:t>
+            </a:r>
+            <a:r>
+              <a:rPr lang="en-US" sz="1600" dirty="0">
+                <a:latin typeface="Courier New" panose="02070309020205020404" pitchFamily="49" charset="0"/>
+                <a:cs typeface="Courier New" panose="02070309020205020404" pitchFamily="49" charset="0"/>
+              </a:rPr>
+              <a:t>[</a:t>
+            </a:r>
+            <a:r>
+              <a:rPr lang="en-US" sz="1600" dirty="0" err="1">
+                <a:latin typeface="Courier New" panose="02070309020205020404" pitchFamily="49" charset="0"/>
+                <a:cs typeface="Courier New" panose="02070309020205020404" pitchFamily="49" charset="0"/>
+              </a:rPr>
+              <a:t>j++</a:t>
+            </a:r>
+            <a:r>
+              <a:rPr lang="en-US" sz="1600" dirty="0">
+                <a:latin typeface="Courier New" panose="02070309020205020404" pitchFamily="49" charset="0"/>
+                <a:cs typeface="Courier New" panose="02070309020205020404" pitchFamily="49" charset="0"/>
+              </a:rPr>
+              <a:t>] = </a:t>
+            </a:r>
+            <a:r>
+              <a:rPr lang="en-US" sz="1600" dirty="0" err="1">
+                <a:latin typeface="Courier New" panose="02070309020205020404" pitchFamily="49" charset="0"/>
+                <a:cs typeface="Courier New" panose="02070309020205020404" pitchFamily="49" charset="0"/>
+              </a:rPr>
+              <a:t>inp</a:t>
+            </a:r>
+            <a:r>
+              <a:rPr lang="en-US" sz="1600" dirty="0">
+                <a:latin typeface="Courier New" panose="02070309020205020404" pitchFamily="49" charset="0"/>
+                <a:cs typeface="Courier New" panose="02070309020205020404" pitchFamily="49" charset="0"/>
+              </a:rPr>
+              <a:t>[</a:t>
+            </a:r>
+            <a:r>
+              <a:rPr lang="en-US" sz="1600" dirty="0" err="1">
+                <a:latin typeface="Courier New" panose="02070309020205020404" pitchFamily="49" charset="0"/>
+                <a:cs typeface="Courier New" panose="02070309020205020404" pitchFamily="49" charset="0"/>
+              </a:rPr>
+              <a:t>i</a:t>
+            </a:r>
+            <a:r>
+              <a:rPr lang="en-US" sz="1600" dirty="0">
+                <a:latin typeface="Courier New" panose="02070309020205020404" pitchFamily="49" charset="0"/>
+                <a:cs typeface="Courier New" panose="02070309020205020404" pitchFamily="49" charset="0"/>
+              </a:rPr>
+              <a:t>];</a:t>
+            </a:r>
+          </a:p>
+          <a:p>
+            <a:r>
+              <a:rPr lang="en-US" sz="1600" dirty="0">
+                <a:latin typeface="Courier New" panose="02070309020205020404" pitchFamily="49" charset="0"/>
+                <a:cs typeface="Courier New" panose="02070309020205020404" pitchFamily="49" charset="0"/>
+              </a:rPr>
+              <a:t>    }</a:t>
+            </a:r>
+          </a:p>
+          <a:p>
+            <a:r>
+              <a:rPr lang="en-US" sz="1600" dirty="0">
+                <a:latin typeface="Courier New" panose="02070309020205020404" pitchFamily="49" charset="0"/>
+                <a:cs typeface="Courier New" panose="02070309020205020404" pitchFamily="49" charset="0"/>
+              </a:rPr>
+              <a:t>    </a:t>
+            </a:r>
+            <a:r>
+              <a:rPr lang="en-US" sz="1600" dirty="0" err="1">
+                <a:latin typeface="Courier New" panose="02070309020205020404" pitchFamily="49" charset="0"/>
+                <a:cs typeface="Courier New" panose="02070309020205020404" pitchFamily="49" charset="0"/>
+              </a:rPr>
+              <a:t>inp</a:t>
+            </a:r>
+            <a:r>
+              <a:rPr lang="en-US" sz="1600" dirty="0">
+                <a:latin typeface="Courier New" panose="02070309020205020404" pitchFamily="49" charset="0"/>
+                <a:cs typeface="Courier New" panose="02070309020205020404" pitchFamily="49" charset="0"/>
+              </a:rPr>
+              <a:t>[++j] = '\0';</a:t>
+            </a:r>
+          </a:p>
+          <a:p>
+            <a:r>
+              <a:rPr lang="en-US" sz="1600" dirty="0">
+                <a:latin typeface="Courier New" panose="02070309020205020404" pitchFamily="49" charset="0"/>
+                <a:cs typeface="Courier New" panose="02070309020205020404" pitchFamily="49" charset="0"/>
+              </a:rPr>
+              <a:t>}</a:t>
+            </a:r>
+          </a:p>
+        </p:txBody>
+      </p:sp>
+      <p:sp>
+        <p:nvSpPr>
+          <p:cNvPr id="7" name="TextBox 6">
+            <a:extLst>
+              <a:ext uri="{FF2B5EF4-FFF2-40B4-BE49-F238E27FC236}">
+                <a16:creationId xmlns:a16="http://schemas.microsoft.com/office/drawing/2014/main" id="{03B4458A-37BA-02AB-CE8C-B288D36FE6BF}"/>
+              </a:ext>
+            </a:extLst>
+          </p:cNvPr>
+          <p:cNvSpPr txBox="1"/>
+          <p:nvPr/>
+        </p:nvSpPr>
+        <p:spPr>
+          <a:xfrm>
+            <a:off x="992011" y="4111055"/>
+            <a:ext cx="2803973" cy="369332"/>
+          </a:xfrm>
+          <a:prstGeom prst="rect">
+            <a:avLst/>
+          </a:prstGeom>
+          <a:noFill/>
+        </p:spPr>
+        <p:txBody>
+          <a:bodyPr wrap="none" rtlCol="0">
+            <a:spAutoFit/>
+          </a:bodyPr>
+          <a:lstStyle/>
+          <a:p>
+            <a:r>
+              <a:rPr lang="en-US" dirty="0">
+                <a:latin typeface="Monaco" pitchFamily="2" charset="77"/>
+              </a:rPr>
+              <a:t>-Hello   World    -</a:t>
+            </a:r>
+          </a:p>
+        </p:txBody>
+      </p:sp>
+      <p:sp>
+        <p:nvSpPr>
+          <p:cNvPr id="8" name="TextBox 7">
+            <a:extLst>
+              <a:ext uri="{FF2B5EF4-FFF2-40B4-BE49-F238E27FC236}">
+                <a16:creationId xmlns:a16="http://schemas.microsoft.com/office/drawing/2014/main" id="{F7AC2D4A-1256-8DC4-CDEF-7E9063C86FCE}"/>
+              </a:ext>
+            </a:extLst>
+          </p:cNvPr>
+          <p:cNvSpPr txBox="1"/>
+          <p:nvPr/>
+        </p:nvSpPr>
+        <p:spPr>
+          <a:xfrm>
+            <a:off x="10460182" y="6323598"/>
+            <a:ext cx="1600199" cy="338554"/>
+          </a:xfrm>
+          <a:prstGeom prst="rect">
+            <a:avLst/>
+          </a:prstGeom>
+          <a:noFill/>
+        </p:spPr>
+        <p:txBody>
+          <a:bodyPr wrap="square">
+            <a:spAutoFit/>
+          </a:bodyPr>
+          <a:lstStyle/>
+          <a:p>
+            <a:r>
+              <a:rPr lang="en-US" sz="1600" dirty="0">
+                <a:solidFill>
+                  <a:srgbClr val="000000"/>
+                </a:solidFill>
+                <a:effectLst/>
+                <a:latin typeface="Menlo" panose="020B0609030804020204" pitchFamily="49" charset="0"/>
+              </a:rPr>
+              <a:t>cc_02_13.c</a:t>
+            </a:r>
+          </a:p>
+        </p:txBody>
+      </p:sp>
+    </p:spTree>
+    <p:extLst>
+      <p:ext uri="{BB962C8B-B14F-4D97-AF65-F5344CB8AC3E}">
+        <p14:creationId xmlns:p14="http://schemas.microsoft.com/office/powerpoint/2010/main" val="1893154291"/>
+      </p:ext>
+    </p:extLst>
+  </p:cSld>
+  <p:clrMapOvr>
+    <a:masterClrMapping/>
+  </p:clrMapOvr>
+</p:sld>
+</file>
+
 <file path=ppt/slides/slide3.xml><?xml version="1.0" encoding="utf-8"?>
 <p:sld xmlns:a="http://schemas.openxmlformats.org/drawingml/2006/main" xmlns:r="http://schemas.openxmlformats.org/officeDocument/2006/relationships" xmlns:p="http://schemas.openxmlformats.org/presentationml/2006/main">
   <p:cSld>

--- a/lectures/CC-02-Python.pptx
+++ b/lectures/CC-02-Python.pptx
@@ -23,10 +23,11 @@
     <p:sldId id="271" r:id="rId17"/>
     <p:sldId id="273" r:id="rId18"/>
     <p:sldId id="274" r:id="rId19"/>
-    <p:sldId id="275" r:id="rId20"/>
-    <p:sldId id="277" r:id="rId21"/>
-    <p:sldId id="278" r:id="rId22"/>
-    <p:sldId id="279" r:id="rId23"/>
+    <p:sldId id="281" r:id="rId20"/>
+    <p:sldId id="275" r:id="rId21"/>
+    <p:sldId id="277" r:id="rId22"/>
+    <p:sldId id="278" r:id="rId23"/>
+    <p:sldId id="279" r:id="rId24"/>
   </p:sldIdLst>
   <p:sldSz cx="12192000" cy="6858000"/>
   <p:notesSz cx="6858000" cy="9144000"/>
@@ -8155,7 +8156,7 @@
           <a:p>
             <a:r>
               <a:rPr lang="en-US" dirty="0"/>
-              <a:t>Shouting</a:t>
+              <a:t>Functions</a:t>
             </a:r>
           </a:p>
         </p:txBody>
@@ -8174,8 +8175,8 @@
         </p:nvSpPr>
         <p:spPr>
           <a:xfrm>
-            <a:off x="954156" y="2172500"/>
-            <a:ext cx="4458272" cy="923330"/>
+            <a:off x="316833" y="1659285"/>
+            <a:ext cx="4998484" cy="3539430"/>
           </a:xfrm>
           <a:prstGeom prst="rect">
             <a:avLst/>
@@ -8189,57 +8190,170 @@
           <a:lstStyle/>
           <a:p>
             <a:r>
-              <a:rPr lang="en-US" dirty="0">
-                <a:latin typeface="Courier New" panose="02070309020205020404" pitchFamily="49" charset="0"/>
-                <a:cs typeface="Courier New" panose="02070309020205020404" pitchFamily="49" charset="0"/>
-              </a:rPr>
-              <a:t>hand = open('</a:t>
-            </a:r>
-            <a:r>
-              <a:rPr lang="en-US" dirty="0" err="1">
-                <a:latin typeface="Courier New" panose="02070309020205020404" pitchFamily="49" charset="0"/>
-                <a:cs typeface="Courier New" panose="02070309020205020404" pitchFamily="49" charset="0"/>
-              </a:rPr>
-              <a:t>romeo.txt</a:t>
-            </a:r>
-            <a:r>
-              <a:rPr lang="en-US" dirty="0">
-                <a:latin typeface="Courier New" panose="02070309020205020404" pitchFamily="49" charset="0"/>
-                <a:cs typeface="Courier New" panose="02070309020205020404" pitchFamily="49" charset="0"/>
-              </a:rPr>
-              <a:t>')</a:t>
-            </a:r>
-          </a:p>
-          <a:p>
-            <a:r>
-              <a:rPr lang="en-US" dirty="0">
-                <a:latin typeface="Courier New" panose="02070309020205020404" pitchFamily="49" charset="0"/>
-                <a:cs typeface="Courier New" panose="02070309020205020404" pitchFamily="49" charset="0"/>
-              </a:rPr>
-              <a:t>for line in hand:</a:t>
-            </a:r>
-          </a:p>
-          <a:p>
-            <a:r>
-              <a:rPr lang="en-US" dirty="0">
-                <a:latin typeface="Courier New" panose="02070309020205020404" pitchFamily="49" charset="0"/>
-                <a:cs typeface="Courier New" panose="02070309020205020404" pitchFamily="49" charset="0"/>
-              </a:rPr>
-              <a:t>    print(</a:t>
-            </a:r>
-            <a:r>
-              <a:rPr lang="en-US" dirty="0" err="1">
+              <a:rPr lang="en-US" sz="1600" dirty="0">
+                <a:latin typeface="Courier New" panose="02070309020205020404" pitchFamily="49" charset="0"/>
+                <a:cs typeface="Courier New" panose="02070309020205020404" pitchFamily="49" charset="0"/>
+              </a:rPr>
+              <a:t>while True:</a:t>
+            </a:r>
+          </a:p>
+          <a:p>
+            <a:r>
+              <a:rPr lang="en-US" sz="1600" dirty="0">
+                <a:latin typeface="Courier New" panose="02070309020205020404" pitchFamily="49" charset="0"/>
+                <a:cs typeface="Courier New" panose="02070309020205020404" pitchFamily="49" charset="0"/>
+              </a:rPr>
+              <a:t>    try:</a:t>
+            </a:r>
+          </a:p>
+          <a:p>
+            <a:r>
+              <a:rPr lang="en-US" sz="1600" dirty="0">
+                <a:latin typeface="Courier New" panose="02070309020205020404" pitchFamily="49" charset="0"/>
+                <a:cs typeface="Courier New" panose="02070309020205020404" pitchFamily="49" charset="0"/>
+              </a:rPr>
+              <a:t>        line = input()</a:t>
+            </a:r>
+          </a:p>
+          <a:p>
+            <a:r>
+              <a:rPr lang="en-US" sz="1600" dirty="0">
+                <a:latin typeface="Courier New" panose="02070309020205020404" pitchFamily="49" charset="0"/>
+                <a:cs typeface="Courier New" panose="02070309020205020404" pitchFamily="49" charset="0"/>
+              </a:rPr>
+              <a:t>    except:  # If we get EOF</a:t>
+            </a:r>
+          </a:p>
+          <a:p>
+            <a:r>
+              <a:rPr lang="en-US" sz="1600" dirty="0">
+                <a:latin typeface="Courier New" panose="02070309020205020404" pitchFamily="49" charset="0"/>
+                <a:cs typeface="Courier New" panose="02070309020205020404" pitchFamily="49" charset="0"/>
+              </a:rPr>
+              <a:t>        break</a:t>
+            </a:r>
+          </a:p>
+          <a:p>
+            <a:r>
+              <a:rPr lang="en-US" sz="1600" dirty="0">
+                <a:latin typeface="Courier New" panose="02070309020205020404" pitchFamily="49" charset="0"/>
+                <a:cs typeface="Courier New" panose="02070309020205020404" pitchFamily="49" charset="0"/>
+              </a:rPr>
+              <a:t>    line = </a:t>
+            </a:r>
+            <a:r>
+              <a:rPr lang="en-US" sz="1600" dirty="0" err="1">
                 <a:latin typeface="Courier New" panose="02070309020205020404" pitchFamily="49" charset="0"/>
                 <a:cs typeface="Courier New" panose="02070309020205020404" pitchFamily="49" charset="0"/>
               </a:rPr>
               <a:t>line.strip</a:t>
             </a:r>
             <a:r>
-              <a:rPr lang="en-US" dirty="0">
-                <a:latin typeface="Courier New" panose="02070309020205020404" pitchFamily="49" charset="0"/>
-                <a:cs typeface="Courier New" panose="02070309020205020404" pitchFamily="49" charset="0"/>
-              </a:rPr>
-              <a:t>().upper())</a:t>
+              <a:rPr lang="en-US" sz="1600" dirty="0">
+                <a:latin typeface="Courier New" panose="02070309020205020404" pitchFamily="49" charset="0"/>
+                <a:cs typeface="Courier New" panose="02070309020205020404" pitchFamily="49" charset="0"/>
+              </a:rPr>
+              <a:t>()</a:t>
+            </a:r>
+          </a:p>
+          <a:p>
+            <a:r>
+              <a:rPr lang="en-US" sz="1600" dirty="0">
+                <a:latin typeface="Courier New" panose="02070309020205020404" pitchFamily="49" charset="0"/>
+                <a:cs typeface="Courier New" panose="02070309020205020404" pitchFamily="49" charset="0"/>
+              </a:rPr>
+              <a:t>    guess = int(line)</a:t>
+            </a:r>
+          </a:p>
+          <a:p>
+            <a:r>
+              <a:rPr lang="en-US" sz="1600" dirty="0">
+                <a:latin typeface="Courier New" panose="02070309020205020404" pitchFamily="49" charset="0"/>
+                <a:cs typeface="Courier New" panose="02070309020205020404" pitchFamily="49" charset="0"/>
+              </a:rPr>
+              <a:t>    if guess == 42:</a:t>
+            </a:r>
+          </a:p>
+          <a:p>
+            <a:r>
+              <a:rPr lang="en-US" sz="1600" dirty="0">
+                <a:latin typeface="Courier New" panose="02070309020205020404" pitchFamily="49" charset="0"/>
+                <a:cs typeface="Courier New" panose="02070309020205020404" pitchFamily="49" charset="0"/>
+              </a:rPr>
+              <a:t>        print('Nice work!')</a:t>
+            </a:r>
+          </a:p>
+          <a:p>
+            <a:r>
+              <a:rPr lang="en-US" sz="1600" dirty="0">
+                <a:latin typeface="Courier New" panose="02070309020205020404" pitchFamily="49" charset="0"/>
+                <a:cs typeface="Courier New" panose="02070309020205020404" pitchFamily="49" charset="0"/>
+              </a:rPr>
+              <a:t>        break</a:t>
+            </a:r>
+          </a:p>
+          <a:p>
+            <a:r>
+              <a:rPr lang="en-US" sz="1600" dirty="0">
+                <a:latin typeface="Courier New" panose="02070309020205020404" pitchFamily="49" charset="0"/>
+                <a:cs typeface="Courier New" panose="02070309020205020404" pitchFamily="49" charset="0"/>
+              </a:rPr>
+              <a:t>    </a:t>
+            </a:r>
+            <a:r>
+              <a:rPr lang="en-US" sz="1600" dirty="0" err="1">
+                <a:latin typeface="Courier New" panose="02070309020205020404" pitchFamily="49" charset="0"/>
+                <a:cs typeface="Courier New" panose="02070309020205020404" pitchFamily="49" charset="0"/>
+              </a:rPr>
+              <a:t>elif</a:t>
+            </a:r>
+            <a:r>
+              <a:rPr lang="en-US" sz="1600" dirty="0">
+                <a:latin typeface="Courier New" panose="02070309020205020404" pitchFamily="49" charset="0"/>
+                <a:cs typeface="Courier New" panose="02070309020205020404" pitchFamily="49" charset="0"/>
+              </a:rPr>
+              <a:t> guess &lt; 42 : </a:t>
+            </a:r>
+          </a:p>
+          <a:p>
+            <a:r>
+              <a:rPr lang="en-US" sz="1600" dirty="0">
+                <a:latin typeface="Courier New" panose="02070309020205020404" pitchFamily="49" charset="0"/>
+                <a:cs typeface="Courier New" panose="02070309020205020404" pitchFamily="49" charset="0"/>
+              </a:rPr>
+              <a:t>        print('Too low - guess again')</a:t>
+            </a:r>
+          </a:p>
+          <a:p>
+            <a:r>
+              <a:rPr lang="en-US" sz="1600" dirty="0">
+                <a:latin typeface="Courier New" panose="02070309020205020404" pitchFamily="49" charset="0"/>
+                <a:cs typeface="Courier New" panose="02070309020205020404" pitchFamily="49" charset="0"/>
+              </a:rPr>
+              <a:t>    else :</a:t>
+            </a:r>
+          </a:p>
+          <a:p>
+            <a:r>
+              <a:rPr lang="en-US" sz="1600" dirty="0">
+                <a:latin typeface="Courier New" panose="02070309020205020404" pitchFamily="49" charset="0"/>
+                <a:cs typeface="Courier New" panose="02070309020205020404" pitchFamily="49" charset="0"/>
+              </a:rPr>
+              <a:t>        print('Too </a:t>
+            </a:r>
+            <a:r>
+              <a:rPr lang="en-US" sz="1600">
+                <a:latin typeface="Courier New" panose="02070309020205020404" pitchFamily="49" charset="0"/>
+                <a:cs typeface="Courier New" panose="02070309020205020404" pitchFamily="49" charset="0"/>
+              </a:rPr>
+              <a:t>high - guess </a:t>
+            </a:r>
+            <a:r>
+              <a:rPr lang="en-US" sz="1600" dirty="0">
+                <a:latin typeface="Courier New" panose="02070309020205020404" pitchFamily="49" charset="0"/>
+                <a:cs typeface="Courier New" panose="02070309020205020404" pitchFamily="49" charset="0"/>
+              </a:rPr>
+              <a:t>again')</a:t>
             </a:r>
           </a:p>
         </p:txBody>
@@ -8258,8 +8372,8 @@
         </p:nvSpPr>
         <p:spPr>
           <a:xfrm>
-            <a:off x="5833814" y="1027906"/>
-            <a:ext cx="6250429" cy="3416320"/>
+            <a:off x="5713253" y="766733"/>
+            <a:ext cx="5985934" cy="3539430"/>
           </a:xfrm>
           <a:prstGeom prst="rect">
             <a:avLst/>
@@ -8273,21 +8387,21 @@
           <a:lstStyle/>
           <a:p>
             <a:r>
-              <a:rPr lang="en-US" dirty="0">
+              <a:rPr lang="en-US" sz="1600" dirty="0">
                 <a:latin typeface="Courier New" panose="02070309020205020404" pitchFamily="49" charset="0"/>
                 <a:cs typeface="Courier New" panose="02070309020205020404" pitchFamily="49" charset="0"/>
               </a:rPr>
               <a:t>#include &lt;</a:t>
             </a:r>
             <a:r>
-              <a:rPr lang="en-US" dirty="0" err="1">
+              <a:rPr lang="en-US" sz="1600" dirty="0" err="1">
                 <a:latin typeface="Courier New" panose="02070309020205020404" pitchFamily="49" charset="0"/>
                 <a:cs typeface="Courier New" panose="02070309020205020404" pitchFamily="49" charset="0"/>
               </a:rPr>
               <a:t>stdio.h</a:t>
             </a:r>
             <a:r>
-              <a:rPr lang="en-US" dirty="0">
+              <a:rPr lang="en-US" sz="1600" dirty="0">
                 <a:latin typeface="Courier New" panose="02070309020205020404" pitchFamily="49" charset="0"/>
                 <a:cs typeface="Courier New" panose="02070309020205020404" pitchFamily="49" charset="0"/>
               </a:rPr>
@@ -8296,53 +8410,7 @@
           </a:p>
           <a:p>
             <a:r>
-              <a:rPr lang="en-US" dirty="0">
-                <a:latin typeface="Courier New" panose="02070309020205020404" pitchFamily="49" charset="0"/>
-                <a:cs typeface="Courier New" panose="02070309020205020404" pitchFamily="49" charset="0"/>
-              </a:rPr>
-              <a:t>#include &lt;</a:t>
-            </a:r>
-            <a:r>
-              <a:rPr lang="en-US" dirty="0" err="1">
-                <a:latin typeface="Courier New" panose="02070309020205020404" pitchFamily="49" charset="0"/>
-                <a:cs typeface="Courier New" panose="02070309020205020404" pitchFamily="49" charset="0"/>
-              </a:rPr>
-              <a:t>string.h</a:t>
-            </a:r>
-            <a:r>
-              <a:rPr lang="en-US" dirty="0">
-                <a:latin typeface="Courier New" panose="02070309020205020404" pitchFamily="49" charset="0"/>
-                <a:cs typeface="Courier New" panose="02070309020205020404" pitchFamily="49" charset="0"/>
-              </a:rPr>
-              <a:t>&gt;</a:t>
-            </a:r>
-          </a:p>
-          <a:p>
-            <a:r>
-              <a:rPr lang="en-US" dirty="0">
-                <a:latin typeface="Courier New" panose="02070309020205020404" pitchFamily="49" charset="0"/>
-                <a:cs typeface="Courier New" panose="02070309020205020404" pitchFamily="49" charset="0"/>
-              </a:rPr>
-              <a:t>#include &lt;</a:t>
-            </a:r>
-            <a:r>
-              <a:rPr lang="en-US" dirty="0" err="1">
-                <a:latin typeface="Courier New" panose="02070309020205020404" pitchFamily="49" charset="0"/>
-                <a:cs typeface="Courier New" panose="02070309020205020404" pitchFamily="49" charset="0"/>
-              </a:rPr>
-              <a:t>ctype.h</a:t>
-            </a:r>
-            <a:r>
-              <a:rPr lang="en-US" dirty="0">
-                <a:latin typeface="Courier New" panose="02070309020205020404" pitchFamily="49" charset="0"/>
-                <a:cs typeface="Courier New" panose="02070309020205020404" pitchFamily="49" charset="0"/>
-              </a:rPr>
-              <a:t>&gt;</a:t>
-            </a:r>
-          </a:p>
-          <a:p>
-            <a:r>
-              <a:rPr lang="en-US" dirty="0">
+              <a:rPr lang="en-US" sz="1600" dirty="0">
                 <a:latin typeface="Courier New" panose="02070309020205020404" pitchFamily="49" charset="0"/>
                 <a:cs typeface="Courier New" panose="02070309020205020404" pitchFamily="49" charset="0"/>
               </a:rPr>
@@ -8351,228 +8419,180 @@
           </a:p>
           <a:p>
             <a:r>
-              <a:rPr lang="en-US" dirty="0">
-                <a:latin typeface="Courier New" panose="02070309020205020404" pitchFamily="49" charset="0"/>
-                <a:cs typeface="Courier New" panose="02070309020205020404" pitchFamily="49" charset="0"/>
-              </a:rPr>
-              <a:t>    char line[1000];</a:t>
-            </a:r>
-          </a:p>
-          <a:p>
-            <a:r>
-              <a:rPr lang="en-US" dirty="0">
-                <a:latin typeface="Courier New" panose="02070309020205020404" pitchFamily="49" charset="0"/>
-                <a:cs typeface="Courier New" panose="02070309020205020404" pitchFamily="49" charset="0"/>
-              </a:rPr>
-              <a:t>    FILE *hand;</a:t>
-            </a:r>
-          </a:p>
-          <a:p>
-            <a:r>
-              <a:rPr lang="en-US" dirty="0">
-                <a:latin typeface="Courier New" panose="02070309020205020404" pitchFamily="49" charset="0"/>
-                <a:cs typeface="Courier New" panose="02070309020205020404" pitchFamily="49" charset="0"/>
-              </a:rPr>
-              <a:t>    int </a:t>
-            </a:r>
-            <a:r>
-              <a:rPr lang="en-US" dirty="0" err="1">
-                <a:latin typeface="Courier New" panose="02070309020205020404" pitchFamily="49" charset="0"/>
-                <a:cs typeface="Courier New" panose="02070309020205020404" pitchFamily="49" charset="0"/>
-              </a:rPr>
-              <a:t>i</a:t>
-            </a:r>
-            <a:r>
-              <a:rPr lang="en-US" dirty="0">
-                <a:latin typeface="Courier New" panose="02070309020205020404" pitchFamily="49" charset="0"/>
-                <a:cs typeface="Courier New" panose="02070309020205020404" pitchFamily="49" charset="0"/>
-              </a:rPr>
-              <a:t>; </a:t>
-            </a:r>
-          </a:p>
-          <a:p>
-            <a:r>
-              <a:rPr lang="en-US" dirty="0">
-                <a:latin typeface="Courier New" panose="02070309020205020404" pitchFamily="49" charset="0"/>
-                <a:cs typeface="Courier New" panose="02070309020205020404" pitchFamily="49" charset="0"/>
-              </a:rPr>
-              <a:t>    hand = </a:t>
-            </a:r>
-            <a:r>
-              <a:rPr lang="en-US" dirty="0" err="1">
-                <a:latin typeface="Courier New" panose="02070309020205020404" pitchFamily="49" charset="0"/>
-                <a:cs typeface="Courier New" panose="02070309020205020404" pitchFamily="49" charset="0"/>
-              </a:rPr>
-              <a:t>fopen</a:t>
-            </a:r>
-            <a:r>
-              <a:rPr lang="en-US" dirty="0">
-                <a:latin typeface="Courier New" panose="02070309020205020404" pitchFamily="49" charset="0"/>
-                <a:cs typeface="Courier New" panose="02070309020205020404" pitchFamily="49" charset="0"/>
-              </a:rPr>
-              <a:t>("</a:t>
-            </a:r>
-            <a:r>
-              <a:rPr lang="en-US" dirty="0" err="1">
-                <a:latin typeface="Courier New" panose="02070309020205020404" pitchFamily="49" charset="0"/>
-                <a:cs typeface="Courier New" panose="02070309020205020404" pitchFamily="49" charset="0"/>
-              </a:rPr>
-              <a:t>romeo.txt</a:t>
-            </a:r>
-            <a:r>
-              <a:rPr lang="en-US" dirty="0">
-                <a:latin typeface="Courier New" panose="02070309020205020404" pitchFamily="49" charset="0"/>
-                <a:cs typeface="Courier New" panose="02070309020205020404" pitchFamily="49" charset="0"/>
-              </a:rPr>
-              <a:t>", "r");</a:t>
-            </a:r>
-          </a:p>
-          <a:p>
-            <a:r>
-              <a:rPr lang="en-US" dirty="0">
-                <a:latin typeface="Courier New" panose="02070309020205020404" pitchFamily="49" charset="0"/>
-                <a:cs typeface="Courier New" panose="02070309020205020404" pitchFamily="49" charset="0"/>
-              </a:rPr>
-              <a:t>    while( </a:t>
-            </a:r>
-            <a:r>
-              <a:rPr lang="en-US" dirty="0" err="1">
-                <a:latin typeface="Courier New" panose="02070309020205020404" pitchFamily="49" charset="0"/>
-                <a:cs typeface="Courier New" panose="02070309020205020404" pitchFamily="49" charset="0"/>
-              </a:rPr>
-              <a:t>fgets</a:t>
-            </a:r>
-            <a:r>
-              <a:rPr lang="en-US" dirty="0">
-                <a:latin typeface="Courier New" panose="02070309020205020404" pitchFamily="49" charset="0"/>
-                <a:cs typeface="Courier New" panose="02070309020205020404" pitchFamily="49" charset="0"/>
-              </a:rPr>
-              <a:t>(line, 1000, hand) != NULL )</a:t>
-            </a:r>
-          </a:p>
-          <a:p>
-            <a:r>
-              <a:rPr lang="en-US" dirty="0">
-                <a:latin typeface="Courier New" panose="02070309020205020404" pitchFamily="49" charset="0"/>
-                <a:cs typeface="Courier New" panose="02070309020205020404" pitchFamily="49" charset="0"/>
-              </a:rPr>
-              <a:t>        for(</a:t>
-            </a:r>
-            <a:r>
-              <a:rPr lang="en-US" dirty="0" err="1">
-                <a:latin typeface="Courier New" panose="02070309020205020404" pitchFamily="49" charset="0"/>
-                <a:cs typeface="Courier New" panose="02070309020205020404" pitchFamily="49" charset="0"/>
-              </a:rPr>
-              <a:t>i</a:t>
-            </a:r>
-            <a:r>
-              <a:rPr lang="en-US" dirty="0">
-                <a:latin typeface="Courier New" panose="02070309020205020404" pitchFamily="49" charset="0"/>
-                <a:cs typeface="Courier New" panose="02070309020205020404" pitchFamily="49" charset="0"/>
-              </a:rPr>
-              <a:t>=0; </a:t>
-            </a:r>
-            <a:r>
-              <a:rPr lang="en-US" dirty="0" err="1">
-                <a:latin typeface="Courier New" panose="02070309020205020404" pitchFamily="49" charset="0"/>
-                <a:cs typeface="Courier New" panose="02070309020205020404" pitchFamily="49" charset="0"/>
-              </a:rPr>
-              <a:t>i</a:t>
-            </a:r>
-            <a:r>
-              <a:rPr lang="en-US" dirty="0">
-                <a:latin typeface="Courier New" panose="02070309020205020404" pitchFamily="49" charset="0"/>
-                <a:cs typeface="Courier New" panose="02070309020205020404" pitchFamily="49" charset="0"/>
-              </a:rPr>
-              <a:t>&lt;</a:t>
-            </a:r>
-            <a:r>
-              <a:rPr lang="en-US" dirty="0" err="1">
-                <a:latin typeface="Courier New" panose="02070309020205020404" pitchFamily="49" charset="0"/>
-                <a:cs typeface="Courier New" panose="02070309020205020404" pitchFamily="49" charset="0"/>
-              </a:rPr>
-              <a:t>strlen</a:t>
-            </a:r>
-            <a:r>
-              <a:rPr lang="en-US" dirty="0">
-                <a:latin typeface="Courier New" panose="02070309020205020404" pitchFamily="49" charset="0"/>
-                <a:cs typeface="Courier New" panose="02070309020205020404" pitchFamily="49" charset="0"/>
-              </a:rPr>
-              <a:t>(line); </a:t>
-            </a:r>
-            <a:r>
-              <a:rPr lang="en-US" dirty="0" err="1">
-                <a:latin typeface="Courier New" panose="02070309020205020404" pitchFamily="49" charset="0"/>
-                <a:cs typeface="Courier New" panose="02070309020205020404" pitchFamily="49" charset="0"/>
-              </a:rPr>
-              <a:t>i</a:t>
-            </a:r>
-            <a:r>
-              <a:rPr lang="en-US" dirty="0">
-                <a:latin typeface="Courier New" panose="02070309020205020404" pitchFamily="49" charset="0"/>
-                <a:cs typeface="Courier New" panose="02070309020205020404" pitchFamily="49" charset="0"/>
-              </a:rPr>
-              <a:t>++) </a:t>
-            </a:r>
-          </a:p>
-          <a:p>
-            <a:r>
-              <a:rPr lang="en-US" dirty="0">
+              <a:rPr lang="en-US" sz="1600" dirty="0">
+                <a:latin typeface="Courier New" panose="02070309020205020404" pitchFamily="49" charset="0"/>
+                <a:cs typeface="Courier New" panose="02070309020205020404" pitchFamily="49" charset="0"/>
+              </a:rPr>
+              <a:t>    int guess;</a:t>
+            </a:r>
+          </a:p>
+          <a:p>
+            <a:r>
+              <a:rPr lang="en-US" sz="1600" dirty="0">
+                <a:latin typeface="Courier New" panose="02070309020205020404" pitchFamily="49" charset="0"/>
+                <a:cs typeface="Courier New" panose="02070309020205020404" pitchFamily="49" charset="0"/>
+              </a:rPr>
+              <a:t>    while(</a:t>
+            </a:r>
+            <a:r>
+              <a:rPr lang="en-US" sz="1600" dirty="0" err="1">
+                <a:latin typeface="Courier New" panose="02070309020205020404" pitchFamily="49" charset="0"/>
+                <a:cs typeface="Courier New" panose="02070309020205020404" pitchFamily="49" charset="0"/>
+              </a:rPr>
+              <a:t>scanf</a:t>
+            </a:r>
+            <a:r>
+              <a:rPr lang="en-US" sz="1600" dirty="0">
+                <a:latin typeface="Courier New" panose="02070309020205020404" pitchFamily="49" charset="0"/>
+                <a:cs typeface="Courier New" panose="02070309020205020404" pitchFamily="49" charset="0"/>
+              </a:rPr>
+              <a:t>("%</a:t>
+            </a:r>
+            <a:r>
+              <a:rPr lang="en-US" sz="1600" dirty="0" err="1">
+                <a:latin typeface="Courier New" panose="02070309020205020404" pitchFamily="49" charset="0"/>
+                <a:cs typeface="Courier New" panose="02070309020205020404" pitchFamily="49" charset="0"/>
+              </a:rPr>
+              <a:t>d",&amp;guess</a:t>
+            </a:r>
+            <a:r>
+              <a:rPr lang="en-US" sz="1600" dirty="0">
+                <a:latin typeface="Courier New" panose="02070309020205020404" pitchFamily="49" charset="0"/>
+                <a:cs typeface="Courier New" panose="02070309020205020404" pitchFamily="49" charset="0"/>
+              </a:rPr>
+              <a:t>) != EOF ) {</a:t>
+            </a:r>
+          </a:p>
+          <a:p>
+            <a:r>
+              <a:rPr lang="en-US" sz="1600" dirty="0">
+                <a:latin typeface="Courier New" panose="02070309020205020404" pitchFamily="49" charset="0"/>
+                <a:cs typeface="Courier New" panose="02070309020205020404" pitchFamily="49" charset="0"/>
+              </a:rPr>
+              <a:t>        if ( guess == 42 ) {</a:t>
+            </a:r>
+          </a:p>
+          <a:p>
+            <a:r>
+              <a:rPr lang="en-US" sz="1600" dirty="0">
                 <a:latin typeface="Courier New" panose="02070309020205020404" pitchFamily="49" charset="0"/>
                 <a:cs typeface="Courier New" panose="02070309020205020404" pitchFamily="49" charset="0"/>
               </a:rPr>
               <a:t>            </a:t>
             </a:r>
             <a:r>
-              <a:rPr lang="en-US" dirty="0" err="1">
-                <a:latin typeface="Courier New" panose="02070309020205020404" pitchFamily="49" charset="0"/>
-                <a:cs typeface="Courier New" panose="02070309020205020404" pitchFamily="49" charset="0"/>
-              </a:rPr>
-              <a:t>putchar</a:t>
-            </a:r>
-            <a:r>
-              <a:rPr lang="en-US" dirty="0">
-                <a:latin typeface="Courier New" panose="02070309020205020404" pitchFamily="49" charset="0"/>
-                <a:cs typeface="Courier New" panose="02070309020205020404" pitchFamily="49" charset="0"/>
-              </a:rPr>
-              <a:t>(</a:t>
-            </a:r>
-            <a:r>
-              <a:rPr lang="en-US" dirty="0" err="1">
-                <a:latin typeface="Courier New" panose="02070309020205020404" pitchFamily="49" charset="0"/>
-                <a:cs typeface="Courier New" panose="02070309020205020404" pitchFamily="49" charset="0"/>
-              </a:rPr>
-              <a:t>toupper</a:t>
-            </a:r>
-            <a:r>
-              <a:rPr lang="en-US" dirty="0">
-                <a:latin typeface="Courier New" panose="02070309020205020404" pitchFamily="49" charset="0"/>
-                <a:cs typeface="Courier New" panose="02070309020205020404" pitchFamily="49" charset="0"/>
-              </a:rPr>
-              <a:t>(line[</a:t>
-            </a:r>
-            <a:r>
-              <a:rPr lang="en-US" dirty="0" err="1">
-                <a:latin typeface="Courier New" panose="02070309020205020404" pitchFamily="49" charset="0"/>
-                <a:cs typeface="Courier New" panose="02070309020205020404" pitchFamily="49" charset="0"/>
-              </a:rPr>
-              <a:t>i</a:t>
-            </a:r>
-            <a:r>
-              <a:rPr lang="en-US" dirty="0">
-                <a:latin typeface="Courier New" panose="02070309020205020404" pitchFamily="49" charset="0"/>
-                <a:cs typeface="Courier New" panose="02070309020205020404" pitchFamily="49" charset="0"/>
-              </a:rPr>
-              <a:t>]));</a:t>
-            </a:r>
-          </a:p>
-          <a:p>
-            <a:r>
-              <a:rPr lang="en-US" dirty="0">
-                <a:latin typeface="Courier New" panose="02070309020205020404" pitchFamily="49" charset="0"/>
-                <a:cs typeface="Courier New" panose="02070309020205020404" pitchFamily="49" charset="0"/>
-              </a:rPr>
-              <a:t>}</a:t>
+              <a:rPr lang="en-US" sz="1600" dirty="0" err="1">
+                <a:latin typeface="Courier New" panose="02070309020205020404" pitchFamily="49" charset="0"/>
+                <a:cs typeface="Courier New" panose="02070309020205020404" pitchFamily="49" charset="0"/>
+              </a:rPr>
+              <a:t>printf</a:t>
+            </a:r>
+            <a:r>
+              <a:rPr lang="en-US" sz="1600" dirty="0">
+                <a:latin typeface="Courier New" panose="02070309020205020404" pitchFamily="49" charset="0"/>
+                <a:cs typeface="Courier New" panose="02070309020205020404" pitchFamily="49" charset="0"/>
+              </a:rPr>
+              <a:t>("Nice work!\n");</a:t>
+            </a:r>
+          </a:p>
+          <a:p>
+            <a:r>
+              <a:rPr lang="en-US" sz="1600" dirty="0">
+                <a:latin typeface="Courier New" panose="02070309020205020404" pitchFamily="49" charset="0"/>
+                <a:cs typeface="Courier New" panose="02070309020205020404" pitchFamily="49" charset="0"/>
+              </a:rPr>
+              <a:t>            break;</a:t>
+            </a:r>
+          </a:p>
+          <a:p>
+            <a:r>
+              <a:rPr lang="en-US" sz="1600" dirty="0">
+                <a:latin typeface="Courier New" panose="02070309020205020404" pitchFamily="49" charset="0"/>
+                <a:cs typeface="Courier New" panose="02070309020205020404" pitchFamily="49" charset="0"/>
+              </a:rPr>
+              <a:t>        }</a:t>
+            </a:r>
+          </a:p>
+          <a:p>
+            <a:r>
+              <a:rPr lang="en-US" sz="1600" dirty="0">
+                <a:latin typeface="Courier New" panose="02070309020205020404" pitchFamily="49" charset="0"/>
+                <a:cs typeface="Courier New" panose="02070309020205020404" pitchFamily="49" charset="0"/>
+              </a:rPr>
+              <a:t>        else if ( guess &lt; 42 ) </a:t>
+            </a:r>
+          </a:p>
+          <a:p>
+            <a:r>
+              <a:rPr lang="en-US" sz="1600" dirty="0">
+                <a:latin typeface="Courier New" panose="02070309020205020404" pitchFamily="49" charset="0"/>
+                <a:cs typeface="Courier New" panose="02070309020205020404" pitchFamily="49" charset="0"/>
+              </a:rPr>
+              <a:t>            </a:t>
+            </a:r>
+            <a:r>
+              <a:rPr lang="en-US" sz="1600" dirty="0" err="1">
+                <a:latin typeface="Courier New" panose="02070309020205020404" pitchFamily="49" charset="0"/>
+                <a:cs typeface="Courier New" panose="02070309020205020404" pitchFamily="49" charset="0"/>
+              </a:rPr>
+              <a:t>printf</a:t>
+            </a:r>
+            <a:r>
+              <a:rPr lang="en-US" sz="1600" dirty="0">
+                <a:latin typeface="Courier New" panose="02070309020205020404" pitchFamily="49" charset="0"/>
+                <a:cs typeface="Courier New" panose="02070309020205020404" pitchFamily="49" charset="0"/>
+              </a:rPr>
+              <a:t>("Too low - guess again\n");</a:t>
+            </a:r>
+          </a:p>
+          <a:p>
+            <a:r>
+              <a:rPr lang="en-US" sz="1600" dirty="0">
+                <a:latin typeface="Courier New" panose="02070309020205020404" pitchFamily="49" charset="0"/>
+                <a:cs typeface="Courier New" panose="02070309020205020404" pitchFamily="49" charset="0"/>
+              </a:rPr>
+              <a:t>        else</a:t>
+            </a:r>
+          </a:p>
+          <a:p>
+            <a:r>
+              <a:rPr lang="en-US" sz="1600" dirty="0">
+                <a:latin typeface="Courier New" panose="02070309020205020404" pitchFamily="49" charset="0"/>
+                <a:cs typeface="Courier New" panose="02070309020205020404" pitchFamily="49" charset="0"/>
+              </a:rPr>
+              <a:t>            </a:t>
+            </a:r>
+            <a:r>
+              <a:rPr lang="en-US" sz="1600" dirty="0" err="1">
+                <a:latin typeface="Courier New" panose="02070309020205020404" pitchFamily="49" charset="0"/>
+                <a:cs typeface="Courier New" panose="02070309020205020404" pitchFamily="49" charset="0"/>
+              </a:rPr>
+              <a:t>printf</a:t>
+            </a:r>
+            <a:r>
+              <a:rPr lang="en-US" sz="1600" dirty="0">
+                <a:latin typeface="Courier New" panose="02070309020205020404" pitchFamily="49" charset="0"/>
+                <a:cs typeface="Courier New" panose="02070309020205020404" pitchFamily="49" charset="0"/>
+              </a:rPr>
+              <a:t>("Too high - guess again\n");</a:t>
+            </a:r>
+          </a:p>
+          <a:p>
+            <a:r>
+              <a:rPr lang="en-US" sz="1600" dirty="0">
+                <a:latin typeface="Courier New" panose="02070309020205020404" pitchFamily="49" charset="0"/>
+                <a:cs typeface="Courier New" panose="02070309020205020404" pitchFamily="49" charset="0"/>
+              </a:rPr>
+              <a:t>    }</a:t>
+            </a:r>
+          </a:p>
+          <a:p>
+            <a:r>
+              <a:rPr lang="en-US" sz="1600" dirty="0">
+                <a:latin typeface="Courier New" panose="02070309020205020404" pitchFamily="49" charset="0"/>
+                <a:cs typeface="Courier New" panose="02070309020205020404" pitchFamily="49" charset="0"/>
+              </a:rPr>
+              <a:t>} </a:t>
             </a:r>
           </a:p>
         </p:txBody>
@@ -8591,8 +8611,8 @@
         </p:nvSpPr>
         <p:spPr>
           <a:xfrm>
-            <a:off x="2432883" y="4783747"/>
-            <a:ext cx="6801862" cy="1200329"/>
+            <a:off x="7648259" y="4501661"/>
+            <a:ext cx="3217547" cy="1754326"/>
           </a:xfrm>
           <a:prstGeom prst="rect">
             <a:avLst/>
@@ -8609,7 +8629,7 @@
               <a:rPr lang="en-US" dirty="0">
                 <a:latin typeface="Monaco" pitchFamily="2" charset="77"/>
               </a:rPr>
-              <a:t>BUT SOFT WHAT LIGHT THROUGH YONDER WINDOW BREAKS</a:t>
+              <a:t>5</a:t>
             </a:r>
           </a:p>
           <a:p>
@@ -8617,7 +8637,7 @@
               <a:rPr lang="en-US" dirty="0">
                 <a:latin typeface="Monaco" pitchFamily="2" charset="77"/>
               </a:rPr>
-              <a:t>IT IS THE EAST AND JULIET IS THE SUN</a:t>
+              <a:t>Too low - guess again</a:t>
             </a:r>
           </a:p>
           <a:p>
@@ -8625,7 +8645,7 @@
               <a:rPr lang="en-US" dirty="0">
                 <a:latin typeface="Monaco" pitchFamily="2" charset="77"/>
               </a:rPr>
-              <a:t>ARISE FAIR SUN AND KILL THE ENVIOUS MOON</a:t>
+              <a:t>50</a:t>
             </a:r>
           </a:p>
           <a:p>
@@ -8633,17 +8653,33 @@
               <a:rPr lang="en-US" dirty="0">
                 <a:latin typeface="Monaco" pitchFamily="2" charset="77"/>
               </a:rPr>
-              <a:t>WHO IS ALREADY SICK AND PALE WITH GRIEF</a:t>
+              <a:t>Too high - guess again</a:t>
+            </a:r>
+          </a:p>
+          <a:p>
+            <a:r>
+              <a:rPr lang="en-US" dirty="0">
+                <a:latin typeface="Monaco" pitchFamily="2" charset="77"/>
+              </a:rPr>
+              <a:t>42</a:t>
+            </a:r>
+          </a:p>
+          <a:p>
+            <a:r>
+              <a:rPr lang="en-US" dirty="0">
+                <a:latin typeface="Monaco" pitchFamily="2" charset="77"/>
+              </a:rPr>
+              <a:t>Nice work!</a:t>
             </a:r>
           </a:p>
         </p:txBody>
       </p:sp>
       <p:sp>
         <p:nvSpPr>
-          <p:cNvPr id="9" name="TextBox 8">
+          <p:cNvPr id="8" name="TextBox 7">
             <a:extLst>
               <a:ext uri="{FF2B5EF4-FFF2-40B4-BE49-F238E27FC236}">
-                <a16:creationId xmlns:a16="http://schemas.microsoft.com/office/drawing/2014/main" id="{C880686D-54E3-5C35-770B-778EBE0D0537}"/>
+                <a16:creationId xmlns:a16="http://schemas.microsoft.com/office/drawing/2014/main" id="{D56035B7-27F7-E969-9952-F807B645317D}"/>
               </a:ext>
             </a:extLst>
           </p:cNvPr>
@@ -8652,8 +8688,8 @@
         </p:nvSpPr>
         <p:spPr>
           <a:xfrm>
-            <a:off x="10460182" y="6323598"/>
-            <a:ext cx="1600199" cy="338554"/>
+            <a:off x="10647218" y="6323598"/>
+            <a:ext cx="1413163" cy="338554"/>
           </a:xfrm>
           <a:prstGeom prst="rect">
             <a:avLst/>
@@ -8682,7 +8718,7 @@
     </p:spTree>
     <p:extLst>
       <p:ext uri="{BB962C8B-B14F-4D97-AF65-F5344CB8AC3E}">
-        <p14:creationId xmlns:p14="http://schemas.microsoft.com/office/powerpoint/2010/main" val="1459537303"/>
+        <p14:creationId xmlns:p14="http://schemas.microsoft.com/office/powerpoint/2010/main" val="3765195409"/>
       </p:ext>
     </p:extLst>
   </p:cSld>
@@ -11139,7 +11175,7 @@
           <a:p>
             <a:r>
               <a:rPr lang="en-US" dirty="0"/>
-              <a:t>Concatenation</a:t>
+              <a:t>Shouting</a:t>
             </a:r>
           </a:p>
         </p:txBody>
@@ -11158,8 +11194,8 @@
         </p:nvSpPr>
         <p:spPr>
           <a:xfrm>
-            <a:off x="838200" y="2577706"/>
-            <a:ext cx="4182555" cy="1200329"/>
+            <a:off x="954156" y="2172500"/>
+            <a:ext cx="4458272" cy="923330"/>
           </a:xfrm>
           <a:prstGeom prst="rect">
             <a:avLst/>
@@ -11177,34 +11213,53 @@
                 <a:latin typeface="Courier New" panose="02070309020205020404" pitchFamily="49" charset="0"/>
                 <a:cs typeface="Courier New" panose="02070309020205020404" pitchFamily="49" charset="0"/>
               </a:rPr>
-              <a:t>print('Enter two strings');</a:t>
-            </a:r>
-          </a:p>
-          <a:p>
-            <a:r>
-              <a:rPr lang="en-US" dirty="0">
-                <a:latin typeface="Courier New" panose="02070309020205020404" pitchFamily="49" charset="0"/>
-                <a:cs typeface="Courier New" panose="02070309020205020404" pitchFamily="49" charset="0"/>
-              </a:rPr>
-              <a:t>first = input()</a:t>
-            </a:r>
-          </a:p>
-          <a:p>
-            <a:r>
-              <a:rPr lang="en-US" dirty="0">
-                <a:latin typeface="Courier New" panose="02070309020205020404" pitchFamily="49" charset="0"/>
-                <a:cs typeface="Courier New" panose="02070309020205020404" pitchFamily="49" charset="0"/>
-              </a:rPr>
-              <a:t>second = input()</a:t>
-            </a:r>
-          </a:p>
-          <a:p>
-            <a:r>
-              <a:rPr lang="en-US" dirty="0">
-                <a:latin typeface="Courier New" panose="02070309020205020404" pitchFamily="49" charset="0"/>
-                <a:cs typeface="Courier New" panose="02070309020205020404" pitchFamily="49" charset="0"/>
-              </a:rPr>
-              <a:t>print(first + " &amp; " + second)</a:t>
+              <a:t>hand = open('</a:t>
+            </a:r>
+            <a:r>
+              <a:rPr lang="en-US" dirty="0" err="1">
+                <a:latin typeface="Courier New" panose="02070309020205020404" pitchFamily="49" charset="0"/>
+                <a:cs typeface="Courier New" panose="02070309020205020404" pitchFamily="49" charset="0"/>
+              </a:rPr>
+              <a:t>romeo.txt</a:t>
+            </a:r>
+            <a:r>
+              <a:rPr lang="en-US" dirty="0">
+                <a:latin typeface="Courier New" panose="02070309020205020404" pitchFamily="49" charset="0"/>
+                <a:cs typeface="Courier New" panose="02070309020205020404" pitchFamily="49" charset="0"/>
+              </a:rPr>
+              <a:t>')</a:t>
+            </a:r>
+          </a:p>
+          <a:p>
+            <a:r>
+              <a:rPr lang="en-US" dirty="0">
+                <a:latin typeface="Courier New" panose="02070309020205020404" pitchFamily="49" charset="0"/>
+                <a:cs typeface="Courier New" panose="02070309020205020404" pitchFamily="49" charset="0"/>
+              </a:rPr>
+              <a:t>for line in hand:</a:t>
+            </a:r>
+          </a:p>
+          <a:p>
+            <a:r>
+              <a:rPr lang="en-US" dirty="0">
+                <a:latin typeface="Courier New" panose="02070309020205020404" pitchFamily="49" charset="0"/>
+                <a:cs typeface="Courier New" panose="02070309020205020404" pitchFamily="49" charset="0"/>
+              </a:rPr>
+              <a:t>    print(</a:t>
+            </a:r>
+            <a:r>
+              <a:rPr lang="en-US" dirty="0" err="1">
+                <a:latin typeface="Courier New" panose="02070309020205020404" pitchFamily="49" charset="0"/>
+                <a:cs typeface="Courier New" panose="02070309020205020404" pitchFamily="49" charset="0"/>
+              </a:rPr>
+              <a:t>line.strip</a:t>
+            </a:r>
+            <a:r>
+              <a:rPr lang="en-US" dirty="0">
+                <a:latin typeface="Courier New" panose="02070309020205020404" pitchFamily="49" charset="0"/>
+                <a:cs typeface="Courier New" panose="02070309020205020404" pitchFamily="49" charset="0"/>
+              </a:rPr>
+              <a:t>().upper())</a:t>
             </a:r>
           </a:p>
         </p:txBody>
@@ -11223,8 +11278,8 @@
         </p:nvSpPr>
         <p:spPr>
           <a:xfrm>
-            <a:off x="5665854" y="1367427"/>
-            <a:ext cx="6526146" cy="3416320"/>
+            <a:off x="5833814" y="1027906"/>
+            <a:ext cx="6250429" cy="3416320"/>
           </a:xfrm>
           <a:prstGeom prst="rect">
             <a:avLst/>
@@ -11288,6 +11343,29 @@
                 <a:latin typeface="Courier New" panose="02070309020205020404" pitchFamily="49" charset="0"/>
                 <a:cs typeface="Courier New" panose="02070309020205020404" pitchFamily="49" charset="0"/>
               </a:rPr>
+              <a:t>#include &lt;</a:t>
+            </a:r>
+            <a:r>
+              <a:rPr lang="en-US" dirty="0" err="1">
+                <a:latin typeface="Courier New" panose="02070309020205020404" pitchFamily="49" charset="0"/>
+                <a:cs typeface="Courier New" panose="02070309020205020404" pitchFamily="49" charset="0"/>
+              </a:rPr>
+              <a:t>ctype.h</a:t>
+            </a:r>
+            <a:r>
+              <a:rPr lang="en-US" dirty="0">
+                <a:latin typeface="Courier New" panose="02070309020205020404" pitchFamily="49" charset="0"/>
+                <a:cs typeface="Courier New" panose="02070309020205020404" pitchFamily="49" charset="0"/>
+              </a:rPr>
+              <a:t>&gt;</a:t>
+            </a:r>
+          </a:p>
+          <a:p>
+            <a:r>
+              <a:rPr lang="en-US" dirty="0">
+                <a:latin typeface="Courier New" panose="02070309020205020404" pitchFamily="49" charset="0"/>
+                <a:cs typeface="Courier New" panose="02070309020205020404" pitchFamily="49" charset="0"/>
+              </a:rPr>
               <a:t>int main() {</a:t>
             </a:r>
           </a:p>
@@ -11297,106 +11375,180 @@
                 <a:latin typeface="Courier New" panose="02070309020205020404" pitchFamily="49" charset="0"/>
                 <a:cs typeface="Courier New" panose="02070309020205020404" pitchFamily="49" charset="0"/>
               </a:rPr>
-              <a:t>    char first[100], second[100], </a:t>
+              <a:t>    char line[1000];</a:t>
+            </a:r>
+          </a:p>
+          <a:p>
+            <a:r>
+              <a:rPr lang="en-US" dirty="0">
+                <a:latin typeface="Courier New" panose="02070309020205020404" pitchFamily="49" charset="0"/>
+                <a:cs typeface="Courier New" panose="02070309020205020404" pitchFamily="49" charset="0"/>
+              </a:rPr>
+              <a:t>    FILE *hand;</a:t>
+            </a:r>
+          </a:p>
+          <a:p>
+            <a:r>
+              <a:rPr lang="en-US" dirty="0">
+                <a:latin typeface="Courier New" panose="02070309020205020404" pitchFamily="49" charset="0"/>
+                <a:cs typeface="Courier New" panose="02070309020205020404" pitchFamily="49" charset="0"/>
+              </a:rPr>
+              <a:t>    int </a:t>
             </a:r>
             <a:r>
               <a:rPr lang="en-US" dirty="0" err="1">
                 <a:latin typeface="Courier New" panose="02070309020205020404" pitchFamily="49" charset="0"/>
                 <a:cs typeface="Courier New" panose="02070309020205020404" pitchFamily="49" charset="0"/>
               </a:rPr>
-              <a:t>concat</a:t>
-            </a:r>
-            <a:r>
-              <a:rPr lang="en-US" dirty="0">
-                <a:latin typeface="Courier New" panose="02070309020205020404" pitchFamily="49" charset="0"/>
-                <a:cs typeface="Courier New" panose="02070309020205020404" pitchFamily="49" charset="0"/>
-              </a:rPr>
-              <a:t>[303];</a:t>
-            </a:r>
-          </a:p>
-          <a:p>
-            <a:r>
-              <a:rPr lang="en-US" dirty="0">
-                <a:latin typeface="Courier New" panose="02070309020205020404" pitchFamily="49" charset="0"/>
-                <a:cs typeface="Courier New" panose="02070309020205020404" pitchFamily="49" charset="0"/>
-              </a:rPr>
-              <a:t>    </a:t>
+              <a:t>i</a:t>
+            </a:r>
+            <a:r>
+              <a:rPr lang="en-US" dirty="0">
+                <a:latin typeface="Courier New" panose="02070309020205020404" pitchFamily="49" charset="0"/>
+                <a:cs typeface="Courier New" panose="02070309020205020404" pitchFamily="49" charset="0"/>
+              </a:rPr>
+              <a:t>; </a:t>
+            </a:r>
+          </a:p>
+          <a:p>
+            <a:r>
+              <a:rPr lang="en-US" dirty="0">
+                <a:latin typeface="Courier New" panose="02070309020205020404" pitchFamily="49" charset="0"/>
+                <a:cs typeface="Courier New" panose="02070309020205020404" pitchFamily="49" charset="0"/>
+              </a:rPr>
+              <a:t>    hand = </a:t>
             </a:r>
             <a:r>
               <a:rPr lang="en-US" dirty="0" err="1">
                 <a:latin typeface="Courier New" panose="02070309020205020404" pitchFamily="49" charset="0"/>
                 <a:cs typeface="Courier New" panose="02070309020205020404" pitchFamily="49" charset="0"/>
               </a:rPr>
-              <a:t>printf</a:t>
-            </a:r>
-            <a:r>
-              <a:rPr lang="en-US" dirty="0">
-                <a:latin typeface="Courier New" panose="02070309020205020404" pitchFamily="49" charset="0"/>
-                <a:cs typeface="Courier New" panose="02070309020205020404" pitchFamily="49" charset="0"/>
-              </a:rPr>
-              <a:t>("Enter two strings\n");</a:t>
-            </a:r>
-          </a:p>
-          <a:p>
-            <a:r>
-              <a:rPr lang="en-US" dirty="0">
-                <a:latin typeface="Courier New" panose="02070309020205020404" pitchFamily="49" charset="0"/>
-                <a:cs typeface="Courier New" panose="02070309020205020404" pitchFamily="49" charset="0"/>
-              </a:rPr>
-              <a:t>    </a:t>
+              <a:t>fopen</a:t>
+            </a:r>
+            <a:r>
+              <a:rPr lang="en-US" dirty="0">
+                <a:latin typeface="Courier New" panose="02070309020205020404" pitchFamily="49" charset="0"/>
+                <a:cs typeface="Courier New" panose="02070309020205020404" pitchFamily="49" charset="0"/>
+              </a:rPr>
+              <a:t>("</a:t>
             </a:r>
             <a:r>
               <a:rPr lang="en-US" dirty="0" err="1">
                 <a:latin typeface="Courier New" panose="02070309020205020404" pitchFamily="49" charset="0"/>
                 <a:cs typeface="Courier New" panose="02070309020205020404" pitchFamily="49" charset="0"/>
               </a:rPr>
-              <a:t>scanf</a:t>
-            </a:r>
-            <a:r>
-              <a:rPr lang="en-US" dirty="0">
-                <a:latin typeface="Courier New" panose="02070309020205020404" pitchFamily="49" charset="0"/>
-                <a:cs typeface="Courier New" panose="02070309020205020404" pitchFamily="49" charset="0"/>
-              </a:rPr>
-              <a:t>("%100s", first);</a:t>
-            </a:r>
-          </a:p>
-          <a:p>
-            <a:r>
-              <a:rPr lang="en-US" dirty="0">
-                <a:latin typeface="Courier New" panose="02070309020205020404" pitchFamily="49" charset="0"/>
-                <a:cs typeface="Courier New" panose="02070309020205020404" pitchFamily="49" charset="0"/>
-              </a:rPr>
-              <a:t>    </a:t>
+              <a:t>romeo.txt</a:t>
+            </a:r>
+            <a:r>
+              <a:rPr lang="en-US" dirty="0">
+                <a:latin typeface="Courier New" panose="02070309020205020404" pitchFamily="49" charset="0"/>
+                <a:cs typeface="Courier New" panose="02070309020205020404" pitchFamily="49" charset="0"/>
+              </a:rPr>
+              <a:t>", "r");</a:t>
+            </a:r>
+          </a:p>
+          <a:p>
+            <a:r>
+              <a:rPr lang="en-US" dirty="0">
+                <a:latin typeface="Courier New" panose="02070309020205020404" pitchFamily="49" charset="0"/>
+                <a:cs typeface="Courier New" panose="02070309020205020404" pitchFamily="49" charset="0"/>
+              </a:rPr>
+              <a:t>    while( </a:t>
             </a:r>
             <a:r>
               <a:rPr lang="en-US" dirty="0" err="1">
                 <a:latin typeface="Courier New" panose="02070309020205020404" pitchFamily="49" charset="0"/>
                 <a:cs typeface="Courier New" panose="02070309020205020404" pitchFamily="49" charset="0"/>
               </a:rPr>
-              <a:t>scanf</a:t>
-            </a:r>
-            <a:r>
-              <a:rPr lang="en-US" dirty="0">
-                <a:latin typeface="Courier New" panose="02070309020205020404" pitchFamily="49" charset="0"/>
-                <a:cs typeface="Courier New" panose="02070309020205020404" pitchFamily="49" charset="0"/>
-              </a:rPr>
-              <a:t>("%100s", second);</a:t>
-            </a:r>
-          </a:p>
-          <a:p>
-            <a:r>
-              <a:rPr lang="en-US" dirty="0">
-                <a:latin typeface="Courier New" panose="02070309020205020404" pitchFamily="49" charset="0"/>
-                <a:cs typeface="Courier New" panose="02070309020205020404" pitchFamily="49" charset="0"/>
-              </a:rPr>
-              <a:t>    </a:t>
+              <a:t>fgets</a:t>
+            </a:r>
+            <a:r>
+              <a:rPr lang="en-US" dirty="0">
+                <a:latin typeface="Courier New" panose="02070309020205020404" pitchFamily="49" charset="0"/>
+                <a:cs typeface="Courier New" panose="02070309020205020404" pitchFamily="49" charset="0"/>
+              </a:rPr>
+              <a:t>(line, 1000, hand) != NULL )</a:t>
+            </a:r>
+          </a:p>
+          <a:p>
+            <a:r>
+              <a:rPr lang="en-US" dirty="0">
+                <a:latin typeface="Courier New" panose="02070309020205020404" pitchFamily="49" charset="0"/>
+                <a:cs typeface="Courier New" panose="02070309020205020404" pitchFamily="49" charset="0"/>
+              </a:rPr>
+              <a:t>        for(</a:t>
             </a:r>
             <a:r>
               <a:rPr lang="en-US" dirty="0" err="1">
                 <a:latin typeface="Courier New" panose="02070309020205020404" pitchFamily="49" charset="0"/>
                 <a:cs typeface="Courier New" panose="02070309020205020404" pitchFamily="49" charset="0"/>
               </a:rPr>
-              <a:t>strcpy</a:t>
+              <a:t>i</a:t>
+            </a:r>
+            <a:r>
+              <a:rPr lang="en-US" dirty="0">
+                <a:latin typeface="Courier New" panose="02070309020205020404" pitchFamily="49" charset="0"/>
+                <a:cs typeface="Courier New" panose="02070309020205020404" pitchFamily="49" charset="0"/>
+              </a:rPr>
+              <a:t>=0; </a:t>
+            </a:r>
+            <a:r>
+              <a:rPr lang="en-US" dirty="0" err="1">
+                <a:latin typeface="Courier New" panose="02070309020205020404" pitchFamily="49" charset="0"/>
+                <a:cs typeface="Courier New" panose="02070309020205020404" pitchFamily="49" charset="0"/>
+              </a:rPr>
+              <a:t>i</a:t>
+            </a:r>
+            <a:r>
+              <a:rPr lang="en-US" dirty="0">
+                <a:latin typeface="Courier New" panose="02070309020205020404" pitchFamily="49" charset="0"/>
+                <a:cs typeface="Courier New" panose="02070309020205020404" pitchFamily="49" charset="0"/>
+              </a:rPr>
+              <a:t>&lt;</a:t>
+            </a:r>
+            <a:r>
+              <a:rPr lang="en-US" dirty="0" err="1">
+                <a:latin typeface="Courier New" panose="02070309020205020404" pitchFamily="49" charset="0"/>
+                <a:cs typeface="Courier New" panose="02070309020205020404" pitchFamily="49" charset="0"/>
+              </a:rPr>
+              <a:t>strlen</a:t>
+            </a:r>
+            <a:r>
+              <a:rPr lang="en-US" dirty="0">
+                <a:latin typeface="Courier New" panose="02070309020205020404" pitchFamily="49" charset="0"/>
+                <a:cs typeface="Courier New" panose="02070309020205020404" pitchFamily="49" charset="0"/>
+              </a:rPr>
+              <a:t>(line); </a:t>
+            </a:r>
+            <a:r>
+              <a:rPr lang="en-US" dirty="0" err="1">
+                <a:latin typeface="Courier New" panose="02070309020205020404" pitchFamily="49" charset="0"/>
+                <a:cs typeface="Courier New" panose="02070309020205020404" pitchFamily="49" charset="0"/>
+              </a:rPr>
+              <a:t>i</a:t>
+            </a:r>
+            <a:r>
+              <a:rPr lang="en-US" dirty="0">
+                <a:latin typeface="Courier New" panose="02070309020205020404" pitchFamily="49" charset="0"/>
+                <a:cs typeface="Courier New" panose="02070309020205020404" pitchFamily="49" charset="0"/>
+              </a:rPr>
+              <a:t>++) </a:t>
+            </a:r>
+          </a:p>
+          <a:p>
+            <a:r>
+              <a:rPr lang="en-US" dirty="0">
+                <a:latin typeface="Courier New" panose="02070309020205020404" pitchFamily="49" charset="0"/>
+                <a:cs typeface="Courier New" panose="02070309020205020404" pitchFamily="49" charset="0"/>
+              </a:rPr>
+              <a:t>            </a:t>
+            </a:r>
+            <a:r>
+              <a:rPr lang="en-US" dirty="0" err="1">
+                <a:latin typeface="Courier New" panose="02070309020205020404" pitchFamily="49" charset="0"/>
+                <a:cs typeface="Courier New" panose="02070309020205020404" pitchFamily="49" charset="0"/>
+              </a:rPr>
+              <a:t>putchar</a:t>
             </a:r>
             <a:r>
               <a:rPr lang="en-US" dirty="0">
@@ -11410,125 +11562,28 @@
                 <a:latin typeface="Courier New" panose="02070309020205020404" pitchFamily="49" charset="0"/>
                 <a:cs typeface="Courier New" panose="02070309020205020404" pitchFamily="49" charset="0"/>
               </a:rPr>
-              <a:t>concat</a:t>
-            </a:r>
-            <a:r>
-              <a:rPr lang="en-US" dirty="0">
-                <a:latin typeface="Courier New" panose="02070309020205020404" pitchFamily="49" charset="0"/>
-                <a:cs typeface="Courier New" panose="02070309020205020404" pitchFamily="49" charset="0"/>
-              </a:rPr>
-              <a:t>, first);</a:t>
-            </a:r>
-          </a:p>
-          <a:p>
-            <a:r>
-              <a:rPr lang="en-US" dirty="0">
-                <a:latin typeface="Courier New" panose="02070309020205020404" pitchFamily="49" charset="0"/>
-                <a:cs typeface="Courier New" panose="02070309020205020404" pitchFamily="49" charset="0"/>
-              </a:rPr>
-              <a:t>    </a:t>
+              <a:t>toupper</a:t>
+            </a:r>
+            <a:r>
+              <a:rPr lang="en-US" dirty="0">
+                <a:latin typeface="Courier New" panose="02070309020205020404" pitchFamily="49" charset="0"/>
+                <a:cs typeface="Courier New" panose="02070309020205020404" pitchFamily="49" charset="0"/>
+              </a:rPr>
+              <a:t>(line[</a:t>
             </a:r>
             <a:r>
               <a:rPr lang="en-US" dirty="0" err="1">
                 <a:latin typeface="Courier New" panose="02070309020205020404" pitchFamily="49" charset="0"/>
                 <a:cs typeface="Courier New" panose="02070309020205020404" pitchFamily="49" charset="0"/>
               </a:rPr>
-              <a:t>strcat</a:t>
-            </a:r>
-            <a:r>
-              <a:rPr lang="en-US" dirty="0">
-                <a:latin typeface="Courier New" panose="02070309020205020404" pitchFamily="49" charset="0"/>
-                <a:cs typeface="Courier New" panose="02070309020205020404" pitchFamily="49" charset="0"/>
-              </a:rPr>
-              <a:t>(</a:t>
-            </a:r>
-            <a:r>
-              <a:rPr lang="en-US" dirty="0" err="1">
-                <a:latin typeface="Courier New" panose="02070309020205020404" pitchFamily="49" charset="0"/>
-                <a:cs typeface="Courier New" panose="02070309020205020404" pitchFamily="49" charset="0"/>
-              </a:rPr>
-              <a:t>concat</a:t>
-            </a:r>
-            <a:r>
-              <a:rPr lang="en-US" dirty="0">
-                <a:latin typeface="Courier New" panose="02070309020205020404" pitchFamily="49" charset="0"/>
-                <a:cs typeface="Courier New" panose="02070309020205020404" pitchFamily="49" charset="0"/>
-              </a:rPr>
-              <a:t>, " &amp; ");</a:t>
-            </a:r>
-          </a:p>
-          <a:p>
-            <a:r>
-              <a:rPr lang="en-US" dirty="0">
-                <a:latin typeface="Courier New" panose="02070309020205020404" pitchFamily="49" charset="0"/>
-                <a:cs typeface="Courier New" panose="02070309020205020404" pitchFamily="49" charset="0"/>
-              </a:rPr>
-              <a:t>    </a:t>
-            </a:r>
-            <a:r>
-              <a:rPr lang="en-US" dirty="0" err="1">
-                <a:latin typeface="Courier New" panose="02070309020205020404" pitchFamily="49" charset="0"/>
-                <a:cs typeface="Courier New" panose="02070309020205020404" pitchFamily="49" charset="0"/>
-              </a:rPr>
-              <a:t>strcat</a:t>
-            </a:r>
-            <a:r>
-              <a:rPr lang="en-US" dirty="0">
-                <a:latin typeface="Courier New" panose="02070309020205020404" pitchFamily="49" charset="0"/>
-                <a:cs typeface="Courier New" panose="02070309020205020404" pitchFamily="49" charset="0"/>
-              </a:rPr>
-              <a:t>(</a:t>
-            </a:r>
-            <a:r>
-              <a:rPr lang="en-US" dirty="0" err="1">
-                <a:latin typeface="Courier New" panose="02070309020205020404" pitchFamily="49" charset="0"/>
-                <a:cs typeface="Courier New" panose="02070309020205020404" pitchFamily="49" charset="0"/>
-              </a:rPr>
-              <a:t>concat</a:t>
-            </a:r>
-            <a:r>
-              <a:rPr lang="en-US" dirty="0">
-                <a:latin typeface="Courier New" panose="02070309020205020404" pitchFamily="49" charset="0"/>
-                <a:cs typeface="Courier New" panose="02070309020205020404" pitchFamily="49" charset="0"/>
-              </a:rPr>
-              <a:t>, second);</a:t>
-            </a:r>
-          </a:p>
-          <a:p>
-            <a:r>
-              <a:rPr lang="en-US" dirty="0">
-                <a:latin typeface="Courier New" panose="02070309020205020404" pitchFamily="49" charset="0"/>
-                <a:cs typeface="Courier New" panose="02070309020205020404" pitchFamily="49" charset="0"/>
-              </a:rPr>
-              <a:t>    </a:t>
-            </a:r>
-            <a:r>
-              <a:rPr lang="en-US" dirty="0" err="1">
-                <a:latin typeface="Courier New" panose="02070309020205020404" pitchFamily="49" charset="0"/>
-                <a:cs typeface="Courier New" panose="02070309020205020404" pitchFamily="49" charset="0"/>
-              </a:rPr>
-              <a:t>printf</a:t>
-            </a:r>
-            <a:r>
-              <a:rPr lang="en-US" dirty="0">
-                <a:latin typeface="Courier New" panose="02070309020205020404" pitchFamily="49" charset="0"/>
-                <a:cs typeface="Courier New" panose="02070309020205020404" pitchFamily="49" charset="0"/>
-              </a:rPr>
-              <a:t>("%s\n", </a:t>
-            </a:r>
-            <a:r>
-              <a:rPr lang="en-US" dirty="0" err="1">
-                <a:latin typeface="Courier New" panose="02070309020205020404" pitchFamily="49" charset="0"/>
-                <a:cs typeface="Courier New" panose="02070309020205020404" pitchFamily="49" charset="0"/>
-              </a:rPr>
-              <a:t>concat</a:t>
-            </a:r>
-            <a:r>
-              <a:rPr lang="en-US" dirty="0">
-                <a:latin typeface="Courier New" panose="02070309020205020404" pitchFamily="49" charset="0"/>
-                <a:cs typeface="Courier New" panose="02070309020205020404" pitchFamily="49" charset="0"/>
-              </a:rPr>
-              <a:t>);</a:t>
+              <a:t>i</a:t>
+            </a:r>
+            <a:r>
+              <a:rPr lang="en-US" dirty="0">
+                <a:latin typeface="Courier New" panose="02070309020205020404" pitchFamily="49" charset="0"/>
+                <a:cs typeface="Courier New" panose="02070309020205020404" pitchFamily="49" charset="0"/>
+              </a:rPr>
+              <a:t>]));</a:t>
             </a:r>
           </a:p>
           <a:p>
@@ -11556,8 +11611,8 @@
         </p:nvSpPr>
         <p:spPr>
           <a:xfrm>
-            <a:off x="1657029" y="4815385"/>
-            <a:ext cx="2803973" cy="1200329"/>
+            <a:off x="2432883" y="4783747"/>
+            <a:ext cx="6801862" cy="1200329"/>
           </a:xfrm>
           <a:prstGeom prst="rect">
             <a:avLst/>
@@ -11574,23 +11629,23 @@
               <a:rPr lang="en-US" dirty="0">
                 <a:latin typeface="Monaco" pitchFamily="2" charset="77"/>
               </a:rPr>
-              <a:t>Enter two strings</a:t>
-            </a:r>
-          </a:p>
-          <a:p>
-            <a:r>
-              <a:rPr lang="en-US" b="1" dirty="0">
+              <a:t>BUT SOFT WHAT LIGHT THROUGH YONDER WINDOW BREAKS</a:t>
+            </a:r>
+          </a:p>
+          <a:p>
+            <a:r>
+              <a:rPr lang="en-US" dirty="0">
                 <a:latin typeface="Monaco" pitchFamily="2" charset="77"/>
               </a:rPr>
-              <a:t>Kernighan</a:t>
-            </a:r>
-          </a:p>
-          <a:p>
-            <a:r>
-              <a:rPr lang="en-US" b="1" dirty="0">
+              <a:t>IT IS THE EAST AND JULIET IS THE SUN</a:t>
+            </a:r>
+          </a:p>
+          <a:p>
+            <a:r>
+              <a:rPr lang="en-US" dirty="0">
                 <a:latin typeface="Monaco" pitchFamily="2" charset="77"/>
               </a:rPr>
-              <a:t>Ritchie</a:t>
+              <a:t>ARISE FAIR SUN AND KILL THE ENVIOUS MOON</a:t>
             </a:r>
           </a:p>
           <a:p>
@@ -11598,17 +11653,17 @@
               <a:rPr lang="en-US" dirty="0">
                 <a:latin typeface="Monaco" pitchFamily="2" charset="77"/>
               </a:rPr>
-              <a:t>Kernighan &amp; Ritchie</a:t>
+              <a:t>WHO IS ALREADY SICK AND PALE WITH GRIEF</a:t>
             </a:r>
           </a:p>
         </p:txBody>
       </p:sp>
       <p:sp>
         <p:nvSpPr>
-          <p:cNvPr id="8" name="TextBox 7">
+          <p:cNvPr id="9" name="TextBox 8">
             <a:extLst>
               <a:ext uri="{FF2B5EF4-FFF2-40B4-BE49-F238E27FC236}">
-                <a16:creationId xmlns:a16="http://schemas.microsoft.com/office/drawing/2014/main" id="{F7AC2D4A-1256-8DC4-CDEF-7E9063C86FCE}"/>
+                <a16:creationId xmlns:a16="http://schemas.microsoft.com/office/drawing/2014/main" id="{C880686D-54E3-5C35-770B-778EBE0D0537}"/>
               </a:ext>
             </a:extLst>
           </p:cNvPr>
@@ -11647,7 +11702,7 @@
     </p:spTree>
     <p:extLst>
       <p:ext uri="{BB962C8B-B14F-4D97-AF65-F5344CB8AC3E}">
-        <p14:creationId xmlns:p14="http://schemas.microsoft.com/office/powerpoint/2010/main" val="340733453"/>
+        <p14:creationId xmlns:p14="http://schemas.microsoft.com/office/powerpoint/2010/main" val="1459537303"/>
       </p:ext>
     </p:extLst>
   </p:cSld>
@@ -11697,7 +11752,7 @@
           <a:p>
             <a:r>
               <a:rPr lang="en-US" dirty="0"/>
-              <a:t>Right Strip</a:t>
+              <a:t>Concatenation</a:t>
             </a:r>
           </a:p>
         </p:txBody>
@@ -11717,7 +11772,7 @@
         <p:spPr>
           <a:xfrm>
             <a:off x="838200" y="2577706"/>
-            <a:ext cx="3906839" cy="646331"/>
+            <a:ext cx="4182555" cy="1200329"/>
           </a:xfrm>
           <a:prstGeom prst="rect">
             <a:avLst/>
@@ -11735,16 +11790,34 @@
                 <a:latin typeface="Courier New" panose="02070309020205020404" pitchFamily="49" charset="0"/>
                 <a:cs typeface="Courier New" panose="02070309020205020404" pitchFamily="49" charset="0"/>
               </a:rPr>
-              <a:t>s1 = "   Hello   World    "</a:t>
-            </a:r>
-          </a:p>
-          <a:p>
-            <a:r>
-              <a:rPr lang="en-US" dirty="0">
-                <a:latin typeface="Courier New" panose="02070309020205020404" pitchFamily="49" charset="0"/>
-                <a:cs typeface="Courier New" panose="02070309020205020404" pitchFamily="49" charset="0"/>
-              </a:rPr>
-              <a:t>print('-'+s1.rstrip()+'-')</a:t>
+              <a:t>print('Enter two strings');</a:t>
+            </a:r>
+          </a:p>
+          <a:p>
+            <a:r>
+              <a:rPr lang="en-US" dirty="0">
+                <a:latin typeface="Courier New" panose="02070309020205020404" pitchFamily="49" charset="0"/>
+                <a:cs typeface="Courier New" panose="02070309020205020404" pitchFamily="49" charset="0"/>
+              </a:rPr>
+              <a:t>first = input()</a:t>
+            </a:r>
+          </a:p>
+          <a:p>
+            <a:r>
+              <a:rPr lang="en-US" dirty="0">
+                <a:latin typeface="Courier New" panose="02070309020205020404" pitchFamily="49" charset="0"/>
+                <a:cs typeface="Courier New" panose="02070309020205020404" pitchFamily="49" charset="0"/>
+              </a:rPr>
+              <a:t>second = input()</a:t>
+            </a:r>
+          </a:p>
+          <a:p>
+            <a:r>
+              <a:rPr lang="en-US" dirty="0">
+                <a:latin typeface="Courier New" panose="02070309020205020404" pitchFamily="49" charset="0"/>
+                <a:cs typeface="Courier New" panose="02070309020205020404" pitchFamily="49" charset="0"/>
+              </a:rPr>
+              <a:t>print(first + " &amp; " + second)</a:t>
             </a:r>
           </a:p>
         </p:txBody>
@@ -11763,8 +11836,8 @@
         </p:nvSpPr>
         <p:spPr>
           <a:xfrm>
-            <a:off x="5951016" y="365125"/>
-            <a:ext cx="6109365" cy="5755422"/>
+            <a:off x="5665854" y="1367427"/>
+            <a:ext cx="6526146" cy="3416320"/>
           </a:xfrm>
           <a:prstGeom prst="rect">
             <a:avLst/>
@@ -11778,21 +11851,21 @@
           <a:lstStyle/>
           <a:p>
             <a:r>
-              <a:rPr lang="en-US" sz="1600" dirty="0">
+              <a:rPr lang="en-US" dirty="0">
                 <a:latin typeface="Courier New" panose="02070309020205020404" pitchFamily="49" charset="0"/>
                 <a:cs typeface="Courier New" panose="02070309020205020404" pitchFamily="49" charset="0"/>
               </a:rPr>
               <a:t>#include &lt;</a:t>
             </a:r>
             <a:r>
-              <a:rPr lang="en-US" sz="1600" dirty="0" err="1">
+              <a:rPr lang="en-US" dirty="0" err="1">
                 <a:latin typeface="Courier New" panose="02070309020205020404" pitchFamily="49" charset="0"/>
                 <a:cs typeface="Courier New" panose="02070309020205020404" pitchFamily="49" charset="0"/>
               </a:rPr>
               <a:t>stdio.h</a:t>
             </a:r>
             <a:r>
-              <a:rPr lang="en-US" sz="1600" dirty="0">
+              <a:rPr lang="en-US" dirty="0">
                 <a:latin typeface="Courier New" panose="02070309020205020404" pitchFamily="49" charset="0"/>
                 <a:cs typeface="Courier New" panose="02070309020205020404" pitchFamily="49" charset="0"/>
               </a:rPr>
@@ -11801,21 +11874,21 @@
           </a:p>
           <a:p>
             <a:r>
-              <a:rPr lang="en-US" sz="1600" dirty="0">
+              <a:rPr lang="en-US" dirty="0">
                 <a:latin typeface="Courier New" panose="02070309020205020404" pitchFamily="49" charset="0"/>
                 <a:cs typeface="Courier New" panose="02070309020205020404" pitchFamily="49" charset="0"/>
               </a:rPr>
               <a:t>#include &lt;</a:t>
             </a:r>
             <a:r>
-              <a:rPr lang="en-US" sz="1600" dirty="0" err="1">
+              <a:rPr lang="en-US" dirty="0" err="1">
                 <a:latin typeface="Courier New" panose="02070309020205020404" pitchFamily="49" charset="0"/>
                 <a:cs typeface="Courier New" panose="02070309020205020404" pitchFamily="49" charset="0"/>
               </a:rPr>
               <a:t>string.h</a:t>
             </a:r>
             <a:r>
-              <a:rPr lang="en-US" sz="1600" dirty="0">
+              <a:rPr lang="en-US" dirty="0">
                 <a:latin typeface="Courier New" panose="02070309020205020404" pitchFamily="49" charset="0"/>
                 <a:cs typeface="Courier New" panose="02070309020205020404" pitchFamily="49" charset="0"/>
               </a:rPr>
@@ -11824,7 +11897,7 @@
           </a:p>
           <a:p>
             <a:r>
-              <a:rPr lang="en-US" sz="1600" dirty="0">
+              <a:rPr lang="en-US" dirty="0">
                 <a:latin typeface="Courier New" panose="02070309020205020404" pitchFamily="49" charset="0"/>
                 <a:cs typeface="Courier New" panose="02070309020205020404" pitchFamily="49" charset="0"/>
               </a:rPr>
@@ -11833,483 +11906,247 @@
           </a:p>
           <a:p>
             <a:r>
-              <a:rPr lang="en-US" sz="1600" dirty="0">
-                <a:latin typeface="Courier New" panose="02070309020205020404" pitchFamily="49" charset="0"/>
-                <a:cs typeface="Courier New" panose="02070309020205020404" pitchFamily="49" charset="0"/>
-              </a:rPr>
-              <a:t>    char s1[] = "   Hello   World    ";</a:t>
-            </a:r>
-          </a:p>
-          <a:p>
-            <a:r>
-              <a:rPr lang="en-US" sz="1600" dirty="0">
-                <a:latin typeface="Courier New" panose="02070309020205020404" pitchFamily="49" charset="0"/>
-                <a:cs typeface="Courier New" panose="02070309020205020404" pitchFamily="49" charset="0"/>
-              </a:rPr>
-              <a:t>    void </a:t>
-            </a:r>
-            <a:r>
-              <a:rPr lang="en-US" sz="1600" dirty="0" err="1">
-                <a:latin typeface="Courier New" panose="02070309020205020404" pitchFamily="49" charset="0"/>
-                <a:cs typeface="Courier New" panose="02070309020205020404" pitchFamily="49" charset="0"/>
-              </a:rPr>
-              <a:t>py_rstrip</a:t>
-            </a:r>
-            <a:r>
-              <a:rPr lang="en-US" sz="1600" dirty="0">
-                <a:latin typeface="Courier New" panose="02070309020205020404" pitchFamily="49" charset="0"/>
-                <a:cs typeface="Courier New" panose="02070309020205020404" pitchFamily="49" charset="0"/>
-              </a:rPr>
-              <a:t>();</a:t>
-            </a:r>
-          </a:p>
-          <a:p>
-            <a:r>
-              <a:rPr lang="en-US" sz="1600" dirty="0">
+              <a:rPr lang="en-US" dirty="0">
+                <a:latin typeface="Courier New" panose="02070309020205020404" pitchFamily="49" charset="0"/>
+                <a:cs typeface="Courier New" panose="02070309020205020404" pitchFamily="49" charset="0"/>
+              </a:rPr>
+              <a:t>    char first[100], second[100], </a:t>
+            </a:r>
+            <a:r>
+              <a:rPr lang="en-US" dirty="0" err="1">
+                <a:latin typeface="Courier New" panose="02070309020205020404" pitchFamily="49" charset="0"/>
+                <a:cs typeface="Courier New" panose="02070309020205020404" pitchFamily="49" charset="0"/>
+              </a:rPr>
+              <a:t>concat</a:t>
+            </a:r>
+            <a:r>
+              <a:rPr lang="en-US" dirty="0">
+                <a:latin typeface="Courier New" panose="02070309020205020404" pitchFamily="49" charset="0"/>
+                <a:cs typeface="Courier New" panose="02070309020205020404" pitchFamily="49" charset="0"/>
+              </a:rPr>
+              <a:t>[303];</a:t>
+            </a:r>
+          </a:p>
+          <a:p>
+            <a:r>
+              <a:rPr lang="en-US" dirty="0">
                 <a:latin typeface="Courier New" panose="02070309020205020404" pitchFamily="49" charset="0"/>
                 <a:cs typeface="Courier New" panose="02070309020205020404" pitchFamily="49" charset="0"/>
               </a:rPr>
               <a:t>    </a:t>
             </a:r>
             <a:r>
-              <a:rPr lang="en-US" sz="1600" dirty="0" err="1">
-                <a:latin typeface="Courier New" panose="02070309020205020404" pitchFamily="49" charset="0"/>
-                <a:cs typeface="Courier New" panose="02070309020205020404" pitchFamily="49" charset="0"/>
-              </a:rPr>
-              <a:t>py_rstrip</a:t>
-            </a:r>
-            <a:r>
-              <a:rPr lang="en-US" sz="1600" dirty="0">
-                <a:latin typeface="Courier New" panose="02070309020205020404" pitchFamily="49" charset="0"/>
-                <a:cs typeface="Courier New" panose="02070309020205020404" pitchFamily="49" charset="0"/>
-              </a:rPr>
-              <a:t>(s1);</a:t>
-            </a:r>
-          </a:p>
-          <a:p>
-            <a:r>
-              <a:rPr lang="en-US" sz="1600" dirty="0">
+              <a:rPr lang="en-US" dirty="0" err="1">
+                <a:latin typeface="Courier New" panose="02070309020205020404" pitchFamily="49" charset="0"/>
+                <a:cs typeface="Courier New" panose="02070309020205020404" pitchFamily="49" charset="0"/>
+              </a:rPr>
+              <a:t>printf</a:t>
+            </a:r>
+            <a:r>
+              <a:rPr lang="en-US" dirty="0">
+                <a:latin typeface="Courier New" panose="02070309020205020404" pitchFamily="49" charset="0"/>
+                <a:cs typeface="Courier New" panose="02070309020205020404" pitchFamily="49" charset="0"/>
+              </a:rPr>
+              <a:t>("Enter two strings\n");</a:t>
+            </a:r>
+          </a:p>
+          <a:p>
+            <a:r>
+              <a:rPr lang="en-US" dirty="0">
                 <a:latin typeface="Courier New" panose="02070309020205020404" pitchFamily="49" charset="0"/>
                 <a:cs typeface="Courier New" panose="02070309020205020404" pitchFamily="49" charset="0"/>
               </a:rPr>
               <a:t>    </a:t>
             </a:r>
             <a:r>
-              <a:rPr lang="en-US" sz="1600" dirty="0" err="1">
+              <a:rPr lang="en-US" dirty="0" err="1">
+                <a:latin typeface="Courier New" panose="02070309020205020404" pitchFamily="49" charset="0"/>
+                <a:cs typeface="Courier New" panose="02070309020205020404" pitchFamily="49" charset="0"/>
+              </a:rPr>
+              <a:t>scanf</a:t>
+            </a:r>
+            <a:r>
+              <a:rPr lang="en-US" dirty="0">
+                <a:latin typeface="Courier New" panose="02070309020205020404" pitchFamily="49" charset="0"/>
+                <a:cs typeface="Courier New" panose="02070309020205020404" pitchFamily="49" charset="0"/>
+              </a:rPr>
+              <a:t>("%100s", first);</a:t>
+            </a:r>
+          </a:p>
+          <a:p>
+            <a:r>
+              <a:rPr lang="en-US" dirty="0">
+                <a:latin typeface="Courier New" panose="02070309020205020404" pitchFamily="49" charset="0"/>
+                <a:cs typeface="Courier New" panose="02070309020205020404" pitchFamily="49" charset="0"/>
+              </a:rPr>
+              <a:t>    </a:t>
+            </a:r>
+            <a:r>
+              <a:rPr lang="en-US" dirty="0" err="1">
+                <a:latin typeface="Courier New" panose="02070309020205020404" pitchFamily="49" charset="0"/>
+                <a:cs typeface="Courier New" panose="02070309020205020404" pitchFamily="49" charset="0"/>
+              </a:rPr>
+              <a:t>scanf</a:t>
+            </a:r>
+            <a:r>
+              <a:rPr lang="en-US" dirty="0">
+                <a:latin typeface="Courier New" panose="02070309020205020404" pitchFamily="49" charset="0"/>
+                <a:cs typeface="Courier New" panose="02070309020205020404" pitchFamily="49" charset="0"/>
+              </a:rPr>
+              <a:t>("%100s", second);</a:t>
+            </a:r>
+          </a:p>
+          <a:p>
+            <a:r>
+              <a:rPr lang="en-US" dirty="0">
+                <a:latin typeface="Courier New" panose="02070309020205020404" pitchFamily="49" charset="0"/>
+                <a:cs typeface="Courier New" panose="02070309020205020404" pitchFamily="49" charset="0"/>
+              </a:rPr>
+              <a:t>    </a:t>
+            </a:r>
+            <a:r>
+              <a:rPr lang="en-US" dirty="0" err="1">
+                <a:latin typeface="Courier New" panose="02070309020205020404" pitchFamily="49" charset="0"/>
+                <a:cs typeface="Courier New" panose="02070309020205020404" pitchFamily="49" charset="0"/>
+              </a:rPr>
+              <a:t>strcpy</a:t>
+            </a:r>
+            <a:r>
+              <a:rPr lang="en-US" dirty="0">
+                <a:latin typeface="Courier New" panose="02070309020205020404" pitchFamily="49" charset="0"/>
+                <a:cs typeface="Courier New" panose="02070309020205020404" pitchFamily="49" charset="0"/>
+              </a:rPr>
+              <a:t>(</a:t>
+            </a:r>
+            <a:r>
+              <a:rPr lang="en-US" dirty="0" err="1">
+                <a:latin typeface="Courier New" panose="02070309020205020404" pitchFamily="49" charset="0"/>
+                <a:cs typeface="Courier New" panose="02070309020205020404" pitchFamily="49" charset="0"/>
+              </a:rPr>
+              <a:t>concat</a:t>
+            </a:r>
+            <a:r>
+              <a:rPr lang="en-US" dirty="0">
+                <a:latin typeface="Courier New" panose="02070309020205020404" pitchFamily="49" charset="0"/>
+                <a:cs typeface="Courier New" panose="02070309020205020404" pitchFamily="49" charset="0"/>
+              </a:rPr>
+              <a:t>, first);</a:t>
+            </a:r>
+          </a:p>
+          <a:p>
+            <a:r>
+              <a:rPr lang="en-US" dirty="0">
+                <a:latin typeface="Courier New" panose="02070309020205020404" pitchFamily="49" charset="0"/>
+                <a:cs typeface="Courier New" panose="02070309020205020404" pitchFamily="49" charset="0"/>
+              </a:rPr>
+              <a:t>    </a:t>
+            </a:r>
+            <a:r>
+              <a:rPr lang="en-US" dirty="0" err="1">
+                <a:latin typeface="Courier New" panose="02070309020205020404" pitchFamily="49" charset="0"/>
+                <a:cs typeface="Courier New" panose="02070309020205020404" pitchFamily="49" charset="0"/>
+              </a:rPr>
+              <a:t>strcat</a:t>
+            </a:r>
+            <a:r>
+              <a:rPr lang="en-US" dirty="0">
+                <a:latin typeface="Courier New" panose="02070309020205020404" pitchFamily="49" charset="0"/>
+                <a:cs typeface="Courier New" panose="02070309020205020404" pitchFamily="49" charset="0"/>
+              </a:rPr>
+              <a:t>(</a:t>
+            </a:r>
+            <a:r>
+              <a:rPr lang="en-US" dirty="0" err="1">
+                <a:latin typeface="Courier New" panose="02070309020205020404" pitchFamily="49" charset="0"/>
+                <a:cs typeface="Courier New" panose="02070309020205020404" pitchFamily="49" charset="0"/>
+              </a:rPr>
+              <a:t>concat</a:t>
+            </a:r>
+            <a:r>
+              <a:rPr lang="en-US" dirty="0">
+                <a:latin typeface="Courier New" panose="02070309020205020404" pitchFamily="49" charset="0"/>
+                <a:cs typeface="Courier New" panose="02070309020205020404" pitchFamily="49" charset="0"/>
+              </a:rPr>
+              <a:t>, " &amp; ");</a:t>
+            </a:r>
+          </a:p>
+          <a:p>
+            <a:r>
+              <a:rPr lang="en-US" dirty="0">
+                <a:latin typeface="Courier New" panose="02070309020205020404" pitchFamily="49" charset="0"/>
+                <a:cs typeface="Courier New" panose="02070309020205020404" pitchFamily="49" charset="0"/>
+              </a:rPr>
+              <a:t>    </a:t>
+            </a:r>
+            <a:r>
+              <a:rPr lang="en-US" dirty="0" err="1">
+                <a:latin typeface="Courier New" panose="02070309020205020404" pitchFamily="49" charset="0"/>
+                <a:cs typeface="Courier New" panose="02070309020205020404" pitchFamily="49" charset="0"/>
+              </a:rPr>
+              <a:t>strcat</a:t>
+            </a:r>
+            <a:r>
+              <a:rPr lang="en-US" dirty="0">
+                <a:latin typeface="Courier New" panose="02070309020205020404" pitchFamily="49" charset="0"/>
+                <a:cs typeface="Courier New" panose="02070309020205020404" pitchFamily="49" charset="0"/>
+              </a:rPr>
+              <a:t>(</a:t>
+            </a:r>
+            <a:r>
+              <a:rPr lang="en-US" dirty="0" err="1">
+                <a:latin typeface="Courier New" panose="02070309020205020404" pitchFamily="49" charset="0"/>
+                <a:cs typeface="Courier New" panose="02070309020205020404" pitchFamily="49" charset="0"/>
+              </a:rPr>
+              <a:t>concat</a:t>
+            </a:r>
+            <a:r>
+              <a:rPr lang="en-US" dirty="0">
+                <a:latin typeface="Courier New" panose="02070309020205020404" pitchFamily="49" charset="0"/>
+                <a:cs typeface="Courier New" panose="02070309020205020404" pitchFamily="49" charset="0"/>
+              </a:rPr>
+              <a:t>, second);</a:t>
+            </a:r>
+          </a:p>
+          <a:p>
+            <a:r>
+              <a:rPr lang="en-US" dirty="0">
+                <a:latin typeface="Courier New" panose="02070309020205020404" pitchFamily="49" charset="0"/>
+                <a:cs typeface="Courier New" panose="02070309020205020404" pitchFamily="49" charset="0"/>
+              </a:rPr>
+              <a:t>    </a:t>
+            </a:r>
+            <a:r>
+              <a:rPr lang="en-US" dirty="0" err="1">
                 <a:latin typeface="Courier New" panose="02070309020205020404" pitchFamily="49" charset="0"/>
                 <a:cs typeface="Courier New" panose="02070309020205020404" pitchFamily="49" charset="0"/>
               </a:rPr>
               <a:t>printf</a:t>
             </a:r>
             <a:r>
-              <a:rPr lang="en-US" sz="1600" dirty="0">
-                <a:latin typeface="Courier New" panose="02070309020205020404" pitchFamily="49" charset="0"/>
-                <a:cs typeface="Courier New" panose="02070309020205020404" pitchFamily="49" charset="0"/>
-              </a:rPr>
-              <a:t>("-%s-\n", s1);</a:t>
-            </a:r>
-          </a:p>
-          <a:p>
-            <a:r>
-              <a:rPr lang="en-US" sz="1600" dirty="0">
-                <a:latin typeface="Courier New" panose="02070309020205020404" pitchFamily="49" charset="0"/>
-                <a:cs typeface="Courier New" panose="02070309020205020404" pitchFamily="49" charset="0"/>
-              </a:rPr>
-              <a:t>}</a:t>
-            </a:r>
-          </a:p>
-          <a:p>
-            <a:endParaRPr lang="en-US" sz="1600" dirty="0">
-              <a:latin typeface="Courier New" panose="02070309020205020404" pitchFamily="49" charset="0"/>
-              <a:cs typeface="Courier New" panose="02070309020205020404" pitchFamily="49" charset="0"/>
-            </a:endParaRPr>
-          </a:p>
-          <a:p>
-            <a:r>
-              <a:rPr lang="en-US" sz="1600" dirty="0">
-                <a:latin typeface="Courier New" panose="02070309020205020404" pitchFamily="49" charset="0"/>
-                <a:cs typeface="Courier New" panose="02070309020205020404" pitchFamily="49" charset="0"/>
-              </a:rPr>
-              <a:t>void </a:t>
-            </a:r>
-            <a:r>
-              <a:rPr lang="en-US" sz="1600" dirty="0" err="1">
-                <a:latin typeface="Courier New" panose="02070309020205020404" pitchFamily="49" charset="0"/>
-                <a:cs typeface="Courier New" panose="02070309020205020404" pitchFamily="49" charset="0"/>
-              </a:rPr>
-              <a:t>py_rstrip</a:t>
-            </a:r>
-            <a:r>
-              <a:rPr lang="en-US" sz="1600" dirty="0">
-                <a:latin typeface="Courier New" panose="02070309020205020404" pitchFamily="49" charset="0"/>
-                <a:cs typeface="Courier New" panose="02070309020205020404" pitchFamily="49" charset="0"/>
-              </a:rPr>
-              <a:t>(</a:t>
-            </a:r>
-            <a:r>
-              <a:rPr lang="en-US" sz="1600" dirty="0" err="1">
-                <a:latin typeface="Courier New" panose="02070309020205020404" pitchFamily="49" charset="0"/>
-                <a:cs typeface="Courier New" panose="02070309020205020404" pitchFamily="49" charset="0"/>
-              </a:rPr>
-              <a:t>inp</a:t>
-            </a:r>
-            <a:r>
-              <a:rPr lang="en-US" sz="1600" dirty="0">
-                <a:latin typeface="Courier New" panose="02070309020205020404" pitchFamily="49" charset="0"/>
-                <a:cs typeface="Courier New" panose="02070309020205020404" pitchFamily="49" charset="0"/>
-              </a:rPr>
-              <a:t>)</a:t>
-            </a:r>
-          </a:p>
-          <a:p>
-            <a:r>
-              <a:rPr lang="en-US" sz="1600" dirty="0">
-                <a:latin typeface="Courier New" panose="02070309020205020404" pitchFamily="49" charset="0"/>
-                <a:cs typeface="Courier New" panose="02070309020205020404" pitchFamily="49" charset="0"/>
-              </a:rPr>
-              <a:t>    char </a:t>
-            </a:r>
-            <a:r>
-              <a:rPr lang="en-US" sz="1600" dirty="0" err="1">
-                <a:latin typeface="Courier New" panose="02070309020205020404" pitchFamily="49" charset="0"/>
-                <a:cs typeface="Courier New" panose="02070309020205020404" pitchFamily="49" charset="0"/>
-              </a:rPr>
-              <a:t>inp</a:t>
-            </a:r>
-            <a:r>
-              <a:rPr lang="en-US" sz="1600" dirty="0">
-                <a:latin typeface="Courier New" panose="02070309020205020404" pitchFamily="49" charset="0"/>
-                <a:cs typeface="Courier New" panose="02070309020205020404" pitchFamily="49" charset="0"/>
-              </a:rPr>
-              <a:t>[];</a:t>
-            </a:r>
-          </a:p>
-          <a:p>
-            <a:r>
-              <a:rPr lang="en-US" sz="1600" dirty="0">
-                <a:latin typeface="Courier New" panose="02070309020205020404" pitchFamily="49" charset="0"/>
-                <a:cs typeface="Courier New" panose="02070309020205020404" pitchFamily="49" charset="0"/>
-              </a:rPr>
-              <a:t>{   </a:t>
-            </a:r>
-          </a:p>
-          <a:p>
-            <a:r>
-              <a:rPr lang="en-US" sz="1600" dirty="0">
-                <a:latin typeface="Courier New" panose="02070309020205020404" pitchFamily="49" charset="0"/>
-                <a:cs typeface="Courier New" panose="02070309020205020404" pitchFamily="49" charset="0"/>
-              </a:rPr>
-              <a:t>    int </a:t>
-            </a:r>
-            <a:r>
-              <a:rPr lang="en-US" sz="1600" dirty="0" err="1">
-                <a:latin typeface="Courier New" panose="02070309020205020404" pitchFamily="49" charset="0"/>
-                <a:cs typeface="Courier New" panose="02070309020205020404" pitchFamily="49" charset="0"/>
-              </a:rPr>
-              <a:t>i</a:t>
-            </a:r>
-            <a:r>
-              <a:rPr lang="en-US" sz="1600" dirty="0">
-                <a:latin typeface="Courier New" panose="02070309020205020404" pitchFamily="49" charset="0"/>
-                <a:cs typeface="Courier New" panose="02070309020205020404" pitchFamily="49" charset="0"/>
-              </a:rPr>
-              <a:t>, j;</a:t>
-            </a:r>
-          </a:p>
-          <a:p>
-            <a:r>
-              <a:rPr lang="en-US" sz="1600" dirty="0">
-                <a:latin typeface="Courier New" panose="02070309020205020404" pitchFamily="49" charset="0"/>
-                <a:cs typeface="Courier New" panose="02070309020205020404" pitchFamily="49" charset="0"/>
-              </a:rPr>
-              <a:t>    for(</a:t>
-            </a:r>
-            <a:r>
-              <a:rPr lang="en-US" sz="1600" dirty="0" err="1">
-                <a:latin typeface="Courier New" panose="02070309020205020404" pitchFamily="49" charset="0"/>
-                <a:cs typeface="Courier New" panose="02070309020205020404" pitchFamily="49" charset="0"/>
-              </a:rPr>
-              <a:t>i</a:t>
-            </a:r>
-            <a:r>
-              <a:rPr lang="en-US" sz="1600" dirty="0">
-                <a:latin typeface="Courier New" panose="02070309020205020404" pitchFamily="49" charset="0"/>
-                <a:cs typeface="Courier New" panose="02070309020205020404" pitchFamily="49" charset="0"/>
-              </a:rPr>
-              <a:t>=0, j=0; </a:t>
-            </a:r>
-            <a:r>
-              <a:rPr lang="en-US" sz="1600" dirty="0" err="1">
-                <a:latin typeface="Courier New" panose="02070309020205020404" pitchFamily="49" charset="0"/>
-                <a:cs typeface="Courier New" panose="02070309020205020404" pitchFamily="49" charset="0"/>
-              </a:rPr>
-              <a:t>i</a:t>
-            </a:r>
-            <a:r>
-              <a:rPr lang="en-US" sz="1600" dirty="0">
-                <a:latin typeface="Courier New" panose="02070309020205020404" pitchFamily="49" charset="0"/>
-                <a:cs typeface="Courier New" panose="02070309020205020404" pitchFamily="49" charset="0"/>
-              </a:rPr>
-              <a:t>&lt;</a:t>
-            </a:r>
-            <a:r>
-              <a:rPr lang="en-US" sz="1600" dirty="0" err="1">
-                <a:latin typeface="Courier New" panose="02070309020205020404" pitchFamily="49" charset="0"/>
-                <a:cs typeface="Courier New" panose="02070309020205020404" pitchFamily="49" charset="0"/>
-              </a:rPr>
-              <a:t>strlen</a:t>
-            </a:r>
-            <a:r>
-              <a:rPr lang="en-US" sz="1600" dirty="0">
-                <a:latin typeface="Courier New" panose="02070309020205020404" pitchFamily="49" charset="0"/>
-                <a:cs typeface="Courier New" panose="02070309020205020404" pitchFamily="49" charset="0"/>
-              </a:rPr>
-              <a:t>(</a:t>
-            </a:r>
-            <a:r>
-              <a:rPr lang="en-US" sz="1600" dirty="0" err="1">
-                <a:latin typeface="Courier New" panose="02070309020205020404" pitchFamily="49" charset="0"/>
-                <a:cs typeface="Courier New" panose="02070309020205020404" pitchFamily="49" charset="0"/>
-              </a:rPr>
-              <a:t>inp</a:t>
-            </a:r>
-            <a:r>
-              <a:rPr lang="en-US" sz="1600" dirty="0">
-                <a:latin typeface="Courier New" panose="02070309020205020404" pitchFamily="49" charset="0"/>
-                <a:cs typeface="Courier New" panose="02070309020205020404" pitchFamily="49" charset="0"/>
-              </a:rPr>
-              <a:t>)-1; </a:t>
-            </a:r>
-            <a:r>
-              <a:rPr lang="en-US" sz="1600" dirty="0" err="1">
-                <a:latin typeface="Courier New" panose="02070309020205020404" pitchFamily="49" charset="0"/>
-                <a:cs typeface="Courier New" panose="02070309020205020404" pitchFamily="49" charset="0"/>
-              </a:rPr>
-              <a:t>i</a:t>
-            </a:r>
-            <a:r>
-              <a:rPr lang="en-US" sz="1600" dirty="0">
-                <a:latin typeface="Courier New" panose="02070309020205020404" pitchFamily="49" charset="0"/>
-                <a:cs typeface="Courier New" panose="02070309020205020404" pitchFamily="49" charset="0"/>
-              </a:rPr>
-              <a:t>++) {</a:t>
-            </a:r>
-          </a:p>
-          <a:p>
-            <a:r>
-              <a:rPr lang="en-US" sz="1600" dirty="0">
-                <a:latin typeface="Courier New" panose="02070309020205020404" pitchFamily="49" charset="0"/>
-                <a:cs typeface="Courier New" panose="02070309020205020404" pitchFamily="49" charset="0"/>
-              </a:rPr>
-              <a:t>        if ( </a:t>
-            </a:r>
-            <a:r>
-              <a:rPr lang="en-US" sz="1600" dirty="0" err="1">
-                <a:latin typeface="Courier New" panose="02070309020205020404" pitchFamily="49" charset="0"/>
-                <a:cs typeface="Courier New" panose="02070309020205020404" pitchFamily="49" charset="0"/>
-              </a:rPr>
-              <a:t>inp</a:t>
-            </a:r>
-            <a:r>
-              <a:rPr lang="en-US" sz="1600" dirty="0">
-                <a:latin typeface="Courier New" panose="02070309020205020404" pitchFamily="49" charset="0"/>
-                <a:cs typeface="Courier New" panose="02070309020205020404" pitchFamily="49" charset="0"/>
-              </a:rPr>
-              <a:t>[</a:t>
-            </a:r>
-            <a:r>
-              <a:rPr lang="en-US" sz="1600" dirty="0" err="1">
-                <a:latin typeface="Courier New" panose="02070309020205020404" pitchFamily="49" charset="0"/>
-                <a:cs typeface="Courier New" panose="02070309020205020404" pitchFamily="49" charset="0"/>
-              </a:rPr>
-              <a:t>i</a:t>
-            </a:r>
-            <a:r>
-              <a:rPr lang="en-US" sz="1600" dirty="0">
-                <a:latin typeface="Courier New" panose="02070309020205020404" pitchFamily="49" charset="0"/>
-                <a:cs typeface="Courier New" panose="02070309020205020404" pitchFamily="49" charset="0"/>
-              </a:rPr>
-              <a:t>] == '\n' || </a:t>
-            </a:r>
-          </a:p>
-          <a:p>
-            <a:r>
-              <a:rPr lang="en-US" sz="1600" dirty="0">
-                <a:latin typeface="Courier New" panose="02070309020205020404" pitchFamily="49" charset="0"/>
-                <a:cs typeface="Courier New" panose="02070309020205020404" pitchFamily="49" charset="0"/>
-              </a:rPr>
-              <a:t>             </a:t>
-            </a:r>
-            <a:r>
-              <a:rPr lang="en-US" sz="1600" dirty="0" err="1">
-                <a:latin typeface="Courier New" panose="02070309020205020404" pitchFamily="49" charset="0"/>
-                <a:cs typeface="Courier New" panose="02070309020205020404" pitchFamily="49" charset="0"/>
-              </a:rPr>
-              <a:t>inp</a:t>
-            </a:r>
-            <a:r>
-              <a:rPr lang="en-US" sz="1600" dirty="0">
-                <a:latin typeface="Courier New" panose="02070309020205020404" pitchFamily="49" charset="0"/>
-                <a:cs typeface="Courier New" panose="02070309020205020404" pitchFamily="49" charset="0"/>
-              </a:rPr>
-              <a:t>[</a:t>
-            </a:r>
-            <a:r>
-              <a:rPr lang="en-US" sz="1600" dirty="0" err="1">
-                <a:latin typeface="Courier New" panose="02070309020205020404" pitchFamily="49" charset="0"/>
-                <a:cs typeface="Courier New" panose="02070309020205020404" pitchFamily="49" charset="0"/>
-              </a:rPr>
-              <a:t>i</a:t>
-            </a:r>
-            <a:r>
-              <a:rPr lang="en-US" sz="1600" dirty="0">
-                <a:latin typeface="Courier New" panose="02070309020205020404" pitchFamily="49" charset="0"/>
-                <a:cs typeface="Courier New" panose="02070309020205020404" pitchFamily="49" charset="0"/>
-              </a:rPr>
-              <a:t>] == '\t' || </a:t>
-            </a:r>
-            <a:r>
-              <a:rPr lang="en-US" sz="1600" dirty="0" err="1">
-                <a:latin typeface="Courier New" panose="02070309020205020404" pitchFamily="49" charset="0"/>
-                <a:cs typeface="Courier New" panose="02070309020205020404" pitchFamily="49" charset="0"/>
-              </a:rPr>
-              <a:t>inp</a:t>
-            </a:r>
-            <a:r>
-              <a:rPr lang="en-US" sz="1600" dirty="0">
-                <a:latin typeface="Courier New" panose="02070309020205020404" pitchFamily="49" charset="0"/>
-                <a:cs typeface="Courier New" panose="02070309020205020404" pitchFamily="49" charset="0"/>
-              </a:rPr>
-              <a:t>[</a:t>
-            </a:r>
-            <a:r>
-              <a:rPr lang="en-US" sz="1600" dirty="0" err="1">
-                <a:latin typeface="Courier New" panose="02070309020205020404" pitchFamily="49" charset="0"/>
-                <a:cs typeface="Courier New" panose="02070309020205020404" pitchFamily="49" charset="0"/>
-              </a:rPr>
-              <a:t>i</a:t>
-            </a:r>
-            <a:r>
-              <a:rPr lang="en-US" sz="1600" dirty="0">
-                <a:latin typeface="Courier New" panose="02070309020205020404" pitchFamily="49" charset="0"/>
-                <a:cs typeface="Courier New" panose="02070309020205020404" pitchFamily="49" charset="0"/>
-              </a:rPr>
-              <a:t>] == ' ' ) {</a:t>
-            </a:r>
-          </a:p>
-          <a:p>
-            <a:r>
-              <a:rPr lang="en-US" sz="1600" dirty="0">
-                <a:latin typeface="Courier New" panose="02070309020205020404" pitchFamily="49" charset="0"/>
-                <a:cs typeface="Courier New" panose="02070309020205020404" pitchFamily="49" charset="0"/>
-              </a:rPr>
-              <a:t>            /* Whitespace skip  */</a:t>
-            </a:r>
-          </a:p>
-          <a:p>
-            <a:r>
-              <a:rPr lang="en-US" sz="1600" dirty="0">
-                <a:latin typeface="Courier New" panose="02070309020205020404" pitchFamily="49" charset="0"/>
-                <a:cs typeface="Courier New" panose="02070309020205020404" pitchFamily="49" charset="0"/>
-              </a:rPr>
-              <a:t>        } else {</a:t>
-            </a:r>
-          </a:p>
-          <a:p>
-            <a:r>
-              <a:rPr lang="en-US" sz="1600" dirty="0">
-                <a:latin typeface="Courier New" panose="02070309020205020404" pitchFamily="49" charset="0"/>
-                <a:cs typeface="Courier New" panose="02070309020205020404" pitchFamily="49" charset="0"/>
-              </a:rPr>
-              <a:t>            j = </a:t>
-            </a:r>
-            <a:r>
-              <a:rPr lang="en-US" sz="1600" dirty="0" err="1">
-                <a:latin typeface="Courier New" panose="02070309020205020404" pitchFamily="49" charset="0"/>
-                <a:cs typeface="Courier New" panose="02070309020205020404" pitchFamily="49" charset="0"/>
-              </a:rPr>
-              <a:t>i</a:t>
-            </a:r>
-            <a:r>
-              <a:rPr lang="en-US" sz="1600" dirty="0">
-                <a:latin typeface="Courier New" panose="02070309020205020404" pitchFamily="49" charset="0"/>
-                <a:cs typeface="Courier New" panose="02070309020205020404" pitchFamily="49" charset="0"/>
-              </a:rPr>
-              <a:t>; /* the last non-blank */</a:t>
-            </a:r>
-          </a:p>
-          <a:p>
-            <a:r>
-              <a:rPr lang="en-US" sz="1600" dirty="0">
-                <a:latin typeface="Courier New" panose="02070309020205020404" pitchFamily="49" charset="0"/>
-                <a:cs typeface="Courier New" panose="02070309020205020404" pitchFamily="49" charset="0"/>
-              </a:rPr>
-              <a:t>        }</a:t>
-            </a:r>
-          </a:p>
-          <a:p>
-            <a:r>
-              <a:rPr lang="en-US" sz="1600" dirty="0">
-                <a:latin typeface="Courier New" panose="02070309020205020404" pitchFamily="49" charset="0"/>
-                <a:cs typeface="Courier New" panose="02070309020205020404" pitchFamily="49" charset="0"/>
-              </a:rPr>
-              <a:t>    }</a:t>
-            </a:r>
-          </a:p>
-          <a:p>
-            <a:r>
-              <a:rPr lang="en-US" sz="1600" dirty="0">
-                <a:latin typeface="Courier New" panose="02070309020205020404" pitchFamily="49" charset="0"/>
-                <a:cs typeface="Courier New" panose="02070309020205020404" pitchFamily="49" charset="0"/>
-              </a:rPr>
-              <a:t>    if ( j+1 &lt; </a:t>
-            </a:r>
-            <a:r>
-              <a:rPr lang="en-US" sz="1600" dirty="0" err="1">
-                <a:latin typeface="Courier New" panose="02070309020205020404" pitchFamily="49" charset="0"/>
-                <a:cs typeface="Courier New" panose="02070309020205020404" pitchFamily="49" charset="0"/>
-              </a:rPr>
-              <a:t>strlen</a:t>
-            </a:r>
-            <a:r>
-              <a:rPr lang="en-US" sz="1600" dirty="0">
-                <a:latin typeface="Courier New" panose="02070309020205020404" pitchFamily="49" charset="0"/>
-                <a:cs typeface="Courier New" panose="02070309020205020404" pitchFamily="49" charset="0"/>
-              </a:rPr>
-              <a:t>(</a:t>
-            </a:r>
-            <a:r>
-              <a:rPr lang="en-US" sz="1600" dirty="0" err="1">
-                <a:latin typeface="Courier New" panose="02070309020205020404" pitchFamily="49" charset="0"/>
-                <a:cs typeface="Courier New" panose="02070309020205020404" pitchFamily="49" charset="0"/>
-              </a:rPr>
-              <a:t>inp</a:t>
-            </a:r>
-            <a:r>
-              <a:rPr lang="en-US" sz="1600" dirty="0">
-                <a:latin typeface="Courier New" panose="02070309020205020404" pitchFamily="49" charset="0"/>
-                <a:cs typeface="Courier New" panose="02070309020205020404" pitchFamily="49" charset="0"/>
-              </a:rPr>
-              <a:t>) ) </a:t>
-            </a:r>
-            <a:r>
-              <a:rPr lang="en-US" sz="1600" dirty="0" err="1">
-                <a:latin typeface="Courier New" panose="02070309020205020404" pitchFamily="49" charset="0"/>
-                <a:cs typeface="Courier New" panose="02070309020205020404" pitchFamily="49" charset="0"/>
-              </a:rPr>
-              <a:t>inp</a:t>
-            </a:r>
-            <a:r>
-              <a:rPr lang="en-US" sz="1600" dirty="0">
-                <a:latin typeface="Courier New" panose="02070309020205020404" pitchFamily="49" charset="0"/>
-                <a:cs typeface="Courier New" panose="02070309020205020404" pitchFamily="49" charset="0"/>
-              </a:rPr>
-              <a:t>[j+1] = '\0';</a:t>
-            </a:r>
-          </a:p>
-          <a:p>
-            <a:r>
-              <a:rPr lang="en-US" sz="1600" dirty="0">
+              <a:rPr lang="en-US" dirty="0">
+                <a:latin typeface="Courier New" panose="02070309020205020404" pitchFamily="49" charset="0"/>
+                <a:cs typeface="Courier New" panose="02070309020205020404" pitchFamily="49" charset="0"/>
+              </a:rPr>
+              <a:t>("%s\n", </a:t>
+            </a:r>
+            <a:r>
+              <a:rPr lang="en-US" dirty="0" err="1">
+                <a:latin typeface="Courier New" panose="02070309020205020404" pitchFamily="49" charset="0"/>
+                <a:cs typeface="Courier New" panose="02070309020205020404" pitchFamily="49" charset="0"/>
+              </a:rPr>
+              <a:t>concat</a:t>
+            </a:r>
+            <a:r>
+              <a:rPr lang="en-US" dirty="0">
+                <a:latin typeface="Courier New" panose="02070309020205020404" pitchFamily="49" charset="0"/>
+                <a:cs typeface="Courier New" panose="02070309020205020404" pitchFamily="49" charset="0"/>
+              </a:rPr>
+              <a:t>);</a:t>
+            </a:r>
+          </a:p>
+          <a:p>
+            <a:r>
+              <a:rPr lang="en-US" dirty="0">
                 <a:latin typeface="Courier New" panose="02070309020205020404" pitchFamily="49" charset="0"/>
                 <a:cs typeface="Courier New" panose="02070309020205020404" pitchFamily="49" charset="0"/>
               </a:rPr>
@@ -12332,8 +12169,8 @@
         </p:nvSpPr>
         <p:spPr>
           <a:xfrm>
-            <a:off x="992011" y="4111055"/>
-            <a:ext cx="2666114" cy="369332"/>
+            <a:off x="1657029" y="4815385"/>
+            <a:ext cx="2803973" cy="1200329"/>
           </a:xfrm>
           <a:prstGeom prst="rect">
             <a:avLst/>
@@ -12350,7 +12187,31 @@
               <a:rPr lang="en-US" dirty="0">
                 <a:latin typeface="Monaco" pitchFamily="2" charset="77"/>
               </a:rPr>
-              <a:t>-   Hello   World-</a:t>
+              <a:t>Enter two strings</a:t>
+            </a:r>
+          </a:p>
+          <a:p>
+            <a:r>
+              <a:rPr lang="en-US" b="1" dirty="0">
+                <a:latin typeface="Monaco" pitchFamily="2" charset="77"/>
+              </a:rPr>
+              <a:t>Kernighan</a:t>
+            </a:r>
+          </a:p>
+          <a:p>
+            <a:r>
+              <a:rPr lang="en-US" b="1" dirty="0">
+                <a:latin typeface="Monaco" pitchFamily="2" charset="77"/>
+              </a:rPr>
+              <a:t>Ritchie</a:t>
+            </a:r>
+          </a:p>
+          <a:p>
+            <a:r>
+              <a:rPr lang="en-US" dirty="0">
+                <a:latin typeface="Monaco" pitchFamily="2" charset="77"/>
+              </a:rPr>
+              <a:t>Kernighan &amp; Ritchie</a:t>
             </a:r>
           </a:p>
         </p:txBody>
@@ -12399,7 +12260,7 @@
     </p:spTree>
     <p:extLst>
       <p:ext uri="{BB962C8B-B14F-4D97-AF65-F5344CB8AC3E}">
-        <p14:creationId xmlns:p14="http://schemas.microsoft.com/office/powerpoint/2010/main" val="1497677615"/>
+        <p14:creationId xmlns:p14="http://schemas.microsoft.com/office/powerpoint/2010/main" val="340733453"/>
       </p:ext>
     </p:extLst>
   </p:cSld>
@@ -12449,7 +12310,7 @@
           <a:p>
             <a:r>
               <a:rPr lang="en-US" dirty="0"/>
-              <a:t>Left Strip</a:t>
+              <a:t>Right Strip</a:t>
             </a:r>
           </a:p>
         </p:txBody>
@@ -12496,6 +12357,758 @@
                 <a:latin typeface="Courier New" panose="02070309020205020404" pitchFamily="49" charset="0"/>
                 <a:cs typeface="Courier New" panose="02070309020205020404" pitchFamily="49" charset="0"/>
               </a:rPr>
+              <a:t>print('-'+s1.rstrip()+'-')</a:t>
+            </a:r>
+          </a:p>
+        </p:txBody>
+      </p:sp>
+      <p:sp>
+        <p:nvSpPr>
+          <p:cNvPr id="6" name="TextBox 5">
+            <a:extLst>
+              <a:ext uri="{FF2B5EF4-FFF2-40B4-BE49-F238E27FC236}">
+                <a16:creationId xmlns:a16="http://schemas.microsoft.com/office/drawing/2014/main" id="{C004B7C8-BBD4-1EE7-3894-3C801D6DC253}"/>
+              </a:ext>
+            </a:extLst>
+          </p:cNvPr>
+          <p:cNvSpPr txBox="1"/>
+          <p:nvPr/>
+        </p:nvSpPr>
+        <p:spPr>
+          <a:xfrm>
+            <a:off x="5951016" y="365125"/>
+            <a:ext cx="6109365" cy="5755422"/>
+          </a:xfrm>
+          <a:prstGeom prst="rect">
+            <a:avLst/>
+          </a:prstGeom>
+          <a:noFill/>
+        </p:spPr>
+        <p:txBody>
+          <a:bodyPr wrap="none" rtlCol="0">
+            <a:spAutoFit/>
+          </a:bodyPr>
+          <a:lstStyle/>
+          <a:p>
+            <a:r>
+              <a:rPr lang="en-US" sz="1600" dirty="0">
+                <a:latin typeface="Courier New" panose="02070309020205020404" pitchFamily="49" charset="0"/>
+                <a:cs typeface="Courier New" panose="02070309020205020404" pitchFamily="49" charset="0"/>
+              </a:rPr>
+              <a:t>#include &lt;</a:t>
+            </a:r>
+            <a:r>
+              <a:rPr lang="en-US" sz="1600" dirty="0" err="1">
+                <a:latin typeface="Courier New" panose="02070309020205020404" pitchFamily="49" charset="0"/>
+                <a:cs typeface="Courier New" panose="02070309020205020404" pitchFamily="49" charset="0"/>
+              </a:rPr>
+              <a:t>stdio.h</a:t>
+            </a:r>
+            <a:r>
+              <a:rPr lang="en-US" sz="1600" dirty="0">
+                <a:latin typeface="Courier New" panose="02070309020205020404" pitchFamily="49" charset="0"/>
+                <a:cs typeface="Courier New" panose="02070309020205020404" pitchFamily="49" charset="0"/>
+              </a:rPr>
+              <a:t>&gt;</a:t>
+            </a:r>
+          </a:p>
+          <a:p>
+            <a:r>
+              <a:rPr lang="en-US" sz="1600" dirty="0">
+                <a:latin typeface="Courier New" panose="02070309020205020404" pitchFamily="49" charset="0"/>
+                <a:cs typeface="Courier New" panose="02070309020205020404" pitchFamily="49" charset="0"/>
+              </a:rPr>
+              <a:t>#include &lt;</a:t>
+            </a:r>
+            <a:r>
+              <a:rPr lang="en-US" sz="1600" dirty="0" err="1">
+                <a:latin typeface="Courier New" panose="02070309020205020404" pitchFamily="49" charset="0"/>
+                <a:cs typeface="Courier New" panose="02070309020205020404" pitchFamily="49" charset="0"/>
+              </a:rPr>
+              <a:t>string.h</a:t>
+            </a:r>
+            <a:r>
+              <a:rPr lang="en-US" sz="1600" dirty="0">
+                <a:latin typeface="Courier New" panose="02070309020205020404" pitchFamily="49" charset="0"/>
+                <a:cs typeface="Courier New" panose="02070309020205020404" pitchFamily="49" charset="0"/>
+              </a:rPr>
+              <a:t>&gt;</a:t>
+            </a:r>
+          </a:p>
+          <a:p>
+            <a:r>
+              <a:rPr lang="en-US" sz="1600" dirty="0">
+                <a:latin typeface="Courier New" panose="02070309020205020404" pitchFamily="49" charset="0"/>
+                <a:cs typeface="Courier New" panose="02070309020205020404" pitchFamily="49" charset="0"/>
+              </a:rPr>
+              <a:t>int main() {</a:t>
+            </a:r>
+          </a:p>
+          <a:p>
+            <a:r>
+              <a:rPr lang="en-US" sz="1600" dirty="0">
+                <a:latin typeface="Courier New" panose="02070309020205020404" pitchFamily="49" charset="0"/>
+                <a:cs typeface="Courier New" panose="02070309020205020404" pitchFamily="49" charset="0"/>
+              </a:rPr>
+              <a:t>    char s1[] = "   Hello   World    ";</a:t>
+            </a:r>
+          </a:p>
+          <a:p>
+            <a:r>
+              <a:rPr lang="en-US" sz="1600" dirty="0">
+                <a:latin typeface="Courier New" panose="02070309020205020404" pitchFamily="49" charset="0"/>
+                <a:cs typeface="Courier New" panose="02070309020205020404" pitchFamily="49" charset="0"/>
+              </a:rPr>
+              <a:t>    void </a:t>
+            </a:r>
+            <a:r>
+              <a:rPr lang="en-US" sz="1600" dirty="0" err="1">
+                <a:latin typeface="Courier New" panose="02070309020205020404" pitchFamily="49" charset="0"/>
+                <a:cs typeface="Courier New" panose="02070309020205020404" pitchFamily="49" charset="0"/>
+              </a:rPr>
+              <a:t>py_rstrip</a:t>
+            </a:r>
+            <a:r>
+              <a:rPr lang="en-US" sz="1600" dirty="0">
+                <a:latin typeface="Courier New" panose="02070309020205020404" pitchFamily="49" charset="0"/>
+                <a:cs typeface="Courier New" panose="02070309020205020404" pitchFamily="49" charset="0"/>
+              </a:rPr>
+              <a:t>();</a:t>
+            </a:r>
+          </a:p>
+          <a:p>
+            <a:r>
+              <a:rPr lang="en-US" sz="1600" dirty="0">
+                <a:latin typeface="Courier New" panose="02070309020205020404" pitchFamily="49" charset="0"/>
+                <a:cs typeface="Courier New" panose="02070309020205020404" pitchFamily="49" charset="0"/>
+              </a:rPr>
+              <a:t>    </a:t>
+            </a:r>
+            <a:r>
+              <a:rPr lang="en-US" sz="1600" dirty="0" err="1">
+                <a:latin typeface="Courier New" panose="02070309020205020404" pitchFamily="49" charset="0"/>
+                <a:cs typeface="Courier New" panose="02070309020205020404" pitchFamily="49" charset="0"/>
+              </a:rPr>
+              <a:t>py_rstrip</a:t>
+            </a:r>
+            <a:r>
+              <a:rPr lang="en-US" sz="1600" dirty="0">
+                <a:latin typeface="Courier New" panose="02070309020205020404" pitchFamily="49" charset="0"/>
+                <a:cs typeface="Courier New" panose="02070309020205020404" pitchFamily="49" charset="0"/>
+              </a:rPr>
+              <a:t>(s1);</a:t>
+            </a:r>
+          </a:p>
+          <a:p>
+            <a:r>
+              <a:rPr lang="en-US" sz="1600" dirty="0">
+                <a:latin typeface="Courier New" panose="02070309020205020404" pitchFamily="49" charset="0"/>
+                <a:cs typeface="Courier New" panose="02070309020205020404" pitchFamily="49" charset="0"/>
+              </a:rPr>
+              <a:t>    </a:t>
+            </a:r>
+            <a:r>
+              <a:rPr lang="en-US" sz="1600" dirty="0" err="1">
+                <a:latin typeface="Courier New" panose="02070309020205020404" pitchFamily="49" charset="0"/>
+                <a:cs typeface="Courier New" panose="02070309020205020404" pitchFamily="49" charset="0"/>
+              </a:rPr>
+              <a:t>printf</a:t>
+            </a:r>
+            <a:r>
+              <a:rPr lang="en-US" sz="1600" dirty="0">
+                <a:latin typeface="Courier New" panose="02070309020205020404" pitchFamily="49" charset="0"/>
+                <a:cs typeface="Courier New" panose="02070309020205020404" pitchFamily="49" charset="0"/>
+              </a:rPr>
+              <a:t>("-%s-\n", s1);</a:t>
+            </a:r>
+          </a:p>
+          <a:p>
+            <a:r>
+              <a:rPr lang="en-US" sz="1600" dirty="0">
+                <a:latin typeface="Courier New" panose="02070309020205020404" pitchFamily="49" charset="0"/>
+                <a:cs typeface="Courier New" panose="02070309020205020404" pitchFamily="49" charset="0"/>
+              </a:rPr>
+              <a:t>}</a:t>
+            </a:r>
+          </a:p>
+          <a:p>
+            <a:endParaRPr lang="en-US" sz="1600" dirty="0">
+              <a:latin typeface="Courier New" panose="02070309020205020404" pitchFamily="49" charset="0"/>
+              <a:cs typeface="Courier New" panose="02070309020205020404" pitchFamily="49" charset="0"/>
+            </a:endParaRPr>
+          </a:p>
+          <a:p>
+            <a:r>
+              <a:rPr lang="en-US" sz="1600" dirty="0">
+                <a:latin typeface="Courier New" panose="02070309020205020404" pitchFamily="49" charset="0"/>
+                <a:cs typeface="Courier New" panose="02070309020205020404" pitchFamily="49" charset="0"/>
+              </a:rPr>
+              <a:t>void </a:t>
+            </a:r>
+            <a:r>
+              <a:rPr lang="en-US" sz="1600" dirty="0" err="1">
+                <a:latin typeface="Courier New" panose="02070309020205020404" pitchFamily="49" charset="0"/>
+                <a:cs typeface="Courier New" panose="02070309020205020404" pitchFamily="49" charset="0"/>
+              </a:rPr>
+              <a:t>py_rstrip</a:t>
+            </a:r>
+            <a:r>
+              <a:rPr lang="en-US" sz="1600" dirty="0">
+                <a:latin typeface="Courier New" panose="02070309020205020404" pitchFamily="49" charset="0"/>
+                <a:cs typeface="Courier New" panose="02070309020205020404" pitchFamily="49" charset="0"/>
+              </a:rPr>
+              <a:t>(</a:t>
+            </a:r>
+            <a:r>
+              <a:rPr lang="en-US" sz="1600" dirty="0" err="1">
+                <a:latin typeface="Courier New" panose="02070309020205020404" pitchFamily="49" charset="0"/>
+                <a:cs typeface="Courier New" panose="02070309020205020404" pitchFamily="49" charset="0"/>
+              </a:rPr>
+              <a:t>inp</a:t>
+            </a:r>
+            <a:r>
+              <a:rPr lang="en-US" sz="1600" dirty="0">
+                <a:latin typeface="Courier New" panose="02070309020205020404" pitchFamily="49" charset="0"/>
+                <a:cs typeface="Courier New" panose="02070309020205020404" pitchFamily="49" charset="0"/>
+              </a:rPr>
+              <a:t>)</a:t>
+            </a:r>
+          </a:p>
+          <a:p>
+            <a:r>
+              <a:rPr lang="en-US" sz="1600" dirty="0">
+                <a:latin typeface="Courier New" panose="02070309020205020404" pitchFamily="49" charset="0"/>
+                <a:cs typeface="Courier New" panose="02070309020205020404" pitchFamily="49" charset="0"/>
+              </a:rPr>
+              <a:t>    char </a:t>
+            </a:r>
+            <a:r>
+              <a:rPr lang="en-US" sz="1600" dirty="0" err="1">
+                <a:latin typeface="Courier New" panose="02070309020205020404" pitchFamily="49" charset="0"/>
+                <a:cs typeface="Courier New" panose="02070309020205020404" pitchFamily="49" charset="0"/>
+              </a:rPr>
+              <a:t>inp</a:t>
+            </a:r>
+            <a:r>
+              <a:rPr lang="en-US" sz="1600" dirty="0">
+                <a:latin typeface="Courier New" panose="02070309020205020404" pitchFamily="49" charset="0"/>
+                <a:cs typeface="Courier New" panose="02070309020205020404" pitchFamily="49" charset="0"/>
+              </a:rPr>
+              <a:t>[];</a:t>
+            </a:r>
+          </a:p>
+          <a:p>
+            <a:r>
+              <a:rPr lang="en-US" sz="1600" dirty="0">
+                <a:latin typeface="Courier New" panose="02070309020205020404" pitchFamily="49" charset="0"/>
+                <a:cs typeface="Courier New" panose="02070309020205020404" pitchFamily="49" charset="0"/>
+              </a:rPr>
+              <a:t>{   </a:t>
+            </a:r>
+          </a:p>
+          <a:p>
+            <a:r>
+              <a:rPr lang="en-US" sz="1600" dirty="0">
+                <a:latin typeface="Courier New" panose="02070309020205020404" pitchFamily="49" charset="0"/>
+                <a:cs typeface="Courier New" panose="02070309020205020404" pitchFamily="49" charset="0"/>
+              </a:rPr>
+              <a:t>    int </a:t>
+            </a:r>
+            <a:r>
+              <a:rPr lang="en-US" sz="1600" dirty="0" err="1">
+                <a:latin typeface="Courier New" panose="02070309020205020404" pitchFamily="49" charset="0"/>
+                <a:cs typeface="Courier New" panose="02070309020205020404" pitchFamily="49" charset="0"/>
+              </a:rPr>
+              <a:t>i</a:t>
+            </a:r>
+            <a:r>
+              <a:rPr lang="en-US" sz="1600" dirty="0">
+                <a:latin typeface="Courier New" panose="02070309020205020404" pitchFamily="49" charset="0"/>
+                <a:cs typeface="Courier New" panose="02070309020205020404" pitchFamily="49" charset="0"/>
+              </a:rPr>
+              <a:t>, j;</a:t>
+            </a:r>
+          </a:p>
+          <a:p>
+            <a:r>
+              <a:rPr lang="en-US" sz="1600" dirty="0">
+                <a:latin typeface="Courier New" panose="02070309020205020404" pitchFamily="49" charset="0"/>
+                <a:cs typeface="Courier New" panose="02070309020205020404" pitchFamily="49" charset="0"/>
+              </a:rPr>
+              <a:t>    for(</a:t>
+            </a:r>
+            <a:r>
+              <a:rPr lang="en-US" sz="1600" dirty="0" err="1">
+                <a:latin typeface="Courier New" panose="02070309020205020404" pitchFamily="49" charset="0"/>
+                <a:cs typeface="Courier New" panose="02070309020205020404" pitchFamily="49" charset="0"/>
+              </a:rPr>
+              <a:t>i</a:t>
+            </a:r>
+            <a:r>
+              <a:rPr lang="en-US" sz="1600" dirty="0">
+                <a:latin typeface="Courier New" panose="02070309020205020404" pitchFamily="49" charset="0"/>
+                <a:cs typeface="Courier New" panose="02070309020205020404" pitchFamily="49" charset="0"/>
+              </a:rPr>
+              <a:t>=0, j=0; </a:t>
+            </a:r>
+            <a:r>
+              <a:rPr lang="en-US" sz="1600" dirty="0" err="1">
+                <a:latin typeface="Courier New" panose="02070309020205020404" pitchFamily="49" charset="0"/>
+                <a:cs typeface="Courier New" panose="02070309020205020404" pitchFamily="49" charset="0"/>
+              </a:rPr>
+              <a:t>i</a:t>
+            </a:r>
+            <a:r>
+              <a:rPr lang="en-US" sz="1600" dirty="0">
+                <a:latin typeface="Courier New" panose="02070309020205020404" pitchFamily="49" charset="0"/>
+                <a:cs typeface="Courier New" panose="02070309020205020404" pitchFamily="49" charset="0"/>
+              </a:rPr>
+              <a:t>&lt;</a:t>
+            </a:r>
+            <a:r>
+              <a:rPr lang="en-US" sz="1600" dirty="0" err="1">
+                <a:latin typeface="Courier New" panose="02070309020205020404" pitchFamily="49" charset="0"/>
+                <a:cs typeface="Courier New" panose="02070309020205020404" pitchFamily="49" charset="0"/>
+              </a:rPr>
+              <a:t>strlen</a:t>
+            </a:r>
+            <a:r>
+              <a:rPr lang="en-US" sz="1600" dirty="0">
+                <a:latin typeface="Courier New" panose="02070309020205020404" pitchFamily="49" charset="0"/>
+                <a:cs typeface="Courier New" panose="02070309020205020404" pitchFamily="49" charset="0"/>
+              </a:rPr>
+              <a:t>(</a:t>
+            </a:r>
+            <a:r>
+              <a:rPr lang="en-US" sz="1600" dirty="0" err="1">
+                <a:latin typeface="Courier New" panose="02070309020205020404" pitchFamily="49" charset="0"/>
+                <a:cs typeface="Courier New" panose="02070309020205020404" pitchFamily="49" charset="0"/>
+              </a:rPr>
+              <a:t>inp</a:t>
+            </a:r>
+            <a:r>
+              <a:rPr lang="en-US" sz="1600" dirty="0">
+                <a:latin typeface="Courier New" panose="02070309020205020404" pitchFamily="49" charset="0"/>
+                <a:cs typeface="Courier New" panose="02070309020205020404" pitchFamily="49" charset="0"/>
+              </a:rPr>
+              <a:t>)-1; </a:t>
+            </a:r>
+            <a:r>
+              <a:rPr lang="en-US" sz="1600" dirty="0" err="1">
+                <a:latin typeface="Courier New" panose="02070309020205020404" pitchFamily="49" charset="0"/>
+                <a:cs typeface="Courier New" panose="02070309020205020404" pitchFamily="49" charset="0"/>
+              </a:rPr>
+              <a:t>i</a:t>
+            </a:r>
+            <a:r>
+              <a:rPr lang="en-US" sz="1600" dirty="0">
+                <a:latin typeface="Courier New" panose="02070309020205020404" pitchFamily="49" charset="0"/>
+                <a:cs typeface="Courier New" panose="02070309020205020404" pitchFamily="49" charset="0"/>
+              </a:rPr>
+              <a:t>++) {</a:t>
+            </a:r>
+          </a:p>
+          <a:p>
+            <a:r>
+              <a:rPr lang="en-US" sz="1600" dirty="0">
+                <a:latin typeface="Courier New" panose="02070309020205020404" pitchFamily="49" charset="0"/>
+                <a:cs typeface="Courier New" panose="02070309020205020404" pitchFamily="49" charset="0"/>
+              </a:rPr>
+              <a:t>        if ( </a:t>
+            </a:r>
+            <a:r>
+              <a:rPr lang="en-US" sz="1600" dirty="0" err="1">
+                <a:latin typeface="Courier New" panose="02070309020205020404" pitchFamily="49" charset="0"/>
+                <a:cs typeface="Courier New" panose="02070309020205020404" pitchFamily="49" charset="0"/>
+              </a:rPr>
+              <a:t>inp</a:t>
+            </a:r>
+            <a:r>
+              <a:rPr lang="en-US" sz="1600" dirty="0">
+                <a:latin typeface="Courier New" panose="02070309020205020404" pitchFamily="49" charset="0"/>
+                <a:cs typeface="Courier New" panose="02070309020205020404" pitchFamily="49" charset="0"/>
+              </a:rPr>
+              <a:t>[</a:t>
+            </a:r>
+            <a:r>
+              <a:rPr lang="en-US" sz="1600" dirty="0" err="1">
+                <a:latin typeface="Courier New" panose="02070309020205020404" pitchFamily="49" charset="0"/>
+                <a:cs typeface="Courier New" panose="02070309020205020404" pitchFamily="49" charset="0"/>
+              </a:rPr>
+              <a:t>i</a:t>
+            </a:r>
+            <a:r>
+              <a:rPr lang="en-US" sz="1600" dirty="0">
+                <a:latin typeface="Courier New" panose="02070309020205020404" pitchFamily="49" charset="0"/>
+                <a:cs typeface="Courier New" panose="02070309020205020404" pitchFamily="49" charset="0"/>
+              </a:rPr>
+              <a:t>] == '\n' || </a:t>
+            </a:r>
+          </a:p>
+          <a:p>
+            <a:r>
+              <a:rPr lang="en-US" sz="1600" dirty="0">
+                <a:latin typeface="Courier New" panose="02070309020205020404" pitchFamily="49" charset="0"/>
+                <a:cs typeface="Courier New" panose="02070309020205020404" pitchFamily="49" charset="0"/>
+              </a:rPr>
+              <a:t>             </a:t>
+            </a:r>
+            <a:r>
+              <a:rPr lang="en-US" sz="1600" dirty="0" err="1">
+                <a:latin typeface="Courier New" panose="02070309020205020404" pitchFamily="49" charset="0"/>
+                <a:cs typeface="Courier New" panose="02070309020205020404" pitchFamily="49" charset="0"/>
+              </a:rPr>
+              <a:t>inp</a:t>
+            </a:r>
+            <a:r>
+              <a:rPr lang="en-US" sz="1600" dirty="0">
+                <a:latin typeface="Courier New" panose="02070309020205020404" pitchFamily="49" charset="0"/>
+                <a:cs typeface="Courier New" panose="02070309020205020404" pitchFamily="49" charset="0"/>
+              </a:rPr>
+              <a:t>[</a:t>
+            </a:r>
+            <a:r>
+              <a:rPr lang="en-US" sz="1600" dirty="0" err="1">
+                <a:latin typeface="Courier New" panose="02070309020205020404" pitchFamily="49" charset="0"/>
+                <a:cs typeface="Courier New" panose="02070309020205020404" pitchFamily="49" charset="0"/>
+              </a:rPr>
+              <a:t>i</a:t>
+            </a:r>
+            <a:r>
+              <a:rPr lang="en-US" sz="1600" dirty="0">
+                <a:latin typeface="Courier New" panose="02070309020205020404" pitchFamily="49" charset="0"/>
+                <a:cs typeface="Courier New" panose="02070309020205020404" pitchFamily="49" charset="0"/>
+              </a:rPr>
+              <a:t>] == '\t' || </a:t>
+            </a:r>
+            <a:r>
+              <a:rPr lang="en-US" sz="1600" dirty="0" err="1">
+                <a:latin typeface="Courier New" panose="02070309020205020404" pitchFamily="49" charset="0"/>
+                <a:cs typeface="Courier New" panose="02070309020205020404" pitchFamily="49" charset="0"/>
+              </a:rPr>
+              <a:t>inp</a:t>
+            </a:r>
+            <a:r>
+              <a:rPr lang="en-US" sz="1600" dirty="0">
+                <a:latin typeface="Courier New" panose="02070309020205020404" pitchFamily="49" charset="0"/>
+                <a:cs typeface="Courier New" panose="02070309020205020404" pitchFamily="49" charset="0"/>
+              </a:rPr>
+              <a:t>[</a:t>
+            </a:r>
+            <a:r>
+              <a:rPr lang="en-US" sz="1600" dirty="0" err="1">
+                <a:latin typeface="Courier New" panose="02070309020205020404" pitchFamily="49" charset="0"/>
+                <a:cs typeface="Courier New" panose="02070309020205020404" pitchFamily="49" charset="0"/>
+              </a:rPr>
+              <a:t>i</a:t>
+            </a:r>
+            <a:r>
+              <a:rPr lang="en-US" sz="1600" dirty="0">
+                <a:latin typeface="Courier New" panose="02070309020205020404" pitchFamily="49" charset="0"/>
+                <a:cs typeface="Courier New" panose="02070309020205020404" pitchFamily="49" charset="0"/>
+              </a:rPr>
+              <a:t>] == ' ' ) {</a:t>
+            </a:r>
+          </a:p>
+          <a:p>
+            <a:r>
+              <a:rPr lang="en-US" sz="1600" dirty="0">
+                <a:latin typeface="Courier New" panose="02070309020205020404" pitchFamily="49" charset="0"/>
+                <a:cs typeface="Courier New" panose="02070309020205020404" pitchFamily="49" charset="0"/>
+              </a:rPr>
+              <a:t>            /* Whitespace skip  */</a:t>
+            </a:r>
+          </a:p>
+          <a:p>
+            <a:r>
+              <a:rPr lang="en-US" sz="1600" dirty="0">
+                <a:latin typeface="Courier New" panose="02070309020205020404" pitchFamily="49" charset="0"/>
+                <a:cs typeface="Courier New" panose="02070309020205020404" pitchFamily="49" charset="0"/>
+              </a:rPr>
+              <a:t>        } else {</a:t>
+            </a:r>
+          </a:p>
+          <a:p>
+            <a:r>
+              <a:rPr lang="en-US" sz="1600" dirty="0">
+                <a:latin typeface="Courier New" panose="02070309020205020404" pitchFamily="49" charset="0"/>
+                <a:cs typeface="Courier New" panose="02070309020205020404" pitchFamily="49" charset="0"/>
+              </a:rPr>
+              <a:t>            j = </a:t>
+            </a:r>
+            <a:r>
+              <a:rPr lang="en-US" sz="1600" dirty="0" err="1">
+                <a:latin typeface="Courier New" panose="02070309020205020404" pitchFamily="49" charset="0"/>
+                <a:cs typeface="Courier New" panose="02070309020205020404" pitchFamily="49" charset="0"/>
+              </a:rPr>
+              <a:t>i</a:t>
+            </a:r>
+            <a:r>
+              <a:rPr lang="en-US" sz="1600" dirty="0">
+                <a:latin typeface="Courier New" panose="02070309020205020404" pitchFamily="49" charset="0"/>
+                <a:cs typeface="Courier New" panose="02070309020205020404" pitchFamily="49" charset="0"/>
+              </a:rPr>
+              <a:t>; /* the last non-blank */</a:t>
+            </a:r>
+          </a:p>
+          <a:p>
+            <a:r>
+              <a:rPr lang="en-US" sz="1600" dirty="0">
+                <a:latin typeface="Courier New" panose="02070309020205020404" pitchFamily="49" charset="0"/>
+                <a:cs typeface="Courier New" panose="02070309020205020404" pitchFamily="49" charset="0"/>
+              </a:rPr>
+              <a:t>        }</a:t>
+            </a:r>
+          </a:p>
+          <a:p>
+            <a:r>
+              <a:rPr lang="en-US" sz="1600" dirty="0">
+                <a:latin typeface="Courier New" panose="02070309020205020404" pitchFamily="49" charset="0"/>
+                <a:cs typeface="Courier New" panose="02070309020205020404" pitchFamily="49" charset="0"/>
+              </a:rPr>
+              <a:t>    }</a:t>
+            </a:r>
+          </a:p>
+          <a:p>
+            <a:r>
+              <a:rPr lang="en-US" sz="1600" dirty="0">
+                <a:latin typeface="Courier New" panose="02070309020205020404" pitchFamily="49" charset="0"/>
+                <a:cs typeface="Courier New" panose="02070309020205020404" pitchFamily="49" charset="0"/>
+              </a:rPr>
+              <a:t>    if ( j+1 &lt; </a:t>
+            </a:r>
+            <a:r>
+              <a:rPr lang="en-US" sz="1600" dirty="0" err="1">
+                <a:latin typeface="Courier New" panose="02070309020205020404" pitchFamily="49" charset="0"/>
+                <a:cs typeface="Courier New" panose="02070309020205020404" pitchFamily="49" charset="0"/>
+              </a:rPr>
+              <a:t>strlen</a:t>
+            </a:r>
+            <a:r>
+              <a:rPr lang="en-US" sz="1600" dirty="0">
+                <a:latin typeface="Courier New" panose="02070309020205020404" pitchFamily="49" charset="0"/>
+                <a:cs typeface="Courier New" panose="02070309020205020404" pitchFamily="49" charset="0"/>
+              </a:rPr>
+              <a:t>(</a:t>
+            </a:r>
+            <a:r>
+              <a:rPr lang="en-US" sz="1600" dirty="0" err="1">
+                <a:latin typeface="Courier New" panose="02070309020205020404" pitchFamily="49" charset="0"/>
+                <a:cs typeface="Courier New" panose="02070309020205020404" pitchFamily="49" charset="0"/>
+              </a:rPr>
+              <a:t>inp</a:t>
+            </a:r>
+            <a:r>
+              <a:rPr lang="en-US" sz="1600" dirty="0">
+                <a:latin typeface="Courier New" panose="02070309020205020404" pitchFamily="49" charset="0"/>
+                <a:cs typeface="Courier New" panose="02070309020205020404" pitchFamily="49" charset="0"/>
+              </a:rPr>
+              <a:t>) ) </a:t>
+            </a:r>
+            <a:r>
+              <a:rPr lang="en-US" sz="1600" dirty="0" err="1">
+                <a:latin typeface="Courier New" panose="02070309020205020404" pitchFamily="49" charset="0"/>
+                <a:cs typeface="Courier New" panose="02070309020205020404" pitchFamily="49" charset="0"/>
+              </a:rPr>
+              <a:t>inp</a:t>
+            </a:r>
+            <a:r>
+              <a:rPr lang="en-US" sz="1600" dirty="0">
+                <a:latin typeface="Courier New" panose="02070309020205020404" pitchFamily="49" charset="0"/>
+                <a:cs typeface="Courier New" panose="02070309020205020404" pitchFamily="49" charset="0"/>
+              </a:rPr>
+              <a:t>[j+1] = '\0';</a:t>
+            </a:r>
+          </a:p>
+          <a:p>
+            <a:r>
+              <a:rPr lang="en-US" sz="1600" dirty="0">
+                <a:latin typeface="Courier New" panose="02070309020205020404" pitchFamily="49" charset="0"/>
+                <a:cs typeface="Courier New" panose="02070309020205020404" pitchFamily="49" charset="0"/>
+              </a:rPr>
+              <a:t>}</a:t>
+            </a:r>
+          </a:p>
+        </p:txBody>
+      </p:sp>
+      <p:sp>
+        <p:nvSpPr>
+          <p:cNvPr id="7" name="TextBox 6">
+            <a:extLst>
+              <a:ext uri="{FF2B5EF4-FFF2-40B4-BE49-F238E27FC236}">
+                <a16:creationId xmlns:a16="http://schemas.microsoft.com/office/drawing/2014/main" id="{03B4458A-37BA-02AB-CE8C-B288D36FE6BF}"/>
+              </a:ext>
+            </a:extLst>
+          </p:cNvPr>
+          <p:cNvSpPr txBox="1"/>
+          <p:nvPr/>
+        </p:nvSpPr>
+        <p:spPr>
+          <a:xfrm>
+            <a:off x="992011" y="4111055"/>
+            <a:ext cx="2666114" cy="369332"/>
+          </a:xfrm>
+          <a:prstGeom prst="rect">
+            <a:avLst/>
+          </a:prstGeom>
+          <a:noFill/>
+        </p:spPr>
+        <p:txBody>
+          <a:bodyPr wrap="none" rtlCol="0">
+            <a:spAutoFit/>
+          </a:bodyPr>
+          <a:lstStyle/>
+          <a:p>
+            <a:r>
+              <a:rPr lang="en-US" dirty="0">
+                <a:latin typeface="Monaco" pitchFamily="2" charset="77"/>
+              </a:rPr>
+              <a:t>-   Hello   World-</a:t>
+            </a:r>
+          </a:p>
+        </p:txBody>
+      </p:sp>
+      <p:sp>
+        <p:nvSpPr>
+          <p:cNvPr id="8" name="TextBox 7">
+            <a:extLst>
+              <a:ext uri="{FF2B5EF4-FFF2-40B4-BE49-F238E27FC236}">
+                <a16:creationId xmlns:a16="http://schemas.microsoft.com/office/drawing/2014/main" id="{F7AC2D4A-1256-8DC4-CDEF-7E9063C86FCE}"/>
+              </a:ext>
+            </a:extLst>
+          </p:cNvPr>
+          <p:cNvSpPr txBox="1"/>
+          <p:nvPr/>
+        </p:nvSpPr>
+        <p:spPr>
+          <a:xfrm>
+            <a:off x="10460182" y="6323598"/>
+            <a:ext cx="1600199" cy="338554"/>
+          </a:xfrm>
+          <a:prstGeom prst="rect">
+            <a:avLst/>
+          </a:prstGeom>
+          <a:noFill/>
+        </p:spPr>
+        <p:txBody>
+          <a:bodyPr wrap="square">
+            <a:spAutoFit/>
+          </a:bodyPr>
+          <a:lstStyle/>
+          <a:p>
+            <a:r>
+              <a:rPr lang="en-US" sz="1600" dirty="0">
+                <a:solidFill>
+                  <a:srgbClr val="000000"/>
+                </a:solidFill>
+                <a:effectLst/>
+                <a:latin typeface="Menlo" panose="020B0609030804020204" pitchFamily="49" charset="0"/>
+              </a:rPr>
+              <a:t>cc_02_13.c</a:t>
+            </a:r>
+          </a:p>
+        </p:txBody>
+      </p:sp>
+    </p:spTree>
+    <p:extLst>
+      <p:ext uri="{BB962C8B-B14F-4D97-AF65-F5344CB8AC3E}">
+        <p14:creationId xmlns:p14="http://schemas.microsoft.com/office/powerpoint/2010/main" val="1497677615"/>
+      </p:ext>
+    </p:extLst>
+  </p:cSld>
+  <p:clrMapOvr>
+    <a:masterClrMapping/>
+  </p:clrMapOvr>
+</p:sld>
+</file>
+
+<file path=ppt/slides/slide23.xml><?xml version="1.0" encoding="utf-8"?>
+<p:sld xmlns:a="http://schemas.openxmlformats.org/drawingml/2006/main" xmlns:r="http://schemas.openxmlformats.org/officeDocument/2006/relationships" xmlns:p="http://schemas.openxmlformats.org/presentationml/2006/main">
+  <p:cSld>
+    <p:spTree>
+      <p:nvGrpSpPr>
+        <p:cNvPr id="1" name=""/>
+        <p:cNvGrpSpPr/>
+        <p:nvPr/>
+      </p:nvGrpSpPr>
+      <p:grpSpPr>
+        <a:xfrm>
+          <a:off x="0" y="0"/>
+          <a:ext cx="0" cy="0"/>
+          <a:chOff x="0" y="0"/>
+          <a:chExt cx="0" cy="0"/>
+        </a:xfrm>
+      </p:grpSpPr>
+      <p:sp>
+        <p:nvSpPr>
+          <p:cNvPr id="4" name="Title 3">
+            <a:extLst>
+              <a:ext uri="{FF2B5EF4-FFF2-40B4-BE49-F238E27FC236}">
+                <a16:creationId xmlns:a16="http://schemas.microsoft.com/office/drawing/2014/main" id="{C2B508E1-B5B9-9A0B-37F0-15F2BB303BFA}"/>
+              </a:ext>
+            </a:extLst>
+          </p:cNvPr>
+          <p:cNvSpPr>
+            <a:spLocks noGrp="1"/>
+          </p:cNvSpPr>
+          <p:nvPr>
+            <p:ph type="title"/>
+          </p:nvPr>
+        </p:nvSpPr>
+        <p:spPr/>
+        <p:txBody>
+          <a:bodyPr/>
+          <a:lstStyle/>
+          <a:p>
+            <a:r>
+              <a:rPr lang="en-US" dirty="0"/>
+              <a:t>Left Strip</a:t>
+            </a:r>
+          </a:p>
+        </p:txBody>
+      </p:sp>
+      <p:sp>
+        <p:nvSpPr>
+          <p:cNvPr id="5" name="TextBox 4">
+            <a:extLst>
+              <a:ext uri="{FF2B5EF4-FFF2-40B4-BE49-F238E27FC236}">
+                <a16:creationId xmlns:a16="http://schemas.microsoft.com/office/drawing/2014/main" id="{FDC36094-8775-EBE3-1FED-6DF8907EC500}"/>
+              </a:ext>
+            </a:extLst>
+          </p:cNvPr>
+          <p:cNvSpPr txBox="1"/>
+          <p:nvPr/>
+        </p:nvSpPr>
+        <p:spPr>
+          <a:xfrm>
+            <a:off x="838200" y="2577706"/>
+            <a:ext cx="3906839" cy="646331"/>
+          </a:xfrm>
+          <a:prstGeom prst="rect">
+            <a:avLst/>
+          </a:prstGeom>
+          <a:noFill/>
+        </p:spPr>
+        <p:txBody>
+          <a:bodyPr wrap="none" rtlCol="0">
+            <a:spAutoFit/>
+          </a:bodyPr>
+          <a:lstStyle/>
+          <a:p>
+            <a:r>
+              <a:rPr lang="en-US" dirty="0">
+                <a:latin typeface="Courier New" panose="02070309020205020404" pitchFamily="49" charset="0"/>
+                <a:cs typeface="Courier New" panose="02070309020205020404" pitchFamily="49" charset="0"/>
+              </a:rPr>
+              <a:t>s1 = "   Hello   World    "</a:t>
+            </a:r>
+          </a:p>
+          <a:p>
+            <a:r>
+              <a:rPr lang="en-US" dirty="0">
+                <a:latin typeface="Courier New" panose="02070309020205020404" pitchFamily="49" charset="0"/>
+                <a:cs typeface="Courier New" panose="02070309020205020404" pitchFamily="49" charset="0"/>
+              </a:rPr>
               <a:t>print('-'+s1.lstrip()+'-')</a:t>
             </a:r>
           </a:p>
@@ -13145,7 +13758,7 @@
         <p:spPr>
           <a:xfrm>
             <a:off x="10460182" y="6323598"/>
-            <a:ext cx="1600199" cy="338554"/>
+            <a:ext cx="1600199" cy="584775"/>
           </a:xfrm>
           <a:prstGeom prst="rect">
             <a:avLst/>
@@ -13166,7 +13779,39 @@
                 <a:effectLst/>
                 <a:latin typeface="Menlo" panose="020B0609030804020204" pitchFamily="49" charset="0"/>
               </a:rPr>
-              <a:t>cc_02_13.c</a:t>
+              <a:t>cc</a:t>
+            </a:r>
+            <a:r>
+              <a:rPr lang="en-US" sz="1600">
+                <a:solidFill>
+                  <a:srgbClr val="000000"/>
+                </a:solidFill>
+                <a:effectLst/>
+                <a:latin typeface="Menlo" panose="020B0609030804020204" pitchFamily="49" charset="0"/>
+              </a:rPr>
+              <a:t>_02_14</a:t>
+            </a:r>
+          </a:p>
+          <a:p>
+            <a:r>
+              <a:rPr lang="en-US" sz="1600">
+                <a:solidFill>
+                  <a:srgbClr val="000000"/>
+                </a:solidFill>
+                <a:effectLst/>
+                <a:latin typeface="Menlo" panose="020B0609030804020204" pitchFamily="49" charset="0"/>
+              </a:rPr>
+              <a:t>.</a:t>
+            </a:r>
+            <a:r>
+              <a:rPr lang="en-US" sz="1600" dirty="0">
+                <a:solidFill>
+                  <a:srgbClr val="000000"/>
+                </a:solidFill>
+                <a:effectLst/>
+                <a:latin typeface="Menlo" panose="020B0609030804020204" pitchFamily="49" charset="0"/>
+              </a:rPr>
+              <a:t>c</a:t>
             </a:r>
           </a:p>
         </p:txBody>

--- a/lectures/CC-02-Python.pptx
+++ b/lectures/CC-02-Python.pptx
@@ -8156,7 +8156,7 @@
           <a:p>
             <a:r>
               <a:rPr lang="en-US" dirty="0"/>
-              <a:t>Functions</a:t>
+              <a:t>Functions (call by value)</a:t>
             </a:r>
           </a:p>
         </p:txBody>
@@ -8175,8 +8175,8 @@
         </p:nvSpPr>
         <p:spPr>
           <a:xfrm>
-            <a:off x="316833" y="1659285"/>
-            <a:ext cx="4998484" cy="3539430"/>
+            <a:off x="1302384" y="1968844"/>
+            <a:ext cx="3493264" cy="1754326"/>
           </a:xfrm>
           <a:prstGeom prst="rect">
             <a:avLst/>
@@ -8190,170 +8190,116 @@
           <a:lstStyle/>
           <a:p>
             <a:r>
-              <a:rPr lang="en-US" sz="1600" dirty="0">
-                <a:latin typeface="Courier New" panose="02070309020205020404" pitchFamily="49" charset="0"/>
-                <a:cs typeface="Courier New" panose="02070309020205020404" pitchFamily="49" charset="0"/>
-              </a:rPr>
-              <a:t>while True:</a:t>
-            </a:r>
-          </a:p>
-          <a:p>
-            <a:r>
-              <a:rPr lang="en-US" sz="1600" dirty="0">
-                <a:latin typeface="Courier New" panose="02070309020205020404" pitchFamily="49" charset="0"/>
-                <a:cs typeface="Courier New" panose="02070309020205020404" pitchFamily="49" charset="0"/>
-              </a:rPr>
-              <a:t>    try:</a:t>
-            </a:r>
-          </a:p>
-          <a:p>
-            <a:r>
-              <a:rPr lang="en-US" sz="1600" dirty="0">
-                <a:latin typeface="Courier New" panose="02070309020205020404" pitchFamily="49" charset="0"/>
-                <a:cs typeface="Courier New" panose="02070309020205020404" pitchFamily="49" charset="0"/>
-              </a:rPr>
-              <a:t>        line = input()</a:t>
-            </a:r>
-          </a:p>
-          <a:p>
-            <a:r>
-              <a:rPr lang="en-US" sz="1600" dirty="0">
-                <a:latin typeface="Courier New" panose="02070309020205020404" pitchFamily="49" charset="0"/>
-                <a:cs typeface="Courier New" panose="02070309020205020404" pitchFamily="49" charset="0"/>
-              </a:rPr>
-              <a:t>    except:  # If we get EOF</a:t>
-            </a:r>
-          </a:p>
-          <a:p>
-            <a:r>
-              <a:rPr lang="en-US" sz="1600" dirty="0">
-                <a:latin typeface="Courier New" panose="02070309020205020404" pitchFamily="49" charset="0"/>
-                <a:cs typeface="Courier New" panose="02070309020205020404" pitchFamily="49" charset="0"/>
-              </a:rPr>
-              <a:t>        break</a:t>
-            </a:r>
-          </a:p>
-          <a:p>
-            <a:r>
-              <a:rPr lang="en-US" sz="1600" dirty="0">
-                <a:latin typeface="Courier New" panose="02070309020205020404" pitchFamily="49" charset="0"/>
-                <a:cs typeface="Courier New" panose="02070309020205020404" pitchFamily="49" charset="0"/>
-              </a:rPr>
-              <a:t>    line = </a:t>
-            </a:r>
-            <a:r>
-              <a:rPr lang="en-US" sz="1600" dirty="0" err="1">
-                <a:latin typeface="Courier New" panose="02070309020205020404" pitchFamily="49" charset="0"/>
-                <a:cs typeface="Courier New" panose="02070309020205020404" pitchFamily="49" charset="0"/>
-              </a:rPr>
-              <a:t>line.strip</a:t>
-            </a:r>
-            <a:r>
-              <a:rPr lang="en-US" sz="1600" dirty="0">
-                <a:latin typeface="Courier New" panose="02070309020205020404" pitchFamily="49" charset="0"/>
-                <a:cs typeface="Courier New" panose="02070309020205020404" pitchFamily="49" charset="0"/>
-              </a:rPr>
-              <a:t>()</a:t>
-            </a:r>
-          </a:p>
-          <a:p>
-            <a:r>
-              <a:rPr lang="en-US" sz="1600" dirty="0">
-                <a:latin typeface="Courier New" panose="02070309020205020404" pitchFamily="49" charset="0"/>
-                <a:cs typeface="Courier New" panose="02070309020205020404" pitchFamily="49" charset="0"/>
-              </a:rPr>
-              <a:t>    guess = int(line)</a:t>
-            </a:r>
-          </a:p>
-          <a:p>
-            <a:r>
-              <a:rPr lang="en-US" sz="1600" dirty="0">
-                <a:latin typeface="Courier New" panose="02070309020205020404" pitchFamily="49" charset="0"/>
-                <a:cs typeface="Courier New" panose="02070309020205020404" pitchFamily="49" charset="0"/>
-              </a:rPr>
-              <a:t>    if guess == 42:</a:t>
-            </a:r>
-          </a:p>
-          <a:p>
-            <a:r>
-              <a:rPr lang="en-US" sz="1600" dirty="0">
-                <a:latin typeface="Courier New" panose="02070309020205020404" pitchFamily="49" charset="0"/>
-                <a:cs typeface="Courier New" panose="02070309020205020404" pitchFamily="49" charset="0"/>
-              </a:rPr>
-              <a:t>        print('Nice work!')</a:t>
-            </a:r>
-          </a:p>
-          <a:p>
-            <a:r>
-              <a:rPr lang="en-US" sz="1600" dirty="0">
-                <a:latin typeface="Courier New" panose="02070309020205020404" pitchFamily="49" charset="0"/>
-                <a:cs typeface="Courier New" panose="02070309020205020404" pitchFamily="49" charset="0"/>
-              </a:rPr>
-              <a:t>        break</a:t>
-            </a:r>
-          </a:p>
-          <a:p>
-            <a:r>
-              <a:rPr lang="en-US" sz="1600" dirty="0">
-                <a:latin typeface="Courier New" panose="02070309020205020404" pitchFamily="49" charset="0"/>
-                <a:cs typeface="Courier New" panose="02070309020205020404" pitchFamily="49" charset="0"/>
-              </a:rPr>
-              <a:t>    </a:t>
-            </a:r>
-            <a:r>
-              <a:rPr lang="en-US" sz="1600" dirty="0" err="1">
-                <a:latin typeface="Courier New" panose="02070309020205020404" pitchFamily="49" charset="0"/>
-                <a:cs typeface="Courier New" panose="02070309020205020404" pitchFamily="49" charset="0"/>
-              </a:rPr>
-              <a:t>elif</a:t>
-            </a:r>
-            <a:r>
-              <a:rPr lang="en-US" sz="1600" dirty="0">
-                <a:latin typeface="Courier New" panose="02070309020205020404" pitchFamily="49" charset="0"/>
-                <a:cs typeface="Courier New" panose="02070309020205020404" pitchFamily="49" charset="0"/>
-              </a:rPr>
-              <a:t> guess &lt; 42 : </a:t>
-            </a:r>
-          </a:p>
-          <a:p>
-            <a:r>
-              <a:rPr lang="en-US" sz="1600" dirty="0">
-                <a:latin typeface="Courier New" panose="02070309020205020404" pitchFamily="49" charset="0"/>
-                <a:cs typeface="Courier New" panose="02070309020205020404" pitchFamily="49" charset="0"/>
-              </a:rPr>
-              <a:t>        print('Too low - guess again')</a:t>
-            </a:r>
-          </a:p>
-          <a:p>
-            <a:r>
-              <a:rPr lang="en-US" sz="1600" dirty="0">
-                <a:latin typeface="Courier New" panose="02070309020205020404" pitchFamily="49" charset="0"/>
-                <a:cs typeface="Courier New" panose="02070309020205020404" pitchFamily="49" charset="0"/>
-              </a:rPr>
-              <a:t>    else :</a:t>
-            </a:r>
-          </a:p>
-          <a:p>
-            <a:r>
-              <a:rPr lang="en-US" sz="1600" dirty="0">
-                <a:latin typeface="Courier New" panose="02070309020205020404" pitchFamily="49" charset="0"/>
-                <a:cs typeface="Courier New" panose="02070309020205020404" pitchFamily="49" charset="0"/>
-              </a:rPr>
-              <a:t>        print('Too </a:t>
-            </a:r>
-            <a:r>
-              <a:rPr lang="en-US" sz="1600">
-                <a:latin typeface="Courier New" panose="02070309020205020404" pitchFamily="49" charset="0"/>
-                <a:cs typeface="Courier New" panose="02070309020205020404" pitchFamily="49" charset="0"/>
-              </a:rPr>
-              <a:t>high - guess </a:t>
-            </a:r>
-            <a:r>
-              <a:rPr lang="en-US" sz="1600" dirty="0">
-                <a:latin typeface="Courier New" panose="02070309020205020404" pitchFamily="49" charset="0"/>
-                <a:cs typeface="Courier New" panose="02070309020205020404" pitchFamily="49" charset="0"/>
-              </a:rPr>
-              <a:t>again')</a:t>
+              <a:rPr lang="en-US" dirty="0">
+                <a:latin typeface="Courier New" panose="02070309020205020404" pitchFamily="49" charset="0"/>
+                <a:cs typeface="Courier New" panose="02070309020205020404" pitchFamily="49" charset="0"/>
+              </a:rPr>
+              <a:t>def </a:t>
+            </a:r>
+            <a:r>
+              <a:rPr lang="en-US" dirty="0" err="1">
+                <a:latin typeface="Courier New" panose="02070309020205020404" pitchFamily="49" charset="0"/>
+                <a:cs typeface="Courier New" panose="02070309020205020404" pitchFamily="49" charset="0"/>
+              </a:rPr>
+              <a:t>mymult</a:t>
+            </a:r>
+            <a:r>
+              <a:rPr lang="en-US" dirty="0">
+                <a:latin typeface="Courier New" panose="02070309020205020404" pitchFamily="49" charset="0"/>
+                <a:cs typeface="Courier New" panose="02070309020205020404" pitchFamily="49" charset="0"/>
+              </a:rPr>
+              <a:t>(</a:t>
+            </a:r>
+            <a:r>
+              <a:rPr lang="en-US" dirty="0" err="1">
+                <a:latin typeface="Courier New" panose="02070309020205020404" pitchFamily="49" charset="0"/>
+                <a:cs typeface="Courier New" panose="02070309020205020404" pitchFamily="49" charset="0"/>
+              </a:rPr>
+              <a:t>a,b</a:t>
+            </a:r>
+            <a:r>
+              <a:rPr lang="en-US" dirty="0">
+                <a:latin typeface="Courier New" panose="02070309020205020404" pitchFamily="49" charset="0"/>
+                <a:cs typeface="Courier New" panose="02070309020205020404" pitchFamily="49" charset="0"/>
+              </a:rPr>
+              <a:t>):</a:t>
+            </a:r>
+          </a:p>
+          <a:p>
+            <a:r>
+              <a:rPr lang="en-US" dirty="0">
+                <a:latin typeface="Courier New" panose="02070309020205020404" pitchFamily="49" charset="0"/>
+                <a:cs typeface="Courier New" panose="02070309020205020404" pitchFamily="49" charset="0"/>
+              </a:rPr>
+              <a:t>    c = a * b</a:t>
+            </a:r>
+          </a:p>
+          <a:p>
+            <a:r>
+              <a:rPr lang="en-US" dirty="0">
+                <a:latin typeface="Courier New" panose="02070309020205020404" pitchFamily="49" charset="0"/>
+                <a:cs typeface="Courier New" panose="02070309020205020404" pitchFamily="49" charset="0"/>
+              </a:rPr>
+              <a:t>    return c</a:t>
+            </a:r>
+          </a:p>
+          <a:p>
+            <a:endParaRPr lang="en-US" dirty="0">
+              <a:latin typeface="Courier New" panose="02070309020205020404" pitchFamily="49" charset="0"/>
+              <a:cs typeface="Courier New" panose="02070309020205020404" pitchFamily="49" charset="0"/>
+            </a:endParaRPr>
+          </a:p>
+          <a:p>
+            <a:r>
+              <a:rPr lang="en-US" dirty="0" err="1">
+                <a:latin typeface="Courier New" panose="02070309020205020404" pitchFamily="49" charset="0"/>
+                <a:cs typeface="Courier New" panose="02070309020205020404" pitchFamily="49" charset="0"/>
+              </a:rPr>
+              <a:t>retval</a:t>
+            </a:r>
+            <a:r>
+              <a:rPr lang="en-US" dirty="0">
+                <a:latin typeface="Courier New" panose="02070309020205020404" pitchFamily="49" charset="0"/>
+                <a:cs typeface="Courier New" panose="02070309020205020404" pitchFamily="49" charset="0"/>
+              </a:rPr>
+              <a:t> = </a:t>
+            </a:r>
+            <a:r>
+              <a:rPr lang="en-US" dirty="0" err="1">
+                <a:latin typeface="Courier New" panose="02070309020205020404" pitchFamily="49" charset="0"/>
+                <a:cs typeface="Courier New" panose="02070309020205020404" pitchFamily="49" charset="0"/>
+              </a:rPr>
+              <a:t>mymult</a:t>
+            </a:r>
+            <a:r>
+              <a:rPr lang="en-US" dirty="0">
+                <a:latin typeface="Courier New" panose="02070309020205020404" pitchFamily="49" charset="0"/>
+                <a:cs typeface="Courier New" panose="02070309020205020404" pitchFamily="49" charset="0"/>
+              </a:rPr>
+              <a:t>(6, 7)</a:t>
+            </a:r>
+          </a:p>
+          <a:p>
+            <a:r>
+              <a:rPr lang="en-US" dirty="0">
+                <a:latin typeface="Courier New" panose="02070309020205020404" pitchFamily="49" charset="0"/>
+                <a:cs typeface="Courier New" panose="02070309020205020404" pitchFamily="49" charset="0"/>
+              </a:rPr>
+              <a:t>print('Answer:', </a:t>
+            </a:r>
+            <a:r>
+              <a:rPr lang="en-US" dirty="0" err="1">
+                <a:latin typeface="Courier New" panose="02070309020205020404" pitchFamily="49" charset="0"/>
+                <a:cs typeface="Courier New" panose="02070309020205020404" pitchFamily="49" charset="0"/>
+              </a:rPr>
+              <a:t>retval</a:t>
+            </a:r>
+            <a:r>
+              <a:rPr lang="en-US" dirty="0">
+                <a:latin typeface="Courier New" panose="02070309020205020404" pitchFamily="49" charset="0"/>
+                <a:cs typeface="Courier New" panose="02070309020205020404" pitchFamily="49" charset="0"/>
+              </a:rPr>
+              <a:t>)</a:t>
             </a:r>
           </a:p>
         </p:txBody>
@@ -8372,8 +8318,8 @@
         </p:nvSpPr>
         <p:spPr>
           <a:xfrm>
-            <a:off x="5713253" y="766733"/>
-            <a:ext cx="5985934" cy="3539430"/>
+            <a:off x="7081134" y="1599512"/>
+            <a:ext cx="4871847" cy="4247317"/>
           </a:xfrm>
           <a:prstGeom prst="rect">
             <a:avLst/>
@@ -8387,21 +8333,21 @@
           <a:lstStyle/>
           <a:p>
             <a:r>
-              <a:rPr lang="en-US" sz="1600" dirty="0">
+              <a:rPr lang="en-US" dirty="0">
                 <a:latin typeface="Courier New" panose="02070309020205020404" pitchFamily="49" charset="0"/>
                 <a:cs typeface="Courier New" panose="02070309020205020404" pitchFamily="49" charset="0"/>
               </a:rPr>
               <a:t>#include &lt;</a:t>
             </a:r>
             <a:r>
-              <a:rPr lang="en-US" sz="1600" dirty="0" err="1">
+              <a:rPr lang="en-US" dirty="0" err="1">
                 <a:latin typeface="Courier New" panose="02070309020205020404" pitchFamily="49" charset="0"/>
                 <a:cs typeface="Courier New" panose="02070309020205020404" pitchFamily="49" charset="0"/>
               </a:rPr>
               <a:t>stdio.h</a:t>
             </a:r>
             <a:r>
-              <a:rPr lang="en-US" sz="1600" dirty="0">
+              <a:rPr lang="en-US" dirty="0">
                 <a:latin typeface="Courier New" panose="02070309020205020404" pitchFamily="49" charset="0"/>
                 <a:cs typeface="Courier New" panose="02070309020205020404" pitchFamily="49" charset="0"/>
               </a:rPr>
@@ -8410,7 +8356,7 @@
           </a:p>
           <a:p>
             <a:r>
-              <a:rPr lang="en-US" sz="1600" dirty="0">
+              <a:rPr lang="en-US" dirty="0">
                 <a:latin typeface="Courier New" panose="02070309020205020404" pitchFamily="49" charset="0"/>
                 <a:cs typeface="Courier New" panose="02070309020205020404" pitchFamily="49" charset="0"/>
               </a:rPr>
@@ -8419,180 +8365,225 @@
           </a:p>
           <a:p>
             <a:r>
-              <a:rPr lang="en-US" sz="1600" dirty="0">
-                <a:latin typeface="Courier New" panose="02070309020205020404" pitchFamily="49" charset="0"/>
-                <a:cs typeface="Courier New" panose="02070309020205020404" pitchFamily="49" charset="0"/>
-              </a:rPr>
-              <a:t>    int guess;</a:t>
-            </a:r>
-          </a:p>
-          <a:p>
-            <a:r>
-              <a:rPr lang="en-US" sz="1600" dirty="0">
-                <a:latin typeface="Courier New" panose="02070309020205020404" pitchFamily="49" charset="0"/>
-                <a:cs typeface="Courier New" panose="02070309020205020404" pitchFamily="49" charset="0"/>
-              </a:rPr>
-              <a:t>    while(</a:t>
-            </a:r>
-            <a:r>
-              <a:rPr lang="en-US" sz="1600" dirty="0" err="1">
-                <a:latin typeface="Courier New" panose="02070309020205020404" pitchFamily="49" charset="0"/>
-                <a:cs typeface="Courier New" panose="02070309020205020404" pitchFamily="49" charset="0"/>
-              </a:rPr>
-              <a:t>scanf</a:t>
-            </a:r>
-            <a:r>
-              <a:rPr lang="en-US" sz="1600" dirty="0">
-                <a:latin typeface="Courier New" panose="02070309020205020404" pitchFamily="49" charset="0"/>
-                <a:cs typeface="Courier New" panose="02070309020205020404" pitchFamily="49" charset="0"/>
-              </a:rPr>
-              <a:t>("%</a:t>
-            </a:r>
-            <a:r>
-              <a:rPr lang="en-US" sz="1600" dirty="0" err="1">
-                <a:latin typeface="Courier New" panose="02070309020205020404" pitchFamily="49" charset="0"/>
-                <a:cs typeface="Courier New" panose="02070309020205020404" pitchFamily="49" charset="0"/>
-              </a:rPr>
-              <a:t>d",&amp;guess</a:t>
-            </a:r>
-            <a:r>
-              <a:rPr lang="en-US" sz="1600" dirty="0">
-                <a:latin typeface="Courier New" panose="02070309020205020404" pitchFamily="49" charset="0"/>
-                <a:cs typeface="Courier New" panose="02070309020205020404" pitchFamily="49" charset="0"/>
-              </a:rPr>
-              <a:t>) != EOF ) {</a:t>
-            </a:r>
-          </a:p>
-          <a:p>
-            <a:r>
-              <a:rPr lang="en-US" sz="1600" dirty="0">
-                <a:latin typeface="Courier New" panose="02070309020205020404" pitchFamily="49" charset="0"/>
-                <a:cs typeface="Courier New" panose="02070309020205020404" pitchFamily="49" charset="0"/>
-              </a:rPr>
-              <a:t>        if ( guess == 42 ) {</a:t>
-            </a:r>
-          </a:p>
-          <a:p>
-            <a:r>
-              <a:rPr lang="en-US" sz="1600" dirty="0">
-                <a:latin typeface="Courier New" panose="02070309020205020404" pitchFamily="49" charset="0"/>
-                <a:cs typeface="Courier New" panose="02070309020205020404" pitchFamily="49" charset="0"/>
-              </a:rPr>
-              <a:t>            </a:t>
-            </a:r>
-            <a:r>
-              <a:rPr lang="en-US" sz="1600" dirty="0" err="1">
+              <a:rPr lang="en-US" dirty="0">
+                <a:latin typeface="Courier New" panose="02070309020205020404" pitchFamily="49" charset="0"/>
+                <a:cs typeface="Courier New" panose="02070309020205020404" pitchFamily="49" charset="0"/>
+              </a:rPr>
+              <a:t>    int </a:t>
+            </a:r>
+            <a:r>
+              <a:rPr lang="en-US" dirty="0" err="1">
+                <a:latin typeface="Courier New" panose="02070309020205020404" pitchFamily="49" charset="0"/>
+                <a:cs typeface="Courier New" panose="02070309020205020404" pitchFamily="49" charset="0"/>
+              </a:rPr>
+              <a:t>mymult</a:t>
+            </a:r>
+            <a:r>
+              <a:rPr lang="en-US" dirty="0">
+                <a:latin typeface="Courier New" panose="02070309020205020404" pitchFamily="49" charset="0"/>
+                <a:cs typeface="Courier New" panose="02070309020205020404" pitchFamily="49" charset="0"/>
+              </a:rPr>
+              <a:t>(); </a:t>
+            </a:r>
+          </a:p>
+          <a:p>
+            <a:r>
+              <a:rPr lang="en-US" dirty="0">
+                <a:latin typeface="Courier New" panose="02070309020205020404" pitchFamily="49" charset="0"/>
+                <a:cs typeface="Courier New" panose="02070309020205020404" pitchFamily="49" charset="0"/>
+              </a:rPr>
+              <a:t>    int </a:t>
+            </a:r>
+            <a:r>
+              <a:rPr lang="en-US" dirty="0" err="1">
+                <a:latin typeface="Courier New" panose="02070309020205020404" pitchFamily="49" charset="0"/>
+                <a:cs typeface="Courier New" panose="02070309020205020404" pitchFamily="49" charset="0"/>
+              </a:rPr>
+              <a:t>retval</a:t>
+            </a:r>
+            <a:r>
+              <a:rPr lang="en-US" dirty="0">
+                <a:latin typeface="Courier New" panose="02070309020205020404" pitchFamily="49" charset="0"/>
+                <a:cs typeface="Courier New" panose="02070309020205020404" pitchFamily="49" charset="0"/>
+              </a:rPr>
+              <a:t>;</a:t>
+            </a:r>
+          </a:p>
+          <a:p>
+            <a:endParaRPr lang="en-US" dirty="0">
+              <a:latin typeface="Courier New" panose="02070309020205020404" pitchFamily="49" charset="0"/>
+              <a:cs typeface="Courier New" panose="02070309020205020404" pitchFamily="49" charset="0"/>
+            </a:endParaRPr>
+          </a:p>
+          <a:p>
+            <a:r>
+              <a:rPr lang="en-US" dirty="0">
+                <a:latin typeface="Courier New" panose="02070309020205020404" pitchFamily="49" charset="0"/>
+                <a:cs typeface="Courier New" panose="02070309020205020404" pitchFamily="49" charset="0"/>
+              </a:rPr>
+              <a:t>    </a:t>
+            </a:r>
+            <a:r>
+              <a:rPr lang="en-US" dirty="0" err="1">
+                <a:latin typeface="Courier New" panose="02070309020205020404" pitchFamily="49" charset="0"/>
+                <a:cs typeface="Courier New" panose="02070309020205020404" pitchFamily="49" charset="0"/>
+              </a:rPr>
+              <a:t>retval</a:t>
+            </a:r>
+            <a:r>
+              <a:rPr lang="en-US" dirty="0">
+                <a:latin typeface="Courier New" panose="02070309020205020404" pitchFamily="49" charset="0"/>
+                <a:cs typeface="Courier New" panose="02070309020205020404" pitchFamily="49" charset="0"/>
+              </a:rPr>
+              <a:t> = </a:t>
+            </a:r>
+            <a:r>
+              <a:rPr lang="en-US" dirty="0" err="1">
+                <a:latin typeface="Courier New" panose="02070309020205020404" pitchFamily="49" charset="0"/>
+                <a:cs typeface="Courier New" panose="02070309020205020404" pitchFamily="49" charset="0"/>
+              </a:rPr>
+              <a:t>mymult</a:t>
+            </a:r>
+            <a:r>
+              <a:rPr lang="en-US" dirty="0">
+                <a:latin typeface="Courier New" panose="02070309020205020404" pitchFamily="49" charset="0"/>
+                <a:cs typeface="Courier New" panose="02070309020205020404" pitchFamily="49" charset="0"/>
+              </a:rPr>
+              <a:t>(6,7);</a:t>
+            </a:r>
+          </a:p>
+          <a:p>
+            <a:r>
+              <a:rPr lang="en-US" dirty="0">
+                <a:latin typeface="Courier New" panose="02070309020205020404" pitchFamily="49" charset="0"/>
+                <a:cs typeface="Courier New" panose="02070309020205020404" pitchFamily="49" charset="0"/>
+              </a:rPr>
+              <a:t>    </a:t>
+            </a:r>
+            <a:r>
+              <a:rPr lang="en-US" dirty="0" err="1">
                 <a:latin typeface="Courier New" panose="02070309020205020404" pitchFamily="49" charset="0"/>
                 <a:cs typeface="Courier New" panose="02070309020205020404" pitchFamily="49" charset="0"/>
               </a:rPr>
               <a:t>printf</a:t>
             </a:r>
             <a:r>
-              <a:rPr lang="en-US" sz="1600" dirty="0">
-                <a:latin typeface="Courier New" panose="02070309020205020404" pitchFamily="49" charset="0"/>
-                <a:cs typeface="Courier New" panose="02070309020205020404" pitchFamily="49" charset="0"/>
-              </a:rPr>
-              <a:t>("Nice work!\n");</a:t>
-            </a:r>
-          </a:p>
-          <a:p>
-            <a:r>
-              <a:rPr lang="en-US" sz="1600" dirty="0">
-                <a:latin typeface="Courier New" panose="02070309020205020404" pitchFamily="49" charset="0"/>
-                <a:cs typeface="Courier New" panose="02070309020205020404" pitchFamily="49" charset="0"/>
-              </a:rPr>
-              <a:t>            break;</a:t>
-            </a:r>
-          </a:p>
-          <a:p>
-            <a:r>
-              <a:rPr lang="en-US" sz="1600" dirty="0">
-                <a:latin typeface="Courier New" panose="02070309020205020404" pitchFamily="49" charset="0"/>
-                <a:cs typeface="Courier New" panose="02070309020205020404" pitchFamily="49" charset="0"/>
-              </a:rPr>
-              <a:t>        }</a:t>
-            </a:r>
-          </a:p>
-          <a:p>
-            <a:r>
-              <a:rPr lang="en-US" sz="1600" dirty="0">
-                <a:latin typeface="Courier New" panose="02070309020205020404" pitchFamily="49" charset="0"/>
-                <a:cs typeface="Courier New" panose="02070309020205020404" pitchFamily="49" charset="0"/>
-              </a:rPr>
-              <a:t>        else if ( guess &lt; 42 ) </a:t>
-            </a:r>
-          </a:p>
-          <a:p>
-            <a:r>
-              <a:rPr lang="en-US" sz="1600" dirty="0">
-                <a:latin typeface="Courier New" panose="02070309020205020404" pitchFamily="49" charset="0"/>
-                <a:cs typeface="Courier New" panose="02070309020205020404" pitchFamily="49" charset="0"/>
-              </a:rPr>
-              <a:t>            </a:t>
-            </a:r>
-            <a:r>
-              <a:rPr lang="en-US" sz="1600" dirty="0" err="1">
-                <a:latin typeface="Courier New" panose="02070309020205020404" pitchFamily="49" charset="0"/>
-                <a:cs typeface="Courier New" panose="02070309020205020404" pitchFamily="49" charset="0"/>
-              </a:rPr>
-              <a:t>printf</a:t>
-            </a:r>
-            <a:r>
-              <a:rPr lang="en-US" sz="1600" dirty="0">
-                <a:latin typeface="Courier New" panose="02070309020205020404" pitchFamily="49" charset="0"/>
-                <a:cs typeface="Courier New" panose="02070309020205020404" pitchFamily="49" charset="0"/>
-              </a:rPr>
-              <a:t>("Too low - guess again\n");</a:t>
-            </a:r>
-          </a:p>
-          <a:p>
-            <a:r>
-              <a:rPr lang="en-US" sz="1600" dirty="0">
-                <a:latin typeface="Courier New" panose="02070309020205020404" pitchFamily="49" charset="0"/>
-                <a:cs typeface="Courier New" panose="02070309020205020404" pitchFamily="49" charset="0"/>
-              </a:rPr>
-              <a:t>        else</a:t>
-            </a:r>
-          </a:p>
-          <a:p>
-            <a:r>
-              <a:rPr lang="en-US" sz="1600" dirty="0">
-                <a:latin typeface="Courier New" panose="02070309020205020404" pitchFamily="49" charset="0"/>
-                <a:cs typeface="Courier New" panose="02070309020205020404" pitchFamily="49" charset="0"/>
-              </a:rPr>
-              <a:t>            </a:t>
-            </a:r>
-            <a:r>
-              <a:rPr lang="en-US" sz="1600" dirty="0" err="1">
-                <a:latin typeface="Courier New" panose="02070309020205020404" pitchFamily="49" charset="0"/>
-                <a:cs typeface="Courier New" panose="02070309020205020404" pitchFamily="49" charset="0"/>
-              </a:rPr>
-              <a:t>printf</a:t>
-            </a:r>
-            <a:r>
-              <a:rPr lang="en-US" sz="1600" dirty="0">
-                <a:latin typeface="Courier New" panose="02070309020205020404" pitchFamily="49" charset="0"/>
-                <a:cs typeface="Courier New" panose="02070309020205020404" pitchFamily="49" charset="0"/>
-              </a:rPr>
-              <a:t>("Too high - guess again\n");</a:t>
-            </a:r>
-          </a:p>
-          <a:p>
-            <a:r>
-              <a:rPr lang="en-US" sz="1600" dirty="0">
-                <a:latin typeface="Courier New" panose="02070309020205020404" pitchFamily="49" charset="0"/>
-                <a:cs typeface="Courier New" panose="02070309020205020404" pitchFamily="49" charset="0"/>
-              </a:rPr>
-              <a:t>    }</a:t>
-            </a:r>
-          </a:p>
-          <a:p>
-            <a:r>
-              <a:rPr lang="en-US" sz="1600" dirty="0">
-                <a:latin typeface="Courier New" panose="02070309020205020404" pitchFamily="49" charset="0"/>
-                <a:cs typeface="Courier New" panose="02070309020205020404" pitchFamily="49" charset="0"/>
-              </a:rPr>
-              <a:t>} </a:t>
+              <a:rPr lang="en-US" dirty="0">
+                <a:latin typeface="Courier New" panose="02070309020205020404" pitchFamily="49" charset="0"/>
+                <a:cs typeface="Courier New" panose="02070309020205020404" pitchFamily="49" charset="0"/>
+              </a:rPr>
+              <a:t>("Answer: %d\n",</a:t>
+            </a:r>
+            <a:r>
+              <a:rPr lang="en-US" dirty="0" err="1">
+                <a:latin typeface="Courier New" panose="02070309020205020404" pitchFamily="49" charset="0"/>
+                <a:cs typeface="Courier New" panose="02070309020205020404" pitchFamily="49" charset="0"/>
+              </a:rPr>
+              <a:t>retval</a:t>
+            </a:r>
+            <a:r>
+              <a:rPr lang="en-US" dirty="0">
+                <a:latin typeface="Courier New" panose="02070309020205020404" pitchFamily="49" charset="0"/>
+                <a:cs typeface="Courier New" panose="02070309020205020404" pitchFamily="49" charset="0"/>
+              </a:rPr>
+              <a:t>);</a:t>
+            </a:r>
+          </a:p>
+          <a:p>
+            <a:r>
+              <a:rPr lang="en-US" dirty="0">
+                <a:latin typeface="Courier New" panose="02070309020205020404" pitchFamily="49" charset="0"/>
+                <a:cs typeface="Courier New" panose="02070309020205020404" pitchFamily="49" charset="0"/>
+              </a:rPr>
+              <a:t>}</a:t>
+            </a:r>
+          </a:p>
+          <a:p>
+            <a:endParaRPr lang="en-US" dirty="0">
+              <a:latin typeface="Courier New" panose="02070309020205020404" pitchFamily="49" charset="0"/>
+              <a:cs typeface="Courier New" panose="02070309020205020404" pitchFamily="49" charset="0"/>
+            </a:endParaRPr>
+          </a:p>
+          <a:p>
+            <a:r>
+              <a:rPr lang="en-US" dirty="0">
+                <a:latin typeface="Courier New" panose="02070309020205020404" pitchFamily="49" charset="0"/>
+                <a:cs typeface="Courier New" panose="02070309020205020404" pitchFamily="49" charset="0"/>
+              </a:rPr>
+              <a:t>int </a:t>
+            </a:r>
+            <a:r>
+              <a:rPr lang="en-US" dirty="0" err="1">
+                <a:latin typeface="Courier New" panose="02070309020205020404" pitchFamily="49" charset="0"/>
+                <a:cs typeface="Courier New" panose="02070309020205020404" pitchFamily="49" charset="0"/>
+              </a:rPr>
+              <a:t>mymult</a:t>
+            </a:r>
+            <a:r>
+              <a:rPr lang="en-US" dirty="0">
+                <a:latin typeface="Courier New" panose="02070309020205020404" pitchFamily="49" charset="0"/>
+                <a:cs typeface="Courier New" panose="02070309020205020404" pitchFamily="49" charset="0"/>
+              </a:rPr>
+              <a:t>(a, b)</a:t>
+            </a:r>
+          </a:p>
+          <a:p>
+            <a:r>
+              <a:rPr lang="en-US" dirty="0">
+                <a:latin typeface="Courier New" panose="02070309020205020404" pitchFamily="49" charset="0"/>
+                <a:cs typeface="Courier New" panose="02070309020205020404" pitchFamily="49" charset="0"/>
+              </a:rPr>
+              <a:t>    int </a:t>
+            </a:r>
+            <a:r>
+              <a:rPr lang="en-US" dirty="0" err="1">
+                <a:latin typeface="Courier New" panose="02070309020205020404" pitchFamily="49" charset="0"/>
+                <a:cs typeface="Courier New" panose="02070309020205020404" pitchFamily="49" charset="0"/>
+              </a:rPr>
+              <a:t>a,b</a:t>
+            </a:r>
+            <a:r>
+              <a:rPr lang="en-US" dirty="0">
+                <a:latin typeface="Courier New" panose="02070309020205020404" pitchFamily="49" charset="0"/>
+                <a:cs typeface="Courier New" panose="02070309020205020404" pitchFamily="49" charset="0"/>
+              </a:rPr>
+              <a:t>;</a:t>
+            </a:r>
+          </a:p>
+          <a:p>
+            <a:r>
+              <a:rPr lang="en-US" dirty="0">
+                <a:latin typeface="Courier New" panose="02070309020205020404" pitchFamily="49" charset="0"/>
+                <a:cs typeface="Courier New" panose="02070309020205020404" pitchFamily="49" charset="0"/>
+              </a:rPr>
+              <a:t>{</a:t>
+            </a:r>
+          </a:p>
+          <a:p>
+            <a:r>
+              <a:rPr lang="en-US" dirty="0">
+                <a:latin typeface="Courier New" panose="02070309020205020404" pitchFamily="49" charset="0"/>
+                <a:cs typeface="Courier New" panose="02070309020205020404" pitchFamily="49" charset="0"/>
+              </a:rPr>
+              <a:t>    int c = a * b;</a:t>
+            </a:r>
+          </a:p>
+          <a:p>
+            <a:r>
+              <a:rPr lang="en-US" dirty="0">
+                <a:latin typeface="Courier New" panose="02070309020205020404" pitchFamily="49" charset="0"/>
+                <a:cs typeface="Courier New" panose="02070309020205020404" pitchFamily="49" charset="0"/>
+              </a:rPr>
+              <a:t>    return c;</a:t>
+            </a:r>
+          </a:p>
+          <a:p>
+            <a:r>
+              <a:rPr lang="en-US" dirty="0">
+                <a:latin typeface="Courier New" panose="02070309020205020404" pitchFamily="49" charset="0"/>
+                <a:cs typeface="Courier New" panose="02070309020205020404" pitchFamily="49" charset="0"/>
+              </a:rPr>
+              <a:t>}</a:t>
             </a:r>
           </a:p>
         </p:txBody>
@@ -8611,8 +8602,8 @@
         </p:nvSpPr>
         <p:spPr>
           <a:xfrm>
-            <a:off x="7648259" y="4501661"/>
-            <a:ext cx="3217547" cy="1754326"/>
+            <a:off x="1485768" y="4570934"/>
+            <a:ext cx="1563248" cy="369332"/>
           </a:xfrm>
           <a:prstGeom prst="rect">
             <a:avLst/>
@@ -8629,47 +8620,7 @@
               <a:rPr lang="en-US" dirty="0">
                 <a:latin typeface="Monaco" pitchFamily="2" charset="77"/>
               </a:rPr>
-              <a:t>5</a:t>
-            </a:r>
-          </a:p>
-          <a:p>
-            <a:r>
-              <a:rPr lang="en-US" dirty="0">
-                <a:latin typeface="Monaco" pitchFamily="2" charset="77"/>
-              </a:rPr>
-              <a:t>Too low - guess again</a:t>
-            </a:r>
-          </a:p>
-          <a:p>
-            <a:r>
-              <a:rPr lang="en-US" dirty="0">
-                <a:latin typeface="Monaco" pitchFamily="2" charset="77"/>
-              </a:rPr>
-              <a:t>50</a:t>
-            </a:r>
-          </a:p>
-          <a:p>
-            <a:r>
-              <a:rPr lang="en-US" dirty="0">
-                <a:latin typeface="Monaco" pitchFamily="2" charset="77"/>
-              </a:rPr>
-              <a:t>Too high - guess again</a:t>
-            </a:r>
-          </a:p>
-          <a:p>
-            <a:r>
-              <a:rPr lang="en-US" dirty="0">
-                <a:latin typeface="Monaco" pitchFamily="2" charset="77"/>
-              </a:rPr>
-              <a:t>42</a:t>
-            </a:r>
-          </a:p>
-          <a:p>
-            <a:r>
-              <a:rPr lang="en-US" dirty="0">
-                <a:latin typeface="Monaco" pitchFamily="2" charset="77"/>
-              </a:rPr>
-              <a:t>Nice work!</a:t>
+              <a:t>Answer: 42</a:t>
             </a:r>
           </a:p>
         </p:txBody>
@@ -13758,7 +13709,7 @@
         <p:spPr>
           <a:xfrm>
             <a:off x="10460182" y="6323598"/>
-            <a:ext cx="1600199" cy="584775"/>
+            <a:ext cx="1600199" cy="338554"/>
           </a:xfrm>
           <a:prstGeom prst="rect">
             <a:avLst/>
@@ -13779,39 +13730,7 @@
                 <a:effectLst/>
                 <a:latin typeface="Menlo" panose="020B0609030804020204" pitchFamily="49" charset="0"/>
               </a:rPr>
-              <a:t>cc</a:t>
-            </a:r>
-            <a:r>
-              <a:rPr lang="en-US" sz="1600">
-                <a:solidFill>
-                  <a:srgbClr val="000000"/>
-                </a:solidFill>
-                <a:effectLst/>
-                <a:latin typeface="Menlo" panose="020B0609030804020204" pitchFamily="49" charset="0"/>
-              </a:rPr>
-              <a:t>_02_14</a:t>
-            </a:r>
-          </a:p>
-          <a:p>
-            <a:r>
-              <a:rPr lang="en-US" sz="1600">
-                <a:solidFill>
-                  <a:srgbClr val="000000"/>
-                </a:solidFill>
-                <a:effectLst/>
-                <a:latin typeface="Menlo" panose="020B0609030804020204" pitchFamily="49" charset="0"/>
-              </a:rPr>
-              <a:t>.</a:t>
-            </a:r>
-            <a:r>
-              <a:rPr lang="en-US" sz="1600" dirty="0">
-                <a:solidFill>
-                  <a:srgbClr val="000000"/>
-                </a:solidFill>
-                <a:effectLst/>
-                <a:latin typeface="Menlo" panose="020B0609030804020204" pitchFamily="49" charset="0"/>
-              </a:rPr>
-              <a:t>c</a:t>
+              <a:t>cc_02_14.c</a:t>
             </a:r>
           </a:p>
         </p:txBody>

--- a/lectures/CC-02-Python.pptx
+++ b/lectures/CC-02-Python.pptx
@@ -12,22 +12,23 @@
     <p:sldId id="259" r:id="rId6"/>
     <p:sldId id="261" r:id="rId7"/>
     <p:sldId id="276" r:id="rId8"/>
-    <p:sldId id="262" r:id="rId9"/>
-    <p:sldId id="263" r:id="rId10"/>
-    <p:sldId id="264" r:id="rId11"/>
-    <p:sldId id="265" r:id="rId12"/>
-    <p:sldId id="266" r:id="rId13"/>
-    <p:sldId id="267" r:id="rId14"/>
-    <p:sldId id="268" r:id="rId15"/>
-    <p:sldId id="270" r:id="rId16"/>
-    <p:sldId id="271" r:id="rId17"/>
-    <p:sldId id="273" r:id="rId18"/>
-    <p:sldId id="274" r:id="rId19"/>
-    <p:sldId id="281" r:id="rId20"/>
-    <p:sldId id="275" r:id="rId21"/>
-    <p:sldId id="277" r:id="rId22"/>
-    <p:sldId id="278" r:id="rId23"/>
-    <p:sldId id="279" r:id="rId24"/>
+    <p:sldId id="282" r:id="rId9"/>
+    <p:sldId id="262" r:id="rId10"/>
+    <p:sldId id="263" r:id="rId11"/>
+    <p:sldId id="264" r:id="rId12"/>
+    <p:sldId id="265" r:id="rId13"/>
+    <p:sldId id="266" r:id="rId14"/>
+    <p:sldId id="267" r:id="rId15"/>
+    <p:sldId id="268" r:id="rId16"/>
+    <p:sldId id="270" r:id="rId17"/>
+    <p:sldId id="271" r:id="rId18"/>
+    <p:sldId id="273" r:id="rId19"/>
+    <p:sldId id="274" r:id="rId20"/>
+    <p:sldId id="281" r:id="rId21"/>
+    <p:sldId id="275" r:id="rId22"/>
+    <p:sldId id="277" r:id="rId23"/>
+    <p:sldId id="278" r:id="rId24"/>
+    <p:sldId id="279" r:id="rId25"/>
   </p:sldIdLst>
   <p:sldSz cx="12192000" cy="6858000"/>
   <p:notesSz cx="6858000" cy="9144000"/>
@@ -3463,7 +3464,7 @@
           <a:p>
             <a:r>
               <a:rPr lang="en-US" dirty="0"/>
-              <a:t>String Input</a:t>
+              <a:t>Number Input</a:t>
             </a:r>
           </a:p>
         </p:txBody>
@@ -3483,7 +3484,7 @@
         <p:spPr>
           <a:xfrm>
             <a:off x="954156" y="1682693"/>
-            <a:ext cx="2941831" cy="923330"/>
+            <a:ext cx="3355406" cy="1200329"/>
           </a:xfrm>
           <a:prstGeom prst="rect">
             <a:avLst/>
@@ -3501,25 +3502,76 @@
                 <a:latin typeface="Courier New" panose="02070309020205020404" pitchFamily="49" charset="0"/>
                 <a:cs typeface="Courier New" panose="02070309020205020404" pitchFamily="49" charset="0"/>
               </a:rPr>
-              <a:t>print('Enter name')</a:t>
-            </a:r>
-          </a:p>
-          <a:p>
-            <a:r>
-              <a:rPr lang="en-US" dirty="0">
-                <a:latin typeface="Courier New" panose="02070309020205020404" pitchFamily="49" charset="0"/>
-                <a:cs typeface="Courier New" panose="02070309020205020404" pitchFamily="49" charset="0"/>
-              </a:rPr>
-              <a:t>name = input()</a:t>
-            </a:r>
-          </a:p>
-          <a:p>
-            <a:r>
-              <a:rPr lang="en-US" dirty="0">
-                <a:latin typeface="Courier New" panose="02070309020205020404" pitchFamily="49" charset="0"/>
-                <a:cs typeface="Courier New" panose="02070309020205020404" pitchFamily="49" charset="0"/>
-              </a:rPr>
-              <a:t>print('Hello', name)</a:t>
+              <a:t>print('Enter US Floor')</a:t>
+            </a:r>
+          </a:p>
+          <a:p>
+            <a:r>
+              <a:rPr lang="en-US" dirty="0" err="1">
+                <a:latin typeface="Courier New" panose="02070309020205020404" pitchFamily="49" charset="0"/>
+                <a:cs typeface="Courier New" panose="02070309020205020404" pitchFamily="49" charset="0"/>
+              </a:rPr>
+              <a:t>usf</a:t>
+            </a:r>
+            <a:r>
+              <a:rPr lang="en-US" dirty="0">
+                <a:latin typeface="Courier New" panose="02070309020205020404" pitchFamily="49" charset="0"/>
+                <a:cs typeface="Courier New" panose="02070309020205020404" pitchFamily="49" charset="0"/>
+              </a:rPr>
+              <a:t> = int(input())</a:t>
+            </a:r>
+          </a:p>
+          <a:p>
+            <a:r>
+              <a:rPr lang="en-US" dirty="0" err="1">
+                <a:latin typeface="Courier New" panose="02070309020205020404" pitchFamily="49" charset="0"/>
+                <a:cs typeface="Courier New" panose="02070309020205020404" pitchFamily="49" charset="0"/>
+              </a:rPr>
+              <a:t>euf</a:t>
+            </a:r>
+            <a:r>
+              <a:rPr lang="en-US" dirty="0">
+                <a:latin typeface="Courier New" panose="02070309020205020404" pitchFamily="49" charset="0"/>
+                <a:cs typeface="Courier New" panose="02070309020205020404" pitchFamily="49" charset="0"/>
+              </a:rPr>
+              <a:t> = </a:t>
+            </a:r>
+            <a:r>
+              <a:rPr lang="en-US" dirty="0" err="1">
+                <a:latin typeface="Courier New" panose="02070309020205020404" pitchFamily="49" charset="0"/>
+                <a:cs typeface="Courier New" panose="02070309020205020404" pitchFamily="49" charset="0"/>
+              </a:rPr>
+              <a:t>usf</a:t>
+            </a:r>
+            <a:r>
+              <a:rPr lang="en-US" dirty="0">
+                <a:latin typeface="Courier New" panose="02070309020205020404" pitchFamily="49" charset="0"/>
+                <a:cs typeface="Courier New" panose="02070309020205020404" pitchFamily="49" charset="0"/>
+              </a:rPr>
+              <a:t> - 1</a:t>
+            </a:r>
+          </a:p>
+          <a:p>
+            <a:r>
+              <a:rPr lang="en-US" dirty="0">
+                <a:latin typeface="Courier New" panose="02070309020205020404" pitchFamily="49" charset="0"/>
+                <a:cs typeface="Courier New" panose="02070309020205020404" pitchFamily="49" charset="0"/>
+              </a:rPr>
+              <a:t>print('EU Floor', </a:t>
+            </a:r>
+            <a:r>
+              <a:rPr lang="en-US" dirty="0" err="1">
+                <a:latin typeface="Courier New" panose="02070309020205020404" pitchFamily="49" charset="0"/>
+                <a:cs typeface="Courier New" panose="02070309020205020404" pitchFamily="49" charset="0"/>
+              </a:rPr>
+              <a:t>euf</a:t>
+            </a:r>
+            <a:r>
+              <a:rPr lang="en-US" dirty="0">
+                <a:latin typeface="Courier New" panose="02070309020205020404" pitchFamily="49" charset="0"/>
+                <a:cs typeface="Courier New" panose="02070309020205020404" pitchFamily="49" charset="0"/>
+              </a:rPr>
+              <a:t>)</a:t>
             </a:r>
           </a:p>
         </p:txBody>
@@ -3539,7 +3591,7 @@
         <p:spPr>
           <a:xfrm>
             <a:off x="6322193" y="1027906"/>
-            <a:ext cx="4458272" cy="2031325"/>
+            <a:ext cx="4733988" cy="2308324"/>
           </a:xfrm>
           <a:prstGeom prst="rect">
             <a:avLst/>
@@ -3589,12 +3641,36 @@
                 <a:latin typeface="Courier New" panose="02070309020205020404" pitchFamily="49" charset="0"/>
                 <a:cs typeface="Courier New" panose="02070309020205020404" pitchFamily="49" charset="0"/>
               </a:rPr>
-              <a:t>    char name[100];</a:t>
-            </a:r>
-            <a:endParaRPr lang="en-US" b="1" dirty="0">
-              <a:latin typeface="Courier New" panose="02070309020205020404" pitchFamily="49" charset="0"/>
-              <a:cs typeface="Courier New" panose="02070309020205020404" pitchFamily="49" charset="0"/>
-            </a:endParaRPr>
+              <a:t>    int </a:t>
+            </a:r>
+            <a:r>
+              <a:rPr lang="en-US" dirty="0" err="1">
+                <a:latin typeface="Courier New" panose="02070309020205020404" pitchFamily="49" charset="0"/>
+                <a:cs typeface="Courier New" panose="02070309020205020404" pitchFamily="49" charset="0"/>
+              </a:rPr>
+              <a:t>usf</a:t>
+            </a:r>
+            <a:r>
+              <a:rPr lang="en-US" dirty="0">
+                <a:latin typeface="Courier New" panose="02070309020205020404" pitchFamily="49" charset="0"/>
+                <a:cs typeface="Courier New" panose="02070309020205020404" pitchFamily="49" charset="0"/>
+              </a:rPr>
+              <a:t>, </a:t>
+            </a:r>
+            <a:r>
+              <a:rPr lang="en-US" dirty="0" err="1">
+                <a:latin typeface="Courier New" panose="02070309020205020404" pitchFamily="49" charset="0"/>
+                <a:cs typeface="Courier New" panose="02070309020205020404" pitchFamily="49" charset="0"/>
+              </a:rPr>
+              <a:t>euf</a:t>
+            </a:r>
+            <a:r>
+              <a:rPr lang="en-US" dirty="0">
+                <a:latin typeface="Courier New" panose="02070309020205020404" pitchFamily="49" charset="0"/>
+                <a:cs typeface="Courier New" panose="02070309020205020404" pitchFamily="49" charset="0"/>
+              </a:rPr>
+              <a:t>;</a:t>
+            </a:r>
           </a:p>
           <a:p>
             <a:r>
@@ -3616,7 +3692,7 @@
                 <a:latin typeface="Courier New" panose="02070309020205020404" pitchFamily="49" charset="0"/>
                 <a:cs typeface="Courier New" panose="02070309020205020404" pitchFamily="49" charset="0"/>
               </a:rPr>
-              <a:t>("Enter name\n");</a:t>
+              <a:t>("Enter US Floor\n");</a:t>
             </a:r>
           </a:p>
           <a:p>
@@ -3639,7 +3715,21 @@
                 <a:latin typeface="Courier New" panose="02070309020205020404" pitchFamily="49" charset="0"/>
                 <a:cs typeface="Courier New" panose="02070309020205020404" pitchFamily="49" charset="0"/>
               </a:rPr>
-              <a:t>("%100s", name);</a:t>
+              <a:t>("%d", &amp;</a:t>
+            </a:r>
+            <a:r>
+              <a:rPr lang="en-US" dirty="0" err="1">
+                <a:latin typeface="Courier New" panose="02070309020205020404" pitchFamily="49" charset="0"/>
+                <a:cs typeface="Courier New" panose="02070309020205020404" pitchFamily="49" charset="0"/>
+              </a:rPr>
+              <a:t>usf</a:t>
+            </a:r>
+            <a:r>
+              <a:rPr lang="en-US" dirty="0">
+                <a:latin typeface="Courier New" panose="02070309020205020404" pitchFamily="49" charset="0"/>
+                <a:cs typeface="Courier New" panose="02070309020205020404" pitchFamily="49" charset="0"/>
+              </a:rPr>
+              <a:t>);</a:t>
             </a:r>
           </a:p>
           <a:p>
@@ -3655,6 +3745,43 @@
                 <a:latin typeface="Courier New" panose="02070309020205020404" pitchFamily="49" charset="0"/>
                 <a:cs typeface="Courier New" panose="02070309020205020404" pitchFamily="49" charset="0"/>
               </a:rPr>
+              <a:t>euf</a:t>
+            </a:r>
+            <a:r>
+              <a:rPr lang="en-US" dirty="0">
+                <a:latin typeface="Courier New" panose="02070309020205020404" pitchFamily="49" charset="0"/>
+                <a:cs typeface="Courier New" panose="02070309020205020404" pitchFamily="49" charset="0"/>
+              </a:rPr>
+              <a:t> = </a:t>
+            </a:r>
+            <a:r>
+              <a:rPr lang="en-US" dirty="0" err="1">
+                <a:latin typeface="Courier New" panose="02070309020205020404" pitchFamily="49" charset="0"/>
+                <a:cs typeface="Courier New" panose="02070309020205020404" pitchFamily="49" charset="0"/>
+              </a:rPr>
+              <a:t>usf</a:t>
+            </a:r>
+            <a:r>
+              <a:rPr lang="en-US" dirty="0">
+                <a:latin typeface="Courier New" panose="02070309020205020404" pitchFamily="49" charset="0"/>
+                <a:cs typeface="Courier New" panose="02070309020205020404" pitchFamily="49" charset="0"/>
+              </a:rPr>
+              <a:t> – 1;</a:t>
+            </a:r>
+          </a:p>
+          <a:p>
+            <a:r>
+              <a:rPr lang="en-US" dirty="0">
+                <a:latin typeface="Courier New" panose="02070309020205020404" pitchFamily="49" charset="0"/>
+                <a:cs typeface="Courier New" panose="02070309020205020404" pitchFamily="49" charset="0"/>
+              </a:rPr>
+              <a:t>    </a:t>
+            </a:r>
+            <a:r>
+              <a:rPr lang="en-US" dirty="0" err="1">
+                <a:latin typeface="Courier New" panose="02070309020205020404" pitchFamily="49" charset="0"/>
+                <a:cs typeface="Courier New" panose="02070309020205020404" pitchFamily="49" charset="0"/>
+              </a:rPr>
               <a:t>printf</a:t>
             </a:r>
             <a:r>
@@ -3662,7 +3789,21 @@
                 <a:latin typeface="Courier New" panose="02070309020205020404" pitchFamily="49" charset="0"/>
                 <a:cs typeface="Courier New" panose="02070309020205020404" pitchFamily="49" charset="0"/>
               </a:rPr>
-              <a:t>("Hello %s\n", name);</a:t>
+              <a:t>("EU Floor %d\n", </a:t>
+            </a:r>
+            <a:r>
+              <a:rPr lang="en-US" dirty="0" err="1">
+                <a:latin typeface="Courier New" panose="02070309020205020404" pitchFamily="49" charset="0"/>
+                <a:cs typeface="Courier New" panose="02070309020205020404" pitchFamily="49" charset="0"/>
+              </a:rPr>
+              <a:t>euf</a:t>
+            </a:r>
+            <a:r>
+              <a:rPr lang="en-US" dirty="0">
+                <a:latin typeface="Courier New" panose="02070309020205020404" pitchFamily="49" charset="0"/>
+                <a:cs typeface="Courier New" panose="02070309020205020404" pitchFamily="49" charset="0"/>
+              </a:rPr>
+              <a:t>);</a:t>
             </a:r>
           </a:p>
           <a:p>
@@ -3691,7 +3832,7 @@
         <p:spPr>
           <a:xfrm>
             <a:off x="954156" y="4200590"/>
-            <a:ext cx="1701107" cy="923330"/>
+            <a:ext cx="2114681" cy="923330"/>
           </a:xfrm>
           <a:prstGeom prst="rect">
             <a:avLst/>
@@ -3708,7 +3849,7 @@
               <a:rPr lang="en-US" dirty="0">
                 <a:latin typeface="Monaco" pitchFamily="2" charset="77"/>
               </a:rPr>
-              <a:t>Enter name</a:t>
+              <a:t>Enter US Floor</a:t>
             </a:r>
           </a:p>
           <a:p>
@@ -3716,7 +3857,7 @@
               <a:rPr lang="en-US" b="1" dirty="0">
                 <a:latin typeface="Monaco" pitchFamily="2" charset="77"/>
               </a:rPr>
-              <a:t>Sarah</a:t>
+              <a:t>2</a:t>
             </a:r>
           </a:p>
           <a:p>
@@ -3724,7 +3865,7 @@
               <a:rPr lang="en-US" dirty="0">
                 <a:latin typeface="Monaco" pitchFamily="2" charset="77"/>
               </a:rPr>
-              <a:t>Hello Sarah</a:t>
+              <a:t>EU Floor 1</a:t>
             </a:r>
           </a:p>
         </p:txBody>
@@ -3734,7 +3875,7 @@
           <p:cNvPr id="8" name="TextBox 7">
             <a:extLst>
               <a:ext uri="{FF2B5EF4-FFF2-40B4-BE49-F238E27FC236}">
-                <a16:creationId xmlns:a16="http://schemas.microsoft.com/office/drawing/2014/main" id="{75CF0506-F045-000E-B8E8-AFF9EA53CB9C}"/>
+                <a16:creationId xmlns:a16="http://schemas.microsoft.com/office/drawing/2014/main" id="{90C45FFE-7DC3-FDAE-69BA-C033FBD70A6E}"/>
               </a:ext>
             </a:extLst>
           </p:cNvPr>
@@ -3765,7 +3906,7 @@
                 <a:effectLst/>
                 <a:latin typeface="Menlo" panose="020B0609030804020204" pitchFamily="49" charset="0"/>
               </a:rPr>
-              <a:t>cc_02_03.</a:t>
+              <a:t>cc_02_02.</a:t>
             </a:r>
             <a:r>
               <a:rPr lang="en-US" sz="1600" dirty="0">
@@ -3789,7 +3930,7 @@
     </p:spTree>
     <p:extLst>
       <p:ext uri="{BB962C8B-B14F-4D97-AF65-F5344CB8AC3E}">
-        <p14:creationId xmlns:p14="http://schemas.microsoft.com/office/powerpoint/2010/main" val="2945285699"/>
+        <p14:creationId xmlns:p14="http://schemas.microsoft.com/office/powerpoint/2010/main" val="2948564051"/>
       </p:ext>
     </p:extLst>
   </p:cSld>
@@ -3839,7 +3980,7 @@
           <a:p>
             <a:r>
               <a:rPr lang="en-US" dirty="0"/>
-              <a:t>Line Input</a:t>
+              <a:t>String Input</a:t>
             </a:r>
           </a:p>
         </p:txBody>
@@ -3877,25 +4018,25 @@
                 <a:latin typeface="Courier New" panose="02070309020205020404" pitchFamily="49" charset="0"/>
                 <a:cs typeface="Courier New" panose="02070309020205020404" pitchFamily="49" charset="0"/>
               </a:rPr>
-              <a:t>print('Enter line')</a:t>
-            </a:r>
-          </a:p>
-          <a:p>
-            <a:r>
-              <a:rPr lang="en-US" dirty="0">
-                <a:latin typeface="Courier New" panose="02070309020205020404" pitchFamily="49" charset="0"/>
-                <a:cs typeface="Courier New" panose="02070309020205020404" pitchFamily="49" charset="0"/>
-              </a:rPr>
-              <a:t>line = input()</a:t>
-            </a:r>
-          </a:p>
-          <a:p>
-            <a:r>
-              <a:rPr lang="en-US" dirty="0">
-                <a:latin typeface="Courier New" panose="02070309020205020404" pitchFamily="49" charset="0"/>
-                <a:cs typeface="Courier New" panose="02070309020205020404" pitchFamily="49" charset="0"/>
-              </a:rPr>
-              <a:t>print('Line:', line)</a:t>
+              <a:t>print('Enter name')</a:t>
+            </a:r>
+          </a:p>
+          <a:p>
+            <a:r>
+              <a:rPr lang="en-US" dirty="0">
+                <a:latin typeface="Courier New" panose="02070309020205020404" pitchFamily="49" charset="0"/>
+                <a:cs typeface="Courier New" panose="02070309020205020404" pitchFamily="49" charset="0"/>
+              </a:rPr>
+              <a:t>name = input()</a:t>
+            </a:r>
+          </a:p>
+          <a:p>
+            <a:r>
+              <a:rPr lang="en-US" dirty="0">
+                <a:latin typeface="Courier New" panose="02070309020205020404" pitchFamily="49" charset="0"/>
+                <a:cs typeface="Courier New" panose="02070309020205020404" pitchFamily="49" charset="0"/>
+              </a:rPr>
+              <a:t>print('Hello', name)</a:t>
             </a:r>
           </a:p>
         </p:txBody>
@@ -3965,7 +4106,7 @@
                 <a:latin typeface="Courier New" panose="02070309020205020404" pitchFamily="49" charset="0"/>
                 <a:cs typeface="Courier New" panose="02070309020205020404" pitchFamily="49" charset="0"/>
               </a:rPr>
-              <a:t>    char line[1000];</a:t>
+              <a:t>    char name[100];</a:t>
             </a:r>
             <a:endParaRPr lang="en-US" b="1" dirty="0">
               <a:latin typeface="Courier New" panose="02070309020205020404" pitchFamily="49" charset="0"/>
@@ -3992,7 +4133,7 @@
                 <a:latin typeface="Courier New" panose="02070309020205020404" pitchFamily="49" charset="0"/>
                 <a:cs typeface="Courier New" panose="02070309020205020404" pitchFamily="49" charset="0"/>
               </a:rPr>
-              <a:t>("Enter line\n");</a:t>
+              <a:t>("Enter name\n");</a:t>
             </a:r>
           </a:p>
           <a:p>
@@ -4015,7 +4156,7 @@
                 <a:latin typeface="Courier New" panose="02070309020205020404" pitchFamily="49" charset="0"/>
                 <a:cs typeface="Courier New" panose="02070309020205020404" pitchFamily="49" charset="0"/>
               </a:rPr>
-              <a:t>("%[^\n]1000s", line);</a:t>
+              <a:t>("%100s", name);</a:t>
             </a:r>
           </a:p>
           <a:p>
@@ -4038,7 +4179,7 @@
                 <a:latin typeface="Courier New" panose="02070309020205020404" pitchFamily="49" charset="0"/>
                 <a:cs typeface="Courier New" panose="02070309020205020404" pitchFamily="49" charset="0"/>
               </a:rPr>
-              <a:t>("Line: %s\n", line);</a:t>
+              <a:t>("Hello %s\n", name);</a:t>
             </a:r>
           </a:p>
           <a:p>
@@ -4067,7 +4208,7 @@
         <p:spPr>
           <a:xfrm>
             <a:off x="954156" y="4200590"/>
-            <a:ext cx="5009705" cy="923330"/>
+            <a:ext cx="1701107" cy="923330"/>
           </a:xfrm>
           <a:prstGeom prst="rect">
             <a:avLst/>
@@ -4084,7 +4225,7 @@
               <a:rPr lang="en-US" dirty="0">
                 <a:latin typeface="Monaco" pitchFamily="2" charset="77"/>
               </a:rPr>
-              <a:t>Enter line</a:t>
+              <a:t>Enter name</a:t>
             </a:r>
           </a:p>
           <a:p>
@@ -4092,7 +4233,7 @@
               <a:rPr lang="en-US" b="1" dirty="0">
                 <a:latin typeface="Monaco" pitchFamily="2" charset="77"/>
               </a:rPr>
-              <a:t>Hello world - have a nice day</a:t>
+              <a:t>Sarah</a:t>
             </a:r>
           </a:p>
           <a:p>
@@ -4100,7 +4241,7 @@
               <a:rPr lang="en-US" dirty="0">
                 <a:latin typeface="Monaco" pitchFamily="2" charset="77"/>
               </a:rPr>
-              <a:t>Line: Hello world - have a nice day</a:t>
+              <a:t>Hello Sarah</a:t>
             </a:r>
           </a:p>
         </p:txBody>
@@ -4110,7 +4251,7 @@
           <p:cNvPr id="8" name="TextBox 7">
             <a:extLst>
               <a:ext uri="{FF2B5EF4-FFF2-40B4-BE49-F238E27FC236}">
-                <a16:creationId xmlns:a16="http://schemas.microsoft.com/office/drawing/2014/main" id="{7A44232A-55BC-5745-7C8F-B12E691A9A45}"/>
+                <a16:creationId xmlns:a16="http://schemas.microsoft.com/office/drawing/2014/main" id="{75CF0506-F045-000E-B8E8-AFF9EA53CB9C}"/>
               </a:ext>
             </a:extLst>
           </p:cNvPr>
@@ -4141,7 +4282,7 @@
                 <a:effectLst/>
                 <a:latin typeface="Menlo" panose="020B0609030804020204" pitchFamily="49" charset="0"/>
               </a:rPr>
-              <a:t>cc_02_04.</a:t>
+              <a:t>cc_02_03.</a:t>
             </a:r>
             <a:r>
               <a:rPr lang="en-US" sz="1600" dirty="0">
@@ -4165,7 +4306,7 @@
     </p:spTree>
     <p:extLst>
       <p:ext uri="{BB962C8B-B14F-4D97-AF65-F5344CB8AC3E}">
-        <p14:creationId xmlns:p14="http://schemas.microsoft.com/office/powerpoint/2010/main" val="1311538875"/>
+        <p14:creationId xmlns:p14="http://schemas.microsoft.com/office/powerpoint/2010/main" val="2945285699"/>
       </p:ext>
     </p:extLst>
   </p:cSld>
@@ -4215,7 +4356,7 @@
           <a:p>
             <a:r>
               <a:rPr lang="en-US" dirty="0"/>
-              <a:t>Line Input (safe)</a:t>
+              <a:t>Line Input</a:t>
             </a:r>
           </a:p>
         </p:txBody>
@@ -4384,14 +4525,14 @@
                 <a:latin typeface="Courier New" panose="02070309020205020404" pitchFamily="49" charset="0"/>
                 <a:cs typeface="Courier New" panose="02070309020205020404" pitchFamily="49" charset="0"/>
               </a:rPr>
-              <a:t>fgets</a:t>
-            </a:r>
-            <a:r>
-              <a:rPr lang="en-US" dirty="0">
-                <a:latin typeface="Courier New" panose="02070309020205020404" pitchFamily="49" charset="0"/>
-                <a:cs typeface="Courier New" panose="02070309020205020404" pitchFamily="49" charset="0"/>
-              </a:rPr>
-              <a:t>(line, 1000, stdin);</a:t>
+              <a:t>scanf</a:t>
+            </a:r>
+            <a:r>
+              <a:rPr lang="en-US" dirty="0">
+                <a:latin typeface="Courier New" panose="02070309020205020404" pitchFamily="49" charset="0"/>
+                <a:cs typeface="Courier New" panose="02070309020205020404" pitchFamily="49" charset="0"/>
+              </a:rPr>
+              <a:t>("%[^\n]1000s", line);</a:t>
             </a:r>
           </a:p>
           <a:p>
@@ -4486,7 +4627,7 @@
           <p:cNvPr id="8" name="TextBox 7">
             <a:extLst>
               <a:ext uri="{FF2B5EF4-FFF2-40B4-BE49-F238E27FC236}">
-                <a16:creationId xmlns:a16="http://schemas.microsoft.com/office/drawing/2014/main" id="{283B718D-9746-DB0F-BC19-822E89CD93AC}"/>
+                <a16:creationId xmlns:a16="http://schemas.microsoft.com/office/drawing/2014/main" id="{7A44232A-55BC-5745-7C8F-B12E691A9A45}"/>
               </a:ext>
             </a:extLst>
           </p:cNvPr>
@@ -4517,7 +4658,7 @@
                 <a:effectLst/>
                 <a:latin typeface="Menlo" panose="020B0609030804020204" pitchFamily="49" charset="0"/>
               </a:rPr>
-              <a:t>cc_02_09.</a:t>
+              <a:t>cc_02_04.</a:t>
             </a:r>
             <a:r>
               <a:rPr lang="en-US" sz="1600" dirty="0">
@@ -4541,7 +4682,7 @@
     </p:spTree>
     <p:extLst>
       <p:ext uri="{BB962C8B-B14F-4D97-AF65-F5344CB8AC3E}">
-        <p14:creationId xmlns:p14="http://schemas.microsoft.com/office/powerpoint/2010/main" val="2081602882"/>
+        <p14:creationId xmlns:p14="http://schemas.microsoft.com/office/powerpoint/2010/main" val="1311538875"/>
       </p:ext>
     </p:extLst>
   </p:cSld>
@@ -4591,7 +4732,7 @@
           <a:p>
             <a:r>
               <a:rPr lang="en-US" dirty="0"/>
-              <a:t>Read A File</a:t>
+              <a:t>Line Input (safe)</a:t>
             </a:r>
           </a:p>
         </p:txBody>
@@ -4611,7 +4752,7 @@
         <p:spPr>
           <a:xfrm>
             <a:off x="954156" y="1682693"/>
-            <a:ext cx="3493264" cy="923330"/>
+            <a:ext cx="2941831" cy="923330"/>
           </a:xfrm>
           <a:prstGeom prst="rect">
             <a:avLst/>
@@ -4629,53 +4770,25 @@
                 <a:latin typeface="Courier New" panose="02070309020205020404" pitchFamily="49" charset="0"/>
                 <a:cs typeface="Courier New" panose="02070309020205020404" pitchFamily="49" charset="0"/>
               </a:rPr>
-              <a:t>hand = open('</a:t>
-            </a:r>
-            <a:r>
-              <a:rPr lang="en-US" dirty="0" err="1">
-                <a:latin typeface="Courier New" panose="02070309020205020404" pitchFamily="49" charset="0"/>
-                <a:cs typeface="Courier New" panose="02070309020205020404" pitchFamily="49" charset="0"/>
-              </a:rPr>
-              <a:t>romeo.txt</a:t>
-            </a:r>
-            <a:r>
-              <a:rPr lang="en-US" dirty="0">
-                <a:latin typeface="Courier New" panose="02070309020205020404" pitchFamily="49" charset="0"/>
-                <a:cs typeface="Courier New" panose="02070309020205020404" pitchFamily="49" charset="0"/>
-              </a:rPr>
-              <a:t>')</a:t>
-            </a:r>
-          </a:p>
-          <a:p>
-            <a:r>
-              <a:rPr lang="en-US" dirty="0">
-                <a:latin typeface="Courier New" panose="02070309020205020404" pitchFamily="49" charset="0"/>
-                <a:cs typeface="Courier New" panose="02070309020205020404" pitchFamily="49" charset="0"/>
-              </a:rPr>
-              <a:t>for line in hand:</a:t>
-            </a:r>
-          </a:p>
-          <a:p>
-            <a:r>
-              <a:rPr lang="en-US" dirty="0">
-                <a:latin typeface="Courier New" panose="02070309020205020404" pitchFamily="49" charset="0"/>
-                <a:cs typeface="Courier New" panose="02070309020205020404" pitchFamily="49" charset="0"/>
-              </a:rPr>
-              <a:t>    print(</a:t>
-            </a:r>
-            <a:r>
-              <a:rPr lang="en-US" dirty="0" err="1">
-                <a:latin typeface="Courier New" panose="02070309020205020404" pitchFamily="49" charset="0"/>
-                <a:cs typeface="Courier New" panose="02070309020205020404" pitchFamily="49" charset="0"/>
-              </a:rPr>
-              <a:t>line.strip</a:t>
-            </a:r>
-            <a:r>
-              <a:rPr lang="en-US" dirty="0">
-                <a:latin typeface="Courier New" panose="02070309020205020404" pitchFamily="49" charset="0"/>
-                <a:cs typeface="Courier New" panose="02070309020205020404" pitchFamily="49" charset="0"/>
-              </a:rPr>
-              <a:t>())</a:t>
+              <a:t>print('Enter line')</a:t>
+            </a:r>
+          </a:p>
+          <a:p>
+            <a:r>
+              <a:rPr lang="en-US" dirty="0">
+                <a:latin typeface="Courier New" panose="02070309020205020404" pitchFamily="49" charset="0"/>
+                <a:cs typeface="Courier New" panose="02070309020205020404" pitchFamily="49" charset="0"/>
+              </a:rPr>
+              <a:t>line = input()</a:t>
+            </a:r>
+          </a:p>
+          <a:p>
+            <a:r>
+              <a:rPr lang="en-US" dirty="0">
+                <a:latin typeface="Courier New" panose="02070309020205020404" pitchFamily="49" charset="0"/>
+                <a:cs typeface="Courier New" panose="02070309020205020404" pitchFamily="49" charset="0"/>
+              </a:rPr>
+              <a:t>print('Line:', line)</a:t>
             </a:r>
           </a:p>
         </p:txBody>
@@ -4694,8 +4807,8 @@
         </p:nvSpPr>
         <p:spPr>
           <a:xfrm>
-            <a:off x="5293487" y="1027906"/>
-            <a:ext cx="6526146" cy="2585323"/>
+            <a:off x="6322193" y="1027906"/>
+            <a:ext cx="4458272" cy="2031325"/>
           </a:xfrm>
           <a:prstGeom prst="rect">
             <a:avLst/>
@@ -4747,89 +4860,70 @@
               </a:rPr>
               <a:t>    char line[1000];</a:t>
             </a:r>
-          </a:p>
-          <a:p>
-            <a:r>
-              <a:rPr lang="en-US" dirty="0">
-                <a:latin typeface="Courier New" panose="02070309020205020404" pitchFamily="49" charset="0"/>
-                <a:cs typeface="Courier New" panose="02070309020205020404" pitchFamily="49" charset="0"/>
-              </a:rPr>
-              <a:t>    FILE *hand;</a:t>
-            </a:r>
-          </a:p>
-          <a:p>
-            <a:r>
-              <a:rPr lang="en-US" dirty="0">
-                <a:latin typeface="Courier New" panose="02070309020205020404" pitchFamily="49" charset="0"/>
-                <a:cs typeface="Courier New" panose="02070309020205020404" pitchFamily="49" charset="0"/>
-              </a:rPr>
-              <a:t>    hand = </a:t>
+            <a:endParaRPr lang="en-US" b="1" dirty="0">
+              <a:latin typeface="Courier New" panose="02070309020205020404" pitchFamily="49" charset="0"/>
+              <a:cs typeface="Courier New" panose="02070309020205020404" pitchFamily="49" charset="0"/>
+            </a:endParaRPr>
+          </a:p>
+          <a:p>
+            <a:r>
+              <a:rPr lang="en-US" dirty="0">
+                <a:latin typeface="Courier New" panose="02070309020205020404" pitchFamily="49" charset="0"/>
+                <a:cs typeface="Courier New" panose="02070309020205020404" pitchFamily="49" charset="0"/>
+              </a:rPr>
+              <a:t>    </a:t>
             </a:r>
             <a:r>
               <a:rPr lang="en-US" dirty="0" err="1">
                 <a:latin typeface="Courier New" panose="02070309020205020404" pitchFamily="49" charset="0"/>
                 <a:cs typeface="Courier New" panose="02070309020205020404" pitchFamily="49" charset="0"/>
               </a:rPr>
-              <a:t>fopen</a:t>
-            </a:r>
-            <a:r>
-              <a:rPr lang="en-US" dirty="0">
-                <a:latin typeface="Courier New" panose="02070309020205020404" pitchFamily="49" charset="0"/>
-                <a:cs typeface="Courier New" panose="02070309020205020404" pitchFamily="49" charset="0"/>
-              </a:rPr>
-              <a:t>("</a:t>
+              <a:t>printf</a:t>
+            </a:r>
+            <a:r>
+              <a:rPr lang="en-US" dirty="0">
+                <a:latin typeface="Courier New" panose="02070309020205020404" pitchFamily="49" charset="0"/>
+                <a:cs typeface="Courier New" panose="02070309020205020404" pitchFamily="49" charset="0"/>
+              </a:rPr>
+              <a:t>("Enter line\n");</a:t>
+            </a:r>
+          </a:p>
+          <a:p>
+            <a:r>
+              <a:rPr lang="en-US" dirty="0">
+                <a:latin typeface="Courier New" panose="02070309020205020404" pitchFamily="49" charset="0"/>
+                <a:cs typeface="Courier New" panose="02070309020205020404" pitchFamily="49" charset="0"/>
+              </a:rPr>
+              <a:t>    </a:t>
             </a:r>
             <a:r>
               <a:rPr lang="en-US" dirty="0" err="1">
                 <a:latin typeface="Courier New" panose="02070309020205020404" pitchFamily="49" charset="0"/>
                 <a:cs typeface="Courier New" panose="02070309020205020404" pitchFamily="49" charset="0"/>
               </a:rPr>
-              <a:t>romeo.txt</a:t>
-            </a:r>
-            <a:r>
-              <a:rPr lang="en-US" dirty="0">
-                <a:latin typeface="Courier New" panose="02070309020205020404" pitchFamily="49" charset="0"/>
-                <a:cs typeface="Courier New" panose="02070309020205020404" pitchFamily="49" charset="0"/>
-              </a:rPr>
-              <a:t>", "r");</a:t>
-            </a:r>
-          </a:p>
-          <a:p>
-            <a:r>
-              <a:rPr lang="en-US" dirty="0">
-                <a:latin typeface="Courier New" panose="02070309020205020404" pitchFamily="49" charset="0"/>
-                <a:cs typeface="Courier New" panose="02070309020205020404" pitchFamily="49" charset="0"/>
-              </a:rPr>
-              <a:t>    while( </a:t>
+              <a:t>fgets</a:t>
+            </a:r>
+            <a:r>
+              <a:rPr lang="en-US" dirty="0">
+                <a:latin typeface="Courier New" panose="02070309020205020404" pitchFamily="49" charset="0"/>
+                <a:cs typeface="Courier New" panose="02070309020205020404" pitchFamily="49" charset="0"/>
+              </a:rPr>
+              <a:t>(line, 1000, stdin);</a:t>
+            </a:r>
+          </a:p>
+          <a:p>
+            <a:r>
+              <a:rPr lang="en-US" dirty="0">
+                <a:latin typeface="Courier New" panose="02070309020205020404" pitchFamily="49" charset="0"/>
+                <a:cs typeface="Courier New" panose="02070309020205020404" pitchFamily="49" charset="0"/>
+              </a:rPr>
+              <a:t>    </a:t>
             </a:r>
             <a:r>
               <a:rPr lang="en-US" dirty="0" err="1">
                 <a:latin typeface="Courier New" panose="02070309020205020404" pitchFamily="49" charset="0"/>
                 <a:cs typeface="Courier New" panose="02070309020205020404" pitchFamily="49" charset="0"/>
               </a:rPr>
-              <a:t>fgets</a:t>
-            </a:r>
-            <a:r>
-              <a:rPr lang="en-US" dirty="0">
-                <a:latin typeface="Courier New" panose="02070309020205020404" pitchFamily="49" charset="0"/>
-                <a:cs typeface="Courier New" panose="02070309020205020404" pitchFamily="49" charset="0"/>
-              </a:rPr>
-              <a:t>(line, 1000, hand) != NULL ) {</a:t>
-            </a:r>
-          </a:p>
-          <a:p>
-            <a:r>
-              <a:rPr lang="en-US" dirty="0">
-                <a:latin typeface="Courier New" panose="02070309020205020404" pitchFamily="49" charset="0"/>
-                <a:cs typeface="Courier New" panose="02070309020205020404" pitchFamily="49" charset="0"/>
-              </a:rPr>
-              <a:t>        </a:t>
-            </a:r>
-            <a:r>
-              <a:rPr lang="en-US" dirty="0" err="1">
-                <a:latin typeface="Courier New" panose="02070309020205020404" pitchFamily="49" charset="0"/>
-                <a:cs typeface="Courier New" panose="02070309020205020404" pitchFamily="49" charset="0"/>
-              </a:rPr>
               <a:t>printf</a:t>
             </a:r>
             <a:r>
@@ -4837,16 +4931,7 @@
                 <a:latin typeface="Courier New" panose="02070309020205020404" pitchFamily="49" charset="0"/>
                 <a:cs typeface="Courier New" panose="02070309020205020404" pitchFamily="49" charset="0"/>
               </a:rPr>
-              <a:t>("%s", line);</a:t>
-            </a:r>
-          </a:p>
-          <a:p>
-            <a:r>
-              <a:rPr lang="en-US" dirty="0">
-                <a:latin typeface="Courier New" panose="02070309020205020404" pitchFamily="49" charset="0"/>
-                <a:cs typeface="Courier New" panose="02070309020205020404" pitchFamily="49" charset="0"/>
-              </a:rPr>
-              <a:t>    }</a:t>
+              <a:t>("Line: %s\n", line);</a:t>
             </a:r>
           </a:p>
           <a:p>
@@ -4875,7 +4960,7 @@
         <p:spPr>
           <a:xfrm>
             <a:off x="954156" y="4200590"/>
-            <a:ext cx="6801862" cy="1200329"/>
+            <a:ext cx="5009705" cy="923330"/>
           </a:xfrm>
           <a:prstGeom prst="rect">
             <a:avLst/>
@@ -4892,15 +4977,15 @@
               <a:rPr lang="en-US" dirty="0">
                 <a:latin typeface="Monaco" pitchFamily="2" charset="77"/>
               </a:rPr>
-              <a:t>But soft what light through yonder window breaks</a:t>
-            </a:r>
-          </a:p>
-          <a:p>
-            <a:r>
-              <a:rPr lang="en-US" dirty="0">
+              <a:t>Enter line</a:t>
+            </a:r>
+          </a:p>
+          <a:p>
+            <a:r>
+              <a:rPr lang="en-US" b="1" dirty="0">
                 <a:latin typeface="Monaco" pitchFamily="2" charset="77"/>
               </a:rPr>
-              <a:t>It is the east and Juliet is the sun</a:t>
+              <a:t>Hello world - have a nice day</a:t>
             </a:r>
           </a:p>
           <a:p>
@@ -4908,15 +4993,7 @@
               <a:rPr lang="en-US" dirty="0">
                 <a:latin typeface="Monaco" pitchFamily="2" charset="77"/>
               </a:rPr>
-              <a:t>Arise fair sun and kill the envious moon</a:t>
-            </a:r>
-          </a:p>
-          <a:p>
-            <a:r>
-              <a:rPr lang="en-US" dirty="0">
-                <a:latin typeface="Monaco" pitchFamily="2" charset="77"/>
-              </a:rPr>
-              <a:t>Who is already sick and pale with grief</a:t>
+              <a:t>Line: Hello world - have a nice day</a:t>
             </a:r>
           </a:p>
         </p:txBody>
@@ -4926,7 +5003,7 @@
           <p:cNvPr id="8" name="TextBox 7">
             <a:extLst>
               <a:ext uri="{FF2B5EF4-FFF2-40B4-BE49-F238E27FC236}">
-                <a16:creationId xmlns:a16="http://schemas.microsoft.com/office/drawing/2014/main" id="{7C6B6CA9-47F0-59DF-DF09-8741C9A2B62F}"/>
+                <a16:creationId xmlns:a16="http://schemas.microsoft.com/office/drawing/2014/main" id="{283B718D-9746-DB0F-BC19-822E89CD93AC}"/>
               </a:ext>
             </a:extLst>
           </p:cNvPr>
@@ -4957,15 +5034,31 @@
                 <a:effectLst/>
                 <a:latin typeface="Menlo" panose="020B0609030804020204" pitchFamily="49" charset="0"/>
               </a:rPr>
-              <a:t>cc_02_06.c</a:t>
-            </a:r>
+              <a:t>cc_02_09.</a:t>
+            </a:r>
+            <a:r>
+              <a:rPr lang="en-US" sz="1600" dirty="0">
+                <a:solidFill>
+                  <a:srgbClr val="000000"/>
+                </a:solidFill>
+                <a:latin typeface="Menlo" panose="020B0609030804020204" pitchFamily="49" charset="0"/>
+              </a:rPr>
+              <a:t>c</a:t>
+            </a:r>
+            <a:endParaRPr lang="en-US" sz="1600" dirty="0">
+              <a:solidFill>
+                <a:srgbClr val="000000"/>
+              </a:solidFill>
+              <a:effectLst/>
+              <a:latin typeface="Menlo" panose="020B0609030804020204" pitchFamily="49" charset="0"/>
+            </a:endParaRPr>
           </a:p>
         </p:txBody>
       </p:sp>
     </p:spTree>
     <p:extLst>
       <p:ext uri="{BB962C8B-B14F-4D97-AF65-F5344CB8AC3E}">
-        <p14:creationId xmlns:p14="http://schemas.microsoft.com/office/powerpoint/2010/main" val="224831238"/>
+        <p14:creationId xmlns:p14="http://schemas.microsoft.com/office/powerpoint/2010/main" val="2081602882"/>
       </p:ext>
     </p:extLst>
   </p:cSld>
@@ -5015,7 +5108,7 @@
           <a:p>
             <a:r>
               <a:rPr lang="en-US" dirty="0"/>
-              <a:t>Counted Loop</a:t>
+              <a:t>Read A File</a:t>
             </a:r>
           </a:p>
         </p:txBody>
@@ -5035,7 +5128,7 @@
         <p:spPr>
           <a:xfrm>
             <a:off x="954156" y="1682693"/>
-            <a:ext cx="2803973" cy="646331"/>
+            <a:ext cx="3493264" cy="923330"/>
           </a:xfrm>
           <a:prstGeom prst="rect">
             <a:avLst/>
@@ -5053,21 +5146,30 @@
                 <a:latin typeface="Courier New" panose="02070309020205020404" pitchFamily="49" charset="0"/>
                 <a:cs typeface="Courier New" panose="02070309020205020404" pitchFamily="49" charset="0"/>
               </a:rPr>
-              <a:t>for </a:t>
+              <a:t>hand = open('</a:t>
             </a:r>
             <a:r>
               <a:rPr lang="en-US" dirty="0" err="1">
                 <a:latin typeface="Courier New" panose="02070309020205020404" pitchFamily="49" charset="0"/>
                 <a:cs typeface="Courier New" panose="02070309020205020404" pitchFamily="49" charset="0"/>
               </a:rPr>
-              <a:t>i</a:t>
-            </a:r>
-            <a:r>
-              <a:rPr lang="en-US" dirty="0">
-                <a:latin typeface="Courier New" panose="02070309020205020404" pitchFamily="49" charset="0"/>
-                <a:cs typeface="Courier New" panose="02070309020205020404" pitchFamily="49" charset="0"/>
-              </a:rPr>
-              <a:t> in range(5) :</a:t>
+              <a:t>romeo.txt</a:t>
+            </a:r>
+            <a:r>
+              <a:rPr lang="en-US" dirty="0">
+                <a:latin typeface="Courier New" panose="02070309020205020404" pitchFamily="49" charset="0"/>
+                <a:cs typeface="Courier New" panose="02070309020205020404" pitchFamily="49" charset="0"/>
+              </a:rPr>
+              <a:t>')</a:t>
+            </a:r>
+          </a:p>
+          <a:p>
+            <a:r>
+              <a:rPr lang="en-US" dirty="0">
+                <a:latin typeface="Courier New" panose="02070309020205020404" pitchFamily="49" charset="0"/>
+                <a:cs typeface="Courier New" panose="02070309020205020404" pitchFamily="49" charset="0"/>
+              </a:rPr>
+              <a:t>for line in hand:</a:t>
             </a:r>
           </a:p>
           <a:p>
@@ -5083,14 +5185,14 @@
                 <a:latin typeface="Courier New" panose="02070309020205020404" pitchFamily="49" charset="0"/>
                 <a:cs typeface="Courier New" panose="02070309020205020404" pitchFamily="49" charset="0"/>
               </a:rPr>
-              <a:t>i</a:t>
-            </a:r>
-            <a:r>
-              <a:rPr lang="en-US" dirty="0">
-                <a:latin typeface="Courier New" panose="02070309020205020404" pitchFamily="49" charset="0"/>
-                <a:cs typeface="Courier New" panose="02070309020205020404" pitchFamily="49" charset="0"/>
-              </a:rPr>
-              <a:t>)</a:t>
+              <a:t>line.strip</a:t>
+            </a:r>
+            <a:r>
+              <a:rPr lang="en-US" dirty="0">
+                <a:latin typeface="Courier New" panose="02070309020205020404" pitchFamily="49" charset="0"/>
+                <a:cs typeface="Courier New" panose="02070309020205020404" pitchFamily="49" charset="0"/>
+              </a:rPr>
+              <a:t>())</a:t>
             </a:r>
           </a:p>
         </p:txBody>
@@ -5110,7 +5212,7 @@
         <p:spPr>
           <a:xfrm>
             <a:off x="5293487" y="1027906"/>
-            <a:ext cx="3631122" cy="2031325"/>
+            <a:ext cx="6526146" cy="2585323"/>
           </a:xfrm>
           <a:prstGeom prst="rect">
             <a:avLst/>
@@ -5160,87 +5262,91 @@
                 <a:latin typeface="Courier New" panose="02070309020205020404" pitchFamily="49" charset="0"/>
                 <a:cs typeface="Courier New" panose="02070309020205020404" pitchFamily="49" charset="0"/>
               </a:rPr>
-              <a:t>    int </a:t>
+              <a:t>    char line[1000];</a:t>
+            </a:r>
+          </a:p>
+          <a:p>
+            <a:r>
+              <a:rPr lang="en-US" dirty="0">
+                <a:latin typeface="Courier New" panose="02070309020205020404" pitchFamily="49" charset="0"/>
+                <a:cs typeface="Courier New" panose="02070309020205020404" pitchFamily="49" charset="0"/>
+              </a:rPr>
+              <a:t>    FILE *hand;</a:t>
+            </a:r>
+          </a:p>
+          <a:p>
+            <a:r>
+              <a:rPr lang="en-US" dirty="0">
+                <a:latin typeface="Courier New" panose="02070309020205020404" pitchFamily="49" charset="0"/>
+                <a:cs typeface="Courier New" panose="02070309020205020404" pitchFamily="49" charset="0"/>
+              </a:rPr>
+              <a:t>    hand = </a:t>
             </a:r>
             <a:r>
               <a:rPr lang="en-US" dirty="0" err="1">
                 <a:latin typeface="Courier New" panose="02070309020205020404" pitchFamily="49" charset="0"/>
                 <a:cs typeface="Courier New" panose="02070309020205020404" pitchFamily="49" charset="0"/>
               </a:rPr>
-              <a:t>i</a:t>
-            </a:r>
-            <a:r>
-              <a:rPr lang="en-US" dirty="0">
-                <a:latin typeface="Courier New" panose="02070309020205020404" pitchFamily="49" charset="0"/>
-                <a:cs typeface="Courier New" panose="02070309020205020404" pitchFamily="49" charset="0"/>
-              </a:rPr>
-              <a:t>;</a:t>
-            </a:r>
-          </a:p>
-          <a:p>
-            <a:r>
-              <a:rPr lang="en-US" dirty="0">
-                <a:latin typeface="Courier New" panose="02070309020205020404" pitchFamily="49" charset="0"/>
-                <a:cs typeface="Courier New" panose="02070309020205020404" pitchFamily="49" charset="0"/>
-              </a:rPr>
-              <a:t>    for(</a:t>
+              <a:t>fopen</a:t>
+            </a:r>
+            <a:r>
+              <a:rPr lang="en-US" dirty="0">
+                <a:latin typeface="Courier New" panose="02070309020205020404" pitchFamily="49" charset="0"/>
+                <a:cs typeface="Courier New" panose="02070309020205020404" pitchFamily="49" charset="0"/>
+              </a:rPr>
+              <a:t>("</a:t>
             </a:r>
             <a:r>
               <a:rPr lang="en-US" dirty="0" err="1">
                 <a:latin typeface="Courier New" panose="02070309020205020404" pitchFamily="49" charset="0"/>
                 <a:cs typeface="Courier New" panose="02070309020205020404" pitchFamily="49" charset="0"/>
               </a:rPr>
-              <a:t>i</a:t>
-            </a:r>
-            <a:r>
-              <a:rPr lang="en-US" dirty="0">
-                <a:latin typeface="Courier New" panose="02070309020205020404" pitchFamily="49" charset="0"/>
-                <a:cs typeface="Courier New" panose="02070309020205020404" pitchFamily="49" charset="0"/>
-              </a:rPr>
-              <a:t>=0; </a:t>
+              <a:t>romeo.txt</a:t>
+            </a:r>
+            <a:r>
+              <a:rPr lang="en-US" dirty="0">
+                <a:latin typeface="Courier New" panose="02070309020205020404" pitchFamily="49" charset="0"/>
+                <a:cs typeface="Courier New" panose="02070309020205020404" pitchFamily="49" charset="0"/>
+              </a:rPr>
+              <a:t>", "r");</a:t>
+            </a:r>
+          </a:p>
+          <a:p>
+            <a:r>
+              <a:rPr lang="en-US" dirty="0">
+                <a:latin typeface="Courier New" panose="02070309020205020404" pitchFamily="49" charset="0"/>
+                <a:cs typeface="Courier New" panose="02070309020205020404" pitchFamily="49" charset="0"/>
+              </a:rPr>
+              <a:t>    while( </a:t>
             </a:r>
             <a:r>
               <a:rPr lang="en-US" dirty="0" err="1">
                 <a:latin typeface="Courier New" panose="02070309020205020404" pitchFamily="49" charset="0"/>
                 <a:cs typeface="Courier New" panose="02070309020205020404" pitchFamily="49" charset="0"/>
               </a:rPr>
-              <a:t>i</a:t>
-            </a:r>
-            <a:r>
-              <a:rPr lang="en-US" dirty="0">
-                <a:latin typeface="Courier New" panose="02070309020205020404" pitchFamily="49" charset="0"/>
-                <a:cs typeface="Courier New" panose="02070309020205020404" pitchFamily="49" charset="0"/>
-              </a:rPr>
-              <a:t>&lt;5; </a:t>
+              <a:t>fgets</a:t>
+            </a:r>
+            <a:r>
+              <a:rPr lang="en-US" dirty="0">
+                <a:latin typeface="Courier New" panose="02070309020205020404" pitchFamily="49" charset="0"/>
+                <a:cs typeface="Courier New" panose="02070309020205020404" pitchFamily="49" charset="0"/>
+              </a:rPr>
+              <a:t>(line, 1000, hand) != NULL ) {</a:t>
+            </a:r>
+          </a:p>
+          <a:p>
+            <a:r>
+              <a:rPr lang="en-US" dirty="0">
+                <a:latin typeface="Courier New" panose="02070309020205020404" pitchFamily="49" charset="0"/>
+                <a:cs typeface="Courier New" panose="02070309020205020404" pitchFamily="49" charset="0"/>
+              </a:rPr>
+              <a:t>        </a:t>
             </a:r>
             <a:r>
               <a:rPr lang="en-US" dirty="0" err="1">
                 <a:latin typeface="Courier New" panose="02070309020205020404" pitchFamily="49" charset="0"/>
                 <a:cs typeface="Courier New" panose="02070309020205020404" pitchFamily="49" charset="0"/>
               </a:rPr>
-              <a:t>i</a:t>
-            </a:r>
-            <a:r>
-              <a:rPr lang="en-US" dirty="0">
-                <a:latin typeface="Courier New" panose="02070309020205020404" pitchFamily="49" charset="0"/>
-                <a:cs typeface="Courier New" panose="02070309020205020404" pitchFamily="49" charset="0"/>
-              </a:rPr>
-              <a:t>++) {</a:t>
-            </a:r>
-          </a:p>
-          <a:p>
-            <a:r>
-              <a:rPr lang="en-US" dirty="0">
-                <a:latin typeface="Courier New" panose="02070309020205020404" pitchFamily="49" charset="0"/>
-                <a:cs typeface="Courier New" panose="02070309020205020404" pitchFamily="49" charset="0"/>
-              </a:rPr>
-              <a:t>        </a:t>
-            </a:r>
-            <a:r>
-              <a:rPr lang="en-US" dirty="0" err="1">
-                <a:latin typeface="Courier New" panose="02070309020205020404" pitchFamily="49" charset="0"/>
-                <a:cs typeface="Courier New" panose="02070309020205020404" pitchFamily="49" charset="0"/>
-              </a:rPr>
               <a:t>printf</a:t>
             </a:r>
             <a:r>
@@ -5248,30 +5354,16 @@
                 <a:latin typeface="Courier New" panose="02070309020205020404" pitchFamily="49" charset="0"/>
                 <a:cs typeface="Courier New" panose="02070309020205020404" pitchFamily="49" charset="0"/>
               </a:rPr>
-              <a:t>("%d\n",</a:t>
-            </a:r>
-            <a:r>
-              <a:rPr lang="en-US" dirty="0" err="1">
-                <a:latin typeface="Courier New" panose="02070309020205020404" pitchFamily="49" charset="0"/>
-                <a:cs typeface="Courier New" panose="02070309020205020404" pitchFamily="49" charset="0"/>
-              </a:rPr>
-              <a:t>i</a:t>
-            </a:r>
-            <a:r>
-              <a:rPr lang="en-US" dirty="0">
-                <a:latin typeface="Courier New" panose="02070309020205020404" pitchFamily="49" charset="0"/>
-                <a:cs typeface="Courier New" panose="02070309020205020404" pitchFamily="49" charset="0"/>
-              </a:rPr>
-              <a:t>);</a:t>
-            </a:r>
-          </a:p>
-          <a:p>
-            <a:r>
-              <a:rPr lang="en-US" dirty="0">
-                <a:latin typeface="Courier New" panose="02070309020205020404" pitchFamily="49" charset="0"/>
-                <a:cs typeface="Courier New" panose="02070309020205020404" pitchFamily="49" charset="0"/>
-              </a:rPr>
-              <a:t>    }   </a:t>
+              <a:t>("%s", line);</a:t>
+            </a:r>
+          </a:p>
+          <a:p>
+            <a:r>
+              <a:rPr lang="en-US" dirty="0">
+                <a:latin typeface="Courier New" panose="02070309020205020404" pitchFamily="49" charset="0"/>
+                <a:cs typeface="Courier New" panose="02070309020205020404" pitchFamily="49" charset="0"/>
+              </a:rPr>
+              <a:t>    }</a:t>
             </a:r>
           </a:p>
           <a:p>
@@ -5299,8 +5391,8 @@
         </p:nvSpPr>
         <p:spPr>
           <a:xfrm>
-            <a:off x="2646769" y="3790313"/>
-            <a:ext cx="322524" cy="1477328"/>
+            <a:off x="954156" y="4200590"/>
+            <a:ext cx="6801862" cy="1200329"/>
           </a:xfrm>
           <a:prstGeom prst="rect">
             <a:avLst/>
@@ -5317,7 +5409,7 @@
               <a:rPr lang="en-US" dirty="0">
                 <a:latin typeface="Monaco" pitchFamily="2" charset="77"/>
               </a:rPr>
-              <a:t>0</a:t>
+              <a:t>But soft what light through yonder window breaks</a:t>
             </a:r>
           </a:p>
           <a:p>
@@ -5325,7 +5417,7 @@
               <a:rPr lang="en-US" dirty="0">
                 <a:latin typeface="Monaco" pitchFamily="2" charset="77"/>
               </a:rPr>
-              <a:t>1</a:t>
+              <a:t>It is the east and Juliet is the sun</a:t>
             </a:r>
           </a:p>
           <a:p>
@@ -5333,7 +5425,7 @@
               <a:rPr lang="en-US" dirty="0">
                 <a:latin typeface="Monaco" pitchFamily="2" charset="77"/>
               </a:rPr>
-              <a:t>2</a:t>
+              <a:t>Arise fair sun and kill the envious moon</a:t>
             </a:r>
           </a:p>
           <a:p>
@@ -5341,15 +5433,7 @@
               <a:rPr lang="en-US" dirty="0">
                 <a:latin typeface="Monaco" pitchFamily="2" charset="77"/>
               </a:rPr>
-              <a:t>3</a:t>
-            </a:r>
-          </a:p>
-          <a:p>
-            <a:r>
-              <a:rPr lang="en-US" dirty="0">
-                <a:latin typeface="Monaco" pitchFamily="2" charset="77"/>
-              </a:rPr>
-              <a:t>4</a:t>
+              <a:t>Who is already sick and pale with grief</a:t>
             </a:r>
           </a:p>
         </p:txBody>
@@ -5359,7 +5443,7 @@
           <p:cNvPr id="8" name="TextBox 7">
             <a:extLst>
               <a:ext uri="{FF2B5EF4-FFF2-40B4-BE49-F238E27FC236}">
-                <a16:creationId xmlns:a16="http://schemas.microsoft.com/office/drawing/2014/main" id="{3CF08E69-CA57-FC40-50CD-99DCEC9E45DE}"/>
+                <a16:creationId xmlns:a16="http://schemas.microsoft.com/office/drawing/2014/main" id="{7C6B6CA9-47F0-59DF-DF09-8741C9A2B62F}"/>
               </a:ext>
             </a:extLst>
           </p:cNvPr>
@@ -5390,31 +5474,15 @@
                 <a:effectLst/>
                 <a:latin typeface="Menlo" panose="020B0609030804020204" pitchFamily="49" charset="0"/>
               </a:rPr>
-              <a:t>cc_02_07.</a:t>
-            </a:r>
-            <a:r>
-              <a:rPr lang="en-US" sz="1600" dirty="0">
-                <a:solidFill>
-                  <a:srgbClr val="000000"/>
-                </a:solidFill>
-                <a:latin typeface="Menlo" panose="020B0609030804020204" pitchFamily="49" charset="0"/>
-              </a:rPr>
-              <a:t>c</a:t>
-            </a:r>
-            <a:endParaRPr lang="en-US" sz="1600" dirty="0">
-              <a:solidFill>
-                <a:srgbClr val="000000"/>
-              </a:solidFill>
-              <a:effectLst/>
-              <a:latin typeface="Menlo" panose="020B0609030804020204" pitchFamily="49" charset="0"/>
-            </a:endParaRPr>
+              <a:t>cc_02_06.c</a:t>
+            </a:r>
           </a:p>
         </p:txBody>
       </p:sp>
     </p:spTree>
     <p:extLst>
       <p:ext uri="{BB962C8B-B14F-4D97-AF65-F5344CB8AC3E}">
-        <p14:creationId xmlns:p14="http://schemas.microsoft.com/office/powerpoint/2010/main" val="3946844952"/>
+        <p14:creationId xmlns:p14="http://schemas.microsoft.com/office/powerpoint/2010/main" val="224831238"/>
       </p:ext>
     </p:extLst>
   </p:cSld>
@@ -5464,7 +5532,7 @@
           <a:p>
             <a:r>
               <a:rPr lang="en-US" dirty="0"/>
-              <a:t>Max / Min</a:t>
+              <a:t>Counted Loop</a:t>
             </a:r>
           </a:p>
         </p:txBody>
@@ -5483,8 +5551,8 @@
         </p:nvSpPr>
         <p:spPr>
           <a:xfrm>
-            <a:off x="996477" y="1443841"/>
-            <a:ext cx="6112571" cy="3970318"/>
+            <a:off x="954156" y="1682693"/>
+            <a:ext cx="2803973" cy="646331"/>
           </a:xfrm>
           <a:prstGeom prst="rect">
             <a:avLst/>
@@ -5498,325 +5566,41 @@
           <a:lstStyle/>
           <a:p>
             <a:r>
+              <a:rPr lang="en-US" dirty="0">
+                <a:latin typeface="Courier New" panose="02070309020205020404" pitchFamily="49" charset="0"/>
+                <a:cs typeface="Courier New" panose="02070309020205020404" pitchFamily="49" charset="0"/>
+              </a:rPr>
+              <a:t>for </a:t>
+            </a:r>
+            <a:r>
               <a:rPr lang="en-US" dirty="0" err="1">
                 <a:latin typeface="Courier New" panose="02070309020205020404" pitchFamily="49" charset="0"/>
                 <a:cs typeface="Courier New" panose="02070309020205020404" pitchFamily="49" charset="0"/>
               </a:rPr>
-              <a:t>maxval</a:t>
-            </a:r>
-            <a:r>
-              <a:rPr lang="en-US" dirty="0">
-                <a:latin typeface="Courier New" panose="02070309020205020404" pitchFamily="49" charset="0"/>
-                <a:cs typeface="Courier New" panose="02070309020205020404" pitchFamily="49" charset="0"/>
-              </a:rPr>
-              <a:t> = None</a:t>
-            </a:r>
-          </a:p>
-          <a:p>
+              <a:t>i</a:t>
+            </a:r>
+            <a:r>
+              <a:rPr lang="en-US" dirty="0">
+                <a:latin typeface="Courier New" panose="02070309020205020404" pitchFamily="49" charset="0"/>
+                <a:cs typeface="Courier New" panose="02070309020205020404" pitchFamily="49" charset="0"/>
+              </a:rPr>
+              <a:t> in range(5) :</a:t>
+            </a:r>
+          </a:p>
+          <a:p>
+            <a:r>
+              <a:rPr lang="en-US" dirty="0">
+                <a:latin typeface="Courier New" panose="02070309020205020404" pitchFamily="49" charset="0"/>
+                <a:cs typeface="Courier New" panose="02070309020205020404" pitchFamily="49" charset="0"/>
+              </a:rPr>
+              <a:t>    print(</a:t>
+            </a:r>
             <a:r>
               <a:rPr lang="en-US" dirty="0" err="1">
                 <a:latin typeface="Courier New" panose="02070309020205020404" pitchFamily="49" charset="0"/>
                 <a:cs typeface="Courier New" panose="02070309020205020404" pitchFamily="49" charset="0"/>
               </a:rPr>
-              <a:t>minval</a:t>
-            </a:r>
-            <a:r>
-              <a:rPr lang="en-US" dirty="0">
-                <a:latin typeface="Courier New" panose="02070309020205020404" pitchFamily="49" charset="0"/>
-                <a:cs typeface="Courier New" panose="02070309020205020404" pitchFamily="49" charset="0"/>
-              </a:rPr>
-              <a:t> = None</a:t>
-            </a:r>
-          </a:p>
-          <a:p>
-            <a:r>
-              <a:rPr lang="en-US" dirty="0">
-                <a:latin typeface="Courier New" panose="02070309020205020404" pitchFamily="49" charset="0"/>
-                <a:cs typeface="Courier New" panose="02070309020205020404" pitchFamily="49" charset="0"/>
-              </a:rPr>
-              <a:t>while True:</a:t>
-            </a:r>
-          </a:p>
-          <a:p>
-            <a:r>
-              <a:rPr lang="en-US" dirty="0">
-                <a:latin typeface="Courier New" panose="02070309020205020404" pitchFamily="49" charset="0"/>
-                <a:cs typeface="Courier New" panose="02070309020205020404" pitchFamily="49" charset="0"/>
-              </a:rPr>
-              <a:t>    line = input()</a:t>
-            </a:r>
-          </a:p>
-          <a:p>
-            <a:r>
-              <a:rPr lang="en-US" dirty="0">
-                <a:latin typeface="Courier New" panose="02070309020205020404" pitchFamily="49" charset="0"/>
-                <a:cs typeface="Courier New" panose="02070309020205020404" pitchFamily="49" charset="0"/>
-              </a:rPr>
-              <a:t>    line = </a:t>
-            </a:r>
-            <a:r>
-              <a:rPr lang="en-US" dirty="0" err="1">
-                <a:latin typeface="Courier New" panose="02070309020205020404" pitchFamily="49" charset="0"/>
-                <a:cs typeface="Courier New" panose="02070309020205020404" pitchFamily="49" charset="0"/>
-              </a:rPr>
-              <a:t>line.strip</a:t>
-            </a:r>
-            <a:r>
-              <a:rPr lang="en-US" dirty="0">
-                <a:latin typeface="Courier New" panose="02070309020205020404" pitchFamily="49" charset="0"/>
-                <a:cs typeface="Courier New" panose="02070309020205020404" pitchFamily="49" charset="0"/>
-              </a:rPr>
-              <a:t>()</a:t>
-            </a:r>
-          </a:p>
-          <a:p>
-            <a:r>
-              <a:rPr lang="en-US" dirty="0">
-                <a:latin typeface="Courier New" panose="02070309020205020404" pitchFamily="49" charset="0"/>
-                <a:cs typeface="Courier New" panose="02070309020205020404" pitchFamily="49" charset="0"/>
-              </a:rPr>
-              <a:t>    if line == "done" : break</a:t>
-            </a:r>
-          </a:p>
-          <a:p>
-            <a:r>
-              <a:rPr lang="en-US" dirty="0">
-                <a:latin typeface="Courier New" panose="02070309020205020404" pitchFamily="49" charset="0"/>
-                <a:cs typeface="Courier New" panose="02070309020205020404" pitchFamily="49" charset="0"/>
-              </a:rPr>
-              <a:t>    </a:t>
-            </a:r>
-            <a:r>
-              <a:rPr lang="en-US" dirty="0" err="1">
-                <a:latin typeface="Courier New" panose="02070309020205020404" pitchFamily="49" charset="0"/>
-                <a:cs typeface="Courier New" panose="02070309020205020404" pitchFamily="49" charset="0"/>
-              </a:rPr>
-              <a:t>ival</a:t>
-            </a:r>
-            <a:r>
-              <a:rPr lang="en-US" dirty="0">
-                <a:latin typeface="Courier New" panose="02070309020205020404" pitchFamily="49" charset="0"/>
-                <a:cs typeface="Courier New" panose="02070309020205020404" pitchFamily="49" charset="0"/>
-              </a:rPr>
-              <a:t> = int(line)</a:t>
-            </a:r>
-          </a:p>
-          <a:p>
-            <a:r>
-              <a:rPr lang="en-US" dirty="0">
-                <a:latin typeface="Courier New" panose="02070309020205020404" pitchFamily="49" charset="0"/>
-                <a:cs typeface="Courier New" panose="02070309020205020404" pitchFamily="49" charset="0"/>
-              </a:rPr>
-              <a:t>    if ( </a:t>
-            </a:r>
-            <a:r>
-              <a:rPr lang="en-US" dirty="0" err="1">
-                <a:latin typeface="Courier New" panose="02070309020205020404" pitchFamily="49" charset="0"/>
-                <a:cs typeface="Courier New" panose="02070309020205020404" pitchFamily="49" charset="0"/>
-              </a:rPr>
-              <a:t>maxval</a:t>
-            </a:r>
-            <a:r>
-              <a:rPr lang="en-US" dirty="0">
-                <a:latin typeface="Courier New" panose="02070309020205020404" pitchFamily="49" charset="0"/>
-                <a:cs typeface="Courier New" panose="02070309020205020404" pitchFamily="49" charset="0"/>
-              </a:rPr>
-              <a:t> is None or </a:t>
-            </a:r>
-            <a:r>
-              <a:rPr lang="en-US" dirty="0" err="1">
-                <a:latin typeface="Courier New" panose="02070309020205020404" pitchFamily="49" charset="0"/>
-                <a:cs typeface="Courier New" panose="02070309020205020404" pitchFamily="49" charset="0"/>
-              </a:rPr>
-              <a:t>ival</a:t>
-            </a:r>
-            <a:r>
-              <a:rPr lang="en-US" dirty="0">
-                <a:latin typeface="Courier New" panose="02070309020205020404" pitchFamily="49" charset="0"/>
-                <a:cs typeface="Courier New" panose="02070309020205020404" pitchFamily="49" charset="0"/>
-              </a:rPr>
-              <a:t> &gt; </a:t>
-            </a:r>
-            <a:r>
-              <a:rPr lang="en-US" dirty="0" err="1">
-                <a:latin typeface="Courier New" panose="02070309020205020404" pitchFamily="49" charset="0"/>
-                <a:cs typeface="Courier New" panose="02070309020205020404" pitchFamily="49" charset="0"/>
-              </a:rPr>
-              <a:t>maxval</a:t>
-            </a:r>
-            <a:r>
-              <a:rPr lang="en-US" dirty="0">
-                <a:latin typeface="Courier New" panose="02070309020205020404" pitchFamily="49" charset="0"/>
-                <a:cs typeface="Courier New" panose="02070309020205020404" pitchFamily="49" charset="0"/>
-              </a:rPr>
-              <a:t>) :</a:t>
-            </a:r>
-          </a:p>
-          <a:p>
-            <a:r>
-              <a:rPr lang="en-US" dirty="0">
-                <a:latin typeface="Courier New" panose="02070309020205020404" pitchFamily="49" charset="0"/>
-                <a:cs typeface="Courier New" panose="02070309020205020404" pitchFamily="49" charset="0"/>
-              </a:rPr>
-              <a:t>        </a:t>
-            </a:r>
-            <a:r>
-              <a:rPr lang="en-US" dirty="0" err="1">
-                <a:latin typeface="Courier New" panose="02070309020205020404" pitchFamily="49" charset="0"/>
-                <a:cs typeface="Courier New" panose="02070309020205020404" pitchFamily="49" charset="0"/>
-              </a:rPr>
-              <a:t>maxval</a:t>
-            </a:r>
-            <a:r>
-              <a:rPr lang="en-US" dirty="0">
-                <a:latin typeface="Courier New" panose="02070309020205020404" pitchFamily="49" charset="0"/>
-                <a:cs typeface="Courier New" panose="02070309020205020404" pitchFamily="49" charset="0"/>
-              </a:rPr>
-              <a:t> = </a:t>
-            </a:r>
-            <a:r>
-              <a:rPr lang="en-US" dirty="0" err="1">
-                <a:latin typeface="Courier New" panose="02070309020205020404" pitchFamily="49" charset="0"/>
-                <a:cs typeface="Courier New" panose="02070309020205020404" pitchFamily="49" charset="0"/>
-              </a:rPr>
-              <a:t>ival</a:t>
-            </a:r>
-            <a:endParaRPr lang="en-US" dirty="0">
-              <a:latin typeface="Courier New" panose="02070309020205020404" pitchFamily="49" charset="0"/>
-              <a:cs typeface="Courier New" panose="02070309020205020404" pitchFamily="49" charset="0"/>
-            </a:endParaRPr>
-          </a:p>
-          <a:p>
-            <a:r>
-              <a:rPr lang="en-US" dirty="0">
-                <a:latin typeface="Courier New" panose="02070309020205020404" pitchFamily="49" charset="0"/>
-                <a:cs typeface="Courier New" panose="02070309020205020404" pitchFamily="49" charset="0"/>
-              </a:rPr>
-              <a:t>    if ( </a:t>
-            </a:r>
-            <a:r>
-              <a:rPr lang="en-US" dirty="0" err="1">
-                <a:latin typeface="Courier New" panose="02070309020205020404" pitchFamily="49" charset="0"/>
-                <a:cs typeface="Courier New" panose="02070309020205020404" pitchFamily="49" charset="0"/>
-              </a:rPr>
-              <a:t>minval</a:t>
-            </a:r>
-            <a:r>
-              <a:rPr lang="en-US" dirty="0">
-                <a:latin typeface="Courier New" panose="02070309020205020404" pitchFamily="49" charset="0"/>
-                <a:cs typeface="Courier New" panose="02070309020205020404" pitchFamily="49" charset="0"/>
-              </a:rPr>
-              <a:t> is None or </a:t>
-            </a:r>
-            <a:r>
-              <a:rPr lang="en-US" dirty="0" err="1">
-                <a:latin typeface="Courier New" panose="02070309020205020404" pitchFamily="49" charset="0"/>
-                <a:cs typeface="Courier New" panose="02070309020205020404" pitchFamily="49" charset="0"/>
-              </a:rPr>
-              <a:t>ival</a:t>
-            </a:r>
-            <a:r>
-              <a:rPr lang="en-US" dirty="0">
-                <a:latin typeface="Courier New" panose="02070309020205020404" pitchFamily="49" charset="0"/>
-                <a:cs typeface="Courier New" panose="02070309020205020404" pitchFamily="49" charset="0"/>
-              </a:rPr>
-              <a:t> &lt; </a:t>
-            </a:r>
-            <a:r>
-              <a:rPr lang="en-US" dirty="0" err="1">
-                <a:latin typeface="Courier New" panose="02070309020205020404" pitchFamily="49" charset="0"/>
-                <a:cs typeface="Courier New" panose="02070309020205020404" pitchFamily="49" charset="0"/>
-              </a:rPr>
-              <a:t>minval</a:t>
-            </a:r>
-            <a:r>
-              <a:rPr lang="en-US" dirty="0">
-                <a:latin typeface="Courier New" panose="02070309020205020404" pitchFamily="49" charset="0"/>
-                <a:cs typeface="Courier New" panose="02070309020205020404" pitchFamily="49" charset="0"/>
-              </a:rPr>
-              <a:t>) :</a:t>
-            </a:r>
-          </a:p>
-          <a:p>
-            <a:r>
-              <a:rPr lang="en-US" dirty="0">
-                <a:latin typeface="Courier New" panose="02070309020205020404" pitchFamily="49" charset="0"/>
-                <a:cs typeface="Courier New" panose="02070309020205020404" pitchFamily="49" charset="0"/>
-              </a:rPr>
-              <a:t>        </a:t>
-            </a:r>
-            <a:r>
-              <a:rPr lang="en-US" dirty="0" err="1">
-                <a:latin typeface="Courier New" panose="02070309020205020404" pitchFamily="49" charset="0"/>
-                <a:cs typeface="Courier New" panose="02070309020205020404" pitchFamily="49" charset="0"/>
-              </a:rPr>
-              <a:t>minval</a:t>
-            </a:r>
-            <a:r>
-              <a:rPr lang="en-US" dirty="0">
-                <a:latin typeface="Courier New" panose="02070309020205020404" pitchFamily="49" charset="0"/>
-                <a:cs typeface="Courier New" panose="02070309020205020404" pitchFamily="49" charset="0"/>
-              </a:rPr>
-              <a:t> = </a:t>
-            </a:r>
-            <a:r>
-              <a:rPr lang="en-US" dirty="0" err="1">
-                <a:latin typeface="Courier New" panose="02070309020205020404" pitchFamily="49" charset="0"/>
-                <a:cs typeface="Courier New" panose="02070309020205020404" pitchFamily="49" charset="0"/>
-              </a:rPr>
-              <a:t>ival</a:t>
-            </a:r>
-            <a:endParaRPr lang="en-US" dirty="0">
-              <a:latin typeface="Courier New" panose="02070309020205020404" pitchFamily="49" charset="0"/>
-              <a:cs typeface="Courier New" panose="02070309020205020404" pitchFamily="49" charset="0"/>
-            </a:endParaRPr>
-          </a:p>
-          <a:p>
-            <a:r>
-              <a:rPr lang="en-US" dirty="0">
-                <a:latin typeface="Courier New" panose="02070309020205020404" pitchFamily="49" charset="0"/>
-                <a:cs typeface="Courier New" panose="02070309020205020404" pitchFamily="49" charset="0"/>
-              </a:rPr>
-              <a:t>        </a:t>
-            </a:r>
-          </a:p>
-          <a:p>
-            <a:r>
-              <a:rPr lang="en-US" dirty="0">
-                <a:latin typeface="Courier New" panose="02070309020205020404" pitchFamily="49" charset="0"/>
-                <a:cs typeface="Courier New" panose="02070309020205020404" pitchFamily="49" charset="0"/>
-              </a:rPr>
-              <a:t>print('Maximum', </a:t>
-            </a:r>
-            <a:r>
-              <a:rPr lang="en-US" dirty="0" err="1">
-                <a:latin typeface="Courier New" panose="02070309020205020404" pitchFamily="49" charset="0"/>
-                <a:cs typeface="Courier New" panose="02070309020205020404" pitchFamily="49" charset="0"/>
-              </a:rPr>
-              <a:t>maxval</a:t>
-            </a:r>
-            <a:r>
-              <a:rPr lang="en-US" dirty="0">
-                <a:latin typeface="Courier New" panose="02070309020205020404" pitchFamily="49" charset="0"/>
-                <a:cs typeface="Courier New" panose="02070309020205020404" pitchFamily="49" charset="0"/>
-              </a:rPr>
-              <a:t>)</a:t>
-            </a:r>
-          </a:p>
-          <a:p>
-            <a:r>
-              <a:rPr lang="en-US" dirty="0">
-                <a:latin typeface="Courier New" panose="02070309020205020404" pitchFamily="49" charset="0"/>
-                <a:cs typeface="Courier New" panose="02070309020205020404" pitchFamily="49" charset="0"/>
-              </a:rPr>
-              <a:t>print('Minimum', </a:t>
-            </a:r>
-            <a:r>
-              <a:rPr lang="en-US" dirty="0" err="1">
-                <a:latin typeface="Courier New" panose="02070309020205020404" pitchFamily="49" charset="0"/>
-                <a:cs typeface="Courier New" panose="02070309020205020404" pitchFamily="49" charset="0"/>
-              </a:rPr>
-              <a:t>minval</a:t>
+              <a:t>i</a:t>
             </a:r>
             <a:r>
               <a:rPr lang="en-US" dirty="0">
@@ -5830,10 +5614,10 @@
       </p:sp>
       <p:sp>
         <p:nvSpPr>
-          <p:cNvPr id="7" name="TextBox 6">
+          <p:cNvPr id="6" name="TextBox 5">
             <a:extLst>
               <a:ext uri="{FF2B5EF4-FFF2-40B4-BE49-F238E27FC236}">
-                <a16:creationId xmlns:a16="http://schemas.microsoft.com/office/drawing/2014/main" id="{03B4458A-37BA-02AB-CE8C-B288D36FE6BF}"/>
+                <a16:creationId xmlns:a16="http://schemas.microsoft.com/office/drawing/2014/main" id="{C004B7C8-BBD4-1EE7-3894-3C801D6DC253}"/>
               </a:ext>
             </a:extLst>
           </p:cNvPr>
@@ -5842,8 +5626,8 @@
         </p:nvSpPr>
         <p:spPr>
           <a:xfrm>
-            <a:off x="8775195" y="2885890"/>
-            <a:ext cx="1425390" cy="1754326"/>
+            <a:off x="5293487" y="1027906"/>
+            <a:ext cx="3631122" cy="2031325"/>
           </a:xfrm>
           <a:prstGeom prst="rect">
             <a:avLst/>
@@ -5858,59 +5642,241 @@
           <a:p>
             <a:r>
               <a:rPr lang="en-US" dirty="0">
-                <a:latin typeface="Monaco" pitchFamily="2" charset="77"/>
-              </a:rPr>
-              <a:t>5</a:t>
-            </a:r>
-          </a:p>
-          <a:p>
-            <a:r>
-              <a:rPr lang="en-US" dirty="0">
-                <a:latin typeface="Monaco" pitchFamily="2" charset="77"/>
-              </a:rPr>
-              <a:t>2</a:t>
-            </a:r>
-          </a:p>
-          <a:p>
-            <a:r>
-              <a:rPr lang="en-US" dirty="0">
-                <a:latin typeface="Monaco" pitchFamily="2" charset="77"/>
-              </a:rPr>
-              <a:t>9</a:t>
-            </a:r>
-          </a:p>
-          <a:p>
-            <a:r>
-              <a:rPr lang="en-US" dirty="0">
-                <a:latin typeface="Monaco" pitchFamily="2" charset="77"/>
-              </a:rPr>
-              <a:t>done</a:t>
-            </a:r>
-          </a:p>
-          <a:p>
-            <a:r>
-              <a:rPr lang="en-US" dirty="0">
-                <a:latin typeface="Monaco" pitchFamily="2" charset="77"/>
-              </a:rPr>
-              <a:t>Maximum 9</a:t>
-            </a:r>
-          </a:p>
-          <a:p>
-            <a:r>
-              <a:rPr lang="en-US" dirty="0">
-                <a:latin typeface="Monaco" pitchFamily="2" charset="77"/>
-              </a:rPr>
-              <a:t>Minimum 2</a:t>
+                <a:latin typeface="Courier New" panose="02070309020205020404" pitchFamily="49" charset="0"/>
+                <a:cs typeface="Courier New" panose="02070309020205020404" pitchFamily="49" charset="0"/>
+              </a:rPr>
+              <a:t>#include &lt;</a:t>
+            </a:r>
+            <a:r>
+              <a:rPr lang="en-US" dirty="0" err="1">
+                <a:latin typeface="Courier New" panose="02070309020205020404" pitchFamily="49" charset="0"/>
+                <a:cs typeface="Courier New" panose="02070309020205020404" pitchFamily="49" charset="0"/>
+              </a:rPr>
+              <a:t>stdio.h</a:t>
+            </a:r>
+            <a:r>
+              <a:rPr lang="en-US" dirty="0">
+                <a:latin typeface="Courier New" panose="02070309020205020404" pitchFamily="49" charset="0"/>
+                <a:cs typeface="Courier New" panose="02070309020205020404" pitchFamily="49" charset="0"/>
+              </a:rPr>
+              <a:t>&gt;</a:t>
+            </a:r>
+          </a:p>
+          <a:p>
+            <a:r>
+              <a:rPr lang="en-US" dirty="0">
+                <a:latin typeface="Courier New" panose="02070309020205020404" pitchFamily="49" charset="0"/>
+                <a:cs typeface="Courier New" panose="02070309020205020404" pitchFamily="49" charset="0"/>
+              </a:rPr>
+              <a:t>int main() {</a:t>
+            </a:r>
+          </a:p>
+          <a:p>
+            <a:r>
+              <a:rPr lang="en-US" dirty="0">
+                <a:latin typeface="Courier New" panose="02070309020205020404" pitchFamily="49" charset="0"/>
+                <a:cs typeface="Courier New" panose="02070309020205020404" pitchFamily="49" charset="0"/>
+              </a:rPr>
+              <a:t>    int </a:t>
+            </a:r>
+            <a:r>
+              <a:rPr lang="en-US" dirty="0" err="1">
+                <a:latin typeface="Courier New" panose="02070309020205020404" pitchFamily="49" charset="0"/>
+                <a:cs typeface="Courier New" panose="02070309020205020404" pitchFamily="49" charset="0"/>
+              </a:rPr>
+              <a:t>i</a:t>
+            </a:r>
+            <a:r>
+              <a:rPr lang="en-US" dirty="0">
+                <a:latin typeface="Courier New" panose="02070309020205020404" pitchFamily="49" charset="0"/>
+                <a:cs typeface="Courier New" panose="02070309020205020404" pitchFamily="49" charset="0"/>
+              </a:rPr>
+              <a:t>;</a:t>
+            </a:r>
+          </a:p>
+          <a:p>
+            <a:r>
+              <a:rPr lang="en-US" dirty="0">
+                <a:latin typeface="Courier New" panose="02070309020205020404" pitchFamily="49" charset="0"/>
+                <a:cs typeface="Courier New" panose="02070309020205020404" pitchFamily="49" charset="0"/>
+              </a:rPr>
+              <a:t>    for(</a:t>
+            </a:r>
+            <a:r>
+              <a:rPr lang="en-US" dirty="0" err="1">
+                <a:latin typeface="Courier New" panose="02070309020205020404" pitchFamily="49" charset="0"/>
+                <a:cs typeface="Courier New" panose="02070309020205020404" pitchFamily="49" charset="0"/>
+              </a:rPr>
+              <a:t>i</a:t>
+            </a:r>
+            <a:r>
+              <a:rPr lang="en-US" dirty="0">
+                <a:latin typeface="Courier New" panose="02070309020205020404" pitchFamily="49" charset="0"/>
+                <a:cs typeface="Courier New" panose="02070309020205020404" pitchFamily="49" charset="0"/>
+              </a:rPr>
+              <a:t>=0; </a:t>
+            </a:r>
+            <a:r>
+              <a:rPr lang="en-US" dirty="0" err="1">
+                <a:latin typeface="Courier New" panose="02070309020205020404" pitchFamily="49" charset="0"/>
+                <a:cs typeface="Courier New" panose="02070309020205020404" pitchFamily="49" charset="0"/>
+              </a:rPr>
+              <a:t>i</a:t>
+            </a:r>
+            <a:r>
+              <a:rPr lang="en-US" dirty="0">
+                <a:latin typeface="Courier New" panose="02070309020205020404" pitchFamily="49" charset="0"/>
+                <a:cs typeface="Courier New" panose="02070309020205020404" pitchFamily="49" charset="0"/>
+              </a:rPr>
+              <a:t>&lt;5; </a:t>
+            </a:r>
+            <a:r>
+              <a:rPr lang="en-US" dirty="0" err="1">
+                <a:latin typeface="Courier New" panose="02070309020205020404" pitchFamily="49" charset="0"/>
+                <a:cs typeface="Courier New" panose="02070309020205020404" pitchFamily="49" charset="0"/>
+              </a:rPr>
+              <a:t>i</a:t>
+            </a:r>
+            <a:r>
+              <a:rPr lang="en-US" dirty="0">
+                <a:latin typeface="Courier New" panose="02070309020205020404" pitchFamily="49" charset="0"/>
+                <a:cs typeface="Courier New" panose="02070309020205020404" pitchFamily="49" charset="0"/>
+              </a:rPr>
+              <a:t>++) {</a:t>
+            </a:r>
+          </a:p>
+          <a:p>
+            <a:r>
+              <a:rPr lang="en-US" dirty="0">
+                <a:latin typeface="Courier New" panose="02070309020205020404" pitchFamily="49" charset="0"/>
+                <a:cs typeface="Courier New" panose="02070309020205020404" pitchFamily="49" charset="0"/>
+              </a:rPr>
+              <a:t>        </a:t>
+            </a:r>
+            <a:r>
+              <a:rPr lang="en-US" dirty="0" err="1">
+                <a:latin typeface="Courier New" panose="02070309020205020404" pitchFamily="49" charset="0"/>
+                <a:cs typeface="Courier New" panose="02070309020205020404" pitchFamily="49" charset="0"/>
+              </a:rPr>
+              <a:t>printf</a:t>
+            </a:r>
+            <a:r>
+              <a:rPr lang="en-US" dirty="0">
+                <a:latin typeface="Courier New" panose="02070309020205020404" pitchFamily="49" charset="0"/>
+                <a:cs typeface="Courier New" panose="02070309020205020404" pitchFamily="49" charset="0"/>
+              </a:rPr>
+              <a:t>("%d\n",</a:t>
+            </a:r>
+            <a:r>
+              <a:rPr lang="en-US" dirty="0" err="1">
+                <a:latin typeface="Courier New" panose="02070309020205020404" pitchFamily="49" charset="0"/>
+                <a:cs typeface="Courier New" panose="02070309020205020404" pitchFamily="49" charset="0"/>
+              </a:rPr>
+              <a:t>i</a:t>
+            </a:r>
+            <a:r>
+              <a:rPr lang="en-US" dirty="0">
+                <a:latin typeface="Courier New" panose="02070309020205020404" pitchFamily="49" charset="0"/>
+                <a:cs typeface="Courier New" panose="02070309020205020404" pitchFamily="49" charset="0"/>
+              </a:rPr>
+              <a:t>);</a:t>
+            </a:r>
+          </a:p>
+          <a:p>
+            <a:r>
+              <a:rPr lang="en-US" dirty="0">
+                <a:latin typeface="Courier New" panose="02070309020205020404" pitchFamily="49" charset="0"/>
+                <a:cs typeface="Courier New" panose="02070309020205020404" pitchFamily="49" charset="0"/>
+              </a:rPr>
+              <a:t>    }   </a:t>
+            </a:r>
+          </a:p>
+          <a:p>
+            <a:r>
+              <a:rPr lang="en-US" dirty="0">
+                <a:latin typeface="Courier New" panose="02070309020205020404" pitchFamily="49" charset="0"/>
+                <a:cs typeface="Courier New" panose="02070309020205020404" pitchFamily="49" charset="0"/>
+              </a:rPr>
+              <a:t>}</a:t>
             </a:r>
           </a:p>
         </p:txBody>
       </p:sp>
       <p:sp>
         <p:nvSpPr>
-          <p:cNvPr id="6" name="TextBox 5">
+          <p:cNvPr id="7" name="TextBox 6">
             <a:extLst>
               <a:ext uri="{FF2B5EF4-FFF2-40B4-BE49-F238E27FC236}">
-                <a16:creationId xmlns:a16="http://schemas.microsoft.com/office/drawing/2014/main" id="{71FDADED-BD0F-8B9B-630C-3F40951617EF}"/>
+                <a16:creationId xmlns:a16="http://schemas.microsoft.com/office/drawing/2014/main" id="{03B4458A-37BA-02AB-CE8C-B288D36FE6BF}"/>
+              </a:ext>
+            </a:extLst>
+          </p:cNvPr>
+          <p:cNvSpPr txBox="1"/>
+          <p:nvPr/>
+        </p:nvSpPr>
+        <p:spPr>
+          <a:xfrm>
+            <a:off x="2646769" y="3790313"/>
+            <a:ext cx="322524" cy="1477328"/>
+          </a:xfrm>
+          <a:prstGeom prst="rect">
+            <a:avLst/>
+          </a:prstGeom>
+          <a:noFill/>
+        </p:spPr>
+        <p:txBody>
+          <a:bodyPr wrap="none" rtlCol="0">
+            <a:spAutoFit/>
+          </a:bodyPr>
+          <a:lstStyle/>
+          <a:p>
+            <a:r>
+              <a:rPr lang="en-US" dirty="0">
+                <a:latin typeface="Monaco" pitchFamily="2" charset="77"/>
+              </a:rPr>
+              <a:t>0</a:t>
+            </a:r>
+          </a:p>
+          <a:p>
+            <a:r>
+              <a:rPr lang="en-US" dirty="0">
+                <a:latin typeface="Monaco" pitchFamily="2" charset="77"/>
+              </a:rPr>
+              <a:t>1</a:t>
+            </a:r>
+          </a:p>
+          <a:p>
+            <a:r>
+              <a:rPr lang="en-US" dirty="0">
+                <a:latin typeface="Monaco" pitchFamily="2" charset="77"/>
+              </a:rPr>
+              <a:t>2</a:t>
+            </a:r>
+          </a:p>
+          <a:p>
+            <a:r>
+              <a:rPr lang="en-US" dirty="0">
+                <a:latin typeface="Monaco" pitchFamily="2" charset="77"/>
+              </a:rPr>
+              <a:t>3</a:t>
+            </a:r>
+          </a:p>
+          <a:p>
+            <a:r>
+              <a:rPr lang="en-US" dirty="0">
+                <a:latin typeface="Monaco" pitchFamily="2" charset="77"/>
+              </a:rPr>
+              <a:t>4</a:t>
+            </a:r>
+          </a:p>
+        </p:txBody>
+      </p:sp>
+      <p:sp>
+        <p:nvSpPr>
+          <p:cNvPr id="8" name="TextBox 7">
+            <a:extLst>
+              <a:ext uri="{FF2B5EF4-FFF2-40B4-BE49-F238E27FC236}">
+                <a16:creationId xmlns:a16="http://schemas.microsoft.com/office/drawing/2014/main" id="{3CF08E69-CA57-FC40-50CD-99DCEC9E45DE}"/>
               </a:ext>
             </a:extLst>
           </p:cNvPr>
@@ -5941,7 +5907,7 @@
                 <a:effectLst/>
                 <a:latin typeface="Menlo" panose="020B0609030804020204" pitchFamily="49" charset="0"/>
               </a:rPr>
-              <a:t>cc_02_08.</a:t>
+              <a:t>cc_02_07.</a:t>
             </a:r>
             <a:r>
               <a:rPr lang="en-US" sz="1600" dirty="0">
@@ -5950,7 +5916,7 @@
                 </a:solidFill>
                 <a:latin typeface="Menlo" panose="020B0609030804020204" pitchFamily="49" charset="0"/>
               </a:rPr>
-              <a:t>py</a:t>
+              <a:t>c</a:t>
             </a:r>
             <a:endParaRPr lang="en-US" sz="1600" dirty="0">
               <a:solidFill>
@@ -5965,7 +5931,7 @@
     </p:spTree>
     <p:extLst>
       <p:ext uri="{BB962C8B-B14F-4D97-AF65-F5344CB8AC3E}">
-        <p14:creationId xmlns:p14="http://schemas.microsoft.com/office/powerpoint/2010/main" val="1387947297"/>
+        <p14:creationId xmlns:p14="http://schemas.microsoft.com/office/powerpoint/2010/main" val="3946844952"/>
       </p:ext>
     </p:extLst>
   </p:cSld>
@@ -6034,8 +6000,8 @@
         </p:nvSpPr>
         <p:spPr>
           <a:xfrm>
-            <a:off x="5895945" y="365125"/>
-            <a:ext cx="5862502" cy="6186309"/>
+            <a:off x="996477" y="1443841"/>
+            <a:ext cx="6112571" cy="3970318"/>
           </a:xfrm>
           <a:prstGeom prst="rect">
             <a:avLst/>
@@ -6049,576 +6015,332 @@
           <a:lstStyle/>
           <a:p>
             <a:r>
-              <a:rPr lang="en-US" sz="1600" dirty="0">
-                <a:latin typeface="Courier New" panose="02070309020205020404" pitchFamily="49" charset="0"/>
-                <a:cs typeface="Courier New" panose="02070309020205020404" pitchFamily="49" charset="0"/>
-              </a:rPr>
-              <a:t>#include &lt;</a:t>
-            </a:r>
-            <a:r>
-              <a:rPr lang="en-US" sz="1600" dirty="0" err="1">
-                <a:latin typeface="Courier New" panose="02070309020205020404" pitchFamily="49" charset="0"/>
-                <a:cs typeface="Courier New" panose="02070309020205020404" pitchFamily="49" charset="0"/>
-              </a:rPr>
-              <a:t>stdio.h</a:t>
-            </a:r>
-            <a:r>
-              <a:rPr lang="en-US" sz="1600" dirty="0">
-                <a:latin typeface="Courier New" panose="02070309020205020404" pitchFamily="49" charset="0"/>
-                <a:cs typeface="Courier New" panose="02070309020205020404" pitchFamily="49" charset="0"/>
-              </a:rPr>
-              <a:t>&gt;</a:t>
-            </a:r>
-          </a:p>
-          <a:p>
-            <a:r>
-              <a:rPr lang="en-US" sz="1600" dirty="0">
-                <a:latin typeface="Courier New" panose="02070309020205020404" pitchFamily="49" charset="0"/>
-                <a:cs typeface="Courier New" panose="02070309020205020404" pitchFamily="49" charset="0"/>
-              </a:rPr>
-              <a:t>#include &lt;</a:t>
-            </a:r>
-            <a:r>
-              <a:rPr lang="en-US" sz="1600" dirty="0" err="1">
-                <a:latin typeface="Courier New" panose="02070309020205020404" pitchFamily="49" charset="0"/>
-                <a:cs typeface="Courier New" panose="02070309020205020404" pitchFamily="49" charset="0"/>
-              </a:rPr>
-              <a:t>stdlib.h</a:t>
-            </a:r>
-            <a:r>
-              <a:rPr lang="en-US" sz="1600" dirty="0">
-                <a:latin typeface="Courier New" panose="02070309020205020404" pitchFamily="49" charset="0"/>
-                <a:cs typeface="Courier New" panose="02070309020205020404" pitchFamily="49" charset="0"/>
-              </a:rPr>
-              <a:t>&gt;</a:t>
-            </a:r>
-          </a:p>
-          <a:p>
-            <a:r>
-              <a:rPr lang="en-US" sz="1600" dirty="0">
-                <a:latin typeface="Courier New" panose="02070309020205020404" pitchFamily="49" charset="0"/>
-                <a:cs typeface="Courier New" panose="02070309020205020404" pitchFamily="49" charset="0"/>
-              </a:rPr>
-              <a:t>#include &lt;</a:t>
-            </a:r>
-            <a:r>
-              <a:rPr lang="en-US" sz="1600" dirty="0" err="1">
-                <a:latin typeface="Courier New" panose="02070309020205020404" pitchFamily="49" charset="0"/>
-                <a:cs typeface="Courier New" panose="02070309020205020404" pitchFamily="49" charset="0"/>
-              </a:rPr>
-              <a:t>string.h</a:t>
-            </a:r>
-            <a:r>
-              <a:rPr lang="en-US" sz="1600" dirty="0">
-                <a:latin typeface="Courier New" panose="02070309020205020404" pitchFamily="49" charset="0"/>
-                <a:cs typeface="Courier New" panose="02070309020205020404" pitchFamily="49" charset="0"/>
-              </a:rPr>
-              <a:t>&gt;</a:t>
-            </a:r>
-          </a:p>
-          <a:p>
-            <a:r>
-              <a:rPr lang="en-US" sz="1600" dirty="0">
-                <a:latin typeface="Courier New" panose="02070309020205020404" pitchFamily="49" charset="0"/>
-                <a:cs typeface="Courier New" panose="02070309020205020404" pitchFamily="49" charset="0"/>
-              </a:rPr>
-              <a:t>int main() {</a:t>
-            </a:r>
-          </a:p>
-          <a:p>
-            <a:r>
-              <a:rPr lang="en-US" sz="1600" dirty="0">
-                <a:latin typeface="Courier New" panose="02070309020205020404" pitchFamily="49" charset="0"/>
-                <a:cs typeface="Courier New" panose="02070309020205020404" pitchFamily="49" charset="0"/>
-              </a:rPr>
-              <a:t>    int first = 1;</a:t>
-            </a:r>
-          </a:p>
-          <a:p>
-            <a:r>
-              <a:rPr lang="en-US" sz="1600" dirty="0">
-                <a:latin typeface="Courier New" panose="02070309020205020404" pitchFamily="49" charset="0"/>
-                <a:cs typeface="Courier New" panose="02070309020205020404" pitchFamily="49" charset="0"/>
-              </a:rPr>
-              <a:t>    int </a:t>
-            </a:r>
-            <a:r>
-              <a:rPr lang="en-US" sz="1600" dirty="0" err="1">
-                <a:latin typeface="Courier New" panose="02070309020205020404" pitchFamily="49" charset="0"/>
-                <a:cs typeface="Courier New" panose="02070309020205020404" pitchFamily="49" charset="0"/>
-              </a:rPr>
-              <a:t>val</a:t>
-            </a:r>
-            <a:r>
-              <a:rPr lang="en-US" sz="1600" dirty="0">
-                <a:latin typeface="Courier New" panose="02070309020205020404" pitchFamily="49" charset="0"/>
-                <a:cs typeface="Courier New" panose="02070309020205020404" pitchFamily="49" charset="0"/>
-              </a:rPr>
-              <a:t>, </a:t>
-            </a:r>
-            <a:r>
-              <a:rPr lang="en-US" sz="1600" dirty="0" err="1">
+              <a:rPr lang="en-US" dirty="0" err="1">
                 <a:latin typeface="Courier New" panose="02070309020205020404" pitchFamily="49" charset="0"/>
                 <a:cs typeface="Courier New" panose="02070309020205020404" pitchFamily="49" charset="0"/>
               </a:rPr>
               <a:t>maxval</a:t>
             </a:r>
             <a:r>
-              <a:rPr lang="en-US" sz="1600" dirty="0">
-                <a:latin typeface="Courier New" panose="02070309020205020404" pitchFamily="49" charset="0"/>
-                <a:cs typeface="Courier New" panose="02070309020205020404" pitchFamily="49" charset="0"/>
-              </a:rPr>
-              <a:t>, </a:t>
-            </a:r>
-            <a:r>
-              <a:rPr lang="en-US" sz="1600" dirty="0" err="1">
+              <a:rPr lang="en-US" dirty="0">
+                <a:latin typeface="Courier New" panose="02070309020205020404" pitchFamily="49" charset="0"/>
+                <a:cs typeface="Courier New" panose="02070309020205020404" pitchFamily="49" charset="0"/>
+              </a:rPr>
+              <a:t> = None</a:t>
+            </a:r>
+          </a:p>
+          <a:p>
+            <a:r>
+              <a:rPr lang="en-US" dirty="0" err="1">
                 <a:latin typeface="Courier New" panose="02070309020205020404" pitchFamily="49" charset="0"/>
                 <a:cs typeface="Courier New" panose="02070309020205020404" pitchFamily="49" charset="0"/>
               </a:rPr>
               <a:t>minval</a:t>
             </a:r>
             <a:r>
-              <a:rPr lang="en-US" sz="1600" dirty="0">
-                <a:latin typeface="Courier New" panose="02070309020205020404" pitchFamily="49" charset="0"/>
-                <a:cs typeface="Courier New" panose="02070309020205020404" pitchFamily="49" charset="0"/>
-              </a:rPr>
-              <a:t>;</a:t>
-            </a:r>
-          </a:p>
-          <a:p>
-            <a:r>
-              <a:rPr lang="en-US" sz="1600" dirty="0">
-                <a:latin typeface="Courier New" panose="02070309020205020404" pitchFamily="49" charset="0"/>
-                <a:cs typeface="Courier New" panose="02070309020205020404" pitchFamily="49" charset="0"/>
-              </a:rPr>
-              <a:t>    char line[1000];</a:t>
-            </a:r>
-          </a:p>
-          <a:p>
-            <a:endParaRPr lang="en-US" sz="1600" dirty="0">
+              <a:rPr lang="en-US" dirty="0">
+                <a:latin typeface="Courier New" panose="02070309020205020404" pitchFamily="49" charset="0"/>
+                <a:cs typeface="Courier New" panose="02070309020205020404" pitchFamily="49" charset="0"/>
+              </a:rPr>
+              <a:t> = None</a:t>
+            </a:r>
+          </a:p>
+          <a:p>
+            <a:r>
+              <a:rPr lang="en-US" dirty="0">
+                <a:latin typeface="Courier New" panose="02070309020205020404" pitchFamily="49" charset="0"/>
+                <a:cs typeface="Courier New" panose="02070309020205020404" pitchFamily="49" charset="0"/>
+              </a:rPr>
+              <a:t>while True:</a:t>
+            </a:r>
+          </a:p>
+          <a:p>
+            <a:r>
+              <a:rPr lang="en-US" dirty="0">
+                <a:latin typeface="Courier New" panose="02070309020205020404" pitchFamily="49" charset="0"/>
+                <a:cs typeface="Courier New" panose="02070309020205020404" pitchFamily="49" charset="0"/>
+              </a:rPr>
+              <a:t>    line = input()</a:t>
+            </a:r>
+          </a:p>
+          <a:p>
+            <a:r>
+              <a:rPr lang="en-US" dirty="0">
+                <a:latin typeface="Courier New" panose="02070309020205020404" pitchFamily="49" charset="0"/>
+                <a:cs typeface="Courier New" panose="02070309020205020404" pitchFamily="49" charset="0"/>
+              </a:rPr>
+              <a:t>    line = </a:t>
+            </a:r>
+            <a:r>
+              <a:rPr lang="en-US" dirty="0" err="1">
+                <a:latin typeface="Courier New" panose="02070309020205020404" pitchFamily="49" charset="0"/>
+                <a:cs typeface="Courier New" panose="02070309020205020404" pitchFamily="49" charset="0"/>
+              </a:rPr>
+              <a:t>line.strip</a:t>
+            </a:r>
+            <a:r>
+              <a:rPr lang="en-US" dirty="0">
+                <a:latin typeface="Courier New" panose="02070309020205020404" pitchFamily="49" charset="0"/>
+                <a:cs typeface="Courier New" panose="02070309020205020404" pitchFamily="49" charset="0"/>
+              </a:rPr>
+              <a:t>()</a:t>
+            </a:r>
+          </a:p>
+          <a:p>
+            <a:r>
+              <a:rPr lang="en-US" dirty="0">
+                <a:latin typeface="Courier New" panose="02070309020205020404" pitchFamily="49" charset="0"/>
+                <a:cs typeface="Courier New" panose="02070309020205020404" pitchFamily="49" charset="0"/>
+              </a:rPr>
+              <a:t>    if line == "done" : break</a:t>
+            </a:r>
+          </a:p>
+          <a:p>
+            <a:r>
+              <a:rPr lang="en-US" dirty="0">
+                <a:latin typeface="Courier New" panose="02070309020205020404" pitchFamily="49" charset="0"/>
+                <a:cs typeface="Courier New" panose="02070309020205020404" pitchFamily="49" charset="0"/>
+              </a:rPr>
+              <a:t>    </a:t>
+            </a:r>
+            <a:r>
+              <a:rPr lang="en-US" dirty="0" err="1">
+                <a:latin typeface="Courier New" panose="02070309020205020404" pitchFamily="49" charset="0"/>
+                <a:cs typeface="Courier New" panose="02070309020205020404" pitchFamily="49" charset="0"/>
+              </a:rPr>
+              <a:t>ival</a:t>
+            </a:r>
+            <a:r>
+              <a:rPr lang="en-US" dirty="0">
+                <a:latin typeface="Courier New" panose="02070309020205020404" pitchFamily="49" charset="0"/>
+                <a:cs typeface="Courier New" panose="02070309020205020404" pitchFamily="49" charset="0"/>
+              </a:rPr>
+              <a:t> = int(line)</a:t>
+            </a:r>
+          </a:p>
+          <a:p>
+            <a:r>
+              <a:rPr lang="en-US" dirty="0">
+                <a:latin typeface="Courier New" panose="02070309020205020404" pitchFamily="49" charset="0"/>
+                <a:cs typeface="Courier New" panose="02070309020205020404" pitchFamily="49" charset="0"/>
+              </a:rPr>
+              <a:t>    if ( </a:t>
+            </a:r>
+            <a:r>
+              <a:rPr lang="en-US" dirty="0" err="1">
+                <a:latin typeface="Courier New" panose="02070309020205020404" pitchFamily="49" charset="0"/>
+                <a:cs typeface="Courier New" panose="02070309020205020404" pitchFamily="49" charset="0"/>
+              </a:rPr>
+              <a:t>maxval</a:t>
+            </a:r>
+            <a:r>
+              <a:rPr lang="en-US" dirty="0">
+                <a:latin typeface="Courier New" panose="02070309020205020404" pitchFamily="49" charset="0"/>
+                <a:cs typeface="Courier New" panose="02070309020205020404" pitchFamily="49" charset="0"/>
+              </a:rPr>
+              <a:t> is None or </a:t>
+            </a:r>
+            <a:r>
+              <a:rPr lang="en-US" dirty="0" err="1">
+                <a:latin typeface="Courier New" panose="02070309020205020404" pitchFamily="49" charset="0"/>
+                <a:cs typeface="Courier New" panose="02070309020205020404" pitchFamily="49" charset="0"/>
+              </a:rPr>
+              <a:t>ival</a:t>
+            </a:r>
+            <a:r>
+              <a:rPr lang="en-US" dirty="0">
+                <a:latin typeface="Courier New" panose="02070309020205020404" pitchFamily="49" charset="0"/>
+                <a:cs typeface="Courier New" panose="02070309020205020404" pitchFamily="49" charset="0"/>
+              </a:rPr>
+              <a:t> &gt; </a:t>
+            </a:r>
+            <a:r>
+              <a:rPr lang="en-US" dirty="0" err="1">
+                <a:latin typeface="Courier New" panose="02070309020205020404" pitchFamily="49" charset="0"/>
+                <a:cs typeface="Courier New" panose="02070309020205020404" pitchFamily="49" charset="0"/>
+              </a:rPr>
+              <a:t>maxval</a:t>
+            </a:r>
+            <a:r>
+              <a:rPr lang="en-US" dirty="0">
+                <a:latin typeface="Courier New" panose="02070309020205020404" pitchFamily="49" charset="0"/>
+                <a:cs typeface="Courier New" panose="02070309020205020404" pitchFamily="49" charset="0"/>
+              </a:rPr>
+              <a:t>) :</a:t>
+            </a:r>
+          </a:p>
+          <a:p>
+            <a:r>
+              <a:rPr lang="en-US" dirty="0">
+                <a:latin typeface="Courier New" panose="02070309020205020404" pitchFamily="49" charset="0"/>
+                <a:cs typeface="Courier New" panose="02070309020205020404" pitchFamily="49" charset="0"/>
+              </a:rPr>
+              <a:t>        </a:t>
+            </a:r>
+            <a:r>
+              <a:rPr lang="en-US" dirty="0" err="1">
+                <a:latin typeface="Courier New" panose="02070309020205020404" pitchFamily="49" charset="0"/>
+                <a:cs typeface="Courier New" panose="02070309020205020404" pitchFamily="49" charset="0"/>
+              </a:rPr>
+              <a:t>maxval</a:t>
+            </a:r>
+            <a:r>
+              <a:rPr lang="en-US" dirty="0">
+                <a:latin typeface="Courier New" panose="02070309020205020404" pitchFamily="49" charset="0"/>
+                <a:cs typeface="Courier New" panose="02070309020205020404" pitchFamily="49" charset="0"/>
+              </a:rPr>
+              <a:t> = </a:t>
+            </a:r>
+            <a:r>
+              <a:rPr lang="en-US" dirty="0" err="1">
+                <a:latin typeface="Courier New" panose="02070309020205020404" pitchFamily="49" charset="0"/>
+                <a:cs typeface="Courier New" panose="02070309020205020404" pitchFamily="49" charset="0"/>
+              </a:rPr>
+              <a:t>ival</a:t>
+            </a:r>
+            <a:endParaRPr lang="en-US" dirty="0">
               <a:latin typeface="Courier New" panose="02070309020205020404" pitchFamily="49" charset="0"/>
               <a:cs typeface="Courier New" panose="02070309020205020404" pitchFamily="49" charset="0"/>
             </a:endParaRPr>
           </a:p>
           <a:p>
             <a:r>
-              <a:rPr lang="en-US" sz="1600" dirty="0">
-                <a:latin typeface="Courier New" panose="02070309020205020404" pitchFamily="49" charset="0"/>
-                <a:cs typeface="Courier New" panose="02070309020205020404" pitchFamily="49" charset="0"/>
-              </a:rPr>
-              <a:t>    while(gets(line) != NULL ) {</a:t>
-            </a:r>
-          </a:p>
-          <a:p>
-            <a:r>
-              <a:rPr lang="en-US" sz="1600" dirty="0">
-                <a:latin typeface="Courier New" panose="02070309020205020404" pitchFamily="49" charset="0"/>
-                <a:cs typeface="Courier New" panose="02070309020205020404" pitchFamily="49" charset="0"/>
-              </a:rPr>
-              <a:t>        if ( </a:t>
-            </a:r>
-            <a:r>
-              <a:rPr lang="en-US" sz="1600" dirty="0" err="1">
-                <a:latin typeface="Courier New" panose="02070309020205020404" pitchFamily="49" charset="0"/>
-                <a:cs typeface="Courier New" panose="02070309020205020404" pitchFamily="49" charset="0"/>
-              </a:rPr>
-              <a:t>strcmp</a:t>
-            </a:r>
-            <a:r>
-              <a:rPr lang="en-US" sz="1600" dirty="0">
-                <a:latin typeface="Courier New" panose="02070309020205020404" pitchFamily="49" charset="0"/>
-                <a:cs typeface="Courier New" panose="02070309020205020404" pitchFamily="49" charset="0"/>
-              </a:rPr>
-              <a:t>(</a:t>
-            </a:r>
-            <a:r>
-              <a:rPr lang="en-US" sz="1600" dirty="0" err="1">
-                <a:latin typeface="Courier New" panose="02070309020205020404" pitchFamily="49" charset="0"/>
-                <a:cs typeface="Courier New" panose="02070309020205020404" pitchFamily="49" charset="0"/>
-              </a:rPr>
-              <a:t>line,"done</a:t>
-            </a:r>
-            <a:r>
-              <a:rPr lang="en-US" sz="1600" dirty="0">
-                <a:latin typeface="Courier New" panose="02070309020205020404" pitchFamily="49" charset="0"/>
-                <a:cs typeface="Courier New" panose="02070309020205020404" pitchFamily="49" charset="0"/>
-              </a:rPr>
-              <a:t>") == 0 ) break;</a:t>
-            </a:r>
-          </a:p>
-          <a:p>
-            <a:r>
-              <a:rPr lang="en-US" sz="1600" dirty="0">
+              <a:rPr lang="en-US" dirty="0">
+                <a:latin typeface="Courier New" panose="02070309020205020404" pitchFamily="49" charset="0"/>
+                <a:cs typeface="Courier New" panose="02070309020205020404" pitchFamily="49" charset="0"/>
+              </a:rPr>
+              <a:t>    if ( </a:t>
+            </a:r>
+            <a:r>
+              <a:rPr lang="en-US" dirty="0" err="1">
+                <a:latin typeface="Courier New" panose="02070309020205020404" pitchFamily="49" charset="0"/>
+                <a:cs typeface="Courier New" panose="02070309020205020404" pitchFamily="49" charset="0"/>
+              </a:rPr>
+              <a:t>minval</a:t>
+            </a:r>
+            <a:r>
+              <a:rPr lang="en-US" dirty="0">
+                <a:latin typeface="Courier New" panose="02070309020205020404" pitchFamily="49" charset="0"/>
+                <a:cs typeface="Courier New" panose="02070309020205020404" pitchFamily="49" charset="0"/>
+              </a:rPr>
+              <a:t> is None or </a:t>
+            </a:r>
+            <a:r>
+              <a:rPr lang="en-US" dirty="0" err="1">
+                <a:latin typeface="Courier New" panose="02070309020205020404" pitchFamily="49" charset="0"/>
+                <a:cs typeface="Courier New" panose="02070309020205020404" pitchFamily="49" charset="0"/>
+              </a:rPr>
+              <a:t>ival</a:t>
+            </a:r>
+            <a:r>
+              <a:rPr lang="en-US" dirty="0">
+                <a:latin typeface="Courier New" panose="02070309020205020404" pitchFamily="49" charset="0"/>
+                <a:cs typeface="Courier New" panose="02070309020205020404" pitchFamily="49" charset="0"/>
+              </a:rPr>
+              <a:t> &lt; </a:t>
+            </a:r>
+            <a:r>
+              <a:rPr lang="en-US" dirty="0" err="1">
+                <a:latin typeface="Courier New" panose="02070309020205020404" pitchFamily="49" charset="0"/>
+                <a:cs typeface="Courier New" panose="02070309020205020404" pitchFamily="49" charset="0"/>
+              </a:rPr>
+              <a:t>minval</a:t>
+            </a:r>
+            <a:r>
+              <a:rPr lang="en-US" dirty="0">
+                <a:latin typeface="Courier New" panose="02070309020205020404" pitchFamily="49" charset="0"/>
+                <a:cs typeface="Courier New" panose="02070309020205020404" pitchFamily="49" charset="0"/>
+              </a:rPr>
+              <a:t>) :</a:t>
+            </a:r>
+          </a:p>
+          <a:p>
+            <a:r>
+              <a:rPr lang="en-US" dirty="0">
                 <a:latin typeface="Courier New" panose="02070309020205020404" pitchFamily="49" charset="0"/>
                 <a:cs typeface="Courier New" panose="02070309020205020404" pitchFamily="49" charset="0"/>
               </a:rPr>
               <a:t>        </a:t>
             </a:r>
             <a:r>
-              <a:rPr lang="en-US" sz="1600" dirty="0" err="1">
-                <a:latin typeface="Courier New" panose="02070309020205020404" pitchFamily="49" charset="0"/>
-                <a:cs typeface="Courier New" panose="02070309020205020404" pitchFamily="49" charset="0"/>
-              </a:rPr>
-              <a:t>val</a:t>
-            </a:r>
-            <a:r>
-              <a:rPr lang="en-US" sz="1600" dirty="0">
+              <a:rPr lang="en-US" dirty="0" err="1">
+                <a:latin typeface="Courier New" panose="02070309020205020404" pitchFamily="49" charset="0"/>
+                <a:cs typeface="Courier New" panose="02070309020205020404" pitchFamily="49" charset="0"/>
+              </a:rPr>
+              <a:t>minval</a:t>
+            </a:r>
+            <a:r>
+              <a:rPr lang="en-US" dirty="0">
                 <a:latin typeface="Courier New" panose="02070309020205020404" pitchFamily="49" charset="0"/>
                 <a:cs typeface="Courier New" panose="02070309020205020404" pitchFamily="49" charset="0"/>
               </a:rPr>
               <a:t> = </a:t>
             </a:r>
             <a:r>
-              <a:rPr lang="en-US" sz="1600" dirty="0" err="1">
-                <a:latin typeface="Courier New" panose="02070309020205020404" pitchFamily="49" charset="0"/>
-                <a:cs typeface="Courier New" panose="02070309020205020404" pitchFamily="49" charset="0"/>
-              </a:rPr>
-              <a:t>atoi</a:t>
-            </a:r>
-            <a:r>
-              <a:rPr lang="en-US" sz="1600" dirty="0">
-                <a:latin typeface="Courier New" panose="02070309020205020404" pitchFamily="49" charset="0"/>
-                <a:cs typeface="Courier New" panose="02070309020205020404" pitchFamily="49" charset="0"/>
-              </a:rPr>
-              <a:t>(line);</a:t>
-            </a:r>
-          </a:p>
-          <a:p>
-            <a:r>
-              <a:rPr lang="en-US" sz="1600" dirty="0">
-                <a:latin typeface="Courier New" panose="02070309020205020404" pitchFamily="49" charset="0"/>
-                <a:cs typeface="Courier New" panose="02070309020205020404" pitchFamily="49" charset="0"/>
-              </a:rPr>
-              <a:t>        if ( first ) {</a:t>
-            </a:r>
-          </a:p>
-          <a:p>
-            <a:r>
-              <a:rPr lang="en-US" sz="1600" dirty="0">
-                <a:latin typeface="Courier New" panose="02070309020205020404" pitchFamily="49" charset="0"/>
-                <a:cs typeface="Courier New" panose="02070309020205020404" pitchFamily="49" charset="0"/>
-              </a:rPr>
-              <a:t>            </a:t>
-            </a:r>
-            <a:r>
-              <a:rPr lang="en-US" sz="1600" dirty="0" err="1">
-                <a:latin typeface="Courier New" panose="02070309020205020404" pitchFamily="49" charset="0"/>
-                <a:cs typeface="Courier New" panose="02070309020205020404" pitchFamily="49" charset="0"/>
-              </a:rPr>
-              <a:t>maxval</a:t>
-            </a:r>
-            <a:r>
-              <a:rPr lang="en-US" sz="1600" dirty="0">
-                <a:latin typeface="Courier New" panose="02070309020205020404" pitchFamily="49" charset="0"/>
-                <a:cs typeface="Courier New" panose="02070309020205020404" pitchFamily="49" charset="0"/>
-              </a:rPr>
-              <a:t> = </a:t>
-            </a:r>
-            <a:r>
-              <a:rPr lang="en-US" sz="1600" dirty="0" err="1">
-                <a:latin typeface="Courier New" panose="02070309020205020404" pitchFamily="49" charset="0"/>
-                <a:cs typeface="Courier New" panose="02070309020205020404" pitchFamily="49" charset="0"/>
-              </a:rPr>
-              <a:t>val</a:t>
-            </a:r>
-            <a:r>
-              <a:rPr lang="en-US" sz="1600" dirty="0">
-                <a:latin typeface="Courier New" panose="02070309020205020404" pitchFamily="49" charset="0"/>
-                <a:cs typeface="Courier New" panose="02070309020205020404" pitchFamily="49" charset="0"/>
-              </a:rPr>
-              <a:t>;</a:t>
-            </a:r>
-          </a:p>
-          <a:p>
-            <a:r>
-              <a:rPr lang="en-US" sz="1600" dirty="0">
-                <a:latin typeface="Courier New" panose="02070309020205020404" pitchFamily="49" charset="0"/>
-                <a:cs typeface="Courier New" panose="02070309020205020404" pitchFamily="49" charset="0"/>
-              </a:rPr>
-              <a:t>            </a:t>
-            </a:r>
-            <a:r>
-              <a:rPr lang="en-US" sz="1600" dirty="0" err="1">
-                <a:latin typeface="Courier New" panose="02070309020205020404" pitchFamily="49" charset="0"/>
-                <a:cs typeface="Courier New" panose="02070309020205020404" pitchFamily="49" charset="0"/>
-              </a:rPr>
-              <a:t>minval</a:t>
-            </a:r>
-            <a:r>
-              <a:rPr lang="en-US" sz="1600" dirty="0">
-                <a:latin typeface="Courier New" panose="02070309020205020404" pitchFamily="49" charset="0"/>
-                <a:cs typeface="Courier New" panose="02070309020205020404" pitchFamily="49" charset="0"/>
-              </a:rPr>
-              <a:t> = </a:t>
-            </a:r>
-            <a:r>
-              <a:rPr lang="en-US" sz="1600" dirty="0" err="1">
-                <a:latin typeface="Courier New" panose="02070309020205020404" pitchFamily="49" charset="0"/>
-                <a:cs typeface="Courier New" panose="02070309020205020404" pitchFamily="49" charset="0"/>
-              </a:rPr>
-              <a:t>val</a:t>
-            </a:r>
-            <a:r>
-              <a:rPr lang="en-US" sz="1600" dirty="0">
-                <a:latin typeface="Courier New" panose="02070309020205020404" pitchFamily="49" charset="0"/>
-                <a:cs typeface="Courier New" panose="02070309020205020404" pitchFamily="49" charset="0"/>
-              </a:rPr>
-              <a:t>;</a:t>
-            </a:r>
-          </a:p>
-          <a:p>
-            <a:r>
-              <a:rPr lang="en-US" sz="1600" dirty="0">
-                <a:latin typeface="Courier New" panose="02070309020205020404" pitchFamily="49" charset="0"/>
-                <a:cs typeface="Courier New" panose="02070309020205020404" pitchFamily="49" charset="0"/>
-              </a:rPr>
-              <a:t>            first = 0;</a:t>
-            </a:r>
-          </a:p>
-          <a:p>
-            <a:r>
-              <a:rPr lang="en-US" sz="1600" dirty="0">
-                <a:latin typeface="Courier New" panose="02070309020205020404" pitchFamily="49" charset="0"/>
-                <a:cs typeface="Courier New" panose="02070309020205020404" pitchFamily="49" charset="0"/>
-              </a:rPr>
-              <a:t>        } else {</a:t>
-            </a:r>
-          </a:p>
-          <a:p>
-            <a:r>
-              <a:rPr lang="en-US" sz="1600" dirty="0">
-                <a:latin typeface="Courier New" panose="02070309020205020404" pitchFamily="49" charset="0"/>
-                <a:cs typeface="Courier New" panose="02070309020205020404" pitchFamily="49" charset="0"/>
-              </a:rPr>
-              <a:t>            if ( </a:t>
-            </a:r>
-            <a:r>
-              <a:rPr lang="en-US" sz="1600" dirty="0" err="1">
-                <a:latin typeface="Courier New" panose="02070309020205020404" pitchFamily="49" charset="0"/>
-                <a:cs typeface="Courier New" panose="02070309020205020404" pitchFamily="49" charset="0"/>
-              </a:rPr>
-              <a:t>val</a:t>
-            </a:r>
-            <a:r>
-              <a:rPr lang="en-US" sz="1600" dirty="0">
-                <a:latin typeface="Courier New" panose="02070309020205020404" pitchFamily="49" charset="0"/>
-                <a:cs typeface="Courier New" panose="02070309020205020404" pitchFamily="49" charset="0"/>
-              </a:rPr>
-              <a:t> &gt; </a:t>
-            </a:r>
-            <a:r>
-              <a:rPr lang="en-US" sz="1600" dirty="0" err="1">
-                <a:latin typeface="Courier New" panose="02070309020205020404" pitchFamily="49" charset="0"/>
-                <a:cs typeface="Courier New" panose="02070309020205020404" pitchFamily="49" charset="0"/>
-              </a:rPr>
-              <a:t>maxval</a:t>
-            </a:r>
-            <a:r>
-              <a:rPr lang="en-US" sz="1600" dirty="0">
-                <a:latin typeface="Courier New" panose="02070309020205020404" pitchFamily="49" charset="0"/>
-                <a:cs typeface="Courier New" panose="02070309020205020404" pitchFamily="49" charset="0"/>
-              </a:rPr>
-              <a:t> ) </a:t>
-            </a:r>
-            <a:r>
-              <a:rPr lang="en-US" sz="1600" dirty="0" err="1">
-                <a:latin typeface="Courier New" panose="02070309020205020404" pitchFamily="49" charset="0"/>
-                <a:cs typeface="Courier New" panose="02070309020205020404" pitchFamily="49" charset="0"/>
-              </a:rPr>
-              <a:t>maxval</a:t>
-            </a:r>
-            <a:r>
-              <a:rPr lang="en-US" sz="1600" dirty="0">
-                <a:latin typeface="Courier New" panose="02070309020205020404" pitchFamily="49" charset="0"/>
-                <a:cs typeface="Courier New" panose="02070309020205020404" pitchFamily="49" charset="0"/>
-              </a:rPr>
-              <a:t> = </a:t>
-            </a:r>
-            <a:r>
-              <a:rPr lang="en-US" sz="1600" dirty="0" err="1">
-                <a:latin typeface="Courier New" panose="02070309020205020404" pitchFamily="49" charset="0"/>
-                <a:cs typeface="Courier New" panose="02070309020205020404" pitchFamily="49" charset="0"/>
-              </a:rPr>
-              <a:t>val</a:t>
-            </a:r>
-            <a:r>
-              <a:rPr lang="en-US" sz="1600" dirty="0">
-                <a:latin typeface="Courier New" panose="02070309020205020404" pitchFamily="49" charset="0"/>
-                <a:cs typeface="Courier New" panose="02070309020205020404" pitchFamily="49" charset="0"/>
-              </a:rPr>
-              <a:t>;</a:t>
-            </a:r>
-          </a:p>
-          <a:p>
-            <a:r>
-              <a:rPr lang="en-US" sz="1600" dirty="0">
-                <a:latin typeface="Courier New" panose="02070309020205020404" pitchFamily="49" charset="0"/>
-                <a:cs typeface="Courier New" panose="02070309020205020404" pitchFamily="49" charset="0"/>
-              </a:rPr>
-              <a:t>            if ( </a:t>
-            </a:r>
-            <a:r>
-              <a:rPr lang="en-US" sz="1600" dirty="0" err="1">
-                <a:latin typeface="Courier New" panose="02070309020205020404" pitchFamily="49" charset="0"/>
-                <a:cs typeface="Courier New" panose="02070309020205020404" pitchFamily="49" charset="0"/>
-              </a:rPr>
-              <a:t>val</a:t>
-            </a:r>
-            <a:r>
-              <a:rPr lang="en-US" sz="1600" dirty="0">
-                <a:latin typeface="Courier New" panose="02070309020205020404" pitchFamily="49" charset="0"/>
-                <a:cs typeface="Courier New" panose="02070309020205020404" pitchFamily="49" charset="0"/>
-              </a:rPr>
-              <a:t> &lt; </a:t>
-            </a:r>
-            <a:r>
-              <a:rPr lang="en-US" sz="1600" dirty="0" err="1">
-                <a:latin typeface="Courier New" panose="02070309020205020404" pitchFamily="49" charset="0"/>
-                <a:cs typeface="Courier New" panose="02070309020205020404" pitchFamily="49" charset="0"/>
-              </a:rPr>
-              <a:t>minval</a:t>
-            </a:r>
-            <a:r>
-              <a:rPr lang="en-US" sz="1600" dirty="0">
-                <a:latin typeface="Courier New" panose="02070309020205020404" pitchFamily="49" charset="0"/>
-                <a:cs typeface="Courier New" panose="02070309020205020404" pitchFamily="49" charset="0"/>
-              </a:rPr>
-              <a:t> ) </a:t>
-            </a:r>
-            <a:r>
-              <a:rPr lang="en-US" sz="1600" dirty="0" err="1">
-                <a:latin typeface="Courier New" panose="02070309020205020404" pitchFamily="49" charset="0"/>
-                <a:cs typeface="Courier New" panose="02070309020205020404" pitchFamily="49" charset="0"/>
-              </a:rPr>
-              <a:t>minval</a:t>
-            </a:r>
-            <a:r>
-              <a:rPr lang="en-US" sz="1600" dirty="0">
-                <a:latin typeface="Courier New" panose="02070309020205020404" pitchFamily="49" charset="0"/>
-                <a:cs typeface="Courier New" panose="02070309020205020404" pitchFamily="49" charset="0"/>
-              </a:rPr>
-              <a:t> = </a:t>
-            </a:r>
-            <a:r>
-              <a:rPr lang="en-US" sz="1600" dirty="0" err="1">
-                <a:latin typeface="Courier New" panose="02070309020205020404" pitchFamily="49" charset="0"/>
-                <a:cs typeface="Courier New" panose="02070309020205020404" pitchFamily="49" charset="0"/>
-              </a:rPr>
-              <a:t>val</a:t>
-            </a:r>
-            <a:r>
-              <a:rPr lang="en-US" sz="1600" dirty="0">
-                <a:latin typeface="Courier New" panose="02070309020205020404" pitchFamily="49" charset="0"/>
-                <a:cs typeface="Courier New" panose="02070309020205020404" pitchFamily="49" charset="0"/>
-              </a:rPr>
-              <a:t>;</a:t>
-            </a:r>
-          </a:p>
-          <a:p>
-            <a:r>
-              <a:rPr lang="en-US" sz="1600" dirty="0">
-                <a:latin typeface="Courier New" panose="02070309020205020404" pitchFamily="49" charset="0"/>
-                <a:cs typeface="Courier New" panose="02070309020205020404" pitchFamily="49" charset="0"/>
-              </a:rPr>
-              <a:t>        }</a:t>
-            </a:r>
-          </a:p>
-          <a:p>
-            <a:r>
-              <a:rPr lang="en-US" sz="1600" dirty="0">
-                <a:latin typeface="Courier New" panose="02070309020205020404" pitchFamily="49" charset="0"/>
-                <a:cs typeface="Courier New" panose="02070309020205020404" pitchFamily="49" charset="0"/>
-              </a:rPr>
-              <a:t>    }</a:t>
-            </a:r>
-          </a:p>
-          <a:p>
-            <a:endParaRPr lang="en-US" sz="1600" dirty="0">
+              <a:rPr lang="en-US" dirty="0" err="1">
+                <a:latin typeface="Courier New" panose="02070309020205020404" pitchFamily="49" charset="0"/>
+                <a:cs typeface="Courier New" panose="02070309020205020404" pitchFamily="49" charset="0"/>
+              </a:rPr>
+              <a:t>ival</a:t>
+            </a:r>
+            <a:endParaRPr lang="en-US" dirty="0">
               <a:latin typeface="Courier New" panose="02070309020205020404" pitchFamily="49" charset="0"/>
               <a:cs typeface="Courier New" panose="02070309020205020404" pitchFamily="49" charset="0"/>
             </a:endParaRPr>
           </a:p>
           <a:p>
             <a:r>
-              <a:rPr lang="en-US" sz="1600" dirty="0">
-                <a:latin typeface="Courier New" panose="02070309020205020404" pitchFamily="49" charset="0"/>
-                <a:cs typeface="Courier New" panose="02070309020205020404" pitchFamily="49" charset="0"/>
-              </a:rPr>
-              <a:t>    </a:t>
-            </a:r>
-            <a:r>
-              <a:rPr lang="en-US" sz="1600" dirty="0" err="1">
-                <a:latin typeface="Courier New" panose="02070309020205020404" pitchFamily="49" charset="0"/>
-                <a:cs typeface="Courier New" panose="02070309020205020404" pitchFamily="49" charset="0"/>
-              </a:rPr>
-              <a:t>printf</a:t>
-            </a:r>
-            <a:r>
-              <a:rPr lang="en-US" sz="1600" dirty="0">
-                <a:latin typeface="Courier New" panose="02070309020205020404" pitchFamily="49" charset="0"/>
-                <a:cs typeface="Courier New" panose="02070309020205020404" pitchFamily="49" charset="0"/>
-              </a:rPr>
-              <a:t>("Maximum %d\n", </a:t>
-            </a:r>
-            <a:r>
-              <a:rPr lang="en-US" sz="1600" dirty="0" err="1">
+              <a:rPr lang="en-US" dirty="0">
+                <a:latin typeface="Courier New" panose="02070309020205020404" pitchFamily="49" charset="0"/>
+                <a:cs typeface="Courier New" panose="02070309020205020404" pitchFamily="49" charset="0"/>
+              </a:rPr>
+              <a:t>        </a:t>
+            </a:r>
+          </a:p>
+          <a:p>
+            <a:r>
+              <a:rPr lang="en-US" dirty="0">
+                <a:latin typeface="Courier New" panose="02070309020205020404" pitchFamily="49" charset="0"/>
+                <a:cs typeface="Courier New" panose="02070309020205020404" pitchFamily="49" charset="0"/>
+              </a:rPr>
+              <a:t>print('Maximum', </a:t>
+            </a:r>
+            <a:r>
+              <a:rPr lang="en-US" dirty="0" err="1">
                 <a:latin typeface="Courier New" panose="02070309020205020404" pitchFamily="49" charset="0"/>
                 <a:cs typeface="Courier New" panose="02070309020205020404" pitchFamily="49" charset="0"/>
               </a:rPr>
               <a:t>maxval</a:t>
             </a:r>
             <a:r>
-              <a:rPr lang="en-US" sz="1600" dirty="0">
-                <a:latin typeface="Courier New" panose="02070309020205020404" pitchFamily="49" charset="0"/>
-                <a:cs typeface="Courier New" panose="02070309020205020404" pitchFamily="49" charset="0"/>
-              </a:rPr>
-              <a:t>);</a:t>
-            </a:r>
-          </a:p>
-          <a:p>
-            <a:r>
-              <a:rPr lang="en-US" sz="1600" dirty="0">
-                <a:latin typeface="Courier New" panose="02070309020205020404" pitchFamily="49" charset="0"/>
-                <a:cs typeface="Courier New" panose="02070309020205020404" pitchFamily="49" charset="0"/>
-              </a:rPr>
-              <a:t>    </a:t>
-            </a:r>
-            <a:r>
-              <a:rPr lang="en-US" sz="1600" dirty="0" err="1">
-                <a:latin typeface="Courier New" panose="02070309020205020404" pitchFamily="49" charset="0"/>
-                <a:cs typeface="Courier New" panose="02070309020205020404" pitchFamily="49" charset="0"/>
-              </a:rPr>
-              <a:t>printf</a:t>
-            </a:r>
-            <a:r>
-              <a:rPr lang="en-US" sz="1600" dirty="0">
-                <a:latin typeface="Courier New" panose="02070309020205020404" pitchFamily="49" charset="0"/>
-                <a:cs typeface="Courier New" panose="02070309020205020404" pitchFamily="49" charset="0"/>
-              </a:rPr>
-              <a:t>("Minimum %d\n", </a:t>
-            </a:r>
-            <a:r>
-              <a:rPr lang="en-US" sz="1600" dirty="0" err="1">
+              <a:rPr lang="en-US" dirty="0">
+                <a:latin typeface="Courier New" panose="02070309020205020404" pitchFamily="49" charset="0"/>
+                <a:cs typeface="Courier New" panose="02070309020205020404" pitchFamily="49" charset="0"/>
+              </a:rPr>
+              <a:t>)</a:t>
+            </a:r>
+          </a:p>
+          <a:p>
+            <a:r>
+              <a:rPr lang="en-US" dirty="0">
+                <a:latin typeface="Courier New" panose="02070309020205020404" pitchFamily="49" charset="0"/>
+                <a:cs typeface="Courier New" panose="02070309020205020404" pitchFamily="49" charset="0"/>
+              </a:rPr>
+              <a:t>print('Minimum', </a:t>
+            </a:r>
+            <a:r>
+              <a:rPr lang="en-US" dirty="0" err="1">
                 <a:latin typeface="Courier New" panose="02070309020205020404" pitchFamily="49" charset="0"/>
                 <a:cs typeface="Courier New" panose="02070309020205020404" pitchFamily="49" charset="0"/>
               </a:rPr>
               <a:t>minval</a:t>
             </a:r>
             <a:r>
-              <a:rPr lang="en-US" sz="1600" dirty="0">
-                <a:latin typeface="Courier New" panose="02070309020205020404" pitchFamily="49" charset="0"/>
-                <a:cs typeface="Courier New" panose="02070309020205020404" pitchFamily="49" charset="0"/>
-              </a:rPr>
-              <a:t>);</a:t>
-            </a:r>
-          </a:p>
-          <a:p>
-            <a:r>
-              <a:rPr lang="en-US" sz="1600" dirty="0">
-                <a:latin typeface="Courier New" panose="02070309020205020404" pitchFamily="49" charset="0"/>
-                <a:cs typeface="Courier New" panose="02070309020205020404" pitchFamily="49" charset="0"/>
-              </a:rPr>
-              <a:t>}</a:t>
+              <a:rPr lang="en-US" dirty="0">
+                <a:latin typeface="Courier New" panose="02070309020205020404" pitchFamily="49" charset="0"/>
+                <a:cs typeface="Courier New" panose="02070309020205020404" pitchFamily="49" charset="0"/>
+              </a:rPr>
+              <a:t>)</a:t>
             </a:r>
           </a:p>
         </p:txBody>
@@ -6637,8 +6359,8 @@
         </p:nvSpPr>
         <p:spPr>
           <a:xfrm>
-            <a:off x="1086295" y="2534055"/>
-            <a:ext cx="5009705" cy="2308324"/>
+            <a:off x="8775195" y="2885890"/>
+            <a:ext cx="1425390" cy="1754326"/>
           </a:xfrm>
           <a:prstGeom prst="rect">
             <a:avLst/>
@@ -6655,22 +6377,6 @@
               <a:rPr lang="en-US" dirty="0">
                 <a:latin typeface="Monaco" pitchFamily="2" charset="77"/>
               </a:rPr>
-              <a:t>warning: this program uses gets(), </a:t>
-            </a:r>
-          </a:p>
-          <a:p>
-            <a:r>
-              <a:rPr lang="en-US" dirty="0">
-                <a:latin typeface="Monaco" pitchFamily="2" charset="77"/>
-              </a:rPr>
-              <a:t>  which is unsafe.</a:t>
-            </a:r>
-          </a:p>
-          <a:p>
-            <a:r>
-              <a:rPr lang="en-US" dirty="0">
-                <a:latin typeface="Monaco" pitchFamily="2" charset="77"/>
-              </a:rPr>
               <a:t>5</a:t>
             </a:r>
           </a:p>
@@ -6721,7 +6427,7 @@
           <p:cNvPr id="6" name="TextBox 5">
             <a:extLst>
               <a:ext uri="{FF2B5EF4-FFF2-40B4-BE49-F238E27FC236}">
-                <a16:creationId xmlns:a16="http://schemas.microsoft.com/office/drawing/2014/main" id="{A854214C-9B57-45D9-2941-E5D785607661}"/>
+                <a16:creationId xmlns:a16="http://schemas.microsoft.com/office/drawing/2014/main" id="{71FDADED-BD0F-8B9B-630C-3F40951617EF}"/>
               </a:ext>
             </a:extLst>
           </p:cNvPr>
@@ -6730,8 +6436,8 @@
         </p:nvSpPr>
         <p:spPr>
           <a:xfrm>
-            <a:off x="10508673" y="6323598"/>
-            <a:ext cx="1413163" cy="338554"/>
+            <a:off x="10460182" y="6323598"/>
+            <a:ext cx="1600199" cy="338554"/>
           </a:xfrm>
           <a:prstGeom prst="rect">
             <a:avLst/>
@@ -6752,15 +6458,31 @@
                 <a:effectLst/>
                 <a:latin typeface="Menlo" panose="020B0609030804020204" pitchFamily="49" charset="0"/>
               </a:rPr>
-              <a:t>cc_02_08.c</a:t>
-            </a:r>
+              <a:t>cc_02_08.</a:t>
+            </a:r>
+            <a:r>
+              <a:rPr lang="en-US" sz="1600" dirty="0">
+                <a:solidFill>
+                  <a:srgbClr val="000000"/>
+                </a:solidFill>
+                <a:latin typeface="Menlo" panose="020B0609030804020204" pitchFamily="49" charset="0"/>
+              </a:rPr>
+              <a:t>py</a:t>
+            </a:r>
+            <a:endParaRPr lang="en-US" sz="1600" dirty="0">
+              <a:solidFill>
+                <a:srgbClr val="000000"/>
+              </a:solidFill>
+              <a:effectLst/>
+              <a:latin typeface="Menlo" panose="020B0609030804020204" pitchFamily="49" charset="0"/>
+            </a:endParaRPr>
           </a:p>
         </p:txBody>
       </p:sp>
     </p:spTree>
     <p:extLst>
       <p:ext uri="{BB962C8B-B14F-4D97-AF65-F5344CB8AC3E}">
-        <p14:creationId xmlns:p14="http://schemas.microsoft.com/office/powerpoint/2010/main" val="4109945481"/>
+        <p14:creationId xmlns:p14="http://schemas.microsoft.com/office/powerpoint/2010/main" val="1387947297"/>
       </p:ext>
     </p:extLst>
   </p:cSld>
@@ -6810,7 +6532,7 @@
           <a:p>
             <a:r>
               <a:rPr lang="en-US" dirty="0"/>
-              <a:t>Max / Min v2</a:t>
+              <a:t>Max / Min</a:t>
             </a:r>
           </a:p>
         </p:txBody>
@@ -6829,8 +6551,8 @@
         </p:nvSpPr>
         <p:spPr>
           <a:xfrm>
-            <a:off x="5144352" y="638845"/>
-            <a:ext cx="6388287" cy="5632311"/>
+            <a:off x="5895945" y="365125"/>
+            <a:ext cx="5862502" cy="6186309"/>
           </a:xfrm>
           <a:prstGeom prst="rect">
             <a:avLst/>
@@ -6844,21 +6566,21 @@
           <a:lstStyle/>
           <a:p>
             <a:r>
-              <a:rPr lang="en-US" dirty="0">
+              <a:rPr lang="en-US" sz="1600" dirty="0">
                 <a:latin typeface="Courier New" panose="02070309020205020404" pitchFamily="49" charset="0"/>
                 <a:cs typeface="Courier New" panose="02070309020205020404" pitchFamily="49" charset="0"/>
               </a:rPr>
               <a:t>#include &lt;</a:t>
             </a:r>
             <a:r>
-              <a:rPr lang="en-US" dirty="0" err="1">
+              <a:rPr lang="en-US" sz="1600" dirty="0" err="1">
                 <a:latin typeface="Courier New" panose="02070309020205020404" pitchFamily="49" charset="0"/>
                 <a:cs typeface="Courier New" panose="02070309020205020404" pitchFamily="49" charset="0"/>
               </a:rPr>
               <a:t>stdio.h</a:t>
             </a:r>
             <a:r>
-              <a:rPr lang="en-US" dirty="0">
+              <a:rPr lang="en-US" sz="1600" dirty="0">
                 <a:latin typeface="Courier New" panose="02070309020205020404" pitchFamily="49" charset="0"/>
                 <a:cs typeface="Courier New" panose="02070309020205020404" pitchFamily="49" charset="0"/>
               </a:rPr>
@@ -6866,74 +6588,295 @@
             </a:r>
           </a:p>
           <a:p>
-            <a:endParaRPr lang="en-US" dirty="0">
+            <a:r>
+              <a:rPr lang="en-US" sz="1600" dirty="0">
+                <a:latin typeface="Courier New" panose="02070309020205020404" pitchFamily="49" charset="0"/>
+                <a:cs typeface="Courier New" panose="02070309020205020404" pitchFamily="49" charset="0"/>
+              </a:rPr>
+              <a:t>#include &lt;</a:t>
+            </a:r>
+            <a:r>
+              <a:rPr lang="en-US" sz="1600" dirty="0" err="1">
+                <a:latin typeface="Courier New" panose="02070309020205020404" pitchFamily="49" charset="0"/>
+                <a:cs typeface="Courier New" panose="02070309020205020404" pitchFamily="49" charset="0"/>
+              </a:rPr>
+              <a:t>stdlib.h</a:t>
+            </a:r>
+            <a:r>
+              <a:rPr lang="en-US" sz="1600" dirty="0">
+                <a:latin typeface="Courier New" panose="02070309020205020404" pitchFamily="49" charset="0"/>
+                <a:cs typeface="Courier New" panose="02070309020205020404" pitchFamily="49" charset="0"/>
+              </a:rPr>
+              <a:t>&gt;</a:t>
+            </a:r>
+          </a:p>
+          <a:p>
+            <a:r>
+              <a:rPr lang="en-US" sz="1600" dirty="0">
+                <a:latin typeface="Courier New" panose="02070309020205020404" pitchFamily="49" charset="0"/>
+                <a:cs typeface="Courier New" panose="02070309020205020404" pitchFamily="49" charset="0"/>
+              </a:rPr>
+              <a:t>#include &lt;</a:t>
+            </a:r>
+            <a:r>
+              <a:rPr lang="en-US" sz="1600" dirty="0" err="1">
+                <a:latin typeface="Courier New" panose="02070309020205020404" pitchFamily="49" charset="0"/>
+                <a:cs typeface="Courier New" panose="02070309020205020404" pitchFamily="49" charset="0"/>
+              </a:rPr>
+              <a:t>string.h</a:t>
+            </a:r>
+            <a:r>
+              <a:rPr lang="en-US" sz="1600" dirty="0">
+                <a:latin typeface="Courier New" panose="02070309020205020404" pitchFamily="49" charset="0"/>
+                <a:cs typeface="Courier New" panose="02070309020205020404" pitchFamily="49" charset="0"/>
+              </a:rPr>
+              <a:t>&gt;</a:t>
+            </a:r>
+          </a:p>
+          <a:p>
+            <a:r>
+              <a:rPr lang="en-US" sz="1600" dirty="0">
+                <a:latin typeface="Courier New" panose="02070309020205020404" pitchFamily="49" charset="0"/>
+                <a:cs typeface="Courier New" panose="02070309020205020404" pitchFamily="49" charset="0"/>
+              </a:rPr>
+              <a:t>int main() {</a:t>
+            </a:r>
+          </a:p>
+          <a:p>
+            <a:r>
+              <a:rPr lang="en-US" sz="1600" dirty="0">
+                <a:latin typeface="Courier New" panose="02070309020205020404" pitchFamily="49" charset="0"/>
+                <a:cs typeface="Courier New" panose="02070309020205020404" pitchFamily="49" charset="0"/>
+              </a:rPr>
+              <a:t>    int first = 1;</a:t>
+            </a:r>
+          </a:p>
+          <a:p>
+            <a:r>
+              <a:rPr lang="en-US" sz="1600" dirty="0">
+                <a:latin typeface="Courier New" panose="02070309020205020404" pitchFamily="49" charset="0"/>
+                <a:cs typeface="Courier New" panose="02070309020205020404" pitchFamily="49" charset="0"/>
+              </a:rPr>
+              <a:t>    int </a:t>
+            </a:r>
+            <a:r>
+              <a:rPr lang="en-US" sz="1600" dirty="0" err="1">
+                <a:latin typeface="Courier New" panose="02070309020205020404" pitchFamily="49" charset="0"/>
+                <a:cs typeface="Courier New" panose="02070309020205020404" pitchFamily="49" charset="0"/>
+              </a:rPr>
+              <a:t>val</a:t>
+            </a:r>
+            <a:r>
+              <a:rPr lang="en-US" sz="1600" dirty="0">
+                <a:latin typeface="Courier New" panose="02070309020205020404" pitchFamily="49" charset="0"/>
+                <a:cs typeface="Courier New" panose="02070309020205020404" pitchFamily="49" charset="0"/>
+              </a:rPr>
+              <a:t>, </a:t>
+            </a:r>
+            <a:r>
+              <a:rPr lang="en-US" sz="1600" dirty="0" err="1">
+                <a:latin typeface="Courier New" panose="02070309020205020404" pitchFamily="49" charset="0"/>
+                <a:cs typeface="Courier New" panose="02070309020205020404" pitchFamily="49" charset="0"/>
+              </a:rPr>
+              <a:t>maxval</a:t>
+            </a:r>
+            <a:r>
+              <a:rPr lang="en-US" sz="1600" dirty="0">
+                <a:latin typeface="Courier New" panose="02070309020205020404" pitchFamily="49" charset="0"/>
+                <a:cs typeface="Courier New" panose="02070309020205020404" pitchFamily="49" charset="0"/>
+              </a:rPr>
+              <a:t>, </a:t>
+            </a:r>
+            <a:r>
+              <a:rPr lang="en-US" sz="1600" dirty="0" err="1">
+                <a:latin typeface="Courier New" panose="02070309020205020404" pitchFamily="49" charset="0"/>
+                <a:cs typeface="Courier New" panose="02070309020205020404" pitchFamily="49" charset="0"/>
+              </a:rPr>
+              <a:t>minval</a:t>
+            </a:r>
+            <a:r>
+              <a:rPr lang="en-US" sz="1600" dirty="0">
+                <a:latin typeface="Courier New" panose="02070309020205020404" pitchFamily="49" charset="0"/>
+                <a:cs typeface="Courier New" panose="02070309020205020404" pitchFamily="49" charset="0"/>
+              </a:rPr>
+              <a:t>;</a:t>
+            </a:r>
+          </a:p>
+          <a:p>
+            <a:r>
+              <a:rPr lang="en-US" sz="1600" dirty="0">
+                <a:latin typeface="Courier New" panose="02070309020205020404" pitchFamily="49" charset="0"/>
+                <a:cs typeface="Courier New" panose="02070309020205020404" pitchFamily="49" charset="0"/>
+              </a:rPr>
+              <a:t>    char line[1000];</a:t>
+            </a:r>
+          </a:p>
+          <a:p>
+            <a:endParaRPr lang="en-US" sz="1600" dirty="0">
               <a:latin typeface="Courier New" panose="02070309020205020404" pitchFamily="49" charset="0"/>
               <a:cs typeface="Courier New" panose="02070309020205020404" pitchFamily="49" charset="0"/>
             </a:endParaRPr>
           </a:p>
           <a:p>
             <a:r>
-              <a:rPr lang="en-US" dirty="0">
-                <a:latin typeface="Courier New" panose="02070309020205020404" pitchFamily="49" charset="0"/>
-                <a:cs typeface="Courier New" panose="02070309020205020404" pitchFamily="49" charset="0"/>
-              </a:rPr>
-              <a:t>int main() {</a:t>
-            </a:r>
-          </a:p>
-          <a:p>
-            <a:r>
-              <a:rPr lang="en-US" dirty="0">
-                <a:latin typeface="Courier New" panose="02070309020205020404" pitchFamily="49" charset="0"/>
-                <a:cs typeface="Courier New" panose="02070309020205020404" pitchFamily="49" charset="0"/>
-              </a:rPr>
-              <a:t>    int first = 1;</a:t>
-            </a:r>
-          </a:p>
-          <a:p>
-            <a:r>
-              <a:rPr lang="en-US" dirty="0">
-                <a:latin typeface="Courier New" panose="02070309020205020404" pitchFamily="49" charset="0"/>
-                <a:cs typeface="Courier New" panose="02070309020205020404" pitchFamily="49" charset="0"/>
-              </a:rPr>
-              <a:t>    int </a:t>
-            </a:r>
-            <a:r>
-              <a:rPr lang="en-US" dirty="0" err="1">
+              <a:rPr lang="en-US" sz="1600" dirty="0">
+                <a:latin typeface="Courier New" panose="02070309020205020404" pitchFamily="49" charset="0"/>
+                <a:cs typeface="Courier New" panose="02070309020205020404" pitchFamily="49" charset="0"/>
+              </a:rPr>
+              <a:t>    while(gets(line) != NULL ) {</a:t>
+            </a:r>
+          </a:p>
+          <a:p>
+            <a:r>
+              <a:rPr lang="en-US" sz="1600" dirty="0">
+                <a:latin typeface="Courier New" panose="02070309020205020404" pitchFamily="49" charset="0"/>
+                <a:cs typeface="Courier New" panose="02070309020205020404" pitchFamily="49" charset="0"/>
+              </a:rPr>
+              <a:t>        if ( </a:t>
+            </a:r>
+            <a:r>
+              <a:rPr lang="en-US" sz="1600" dirty="0" err="1">
+                <a:latin typeface="Courier New" panose="02070309020205020404" pitchFamily="49" charset="0"/>
+                <a:cs typeface="Courier New" panose="02070309020205020404" pitchFamily="49" charset="0"/>
+              </a:rPr>
+              <a:t>strcmp</a:t>
+            </a:r>
+            <a:r>
+              <a:rPr lang="en-US" sz="1600" dirty="0">
+                <a:latin typeface="Courier New" panose="02070309020205020404" pitchFamily="49" charset="0"/>
+                <a:cs typeface="Courier New" panose="02070309020205020404" pitchFamily="49" charset="0"/>
+              </a:rPr>
+              <a:t>(</a:t>
+            </a:r>
+            <a:r>
+              <a:rPr lang="en-US" sz="1600" dirty="0" err="1">
+                <a:latin typeface="Courier New" panose="02070309020205020404" pitchFamily="49" charset="0"/>
+                <a:cs typeface="Courier New" panose="02070309020205020404" pitchFamily="49" charset="0"/>
+              </a:rPr>
+              <a:t>line,"done</a:t>
+            </a:r>
+            <a:r>
+              <a:rPr lang="en-US" sz="1600" dirty="0">
+                <a:latin typeface="Courier New" panose="02070309020205020404" pitchFamily="49" charset="0"/>
+                <a:cs typeface="Courier New" panose="02070309020205020404" pitchFamily="49" charset="0"/>
+              </a:rPr>
+              <a:t>") == 0 ) break;</a:t>
+            </a:r>
+          </a:p>
+          <a:p>
+            <a:r>
+              <a:rPr lang="en-US" sz="1600" dirty="0">
+                <a:latin typeface="Courier New" panose="02070309020205020404" pitchFamily="49" charset="0"/>
+                <a:cs typeface="Courier New" panose="02070309020205020404" pitchFamily="49" charset="0"/>
+              </a:rPr>
+              <a:t>        </a:t>
+            </a:r>
+            <a:r>
+              <a:rPr lang="en-US" sz="1600" dirty="0" err="1">
                 <a:latin typeface="Courier New" panose="02070309020205020404" pitchFamily="49" charset="0"/>
                 <a:cs typeface="Courier New" panose="02070309020205020404" pitchFamily="49" charset="0"/>
               </a:rPr>
               <a:t>val</a:t>
             </a:r>
             <a:r>
-              <a:rPr lang="en-US" dirty="0">
-                <a:latin typeface="Courier New" panose="02070309020205020404" pitchFamily="49" charset="0"/>
-                <a:cs typeface="Courier New" panose="02070309020205020404" pitchFamily="49" charset="0"/>
-              </a:rPr>
-              <a:t>, </a:t>
-            </a:r>
-            <a:r>
-              <a:rPr lang="en-US" dirty="0" err="1">
+              <a:rPr lang="en-US" sz="1600" dirty="0">
+                <a:latin typeface="Courier New" panose="02070309020205020404" pitchFamily="49" charset="0"/>
+                <a:cs typeface="Courier New" panose="02070309020205020404" pitchFamily="49" charset="0"/>
+              </a:rPr>
+              <a:t> = </a:t>
+            </a:r>
+            <a:r>
+              <a:rPr lang="en-US" sz="1600" dirty="0" err="1">
+                <a:latin typeface="Courier New" panose="02070309020205020404" pitchFamily="49" charset="0"/>
+                <a:cs typeface="Courier New" panose="02070309020205020404" pitchFamily="49" charset="0"/>
+              </a:rPr>
+              <a:t>atoi</a:t>
+            </a:r>
+            <a:r>
+              <a:rPr lang="en-US" sz="1600" dirty="0">
+                <a:latin typeface="Courier New" panose="02070309020205020404" pitchFamily="49" charset="0"/>
+                <a:cs typeface="Courier New" panose="02070309020205020404" pitchFamily="49" charset="0"/>
+              </a:rPr>
+              <a:t>(line);</a:t>
+            </a:r>
+          </a:p>
+          <a:p>
+            <a:r>
+              <a:rPr lang="en-US" sz="1600" dirty="0">
+                <a:latin typeface="Courier New" panose="02070309020205020404" pitchFamily="49" charset="0"/>
+                <a:cs typeface="Courier New" panose="02070309020205020404" pitchFamily="49" charset="0"/>
+              </a:rPr>
+              <a:t>        if ( first ) {</a:t>
+            </a:r>
+          </a:p>
+          <a:p>
+            <a:r>
+              <a:rPr lang="en-US" sz="1600" dirty="0">
+                <a:latin typeface="Courier New" panose="02070309020205020404" pitchFamily="49" charset="0"/>
+                <a:cs typeface="Courier New" panose="02070309020205020404" pitchFamily="49" charset="0"/>
+              </a:rPr>
+              <a:t>            </a:t>
+            </a:r>
+            <a:r>
+              <a:rPr lang="en-US" sz="1600" dirty="0" err="1">
                 <a:latin typeface="Courier New" panose="02070309020205020404" pitchFamily="49" charset="0"/>
                 <a:cs typeface="Courier New" panose="02070309020205020404" pitchFamily="49" charset="0"/>
               </a:rPr>
               <a:t>maxval</a:t>
             </a:r>
             <a:r>
-              <a:rPr lang="en-US" dirty="0">
-                <a:latin typeface="Courier New" panose="02070309020205020404" pitchFamily="49" charset="0"/>
-                <a:cs typeface="Courier New" panose="02070309020205020404" pitchFamily="49" charset="0"/>
-              </a:rPr>
-              <a:t>, </a:t>
-            </a:r>
-            <a:r>
-              <a:rPr lang="en-US" dirty="0" err="1">
+              <a:rPr lang="en-US" sz="1600" dirty="0">
+                <a:latin typeface="Courier New" panose="02070309020205020404" pitchFamily="49" charset="0"/>
+                <a:cs typeface="Courier New" panose="02070309020205020404" pitchFamily="49" charset="0"/>
+              </a:rPr>
+              <a:t> = </a:t>
+            </a:r>
+            <a:r>
+              <a:rPr lang="en-US" sz="1600" dirty="0" err="1">
+                <a:latin typeface="Courier New" panose="02070309020205020404" pitchFamily="49" charset="0"/>
+                <a:cs typeface="Courier New" panose="02070309020205020404" pitchFamily="49" charset="0"/>
+              </a:rPr>
+              <a:t>val</a:t>
+            </a:r>
+            <a:r>
+              <a:rPr lang="en-US" sz="1600" dirty="0">
+                <a:latin typeface="Courier New" panose="02070309020205020404" pitchFamily="49" charset="0"/>
+                <a:cs typeface="Courier New" panose="02070309020205020404" pitchFamily="49" charset="0"/>
+              </a:rPr>
+              <a:t>;</a:t>
+            </a:r>
+          </a:p>
+          <a:p>
+            <a:r>
+              <a:rPr lang="en-US" sz="1600" dirty="0">
+                <a:latin typeface="Courier New" panose="02070309020205020404" pitchFamily="49" charset="0"/>
+                <a:cs typeface="Courier New" panose="02070309020205020404" pitchFamily="49" charset="0"/>
+              </a:rPr>
+              <a:t>            </a:t>
+            </a:r>
+            <a:r>
+              <a:rPr lang="en-US" sz="1600" dirty="0" err="1">
                 <a:latin typeface="Courier New" panose="02070309020205020404" pitchFamily="49" charset="0"/>
                 <a:cs typeface="Courier New" panose="02070309020205020404" pitchFamily="49" charset="0"/>
               </a:rPr>
               <a:t>minval</a:t>
             </a:r>
             <a:r>
-              <a:rPr lang="en-US" dirty="0">
+              <a:rPr lang="en-US" sz="1600" dirty="0">
+                <a:latin typeface="Courier New" panose="02070309020205020404" pitchFamily="49" charset="0"/>
+                <a:cs typeface="Courier New" panose="02070309020205020404" pitchFamily="49" charset="0"/>
+              </a:rPr>
+              <a:t> = </a:t>
+            </a:r>
+            <a:r>
+              <a:rPr lang="en-US" sz="1600" dirty="0" err="1">
+                <a:latin typeface="Courier New" panose="02070309020205020404" pitchFamily="49" charset="0"/>
+                <a:cs typeface="Courier New" panose="02070309020205020404" pitchFamily="49" charset="0"/>
+              </a:rPr>
+              <a:t>val</a:t>
+            </a:r>
+            <a:r>
+              <a:rPr lang="en-US" sz="1600" dirty="0">
                 <a:latin typeface="Courier New" panose="02070309020205020404" pitchFamily="49" charset="0"/>
                 <a:cs typeface="Courier New" panose="02070309020205020404" pitchFamily="49" charset="0"/>
               </a:rPr>
@@ -6941,337 +6884,245 @@
             </a:r>
           </a:p>
           <a:p>
-            <a:endParaRPr lang="en-US" dirty="0">
+            <a:r>
+              <a:rPr lang="en-US" sz="1600" dirty="0">
+                <a:latin typeface="Courier New" panose="02070309020205020404" pitchFamily="49" charset="0"/>
+                <a:cs typeface="Courier New" panose="02070309020205020404" pitchFamily="49" charset="0"/>
+              </a:rPr>
+              <a:t>            first = 0;</a:t>
+            </a:r>
+          </a:p>
+          <a:p>
+            <a:r>
+              <a:rPr lang="en-US" sz="1600" dirty="0">
+                <a:latin typeface="Courier New" panose="02070309020205020404" pitchFamily="49" charset="0"/>
+                <a:cs typeface="Courier New" panose="02070309020205020404" pitchFamily="49" charset="0"/>
+              </a:rPr>
+              <a:t>        } else {</a:t>
+            </a:r>
+          </a:p>
+          <a:p>
+            <a:r>
+              <a:rPr lang="en-US" sz="1600" dirty="0">
+                <a:latin typeface="Courier New" panose="02070309020205020404" pitchFamily="49" charset="0"/>
+                <a:cs typeface="Courier New" panose="02070309020205020404" pitchFamily="49" charset="0"/>
+              </a:rPr>
+              <a:t>            if ( </a:t>
+            </a:r>
+            <a:r>
+              <a:rPr lang="en-US" sz="1600" dirty="0" err="1">
+                <a:latin typeface="Courier New" panose="02070309020205020404" pitchFamily="49" charset="0"/>
+                <a:cs typeface="Courier New" panose="02070309020205020404" pitchFamily="49" charset="0"/>
+              </a:rPr>
+              <a:t>val</a:t>
+            </a:r>
+            <a:r>
+              <a:rPr lang="en-US" sz="1600" dirty="0">
+                <a:latin typeface="Courier New" panose="02070309020205020404" pitchFamily="49" charset="0"/>
+                <a:cs typeface="Courier New" panose="02070309020205020404" pitchFamily="49" charset="0"/>
+              </a:rPr>
+              <a:t> &gt; </a:t>
+            </a:r>
+            <a:r>
+              <a:rPr lang="en-US" sz="1600" dirty="0" err="1">
+                <a:latin typeface="Courier New" panose="02070309020205020404" pitchFamily="49" charset="0"/>
+                <a:cs typeface="Courier New" panose="02070309020205020404" pitchFamily="49" charset="0"/>
+              </a:rPr>
+              <a:t>maxval</a:t>
+            </a:r>
+            <a:r>
+              <a:rPr lang="en-US" sz="1600" dirty="0">
+                <a:latin typeface="Courier New" panose="02070309020205020404" pitchFamily="49" charset="0"/>
+                <a:cs typeface="Courier New" panose="02070309020205020404" pitchFamily="49" charset="0"/>
+              </a:rPr>
+              <a:t> ) </a:t>
+            </a:r>
+            <a:r>
+              <a:rPr lang="en-US" sz="1600" dirty="0" err="1">
+                <a:latin typeface="Courier New" panose="02070309020205020404" pitchFamily="49" charset="0"/>
+                <a:cs typeface="Courier New" panose="02070309020205020404" pitchFamily="49" charset="0"/>
+              </a:rPr>
+              <a:t>maxval</a:t>
+            </a:r>
+            <a:r>
+              <a:rPr lang="en-US" sz="1600" dirty="0">
+                <a:latin typeface="Courier New" panose="02070309020205020404" pitchFamily="49" charset="0"/>
+                <a:cs typeface="Courier New" panose="02070309020205020404" pitchFamily="49" charset="0"/>
+              </a:rPr>
+              <a:t> = </a:t>
+            </a:r>
+            <a:r>
+              <a:rPr lang="en-US" sz="1600" dirty="0" err="1">
+                <a:latin typeface="Courier New" panose="02070309020205020404" pitchFamily="49" charset="0"/>
+                <a:cs typeface="Courier New" panose="02070309020205020404" pitchFamily="49" charset="0"/>
+              </a:rPr>
+              <a:t>val</a:t>
+            </a:r>
+            <a:r>
+              <a:rPr lang="en-US" sz="1600" dirty="0">
+                <a:latin typeface="Courier New" panose="02070309020205020404" pitchFamily="49" charset="0"/>
+                <a:cs typeface="Courier New" panose="02070309020205020404" pitchFamily="49" charset="0"/>
+              </a:rPr>
+              <a:t>;</a:t>
+            </a:r>
+          </a:p>
+          <a:p>
+            <a:r>
+              <a:rPr lang="en-US" sz="1600" dirty="0">
+                <a:latin typeface="Courier New" panose="02070309020205020404" pitchFamily="49" charset="0"/>
+                <a:cs typeface="Courier New" panose="02070309020205020404" pitchFamily="49" charset="0"/>
+              </a:rPr>
+              <a:t>            if ( </a:t>
+            </a:r>
+            <a:r>
+              <a:rPr lang="en-US" sz="1600" dirty="0" err="1">
+                <a:latin typeface="Courier New" panose="02070309020205020404" pitchFamily="49" charset="0"/>
+                <a:cs typeface="Courier New" panose="02070309020205020404" pitchFamily="49" charset="0"/>
+              </a:rPr>
+              <a:t>val</a:t>
+            </a:r>
+            <a:r>
+              <a:rPr lang="en-US" sz="1600" dirty="0">
+                <a:latin typeface="Courier New" panose="02070309020205020404" pitchFamily="49" charset="0"/>
+                <a:cs typeface="Courier New" panose="02070309020205020404" pitchFamily="49" charset="0"/>
+              </a:rPr>
+              <a:t> &lt; </a:t>
+            </a:r>
+            <a:r>
+              <a:rPr lang="en-US" sz="1600" dirty="0" err="1">
+                <a:latin typeface="Courier New" panose="02070309020205020404" pitchFamily="49" charset="0"/>
+                <a:cs typeface="Courier New" panose="02070309020205020404" pitchFamily="49" charset="0"/>
+              </a:rPr>
+              <a:t>minval</a:t>
+            </a:r>
+            <a:r>
+              <a:rPr lang="en-US" sz="1600" dirty="0">
+                <a:latin typeface="Courier New" panose="02070309020205020404" pitchFamily="49" charset="0"/>
+                <a:cs typeface="Courier New" panose="02070309020205020404" pitchFamily="49" charset="0"/>
+              </a:rPr>
+              <a:t> ) </a:t>
+            </a:r>
+            <a:r>
+              <a:rPr lang="en-US" sz="1600" dirty="0" err="1">
+                <a:latin typeface="Courier New" panose="02070309020205020404" pitchFamily="49" charset="0"/>
+                <a:cs typeface="Courier New" panose="02070309020205020404" pitchFamily="49" charset="0"/>
+              </a:rPr>
+              <a:t>minval</a:t>
+            </a:r>
+            <a:r>
+              <a:rPr lang="en-US" sz="1600" dirty="0">
+                <a:latin typeface="Courier New" panose="02070309020205020404" pitchFamily="49" charset="0"/>
+                <a:cs typeface="Courier New" panose="02070309020205020404" pitchFamily="49" charset="0"/>
+              </a:rPr>
+              <a:t> = </a:t>
+            </a:r>
+            <a:r>
+              <a:rPr lang="en-US" sz="1600" dirty="0" err="1">
+                <a:latin typeface="Courier New" panose="02070309020205020404" pitchFamily="49" charset="0"/>
+                <a:cs typeface="Courier New" panose="02070309020205020404" pitchFamily="49" charset="0"/>
+              </a:rPr>
+              <a:t>val</a:t>
+            </a:r>
+            <a:r>
+              <a:rPr lang="en-US" sz="1600" dirty="0">
+                <a:latin typeface="Courier New" panose="02070309020205020404" pitchFamily="49" charset="0"/>
+                <a:cs typeface="Courier New" panose="02070309020205020404" pitchFamily="49" charset="0"/>
+              </a:rPr>
+              <a:t>;</a:t>
+            </a:r>
+          </a:p>
+          <a:p>
+            <a:r>
+              <a:rPr lang="en-US" sz="1600" dirty="0">
+                <a:latin typeface="Courier New" panose="02070309020205020404" pitchFamily="49" charset="0"/>
+                <a:cs typeface="Courier New" panose="02070309020205020404" pitchFamily="49" charset="0"/>
+              </a:rPr>
+              <a:t>        }</a:t>
+            </a:r>
+          </a:p>
+          <a:p>
+            <a:r>
+              <a:rPr lang="en-US" sz="1600" dirty="0">
+                <a:latin typeface="Courier New" panose="02070309020205020404" pitchFamily="49" charset="0"/>
+                <a:cs typeface="Courier New" panose="02070309020205020404" pitchFamily="49" charset="0"/>
+              </a:rPr>
+              <a:t>    }</a:t>
+            </a:r>
+          </a:p>
+          <a:p>
+            <a:endParaRPr lang="en-US" sz="1600" dirty="0">
               <a:latin typeface="Courier New" panose="02070309020205020404" pitchFamily="49" charset="0"/>
               <a:cs typeface="Courier New" panose="02070309020205020404" pitchFamily="49" charset="0"/>
             </a:endParaRPr>
           </a:p>
           <a:p>
             <a:r>
-              <a:rPr lang="en-US" dirty="0">
-                <a:latin typeface="Courier New" panose="02070309020205020404" pitchFamily="49" charset="0"/>
-                <a:cs typeface="Courier New" panose="02070309020205020404" pitchFamily="49" charset="0"/>
-              </a:rPr>
-              <a:t>    while(</a:t>
-            </a:r>
-            <a:r>
-              <a:rPr lang="en-US" dirty="0" err="1">
-                <a:latin typeface="Courier New" panose="02070309020205020404" pitchFamily="49" charset="0"/>
-                <a:cs typeface="Courier New" panose="02070309020205020404" pitchFamily="49" charset="0"/>
-              </a:rPr>
-              <a:t>scanf</a:t>
-            </a:r>
-            <a:r>
-              <a:rPr lang="en-US" dirty="0">
-                <a:latin typeface="Courier New" panose="02070309020205020404" pitchFamily="49" charset="0"/>
-                <a:cs typeface="Courier New" panose="02070309020205020404" pitchFamily="49" charset="0"/>
-              </a:rPr>
-              <a:t>("%d",&amp;</a:t>
-            </a:r>
-            <a:r>
-              <a:rPr lang="en-US" dirty="0" err="1">
-                <a:latin typeface="Courier New" panose="02070309020205020404" pitchFamily="49" charset="0"/>
-                <a:cs typeface="Courier New" panose="02070309020205020404" pitchFamily="49" charset="0"/>
-              </a:rPr>
-              <a:t>val</a:t>
-            </a:r>
-            <a:r>
-              <a:rPr lang="en-US" dirty="0">
-                <a:latin typeface="Courier New" panose="02070309020205020404" pitchFamily="49" charset="0"/>
-                <a:cs typeface="Courier New" panose="02070309020205020404" pitchFamily="49" charset="0"/>
-              </a:rPr>
-              <a:t>) != EOF ) {</a:t>
-            </a:r>
-          </a:p>
-          <a:p>
-            <a:r>
-              <a:rPr lang="en-US" dirty="0">
-                <a:latin typeface="Courier New" panose="02070309020205020404" pitchFamily="49" charset="0"/>
-                <a:cs typeface="Courier New" panose="02070309020205020404" pitchFamily="49" charset="0"/>
-              </a:rPr>
-              <a:t>        if ( first ) {</a:t>
-            </a:r>
-          </a:p>
-          <a:p>
-            <a:r>
-              <a:rPr lang="en-US" dirty="0">
-                <a:latin typeface="Courier New" panose="02070309020205020404" pitchFamily="49" charset="0"/>
-                <a:cs typeface="Courier New" panose="02070309020205020404" pitchFamily="49" charset="0"/>
-              </a:rPr>
-              <a:t>            </a:t>
-            </a:r>
-            <a:r>
-              <a:rPr lang="en-US" dirty="0" err="1">
+              <a:rPr lang="en-US" sz="1600" dirty="0">
+                <a:latin typeface="Courier New" panose="02070309020205020404" pitchFamily="49" charset="0"/>
+                <a:cs typeface="Courier New" panose="02070309020205020404" pitchFamily="49" charset="0"/>
+              </a:rPr>
+              <a:t>    </a:t>
+            </a:r>
+            <a:r>
+              <a:rPr lang="en-US" sz="1600" dirty="0" err="1">
+                <a:latin typeface="Courier New" panose="02070309020205020404" pitchFamily="49" charset="0"/>
+                <a:cs typeface="Courier New" panose="02070309020205020404" pitchFamily="49" charset="0"/>
+              </a:rPr>
+              <a:t>printf</a:t>
+            </a:r>
+            <a:r>
+              <a:rPr lang="en-US" sz="1600" dirty="0">
+                <a:latin typeface="Courier New" panose="02070309020205020404" pitchFamily="49" charset="0"/>
+                <a:cs typeface="Courier New" panose="02070309020205020404" pitchFamily="49" charset="0"/>
+              </a:rPr>
+              <a:t>("Maximum %d\n", </a:t>
+            </a:r>
+            <a:r>
+              <a:rPr lang="en-US" sz="1600" dirty="0" err="1">
                 <a:latin typeface="Courier New" panose="02070309020205020404" pitchFamily="49" charset="0"/>
                 <a:cs typeface="Courier New" panose="02070309020205020404" pitchFamily="49" charset="0"/>
               </a:rPr>
               <a:t>maxval</a:t>
             </a:r>
             <a:r>
-              <a:rPr lang="en-US" dirty="0">
-                <a:latin typeface="Courier New" panose="02070309020205020404" pitchFamily="49" charset="0"/>
-                <a:cs typeface="Courier New" panose="02070309020205020404" pitchFamily="49" charset="0"/>
-              </a:rPr>
-              <a:t> = </a:t>
-            </a:r>
-            <a:r>
-              <a:rPr lang="en-US" dirty="0" err="1">
-                <a:latin typeface="Courier New" panose="02070309020205020404" pitchFamily="49" charset="0"/>
-                <a:cs typeface="Courier New" panose="02070309020205020404" pitchFamily="49" charset="0"/>
-              </a:rPr>
-              <a:t>val</a:t>
-            </a:r>
-            <a:r>
-              <a:rPr lang="en-US" dirty="0">
-                <a:latin typeface="Courier New" panose="02070309020205020404" pitchFamily="49" charset="0"/>
-                <a:cs typeface="Courier New" panose="02070309020205020404" pitchFamily="49" charset="0"/>
-              </a:rPr>
-              <a:t>;</a:t>
-            </a:r>
-          </a:p>
-          <a:p>
-            <a:r>
-              <a:rPr lang="en-US" dirty="0">
-                <a:latin typeface="Courier New" panose="02070309020205020404" pitchFamily="49" charset="0"/>
-                <a:cs typeface="Courier New" panose="02070309020205020404" pitchFamily="49" charset="0"/>
-              </a:rPr>
-              <a:t>            </a:t>
-            </a:r>
-            <a:r>
-              <a:rPr lang="en-US" dirty="0" err="1">
+              <a:rPr lang="en-US" sz="1600" dirty="0">
+                <a:latin typeface="Courier New" panose="02070309020205020404" pitchFamily="49" charset="0"/>
+                <a:cs typeface="Courier New" panose="02070309020205020404" pitchFamily="49" charset="0"/>
+              </a:rPr>
+              <a:t>);</a:t>
+            </a:r>
+          </a:p>
+          <a:p>
+            <a:r>
+              <a:rPr lang="en-US" sz="1600" dirty="0">
+                <a:latin typeface="Courier New" panose="02070309020205020404" pitchFamily="49" charset="0"/>
+                <a:cs typeface="Courier New" panose="02070309020205020404" pitchFamily="49" charset="0"/>
+              </a:rPr>
+              <a:t>    </a:t>
+            </a:r>
+            <a:r>
+              <a:rPr lang="en-US" sz="1600" dirty="0" err="1">
+                <a:latin typeface="Courier New" panose="02070309020205020404" pitchFamily="49" charset="0"/>
+                <a:cs typeface="Courier New" panose="02070309020205020404" pitchFamily="49" charset="0"/>
+              </a:rPr>
+              <a:t>printf</a:t>
+            </a:r>
+            <a:r>
+              <a:rPr lang="en-US" sz="1600" dirty="0">
+                <a:latin typeface="Courier New" panose="02070309020205020404" pitchFamily="49" charset="0"/>
+                <a:cs typeface="Courier New" panose="02070309020205020404" pitchFamily="49" charset="0"/>
+              </a:rPr>
+              <a:t>("Minimum %d\n", </a:t>
+            </a:r>
+            <a:r>
+              <a:rPr lang="en-US" sz="1600" dirty="0" err="1">
                 <a:latin typeface="Courier New" panose="02070309020205020404" pitchFamily="49" charset="0"/>
                 <a:cs typeface="Courier New" panose="02070309020205020404" pitchFamily="49" charset="0"/>
               </a:rPr>
               <a:t>minval</a:t>
             </a:r>
             <a:r>
-              <a:rPr lang="en-US" dirty="0">
-                <a:latin typeface="Courier New" panose="02070309020205020404" pitchFamily="49" charset="0"/>
-                <a:cs typeface="Courier New" panose="02070309020205020404" pitchFamily="49" charset="0"/>
-              </a:rPr>
-              <a:t> = </a:t>
-            </a:r>
-            <a:r>
-              <a:rPr lang="en-US" dirty="0" err="1">
-                <a:latin typeface="Courier New" panose="02070309020205020404" pitchFamily="49" charset="0"/>
-                <a:cs typeface="Courier New" panose="02070309020205020404" pitchFamily="49" charset="0"/>
-              </a:rPr>
-              <a:t>val</a:t>
-            </a:r>
-            <a:r>
-              <a:rPr lang="en-US" dirty="0">
-                <a:latin typeface="Courier New" panose="02070309020205020404" pitchFamily="49" charset="0"/>
-                <a:cs typeface="Courier New" panose="02070309020205020404" pitchFamily="49" charset="0"/>
-              </a:rPr>
-              <a:t>;</a:t>
-            </a:r>
-          </a:p>
-          <a:p>
-            <a:r>
-              <a:rPr lang="en-US" dirty="0">
-                <a:latin typeface="Courier New" panose="02070309020205020404" pitchFamily="49" charset="0"/>
-                <a:cs typeface="Courier New" panose="02070309020205020404" pitchFamily="49" charset="0"/>
-              </a:rPr>
-              <a:t>            first = 0;</a:t>
-            </a:r>
-          </a:p>
-          <a:p>
-            <a:r>
-              <a:rPr lang="en-US" dirty="0">
-                <a:latin typeface="Courier New" panose="02070309020205020404" pitchFamily="49" charset="0"/>
-                <a:cs typeface="Courier New" panose="02070309020205020404" pitchFamily="49" charset="0"/>
-              </a:rPr>
-              <a:t>        } else {</a:t>
-            </a:r>
-          </a:p>
-          <a:p>
-            <a:r>
-              <a:rPr lang="en-US" dirty="0">
-                <a:latin typeface="Courier New" panose="02070309020205020404" pitchFamily="49" charset="0"/>
-                <a:cs typeface="Courier New" panose="02070309020205020404" pitchFamily="49" charset="0"/>
-              </a:rPr>
-              <a:t>            if ( </a:t>
-            </a:r>
-            <a:r>
-              <a:rPr lang="en-US" dirty="0" err="1">
-                <a:latin typeface="Courier New" panose="02070309020205020404" pitchFamily="49" charset="0"/>
-                <a:cs typeface="Courier New" panose="02070309020205020404" pitchFamily="49" charset="0"/>
-              </a:rPr>
-              <a:t>val</a:t>
-            </a:r>
-            <a:r>
-              <a:rPr lang="en-US" dirty="0">
-                <a:latin typeface="Courier New" panose="02070309020205020404" pitchFamily="49" charset="0"/>
-                <a:cs typeface="Courier New" panose="02070309020205020404" pitchFamily="49" charset="0"/>
-              </a:rPr>
-              <a:t> &gt; </a:t>
-            </a:r>
-            <a:r>
-              <a:rPr lang="en-US" dirty="0" err="1">
-                <a:latin typeface="Courier New" panose="02070309020205020404" pitchFamily="49" charset="0"/>
-                <a:cs typeface="Courier New" panose="02070309020205020404" pitchFamily="49" charset="0"/>
-              </a:rPr>
-              <a:t>maxval</a:t>
-            </a:r>
-            <a:r>
-              <a:rPr lang="en-US" dirty="0">
-                <a:latin typeface="Courier New" panose="02070309020205020404" pitchFamily="49" charset="0"/>
-                <a:cs typeface="Courier New" panose="02070309020205020404" pitchFamily="49" charset="0"/>
-              </a:rPr>
-              <a:t> ) </a:t>
-            </a:r>
-            <a:r>
-              <a:rPr lang="en-US" dirty="0" err="1">
-                <a:latin typeface="Courier New" panose="02070309020205020404" pitchFamily="49" charset="0"/>
-                <a:cs typeface="Courier New" panose="02070309020205020404" pitchFamily="49" charset="0"/>
-              </a:rPr>
-              <a:t>maxval</a:t>
-            </a:r>
-            <a:r>
-              <a:rPr lang="en-US" dirty="0">
-                <a:latin typeface="Courier New" panose="02070309020205020404" pitchFamily="49" charset="0"/>
-                <a:cs typeface="Courier New" panose="02070309020205020404" pitchFamily="49" charset="0"/>
-              </a:rPr>
-              <a:t> = </a:t>
-            </a:r>
-            <a:r>
-              <a:rPr lang="en-US" dirty="0" err="1">
-                <a:latin typeface="Courier New" panose="02070309020205020404" pitchFamily="49" charset="0"/>
-                <a:cs typeface="Courier New" panose="02070309020205020404" pitchFamily="49" charset="0"/>
-              </a:rPr>
-              <a:t>val</a:t>
-            </a:r>
-            <a:r>
-              <a:rPr lang="en-US" dirty="0">
-                <a:latin typeface="Courier New" panose="02070309020205020404" pitchFamily="49" charset="0"/>
-                <a:cs typeface="Courier New" panose="02070309020205020404" pitchFamily="49" charset="0"/>
-              </a:rPr>
-              <a:t>;</a:t>
-            </a:r>
-          </a:p>
-          <a:p>
-            <a:r>
-              <a:rPr lang="en-US" dirty="0">
-                <a:latin typeface="Courier New" panose="02070309020205020404" pitchFamily="49" charset="0"/>
-                <a:cs typeface="Courier New" panose="02070309020205020404" pitchFamily="49" charset="0"/>
-              </a:rPr>
-              <a:t>            if ( </a:t>
-            </a:r>
-            <a:r>
-              <a:rPr lang="en-US" dirty="0" err="1">
-                <a:latin typeface="Courier New" panose="02070309020205020404" pitchFamily="49" charset="0"/>
-                <a:cs typeface="Courier New" panose="02070309020205020404" pitchFamily="49" charset="0"/>
-              </a:rPr>
-              <a:t>val</a:t>
-            </a:r>
-            <a:r>
-              <a:rPr lang="en-US" dirty="0">
-                <a:latin typeface="Courier New" panose="02070309020205020404" pitchFamily="49" charset="0"/>
-                <a:cs typeface="Courier New" panose="02070309020205020404" pitchFamily="49" charset="0"/>
-              </a:rPr>
-              <a:t> &lt; </a:t>
-            </a:r>
-            <a:r>
-              <a:rPr lang="en-US" dirty="0" err="1">
-                <a:latin typeface="Courier New" panose="02070309020205020404" pitchFamily="49" charset="0"/>
-                <a:cs typeface="Courier New" panose="02070309020205020404" pitchFamily="49" charset="0"/>
-              </a:rPr>
-              <a:t>minval</a:t>
-            </a:r>
-            <a:r>
-              <a:rPr lang="en-US" dirty="0">
-                <a:latin typeface="Courier New" panose="02070309020205020404" pitchFamily="49" charset="0"/>
-                <a:cs typeface="Courier New" panose="02070309020205020404" pitchFamily="49" charset="0"/>
-              </a:rPr>
-              <a:t> ) </a:t>
-            </a:r>
-            <a:r>
-              <a:rPr lang="en-US" dirty="0" err="1">
-                <a:latin typeface="Courier New" panose="02070309020205020404" pitchFamily="49" charset="0"/>
-                <a:cs typeface="Courier New" panose="02070309020205020404" pitchFamily="49" charset="0"/>
-              </a:rPr>
-              <a:t>minval</a:t>
-            </a:r>
-            <a:r>
-              <a:rPr lang="en-US" dirty="0">
-                <a:latin typeface="Courier New" panose="02070309020205020404" pitchFamily="49" charset="0"/>
-                <a:cs typeface="Courier New" panose="02070309020205020404" pitchFamily="49" charset="0"/>
-              </a:rPr>
-              <a:t> = </a:t>
-            </a:r>
-            <a:r>
-              <a:rPr lang="en-US" dirty="0" err="1">
-                <a:latin typeface="Courier New" panose="02070309020205020404" pitchFamily="49" charset="0"/>
-                <a:cs typeface="Courier New" panose="02070309020205020404" pitchFamily="49" charset="0"/>
-              </a:rPr>
-              <a:t>val</a:t>
-            </a:r>
-            <a:r>
-              <a:rPr lang="en-US" dirty="0">
-                <a:latin typeface="Courier New" panose="02070309020205020404" pitchFamily="49" charset="0"/>
-                <a:cs typeface="Courier New" panose="02070309020205020404" pitchFamily="49" charset="0"/>
-              </a:rPr>
-              <a:t>;</a:t>
-            </a:r>
-          </a:p>
-          <a:p>
-            <a:r>
-              <a:rPr lang="en-US" dirty="0">
-                <a:latin typeface="Courier New" panose="02070309020205020404" pitchFamily="49" charset="0"/>
-                <a:cs typeface="Courier New" panose="02070309020205020404" pitchFamily="49" charset="0"/>
-              </a:rPr>
-              <a:t>        }</a:t>
-            </a:r>
-          </a:p>
-          <a:p>
-            <a:r>
-              <a:rPr lang="en-US" dirty="0">
-                <a:latin typeface="Courier New" panose="02070309020205020404" pitchFamily="49" charset="0"/>
-                <a:cs typeface="Courier New" panose="02070309020205020404" pitchFamily="49" charset="0"/>
-              </a:rPr>
-              <a:t>    }</a:t>
-            </a:r>
-          </a:p>
-          <a:p>
-            <a:r>
-              <a:rPr lang="en-US" dirty="0">
-                <a:latin typeface="Courier New" panose="02070309020205020404" pitchFamily="49" charset="0"/>
-                <a:cs typeface="Courier New" panose="02070309020205020404" pitchFamily="49" charset="0"/>
-              </a:rPr>
-              <a:t>        </a:t>
-            </a:r>
-          </a:p>
-          <a:p>
-            <a:r>
-              <a:rPr lang="en-US" dirty="0">
-                <a:latin typeface="Courier New" panose="02070309020205020404" pitchFamily="49" charset="0"/>
-                <a:cs typeface="Courier New" panose="02070309020205020404" pitchFamily="49" charset="0"/>
-              </a:rPr>
-              <a:t>    </a:t>
-            </a:r>
-            <a:r>
-              <a:rPr lang="en-US" dirty="0" err="1">
-                <a:latin typeface="Courier New" panose="02070309020205020404" pitchFamily="49" charset="0"/>
-                <a:cs typeface="Courier New" panose="02070309020205020404" pitchFamily="49" charset="0"/>
-              </a:rPr>
-              <a:t>printf</a:t>
-            </a:r>
-            <a:r>
-              <a:rPr lang="en-US" dirty="0">
-                <a:latin typeface="Courier New" panose="02070309020205020404" pitchFamily="49" charset="0"/>
-                <a:cs typeface="Courier New" panose="02070309020205020404" pitchFamily="49" charset="0"/>
-              </a:rPr>
-              <a:t>("Maximum %d\n", </a:t>
-            </a:r>
-            <a:r>
-              <a:rPr lang="en-US" dirty="0" err="1">
-                <a:latin typeface="Courier New" panose="02070309020205020404" pitchFamily="49" charset="0"/>
-                <a:cs typeface="Courier New" panose="02070309020205020404" pitchFamily="49" charset="0"/>
-              </a:rPr>
-              <a:t>maxval</a:t>
-            </a:r>
-            <a:r>
-              <a:rPr lang="en-US" dirty="0">
+              <a:rPr lang="en-US" sz="1600" dirty="0">
                 <a:latin typeface="Courier New" panose="02070309020205020404" pitchFamily="49" charset="0"/>
                 <a:cs typeface="Courier New" panose="02070309020205020404" pitchFamily="49" charset="0"/>
               </a:rPr>
@@ -7280,44 +7131,7 @@
           </a:p>
           <a:p>
             <a:r>
-              <a:rPr lang="en-US" dirty="0">
-                <a:latin typeface="Courier New" panose="02070309020205020404" pitchFamily="49" charset="0"/>
-                <a:cs typeface="Courier New" panose="02070309020205020404" pitchFamily="49" charset="0"/>
-              </a:rPr>
-              <a:t>    </a:t>
-            </a:r>
-            <a:r>
-              <a:rPr lang="en-US" dirty="0" err="1">
-                <a:latin typeface="Courier New" panose="02070309020205020404" pitchFamily="49" charset="0"/>
-                <a:cs typeface="Courier New" panose="02070309020205020404" pitchFamily="49" charset="0"/>
-              </a:rPr>
-              <a:t>printf</a:t>
-            </a:r>
-            <a:r>
-              <a:rPr lang="en-US" dirty="0">
-                <a:latin typeface="Courier New" panose="02070309020205020404" pitchFamily="49" charset="0"/>
-                <a:cs typeface="Courier New" panose="02070309020205020404" pitchFamily="49" charset="0"/>
-              </a:rPr>
-              <a:t>("Minimum %d\n", </a:t>
-            </a:r>
-            <a:r>
-              <a:rPr lang="en-US" dirty="0" err="1">
-                <a:latin typeface="Courier New" panose="02070309020205020404" pitchFamily="49" charset="0"/>
-                <a:cs typeface="Courier New" panose="02070309020205020404" pitchFamily="49" charset="0"/>
-              </a:rPr>
-              <a:t>minval</a:t>
-            </a:r>
-            <a:r>
-              <a:rPr lang="en-US" dirty="0">
-                <a:latin typeface="Courier New" panose="02070309020205020404" pitchFamily="49" charset="0"/>
-                <a:cs typeface="Courier New" panose="02070309020205020404" pitchFamily="49" charset="0"/>
-              </a:rPr>
-              <a:t>);</a:t>
-            </a:r>
-          </a:p>
-          <a:p>
-            <a:r>
-              <a:rPr lang="en-US" dirty="0">
+              <a:rPr lang="en-US" sz="1600" dirty="0">
                 <a:latin typeface="Courier New" panose="02070309020205020404" pitchFamily="49" charset="0"/>
                 <a:cs typeface="Courier New" panose="02070309020205020404" pitchFamily="49" charset="0"/>
               </a:rPr>
@@ -7340,8 +7154,8 @@
         </p:nvSpPr>
         <p:spPr>
           <a:xfrm>
-            <a:off x="2253614" y="1690688"/>
-            <a:ext cx="1425390" cy="3693319"/>
+            <a:off x="1086295" y="2534055"/>
+            <a:ext cx="5009705" cy="2308324"/>
           </a:xfrm>
           <a:prstGeom prst="rect">
             <a:avLst/>
@@ -7358,6 +7172,22 @@
               <a:rPr lang="en-US" dirty="0">
                 <a:latin typeface="Monaco" pitchFamily="2" charset="77"/>
               </a:rPr>
+              <a:t>warning: this program uses gets(), </a:t>
+            </a:r>
+          </a:p>
+          <a:p>
+            <a:r>
+              <a:rPr lang="en-US" dirty="0">
+                <a:latin typeface="Monaco" pitchFamily="2" charset="77"/>
+              </a:rPr>
+              <a:t>  which is unsafe.</a:t>
+            </a:r>
+          </a:p>
+          <a:p>
+            <a:r>
+              <a:rPr lang="en-US" dirty="0">
+                <a:latin typeface="Monaco" pitchFamily="2" charset="77"/>
+              </a:rPr>
               <a:t>5</a:t>
             </a:r>
           </a:p>
@@ -7382,54 +7212,7 @@
               <a:rPr lang="en-US" dirty="0">
                 <a:latin typeface="Monaco" pitchFamily="2" charset="77"/>
               </a:rPr>
-              <a:t>(EOF)</a:t>
-            </a:r>
-          </a:p>
-          <a:p>
-            <a:r>
-              <a:rPr lang="en-US" dirty="0">
-                <a:latin typeface="Monaco" pitchFamily="2" charset="77"/>
-              </a:rPr>
-              <a:t>Maximum 9</a:t>
-            </a:r>
-          </a:p>
-          <a:p>
-            <a:r>
-              <a:rPr lang="en-US" dirty="0">
-                <a:latin typeface="Monaco" pitchFamily="2" charset="77"/>
-              </a:rPr>
-              <a:t>Minimum 2</a:t>
-            </a:r>
-          </a:p>
-          <a:p>
-            <a:endParaRPr lang="en-US" dirty="0">
-              <a:latin typeface="Monaco" pitchFamily="2" charset="77"/>
-            </a:endParaRPr>
-          </a:p>
-          <a:p>
-            <a:endParaRPr lang="en-US" dirty="0">
-              <a:latin typeface="Monaco" pitchFamily="2" charset="77"/>
-            </a:endParaRPr>
-          </a:p>
-          <a:p>
-            <a:endParaRPr lang="en-US" dirty="0">
-              <a:latin typeface="Monaco" pitchFamily="2" charset="77"/>
-            </a:endParaRPr>
-          </a:p>
-          <a:p>
-            <a:r>
-              <a:rPr lang="en-US" dirty="0">
-                <a:latin typeface="Monaco" pitchFamily="2" charset="77"/>
-              </a:rPr>
-              <a:t>5 2 9</a:t>
-            </a:r>
-          </a:p>
-          <a:p>
-            <a:r>
-              <a:rPr lang="en-US" dirty="0">
-                <a:latin typeface="Monaco" pitchFamily="2" charset="77"/>
-              </a:rPr>
-              <a:t>(EOF)</a:t>
+              <a:t>done</a:t>
             </a:r>
           </a:p>
           <a:p>
@@ -7455,7 +7238,7 @@
           <p:cNvPr id="6" name="TextBox 5">
             <a:extLst>
               <a:ext uri="{FF2B5EF4-FFF2-40B4-BE49-F238E27FC236}">
-                <a16:creationId xmlns:a16="http://schemas.microsoft.com/office/drawing/2014/main" id="{DA1DE167-0E6E-B081-0CCE-F2ADE4702860}"/>
+                <a16:creationId xmlns:a16="http://schemas.microsoft.com/office/drawing/2014/main" id="{A854214C-9B57-45D9-2941-E5D785607661}"/>
               </a:ext>
             </a:extLst>
           </p:cNvPr>
@@ -7464,8 +7247,8 @@
         </p:nvSpPr>
         <p:spPr>
           <a:xfrm>
-            <a:off x="10363200" y="6323598"/>
-            <a:ext cx="1697181" cy="338554"/>
+            <a:off x="10508673" y="6323598"/>
+            <a:ext cx="1413163" cy="338554"/>
           </a:xfrm>
           <a:prstGeom prst="rect">
             <a:avLst/>
@@ -7486,7 +7269,7 @@
                 <a:effectLst/>
                 <a:latin typeface="Menlo" panose="020B0609030804020204" pitchFamily="49" charset="0"/>
               </a:rPr>
-              <a:t>cc_02_08_b.c</a:t>
+              <a:t>cc_02_08.c</a:t>
             </a:r>
           </a:p>
         </p:txBody>
@@ -7494,7 +7277,7 @@
     </p:spTree>
     <p:extLst>
       <p:ext uri="{BB962C8B-B14F-4D97-AF65-F5344CB8AC3E}">
-        <p14:creationId xmlns:p14="http://schemas.microsoft.com/office/powerpoint/2010/main" val="2735925725"/>
+        <p14:creationId xmlns:p14="http://schemas.microsoft.com/office/powerpoint/2010/main" val="4109945481"/>
       </p:ext>
     </p:extLst>
   </p:cSld>
@@ -7544,7 +7327,7 @@
           <a:p>
             <a:r>
               <a:rPr lang="en-US" dirty="0"/>
-              <a:t>Guessing</a:t>
+              <a:t>Max / Min v2</a:t>
             </a:r>
           </a:p>
         </p:txBody>
@@ -7563,8 +7346,8 @@
         </p:nvSpPr>
         <p:spPr>
           <a:xfrm>
-            <a:off x="316833" y="1659285"/>
-            <a:ext cx="4998484" cy="3539430"/>
+            <a:off x="5144352" y="638845"/>
+            <a:ext cx="6388287" cy="5632311"/>
           </a:xfrm>
           <a:prstGeom prst="rect">
             <a:avLst/>
@@ -7578,180 +7361,494 @@
           <a:lstStyle/>
           <a:p>
             <a:r>
-              <a:rPr lang="en-US" sz="1600" dirty="0">
-                <a:latin typeface="Courier New" panose="02070309020205020404" pitchFamily="49" charset="0"/>
-                <a:cs typeface="Courier New" panose="02070309020205020404" pitchFamily="49" charset="0"/>
-              </a:rPr>
-              <a:t>while True:</a:t>
-            </a:r>
-          </a:p>
-          <a:p>
-            <a:r>
-              <a:rPr lang="en-US" sz="1600" dirty="0">
-                <a:latin typeface="Courier New" panose="02070309020205020404" pitchFamily="49" charset="0"/>
-                <a:cs typeface="Courier New" panose="02070309020205020404" pitchFamily="49" charset="0"/>
-              </a:rPr>
-              <a:t>    try:</a:t>
-            </a:r>
-          </a:p>
-          <a:p>
-            <a:r>
-              <a:rPr lang="en-US" sz="1600" dirty="0">
-                <a:latin typeface="Courier New" panose="02070309020205020404" pitchFamily="49" charset="0"/>
-                <a:cs typeface="Courier New" panose="02070309020205020404" pitchFamily="49" charset="0"/>
-              </a:rPr>
-              <a:t>        line = input()</a:t>
-            </a:r>
-          </a:p>
-          <a:p>
-            <a:r>
-              <a:rPr lang="en-US" sz="1600" dirty="0">
-                <a:latin typeface="Courier New" panose="02070309020205020404" pitchFamily="49" charset="0"/>
-                <a:cs typeface="Courier New" panose="02070309020205020404" pitchFamily="49" charset="0"/>
-              </a:rPr>
-              <a:t>    except:  # If we get EOF</a:t>
-            </a:r>
-          </a:p>
-          <a:p>
-            <a:r>
-              <a:rPr lang="en-US" sz="1600" dirty="0">
-                <a:latin typeface="Courier New" panose="02070309020205020404" pitchFamily="49" charset="0"/>
-                <a:cs typeface="Courier New" panose="02070309020205020404" pitchFamily="49" charset="0"/>
-              </a:rPr>
-              <a:t>        break</a:t>
-            </a:r>
-          </a:p>
-          <a:p>
-            <a:r>
-              <a:rPr lang="en-US" sz="1600" dirty="0">
-                <a:latin typeface="Courier New" panose="02070309020205020404" pitchFamily="49" charset="0"/>
-                <a:cs typeface="Courier New" panose="02070309020205020404" pitchFamily="49" charset="0"/>
-              </a:rPr>
-              <a:t>    line = </a:t>
-            </a:r>
-            <a:r>
-              <a:rPr lang="en-US" sz="1600" dirty="0" err="1">
-                <a:latin typeface="Courier New" panose="02070309020205020404" pitchFamily="49" charset="0"/>
-                <a:cs typeface="Courier New" panose="02070309020205020404" pitchFamily="49" charset="0"/>
-              </a:rPr>
-              <a:t>line.strip</a:t>
-            </a:r>
-            <a:r>
-              <a:rPr lang="en-US" sz="1600" dirty="0">
-                <a:latin typeface="Courier New" panose="02070309020205020404" pitchFamily="49" charset="0"/>
-                <a:cs typeface="Courier New" panose="02070309020205020404" pitchFamily="49" charset="0"/>
-              </a:rPr>
-              <a:t>()</a:t>
-            </a:r>
-          </a:p>
-          <a:p>
-            <a:r>
-              <a:rPr lang="en-US" sz="1600" dirty="0">
-                <a:latin typeface="Courier New" panose="02070309020205020404" pitchFamily="49" charset="0"/>
-                <a:cs typeface="Courier New" panose="02070309020205020404" pitchFamily="49" charset="0"/>
-              </a:rPr>
-              <a:t>    guess = int(line)</a:t>
-            </a:r>
-          </a:p>
-          <a:p>
-            <a:r>
-              <a:rPr lang="en-US" sz="1600" dirty="0">
-                <a:latin typeface="Courier New" panose="02070309020205020404" pitchFamily="49" charset="0"/>
-                <a:cs typeface="Courier New" panose="02070309020205020404" pitchFamily="49" charset="0"/>
-              </a:rPr>
-              <a:t>    if guess == 42:</a:t>
-            </a:r>
-          </a:p>
-          <a:p>
-            <a:r>
-              <a:rPr lang="en-US" sz="1600" dirty="0">
-                <a:latin typeface="Courier New" panose="02070309020205020404" pitchFamily="49" charset="0"/>
-                <a:cs typeface="Courier New" panose="02070309020205020404" pitchFamily="49" charset="0"/>
-              </a:rPr>
-              <a:t>        print('Nice work!')</a:t>
-            </a:r>
-          </a:p>
-          <a:p>
-            <a:r>
-              <a:rPr lang="en-US" sz="1600" dirty="0">
-                <a:latin typeface="Courier New" panose="02070309020205020404" pitchFamily="49" charset="0"/>
-                <a:cs typeface="Courier New" panose="02070309020205020404" pitchFamily="49" charset="0"/>
-              </a:rPr>
-              <a:t>        break</a:t>
-            </a:r>
-          </a:p>
-          <a:p>
-            <a:r>
-              <a:rPr lang="en-US" sz="1600" dirty="0">
+              <a:rPr lang="en-US" dirty="0">
+                <a:latin typeface="Courier New" panose="02070309020205020404" pitchFamily="49" charset="0"/>
+                <a:cs typeface="Courier New" panose="02070309020205020404" pitchFamily="49" charset="0"/>
+              </a:rPr>
+              <a:t>#include &lt;</a:t>
+            </a:r>
+            <a:r>
+              <a:rPr lang="en-US" dirty="0" err="1">
+                <a:latin typeface="Courier New" panose="02070309020205020404" pitchFamily="49" charset="0"/>
+                <a:cs typeface="Courier New" panose="02070309020205020404" pitchFamily="49" charset="0"/>
+              </a:rPr>
+              <a:t>stdio.h</a:t>
+            </a:r>
+            <a:r>
+              <a:rPr lang="en-US" dirty="0">
+                <a:latin typeface="Courier New" panose="02070309020205020404" pitchFamily="49" charset="0"/>
+                <a:cs typeface="Courier New" panose="02070309020205020404" pitchFamily="49" charset="0"/>
+              </a:rPr>
+              <a:t>&gt;</a:t>
+            </a:r>
+          </a:p>
+          <a:p>
+            <a:endParaRPr lang="en-US" dirty="0">
+              <a:latin typeface="Courier New" panose="02070309020205020404" pitchFamily="49" charset="0"/>
+              <a:cs typeface="Courier New" panose="02070309020205020404" pitchFamily="49" charset="0"/>
+            </a:endParaRPr>
+          </a:p>
+          <a:p>
+            <a:r>
+              <a:rPr lang="en-US" dirty="0">
+                <a:latin typeface="Courier New" panose="02070309020205020404" pitchFamily="49" charset="0"/>
+                <a:cs typeface="Courier New" panose="02070309020205020404" pitchFamily="49" charset="0"/>
+              </a:rPr>
+              <a:t>int main() {</a:t>
+            </a:r>
+          </a:p>
+          <a:p>
+            <a:r>
+              <a:rPr lang="en-US" dirty="0">
+                <a:latin typeface="Courier New" panose="02070309020205020404" pitchFamily="49" charset="0"/>
+                <a:cs typeface="Courier New" panose="02070309020205020404" pitchFamily="49" charset="0"/>
+              </a:rPr>
+              <a:t>    int first = 1;</a:t>
+            </a:r>
+          </a:p>
+          <a:p>
+            <a:r>
+              <a:rPr lang="en-US" dirty="0">
+                <a:latin typeface="Courier New" panose="02070309020205020404" pitchFamily="49" charset="0"/>
+                <a:cs typeface="Courier New" panose="02070309020205020404" pitchFamily="49" charset="0"/>
+              </a:rPr>
+              <a:t>    int </a:t>
+            </a:r>
+            <a:r>
+              <a:rPr lang="en-US" dirty="0" err="1">
+                <a:latin typeface="Courier New" panose="02070309020205020404" pitchFamily="49" charset="0"/>
+                <a:cs typeface="Courier New" panose="02070309020205020404" pitchFamily="49" charset="0"/>
+              </a:rPr>
+              <a:t>val</a:t>
+            </a:r>
+            <a:r>
+              <a:rPr lang="en-US" dirty="0">
+                <a:latin typeface="Courier New" panose="02070309020205020404" pitchFamily="49" charset="0"/>
+                <a:cs typeface="Courier New" panose="02070309020205020404" pitchFamily="49" charset="0"/>
+              </a:rPr>
+              <a:t>, </a:t>
+            </a:r>
+            <a:r>
+              <a:rPr lang="en-US" dirty="0" err="1">
+                <a:latin typeface="Courier New" panose="02070309020205020404" pitchFamily="49" charset="0"/>
+                <a:cs typeface="Courier New" panose="02070309020205020404" pitchFamily="49" charset="0"/>
+              </a:rPr>
+              <a:t>maxval</a:t>
+            </a:r>
+            <a:r>
+              <a:rPr lang="en-US" dirty="0">
+                <a:latin typeface="Courier New" panose="02070309020205020404" pitchFamily="49" charset="0"/>
+                <a:cs typeface="Courier New" panose="02070309020205020404" pitchFamily="49" charset="0"/>
+              </a:rPr>
+              <a:t>, </a:t>
+            </a:r>
+            <a:r>
+              <a:rPr lang="en-US" dirty="0" err="1">
+                <a:latin typeface="Courier New" panose="02070309020205020404" pitchFamily="49" charset="0"/>
+                <a:cs typeface="Courier New" panose="02070309020205020404" pitchFamily="49" charset="0"/>
+              </a:rPr>
+              <a:t>minval</a:t>
+            </a:r>
+            <a:r>
+              <a:rPr lang="en-US" dirty="0">
+                <a:latin typeface="Courier New" panose="02070309020205020404" pitchFamily="49" charset="0"/>
+                <a:cs typeface="Courier New" panose="02070309020205020404" pitchFamily="49" charset="0"/>
+              </a:rPr>
+              <a:t>;</a:t>
+            </a:r>
+          </a:p>
+          <a:p>
+            <a:endParaRPr lang="en-US" dirty="0">
+              <a:latin typeface="Courier New" panose="02070309020205020404" pitchFamily="49" charset="0"/>
+              <a:cs typeface="Courier New" panose="02070309020205020404" pitchFamily="49" charset="0"/>
+            </a:endParaRPr>
+          </a:p>
+          <a:p>
+            <a:r>
+              <a:rPr lang="en-US" dirty="0">
+                <a:latin typeface="Courier New" panose="02070309020205020404" pitchFamily="49" charset="0"/>
+                <a:cs typeface="Courier New" panose="02070309020205020404" pitchFamily="49" charset="0"/>
+              </a:rPr>
+              <a:t>    while(</a:t>
+            </a:r>
+            <a:r>
+              <a:rPr lang="en-US" dirty="0" err="1">
+                <a:latin typeface="Courier New" panose="02070309020205020404" pitchFamily="49" charset="0"/>
+                <a:cs typeface="Courier New" panose="02070309020205020404" pitchFamily="49" charset="0"/>
+              </a:rPr>
+              <a:t>scanf</a:t>
+            </a:r>
+            <a:r>
+              <a:rPr lang="en-US" dirty="0">
+                <a:latin typeface="Courier New" panose="02070309020205020404" pitchFamily="49" charset="0"/>
+                <a:cs typeface="Courier New" panose="02070309020205020404" pitchFamily="49" charset="0"/>
+              </a:rPr>
+              <a:t>("%d",&amp;</a:t>
+            </a:r>
+            <a:r>
+              <a:rPr lang="en-US" dirty="0" err="1">
+                <a:latin typeface="Courier New" panose="02070309020205020404" pitchFamily="49" charset="0"/>
+                <a:cs typeface="Courier New" panose="02070309020205020404" pitchFamily="49" charset="0"/>
+              </a:rPr>
+              <a:t>val</a:t>
+            </a:r>
+            <a:r>
+              <a:rPr lang="en-US" dirty="0">
+                <a:latin typeface="Courier New" panose="02070309020205020404" pitchFamily="49" charset="0"/>
+                <a:cs typeface="Courier New" panose="02070309020205020404" pitchFamily="49" charset="0"/>
+              </a:rPr>
+              <a:t>) != EOF ) {</a:t>
+            </a:r>
+          </a:p>
+          <a:p>
+            <a:r>
+              <a:rPr lang="en-US" dirty="0">
+                <a:latin typeface="Courier New" panose="02070309020205020404" pitchFamily="49" charset="0"/>
+                <a:cs typeface="Courier New" panose="02070309020205020404" pitchFamily="49" charset="0"/>
+              </a:rPr>
+              <a:t>        if ( first ) {</a:t>
+            </a:r>
+          </a:p>
+          <a:p>
+            <a:r>
+              <a:rPr lang="en-US" dirty="0">
+                <a:latin typeface="Courier New" panose="02070309020205020404" pitchFamily="49" charset="0"/>
+                <a:cs typeface="Courier New" panose="02070309020205020404" pitchFamily="49" charset="0"/>
+              </a:rPr>
+              <a:t>            </a:t>
+            </a:r>
+            <a:r>
+              <a:rPr lang="en-US" dirty="0" err="1">
+                <a:latin typeface="Courier New" panose="02070309020205020404" pitchFamily="49" charset="0"/>
+                <a:cs typeface="Courier New" panose="02070309020205020404" pitchFamily="49" charset="0"/>
+              </a:rPr>
+              <a:t>maxval</a:t>
+            </a:r>
+            <a:r>
+              <a:rPr lang="en-US" dirty="0">
+                <a:latin typeface="Courier New" panose="02070309020205020404" pitchFamily="49" charset="0"/>
+                <a:cs typeface="Courier New" panose="02070309020205020404" pitchFamily="49" charset="0"/>
+              </a:rPr>
+              <a:t> = </a:t>
+            </a:r>
+            <a:r>
+              <a:rPr lang="en-US" dirty="0" err="1">
+                <a:latin typeface="Courier New" panose="02070309020205020404" pitchFamily="49" charset="0"/>
+                <a:cs typeface="Courier New" panose="02070309020205020404" pitchFamily="49" charset="0"/>
+              </a:rPr>
+              <a:t>val</a:t>
+            </a:r>
+            <a:r>
+              <a:rPr lang="en-US" dirty="0">
+                <a:latin typeface="Courier New" panose="02070309020205020404" pitchFamily="49" charset="0"/>
+                <a:cs typeface="Courier New" panose="02070309020205020404" pitchFamily="49" charset="0"/>
+              </a:rPr>
+              <a:t>;</a:t>
+            </a:r>
+          </a:p>
+          <a:p>
+            <a:r>
+              <a:rPr lang="en-US" dirty="0">
+                <a:latin typeface="Courier New" panose="02070309020205020404" pitchFamily="49" charset="0"/>
+                <a:cs typeface="Courier New" panose="02070309020205020404" pitchFamily="49" charset="0"/>
+              </a:rPr>
+              <a:t>            </a:t>
+            </a:r>
+            <a:r>
+              <a:rPr lang="en-US" dirty="0" err="1">
+                <a:latin typeface="Courier New" panose="02070309020205020404" pitchFamily="49" charset="0"/>
+                <a:cs typeface="Courier New" panose="02070309020205020404" pitchFamily="49" charset="0"/>
+              </a:rPr>
+              <a:t>minval</a:t>
+            </a:r>
+            <a:r>
+              <a:rPr lang="en-US" dirty="0">
+                <a:latin typeface="Courier New" panose="02070309020205020404" pitchFamily="49" charset="0"/>
+                <a:cs typeface="Courier New" panose="02070309020205020404" pitchFamily="49" charset="0"/>
+              </a:rPr>
+              <a:t> = </a:t>
+            </a:r>
+            <a:r>
+              <a:rPr lang="en-US" dirty="0" err="1">
+                <a:latin typeface="Courier New" panose="02070309020205020404" pitchFamily="49" charset="0"/>
+                <a:cs typeface="Courier New" panose="02070309020205020404" pitchFamily="49" charset="0"/>
+              </a:rPr>
+              <a:t>val</a:t>
+            </a:r>
+            <a:r>
+              <a:rPr lang="en-US" dirty="0">
+                <a:latin typeface="Courier New" panose="02070309020205020404" pitchFamily="49" charset="0"/>
+                <a:cs typeface="Courier New" panose="02070309020205020404" pitchFamily="49" charset="0"/>
+              </a:rPr>
+              <a:t>;</a:t>
+            </a:r>
+          </a:p>
+          <a:p>
+            <a:r>
+              <a:rPr lang="en-US" dirty="0">
+                <a:latin typeface="Courier New" panose="02070309020205020404" pitchFamily="49" charset="0"/>
+                <a:cs typeface="Courier New" panose="02070309020205020404" pitchFamily="49" charset="0"/>
+              </a:rPr>
+              <a:t>            first = 0;</a:t>
+            </a:r>
+          </a:p>
+          <a:p>
+            <a:r>
+              <a:rPr lang="en-US" dirty="0">
+                <a:latin typeface="Courier New" panose="02070309020205020404" pitchFamily="49" charset="0"/>
+                <a:cs typeface="Courier New" panose="02070309020205020404" pitchFamily="49" charset="0"/>
+              </a:rPr>
+              <a:t>        } else {</a:t>
+            </a:r>
+          </a:p>
+          <a:p>
+            <a:r>
+              <a:rPr lang="en-US" dirty="0">
+                <a:latin typeface="Courier New" panose="02070309020205020404" pitchFamily="49" charset="0"/>
+                <a:cs typeface="Courier New" panose="02070309020205020404" pitchFamily="49" charset="0"/>
+              </a:rPr>
+              <a:t>            if ( </a:t>
+            </a:r>
+            <a:r>
+              <a:rPr lang="en-US" dirty="0" err="1">
+                <a:latin typeface="Courier New" panose="02070309020205020404" pitchFamily="49" charset="0"/>
+                <a:cs typeface="Courier New" panose="02070309020205020404" pitchFamily="49" charset="0"/>
+              </a:rPr>
+              <a:t>val</a:t>
+            </a:r>
+            <a:r>
+              <a:rPr lang="en-US" dirty="0">
+                <a:latin typeface="Courier New" panose="02070309020205020404" pitchFamily="49" charset="0"/>
+                <a:cs typeface="Courier New" panose="02070309020205020404" pitchFamily="49" charset="0"/>
+              </a:rPr>
+              <a:t> &gt; </a:t>
+            </a:r>
+            <a:r>
+              <a:rPr lang="en-US" dirty="0" err="1">
+                <a:latin typeface="Courier New" panose="02070309020205020404" pitchFamily="49" charset="0"/>
+                <a:cs typeface="Courier New" panose="02070309020205020404" pitchFamily="49" charset="0"/>
+              </a:rPr>
+              <a:t>maxval</a:t>
+            </a:r>
+            <a:r>
+              <a:rPr lang="en-US" dirty="0">
+                <a:latin typeface="Courier New" panose="02070309020205020404" pitchFamily="49" charset="0"/>
+                <a:cs typeface="Courier New" panose="02070309020205020404" pitchFamily="49" charset="0"/>
+              </a:rPr>
+              <a:t> ) </a:t>
+            </a:r>
+            <a:r>
+              <a:rPr lang="en-US" dirty="0" err="1">
+                <a:latin typeface="Courier New" panose="02070309020205020404" pitchFamily="49" charset="0"/>
+                <a:cs typeface="Courier New" panose="02070309020205020404" pitchFamily="49" charset="0"/>
+              </a:rPr>
+              <a:t>maxval</a:t>
+            </a:r>
+            <a:r>
+              <a:rPr lang="en-US" dirty="0">
+                <a:latin typeface="Courier New" panose="02070309020205020404" pitchFamily="49" charset="0"/>
+                <a:cs typeface="Courier New" panose="02070309020205020404" pitchFamily="49" charset="0"/>
+              </a:rPr>
+              <a:t> = </a:t>
+            </a:r>
+            <a:r>
+              <a:rPr lang="en-US" dirty="0" err="1">
+                <a:latin typeface="Courier New" panose="02070309020205020404" pitchFamily="49" charset="0"/>
+                <a:cs typeface="Courier New" panose="02070309020205020404" pitchFamily="49" charset="0"/>
+              </a:rPr>
+              <a:t>val</a:t>
+            </a:r>
+            <a:r>
+              <a:rPr lang="en-US" dirty="0">
+                <a:latin typeface="Courier New" panose="02070309020205020404" pitchFamily="49" charset="0"/>
+                <a:cs typeface="Courier New" panose="02070309020205020404" pitchFamily="49" charset="0"/>
+              </a:rPr>
+              <a:t>;</a:t>
+            </a:r>
+          </a:p>
+          <a:p>
+            <a:r>
+              <a:rPr lang="en-US" dirty="0">
+                <a:latin typeface="Courier New" panose="02070309020205020404" pitchFamily="49" charset="0"/>
+                <a:cs typeface="Courier New" panose="02070309020205020404" pitchFamily="49" charset="0"/>
+              </a:rPr>
+              <a:t>            if ( </a:t>
+            </a:r>
+            <a:r>
+              <a:rPr lang="en-US" dirty="0" err="1">
+                <a:latin typeface="Courier New" panose="02070309020205020404" pitchFamily="49" charset="0"/>
+                <a:cs typeface="Courier New" panose="02070309020205020404" pitchFamily="49" charset="0"/>
+              </a:rPr>
+              <a:t>val</a:t>
+            </a:r>
+            <a:r>
+              <a:rPr lang="en-US" dirty="0">
+                <a:latin typeface="Courier New" panose="02070309020205020404" pitchFamily="49" charset="0"/>
+                <a:cs typeface="Courier New" panose="02070309020205020404" pitchFamily="49" charset="0"/>
+              </a:rPr>
+              <a:t> &lt; </a:t>
+            </a:r>
+            <a:r>
+              <a:rPr lang="en-US" dirty="0" err="1">
+                <a:latin typeface="Courier New" panose="02070309020205020404" pitchFamily="49" charset="0"/>
+                <a:cs typeface="Courier New" panose="02070309020205020404" pitchFamily="49" charset="0"/>
+              </a:rPr>
+              <a:t>minval</a:t>
+            </a:r>
+            <a:r>
+              <a:rPr lang="en-US" dirty="0">
+                <a:latin typeface="Courier New" panose="02070309020205020404" pitchFamily="49" charset="0"/>
+                <a:cs typeface="Courier New" panose="02070309020205020404" pitchFamily="49" charset="0"/>
+              </a:rPr>
+              <a:t> ) </a:t>
+            </a:r>
+            <a:r>
+              <a:rPr lang="en-US" dirty="0" err="1">
+                <a:latin typeface="Courier New" panose="02070309020205020404" pitchFamily="49" charset="0"/>
+                <a:cs typeface="Courier New" panose="02070309020205020404" pitchFamily="49" charset="0"/>
+              </a:rPr>
+              <a:t>minval</a:t>
+            </a:r>
+            <a:r>
+              <a:rPr lang="en-US" dirty="0">
+                <a:latin typeface="Courier New" panose="02070309020205020404" pitchFamily="49" charset="0"/>
+                <a:cs typeface="Courier New" panose="02070309020205020404" pitchFamily="49" charset="0"/>
+              </a:rPr>
+              <a:t> = </a:t>
+            </a:r>
+            <a:r>
+              <a:rPr lang="en-US" dirty="0" err="1">
+                <a:latin typeface="Courier New" panose="02070309020205020404" pitchFamily="49" charset="0"/>
+                <a:cs typeface="Courier New" panose="02070309020205020404" pitchFamily="49" charset="0"/>
+              </a:rPr>
+              <a:t>val</a:t>
+            </a:r>
+            <a:r>
+              <a:rPr lang="en-US" dirty="0">
+                <a:latin typeface="Courier New" panose="02070309020205020404" pitchFamily="49" charset="0"/>
+                <a:cs typeface="Courier New" panose="02070309020205020404" pitchFamily="49" charset="0"/>
+              </a:rPr>
+              <a:t>;</a:t>
+            </a:r>
+          </a:p>
+          <a:p>
+            <a:r>
+              <a:rPr lang="en-US" dirty="0">
+                <a:latin typeface="Courier New" panose="02070309020205020404" pitchFamily="49" charset="0"/>
+                <a:cs typeface="Courier New" panose="02070309020205020404" pitchFamily="49" charset="0"/>
+              </a:rPr>
+              <a:t>        }</a:t>
+            </a:r>
+          </a:p>
+          <a:p>
+            <a:r>
+              <a:rPr lang="en-US" dirty="0">
+                <a:latin typeface="Courier New" panose="02070309020205020404" pitchFamily="49" charset="0"/>
+                <a:cs typeface="Courier New" panose="02070309020205020404" pitchFamily="49" charset="0"/>
+              </a:rPr>
+              <a:t>    }</a:t>
+            </a:r>
+          </a:p>
+          <a:p>
+            <a:r>
+              <a:rPr lang="en-US" dirty="0">
+                <a:latin typeface="Courier New" panose="02070309020205020404" pitchFamily="49" charset="0"/>
+                <a:cs typeface="Courier New" panose="02070309020205020404" pitchFamily="49" charset="0"/>
+              </a:rPr>
+              <a:t>        </a:t>
+            </a:r>
+          </a:p>
+          <a:p>
+            <a:r>
+              <a:rPr lang="en-US" dirty="0">
                 <a:latin typeface="Courier New" panose="02070309020205020404" pitchFamily="49" charset="0"/>
                 <a:cs typeface="Courier New" panose="02070309020205020404" pitchFamily="49" charset="0"/>
               </a:rPr>
               <a:t>    </a:t>
             </a:r>
             <a:r>
-              <a:rPr lang="en-US" sz="1600" dirty="0" err="1">
-                <a:latin typeface="Courier New" panose="02070309020205020404" pitchFamily="49" charset="0"/>
-                <a:cs typeface="Courier New" panose="02070309020205020404" pitchFamily="49" charset="0"/>
-              </a:rPr>
-              <a:t>elif</a:t>
-            </a:r>
-            <a:r>
-              <a:rPr lang="en-US" sz="1600" dirty="0">
-                <a:latin typeface="Courier New" panose="02070309020205020404" pitchFamily="49" charset="0"/>
-                <a:cs typeface="Courier New" panose="02070309020205020404" pitchFamily="49" charset="0"/>
-              </a:rPr>
-              <a:t> guess &lt; 42 : </a:t>
-            </a:r>
-          </a:p>
-          <a:p>
-            <a:r>
-              <a:rPr lang="en-US" sz="1600" dirty="0">
-                <a:latin typeface="Courier New" panose="02070309020205020404" pitchFamily="49" charset="0"/>
-                <a:cs typeface="Courier New" panose="02070309020205020404" pitchFamily="49" charset="0"/>
-              </a:rPr>
-              <a:t>        print('Too low - guess again')</a:t>
-            </a:r>
-          </a:p>
-          <a:p>
-            <a:r>
-              <a:rPr lang="en-US" sz="1600" dirty="0">
-                <a:latin typeface="Courier New" panose="02070309020205020404" pitchFamily="49" charset="0"/>
-                <a:cs typeface="Courier New" panose="02070309020205020404" pitchFamily="49" charset="0"/>
-              </a:rPr>
-              <a:t>    else :</a:t>
-            </a:r>
-          </a:p>
-          <a:p>
-            <a:r>
-              <a:rPr lang="en-US" sz="1600" dirty="0">
-                <a:latin typeface="Courier New" panose="02070309020205020404" pitchFamily="49" charset="0"/>
-                <a:cs typeface="Courier New" panose="02070309020205020404" pitchFamily="49" charset="0"/>
-              </a:rPr>
-              <a:t>        print('Too </a:t>
-            </a:r>
-            <a:r>
-              <a:rPr lang="en-US" sz="1600">
-                <a:latin typeface="Courier New" panose="02070309020205020404" pitchFamily="49" charset="0"/>
-                <a:cs typeface="Courier New" panose="02070309020205020404" pitchFamily="49" charset="0"/>
-              </a:rPr>
-              <a:t>high - guess </a:t>
-            </a:r>
-            <a:r>
-              <a:rPr lang="en-US" sz="1600" dirty="0">
-                <a:latin typeface="Courier New" panose="02070309020205020404" pitchFamily="49" charset="0"/>
-                <a:cs typeface="Courier New" panose="02070309020205020404" pitchFamily="49" charset="0"/>
-              </a:rPr>
-              <a:t>again')</a:t>
+              <a:rPr lang="en-US" dirty="0" err="1">
+                <a:latin typeface="Courier New" panose="02070309020205020404" pitchFamily="49" charset="0"/>
+                <a:cs typeface="Courier New" panose="02070309020205020404" pitchFamily="49" charset="0"/>
+              </a:rPr>
+              <a:t>printf</a:t>
+            </a:r>
+            <a:r>
+              <a:rPr lang="en-US" dirty="0">
+                <a:latin typeface="Courier New" panose="02070309020205020404" pitchFamily="49" charset="0"/>
+                <a:cs typeface="Courier New" panose="02070309020205020404" pitchFamily="49" charset="0"/>
+              </a:rPr>
+              <a:t>("Maximum %d\n", </a:t>
+            </a:r>
+            <a:r>
+              <a:rPr lang="en-US" dirty="0" err="1">
+                <a:latin typeface="Courier New" panose="02070309020205020404" pitchFamily="49" charset="0"/>
+                <a:cs typeface="Courier New" panose="02070309020205020404" pitchFamily="49" charset="0"/>
+              </a:rPr>
+              <a:t>maxval</a:t>
+            </a:r>
+            <a:r>
+              <a:rPr lang="en-US" dirty="0">
+                <a:latin typeface="Courier New" panose="02070309020205020404" pitchFamily="49" charset="0"/>
+                <a:cs typeface="Courier New" panose="02070309020205020404" pitchFamily="49" charset="0"/>
+              </a:rPr>
+              <a:t>);</a:t>
+            </a:r>
+          </a:p>
+          <a:p>
+            <a:r>
+              <a:rPr lang="en-US" dirty="0">
+                <a:latin typeface="Courier New" panose="02070309020205020404" pitchFamily="49" charset="0"/>
+                <a:cs typeface="Courier New" panose="02070309020205020404" pitchFamily="49" charset="0"/>
+              </a:rPr>
+              <a:t>    </a:t>
+            </a:r>
+            <a:r>
+              <a:rPr lang="en-US" dirty="0" err="1">
+                <a:latin typeface="Courier New" panose="02070309020205020404" pitchFamily="49" charset="0"/>
+                <a:cs typeface="Courier New" panose="02070309020205020404" pitchFamily="49" charset="0"/>
+              </a:rPr>
+              <a:t>printf</a:t>
+            </a:r>
+            <a:r>
+              <a:rPr lang="en-US" dirty="0">
+                <a:latin typeface="Courier New" panose="02070309020205020404" pitchFamily="49" charset="0"/>
+                <a:cs typeface="Courier New" panose="02070309020205020404" pitchFamily="49" charset="0"/>
+              </a:rPr>
+              <a:t>("Minimum %d\n", </a:t>
+            </a:r>
+            <a:r>
+              <a:rPr lang="en-US" dirty="0" err="1">
+                <a:latin typeface="Courier New" panose="02070309020205020404" pitchFamily="49" charset="0"/>
+                <a:cs typeface="Courier New" panose="02070309020205020404" pitchFamily="49" charset="0"/>
+              </a:rPr>
+              <a:t>minval</a:t>
+            </a:r>
+            <a:r>
+              <a:rPr lang="en-US" dirty="0">
+                <a:latin typeface="Courier New" panose="02070309020205020404" pitchFamily="49" charset="0"/>
+                <a:cs typeface="Courier New" panose="02070309020205020404" pitchFamily="49" charset="0"/>
+              </a:rPr>
+              <a:t>);</a:t>
+            </a:r>
+          </a:p>
+          <a:p>
+            <a:r>
+              <a:rPr lang="en-US" dirty="0">
+                <a:latin typeface="Courier New" panose="02070309020205020404" pitchFamily="49" charset="0"/>
+                <a:cs typeface="Courier New" panose="02070309020205020404" pitchFamily="49" charset="0"/>
+              </a:rPr>
+              <a:t>}</a:t>
             </a:r>
           </a:p>
         </p:txBody>
       </p:sp>
       <p:sp>
         <p:nvSpPr>
-          <p:cNvPr id="6" name="TextBox 5">
+          <p:cNvPr id="7" name="TextBox 6">
             <a:extLst>
               <a:ext uri="{FF2B5EF4-FFF2-40B4-BE49-F238E27FC236}">
-                <a16:creationId xmlns:a16="http://schemas.microsoft.com/office/drawing/2014/main" id="{C004B7C8-BBD4-1EE7-3894-3C801D6DC253}"/>
+                <a16:creationId xmlns:a16="http://schemas.microsoft.com/office/drawing/2014/main" id="{03B4458A-37BA-02AB-CE8C-B288D36FE6BF}"/>
               </a:ext>
             </a:extLst>
           </p:cNvPr>
@@ -7760,8 +7857,8 @@
         </p:nvSpPr>
         <p:spPr>
           <a:xfrm>
-            <a:off x="5713253" y="766733"/>
-            <a:ext cx="5985934" cy="3539430"/>
+            <a:off x="2253614" y="1690688"/>
+            <a:ext cx="1425390" cy="3693319"/>
           </a:xfrm>
           <a:prstGeom prst="rect">
             <a:avLst/>
@@ -7775,222 +7872,107 @@
           <a:lstStyle/>
           <a:p>
             <a:r>
-              <a:rPr lang="en-US" sz="1600" dirty="0">
-                <a:latin typeface="Courier New" panose="02070309020205020404" pitchFamily="49" charset="0"/>
-                <a:cs typeface="Courier New" panose="02070309020205020404" pitchFamily="49" charset="0"/>
-              </a:rPr>
-              <a:t>#include &lt;</a:t>
-            </a:r>
-            <a:r>
-              <a:rPr lang="en-US" sz="1600" dirty="0" err="1">
-                <a:latin typeface="Courier New" panose="02070309020205020404" pitchFamily="49" charset="0"/>
-                <a:cs typeface="Courier New" panose="02070309020205020404" pitchFamily="49" charset="0"/>
-              </a:rPr>
-              <a:t>stdio.h</a:t>
-            </a:r>
-            <a:r>
-              <a:rPr lang="en-US" sz="1600" dirty="0">
-                <a:latin typeface="Courier New" panose="02070309020205020404" pitchFamily="49" charset="0"/>
-                <a:cs typeface="Courier New" panose="02070309020205020404" pitchFamily="49" charset="0"/>
-              </a:rPr>
-              <a:t>&gt;</a:t>
-            </a:r>
-          </a:p>
-          <a:p>
-            <a:r>
-              <a:rPr lang="en-US" sz="1600" dirty="0">
-                <a:latin typeface="Courier New" panose="02070309020205020404" pitchFamily="49" charset="0"/>
-                <a:cs typeface="Courier New" panose="02070309020205020404" pitchFamily="49" charset="0"/>
-              </a:rPr>
-              <a:t>int main() {</a:t>
-            </a:r>
-          </a:p>
-          <a:p>
-            <a:r>
-              <a:rPr lang="en-US" sz="1600" dirty="0">
-                <a:latin typeface="Courier New" panose="02070309020205020404" pitchFamily="49" charset="0"/>
-                <a:cs typeface="Courier New" panose="02070309020205020404" pitchFamily="49" charset="0"/>
-              </a:rPr>
-              <a:t>    int guess;</a:t>
-            </a:r>
-          </a:p>
-          <a:p>
-            <a:r>
-              <a:rPr lang="en-US" sz="1600" dirty="0">
-                <a:latin typeface="Courier New" panose="02070309020205020404" pitchFamily="49" charset="0"/>
-                <a:cs typeface="Courier New" panose="02070309020205020404" pitchFamily="49" charset="0"/>
-              </a:rPr>
-              <a:t>    while(</a:t>
-            </a:r>
-            <a:r>
-              <a:rPr lang="en-US" sz="1600" dirty="0" err="1">
-                <a:latin typeface="Courier New" panose="02070309020205020404" pitchFamily="49" charset="0"/>
-                <a:cs typeface="Courier New" panose="02070309020205020404" pitchFamily="49" charset="0"/>
-              </a:rPr>
-              <a:t>scanf</a:t>
-            </a:r>
-            <a:r>
-              <a:rPr lang="en-US" sz="1600" dirty="0">
-                <a:latin typeface="Courier New" panose="02070309020205020404" pitchFamily="49" charset="0"/>
-                <a:cs typeface="Courier New" panose="02070309020205020404" pitchFamily="49" charset="0"/>
-              </a:rPr>
-              <a:t>("%</a:t>
-            </a:r>
-            <a:r>
-              <a:rPr lang="en-US" sz="1600" dirty="0" err="1">
-                <a:latin typeface="Courier New" panose="02070309020205020404" pitchFamily="49" charset="0"/>
-                <a:cs typeface="Courier New" panose="02070309020205020404" pitchFamily="49" charset="0"/>
-              </a:rPr>
-              <a:t>d",&amp;guess</a:t>
-            </a:r>
-            <a:r>
-              <a:rPr lang="en-US" sz="1600" dirty="0">
-                <a:latin typeface="Courier New" panose="02070309020205020404" pitchFamily="49" charset="0"/>
-                <a:cs typeface="Courier New" panose="02070309020205020404" pitchFamily="49" charset="0"/>
-              </a:rPr>
-              <a:t>) != EOF ) {</a:t>
-            </a:r>
-          </a:p>
-          <a:p>
-            <a:r>
-              <a:rPr lang="en-US" sz="1600" dirty="0">
-                <a:latin typeface="Courier New" panose="02070309020205020404" pitchFamily="49" charset="0"/>
-                <a:cs typeface="Courier New" panose="02070309020205020404" pitchFamily="49" charset="0"/>
-              </a:rPr>
-              <a:t>        if ( guess == 42 ) {</a:t>
-            </a:r>
-          </a:p>
-          <a:p>
-            <a:r>
-              <a:rPr lang="en-US" sz="1600" dirty="0">
-                <a:latin typeface="Courier New" panose="02070309020205020404" pitchFamily="49" charset="0"/>
-                <a:cs typeface="Courier New" panose="02070309020205020404" pitchFamily="49" charset="0"/>
-              </a:rPr>
-              <a:t>            </a:t>
-            </a:r>
-            <a:r>
-              <a:rPr lang="en-US" sz="1600" dirty="0" err="1">
-                <a:latin typeface="Courier New" panose="02070309020205020404" pitchFamily="49" charset="0"/>
-                <a:cs typeface="Courier New" panose="02070309020205020404" pitchFamily="49" charset="0"/>
-              </a:rPr>
-              <a:t>printf</a:t>
-            </a:r>
-            <a:r>
-              <a:rPr lang="en-US" sz="1600" dirty="0">
-                <a:latin typeface="Courier New" panose="02070309020205020404" pitchFamily="49" charset="0"/>
-                <a:cs typeface="Courier New" panose="02070309020205020404" pitchFamily="49" charset="0"/>
-              </a:rPr>
-              <a:t>("Nice work!\n");</a:t>
-            </a:r>
-          </a:p>
-          <a:p>
-            <a:r>
-              <a:rPr lang="en-US" sz="1600" dirty="0">
-                <a:latin typeface="Courier New" panose="02070309020205020404" pitchFamily="49" charset="0"/>
-                <a:cs typeface="Courier New" panose="02070309020205020404" pitchFamily="49" charset="0"/>
-              </a:rPr>
-              <a:t>            break;</a:t>
-            </a:r>
-          </a:p>
-          <a:p>
-            <a:r>
-              <a:rPr lang="en-US" sz="1600" dirty="0">
-                <a:latin typeface="Courier New" panose="02070309020205020404" pitchFamily="49" charset="0"/>
-                <a:cs typeface="Courier New" panose="02070309020205020404" pitchFamily="49" charset="0"/>
-              </a:rPr>
-              <a:t>        }</a:t>
-            </a:r>
-          </a:p>
-          <a:p>
-            <a:r>
-              <a:rPr lang="en-US" sz="1600" dirty="0">
-                <a:latin typeface="Courier New" panose="02070309020205020404" pitchFamily="49" charset="0"/>
-                <a:cs typeface="Courier New" panose="02070309020205020404" pitchFamily="49" charset="0"/>
-              </a:rPr>
-              <a:t>        else if ( guess &lt; 42 ) </a:t>
-            </a:r>
-          </a:p>
-          <a:p>
-            <a:r>
-              <a:rPr lang="en-US" sz="1600" dirty="0">
-                <a:latin typeface="Courier New" panose="02070309020205020404" pitchFamily="49" charset="0"/>
-                <a:cs typeface="Courier New" panose="02070309020205020404" pitchFamily="49" charset="0"/>
-              </a:rPr>
-              <a:t>            </a:t>
-            </a:r>
-            <a:r>
-              <a:rPr lang="en-US" sz="1600" dirty="0" err="1">
-                <a:latin typeface="Courier New" panose="02070309020205020404" pitchFamily="49" charset="0"/>
-                <a:cs typeface="Courier New" panose="02070309020205020404" pitchFamily="49" charset="0"/>
-              </a:rPr>
-              <a:t>printf</a:t>
-            </a:r>
-            <a:r>
-              <a:rPr lang="en-US" sz="1600" dirty="0">
-                <a:latin typeface="Courier New" panose="02070309020205020404" pitchFamily="49" charset="0"/>
-                <a:cs typeface="Courier New" panose="02070309020205020404" pitchFamily="49" charset="0"/>
-              </a:rPr>
-              <a:t>("Too low - guess again\n");</a:t>
-            </a:r>
-          </a:p>
-          <a:p>
-            <a:r>
-              <a:rPr lang="en-US" sz="1600" dirty="0">
-                <a:latin typeface="Courier New" panose="02070309020205020404" pitchFamily="49" charset="0"/>
-                <a:cs typeface="Courier New" panose="02070309020205020404" pitchFamily="49" charset="0"/>
-              </a:rPr>
-              <a:t>        else</a:t>
-            </a:r>
-          </a:p>
-          <a:p>
-            <a:r>
-              <a:rPr lang="en-US" sz="1600" dirty="0">
-                <a:latin typeface="Courier New" panose="02070309020205020404" pitchFamily="49" charset="0"/>
-                <a:cs typeface="Courier New" panose="02070309020205020404" pitchFamily="49" charset="0"/>
-              </a:rPr>
-              <a:t>            </a:t>
-            </a:r>
-            <a:r>
-              <a:rPr lang="en-US" sz="1600" dirty="0" err="1">
-                <a:latin typeface="Courier New" panose="02070309020205020404" pitchFamily="49" charset="0"/>
-                <a:cs typeface="Courier New" panose="02070309020205020404" pitchFamily="49" charset="0"/>
-              </a:rPr>
-              <a:t>printf</a:t>
-            </a:r>
-            <a:r>
-              <a:rPr lang="en-US" sz="1600" dirty="0">
-                <a:latin typeface="Courier New" panose="02070309020205020404" pitchFamily="49" charset="0"/>
-                <a:cs typeface="Courier New" panose="02070309020205020404" pitchFamily="49" charset="0"/>
-              </a:rPr>
-              <a:t>("Too high - guess again\n");</a:t>
-            </a:r>
-          </a:p>
-          <a:p>
-            <a:r>
-              <a:rPr lang="en-US" sz="1600" dirty="0">
-                <a:latin typeface="Courier New" panose="02070309020205020404" pitchFamily="49" charset="0"/>
-                <a:cs typeface="Courier New" panose="02070309020205020404" pitchFamily="49" charset="0"/>
-              </a:rPr>
-              <a:t>    }</a:t>
-            </a:r>
-          </a:p>
-          <a:p>
-            <a:r>
-              <a:rPr lang="en-US" sz="1600" dirty="0">
-                <a:latin typeface="Courier New" panose="02070309020205020404" pitchFamily="49" charset="0"/>
-                <a:cs typeface="Courier New" panose="02070309020205020404" pitchFamily="49" charset="0"/>
-              </a:rPr>
-              <a:t>} </a:t>
+              <a:rPr lang="en-US" dirty="0">
+                <a:latin typeface="Monaco" pitchFamily="2" charset="77"/>
+              </a:rPr>
+              <a:t>5</a:t>
+            </a:r>
+          </a:p>
+          <a:p>
+            <a:r>
+              <a:rPr lang="en-US" dirty="0">
+                <a:latin typeface="Monaco" pitchFamily="2" charset="77"/>
+              </a:rPr>
+              <a:t>2</a:t>
+            </a:r>
+          </a:p>
+          <a:p>
+            <a:r>
+              <a:rPr lang="en-US" dirty="0">
+                <a:latin typeface="Monaco" pitchFamily="2" charset="77"/>
+              </a:rPr>
+              <a:t>9</a:t>
+            </a:r>
+          </a:p>
+          <a:p>
+            <a:r>
+              <a:rPr lang="en-US" dirty="0">
+                <a:latin typeface="Monaco" pitchFamily="2" charset="77"/>
+              </a:rPr>
+              <a:t>(EOF)</a:t>
+            </a:r>
+          </a:p>
+          <a:p>
+            <a:r>
+              <a:rPr lang="en-US" dirty="0">
+                <a:latin typeface="Monaco" pitchFamily="2" charset="77"/>
+              </a:rPr>
+              <a:t>Maximum 9</a:t>
+            </a:r>
+          </a:p>
+          <a:p>
+            <a:r>
+              <a:rPr lang="en-US" dirty="0">
+                <a:latin typeface="Monaco" pitchFamily="2" charset="77"/>
+              </a:rPr>
+              <a:t>Minimum 2</a:t>
+            </a:r>
+          </a:p>
+          <a:p>
+            <a:endParaRPr lang="en-US" dirty="0">
+              <a:latin typeface="Monaco" pitchFamily="2" charset="77"/>
+            </a:endParaRPr>
+          </a:p>
+          <a:p>
+            <a:endParaRPr lang="en-US" dirty="0">
+              <a:latin typeface="Monaco" pitchFamily="2" charset="77"/>
+            </a:endParaRPr>
+          </a:p>
+          <a:p>
+            <a:endParaRPr lang="en-US" dirty="0">
+              <a:latin typeface="Monaco" pitchFamily="2" charset="77"/>
+            </a:endParaRPr>
+          </a:p>
+          <a:p>
+            <a:r>
+              <a:rPr lang="en-US" dirty="0">
+                <a:latin typeface="Monaco" pitchFamily="2" charset="77"/>
+              </a:rPr>
+              <a:t>5 2 9</a:t>
+            </a:r>
+          </a:p>
+          <a:p>
+            <a:r>
+              <a:rPr lang="en-US" dirty="0">
+                <a:latin typeface="Monaco" pitchFamily="2" charset="77"/>
+              </a:rPr>
+              <a:t>(EOF)</a:t>
+            </a:r>
+          </a:p>
+          <a:p>
+            <a:r>
+              <a:rPr lang="en-US" dirty="0">
+                <a:latin typeface="Monaco" pitchFamily="2" charset="77"/>
+              </a:rPr>
+              <a:t>Maximum 9</a:t>
+            </a:r>
+          </a:p>
+          <a:p>
+            <a:r>
+              <a:rPr lang="en-US" dirty="0">
+                <a:latin typeface="Monaco" pitchFamily="2" charset="77"/>
+              </a:rPr>
+              <a:t>Minimum 2</a:t>
             </a:r>
           </a:p>
         </p:txBody>
       </p:sp>
       <p:sp>
         <p:nvSpPr>
-          <p:cNvPr id="7" name="TextBox 6">
+          <p:cNvPr id="6" name="TextBox 5">
             <a:extLst>
               <a:ext uri="{FF2B5EF4-FFF2-40B4-BE49-F238E27FC236}">
-                <a16:creationId xmlns:a16="http://schemas.microsoft.com/office/drawing/2014/main" id="{03B4458A-37BA-02AB-CE8C-B288D36FE6BF}"/>
+                <a16:creationId xmlns:a16="http://schemas.microsoft.com/office/drawing/2014/main" id="{DA1DE167-0E6E-B081-0CCE-F2ADE4702860}"/>
               </a:ext>
             </a:extLst>
           </p:cNvPr>
@@ -7999,85 +7981,8 @@
         </p:nvSpPr>
         <p:spPr>
           <a:xfrm>
-            <a:off x="7648259" y="4501661"/>
-            <a:ext cx="3217547" cy="1754326"/>
-          </a:xfrm>
-          <a:prstGeom prst="rect">
-            <a:avLst/>
-          </a:prstGeom>
-          <a:noFill/>
-        </p:spPr>
-        <p:txBody>
-          <a:bodyPr wrap="none" rtlCol="0">
-            <a:spAutoFit/>
-          </a:bodyPr>
-          <a:lstStyle/>
-          <a:p>
-            <a:r>
-              <a:rPr lang="en-US" dirty="0">
-                <a:latin typeface="Monaco" pitchFamily="2" charset="77"/>
-              </a:rPr>
-              <a:t>5</a:t>
-            </a:r>
-          </a:p>
-          <a:p>
-            <a:r>
-              <a:rPr lang="en-US" dirty="0">
-                <a:latin typeface="Monaco" pitchFamily="2" charset="77"/>
-              </a:rPr>
-              <a:t>Too low - guess again</a:t>
-            </a:r>
-          </a:p>
-          <a:p>
-            <a:r>
-              <a:rPr lang="en-US" dirty="0">
-                <a:latin typeface="Monaco" pitchFamily="2" charset="77"/>
-              </a:rPr>
-              <a:t>50</a:t>
-            </a:r>
-          </a:p>
-          <a:p>
-            <a:r>
-              <a:rPr lang="en-US" dirty="0">
-                <a:latin typeface="Monaco" pitchFamily="2" charset="77"/>
-              </a:rPr>
-              <a:t>Too high - guess again</a:t>
-            </a:r>
-          </a:p>
-          <a:p>
-            <a:r>
-              <a:rPr lang="en-US" dirty="0">
-                <a:latin typeface="Monaco" pitchFamily="2" charset="77"/>
-              </a:rPr>
-              <a:t>42</a:t>
-            </a:r>
-          </a:p>
-          <a:p>
-            <a:r>
-              <a:rPr lang="en-US" dirty="0">
-                <a:latin typeface="Monaco" pitchFamily="2" charset="77"/>
-              </a:rPr>
-              <a:t>Nice work!</a:t>
-            </a:r>
-          </a:p>
-        </p:txBody>
-      </p:sp>
-      <p:sp>
-        <p:nvSpPr>
-          <p:cNvPr id="8" name="TextBox 7">
-            <a:extLst>
-              <a:ext uri="{FF2B5EF4-FFF2-40B4-BE49-F238E27FC236}">
-                <a16:creationId xmlns:a16="http://schemas.microsoft.com/office/drawing/2014/main" id="{D56035B7-27F7-E969-9952-F807B645317D}"/>
-              </a:ext>
-            </a:extLst>
-          </p:cNvPr>
-          <p:cNvSpPr txBox="1"/>
-          <p:nvPr/>
-        </p:nvSpPr>
-        <p:spPr>
-          <a:xfrm>
-            <a:off x="10647218" y="6323598"/>
-            <a:ext cx="1413163" cy="338554"/>
+            <a:off x="10363200" y="6323598"/>
+            <a:ext cx="1697181" cy="338554"/>
           </a:xfrm>
           <a:prstGeom prst="rect">
             <a:avLst/>
@@ -8098,7 +8003,7 @@
                 <a:effectLst/>
                 <a:latin typeface="Menlo" panose="020B0609030804020204" pitchFamily="49" charset="0"/>
               </a:rPr>
-              <a:t>cc_02_09.c</a:t>
+              <a:t>cc_02_08_b.c</a:t>
             </a:r>
           </a:p>
         </p:txBody>
@@ -8106,7 +8011,7 @@
     </p:spTree>
     <p:extLst>
       <p:ext uri="{BB962C8B-B14F-4D97-AF65-F5344CB8AC3E}">
-        <p14:creationId xmlns:p14="http://schemas.microsoft.com/office/powerpoint/2010/main" val="688616102"/>
+        <p14:creationId xmlns:p14="http://schemas.microsoft.com/office/powerpoint/2010/main" val="2735925725"/>
       </p:ext>
     </p:extLst>
   </p:cSld>
@@ -8156,7 +8061,7 @@
           <a:p>
             <a:r>
               <a:rPr lang="en-US" dirty="0"/>
-              <a:t>Functions (call by value)</a:t>
+              <a:t>Guessing</a:t>
             </a:r>
           </a:p>
         </p:txBody>
@@ -8175,8 +8080,8 @@
         </p:nvSpPr>
         <p:spPr>
           <a:xfrm>
-            <a:off x="1302384" y="1968844"/>
-            <a:ext cx="3493264" cy="1754326"/>
+            <a:off x="316833" y="1659285"/>
+            <a:ext cx="4998484" cy="3539430"/>
           </a:xfrm>
           <a:prstGeom prst="rect">
             <a:avLst/>
@@ -8190,116 +8095,170 @@
           <a:lstStyle/>
           <a:p>
             <a:r>
-              <a:rPr lang="en-US" dirty="0">
-                <a:latin typeface="Courier New" panose="02070309020205020404" pitchFamily="49" charset="0"/>
-                <a:cs typeface="Courier New" panose="02070309020205020404" pitchFamily="49" charset="0"/>
-              </a:rPr>
-              <a:t>def </a:t>
-            </a:r>
-            <a:r>
-              <a:rPr lang="en-US" dirty="0" err="1">
-                <a:latin typeface="Courier New" panose="02070309020205020404" pitchFamily="49" charset="0"/>
-                <a:cs typeface="Courier New" panose="02070309020205020404" pitchFamily="49" charset="0"/>
-              </a:rPr>
-              <a:t>mymult</a:t>
-            </a:r>
-            <a:r>
-              <a:rPr lang="en-US" dirty="0">
-                <a:latin typeface="Courier New" panose="02070309020205020404" pitchFamily="49" charset="0"/>
-                <a:cs typeface="Courier New" panose="02070309020205020404" pitchFamily="49" charset="0"/>
-              </a:rPr>
-              <a:t>(</a:t>
-            </a:r>
-            <a:r>
-              <a:rPr lang="en-US" dirty="0" err="1">
-                <a:latin typeface="Courier New" panose="02070309020205020404" pitchFamily="49" charset="0"/>
-                <a:cs typeface="Courier New" panose="02070309020205020404" pitchFamily="49" charset="0"/>
-              </a:rPr>
-              <a:t>a,b</a:t>
-            </a:r>
-            <a:r>
-              <a:rPr lang="en-US" dirty="0">
-                <a:latin typeface="Courier New" panose="02070309020205020404" pitchFamily="49" charset="0"/>
-                <a:cs typeface="Courier New" panose="02070309020205020404" pitchFamily="49" charset="0"/>
-              </a:rPr>
-              <a:t>):</a:t>
-            </a:r>
-          </a:p>
-          <a:p>
-            <a:r>
-              <a:rPr lang="en-US" dirty="0">
-                <a:latin typeface="Courier New" panose="02070309020205020404" pitchFamily="49" charset="0"/>
-                <a:cs typeface="Courier New" panose="02070309020205020404" pitchFamily="49" charset="0"/>
-              </a:rPr>
-              <a:t>    c = a * b</a:t>
-            </a:r>
-          </a:p>
-          <a:p>
-            <a:r>
-              <a:rPr lang="en-US" dirty="0">
-                <a:latin typeface="Courier New" panose="02070309020205020404" pitchFamily="49" charset="0"/>
-                <a:cs typeface="Courier New" panose="02070309020205020404" pitchFamily="49" charset="0"/>
-              </a:rPr>
-              <a:t>    return c</a:t>
-            </a:r>
-          </a:p>
-          <a:p>
-            <a:endParaRPr lang="en-US" dirty="0">
-              <a:latin typeface="Courier New" panose="02070309020205020404" pitchFamily="49" charset="0"/>
-              <a:cs typeface="Courier New" panose="02070309020205020404" pitchFamily="49" charset="0"/>
-            </a:endParaRPr>
-          </a:p>
-          <a:p>
-            <a:r>
-              <a:rPr lang="en-US" dirty="0" err="1">
-                <a:latin typeface="Courier New" panose="02070309020205020404" pitchFamily="49" charset="0"/>
-                <a:cs typeface="Courier New" panose="02070309020205020404" pitchFamily="49" charset="0"/>
-              </a:rPr>
-              <a:t>retval</a:t>
-            </a:r>
-            <a:r>
-              <a:rPr lang="en-US" dirty="0">
-                <a:latin typeface="Courier New" panose="02070309020205020404" pitchFamily="49" charset="0"/>
-                <a:cs typeface="Courier New" panose="02070309020205020404" pitchFamily="49" charset="0"/>
-              </a:rPr>
-              <a:t> = </a:t>
-            </a:r>
-            <a:r>
-              <a:rPr lang="en-US" dirty="0" err="1">
-                <a:latin typeface="Courier New" panose="02070309020205020404" pitchFamily="49" charset="0"/>
-                <a:cs typeface="Courier New" panose="02070309020205020404" pitchFamily="49" charset="0"/>
-              </a:rPr>
-              <a:t>mymult</a:t>
-            </a:r>
-            <a:r>
-              <a:rPr lang="en-US" dirty="0">
-                <a:latin typeface="Courier New" panose="02070309020205020404" pitchFamily="49" charset="0"/>
-                <a:cs typeface="Courier New" panose="02070309020205020404" pitchFamily="49" charset="0"/>
-              </a:rPr>
-              <a:t>(6, 7)</a:t>
-            </a:r>
-          </a:p>
-          <a:p>
-            <a:r>
-              <a:rPr lang="en-US" dirty="0">
-                <a:latin typeface="Courier New" panose="02070309020205020404" pitchFamily="49" charset="0"/>
-                <a:cs typeface="Courier New" panose="02070309020205020404" pitchFamily="49" charset="0"/>
-              </a:rPr>
-              <a:t>print('Answer:', </a:t>
-            </a:r>
-            <a:r>
-              <a:rPr lang="en-US" dirty="0" err="1">
-                <a:latin typeface="Courier New" panose="02070309020205020404" pitchFamily="49" charset="0"/>
-                <a:cs typeface="Courier New" panose="02070309020205020404" pitchFamily="49" charset="0"/>
-              </a:rPr>
-              <a:t>retval</a:t>
-            </a:r>
-            <a:r>
-              <a:rPr lang="en-US" dirty="0">
-                <a:latin typeface="Courier New" panose="02070309020205020404" pitchFamily="49" charset="0"/>
-                <a:cs typeface="Courier New" panose="02070309020205020404" pitchFamily="49" charset="0"/>
-              </a:rPr>
-              <a:t>)</a:t>
+              <a:rPr lang="en-US" sz="1600" dirty="0">
+                <a:latin typeface="Courier New" panose="02070309020205020404" pitchFamily="49" charset="0"/>
+                <a:cs typeface="Courier New" panose="02070309020205020404" pitchFamily="49" charset="0"/>
+              </a:rPr>
+              <a:t>while True:</a:t>
+            </a:r>
+          </a:p>
+          <a:p>
+            <a:r>
+              <a:rPr lang="en-US" sz="1600" dirty="0">
+                <a:latin typeface="Courier New" panose="02070309020205020404" pitchFamily="49" charset="0"/>
+                <a:cs typeface="Courier New" panose="02070309020205020404" pitchFamily="49" charset="0"/>
+              </a:rPr>
+              <a:t>    try:</a:t>
+            </a:r>
+          </a:p>
+          <a:p>
+            <a:r>
+              <a:rPr lang="en-US" sz="1600" dirty="0">
+                <a:latin typeface="Courier New" panose="02070309020205020404" pitchFamily="49" charset="0"/>
+                <a:cs typeface="Courier New" panose="02070309020205020404" pitchFamily="49" charset="0"/>
+              </a:rPr>
+              <a:t>        line = input()</a:t>
+            </a:r>
+          </a:p>
+          <a:p>
+            <a:r>
+              <a:rPr lang="en-US" sz="1600" dirty="0">
+                <a:latin typeface="Courier New" panose="02070309020205020404" pitchFamily="49" charset="0"/>
+                <a:cs typeface="Courier New" panose="02070309020205020404" pitchFamily="49" charset="0"/>
+              </a:rPr>
+              <a:t>    except:  # If we get EOF</a:t>
+            </a:r>
+          </a:p>
+          <a:p>
+            <a:r>
+              <a:rPr lang="en-US" sz="1600" dirty="0">
+                <a:latin typeface="Courier New" panose="02070309020205020404" pitchFamily="49" charset="0"/>
+                <a:cs typeface="Courier New" panose="02070309020205020404" pitchFamily="49" charset="0"/>
+              </a:rPr>
+              <a:t>        break</a:t>
+            </a:r>
+          </a:p>
+          <a:p>
+            <a:r>
+              <a:rPr lang="en-US" sz="1600" dirty="0">
+                <a:latin typeface="Courier New" panose="02070309020205020404" pitchFamily="49" charset="0"/>
+                <a:cs typeface="Courier New" panose="02070309020205020404" pitchFamily="49" charset="0"/>
+              </a:rPr>
+              <a:t>    line = </a:t>
+            </a:r>
+            <a:r>
+              <a:rPr lang="en-US" sz="1600" dirty="0" err="1">
+                <a:latin typeface="Courier New" panose="02070309020205020404" pitchFamily="49" charset="0"/>
+                <a:cs typeface="Courier New" panose="02070309020205020404" pitchFamily="49" charset="0"/>
+              </a:rPr>
+              <a:t>line.strip</a:t>
+            </a:r>
+            <a:r>
+              <a:rPr lang="en-US" sz="1600" dirty="0">
+                <a:latin typeface="Courier New" panose="02070309020205020404" pitchFamily="49" charset="0"/>
+                <a:cs typeface="Courier New" panose="02070309020205020404" pitchFamily="49" charset="0"/>
+              </a:rPr>
+              <a:t>()</a:t>
+            </a:r>
+          </a:p>
+          <a:p>
+            <a:r>
+              <a:rPr lang="en-US" sz="1600" dirty="0">
+                <a:latin typeface="Courier New" panose="02070309020205020404" pitchFamily="49" charset="0"/>
+                <a:cs typeface="Courier New" panose="02070309020205020404" pitchFamily="49" charset="0"/>
+              </a:rPr>
+              <a:t>    guess = int(line)</a:t>
+            </a:r>
+          </a:p>
+          <a:p>
+            <a:r>
+              <a:rPr lang="en-US" sz="1600" dirty="0">
+                <a:latin typeface="Courier New" panose="02070309020205020404" pitchFamily="49" charset="0"/>
+                <a:cs typeface="Courier New" panose="02070309020205020404" pitchFamily="49" charset="0"/>
+              </a:rPr>
+              <a:t>    if guess == 42:</a:t>
+            </a:r>
+          </a:p>
+          <a:p>
+            <a:r>
+              <a:rPr lang="en-US" sz="1600" dirty="0">
+                <a:latin typeface="Courier New" panose="02070309020205020404" pitchFamily="49" charset="0"/>
+                <a:cs typeface="Courier New" panose="02070309020205020404" pitchFamily="49" charset="0"/>
+              </a:rPr>
+              <a:t>        print('Nice work!')</a:t>
+            </a:r>
+          </a:p>
+          <a:p>
+            <a:r>
+              <a:rPr lang="en-US" sz="1600" dirty="0">
+                <a:latin typeface="Courier New" panose="02070309020205020404" pitchFamily="49" charset="0"/>
+                <a:cs typeface="Courier New" panose="02070309020205020404" pitchFamily="49" charset="0"/>
+              </a:rPr>
+              <a:t>        break</a:t>
+            </a:r>
+          </a:p>
+          <a:p>
+            <a:r>
+              <a:rPr lang="en-US" sz="1600" dirty="0">
+                <a:latin typeface="Courier New" panose="02070309020205020404" pitchFamily="49" charset="0"/>
+                <a:cs typeface="Courier New" panose="02070309020205020404" pitchFamily="49" charset="0"/>
+              </a:rPr>
+              <a:t>    </a:t>
+            </a:r>
+            <a:r>
+              <a:rPr lang="en-US" sz="1600" dirty="0" err="1">
+                <a:latin typeface="Courier New" panose="02070309020205020404" pitchFamily="49" charset="0"/>
+                <a:cs typeface="Courier New" panose="02070309020205020404" pitchFamily="49" charset="0"/>
+              </a:rPr>
+              <a:t>elif</a:t>
+            </a:r>
+            <a:r>
+              <a:rPr lang="en-US" sz="1600" dirty="0">
+                <a:latin typeface="Courier New" panose="02070309020205020404" pitchFamily="49" charset="0"/>
+                <a:cs typeface="Courier New" panose="02070309020205020404" pitchFamily="49" charset="0"/>
+              </a:rPr>
+              <a:t> guess &lt; 42 : </a:t>
+            </a:r>
+          </a:p>
+          <a:p>
+            <a:r>
+              <a:rPr lang="en-US" sz="1600" dirty="0">
+                <a:latin typeface="Courier New" panose="02070309020205020404" pitchFamily="49" charset="0"/>
+                <a:cs typeface="Courier New" panose="02070309020205020404" pitchFamily="49" charset="0"/>
+              </a:rPr>
+              <a:t>        print('Too low - guess again')</a:t>
+            </a:r>
+          </a:p>
+          <a:p>
+            <a:r>
+              <a:rPr lang="en-US" sz="1600" dirty="0">
+                <a:latin typeface="Courier New" panose="02070309020205020404" pitchFamily="49" charset="0"/>
+                <a:cs typeface="Courier New" panose="02070309020205020404" pitchFamily="49" charset="0"/>
+              </a:rPr>
+              <a:t>    else :</a:t>
+            </a:r>
+          </a:p>
+          <a:p>
+            <a:r>
+              <a:rPr lang="en-US" sz="1600" dirty="0">
+                <a:latin typeface="Courier New" panose="02070309020205020404" pitchFamily="49" charset="0"/>
+                <a:cs typeface="Courier New" panose="02070309020205020404" pitchFamily="49" charset="0"/>
+              </a:rPr>
+              <a:t>        print('Too </a:t>
+            </a:r>
+            <a:r>
+              <a:rPr lang="en-US" sz="1600">
+                <a:latin typeface="Courier New" panose="02070309020205020404" pitchFamily="49" charset="0"/>
+                <a:cs typeface="Courier New" panose="02070309020205020404" pitchFamily="49" charset="0"/>
+              </a:rPr>
+              <a:t>high - guess </a:t>
+            </a:r>
+            <a:r>
+              <a:rPr lang="en-US" sz="1600" dirty="0">
+                <a:latin typeface="Courier New" panose="02070309020205020404" pitchFamily="49" charset="0"/>
+                <a:cs typeface="Courier New" panose="02070309020205020404" pitchFamily="49" charset="0"/>
+              </a:rPr>
+              <a:t>again')</a:t>
             </a:r>
           </a:p>
         </p:txBody>
@@ -8318,8 +8277,8 @@
         </p:nvSpPr>
         <p:spPr>
           <a:xfrm>
-            <a:off x="7081134" y="1599512"/>
-            <a:ext cx="4871847" cy="4247317"/>
+            <a:off x="5713253" y="766733"/>
+            <a:ext cx="5985934" cy="3539430"/>
           </a:xfrm>
           <a:prstGeom prst="rect">
             <a:avLst/>
@@ -8333,21 +8292,21 @@
           <a:lstStyle/>
           <a:p>
             <a:r>
-              <a:rPr lang="en-US" dirty="0">
+              <a:rPr lang="en-US" sz="1600" dirty="0">
                 <a:latin typeface="Courier New" panose="02070309020205020404" pitchFamily="49" charset="0"/>
                 <a:cs typeface="Courier New" panose="02070309020205020404" pitchFamily="49" charset="0"/>
               </a:rPr>
               <a:t>#include &lt;</a:t>
             </a:r>
             <a:r>
-              <a:rPr lang="en-US" dirty="0" err="1">
+              <a:rPr lang="en-US" sz="1600" dirty="0" err="1">
                 <a:latin typeface="Courier New" panose="02070309020205020404" pitchFamily="49" charset="0"/>
                 <a:cs typeface="Courier New" panose="02070309020205020404" pitchFamily="49" charset="0"/>
               </a:rPr>
               <a:t>stdio.h</a:t>
             </a:r>
             <a:r>
-              <a:rPr lang="en-US" dirty="0">
+              <a:rPr lang="en-US" sz="1600" dirty="0">
                 <a:latin typeface="Courier New" panose="02070309020205020404" pitchFamily="49" charset="0"/>
                 <a:cs typeface="Courier New" panose="02070309020205020404" pitchFamily="49" charset="0"/>
               </a:rPr>
@@ -8356,7 +8315,7 @@
           </a:p>
           <a:p>
             <a:r>
-              <a:rPr lang="en-US" dirty="0">
+              <a:rPr lang="en-US" sz="1600" dirty="0">
                 <a:latin typeface="Courier New" panose="02070309020205020404" pitchFamily="49" charset="0"/>
                 <a:cs typeface="Courier New" panose="02070309020205020404" pitchFamily="49" charset="0"/>
               </a:rPr>
@@ -8365,225 +8324,180 @@
           </a:p>
           <a:p>
             <a:r>
-              <a:rPr lang="en-US" dirty="0">
-                <a:latin typeface="Courier New" panose="02070309020205020404" pitchFamily="49" charset="0"/>
-                <a:cs typeface="Courier New" panose="02070309020205020404" pitchFamily="49" charset="0"/>
-              </a:rPr>
-              <a:t>    int </a:t>
-            </a:r>
-            <a:r>
-              <a:rPr lang="en-US" dirty="0" err="1">
-                <a:latin typeface="Courier New" panose="02070309020205020404" pitchFamily="49" charset="0"/>
-                <a:cs typeface="Courier New" panose="02070309020205020404" pitchFamily="49" charset="0"/>
-              </a:rPr>
-              <a:t>mymult</a:t>
-            </a:r>
-            <a:r>
-              <a:rPr lang="en-US" dirty="0">
-                <a:latin typeface="Courier New" panose="02070309020205020404" pitchFamily="49" charset="0"/>
-                <a:cs typeface="Courier New" panose="02070309020205020404" pitchFamily="49" charset="0"/>
-              </a:rPr>
-              <a:t>(); </a:t>
-            </a:r>
-          </a:p>
-          <a:p>
-            <a:r>
-              <a:rPr lang="en-US" dirty="0">
-                <a:latin typeface="Courier New" panose="02070309020205020404" pitchFamily="49" charset="0"/>
-                <a:cs typeface="Courier New" panose="02070309020205020404" pitchFamily="49" charset="0"/>
-              </a:rPr>
-              <a:t>    int </a:t>
-            </a:r>
-            <a:r>
-              <a:rPr lang="en-US" dirty="0" err="1">
-                <a:latin typeface="Courier New" panose="02070309020205020404" pitchFamily="49" charset="0"/>
-                <a:cs typeface="Courier New" panose="02070309020205020404" pitchFamily="49" charset="0"/>
-              </a:rPr>
-              <a:t>retval</a:t>
-            </a:r>
-            <a:r>
-              <a:rPr lang="en-US" dirty="0">
-                <a:latin typeface="Courier New" panose="02070309020205020404" pitchFamily="49" charset="0"/>
-                <a:cs typeface="Courier New" panose="02070309020205020404" pitchFamily="49" charset="0"/>
-              </a:rPr>
-              <a:t>;</a:t>
-            </a:r>
-          </a:p>
-          <a:p>
-            <a:endParaRPr lang="en-US" dirty="0">
-              <a:latin typeface="Courier New" panose="02070309020205020404" pitchFamily="49" charset="0"/>
-              <a:cs typeface="Courier New" panose="02070309020205020404" pitchFamily="49" charset="0"/>
-            </a:endParaRPr>
-          </a:p>
-          <a:p>
-            <a:r>
-              <a:rPr lang="en-US" dirty="0">
-                <a:latin typeface="Courier New" panose="02070309020205020404" pitchFamily="49" charset="0"/>
-                <a:cs typeface="Courier New" panose="02070309020205020404" pitchFamily="49" charset="0"/>
-              </a:rPr>
-              <a:t>    </a:t>
-            </a:r>
-            <a:r>
-              <a:rPr lang="en-US" dirty="0" err="1">
-                <a:latin typeface="Courier New" panose="02070309020205020404" pitchFamily="49" charset="0"/>
-                <a:cs typeface="Courier New" panose="02070309020205020404" pitchFamily="49" charset="0"/>
-              </a:rPr>
-              <a:t>retval</a:t>
-            </a:r>
-            <a:r>
-              <a:rPr lang="en-US" dirty="0">
-                <a:latin typeface="Courier New" panose="02070309020205020404" pitchFamily="49" charset="0"/>
-                <a:cs typeface="Courier New" panose="02070309020205020404" pitchFamily="49" charset="0"/>
-              </a:rPr>
-              <a:t> = </a:t>
-            </a:r>
-            <a:r>
-              <a:rPr lang="en-US" dirty="0" err="1">
-                <a:latin typeface="Courier New" panose="02070309020205020404" pitchFamily="49" charset="0"/>
-                <a:cs typeface="Courier New" panose="02070309020205020404" pitchFamily="49" charset="0"/>
-              </a:rPr>
-              <a:t>mymult</a:t>
-            </a:r>
-            <a:r>
-              <a:rPr lang="en-US" dirty="0">
-                <a:latin typeface="Courier New" panose="02070309020205020404" pitchFamily="49" charset="0"/>
-                <a:cs typeface="Courier New" panose="02070309020205020404" pitchFamily="49" charset="0"/>
-              </a:rPr>
-              <a:t>(6,7);</a:t>
-            </a:r>
-          </a:p>
-          <a:p>
-            <a:r>
-              <a:rPr lang="en-US" dirty="0">
-                <a:latin typeface="Courier New" panose="02070309020205020404" pitchFamily="49" charset="0"/>
-                <a:cs typeface="Courier New" panose="02070309020205020404" pitchFamily="49" charset="0"/>
-              </a:rPr>
-              <a:t>    </a:t>
-            </a:r>
-            <a:r>
-              <a:rPr lang="en-US" dirty="0" err="1">
+              <a:rPr lang="en-US" sz="1600" dirty="0">
+                <a:latin typeface="Courier New" panose="02070309020205020404" pitchFamily="49" charset="0"/>
+                <a:cs typeface="Courier New" panose="02070309020205020404" pitchFamily="49" charset="0"/>
+              </a:rPr>
+              <a:t>    int guess;</a:t>
+            </a:r>
+          </a:p>
+          <a:p>
+            <a:r>
+              <a:rPr lang="en-US" sz="1600" dirty="0">
+                <a:latin typeface="Courier New" panose="02070309020205020404" pitchFamily="49" charset="0"/>
+                <a:cs typeface="Courier New" panose="02070309020205020404" pitchFamily="49" charset="0"/>
+              </a:rPr>
+              <a:t>    while(</a:t>
+            </a:r>
+            <a:r>
+              <a:rPr lang="en-US" sz="1600" dirty="0" err="1">
+                <a:latin typeface="Courier New" panose="02070309020205020404" pitchFamily="49" charset="0"/>
+                <a:cs typeface="Courier New" panose="02070309020205020404" pitchFamily="49" charset="0"/>
+              </a:rPr>
+              <a:t>scanf</a:t>
+            </a:r>
+            <a:r>
+              <a:rPr lang="en-US" sz="1600" dirty="0">
+                <a:latin typeface="Courier New" panose="02070309020205020404" pitchFamily="49" charset="0"/>
+                <a:cs typeface="Courier New" panose="02070309020205020404" pitchFamily="49" charset="0"/>
+              </a:rPr>
+              <a:t>("%</a:t>
+            </a:r>
+            <a:r>
+              <a:rPr lang="en-US" sz="1600" dirty="0" err="1">
+                <a:latin typeface="Courier New" panose="02070309020205020404" pitchFamily="49" charset="0"/>
+                <a:cs typeface="Courier New" panose="02070309020205020404" pitchFamily="49" charset="0"/>
+              </a:rPr>
+              <a:t>d",&amp;guess</a:t>
+            </a:r>
+            <a:r>
+              <a:rPr lang="en-US" sz="1600" dirty="0">
+                <a:latin typeface="Courier New" panose="02070309020205020404" pitchFamily="49" charset="0"/>
+                <a:cs typeface="Courier New" panose="02070309020205020404" pitchFamily="49" charset="0"/>
+              </a:rPr>
+              <a:t>) != EOF ) {</a:t>
+            </a:r>
+          </a:p>
+          <a:p>
+            <a:r>
+              <a:rPr lang="en-US" sz="1600" dirty="0">
+                <a:latin typeface="Courier New" panose="02070309020205020404" pitchFamily="49" charset="0"/>
+                <a:cs typeface="Courier New" panose="02070309020205020404" pitchFamily="49" charset="0"/>
+              </a:rPr>
+              <a:t>        if ( guess == 42 ) {</a:t>
+            </a:r>
+          </a:p>
+          <a:p>
+            <a:r>
+              <a:rPr lang="en-US" sz="1600" dirty="0">
+                <a:latin typeface="Courier New" panose="02070309020205020404" pitchFamily="49" charset="0"/>
+                <a:cs typeface="Courier New" panose="02070309020205020404" pitchFamily="49" charset="0"/>
+              </a:rPr>
+              <a:t>            </a:t>
+            </a:r>
+            <a:r>
+              <a:rPr lang="en-US" sz="1600" dirty="0" err="1">
                 <a:latin typeface="Courier New" panose="02070309020205020404" pitchFamily="49" charset="0"/>
                 <a:cs typeface="Courier New" panose="02070309020205020404" pitchFamily="49" charset="0"/>
               </a:rPr>
               <a:t>printf</a:t>
             </a:r>
             <a:r>
-              <a:rPr lang="en-US" dirty="0">
-                <a:latin typeface="Courier New" panose="02070309020205020404" pitchFamily="49" charset="0"/>
-                <a:cs typeface="Courier New" panose="02070309020205020404" pitchFamily="49" charset="0"/>
-              </a:rPr>
-              <a:t>("Answer: %d\n",</a:t>
-            </a:r>
-            <a:r>
-              <a:rPr lang="en-US" dirty="0" err="1">
-                <a:latin typeface="Courier New" panose="02070309020205020404" pitchFamily="49" charset="0"/>
-                <a:cs typeface="Courier New" panose="02070309020205020404" pitchFamily="49" charset="0"/>
-              </a:rPr>
-              <a:t>retval</a:t>
-            </a:r>
-            <a:r>
-              <a:rPr lang="en-US" dirty="0">
-                <a:latin typeface="Courier New" panose="02070309020205020404" pitchFamily="49" charset="0"/>
-                <a:cs typeface="Courier New" panose="02070309020205020404" pitchFamily="49" charset="0"/>
-              </a:rPr>
-              <a:t>);</a:t>
-            </a:r>
-          </a:p>
-          <a:p>
-            <a:r>
-              <a:rPr lang="en-US" dirty="0">
-                <a:latin typeface="Courier New" panose="02070309020205020404" pitchFamily="49" charset="0"/>
-                <a:cs typeface="Courier New" panose="02070309020205020404" pitchFamily="49" charset="0"/>
-              </a:rPr>
-              <a:t>}</a:t>
-            </a:r>
-          </a:p>
-          <a:p>
-            <a:endParaRPr lang="en-US" dirty="0">
-              <a:latin typeface="Courier New" panose="02070309020205020404" pitchFamily="49" charset="0"/>
-              <a:cs typeface="Courier New" panose="02070309020205020404" pitchFamily="49" charset="0"/>
-            </a:endParaRPr>
-          </a:p>
-          <a:p>
-            <a:r>
-              <a:rPr lang="en-US" dirty="0">
-                <a:latin typeface="Courier New" panose="02070309020205020404" pitchFamily="49" charset="0"/>
-                <a:cs typeface="Courier New" panose="02070309020205020404" pitchFamily="49" charset="0"/>
-              </a:rPr>
-              <a:t>int </a:t>
-            </a:r>
-            <a:r>
-              <a:rPr lang="en-US" dirty="0" err="1">
-                <a:latin typeface="Courier New" panose="02070309020205020404" pitchFamily="49" charset="0"/>
-                <a:cs typeface="Courier New" panose="02070309020205020404" pitchFamily="49" charset="0"/>
-              </a:rPr>
-              <a:t>mymult</a:t>
-            </a:r>
-            <a:r>
-              <a:rPr lang="en-US" dirty="0">
-                <a:latin typeface="Courier New" panose="02070309020205020404" pitchFamily="49" charset="0"/>
-                <a:cs typeface="Courier New" panose="02070309020205020404" pitchFamily="49" charset="0"/>
-              </a:rPr>
-              <a:t>(a, b)</a:t>
-            </a:r>
-          </a:p>
-          <a:p>
-            <a:r>
-              <a:rPr lang="en-US" dirty="0">
-                <a:latin typeface="Courier New" panose="02070309020205020404" pitchFamily="49" charset="0"/>
-                <a:cs typeface="Courier New" panose="02070309020205020404" pitchFamily="49" charset="0"/>
-              </a:rPr>
-              <a:t>    int </a:t>
-            </a:r>
-            <a:r>
-              <a:rPr lang="en-US" dirty="0" err="1">
-                <a:latin typeface="Courier New" panose="02070309020205020404" pitchFamily="49" charset="0"/>
-                <a:cs typeface="Courier New" panose="02070309020205020404" pitchFamily="49" charset="0"/>
-              </a:rPr>
-              <a:t>a,b</a:t>
-            </a:r>
-            <a:r>
-              <a:rPr lang="en-US" dirty="0">
-                <a:latin typeface="Courier New" panose="02070309020205020404" pitchFamily="49" charset="0"/>
-                <a:cs typeface="Courier New" panose="02070309020205020404" pitchFamily="49" charset="0"/>
-              </a:rPr>
-              <a:t>;</a:t>
-            </a:r>
-          </a:p>
-          <a:p>
-            <a:r>
-              <a:rPr lang="en-US" dirty="0">
-                <a:latin typeface="Courier New" panose="02070309020205020404" pitchFamily="49" charset="0"/>
-                <a:cs typeface="Courier New" panose="02070309020205020404" pitchFamily="49" charset="0"/>
-              </a:rPr>
-              <a:t>{</a:t>
-            </a:r>
-          </a:p>
-          <a:p>
-            <a:r>
-              <a:rPr lang="en-US" dirty="0">
-                <a:latin typeface="Courier New" panose="02070309020205020404" pitchFamily="49" charset="0"/>
-                <a:cs typeface="Courier New" panose="02070309020205020404" pitchFamily="49" charset="0"/>
-              </a:rPr>
-              <a:t>    int c = a * b;</a:t>
-            </a:r>
-          </a:p>
-          <a:p>
-            <a:r>
-              <a:rPr lang="en-US" dirty="0">
-                <a:latin typeface="Courier New" panose="02070309020205020404" pitchFamily="49" charset="0"/>
-                <a:cs typeface="Courier New" panose="02070309020205020404" pitchFamily="49" charset="0"/>
-              </a:rPr>
-              <a:t>    return c;</a:t>
-            </a:r>
-          </a:p>
-          <a:p>
-            <a:r>
-              <a:rPr lang="en-US" dirty="0">
-                <a:latin typeface="Courier New" panose="02070309020205020404" pitchFamily="49" charset="0"/>
-                <a:cs typeface="Courier New" panose="02070309020205020404" pitchFamily="49" charset="0"/>
-              </a:rPr>
-              <a:t>}</a:t>
+              <a:rPr lang="en-US" sz="1600" dirty="0">
+                <a:latin typeface="Courier New" panose="02070309020205020404" pitchFamily="49" charset="0"/>
+                <a:cs typeface="Courier New" panose="02070309020205020404" pitchFamily="49" charset="0"/>
+              </a:rPr>
+              <a:t>("Nice work!\n");</a:t>
+            </a:r>
+          </a:p>
+          <a:p>
+            <a:r>
+              <a:rPr lang="en-US" sz="1600" dirty="0">
+                <a:latin typeface="Courier New" panose="02070309020205020404" pitchFamily="49" charset="0"/>
+                <a:cs typeface="Courier New" panose="02070309020205020404" pitchFamily="49" charset="0"/>
+              </a:rPr>
+              <a:t>            break;</a:t>
+            </a:r>
+          </a:p>
+          <a:p>
+            <a:r>
+              <a:rPr lang="en-US" sz="1600" dirty="0">
+                <a:latin typeface="Courier New" panose="02070309020205020404" pitchFamily="49" charset="0"/>
+                <a:cs typeface="Courier New" panose="02070309020205020404" pitchFamily="49" charset="0"/>
+              </a:rPr>
+              <a:t>        }</a:t>
+            </a:r>
+          </a:p>
+          <a:p>
+            <a:r>
+              <a:rPr lang="en-US" sz="1600" dirty="0">
+                <a:latin typeface="Courier New" panose="02070309020205020404" pitchFamily="49" charset="0"/>
+                <a:cs typeface="Courier New" panose="02070309020205020404" pitchFamily="49" charset="0"/>
+              </a:rPr>
+              <a:t>        else if ( guess &lt; 42 ) </a:t>
+            </a:r>
+          </a:p>
+          <a:p>
+            <a:r>
+              <a:rPr lang="en-US" sz="1600" dirty="0">
+                <a:latin typeface="Courier New" panose="02070309020205020404" pitchFamily="49" charset="0"/>
+                <a:cs typeface="Courier New" panose="02070309020205020404" pitchFamily="49" charset="0"/>
+              </a:rPr>
+              <a:t>            </a:t>
+            </a:r>
+            <a:r>
+              <a:rPr lang="en-US" sz="1600" dirty="0" err="1">
+                <a:latin typeface="Courier New" panose="02070309020205020404" pitchFamily="49" charset="0"/>
+                <a:cs typeface="Courier New" panose="02070309020205020404" pitchFamily="49" charset="0"/>
+              </a:rPr>
+              <a:t>printf</a:t>
+            </a:r>
+            <a:r>
+              <a:rPr lang="en-US" sz="1600" dirty="0">
+                <a:latin typeface="Courier New" panose="02070309020205020404" pitchFamily="49" charset="0"/>
+                <a:cs typeface="Courier New" panose="02070309020205020404" pitchFamily="49" charset="0"/>
+              </a:rPr>
+              <a:t>("Too low - guess again\n");</a:t>
+            </a:r>
+          </a:p>
+          <a:p>
+            <a:r>
+              <a:rPr lang="en-US" sz="1600" dirty="0">
+                <a:latin typeface="Courier New" panose="02070309020205020404" pitchFamily="49" charset="0"/>
+                <a:cs typeface="Courier New" panose="02070309020205020404" pitchFamily="49" charset="0"/>
+              </a:rPr>
+              <a:t>        else</a:t>
+            </a:r>
+          </a:p>
+          <a:p>
+            <a:r>
+              <a:rPr lang="en-US" sz="1600" dirty="0">
+                <a:latin typeface="Courier New" panose="02070309020205020404" pitchFamily="49" charset="0"/>
+                <a:cs typeface="Courier New" panose="02070309020205020404" pitchFamily="49" charset="0"/>
+              </a:rPr>
+              <a:t>            </a:t>
+            </a:r>
+            <a:r>
+              <a:rPr lang="en-US" sz="1600" dirty="0" err="1">
+                <a:latin typeface="Courier New" panose="02070309020205020404" pitchFamily="49" charset="0"/>
+                <a:cs typeface="Courier New" panose="02070309020205020404" pitchFamily="49" charset="0"/>
+              </a:rPr>
+              <a:t>printf</a:t>
+            </a:r>
+            <a:r>
+              <a:rPr lang="en-US" sz="1600" dirty="0">
+                <a:latin typeface="Courier New" panose="02070309020205020404" pitchFamily="49" charset="0"/>
+                <a:cs typeface="Courier New" panose="02070309020205020404" pitchFamily="49" charset="0"/>
+              </a:rPr>
+              <a:t>("Too high - guess again\n");</a:t>
+            </a:r>
+          </a:p>
+          <a:p>
+            <a:r>
+              <a:rPr lang="en-US" sz="1600" dirty="0">
+                <a:latin typeface="Courier New" panose="02070309020205020404" pitchFamily="49" charset="0"/>
+                <a:cs typeface="Courier New" panose="02070309020205020404" pitchFamily="49" charset="0"/>
+              </a:rPr>
+              <a:t>    }</a:t>
+            </a:r>
+          </a:p>
+          <a:p>
+            <a:r>
+              <a:rPr lang="en-US" sz="1600" dirty="0">
+                <a:latin typeface="Courier New" panose="02070309020205020404" pitchFamily="49" charset="0"/>
+                <a:cs typeface="Courier New" panose="02070309020205020404" pitchFamily="49" charset="0"/>
+              </a:rPr>
+              <a:t>} </a:t>
             </a:r>
           </a:p>
         </p:txBody>
@@ -8602,8 +8516,8 @@
         </p:nvSpPr>
         <p:spPr>
           <a:xfrm>
-            <a:off x="1485768" y="4570934"/>
-            <a:ext cx="1563248" cy="369332"/>
+            <a:off x="7648259" y="4501661"/>
+            <a:ext cx="3217547" cy="1754326"/>
           </a:xfrm>
           <a:prstGeom prst="rect">
             <a:avLst/>
@@ -8620,7 +8534,47 @@
               <a:rPr lang="en-US" dirty="0">
                 <a:latin typeface="Monaco" pitchFamily="2" charset="77"/>
               </a:rPr>
-              <a:t>Answer: 42</a:t>
+              <a:t>5</a:t>
+            </a:r>
+          </a:p>
+          <a:p>
+            <a:r>
+              <a:rPr lang="en-US" dirty="0">
+                <a:latin typeface="Monaco" pitchFamily="2" charset="77"/>
+              </a:rPr>
+              <a:t>Too low - guess again</a:t>
+            </a:r>
+          </a:p>
+          <a:p>
+            <a:r>
+              <a:rPr lang="en-US" dirty="0">
+                <a:latin typeface="Monaco" pitchFamily="2" charset="77"/>
+              </a:rPr>
+              <a:t>50</a:t>
+            </a:r>
+          </a:p>
+          <a:p>
+            <a:r>
+              <a:rPr lang="en-US" dirty="0">
+                <a:latin typeface="Monaco" pitchFamily="2" charset="77"/>
+              </a:rPr>
+              <a:t>Too high - guess again</a:t>
+            </a:r>
+          </a:p>
+          <a:p>
+            <a:r>
+              <a:rPr lang="en-US" dirty="0">
+                <a:latin typeface="Monaco" pitchFamily="2" charset="77"/>
+              </a:rPr>
+              <a:t>42</a:t>
+            </a:r>
+          </a:p>
+          <a:p>
+            <a:r>
+              <a:rPr lang="en-US" dirty="0">
+                <a:latin typeface="Monaco" pitchFamily="2" charset="77"/>
+              </a:rPr>
+              <a:t>Nice work!</a:t>
             </a:r>
           </a:p>
         </p:txBody>
@@ -8661,7 +8615,7 @@
                 <a:effectLst/>
                 <a:latin typeface="Menlo" panose="020B0609030804020204" pitchFamily="49" charset="0"/>
               </a:rPr>
-              <a:t>cc_02_10.c</a:t>
+              <a:t>cc_02_09.c</a:t>
             </a:r>
           </a:p>
         </p:txBody>
@@ -8669,7 +8623,7 @@
     </p:spTree>
     <p:extLst>
       <p:ext uri="{BB962C8B-B14F-4D97-AF65-F5344CB8AC3E}">
-        <p14:creationId xmlns:p14="http://schemas.microsoft.com/office/powerpoint/2010/main" val="3765195409"/>
+        <p14:creationId xmlns:p14="http://schemas.microsoft.com/office/powerpoint/2010/main" val="688616102"/>
       </p:ext>
     </p:extLst>
   </p:cSld>
@@ -11126,7 +11080,7 @@
           <a:p>
             <a:r>
               <a:rPr lang="en-US" dirty="0"/>
-              <a:t>Shouting</a:t>
+              <a:t>Functions (call by value)</a:t>
             </a:r>
           </a:p>
         </p:txBody>
@@ -11145,8 +11099,8 @@
         </p:nvSpPr>
         <p:spPr>
           <a:xfrm>
-            <a:off x="954156" y="2172500"/>
-            <a:ext cx="4458272" cy="923330"/>
+            <a:off x="1302384" y="1968844"/>
+            <a:ext cx="3493264" cy="1754326"/>
           </a:xfrm>
           <a:prstGeom prst="rect">
             <a:avLst/>
@@ -11164,53 +11118,112 @@
                 <a:latin typeface="Courier New" panose="02070309020205020404" pitchFamily="49" charset="0"/>
                 <a:cs typeface="Courier New" panose="02070309020205020404" pitchFamily="49" charset="0"/>
               </a:rPr>
-              <a:t>hand = open('</a:t>
+              <a:t>def </a:t>
             </a:r>
             <a:r>
               <a:rPr lang="en-US" dirty="0" err="1">
                 <a:latin typeface="Courier New" panose="02070309020205020404" pitchFamily="49" charset="0"/>
                 <a:cs typeface="Courier New" panose="02070309020205020404" pitchFamily="49" charset="0"/>
               </a:rPr>
-              <a:t>romeo.txt</a:t>
-            </a:r>
-            <a:r>
-              <a:rPr lang="en-US" dirty="0">
-                <a:latin typeface="Courier New" panose="02070309020205020404" pitchFamily="49" charset="0"/>
-                <a:cs typeface="Courier New" panose="02070309020205020404" pitchFamily="49" charset="0"/>
-              </a:rPr>
-              <a:t>')</a:t>
-            </a:r>
-          </a:p>
-          <a:p>
-            <a:r>
-              <a:rPr lang="en-US" dirty="0">
-                <a:latin typeface="Courier New" panose="02070309020205020404" pitchFamily="49" charset="0"/>
-                <a:cs typeface="Courier New" panose="02070309020205020404" pitchFamily="49" charset="0"/>
-              </a:rPr>
-              <a:t>for line in hand:</a:t>
-            </a:r>
-          </a:p>
-          <a:p>
-            <a:r>
-              <a:rPr lang="en-US" dirty="0">
-                <a:latin typeface="Courier New" panose="02070309020205020404" pitchFamily="49" charset="0"/>
-                <a:cs typeface="Courier New" panose="02070309020205020404" pitchFamily="49" charset="0"/>
-              </a:rPr>
-              <a:t>    print(</a:t>
+              <a:t>mymult</a:t>
+            </a:r>
+            <a:r>
+              <a:rPr lang="en-US" dirty="0">
+                <a:latin typeface="Courier New" panose="02070309020205020404" pitchFamily="49" charset="0"/>
+                <a:cs typeface="Courier New" panose="02070309020205020404" pitchFamily="49" charset="0"/>
+              </a:rPr>
+              <a:t>(</a:t>
             </a:r>
             <a:r>
               <a:rPr lang="en-US" dirty="0" err="1">
                 <a:latin typeface="Courier New" panose="02070309020205020404" pitchFamily="49" charset="0"/>
                 <a:cs typeface="Courier New" panose="02070309020205020404" pitchFamily="49" charset="0"/>
               </a:rPr>
-              <a:t>line.strip</a:t>
-            </a:r>
-            <a:r>
-              <a:rPr lang="en-US" dirty="0">
-                <a:latin typeface="Courier New" panose="02070309020205020404" pitchFamily="49" charset="0"/>
-                <a:cs typeface="Courier New" panose="02070309020205020404" pitchFamily="49" charset="0"/>
-              </a:rPr>
-              <a:t>().upper())</a:t>
+              <a:t>a,b</a:t>
+            </a:r>
+            <a:r>
+              <a:rPr lang="en-US" dirty="0">
+                <a:latin typeface="Courier New" panose="02070309020205020404" pitchFamily="49" charset="0"/>
+                <a:cs typeface="Courier New" panose="02070309020205020404" pitchFamily="49" charset="0"/>
+              </a:rPr>
+              <a:t>):</a:t>
+            </a:r>
+          </a:p>
+          <a:p>
+            <a:r>
+              <a:rPr lang="en-US" dirty="0">
+                <a:latin typeface="Courier New" panose="02070309020205020404" pitchFamily="49" charset="0"/>
+                <a:cs typeface="Courier New" panose="02070309020205020404" pitchFamily="49" charset="0"/>
+              </a:rPr>
+              <a:t>    c = a * b</a:t>
+            </a:r>
+          </a:p>
+          <a:p>
+            <a:r>
+              <a:rPr lang="en-US" dirty="0">
+                <a:latin typeface="Courier New" panose="02070309020205020404" pitchFamily="49" charset="0"/>
+                <a:cs typeface="Courier New" panose="02070309020205020404" pitchFamily="49" charset="0"/>
+              </a:rPr>
+              <a:t>    return c</a:t>
+            </a:r>
+          </a:p>
+          <a:p>
+            <a:endParaRPr lang="en-US" dirty="0">
+              <a:latin typeface="Courier New" panose="02070309020205020404" pitchFamily="49" charset="0"/>
+              <a:cs typeface="Courier New" panose="02070309020205020404" pitchFamily="49" charset="0"/>
+            </a:endParaRPr>
+          </a:p>
+          <a:p>
+            <a:r>
+              <a:rPr lang="en-US" dirty="0" err="1">
+                <a:latin typeface="Courier New" panose="02070309020205020404" pitchFamily="49" charset="0"/>
+                <a:cs typeface="Courier New" panose="02070309020205020404" pitchFamily="49" charset="0"/>
+              </a:rPr>
+              <a:t>retval</a:t>
+            </a:r>
+            <a:r>
+              <a:rPr lang="en-US" dirty="0">
+                <a:latin typeface="Courier New" panose="02070309020205020404" pitchFamily="49" charset="0"/>
+                <a:cs typeface="Courier New" panose="02070309020205020404" pitchFamily="49" charset="0"/>
+              </a:rPr>
+              <a:t> = </a:t>
+            </a:r>
+            <a:r>
+              <a:rPr lang="en-US" dirty="0" err="1">
+                <a:latin typeface="Courier New" panose="02070309020205020404" pitchFamily="49" charset="0"/>
+                <a:cs typeface="Courier New" panose="02070309020205020404" pitchFamily="49" charset="0"/>
+              </a:rPr>
+              <a:t>mymult</a:t>
+            </a:r>
+            <a:r>
+              <a:rPr lang="en-US" dirty="0">
+                <a:latin typeface="Courier New" panose="02070309020205020404" pitchFamily="49" charset="0"/>
+                <a:cs typeface="Courier New" panose="02070309020205020404" pitchFamily="49" charset="0"/>
+              </a:rPr>
+              <a:t>(6, 7)</a:t>
+            </a:r>
+          </a:p>
+          <a:p>
+            <a:r>
+              <a:rPr lang="en-US" dirty="0">
+                <a:latin typeface="Courier New" panose="02070309020205020404" pitchFamily="49" charset="0"/>
+                <a:cs typeface="Courier New" panose="02070309020205020404" pitchFamily="49" charset="0"/>
+              </a:rPr>
+              <a:t>print('Answer:', </a:t>
+            </a:r>
+            <a:r>
+              <a:rPr lang="en-US" dirty="0" err="1">
+                <a:latin typeface="Courier New" panose="02070309020205020404" pitchFamily="49" charset="0"/>
+                <a:cs typeface="Courier New" panose="02070309020205020404" pitchFamily="49" charset="0"/>
+              </a:rPr>
+              <a:t>retval</a:t>
+            </a:r>
+            <a:r>
+              <a:rPr lang="en-US" dirty="0">
+                <a:latin typeface="Courier New" panose="02070309020205020404" pitchFamily="49" charset="0"/>
+                <a:cs typeface="Courier New" panose="02070309020205020404" pitchFamily="49" charset="0"/>
+              </a:rPr>
+              <a:t>)</a:t>
             </a:r>
           </a:p>
         </p:txBody>
@@ -11229,8 +11242,8 @@
         </p:nvSpPr>
         <p:spPr>
           <a:xfrm>
-            <a:off x="5833814" y="1027906"/>
-            <a:ext cx="6250429" cy="3416320"/>
+            <a:off x="7081134" y="1599512"/>
+            <a:ext cx="4871847" cy="4247317"/>
           </a:xfrm>
           <a:prstGeom prst="rect">
             <a:avLst/>
@@ -11271,71 +11284,171 @@
                 <a:latin typeface="Courier New" panose="02070309020205020404" pitchFamily="49" charset="0"/>
                 <a:cs typeface="Courier New" panose="02070309020205020404" pitchFamily="49" charset="0"/>
               </a:rPr>
-              <a:t>#include &lt;</a:t>
+              <a:t>int main() {</a:t>
+            </a:r>
+          </a:p>
+          <a:p>
+            <a:r>
+              <a:rPr lang="en-US" dirty="0">
+                <a:latin typeface="Courier New" panose="02070309020205020404" pitchFamily="49" charset="0"/>
+                <a:cs typeface="Courier New" panose="02070309020205020404" pitchFamily="49" charset="0"/>
+              </a:rPr>
+              <a:t>    int </a:t>
             </a:r>
             <a:r>
               <a:rPr lang="en-US" dirty="0" err="1">
                 <a:latin typeface="Courier New" panose="02070309020205020404" pitchFamily="49" charset="0"/>
                 <a:cs typeface="Courier New" panose="02070309020205020404" pitchFamily="49" charset="0"/>
               </a:rPr>
-              <a:t>string.h</a:t>
-            </a:r>
-            <a:r>
-              <a:rPr lang="en-US" dirty="0">
-                <a:latin typeface="Courier New" panose="02070309020205020404" pitchFamily="49" charset="0"/>
-                <a:cs typeface="Courier New" panose="02070309020205020404" pitchFamily="49" charset="0"/>
-              </a:rPr>
-              <a:t>&gt;</a:t>
-            </a:r>
-          </a:p>
-          <a:p>
-            <a:r>
-              <a:rPr lang="en-US" dirty="0">
-                <a:latin typeface="Courier New" panose="02070309020205020404" pitchFamily="49" charset="0"/>
-                <a:cs typeface="Courier New" panose="02070309020205020404" pitchFamily="49" charset="0"/>
-              </a:rPr>
-              <a:t>#include &lt;</a:t>
+              <a:t>mymult</a:t>
+            </a:r>
+            <a:r>
+              <a:rPr lang="en-US" dirty="0">
+                <a:latin typeface="Courier New" panose="02070309020205020404" pitchFamily="49" charset="0"/>
+                <a:cs typeface="Courier New" panose="02070309020205020404" pitchFamily="49" charset="0"/>
+              </a:rPr>
+              <a:t>(); </a:t>
+            </a:r>
+          </a:p>
+          <a:p>
+            <a:r>
+              <a:rPr lang="en-US" dirty="0">
+                <a:latin typeface="Courier New" panose="02070309020205020404" pitchFamily="49" charset="0"/>
+                <a:cs typeface="Courier New" panose="02070309020205020404" pitchFamily="49" charset="0"/>
+              </a:rPr>
+              <a:t>    int </a:t>
             </a:r>
             <a:r>
               <a:rPr lang="en-US" dirty="0" err="1">
                 <a:latin typeface="Courier New" panose="02070309020205020404" pitchFamily="49" charset="0"/>
                 <a:cs typeface="Courier New" panose="02070309020205020404" pitchFamily="49" charset="0"/>
               </a:rPr>
-              <a:t>ctype.h</a:t>
-            </a:r>
-            <a:r>
-              <a:rPr lang="en-US" dirty="0">
-                <a:latin typeface="Courier New" panose="02070309020205020404" pitchFamily="49" charset="0"/>
-                <a:cs typeface="Courier New" panose="02070309020205020404" pitchFamily="49" charset="0"/>
-              </a:rPr>
-              <a:t>&gt;</a:t>
-            </a:r>
-          </a:p>
-          <a:p>
-            <a:r>
-              <a:rPr lang="en-US" dirty="0">
-                <a:latin typeface="Courier New" panose="02070309020205020404" pitchFamily="49" charset="0"/>
-                <a:cs typeface="Courier New" panose="02070309020205020404" pitchFamily="49" charset="0"/>
-              </a:rPr>
-              <a:t>int main() {</a:t>
-            </a:r>
-          </a:p>
-          <a:p>
-            <a:r>
-              <a:rPr lang="en-US" dirty="0">
-                <a:latin typeface="Courier New" panose="02070309020205020404" pitchFamily="49" charset="0"/>
-                <a:cs typeface="Courier New" panose="02070309020205020404" pitchFamily="49" charset="0"/>
-              </a:rPr>
-              <a:t>    char line[1000];</a:t>
-            </a:r>
-          </a:p>
-          <a:p>
-            <a:r>
-              <a:rPr lang="en-US" dirty="0">
-                <a:latin typeface="Courier New" panose="02070309020205020404" pitchFamily="49" charset="0"/>
-                <a:cs typeface="Courier New" panose="02070309020205020404" pitchFamily="49" charset="0"/>
-              </a:rPr>
-              <a:t>    FILE *hand;</a:t>
+              <a:t>retval</a:t>
+            </a:r>
+            <a:r>
+              <a:rPr lang="en-US" dirty="0">
+                <a:latin typeface="Courier New" panose="02070309020205020404" pitchFamily="49" charset="0"/>
+                <a:cs typeface="Courier New" panose="02070309020205020404" pitchFamily="49" charset="0"/>
+              </a:rPr>
+              <a:t>;</a:t>
+            </a:r>
+          </a:p>
+          <a:p>
+            <a:endParaRPr lang="en-US" dirty="0">
+              <a:latin typeface="Courier New" panose="02070309020205020404" pitchFamily="49" charset="0"/>
+              <a:cs typeface="Courier New" panose="02070309020205020404" pitchFamily="49" charset="0"/>
+            </a:endParaRPr>
+          </a:p>
+          <a:p>
+            <a:r>
+              <a:rPr lang="en-US" dirty="0">
+                <a:latin typeface="Courier New" panose="02070309020205020404" pitchFamily="49" charset="0"/>
+                <a:cs typeface="Courier New" panose="02070309020205020404" pitchFamily="49" charset="0"/>
+              </a:rPr>
+              <a:t>    </a:t>
+            </a:r>
+            <a:r>
+              <a:rPr lang="en-US" dirty="0" err="1">
+                <a:latin typeface="Courier New" panose="02070309020205020404" pitchFamily="49" charset="0"/>
+                <a:cs typeface="Courier New" panose="02070309020205020404" pitchFamily="49" charset="0"/>
+              </a:rPr>
+              <a:t>retval</a:t>
+            </a:r>
+            <a:r>
+              <a:rPr lang="en-US" dirty="0">
+                <a:latin typeface="Courier New" panose="02070309020205020404" pitchFamily="49" charset="0"/>
+                <a:cs typeface="Courier New" panose="02070309020205020404" pitchFamily="49" charset="0"/>
+              </a:rPr>
+              <a:t> = </a:t>
+            </a:r>
+            <a:r>
+              <a:rPr lang="en-US" dirty="0" err="1">
+                <a:latin typeface="Courier New" panose="02070309020205020404" pitchFamily="49" charset="0"/>
+                <a:cs typeface="Courier New" panose="02070309020205020404" pitchFamily="49" charset="0"/>
+              </a:rPr>
+              <a:t>mymult</a:t>
+            </a:r>
+            <a:r>
+              <a:rPr lang="en-US" dirty="0">
+                <a:latin typeface="Courier New" panose="02070309020205020404" pitchFamily="49" charset="0"/>
+                <a:cs typeface="Courier New" panose="02070309020205020404" pitchFamily="49" charset="0"/>
+              </a:rPr>
+              <a:t>(6,7);</a:t>
+            </a:r>
+          </a:p>
+          <a:p>
+            <a:r>
+              <a:rPr lang="en-US" dirty="0">
+                <a:latin typeface="Courier New" panose="02070309020205020404" pitchFamily="49" charset="0"/>
+                <a:cs typeface="Courier New" panose="02070309020205020404" pitchFamily="49" charset="0"/>
+              </a:rPr>
+              <a:t>    </a:t>
+            </a:r>
+            <a:r>
+              <a:rPr lang="en-US" dirty="0" err="1">
+                <a:latin typeface="Courier New" panose="02070309020205020404" pitchFamily="49" charset="0"/>
+                <a:cs typeface="Courier New" panose="02070309020205020404" pitchFamily="49" charset="0"/>
+              </a:rPr>
+              <a:t>printf</a:t>
+            </a:r>
+            <a:r>
+              <a:rPr lang="en-US" dirty="0">
+                <a:latin typeface="Courier New" panose="02070309020205020404" pitchFamily="49" charset="0"/>
+                <a:cs typeface="Courier New" panose="02070309020205020404" pitchFamily="49" charset="0"/>
+              </a:rPr>
+              <a:t>("Answer: %d\n",</a:t>
+            </a:r>
+            <a:r>
+              <a:rPr lang="en-US" dirty="0" err="1">
+                <a:latin typeface="Courier New" panose="02070309020205020404" pitchFamily="49" charset="0"/>
+                <a:cs typeface="Courier New" panose="02070309020205020404" pitchFamily="49" charset="0"/>
+              </a:rPr>
+              <a:t>retval</a:t>
+            </a:r>
+            <a:r>
+              <a:rPr lang="en-US" dirty="0">
+                <a:latin typeface="Courier New" panose="02070309020205020404" pitchFamily="49" charset="0"/>
+                <a:cs typeface="Courier New" panose="02070309020205020404" pitchFamily="49" charset="0"/>
+              </a:rPr>
+              <a:t>);</a:t>
+            </a:r>
+          </a:p>
+          <a:p>
+            <a:r>
+              <a:rPr lang="en-US" dirty="0">
+                <a:latin typeface="Courier New" panose="02070309020205020404" pitchFamily="49" charset="0"/>
+                <a:cs typeface="Courier New" panose="02070309020205020404" pitchFamily="49" charset="0"/>
+              </a:rPr>
+              <a:t>}</a:t>
+            </a:r>
+          </a:p>
+          <a:p>
+            <a:endParaRPr lang="en-US" dirty="0">
+              <a:latin typeface="Courier New" panose="02070309020205020404" pitchFamily="49" charset="0"/>
+              <a:cs typeface="Courier New" panose="02070309020205020404" pitchFamily="49" charset="0"/>
+            </a:endParaRPr>
+          </a:p>
+          <a:p>
+            <a:r>
+              <a:rPr lang="en-US" dirty="0">
+                <a:latin typeface="Courier New" panose="02070309020205020404" pitchFamily="49" charset="0"/>
+                <a:cs typeface="Courier New" panose="02070309020205020404" pitchFamily="49" charset="0"/>
+              </a:rPr>
+              <a:t>int </a:t>
+            </a:r>
+            <a:r>
+              <a:rPr lang="en-US" dirty="0" err="1">
+                <a:latin typeface="Courier New" panose="02070309020205020404" pitchFamily="49" charset="0"/>
+                <a:cs typeface="Courier New" panose="02070309020205020404" pitchFamily="49" charset="0"/>
+              </a:rPr>
+              <a:t>mymult</a:t>
+            </a:r>
+            <a:r>
+              <a:rPr lang="en-US" dirty="0">
+                <a:latin typeface="Courier New" panose="02070309020205020404" pitchFamily="49" charset="0"/>
+                <a:cs typeface="Courier New" panose="02070309020205020404" pitchFamily="49" charset="0"/>
+              </a:rPr>
+              <a:t>(a, b)</a:t>
             </a:r>
           </a:p>
           <a:p>
@@ -11351,190 +11464,41 @@
                 <a:latin typeface="Courier New" panose="02070309020205020404" pitchFamily="49" charset="0"/>
                 <a:cs typeface="Courier New" panose="02070309020205020404" pitchFamily="49" charset="0"/>
               </a:rPr>
-              <a:t>i</a:t>
-            </a:r>
-            <a:r>
-              <a:rPr lang="en-US" dirty="0">
-                <a:latin typeface="Courier New" panose="02070309020205020404" pitchFamily="49" charset="0"/>
-                <a:cs typeface="Courier New" panose="02070309020205020404" pitchFamily="49" charset="0"/>
-              </a:rPr>
-              <a:t>; </a:t>
-            </a:r>
-          </a:p>
-          <a:p>
-            <a:r>
-              <a:rPr lang="en-US" dirty="0">
-                <a:latin typeface="Courier New" panose="02070309020205020404" pitchFamily="49" charset="0"/>
-                <a:cs typeface="Courier New" panose="02070309020205020404" pitchFamily="49" charset="0"/>
-              </a:rPr>
-              <a:t>    hand = </a:t>
-            </a:r>
-            <a:r>
-              <a:rPr lang="en-US" dirty="0" err="1">
-                <a:latin typeface="Courier New" panose="02070309020205020404" pitchFamily="49" charset="0"/>
-                <a:cs typeface="Courier New" panose="02070309020205020404" pitchFamily="49" charset="0"/>
-              </a:rPr>
-              <a:t>fopen</a:t>
-            </a:r>
-            <a:r>
-              <a:rPr lang="en-US" dirty="0">
-                <a:latin typeface="Courier New" panose="02070309020205020404" pitchFamily="49" charset="0"/>
-                <a:cs typeface="Courier New" panose="02070309020205020404" pitchFamily="49" charset="0"/>
-              </a:rPr>
-              <a:t>("</a:t>
-            </a:r>
-            <a:r>
-              <a:rPr lang="en-US" dirty="0" err="1">
-                <a:latin typeface="Courier New" panose="02070309020205020404" pitchFamily="49" charset="0"/>
-                <a:cs typeface="Courier New" panose="02070309020205020404" pitchFamily="49" charset="0"/>
-              </a:rPr>
-              <a:t>romeo.txt</a:t>
-            </a:r>
-            <a:r>
-              <a:rPr lang="en-US" dirty="0">
-                <a:latin typeface="Courier New" panose="02070309020205020404" pitchFamily="49" charset="0"/>
-                <a:cs typeface="Courier New" panose="02070309020205020404" pitchFamily="49" charset="0"/>
-              </a:rPr>
-              <a:t>", "r");</a:t>
-            </a:r>
-          </a:p>
-          <a:p>
-            <a:r>
-              <a:rPr lang="en-US" dirty="0">
-                <a:latin typeface="Courier New" panose="02070309020205020404" pitchFamily="49" charset="0"/>
-                <a:cs typeface="Courier New" panose="02070309020205020404" pitchFamily="49" charset="0"/>
-              </a:rPr>
-              <a:t>    while( </a:t>
-            </a:r>
-            <a:r>
-              <a:rPr lang="en-US" dirty="0" err="1">
-                <a:latin typeface="Courier New" panose="02070309020205020404" pitchFamily="49" charset="0"/>
-                <a:cs typeface="Courier New" panose="02070309020205020404" pitchFamily="49" charset="0"/>
-              </a:rPr>
-              <a:t>fgets</a:t>
-            </a:r>
-            <a:r>
-              <a:rPr lang="en-US" dirty="0">
-                <a:latin typeface="Courier New" panose="02070309020205020404" pitchFamily="49" charset="0"/>
-                <a:cs typeface="Courier New" panose="02070309020205020404" pitchFamily="49" charset="0"/>
-              </a:rPr>
-              <a:t>(line, 1000, hand) != NULL )</a:t>
-            </a:r>
-          </a:p>
-          <a:p>
-            <a:r>
-              <a:rPr lang="en-US" dirty="0">
-                <a:latin typeface="Courier New" panose="02070309020205020404" pitchFamily="49" charset="0"/>
-                <a:cs typeface="Courier New" panose="02070309020205020404" pitchFamily="49" charset="0"/>
-              </a:rPr>
-              <a:t>        for(</a:t>
-            </a:r>
-            <a:r>
-              <a:rPr lang="en-US" dirty="0" err="1">
-                <a:latin typeface="Courier New" panose="02070309020205020404" pitchFamily="49" charset="0"/>
-                <a:cs typeface="Courier New" panose="02070309020205020404" pitchFamily="49" charset="0"/>
-              </a:rPr>
-              <a:t>i</a:t>
-            </a:r>
-            <a:r>
-              <a:rPr lang="en-US" dirty="0">
-                <a:latin typeface="Courier New" panose="02070309020205020404" pitchFamily="49" charset="0"/>
-                <a:cs typeface="Courier New" panose="02070309020205020404" pitchFamily="49" charset="0"/>
-              </a:rPr>
-              <a:t>=0; </a:t>
-            </a:r>
-            <a:r>
-              <a:rPr lang="en-US" dirty="0" err="1">
-                <a:latin typeface="Courier New" panose="02070309020205020404" pitchFamily="49" charset="0"/>
-                <a:cs typeface="Courier New" panose="02070309020205020404" pitchFamily="49" charset="0"/>
-              </a:rPr>
-              <a:t>i</a:t>
-            </a:r>
-            <a:r>
-              <a:rPr lang="en-US" dirty="0">
-                <a:latin typeface="Courier New" panose="02070309020205020404" pitchFamily="49" charset="0"/>
-                <a:cs typeface="Courier New" panose="02070309020205020404" pitchFamily="49" charset="0"/>
-              </a:rPr>
-              <a:t>&lt;</a:t>
-            </a:r>
-            <a:r>
-              <a:rPr lang="en-US" dirty="0" err="1">
-                <a:latin typeface="Courier New" panose="02070309020205020404" pitchFamily="49" charset="0"/>
-                <a:cs typeface="Courier New" panose="02070309020205020404" pitchFamily="49" charset="0"/>
-              </a:rPr>
-              <a:t>strlen</a:t>
-            </a:r>
-            <a:r>
-              <a:rPr lang="en-US" dirty="0">
-                <a:latin typeface="Courier New" panose="02070309020205020404" pitchFamily="49" charset="0"/>
-                <a:cs typeface="Courier New" panose="02070309020205020404" pitchFamily="49" charset="0"/>
-              </a:rPr>
-              <a:t>(line); </a:t>
-            </a:r>
-            <a:r>
-              <a:rPr lang="en-US" dirty="0" err="1">
-                <a:latin typeface="Courier New" panose="02070309020205020404" pitchFamily="49" charset="0"/>
-                <a:cs typeface="Courier New" panose="02070309020205020404" pitchFamily="49" charset="0"/>
-              </a:rPr>
-              <a:t>i</a:t>
-            </a:r>
-            <a:r>
-              <a:rPr lang="en-US" dirty="0">
-                <a:latin typeface="Courier New" panose="02070309020205020404" pitchFamily="49" charset="0"/>
-                <a:cs typeface="Courier New" panose="02070309020205020404" pitchFamily="49" charset="0"/>
-              </a:rPr>
-              <a:t>++) </a:t>
-            </a:r>
-          </a:p>
-          <a:p>
-            <a:r>
-              <a:rPr lang="en-US" dirty="0">
-                <a:latin typeface="Courier New" panose="02070309020205020404" pitchFamily="49" charset="0"/>
-                <a:cs typeface="Courier New" panose="02070309020205020404" pitchFamily="49" charset="0"/>
-              </a:rPr>
-              <a:t>            </a:t>
-            </a:r>
-            <a:r>
-              <a:rPr lang="en-US" dirty="0" err="1">
-                <a:latin typeface="Courier New" panose="02070309020205020404" pitchFamily="49" charset="0"/>
-                <a:cs typeface="Courier New" panose="02070309020205020404" pitchFamily="49" charset="0"/>
-              </a:rPr>
-              <a:t>putchar</a:t>
-            </a:r>
-            <a:r>
-              <a:rPr lang="en-US" dirty="0">
-                <a:latin typeface="Courier New" panose="02070309020205020404" pitchFamily="49" charset="0"/>
-                <a:cs typeface="Courier New" panose="02070309020205020404" pitchFamily="49" charset="0"/>
-              </a:rPr>
-              <a:t>(</a:t>
-            </a:r>
-            <a:r>
-              <a:rPr lang="en-US" dirty="0" err="1">
-                <a:latin typeface="Courier New" panose="02070309020205020404" pitchFamily="49" charset="0"/>
-                <a:cs typeface="Courier New" panose="02070309020205020404" pitchFamily="49" charset="0"/>
-              </a:rPr>
-              <a:t>toupper</a:t>
-            </a:r>
-            <a:r>
-              <a:rPr lang="en-US" dirty="0">
-                <a:latin typeface="Courier New" panose="02070309020205020404" pitchFamily="49" charset="0"/>
-                <a:cs typeface="Courier New" panose="02070309020205020404" pitchFamily="49" charset="0"/>
-              </a:rPr>
-              <a:t>(line[</a:t>
-            </a:r>
-            <a:r>
-              <a:rPr lang="en-US" dirty="0" err="1">
-                <a:latin typeface="Courier New" panose="02070309020205020404" pitchFamily="49" charset="0"/>
-                <a:cs typeface="Courier New" panose="02070309020205020404" pitchFamily="49" charset="0"/>
-              </a:rPr>
-              <a:t>i</a:t>
-            </a:r>
-            <a:r>
-              <a:rPr lang="en-US" dirty="0">
-                <a:latin typeface="Courier New" panose="02070309020205020404" pitchFamily="49" charset="0"/>
-                <a:cs typeface="Courier New" panose="02070309020205020404" pitchFamily="49" charset="0"/>
-              </a:rPr>
-              <a:t>]));</a:t>
+              <a:t>a,b</a:t>
+            </a:r>
+            <a:r>
+              <a:rPr lang="en-US" dirty="0">
+                <a:latin typeface="Courier New" panose="02070309020205020404" pitchFamily="49" charset="0"/>
+                <a:cs typeface="Courier New" panose="02070309020205020404" pitchFamily="49" charset="0"/>
+              </a:rPr>
+              <a:t>;</a:t>
+            </a:r>
+          </a:p>
+          <a:p>
+            <a:r>
+              <a:rPr lang="en-US" dirty="0">
+                <a:latin typeface="Courier New" panose="02070309020205020404" pitchFamily="49" charset="0"/>
+                <a:cs typeface="Courier New" panose="02070309020205020404" pitchFamily="49" charset="0"/>
+              </a:rPr>
+              <a:t>{</a:t>
+            </a:r>
+          </a:p>
+          <a:p>
+            <a:r>
+              <a:rPr lang="en-US" dirty="0">
+                <a:latin typeface="Courier New" panose="02070309020205020404" pitchFamily="49" charset="0"/>
+                <a:cs typeface="Courier New" panose="02070309020205020404" pitchFamily="49" charset="0"/>
+              </a:rPr>
+              <a:t>    int c = a * b;</a:t>
+            </a:r>
+          </a:p>
+          <a:p>
+            <a:r>
+              <a:rPr lang="en-US" dirty="0">
+                <a:latin typeface="Courier New" panose="02070309020205020404" pitchFamily="49" charset="0"/>
+                <a:cs typeface="Courier New" panose="02070309020205020404" pitchFamily="49" charset="0"/>
+              </a:rPr>
+              <a:t>    return c;</a:t>
             </a:r>
           </a:p>
           <a:p>
@@ -11562,8 +11526,8 @@
         </p:nvSpPr>
         <p:spPr>
           <a:xfrm>
-            <a:off x="2432883" y="4783747"/>
-            <a:ext cx="6801862" cy="1200329"/>
+            <a:off x="1485768" y="4570934"/>
+            <a:ext cx="1563248" cy="369332"/>
           </a:xfrm>
           <a:prstGeom prst="rect">
             <a:avLst/>
@@ -11580,41 +11544,17 @@
               <a:rPr lang="en-US" dirty="0">
                 <a:latin typeface="Monaco" pitchFamily="2" charset="77"/>
               </a:rPr>
-              <a:t>BUT SOFT WHAT LIGHT THROUGH YONDER WINDOW BREAKS</a:t>
-            </a:r>
-          </a:p>
-          <a:p>
-            <a:r>
-              <a:rPr lang="en-US" dirty="0">
-                <a:latin typeface="Monaco" pitchFamily="2" charset="77"/>
-              </a:rPr>
-              <a:t>IT IS THE EAST AND JULIET IS THE SUN</a:t>
-            </a:r>
-          </a:p>
-          <a:p>
-            <a:r>
-              <a:rPr lang="en-US" dirty="0">
-                <a:latin typeface="Monaco" pitchFamily="2" charset="77"/>
-              </a:rPr>
-              <a:t>ARISE FAIR SUN AND KILL THE ENVIOUS MOON</a:t>
-            </a:r>
-          </a:p>
-          <a:p>
-            <a:r>
-              <a:rPr lang="en-US" dirty="0">
-                <a:latin typeface="Monaco" pitchFamily="2" charset="77"/>
-              </a:rPr>
-              <a:t>WHO IS ALREADY SICK AND PALE WITH GRIEF</a:t>
+              <a:t>Answer: 42</a:t>
             </a:r>
           </a:p>
         </p:txBody>
       </p:sp>
       <p:sp>
         <p:nvSpPr>
-          <p:cNvPr id="9" name="TextBox 8">
+          <p:cNvPr id="8" name="TextBox 7">
             <a:extLst>
               <a:ext uri="{FF2B5EF4-FFF2-40B4-BE49-F238E27FC236}">
-                <a16:creationId xmlns:a16="http://schemas.microsoft.com/office/drawing/2014/main" id="{C880686D-54E3-5C35-770B-778EBE0D0537}"/>
+                <a16:creationId xmlns:a16="http://schemas.microsoft.com/office/drawing/2014/main" id="{D56035B7-27F7-E969-9952-F807B645317D}"/>
               </a:ext>
             </a:extLst>
           </p:cNvPr>
@@ -11623,8 +11563,8 @@
         </p:nvSpPr>
         <p:spPr>
           <a:xfrm>
-            <a:off x="10460182" y="6323598"/>
-            <a:ext cx="1600199" cy="338554"/>
+            <a:off x="10647218" y="6323598"/>
+            <a:ext cx="1413163" cy="338554"/>
           </a:xfrm>
           <a:prstGeom prst="rect">
             <a:avLst/>
@@ -11645,7 +11585,7 @@
                 <a:effectLst/>
                 <a:latin typeface="Menlo" panose="020B0609030804020204" pitchFamily="49" charset="0"/>
               </a:rPr>
-              <a:t>cc_02_11.c</a:t>
+              <a:t>cc_02_10.c</a:t>
             </a:r>
           </a:p>
         </p:txBody>
@@ -11653,7 +11593,7 @@
     </p:spTree>
     <p:extLst>
       <p:ext uri="{BB962C8B-B14F-4D97-AF65-F5344CB8AC3E}">
-        <p14:creationId xmlns:p14="http://schemas.microsoft.com/office/powerpoint/2010/main" val="1459537303"/>
+        <p14:creationId xmlns:p14="http://schemas.microsoft.com/office/powerpoint/2010/main" val="3765195409"/>
       </p:ext>
     </p:extLst>
   </p:cSld>
@@ -11703,7 +11643,7 @@
           <a:p>
             <a:r>
               <a:rPr lang="en-US" dirty="0"/>
-              <a:t>Concatenation</a:t>
+              <a:t>Shouting</a:t>
             </a:r>
           </a:p>
         </p:txBody>
@@ -11722,8 +11662,8 @@
         </p:nvSpPr>
         <p:spPr>
           <a:xfrm>
-            <a:off x="838200" y="2577706"/>
-            <a:ext cx="4182555" cy="1200329"/>
+            <a:off x="954156" y="2172500"/>
+            <a:ext cx="4458272" cy="923330"/>
           </a:xfrm>
           <a:prstGeom prst="rect">
             <a:avLst/>
@@ -11741,34 +11681,53 @@
                 <a:latin typeface="Courier New" panose="02070309020205020404" pitchFamily="49" charset="0"/>
                 <a:cs typeface="Courier New" panose="02070309020205020404" pitchFamily="49" charset="0"/>
               </a:rPr>
-              <a:t>print('Enter two strings');</a:t>
-            </a:r>
-          </a:p>
-          <a:p>
-            <a:r>
-              <a:rPr lang="en-US" dirty="0">
-                <a:latin typeface="Courier New" panose="02070309020205020404" pitchFamily="49" charset="0"/>
-                <a:cs typeface="Courier New" panose="02070309020205020404" pitchFamily="49" charset="0"/>
-              </a:rPr>
-              <a:t>first = input()</a:t>
-            </a:r>
-          </a:p>
-          <a:p>
-            <a:r>
-              <a:rPr lang="en-US" dirty="0">
-                <a:latin typeface="Courier New" panose="02070309020205020404" pitchFamily="49" charset="0"/>
-                <a:cs typeface="Courier New" panose="02070309020205020404" pitchFamily="49" charset="0"/>
-              </a:rPr>
-              <a:t>second = input()</a:t>
-            </a:r>
-          </a:p>
-          <a:p>
-            <a:r>
-              <a:rPr lang="en-US" dirty="0">
-                <a:latin typeface="Courier New" panose="02070309020205020404" pitchFamily="49" charset="0"/>
-                <a:cs typeface="Courier New" panose="02070309020205020404" pitchFamily="49" charset="0"/>
-              </a:rPr>
-              <a:t>print(first + " &amp; " + second)</a:t>
+              <a:t>hand = open('</a:t>
+            </a:r>
+            <a:r>
+              <a:rPr lang="en-US" dirty="0" err="1">
+                <a:latin typeface="Courier New" panose="02070309020205020404" pitchFamily="49" charset="0"/>
+                <a:cs typeface="Courier New" panose="02070309020205020404" pitchFamily="49" charset="0"/>
+              </a:rPr>
+              <a:t>romeo.txt</a:t>
+            </a:r>
+            <a:r>
+              <a:rPr lang="en-US" dirty="0">
+                <a:latin typeface="Courier New" panose="02070309020205020404" pitchFamily="49" charset="0"/>
+                <a:cs typeface="Courier New" panose="02070309020205020404" pitchFamily="49" charset="0"/>
+              </a:rPr>
+              <a:t>')</a:t>
+            </a:r>
+          </a:p>
+          <a:p>
+            <a:r>
+              <a:rPr lang="en-US" dirty="0">
+                <a:latin typeface="Courier New" panose="02070309020205020404" pitchFamily="49" charset="0"/>
+                <a:cs typeface="Courier New" panose="02070309020205020404" pitchFamily="49" charset="0"/>
+              </a:rPr>
+              <a:t>for line in hand:</a:t>
+            </a:r>
+          </a:p>
+          <a:p>
+            <a:r>
+              <a:rPr lang="en-US" dirty="0">
+                <a:latin typeface="Courier New" panose="02070309020205020404" pitchFamily="49" charset="0"/>
+                <a:cs typeface="Courier New" panose="02070309020205020404" pitchFamily="49" charset="0"/>
+              </a:rPr>
+              <a:t>    print(</a:t>
+            </a:r>
+            <a:r>
+              <a:rPr lang="en-US" dirty="0" err="1">
+                <a:latin typeface="Courier New" panose="02070309020205020404" pitchFamily="49" charset="0"/>
+                <a:cs typeface="Courier New" panose="02070309020205020404" pitchFamily="49" charset="0"/>
+              </a:rPr>
+              <a:t>line.strip</a:t>
+            </a:r>
+            <a:r>
+              <a:rPr lang="en-US" dirty="0">
+                <a:latin typeface="Courier New" panose="02070309020205020404" pitchFamily="49" charset="0"/>
+                <a:cs typeface="Courier New" panose="02070309020205020404" pitchFamily="49" charset="0"/>
+              </a:rPr>
+              <a:t>().upper())</a:t>
             </a:r>
           </a:p>
         </p:txBody>
@@ -11787,8 +11746,8 @@
         </p:nvSpPr>
         <p:spPr>
           <a:xfrm>
-            <a:off x="5665854" y="1367427"/>
-            <a:ext cx="6526146" cy="3416320"/>
+            <a:off x="5833814" y="1027906"/>
+            <a:ext cx="6250429" cy="3416320"/>
           </a:xfrm>
           <a:prstGeom prst="rect">
             <a:avLst/>
@@ -11852,6 +11811,29 @@
                 <a:latin typeface="Courier New" panose="02070309020205020404" pitchFamily="49" charset="0"/>
                 <a:cs typeface="Courier New" panose="02070309020205020404" pitchFamily="49" charset="0"/>
               </a:rPr>
+              <a:t>#include &lt;</a:t>
+            </a:r>
+            <a:r>
+              <a:rPr lang="en-US" dirty="0" err="1">
+                <a:latin typeface="Courier New" panose="02070309020205020404" pitchFamily="49" charset="0"/>
+                <a:cs typeface="Courier New" panose="02070309020205020404" pitchFamily="49" charset="0"/>
+              </a:rPr>
+              <a:t>ctype.h</a:t>
+            </a:r>
+            <a:r>
+              <a:rPr lang="en-US" dirty="0">
+                <a:latin typeface="Courier New" panose="02070309020205020404" pitchFamily="49" charset="0"/>
+                <a:cs typeface="Courier New" panose="02070309020205020404" pitchFamily="49" charset="0"/>
+              </a:rPr>
+              <a:t>&gt;</a:t>
+            </a:r>
+          </a:p>
+          <a:p>
+            <a:r>
+              <a:rPr lang="en-US" dirty="0">
+                <a:latin typeface="Courier New" panose="02070309020205020404" pitchFamily="49" charset="0"/>
+                <a:cs typeface="Courier New" panose="02070309020205020404" pitchFamily="49" charset="0"/>
+              </a:rPr>
               <a:t>int main() {</a:t>
             </a:r>
           </a:p>
@@ -11861,106 +11843,180 @@
                 <a:latin typeface="Courier New" panose="02070309020205020404" pitchFamily="49" charset="0"/>
                 <a:cs typeface="Courier New" panose="02070309020205020404" pitchFamily="49" charset="0"/>
               </a:rPr>
-              <a:t>    char first[100], second[100], </a:t>
+              <a:t>    char line[1000];</a:t>
+            </a:r>
+          </a:p>
+          <a:p>
+            <a:r>
+              <a:rPr lang="en-US" dirty="0">
+                <a:latin typeface="Courier New" panose="02070309020205020404" pitchFamily="49" charset="0"/>
+                <a:cs typeface="Courier New" panose="02070309020205020404" pitchFamily="49" charset="0"/>
+              </a:rPr>
+              <a:t>    FILE *hand;</a:t>
+            </a:r>
+          </a:p>
+          <a:p>
+            <a:r>
+              <a:rPr lang="en-US" dirty="0">
+                <a:latin typeface="Courier New" panose="02070309020205020404" pitchFamily="49" charset="0"/>
+                <a:cs typeface="Courier New" panose="02070309020205020404" pitchFamily="49" charset="0"/>
+              </a:rPr>
+              <a:t>    int </a:t>
             </a:r>
             <a:r>
               <a:rPr lang="en-US" dirty="0" err="1">
                 <a:latin typeface="Courier New" panose="02070309020205020404" pitchFamily="49" charset="0"/>
                 <a:cs typeface="Courier New" panose="02070309020205020404" pitchFamily="49" charset="0"/>
               </a:rPr>
-              <a:t>concat</a:t>
-            </a:r>
-            <a:r>
-              <a:rPr lang="en-US" dirty="0">
-                <a:latin typeface="Courier New" panose="02070309020205020404" pitchFamily="49" charset="0"/>
-                <a:cs typeface="Courier New" panose="02070309020205020404" pitchFamily="49" charset="0"/>
-              </a:rPr>
-              <a:t>[303];</a:t>
-            </a:r>
-          </a:p>
-          <a:p>
-            <a:r>
-              <a:rPr lang="en-US" dirty="0">
-                <a:latin typeface="Courier New" panose="02070309020205020404" pitchFamily="49" charset="0"/>
-                <a:cs typeface="Courier New" panose="02070309020205020404" pitchFamily="49" charset="0"/>
-              </a:rPr>
-              <a:t>    </a:t>
+              <a:t>i</a:t>
+            </a:r>
+            <a:r>
+              <a:rPr lang="en-US" dirty="0">
+                <a:latin typeface="Courier New" panose="02070309020205020404" pitchFamily="49" charset="0"/>
+                <a:cs typeface="Courier New" panose="02070309020205020404" pitchFamily="49" charset="0"/>
+              </a:rPr>
+              <a:t>; </a:t>
+            </a:r>
+          </a:p>
+          <a:p>
+            <a:r>
+              <a:rPr lang="en-US" dirty="0">
+                <a:latin typeface="Courier New" panose="02070309020205020404" pitchFamily="49" charset="0"/>
+                <a:cs typeface="Courier New" panose="02070309020205020404" pitchFamily="49" charset="0"/>
+              </a:rPr>
+              <a:t>    hand = </a:t>
             </a:r>
             <a:r>
               <a:rPr lang="en-US" dirty="0" err="1">
                 <a:latin typeface="Courier New" panose="02070309020205020404" pitchFamily="49" charset="0"/>
                 <a:cs typeface="Courier New" panose="02070309020205020404" pitchFamily="49" charset="0"/>
               </a:rPr>
-              <a:t>printf</a:t>
-            </a:r>
-            <a:r>
-              <a:rPr lang="en-US" dirty="0">
-                <a:latin typeface="Courier New" panose="02070309020205020404" pitchFamily="49" charset="0"/>
-                <a:cs typeface="Courier New" panose="02070309020205020404" pitchFamily="49" charset="0"/>
-              </a:rPr>
-              <a:t>("Enter two strings\n");</a:t>
-            </a:r>
-          </a:p>
-          <a:p>
-            <a:r>
-              <a:rPr lang="en-US" dirty="0">
-                <a:latin typeface="Courier New" panose="02070309020205020404" pitchFamily="49" charset="0"/>
-                <a:cs typeface="Courier New" panose="02070309020205020404" pitchFamily="49" charset="0"/>
-              </a:rPr>
-              <a:t>    </a:t>
+              <a:t>fopen</a:t>
+            </a:r>
+            <a:r>
+              <a:rPr lang="en-US" dirty="0">
+                <a:latin typeface="Courier New" panose="02070309020205020404" pitchFamily="49" charset="0"/>
+                <a:cs typeface="Courier New" panose="02070309020205020404" pitchFamily="49" charset="0"/>
+              </a:rPr>
+              <a:t>("</a:t>
             </a:r>
             <a:r>
               <a:rPr lang="en-US" dirty="0" err="1">
                 <a:latin typeface="Courier New" panose="02070309020205020404" pitchFamily="49" charset="0"/>
                 <a:cs typeface="Courier New" panose="02070309020205020404" pitchFamily="49" charset="0"/>
               </a:rPr>
-              <a:t>scanf</a:t>
-            </a:r>
-            <a:r>
-              <a:rPr lang="en-US" dirty="0">
-                <a:latin typeface="Courier New" panose="02070309020205020404" pitchFamily="49" charset="0"/>
-                <a:cs typeface="Courier New" panose="02070309020205020404" pitchFamily="49" charset="0"/>
-              </a:rPr>
-              <a:t>("%100s", first);</a:t>
-            </a:r>
-          </a:p>
-          <a:p>
-            <a:r>
-              <a:rPr lang="en-US" dirty="0">
-                <a:latin typeface="Courier New" panose="02070309020205020404" pitchFamily="49" charset="0"/>
-                <a:cs typeface="Courier New" panose="02070309020205020404" pitchFamily="49" charset="0"/>
-              </a:rPr>
-              <a:t>    </a:t>
+              <a:t>romeo.txt</a:t>
+            </a:r>
+            <a:r>
+              <a:rPr lang="en-US" dirty="0">
+                <a:latin typeface="Courier New" panose="02070309020205020404" pitchFamily="49" charset="0"/>
+                <a:cs typeface="Courier New" panose="02070309020205020404" pitchFamily="49" charset="0"/>
+              </a:rPr>
+              <a:t>", "r");</a:t>
+            </a:r>
+          </a:p>
+          <a:p>
+            <a:r>
+              <a:rPr lang="en-US" dirty="0">
+                <a:latin typeface="Courier New" panose="02070309020205020404" pitchFamily="49" charset="0"/>
+                <a:cs typeface="Courier New" panose="02070309020205020404" pitchFamily="49" charset="0"/>
+              </a:rPr>
+              <a:t>    while( </a:t>
             </a:r>
             <a:r>
               <a:rPr lang="en-US" dirty="0" err="1">
                 <a:latin typeface="Courier New" panose="02070309020205020404" pitchFamily="49" charset="0"/>
                 <a:cs typeface="Courier New" panose="02070309020205020404" pitchFamily="49" charset="0"/>
               </a:rPr>
-              <a:t>scanf</a:t>
-            </a:r>
-            <a:r>
-              <a:rPr lang="en-US" dirty="0">
-                <a:latin typeface="Courier New" panose="02070309020205020404" pitchFamily="49" charset="0"/>
-                <a:cs typeface="Courier New" panose="02070309020205020404" pitchFamily="49" charset="0"/>
-              </a:rPr>
-              <a:t>("%100s", second);</a:t>
-            </a:r>
-          </a:p>
-          <a:p>
-            <a:r>
-              <a:rPr lang="en-US" dirty="0">
-                <a:latin typeface="Courier New" panose="02070309020205020404" pitchFamily="49" charset="0"/>
-                <a:cs typeface="Courier New" panose="02070309020205020404" pitchFamily="49" charset="0"/>
-              </a:rPr>
-              <a:t>    </a:t>
+              <a:t>fgets</a:t>
+            </a:r>
+            <a:r>
+              <a:rPr lang="en-US" dirty="0">
+                <a:latin typeface="Courier New" panose="02070309020205020404" pitchFamily="49" charset="0"/>
+                <a:cs typeface="Courier New" panose="02070309020205020404" pitchFamily="49" charset="0"/>
+              </a:rPr>
+              <a:t>(line, 1000, hand) != NULL )</a:t>
+            </a:r>
+          </a:p>
+          <a:p>
+            <a:r>
+              <a:rPr lang="en-US" dirty="0">
+                <a:latin typeface="Courier New" panose="02070309020205020404" pitchFamily="49" charset="0"/>
+                <a:cs typeface="Courier New" panose="02070309020205020404" pitchFamily="49" charset="0"/>
+              </a:rPr>
+              <a:t>        for(</a:t>
             </a:r>
             <a:r>
               <a:rPr lang="en-US" dirty="0" err="1">
                 <a:latin typeface="Courier New" panose="02070309020205020404" pitchFamily="49" charset="0"/>
                 <a:cs typeface="Courier New" panose="02070309020205020404" pitchFamily="49" charset="0"/>
               </a:rPr>
-              <a:t>strcpy</a:t>
+              <a:t>i</a:t>
+            </a:r>
+            <a:r>
+              <a:rPr lang="en-US" dirty="0">
+                <a:latin typeface="Courier New" panose="02070309020205020404" pitchFamily="49" charset="0"/>
+                <a:cs typeface="Courier New" panose="02070309020205020404" pitchFamily="49" charset="0"/>
+              </a:rPr>
+              <a:t>=0; </a:t>
+            </a:r>
+            <a:r>
+              <a:rPr lang="en-US" dirty="0" err="1">
+                <a:latin typeface="Courier New" panose="02070309020205020404" pitchFamily="49" charset="0"/>
+                <a:cs typeface="Courier New" panose="02070309020205020404" pitchFamily="49" charset="0"/>
+              </a:rPr>
+              <a:t>i</a:t>
+            </a:r>
+            <a:r>
+              <a:rPr lang="en-US" dirty="0">
+                <a:latin typeface="Courier New" panose="02070309020205020404" pitchFamily="49" charset="0"/>
+                <a:cs typeface="Courier New" panose="02070309020205020404" pitchFamily="49" charset="0"/>
+              </a:rPr>
+              <a:t>&lt;</a:t>
+            </a:r>
+            <a:r>
+              <a:rPr lang="en-US" dirty="0" err="1">
+                <a:latin typeface="Courier New" panose="02070309020205020404" pitchFamily="49" charset="0"/>
+                <a:cs typeface="Courier New" panose="02070309020205020404" pitchFamily="49" charset="0"/>
+              </a:rPr>
+              <a:t>strlen</a:t>
+            </a:r>
+            <a:r>
+              <a:rPr lang="en-US" dirty="0">
+                <a:latin typeface="Courier New" panose="02070309020205020404" pitchFamily="49" charset="0"/>
+                <a:cs typeface="Courier New" panose="02070309020205020404" pitchFamily="49" charset="0"/>
+              </a:rPr>
+              <a:t>(line); </a:t>
+            </a:r>
+            <a:r>
+              <a:rPr lang="en-US" dirty="0" err="1">
+                <a:latin typeface="Courier New" panose="02070309020205020404" pitchFamily="49" charset="0"/>
+                <a:cs typeface="Courier New" panose="02070309020205020404" pitchFamily="49" charset="0"/>
+              </a:rPr>
+              <a:t>i</a:t>
+            </a:r>
+            <a:r>
+              <a:rPr lang="en-US" dirty="0">
+                <a:latin typeface="Courier New" panose="02070309020205020404" pitchFamily="49" charset="0"/>
+                <a:cs typeface="Courier New" panose="02070309020205020404" pitchFamily="49" charset="0"/>
+              </a:rPr>
+              <a:t>++) </a:t>
+            </a:r>
+          </a:p>
+          <a:p>
+            <a:r>
+              <a:rPr lang="en-US" dirty="0">
+                <a:latin typeface="Courier New" panose="02070309020205020404" pitchFamily="49" charset="0"/>
+                <a:cs typeface="Courier New" panose="02070309020205020404" pitchFamily="49" charset="0"/>
+              </a:rPr>
+              <a:t>            </a:t>
+            </a:r>
+            <a:r>
+              <a:rPr lang="en-US" dirty="0" err="1">
+                <a:latin typeface="Courier New" panose="02070309020205020404" pitchFamily="49" charset="0"/>
+                <a:cs typeface="Courier New" panose="02070309020205020404" pitchFamily="49" charset="0"/>
+              </a:rPr>
+              <a:t>putchar</a:t>
             </a:r>
             <a:r>
               <a:rPr lang="en-US" dirty="0">
@@ -11974,125 +12030,28 @@
                 <a:latin typeface="Courier New" panose="02070309020205020404" pitchFamily="49" charset="0"/>
                 <a:cs typeface="Courier New" panose="02070309020205020404" pitchFamily="49" charset="0"/>
               </a:rPr>
-              <a:t>concat</a:t>
-            </a:r>
-            <a:r>
-              <a:rPr lang="en-US" dirty="0">
-                <a:latin typeface="Courier New" panose="02070309020205020404" pitchFamily="49" charset="0"/>
-                <a:cs typeface="Courier New" panose="02070309020205020404" pitchFamily="49" charset="0"/>
-              </a:rPr>
-              <a:t>, first);</a:t>
-            </a:r>
-          </a:p>
-          <a:p>
-            <a:r>
-              <a:rPr lang="en-US" dirty="0">
-                <a:latin typeface="Courier New" panose="02070309020205020404" pitchFamily="49" charset="0"/>
-                <a:cs typeface="Courier New" panose="02070309020205020404" pitchFamily="49" charset="0"/>
-              </a:rPr>
-              <a:t>    </a:t>
+              <a:t>toupper</a:t>
+            </a:r>
+            <a:r>
+              <a:rPr lang="en-US" dirty="0">
+                <a:latin typeface="Courier New" panose="02070309020205020404" pitchFamily="49" charset="0"/>
+                <a:cs typeface="Courier New" panose="02070309020205020404" pitchFamily="49" charset="0"/>
+              </a:rPr>
+              <a:t>(line[</a:t>
             </a:r>
             <a:r>
               <a:rPr lang="en-US" dirty="0" err="1">
                 <a:latin typeface="Courier New" panose="02070309020205020404" pitchFamily="49" charset="0"/>
                 <a:cs typeface="Courier New" panose="02070309020205020404" pitchFamily="49" charset="0"/>
               </a:rPr>
-              <a:t>strcat</a:t>
-            </a:r>
-            <a:r>
-              <a:rPr lang="en-US" dirty="0">
-                <a:latin typeface="Courier New" panose="02070309020205020404" pitchFamily="49" charset="0"/>
-                <a:cs typeface="Courier New" panose="02070309020205020404" pitchFamily="49" charset="0"/>
-              </a:rPr>
-              <a:t>(</a:t>
-            </a:r>
-            <a:r>
-              <a:rPr lang="en-US" dirty="0" err="1">
-                <a:latin typeface="Courier New" panose="02070309020205020404" pitchFamily="49" charset="0"/>
-                <a:cs typeface="Courier New" panose="02070309020205020404" pitchFamily="49" charset="0"/>
-              </a:rPr>
-              <a:t>concat</a:t>
-            </a:r>
-            <a:r>
-              <a:rPr lang="en-US" dirty="0">
-                <a:latin typeface="Courier New" panose="02070309020205020404" pitchFamily="49" charset="0"/>
-                <a:cs typeface="Courier New" panose="02070309020205020404" pitchFamily="49" charset="0"/>
-              </a:rPr>
-              <a:t>, " &amp; ");</a:t>
-            </a:r>
-          </a:p>
-          <a:p>
-            <a:r>
-              <a:rPr lang="en-US" dirty="0">
-                <a:latin typeface="Courier New" panose="02070309020205020404" pitchFamily="49" charset="0"/>
-                <a:cs typeface="Courier New" panose="02070309020205020404" pitchFamily="49" charset="0"/>
-              </a:rPr>
-              <a:t>    </a:t>
-            </a:r>
-            <a:r>
-              <a:rPr lang="en-US" dirty="0" err="1">
-                <a:latin typeface="Courier New" panose="02070309020205020404" pitchFamily="49" charset="0"/>
-                <a:cs typeface="Courier New" panose="02070309020205020404" pitchFamily="49" charset="0"/>
-              </a:rPr>
-              <a:t>strcat</a:t>
-            </a:r>
-            <a:r>
-              <a:rPr lang="en-US" dirty="0">
-                <a:latin typeface="Courier New" panose="02070309020205020404" pitchFamily="49" charset="0"/>
-                <a:cs typeface="Courier New" panose="02070309020205020404" pitchFamily="49" charset="0"/>
-              </a:rPr>
-              <a:t>(</a:t>
-            </a:r>
-            <a:r>
-              <a:rPr lang="en-US" dirty="0" err="1">
-                <a:latin typeface="Courier New" panose="02070309020205020404" pitchFamily="49" charset="0"/>
-                <a:cs typeface="Courier New" panose="02070309020205020404" pitchFamily="49" charset="0"/>
-              </a:rPr>
-              <a:t>concat</a:t>
-            </a:r>
-            <a:r>
-              <a:rPr lang="en-US" dirty="0">
-                <a:latin typeface="Courier New" panose="02070309020205020404" pitchFamily="49" charset="0"/>
-                <a:cs typeface="Courier New" panose="02070309020205020404" pitchFamily="49" charset="0"/>
-              </a:rPr>
-              <a:t>, second);</a:t>
-            </a:r>
-          </a:p>
-          <a:p>
-            <a:r>
-              <a:rPr lang="en-US" dirty="0">
-                <a:latin typeface="Courier New" panose="02070309020205020404" pitchFamily="49" charset="0"/>
-                <a:cs typeface="Courier New" panose="02070309020205020404" pitchFamily="49" charset="0"/>
-              </a:rPr>
-              <a:t>    </a:t>
-            </a:r>
-            <a:r>
-              <a:rPr lang="en-US" dirty="0" err="1">
-                <a:latin typeface="Courier New" panose="02070309020205020404" pitchFamily="49" charset="0"/>
-                <a:cs typeface="Courier New" panose="02070309020205020404" pitchFamily="49" charset="0"/>
-              </a:rPr>
-              <a:t>printf</a:t>
-            </a:r>
-            <a:r>
-              <a:rPr lang="en-US" dirty="0">
-                <a:latin typeface="Courier New" panose="02070309020205020404" pitchFamily="49" charset="0"/>
-                <a:cs typeface="Courier New" panose="02070309020205020404" pitchFamily="49" charset="0"/>
-              </a:rPr>
-              <a:t>("%s\n", </a:t>
-            </a:r>
-            <a:r>
-              <a:rPr lang="en-US" dirty="0" err="1">
-                <a:latin typeface="Courier New" panose="02070309020205020404" pitchFamily="49" charset="0"/>
-                <a:cs typeface="Courier New" panose="02070309020205020404" pitchFamily="49" charset="0"/>
-              </a:rPr>
-              <a:t>concat</a:t>
-            </a:r>
-            <a:r>
-              <a:rPr lang="en-US" dirty="0">
-                <a:latin typeface="Courier New" panose="02070309020205020404" pitchFamily="49" charset="0"/>
-                <a:cs typeface="Courier New" panose="02070309020205020404" pitchFamily="49" charset="0"/>
-              </a:rPr>
-              <a:t>);</a:t>
+              <a:t>i</a:t>
+            </a:r>
+            <a:r>
+              <a:rPr lang="en-US" dirty="0">
+                <a:latin typeface="Courier New" panose="02070309020205020404" pitchFamily="49" charset="0"/>
+                <a:cs typeface="Courier New" panose="02070309020205020404" pitchFamily="49" charset="0"/>
+              </a:rPr>
+              <a:t>]));</a:t>
             </a:r>
           </a:p>
           <a:p>
@@ -12120,8 +12079,8 @@
         </p:nvSpPr>
         <p:spPr>
           <a:xfrm>
-            <a:off x="1657029" y="4815385"/>
-            <a:ext cx="2803973" cy="1200329"/>
+            <a:off x="2432883" y="4783747"/>
+            <a:ext cx="6801862" cy="1200329"/>
           </a:xfrm>
           <a:prstGeom prst="rect">
             <a:avLst/>
@@ -12138,23 +12097,23 @@
               <a:rPr lang="en-US" dirty="0">
                 <a:latin typeface="Monaco" pitchFamily="2" charset="77"/>
               </a:rPr>
-              <a:t>Enter two strings</a:t>
-            </a:r>
-          </a:p>
-          <a:p>
-            <a:r>
-              <a:rPr lang="en-US" b="1" dirty="0">
+              <a:t>BUT SOFT WHAT LIGHT THROUGH YONDER WINDOW BREAKS</a:t>
+            </a:r>
+          </a:p>
+          <a:p>
+            <a:r>
+              <a:rPr lang="en-US" dirty="0">
                 <a:latin typeface="Monaco" pitchFamily="2" charset="77"/>
               </a:rPr>
-              <a:t>Kernighan</a:t>
-            </a:r>
-          </a:p>
-          <a:p>
-            <a:r>
-              <a:rPr lang="en-US" b="1" dirty="0">
+              <a:t>IT IS THE EAST AND JULIET IS THE SUN</a:t>
+            </a:r>
+          </a:p>
+          <a:p>
+            <a:r>
+              <a:rPr lang="en-US" dirty="0">
                 <a:latin typeface="Monaco" pitchFamily="2" charset="77"/>
               </a:rPr>
-              <a:t>Ritchie</a:t>
+              <a:t>ARISE FAIR SUN AND KILL THE ENVIOUS MOON</a:t>
             </a:r>
           </a:p>
           <a:p>
@@ -12162,17 +12121,17 @@
               <a:rPr lang="en-US" dirty="0">
                 <a:latin typeface="Monaco" pitchFamily="2" charset="77"/>
               </a:rPr>
-              <a:t>Kernighan &amp; Ritchie</a:t>
+              <a:t>WHO IS ALREADY SICK AND PALE WITH GRIEF</a:t>
             </a:r>
           </a:p>
         </p:txBody>
       </p:sp>
       <p:sp>
         <p:nvSpPr>
-          <p:cNvPr id="8" name="TextBox 7">
+          <p:cNvPr id="9" name="TextBox 8">
             <a:extLst>
               <a:ext uri="{FF2B5EF4-FFF2-40B4-BE49-F238E27FC236}">
-                <a16:creationId xmlns:a16="http://schemas.microsoft.com/office/drawing/2014/main" id="{F7AC2D4A-1256-8DC4-CDEF-7E9063C86FCE}"/>
+                <a16:creationId xmlns:a16="http://schemas.microsoft.com/office/drawing/2014/main" id="{C880686D-54E3-5C35-770B-778EBE0D0537}"/>
               </a:ext>
             </a:extLst>
           </p:cNvPr>
@@ -12203,7 +12162,7 @@
                 <a:effectLst/>
                 <a:latin typeface="Menlo" panose="020B0609030804020204" pitchFamily="49" charset="0"/>
               </a:rPr>
-              <a:t>cc_02_12.c</a:t>
+              <a:t>cc_02_11.c</a:t>
             </a:r>
           </a:p>
         </p:txBody>
@@ -12211,7 +12170,7 @@
     </p:spTree>
     <p:extLst>
       <p:ext uri="{BB962C8B-B14F-4D97-AF65-F5344CB8AC3E}">
-        <p14:creationId xmlns:p14="http://schemas.microsoft.com/office/powerpoint/2010/main" val="340733453"/>
+        <p14:creationId xmlns:p14="http://schemas.microsoft.com/office/powerpoint/2010/main" val="1459537303"/>
       </p:ext>
     </p:extLst>
   </p:cSld>
@@ -12261,6 +12220,564 @@
           <a:p>
             <a:r>
               <a:rPr lang="en-US" dirty="0"/>
+              <a:t>Concatenation</a:t>
+            </a:r>
+          </a:p>
+        </p:txBody>
+      </p:sp>
+      <p:sp>
+        <p:nvSpPr>
+          <p:cNvPr id="5" name="TextBox 4">
+            <a:extLst>
+              <a:ext uri="{FF2B5EF4-FFF2-40B4-BE49-F238E27FC236}">
+                <a16:creationId xmlns:a16="http://schemas.microsoft.com/office/drawing/2014/main" id="{FDC36094-8775-EBE3-1FED-6DF8907EC500}"/>
+              </a:ext>
+            </a:extLst>
+          </p:cNvPr>
+          <p:cNvSpPr txBox="1"/>
+          <p:nvPr/>
+        </p:nvSpPr>
+        <p:spPr>
+          <a:xfrm>
+            <a:off x="838200" y="2577706"/>
+            <a:ext cx="4182555" cy="1200329"/>
+          </a:xfrm>
+          <a:prstGeom prst="rect">
+            <a:avLst/>
+          </a:prstGeom>
+          <a:noFill/>
+        </p:spPr>
+        <p:txBody>
+          <a:bodyPr wrap="none" rtlCol="0">
+            <a:spAutoFit/>
+          </a:bodyPr>
+          <a:lstStyle/>
+          <a:p>
+            <a:r>
+              <a:rPr lang="en-US" dirty="0">
+                <a:latin typeface="Courier New" panose="02070309020205020404" pitchFamily="49" charset="0"/>
+                <a:cs typeface="Courier New" panose="02070309020205020404" pitchFamily="49" charset="0"/>
+              </a:rPr>
+              <a:t>print('Enter two strings');</a:t>
+            </a:r>
+          </a:p>
+          <a:p>
+            <a:r>
+              <a:rPr lang="en-US" dirty="0">
+                <a:latin typeface="Courier New" panose="02070309020205020404" pitchFamily="49" charset="0"/>
+                <a:cs typeface="Courier New" panose="02070309020205020404" pitchFamily="49" charset="0"/>
+              </a:rPr>
+              <a:t>first = input()</a:t>
+            </a:r>
+          </a:p>
+          <a:p>
+            <a:r>
+              <a:rPr lang="en-US" dirty="0">
+                <a:latin typeface="Courier New" panose="02070309020205020404" pitchFamily="49" charset="0"/>
+                <a:cs typeface="Courier New" panose="02070309020205020404" pitchFamily="49" charset="0"/>
+              </a:rPr>
+              <a:t>second = input()</a:t>
+            </a:r>
+          </a:p>
+          <a:p>
+            <a:r>
+              <a:rPr lang="en-US" dirty="0">
+                <a:latin typeface="Courier New" panose="02070309020205020404" pitchFamily="49" charset="0"/>
+                <a:cs typeface="Courier New" panose="02070309020205020404" pitchFamily="49" charset="0"/>
+              </a:rPr>
+              <a:t>print(first + " &amp; " + second)</a:t>
+            </a:r>
+          </a:p>
+        </p:txBody>
+      </p:sp>
+      <p:sp>
+        <p:nvSpPr>
+          <p:cNvPr id="6" name="TextBox 5">
+            <a:extLst>
+              <a:ext uri="{FF2B5EF4-FFF2-40B4-BE49-F238E27FC236}">
+                <a16:creationId xmlns:a16="http://schemas.microsoft.com/office/drawing/2014/main" id="{C004B7C8-BBD4-1EE7-3894-3C801D6DC253}"/>
+              </a:ext>
+            </a:extLst>
+          </p:cNvPr>
+          <p:cNvSpPr txBox="1"/>
+          <p:nvPr/>
+        </p:nvSpPr>
+        <p:spPr>
+          <a:xfrm>
+            <a:off x="5665854" y="1367427"/>
+            <a:ext cx="6526146" cy="3416320"/>
+          </a:xfrm>
+          <a:prstGeom prst="rect">
+            <a:avLst/>
+          </a:prstGeom>
+          <a:noFill/>
+        </p:spPr>
+        <p:txBody>
+          <a:bodyPr wrap="none" rtlCol="0">
+            <a:spAutoFit/>
+          </a:bodyPr>
+          <a:lstStyle/>
+          <a:p>
+            <a:r>
+              <a:rPr lang="en-US" dirty="0">
+                <a:latin typeface="Courier New" panose="02070309020205020404" pitchFamily="49" charset="0"/>
+                <a:cs typeface="Courier New" panose="02070309020205020404" pitchFamily="49" charset="0"/>
+              </a:rPr>
+              <a:t>#include &lt;</a:t>
+            </a:r>
+            <a:r>
+              <a:rPr lang="en-US" dirty="0" err="1">
+                <a:latin typeface="Courier New" panose="02070309020205020404" pitchFamily="49" charset="0"/>
+                <a:cs typeface="Courier New" panose="02070309020205020404" pitchFamily="49" charset="0"/>
+              </a:rPr>
+              <a:t>stdio.h</a:t>
+            </a:r>
+            <a:r>
+              <a:rPr lang="en-US" dirty="0">
+                <a:latin typeface="Courier New" panose="02070309020205020404" pitchFamily="49" charset="0"/>
+                <a:cs typeface="Courier New" panose="02070309020205020404" pitchFamily="49" charset="0"/>
+              </a:rPr>
+              <a:t>&gt;</a:t>
+            </a:r>
+          </a:p>
+          <a:p>
+            <a:r>
+              <a:rPr lang="en-US" dirty="0">
+                <a:latin typeface="Courier New" panose="02070309020205020404" pitchFamily="49" charset="0"/>
+                <a:cs typeface="Courier New" panose="02070309020205020404" pitchFamily="49" charset="0"/>
+              </a:rPr>
+              <a:t>#include &lt;</a:t>
+            </a:r>
+            <a:r>
+              <a:rPr lang="en-US" dirty="0" err="1">
+                <a:latin typeface="Courier New" panose="02070309020205020404" pitchFamily="49" charset="0"/>
+                <a:cs typeface="Courier New" panose="02070309020205020404" pitchFamily="49" charset="0"/>
+              </a:rPr>
+              <a:t>string.h</a:t>
+            </a:r>
+            <a:r>
+              <a:rPr lang="en-US" dirty="0">
+                <a:latin typeface="Courier New" panose="02070309020205020404" pitchFamily="49" charset="0"/>
+                <a:cs typeface="Courier New" panose="02070309020205020404" pitchFamily="49" charset="0"/>
+              </a:rPr>
+              <a:t>&gt;</a:t>
+            </a:r>
+          </a:p>
+          <a:p>
+            <a:r>
+              <a:rPr lang="en-US" dirty="0">
+                <a:latin typeface="Courier New" panose="02070309020205020404" pitchFamily="49" charset="0"/>
+                <a:cs typeface="Courier New" panose="02070309020205020404" pitchFamily="49" charset="0"/>
+              </a:rPr>
+              <a:t>int main() {</a:t>
+            </a:r>
+          </a:p>
+          <a:p>
+            <a:r>
+              <a:rPr lang="en-US" dirty="0">
+                <a:latin typeface="Courier New" panose="02070309020205020404" pitchFamily="49" charset="0"/>
+                <a:cs typeface="Courier New" panose="02070309020205020404" pitchFamily="49" charset="0"/>
+              </a:rPr>
+              <a:t>    char first[100], second[100], </a:t>
+            </a:r>
+            <a:r>
+              <a:rPr lang="en-US" dirty="0" err="1">
+                <a:latin typeface="Courier New" panose="02070309020205020404" pitchFamily="49" charset="0"/>
+                <a:cs typeface="Courier New" panose="02070309020205020404" pitchFamily="49" charset="0"/>
+              </a:rPr>
+              <a:t>concat</a:t>
+            </a:r>
+            <a:r>
+              <a:rPr lang="en-US" dirty="0">
+                <a:latin typeface="Courier New" panose="02070309020205020404" pitchFamily="49" charset="0"/>
+                <a:cs typeface="Courier New" panose="02070309020205020404" pitchFamily="49" charset="0"/>
+              </a:rPr>
+              <a:t>[303];</a:t>
+            </a:r>
+          </a:p>
+          <a:p>
+            <a:r>
+              <a:rPr lang="en-US" dirty="0">
+                <a:latin typeface="Courier New" panose="02070309020205020404" pitchFamily="49" charset="0"/>
+                <a:cs typeface="Courier New" panose="02070309020205020404" pitchFamily="49" charset="0"/>
+              </a:rPr>
+              <a:t>    </a:t>
+            </a:r>
+            <a:r>
+              <a:rPr lang="en-US" dirty="0" err="1">
+                <a:latin typeface="Courier New" panose="02070309020205020404" pitchFamily="49" charset="0"/>
+                <a:cs typeface="Courier New" panose="02070309020205020404" pitchFamily="49" charset="0"/>
+              </a:rPr>
+              <a:t>printf</a:t>
+            </a:r>
+            <a:r>
+              <a:rPr lang="en-US" dirty="0">
+                <a:latin typeface="Courier New" panose="02070309020205020404" pitchFamily="49" charset="0"/>
+                <a:cs typeface="Courier New" panose="02070309020205020404" pitchFamily="49" charset="0"/>
+              </a:rPr>
+              <a:t>("Enter two strings\n");</a:t>
+            </a:r>
+          </a:p>
+          <a:p>
+            <a:r>
+              <a:rPr lang="en-US" dirty="0">
+                <a:latin typeface="Courier New" panose="02070309020205020404" pitchFamily="49" charset="0"/>
+                <a:cs typeface="Courier New" panose="02070309020205020404" pitchFamily="49" charset="0"/>
+              </a:rPr>
+              <a:t>    </a:t>
+            </a:r>
+            <a:r>
+              <a:rPr lang="en-US" dirty="0" err="1">
+                <a:latin typeface="Courier New" panose="02070309020205020404" pitchFamily="49" charset="0"/>
+                <a:cs typeface="Courier New" panose="02070309020205020404" pitchFamily="49" charset="0"/>
+              </a:rPr>
+              <a:t>scanf</a:t>
+            </a:r>
+            <a:r>
+              <a:rPr lang="en-US" dirty="0">
+                <a:latin typeface="Courier New" panose="02070309020205020404" pitchFamily="49" charset="0"/>
+                <a:cs typeface="Courier New" panose="02070309020205020404" pitchFamily="49" charset="0"/>
+              </a:rPr>
+              <a:t>("%100s", first);</a:t>
+            </a:r>
+          </a:p>
+          <a:p>
+            <a:r>
+              <a:rPr lang="en-US" dirty="0">
+                <a:latin typeface="Courier New" panose="02070309020205020404" pitchFamily="49" charset="0"/>
+                <a:cs typeface="Courier New" panose="02070309020205020404" pitchFamily="49" charset="0"/>
+              </a:rPr>
+              <a:t>    </a:t>
+            </a:r>
+            <a:r>
+              <a:rPr lang="en-US" dirty="0" err="1">
+                <a:latin typeface="Courier New" panose="02070309020205020404" pitchFamily="49" charset="0"/>
+                <a:cs typeface="Courier New" panose="02070309020205020404" pitchFamily="49" charset="0"/>
+              </a:rPr>
+              <a:t>scanf</a:t>
+            </a:r>
+            <a:r>
+              <a:rPr lang="en-US" dirty="0">
+                <a:latin typeface="Courier New" panose="02070309020205020404" pitchFamily="49" charset="0"/>
+                <a:cs typeface="Courier New" panose="02070309020205020404" pitchFamily="49" charset="0"/>
+              </a:rPr>
+              <a:t>("%100s", second);</a:t>
+            </a:r>
+          </a:p>
+          <a:p>
+            <a:r>
+              <a:rPr lang="en-US" dirty="0">
+                <a:latin typeface="Courier New" panose="02070309020205020404" pitchFamily="49" charset="0"/>
+                <a:cs typeface="Courier New" panose="02070309020205020404" pitchFamily="49" charset="0"/>
+              </a:rPr>
+              <a:t>    </a:t>
+            </a:r>
+            <a:r>
+              <a:rPr lang="en-US" dirty="0" err="1">
+                <a:latin typeface="Courier New" panose="02070309020205020404" pitchFamily="49" charset="0"/>
+                <a:cs typeface="Courier New" panose="02070309020205020404" pitchFamily="49" charset="0"/>
+              </a:rPr>
+              <a:t>strcpy</a:t>
+            </a:r>
+            <a:r>
+              <a:rPr lang="en-US" dirty="0">
+                <a:latin typeface="Courier New" panose="02070309020205020404" pitchFamily="49" charset="0"/>
+                <a:cs typeface="Courier New" panose="02070309020205020404" pitchFamily="49" charset="0"/>
+              </a:rPr>
+              <a:t>(</a:t>
+            </a:r>
+            <a:r>
+              <a:rPr lang="en-US" dirty="0" err="1">
+                <a:latin typeface="Courier New" panose="02070309020205020404" pitchFamily="49" charset="0"/>
+                <a:cs typeface="Courier New" panose="02070309020205020404" pitchFamily="49" charset="0"/>
+              </a:rPr>
+              <a:t>concat</a:t>
+            </a:r>
+            <a:r>
+              <a:rPr lang="en-US" dirty="0">
+                <a:latin typeface="Courier New" panose="02070309020205020404" pitchFamily="49" charset="0"/>
+                <a:cs typeface="Courier New" panose="02070309020205020404" pitchFamily="49" charset="0"/>
+              </a:rPr>
+              <a:t>, first);</a:t>
+            </a:r>
+          </a:p>
+          <a:p>
+            <a:r>
+              <a:rPr lang="en-US" dirty="0">
+                <a:latin typeface="Courier New" panose="02070309020205020404" pitchFamily="49" charset="0"/>
+                <a:cs typeface="Courier New" panose="02070309020205020404" pitchFamily="49" charset="0"/>
+              </a:rPr>
+              <a:t>    </a:t>
+            </a:r>
+            <a:r>
+              <a:rPr lang="en-US" dirty="0" err="1">
+                <a:latin typeface="Courier New" panose="02070309020205020404" pitchFamily="49" charset="0"/>
+                <a:cs typeface="Courier New" panose="02070309020205020404" pitchFamily="49" charset="0"/>
+              </a:rPr>
+              <a:t>strcat</a:t>
+            </a:r>
+            <a:r>
+              <a:rPr lang="en-US" dirty="0">
+                <a:latin typeface="Courier New" panose="02070309020205020404" pitchFamily="49" charset="0"/>
+                <a:cs typeface="Courier New" panose="02070309020205020404" pitchFamily="49" charset="0"/>
+              </a:rPr>
+              <a:t>(</a:t>
+            </a:r>
+            <a:r>
+              <a:rPr lang="en-US" dirty="0" err="1">
+                <a:latin typeface="Courier New" panose="02070309020205020404" pitchFamily="49" charset="0"/>
+                <a:cs typeface="Courier New" panose="02070309020205020404" pitchFamily="49" charset="0"/>
+              </a:rPr>
+              <a:t>concat</a:t>
+            </a:r>
+            <a:r>
+              <a:rPr lang="en-US" dirty="0">
+                <a:latin typeface="Courier New" panose="02070309020205020404" pitchFamily="49" charset="0"/>
+                <a:cs typeface="Courier New" panose="02070309020205020404" pitchFamily="49" charset="0"/>
+              </a:rPr>
+              <a:t>, " &amp; ");</a:t>
+            </a:r>
+          </a:p>
+          <a:p>
+            <a:r>
+              <a:rPr lang="en-US" dirty="0">
+                <a:latin typeface="Courier New" panose="02070309020205020404" pitchFamily="49" charset="0"/>
+                <a:cs typeface="Courier New" panose="02070309020205020404" pitchFamily="49" charset="0"/>
+              </a:rPr>
+              <a:t>    </a:t>
+            </a:r>
+            <a:r>
+              <a:rPr lang="en-US" dirty="0" err="1">
+                <a:latin typeface="Courier New" panose="02070309020205020404" pitchFamily="49" charset="0"/>
+                <a:cs typeface="Courier New" panose="02070309020205020404" pitchFamily="49" charset="0"/>
+              </a:rPr>
+              <a:t>strcat</a:t>
+            </a:r>
+            <a:r>
+              <a:rPr lang="en-US" dirty="0">
+                <a:latin typeface="Courier New" panose="02070309020205020404" pitchFamily="49" charset="0"/>
+                <a:cs typeface="Courier New" panose="02070309020205020404" pitchFamily="49" charset="0"/>
+              </a:rPr>
+              <a:t>(</a:t>
+            </a:r>
+            <a:r>
+              <a:rPr lang="en-US" dirty="0" err="1">
+                <a:latin typeface="Courier New" panose="02070309020205020404" pitchFamily="49" charset="0"/>
+                <a:cs typeface="Courier New" panose="02070309020205020404" pitchFamily="49" charset="0"/>
+              </a:rPr>
+              <a:t>concat</a:t>
+            </a:r>
+            <a:r>
+              <a:rPr lang="en-US" dirty="0">
+                <a:latin typeface="Courier New" panose="02070309020205020404" pitchFamily="49" charset="0"/>
+                <a:cs typeface="Courier New" panose="02070309020205020404" pitchFamily="49" charset="0"/>
+              </a:rPr>
+              <a:t>, second);</a:t>
+            </a:r>
+          </a:p>
+          <a:p>
+            <a:r>
+              <a:rPr lang="en-US" dirty="0">
+                <a:latin typeface="Courier New" panose="02070309020205020404" pitchFamily="49" charset="0"/>
+                <a:cs typeface="Courier New" panose="02070309020205020404" pitchFamily="49" charset="0"/>
+              </a:rPr>
+              <a:t>    </a:t>
+            </a:r>
+            <a:r>
+              <a:rPr lang="en-US" dirty="0" err="1">
+                <a:latin typeface="Courier New" panose="02070309020205020404" pitchFamily="49" charset="0"/>
+                <a:cs typeface="Courier New" panose="02070309020205020404" pitchFamily="49" charset="0"/>
+              </a:rPr>
+              <a:t>printf</a:t>
+            </a:r>
+            <a:r>
+              <a:rPr lang="en-US" dirty="0">
+                <a:latin typeface="Courier New" panose="02070309020205020404" pitchFamily="49" charset="0"/>
+                <a:cs typeface="Courier New" panose="02070309020205020404" pitchFamily="49" charset="0"/>
+              </a:rPr>
+              <a:t>("%s\n", </a:t>
+            </a:r>
+            <a:r>
+              <a:rPr lang="en-US" dirty="0" err="1">
+                <a:latin typeface="Courier New" panose="02070309020205020404" pitchFamily="49" charset="0"/>
+                <a:cs typeface="Courier New" panose="02070309020205020404" pitchFamily="49" charset="0"/>
+              </a:rPr>
+              <a:t>concat</a:t>
+            </a:r>
+            <a:r>
+              <a:rPr lang="en-US" dirty="0">
+                <a:latin typeface="Courier New" panose="02070309020205020404" pitchFamily="49" charset="0"/>
+                <a:cs typeface="Courier New" panose="02070309020205020404" pitchFamily="49" charset="0"/>
+              </a:rPr>
+              <a:t>);</a:t>
+            </a:r>
+          </a:p>
+          <a:p>
+            <a:r>
+              <a:rPr lang="en-US" dirty="0">
+                <a:latin typeface="Courier New" panose="02070309020205020404" pitchFamily="49" charset="0"/>
+                <a:cs typeface="Courier New" panose="02070309020205020404" pitchFamily="49" charset="0"/>
+              </a:rPr>
+              <a:t>}</a:t>
+            </a:r>
+          </a:p>
+        </p:txBody>
+      </p:sp>
+      <p:sp>
+        <p:nvSpPr>
+          <p:cNvPr id="7" name="TextBox 6">
+            <a:extLst>
+              <a:ext uri="{FF2B5EF4-FFF2-40B4-BE49-F238E27FC236}">
+                <a16:creationId xmlns:a16="http://schemas.microsoft.com/office/drawing/2014/main" id="{03B4458A-37BA-02AB-CE8C-B288D36FE6BF}"/>
+              </a:ext>
+            </a:extLst>
+          </p:cNvPr>
+          <p:cNvSpPr txBox="1"/>
+          <p:nvPr/>
+        </p:nvSpPr>
+        <p:spPr>
+          <a:xfrm>
+            <a:off x="1657029" y="4815385"/>
+            <a:ext cx="2803973" cy="1200329"/>
+          </a:xfrm>
+          <a:prstGeom prst="rect">
+            <a:avLst/>
+          </a:prstGeom>
+          <a:noFill/>
+        </p:spPr>
+        <p:txBody>
+          <a:bodyPr wrap="none" rtlCol="0">
+            <a:spAutoFit/>
+          </a:bodyPr>
+          <a:lstStyle/>
+          <a:p>
+            <a:r>
+              <a:rPr lang="en-US" dirty="0">
+                <a:latin typeface="Monaco" pitchFamily="2" charset="77"/>
+              </a:rPr>
+              <a:t>Enter two strings</a:t>
+            </a:r>
+          </a:p>
+          <a:p>
+            <a:r>
+              <a:rPr lang="en-US" b="1" dirty="0">
+                <a:latin typeface="Monaco" pitchFamily="2" charset="77"/>
+              </a:rPr>
+              <a:t>Kernighan</a:t>
+            </a:r>
+          </a:p>
+          <a:p>
+            <a:r>
+              <a:rPr lang="en-US" b="1" dirty="0">
+                <a:latin typeface="Monaco" pitchFamily="2" charset="77"/>
+              </a:rPr>
+              <a:t>Ritchie</a:t>
+            </a:r>
+          </a:p>
+          <a:p>
+            <a:r>
+              <a:rPr lang="en-US" dirty="0">
+                <a:latin typeface="Monaco" pitchFamily="2" charset="77"/>
+              </a:rPr>
+              <a:t>Kernighan &amp; Ritchie</a:t>
+            </a:r>
+          </a:p>
+        </p:txBody>
+      </p:sp>
+      <p:sp>
+        <p:nvSpPr>
+          <p:cNvPr id="8" name="TextBox 7">
+            <a:extLst>
+              <a:ext uri="{FF2B5EF4-FFF2-40B4-BE49-F238E27FC236}">
+                <a16:creationId xmlns:a16="http://schemas.microsoft.com/office/drawing/2014/main" id="{F7AC2D4A-1256-8DC4-CDEF-7E9063C86FCE}"/>
+              </a:ext>
+            </a:extLst>
+          </p:cNvPr>
+          <p:cNvSpPr txBox="1"/>
+          <p:nvPr/>
+        </p:nvSpPr>
+        <p:spPr>
+          <a:xfrm>
+            <a:off x="10460182" y="6323598"/>
+            <a:ext cx="1600199" cy="338554"/>
+          </a:xfrm>
+          <a:prstGeom prst="rect">
+            <a:avLst/>
+          </a:prstGeom>
+          <a:noFill/>
+        </p:spPr>
+        <p:txBody>
+          <a:bodyPr wrap="square">
+            <a:spAutoFit/>
+          </a:bodyPr>
+          <a:lstStyle/>
+          <a:p>
+            <a:r>
+              <a:rPr lang="en-US" sz="1600" dirty="0">
+                <a:solidFill>
+                  <a:srgbClr val="000000"/>
+                </a:solidFill>
+                <a:effectLst/>
+                <a:latin typeface="Menlo" panose="020B0609030804020204" pitchFamily="49" charset="0"/>
+              </a:rPr>
+              <a:t>cc_02_12.c</a:t>
+            </a:r>
+          </a:p>
+        </p:txBody>
+      </p:sp>
+    </p:spTree>
+    <p:extLst>
+      <p:ext uri="{BB962C8B-B14F-4D97-AF65-F5344CB8AC3E}">
+        <p14:creationId xmlns:p14="http://schemas.microsoft.com/office/powerpoint/2010/main" val="340733453"/>
+      </p:ext>
+    </p:extLst>
+  </p:cSld>
+  <p:clrMapOvr>
+    <a:masterClrMapping/>
+  </p:clrMapOvr>
+</p:sld>
+</file>
+
+<file path=ppt/slides/slide23.xml><?xml version="1.0" encoding="utf-8"?>
+<p:sld xmlns:a="http://schemas.openxmlformats.org/drawingml/2006/main" xmlns:r="http://schemas.openxmlformats.org/officeDocument/2006/relationships" xmlns:p="http://schemas.openxmlformats.org/presentationml/2006/main">
+  <p:cSld>
+    <p:spTree>
+      <p:nvGrpSpPr>
+        <p:cNvPr id="1" name=""/>
+        <p:cNvGrpSpPr/>
+        <p:nvPr/>
+      </p:nvGrpSpPr>
+      <p:grpSpPr>
+        <a:xfrm>
+          <a:off x="0" y="0"/>
+          <a:ext cx="0" cy="0"/>
+          <a:chOff x="0" y="0"/>
+          <a:chExt cx="0" cy="0"/>
+        </a:xfrm>
+      </p:grpSpPr>
+      <p:sp>
+        <p:nvSpPr>
+          <p:cNvPr id="4" name="Title 3">
+            <a:extLst>
+              <a:ext uri="{FF2B5EF4-FFF2-40B4-BE49-F238E27FC236}">
+                <a16:creationId xmlns:a16="http://schemas.microsoft.com/office/drawing/2014/main" id="{C2B508E1-B5B9-9A0B-37F0-15F2BB303BFA}"/>
+              </a:ext>
+            </a:extLst>
+          </p:cNvPr>
+          <p:cNvSpPr>
+            <a:spLocks noGrp="1"/>
+          </p:cNvSpPr>
+          <p:nvPr>
+            <p:ph type="title"/>
+          </p:nvPr>
+        </p:nvSpPr>
+        <p:spPr/>
+        <p:txBody>
+          <a:bodyPr/>
+          <a:lstStyle/>
+          <a:p>
+            <a:r>
+              <a:rPr lang="en-US" dirty="0"/>
               <a:t>Right Strip</a:t>
             </a:r>
           </a:p>
@@ -12973,7 +13490,7 @@
 </p:sld>
 </file>
 
-<file path=ppt/slides/slide23.xml><?xml version="1.0" encoding="utf-8"?>
+<file path=ppt/slides/slide24.xml><?xml version="1.0" encoding="utf-8"?>
 <p:sld xmlns:a="http://schemas.openxmlformats.org/drawingml/2006/main" xmlns:r="http://schemas.openxmlformats.org/officeDocument/2006/relationships" xmlns:p="http://schemas.openxmlformats.org/presentationml/2006/main">
   <p:cSld>
     <p:spTree>
@@ -14451,7 +14968,7 @@
         <p:spPr/>
         <p:txBody>
           <a:bodyPr>
-            <a:normAutofit lnSpcReduction="10000"/>
+            <a:normAutofit/>
           </a:bodyPr>
           <a:lstStyle/>
           <a:p>
@@ -14467,13 +14984,6 @@
             </a:r>
           </a:p>
           <a:p>
-            <a:pPr lvl="1"/>
-            <a:r>
-              <a:rPr lang="en-US" dirty="0"/>
-              <a:t>is / in / and / not / or - are different</a:t>
-            </a:r>
-          </a:p>
-          <a:p>
             <a:r>
               <a:rPr lang="en-US" dirty="0"/>
               <a:t>Variable naming rules – letter/underscore + numbers/letters/underscores – also case matters</a:t>
@@ -14499,7 +15009,7 @@
           <a:p>
             <a:r>
               <a:rPr lang="en-US" dirty="0"/>
-              <a:t>Both have int / float, (char, byte)</a:t>
+              <a:t>Both have int / float, and char / byte</a:t>
             </a:r>
           </a:p>
           <a:p>
@@ -14561,10 +15071,10 @@
       </p:grpSpPr>
       <p:sp>
         <p:nvSpPr>
-          <p:cNvPr id="4" name="Title 3">
+          <p:cNvPr id="2" name="Title 1">
             <a:extLst>
               <a:ext uri="{FF2B5EF4-FFF2-40B4-BE49-F238E27FC236}">
-                <a16:creationId xmlns:a16="http://schemas.microsoft.com/office/drawing/2014/main" id="{C2B508E1-B5B9-9A0B-37F0-15F2BB303BFA}"/>
+                <a16:creationId xmlns:a16="http://schemas.microsoft.com/office/drawing/2014/main" id="{5B3AED1D-6C16-1F79-AEF7-1B42D5D0EE79}"/>
               </a:ext>
             </a:extLst>
           </p:cNvPr>
@@ -14582,388 +15092,98 @@
           <a:p>
             <a:r>
               <a:rPr lang="en-US" dirty="0"/>
-              <a:t>Output</a:t>
+              <a:t>Differences</a:t>
             </a:r>
           </a:p>
         </p:txBody>
       </p:sp>
       <p:sp>
         <p:nvSpPr>
-          <p:cNvPr id="5" name="TextBox 4">
+          <p:cNvPr id="3" name="Content Placeholder 2">
             <a:extLst>
               <a:ext uri="{FF2B5EF4-FFF2-40B4-BE49-F238E27FC236}">
-                <a16:creationId xmlns:a16="http://schemas.microsoft.com/office/drawing/2014/main" id="{FDC36094-8775-EBE3-1FED-6DF8907EC500}"/>
+                <a16:creationId xmlns:a16="http://schemas.microsoft.com/office/drawing/2014/main" id="{0757E5B1-7BA6-8745-AFA7-93C1E2191BB6}"/>
               </a:ext>
             </a:extLst>
           </p:cNvPr>
-          <p:cNvSpPr txBox="1"/>
-          <p:nvPr/>
+          <p:cNvSpPr>
+            <a:spLocks noGrp="1"/>
+          </p:cNvSpPr>
+          <p:nvPr>
+            <p:ph idx="1"/>
+          </p:nvPr>
         </p:nvSpPr>
-        <p:spPr>
-          <a:xfrm>
-            <a:off x="954156" y="1682693"/>
-            <a:ext cx="3217547" cy="1477328"/>
-          </a:xfrm>
-          <a:prstGeom prst="rect">
-            <a:avLst/>
-          </a:prstGeom>
-          <a:noFill/>
-        </p:spPr>
+        <p:spPr/>
         <p:txBody>
-          <a:bodyPr wrap="none" rtlCol="0">
-            <a:spAutoFit/>
-          </a:bodyPr>
+          <a:bodyPr/>
           <a:lstStyle/>
           <a:p>
             <a:r>
-              <a:rPr lang="en-US" dirty="0">
-                <a:latin typeface="Courier New" panose="02070309020205020404" pitchFamily="49" charset="0"/>
-                <a:cs typeface="Courier New" panose="02070309020205020404" pitchFamily="49" charset="0"/>
-              </a:rPr>
-              <a:t># I am a comment</a:t>
-            </a:r>
-          </a:p>
-          <a:p>
-            <a:r>
-              <a:rPr lang="en-US" dirty="0">
-                <a:latin typeface="Courier New" panose="02070309020205020404" pitchFamily="49" charset="0"/>
-                <a:cs typeface="Courier New" panose="02070309020205020404" pitchFamily="49" charset="0"/>
-              </a:rPr>
-              <a:t>print('Hello world')</a:t>
-            </a:r>
-          </a:p>
-          <a:p>
-            <a:r>
-              <a:rPr lang="en-US" dirty="0">
-                <a:latin typeface="Courier New" panose="02070309020205020404" pitchFamily="49" charset="0"/>
-                <a:cs typeface="Courier New" panose="02070309020205020404" pitchFamily="49" charset="0"/>
-              </a:rPr>
-              <a:t>print('Answer', 42)</a:t>
-            </a:r>
-          </a:p>
-          <a:p>
-            <a:r>
-              <a:rPr lang="en-US" dirty="0">
-                <a:latin typeface="Courier New" panose="02070309020205020404" pitchFamily="49" charset="0"/>
-                <a:cs typeface="Courier New" panose="02070309020205020404" pitchFamily="49" charset="0"/>
-              </a:rPr>
-              <a:t>print('Name', 'Sarah')</a:t>
-            </a:r>
-          </a:p>
-          <a:p>
-            <a:r>
-              <a:rPr lang="en-US" dirty="0">
-                <a:latin typeface="Courier New" panose="02070309020205020404" pitchFamily="49" charset="0"/>
-                <a:cs typeface="Courier New" panose="02070309020205020404" pitchFamily="49" charset="0"/>
-              </a:rPr>
-              <a:t>print('x',3.5,'i',10)</a:t>
-            </a:r>
-          </a:p>
-        </p:txBody>
-      </p:sp>
-      <p:sp>
-        <p:nvSpPr>
-          <p:cNvPr id="6" name="TextBox 5">
-            <a:extLst>
-              <a:ext uri="{FF2B5EF4-FFF2-40B4-BE49-F238E27FC236}">
-                <a16:creationId xmlns:a16="http://schemas.microsoft.com/office/drawing/2014/main" id="{C004B7C8-BBD4-1EE7-3894-3C801D6DC253}"/>
-              </a:ext>
-            </a:extLst>
-          </p:cNvPr>
-          <p:cNvSpPr txBox="1"/>
-          <p:nvPr/>
-        </p:nvSpPr>
-        <p:spPr>
-          <a:xfrm>
-            <a:off x="6322193" y="1027906"/>
-            <a:ext cx="5423280" cy="2308324"/>
-          </a:xfrm>
-          <a:prstGeom prst="rect">
-            <a:avLst/>
-          </a:prstGeom>
-          <a:noFill/>
-        </p:spPr>
-        <p:txBody>
-          <a:bodyPr wrap="none" rtlCol="0">
-            <a:spAutoFit/>
-          </a:bodyPr>
-          <a:lstStyle/>
-          <a:p>
-            <a:r>
-              <a:rPr lang="en-US" dirty="0">
-                <a:latin typeface="Courier New" panose="02070309020205020404" pitchFamily="49" charset="0"/>
-                <a:cs typeface="Courier New" panose="02070309020205020404" pitchFamily="49" charset="0"/>
-              </a:rPr>
-              <a:t>#include &lt;</a:t>
-            </a:r>
-            <a:r>
-              <a:rPr lang="en-US" dirty="0" err="1">
-                <a:latin typeface="Courier New" panose="02070309020205020404" pitchFamily="49" charset="0"/>
-                <a:cs typeface="Courier New" panose="02070309020205020404" pitchFamily="49" charset="0"/>
-              </a:rPr>
-              <a:t>stdio.h</a:t>
-            </a:r>
-            <a:r>
-              <a:rPr lang="en-US" dirty="0">
-                <a:latin typeface="Courier New" panose="02070309020205020404" pitchFamily="49" charset="0"/>
-                <a:cs typeface="Courier New" panose="02070309020205020404" pitchFamily="49" charset="0"/>
-              </a:rPr>
-              <a:t>&gt;</a:t>
-            </a:r>
-          </a:p>
-          <a:p>
-            <a:r>
-              <a:rPr lang="en-US" dirty="0">
-                <a:latin typeface="Courier New" panose="02070309020205020404" pitchFamily="49" charset="0"/>
-                <a:cs typeface="Courier New" panose="02070309020205020404" pitchFamily="49" charset="0"/>
-              </a:rPr>
-              <a:t>/* I am a comment */</a:t>
-            </a:r>
-          </a:p>
-          <a:p>
-            <a:r>
-              <a:rPr lang="en-US" dirty="0">
-                <a:latin typeface="Courier New" panose="02070309020205020404" pitchFamily="49" charset="0"/>
-                <a:cs typeface="Courier New" panose="02070309020205020404" pitchFamily="49" charset="0"/>
-              </a:rPr>
-              <a:t>int main() {</a:t>
-            </a:r>
-          </a:p>
-          <a:p>
-            <a:r>
-              <a:rPr lang="en-US" dirty="0">
-                <a:latin typeface="Courier New" panose="02070309020205020404" pitchFamily="49" charset="0"/>
-                <a:cs typeface="Courier New" panose="02070309020205020404" pitchFamily="49" charset="0"/>
-              </a:rPr>
-              <a:t>    </a:t>
-            </a:r>
-            <a:r>
-              <a:rPr lang="en-US" dirty="0" err="1">
-                <a:latin typeface="Courier New" panose="02070309020205020404" pitchFamily="49" charset="0"/>
-                <a:cs typeface="Courier New" panose="02070309020205020404" pitchFamily="49" charset="0"/>
-              </a:rPr>
-              <a:t>printf</a:t>
-            </a:r>
-            <a:r>
-              <a:rPr lang="en-US" dirty="0">
-                <a:latin typeface="Courier New" panose="02070309020205020404" pitchFamily="49" charset="0"/>
-                <a:cs typeface="Courier New" panose="02070309020205020404" pitchFamily="49" charset="0"/>
-              </a:rPr>
-              <a:t>("Hello world\n");</a:t>
-            </a:r>
-          </a:p>
-          <a:p>
-            <a:r>
-              <a:rPr lang="en-US" dirty="0">
-                <a:latin typeface="Courier New" panose="02070309020205020404" pitchFamily="49" charset="0"/>
-                <a:cs typeface="Courier New" panose="02070309020205020404" pitchFamily="49" charset="0"/>
-              </a:rPr>
-              <a:t>    </a:t>
-            </a:r>
-            <a:r>
-              <a:rPr lang="en-US" dirty="0" err="1">
-                <a:latin typeface="Courier New" panose="02070309020205020404" pitchFamily="49" charset="0"/>
-                <a:cs typeface="Courier New" panose="02070309020205020404" pitchFamily="49" charset="0"/>
-              </a:rPr>
-              <a:t>printf</a:t>
-            </a:r>
-            <a:r>
-              <a:rPr lang="en-US" dirty="0">
-                <a:latin typeface="Courier New" panose="02070309020205020404" pitchFamily="49" charset="0"/>
-                <a:cs typeface="Courier New" panose="02070309020205020404" pitchFamily="49" charset="0"/>
-              </a:rPr>
-              <a:t>("Answer %d\n", 42);</a:t>
-            </a:r>
-          </a:p>
-          <a:p>
-            <a:r>
-              <a:rPr lang="en-US" dirty="0">
-                <a:latin typeface="Courier New" panose="02070309020205020404" pitchFamily="49" charset="0"/>
-                <a:cs typeface="Courier New" panose="02070309020205020404" pitchFamily="49" charset="0"/>
-              </a:rPr>
-              <a:t>    </a:t>
-            </a:r>
-            <a:r>
-              <a:rPr lang="en-US" dirty="0" err="1">
-                <a:latin typeface="Courier New" panose="02070309020205020404" pitchFamily="49" charset="0"/>
-                <a:cs typeface="Courier New" panose="02070309020205020404" pitchFamily="49" charset="0"/>
-              </a:rPr>
-              <a:t>printf</a:t>
-            </a:r>
-            <a:r>
-              <a:rPr lang="en-US" dirty="0">
-                <a:latin typeface="Courier New" panose="02070309020205020404" pitchFamily="49" charset="0"/>
-                <a:cs typeface="Courier New" panose="02070309020205020404" pitchFamily="49" charset="0"/>
-              </a:rPr>
-              <a:t>("Name %s\n", "Sarah");</a:t>
-            </a:r>
-          </a:p>
-          <a:p>
-            <a:r>
-              <a:rPr lang="en-US" dirty="0">
-                <a:latin typeface="Courier New" panose="02070309020205020404" pitchFamily="49" charset="0"/>
-                <a:cs typeface="Courier New" panose="02070309020205020404" pitchFamily="49" charset="0"/>
-              </a:rPr>
-              <a:t>    </a:t>
-            </a:r>
-            <a:r>
-              <a:rPr lang="en-US" dirty="0" err="1">
-                <a:latin typeface="Courier New" panose="02070309020205020404" pitchFamily="49" charset="0"/>
-                <a:cs typeface="Courier New" panose="02070309020205020404" pitchFamily="49" charset="0"/>
-              </a:rPr>
-              <a:t>printf</a:t>
-            </a:r>
-            <a:r>
-              <a:rPr lang="en-US" dirty="0">
-                <a:latin typeface="Courier New" panose="02070309020205020404" pitchFamily="49" charset="0"/>
-                <a:cs typeface="Courier New" panose="02070309020205020404" pitchFamily="49" charset="0"/>
-              </a:rPr>
-              <a:t>("x %.1f </a:t>
-            </a:r>
-            <a:r>
-              <a:rPr lang="en-US" dirty="0" err="1">
-                <a:latin typeface="Courier New" panose="02070309020205020404" pitchFamily="49" charset="0"/>
-                <a:cs typeface="Courier New" panose="02070309020205020404" pitchFamily="49" charset="0"/>
-              </a:rPr>
-              <a:t>i</a:t>
-            </a:r>
-            <a:r>
-              <a:rPr lang="en-US" dirty="0">
-                <a:latin typeface="Courier New" panose="02070309020205020404" pitchFamily="49" charset="0"/>
-                <a:cs typeface="Courier New" panose="02070309020205020404" pitchFamily="49" charset="0"/>
-              </a:rPr>
-              <a:t> %d\n", 3.5, 100);</a:t>
-            </a:r>
-          </a:p>
-          <a:p>
-            <a:r>
-              <a:rPr lang="en-US" dirty="0">
-                <a:latin typeface="Courier New" panose="02070309020205020404" pitchFamily="49" charset="0"/>
-                <a:cs typeface="Courier New" panose="02070309020205020404" pitchFamily="49" charset="0"/>
-              </a:rPr>
-              <a:t>}</a:t>
-            </a:r>
-          </a:p>
-        </p:txBody>
-      </p:sp>
-      <p:sp>
-        <p:nvSpPr>
-          <p:cNvPr id="7" name="TextBox 6">
-            <a:extLst>
-              <a:ext uri="{FF2B5EF4-FFF2-40B4-BE49-F238E27FC236}">
-                <a16:creationId xmlns:a16="http://schemas.microsoft.com/office/drawing/2014/main" id="{03B4458A-37BA-02AB-CE8C-B288D36FE6BF}"/>
-              </a:ext>
-            </a:extLst>
-          </p:cNvPr>
-          <p:cNvSpPr txBox="1"/>
-          <p:nvPr/>
-        </p:nvSpPr>
-        <p:spPr>
-          <a:xfrm>
-            <a:off x="954156" y="4200590"/>
-            <a:ext cx="1701107" cy="1200329"/>
-          </a:xfrm>
-          <a:prstGeom prst="rect">
-            <a:avLst/>
-          </a:prstGeom>
-          <a:noFill/>
-        </p:spPr>
-        <p:txBody>
-          <a:bodyPr wrap="none" rtlCol="0">
-            <a:spAutoFit/>
-          </a:bodyPr>
-          <a:lstStyle/>
-          <a:p>
-            <a:r>
-              <a:rPr lang="en-US" dirty="0">
-                <a:latin typeface="Monaco" pitchFamily="2" charset="77"/>
-              </a:rPr>
-              <a:t>Hello world</a:t>
-            </a:r>
-          </a:p>
-          <a:p>
-            <a:r>
-              <a:rPr lang="en-US" dirty="0">
-                <a:latin typeface="Monaco" pitchFamily="2" charset="77"/>
-              </a:rPr>
-              <a:t>Answer 42</a:t>
-            </a:r>
-          </a:p>
-          <a:p>
-            <a:r>
-              <a:rPr lang="en-US" dirty="0">
-                <a:latin typeface="Monaco" pitchFamily="2" charset="77"/>
-              </a:rPr>
-              <a:t>Name Sarah</a:t>
-            </a:r>
-          </a:p>
-          <a:p>
-            <a:r>
-              <a:rPr lang="en-US" dirty="0">
-                <a:latin typeface="Monaco" pitchFamily="2" charset="77"/>
-              </a:rPr>
-              <a:t>x 3.5 </a:t>
-            </a:r>
-            <a:r>
-              <a:rPr lang="en-US" dirty="0" err="1">
-                <a:latin typeface="Monaco" pitchFamily="2" charset="77"/>
-              </a:rPr>
-              <a:t>i</a:t>
-            </a:r>
-            <a:r>
-              <a:rPr lang="en-US" dirty="0">
-                <a:latin typeface="Monaco" pitchFamily="2" charset="77"/>
-              </a:rPr>
-              <a:t> 100</a:t>
-            </a:r>
-          </a:p>
-        </p:txBody>
-      </p:sp>
-      <p:sp>
-        <p:nvSpPr>
-          <p:cNvPr id="8" name="TextBox 7">
-            <a:extLst>
-              <a:ext uri="{FF2B5EF4-FFF2-40B4-BE49-F238E27FC236}">
-                <a16:creationId xmlns:a16="http://schemas.microsoft.com/office/drawing/2014/main" id="{B428CDF7-E206-237B-5834-303417C8C9F2}"/>
-              </a:ext>
-            </a:extLst>
-          </p:cNvPr>
-          <p:cNvSpPr txBox="1"/>
-          <p:nvPr/>
-        </p:nvSpPr>
-        <p:spPr>
-          <a:xfrm>
-            <a:off x="10460182" y="6323598"/>
-            <a:ext cx="1600199" cy="338554"/>
-          </a:xfrm>
-          <a:prstGeom prst="rect">
-            <a:avLst/>
-          </a:prstGeom>
-          <a:noFill/>
-        </p:spPr>
-        <p:txBody>
-          <a:bodyPr wrap="square">
-            <a:spAutoFit/>
-          </a:bodyPr>
-          <a:lstStyle/>
-          <a:p>
-            <a:r>
-              <a:rPr lang="en-US" sz="1600" dirty="0">
-                <a:solidFill>
-                  <a:srgbClr val="000000"/>
-                </a:solidFill>
-                <a:effectLst/>
-                <a:latin typeface="Menlo" panose="020B0609030804020204" pitchFamily="49" charset="0"/>
-              </a:rPr>
-              <a:t>cc_02_01.c</a:t>
-            </a:r>
+              <a:rPr lang="en-US" dirty="0"/>
+              <a:t>Boolean operators</a:t>
+            </a:r>
+          </a:p>
+          <a:p>
+            <a:pPr lvl="1"/>
+            <a:r>
+              <a:rPr lang="en-US" dirty="0"/>
+              <a:t>and / not / or  versus &amp;&amp;  !  ||</a:t>
+            </a:r>
+          </a:p>
+          <a:p>
+            <a:r>
+              <a:rPr lang="en-US" dirty="0"/>
+              <a:t>C for loops are indeterminant (i.e. no for ... in in C)</a:t>
+            </a:r>
+          </a:p>
+          <a:p>
+            <a:r>
+              <a:rPr lang="en-US" dirty="0"/>
+              <a:t>C has no pre-defined True or False</a:t>
+            </a:r>
+          </a:p>
+          <a:p>
+            <a:r>
+              <a:rPr lang="en-US" dirty="0"/>
+              <a:t>None and NULL are similar concepts but quite different</a:t>
+            </a:r>
+          </a:p>
+          <a:p>
+            <a:r>
+              <a:rPr lang="en-US" dirty="0"/>
+              <a:t>Strings and character arrays are similar concepts but *very* different</a:t>
+            </a:r>
+          </a:p>
+          <a:p>
+            <a:r>
+              <a:rPr lang="en-US" dirty="0"/>
+              <a:t>C has no list, or </a:t>
+            </a:r>
+            <a:r>
+              <a:rPr lang="en-US" dirty="0" err="1"/>
+              <a:t>dict</a:t>
+            </a:r>
+            <a:endParaRPr lang="en-US" dirty="0"/>
+          </a:p>
+          <a:p>
+            <a:r>
+              <a:rPr lang="en-US" dirty="0"/>
+              <a:t>Python has no struct  - float in Python is a C double</a:t>
+            </a:r>
+          </a:p>
+          <a:p>
+            <a:endParaRPr lang="en-US" dirty="0"/>
+          </a:p>
+          <a:p>
+            <a:pPr lvl="1"/>
+            <a:endParaRPr lang="en-US" dirty="0"/>
           </a:p>
         </p:txBody>
       </p:sp>
     </p:spTree>
     <p:extLst>
       <p:ext uri="{BB962C8B-B14F-4D97-AF65-F5344CB8AC3E}">
-        <p14:creationId xmlns:p14="http://schemas.microsoft.com/office/powerpoint/2010/main" val="879912693"/>
+        <p14:creationId xmlns:p14="http://schemas.microsoft.com/office/powerpoint/2010/main" val="2806219312"/>
       </p:ext>
     </p:extLst>
   </p:cSld>
@@ -15013,7 +15233,7 @@
           <a:p>
             <a:r>
               <a:rPr lang="en-US" dirty="0"/>
-              <a:t>Number Input</a:t>
+              <a:t>Output</a:t>
             </a:r>
           </a:p>
         </p:txBody>
@@ -15033,7 +15253,7 @@
         <p:spPr>
           <a:xfrm>
             <a:off x="954156" y="1682693"/>
-            <a:ext cx="3355406" cy="1200329"/>
+            <a:ext cx="3217547" cy="1477328"/>
           </a:xfrm>
           <a:prstGeom prst="rect">
             <a:avLst/>
@@ -15051,76 +15271,43 @@
                 <a:latin typeface="Courier New" panose="02070309020205020404" pitchFamily="49" charset="0"/>
                 <a:cs typeface="Courier New" panose="02070309020205020404" pitchFamily="49" charset="0"/>
               </a:rPr>
-              <a:t>print('Enter US Floor')</a:t>
-            </a:r>
-          </a:p>
-          <a:p>
-            <a:r>
-              <a:rPr lang="en-US" dirty="0" err="1">
-                <a:latin typeface="Courier New" panose="02070309020205020404" pitchFamily="49" charset="0"/>
-                <a:cs typeface="Courier New" panose="02070309020205020404" pitchFamily="49" charset="0"/>
-              </a:rPr>
-              <a:t>usf</a:t>
-            </a:r>
-            <a:r>
-              <a:rPr lang="en-US" dirty="0">
-                <a:latin typeface="Courier New" panose="02070309020205020404" pitchFamily="49" charset="0"/>
-                <a:cs typeface="Courier New" panose="02070309020205020404" pitchFamily="49" charset="0"/>
-              </a:rPr>
-              <a:t> = int(input())</a:t>
-            </a:r>
-          </a:p>
-          <a:p>
-            <a:r>
-              <a:rPr lang="en-US" dirty="0" err="1">
-                <a:latin typeface="Courier New" panose="02070309020205020404" pitchFamily="49" charset="0"/>
-                <a:cs typeface="Courier New" panose="02070309020205020404" pitchFamily="49" charset="0"/>
-              </a:rPr>
-              <a:t>euf</a:t>
-            </a:r>
-            <a:r>
-              <a:rPr lang="en-US" dirty="0">
-                <a:latin typeface="Courier New" panose="02070309020205020404" pitchFamily="49" charset="0"/>
-                <a:cs typeface="Courier New" panose="02070309020205020404" pitchFamily="49" charset="0"/>
-              </a:rPr>
-              <a:t> = </a:t>
-            </a:r>
-            <a:r>
-              <a:rPr lang="en-US" dirty="0" err="1">
-                <a:latin typeface="Courier New" panose="02070309020205020404" pitchFamily="49" charset="0"/>
-                <a:cs typeface="Courier New" panose="02070309020205020404" pitchFamily="49" charset="0"/>
-              </a:rPr>
-              <a:t>usf</a:t>
-            </a:r>
-            <a:r>
-              <a:rPr lang="en-US" dirty="0">
-                <a:latin typeface="Courier New" panose="02070309020205020404" pitchFamily="49" charset="0"/>
-                <a:cs typeface="Courier New" panose="02070309020205020404" pitchFamily="49" charset="0"/>
-              </a:rPr>
-              <a:t> - 1</a:t>
-            </a:r>
-          </a:p>
-          <a:p>
-            <a:r>
-              <a:rPr lang="en-US" dirty="0">
-                <a:latin typeface="Courier New" panose="02070309020205020404" pitchFamily="49" charset="0"/>
-                <a:cs typeface="Courier New" panose="02070309020205020404" pitchFamily="49" charset="0"/>
-              </a:rPr>
-              <a:t>print('EU Floor', </a:t>
-            </a:r>
-            <a:r>
-              <a:rPr lang="en-US" dirty="0" err="1">
-                <a:latin typeface="Courier New" panose="02070309020205020404" pitchFamily="49" charset="0"/>
-                <a:cs typeface="Courier New" panose="02070309020205020404" pitchFamily="49" charset="0"/>
-              </a:rPr>
-              <a:t>euf</a:t>
-            </a:r>
-            <a:r>
-              <a:rPr lang="en-US" dirty="0">
-                <a:latin typeface="Courier New" panose="02070309020205020404" pitchFamily="49" charset="0"/>
-                <a:cs typeface="Courier New" panose="02070309020205020404" pitchFamily="49" charset="0"/>
-              </a:rPr>
-              <a:t>)</a:t>
+              <a:t># I am a comment</a:t>
+            </a:r>
+          </a:p>
+          <a:p>
+            <a:r>
+              <a:rPr lang="en-US" dirty="0">
+                <a:latin typeface="Courier New" panose="02070309020205020404" pitchFamily="49" charset="0"/>
+                <a:cs typeface="Courier New" panose="02070309020205020404" pitchFamily="49" charset="0"/>
+              </a:rPr>
+              <a:t>print('Hello world')</a:t>
+            </a:r>
+          </a:p>
+          <a:p>
+            <a:r>
+              <a:rPr lang="en-US" dirty="0">
+                <a:latin typeface="Courier New" panose="02070309020205020404" pitchFamily="49" charset="0"/>
+                <a:cs typeface="Courier New" panose="02070309020205020404" pitchFamily="49" charset="0"/>
+              </a:rPr>
+              <a:t>print('Answer', 42)</a:t>
+            </a:r>
+          </a:p>
+          <a:p>
+            <a:r>
+              <a:rPr lang="en-US" dirty="0">
+                <a:latin typeface="Courier New" panose="02070309020205020404" pitchFamily="49" charset="0"/>
+                <a:cs typeface="Courier New" panose="02070309020205020404" pitchFamily="49" charset="0"/>
+              </a:rPr>
+              <a:t>print('Name', 'Sarah')</a:t>
+            </a:r>
+          </a:p>
+          <a:p>
+            <a:r>
+              <a:rPr lang="en-US" dirty="0">
+                <a:latin typeface="Courier New" panose="02070309020205020404" pitchFamily="49" charset="0"/>
+                <a:cs typeface="Courier New" panose="02070309020205020404" pitchFamily="49" charset="0"/>
+              </a:rPr>
+              <a:t>print('x',3.5,'i',10)</a:t>
             </a:r>
           </a:p>
         </p:txBody>
@@ -15140,7 +15327,7 @@
         <p:spPr>
           <a:xfrm>
             <a:off x="6322193" y="1027906"/>
-            <a:ext cx="4733988" cy="2308324"/>
+            <a:ext cx="5423280" cy="2308324"/>
           </a:xfrm>
           <a:prstGeom prst="rect">
             <a:avLst/>
@@ -15181,6 +15368,15 @@
                 <a:latin typeface="Courier New" panose="02070309020205020404" pitchFamily="49" charset="0"/>
                 <a:cs typeface="Courier New" panose="02070309020205020404" pitchFamily="49" charset="0"/>
               </a:rPr>
+              <a:t>/* I am a comment */</a:t>
+            </a:r>
+          </a:p>
+          <a:p>
+            <a:r>
+              <a:rPr lang="en-US" dirty="0">
+                <a:latin typeface="Courier New" panose="02070309020205020404" pitchFamily="49" charset="0"/>
+                <a:cs typeface="Courier New" panose="02070309020205020404" pitchFamily="49" charset="0"/>
+              </a:rPr>
               <a:t>int main() {</a:t>
             </a:r>
           </a:p>
@@ -15190,35 +15386,44 @@
                 <a:latin typeface="Courier New" panose="02070309020205020404" pitchFamily="49" charset="0"/>
                 <a:cs typeface="Courier New" panose="02070309020205020404" pitchFamily="49" charset="0"/>
               </a:rPr>
-              <a:t>    int </a:t>
+              <a:t>    </a:t>
             </a:r>
             <a:r>
               <a:rPr lang="en-US" dirty="0" err="1">
                 <a:latin typeface="Courier New" panose="02070309020205020404" pitchFamily="49" charset="0"/>
                 <a:cs typeface="Courier New" panose="02070309020205020404" pitchFamily="49" charset="0"/>
               </a:rPr>
-              <a:t>usf</a:t>
-            </a:r>
-            <a:r>
-              <a:rPr lang="en-US" dirty="0">
-                <a:latin typeface="Courier New" panose="02070309020205020404" pitchFamily="49" charset="0"/>
-                <a:cs typeface="Courier New" panose="02070309020205020404" pitchFamily="49" charset="0"/>
-              </a:rPr>
-              <a:t>, </a:t>
+              <a:t>printf</a:t>
+            </a:r>
+            <a:r>
+              <a:rPr lang="en-US" dirty="0">
+                <a:latin typeface="Courier New" panose="02070309020205020404" pitchFamily="49" charset="0"/>
+                <a:cs typeface="Courier New" panose="02070309020205020404" pitchFamily="49" charset="0"/>
+              </a:rPr>
+              <a:t>("Hello world\n");</a:t>
+            </a:r>
+          </a:p>
+          <a:p>
+            <a:r>
+              <a:rPr lang="en-US" dirty="0">
+                <a:latin typeface="Courier New" panose="02070309020205020404" pitchFamily="49" charset="0"/>
+                <a:cs typeface="Courier New" panose="02070309020205020404" pitchFamily="49" charset="0"/>
+              </a:rPr>
+              <a:t>    </a:t>
             </a:r>
             <a:r>
               <a:rPr lang="en-US" dirty="0" err="1">
                 <a:latin typeface="Courier New" panose="02070309020205020404" pitchFamily="49" charset="0"/>
                 <a:cs typeface="Courier New" panose="02070309020205020404" pitchFamily="49" charset="0"/>
               </a:rPr>
-              <a:t>euf</a:t>
-            </a:r>
-            <a:r>
-              <a:rPr lang="en-US" dirty="0">
-                <a:latin typeface="Courier New" panose="02070309020205020404" pitchFamily="49" charset="0"/>
-                <a:cs typeface="Courier New" panose="02070309020205020404" pitchFamily="49" charset="0"/>
-              </a:rPr>
-              <a:t>;</a:t>
+              <a:t>printf</a:t>
+            </a:r>
+            <a:r>
+              <a:rPr lang="en-US" dirty="0">
+                <a:latin typeface="Courier New" panose="02070309020205020404" pitchFamily="49" charset="0"/>
+                <a:cs typeface="Courier New" panose="02070309020205020404" pitchFamily="49" charset="0"/>
+              </a:rPr>
+              <a:t>("Answer %d\n", 42);</a:t>
             </a:r>
           </a:p>
           <a:p>
@@ -15241,7 +15446,7 @@
                 <a:latin typeface="Courier New" panose="02070309020205020404" pitchFamily="49" charset="0"/>
                 <a:cs typeface="Courier New" panose="02070309020205020404" pitchFamily="49" charset="0"/>
               </a:rPr>
-              <a:t>("Enter US Floor\n");</a:t>
+              <a:t>("Name %s\n", "Sarah");</a:t>
             </a:r>
           </a:p>
           <a:p>
@@ -15257,102 +15462,28 @@
                 <a:latin typeface="Courier New" panose="02070309020205020404" pitchFamily="49" charset="0"/>
                 <a:cs typeface="Courier New" panose="02070309020205020404" pitchFamily="49" charset="0"/>
               </a:rPr>
-              <a:t>scanf</a:t>
-            </a:r>
-            <a:r>
-              <a:rPr lang="en-US" dirty="0">
-                <a:latin typeface="Courier New" panose="02070309020205020404" pitchFamily="49" charset="0"/>
-                <a:cs typeface="Courier New" panose="02070309020205020404" pitchFamily="49" charset="0"/>
-              </a:rPr>
-              <a:t>("%d", &amp;</a:t>
+              <a:t>printf</a:t>
+            </a:r>
+            <a:r>
+              <a:rPr lang="en-US" dirty="0">
+                <a:latin typeface="Courier New" panose="02070309020205020404" pitchFamily="49" charset="0"/>
+                <a:cs typeface="Courier New" panose="02070309020205020404" pitchFamily="49" charset="0"/>
+              </a:rPr>
+              <a:t>("x %.1f </a:t>
             </a:r>
             <a:r>
               <a:rPr lang="en-US" dirty="0" err="1">
                 <a:latin typeface="Courier New" panose="02070309020205020404" pitchFamily="49" charset="0"/>
                 <a:cs typeface="Courier New" panose="02070309020205020404" pitchFamily="49" charset="0"/>
               </a:rPr>
-              <a:t>usf</a:t>
-            </a:r>
-            <a:r>
-              <a:rPr lang="en-US" dirty="0">
-                <a:latin typeface="Courier New" panose="02070309020205020404" pitchFamily="49" charset="0"/>
-                <a:cs typeface="Courier New" panose="02070309020205020404" pitchFamily="49" charset="0"/>
-              </a:rPr>
-              <a:t>);</a:t>
-            </a:r>
-          </a:p>
-          <a:p>
-            <a:r>
-              <a:rPr lang="en-US" dirty="0">
-                <a:latin typeface="Courier New" panose="02070309020205020404" pitchFamily="49" charset="0"/>
-                <a:cs typeface="Courier New" panose="02070309020205020404" pitchFamily="49" charset="0"/>
-              </a:rPr>
-              <a:t>    </a:t>
-            </a:r>
-            <a:r>
-              <a:rPr lang="en-US" dirty="0" err="1">
-                <a:latin typeface="Courier New" panose="02070309020205020404" pitchFamily="49" charset="0"/>
-                <a:cs typeface="Courier New" panose="02070309020205020404" pitchFamily="49" charset="0"/>
-              </a:rPr>
-              <a:t>euf</a:t>
-            </a:r>
-            <a:r>
-              <a:rPr lang="en-US" dirty="0">
-                <a:latin typeface="Courier New" panose="02070309020205020404" pitchFamily="49" charset="0"/>
-                <a:cs typeface="Courier New" panose="02070309020205020404" pitchFamily="49" charset="0"/>
-              </a:rPr>
-              <a:t> = </a:t>
-            </a:r>
-            <a:r>
-              <a:rPr lang="en-US" dirty="0" err="1">
-                <a:latin typeface="Courier New" panose="02070309020205020404" pitchFamily="49" charset="0"/>
-                <a:cs typeface="Courier New" panose="02070309020205020404" pitchFamily="49" charset="0"/>
-              </a:rPr>
-              <a:t>usf</a:t>
-            </a:r>
-            <a:r>
-              <a:rPr lang="en-US" dirty="0">
-                <a:latin typeface="Courier New" panose="02070309020205020404" pitchFamily="49" charset="0"/>
-                <a:cs typeface="Courier New" panose="02070309020205020404" pitchFamily="49" charset="0"/>
-              </a:rPr>
-              <a:t> – 1;</a:t>
-            </a:r>
-          </a:p>
-          <a:p>
-            <a:r>
-              <a:rPr lang="en-US" dirty="0">
-                <a:latin typeface="Courier New" panose="02070309020205020404" pitchFamily="49" charset="0"/>
-                <a:cs typeface="Courier New" panose="02070309020205020404" pitchFamily="49" charset="0"/>
-              </a:rPr>
-              <a:t>    </a:t>
-            </a:r>
-            <a:r>
-              <a:rPr lang="en-US" dirty="0" err="1">
-                <a:latin typeface="Courier New" panose="02070309020205020404" pitchFamily="49" charset="0"/>
-                <a:cs typeface="Courier New" panose="02070309020205020404" pitchFamily="49" charset="0"/>
-              </a:rPr>
-              <a:t>printf</a:t>
-            </a:r>
-            <a:r>
-              <a:rPr lang="en-US" dirty="0">
-                <a:latin typeface="Courier New" panose="02070309020205020404" pitchFamily="49" charset="0"/>
-                <a:cs typeface="Courier New" panose="02070309020205020404" pitchFamily="49" charset="0"/>
-              </a:rPr>
-              <a:t>("EU Floor %d\n", </a:t>
-            </a:r>
-            <a:r>
-              <a:rPr lang="en-US" dirty="0" err="1">
-                <a:latin typeface="Courier New" panose="02070309020205020404" pitchFamily="49" charset="0"/>
-                <a:cs typeface="Courier New" panose="02070309020205020404" pitchFamily="49" charset="0"/>
-              </a:rPr>
-              <a:t>euf</a:t>
-            </a:r>
-            <a:r>
-              <a:rPr lang="en-US" dirty="0">
-                <a:latin typeface="Courier New" panose="02070309020205020404" pitchFamily="49" charset="0"/>
-                <a:cs typeface="Courier New" panose="02070309020205020404" pitchFamily="49" charset="0"/>
-              </a:rPr>
-              <a:t>);</a:t>
+              <a:t>i</a:t>
+            </a:r>
+            <a:r>
+              <a:rPr lang="en-US" dirty="0">
+                <a:latin typeface="Courier New" panose="02070309020205020404" pitchFamily="49" charset="0"/>
+                <a:cs typeface="Courier New" panose="02070309020205020404" pitchFamily="49" charset="0"/>
+              </a:rPr>
+              <a:t> %d\n", 3.5, 100);</a:t>
             </a:r>
           </a:p>
           <a:p>
@@ -15381,7 +15512,7 @@
         <p:spPr>
           <a:xfrm>
             <a:off x="954156" y="4200590"/>
-            <a:ext cx="2114681" cy="923330"/>
+            <a:ext cx="1701107" cy="1200329"/>
           </a:xfrm>
           <a:prstGeom prst="rect">
             <a:avLst/>
@@ -15398,15 +15529,15 @@
               <a:rPr lang="en-US" dirty="0">
                 <a:latin typeface="Monaco" pitchFamily="2" charset="77"/>
               </a:rPr>
-              <a:t>Enter US Floor</a:t>
-            </a:r>
-          </a:p>
-          <a:p>
-            <a:r>
-              <a:rPr lang="en-US" b="1" dirty="0">
+              <a:t>Hello world</a:t>
+            </a:r>
+          </a:p>
+          <a:p>
+            <a:r>
+              <a:rPr lang="en-US" dirty="0">
                 <a:latin typeface="Monaco" pitchFamily="2" charset="77"/>
               </a:rPr>
-              <a:t>2</a:t>
+              <a:t>Answer 42</a:t>
             </a:r>
           </a:p>
           <a:p>
@@ -15414,7 +15545,27 @@
               <a:rPr lang="en-US" dirty="0">
                 <a:latin typeface="Monaco" pitchFamily="2" charset="77"/>
               </a:rPr>
-              <a:t>EU Floor 1</a:t>
+              <a:t>Name Sarah</a:t>
+            </a:r>
+          </a:p>
+          <a:p>
+            <a:r>
+              <a:rPr lang="en-US" dirty="0">
+                <a:latin typeface="Monaco" pitchFamily="2" charset="77"/>
+              </a:rPr>
+              <a:t>x 3.5 </a:t>
+            </a:r>
+            <a:r>
+              <a:rPr lang="en-US" dirty="0" err="1">
+                <a:latin typeface="Monaco" pitchFamily="2" charset="77"/>
+              </a:rPr>
+              <a:t>i</a:t>
+            </a:r>
+            <a:r>
+              <a:rPr lang="en-US" dirty="0">
+                <a:latin typeface="Monaco" pitchFamily="2" charset="77"/>
+              </a:rPr>
+              <a:t> 100</a:t>
             </a:r>
           </a:p>
         </p:txBody>
@@ -15424,7 +15575,7 @@
           <p:cNvPr id="8" name="TextBox 7">
             <a:extLst>
               <a:ext uri="{FF2B5EF4-FFF2-40B4-BE49-F238E27FC236}">
-                <a16:creationId xmlns:a16="http://schemas.microsoft.com/office/drawing/2014/main" id="{90C45FFE-7DC3-FDAE-69BA-C033FBD70A6E}"/>
+                <a16:creationId xmlns:a16="http://schemas.microsoft.com/office/drawing/2014/main" id="{B428CDF7-E206-237B-5834-303417C8C9F2}"/>
               </a:ext>
             </a:extLst>
           </p:cNvPr>
@@ -15455,31 +15606,15 @@
                 <a:effectLst/>
                 <a:latin typeface="Menlo" panose="020B0609030804020204" pitchFamily="49" charset="0"/>
               </a:rPr>
-              <a:t>cc_02_02.</a:t>
-            </a:r>
-            <a:r>
-              <a:rPr lang="en-US" sz="1600" dirty="0">
-                <a:solidFill>
-                  <a:srgbClr val="000000"/>
-                </a:solidFill>
-                <a:latin typeface="Menlo" panose="020B0609030804020204" pitchFamily="49" charset="0"/>
-              </a:rPr>
-              <a:t>c</a:t>
-            </a:r>
-            <a:endParaRPr lang="en-US" sz="1600" dirty="0">
-              <a:solidFill>
-                <a:srgbClr val="000000"/>
-              </a:solidFill>
-              <a:effectLst/>
-              <a:latin typeface="Menlo" panose="020B0609030804020204" pitchFamily="49" charset="0"/>
-            </a:endParaRPr>
+              <a:t>cc_02_01.c</a:t>
+            </a:r>
           </a:p>
         </p:txBody>
       </p:sp>
     </p:spTree>
     <p:extLst>
       <p:ext uri="{BB962C8B-B14F-4D97-AF65-F5344CB8AC3E}">
-        <p14:creationId xmlns:p14="http://schemas.microsoft.com/office/powerpoint/2010/main" val="2948564051"/>
+        <p14:creationId xmlns:p14="http://schemas.microsoft.com/office/powerpoint/2010/main" val="879912693"/>
       </p:ext>
     </p:extLst>
   </p:cSld>

--- a/lectures/CC-02-Python.pptx
+++ b/lectures/CC-02-Python.pptx
@@ -29,6 +29,9 @@
     <p:sldId id="277" r:id="rId23"/>
     <p:sldId id="278" r:id="rId24"/>
     <p:sldId id="279" r:id="rId25"/>
+    <p:sldId id="283" r:id="rId26"/>
+    <p:sldId id="284" r:id="rId27"/>
+    <p:sldId id="285" r:id="rId28"/>
   </p:sldIdLst>
   <p:sldSz cx="12192000" cy="6858000"/>
   <p:notesSz cx="6858000" cy="9144000"/>
@@ -8080,7 +8083,7 @@
         </p:nvSpPr>
         <p:spPr>
           <a:xfrm>
-            <a:off x="316833" y="1659285"/>
+            <a:off x="624946" y="1839394"/>
             <a:ext cx="4998484" cy="3539430"/>
           </a:xfrm>
           <a:prstGeom prst="rect">
@@ -8244,21 +8247,7 @@
                 <a:latin typeface="Courier New" panose="02070309020205020404" pitchFamily="49" charset="0"/>
                 <a:cs typeface="Courier New" panose="02070309020205020404" pitchFamily="49" charset="0"/>
               </a:rPr>
-              <a:t>        print('Too </a:t>
-            </a:r>
-            <a:r>
-              <a:rPr lang="en-US" sz="1600">
-                <a:latin typeface="Courier New" panose="02070309020205020404" pitchFamily="49" charset="0"/>
-                <a:cs typeface="Courier New" panose="02070309020205020404" pitchFamily="49" charset="0"/>
-              </a:rPr>
-              <a:t>high - guess </a:t>
-            </a:r>
-            <a:r>
-              <a:rPr lang="en-US" sz="1600" dirty="0">
-                <a:latin typeface="Courier New" panose="02070309020205020404" pitchFamily="49" charset="0"/>
-                <a:cs typeface="Courier New" panose="02070309020205020404" pitchFamily="49" charset="0"/>
-              </a:rPr>
-              <a:t>again')</a:t>
+              <a:t>        print('Too high - guess again')</a:t>
             </a:r>
           </a:p>
         </p:txBody>
@@ -8277,7 +8266,7 @@
         </p:nvSpPr>
         <p:spPr>
           <a:xfrm>
-            <a:off x="5713253" y="766733"/>
+            <a:off x="6096000" y="806490"/>
             <a:ext cx="5985934" cy="3539430"/>
           </a:xfrm>
           <a:prstGeom prst="rect">
@@ -14256,6 +14245,1155 @@
     <p:extLst>
       <p:ext uri="{BB962C8B-B14F-4D97-AF65-F5344CB8AC3E}">
         <p14:creationId xmlns:p14="http://schemas.microsoft.com/office/powerpoint/2010/main" val="1893154291"/>
+      </p:ext>
+    </p:extLst>
+  </p:cSld>
+  <p:clrMapOvr>
+    <a:masterClrMapping/>
+  </p:clrMapOvr>
+</p:sld>
+</file>
+
+<file path=ppt/slides/slide25.xml><?xml version="1.0" encoding="utf-8"?>
+<p:sld xmlns:a="http://schemas.openxmlformats.org/drawingml/2006/main" xmlns:r="http://schemas.openxmlformats.org/officeDocument/2006/relationships" xmlns:p="http://schemas.openxmlformats.org/presentationml/2006/main">
+  <p:cSld>
+    <p:spTree>
+      <p:nvGrpSpPr>
+        <p:cNvPr id="1" name=""/>
+        <p:cNvGrpSpPr/>
+        <p:nvPr/>
+      </p:nvGrpSpPr>
+      <p:grpSpPr>
+        <a:xfrm>
+          <a:off x="0" y="0"/>
+          <a:ext cx="0" cy="0"/>
+          <a:chOff x="0" y="0"/>
+          <a:chExt cx="0" cy="0"/>
+        </a:xfrm>
+      </p:grpSpPr>
+      <p:sp>
+        <p:nvSpPr>
+          <p:cNvPr id="4" name="Title 3">
+            <a:extLst>
+              <a:ext uri="{FF2B5EF4-FFF2-40B4-BE49-F238E27FC236}">
+                <a16:creationId xmlns:a16="http://schemas.microsoft.com/office/drawing/2014/main" id="{C2B508E1-B5B9-9A0B-37F0-15F2BB303BFA}"/>
+              </a:ext>
+            </a:extLst>
+          </p:cNvPr>
+          <p:cNvSpPr>
+            <a:spLocks noGrp="1"/>
+          </p:cNvSpPr>
+          <p:nvPr>
+            <p:ph type="title"/>
+          </p:nvPr>
+        </p:nvSpPr>
+        <p:spPr/>
+        <p:txBody>
+          <a:bodyPr/>
+          <a:lstStyle/>
+          <a:p>
+            <a:r>
+              <a:rPr lang="en-US" dirty="0"/>
+              <a:t>Dynamic Memory</a:t>
+            </a:r>
+          </a:p>
+        </p:txBody>
+      </p:sp>
+      <p:sp>
+        <p:nvSpPr>
+          <p:cNvPr id="5" name="TextBox 4">
+            <a:extLst>
+              <a:ext uri="{FF2B5EF4-FFF2-40B4-BE49-F238E27FC236}">
+                <a16:creationId xmlns:a16="http://schemas.microsoft.com/office/drawing/2014/main" id="{FDC36094-8775-EBE3-1FED-6DF8907EC500}"/>
+              </a:ext>
+            </a:extLst>
+          </p:cNvPr>
+          <p:cNvSpPr txBox="1"/>
+          <p:nvPr/>
+        </p:nvSpPr>
+        <p:spPr>
+          <a:xfrm>
+            <a:off x="621488" y="1690688"/>
+            <a:ext cx="4875053" cy="1569660"/>
+          </a:xfrm>
+          <a:prstGeom prst="rect">
+            <a:avLst/>
+          </a:prstGeom>
+          <a:noFill/>
+        </p:spPr>
+        <p:txBody>
+          <a:bodyPr wrap="none" rtlCol="0">
+            <a:spAutoFit/>
+          </a:bodyPr>
+          <a:lstStyle/>
+          <a:p>
+            <a:r>
+              <a:rPr lang="en-US" sz="1600" dirty="0">
+                <a:latin typeface="Courier New" panose="02070309020205020404" pitchFamily="49" charset="0"/>
+                <a:cs typeface="Courier New" panose="02070309020205020404" pitchFamily="49" charset="0"/>
+              </a:rPr>
+              <a:t>print('Enter two strings');</a:t>
+            </a:r>
+          </a:p>
+          <a:p>
+            <a:r>
+              <a:rPr lang="en-US" sz="1600" dirty="0">
+                <a:latin typeface="Courier New" panose="02070309020205020404" pitchFamily="49" charset="0"/>
+                <a:cs typeface="Courier New" panose="02070309020205020404" pitchFamily="49" charset="0"/>
+              </a:rPr>
+              <a:t>first = input()</a:t>
+            </a:r>
+          </a:p>
+          <a:p>
+            <a:r>
+              <a:rPr lang="en-US" sz="1600" dirty="0">
+                <a:latin typeface="Courier New" panose="02070309020205020404" pitchFamily="49" charset="0"/>
+                <a:cs typeface="Courier New" panose="02070309020205020404" pitchFamily="49" charset="0"/>
+              </a:rPr>
+              <a:t>second = input()</a:t>
+            </a:r>
+          </a:p>
+          <a:p>
+            <a:r>
+              <a:rPr lang="en-US" sz="1600" dirty="0" err="1">
+                <a:latin typeface="Courier New" panose="02070309020205020404" pitchFamily="49" charset="0"/>
+                <a:cs typeface="Courier New" panose="02070309020205020404" pitchFamily="49" charset="0"/>
+              </a:rPr>
+              <a:t>dest</a:t>
+            </a:r>
+            <a:r>
+              <a:rPr lang="en-US" sz="1600" dirty="0">
+                <a:latin typeface="Courier New" panose="02070309020205020404" pitchFamily="49" charset="0"/>
+                <a:cs typeface="Courier New" panose="02070309020205020404" pitchFamily="49" charset="0"/>
+              </a:rPr>
+              <a:t> = first + " &amp; " + second</a:t>
+            </a:r>
+          </a:p>
+          <a:p>
+            <a:r>
+              <a:rPr lang="en-US" sz="1600" dirty="0">
+                <a:latin typeface="Courier New" panose="02070309020205020404" pitchFamily="49" charset="0"/>
+                <a:cs typeface="Courier New" panose="02070309020205020404" pitchFamily="49" charset="0"/>
+              </a:rPr>
+              <a:t>print('We got',</a:t>
+            </a:r>
+            <a:r>
+              <a:rPr lang="en-US" sz="1600" dirty="0" err="1">
+                <a:latin typeface="Courier New" panose="02070309020205020404" pitchFamily="49" charset="0"/>
+                <a:cs typeface="Courier New" panose="02070309020205020404" pitchFamily="49" charset="0"/>
+              </a:rPr>
+              <a:t>len</a:t>
+            </a:r>
+            <a:r>
+              <a:rPr lang="en-US" sz="1600" dirty="0">
+                <a:latin typeface="Courier New" panose="02070309020205020404" pitchFamily="49" charset="0"/>
+                <a:cs typeface="Courier New" panose="02070309020205020404" pitchFamily="49" charset="0"/>
+              </a:rPr>
+              <a:t>(</a:t>
+            </a:r>
+            <a:r>
+              <a:rPr lang="en-US" sz="1600" dirty="0" err="1">
+                <a:latin typeface="Courier New" panose="02070309020205020404" pitchFamily="49" charset="0"/>
+                <a:cs typeface="Courier New" panose="02070309020205020404" pitchFamily="49" charset="0"/>
+              </a:rPr>
+              <a:t>dest</a:t>
+            </a:r>
+            <a:r>
+              <a:rPr lang="en-US" sz="1600" dirty="0">
+                <a:latin typeface="Courier New" panose="02070309020205020404" pitchFamily="49" charset="0"/>
+                <a:cs typeface="Courier New" panose="02070309020205020404" pitchFamily="49" charset="0"/>
+              </a:rPr>
+              <a:t>),'characters')</a:t>
+            </a:r>
+          </a:p>
+          <a:p>
+            <a:r>
+              <a:rPr lang="en-US" sz="1600" dirty="0">
+                <a:latin typeface="Courier New" panose="02070309020205020404" pitchFamily="49" charset="0"/>
+                <a:cs typeface="Courier New" panose="02070309020205020404" pitchFamily="49" charset="0"/>
+              </a:rPr>
+              <a:t>print(</a:t>
+            </a:r>
+            <a:r>
+              <a:rPr lang="en-US" sz="1600" dirty="0" err="1">
+                <a:latin typeface="Courier New" panose="02070309020205020404" pitchFamily="49" charset="0"/>
+                <a:cs typeface="Courier New" panose="02070309020205020404" pitchFamily="49" charset="0"/>
+              </a:rPr>
+              <a:t>dest</a:t>
+            </a:r>
+            <a:r>
+              <a:rPr lang="en-US" sz="1600" dirty="0">
+                <a:latin typeface="Courier New" panose="02070309020205020404" pitchFamily="49" charset="0"/>
+                <a:cs typeface="Courier New" panose="02070309020205020404" pitchFamily="49" charset="0"/>
+              </a:rPr>
+              <a:t>)</a:t>
+            </a:r>
+          </a:p>
+        </p:txBody>
+      </p:sp>
+      <p:sp>
+        <p:nvSpPr>
+          <p:cNvPr id="6" name="TextBox 5">
+            <a:extLst>
+              <a:ext uri="{FF2B5EF4-FFF2-40B4-BE49-F238E27FC236}">
+                <a16:creationId xmlns:a16="http://schemas.microsoft.com/office/drawing/2014/main" id="{C004B7C8-BBD4-1EE7-3894-3C801D6DC253}"/>
+              </a:ext>
+            </a:extLst>
+          </p:cNvPr>
+          <p:cNvSpPr txBox="1"/>
+          <p:nvPr/>
+        </p:nvSpPr>
+        <p:spPr>
+          <a:xfrm>
+            <a:off x="5580722" y="1289953"/>
+            <a:ext cx="6479659" cy="4278094"/>
+          </a:xfrm>
+          <a:prstGeom prst="rect">
+            <a:avLst/>
+          </a:prstGeom>
+          <a:noFill/>
+        </p:spPr>
+        <p:txBody>
+          <a:bodyPr wrap="none" rtlCol="0">
+            <a:spAutoFit/>
+          </a:bodyPr>
+          <a:lstStyle/>
+          <a:p>
+            <a:r>
+              <a:rPr lang="en-US" sz="1600" dirty="0">
+                <a:latin typeface="Courier New" panose="02070309020205020404" pitchFamily="49" charset="0"/>
+                <a:cs typeface="Courier New" panose="02070309020205020404" pitchFamily="49" charset="0"/>
+              </a:rPr>
+              <a:t>#include &lt;</a:t>
+            </a:r>
+            <a:r>
+              <a:rPr lang="en-US" sz="1600" dirty="0" err="1">
+                <a:latin typeface="Courier New" panose="02070309020205020404" pitchFamily="49" charset="0"/>
+                <a:cs typeface="Courier New" panose="02070309020205020404" pitchFamily="49" charset="0"/>
+              </a:rPr>
+              <a:t>stdio.h</a:t>
+            </a:r>
+            <a:r>
+              <a:rPr lang="en-US" sz="1600" dirty="0">
+                <a:latin typeface="Courier New" panose="02070309020205020404" pitchFamily="49" charset="0"/>
+                <a:cs typeface="Courier New" panose="02070309020205020404" pitchFamily="49" charset="0"/>
+              </a:rPr>
+              <a:t>&gt;</a:t>
+            </a:r>
+          </a:p>
+          <a:p>
+            <a:r>
+              <a:rPr lang="en-US" sz="1600" dirty="0">
+                <a:latin typeface="Courier New" panose="02070309020205020404" pitchFamily="49" charset="0"/>
+                <a:cs typeface="Courier New" panose="02070309020205020404" pitchFamily="49" charset="0"/>
+              </a:rPr>
+              <a:t>#include &lt;</a:t>
+            </a:r>
+            <a:r>
+              <a:rPr lang="en-US" sz="1600" dirty="0" err="1">
+                <a:latin typeface="Courier New" panose="02070309020205020404" pitchFamily="49" charset="0"/>
+                <a:cs typeface="Courier New" panose="02070309020205020404" pitchFamily="49" charset="0"/>
+              </a:rPr>
+              <a:t>string.h</a:t>
+            </a:r>
+            <a:r>
+              <a:rPr lang="en-US" sz="1600" dirty="0">
+                <a:latin typeface="Courier New" panose="02070309020205020404" pitchFamily="49" charset="0"/>
+                <a:cs typeface="Courier New" panose="02070309020205020404" pitchFamily="49" charset="0"/>
+              </a:rPr>
+              <a:t>&gt;</a:t>
+            </a:r>
+          </a:p>
+          <a:p>
+            <a:r>
+              <a:rPr lang="en-US" sz="1600" dirty="0">
+                <a:latin typeface="Courier New" panose="02070309020205020404" pitchFamily="49" charset="0"/>
+                <a:cs typeface="Courier New" panose="02070309020205020404" pitchFamily="49" charset="0"/>
+              </a:rPr>
+              <a:t>#include &lt;</a:t>
+            </a:r>
+            <a:r>
+              <a:rPr lang="en-US" sz="1600" dirty="0" err="1">
+                <a:latin typeface="Courier New" panose="02070309020205020404" pitchFamily="49" charset="0"/>
+                <a:cs typeface="Courier New" panose="02070309020205020404" pitchFamily="49" charset="0"/>
+              </a:rPr>
+              <a:t>stdlib.h</a:t>
+            </a:r>
+            <a:r>
+              <a:rPr lang="en-US" sz="1600" dirty="0">
+                <a:latin typeface="Courier New" panose="02070309020205020404" pitchFamily="49" charset="0"/>
+                <a:cs typeface="Courier New" panose="02070309020205020404" pitchFamily="49" charset="0"/>
+              </a:rPr>
+              <a:t>&gt;</a:t>
+            </a:r>
+          </a:p>
+          <a:p>
+            <a:r>
+              <a:rPr lang="en-US" sz="1600" dirty="0">
+                <a:latin typeface="Courier New" panose="02070309020205020404" pitchFamily="49" charset="0"/>
+                <a:cs typeface="Courier New" panose="02070309020205020404" pitchFamily="49" charset="0"/>
+              </a:rPr>
+              <a:t>int main() {</a:t>
+            </a:r>
+          </a:p>
+          <a:p>
+            <a:r>
+              <a:rPr lang="en-US" sz="1600" dirty="0">
+                <a:latin typeface="Courier New" panose="02070309020205020404" pitchFamily="49" charset="0"/>
+                <a:cs typeface="Courier New" panose="02070309020205020404" pitchFamily="49" charset="0"/>
+              </a:rPr>
+              <a:t>    char first[100], second[100], *</a:t>
+            </a:r>
+            <a:r>
+              <a:rPr lang="en-US" sz="1600" dirty="0" err="1">
+                <a:latin typeface="Courier New" panose="02070309020205020404" pitchFamily="49" charset="0"/>
+                <a:cs typeface="Courier New" panose="02070309020205020404" pitchFamily="49" charset="0"/>
+              </a:rPr>
+              <a:t>concat</a:t>
+            </a:r>
+            <a:r>
+              <a:rPr lang="en-US" sz="1600" dirty="0">
+                <a:latin typeface="Courier New" panose="02070309020205020404" pitchFamily="49" charset="0"/>
+                <a:cs typeface="Courier New" panose="02070309020205020404" pitchFamily="49" charset="0"/>
+              </a:rPr>
+              <a:t>;</a:t>
+            </a:r>
+          </a:p>
+          <a:p>
+            <a:r>
+              <a:rPr lang="en-US" sz="1600" dirty="0">
+                <a:latin typeface="Courier New" panose="02070309020205020404" pitchFamily="49" charset="0"/>
+                <a:cs typeface="Courier New" panose="02070309020205020404" pitchFamily="49" charset="0"/>
+              </a:rPr>
+              <a:t>    int needed;</a:t>
+            </a:r>
+          </a:p>
+          <a:p>
+            <a:r>
+              <a:rPr lang="en-US" sz="1600" dirty="0">
+                <a:latin typeface="Courier New" panose="02070309020205020404" pitchFamily="49" charset="0"/>
+                <a:cs typeface="Courier New" panose="02070309020205020404" pitchFamily="49" charset="0"/>
+              </a:rPr>
+              <a:t>    </a:t>
+            </a:r>
+            <a:r>
+              <a:rPr lang="en-US" sz="1600" dirty="0" err="1">
+                <a:latin typeface="Courier New" panose="02070309020205020404" pitchFamily="49" charset="0"/>
+                <a:cs typeface="Courier New" panose="02070309020205020404" pitchFamily="49" charset="0"/>
+              </a:rPr>
+              <a:t>printf</a:t>
+            </a:r>
+            <a:r>
+              <a:rPr lang="en-US" sz="1600" dirty="0">
+                <a:latin typeface="Courier New" panose="02070309020205020404" pitchFamily="49" charset="0"/>
+                <a:cs typeface="Courier New" panose="02070309020205020404" pitchFamily="49" charset="0"/>
+              </a:rPr>
+              <a:t>("Enter two strings\n");</a:t>
+            </a:r>
+          </a:p>
+          <a:p>
+            <a:r>
+              <a:rPr lang="en-US" sz="1600" dirty="0">
+                <a:latin typeface="Courier New" panose="02070309020205020404" pitchFamily="49" charset="0"/>
+                <a:cs typeface="Courier New" panose="02070309020205020404" pitchFamily="49" charset="0"/>
+              </a:rPr>
+              <a:t>    </a:t>
+            </a:r>
+            <a:r>
+              <a:rPr lang="en-US" sz="1600" dirty="0" err="1">
+                <a:latin typeface="Courier New" panose="02070309020205020404" pitchFamily="49" charset="0"/>
+                <a:cs typeface="Courier New" panose="02070309020205020404" pitchFamily="49" charset="0"/>
+              </a:rPr>
+              <a:t>scanf</a:t>
+            </a:r>
+            <a:r>
+              <a:rPr lang="en-US" sz="1600" dirty="0">
+                <a:latin typeface="Courier New" panose="02070309020205020404" pitchFamily="49" charset="0"/>
+                <a:cs typeface="Courier New" panose="02070309020205020404" pitchFamily="49" charset="0"/>
+              </a:rPr>
+              <a:t>("%100s", first);</a:t>
+            </a:r>
+          </a:p>
+          <a:p>
+            <a:r>
+              <a:rPr lang="en-US" sz="1600" dirty="0">
+                <a:latin typeface="Courier New" panose="02070309020205020404" pitchFamily="49" charset="0"/>
+                <a:cs typeface="Courier New" panose="02070309020205020404" pitchFamily="49" charset="0"/>
+              </a:rPr>
+              <a:t>    </a:t>
+            </a:r>
+            <a:r>
+              <a:rPr lang="en-US" sz="1600" dirty="0" err="1">
+                <a:latin typeface="Courier New" panose="02070309020205020404" pitchFamily="49" charset="0"/>
+                <a:cs typeface="Courier New" panose="02070309020205020404" pitchFamily="49" charset="0"/>
+              </a:rPr>
+              <a:t>scanf</a:t>
+            </a:r>
+            <a:r>
+              <a:rPr lang="en-US" sz="1600" dirty="0">
+                <a:latin typeface="Courier New" panose="02070309020205020404" pitchFamily="49" charset="0"/>
+                <a:cs typeface="Courier New" panose="02070309020205020404" pitchFamily="49" charset="0"/>
+              </a:rPr>
+              <a:t>("%100s", second);</a:t>
+            </a:r>
+          </a:p>
+          <a:p>
+            <a:r>
+              <a:rPr lang="en-US" sz="1600" dirty="0">
+                <a:latin typeface="Courier New" panose="02070309020205020404" pitchFamily="49" charset="0"/>
+                <a:cs typeface="Courier New" panose="02070309020205020404" pitchFamily="49" charset="0"/>
+              </a:rPr>
+              <a:t>    needed = </a:t>
+            </a:r>
+            <a:r>
+              <a:rPr lang="en-US" sz="1600" dirty="0" err="1">
+                <a:latin typeface="Courier New" panose="02070309020205020404" pitchFamily="49" charset="0"/>
+                <a:cs typeface="Courier New" panose="02070309020205020404" pitchFamily="49" charset="0"/>
+              </a:rPr>
+              <a:t>strlen</a:t>
+            </a:r>
+            <a:r>
+              <a:rPr lang="en-US" sz="1600" dirty="0">
+                <a:latin typeface="Courier New" panose="02070309020205020404" pitchFamily="49" charset="0"/>
+                <a:cs typeface="Courier New" panose="02070309020205020404" pitchFamily="49" charset="0"/>
+              </a:rPr>
+              <a:t>(first)+3+strlen(second)+1;</a:t>
+            </a:r>
+          </a:p>
+          <a:p>
+            <a:r>
+              <a:rPr lang="en-US" sz="1600" dirty="0">
+                <a:latin typeface="Courier New" panose="02070309020205020404" pitchFamily="49" charset="0"/>
+                <a:cs typeface="Courier New" panose="02070309020205020404" pitchFamily="49" charset="0"/>
+              </a:rPr>
+              <a:t>    </a:t>
+            </a:r>
+            <a:r>
+              <a:rPr lang="en-US" sz="1600" dirty="0" err="1">
+                <a:latin typeface="Courier New" panose="02070309020205020404" pitchFamily="49" charset="0"/>
+                <a:cs typeface="Courier New" panose="02070309020205020404" pitchFamily="49" charset="0"/>
+              </a:rPr>
+              <a:t>printf</a:t>
+            </a:r>
+            <a:r>
+              <a:rPr lang="en-US" sz="1600" dirty="0">
+                <a:latin typeface="Courier New" panose="02070309020205020404" pitchFamily="49" charset="0"/>
+                <a:cs typeface="Courier New" panose="02070309020205020404" pitchFamily="49" charset="0"/>
+              </a:rPr>
+              <a:t>("We need %d characters\</a:t>
+            </a:r>
+            <a:r>
+              <a:rPr lang="en-US" sz="1600" dirty="0" err="1">
+                <a:latin typeface="Courier New" panose="02070309020205020404" pitchFamily="49" charset="0"/>
+                <a:cs typeface="Courier New" panose="02070309020205020404" pitchFamily="49" charset="0"/>
+              </a:rPr>
+              <a:t>n",needed</a:t>
+            </a:r>
+            <a:r>
+              <a:rPr lang="en-US" sz="1600" dirty="0">
+                <a:latin typeface="Courier New" panose="02070309020205020404" pitchFamily="49" charset="0"/>
+                <a:cs typeface="Courier New" panose="02070309020205020404" pitchFamily="49" charset="0"/>
+              </a:rPr>
+              <a:t>);</a:t>
+            </a:r>
+          </a:p>
+          <a:p>
+            <a:r>
+              <a:rPr lang="en-US" sz="1600" dirty="0">
+                <a:latin typeface="Courier New" panose="02070309020205020404" pitchFamily="49" charset="0"/>
+                <a:cs typeface="Courier New" panose="02070309020205020404" pitchFamily="49" charset="0"/>
+              </a:rPr>
+              <a:t>    </a:t>
+            </a:r>
+            <a:r>
+              <a:rPr lang="en-US" sz="1600" dirty="0" err="1">
+                <a:latin typeface="Courier New" panose="02070309020205020404" pitchFamily="49" charset="0"/>
+                <a:cs typeface="Courier New" panose="02070309020205020404" pitchFamily="49" charset="0"/>
+              </a:rPr>
+              <a:t>concat</a:t>
+            </a:r>
+            <a:r>
+              <a:rPr lang="en-US" sz="1600" dirty="0">
+                <a:latin typeface="Courier New" panose="02070309020205020404" pitchFamily="49" charset="0"/>
+                <a:cs typeface="Courier New" panose="02070309020205020404" pitchFamily="49" charset="0"/>
+              </a:rPr>
+              <a:t> = (char *) </a:t>
+            </a:r>
+            <a:r>
+              <a:rPr lang="en-US" sz="1600" dirty="0" err="1">
+                <a:latin typeface="Courier New" panose="02070309020205020404" pitchFamily="49" charset="0"/>
+                <a:cs typeface="Courier New" panose="02070309020205020404" pitchFamily="49" charset="0"/>
+              </a:rPr>
+              <a:t>calloc</a:t>
+            </a:r>
+            <a:r>
+              <a:rPr lang="en-US" sz="1600" dirty="0">
+                <a:latin typeface="Courier New" panose="02070309020205020404" pitchFamily="49" charset="0"/>
+                <a:cs typeface="Courier New" panose="02070309020205020404" pitchFamily="49" charset="0"/>
+              </a:rPr>
+              <a:t>(needed, </a:t>
+            </a:r>
+            <a:r>
+              <a:rPr lang="en-US" sz="1600" dirty="0" err="1">
+                <a:latin typeface="Courier New" panose="02070309020205020404" pitchFamily="49" charset="0"/>
+                <a:cs typeface="Courier New" panose="02070309020205020404" pitchFamily="49" charset="0"/>
+              </a:rPr>
+              <a:t>sizeof</a:t>
+            </a:r>
+            <a:r>
+              <a:rPr lang="en-US" sz="1600" dirty="0">
+                <a:latin typeface="Courier New" panose="02070309020205020404" pitchFamily="49" charset="0"/>
+                <a:cs typeface="Courier New" panose="02070309020205020404" pitchFamily="49" charset="0"/>
+              </a:rPr>
+              <a:t>(char));</a:t>
+            </a:r>
+          </a:p>
+          <a:p>
+            <a:r>
+              <a:rPr lang="en-US" sz="1600" dirty="0">
+                <a:latin typeface="Courier New" panose="02070309020205020404" pitchFamily="49" charset="0"/>
+                <a:cs typeface="Courier New" panose="02070309020205020404" pitchFamily="49" charset="0"/>
+              </a:rPr>
+              <a:t>    </a:t>
+            </a:r>
+            <a:r>
+              <a:rPr lang="en-US" sz="1600" dirty="0" err="1">
+                <a:latin typeface="Courier New" panose="02070309020205020404" pitchFamily="49" charset="0"/>
+                <a:cs typeface="Courier New" panose="02070309020205020404" pitchFamily="49" charset="0"/>
+              </a:rPr>
+              <a:t>strcpy</a:t>
+            </a:r>
+            <a:r>
+              <a:rPr lang="en-US" sz="1600" dirty="0">
+                <a:latin typeface="Courier New" panose="02070309020205020404" pitchFamily="49" charset="0"/>
+                <a:cs typeface="Courier New" panose="02070309020205020404" pitchFamily="49" charset="0"/>
+              </a:rPr>
+              <a:t>(</a:t>
+            </a:r>
+            <a:r>
+              <a:rPr lang="en-US" sz="1600" dirty="0" err="1">
+                <a:latin typeface="Courier New" panose="02070309020205020404" pitchFamily="49" charset="0"/>
+                <a:cs typeface="Courier New" panose="02070309020205020404" pitchFamily="49" charset="0"/>
+              </a:rPr>
+              <a:t>concat</a:t>
+            </a:r>
+            <a:r>
+              <a:rPr lang="en-US" sz="1600" dirty="0">
+                <a:latin typeface="Courier New" panose="02070309020205020404" pitchFamily="49" charset="0"/>
+                <a:cs typeface="Courier New" panose="02070309020205020404" pitchFamily="49" charset="0"/>
+              </a:rPr>
+              <a:t>, first);</a:t>
+            </a:r>
+          </a:p>
+          <a:p>
+            <a:r>
+              <a:rPr lang="en-US" sz="1600" dirty="0">
+                <a:latin typeface="Courier New" panose="02070309020205020404" pitchFamily="49" charset="0"/>
+                <a:cs typeface="Courier New" panose="02070309020205020404" pitchFamily="49" charset="0"/>
+              </a:rPr>
+              <a:t>    </a:t>
+            </a:r>
+            <a:r>
+              <a:rPr lang="en-US" sz="1600" dirty="0" err="1">
+                <a:latin typeface="Courier New" panose="02070309020205020404" pitchFamily="49" charset="0"/>
+                <a:cs typeface="Courier New" panose="02070309020205020404" pitchFamily="49" charset="0"/>
+              </a:rPr>
+              <a:t>strcat</a:t>
+            </a:r>
+            <a:r>
+              <a:rPr lang="en-US" sz="1600" dirty="0">
+                <a:latin typeface="Courier New" panose="02070309020205020404" pitchFamily="49" charset="0"/>
+                <a:cs typeface="Courier New" panose="02070309020205020404" pitchFamily="49" charset="0"/>
+              </a:rPr>
+              <a:t>(</a:t>
+            </a:r>
+            <a:r>
+              <a:rPr lang="en-US" sz="1600" dirty="0" err="1">
+                <a:latin typeface="Courier New" panose="02070309020205020404" pitchFamily="49" charset="0"/>
+                <a:cs typeface="Courier New" panose="02070309020205020404" pitchFamily="49" charset="0"/>
+              </a:rPr>
+              <a:t>concat</a:t>
+            </a:r>
+            <a:r>
+              <a:rPr lang="en-US" sz="1600" dirty="0">
+                <a:latin typeface="Courier New" panose="02070309020205020404" pitchFamily="49" charset="0"/>
+                <a:cs typeface="Courier New" panose="02070309020205020404" pitchFamily="49" charset="0"/>
+              </a:rPr>
+              <a:t>, " &amp; ");</a:t>
+            </a:r>
+          </a:p>
+          <a:p>
+            <a:r>
+              <a:rPr lang="en-US" sz="1600" dirty="0">
+                <a:latin typeface="Courier New" panose="02070309020205020404" pitchFamily="49" charset="0"/>
+                <a:cs typeface="Courier New" panose="02070309020205020404" pitchFamily="49" charset="0"/>
+              </a:rPr>
+              <a:t>    </a:t>
+            </a:r>
+            <a:r>
+              <a:rPr lang="en-US" sz="1600" dirty="0" err="1">
+                <a:latin typeface="Courier New" panose="02070309020205020404" pitchFamily="49" charset="0"/>
+                <a:cs typeface="Courier New" panose="02070309020205020404" pitchFamily="49" charset="0"/>
+              </a:rPr>
+              <a:t>strcat</a:t>
+            </a:r>
+            <a:r>
+              <a:rPr lang="en-US" sz="1600" dirty="0">
+                <a:latin typeface="Courier New" panose="02070309020205020404" pitchFamily="49" charset="0"/>
+                <a:cs typeface="Courier New" panose="02070309020205020404" pitchFamily="49" charset="0"/>
+              </a:rPr>
+              <a:t>(</a:t>
+            </a:r>
+            <a:r>
+              <a:rPr lang="en-US" sz="1600" dirty="0" err="1">
+                <a:latin typeface="Courier New" panose="02070309020205020404" pitchFamily="49" charset="0"/>
+                <a:cs typeface="Courier New" panose="02070309020205020404" pitchFamily="49" charset="0"/>
+              </a:rPr>
+              <a:t>concat</a:t>
+            </a:r>
+            <a:r>
+              <a:rPr lang="en-US" sz="1600" dirty="0">
+                <a:latin typeface="Courier New" panose="02070309020205020404" pitchFamily="49" charset="0"/>
+                <a:cs typeface="Courier New" panose="02070309020205020404" pitchFamily="49" charset="0"/>
+              </a:rPr>
+              <a:t>, second);</a:t>
+            </a:r>
+          </a:p>
+          <a:p>
+            <a:r>
+              <a:rPr lang="en-US" sz="1600" dirty="0">
+                <a:latin typeface="Courier New" panose="02070309020205020404" pitchFamily="49" charset="0"/>
+                <a:cs typeface="Courier New" panose="02070309020205020404" pitchFamily="49" charset="0"/>
+              </a:rPr>
+              <a:t>    </a:t>
+            </a:r>
+            <a:r>
+              <a:rPr lang="en-US" sz="1600" dirty="0" err="1">
+                <a:latin typeface="Courier New" panose="02070309020205020404" pitchFamily="49" charset="0"/>
+                <a:cs typeface="Courier New" panose="02070309020205020404" pitchFamily="49" charset="0"/>
+              </a:rPr>
+              <a:t>printf</a:t>
+            </a:r>
+            <a:r>
+              <a:rPr lang="en-US" sz="1600" dirty="0">
+                <a:latin typeface="Courier New" panose="02070309020205020404" pitchFamily="49" charset="0"/>
+                <a:cs typeface="Courier New" panose="02070309020205020404" pitchFamily="49" charset="0"/>
+              </a:rPr>
+              <a:t>("%s\n", </a:t>
+            </a:r>
+            <a:r>
+              <a:rPr lang="en-US" sz="1600" dirty="0" err="1">
+                <a:latin typeface="Courier New" panose="02070309020205020404" pitchFamily="49" charset="0"/>
+                <a:cs typeface="Courier New" panose="02070309020205020404" pitchFamily="49" charset="0"/>
+              </a:rPr>
+              <a:t>concat</a:t>
+            </a:r>
+            <a:r>
+              <a:rPr lang="en-US" sz="1600" dirty="0">
+                <a:latin typeface="Courier New" panose="02070309020205020404" pitchFamily="49" charset="0"/>
+                <a:cs typeface="Courier New" panose="02070309020205020404" pitchFamily="49" charset="0"/>
+              </a:rPr>
+              <a:t>);</a:t>
+            </a:r>
+          </a:p>
+          <a:p>
+            <a:r>
+              <a:rPr lang="en-US" sz="1600" dirty="0">
+                <a:latin typeface="Courier New" panose="02070309020205020404" pitchFamily="49" charset="0"/>
+                <a:cs typeface="Courier New" panose="02070309020205020404" pitchFamily="49" charset="0"/>
+              </a:rPr>
+              <a:t>}</a:t>
+            </a:r>
+          </a:p>
+        </p:txBody>
+      </p:sp>
+      <p:sp>
+        <p:nvSpPr>
+          <p:cNvPr id="7" name="TextBox 6">
+            <a:extLst>
+              <a:ext uri="{FF2B5EF4-FFF2-40B4-BE49-F238E27FC236}">
+                <a16:creationId xmlns:a16="http://schemas.microsoft.com/office/drawing/2014/main" id="{03B4458A-37BA-02AB-CE8C-B288D36FE6BF}"/>
+              </a:ext>
+            </a:extLst>
+          </p:cNvPr>
+          <p:cNvSpPr txBox="1"/>
+          <p:nvPr/>
+        </p:nvSpPr>
+        <p:spPr>
+          <a:xfrm>
+            <a:off x="3140630" y="4983271"/>
+            <a:ext cx="2440092" cy="1169551"/>
+          </a:xfrm>
+          <a:prstGeom prst="rect">
+            <a:avLst/>
+          </a:prstGeom>
+          <a:noFill/>
+        </p:spPr>
+        <p:txBody>
+          <a:bodyPr wrap="none" rtlCol="0">
+            <a:spAutoFit/>
+          </a:bodyPr>
+          <a:lstStyle/>
+          <a:p>
+            <a:r>
+              <a:rPr lang="en-US" sz="1400" dirty="0">
+                <a:latin typeface="Monaco" pitchFamily="2" charset="77"/>
+              </a:rPr>
+              <a:t>Enter two strings</a:t>
+            </a:r>
+          </a:p>
+          <a:p>
+            <a:r>
+              <a:rPr lang="en-US" sz="1400" b="1" dirty="0">
+                <a:latin typeface="Monaco" pitchFamily="2" charset="77"/>
+              </a:rPr>
+              <a:t>Kernighan</a:t>
+            </a:r>
+          </a:p>
+          <a:p>
+            <a:r>
+              <a:rPr lang="en-US" sz="1400" b="1" dirty="0">
+                <a:latin typeface="Monaco" pitchFamily="2" charset="77"/>
+              </a:rPr>
+              <a:t>Ritchie</a:t>
+            </a:r>
+          </a:p>
+          <a:p>
+            <a:r>
+              <a:rPr lang="en-US" sz="1400" dirty="0">
+                <a:latin typeface="Monaco" pitchFamily="2" charset="77"/>
+              </a:rPr>
+              <a:t>We need 20 characters</a:t>
+            </a:r>
+          </a:p>
+          <a:p>
+            <a:r>
+              <a:rPr lang="en-US" sz="1400" dirty="0">
+                <a:latin typeface="Monaco" pitchFamily="2" charset="77"/>
+              </a:rPr>
+              <a:t>Kernighan &amp; Ritchie</a:t>
+            </a:r>
+          </a:p>
+        </p:txBody>
+      </p:sp>
+      <p:sp>
+        <p:nvSpPr>
+          <p:cNvPr id="8" name="TextBox 7">
+            <a:extLst>
+              <a:ext uri="{FF2B5EF4-FFF2-40B4-BE49-F238E27FC236}">
+                <a16:creationId xmlns:a16="http://schemas.microsoft.com/office/drawing/2014/main" id="{F7AC2D4A-1256-8DC4-CDEF-7E9063C86FCE}"/>
+              </a:ext>
+            </a:extLst>
+          </p:cNvPr>
+          <p:cNvSpPr txBox="1"/>
+          <p:nvPr/>
+        </p:nvSpPr>
+        <p:spPr>
+          <a:xfrm>
+            <a:off x="10460182" y="6323598"/>
+            <a:ext cx="1600199" cy="338554"/>
+          </a:xfrm>
+          <a:prstGeom prst="rect">
+            <a:avLst/>
+          </a:prstGeom>
+          <a:noFill/>
+        </p:spPr>
+        <p:txBody>
+          <a:bodyPr wrap="square">
+            <a:spAutoFit/>
+          </a:bodyPr>
+          <a:lstStyle/>
+          <a:p>
+            <a:r>
+              <a:rPr lang="en-US" sz="1600" dirty="0">
+                <a:solidFill>
+                  <a:srgbClr val="000000"/>
+                </a:solidFill>
+                <a:effectLst/>
+                <a:latin typeface="Menlo" panose="020B0609030804020204" pitchFamily="49" charset="0"/>
+              </a:rPr>
+              <a:t>cc_02_15.c</a:t>
+            </a:r>
+          </a:p>
+        </p:txBody>
+      </p:sp>
+      <p:sp>
+        <p:nvSpPr>
+          <p:cNvPr id="9" name="TextBox 8">
+            <a:extLst>
+              <a:ext uri="{FF2B5EF4-FFF2-40B4-BE49-F238E27FC236}">
+                <a16:creationId xmlns:a16="http://schemas.microsoft.com/office/drawing/2014/main" id="{C08C4188-93DA-C776-A207-F2056703C48C}"/>
+              </a:ext>
+            </a:extLst>
+          </p:cNvPr>
+          <p:cNvSpPr txBox="1"/>
+          <p:nvPr/>
+        </p:nvSpPr>
+        <p:spPr>
+          <a:xfrm>
+            <a:off x="674066" y="3629054"/>
+            <a:ext cx="2332690" cy="1169551"/>
+          </a:xfrm>
+          <a:prstGeom prst="rect">
+            <a:avLst/>
+          </a:prstGeom>
+          <a:noFill/>
+        </p:spPr>
+        <p:txBody>
+          <a:bodyPr wrap="none" rtlCol="0">
+            <a:spAutoFit/>
+          </a:bodyPr>
+          <a:lstStyle/>
+          <a:p>
+            <a:r>
+              <a:rPr lang="en-US" sz="1400" dirty="0">
+                <a:latin typeface="Monaco" pitchFamily="2" charset="77"/>
+              </a:rPr>
+              <a:t>Enter two strings</a:t>
+            </a:r>
+          </a:p>
+          <a:p>
+            <a:r>
+              <a:rPr lang="en-US" sz="1400" b="1" dirty="0">
+                <a:latin typeface="Monaco" pitchFamily="2" charset="77"/>
+              </a:rPr>
+              <a:t>Kernighan</a:t>
+            </a:r>
+          </a:p>
+          <a:p>
+            <a:r>
+              <a:rPr lang="en-US" sz="1400" b="1" dirty="0">
+                <a:latin typeface="Monaco" pitchFamily="2" charset="77"/>
+              </a:rPr>
+              <a:t>Ritchie</a:t>
+            </a:r>
+          </a:p>
+          <a:p>
+            <a:r>
+              <a:rPr lang="en-US" sz="1400" dirty="0">
+                <a:latin typeface="Monaco" pitchFamily="2" charset="77"/>
+              </a:rPr>
+              <a:t>We got 19 characters</a:t>
+            </a:r>
+          </a:p>
+          <a:p>
+            <a:r>
+              <a:rPr lang="en-US" sz="1400" dirty="0">
+                <a:latin typeface="Monaco" pitchFamily="2" charset="77"/>
+              </a:rPr>
+              <a:t>Kernighan &amp; Ritchie</a:t>
+            </a:r>
+          </a:p>
+        </p:txBody>
+      </p:sp>
+    </p:spTree>
+    <p:extLst>
+      <p:ext uri="{BB962C8B-B14F-4D97-AF65-F5344CB8AC3E}">
+        <p14:creationId xmlns:p14="http://schemas.microsoft.com/office/powerpoint/2010/main" val="4107769762"/>
+      </p:ext>
+    </p:extLst>
+  </p:cSld>
+  <p:clrMapOvr>
+    <a:masterClrMapping/>
+  </p:clrMapOvr>
+</p:sld>
+</file>
+
+<file path=ppt/slides/slide26.xml><?xml version="1.0" encoding="utf-8"?>
+<p:sld xmlns:a="http://schemas.openxmlformats.org/drawingml/2006/main" xmlns:r="http://schemas.openxmlformats.org/officeDocument/2006/relationships" xmlns:p="http://schemas.openxmlformats.org/presentationml/2006/main">
+  <p:cSld>
+    <p:spTree>
+      <p:nvGrpSpPr>
+        <p:cNvPr id="1" name=""/>
+        <p:cNvGrpSpPr/>
+        <p:nvPr/>
+      </p:nvGrpSpPr>
+      <p:grpSpPr>
+        <a:xfrm>
+          <a:off x="0" y="0"/>
+          <a:ext cx="0" cy="0"/>
+          <a:chOff x="0" y="0"/>
+          <a:chExt cx="0" cy="0"/>
+        </a:xfrm>
+      </p:grpSpPr>
+      <p:sp>
+        <p:nvSpPr>
+          <p:cNvPr id="3" name="Title 2">
+            <a:extLst>
+              <a:ext uri="{FF2B5EF4-FFF2-40B4-BE49-F238E27FC236}">
+                <a16:creationId xmlns:a16="http://schemas.microsoft.com/office/drawing/2014/main" id="{26D5DF8A-3D98-DC7E-85E8-EAC7EDC57520}"/>
+              </a:ext>
+            </a:extLst>
+          </p:cNvPr>
+          <p:cNvSpPr>
+            <a:spLocks noGrp="1"/>
+          </p:cNvSpPr>
+          <p:nvPr>
+            <p:ph type="title"/>
+          </p:nvPr>
+        </p:nvSpPr>
+        <p:spPr/>
+        <p:txBody>
+          <a:bodyPr/>
+          <a:lstStyle/>
+          <a:p>
+            <a:r>
+              <a:rPr lang="en-US" dirty="0"/>
+              <a:t>Summary</a:t>
+            </a:r>
+          </a:p>
+        </p:txBody>
+      </p:sp>
+      <p:sp>
+        <p:nvSpPr>
+          <p:cNvPr id="4" name="Content Placeholder 3">
+            <a:extLst>
+              <a:ext uri="{FF2B5EF4-FFF2-40B4-BE49-F238E27FC236}">
+                <a16:creationId xmlns:a16="http://schemas.microsoft.com/office/drawing/2014/main" id="{4EAA055D-FA59-02F9-40B6-72AFC8A29A76}"/>
+              </a:ext>
+            </a:extLst>
+          </p:cNvPr>
+          <p:cNvSpPr>
+            <a:spLocks noGrp="1"/>
+          </p:cNvSpPr>
+          <p:nvPr>
+            <p:ph sz="half" idx="1"/>
+          </p:nvPr>
+        </p:nvSpPr>
+        <p:spPr/>
+        <p:txBody>
+          <a:bodyPr/>
+          <a:lstStyle/>
+          <a:p>
+            <a:r>
+              <a:rPr lang="en-US" dirty="0"/>
+              <a:t>Input/Output</a:t>
+            </a:r>
+          </a:p>
+          <a:p>
+            <a:r>
+              <a:rPr lang="en-US" dirty="0"/>
+              <a:t>Looping</a:t>
+            </a:r>
+          </a:p>
+          <a:p>
+            <a:r>
+              <a:rPr lang="en-US" dirty="0"/>
+              <a:t>Reading a file</a:t>
+            </a:r>
+          </a:p>
+          <a:p>
+            <a:r>
+              <a:rPr lang="en-US" dirty="0"/>
+              <a:t>Strings</a:t>
+            </a:r>
+          </a:p>
+          <a:p>
+            <a:r>
+              <a:rPr lang="en-US" dirty="0"/>
+              <a:t>Float</a:t>
+            </a:r>
+          </a:p>
+          <a:p>
+            <a:r>
+              <a:rPr lang="en-US" dirty="0"/>
+              <a:t>Dynamic memory</a:t>
+            </a:r>
+          </a:p>
+        </p:txBody>
+      </p:sp>
+      <p:sp>
+        <p:nvSpPr>
+          <p:cNvPr id="5" name="Content Placeholder 4">
+            <a:extLst>
+              <a:ext uri="{FF2B5EF4-FFF2-40B4-BE49-F238E27FC236}">
+                <a16:creationId xmlns:a16="http://schemas.microsoft.com/office/drawing/2014/main" id="{23FD6821-0D52-C591-FBFA-4AB416D5DA58}"/>
+              </a:ext>
+            </a:extLst>
+          </p:cNvPr>
+          <p:cNvSpPr>
+            <a:spLocks noGrp="1"/>
+          </p:cNvSpPr>
+          <p:nvPr>
+            <p:ph sz="half" idx="2"/>
+          </p:nvPr>
+        </p:nvSpPr>
+        <p:spPr/>
+        <p:txBody>
+          <a:bodyPr/>
+          <a:lstStyle/>
+          <a:p>
+            <a:endParaRPr lang="en-US"/>
+          </a:p>
+        </p:txBody>
+      </p:sp>
+    </p:spTree>
+    <p:extLst>
+      <p:ext uri="{BB962C8B-B14F-4D97-AF65-F5344CB8AC3E}">
+        <p14:creationId xmlns:p14="http://schemas.microsoft.com/office/powerpoint/2010/main" val="3953165598"/>
+      </p:ext>
+    </p:extLst>
+  </p:cSld>
+  <p:clrMapOvr>
+    <a:masterClrMapping/>
+  </p:clrMapOvr>
+</p:sld>
+</file>
+
+<file path=ppt/slides/slide27.xml><?xml version="1.0" encoding="utf-8"?>
+<p:sld xmlns:a="http://schemas.openxmlformats.org/drawingml/2006/main" xmlns:r="http://schemas.openxmlformats.org/officeDocument/2006/relationships" xmlns:p="http://schemas.openxmlformats.org/presentationml/2006/main">
+  <p:cSld>
+    <p:spTree>
+      <p:nvGrpSpPr>
+        <p:cNvPr id="1" name=""/>
+        <p:cNvGrpSpPr/>
+        <p:nvPr/>
+      </p:nvGrpSpPr>
+      <p:grpSpPr>
+        <a:xfrm>
+          <a:off x="0" y="0"/>
+          <a:ext cx="0" cy="0"/>
+          <a:chOff x="0" y="0"/>
+          <a:chExt cx="0" cy="0"/>
+        </a:xfrm>
+      </p:grpSpPr>
+      <p:sp>
+        <p:nvSpPr>
+          <p:cNvPr id="2" name="Title 1">
+            <a:extLst>
+              <a:ext uri="{FF2B5EF4-FFF2-40B4-BE49-F238E27FC236}">
+                <a16:creationId xmlns:a16="http://schemas.microsoft.com/office/drawing/2014/main" id="{38E4AE3D-C70D-220E-82A8-C1D64A900A0F}"/>
+              </a:ext>
+            </a:extLst>
+          </p:cNvPr>
+          <p:cNvSpPr>
+            <a:spLocks noGrp="1"/>
+          </p:cNvSpPr>
+          <p:nvPr>
+            <p:ph type="title"/>
+          </p:nvPr>
+        </p:nvSpPr>
+        <p:spPr/>
+        <p:txBody>
+          <a:bodyPr/>
+          <a:lstStyle/>
+          <a:p>
+            <a:r>
+              <a:rPr lang="en-US" dirty="0"/>
+              <a:t>Acknowledgements / Contributions</a:t>
+            </a:r>
+          </a:p>
+        </p:txBody>
+      </p:sp>
+      <p:sp>
+        <p:nvSpPr>
+          <p:cNvPr id="7" name="TextBox 6">
+            <a:extLst>
+              <a:ext uri="{FF2B5EF4-FFF2-40B4-BE49-F238E27FC236}">
+                <a16:creationId xmlns:a16="http://schemas.microsoft.com/office/drawing/2014/main" id="{D1725F2C-A6DC-4096-AD36-A6A5AF1FFD40}"/>
+              </a:ext>
+            </a:extLst>
+          </p:cNvPr>
+          <p:cNvSpPr txBox="1"/>
+          <p:nvPr/>
+        </p:nvSpPr>
+        <p:spPr>
+          <a:xfrm>
+            <a:off x="838201" y="1502688"/>
+            <a:ext cx="5055704" cy="2492990"/>
+          </a:xfrm>
+          <a:prstGeom prst="rect">
+            <a:avLst/>
+          </a:prstGeom>
+          <a:noFill/>
+        </p:spPr>
+        <p:txBody>
+          <a:bodyPr wrap="square" rtlCol="0">
+            <a:spAutoFit/>
+          </a:bodyPr>
+          <a:lstStyle/>
+          <a:p>
+            <a:r>
+              <a:rPr lang="en-US" sz="1200" dirty="0"/>
+              <a:t>These slides are Copyright 2020-  Charles R. Severance (</a:t>
+            </a:r>
+            <a:r>
+              <a:rPr lang="en-US" sz="1200" dirty="0" err="1"/>
+              <a:t>online.dr-chuck.com</a:t>
+            </a:r>
+            <a:r>
+              <a:rPr lang="en-US" sz="1200" dirty="0"/>
+              <a:t>) as part of www.cc4e.com and made available under a Creative Commons Attribution 4.0 License.  Please maintain this last slide in all copies of the document to comply with the attribution requirements of the license.  If you make a change, feel free to add your name and organization to the list of contributors on this page as you republish the materials.</a:t>
+            </a:r>
+          </a:p>
+          <a:p>
+            <a:endParaRPr lang="en-US" sz="1200" dirty="0"/>
+          </a:p>
+          <a:p>
+            <a:r>
+              <a:rPr lang="en-US" sz="1200" dirty="0"/>
+              <a:t>Initial Development: Charles Severance, University of Michigan School of Information</a:t>
+            </a:r>
+          </a:p>
+          <a:p>
+            <a:endParaRPr lang="en-US" sz="1200" dirty="0"/>
+          </a:p>
+          <a:p>
+            <a:r>
+              <a:rPr lang="en-US" sz="1200" b="1" dirty="0"/>
+              <a:t>Insert new Contributors and Translators here including names and dates</a:t>
+            </a:r>
+          </a:p>
+          <a:p>
+            <a:endParaRPr lang="en-US" sz="1200" dirty="0"/>
+          </a:p>
+          <a:p>
+            <a:endParaRPr lang="en-US" sz="1200" dirty="0"/>
+          </a:p>
+        </p:txBody>
+      </p:sp>
+      <p:sp>
+        <p:nvSpPr>
+          <p:cNvPr id="8" name="TextBox 7">
+            <a:extLst>
+              <a:ext uri="{FF2B5EF4-FFF2-40B4-BE49-F238E27FC236}">
+                <a16:creationId xmlns:a16="http://schemas.microsoft.com/office/drawing/2014/main" id="{A5B0D5A1-502A-F6A1-76FD-6D954B37EE94}"/>
+              </a:ext>
+            </a:extLst>
+          </p:cNvPr>
+          <p:cNvSpPr txBox="1"/>
+          <p:nvPr/>
+        </p:nvSpPr>
+        <p:spPr>
+          <a:xfrm>
+            <a:off x="6298097" y="1502688"/>
+            <a:ext cx="5055704" cy="461665"/>
+          </a:xfrm>
+          <a:prstGeom prst="rect">
+            <a:avLst/>
+          </a:prstGeom>
+          <a:noFill/>
+        </p:spPr>
+        <p:txBody>
+          <a:bodyPr wrap="square" rtlCol="0">
+            <a:spAutoFit/>
+          </a:bodyPr>
+          <a:lstStyle/>
+          <a:p>
+            <a:r>
+              <a:rPr lang="en-US" sz="1200" b="1" dirty="0"/>
+              <a:t>Continue new Contributors and Translators here</a:t>
+            </a:r>
+          </a:p>
+          <a:p>
+            <a:endParaRPr lang="en-US" sz="1200" dirty="0"/>
+          </a:p>
+        </p:txBody>
+      </p:sp>
+    </p:spTree>
+    <p:extLst>
+      <p:ext uri="{BB962C8B-B14F-4D97-AF65-F5344CB8AC3E}">
+        <p14:creationId xmlns:p14="http://schemas.microsoft.com/office/powerpoint/2010/main" val="2963881526"/>
       </p:ext>
     </p:extLst>
   </p:cSld>

--- a/lectures/CC-02-Python.pptx
+++ b/lectures/CC-02-Python.pptx
@@ -3857,7 +3857,7 @@
           </a:p>
           <a:p>
             <a:r>
-              <a:rPr lang="en-US" b="1" dirty="0">
+              <a:rPr lang="en-US" b="1" u="sng" dirty="0">
                 <a:latin typeface="Monaco" pitchFamily="2" charset="77"/>
               </a:rPr>
               <a:t>2</a:t>
@@ -3927,6 +3927,97 @@
               <a:effectLst/>
               <a:latin typeface="Menlo" panose="020B0609030804020204" pitchFamily="49" charset="0"/>
             </a:endParaRPr>
+          </a:p>
+        </p:txBody>
+      </p:sp>
+      <p:sp>
+        <p:nvSpPr>
+          <p:cNvPr id="2" name="TextBox 1">
+            <a:extLst>
+              <a:ext uri="{FF2B5EF4-FFF2-40B4-BE49-F238E27FC236}">
+                <a16:creationId xmlns:a16="http://schemas.microsoft.com/office/drawing/2014/main" id="{B9ED482F-F1F8-D787-C35D-CEC0FF951EBF}"/>
+              </a:ext>
+            </a:extLst>
+          </p:cNvPr>
+          <p:cNvSpPr txBox="1"/>
+          <p:nvPr/>
+        </p:nvSpPr>
+        <p:spPr>
+          <a:xfrm>
+            <a:off x="5735367" y="4523755"/>
+            <a:ext cx="5907640" cy="1200329"/>
+          </a:xfrm>
+          <a:prstGeom prst="rect">
+            <a:avLst/>
+          </a:prstGeom>
+          <a:noFill/>
+        </p:spPr>
+        <p:txBody>
+          <a:bodyPr wrap="square" rtlCol="0">
+            <a:spAutoFit/>
+          </a:bodyPr>
+          <a:lstStyle/>
+          <a:p>
+            <a:r>
+              <a:rPr lang="en-US" dirty="0"/>
+              <a:t>For those of us who learned Python 2, recall the difference between </a:t>
+            </a:r>
+            <a:r>
+              <a:rPr lang="en-US" b="1" dirty="0"/>
+              <a:t>input() </a:t>
+            </a:r>
+            <a:r>
+              <a:rPr lang="en-US" dirty="0"/>
+              <a:t>and </a:t>
+            </a:r>
+            <a:r>
+              <a:rPr lang="en-US" b="1" dirty="0" err="1"/>
+              <a:t>raw_input</a:t>
+            </a:r>
+            <a:r>
+              <a:rPr lang="en-US" b="1" dirty="0"/>
+              <a:t>()</a:t>
+            </a:r>
+            <a:r>
+              <a:rPr lang="en-US" dirty="0"/>
+              <a:t>.  In Python 3 there is only </a:t>
+            </a:r>
+            <a:r>
+              <a:rPr lang="en-US" b="1" dirty="0"/>
+              <a:t>input() </a:t>
+            </a:r>
+            <a:r>
+              <a:rPr lang="en-US" dirty="0"/>
+              <a:t>which is the same as Python 2's </a:t>
+            </a:r>
+            <a:r>
+              <a:rPr lang="en-US" b="1" dirty="0" err="1"/>
+              <a:t>raw_input</a:t>
+            </a:r>
+            <a:r>
+              <a:rPr lang="en-US" b="1" dirty="0"/>
+              <a:t>()</a:t>
+            </a:r>
+            <a:r>
+              <a:rPr lang="en-US" dirty="0"/>
+              <a:t>.  In C, </a:t>
+            </a:r>
+            <a:r>
+              <a:rPr lang="en-US" b="1" dirty="0" err="1"/>
+              <a:t>scanf</a:t>
+            </a:r>
+            <a:r>
+              <a:rPr lang="en-US" b="1" dirty="0"/>
+              <a:t>("%d", ...) </a:t>
+            </a:r>
+            <a:r>
+              <a:rPr lang="en-US" dirty="0"/>
+              <a:t>is more like Python 2's </a:t>
+            </a:r>
+            <a:r>
+              <a:rPr lang="en-US" b="1" dirty="0"/>
+              <a:t>input().</a:t>
+            </a:r>
           </a:p>
         </p:txBody>
       </p:sp>
@@ -4233,7 +4324,7 @@
           </a:p>
           <a:p>
             <a:r>
-              <a:rPr lang="en-US" b="1" dirty="0">
+              <a:rPr lang="en-US" b="1" u="sng" dirty="0">
                 <a:latin typeface="Monaco" pitchFamily="2" charset="77"/>
               </a:rPr>
               <a:t>Sarah</a:t>
@@ -4609,7 +4700,7 @@
           </a:p>
           <a:p>
             <a:r>
-              <a:rPr lang="en-US" b="1" dirty="0">
+              <a:rPr lang="en-US" b="1" u="sng" dirty="0">
                 <a:latin typeface="Monaco" pitchFamily="2" charset="77"/>
               </a:rPr>
               <a:t>Hello world - have a nice day</a:t>
@@ -4985,7 +5076,7 @@
           </a:p>
           <a:p>
             <a:r>
-              <a:rPr lang="en-US" b="1" dirty="0">
+              <a:rPr lang="en-US" b="1" u="sng" dirty="0">
                 <a:latin typeface="Monaco" pitchFamily="2" charset="77"/>
               </a:rPr>
               <a:t>Hello world - have a nice day</a:t>
@@ -6377,7 +6468,7 @@
           <a:lstStyle/>
           <a:p>
             <a:r>
-              <a:rPr lang="en-US" dirty="0">
+              <a:rPr lang="en-US" b="1" u="sng" dirty="0">
                 <a:latin typeface="Monaco" pitchFamily="2" charset="77"/>
               </a:rPr>
               <a:t>5</a:t>
@@ -6385,7 +6476,7 @@
           </a:p>
           <a:p>
             <a:r>
-              <a:rPr lang="en-US" dirty="0">
+              <a:rPr lang="en-US" b="1" u="sng" dirty="0">
                 <a:latin typeface="Monaco" pitchFamily="2" charset="77"/>
               </a:rPr>
               <a:t>2</a:t>
@@ -6393,7 +6484,7 @@
           </a:p>
           <a:p>
             <a:r>
-              <a:rPr lang="en-US" dirty="0">
+              <a:rPr lang="en-US" b="1" u="sng" dirty="0">
                 <a:latin typeface="Monaco" pitchFamily="2" charset="77"/>
               </a:rPr>
               <a:t>9</a:t>
@@ -6401,7 +6492,7 @@
           </a:p>
           <a:p>
             <a:r>
-              <a:rPr lang="en-US" dirty="0">
+              <a:rPr lang="en-US" b="1" u="sng" dirty="0">
                 <a:latin typeface="Monaco" pitchFamily="2" charset="77"/>
               </a:rPr>
               <a:t>done</a:t>
@@ -7188,7 +7279,7 @@
           </a:p>
           <a:p>
             <a:r>
-              <a:rPr lang="en-US" dirty="0">
+              <a:rPr lang="en-US" b="1" u="sng" dirty="0">
                 <a:latin typeface="Monaco" pitchFamily="2" charset="77"/>
               </a:rPr>
               <a:t>5</a:t>
@@ -7196,7 +7287,7 @@
           </a:p>
           <a:p>
             <a:r>
-              <a:rPr lang="en-US" dirty="0">
+              <a:rPr lang="en-US" b="1" u="sng" dirty="0">
                 <a:latin typeface="Monaco" pitchFamily="2" charset="77"/>
               </a:rPr>
               <a:t>2</a:t>
@@ -7204,7 +7295,7 @@
           </a:p>
           <a:p>
             <a:r>
-              <a:rPr lang="en-US" dirty="0">
+              <a:rPr lang="en-US" b="1" u="sng" dirty="0">
                 <a:latin typeface="Monaco" pitchFamily="2" charset="77"/>
               </a:rPr>
               <a:t>9</a:t>
@@ -7875,7 +7966,7 @@
           <a:lstStyle/>
           <a:p>
             <a:r>
-              <a:rPr lang="en-US" dirty="0">
+              <a:rPr lang="en-US" b="1" u="sng" dirty="0">
                 <a:latin typeface="Monaco" pitchFamily="2" charset="77"/>
               </a:rPr>
               <a:t>5</a:t>
@@ -7883,7 +7974,7 @@
           </a:p>
           <a:p>
             <a:r>
-              <a:rPr lang="en-US" dirty="0">
+              <a:rPr lang="en-US" b="1" u="sng" dirty="0">
                 <a:latin typeface="Monaco" pitchFamily="2" charset="77"/>
               </a:rPr>
               <a:t>2</a:t>
@@ -7891,7 +7982,7 @@
           </a:p>
           <a:p>
             <a:r>
-              <a:rPr lang="en-US" dirty="0">
+              <a:rPr lang="en-US" b="1" u="sng" dirty="0">
                 <a:latin typeface="Monaco" pitchFamily="2" charset="77"/>
               </a:rPr>
               <a:t>9</a:t>
@@ -7938,7 +8029,7 @@
           </a:p>
           <a:p>
             <a:r>
-              <a:rPr lang="en-US" dirty="0">
+              <a:rPr lang="en-US" b="1" u="sng" dirty="0">
                 <a:latin typeface="Monaco" pitchFamily="2" charset="77"/>
               </a:rPr>
               <a:t>5 2 9</a:t>
@@ -8520,7 +8611,7 @@
           <a:lstStyle/>
           <a:p>
             <a:r>
-              <a:rPr lang="en-US" dirty="0">
+              <a:rPr lang="en-US" b="1" u="sng" dirty="0">
                 <a:latin typeface="Monaco" pitchFamily="2" charset="77"/>
               </a:rPr>
               <a:t>5</a:t>
@@ -8536,7 +8627,7 @@
           </a:p>
           <a:p>
             <a:r>
-              <a:rPr lang="en-US" dirty="0">
+              <a:rPr lang="en-US" b="1" u="sng" dirty="0">
                 <a:latin typeface="Monaco" pitchFamily="2" charset="77"/>
               </a:rPr>
               <a:t>50</a:t>
@@ -8552,7 +8643,7 @@
           </a:p>
           <a:p>
             <a:r>
-              <a:rPr lang="en-US" dirty="0">
+              <a:rPr lang="en-US" b="1" u="sng" dirty="0">
                 <a:latin typeface="Monaco" pitchFamily="2" charset="77"/>
               </a:rPr>
               <a:t>42</a:t>
@@ -12649,7 +12740,7 @@
           </a:p>
           <a:p>
             <a:r>
-              <a:rPr lang="en-US" b="1" dirty="0">
+              <a:rPr lang="en-US" u="sng" dirty="0">
                 <a:latin typeface="Monaco" pitchFamily="2" charset="77"/>
               </a:rPr>
               <a:t>Kernighan</a:t>
@@ -12657,7 +12748,7 @@
           </a:p>
           <a:p>
             <a:r>
-              <a:rPr lang="en-US" b="1" dirty="0">
+              <a:rPr lang="en-US" u="sng" dirty="0">
                 <a:latin typeface="Monaco" pitchFamily="2" charset="77"/>
               </a:rPr>
               <a:t>Ritchie</a:t>
@@ -14921,7 +15012,7 @@
         </p:nvSpPr>
         <p:spPr>
           <a:xfrm>
-            <a:off x="3140630" y="4983271"/>
+            <a:off x="2544729" y="5154047"/>
             <a:ext cx="2440092" cy="1169551"/>
           </a:xfrm>
           <a:prstGeom prst="rect">
@@ -14944,7 +15035,7 @@
           </a:p>
           <a:p>
             <a:r>
-              <a:rPr lang="en-US" sz="1400" b="1" dirty="0">
+              <a:rPr lang="en-US" sz="1400" b="1" u="sng" dirty="0">
                 <a:latin typeface="Monaco" pitchFamily="2" charset="77"/>
               </a:rPr>
               <a:t>Kernighan</a:t>
@@ -14952,7 +15043,7 @@
           </a:p>
           <a:p>
             <a:r>
-              <a:rPr lang="en-US" sz="1400" b="1" dirty="0">
+              <a:rPr lang="en-US" sz="1400" b="1" u="sng" dirty="0">
                 <a:latin typeface="Monaco" pitchFamily="2" charset="77"/>
               </a:rPr>
               <a:t>Ritchie</a:t>
@@ -15054,7 +15145,7 @@
           </a:p>
           <a:p>
             <a:r>
-              <a:rPr lang="en-US" sz="1400" b="1" dirty="0">
+              <a:rPr lang="en-US" sz="1400" u="sng" dirty="0">
                 <a:latin typeface="Monaco" pitchFamily="2" charset="77"/>
               </a:rPr>
               <a:t>Kernighan</a:t>
@@ -15062,7 +15153,7 @@
           </a:p>
           <a:p>
             <a:r>
-              <a:rPr lang="en-US" sz="1400" b="1" dirty="0">
+              <a:rPr lang="en-US" sz="1400" u="sng" dirty="0">
                 <a:latin typeface="Monaco" pitchFamily="2" charset="77"/>
               </a:rPr>
               <a:t>Ritchie</a:t>
@@ -15223,7 +15314,45 @@
           <a:bodyPr/>
           <a:lstStyle/>
           <a:p>
-            <a:endParaRPr lang="en-US"/>
+            <a:r>
+              <a:rPr lang="en-US" dirty="0"/>
+              <a:t>Way too complex to implement in C (for now)</a:t>
+            </a:r>
+          </a:p>
+          <a:p>
+            <a:pPr lvl="1"/>
+            <a:r>
+              <a:rPr lang="en-US" dirty="0"/>
+              <a:t>Python str()</a:t>
+            </a:r>
+          </a:p>
+          <a:p>
+            <a:pPr lvl="1"/>
+            <a:r>
+              <a:rPr lang="en-US" dirty="0"/>
+              <a:t>Python list()</a:t>
+            </a:r>
+          </a:p>
+          <a:p>
+            <a:pPr lvl="1"/>
+            <a:r>
+              <a:rPr lang="en-US" dirty="0"/>
+              <a:t>Python </a:t>
+            </a:r>
+            <a:r>
+              <a:rPr lang="en-US" dirty="0" err="1"/>
+              <a:t>dict</a:t>
+            </a:r>
+            <a:r>
+              <a:rPr lang="en-US" dirty="0"/>
+              <a:t>()</a:t>
+            </a:r>
+          </a:p>
+          <a:p>
+            <a:r>
+              <a:rPr lang="en-US" dirty="0"/>
+              <a:t>We will revisit these as the end of the course</a:t>
+            </a:r>
           </a:p>
         </p:txBody>
       </p:sp>
@@ -15999,7 +16128,7 @@
           <a:p>
             <a:r>
               <a:rPr lang="en-US" dirty="0"/>
-              <a:t>Looking at C Through Python</a:t>
+              <a:t>Looking at C A Python Lens</a:t>
             </a:r>
           </a:p>
         </p:txBody>

--- a/lectures/CC-02-Python.pptx
+++ b/lectures/CC-02-Python.pptx
@@ -286,7 +286,7 @@
           <a:p>
             <a:fld id="{C13A938A-C9BA-0346-A74F-83EB1631032C}" type="datetimeFigureOut">
               <a:rPr lang="en-US" smtClean="0"/>
-              <a:t>7/31/22</a:t>
+              <a:t>8/1/22</a:t>
             </a:fld>
             <a:endParaRPr lang="en-US"/>
           </a:p>
@@ -484,7 +484,7 @@
           <a:p>
             <a:fld id="{C13A938A-C9BA-0346-A74F-83EB1631032C}" type="datetimeFigureOut">
               <a:rPr lang="en-US" smtClean="0"/>
-              <a:t>7/31/22</a:t>
+              <a:t>8/1/22</a:t>
             </a:fld>
             <a:endParaRPr lang="en-US"/>
           </a:p>
@@ -692,7 +692,7 @@
           <a:p>
             <a:fld id="{C13A938A-C9BA-0346-A74F-83EB1631032C}" type="datetimeFigureOut">
               <a:rPr lang="en-US" smtClean="0"/>
-              <a:t>7/31/22</a:t>
+              <a:t>8/1/22</a:t>
             </a:fld>
             <a:endParaRPr lang="en-US"/>
           </a:p>
@@ -890,7 +890,7 @@
           <a:p>
             <a:fld id="{C13A938A-C9BA-0346-A74F-83EB1631032C}" type="datetimeFigureOut">
               <a:rPr lang="en-US" smtClean="0"/>
-              <a:t>7/31/22</a:t>
+              <a:t>8/1/22</a:t>
             </a:fld>
             <a:endParaRPr lang="en-US"/>
           </a:p>
@@ -1165,7 +1165,7 @@
           <a:p>
             <a:fld id="{C13A938A-C9BA-0346-A74F-83EB1631032C}" type="datetimeFigureOut">
               <a:rPr lang="en-US" smtClean="0"/>
-              <a:t>7/31/22</a:t>
+              <a:t>8/1/22</a:t>
             </a:fld>
             <a:endParaRPr lang="en-US"/>
           </a:p>
@@ -1430,7 +1430,7 @@
           <a:p>
             <a:fld id="{C13A938A-C9BA-0346-A74F-83EB1631032C}" type="datetimeFigureOut">
               <a:rPr lang="en-US" smtClean="0"/>
-              <a:t>7/31/22</a:t>
+              <a:t>8/1/22</a:t>
             </a:fld>
             <a:endParaRPr lang="en-US"/>
           </a:p>
@@ -1842,7 +1842,7 @@
           <a:p>
             <a:fld id="{C13A938A-C9BA-0346-A74F-83EB1631032C}" type="datetimeFigureOut">
               <a:rPr lang="en-US" smtClean="0"/>
-              <a:t>7/31/22</a:t>
+              <a:t>8/1/22</a:t>
             </a:fld>
             <a:endParaRPr lang="en-US"/>
           </a:p>
@@ -1983,7 +1983,7 @@
           <a:p>
             <a:fld id="{C13A938A-C9BA-0346-A74F-83EB1631032C}" type="datetimeFigureOut">
               <a:rPr lang="en-US" smtClean="0"/>
-              <a:t>7/31/22</a:t>
+              <a:t>8/1/22</a:t>
             </a:fld>
             <a:endParaRPr lang="en-US"/>
           </a:p>
@@ -2096,7 +2096,7 @@
           <a:p>
             <a:fld id="{C13A938A-C9BA-0346-A74F-83EB1631032C}" type="datetimeFigureOut">
               <a:rPr lang="en-US" smtClean="0"/>
-              <a:t>7/31/22</a:t>
+              <a:t>8/1/22</a:t>
             </a:fld>
             <a:endParaRPr lang="en-US"/>
           </a:p>
@@ -2407,7 +2407,7 @@
           <a:p>
             <a:fld id="{C13A938A-C9BA-0346-A74F-83EB1631032C}" type="datetimeFigureOut">
               <a:rPr lang="en-US" smtClean="0"/>
-              <a:t>7/31/22</a:t>
+              <a:t>8/1/22</a:t>
             </a:fld>
             <a:endParaRPr lang="en-US"/>
           </a:p>
@@ -2695,7 +2695,7 @@
           <a:p>
             <a:fld id="{C13A938A-C9BA-0346-A74F-83EB1631032C}" type="datetimeFigureOut">
               <a:rPr lang="en-US" smtClean="0"/>
-              <a:t>7/31/22</a:t>
+              <a:t>8/1/22</a:t>
             </a:fld>
             <a:endParaRPr lang="en-US"/>
           </a:p>
@@ -2936,7 +2936,7 @@
           <a:p>
             <a:fld id="{C13A938A-C9BA-0346-A74F-83EB1631032C}" type="datetimeFigureOut">
               <a:rPr lang="en-US" smtClean="0"/>
-              <a:t>7/31/22</a:t>
+              <a:t>8/1/22</a:t>
             </a:fld>
             <a:endParaRPr lang="en-US"/>
           </a:p>
@@ -7145,8 +7145,8 @@
         </p:nvSpPr>
         <p:spPr>
           <a:xfrm>
-            <a:off x="5895945" y="365125"/>
-            <a:ext cx="5862502" cy="6186309"/>
+            <a:off x="5800271" y="992981"/>
+            <a:ext cx="6356227" cy="4770537"/>
           </a:xfrm>
           <a:prstGeom prst="rect">
             <a:avLst/>
@@ -7400,22 +7400,27 @@
                 <a:latin typeface="Courier New" panose="02070309020205020404" pitchFamily="49" charset="0"/>
                 <a:cs typeface="Courier New" panose="02070309020205020404" pitchFamily="49" charset="0"/>
               </a:rPr>
-              <a:t>        if ( first ) {</a:t>
-            </a:r>
-          </a:p>
-          <a:p>
-            <a:r>
-              <a:rPr lang="en-US" sz="1600" dirty="0">
-                <a:latin typeface="Courier New" panose="02070309020205020404" pitchFamily="49" charset="0"/>
-                <a:cs typeface="Courier New" panose="02070309020205020404" pitchFamily="49" charset="0"/>
-              </a:rPr>
-              <a:t>            </a:t>
+              <a:t>        if ( first || </a:t>
             </a:r>
             <a:r>
               <a:rPr lang="en-US" sz="1600" dirty="0" err="1">
                 <a:latin typeface="Courier New" panose="02070309020205020404" pitchFamily="49" charset="0"/>
                 <a:cs typeface="Courier New" panose="02070309020205020404" pitchFamily="49" charset="0"/>
               </a:rPr>
+              <a:t>val</a:t>
+            </a:r>
+            <a:r>
+              <a:rPr lang="en-US" sz="1600" dirty="0">
+                <a:latin typeface="Courier New" panose="02070309020205020404" pitchFamily="49" charset="0"/>
+                <a:cs typeface="Courier New" panose="02070309020205020404" pitchFamily="49" charset="0"/>
+              </a:rPr>
+              <a:t> &gt; </a:t>
+            </a:r>
+            <a:r>
+              <a:rPr lang="en-US" sz="1600" dirty="0" err="1">
+                <a:latin typeface="Courier New" panose="02070309020205020404" pitchFamily="49" charset="0"/>
+                <a:cs typeface="Courier New" panose="02070309020205020404" pitchFamily="49" charset="0"/>
+              </a:rPr>
               <a:t>maxval</a:t>
             </a:r>
             <a:r>
@@ -7423,6 +7428,20 @@
                 <a:latin typeface="Courier New" panose="02070309020205020404" pitchFamily="49" charset="0"/>
                 <a:cs typeface="Courier New" panose="02070309020205020404" pitchFamily="49" charset="0"/>
               </a:rPr>
+              <a:t> ) </a:t>
+            </a:r>
+            <a:r>
+              <a:rPr lang="en-US" sz="1600" dirty="0" err="1">
+                <a:latin typeface="Courier New" panose="02070309020205020404" pitchFamily="49" charset="0"/>
+                <a:cs typeface="Courier New" panose="02070309020205020404" pitchFamily="49" charset="0"/>
+              </a:rPr>
+              <a:t>maxval</a:t>
+            </a:r>
+            <a:r>
+              <a:rPr lang="en-US" sz="1600" dirty="0">
+                <a:latin typeface="Courier New" panose="02070309020205020404" pitchFamily="49" charset="0"/>
+                <a:cs typeface="Courier New" panose="02070309020205020404" pitchFamily="49" charset="0"/>
+              </a:rPr>
               <a:t> = </a:t>
             </a:r>
             <a:r>
@@ -7446,13 +7465,27 @@
                 <a:latin typeface="Courier New" panose="02070309020205020404" pitchFamily="49" charset="0"/>
                 <a:cs typeface="Courier New" panose="02070309020205020404" pitchFamily="49" charset="0"/>
               </a:rPr>
-              <a:t>            </a:t>
+              <a:t>        if ( first || </a:t>
             </a:r>
             <a:r>
               <a:rPr lang="en-US" sz="1600" dirty="0" err="1">
                 <a:latin typeface="Courier New" panose="02070309020205020404" pitchFamily="49" charset="0"/>
                 <a:cs typeface="Courier New" panose="02070309020205020404" pitchFamily="49" charset="0"/>
               </a:rPr>
+              <a:t>val</a:t>
+            </a:r>
+            <a:r>
+              <a:rPr lang="en-US" sz="1600" dirty="0">
+                <a:latin typeface="Courier New" panose="02070309020205020404" pitchFamily="49" charset="0"/>
+                <a:cs typeface="Courier New" panose="02070309020205020404" pitchFamily="49" charset="0"/>
+              </a:rPr>
+              <a:t> &lt; </a:t>
+            </a:r>
+            <a:r>
+              <a:rPr lang="en-US" sz="1600" dirty="0" err="1">
+                <a:latin typeface="Courier New" panose="02070309020205020404" pitchFamily="49" charset="0"/>
+                <a:cs typeface="Courier New" panose="02070309020205020404" pitchFamily="49" charset="0"/>
+              </a:rPr>
               <a:t>minval</a:t>
             </a:r>
             <a:r>
@@ -7460,6 +7493,20 @@
                 <a:latin typeface="Courier New" panose="02070309020205020404" pitchFamily="49" charset="0"/>
                 <a:cs typeface="Courier New" panose="02070309020205020404" pitchFamily="49" charset="0"/>
               </a:rPr>
+              <a:t> ) </a:t>
+            </a:r>
+            <a:r>
+              <a:rPr lang="en-US" sz="1600" dirty="0" err="1">
+                <a:latin typeface="Courier New" panose="02070309020205020404" pitchFamily="49" charset="0"/>
+                <a:cs typeface="Courier New" panose="02070309020205020404" pitchFamily="49" charset="0"/>
+              </a:rPr>
+              <a:t>minval</a:t>
+            </a:r>
+            <a:r>
+              <a:rPr lang="en-US" sz="1600" dirty="0">
+                <a:latin typeface="Courier New" panose="02070309020205020404" pitchFamily="49" charset="0"/>
+                <a:cs typeface="Courier New" panose="02070309020205020404" pitchFamily="49" charset="0"/>
+              </a:rPr>
               <a:t> = </a:t>
             </a:r>
             <a:r>
@@ -7483,155 +7530,7 @@
                 <a:latin typeface="Courier New" panose="02070309020205020404" pitchFamily="49" charset="0"/>
                 <a:cs typeface="Courier New" panose="02070309020205020404" pitchFamily="49" charset="0"/>
               </a:rPr>
-              <a:t>            first = 0;</a:t>
-            </a:r>
-          </a:p>
-          <a:p>
-            <a:r>
-              <a:rPr lang="en-US" sz="1600" dirty="0">
-                <a:latin typeface="Courier New" panose="02070309020205020404" pitchFamily="49" charset="0"/>
-                <a:cs typeface="Courier New" panose="02070309020205020404" pitchFamily="49" charset="0"/>
-              </a:rPr>
-              <a:t>        } else {</a:t>
-            </a:r>
-          </a:p>
-          <a:p>
-            <a:r>
-              <a:rPr lang="en-US" sz="1600" dirty="0">
-                <a:latin typeface="Courier New" panose="02070309020205020404" pitchFamily="49" charset="0"/>
-                <a:cs typeface="Courier New" panose="02070309020205020404" pitchFamily="49" charset="0"/>
-              </a:rPr>
-              <a:t>            if ( </a:t>
-            </a:r>
-            <a:r>
-              <a:rPr lang="en-US" sz="1600" dirty="0" err="1">
-                <a:latin typeface="Courier New" panose="02070309020205020404" pitchFamily="49" charset="0"/>
-                <a:cs typeface="Courier New" panose="02070309020205020404" pitchFamily="49" charset="0"/>
-              </a:rPr>
-              <a:t>val</a:t>
-            </a:r>
-            <a:r>
-              <a:rPr lang="en-US" sz="1600" dirty="0">
-                <a:latin typeface="Courier New" panose="02070309020205020404" pitchFamily="49" charset="0"/>
-                <a:cs typeface="Courier New" panose="02070309020205020404" pitchFamily="49" charset="0"/>
-              </a:rPr>
-              <a:t> &gt; </a:t>
-            </a:r>
-            <a:r>
-              <a:rPr lang="en-US" sz="1600" dirty="0" err="1">
-                <a:latin typeface="Courier New" panose="02070309020205020404" pitchFamily="49" charset="0"/>
-                <a:cs typeface="Courier New" panose="02070309020205020404" pitchFamily="49" charset="0"/>
-              </a:rPr>
-              <a:t>maxval</a:t>
-            </a:r>
-            <a:r>
-              <a:rPr lang="en-US" sz="1600" dirty="0">
-                <a:latin typeface="Courier New" panose="02070309020205020404" pitchFamily="49" charset="0"/>
-                <a:cs typeface="Courier New" panose="02070309020205020404" pitchFamily="49" charset="0"/>
-              </a:rPr>
-              <a:t> ) </a:t>
-            </a:r>
-            <a:r>
-              <a:rPr lang="en-US" sz="1600" dirty="0" err="1">
-                <a:latin typeface="Courier New" panose="02070309020205020404" pitchFamily="49" charset="0"/>
-                <a:cs typeface="Courier New" panose="02070309020205020404" pitchFamily="49" charset="0"/>
-              </a:rPr>
-              <a:t>maxval</a:t>
-            </a:r>
-            <a:r>
-              <a:rPr lang="en-US" sz="1600" dirty="0">
-                <a:latin typeface="Courier New" panose="02070309020205020404" pitchFamily="49" charset="0"/>
-                <a:cs typeface="Courier New" panose="02070309020205020404" pitchFamily="49" charset="0"/>
-              </a:rPr>
-              <a:t> = </a:t>
-            </a:r>
-            <a:r>
-              <a:rPr lang="en-US" sz="1600" dirty="0" err="1">
-                <a:latin typeface="Courier New" panose="02070309020205020404" pitchFamily="49" charset="0"/>
-                <a:cs typeface="Courier New" panose="02070309020205020404" pitchFamily="49" charset="0"/>
-              </a:rPr>
-              <a:t>val</a:t>
-            </a:r>
-            <a:r>
-              <a:rPr lang="en-US" sz="1600" dirty="0">
-                <a:latin typeface="Courier New" panose="02070309020205020404" pitchFamily="49" charset="0"/>
-                <a:cs typeface="Courier New" panose="02070309020205020404" pitchFamily="49" charset="0"/>
-              </a:rPr>
-              <a:t>;</a:t>
-            </a:r>
-          </a:p>
-          <a:p>
-            <a:r>
-              <a:rPr lang="en-US" sz="1600" dirty="0">
-                <a:latin typeface="Courier New" panose="02070309020205020404" pitchFamily="49" charset="0"/>
-                <a:cs typeface="Courier New" panose="02070309020205020404" pitchFamily="49" charset="0"/>
-              </a:rPr>
-              <a:t>            if ( </a:t>
-            </a:r>
-            <a:r>
-              <a:rPr lang="en-US" sz="1600" dirty="0" err="1">
-                <a:latin typeface="Courier New" panose="02070309020205020404" pitchFamily="49" charset="0"/>
-                <a:cs typeface="Courier New" panose="02070309020205020404" pitchFamily="49" charset="0"/>
-              </a:rPr>
-              <a:t>val</a:t>
-            </a:r>
-            <a:r>
-              <a:rPr lang="en-US" sz="1600" dirty="0">
-                <a:latin typeface="Courier New" panose="02070309020205020404" pitchFamily="49" charset="0"/>
-                <a:cs typeface="Courier New" panose="02070309020205020404" pitchFamily="49" charset="0"/>
-              </a:rPr>
-              <a:t> &lt; </a:t>
-            </a:r>
-            <a:r>
-              <a:rPr lang="en-US" sz="1600" dirty="0" err="1">
-                <a:latin typeface="Courier New" panose="02070309020205020404" pitchFamily="49" charset="0"/>
-                <a:cs typeface="Courier New" panose="02070309020205020404" pitchFamily="49" charset="0"/>
-              </a:rPr>
-              <a:t>minval</a:t>
-            </a:r>
-            <a:r>
-              <a:rPr lang="en-US" sz="1600" dirty="0">
-                <a:latin typeface="Courier New" panose="02070309020205020404" pitchFamily="49" charset="0"/>
-                <a:cs typeface="Courier New" panose="02070309020205020404" pitchFamily="49" charset="0"/>
-              </a:rPr>
-              <a:t> ) </a:t>
-            </a:r>
-            <a:r>
-              <a:rPr lang="en-US" sz="1600" dirty="0" err="1">
-                <a:latin typeface="Courier New" panose="02070309020205020404" pitchFamily="49" charset="0"/>
-                <a:cs typeface="Courier New" panose="02070309020205020404" pitchFamily="49" charset="0"/>
-              </a:rPr>
-              <a:t>minval</a:t>
-            </a:r>
-            <a:r>
-              <a:rPr lang="en-US" sz="1600" dirty="0">
-                <a:latin typeface="Courier New" panose="02070309020205020404" pitchFamily="49" charset="0"/>
-                <a:cs typeface="Courier New" panose="02070309020205020404" pitchFamily="49" charset="0"/>
-              </a:rPr>
-              <a:t> = </a:t>
-            </a:r>
-            <a:r>
-              <a:rPr lang="en-US" sz="1600" dirty="0" err="1">
-                <a:latin typeface="Courier New" panose="02070309020205020404" pitchFamily="49" charset="0"/>
-                <a:cs typeface="Courier New" panose="02070309020205020404" pitchFamily="49" charset="0"/>
-              </a:rPr>
-              <a:t>val</a:t>
-            </a:r>
-            <a:r>
-              <a:rPr lang="en-US" sz="1600" dirty="0">
-                <a:latin typeface="Courier New" panose="02070309020205020404" pitchFamily="49" charset="0"/>
-                <a:cs typeface="Courier New" panose="02070309020205020404" pitchFamily="49" charset="0"/>
-              </a:rPr>
-              <a:t>;</a:t>
-            </a:r>
-          </a:p>
-          <a:p>
-            <a:r>
-              <a:rPr lang="en-US" sz="1600" dirty="0">
-                <a:latin typeface="Courier New" panose="02070309020205020404" pitchFamily="49" charset="0"/>
-                <a:cs typeface="Courier New" panose="02070309020205020404" pitchFamily="49" charset="0"/>
-              </a:rPr>
-              <a:t>        }</a:t>
+              <a:t>        first = 0;</a:t>
             </a:r>
           </a:p>
           <a:p>
@@ -7748,7 +7647,7 @@
         </p:nvSpPr>
         <p:spPr>
           <a:xfrm>
-            <a:off x="1086295" y="2534055"/>
+            <a:off x="814383" y="2318544"/>
             <a:ext cx="5009705" cy="2308324"/>
           </a:xfrm>
           <a:prstGeom prst="rect">
@@ -7940,8 +7839,8 @@
         </p:nvSpPr>
         <p:spPr>
           <a:xfrm>
-            <a:off x="5144352" y="638845"/>
-            <a:ext cx="6388287" cy="5632311"/>
+            <a:off x="4574829" y="1552188"/>
+            <a:ext cx="7077579" cy="3970318"/>
           </a:xfrm>
           <a:prstGeom prst="rect">
             <a:avLst/>
@@ -7977,6 +7876,75 @@
             </a:r>
           </a:p>
           <a:p>
+            <a:r>
+              <a:rPr lang="en-US" dirty="0">
+                <a:latin typeface="Courier New" panose="02070309020205020404" pitchFamily="49" charset="0"/>
+                <a:cs typeface="Courier New" panose="02070309020205020404" pitchFamily="49" charset="0"/>
+              </a:rPr>
+              <a:t>int main() {</a:t>
+            </a:r>
+          </a:p>
+          <a:p>
+            <a:r>
+              <a:rPr lang="en-US" dirty="0">
+                <a:latin typeface="Courier New" panose="02070309020205020404" pitchFamily="49" charset="0"/>
+                <a:cs typeface="Courier New" panose="02070309020205020404" pitchFamily="49" charset="0"/>
+              </a:rPr>
+              <a:t>    int first = 1;</a:t>
+            </a:r>
+          </a:p>
+          <a:p>
+            <a:r>
+              <a:rPr lang="en-US" dirty="0">
+                <a:latin typeface="Courier New" panose="02070309020205020404" pitchFamily="49" charset="0"/>
+                <a:cs typeface="Courier New" panose="02070309020205020404" pitchFamily="49" charset="0"/>
+              </a:rPr>
+              <a:t>    int </a:t>
+            </a:r>
+            <a:r>
+              <a:rPr lang="en-US" dirty="0" err="1">
+                <a:latin typeface="Courier New" panose="02070309020205020404" pitchFamily="49" charset="0"/>
+                <a:cs typeface="Courier New" panose="02070309020205020404" pitchFamily="49" charset="0"/>
+              </a:rPr>
+              <a:t>val</a:t>
+            </a:r>
+            <a:r>
+              <a:rPr lang="en-US" dirty="0">
+                <a:latin typeface="Courier New" panose="02070309020205020404" pitchFamily="49" charset="0"/>
+                <a:cs typeface="Courier New" panose="02070309020205020404" pitchFamily="49" charset="0"/>
+              </a:rPr>
+              <a:t>, </a:t>
+            </a:r>
+            <a:r>
+              <a:rPr lang="en-US" dirty="0" err="1">
+                <a:latin typeface="Courier New" panose="02070309020205020404" pitchFamily="49" charset="0"/>
+                <a:cs typeface="Courier New" panose="02070309020205020404" pitchFamily="49" charset="0"/>
+              </a:rPr>
+              <a:t>maxval</a:t>
+            </a:r>
+            <a:r>
+              <a:rPr lang="en-US" dirty="0">
+                <a:latin typeface="Courier New" panose="02070309020205020404" pitchFamily="49" charset="0"/>
+                <a:cs typeface="Courier New" panose="02070309020205020404" pitchFamily="49" charset="0"/>
+              </a:rPr>
+              <a:t>, </a:t>
+            </a:r>
+            <a:r>
+              <a:rPr lang="en-US" dirty="0" err="1">
+                <a:latin typeface="Courier New" panose="02070309020205020404" pitchFamily="49" charset="0"/>
+                <a:cs typeface="Courier New" panose="02070309020205020404" pitchFamily="49" charset="0"/>
+              </a:rPr>
+              <a:t>minval</a:t>
+            </a:r>
+            <a:r>
+              <a:rPr lang="en-US" dirty="0">
+                <a:latin typeface="Courier New" panose="02070309020205020404" pitchFamily="49" charset="0"/>
+                <a:cs typeface="Courier New" panose="02070309020205020404" pitchFamily="49" charset="0"/>
+              </a:rPr>
+              <a:t>;</a:t>
+            </a:r>
+          </a:p>
+          <a:p>
             <a:endParaRPr lang="en-US" dirty="0">
               <a:latin typeface="Courier New" panose="02070309020205020404" pitchFamily="49" charset="0"/>
               <a:cs typeface="Courier New" panose="02070309020205020404" pitchFamily="49" charset="0"/>
@@ -7988,31 +7956,27 @@
                 <a:latin typeface="Courier New" panose="02070309020205020404" pitchFamily="49" charset="0"/>
                 <a:cs typeface="Courier New" panose="02070309020205020404" pitchFamily="49" charset="0"/>
               </a:rPr>
-              <a:t>int main() {</a:t>
-            </a:r>
-          </a:p>
-          <a:p>
-            <a:r>
-              <a:rPr lang="en-US" dirty="0">
-                <a:latin typeface="Courier New" panose="02070309020205020404" pitchFamily="49" charset="0"/>
-                <a:cs typeface="Courier New" panose="02070309020205020404" pitchFamily="49" charset="0"/>
-              </a:rPr>
-              <a:t>    int first = 1;</a:t>
-            </a:r>
-          </a:p>
-          <a:p>
-            <a:r>
-              <a:rPr lang="en-US" dirty="0">
-                <a:latin typeface="Courier New" panose="02070309020205020404" pitchFamily="49" charset="0"/>
-                <a:cs typeface="Courier New" panose="02070309020205020404" pitchFamily="49" charset="0"/>
-              </a:rPr>
-              <a:t>    int </a:t>
+              <a:t>    while(</a:t>
             </a:r>
             <a:r>
               <a:rPr lang="en-US" dirty="0" err="1">
                 <a:latin typeface="Courier New" panose="02070309020205020404" pitchFamily="49" charset="0"/>
                 <a:cs typeface="Courier New" panose="02070309020205020404" pitchFamily="49" charset="0"/>
               </a:rPr>
+              <a:t>scanf</a:t>
+            </a:r>
+            <a:r>
+              <a:rPr lang="en-US" dirty="0">
+                <a:latin typeface="Courier New" panose="02070309020205020404" pitchFamily="49" charset="0"/>
+                <a:cs typeface="Courier New" panose="02070309020205020404" pitchFamily="49" charset="0"/>
+              </a:rPr>
+              <a:t>("%d",&amp;</a:t>
+            </a:r>
+            <a:r>
+              <a:rPr lang="en-US" dirty="0" err="1">
+                <a:latin typeface="Courier New" panose="02070309020205020404" pitchFamily="49" charset="0"/>
+                <a:cs typeface="Courier New" panose="02070309020205020404" pitchFamily="49" charset="0"/>
+              </a:rPr>
               <a:t>val</a:t>
             </a:r>
             <a:r>
@@ -8020,13 +7984,36 @@
                 <a:latin typeface="Courier New" panose="02070309020205020404" pitchFamily="49" charset="0"/>
                 <a:cs typeface="Courier New" panose="02070309020205020404" pitchFamily="49" charset="0"/>
               </a:rPr>
-              <a:t>, </a:t>
+              <a:t>) != EOF ) {</a:t>
+            </a:r>
+          </a:p>
+          <a:p>
+            <a:r>
+              <a:rPr lang="en-US" dirty="0">
+                <a:latin typeface="Courier New" panose="02070309020205020404" pitchFamily="49" charset="0"/>
+                <a:cs typeface="Courier New" panose="02070309020205020404" pitchFamily="49" charset="0"/>
+              </a:rPr>
+              <a:t>        if ( first || </a:t>
             </a:r>
             <a:r>
               <a:rPr lang="en-US" dirty="0" err="1">
                 <a:latin typeface="Courier New" panose="02070309020205020404" pitchFamily="49" charset="0"/>
                 <a:cs typeface="Courier New" panose="02070309020205020404" pitchFamily="49" charset="0"/>
               </a:rPr>
+              <a:t>val</a:t>
+            </a:r>
+            <a:r>
+              <a:rPr lang="en-US" dirty="0">
+                <a:latin typeface="Courier New" panose="02070309020205020404" pitchFamily="49" charset="0"/>
+                <a:cs typeface="Courier New" panose="02070309020205020404" pitchFamily="49" charset="0"/>
+              </a:rPr>
+              <a:t> &gt; </a:t>
+            </a:r>
+            <a:r>
+              <a:rPr lang="en-US" dirty="0" err="1">
+                <a:latin typeface="Courier New" panose="02070309020205020404" pitchFamily="49" charset="0"/>
+                <a:cs typeface="Courier New" panose="02070309020205020404" pitchFamily="49" charset="0"/>
+              </a:rPr>
               <a:t>maxval</a:t>
             </a:r>
             <a:r>
@@ -8034,13 +8021,64 @@
                 <a:latin typeface="Courier New" panose="02070309020205020404" pitchFamily="49" charset="0"/>
                 <a:cs typeface="Courier New" panose="02070309020205020404" pitchFamily="49" charset="0"/>
               </a:rPr>
-              <a:t>, </a:t>
+              <a:t> ) </a:t>
             </a:r>
             <a:r>
               <a:rPr lang="en-US" dirty="0" err="1">
                 <a:latin typeface="Courier New" panose="02070309020205020404" pitchFamily="49" charset="0"/>
                 <a:cs typeface="Courier New" panose="02070309020205020404" pitchFamily="49" charset="0"/>
               </a:rPr>
+              <a:t>maxval</a:t>
+            </a:r>
+            <a:r>
+              <a:rPr lang="en-US" dirty="0">
+                <a:latin typeface="Courier New" panose="02070309020205020404" pitchFamily="49" charset="0"/>
+                <a:cs typeface="Courier New" panose="02070309020205020404" pitchFamily="49" charset="0"/>
+              </a:rPr>
+              <a:t> = </a:t>
+            </a:r>
+            <a:r>
+              <a:rPr lang="en-US" dirty="0" err="1">
+                <a:latin typeface="Courier New" panose="02070309020205020404" pitchFamily="49" charset="0"/>
+                <a:cs typeface="Courier New" panose="02070309020205020404" pitchFamily="49" charset="0"/>
+              </a:rPr>
+              <a:t>val</a:t>
+            </a:r>
+            <a:r>
+              <a:rPr lang="en-US" dirty="0">
+                <a:latin typeface="Courier New" panose="02070309020205020404" pitchFamily="49" charset="0"/>
+                <a:cs typeface="Courier New" panose="02070309020205020404" pitchFamily="49" charset="0"/>
+              </a:rPr>
+              <a:t>;</a:t>
+            </a:r>
+          </a:p>
+          <a:p>
+            <a:r>
+              <a:rPr lang="en-US" dirty="0">
+                <a:latin typeface="Courier New" panose="02070309020205020404" pitchFamily="49" charset="0"/>
+                <a:cs typeface="Courier New" panose="02070309020205020404" pitchFamily="49" charset="0"/>
+              </a:rPr>
+              <a:t>        if ( first || </a:t>
+            </a:r>
+            <a:r>
+              <a:rPr lang="en-US" dirty="0" err="1">
+                <a:latin typeface="Courier New" panose="02070309020205020404" pitchFamily="49" charset="0"/>
+                <a:cs typeface="Courier New" panose="02070309020205020404" pitchFamily="49" charset="0"/>
+              </a:rPr>
+              <a:t>val</a:t>
+            </a:r>
+            <a:r>
+              <a:rPr lang="en-US" dirty="0">
+                <a:latin typeface="Courier New" panose="02070309020205020404" pitchFamily="49" charset="0"/>
+                <a:cs typeface="Courier New" panose="02070309020205020404" pitchFamily="49" charset="0"/>
+              </a:rPr>
+              <a:t> &lt; </a:t>
+            </a:r>
+            <a:r>
+              <a:rPr lang="en-US" dirty="0" err="1">
+                <a:latin typeface="Courier New" panose="02070309020205020404" pitchFamily="49" charset="0"/>
+                <a:cs typeface="Courier New" panose="02070309020205020404" pitchFamily="49" charset="0"/>
+              </a:rPr>
               <a:t>minval</a:t>
             </a:r>
             <a:r>
@@ -8048,7 +8086,53 @@
                 <a:latin typeface="Courier New" panose="02070309020205020404" pitchFamily="49" charset="0"/>
                 <a:cs typeface="Courier New" panose="02070309020205020404" pitchFamily="49" charset="0"/>
               </a:rPr>
+              <a:t> ) </a:t>
+            </a:r>
+            <a:r>
+              <a:rPr lang="en-US" dirty="0" err="1">
+                <a:latin typeface="Courier New" panose="02070309020205020404" pitchFamily="49" charset="0"/>
+                <a:cs typeface="Courier New" panose="02070309020205020404" pitchFamily="49" charset="0"/>
+              </a:rPr>
+              <a:t>minval</a:t>
+            </a:r>
+            <a:r>
+              <a:rPr lang="en-US" dirty="0">
+                <a:latin typeface="Courier New" panose="02070309020205020404" pitchFamily="49" charset="0"/>
+                <a:cs typeface="Courier New" panose="02070309020205020404" pitchFamily="49" charset="0"/>
+              </a:rPr>
+              <a:t> = </a:t>
+            </a:r>
+            <a:r>
+              <a:rPr lang="en-US" dirty="0" err="1">
+                <a:latin typeface="Courier New" panose="02070309020205020404" pitchFamily="49" charset="0"/>
+                <a:cs typeface="Courier New" panose="02070309020205020404" pitchFamily="49" charset="0"/>
+              </a:rPr>
+              <a:t>val</a:t>
+            </a:r>
+            <a:r>
+              <a:rPr lang="en-US" dirty="0">
+                <a:latin typeface="Courier New" panose="02070309020205020404" pitchFamily="49" charset="0"/>
+                <a:cs typeface="Courier New" panose="02070309020205020404" pitchFamily="49" charset="0"/>
+              </a:rPr>
               <a:t>;</a:t>
+            </a:r>
+          </a:p>
+          <a:p>
+            <a:r>
+              <a:rPr lang="en-US" dirty="0">
+                <a:latin typeface="Courier New" panose="02070309020205020404" pitchFamily="49" charset="0"/>
+                <a:cs typeface="Courier New" panose="02070309020205020404" pitchFamily="49" charset="0"/>
+              </a:rPr>
+              <a:t>        first = 0;</a:t>
+            </a:r>
+          </a:p>
+          <a:p>
+            <a:r>
+              <a:rPr lang="en-US" dirty="0">
+                <a:latin typeface="Courier New" panose="02070309020205020404" pitchFamily="49" charset="0"/>
+                <a:cs typeface="Courier New" panose="02070309020205020404" pitchFamily="49" charset="0"/>
+              </a:rPr>
+              <a:t>    }</a:t>
             </a:r>
           </a:p>
           <a:p>
@@ -8056,301 +8140,6 @@
               <a:latin typeface="Courier New" panose="02070309020205020404" pitchFamily="49" charset="0"/>
               <a:cs typeface="Courier New" panose="02070309020205020404" pitchFamily="49" charset="0"/>
             </a:endParaRPr>
-          </a:p>
-          <a:p>
-            <a:r>
-              <a:rPr lang="en-US" dirty="0">
-                <a:latin typeface="Courier New" panose="02070309020205020404" pitchFamily="49" charset="0"/>
-                <a:cs typeface="Courier New" panose="02070309020205020404" pitchFamily="49" charset="0"/>
-              </a:rPr>
-              <a:t>    while(</a:t>
-            </a:r>
-            <a:r>
-              <a:rPr lang="en-US" dirty="0" err="1">
-                <a:latin typeface="Courier New" panose="02070309020205020404" pitchFamily="49" charset="0"/>
-                <a:cs typeface="Courier New" panose="02070309020205020404" pitchFamily="49" charset="0"/>
-              </a:rPr>
-              <a:t>scanf</a:t>
-            </a:r>
-            <a:r>
-              <a:rPr lang="en-US" dirty="0">
-                <a:latin typeface="Courier New" panose="02070309020205020404" pitchFamily="49" charset="0"/>
-                <a:cs typeface="Courier New" panose="02070309020205020404" pitchFamily="49" charset="0"/>
-              </a:rPr>
-              <a:t>("%d",&amp;</a:t>
-            </a:r>
-            <a:r>
-              <a:rPr lang="en-US" dirty="0" err="1">
-                <a:latin typeface="Courier New" panose="02070309020205020404" pitchFamily="49" charset="0"/>
-                <a:cs typeface="Courier New" panose="02070309020205020404" pitchFamily="49" charset="0"/>
-              </a:rPr>
-              <a:t>val</a:t>
-            </a:r>
-            <a:r>
-              <a:rPr lang="en-US" dirty="0">
-                <a:latin typeface="Courier New" panose="02070309020205020404" pitchFamily="49" charset="0"/>
-                <a:cs typeface="Courier New" panose="02070309020205020404" pitchFamily="49" charset="0"/>
-              </a:rPr>
-              <a:t>) != EOF ) {</a:t>
-            </a:r>
-          </a:p>
-          <a:p>
-            <a:r>
-              <a:rPr lang="en-US" dirty="0">
-                <a:latin typeface="Courier New" panose="02070309020205020404" pitchFamily="49" charset="0"/>
-                <a:cs typeface="Courier New" panose="02070309020205020404" pitchFamily="49" charset="0"/>
-              </a:rPr>
-              <a:t>        if ( first ) {</a:t>
-            </a:r>
-          </a:p>
-          <a:p>
-            <a:r>
-              <a:rPr lang="en-US" dirty="0">
-                <a:latin typeface="Courier New" panose="02070309020205020404" pitchFamily="49" charset="0"/>
-                <a:cs typeface="Courier New" panose="02070309020205020404" pitchFamily="49" charset="0"/>
-              </a:rPr>
-              <a:t>            </a:t>
-            </a:r>
-            <a:r>
-              <a:rPr lang="en-US" dirty="0" err="1">
-                <a:latin typeface="Courier New" panose="02070309020205020404" pitchFamily="49" charset="0"/>
-                <a:cs typeface="Courier New" panose="02070309020205020404" pitchFamily="49" charset="0"/>
-              </a:rPr>
-              <a:t>maxval</a:t>
-            </a:r>
-            <a:r>
-              <a:rPr lang="en-US" dirty="0">
-                <a:latin typeface="Courier New" panose="02070309020205020404" pitchFamily="49" charset="0"/>
-                <a:cs typeface="Courier New" panose="02070309020205020404" pitchFamily="49" charset="0"/>
-              </a:rPr>
-              <a:t> = </a:t>
-            </a:r>
-            <a:r>
-              <a:rPr lang="en-US" dirty="0" err="1">
-                <a:latin typeface="Courier New" panose="02070309020205020404" pitchFamily="49" charset="0"/>
-                <a:cs typeface="Courier New" panose="02070309020205020404" pitchFamily="49" charset="0"/>
-              </a:rPr>
-              <a:t>val</a:t>
-            </a:r>
-            <a:r>
-              <a:rPr lang="en-US" dirty="0">
-                <a:latin typeface="Courier New" panose="02070309020205020404" pitchFamily="49" charset="0"/>
-                <a:cs typeface="Courier New" panose="02070309020205020404" pitchFamily="49" charset="0"/>
-              </a:rPr>
-              <a:t>;</a:t>
-            </a:r>
-          </a:p>
-          <a:p>
-            <a:r>
-              <a:rPr lang="en-US" dirty="0">
-                <a:latin typeface="Courier New" panose="02070309020205020404" pitchFamily="49" charset="0"/>
-                <a:cs typeface="Courier New" panose="02070309020205020404" pitchFamily="49" charset="0"/>
-              </a:rPr>
-              <a:t>            </a:t>
-            </a:r>
-            <a:r>
-              <a:rPr lang="en-US" dirty="0" err="1">
-                <a:latin typeface="Courier New" panose="02070309020205020404" pitchFamily="49" charset="0"/>
-                <a:cs typeface="Courier New" panose="02070309020205020404" pitchFamily="49" charset="0"/>
-              </a:rPr>
-              <a:t>minval</a:t>
-            </a:r>
-            <a:r>
-              <a:rPr lang="en-US" dirty="0">
-                <a:latin typeface="Courier New" panose="02070309020205020404" pitchFamily="49" charset="0"/>
-                <a:cs typeface="Courier New" panose="02070309020205020404" pitchFamily="49" charset="0"/>
-              </a:rPr>
-              <a:t> = </a:t>
-            </a:r>
-            <a:r>
-              <a:rPr lang="en-US" dirty="0" err="1">
-                <a:latin typeface="Courier New" panose="02070309020205020404" pitchFamily="49" charset="0"/>
-                <a:cs typeface="Courier New" panose="02070309020205020404" pitchFamily="49" charset="0"/>
-              </a:rPr>
-              <a:t>val</a:t>
-            </a:r>
-            <a:r>
-              <a:rPr lang="en-US" dirty="0">
-                <a:latin typeface="Courier New" panose="02070309020205020404" pitchFamily="49" charset="0"/>
-                <a:cs typeface="Courier New" panose="02070309020205020404" pitchFamily="49" charset="0"/>
-              </a:rPr>
-              <a:t>;</a:t>
-            </a:r>
-          </a:p>
-          <a:p>
-            <a:r>
-              <a:rPr lang="en-US" dirty="0">
-                <a:latin typeface="Courier New" panose="02070309020205020404" pitchFamily="49" charset="0"/>
-                <a:cs typeface="Courier New" panose="02070309020205020404" pitchFamily="49" charset="0"/>
-              </a:rPr>
-              <a:t>            first = 0;</a:t>
-            </a:r>
-          </a:p>
-          <a:p>
-            <a:r>
-              <a:rPr lang="en-US" dirty="0">
-                <a:latin typeface="Courier New" panose="02070309020205020404" pitchFamily="49" charset="0"/>
-                <a:cs typeface="Courier New" panose="02070309020205020404" pitchFamily="49" charset="0"/>
-              </a:rPr>
-              <a:t>        } else {</a:t>
-            </a:r>
-          </a:p>
-          <a:p>
-            <a:r>
-              <a:rPr lang="en-US" dirty="0">
-                <a:latin typeface="Courier New" panose="02070309020205020404" pitchFamily="49" charset="0"/>
-                <a:cs typeface="Courier New" panose="02070309020205020404" pitchFamily="49" charset="0"/>
-              </a:rPr>
-              <a:t>            if ( </a:t>
-            </a:r>
-            <a:r>
-              <a:rPr lang="en-US" dirty="0" err="1">
-                <a:latin typeface="Courier New" panose="02070309020205020404" pitchFamily="49" charset="0"/>
-                <a:cs typeface="Courier New" panose="02070309020205020404" pitchFamily="49" charset="0"/>
-              </a:rPr>
-              <a:t>val</a:t>
-            </a:r>
-            <a:r>
-              <a:rPr lang="en-US" dirty="0">
-                <a:latin typeface="Courier New" panose="02070309020205020404" pitchFamily="49" charset="0"/>
-                <a:cs typeface="Courier New" panose="02070309020205020404" pitchFamily="49" charset="0"/>
-              </a:rPr>
-              <a:t> &gt; </a:t>
-            </a:r>
-            <a:r>
-              <a:rPr lang="en-US" dirty="0" err="1">
-                <a:latin typeface="Courier New" panose="02070309020205020404" pitchFamily="49" charset="0"/>
-                <a:cs typeface="Courier New" panose="02070309020205020404" pitchFamily="49" charset="0"/>
-              </a:rPr>
-              <a:t>maxval</a:t>
-            </a:r>
-            <a:r>
-              <a:rPr lang="en-US" dirty="0">
-                <a:latin typeface="Courier New" panose="02070309020205020404" pitchFamily="49" charset="0"/>
-                <a:cs typeface="Courier New" panose="02070309020205020404" pitchFamily="49" charset="0"/>
-              </a:rPr>
-              <a:t> ) </a:t>
-            </a:r>
-            <a:r>
-              <a:rPr lang="en-US" dirty="0" err="1">
-                <a:latin typeface="Courier New" panose="02070309020205020404" pitchFamily="49" charset="0"/>
-                <a:cs typeface="Courier New" panose="02070309020205020404" pitchFamily="49" charset="0"/>
-              </a:rPr>
-              <a:t>maxval</a:t>
-            </a:r>
-            <a:r>
-              <a:rPr lang="en-US" dirty="0">
-                <a:latin typeface="Courier New" panose="02070309020205020404" pitchFamily="49" charset="0"/>
-                <a:cs typeface="Courier New" panose="02070309020205020404" pitchFamily="49" charset="0"/>
-              </a:rPr>
-              <a:t> = </a:t>
-            </a:r>
-            <a:r>
-              <a:rPr lang="en-US" dirty="0" err="1">
-                <a:latin typeface="Courier New" panose="02070309020205020404" pitchFamily="49" charset="0"/>
-                <a:cs typeface="Courier New" panose="02070309020205020404" pitchFamily="49" charset="0"/>
-              </a:rPr>
-              <a:t>val</a:t>
-            </a:r>
-            <a:r>
-              <a:rPr lang="en-US" dirty="0">
-                <a:latin typeface="Courier New" panose="02070309020205020404" pitchFamily="49" charset="0"/>
-                <a:cs typeface="Courier New" panose="02070309020205020404" pitchFamily="49" charset="0"/>
-              </a:rPr>
-              <a:t>;</a:t>
-            </a:r>
-          </a:p>
-          <a:p>
-            <a:r>
-              <a:rPr lang="en-US" dirty="0">
-                <a:latin typeface="Courier New" panose="02070309020205020404" pitchFamily="49" charset="0"/>
-                <a:cs typeface="Courier New" panose="02070309020205020404" pitchFamily="49" charset="0"/>
-              </a:rPr>
-              <a:t>            if ( </a:t>
-            </a:r>
-            <a:r>
-              <a:rPr lang="en-US" dirty="0" err="1">
-                <a:latin typeface="Courier New" panose="02070309020205020404" pitchFamily="49" charset="0"/>
-                <a:cs typeface="Courier New" panose="02070309020205020404" pitchFamily="49" charset="0"/>
-              </a:rPr>
-              <a:t>val</a:t>
-            </a:r>
-            <a:r>
-              <a:rPr lang="en-US" dirty="0">
-                <a:latin typeface="Courier New" panose="02070309020205020404" pitchFamily="49" charset="0"/>
-                <a:cs typeface="Courier New" panose="02070309020205020404" pitchFamily="49" charset="0"/>
-              </a:rPr>
-              <a:t> &lt; </a:t>
-            </a:r>
-            <a:r>
-              <a:rPr lang="en-US" dirty="0" err="1">
-                <a:latin typeface="Courier New" panose="02070309020205020404" pitchFamily="49" charset="0"/>
-                <a:cs typeface="Courier New" panose="02070309020205020404" pitchFamily="49" charset="0"/>
-              </a:rPr>
-              <a:t>minval</a:t>
-            </a:r>
-            <a:r>
-              <a:rPr lang="en-US" dirty="0">
-                <a:latin typeface="Courier New" panose="02070309020205020404" pitchFamily="49" charset="0"/>
-                <a:cs typeface="Courier New" panose="02070309020205020404" pitchFamily="49" charset="0"/>
-              </a:rPr>
-              <a:t> ) </a:t>
-            </a:r>
-            <a:r>
-              <a:rPr lang="en-US" dirty="0" err="1">
-                <a:latin typeface="Courier New" panose="02070309020205020404" pitchFamily="49" charset="0"/>
-                <a:cs typeface="Courier New" panose="02070309020205020404" pitchFamily="49" charset="0"/>
-              </a:rPr>
-              <a:t>minval</a:t>
-            </a:r>
-            <a:r>
-              <a:rPr lang="en-US" dirty="0">
-                <a:latin typeface="Courier New" panose="02070309020205020404" pitchFamily="49" charset="0"/>
-                <a:cs typeface="Courier New" panose="02070309020205020404" pitchFamily="49" charset="0"/>
-              </a:rPr>
-              <a:t> = </a:t>
-            </a:r>
-            <a:r>
-              <a:rPr lang="en-US" dirty="0" err="1">
-                <a:latin typeface="Courier New" panose="02070309020205020404" pitchFamily="49" charset="0"/>
-                <a:cs typeface="Courier New" panose="02070309020205020404" pitchFamily="49" charset="0"/>
-              </a:rPr>
-              <a:t>val</a:t>
-            </a:r>
-            <a:r>
-              <a:rPr lang="en-US" dirty="0">
-                <a:latin typeface="Courier New" panose="02070309020205020404" pitchFamily="49" charset="0"/>
-                <a:cs typeface="Courier New" panose="02070309020205020404" pitchFamily="49" charset="0"/>
-              </a:rPr>
-              <a:t>;</a:t>
-            </a:r>
-          </a:p>
-          <a:p>
-            <a:r>
-              <a:rPr lang="en-US" dirty="0">
-                <a:latin typeface="Courier New" panose="02070309020205020404" pitchFamily="49" charset="0"/>
-                <a:cs typeface="Courier New" panose="02070309020205020404" pitchFamily="49" charset="0"/>
-              </a:rPr>
-              <a:t>        }</a:t>
-            </a:r>
-          </a:p>
-          <a:p>
-            <a:r>
-              <a:rPr lang="en-US" dirty="0">
-                <a:latin typeface="Courier New" panose="02070309020205020404" pitchFamily="49" charset="0"/>
-                <a:cs typeface="Courier New" panose="02070309020205020404" pitchFamily="49" charset="0"/>
-              </a:rPr>
-              <a:t>    }</a:t>
-            </a:r>
-          </a:p>
-          <a:p>
-            <a:r>
-              <a:rPr lang="en-US" dirty="0">
-                <a:latin typeface="Courier New" panose="02070309020205020404" pitchFamily="49" charset="0"/>
-                <a:cs typeface="Courier New" panose="02070309020205020404" pitchFamily="49" charset="0"/>
-              </a:rPr>
-              <a:t>        </a:t>
-            </a:r>
           </a:p>
           <a:p>
             <a:r>
@@ -8451,7 +8240,7 @@
         </p:nvSpPr>
         <p:spPr>
           <a:xfrm>
-            <a:off x="2253614" y="1690688"/>
+            <a:off x="1281125" y="1690687"/>
             <a:ext cx="1425390" cy="3693319"/>
           </a:xfrm>
           <a:prstGeom prst="rect">
@@ -16492,7 +16281,7 @@
           <a:p>
             <a:r>
               <a:rPr lang="en-US" dirty="0"/>
-              <a:t>Looking at C A Python Lens</a:t>
+              <a:t>C Through A Python Lens</a:t>
             </a:r>
           </a:p>
         </p:txBody>
@@ -16518,7 +16307,10 @@
           <a:bodyPr/>
           <a:lstStyle/>
           <a:p>
-            <a:endParaRPr lang="en-US"/>
+            <a:r>
+              <a:rPr lang="en-US" dirty="0"/>
+              <a:t>Learning by example</a:t>
+            </a:r>
           </a:p>
         </p:txBody>
       </p:sp>

--- a/lectures/CC-02-Python.pptx
+++ b/lectures/CC-02-Python.pptx
@@ -13966,7 +13966,7 @@
         <p:spPr>
           <a:xfrm>
             <a:off x="5580722" y="365125"/>
-            <a:ext cx="6479659" cy="6001643"/>
+            <a:ext cx="6479659" cy="5755422"/>
           </a:xfrm>
           <a:prstGeom prst="rect">
             <a:avLst/>
@@ -14086,29 +14086,6 @@
                 <a:cs typeface="Courier New" panose="02070309020205020404" pitchFamily="49" charset="0"/>
               </a:rPr>
               <a:t>();</a:t>
-            </a:r>
-          </a:p>
-          <a:p>
-            <a:r>
-              <a:rPr lang="en-US" sz="1600" dirty="0">
-                <a:latin typeface="Courier New" panose="02070309020205020404" pitchFamily="49" charset="0"/>
-                <a:cs typeface="Courier New" panose="02070309020205020404" pitchFamily="49" charset="0"/>
-              </a:rPr>
-              <a:t>    </a:t>
-            </a:r>
-            <a:r>
-              <a:rPr lang="en-US" sz="1600" dirty="0" err="1">
-                <a:latin typeface="Courier New" panose="02070309020205020404" pitchFamily="49" charset="0"/>
-                <a:cs typeface="Courier New" panose="02070309020205020404" pitchFamily="49" charset="0"/>
-              </a:rPr>
-              <a:t>printf</a:t>
-            </a:r>
-            <a:r>
-              <a:rPr lang="en-US" sz="1600" dirty="0">
-                <a:latin typeface="Courier New" panose="02070309020205020404" pitchFamily="49" charset="0"/>
-                <a:cs typeface="Courier New" panose="02070309020205020404" pitchFamily="49" charset="0"/>
-              </a:rPr>
-              <a:t>("-%s-\n", s1);</a:t>
             </a:r>
           </a:p>
           <a:p>
@@ -14826,7 +14803,7 @@
         <p:spPr>
           <a:xfrm>
             <a:off x="5580722" y="1289953"/>
-            <a:ext cx="6479659" cy="4278094"/>
+            <a:ext cx="6479659" cy="4524315"/>
           </a:xfrm>
           <a:prstGeom prst="rect">
             <a:avLst/>
@@ -15260,6 +15237,36 @@
                 <a:cs typeface="Courier New" panose="02070309020205020404" pitchFamily="49" charset="0"/>
               </a:rPr>
               <a:t>("%s\n", </a:t>
+            </a:r>
+            <a:r>
+              <a:rPr lang="en-US" sz="1600" dirty="0" err="1">
+                <a:latin typeface="Courier New" panose="02070309020205020404" pitchFamily="49" charset="0"/>
+                <a:cs typeface="Courier New" panose="02070309020205020404" pitchFamily="49" charset="0"/>
+              </a:rPr>
+              <a:t>concat</a:t>
+            </a:r>
+            <a:r>
+              <a:rPr lang="en-US" sz="1600" dirty="0">
+                <a:latin typeface="Courier New" panose="02070309020205020404" pitchFamily="49" charset="0"/>
+                <a:cs typeface="Courier New" panose="02070309020205020404" pitchFamily="49" charset="0"/>
+              </a:rPr>
+              <a:t>);</a:t>
+            </a:r>
+          </a:p>
+          <a:p>
+            <a:r>
+              <a:rPr lang="en-US" sz="1600">
+                <a:latin typeface="Courier New" panose="02070309020205020404" pitchFamily="49" charset="0"/>
+                <a:cs typeface="Courier New" panose="02070309020205020404" pitchFamily="49" charset="0"/>
+              </a:rPr>
+              <a:t>    free</a:t>
+            </a:r>
+            <a:r>
+              <a:rPr lang="en-US" sz="1600" dirty="0">
+                <a:latin typeface="Courier New" panose="02070309020205020404" pitchFamily="49" charset="0"/>
+                <a:cs typeface="Courier New" panose="02070309020205020404" pitchFamily="49" charset="0"/>
+              </a:rPr>
+              <a:t>(</a:t>
             </a:r>
             <a:r>
               <a:rPr lang="en-US" sz="1600" dirty="0" err="1">

--- a/lectures/CC-02-Python.pptx
+++ b/lectures/CC-02-Python.pptx
@@ -22,17 +22,12 @@
     <p:sldId id="267" r:id="rId16"/>
     <p:sldId id="268" r:id="rId17"/>
     <p:sldId id="270" r:id="rId18"/>
-    <p:sldId id="271" r:id="rId19"/>
-    <p:sldId id="273" r:id="rId20"/>
-    <p:sldId id="274" r:id="rId21"/>
-    <p:sldId id="281" r:id="rId22"/>
-    <p:sldId id="275" r:id="rId23"/>
-    <p:sldId id="277" r:id="rId24"/>
-    <p:sldId id="278" r:id="rId25"/>
-    <p:sldId id="279" r:id="rId26"/>
-    <p:sldId id="283" r:id="rId27"/>
-    <p:sldId id="284" r:id="rId28"/>
-    <p:sldId id="285" r:id="rId29"/>
+    <p:sldId id="273" r:id="rId19"/>
+    <p:sldId id="274" r:id="rId20"/>
+    <p:sldId id="281" r:id="rId21"/>
+    <p:sldId id="275" r:id="rId22"/>
+    <p:sldId id="284" r:id="rId23"/>
+    <p:sldId id="285" r:id="rId24"/>
   </p:sldIdLst>
   <p:sldSz cx="12192000" cy="6858000"/>
   <p:notesSz cx="6858000" cy="9144000"/>
@@ -286,7 +281,7 @@
           <a:p>
             <a:fld id="{C13A938A-C9BA-0346-A74F-83EB1631032C}" type="datetimeFigureOut">
               <a:rPr lang="en-US" smtClean="0"/>
-              <a:t>8/1/22</a:t>
+              <a:t>1/28/23</a:t>
             </a:fld>
             <a:endParaRPr lang="en-US"/>
           </a:p>
@@ -484,7 +479,7 @@
           <a:p>
             <a:fld id="{C13A938A-C9BA-0346-A74F-83EB1631032C}" type="datetimeFigureOut">
               <a:rPr lang="en-US" smtClean="0"/>
-              <a:t>8/1/22</a:t>
+              <a:t>1/28/23</a:t>
             </a:fld>
             <a:endParaRPr lang="en-US"/>
           </a:p>
@@ -692,7 +687,7 @@
           <a:p>
             <a:fld id="{C13A938A-C9BA-0346-A74F-83EB1631032C}" type="datetimeFigureOut">
               <a:rPr lang="en-US" smtClean="0"/>
-              <a:t>8/1/22</a:t>
+              <a:t>1/28/23</a:t>
             </a:fld>
             <a:endParaRPr lang="en-US"/>
           </a:p>
@@ -890,7 +885,7 @@
           <a:p>
             <a:fld id="{C13A938A-C9BA-0346-A74F-83EB1631032C}" type="datetimeFigureOut">
               <a:rPr lang="en-US" smtClean="0"/>
-              <a:t>8/1/22</a:t>
+              <a:t>1/28/23</a:t>
             </a:fld>
             <a:endParaRPr lang="en-US"/>
           </a:p>
@@ -1165,7 +1160,7 @@
           <a:p>
             <a:fld id="{C13A938A-C9BA-0346-A74F-83EB1631032C}" type="datetimeFigureOut">
               <a:rPr lang="en-US" smtClean="0"/>
-              <a:t>8/1/22</a:t>
+              <a:t>1/28/23</a:t>
             </a:fld>
             <a:endParaRPr lang="en-US"/>
           </a:p>
@@ -1430,7 +1425,7 @@
           <a:p>
             <a:fld id="{C13A938A-C9BA-0346-A74F-83EB1631032C}" type="datetimeFigureOut">
               <a:rPr lang="en-US" smtClean="0"/>
-              <a:t>8/1/22</a:t>
+              <a:t>1/28/23</a:t>
             </a:fld>
             <a:endParaRPr lang="en-US"/>
           </a:p>
@@ -1842,7 +1837,7 @@
           <a:p>
             <a:fld id="{C13A938A-C9BA-0346-A74F-83EB1631032C}" type="datetimeFigureOut">
               <a:rPr lang="en-US" smtClean="0"/>
-              <a:t>8/1/22</a:t>
+              <a:t>1/28/23</a:t>
             </a:fld>
             <a:endParaRPr lang="en-US"/>
           </a:p>
@@ -1983,7 +1978,7 @@
           <a:p>
             <a:fld id="{C13A938A-C9BA-0346-A74F-83EB1631032C}" type="datetimeFigureOut">
               <a:rPr lang="en-US" smtClean="0"/>
-              <a:t>8/1/22</a:t>
+              <a:t>1/28/23</a:t>
             </a:fld>
             <a:endParaRPr lang="en-US"/>
           </a:p>
@@ -2096,7 +2091,7 @@
           <a:p>
             <a:fld id="{C13A938A-C9BA-0346-A74F-83EB1631032C}" type="datetimeFigureOut">
               <a:rPr lang="en-US" smtClean="0"/>
-              <a:t>8/1/22</a:t>
+              <a:t>1/28/23</a:t>
             </a:fld>
             <a:endParaRPr lang="en-US"/>
           </a:p>
@@ -2407,7 +2402,7 @@
           <a:p>
             <a:fld id="{C13A938A-C9BA-0346-A74F-83EB1631032C}" type="datetimeFigureOut">
               <a:rPr lang="en-US" smtClean="0"/>
-              <a:t>8/1/22</a:t>
+              <a:t>1/28/23</a:t>
             </a:fld>
             <a:endParaRPr lang="en-US"/>
           </a:p>
@@ -2695,7 +2690,7 @@
           <a:p>
             <a:fld id="{C13A938A-C9BA-0346-A74F-83EB1631032C}" type="datetimeFigureOut">
               <a:rPr lang="en-US" smtClean="0"/>
-              <a:t>8/1/22</a:t>
+              <a:t>1/28/23</a:t>
             </a:fld>
             <a:endParaRPr lang="en-US"/>
           </a:p>
@@ -2936,7 +2931,7 @@
           <a:p>
             <a:fld id="{C13A938A-C9BA-0346-A74F-83EB1631032C}" type="datetimeFigureOut">
               <a:rPr lang="en-US" smtClean="0"/>
-              <a:t>8/1/22</a:t>
+              <a:t>1/28/23</a:t>
             </a:fld>
             <a:endParaRPr lang="en-US"/>
           </a:p>
@@ -7126,7 +7121,7 @@
           <a:p>
             <a:r>
               <a:rPr lang="en-US" dirty="0"/>
-              <a:t>Max / Min</a:t>
+              <a:t>Max / Min v2</a:t>
             </a:r>
           </a:p>
         </p:txBody>
@@ -7145,8 +7140,8 @@
         </p:nvSpPr>
         <p:spPr>
           <a:xfrm>
-            <a:off x="5800271" y="992981"/>
-            <a:ext cx="6356227" cy="4770537"/>
+            <a:off x="4574829" y="1552188"/>
+            <a:ext cx="7077579" cy="3970318"/>
           </a:xfrm>
           <a:prstGeom prst="rect">
             <a:avLst/>
@@ -7160,21 +7155,21 @@
           <a:lstStyle/>
           <a:p>
             <a:r>
-              <a:rPr lang="en-US" sz="1600" dirty="0">
+              <a:rPr lang="en-US" dirty="0">
                 <a:latin typeface="Courier New" panose="02070309020205020404" pitchFamily="49" charset="0"/>
                 <a:cs typeface="Courier New" panose="02070309020205020404" pitchFamily="49" charset="0"/>
               </a:rPr>
               <a:t>#include &lt;</a:t>
             </a:r>
             <a:r>
-              <a:rPr lang="en-US" sz="1600" dirty="0" err="1">
+              <a:rPr lang="en-US" dirty="0" err="1">
                 <a:latin typeface="Courier New" panose="02070309020205020404" pitchFamily="49" charset="0"/>
                 <a:cs typeface="Courier New" panose="02070309020205020404" pitchFamily="49" charset="0"/>
               </a:rPr>
               <a:t>stdio.h</a:t>
             </a:r>
             <a:r>
-              <a:rPr lang="en-US" sz="1600" dirty="0">
+              <a:rPr lang="en-US" dirty="0">
                 <a:latin typeface="Courier New" panose="02070309020205020404" pitchFamily="49" charset="0"/>
                 <a:cs typeface="Courier New" panose="02070309020205020404" pitchFamily="49" charset="0"/>
               </a:rPr>
@@ -7183,53 +7178,7 @@
           </a:p>
           <a:p>
             <a:r>
-              <a:rPr lang="en-US" sz="1600" dirty="0">
-                <a:latin typeface="Courier New" panose="02070309020205020404" pitchFamily="49" charset="0"/>
-                <a:cs typeface="Courier New" panose="02070309020205020404" pitchFamily="49" charset="0"/>
-              </a:rPr>
-              <a:t>#include &lt;</a:t>
-            </a:r>
-            <a:r>
-              <a:rPr lang="en-US" sz="1600" dirty="0" err="1">
-                <a:latin typeface="Courier New" panose="02070309020205020404" pitchFamily="49" charset="0"/>
-                <a:cs typeface="Courier New" panose="02070309020205020404" pitchFamily="49" charset="0"/>
-              </a:rPr>
-              <a:t>stdlib.h</a:t>
-            </a:r>
-            <a:r>
-              <a:rPr lang="en-US" sz="1600" dirty="0">
-                <a:latin typeface="Courier New" panose="02070309020205020404" pitchFamily="49" charset="0"/>
-                <a:cs typeface="Courier New" panose="02070309020205020404" pitchFamily="49" charset="0"/>
-              </a:rPr>
-              <a:t>&gt;</a:t>
-            </a:r>
-          </a:p>
-          <a:p>
-            <a:r>
-              <a:rPr lang="en-US" sz="1600" dirty="0">
-                <a:latin typeface="Courier New" panose="02070309020205020404" pitchFamily="49" charset="0"/>
-                <a:cs typeface="Courier New" panose="02070309020205020404" pitchFamily="49" charset="0"/>
-              </a:rPr>
-              <a:t>#include &lt;</a:t>
-            </a:r>
-            <a:r>
-              <a:rPr lang="en-US" sz="1600" dirty="0" err="1">
-                <a:latin typeface="Courier New" panose="02070309020205020404" pitchFamily="49" charset="0"/>
-                <a:cs typeface="Courier New" panose="02070309020205020404" pitchFamily="49" charset="0"/>
-              </a:rPr>
-              <a:t>string.h</a:t>
-            </a:r>
-            <a:r>
-              <a:rPr lang="en-US" sz="1600" dirty="0">
-                <a:latin typeface="Courier New" panose="02070309020205020404" pitchFamily="49" charset="0"/>
-                <a:cs typeface="Courier New" panose="02070309020205020404" pitchFamily="49" charset="0"/>
-              </a:rPr>
-              <a:t>&gt;</a:t>
-            </a:r>
-          </a:p>
-          <a:p>
-            <a:r>
-              <a:rPr lang="en-US" sz="1600" dirty="0">
+              <a:rPr lang="en-US" dirty="0">
                 <a:latin typeface="Courier New" panose="02070309020205020404" pitchFamily="49" charset="0"/>
                 <a:cs typeface="Courier New" panose="02070309020205020404" pitchFamily="49" charset="0"/>
               </a:rPr>
@@ -7238,7 +7187,7 @@
           </a:p>
           <a:p>
             <a:r>
-              <a:rPr lang="en-US" sz="1600" dirty="0">
+              <a:rPr lang="en-US" dirty="0">
                 <a:latin typeface="Courier New" panose="02070309020205020404" pitchFamily="49" charset="0"/>
                 <a:cs typeface="Courier New" panose="02070309020205020404" pitchFamily="49" charset="0"/>
               </a:rPr>
@@ -7247,49 +7196,49 @@
           </a:p>
           <a:p>
             <a:r>
-              <a:rPr lang="en-US" sz="1600" dirty="0">
+              <a:rPr lang="en-US" dirty="0">
                 <a:latin typeface="Courier New" panose="02070309020205020404" pitchFamily="49" charset="0"/>
                 <a:cs typeface="Courier New" panose="02070309020205020404" pitchFamily="49" charset="0"/>
               </a:rPr>
               <a:t>    int </a:t>
             </a:r>
             <a:r>
-              <a:rPr lang="en-US" sz="1600" dirty="0" err="1">
+              <a:rPr lang="en-US" dirty="0" err="1">
                 <a:latin typeface="Courier New" panose="02070309020205020404" pitchFamily="49" charset="0"/>
                 <a:cs typeface="Courier New" panose="02070309020205020404" pitchFamily="49" charset="0"/>
               </a:rPr>
               <a:t>val</a:t>
             </a:r>
             <a:r>
-              <a:rPr lang="en-US" sz="1600" dirty="0">
+              <a:rPr lang="en-US" dirty="0">
                 <a:latin typeface="Courier New" panose="02070309020205020404" pitchFamily="49" charset="0"/>
                 <a:cs typeface="Courier New" panose="02070309020205020404" pitchFamily="49" charset="0"/>
               </a:rPr>
               <a:t>, </a:t>
             </a:r>
             <a:r>
-              <a:rPr lang="en-US" sz="1600" dirty="0" err="1">
+              <a:rPr lang="en-US" dirty="0" err="1">
                 <a:latin typeface="Courier New" panose="02070309020205020404" pitchFamily="49" charset="0"/>
                 <a:cs typeface="Courier New" panose="02070309020205020404" pitchFamily="49" charset="0"/>
               </a:rPr>
               <a:t>maxval</a:t>
             </a:r>
             <a:r>
-              <a:rPr lang="en-US" sz="1600" dirty="0">
+              <a:rPr lang="en-US" dirty="0">
                 <a:latin typeface="Courier New" panose="02070309020205020404" pitchFamily="49" charset="0"/>
                 <a:cs typeface="Courier New" panose="02070309020205020404" pitchFamily="49" charset="0"/>
               </a:rPr>
               <a:t>, </a:t>
             </a:r>
             <a:r>
-              <a:rPr lang="en-US" sz="1600" dirty="0" err="1">
+              <a:rPr lang="en-US" dirty="0" err="1">
                 <a:latin typeface="Courier New" panose="02070309020205020404" pitchFamily="49" charset="0"/>
                 <a:cs typeface="Courier New" panose="02070309020205020404" pitchFamily="49" charset="0"/>
               </a:rPr>
               <a:t>minval</a:t>
             </a:r>
             <a:r>
-              <a:rPr lang="en-US" sz="1600" dirty="0">
+              <a:rPr lang="en-US" dirty="0">
                 <a:latin typeface="Courier New" panose="02070309020205020404" pitchFamily="49" charset="0"/>
                 <a:cs typeface="Courier New" panose="02070309020205020404" pitchFamily="49" charset="0"/>
               </a:rPr>
@@ -7297,162 +7246,172 @@
             </a:r>
           </a:p>
           <a:p>
-            <a:r>
-              <a:rPr lang="en-US" sz="1600" dirty="0">
-                <a:latin typeface="Courier New" panose="02070309020205020404" pitchFamily="49" charset="0"/>
-                <a:cs typeface="Courier New" panose="02070309020205020404" pitchFamily="49" charset="0"/>
-              </a:rPr>
-              <a:t>    char line[1000];</a:t>
-            </a:r>
-          </a:p>
-          <a:p>
-            <a:endParaRPr lang="en-US" sz="1600" dirty="0">
+            <a:endParaRPr lang="en-US" dirty="0">
               <a:latin typeface="Courier New" panose="02070309020205020404" pitchFamily="49" charset="0"/>
               <a:cs typeface="Courier New" panose="02070309020205020404" pitchFamily="49" charset="0"/>
             </a:endParaRPr>
           </a:p>
           <a:p>
             <a:r>
-              <a:rPr lang="en-US" sz="1600" dirty="0">
-                <a:latin typeface="Courier New" panose="02070309020205020404" pitchFamily="49" charset="0"/>
-                <a:cs typeface="Courier New" panose="02070309020205020404" pitchFamily="49" charset="0"/>
-              </a:rPr>
-              <a:t>    while(gets(line) != NULL ) {</a:t>
-            </a:r>
-          </a:p>
-          <a:p>
-            <a:r>
-              <a:rPr lang="en-US" sz="1600" dirty="0">
-                <a:latin typeface="Courier New" panose="02070309020205020404" pitchFamily="49" charset="0"/>
-                <a:cs typeface="Courier New" panose="02070309020205020404" pitchFamily="49" charset="0"/>
-              </a:rPr>
-              <a:t>        if ( </a:t>
-            </a:r>
-            <a:r>
-              <a:rPr lang="en-US" sz="1600" dirty="0" err="1">
-                <a:latin typeface="Courier New" panose="02070309020205020404" pitchFamily="49" charset="0"/>
-                <a:cs typeface="Courier New" panose="02070309020205020404" pitchFamily="49" charset="0"/>
-              </a:rPr>
-              <a:t>strcmp</a:t>
-            </a:r>
-            <a:r>
-              <a:rPr lang="en-US" sz="1600" dirty="0">
-                <a:latin typeface="Courier New" panose="02070309020205020404" pitchFamily="49" charset="0"/>
-                <a:cs typeface="Courier New" panose="02070309020205020404" pitchFamily="49" charset="0"/>
-              </a:rPr>
-              <a:t>(</a:t>
-            </a:r>
-            <a:r>
-              <a:rPr lang="en-US" sz="1600" dirty="0" err="1">
-                <a:latin typeface="Courier New" panose="02070309020205020404" pitchFamily="49" charset="0"/>
-                <a:cs typeface="Courier New" panose="02070309020205020404" pitchFamily="49" charset="0"/>
-              </a:rPr>
-              <a:t>line,"done</a:t>
-            </a:r>
-            <a:r>
-              <a:rPr lang="en-US" sz="1600" dirty="0">
-                <a:latin typeface="Courier New" panose="02070309020205020404" pitchFamily="49" charset="0"/>
-                <a:cs typeface="Courier New" panose="02070309020205020404" pitchFamily="49" charset="0"/>
-              </a:rPr>
-              <a:t>") == 0 ) break;</a:t>
-            </a:r>
-          </a:p>
-          <a:p>
-            <a:r>
-              <a:rPr lang="en-US" sz="1600" dirty="0">
-                <a:latin typeface="Courier New" panose="02070309020205020404" pitchFamily="49" charset="0"/>
-                <a:cs typeface="Courier New" panose="02070309020205020404" pitchFamily="49" charset="0"/>
-              </a:rPr>
-              <a:t>        </a:t>
-            </a:r>
-            <a:r>
-              <a:rPr lang="en-US" sz="1600" dirty="0" err="1">
+              <a:rPr lang="en-US" dirty="0">
+                <a:latin typeface="Courier New" panose="02070309020205020404" pitchFamily="49" charset="0"/>
+                <a:cs typeface="Courier New" panose="02070309020205020404" pitchFamily="49" charset="0"/>
+              </a:rPr>
+              <a:t>    while(</a:t>
+            </a:r>
+            <a:r>
+              <a:rPr lang="en-US" dirty="0" err="1">
+                <a:latin typeface="Courier New" panose="02070309020205020404" pitchFamily="49" charset="0"/>
+                <a:cs typeface="Courier New" panose="02070309020205020404" pitchFamily="49" charset="0"/>
+              </a:rPr>
+              <a:t>scanf</a:t>
+            </a:r>
+            <a:r>
+              <a:rPr lang="en-US" dirty="0">
+                <a:latin typeface="Courier New" panose="02070309020205020404" pitchFamily="49" charset="0"/>
+                <a:cs typeface="Courier New" panose="02070309020205020404" pitchFamily="49" charset="0"/>
+              </a:rPr>
+              <a:t>("%d",&amp;</a:t>
+            </a:r>
+            <a:r>
+              <a:rPr lang="en-US" dirty="0" err="1">
                 <a:latin typeface="Courier New" panose="02070309020205020404" pitchFamily="49" charset="0"/>
                 <a:cs typeface="Courier New" panose="02070309020205020404" pitchFamily="49" charset="0"/>
               </a:rPr>
               <a:t>val</a:t>
             </a:r>
             <a:r>
-              <a:rPr lang="en-US" sz="1600" dirty="0">
+              <a:rPr lang="en-US" dirty="0">
+                <a:latin typeface="Courier New" panose="02070309020205020404" pitchFamily="49" charset="0"/>
+                <a:cs typeface="Courier New" panose="02070309020205020404" pitchFamily="49" charset="0"/>
+              </a:rPr>
+              <a:t>) != EOF ) {</a:t>
+            </a:r>
+          </a:p>
+          <a:p>
+            <a:r>
+              <a:rPr lang="en-US" dirty="0">
+                <a:latin typeface="Courier New" panose="02070309020205020404" pitchFamily="49" charset="0"/>
+                <a:cs typeface="Courier New" panose="02070309020205020404" pitchFamily="49" charset="0"/>
+              </a:rPr>
+              <a:t>        if ( first || </a:t>
+            </a:r>
+            <a:r>
+              <a:rPr lang="en-US" dirty="0" err="1">
+                <a:latin typeface="Courier New" panose="02070309020205020404" pitchFamily="49" charset="0"/>
+                <a:cs typeface="Courier New" panose="02070309020205020404" pitchFamily="49" charset="0"/>
+              </a:rPr>
+              <a:t>val</a:t>
+            </a:r>
+            <a:r>
+              <a:rPr lang="en-US" dirty="0">
+                <a:latin typeface="Courier New" panose="02070309020205020404" pitchFamily="49" charset="0"/>
+                <a:cs typeface="Courier New" panose="02070309020205020404" pitchFamily="49" charset="0"/>
+              </a:rPr>
+              <a:t> &gt; </a:t>
+            </a:r>
+            <a:r>
+              <a:rPr lang="en-US" dirty="0" err="1">
+                <a:latin typeface="Courier New" panose="02070309020205020404" pitchFamily="49" charset="0"/>
+                <a:cs typeface="Courier New" panose="02070309020205020404" pitchFamily="49" charset="0"/>
+              </a:rPr>
+              <a:t>maxval</a:t>
+            </a:r>
+            <a:r>
+              <a:rPr lang="en-US" dirty="0">
+                <a:latin typeface="Courier New" panose="02070309020205020404" pitchFamily="49" charset="0"/>
+                <a:cs typeface="Courier New" panose="02070309020205020404" pitchFamily="49" charset="0"/>
+              </a:rPr>
+              <a:t> ) </a:t>
+            </a:r>
+            <a:r>
+              <a:rPr lang="en-US" dirty="0" err="1">
+                <a:latin typeface="Courier New" panose="02070309020205020404" pitchFamily="49" charset="0"/>
+                <a:cs typeface="Courier New" panose="02070309020205020404" pitchFamily="49" charset="0"/>
+              </a:rPr>
+              <a:t>maxval</a:t>
+            </a:r>
+            <a:r>
+              <a:rPr lang="en-US" dirty="0">
                 <a:latin typeface="Courier New" panose="02070309020205020404" pitchFamily="49" charset="0"/>
                 <a:cs typeface="Courier New" panose="02070309020205020404" pitchFamily="49" charset="0"/>
               </a:rPr>
               <a:t> = </a:t>
             </a:r>
             <a:r>
-              <a:rPr lang="en-US" sz="1600" dirty="0" err="1">
-                <a:latin typeface="Courier New" panose="02070309020205020404" pitchFamily="49" charset="0"/>
-                <a:cs typeface="Courier New" panose="02070309020205020404" pitchFamily="49" charset="0"/>
-              </a:rPr>
-              <a:t>atoi</a:t>
-            </a:r>
-            <a:r>
-              <a:rPr lang="en-US" sz="1600" dirty="0">
-                <a:latin typeface="Courier New" panose="02070309020205020404" pitchFamily="49" charset="0"/>
-                <a:cs typeface="Courier New" panose="02070309020205020404" pitchFamily="49" charset="0"/>
-              </a:rPr>
-              <a:t>(line);</a:t>
-            </a:r>
-          </a:p>
-          <a:p>
-            <a:r>
-              <a:rPr lang="en-US" sz="1600" dirty="0">
+              <a:rPr lang="en-US" dirty="0" err="1">
+                <a:latin typeface="Courier New" panose="02070309020205020404" pitchFamily="49" charset="0"/>
+                <a:cs typeface="Courier New" panose="02070309020205020404" pitchFamily="49" charset="0"/>
+              </a:rPr>
+              <a:t>val</a:t>
+            </a:r>
+            <a:r>
+              <a:rPr lang="en-US" dirty="0">
+                <a:latin typeface="Courier New" panose="02070309020205020404" pitchFamily="49" charset="0"/>
+                <a:cs typeface="Courier New" panose="02070309020205020404" pitchFamily="49" charset="0"/>
+              </a:rPr>
+              <a:t>;</a:t>
+            </a:r>
+          </a:p>
+          <a:p>
+            <a:r>
+              <a:rPr lang="en-US" dirty="0">
                 <a:latin typeface="Courier New" panose="02070309020205020404" pitchFamily="49" charset="0"/>
                 <a:cs typeface="Courier New" panose="02070309020205020404" pitchFamily="49" charset="0"/>
               </a:rPr>
               <a:t>        if ( first || </a:t>
             </a:r>
             <a:r>
-              <a:rPr lang="en-US" sz="1600" dirty="0" err="1">
+              <a:rPr lang="en-US" dirty="0" err="1">
                 <a:latin typeface="Courier New" panose="02070309020205020404" pitchFamily="49" charset="0"/>
                 <a:cs typeface="Courier New" panose="02070309020205020404" pitchFamily="49" charset="0"/>
               </a:rPr>
               <a:t>val</a:t>
             </a:r>
             <a:r>
-              <a:rPr lang="en-US" sz="1600" dirty="0">
-                <a:latin typeface="Courier New" panose="02070309020205020404" pitchFamily="49" charset="0"/>
-                <a:cs typeface="Courier New" panose="02070309020205020404" pitchFamily="49" charset="0"/>
-              </a:rPr>
-              <a:t> &gt; </a:t>
-            </a:r>
-            <a:r>
-              <a:rPr lang="en-US" sz="1600" dirty="0" err="1">
-                <a:latin typeface="Courier New" panose="02070309020205020404" pitchFamily="49" charset="0"/>
-                <a:cs typeface="Courier New" panose="02070309020205020404" pitchFamily="49" charset="0"/>
-              </a:rPr>
-              <a:t>maxval</a:t>
-            </a:r>
-            <a:r>
-              <a:rPr lang="en-US" sz="1600" dirty="0">
+              <a:rPr lang="en-US" dirty="0">
+                <a:latin typeface="Courier New" panose="02070309020205020404" pitchFamily="49" charset="0"/>
+                <a:cs typeface="Courier New" panose="02070309020205020404" pitchFamily="49" charset="0"/>
+              </a:rPr>
+              <a:t> &lt; </a:t>
+            </a:r>
+            <a:r>
+              <a:rPr lang="en-US" dirty="0" err="1">
+                <a:latin typeface="Courier New" panose="02070309020205020404" pitchFamily="49" charset="0"/>
+                <a:cs typeface="Courier New" panose="02070309020205020404" pitchFamily="49" charset="0"/>
+              </a:rPr>
+              <a:t>minval</a:t>
+            </a:r>
+            <a:r>
+              <a:rPr lang="en-US" dirty="0">
                 <a:latin typeface="Courier New" panose="02070309020205020404" pitchFamily="49" charset="0"/>
                 <a:cs typeface="Courier New" panose="02070309020205020404" pitchFamily="49" charset="0"/>
               </a:rPr>
               <a:t> ) </a:t>
             </a:r>
             <a:r>
-              <a:rPr lang="en-US" sz="1600" dirty="0" err="1">
-                <a:latin typeface="Courier New" panose="02070309020205020404" pitchFamily="49" charset="0"/>
-                <a:cs typeface="Courier New" panose="02070309020205020404" pitchFamily="49" charset="0"/>
-              </a:rPr>
-              <a:t>maxval</a:t>
-            </a:r>
-            <a:r>
-              <a:rPr lang="en-US" sz="1600" dirty="0">
+              <a:rPr lang="en-US" dirty="0" err="1">
+                <a:latin typeface="Courier New" panose="02070309020205020404" pitchFamily="49" charset="0"/>
+                <a:cs typeface="Courier New" panose="02070309020205020404" pitchFamily="49" charset="0"/>
+              </a:rPr>
+              <a:t>minval</a:t>
+            </a:r>
+            <a:r>
+              <a:rPr lang="en-US" dirty="0">
                 <a:latin typeface="Courier New" panose="02070309020205020404" pitchFamily="49" charset="0"/>
                 <a:cs typeface="Courier New" panose="02070309020205020404" pitchFamily="49" charset="0"/>
               </a:rPr>
               <a:t> = </a:t>
             </a:r>
             <a:r>
-              <a:rPr lang="en-US" sz="1600" dirty="0" err="1">
+              <a:rPr lang="en-US" dirty="0" err="1">
                 <a:latin typeface="Courier New" panose="02070309020205020404" pitchFamily="49" charset="0"/>
                 <a:cs typeface="Courier New" panose="02070309020205020404" pitchFamily="49" charset="0"/>
               </a:rPr>
               <a:t>val</a:t>
             </a:r>
             <a:r>
-              <a:rPr lang="en-US" sz="1600" dirty="0">
+              <a:rPr lang="en-US" dirty="0">
                 <a:latin typeface="Courier New" panose="02070309020205020404" pitchFamily="49" charset="0"/>
                 <a:cs typeface="Courier New" panose="02070309020205020404" pitchFamily="49" charset="0"/>
               </a:rPr>
@@ -7461,72 +7420,7 @@
           </a:p>
           <a:p>
             <a:r>
-              <a:rPr lang="en-US" sz="1600" dirty="0">
-                <a:latin typeface="Courier New" panose="02070309020205020404" pitchFamily="49" charset="0"/>
-                <a:cs typeface="Courier New" panose="02070309020205020404" pitchFamily="49" charset="0"/>
-              </a:rPr>
-              <a:t>        if ( first || </a:t>
-            </a:r>
-            <a:r>
-              <a:rPr lang="en-US" sz="1600" dirty="0" err="1">
-                <a:latin typeface="Courier New" panose="02070309020205020404" pitchFamily="49" charset="0"/>
-                <a:cs typeface="Courier New" panose="02070309020205020404" pitchFamily="49" charset="0"/>
-              </a:rPr>
-              <a:t>val</a:t>
-            </a:r>
-            <a:r>
-              <a:rPr lang="en-US" sz="1600" dirty="0">
-                <a:latin typeface="Courier New" panose="02070309020205020404" pitchFamily="49" charset="0"/>
-                <a:cs typeface="Courier New" panose="02070309020205020404" pitchFamily="49" charset="0"/>
-              </a:rPr>
-              <a:t> &lt; </a:t>
-            </a:r>
-            <a:r>
-              <a:rPr lang="en-US" sz="1600" dirty="0" err="1">
-                <a:latin typeface="Courier New" panose="02070309020205020404" pitchFamily="49" charset="0"/>
-                <a:cs typeface="Courier New" panose="02070309020205020404" pitchFamily="49" charset="0"/>
-              </a:rPr>
-              <a:t>minval</a:t>
-            </a:r>
-            <a:r>
-              <a:rPr lang="en-US" sz="1600" dirty="0">
-                <a:latin typeface="Courier New" panose="02070309020205020404" pitchFamily="49" charset="0"/>
-                <a:cs typeface="Courier New" panose="02070309020205020404" pitchFamily="49" charset="0"/>
-              </a:rPr>
-              <a:t> ) </a:t>
-            </a:r>
-            <a:r>
-              <a:rPr lang="en-US" sz="1600" dirty="0" err="1">
-                <a:latin typeface="Courier New" panose="02070309020205020404" pitchFamily="49" charset="0"/>
-                <a:cs typeface="Courier New" panose="02070309020205020404" pitchFamily="49" charset="0"/>
-              </a:rPr>
-              <a:t>minval</a:t>
-            </a:r>
-            <a:r>
-              <a:rPr lang="en-US" sz="1600" dirty="0">
-                <a:latin typeface="Courier New" panose="02070309020205020404" pitchFamily="49" charset="0"/>
-                <a:cs typeface="Courier New" panose="02070309020205020404" pitchFamily="49" charset="0"/>
-              </a:rPr>
-              <a:t> = </a:t>
-            </a:r>
-            <a:r>
-              <a:rPr lang="en-US" sz="1600" dirty="0" err="1">
-                <a:latin typeface="Courier New" panose="02070309020205020404" pitchFamily="49" charset="0"/>
-                <a:cs typeface="Courier New" panose="02070309020205020404" pitchFamily="49" charset="0"/>
-              </a:rPr>
-              <a:t>val</a:t>
-            </a:r>
-            <a:r>
-              <a:rPr lang="en-US" sz="1600" dirty="0">
-                <a:latin typeface="Courier New" panose="02070309020205020404" pitchFamily="49" charset="0"/>
-                <a:cs typeface="Courier New" panose="02070309020205020404" pitchFamily="49" charset="0"/>
-              </a:rPr>
-              <a:t>;</a:t>
-            </a:r>
-          </a:p>
-          <a:p>
-            <a:r>
-              <a:rPr lang="en-US" sz="1600" dirty="0">
+              <a:rPr lang="en-US" dirty="0">
                 <a:latin typeface="Courier New" panose="02070309020205020404" pitchFamily="49" charset="0"/>
                 <a:cs typeface="Courier New" panose="02070309020205020404" pitchFamily="49" charset="0"/>
               </a:rPr>
@@ -7535,7 +7429,7 @@
           </a:p>
           <a:p>
             <a:r>
-              <a:rPr lang="en-US" sz="1600" dirty="0">
+              <a:rPr lang="en-US" dirty="0">
                 <a:latin typeface="Courier New" panose="02070309020205020404" pitchFamily="49" charset="0"/>
                 <a:cs typeface="Courier New" panose="02070309020205020404" pitchFamily="49" charset="0"/>
               </a:rPr>
@@ -7543,42 +7437,42 @@
             </a:r>
           </a:p>
           <a:p>
-            <a:endParaRPr lang="en-US" sz="1600" dirty="0">
+            <a:endParaRPr lang="en-US" dirty="0">
               <a:latin typeface="Courier New" panose="02070309020205020404" pitchFamily="49" charset="0"/>
               <a:cs typeface="Courier New" panose="02070309020205020404" pitchFamily="49" charset="0"/>
             </a:endParaRPr>
           </a:p>
           <a:p>
             <a:r>
-              <a:rPr lang="en-US" sz="1600" dirty="0">
+              <a:rPr lang="en-US" dirty="0">
                 <a:latin typeface="Courier New" panose="02070309020205020404" pitchFamily="49" charset="0"/>
                 <a:cs typeface="Courier New" panose="02070309020205020404" pitchFamily="49" charset="0"/>
               </a:rPr>
               <a:t>    </a:t>
             </a:r>
             <a:r>
-              <a:rPr lang="en-US" sz="1600" dirty="0" err="1">
+              <a:rPr lang="en-US" dirty="0" err="1">
                 <a:latin typeface="Courier New" panose="02070309020205020404" pitchFamily="49" charset="0"/>
                 <a:cs typeface="Courier New" panose="02070309020205020404" pitchFamily="49" charset="0"/>
               </a:rPr>
               <a:t>printf</a:t>
             </a:r>
             <a:r>
-              <a:rPr lang="en-US" sz="1600" dirty="0">
+              <a:rPr lang="en-US" dirty="0">
                 <a:latin typeface="Courier New" panose="02070309020205020404" pitchFamily="49" charset="0"/>
                 <a:cs typeface="Courier New" panose="02070309020205020404" pitchFamily="49" charset="0"/>
               </a:rPr>
               <a:t>("Maximum %d\n", </a:t>
             </a:r>
             <a:r>
-              <a:rPr lang="en-US" sz="1600" dirty="0" err="1">
+              <a:rPr lang="en-US" dirty="0" err="1">
                 <a:latin typeface="Courier New" panose="02070309020205020404" pitchFamily="49" charset="0"/>
                 <a:cs typeface="Courier New" panose="02070309020205020404" pitchFamily="49" charset="0"/>
               </a:rPr>
               <a:t>maxval</a:t>
             </a:r>
             <a:r>
-              <a:rPr lang="en-US" sz="1600" dirty="0">
+              <a:rPr lang="en-US" dirty="0">
                 <a:latin typeface="Courier New" panose="02070309020205020404" pitchFamily="49" charset="0"/>
                 <a:cs typeface="Courier New" panose="02070309020205020404" pitchFamily="49" charset="0"/>
               </a:rPr>
@@ -7587,35 +7481,35 @@
           </a:p>
           <a:p>
             <a:r>
-              <a:rPr lang="en-US" sz="1600" dirty="0">
+              <a:rPr lang="en-US" dirty="0">
                 <a:latin typeface="Courier New" panose="02070309020205020404" pitchFamily="49" charset="0"/>
                 <a:cs typeface="Courier New" panose="02070309020205020404" pitchFamily="49" charset="0"/>
               </a:rPr>
               <a:t>    </a:t>
             </a:r>
             <a:r>
-              <a:rPr lang="en-US" sz="1600" dirty="0" err="1">
+              <a:rPr lang="en-US" dirty="0" err="1">
                 <a:latin typeface="Courier New" panose="02070309020205020404" pitchFamily="49" charset="0"/>
                 <a:cs typeface="Courier New" panose="02070309020205020404" pitchFamily="49" charset="0"/>
               </a:rPr>
               <a:t>printf</a:t>
             </a:r>
             <a:r>
-              <a:rPr lang="en-US" sz="1600" dirty="0">
+              <a:rPr lang="en-US" dirty="0">
                 <a:latin typeface="Courier New" panose="02070309020205020404" pitchFamily="49" charset="0"/>
                 <a:cs typeface="Courier New" panose="02070309020205020404" pitchFamily="49" charset="0"/>
               </a:rPr>
               <a:t>("Minimum %d\n", </a:t>
             </a:r>
             <a:r>
-              <a:rPr lang="en-US" sz="1600" dirty="0" err="1">
+              <a:rPr lang="en-US" dirty="0" err="1">
                 <a:latin typeface="Courier New" panose="02070309020205020404" pitchFamily="49" charset="0"/>
                 <a:cs typeface="Courier New" panose="02070309020205020404" pitchFamily="49" charset="0"/>
               </a:rPr>
               <a:t>minval</a:t>
             </a:r>
             <a:r>
-              <a:rPr lang="en-US" sz="1600" dirty="0">
+              <a:rPr lang="en-US" dirty="0">
                 <a:latin typeface="Courier New" panose="02070309020205020404" pitchFamily="49" charset="0"/>
                 <a:cs typeface="Courier New" panose="02070309020205020404" pitchFamily="49" charset="0"/>
               </a:rPr>
@@ -7624,7 +7518,7 @@
           </a:p>
           <a:p>
             <a:r>
-              <a:rPr lang="en-US" sz="1600" dirty="0">
+              <a:rPr lang="en-US" dirty="0">
                 <a:latin typeface="Courier New" panose="02070309020205020404" pitchFamily="49" charset="0"/>
                 <a:cs typeface="Courier New" panose="02070309020205020404" pitchFamily="49" charset="0"/>
               </a:rPr>
@@ -7647,8 +7541,8 @@
         </p:nvSpPr>
         <p:spPr>
           <a:xfrm>
-            <a:off x="814383" y="2318544"/>
-            <a:ext cx="5009705" cy="2308324"/>
+            <a:off x="1281125" y="1690687"/>
+            <a:ext cx="1425390" cy="3693319"/>
           </a:xfrm>
           <a:prstGeom prst="rect">
             <a:avLst/>
@@ -7662,22 +7556,6 @@
           <a:lstStyle/>
           <a:p>
             <a:r>
-              <a:rPr lang="en-US" dirty="0">
-                <a:latin typeface="Monaco" pitchFamily="2" charset="77"/>
-              </a:rPr>
-              <a:t>warning: this program uses gets(), </a:t>
-            </a:r>
-          </a:p>
-          <a:p>
-            <a:r>
-              <a:rPr lang="en-US" dirty="0">
-                <a:latin typeface="Monaco" pitchFamily="2" charset="77"/>
-              </a:rPr>
-              <a:t>  which is unsafe.</a:t>
-            </a:r>
-          </a:p>
-          <a:p>
-            <a:r>
               <a:rPr lang="en-US" b="1" u="sng" dirty="0">
                 <a:latin typeface="Monaco" pitchFamily="2" charset="77"/>
               </a:rPr>
@@ -7705,7 +7583,7 @@
               <a:rPr lang="en-US" dirty="0">
                 <a:latin typeface="Monaco" pitchFamily="2" charset="77"/>
               </a:rPr>
-              <a:t>done</a:t>
+              <a:t>(EOF)</a:t>
             </a:r>
           </a:p>
           <a:p>
@@ -7724,6 +7602,53 @@
               <a:t>Minimum 2</a:t>
             </a:r>
           </a:p>
+          <a:p>
+            <a:endParaRPr lang="en-US" dirty="0">
+              <a:latin typeface="Monaco" pitchFamily="2" charset="77"/>
+            </a:endParaRPr>
+          </a:p>
+          <a:p>
+            <a:endParaRPr lang="en-US" dirty="0">
+              <a:latin typeface="Monaco" pitchFamily="2" charset="77"/>
+            </a:endParaRPr>
+          </a:p>
+          <a:p>
+            <a:endParaRPr lang="en-US" dirty="0">
+              <a:latin typeface="Monaco" pitchFamily="2" charset="77"/>
+            </a:endParaRPr>
+          </a:p>
+          <a:p>
+            <a:r>
+              <a:rPr lang="en-US" b="1" u="sng" dirty="0">
+                <a:latin typeface="Monaco" pitchFamily="2" charset="77"/>
+              </a:rPr>
+              <a:t>5 2 9</a:t>
+            </a:r>
+          </a:p>
+          <a:p>
+            <a:r>
+              <a:rPr lang="en-US" dirty="0">
+                <a:latin typeface="Monaco" pitchFamily="2" charset="77"/>
+              </a:rPr>
+              <a:t>(EOF)</a:t>
+            </a:r>
+          </a:p>
+          <a:p>
+            <a:r>
+              <a:rPr lang="en-US" dirty="0">
+                <a:latin typeface="Monaco" pitchFamily="2" charset="77"/>
+              </a:rPr>
+              <a:t>Maximum 9</a:t>
+            </a:r>
+          </a:p>
+          <a:p>
+            <a:r>
+              <a:rPr lang="en-US" dirty="0">
+                <a:latin typeface="Monaco" pitchFamily="2" charset="77"/>
+              </a:rPr>
+              <a:t>Minimum 2</a:t>
+            </a:r>
+          </a:p>
         </p:txBody>
       </p:sp>
       <p:sp>
@@ -7731,7 +7656,7 @@
           <p:cNvPr id="6" name="TextBox 5">
             <a:extLst>
               <a:ext uri="{FF2B5EF4-FFF2-40B4-BE49-F238E27FC236}">
-                <a16:creationId xmlns:a16="http://schemas.microsoft.com/office/drawing/2014/main" id="{A854214C-9B57-45D9-2941-E5D785607661}"/>
+                <a16:creationId xmlns:a16="http://schemas.microsoft.com/office/drawing/2014/main" id="{DA1DE167-0E6E-B081-0CCE-F2ADE4702860}"/>
               </a:ext>
             </a:extLst>
           </p:cNvPr>
@@ -7740,8 +7665,8 @@
         </p:nvSpPr>
         <p:spPr>
           <a:xfrm>
-            <a:off x="10508673" y="6323598"/>
-            <a:ext cx="1413163" cy="338554"/>
+            <a:off x="10363200" y="6323598"/>
+            <a:ext cx="1697181" cy="338554"/>
           </a:xfrm>
           <a:prstGeom prst="rect">
             <a:avLst/>
@@ -7770,7 +7695,7 @@
     </p:spTree>
     <p:extLst>
       <p:ext uri="{BB962C8B-B14F-4D97-AF65-F5344CB8AC3E}">
-        <p14:creationId xmlns:p14="http://schemas.microsoft.com/office/powerpoint/2010/main" val="4109945481"/>
+        <p14:creationId xmlns:p14="http://schemas.microsoft.com/office/powerpoint/2010/main" val="2735925725"/>
       </p:ext>
     </p:extLst>
   </p:cSld>
@@ -7820,7 +7745,7 @@
           <a:p>
             <a:r>
               <a:rPr lang="en-US" dirty="0"/>
-              <a:t>Max / Min v2</a:t>
+              <a:t>Guessing</a:t>
             </a:r>
           </a:p>
         </p:txBody>
@@ -7839,8 +7764,8 @@
         </p:nvSpPr>
         <p:spPr>
           <a:xfrm>
-            <a:off x="4574829" y="1552188"/>
-            <a:ext cx="7077579" cy="3970318"/>
+            <a:off x="624946" y="1839394"/>
+            <a:ext cx="4998484" cy="3539430"/>
           </a:xfrm>
           <a:prstGeom prst="rect">
             <a:avLst/>
@@ -7854,384 +7779,166 @@
           <a:lstStyle/>
           <a:p>
             <a:r>
-              <a:rPr lang="en-US" dirty="0">
-                <a:latin typeface="Courier New" panose="02070309020205020404" pitchFamily="49" charset="0"/>
-                <a:cs typeface="Courier New" panose="02070309020205020404" pitchFamily="49" charset="0"/>
-              </a:rPr>
-              <a:t>#include &lt;</a:t>
-            </a:r>
-            <a:r>
-              <a:rPr lang="en-US" dirty="0" err="1">
-                <a:latin typeface="Courier New" panose="02070309020205020404" pitchFamily="49" charset="0"/>
-                <a:cs typeface="Courier New" panose="02070309020205020404" pitchFamily="49" charset="0"/>
-              </a:rPr>
-              <a:t>stdio.h</a:t>
-            </a:r>
-            <a:r>
-              <a:rPr lang="en-US" dirty="0">
-                <a:latin typeface="Courier New" panose="02070309020205020404" pitchFamily="49" charset="0"/>
-                <a:cs typeface="Courier New" panose="02070309020205020404" pitchFamily="49" charset="0"/>
-              </a:rPr>
-              <a:t>&gt;</a:t>
-            </a:r>
-          </a:p>
-          <a:p>
-            <a:r>
-              <a:rPr lang="en-US" dirty="0">
-                <a:latin typeface="Courier New" panose="02070309020205020404" pitchFamily="49" charset="0"/>
-                <a:cs typeface="Courier New" panose="02070309020205020404" pitchFamily="49" charset="0"/>
-              </a:rPr>
-              <a:t>int main() {</a:t>
-            </a:r>
-          </a:p>
-          <a:p>
-            <a:r>
-              <a:rPr lang="en-US" dirty="0">
-                <a:latin typeface="Courier New" panose="02070309020205020404" pitchFamily="49" charset="0"/>
-                <a:cs typeface="Courier New" panose="02070309020205020404" pitchFamily="49" charset="0"/>
-              </a:rPr>
-              <a:t>    int first = 1;</a:t>
-            </a:r>
-          </a:p>
-          <a:p>
-            <a:r>
-              <a:rPr lang="en-US" dirty="0">
-                <a:latin typeface="Courier New" panose="02070309020205020404" pitchFamily="49" charset="0"/>
-                <a:cs typeface="Courier New" panose="02070309020205020404" pitchFamily="49" charset="0"/>
-              </a:rPr>
-              <a:t>    int </a:t>
-            </a:r>
-            <a:r>
-              <a:rPr lang="en-US" dirty="0" err="1">
-                <a:latin typeface="Courier New" panose="02070309020205020404" pitchFamily="49" charset="0"/>
-                <a:cs typeface="Courier New" panose="02070309020205020404" pitchFamily="49" charset="0"/>
-              </a:rPr>
-              <a:t>val</a:t>
-            </a:r>
-            <a:r>
-              <a:rPr lang="en-US" dirty="0">
-                <a:latin typeface="Courier New" panose="02070309020205020404" pitchFamily="49" charset="0"/>
-                <a:cs typeface="Courier New" panose="02070309020205020404" pitchFamily="49" charset="0"/>
-              </a:rPr>
-              <a:t>, </a:t>
-            </a:r>
-            <a:r>
-              <a:rPr lang="en-US" dirty="0" err="1">
-                <a:latin typeface="Courier New" panose="02070309020205020404" pitchFamily="49" charset="0"/>
-                <a:cs typeface="Courier New" panose="02070309020205020404" pitchFamily="49" charset="0"/>
-              </a:rPr>
-              <a:t>maxval</a:t>
-            </a:r>
-            <a:r>
-              <a:rPr lang="en-US" dirty="0">
-                <a:latin typeface="Courier New" panose="02070309020205020404" pitchFamily="49" charset="0"/>
-                <a:cs typeface="Courier New" panose="02070309020205020404" pitchFamily="49" charset="0"/>
-              </a:rPr>
-              <a:t>, </a:t>
-            </a:r>
-            <a:r>
-              <a:rPr lang="en-US" dirty="0" err="1">
-                <a:latin typeface="Courier New" panose="02070309020205020404" pitchFamily="49" charset="0"/>
-                <a:cs typeface="Courier New" panose="02070309020205020404" pitchFamily="49" charset="0"/>
-              </a:rPr>
-              <a:t>minval</a:t>
-            </a:r>
-            <a:r>
-              <a:rPr lang="en-US" dirty="0">
-                <a:latin typeface="Courier New" panose="02070309020205020404" pitchFamily="49" charset="0"/>
-                <a:cs typeface="Courier New" panose="02070309020205020404" pitchFamily="49" charset="0"/>
-              </a:rPr>
-              <a:t>;</a:t>
-            </a:r>
-          </a:p>
-          <a:p>
-            <a:endParaRPr lang="en-US" dirty="0">
-              <a:latin typeface="Courier New" panose="02070309020205020404" pitchFamily="49" charset="0"/>
-              <a:cs typeface="Courier New" panose="02070309020205020404" pitchFamily="49" charset="0"/>
-            </a:endParaRPr>
-          </a:p>
-          <a:p>
-            <a:r>
-              <a:rPr lang="en-US" dirty="0">
-                <a:latin typeface="Courier New" panose="02070309020205020404" pitchFamily="49" charset="0"/>
-                <a:cs typeface="Courier New" panose="02070309020205020404" pitchFamily="49" charset="0"/>
-              </a:rPr>
-              <a:t>    while(</a:t>
-            </a:r>
-            <a:r>
-              <a:rPr lang="en-US" dirty="0" err="1">
-                <a:latin typeface="Courier New" panose="02070309020205020404" pitchFamily="49" charset="0"/>
-                <a:cs typeface="Courier New" panose="02070309020205020404" pitchFamily="49" charset="0"/>
-              </a:rPr>
-              <a:t>scanf</a:t>
-            </a:r>
-            <a:r>
-              <a:rPr lang="en-US" dirty="0">
-                <a:latin typeface="Courier New" panose="02070309020205020404" pitchFamily="49" charset="0"/>
-                <a:cs typeface="Courier New" panose="02070309020205020404" pitchFamily="49" charset="0"/>
-              </a:rPr>
-              <a:t>("%d",&amp;</a:t>
-            </a:r>
-            <a:r>
-              <a:rPr lang="en-US" dirty="0" err="1">
-                <a:latin typeface="Courier New" panose="02070309020205020404" pitchFamily="49" charset="0"/>
-                <a:cs typeface="Courier New" panose="02070309020205020404" pitchFamily="49" charset="0"/>
-              </a:rPr>
-              <a:t>val</a:t>
-            </a:r>
-            <a:r>
-              <a:rPr lang="en-US" dirty="0">
-                <a:latin typeface="Courier New" panose="02070309020205020404" pitchFamily="49" charset="0"/>
-                <a:cs typeface="Courier New" panose="02070309020205020404" pitchFamily="49" charset="0"/>
-              </a:rPr>
-              <a:t>) != EOF ) {</a:t>
-            </a:r>
-          </a:p>
-          <a:p>
-            <a:r>
-              <a:rPr lang="en-US" dirty="0">
-                <a:latin typeface="Courier New" panose="02070309020205020404" pitchFamily="49" charset="0"/>
-                <a:cs typeface="Courier New" panose="02070309020205020404" pitchFamily="49" charset="0"/>
-              </a:rPr>
-              <a:t>        if ( first || </a:t>
-            </a:r>
-            <a:r>
-              <a:rPr lang="en-US" dirty="0" err="1">
-                <a:latin typeface="Courier New" panose="02070309020205020404" pitchFamily="49" charset="0"/>
-                <a:cs typeface="Courier New" panose="02070309020205020404" pitchFamily="49" charset="0"/>
-              </a:rPr>
-              <a:t>val</a:t>
-            </a:r>
-            <a:r>
-              <a:rPr lang="en-US" dirty="0">
-                <a:latin typeface="Courier New" panose="02070309020205020404" pitchFamily="49" charset="0"/>
-                <a:cs typeface="Courier New" panose="02070309020205020404" pitchFamily="49" charset="0"/>
-              </a:rPr>
-              <a:t> &gt; </a:t>
-            </a:r>
-            <a:r>
-              <a:rPr lang="en-US" dirty="0" err="1">
-                <a:latin typeface="Courier New" panose="02070309020205020404" pitchFamily="49" charset="0"/>
-                <a:cs typeface="Courier New" panose="02070309020205020404" pitchFamily="49" charset="0"/>
-              </a:rPr>
-              <a:t>maxval</a:t>
-            </a:r>
-            <a:r>
-              <a:rPr lang="en-US" dirty="0">
-                <a:latin typeface="Courier New" panose="02070309020205020404" pitchFamily="49" charset="0"/>
-                <a:cs typeface="Courier New" panose="02070309020205020404" pitchFamily="49" charset="0"/>
-              </a:rPr>
-              <a:t> ) </a:t>
-            </a:r>
-            <a:r>
-              <a:rPr lang="en-US" dirty="0" err="1">
-                <a:latin typeface="Courier New" panose="02070309020205020404" pitchFamily="49" charset="0"/>
-                <a:cs typeface="Courier New" panose="02070309020205020404" pitchFamily="49" charset="0"/>
-              </a:rPr>
-              <a:t>maxval</a:t>
-            </a:r>
-            <a:r>
-              <a:rPr lang="en-US" dirty="0">
-                <a:latin typeface="Courier New" panose="02070309020205020404" pitchFamily="49" charset="0"/>
-                <a:cs typeface="Courier New" panose="02070309020205020404" pitchFamily="49" charset="0"/>
-              </a:rPr>
-              <a:t> = </a:t>
-            </a:r>
-            <a:r>
-              <a:rPr lang="en-US" dirty="0" err="1">
-                <a:latin typeface="Courier New" panose="02070309020205020404" pitchFamily="49" charset="0"/>
-                <a:cs typeface="Courier New" panose="02070309020205020404" pitchFamily="49" charset="0"/>
-              </a:rPr>
-              <a:t>val</a:t>
-            </a:r>
-            <a:r>
-              <a:rPr lang="en-US" dirty="0">
-                <a:latin typeface="Courier New" panose="02070309020205020404" pitchFamily="49" charset="0"/>
-                <a:cs typeface="Courier New" panose="02070309020205020404" pitchFamily="49" charset="0"/>
-              </a:rPr>
-              <a:t>;</a:t>
-            </a:r>
-          </a:p>
-          <a:p>
-            <a:r>
-              <a:rPr lang="en-US" dirty="0">
-                <a:latin typeface="Courier New" panose="02070309020205020404" pitchFamily="49" charset="0"/>
-                <a:cs typeface="Courier New" panose="02070309020205020404" pitchFamily="49" charset="0"/>
-              </a:rPr>
-              <a:t>        if ( first || </a:t>
-            </a:r>
-            <a:r>
-              <a:rPr lang="en-US" dirty="0" err="1">
-                <a:latin typeface="Courier New" panose="02070309020205020404" pitchFamily="49" charset="0"/>
-                <a:cs typeface="Courier New" panose="02070309020205020404" pitchFamily="49" charset="0"/>
-              </a:rPr>
-              <a:t>val</a:t>
-            </a:r>
-            <a:r>
-              <a:rPr lang="en-US" dirty="0">
-                <a:latin typeface="Courier New" panose="02070309020205020404" pitchFamily="49" charset="0"/>
-                <a:cs typeface="Courier New" panose="02070309020205020404" pitchFamily="49" charset="0"/>
-              </a:rPr>
-              <a:t> &lt; </a:t>
-            </a:r>
-            <a:r>
-              <a:rPr lang="en-US" dirty="0" err="1">
-                <a:latin typeface="Courier New" panose="02070309020205020404" pitchFamily="49" charset="0"/>
-                <a:cs typeface="Courier New" panose="02070309020205020404" pitchFamily="49" charset="0"/>
-              </a:rPr>
-              <a:t>minval</a:t>
-            </a:r>
-            <a:r>
-              <a:rPr lang="en-US" dirty="0">
-                <a:latin typeface="Courier New" panose="02070309020205020404" pitchFamily="49" charset="0"/>
-                <a:cs typeface="Courier New" panose="02070309020205020404" pitchFamily="49" charset="0"/>
-              </a:rPr>
-              <a:t> ) </a:t>
-            </a:r>
-            <a:r>
-              <a:rPr lang="en-US" dirty="0" err="1">
-                <a:latin typeface="Courier New" panose="02070309020205020404" pitchFamily="49" charset="0"/>
-                <a:cs typeface="Courier New" panose="02070309020205020404" pitchFamily="49" charset="0"/>
-              </a:rPr>
-              <a:t>minval</a:t>
-            </a:r>
-            <a:r>
-              <a:rPr lang="en-US" dirty="0">
-                <a:latin typeface="Courier New" panose="02070309020205020404" pitchFamily="49" charset="0"/>
-                <a:cs typeface="Courier New" panose="02070309020205020404" pitchFamily="49" charset="0"/>
-              </a:rPr>
-              <a:t> = </a:t>
-            </a:r>
-            <a:r>
-              <a:rPr lang="en-US" dirty="0" err="1">
-                <a:latin typeface="Courier New" panose="02070309020205020404" pitchFamily="49" charset="0"/>
-                <a:cs typeface="Courier New" panose="02070309020205020404" pitchFamily="49" charset="0"/>
-              </a:rPr>
-              <a:t>val</a:t>
-            </a:r>
-            <a:r>
-              <a:rPr lang="en-US" dirty="0">
-                <a:latin typeface="Courier New" panose="02070309020205020404" pitchFamily="49" charset="0"/>
-                <a:cs typeface="Courier New" panose="02070309020205020404" pitchFamily="49" charset="0"/>
-              </a:rPr>
-              <a:t>;</a:t>
-            </a:r>
-          </a:p>
-          <a:p>
-            <a:r>
-              <a:rPr lang="en-US" dirty="0">
-                <a:latin typeface="Courier New" panose="02070309020205020404" pitchFamily="49" charset="0"/>
-                <a:cs typeface="Courier New" panose="02070309020205020404" pitchFamily="49" charset="0"/>
-              </a:rPr>
-              <a:t>        first = 0;</a:t>
-            </a:r>
-          </a:p>
-          <a:p>
-            <a:r>
-              <a:rPr lang="en-US" dirty="0">
-                <a:latin typeface="Courier New" panose="02070309020205020404" pitchFamily="49" charset="0"/>
-                <a:cs typeface="Courier New" panose="02070309020205020404" pitchFamily="49" charset="0"/>
-              </a:rPr>
-              <a:t>    }</a:t>
-            </a:r>
-          </a:p>
-          <a:p>
-            <a:endParaRPr lang="en-US" dirty="0">
-              <a:latin typeface="Courier New" panose="02070309020205020404" pitchFamily="49" charset="0"/>
-              <a:cs typeface="Courier New" panose="02070309020205020404" pitchFamily="49" charset="0"/>
-            </a:endParaRPr>
-          </a:p>
-          <a:p>
-            <a:r>
-              <a:rPr lang="en-US" dirty="0">
+              <a:rPr lang="en-US" sz="1600" dirty="0">
+                <a:latin typeface="Courier New" panose="02070309020205020404" pitchFamily="49" charset="0"/>
+                <a:cs typeface="Courier New" panose="02070309020205020404" pitchFamily="49" charset="0"/>
+              </a:rPr>
+              <a:t>while True:</a:t>
+            </a:r>
+          </a:p>
+          <a:p>
+            <a:r>
+              <a:rPr lang="en-US" sz="1600" dirty="0">
+                <a:latin typeface="Courier New" panose="02070309020205020404" pitchFamily="49" charset="0"/>
+                <a:cs typeface="Courier New" panose="02070309020205020404" pitchFamily="49" charset="0"/>
+              </a:rPr>
+              <a:t>    try:</a:t>
+            </a:r>
+          </a:p>
+          <a:p>
+            <a:r>
+              <a:rPr lang="en-US" sz="1600" dirty="0">
+                <a:latin typeface="Courier New" panose="02070309020205020404" pitchFamily="49" charset="0"/>
+                <a:cs typeface="Courier New" panose="02070309020205020404" pitchFamily="49" charset="0"/>
+              </a:rPr>
+              <a:t>        line = input()</a:t>
+            </a:r>
+          </a:p>
+          <a:p>
+            <a:r>
+              <a:rPr lang="en-US" sz="1600" dirty="0">
+                <a:latin typeface="Courier New" panose="02070309020205020404" pitchFamily="49" charset="0"/>
+                <a:cs typeface="Courier New" panose="02070309020205020404" pitchFamily="49" charset="0"/>
+              </a:rPr>
+              <a:t>    except:  # If we get EOF</a:t>
+            </a:r>
+          </a:p>
+          <a:p>
+            <a:r>
+              <a:rPr lang="en-US" sz="1600" dirty="0">
+                <a:latin typeface="Courier New" panose="02070309020205020404" pitchFamily="49" charset="0"/>
+                <a:cs typeface="Courier New" panose="02070309020205020404" pitchFamily="49" charset="0"/>
+              </a:rPr>
+              <a:t>        break</a:t>
+            </a:r>
+          </a:p>
+          <a:p>
+            <a:r>
+              <a:rPr lang="en-US" sz="1600" dirty="0">
+                <a:latin typeface="Courier New" panose="02070309020205020404" pitchFamily="49" charset="0"/>
+                <a:cs typeface="Courier New" panose="02070309020205020404" pitchFamily="49" charset="0"/>
+              </a:rPr>
+              <a:t>    line = </a:t>
+            </a:r>
+            <a:r>
+              <a:rPr lang="en-US" sz="1600" dirty="0" err="1">
+                <a:latin typeface="Courier New" panose="02070309020205020404" pitchFamily="49" charset="0"/>
+                <a:cs typeface="Courier New" panose="02070309020205020404" pitchFamily="49" charset="0"/>
+              </a:rPr>
+              <a:t>line.strip</a:t>
+            </a:r>
+            <a:r>
+              <a:rPr lang="en-US" sz="1600" dirty="0">
+                <a:latin typeface="Courier New" panose="02070309020205020404" pitchFamily="49" charset="0"/>
+                <a:cs typeface="Courier New" panose="02070309020205020404" pitchFamily="49" charset="0"/>
+              </a:rPr>
+              <a:t>()</a:t>
+            </a:r>
+          </a:p>
+          <a:p>
+            <a:r>
+              <a:rPr lang="en-US" sz="1600" dirty="0">
+                <a:latin typeface="Courier New" panose="02070309020205020404" pitchFamily="49" charset="0"/>
+                <a:cs typeface="Courier New" panose="02070309020205020404" pitchFamily="49" charset="0"/>
+              </a:rPr>
+              <a:t>    guess = int(line)</a:t>
+            </a:r>
+          </a:p>
+          <a:p>
+            <a:r>
+              <a:rPr lang="en-US" sz="1600" dirty="0">
+                <a:latin typeface="Courier New" panose="02070309020205020404" pitchFamily="49" charset="0"/>
+                <a:cs typeface="Courier New" panose="02070309020205020404" pitchFamily="49" charset="0"/>
+              </a:rPr>
+              <a:t>    if guess == 42:</a:t>
+            </a:r>
+          </a:p>
+          <a:p>
+            <a:r>
+              <a:rPr lang="en-US" sz="1600" dirty="0">
+                <a:latin typeface="Courier New" panose="02070309020205020404" pitchFamily="49" charset="0"/>
+                <a:cs typeface="Courier New" panose="02070309020205020404" pitchFamily="49" charset="0"/>
+              </a:rPr>
+              <a:t>        print('Nice work!')</a:t>
+            </a:r>
+          </a:p>
+          <a:p>
+            <a:r>
+              <a:rPr lang="en-US" sz="1600" dirty="0">
+                <a:latin typeface="Courier New" panose="02070309020205020404" pitchFamily="49" charset="0"/>
+                <a:cs typeface="Courier New" panose="02070309020205020404" pitchFamily="49" charset="0"/>
+              </a:rPr>
+              <a:t>        break</a:t>
+            </a:r>
+          </a:p>
+          <a:p>
+            <a:r>
+              <a:rPr lang="en-US" sz="1600" dirty="0">
                 <a:latin typeface="Courier New" panose="02070309020205020404" pitchFamily="49" charset="0"/>
                 <a:cs typeface="Courier New" panose="02070309020205020404" pitchFamily="49" charset="0"/>
               </a:rPr>
               <a:t>    </a:t>
             </a:r>
             <a:r>
-              <a:rPr lang="en-US" dirty="0" err="1">
-                <a:latin typeface="Courier New" panose="02070309020205020404" pitchFamily="49" charset="0"/>
-                <a:cs typeface="Courier New" panose="02070309020205020404" pitchFamily="49" charset="0"/>
-              </a:rPr>
-              <a:t>printf</a:t>
-            </a:r>
-            <a:r>
-              <a:rPr lang="en-US" dirty="0">
-                <a:latin typeface="Courier New" panose="02070309020205020404" pitchFamily="49" charset="0"/>
-                <a:cs typeface="Courier New" panose="02070309020205020404" pitchFamily="49" charset="0"/>
-              </a:rPr>
-              <a:t>("Maximum %d\n", </a:t>
-            </a:r>
-            <a:r>
-              <a:rPr lang="en-US" dirty="0" err="1">
-                <a:latin typeface="Courier New" panose="02070309020205020404" pitchFamily="49" charset="0"/>
-                <a:cs typeface="Courier New" panose="02070309020205020404" pitchFamily="49" charset="0"/>
-              </a:rPr>
-              <a:t>maxval</a:t>
-            </a:r>
-            <a:r>
-              <a:rPr lang="en-US" dirty="0">
-                <a:latin typeface="Courier New" panose="02070309020205020404" pitchFamily="49" charset="0"/>
-                <a:cs typeface="Courier New" panose="02070309020205020404" pitchFamily="49" charset="0"/>
-              </a:rPr>
-              <a:t>);</a:t>
-            </a:r>
-          </a:p>
-          <a:p>
-            <a:r>
-              <a:rPr lang="en-US" dirty="0">
-                <a:latin typeface="Courier New" panose="02070309020205020404" pitchFamily="49" charset="0"/>
-                <a:cs typeface="Courier New" panose="02070309020205020404" pitchFamily="49" charset="0"/>
-              </a:rPr>
-              <a:t>    </a:t>
-            </a:r>
-            <a:r>
-              <a:rPr lang="en-US" dirty="0" err="1">
-                <a:latin typeface="Courier New" panose="02070309020205020404" pitchFamily="49" charset="0"/>
-                <a:cs typeface="Courier New" panose="02070309020205020404" pitchFamily="49" charset="0"/>
-              </a:rPr>
-              <a:t>printf</a:t>
-            </a:r>
-            <a:r>
-              <a:rPr lang="en-US" dirty="0">
-                <a:latin typeface="Courier New" panose="02070309020205020404" pitchFamily="49" charset="0"/>
-                <a:cs typeface="Courier New" panose="02070309020205020404" pitchFamily="49" charset="0"/>
-              </a:rPr>
-              <a:t>("Minimum %d\n", </a:t>
-            </a:r>
-            <a:r>
-              <a:rPr lang="en-US" dirty="0" err="1">
-                <a:latin typeface="Courier New" panose="02070309020205020404" pitchFamily="49" charset="0"/>
-                <a:cs typeface="Courier New" panose="02070309020205020404" pitchFamily="49" charset="0"/>
-              </a:rPr>
-              <a:t>minval</a:t>
-            </a:r>
-            <a:r>
-              <a:rPr lang="en-US" dirty="0">
-                <a:latin typeface="Courier New" panose="02070309020205020404" pitchFamily="49" charset="0"/>
-                <a:cs typeface="Courier New" panose="02070309020205020404" pitchFamily="49" charset="0"/>
-              </a:rPr>
-              <a:t>);</a:t>
-            </a:r>
-          </a:p>
-          <a:p>
-            <a:r>
-              <a:rPr lang="en-US" dirty="0">
-                <a:latin typeface="Courier New" panose="02070309020205020404" pitchFamily="49" charset="0"/>
-                <a:cs typeface="Courier New" panose="02070309020205020404" pitchFamily="49" charset="0"/>
-              </a:rPr>
-              <a:t>}</a:t>
-            </a:r>
-          </a:p>
-        </p:txBody>
-      </p:sp>
-      <p:sp>
-        <p:nvSpPr>
-          <p:cNvPr id="7" name="TextBox 6">
-            <a:extLst>
-              <a:ext uri="{FF2B5EF4-FFF2-40B4-BE49-F238E27FC236}">
-                <a16:creationId xmlns:a16="http://schemas.microsoft.com/office/drawing/2014/main" id="{03B4458A-37BA-02AB-CE8C-B288D36FE6BF}"/>
+              <a:rPr lang="en-US" sz="1600" dirty="0" err="1">
+                <a:latin typeface="Courier New" panose="02070309020205020404" pitchFamily="49" charset="0"/>
+                <a:cs typeface="Courier New" panose="02070309020205020404" pitchFamily="49" charset="0"/>
+              </a:rPr>
+              <a:t>elif</a:t>
+            </a:r>
+            <a:r>
+              <a:rPr lang="en-US" sz="1600" dirty="0">
+                <a:latin typeface="Courier New" panose="02070309020205020404" pitchFamily="49" charset="0"/>
+                <a:cs typeface="Courier New" panose="02070309020205020404" pitchFamily="49" charset="0"/>
+              </a:rPr>
+              <a:t> guess &lt; 42 : </a:t>
+            </a:r>
+          </a:p>
+          <a:p>
+            <a:r>
+              <a:rPr lang="en-US" sz="1600" dirty="0">
+                <a:latin typeface="Courier New" panose="02070309020205020404" pitchFamily="49" charset="0"/>
+                <a:cs typeface="Courier New" panose="02070309020205020404" pitchFamily="49" charset="0"/>
+              </a:rPr>
+              <a:t>        print('Too low - guess again')</a:t>
+            </a:r>
+          </a:p>
+          <a:p>
+            <a:r>
+              <a:rPr lang="en-US" sz="1600" dirty="0">
+                <a:latin typeface="Courier New" panose="02070309020205020404" pitchFamily="49" charset="0"/>
+                <a:cs typeface="Courier New" panose="02070309020205020404" pitchFamily="49" charset="0"/>
+              </a:rPr>
+              <a:t>    else :</a:t>
+            </a:r>
+          </a:p>
+          <a:p>
+            <a:r>
+              <a:rPr lang="en-US" sz="1600" dirty="0">
+                <a:latin typeface="Courier New" panose="02070309020205020404" pitchFamily="49" charset="0"/>
+                <a:cs typeface="Courier New" panose="02070309020205020404" pitchFamily="49" charset="0"/>
+              </a:rPr>
+              <a:t>        print('Too high - guess again')</a:t>
+            </a:r>
+          </a:p>
+        </p:txBody>
+      </p:sp>
+      <p:sp>
+        <p:nvSpPr>
+          <p:cNvPr id="6" name="TextBox 5">
+            <a:extLst>
+              <a:ext uri="{FF2B5EF4-FFF2-40B4-BE49-F238E27FC236}">
+                <a16:creationId xmlns:a16="http://schemas.microsoft.com/office/drawing/2014/main" id="{C004B7C8-BBD4-1EE7-3894-3C801D6DC253}"/>
               </a:ext>
             </a:extLst>
           </p:cNvPr>
@@ -8240,8 +7947,8 @@
         </p:nvSpPr>
         <p:spPr>
           <a:xfrm>
-            <a:off x="1281125" y="1690687"/>
-            <a:ext cx="1425390" cy="3693319"/>
+            <a:off x="6096000" y="806490"/>
+            <a:ext cx="5985934" cy="3539430"/>
           </a:xfrm>
           <a:prstGeom prst="rect">
             <a:avLst/>
@@ -8255,107 +7962,222 @@
           <a:lstStyle/>
           <a:p>
             <a:r>
-              <a:rPr lang="en-US" b="1" u="sng" dirty="0">
-                <a:latin typeface="Monaco" pitchFamily="2" charset="77"/>
-              </a:rPr>
-              <a:t>5</a:t>
-            </a:r>
-          </a:p>
-          <a:p>
-            <a:r>
-              <a:rPr lang="en-US" b="1" u="sng" dirty="0">
-                <a:latin typeface="Monaco" pitchFamily="2" charset="77"/>
-              </a:rPr>
-              <a:t>2</a:t>
-            </a:r>
-          </a:p>
-          <a:p>
-            <a:r>
-              <a:rPr lang="en-US" b="1" u="sng" dirty="0">
-                <a:latin typeface="Monaco" pitchFamily="2" charset="77"/>
-              </a:rPr>
-              <a:t>9</a:t>
-            </a:r>
-          </a:p>
-          <a:p>
-            <a:r>
-              <a:rPr lang="en-US" dirty="0">
-                <a:latin typeface="Monaco" pitchFamily="2" charset="77"/>
-              </a:rPr>
-              <a:t>(EOF)</a:t>
-            </a:r>
-          </a:p>
-          <a:p>
-            <a:r>
-              <a:rPr lang="en-US" dirty="0">
-                <a:latin typeface="Monaco" pitchFamily="2" charset="77"/>
-              </a:rPr>
-              <a:t>Maximum 9</a:t>
-            </a:r>
-          </a:p>
-          <a:p>
-            <a:r>
-              <a:rPr lang="en-US" dirty="0">
-                <a:latin typeface="Monaco" pitchFamily="2" charset="77"/>
-              </a:rPr>
-              <a:t>Minimum 2</a:t>
-            </a:r>
-          </a:p>
-          <a:p>
-            <a:endParaRPr lang="en-US" dirty="0">
-              <a:latin typeface="Monaco" pitchFamily="2" charset="77"/>
-            </a:endParaRPr>
-          </a:p>
-          <a:p>
-            <a:endParaRPr lang="en-US" dirty="0">
-              <a:latin typeface="Monaco" pitchFamily="2" charset="77"/>
-            </a:endParaRPr>
-          </a:p>
-          <a:p>
-            <a:endParaRPr lang="en-US" dirty="0">
-              <a:latin typeface="Monaco" pitchFamily="2" charset="77"/>
-            </a:endParaRPr>
-          </a:p>
-          <a:p>
-            <a:r>
-              <a:rPr lang="en-US" b="1" u="sng" dirty="0">
-                <a:latin typeface="Monaco" pitchFamily="2" charset="77"/>
-              </a:rPr>
-              <a:t>5 2 9</a:t>
-            </a:r>
-          </a:p>
-          <a:p>
-            <a:r>
-              <a:rPr lang="en-US" dirty="0">
-                <a:latin typeface="Monaco" pitchFamily="2" charset="77"/>
-              </a:rPr>
-              <a:t>(EOF)</a:t>
-            </a:r>
-          </a:p>
-          <a:p>
-            <a:r>
-              <a:rPr lang="en-US" dirty="0">
-                <a:latin typeface="Monaco" pitchFamily="2" charset="77"/>
-              </a:rPr>
-              <a:t>Maximum 9</a:t>
-            </a:r>
-          </a:p>
-          <a:p>
-            <a:r>
-              <a:rPr lang="en-US" dirty="0">
-                <a:latin typeface="Monaco" pitchFamily="2" charset="77"/>
-              </a:rPr>
-              <a:t>Minimum 2</a:t>
-            </a:r>
-          </a:p>
-        </p:txBody>
-      </p:sp>
-      <p:sp>
-        <p:nvSpPr>
-          <p:cNvPr id="6" name="TextBox 5">
-            <a:extLst>
-              <a:ext uri="{FF2B5EF4-FFF2-40B4-BE49-F238E27FC236}">
-                <a16:creationId xmlns:a16="http://schemas.microsoft.com/office/drawing/2014/main" id="{DA1DE167-0E6E-B081-0CCE-F2ADE4702860}"/>
+              <a:rPr lang="en-US" sz="1600" dirty="0">
+                <a:latin typeface="Courier New" panose="02070309020205020404" pitchFamily="49" charset="0"/>
+                <a:cs typeface="Courier New" panose="02070309020205020404" pitchFamily="49" charset="0"/>
+              </a:rPr>
+              <a:t>#include &lt;</a:t>
+            </a:r>
+            <a:r>
+              <a:rPr lang="en-US" sz="1600" dirty="0" err="1">
+                <a:latin typeface="Courier New" panose="02070309020205020404" pitchFamily="49" charset="0"/>
+                <a:cs typeface="Courier New" panose="02070309020205020404" pitchFamily="49" charset="0"/>
+              </a:rPr>
+              <a:t>stdio.h</a:t>
+            </a:r>
+            <a:r>
+              <a:rPr lang="en-US" sz="1600" dirty="0">
+                <a:latin typeface="Courier New" panose="02070309020205020404" pitchFamily="49" charset="0"/>
+                <a:cs typeface="Courier New" panose="02070309020205020404" pitchFamily="49" charset="0"/>
+              </a:rPr>
+              <a:t>&gt;</a:t>
+            </a:r>
+          </a:p>
+          <a:p>
+            <a:r>
+              <a:rPr lang="en-US" sz="1600" dirty="0">
+                <a:latin typeface="Courier New" panose="02070309020205020404" pitchFamily="49" charset="0"/>
+                <a:cs typeface="Courier New" panose="02070309020205020404" pitchFamily="49" charset="0"/>
+              </a:rPr>
+              <a:t>int main() {</a:t>
+            </a:r>
+          </a:p>
+          <a:p>
+            <a:r>
+              <a:rPr lang="en-US" sz="1600" dirty="0">
+                <a:latin typeface="Courier New" panose="02070309020205020404" pitchFamily="49" charset="0"/>
+                <a:cs typeface="Courier New" panose="02070309020205020404" pitchFamily="49" charset="0"/>
+              </a:rPr>
+              <a:t>    int guess;</a:t>
+            </a:r>
+          </a:p>
+          <a:p>
+            <a:r>
+              <a:rPr lang="en-US" sz="1600" dirty="0">
+                <a:latin typeface="Courier New" panose="02070309020205020404" pitchFamily="49" charset="0"/>
+                <a:cs typeface="Courier New" panose="02070309020205020404" pitchFamily="49" charset="0"/>
+              </a:rPr>
+              <a:t>    while(</a:t>
+            </a:r>
+            <a:r>
+              <a:rPr lang="en-US" sz="1600" dirty="0" err="1">
+                <a:latin typeface="Courier New" panose="02070309020205020404" pitchFamily="49" charset="0"/>
+                <a:cs typeface="Courier New" panose="02070309020205020404" pitchFamily="49" charset="0"/>
+              </a:rPr>
+              <a:t>scanf</a:t>
+            </a:r>
+            <a:r>
+              <a:rPr lang="en-US" sz="1600" dirty="0">
+                <a:latin typeface="Courier New" panose="02070309020205020404" pitchFamily="49" charset="0"/>
+                <a:cs typeface="Courier New" panose="02070309020205020404" pitchFamily="49" charset="0"/>
+              </a:rPr>
+              <a:t>("%</a:t>
+            </a:r>
+            <a:r>
+              <a:rPr lang="en-US" sz="1600" dirty="0" err="1">
+                <a:latin typeface="Courier New" panose="02070309020205020404" pitchFamily="49" charset="0"/>
+                <a:cs typeface="Courier New" panose="02070309020205020404" pitchFamily="49" charset="0"/>
+              </a:rPr>
+              <a:t>d",&amp;guess</a:t>
+            </a:r>
+            <a:r>
+              <a:rPr lang="en-US" sz="1600" dirty="0">
+                <a:latin typeface="Courier New" panose="02070309020205020404" pitchFamily="49" charset="0"/>
+                <a:cs typeface="Courier New" panose="02070309020205020404" pitchFamily="49" charset="0"/>
+              </a:rPr>
+              <a:t>) != EOF ) {</a:t>
+            </a:r>
+          </a:p>
+          <a:p>
+            <a:r>
+              <a:rPr lang="en-US" sz="1600" dirty="0">
+                <a:latin typeface="Courier New" panose="02070309020205020404" pitchFamily="49" charset="0"/>
+                <a:cs typeface="Courier New" panose="02070309020205020404" pitchFamily="49" charset="0"/>
+              </a:rPr>
+              <a:t>        if ( guess == 42 ) {</a:t>
+            </a:r>
+          </a:p>
+          <a:p>
+            <a:r>
+              <a:rPr lang="en-US" sz="1600" dirty="0">
+                <a:latin typeface="Courier New" panose="02070309020205020404" pitchFamily="49" charset="0"/>
+                <a:cs typeface="Courier New" panose="02070309020205020404" pitchFamily="49" charset="0"/>
+              </a:rPr>
+              <a:t>            </a:t>
+            </a:r>
+            <a:r>
+              <a:rPr lang="en-US" sz="1600" dirty="0" err="1">
+                <a:latin typeface="Courier New" panose="02070309020205020404" pitchFamily="49" charset="0"/>
+                <a:cs typeface="Courier New" panose="02070309020205020404" pitchFamily="49" charset="0"/>
+              </a:rPr>
+              <a:t>printf</a:t>
+            </a:r>
+            <a:r>
+              <a:rPr lang="en-US" sz="1600" dirty="0">
+                <a:latin typeface="Courier New" panose="02070309020205020404" pitchFamily="49" charset="0"/>
+                <a:cs typeface="Courier New" panose="02070309020205020404" pitchFamily="49" charset="0"/>
+              </a:rPr>
+              <a:t>("Nice work!\n");</a:t>
+            </a:r>
+          </a:p>
+          <a:p>
+            <a:r>
+              <a:rPr lang="en-US" sz="1600" dirty="0">
+                <a:latin typeface="Courier New" panose="02070309020205020404" pitchFamily="49" charset="0"/>
+                <a:cs typeface="Courier New" panose="02070309020205020404" pitchFamily="49" charset="0"/>
+              </a:rPr>
+              <a:t>            break;</a:t>
+            </a:r>
+          </a:p>
+          <a:p>
+            <a:r>
+              <a:rPr lang="en-US" sz="1600" dirty="0">
+                <a:latin typeface="Courier New" panose="02070309020205020404" pitchFamily="49" charset="0"/>
+                <a:cs typeface="Courier New" panose="02070309020205020404" pitchFamily="49" charset="0"/>
+              </a:rPr>
+              <a:t>        }</a:t>
+            </a:r>
+          </a:p>
+          <a:p>
+            <a:r>
+              <a:rPr lang="en-US" sz="1600" dirty="0">
+                <a:latin typeface="Courier New" panose="02070309020205020404" pitchFamily="49" charset="0"/>
+                <a:cs typeface="Courier New" panose="02070309020205020404" pitchFamily="49" charset="0"/>
+              </a:rPr>
+              <a:t>        else if ( guess &lt; 42 ) </a:t>
+            </a:r>
+          </a:p>
+          <a:p>
+            <a:r>
+              <a:rPr lang="en-US" sz="1600" dirty="0">
+                <a:latin typeface="Courier New" panose="02070309020205020404" pitchFamily="49" charset="0"/>
+                <a:cs typeface="Courier New" panose="02070309020205020404" pitchFamily="49" charset="0"/>
+              </a:rPr>
+              <a:t>            </a:t>
+            </a:r>
+            <a:r>
+              <a:rPr lang="en-US" sz="1600" dirty="0" err="1">
+                <a:latin typeface="Courier New" panose="02070309020205020404" pitchFamily="49" charset="0"/>
+                <a:cs typeface="Courier New" panose="02070309020205020404" pitchFamily="49" charset="0"/>
+              </a:rPr>
+              <a:t>printf</a:t>
+            </a:r>
+            <a:r>
+              <a:rPr lang="en-US" sz="1600" dirty="0">
+                <a:latin typeface="Courier New" panose="02070309020205020404" pitchFamily="49" charset="0"/>
+                <a:cs typeface="Courier New" panose="02070309020205020404" pitchFamily="49" charset="0"/>
+              </a:rPr>
+              <a:t>("Too low - guess again\n");</a:t>
+            </a:r>
+          </a:p>
+          <a:p>
+            <a:r>
+              <a:rPr lang="en-US" sz="1600" dirty="0">
+                <a:latin typeface="Courier New" panose="02070309020205020404" pitchFamily="49" charset="0"/>
+                <a:cs typeface="Courier New" panose="02070309020205020404" pitchFamily="49" charset="0"/>
+              </a:rPr>
+              <a:t>        else</a:t>
+            </a:r>
+          </a:p>
+          <a:p>
+            <a:r>
+              <a:rPr lang="en-US" sz="1600" dirty="0">
+                <a:latin typeface="Courier New" panose="02070309020205020404" pitchFamily="49" charset="0"/>
+                <a:cs typeface="Courier New" panose="02070309020205020404" pitchFamily="49" charset="0"/>
+              </a:rPr>
+              <a:t>            </a:t>
+            </a:r>
+            <a:r>
+              <a:rPr lang="en-US" sz="1600" dirty="0" err="1">
+                <a:latin typeface="Courier New" panose="02070309020205020404" pitchFamily="49" charset="0"/>
+                <a:cs typeface="Courier New" panose="02070309020205020404" pitchFamily="49" charset="0"/>
+              </a:rPr>
+              <a:t>printf</a:t>
+            </a:r>
+            <a:r>
+              <a:rPr lang="en-US" sz="1600" dirty="0">
+                <a:latin typeface="Courier New" panose="02070309020205020404" pitchFamily="49" charset="0"/>
+                <a:cs typeface="Courier New" panose="02070309020205020404" pitchFamily="49" charset="0"/>
+              </a:rPr>
+              <a:t>("Too high - guess again\n");</a:t>
+            </a:r>
+          </a:p>
+          <a:p>
+            <a:r>
+              <a:rPr lang="en-US" sz="1600" dirty="0">
+                <a:latin typeface="Courier New" panose="02070309020205020404" pitchFamily="49" charset="0"/>
+                <a:cs typeface="Courier New" panose="02070309020205020404" pitchFamily="49" charset="0"/>
+              </a:rPr>
+              <a:t>    }</a:t>
+            </a:r>
+          </a:p>
+          <a:p>
+            <a:r>
+              <a:rPr lang="en-US" sz="1600" dirty="0">
+                <a:latin typeface="Courier New" panose="02070309020205020404" pitchFamily="49" charset="0"/>
+                <a:cs typeface="Courier New" panose="02070309020205020404" pitchFamily="49" charset="0"/>
+              </a:rPr>
+              <a:t>} </a:t>
+            </a:r>
+          </a:p>
+        </p:txBody>
+      </p:sp>
+      <p:sp>
+        <p:nvSpPr>
+          <p:cNvPr id="7" name="TextBox 6">
+            <a:extLst>
+              <a:ext uri="{FF2B5EF4-FFF2-40B4-BE49-F238E27FC236}">
+                <a16:creationId xmlns:a16="http://schemas.microsoft.com/office/drawing/2014/main" id="{03B4458A-37BA-02AB-CE8C-B288D36FE6BF}"/>
               </a:ext>
             </a:extLst>
           </p:cNvPr>
@@ -8364,8 +8186,8 @@
         </p:nvSpPr>
         <p:spPr>
           <a:xfrm>
-            <a:off x="10363200" y="6323598"/>
-            <a:ext cx="1697181" cy="338554"/>
+            <a:off x="7648259" y="4501661"/>
+            <a:ext cx="3217547" cy="1754326"/>
           </a:xfrm>
           <a:prstGeom prst="rect">
             <a:avLst/>
@@ -8373,6 +8195,83 @@
           <a:noFill/>
         </p:spPr>
         <p:txBody>
+          <a:bodyPr wrap="none" rtlCol="0">
+            <a:spAutoFit/>
+          </a:bodyPr>
+          <a:lstStyle/>
+          <a:p>
+            <a:r>
+              <a:rPr lang="en-US" b="1" u="sng" dirty="0">
+                <a:latin typeface="Monaco" pitchFamily="2" charset="77"/>
+              </a:rPr>
+              <a:t>5</a:t>
+            </a:r>
+          </a:p>
+          <a:p>
+            <a:r>
+              <a:rPr lang="en-US" dirty="0">
+                <a:latin typeface="Monaco" pitchFamily="2" charset="77"/>
+              </a:rPr>
+              <a:t>Too low - guess again</a:t>
+            </a:r>
+          </a:p>
+          <a:p>
+            <a:r>
+              <a:rPr lang="en-US" b="1" u="sng" dirty="0">
+                <a:latin typeface="Monaco" pitchFamily="2" charset="77"/>
+              </a:rPr>
+              <a:t>50</a:t>
+            </a:r>
+          </a:p>
+          <a:p>
+            <a:r>
+              <a:rPr lang="en-US" dirty="0">
+                <a:latin typeface="Monaco" pitchFamily="2" charset="77"/>
+              </a:rPr>
+              <a:t>Too high - guess again</a:t>
+            </a:r>
+          </a:p>
+          <a:p>
+            <a:r>
+              <a:rPr lang="en-US" b="1" u="sng" dirty="0">
+                <a:latin typeface="Monaco" pitchFamily="2" charset="77"/>
+              </a:rPr>
+              <a:t>42</a:t>
+            </a:r>
+          </a:p>
+          <a:p>
+            <a:r>
+              <a:rPr lang="en-US" dirty="0">
+                <a:latin typeface="Monaco" pitchFamily="2" charset="77"/>
+              </a:rPr>
+              <a:t>Nice work!</a:t>
+            </a:r>
+          </a:p>
+        </p:txBody>
+      </p:sp>
+      <p:sp>
+        <p:nvSpPr>
+          <p:cNvPr id="8" name="TextBox 7">
+            <a:extLst>
+              <a:ext uri="{FF2B5EF4-FFF2-40B4-BE49-F238E27FC236}">
+                <a16:creationId xmlns:a16="http://schemas.microsoft.com/office/drawing/2014/main" id="{D56035B7-27F7-E969-9952-F807B645317D}"/>
+              </a:ext>
+            </a:extLst>
+          </p:cNvPr>
+          <p:cNvSpPr txBox="1"/>
+          <p:nvPr/>
+        </p:nvSpPr>
+        <p:spPr>
+          <a:xfrm>
+            <a:off x="10647218" y="6323598"/>
+            <a:ext cx="1413163" cy="338554"/>
+          </a:xfrm>
+          <a:prstGeom prst="rect">
+            <a:avLst/>
+          </a:prstGeom>
+          <a:noFill/>
+        </p:spPr>
+        <p:txBody>
           <a:bodyPr wrap="square">
             <a:spAutoFit/>
           </a:bodyPr>
@@ -8386,7 +8285,7 @@
                 <a:effectLst/>
                 <a:latin typeface="Menlo" panose="020B0609030804020204" pitchFamily="49" charset="0"/>
               </a:rPr>
-              <a:t>cc_02_08_b.c</a:t>
+              <a:t>cc_02_09.c</a:t>
             </a:r>
           </a:p>
         </p:txBody>
@@ -8394,7 +8293,7 @@
     </p:spTree>
     <p:extLst>
       <p:ext uri="{BB962C8B-B14F-4D97-AF65-F5344CB8AC3E}">
-        <p14:creationId xmlns:p14="http://schemas.microsoft.com/office/powerpoint/2010/main" val="2735925725"/>
+        <p14:creationId xmlns:p14="http://schemas.microsoft.com/office/powerpoint/2010/main" val="688616102"/>
       </p:ext>
     </p:extLst>
   </p:cSld>
@@ -10851,7 +10750,7 @@
           <a:p>
             <a:r>
               <a:rPr lang="en-US" dirty="0"/>
-              <a:t>Guessing</a:t>
+              <a:t>Functions (call by value)</a:t>
             </a:r>
           </a:p>
         </p:txBody>
@@ -10870,8 +10769,8 @@
         </p:nvSpPr>
         <p:spPr>
           <a:xfrm>
-            <a:off x="624946" y="1839394"/>
-            <a:ext cx="4998484" cy="3539430"/>
+            <a:off x="1302384" y="1968844"/>
+            <a:ext cx="3493264" cy="1754326"/>
           </a:xfrm>
           <a:prstGeom prst="rect">
             <a:avLst/>
@@ -10885,156 +10784,116 @@
           <a:lstStyle/>
           <a:p>
             <a:r>
-              <a:rPr lang="en-US" sz="1600" dirty="0">
-                <a:latin typeface="Courier New" panose="02070309020205020404" pitchFamily="49" charset="0"/>
-                <a:cs typeface="Courier New" panose="02070309020205020404" pitchFamily="49" charset="0"/>
-              </a:rPr>
-              <a:t>while True:</a:t>
-            </a:r>
-          </a:p>
-          <a:p>
-            <a:r>
-              <a:rPr lang="en-US" sz="1600" dirty="0">
-                <a:latin typeface="Courier New" panose="02070309020205020404" pitchFamily="49" charset="0"/>
-                <a:cs typeface="Courier New" panose="02070309020205020404" pitchFamily="49" charset="0"/>
-              </a:rPr>
-              <a:t>    try:</a:t>
-            </a:r>
-          </a:p>
-          <a:p>
-            <a:r>
-              <a:rPr lang="en-US" sz="1600" dirty="0">
-                <a:latin typeface="Courier New" panose="02070309020205020404" pitchFamily="49" charset="0"/>
-                <a:cs typeface="Courier New" panose="02070309020205020404" pitchFamily="49" charset="0"/>
-              </a:rPr>
-              <a:t>        line = input()</a:t>
-            </a:r>
-          </a:p>
-          <a:p>
-            <a:r>
-              <a:rPr lang="en-US" sz="1600" dirty="0">
-                <a:latin typeface="Courier New" panose="02070309020205020404" pitchFamily="49" charset="0"/>
-                <a:cs typeface="Courier New" panose="02070309020205020404" pitchFamily="49" charset="0"/>
-              </a:rPr>
-              <a:t>    except:  # If we get EOF</a:t>
-            </a:r>
-          </a:p>
-          <a:p>
-            <a:r>
-              <a:rPr lang="en-US" sz="1600" dirty="0">
-                <a:latin typeface="Courier New" panose="02070309020205020404" pitchFamily="49" charset="0"/>
-                <a:cs typeface="Courier New" panose="02070309020205020404" pitchFamily="49" charset="0"/>
-              </a:rPr>
-              <a:t>        break</a:t>
-            </a:r>
-          </a:p>
-          <a:p>
-            <a:r>
-              <a:rPr lang="en-US" sz="1600" dirty="0">
-                <a:latin typeface="Courier New" panose="02070309020205020404" pitchFamily="49" charset="0"/>
-                <a:cs typeface="Courier New" panose="02070309020205020404" pitchFamily="49" charset="0"/>
-              </a:rPr>
-              <a:t>    line = </a:t>
-            </a:r>
-            <a:r>
-              <a:rPr lang="en-US" sz="1600" dirty="0" err="1">
-                <a:latin typeface="Courier New" panose="02070309020205020404" pitchFamily="49" charset="0"/>
-                <a:cs typeface="Courier New" panose="02070309020205020404" pitchFamily="49" charset="0"/>
-              </a:rPr>
-              <a:t>line.strip</a:t>
-            </a:r>
-            <a:r>
-              <a:rPr lang="en-US" sz="1600" dirty="0">
-                <a:latin typeface="Courier New" panose="02070309020205020404" pitchFamily="49" charset="0"/>
-                <a:cs typeface="Courier New" panose="02070309020205020404" pitchFamily="49" charset="0"/>
-              </a:rPr>
-              <a:t>()</a:t>
-            </a:r>
-          </a:p>
-          <a:p>
-            <a:r>
-              <a:rPr lang="en-US" sz="1600" dirty="0">
-                <a:latin typeface="Courier New" panose="02070309020205020404" pitchFamily="49" charset="0"/>
-                <a:cs typeface="Courier New" panose="02070309020205020404" pitchFamily="49" charset="0"/>
-              </a:rPr>
-              <a:t>    guess = int(line)</a:t>
-            </a:r>
-          </a:p>
-          <a:p>
-            <a:r>
-              <a:rPr lang="en-US" sz="1600" dirty="0">
-                <a:latin typeface="Courier New" panose="02070309020205020404" pitchFamily="49" charset="0"/>
-                <a:cs typeface="Courier New" panose="02070309020205020404" pitchFamily="49" charset="0"/>
-              </a:rPr>
-              <a:t>    if guess == 42:</a:t>
-            </a:r>
-          </a:p>
-          <a:p>
-            <a:r>
-              <a:rPr lang="en-US" sz="1600" dirty="0">
-                <a:latin typeface="Courier New" panose="02070309020205020404" pitchFamily="49" charset="0"/>
-                <a:cs typeface="Courier New" panose="02070309020205020404" pitchFamily="49" charset="0"/>
-              </a:rPr>
-              <a:t>        print('Nice work!')</a:t>
-            </a:r>
-          </a:p>
-          <a:p>
-            <a:r>
-              <a:rPr lang="en-US" sz="1600" dirty="0">
-                <a:latin typeface="Courier New" panose="02070309020205020404" pitchFamily="49" charset="0"/>
-                <a:cs typeface="Courier New" panose="02070309020205020404" pitchFamily="49" charset="0"/>
-              </a:rPr>
-              <a:t>        break</a:t>
-            </a:r>
-          </a:p>
-          <a:p>
-            <a:r>
-              <a:rPr lang="en-US" sz="1600" dirty="0">
-                <a:latin typeface="Courier New" panose="02070309020205020404" pitchFamily="49" charset="0"/>
-                <a:cs typeface="Courier New" panose="02070309020205020404" pitchFamily="49" charset="0"/>
-              </a:rPr>
-              <a:t>    </a:t>
-            </a:r>
-            <a:r>
-              <a:rPr lang="en-US" sz="1600" dirty="0" err="1">
-                <a:latin typeface="Courier New" panose="02070309020205020404" pitchFamily="49" charset="0"/>
-                <a:cs typeface="Courier New" panose="02070309020205020404" pitchFamily="49" charset="0"/>
-              </a:rPr>
-              <a:t>elif</a:t>
-            </a:r>
-            <a:r>
-              <a:rPr lang="en-US" sz="1600" dirty="0">
-                <a:latin typeface="Courier New" panose="02070309020205020404" pitchFamily="49" charset="0"/>
-                <a:cs typeface="Courier New" panose="02070309020205020404" pitchFamily="49" charset="0"/>
-              </a:rPr>
-              <a:t> guess &lt; 42 : </a:t>
-            </a:r>
-          </a:p>
-          <a:p>
-            <a:r>
-              <a:rPr lang="en-US" sz="1600" dirty="0">
-                <a:latin typeface="Courier New" panose="02070309020205020404" pitchFamily="49" charset="0"/>
-                <a:cs typeface="Courier New" panose="02070309020205020404" pitchFamily="49" charset="0"/>
-              </a:rPr>
-              <a:t>        print('Too low - guess again')</a:t>
-            </a:r>
-          </a:p>
-          <a:p>
-            <a:r>
-              <a:rPr lang="en-US" sz="1600" dirty="0">
-                <a:latin typeface="Courier New" panose="02070309020205020404" pitchFamily="49" charset="0"/>
-                <a:cs typeface="Courier New" panose="02070309020205020404" pitchFamily="49" charset="0"/>
-              </a:rPr>
-              <a:t>    else :</a:t>
-            </a:r>
-          </a:p>
-          <a:p>
-            <a:r>
-              <a:rPr lang="en-US" sz="1600" dirty="0">
-                <a:latin typeface="Courier New" panose="02070309020205020404" pitchFamily="49" charset="0"/>
-                <a:cs typeface="Courier New" panose="02070309020205020404" pitchFamily="49" charset="0"/>
-              </a:rPr>
-              <a:t>        print('Too high - guess again')</a:t>
+              <a:rPr lang="en-US" dirty="0">
+                <a:latin typeface="Courier New" panose="02070309020205020404" pitchFamily="49" charset="0"/>
+                <a:cs typeface="Courier New" panose="02070309020205020404" pitchFamily="49" charset="0"/>
+              </a:rPr>
+              <a:t>def </a:t>
+            </a:r>
+            <a:r>
+              <a:rPr lang="en-US" dirty="0" err="1">
+                <a:latin typeface="Courier New" panose="02070309020205020404" pitchFamily="49" charset="0"/>
+                <a:cs typeface="Courier New" panose="02070309020205020404" pitchFamily="49" charset="0"/>
+              </a:rPr>
+              <a:t>mymult</a:t>
+            </a:r>
+            <a:r>
+              <a:rPr lang="en-US" dirty="0">
+                <a:latin typeface="Courier New" panose="02070309020205020404" pitchFamily="49" charset="0"/>
+                <a:cs typeface="Courier New" panose="02070309020205020404" pitchFamily="49" charset="0"/>
+              </a:rPr>
+              <a:t>(</a:t>
+            </a:r>
+            <a:r>
+              <a:rPr lang="en-US" dirty="0" err="1">
+                <a:latin typeface="Courier New" panose="02070309020205020404" pitchFamily="49" charset="0"/>
+                <a:cs typeface="Courier New" panose="02070309020205020404" pitchFamily="49" charset="0"/>
+              </a:rPr>
+              <a:t>a,b</a:t>
+            </a:r>
+            <a:r>
+              <a:rPr lang="en-US" dirty="0">
+                <a:latin typeface="Courier New" panose="02070309020205020404" pitchFamily="49" charset="0"/>
+                <a:cs typeface="Courier New" panose="02070309020205020404" pitchFamily="49" charset="0"/>
+              </a:rPr>
+              <a:t>):</a:t>
+            </a:r>
+          </a:p>
+          <a:p>
+            <a:r>
+              <a:rPr lang="en-US" dirty="0">
+                <a:latin typeface="Courier New" panose="02070309020205020404" pitchFamily="49" charset="0"/>
+                <a:cs typeface="Courier New" panose="02070309020205020404" pitchFamily="49" charset="0"/>
+              </a:rPr>
+              <a:t>    c = a * b</a:t>
+            </a:r>
+          </a:p>
+          <a:p>
+            <a:r>
+              <a:rPr lang="en-US" dirty="0">
+                <a:latin typeface="Courier New" panose="02070309020205020404" pitchFamily="49" charset="0"/>
+                <a:cs typeface="Courier New" panose="02070309020205020404" pitchFamily="49" charset="0"/>
+              </a:rPr>
+              <a:t>    return c</a:t>
+            </a:r>
+          </a:p>
+          <a:p>
+            <a:endParaRPr lang="en-US" dirty="0">
+              <a:latin typeface="Courier New" panose="02070309020205020404" pitchFamily="49" charset="0"/>
+              <a:cs typeface="Courier New" panose="02070309020205020404" pitchFamily="49" charset="0"/>
+            </a:endParaRPr>
+          </a:p>
+          <a:p>
+            <a:r>
+              <a:rPr lang="en-US" dirty="0" err="1">
+                <a:latin typeface="Courier New" panose="02070309020205020404" pitchFamily="49" charset="0"/>
+                <a:cs typeface="Courier New" panose="02070309020205020404" pitchFamily="49" charset="0"/>
+              </a:rPr>
+              <a:t>retval</a:t>
+            </a:r>
+            <a:r>
+              <a:rPr lang="en-US" dirty="0">
+                <a:latin typeface="Courier New" panose="02070309020205020404" pitchFamily="49" charset="0"/>
+                <a:cs typeface="Courier New" panose="02070309020205020404" pitchFamily="49" charset="0"/>
+              </a:rPr>
+              <a:t> = </a:t>
+            </a:r>
+            <a:r>
+              <a:rPr lang="en-US" dirty="0" err="1">
+                <a:latin typeface="Courier New" panose="02070309020205020404" pitchFamily="49" charset="0"/>
+                <a:cs typeface="Courier New" panose="02070309020205020404" pitchFamily="49" charset="0"/>
+              </a:rPr>
+              <a:t>mymult</a:t>
+            </a:r>
+            <a:r>
+              <a:rPr lang="en-US" dirty="0">
+                <a:latin typeface="Courier New" panose="02070309020205020404" pitchFamily="49" charset="0"/>
+                <a:cs typeface="Courier New" panose="02070309020205020404" pitchFamily="49" charset="0"/>
+              </a:rPr>
+              <a:t>(6, 7)</a:t>
+            </a:r>
+          </a:p>
+          <a:p>
+            <a:r>
+              <a:rPr lang="en-US" dirty="0">
+                <a:latin typeface="Courier New" panose="02070309020205020404" pitchFamily="49" charset="0"/>
+                <a:cs typeface="Courier New" panose="02070309020205020404" pitchFamily="49" charset="0"/>
+              </a:rPr>
+              <a:t>print('Answer:', </a:t>
+            </a:r>
+            <a:r>
+              <a:rPr lang="en-US" dirty="0" err="1">
+                <a:latin typeface="Courier New" panose="02070309020205020404" pitchFamily="49" charset="0"/>
+                <a:cs typeface="Courier New" panose="02070309020205020404" pitchFamily="49" charset="0"/>
+              </a:rPr>
+              <a:t>retval</a:t>
+            </a:r>
+            <a:r>
+              <a:rPr lang="en-US" dirty="0">
+                <a:latin typeface="Courier New" panose="02070309020205020404" pitchFamily="49" charset="0"/>
+                <a:cs typeface="Courier New" panose="02070309020205020404" pitchFamily="49" charset="0"/>
+              </a:rPr>
+              <a:t>)</a:t>
             </a:r>
           </a:p>
         </p:txBody>
@@ -11053,8 +10912,8 @@
         </p:nvSpPr>
         <p:spPr>
           <a:xfrm>
-            <a:off x="6096000" y="806490"/>
-            <a:ext cx="5985934" cy="3539430"/>
+            <a:off x="7081134" y="1599512"/>
+            <a:ext cx="4871847" cy="4247317"/>
           </a:xfrm>
           <a:prstGeom prst="rect">
             <a:avLst/>
@@ -11068,21 +10927,21 @@
           <a:lstStyle/>
           <a:p>
             <a:r>
-              <a:rPr lang="en-US" sz="1600" dirty="0">
+              <a:rPr lang="en-US" dirty="0">
                 <a:latin typeface="Courier New" panose="02070309020205020404" pitchFamily="49" charset="0"/>
                 <a:cs typeface="Courier New" panose="02070309020205020404" pitchFamily="49" charset="0"/>
               </a:rPr>
               <a:t>#include &lt;</a:t>
             </a:r>
             <a:r>
-              <a:rPr lang="en-US" sz="1600" dirty="0" err="1">
+              <a:rPr lang="en-US" dirty="0" err="1">
                 <a:latin typeface="Courier New" panose="02070309020205020404" pitchFamily="49" charset="0"/>
                 <a:cs typeface="Courier New" panose="02070309020205020404" pitchFamily="49" charset="0"/>
               </a:rPr>
               <a:t>stdio.h</a:t>
             </a:r>
             <a:r>
-              <a:rPr lang="en-US" sz="1600" dirty="0">
+              <a:rPr lang="en-US" dirty="0">
                 <a:latin typeface="Courier New" panose="02070309020205020404" pitchFamily="49" charset="0"/>
                 <a:cs typeface="Courier New" panose="02070309020205020404" pitchFamily="49" charset="0"/>
               </a:rPr>
@@ -11091,7 +10950,7 @@
           </a:p>
           <a:p>
             <a:r>
-              <a:rPr lang="en-US" sz="1600" dirty="0">
+              <a:rPr lang="en-US" dirty="0">
                 <a:latin typeface="Courier New" panose="02070309020205020404" pitchFamily="49" charset="0"/>
                 <a:cs typeface="Courier New" panose="02070309020205020404" pitchFamily="49" charset="0"/>
               </a:rPr>
@@ -11100,180 +10959,225 @@
           </a:p>
           <a:p>
             <a:r>
-              <a:rPr lang="en-US" sz="1600" dirty="0">
-                <a:latin typeface="Courier New" panose="02070309020205020404" pitchFamily="49" charset="0"/>
-                <a:cs typeface="Courier New" panose="02070309020205020404" pitchFamily="49" charset="0"/>
-              </a:rPr>
-              <a:t>    int guess;</a:t>
-            </a:r>
-          </a:p>
-          <a:p>
-            <a:r>
-              <a:rPr lang="en-US" sz="1600" dirty="0">
-                <a:latin typeface="Courier New" panose="02070309020205020404" pitchFamily="49" charset="0"/>
-                <a:cs typeface="Courier New" panose="02070309020205020404" pitchFamily="49" charset="0"/>
-              </a:rPr>
-              <a:t>    while(</a:t>
-            </a:r>
-            <a:r>
-              <a:rPr lang="en-US" sz="1600" dirty="0" err="1">
-                <a:latin typeface="Courier New" panose="02070309020205020404" pitchFamily="49" charset="0"/>
-                <a:cs typeface="Courier New" panose="02070309020205020404" pitchFamily="49" charset="0"/>
-              </a:rPr>
-              <a:t>scanf</a:t>
-            </a:r>
-            <a:r>
-              <a:rPr lang="en-US" sz="1600" dirty="0">
-                <a:latin typeface="Courier New" panose="02070309020205020404" pitchFamily="49" charset="0"/>
-                <a:cs typeface="Courier New" panose="02070309020205020404" pitchFamily="49" charset="0"/>
-              </a:rPr>
-              <a:t>("%</a:t>
-            </a:r>
-            <a:r>
-              <a:rPr lang="en-US" sz="1600" dirty="0" err="1">
-                <a:latin typeface="Courier New" panose="02070309020205020404" pitchFamily="49" charset="0"/>
-                <a:cs typeface="Courier New" panose="02070309020205020404" pitchFamily="49" charset="0"/>
-              </a:rPr>
-              <a:t>d",&amp;guess</a:t>
-            </a:r>
-            <a:r>
-              <a:rPr lang="en-US" sz="1600" dirty="0">
-                <a:latin typeface="Courier New" panose="02070309020205020404" pitchFamily="49" charset="0"/>
-                <a:cs typeface="Courier New" panose="02070309020205020404" pitchFamily="49" charset="0"/>
-              </a:rPr>
-              <a:t>) != EOF ) {</a:t>
-            </a:r>
-          </a:p>
-          <a:p>
-            <a:r>
-              <a:rPr lang="en-US" sz="1600" dirty="0">
-                <a:latin typeface="Courier New" panose="02070309020205020404" pitchFamily="49" charset="0"/>
-                <a:cs typeface="Courier New" panose="02070309020205020404" pitchFamily="49" charset="0"/>
-              </a:rPr>
-              <a:t>        if ( guess == 42 ) {</a:t>
-            </a:r>
-          </a:p>
-          <a:p>
-            <a:r>
-              <a:rPr lang="en-US" sz="1600" dirty="0">
-                <a:latin typeface="Courier New" panose="02070309020205020404" pitchFamily="49" charset="0"/>
-                <a:cs typeface="Courier New" panose="02070309020205020404" pitchFamily="49" charset="0"/>
-              </a:rPr>
-              <a:t>            </a:t>
-            </a:r>
-            <a:r>
-              <a:rPr lang="en-US" sz="1600" dirty="0" err="1">
+              <a:rPr lang="en-US" dirty="0">
+                <a:latin typeface="Courier New" panose="02070309020205020404" pitchFamily="49" charset="0"/>
+                <a:cs typeface="Courier New" panose="02070309020205020404" pitchFamily="49" charset="0"/>
+              </a:rPr>
+              <a:t>    int </a:t>
+            </a:r>
+            <a:r>
+              <a:rPr lang="en-US" dirty="0" err="1">
+                <a:latin typeface="Courier New" panose="02070309020205020404" pitchFamily="49" charset="0"/>
+                <a:cs typeface="Courier New" panose="02070309020205020404" pitchFamily="49" charset="0"/>
+              </a:rPr>
+              <a:t>mymult</a:t>
+            </a:r>
+            <a:r>
+              <a:rPr lang="en-US" dirty="0">
+                <a:latin typeface="Courier New" panose="02070309020205020404" pitchFamily="49" charset="0"/>
+                <a:cs typeface="Courier New" panose="02070309020205020404" pitchFamily="49" charset="0"/>
+              </a:rPr>
+              <a:t>(); </a:t>
+            </a:r>
+          </a:p>
+          <a:p>
+            <a:r>
+              <a:rPr lang="en-US" dirty="0">
+                <a:latin typeface="Courier New" panose="02070309020205020404" pitchFamily="49" charset="0"/>
+                <a:cs typeface="Courier New" panose="02070309020205020404" pitchFamily="49" charset="0"/>
+              </a:rPr>
+              <a:t>    int </a:t>
+            </a:r>
+            <a:r>
+              <a:rPr lang="en-US" dirty="0" err="1">
+                <a:latin typeface="Courier New" panose="02070309020205020404" pitchFamily="49" charset="0"/>
+                <a:cs typeface="Courier New" panose="02070309020205020404" pitchFamily="49" charset="0"/>
+              </a:rPr>
+              <a:t>retval</a:t>
+            </a:r>
+            <a:r>
+              <a:rPr lang="en-US" dirty="0">
+                <a:latin typeface="Courier New" panose="02070309020205020404" pitchFamily="49" charset="0"/>
+                <a:cs typeface="Courier New" panose="02070309020205020404" pitchFamily="49" charset="0"/>
+              </a:rPr>
+              <a:t>;</a:t>
+            </a:r>
+          </a:p>
+          <a:p>
+            <a:endParaRPr lang="en-US" dirty="0">
+              <a:latin typeface="Courier New" panose="02070309020205020404" pitchFamily="49" charset="0"/>
+              <a:cs typeface="Courier New" panose="02070309020205020404" pitchFamily="49" charset="0"/>
+            </a:endParaRPr>
+          </a:p>
+          <a:p>
+            <a:r>
+              <a:rPr lang="en-US" dirty="0">
+                <a:latin typeface="Courier New" panose="02070309020205020404" pitchFamily="49" charset="0"/>
+                <a:cs typeface="Courier New" panose="02070309020205020404" pitchFamily="49" charset="0"/>
+              </a:rPr>
+              <a:t>    </a:t>
+            </a:r>
+            <a:r>
+              <a:rPr lang="en-US" dirty="0" err="1">
+                <a:latin typeface="Courier New" panose="02070309020205020404" pitchFamily="49" charset="0"/>
+                <a:cs typeface="Courier New" panose="02070309020205020404" pitchFamily="49" charset="0"/>
+              </a:rPr>
+              <a:t>retval</a:t>
+            </a:r>
+            <a:r>
+              <a:rPr lang="en-US" dirty="0">
+                <a:latin typeface="Courier New" panose="02070309020205020404" pitchFamily="49" charset="0"/>
+                <a:cs typeface="Courier New" panose="02070309020205020404" pitchFamily="49" charset="0"/>
+              </a:rPr>
+              <a:t> = </a:t>
+            </a:r>
+            <a:r>
+              <a:rPr lang="en-US" dirty="0" err="1">
+                <a:latin typeface="Courier New" panose="02070309020205020404" pitchFamily="49" charset="0"/>
+                <a:cs typeface="Courier New" panose="02070309020205020404" pitchFamily="49" charset="0"/>
+              </a:rPr>
+              <a:t>mymult</a:t>
+            </a:r>
+            <a:r>
+              <a:rPr lang="en-US" dirty="0">
+                <a:latin typeface="Courier New" panose="02070309020205020404" pitchFamily="49" charset="0"/>
+                <a:cs typeface="Courier New" panose="02070309020205020404" pitchFamily="49" charset="0"/>
+              </a:rPr>
+              <a:t>(6,7);</a:t>
+            </a:r>
+          </a:p>
+          <a:p>
+            <a:r>
+              <a:rPr lang="en-US" dirty="0">
+                <a:latin typeface="Courier New" panose="02070309020205020404" pitchFamily="49" charset="0"/>
+                <a:cs typeface="Courier New" panose="02070309020205020404" pitchFamily="49" charset="0"/>
+              </a:rPr>
+              <a:t>    </a:t>
+            </a:r>
+            <a:r>
+              <a:rPr lang="en-US" dirty="0" err="1">
                 <a:latin typeface="Courier New" panose="02070309020205020404" pitchFamily="49" charset="0"/>
                 <a:cs typeface="Courier New" panose="02070309020205020404" pitchFamily="49" charset="0"/>
               </a:rPr>
               <a:t>printf</a:t>
             </a:r>
             <a:r>
-              <a:rPr lang="en-US" sz="1600" dirty="0">
-                <a:latin typeface="Courier New" panose="02070309020205020404" pitchFamily="49" charset="0"/>
-                <a:cs typeface="Courier New" panose="02070309020205020404" pitchFamily="49" charset="0"/>
-              </a:rPr>
-              <a:t>("Nice work!\n");</a:t>
-            </a:r>
-          </a:p>
-          <a:p>
-            <a:r>
-              <a:rPr lang="en-US" sz="1600" dirty="0">
-                <a:latin typeface="Courier New" panose="02070309020205020404" pitchFamily="49" charset="0"/>
-                <a:cs typeface="Courier New" panose="02070309020205020404" pitchFamily="49" charset="0"/>
-              </a:rPr>
-              <a:t>            break;</a:t>
-            </a:r>
-          </a:p>
-          <a:p>
-            <a:r>
-              <a:rPr lang="en-US" sz="1600" dirty="0">
-                <a:latin typeface="Courier New" panose="02070309020205020404" pitchFamily="49" charset="0"/>
-                <a:cs typeface="Courier New" panose="02070309020205020404" pitchFamily="49" charset="0"/>
-              </a:rPr>
-              <a:t>        }</a:t>
-            </a:r>
-          </a:p>
-          <a:p>
-            <a:r>
-              <a:rPr lang="en-US" sz="1600" dirty="0">
-                <a:latin typeface="Courier New" panose="02070309020205020404" pitchFamily="49" charset="0"/>
-                <a:cs typeface="Courier New" panose="02070309020205020404" pitchFamily="49" charset="0"/>
-              </a:rPr>
-              <a:t>        else if ( guess &lt; 42 ) </a:t>
-            </a:r>
-          </a:p>
-          <a:p>
-            <a:r>
-              <a:rPr lang="en-US" sz="1600" dirty="0">
-                <a:latin typeface="Courier New" panose="02070309020205020404" pitchFamily="49" charset="0"/>
-                <a:cs typeface="Courier New" panose="02070309020205020404" pitchFamily="49" charset="0"/>
-              </a:rPr>
-              <a:t>            </a:t>
-            </a:r>
-            <a:r>
-              <a:rPr lang="en-US" sz="1600" dirty="0" err="1">
-                <a:latin typeface="Courier New" panose="02070309020205020404" pitchFamily="49" charset="0"/>
-                <a:cs typeface="Courier New" panose="02070309020205020404" pitchFamily="49" charset="0"/>
-              </a:rPr>
-              <a:t>printf</a:t>
-            </a:r>
-            <a:r>
-              <a:rPr lang="en-US" sz="1600" dirty="0">
-                <a:latin typeface="Courier New" panose="02070309020205020404" pitchFamily="49" charset="0"/>
-                <a:cs typeface="Courier New" panose="02070309020205020404" pitchFamily="49" charset="0"/>
-              </a:rPr>
-              <a:t>("Too low - guess again\n");</a:t>
-            </a:r>
-          </a:p>
-          <a:p>
-            <a:r>
-              <a:rPr lang="en-US" sz="1600" dirty="0">
-                <a:latin typeface="Courier New" panose="02070309020205020404" pitchFamily="49" charset="0"/>
-                <a:cs typeface="Courier New" panose="02070309020205020404" pitchFamily="49" charset="0"/>
-              </a:rPr>
-              <a:t>        else</a:t>
-            </a:r>
-          </a:p>
-          <a:p>
-            <a:r>
-              <a:rPr lang="en-US" sz="1600" dirty="0">
-                <a:latin typeface="Courier New" panose="02070309020205020404" pitchFamily="49" charset="0"/>
-                <a:cs typeface="Courier New" panose="02070309020205020404" pitchFamily="49" charset="0"/>
-              </a:rPr>
-              <a:t>            </a:t>
-            </a:r>
-            <a:r>
-              <a:rPr lang="en-US" sz="1600" dirty="0" err="1">
-                <a:latin typeface="Courier New" panose="02070309020205020404" pitchFamily="49" charset="0"/>
-                <a:cs typeface="Courier New" panose="02070309020205020404" pitchFamily="49" charset="0"/>
-              </a:rPr>
-              <a:t>printf</a:t>
-            </a:r>
-            <a:r>
-              <a:rPr lang="en-US" sz="1600" dirty="0">
-                <a:latin typeface="Courier New" panose="02070309020205020404" pitchFamily="49" charset="0"/>
-                <a:cs typeface="Courier New" panose="02070309020205020404" pitchFamily="49" charset="0"/>
-              </a:rPr>
-              <a:t>("Too high - guess again\n");</a:t>
-            </a:r>
-          </a:p>
-          <a:p>
-            <a:r>
-              <a:rPr lang="en-US" sz="1600" dirty="0">
-                <a:latin typeface="Courier New" panose="02070309020205020404" pitchFamily="49" charset="0"/>
-                <a:cs typeface="Courier New" panose="02070309020205020404" pitchFamily="49" charset="0"/>
-              </a:rPr>
-              <a:t>    }</a:t>
-            </a:r>
-          </a:p>
-          <a:p>
-            <a:r>
-              <a:rPr lang="en-US" sz="1600" dirty="0">
-                <a:latin typeface="Courier New" panose="02070309020205020404" pitchFamily="49" charset="0"/>
-                <a:cs typeface="Courier New" panose="02070309020205020404" pitchFamily="49" charset="0"/>
-              </a:rPr>
-              <a:t>} </a:t>
+              <a:rPr lang="en-US" dirty="0">
+                <a:latin typeface="Courier New" panose="02070309020205020404" pitchFamily="49" charset="0"/>
+                <a:cs typeface="Courier New" panose="02070309020205020404" pitchFamily="49" charset="0"/>
+              </a:rPr>
+              <a:t>("Answer: %d\n",</a:t>
+            </a:r>
+            <a:r>
+              <a:rPr lang="en-US" dirty="0" err="1">
+                <a:latin typeface="Courier New" panose="02070309020205020404" pitchFamily="49" charset="0"/>
+                <a:cs typeface="Courier New" panose="02070309020205020404" pitchFamily="49" charset="0"/>
+              </a:rPr>
+              <a:t>retval</a:t>
+            </a:r>
+            <a:r>
+              <a:rPr lang="en-US" dirty="0">
+                <a:latin typeface="Courier New" panose="02070309020205020404" pitchFamily="49" charset="0"/>
+                <a:cs typeface="Courier New" panose="02070309020205020404" pitchFamily="49" charset="0"/>
+              </a:rPr>
+              <a:t>);</a:t>
+            </a:r>
+          </a:p>
+          <a:p>
+            <a:r>
+              <a:rPr lang="en-US" dirty="0">
+                <a:latin typeface="Courier New" panose="02070309020205020404" pitchFamily="49" charset="0"/>
+                <a:cs typeface="Courier New" panose="02070309020205020404" pitchFamily="49" charset="0"/>
+              </a:rPr>
+              <a:t>}</a:t>
+            </a:r>
+          </a:p>
+          <a:p>
+            <a:endParaRPr lang="en-US" dirty="0">
+              <a:latin typeface="Courier New" panose="02070309020205020404" pitchFamily="49" charset="0"/>
+              <a:cs typeface="Courier New" panose="02070309020205020404" pitchFamily="49" charset="0"/>
+            </a:endParaRPr>
+          </a:p>
+          <a:p>
+            <a:r>
+              <a:rPr lang="en-US" dirty="0">
+                <a:latin typeface="Courier New" panose="02070309020205020404" pitchFamily="49" charset="0"/>
+                <a:cs typeface="Courier New" panose="02070309020205020404" pitchFamily="49" charset="0"/>
+              </a:rPr>
+              <a:t>int </a:t>
+            </a:r>
+            <a:r>
+              <a:rPr lang="en-US" dirty="0" err="1">
+                <a:latin typeface="Courier New" panose="02070309020205020404" pitchFamily="49" charset="0"/>
+                <a:cs typeface="Courier New" panose="02070309020205020404" pitchFamily="49" charset="0"/>
+              </a:rPr>
+              <a:t>mymult</a:t>
+            </a:r>
+            <a:r>
+              <a:rPr lang="en-US" dirty="0">
+                <a:latin typeface="Courier New" panose="02070309020205020404" pitchFamily="49" charset="0"/>
+                <a:cs typeface="Courier New" panose="02070309020205020404" pitchFamily="49" charset="0"/>
+              </a:rPr>
+              <a:t>(a, b)</a:t>
+            </a:r>
+          </a:p>
+          <a:p>
+            <a:r>
+              <a:rPr lang="en-US" dirty="0">
+                <a:latin typeface="Courier New" panose="02070309020205020404" pitchFamily="49" charset="0"/>
+                <a:cs typeface="Courier New" panose="02070309020205020404" pitchFamily="49" charset="0"/>
+              </a:rPr>
+              <a:t>    int </a:t>
+            </a:r>
+            <a:r>
+              <a:rPr lang="en-US" dirty="0" err="1">
+                <a:latin typeface="Courier New" panose="02070309020205020404" pitchFamily="49" charset="0"/>
+                <a:cs typeface="Courier New" panose="02070309020205020404" pitchFamily="49" charset="0"/>
+              </a:rPr>
+              <a:t>a,b</a:t>
+            </a:r>
+            <a:r>
+              <a:rPr lang="en-US" dirty="0">
+                <a:latin typeface="Courier New" panose="02070309020205020404" pitchFamily="49" charset="0"/>
+                <a:cs typeface="Courier New" panose="02070309020205020404" pitchFamily="49" charset="0"/>
+              </a:rPr>
+              <a:t>;</a:t>
+            </a:r>
+          </a:p>
+          <a:p>
+            <a:r>
+              <a:rPr lang="en-US" dirty="0">
+                <a:latin typeface="Courier New" panose="02070309020205020404" pitchFamily="49" charset="0"/>
+                <a:cs typeface="Courier New" panose="02070309020205020404" pitchFamily="49" charset="0"/>
+              </a:rPr>
+              <a:t>{</a:t>
+            </a:r>
+          </a:p>
+          <a:p>
+            <a:r>
+              <a:rPr lang="en-US" dirty="0">
+                <a:latin typeface="Courier New" panose="02070309020205020404" pitchFamily="49" charset="0"/>
+                <a:cs typeface="Courier New" panose="02070309020205020404" pitchFamily="49" charset="0"/>
+              </a:rPr>
+              <a:t>    int c = a * b;</a:t>
+            </a:r>
+          </a:p>
+          <a:p>
+            <a:r>
+              <a:rPr lang="en-US" dirty="0">
+                <a:latin typeface="Courier New" panose="02070309020205020404" pitchFamily="49" charset="0"/>
+                <a:cs typeface="Courier New" panose="02070309020205020404" pitchFamily="49" charset="0"/>
+              </a:rPr>
+              <a:t>    return c;</a:t>
+            </a:r>
+          </a:p>
+          <a:p>
+            <a:r>
+              <a:rPr lang="en-US" dirty="0">
+                <a:latin typeface="Courier New" panose="02070309020205020404" pitchFamily="49" charset="0"/>
+                <a:cs typeface="Courier New" panose="02070309020205020404" pitchFamily="49" charset="0"/>
+              </a:rPr>
+              <a:t>}</a:t>
             </a:r>
           </a:p>
         </p:txBody>
@@ -11292,8 +11196,8 @@
         </p:nvSpPr>
         <p:spPr>
           <a:xfrm>
-            <a:off x="7648259" y="4501661"/>
-            <a:ext cx="3217547" cy="1754326"/>
+            <a:off x="1485768" y="4570934"/>
+            <a:ext cx="1563248" cy="369332"/>
           </a:xfrm>
           <a:prstGeom prst="rect">
             <a:avLst/>
@@ -11307,50 +11211,10 @@
           <a:lstStyle/>
           <a:p>
             <a:r>
-              <a:rPr lang="en-US" b="1" u="sng" dirty="0">
+              <a:rPr lang="en-US" dirty="0">
                 <a:latin typeface="Monaco" pitchFamily="2" charset="77"/>
               </a:rPr>
-              <a:t>5</a:t>
-            </a:r>
-          </a:p>
-          <a:p>
-            <a:r>
-              <a:rPr lang="en-US" dirty="0">
-                <a:latin typeface="Monaco" pitchFamily="2" charset="77"/>
-              </a:rPr>
-              <a:t>Too low - guess again</a:t>
-            </a:r>
-          </a:p>
-          <a:p>
-            <a:r>
-              <a:rPr lang="en-US" b="1" u="sng" dirty="0">
-                <a:latin typeface="Monaco" pitchFamily="2" charset="77"/>
-              </a:rPr>
-              <a:t>50</a:t>
-            </a:r>
-          </a:p>
-          <a:p>
-            <a:r>
-              <a:rPr lang="en-US" dirty="0">
-                <a:latin typeface="Monaco" pitchFamily="2" charset="77"/>
-              </a:rPr>
-              <a:t>Too high - guess again</a:t>
-            </a:r>
-          </a:p>
-          <a:p>
-            <a:r>
-              <a:rPr lang="en-US" b="1" u="sng" dirty="0">
-                <a:latin typeface="Monaco" pitchFamily="2" charset="77"/>
-              </a:rPr>
-              <a:t>42</a:t>
-            </a:r>
-          </a:p>
-          <a:p>
-            <a:r>
-              <a:rPr lang="en-US" dirty="0">
-                <a:latin typeface="Monaco" pitchFamily="2" charset="77"/>
-              </a:rPr>
-              <a:t>Nice work!</a:t>
+              <a:t>Answer: 42</a:t>
             </a:r>
           </a:p>
         </p:txBody>
@@ -11391,7 +11255,7 @@
                 <a:effectLst/>
                 <a:latin typeface="Menlo" panose="020B0609030804020204" pitchFamily="49" charset="0"/>
               </a:rPr>
-              <a:t>cc_02_09.c</a:t>
+              <a:t>cc_02_10.c</a:t>
             </a:r>
           </a:p>
         </p:txBody>
@@ -11399,7 +11263,7 @@
     </p:spTree>
     <p:extLst>
       <p:ext uri="{BB962C8B-B14F-4D97-AF65-F5344CB8AC3E}">
-        <p14:creationId xmlns:p14="http://schemas.microsoft.com/office/powerpoint/2010/main" val="688616102"/>
+        <p14:creationId xmlns:p14="http://schemas.microsoft.com/office/powerpoint/2010/main" val="3765195409"/>
       </p:ext>
     </p:extLst>
   </p:cSld>
@@ -11449,7 +11313,7 @@
           <a:p>
             <a:r>
               <a:rPr lang="en-US" dirty="0"/>
-              <a:t>Functions (call by value)</a:t>
+              <a:t>Shouting</a:t>
             </a:r>
           </a:p>
         </p:txBody>
@@ -11468,8 +11332,8 @@
         </p:nvSpPr>
         <p:spPr>
           <a:xfrm>
-            <a:off x="1302384" y="1968844"/>
-            <a:ext cx="3493264" cy="1754326"/>
+            <a:off x="954156" y="2172500"/>
+            <a:ext cx="4458272" cy="923330"/>
           </a:xfrm>
           <a:prstGeom prst="rect">
             <a:avLst/>
@@ -11487,112 +11351,53 @@
                 <a:latin typeface="Courier New" panose="02070309020205020404" pitchFamily="49" charset="0"/>
                 <a:cs typeface="Courier New" panose="02070309020205020404" pitchFamily="49" charset="0"/>
               </a:rPr>
-              <a:t>def </a:t>
+              <a:t>hand = open('</a:t>
             </a:r>
             <a:r>
               <a:rPr lang="en-US" dirty="0" err="1">
                 <a:latin typeface="Courier New" panose="02070309020205020404" pitchFamily="49" charset="0"/>
                 <a:cs typeface="Courier New" panose="02070309020205020404" pitchFamily="49" charset="0"/>
               </a:rPr>
-              <a:t>mymult</a:t>
-            </a:r>
-            <a:r>
-              <a:rPr lang="en-US" dirty="0">
-                <a:latin typeface="Courier New" panose="02070309020205020404" pitchFamily="49" charset="0"/>
-                <a:cs typeface="Courier New" panose="02070309020205020404" pitchFamily="49" charset="0"/>
-              </a:rPr>
-              <a:t>(</a:t>
+              <a:t>romeo.txt</a:t>
+            </a:r>
+            <a:r>
+              <a:rPr lang="en-US" dirty="0">
+                <a:latin typeface="Courier New" panose="02070309020205020404" pitchFamily="49" charset="0"/>
+                <a:cs typeface="Courier New" panose="02070309020205020404" pitchFamily="49" charset="0"/>
+              </a:rPr>
+              <a:t>')</a:t>
+            </a:r>
+          </a:p>
+          <a:p>
+            <a:r>
+              <a:rPr lang="en-US" dirty="0">
+                <a:latin typeface="Courier New" panose="02070309020205020404" pitchFamily="49" charset="0"/>
+                <a:cs typeface="Courier New" panose="02070309020205020404" pitchFamily="49" charset="0"/>
+              </a:rPr>
+              <a:t>for line in hand:</a:t>
+            </a:r>
+          </a:p>
+          <a:p>
+            <a:r>
+              <a:rPr lang="en-US" dirty="0">
+                <a:latin typeface="Courier New" panose="02070309020205020404" pitchFamily="49" charset="0"/>
+                <a:cs typeface="Courier New" panose="02070309020205020404" pitchFamily="49" charset="0"/>
+              </a:rPr>
+              <a:t>    print(</a:t>
             </a:r>
             <a:r>
               <a:rPr lang="en-US" dirty="0" err="1">
                 <a:latin typeface="Courier New" panose="02070309020205020404" pitchFamily="49" charset="0"/>
                 <a:cs typeface="Courier New" panose="02070309020205020404" pitchFamily="49" charset="0"/>
               </a:rPr>
-              <a:t>a,b</a:t>
-            </a:r>
-            <a:r>
-              <a:rPr lang="en-US" dirty="0">
-                <a:latin typeface="Courier New" panose="02070309020205020404" pitchFamily="49" charset="0"/>
-                <a:cs typeface="Courier New" panose="02070309020205020404" pitchFamily="49" charset="0"/>
-              </a:rPr>
-              <a:t>):</a:t>
-            </a:r>
-          </a:p>
-          <a:p>
-            <a:r>
-              <a:rPr lang="en-US" dirty="0">
-                <a:latin typeface="Courier New" panose="02070309020205020404" pitchFamily="49" charset="0"/>
-                <a:cs typeface="Courier New" panose="02070309020205020404" pitchFamily="49" charset="0"/>
-              </a:rPr>
-              <a:t>    c = a * b</a:t>
-            </a:r>
-          </a:p>
-          <a:p>
-            <a:r>
-              <a:rPr lang="en-US" dirty="0">
-                <a:latin typeface="Courier New" panose="02070309020205020404" pitchFamily="49" charset="0"/>
-                <a:cs typeface="Courier New" panose="02070309020205020404" pitchFamily="49" charset="0"/>
-              </a:rPr>
-              <a:t>    return c</a:t>
-            </a:r>
-          </a:p>
-          <a:p>
-            <a:endParaRPr lang="en-US" dirty="0">
-              <a:latin typeface="Courier New" panose="02070309020205020404" pitchFamily="49" charset="0"/>
-              <a:cs typeface="Courier New" panose="02070309020205020404" pitchFamily="49" charset="0"/>
-            </a:endParaRPr>
-          </a:p>
-          <a:p>
-            <a:r>
-              <a:rPr lang="en-US" dirty="0" err="1">
-                <a:latin typeface="Courier New" panose="02070309020205020404" pitchFamily="49" charset="0"/>
-                <a:cs typeface="Courier New" panose="02070309020205020404" pitchFamily="49" charset="0"/>
-              </a:rPr>
-              <a:t>retval</a:t>
-            </a:r>
-            <a:r>
-              <a:rPr lang="en-US" dirty="0">
-                <a:latin typeface="Courier New" panose="02070309020205020404" pitchFamily="49" charset="0"/>
-                <a:cs typeface="Courier New" panose="02070309020205020404" pitchFamily="49" charset="0"/>
-              </a:rPr>
-              <a:t> = </a:t>
-            </a:r>
-            <a:r>
-              <a:rPr lang="en-US" dirty="0" err="1">
-                <a:latin typeface="Courier New" panose="02070309020205020404" pitchFamily="49" charset="0"/>
-                <a:cs typeface="Courier New" panose="02070309020205020404" pitchFamily="49" charset="0"/>
-              </a:rPr>
-              <a:t>mymult</a:t>
-            </a:r>
-            <a:r>
-              <a:rPr lang="en-US" dirty="0">
-                <a:latin typeface="Courier New" panose="02070309020205020404" pitchFamily="49" charset="0"/>
-                <a:cs typeface="Courier New" panose="02070309020205020404" pitchFamily="49" charset="0"/>
-              </a:rPr>
-              <a:t>(6, 7)</a:t>
-            </a:r>
-          </a:p>
-          <a:p>
-            <a:r>
-              <a:rPr lang="en-US" dirty="0">
-                <a:latin typeface="Courier New" panose="02070309020205020404" pitchFamily="49" charset="0"/>
-                <a:cs typeface="Courier New" panose="02070309020205020404" pitchFamily="49" charset="0"/>
-              </a:rPr>
-              <a:t>print('Answer:', </a:t>
-            </a:r>
-            <a:r>
-              <a:rPr lang="en-US" dirty="0" err="1">
-                <a:latin typeface="Courier New" panose="02070309020205020404" pitchFamily="49" charset="0"/>
-                <a:cs typeface="Courier New" panose="02070309020205020404" pitchFamily="49" charset="0"/>
-              </a:rPr>
-              <a:t>retval</a:t>
-            </a:r>
-            <a:r>
-              <a:rPr lang="en-US" dirty="0">
-                <a:latin typeface="Courier New" panose="02070309020205020404" pitchFamily="49" charset="0"/>
-                <a:cs typeface="Courier New" panose="02070309020205020404" pitchFamily="49" charset="0"/>
-              </a:rPr>
-              <a:t>)</a:t>
+              <a:t>line.strip</a:t>
+            </a:r>
+            <a:r>
+              <a:rPr lang="en-US" dirty="0">
+                <a:latin typeface="Courier New" panose="02070309020205020404" pitchFamily="49" charset="0"/>
+                <a:cs typeface="Courier New" panose="02070309020205020404" pitchFamily="49" charset="0"/>
+              </a:rPr>
+              <a:t>().upper())</a:t>
             </a:r>
           </a:p>
         </p:txBody>
@@ -11611,8 +11416,8 @@
         </p:nvSpPr>
         <p:spPr>
           <a:xfrm>
-            <a:off x="7081134" y="1599512"/>
-            <a:ext cx="4871847" cy="4247317"/>
+            <a:off x="5833814" y="1027906"/>
+            <a:ext cx="6250429" cy="3416320"/>
           </a:xfrm>
           <a:prstGeom prst="rect">
             <a:avLst/>
@@ -11653,6 +11458,52 @@
                 <a:latin typeface="Courier New" panose="02070309020205020404" pitchFamily="49" charset="0"/>
                 <a:cs typeface="Courier New" panose="02070309020205020404" pitchFamily="49" charset="0"/>
               </a:rPr>
+              <a:t>#include &lt;</a:t>
+            </a:r>
+            <a:r>
+              <a:rPr lang="en-US" dirty="0" err="1">
+                <a:latin typeface="Courier New" panose="02070309020205020404" pitchFamily="49" charset="0"/>
+                <a:cs typeface="Courier New" panose="02070309020205020404" pitchFamily="49" charset="0"/>
+              </a:rPr>
+              <a:t>string.h</a:t>
+            </a:r>
+            <a:r>
+              <a:rPr lang="en-US" dirty="0">
+                <a:latin typeface="Courier New" panose="02070309020205020404" pitchFamily="49" charset="0"/>
+                <a:cs typeface="Courier New" panose="02070309020205020404" pitchFamily="49" charset="0"/>
+              </a:rPr>
+              <a:t>&gt;</a:t>
+            </a:r>
+          </a:p>
+          <a:p>
+            <a:r>
+              <a:rPr lang="en-US" dirty="0">
+                <a:latin typeface="Courier New" panose="02070309020205020404" pitchFamily="49" charset="0"/>
+                <a:cs typeface="Courier New" panose="02070309020205020404" pitchFamily="49" charset="0"/>
+              </a:rPr>
+              <a:t>#include &lt;</a:t>
+            </a:r>
+            <a:r>
+              <a:rPr lang="en-US" dirty="0" err="1">
+                <a:latin typeface="Courier New" panose="02070309020205020404" pitchFamily="49" charset="0"/>
+                <a:cs typeface="Courier New" panose="02070309020205020404" pitchFamily="49" charset="0"/>
+              </a:rPr>
+              <a:t>ctype.h</a:t>
+            </a:r>
+            <a:r>
+              <a:rPr lang="en-US" dirty="0">
+                <a:latin typeface="Courier New" panose="02070309020205020404" pitchFamily="49" charset="0"/>
+                <a:cs typeface="Courier New" panose="02070309020205020404" pitchFamily="49" charset="0"/>
+              </a:rPr>
+              <a:t>&gt;</a:t>
+            </a:r>
+          </a:p>
+          <a:p>
+            <a:r>
+              <a:rPr lang="en-US" dirty="0">
+                <a:latin typeface="Courier New" panose="02070309020205020404" pitchFamily="49" charset="0"/>
+                <a:cs typeface="Courier New" panose="02070309020205020404" pitchFamily="49" charset="0"/>
+              </a:rPr>
               <a:t>int main() {</a:t>
             </a:r>
           </a:p>
@@ -11662,6 +11513,24 @@
                 <a:latin typeface="Courier New" panose="02070309020205020404" pitchFamily="49" charset="0"/>
                 <a:cs typeface="Courier New" panose="02070309020205020404" pitchFamily="49" charset="0"/>
               </a:rPr>
+              <a:t>    char line[1000];</a:t>
+            </a:r>
+          </a:p>
+          <a:p>
+            <a:r>
+              <a:rPr lang="en-US" dirty="0">
+                <a:latin typeface="Courier New" panose="02070309020205020404" pitchFamily="49" charset="0"/>
+                <a:cs typeface="Courier New" panose="02070309020205020404" pitchFamily="49" charset="0"/>
+              </a:rPr>
+              <a:t>    FILE *hand;</a:t>
+            </a:r>
+          </a:p>
+          <a:p>
+            <a:r>
+              <a:rPr lang="en-US" dirty="0">
+                <a:latin typeface="Courier New" panose="02070309020205020404" pitchFamily="49" charset="0"/>
+                <a:cs typeface="Courier New" panose="02070309020205020404" pitchFamily="49" charset="0"/>
+              </a:rPr>
               <a:t>    int </a:t>
             </a:r>
             <a:r>
@@ -11669,205 +11538,190 @@
                 <a:latin typeface="Courier New" panose="02070309020205020404" pitchFamily="49" charset="0"/>
                 <a:cs typeface="Courier New" panose="02070309020205020404" pitchFamily="49" charset="0"/>
               </a:rPr>
-              <a:t>mymult</a:t>
-            </a:r>
-            <a:r>
-              <a:rPr lang="en-US" dirty="0">
-                <a:latin typeface="Courier New" panose="02070309020205020404" pitchFamily="49" charset="0"/>
-                <a:cs typeface="Courier New" panose="02070309020205020404" pitchFamily="49" charset="0"/>
-              </a:rPr>
-              <a:t>(); </a:t>
-            </a:r>
-          </a:p>
-          <a:p>
-            <a:r>
-              <a:rPr lang="en-US" dirty="0">
-                <a:latin typeface="Courier New" panose="02070309020205020404" pitchFamily="49" charset="0"/>
-                <a:cs typeface="Courier New" panose="02070309020205020404" pitchFamily="49" charset="0"/>
-              </a:rPr>
-              <a:t>    int </a:t>
+              <a:t>i</a:t>
+            </a:r>
+            <a:r>
+              <a:rPr lang="en-US" dirty="0">
+                <a:latin typeface="Courier New" panose="02070309020205020404" pitchFamily="49" charset="0"/>
+                <a:cs typeface="Courier New" panose="02070309020205020404" pitchFamily="49" charset="0"/>
+              </a:rPr>
+              <a:t>; </a:t>
+            </a:r>
+          </a:p>
+          <a:p>
+            <a:r>
+              <a:rPr lang="en-US" dirty="0">
+                <a:latin typeface="Courier New" panose="02070309020205020404" pitchFamily="49" charset="0"/>
+                <a:cs typeface="Courier New" panose="02070309020205020404" pitchFamily="49" charset="0"/>
+              </a:rPr>
+              <a:t>    hand = </a:t>
             </a:r>
             <a:r>
               <a:rPr lang="en-US" dirty="0" err="1">
                 <a:latin typeface="Courier New" panose="02070309020205020404" pitchFamily="49" charset="0"/>
                 <a:cs typeface="Courier New" panose="02070309020205020404" pitchFamily="49" charset="0"/>
               </a:rPr>
-              <a:t>retval</a:t>
-            </a:r>
-            <a:r>
-              <a:rPr lang="en-US" dirty="0">
-                <a:latin typeface="Courier New" panose="02070309020205020404" pitchFamily="49" charset="0"/>
-                <a:cs typeface="Courier New" panose="02070309020205020404" pitchFamily="49" charset="0"/>
-              </a:rPr>
-              <a:t>;</a:t>
-            </a:r>
-          </a:p>
-          <a:p>
-            <a:endParaRPr lang="en-US" dirty="0">
-              <a:latin typeface="Courier New" panose="02070309020205020404" pitchFamily="49" charset="0"/>
-              <a:cs typeface="Courier New" panose="02070309020205020404" pitchFamily="49" charset="0"/>
-            </a:endParaRPr>
-          </a:p>
-          <a:p>
-            <a:r>
-              <a:rPr lang="en-US" dirty="0">
-                <a:latin typeface="Courier New" panose="02070309020205020404" pitchFamily="49" charset="0"/>
-                <a:cs typeface="Courier New" panose="02070309020205020404" pitchFamily="49" charset="0"/>
-              </a:rPr>
-              <a:t>    </a:t>
+              <a:t>fopen</a:t>
+            </a:r>
+            <a:r>
+              <a:rPr lang="en-US" dirty="0">
+                <a:latin typeface="Courier New" panose="02070309020205020404" pitchFamily="49" charset="0"/>
+                <a:cs typeface="Courier New" panose="02070309020205020404" pitchFamily="49" charset="0"/>
+              </a:rPr>
+              <a:t>("</a:t>
             </a:r>
             <a:r>
               <a:rPr lang="en-US" dirty="0" err="1">
                 <a:latin typeface="Courier New" panose="02070309020205020404" pitchFamily="49" charset="0"/>
                 <a:cs typeface="Courier New" panose="02070309020205020404" pitchFamily="49" charset="0"/>
               </a:rPr>
-              <a:t>retval</a:t>
-            </a:r>
-            <a:r>
-              <a:rPr lang="en-US" dirty="0">
-                <a:latin typeface="Courier New" panose="02070309020205020404" pitchFamily="49" charset="0"/>
-                <a:cs typeface="Courier New" panose="02070309020205020404" pitchFamily="49" charset="0"/>
-              </a:rPr>
-              <a:t> = </a:t>
+              <a:t>romeo.txt</a:t>
+            </a:r>
+            <a:r>
+              <a:rPr lang="en-US" dirty="0">
+                <a:latin typeface="Courier New" panose="02070309020205020404" pitchFamily="49" charset="0"/>
+                <a:cs typeface="Courier New" panose="02070309020205020404" pitchFamily="49" charset="0"/>
+              </a:rPr>
+              <a:t>", "r");</a:t>
+            </a:r>
+          </a:p>
+          <a:p>
+            <a:r>
+              <a:rPr lang="en-US" dirty="0">
+                <a:latin typeface="Courier New" panose="02070309020205020404" pitchFamily="49" charset="0"/>
+                <a:cs typeface="Courier New" panose="02070309020205020404" pitchFamily="49" charset="0"/>
+              </a:rPr>
+              <a:t>    while( </a:t>
             </a:r>
             <a:r>
               <a:rPr lang="en-US" dirty="0" err="1">
                 <a:latin typeface="Courier New" panose="02070309020205020404" pitchFamily="49" charset="0"/>
                 <a:cs typeface="Courier New" panose="02070309020205020404" pitchFamily="49" charset="0"/>
               </a:rPr>
-              <a:t>mymult</a:t>
-            </a:r>
-            <a:r>
-              <a:rPr lang="en-US" dirty="0">
-                <a:latin typeface="Courier New" panose="02070309020205020404" pitchFamily="49" charset="0"/>
-                <a:cs typeface="Courier New" panose="02070309020205020404" pitchFamily="49" charset="0"/>
-              </a:rPr>
-              <a:t>(6,7);</a:t>
-            </a:r>
-          </a:p>
-          <a:p>
-            <a:r>
-              <a:rPr lang="en-US" dirty="0">
-                <a:latin typeface="Courier New" panose="02070309020205020404" pitchFamily="49" charset="0"/>
-                <a:cs typeface="Courier New" panose="02070309020205020404" pitchFamily="49" charset="0"/>
-              </a:rPr>
-              <a:t>    </a:t>
+              <a:t>fgets</a:t>
+            </a:r>
+            <a:r>
+              <a:rPr lang="en-US" dirty="0">
+                <a:latin typeface="Courier New" panose="02070309020205020404" pitchFamily="49" charset="0"/>
+                <a:cs typeface="Courier New" panose="02070309020205020404" pitchFamily="49" charset="0"/>
+              </a:rPr>
+              <a:t>(line, 1000, hand) != NULL )</a:t>
+            </a:r>
+          </a:p>
+          <a:p>
+            <a:r>
+              <a:rPr lang="en-US" dirty="0">
+                <a:latin typeface="Courier New" panose="02070309020205020404" pitchFamily="49" charset="0"/>
+                <a:cs typeface="Courier New" panose="02070309020205020404" pitchFamily="49" charset="0"/>
+              </a:rPr>
+              <a:t>        for(</a:t>
             </a:r>
             <a:r>
               <a:rPr lang="en-US" dirty="0" err="1">
                 <a:latin typeface="Courier New" panose="02070309020205020404" pitchFamily="49" charset="0"/>
                 <a:cs typeface="Courier New" panose="02070309020205020404" pitchFamily="49" charset="0"/>
               </a:rPr>
-              <a:t>printf</a:t>
-            </a:r>
-            <a:r>
-              <a:rPr lang="en-US" dirty="0">
-                <a:latin typeface="Courier New" panose="02070309020205020404" pitchFamily="49" charset="0"/>
-                <a:cs typeface="Courier New" panose="02070309020205020404" pitchFamily="49" charset="0"/>
-              </a:rPr>
-              <a:t>("Answer: %d\n",</a:t>
+              <a:t>i</a:t>
+            </a:r>
+            <a:r>
+              <a:rPr lang="en-US" dirty="0">
+                <a:latin typeface="Courier New" panose="02070309020205020404" pitchFamily="49" charset="0"/>
+                <a:cs typeface="Courier New" panose="02070309020205020404" pitchFamily="49" charset="0"/>
+              </a:rPr>
+              <a:t>=0; </a:t>
             </a:r>
             <a:r>
               <a:rPr lang="en-US" dirty="0" err="1">
                 <a:latin typeface="Courier New" panose="02070309020205020404" pitchFamily="49" charset="0"/>
                 <a:cs typeface="Courier New" panose="02070309020205020404" pitchFamily="49" charset="0"/>
               </a:rPr>
-              <a:t>retval</a:t>
-            </a:r>
-            <a:r>
-              <a:rPr lang="en-US" dirty="0">
-                <a:latin typeface="Courier New" panose="02070309020205020404" pitchFamily="49" charset="0"/>
-                <a:cs typeface="Courier New" panose="02070309020205020404" pitchFamily="49" charset="0"/>
-              </a:rPr>
-              <a:t>);</a:t>
-            </a:r>
-          </a:p>
-          <a:p>
-            <a:r>
-              <a:rPr lang="en-US" dirty="0">
-                <a:latin typeface="Courier New" panose="02070309020205020404" pitchFamily="49" charset="0"/>
-                <a:cs typeface="Courier New" panose="02070309020205020404" pitchFamily="49" charset="0"/>
-              </a:rPr>
-              <a:t>}</a:t>
-            </a:r>
-          </a:p>
-          <a:p>
-            <a:endParaRPr lang="en-US" dirty="0">
-              <a:latin typeface="Courier New" panose="02070309020205020404" pitchFamily="49" charset="0"/>
-              <a:cs typeface="Courier New" panose="02070309020205020404" pitchFamily="49" charset="0"/>
-            </a:endParaRPr>
-          </a:p>
-          <a:p>
-            <a:r>
-              <a:rPr lang="en-US" dirty="0">
-                <a:latin typeface="Courier New" panose="02070309020205020404" pitchFamily="49" charset="0"/>
-                <a:cs typeface="Courier New" panose="02070309020205020404" pitchFamily="49" charset="0"/>
-              </a:rPr>
-              <a:t>int </a:t>
+              <a:t>i</a:t>
+            </a:r>
+            <a:r>
+              <a:rPr lang="en-US" dirty="0">
+                <a:latin typeface="Courier New" panose="02070309020205020404" pitchFamily="49" charset="0"/>
+                <a:cs typeface="Courier New" panose="02070309020205020404" pitchFamily="49" charset="0"/>
+              </a:rPr>
+              <a:t>&lt;</a:t>
             </a:r>
             <a:r>
               <a:rPr lang="en-US" dirty="0" err="1">
                 <a:latin typeface="Courier New" panose="02070309020205020404" pitchFamily="49" charset="0"/>
                 <a:cs typeface="Courier New" panose="02070309020205020404" pitchFamily="49" charset="0"/>
               </a:rPr>
-              <a:t>mymult</a:t>
-            </a:r>
-            <a:r>
-              <a:rPr lang="en-US" dirty="0">
-                <a:latin typeface="Courier New" panose="02070309020205020404" pitchFamily="49" charset="0"/>
-                <a:cs typeface="Courier New" panose="02070309020205020404" pitchFamily="49" charset="0"/>
-              </a:rPr>
-              <a:t>(a, b)</a:t>
-            </a:r>
-          </a:p>
-          <a:p>
-            <a:r>
-              <a:rPr lang="en-US" dirty="0">
-                <a:latin typeface="Courier New" panose="02070309020205020404" pitchFamily="49" charset="0"/>
-                <a:cs typeface="Courier New" panose="02070309020205020404" pitchFamily="49" charset="0"/>
-              </a:rPr>
-              <a:t>    int </a:t>
+              <a:t>strlen</a:t>
+            </a:r>
+            <a:r>
+              <a:rPr lang="en-US" dirty="0">
+                <a:latin typeface="Courier New" panose="02070309020205020404" pitchFamily="49" charset="0"/>
+                <a:cs typeface="Courier New" panose="02070309020205020404" pitchFamily="49" charset="0"/>
+              </a:rPr>
+              <a:t>(line); </a:t>
             </a:r>
             <a:r>
               <a:rPr lang="en-US" dirty="0" err="1">
                 <a:latin typeface="Courier New" panose="02070309020205020404" pitchFamily="49" charset="0"/>
                 <a:cs typeface="Courier New" panose="02070309020205020404" pitchFamily="49" charset="0"/>
               </a:rPr>
-              <a:t>a,b</a:t>
-            </a:r>
-            <a:r>
-              <a:rPr lang="en-US" dirty="0">
-                <a:latin typeface="Courier New" panose="02070309020205020404" pitchFamily="49" charset="0"/>
-                <a:cs typeface="Courier New" panose="02070309020205020404" pitchFamily="49" charset="0"/>
-              </a:rPr>
-              <a:t>;</a:t>
-            </a:r>
-          </a:p>
-          <a:p>
-            <a:r>
-              <a:rPr lang="en-US" dirty="0">
-                <a:latin typeface="Courier New" panose="02070309020205020404" pitchFamily="49" charset="0"/>
-                <a:cs typeface="Courier New" panose="02070309020205020404" pitchFamily="49" charset="0"/>
-              </a:rPr>
-              <a:t>{</a:t>
-            </a:r>
-          </a:p>
-          <a:p>
-            <a:r>
-              <a:rPr lang="en-US" dirty="0">
-                <a:latin typeface="Courier New" panose="02070309020205020404" pitchFamily="49" charset="0"/>
-                <a:cs typeface="Courier New" panose="02070309020205020404" pitchFamily="49" charset="0"/>
-              </a:rPr>
-              <a:t>    int c = a * b;</a:t>
-            </a:r>
-          </a:p>
-          <a:p>
-            <a:r>
-              <a:rPr lang="en-US" dirty="0">
-                <a:latin typeface="Courier New" panose="02070309020205020404" pitchFamily="49" charset="0"/>
-                <a:cs typeface="Courier New" panose="02070309020205020404" pitchFamily="49" charset="0"/>
-              </a:rPr>
-              <a:t>    return c;</a:t>
+              <a:t>i</a:t>
+            </a:r>
+            <a:r>
+              <a:rPr lang="en-US" dirty="0">
+                <a:latin typeface="Courier New" panose="02070309020205020404" pitchFamily="49" charset="0"/>
+                <a:cs typeface="Courier New" panose="02070309020205020404" pitchFamily="49" charset="0"/>
+              </a:rPr>
+              <a:t>++) </a:t>
+            </a:r>
+          </a:p>
+          <a:p>
+            <a:r>
+              <a:rPr lang="en-US" dirty="0">
+                <a:latin typeface="Courier New" panose="02070309020205020404" pitchFamily="49" charset="0"/>
+                <a:cs typeface="Courier New" panose="02070309020205020404" pitchFamily="49" charset="0"/>
+              </a:rPr>
+              <a:t>            </a:t>
+            </a:r>
+            <a:r>
+              <a:rPr lang="en-US" dirty="0" err="1">
+                <a:latin typeface="Courier New" panose="02070309020205020404" pitchFamily="49" charset="0"/>
+                <a:cs typeface="Courier New" panose="02070309020205020404" pitchFamily="49" charset="0"/>
+              </a:rPr>
+              <a:t>putchar</a:t>
+            </a:r>
+            <a:r>
+              <a:rPr lang="en-US" dirty="0">
+                <a:latin typeface="Courier New" panose="02070309020205020404" pitchFamily="49" charset="0"/>
+                <a:cs typeface="Courier New" panose="02070309020205020404" pitchFamily="49" charset="0"/>
+              </a:rPr>
+              <a:t>(</a:t>
+            </a:r>
+            <a:r>
+              <a:rPr lang="en-US" dirty="0" err="1">
+                <a:latin typeface="Courier New" panose="02070309020205020404" pitchFamily="49" charset="0"/>
+                <a:cs typeface="Courier New" panose="02070309020205020404" pitchFamily="49" charset="0"/>
+              </a:rPr>
+              <a:t>toupper</a:t>
+            </a:r>
+            <a:r>
+              <a:rPr lang="en-US" dirty="0">
+                <a:latin typeface="Courier New" panose="02070309020205020404" pitchFamily="49" charset="0"/>
+                <a:cs typeface="Courier New" panose="02070309020205020404" pitchFamily="49" charset="0"/>
+              </a:rPr>
+              <a:t>(line[</a:t>
+            </a:r>
+            <a:r>
+              <a:rPr lang="en-US" dirty="0" err="1">
+                <a:latin typeface="Courier New" panose="02070309020205020404" pitchFamily="49" charset="0"/>
+                <a:cs typeface="Courier New" panose="02070309020205020404" pitchFamily="49" charset="0"/>
+              </a:rPr>
+              <a:t>i</a:t>
+            </a:r>
+            <a:r>
+              <a:rPr lang="en-US" dirty="0">
+                <a:latin typeface="Courier New" panose="02070309020205020404" pitchFamily="49" charset="0"/>
+                <a:cs typeface="Courier New" panose="02070309020205020404" pitchFamily="49" charset="0"/>
+              </a:rPr>
+              <a:t>]));</a:t>
             </a:r>
           </a:p>
           <a:p>
@@ -11895,8 +11749,8 @@
         </p:nvSpPr>
         <p:spPr>
           <a:xfrm>
-            <a:off x="1485768" y="4570934"/>
-            <a:ext cx="1563248" cy="369332"/>
+            <a:off x="2432883" y="4783747"/>
+            <a:ext cx="6801862" cy="1200329"/>
           </a:xfrm>
           <a:prstGeom prst="rect">
             <a:avLst/>
@@ -11913,17 +11767,41 @@
               <a:rPr lang="en-US" dirty="0">
                 <a:latin typeface="Monaco" pitchFamily="2" charset="77"/>
               </a:rPr>
-              <a:t>Answer: 42</a:t>
-            </a:r>
-          </a:p>
-        </p:txBody>
-      </p:sp>
-      <p:sp>
-        <p:nvSpPr>
-          <p:cNvPr id="8" name="TextBox 7">
-            <a:extLst>
-              <a:ext uri="{FF2B5EF4-FFF2-40B4-BE49-F238E27FC236}">
-                <a16:creationId xmlns:a16="http://schemas.microsoft.com/office/drawing/2014/main" id="{D56035B7-27F7-E969-9952-F807B645317D}"/>
+              <a:t>BUT SOFT WHAT LIGHT THROUGH YONDER WINDOW BREAKS</a:t>
+            </a:r>
+          </a:p>
+          <a:p>
+            <a:r>
+              <a:rPr lang="en-US" dirty="0">
+                <a:latin typeface="Monaco" pitchFamily="2" charset="77"/>
+              </a:rPr>
+              <a:t>IT IS THE EAST AND JULIET IS THE SUN</a:t>
+            </a:r>
+          </a:p>
+          <a:p>
+            <a:r>
+              <a:rPr lang="en-US" dirty="0">
+                <a:latin typeface="Monaco" pitchFamily="2" charset="77"/>
+              </a:rPr>
+              <a:t>ARISE FAIR SUN AND KILL THE ENVIOUS MOON</a:t>
+            </a:r>
+          </a:p>
+          <a:p>
+            <a:r>
+              <a:rPr lang="en-US" dirty="0">
+                <a:latin typeface="Monaco" pitchFamily="2" charset="77"/>
+              </a:rPr>
+              <a:t>WHO IS ALREADY SICK AND PALE WITH GRIEF</a:t>
+            </a:r>
+          </a:p>
+        </p:txBody>
+      </p:sp>
+      <p:sp>
+        <p:nvSpPr>
+          <p:cNvPr id="9" name="TextBox 8">
+            <a:extLst>
+              <a:ext uri="{FF2B5EF4-FFF2-40B4-BE49-F238E27FC236}">
+                <a16:creationId xmlns:a16="http://schemas.microsoft.com/office/drawing/2014/main" id="{C880686D-54E3-5C35-770B-778EBE0D0537}"/>
               </a:ext>
             </a:extLst>
           </p:cNvPr>
@@ -11932,8 +11810,8 @@
         </p:nvSpPr>
         <p:spPr>
           <a:xfrm>
-            <a:off x="10647218" y="6323598"/>
-            <a:ext cx="1413163" cy="338554"/>
+            <a:off x="10460182" y="6323598"/>
+            <a:ext cx="1600199" cy="338554"/>
           </a:xfrm>
           <a:prstGeom prst="rect">
             <a:avLst/>
@@ -11954,7 +11832,7 @@
                 <a:effectLst/>
                 <a:latin typeface="Menlo" panose="020B0609030804020204" pitchFamily="49" charset="0"/>
               </a:rPr>
-              <a:t>cc_02_10.c</a:t>
+              <a:t>cc_02_11.c</a:t>
             </a:r>
           </a:p>
         </p:txBody>
@@ -11962,7 +11840,7 @@
     </p:spTree>
     <p:extLst>
       <p:ext uri="{BB962C8B-B14F-4D97-AF65-F5344CB8AC3E}">
-        <p14:creationId xmlns:p14="http://schemas.microsoft.com/office/powerpoint/2010/main" val="3765195409"/>
+        <p14:creationId xmlns:p14="http://schemas.microsoft.com/office/powerpoint/2010/main" val="1459537303"/>
       </p:ext>
     </p:extLst>
   </p:cSld>
@@ -11991,10 +11869,10 @@
       </p:grpSpPr>
       <p:sp>
         <p:nvSpPr>
-          <p:cNvPr id="4" name="Title 3">
-            <a:extLst>
-              <a:ext uri="{FF2B5EF4-FFF2-40B4-BE49-F238E27FC236}">
-                <a16:creationId xmlns:a16="http://schemas.microsoft.com/office/drawing/2014/main" id="{C2B508E1-B5B9-9A0B-37F0-15F2BB303BFA}"/>
+          <p:cNvPr id="3" name="Title 2">
+            <a:extLst>
+              <a:ext uri="{FF2B5EF4-FFF2-40B4-BE49-F238E27FC236}">
+                <a16:creationId xmlns:a16="http://schemas.microsoft.com/office/drawing/2014/main" id="{26D5DF8A-3D98-DC7E-85E8-EAC7EDC57520}"/>
               </a:ext>
             </a:extLst>
           </p:cNvPr>
@@ -12012,3520 +11890,6 @@
           <a:p>
             <a:r>
               <a:rPr lang="en-US" dirty="0"/>
-              <a:t>Shouting</a:t>
-            </a:r>
-          </a:p>
-        </p:txBody>
-      </p:sp>
-      <p:sp>
-        <p:nvSpPr>
-          <p:cNvPr id="5" name="TextBox 4">
-            <a:extLst>
-              <a:ext uri="{FF2B5EF4-FFF2-40B4-BE49-F238E27FC236}">
-                <a16:creationId xmlns:a16="http://schemas.microsoft.com/office/drawing/2014/main" id="{FDC36094-8775-EBE3-1FED-6DF8907EC500}"/>
-              </a:ext>
-            </a:extLst>
-          </p:cNvPr>
-          <p:cNvSpPr txBox="1"/>
-          <p:nvPr/>
-        </p:nvSpPr>
-        <p:spPr>
-          <a:xfrm>
-            <a:off x="954156" y="2172500"/>
-            <a:ext cx="4458272" cy="923330"/>
-          </a:xfrm>
-          <a:prstGeom prst="rect">
-            <a:avLst/>
-          </a:prstGeom>
-          <a:noFill/>
-        </p:spPr>
-        <p:txBody>
-          <a:bodyPr wrap="none" rtlCol="0">
-            <a:spAutoFit/>
-          </a:bodyPr>
-          <a:lstStyle/>
-          <a:p>
-            <a:r>
-              <a:rPr lang="en-US" dirty="0">
-                <a:latin typeface="Courier New" panose="02070309020205020404" pitchFamily="49" charset="0"/>
-                <a:cs typeface="Courier New" panose="02070309020205020404" pitchFamily="49" charset="0"/>
-              </a:rPr>
-              <a:t>hand = open('</a:t>
-            </a:r>
-            <a:r>
-              <a:rPr lang="en-US" dirty="0" err="1">
-                <a:latin typeface="Courier New" panose="02070309020205020404" pitchFamily="49" charset="0"/>
-                <a:cs typeface="Courier New" panose="02070309020205020404" pitchFamily="49" charset="0"/>
-              </a:rPr>
-              <a:t>romeo.txt</a:t>
-            </a:r>
-            <a:r>
-              <a:rPr lang="en-US" dirty="0">
-                <a:latin typeface="Courier New" panose="02070309020205020404" pitchFamily="49" charset="0"/>
-                <a:cs typeface="Courier New" panose="02070309020205020404" pitchFamily="49" charset="0"/>
-              </a:rPr>
-              <a:t>')</a:t>
-            </a:r>
-          </a:p>
-          <a:p>
-            <a:r>
-              <a:rPr lang="en-US" dirty="0">
-                <a:latin typeface="Courier New" panose="02070309020205020404" pitchFamily="49" charset="0"/>
-                <a:cs typeface="Courier New" panose="02070309020205020404" pitchFamily="49" charset="0"/>
-              </a:rPr>
-              <a:t>for line in hand:</a:t>
-            </a:r>
-          </a:p>
-          <a:p>
-            <a:r>
-              <a:rPr lang="en-US" dirty="0">
-                <a:latin typeface="Courier New" panose="02070309020205020404" pitchFamily="49" charset="0"/>
-                <a:cs typeface="Courier New" panose="02070309020205020404" pitchFamily="49" charset="0"/>
-              </a:rPr>
-              <a:t>    print(</a:t>
-            </a:r>
-            <a:r>
-              <a:rPr lang="en-US" dirty="0" err="1">
-                <a:latin typeface="Courier New" panose="02070309020205020404" pitchFamily="49" charset="0"/>
-                <a:cs typeface="Courier New" panose="02070309020205020404" pitchFamily="49" charset="0"/>
-              </a:rPr>
-              <a:t>line.strip</a:t>
-            </a:r>
-            <a:r>
-              <a:rPr lang="en-US" dirty="0">
-                <a:latin typeface="Courier New" panose="02070309020205020404" pitchFamily="49" charset="0"/>
-                <a:cs typeface="Courier New" panose="02070309020205020404" pitchFamily="49" charset="0"/>
-              </a:rPr>
-              <a:t>().upper())</a:t>
-            </a:r>
-          </a:p>
-        </p:txBody>
-      </p:sp>
-      <p:sp>
-        <p:nvSpPr>
-          <p:cNvPr id="6" name="TextBox 5">
-            <a:extLst>
-              <a:ext uri="{FF2B5EF4-FFF2-40B4-BE49-F238E27FC236}">
-                <a16:creationId xmlns:a16="http://schemas.microsoft.com/office/drawing/2014/main" id="{C004B7C8-BBD4-1EE7-3894-3C801D6DC253}"/>
-              </a:ext>
-            </a:extLst>
-          </p:cNvPr>
-          <p:cNvSpPr txBox="1"/>
-          <p:nvPr/>
-        </p:nvSpPr>
-        <p:spPr>
-          <a:xfrm>
-            <a:off x="5833814" y="1027906"/>
-            <a:ext cx="6250429" cy="3416320"/>
-          </a:xfrm>
-          <a:prstGeom prst="rect">
-            <a:avLst/>
-          </a:prstGeom>
-          <a:noFill/>
-        </p:spPr>
-        <p:txBody>
-          <a:bodyPr wrap="none" rtlCol="0">
-            <a:spAutoFit/>
-          </a:bodyPr>
-          <a:lstStyle/>
-          <a:p>
-            <a:r>
-              <a:rPr lang="en-US" dirty="0">
-                <a:latin typeface="Courier New" panose="02070309020205020404" pitchFamily="49" charset="0"/>
-                <a:cs typeface="Courier New" panose="02070309020205020404" pitchFamily="49" charset="0"/>
-              </a:rPr>
-              <a:t>#include &lt;</a:t>
-            </a:r>
-            <a:r>
-              <a:rPr lang="en-US" dirty="0" err="1">
-                <a:latin typeface="Courier New" panose="02070309020205020404" pitchFamily="49" charset="0"/>
-                <a:cs typeface="Courier New" panose="02070309020205020404" pitchFamily="49" charset="0"/>
-              </a:rPr>
-              <a:t>stdio.h</a:t>
-            </a:r>
-            <a:r>
-              <a:rPr lang="en-US" dirty="0">
-                <a:latin typeface="Courier New" panose="02070309020205020404" pitchFamily="49" charset="0"/>
-                <a:cs typeface="Courier New" panose="02070309020205020404" pitchFamily="49" charset="0"/>
-              </a:rPr>
-              <a:t>&gt;</a:t>
-            </a:r>
-          </a:p>
-          <a:p>
-            <a:r>
-              <a:rPr lang="en-US" dirty="0">
-                <a:latin typeface="Courier New" panose="02070309020205020404" pitchFamily="49" charset="0"/>
-                <a:cs typeface="Courier New" panose="02070309020205020404" pitchFamily="49" charset="0"/>
-              </a:rPr>
-              <a:t>#include &lt;</a:t>
-            </a:r>
-            <a:r>
-              <a:rPr lang="en-US" dirty="0" err="1">
-                <a:latin typeface="Courier New" panose="02070309020205020404" pitchFamily="49" charset="0"/>
-                <a:cs typeface="Courier New" panose="02070309020205020404" pitchFamily="49" charset="0"/>
-              </a:rPr>
-              <a:t>string.h</a:t>
-            </a:r>
-            <a:r>
-              <a:rPr lang="en-US" dirty="0">
-                <a:latin typeface="Courier New" panose="02070309020205020404" pitchFamily="49" charset="0"/>
-                <a:cs typeface="Courier New" panose="02070309020205020404" pitchFamily="49" charset="0"/>
-              </a:rPr>
-              <a:t>&gt;</a:t>
-            </a:r>
-          </a:p>
-          <a:p>
-            <a:r>
-              <a:rPr lang="en-US" dirty="0">
-                <a:latin typeface="Courier New" panose="02070309020205020404" pitchFamily="49" charset="0"/>
-                <a:cs typeface="Courier New" panose="02070309020205020404" pitchFamily="49" charset="0"/>
-              </a:rPr>
-              <a:t>#include &lt;</a:t>
-            </a:r>
-            <a:r>
-              <a:rPr lang="en-US" dirty="0" err="1">
-                <a:latin typeface="Courier New" panose="02070309020205020404" pitchFamily="49" charset="0"/>
-                <a:cs typeface="Courier New" panose="02070309020205020404" pitchFamily="49" charset="0"/>
-              </a:rPr>
-              <a:t>ctype.h</a:t>
-            </a:r>
-            <a:r>
-              <a:rPr lang="en-US" dirty="0">
-                <a:latin typeface="Courier New" panose="02070309020205020404" pitchFamily="49" charset="0"/>
-                <a:cs typeface="Courier New" panose="02070309020205020404" pitchFamily="49" charset="0"/>
-              </a:rPr>
-              <a:t>&gt;</a:t>
-            </a:r>
-          </a:p>
-          <a:p>
-            <a:r>
-              <a:rPr lang="en-US" dirty="0">
-                <a:latin typeface="Courier New" panose="02070309020205020404" pitchFamily="49" charset="0"/>
-                <a:cs typeface="Courier New" panose="02070309020205020404" pitchFamily="49" charset="0"/>
-              </a:rPr>
-              <a:t>int main() {</a:t>
-            </a:r>
-          </a:p>
-          <a:p>
-            <a:r>
-              <a:rPr lang="en-US" dirty="0">
-                <a:latin typeface="Courier New" panose="02070309020205020404" pitchFamily="49" charset="0"/>
-                <a:cs typeface="Courier New" panose="02070309020205020404" pitchFamily="49" charset="0"/>
-              </a:rPr>
-              <a:t>    char line[1000];</a:t>
-            </a:r>
-          </a:p>
-          <a:p>
-            <a:r>
-              <a:rPr lang="en-US" dirty="0">
-                <a:latin typeface="Courier New" panose="02070309020205020404" pitchFamily="49" charset="0"/>
-                <a:cs typeface="Courier New" panose="02070309020205020404" pitchFamily="49" charset="0"/>
-              </a:rPr>
-              <a:t>    FILE *hand;</a:t>
-            </a:r>
-          </a:p>
-          <a:p>
-            <a:r>
-              <a:rPr lang="en-US" dirty="0">
-                <a:latin typeface="Courier New" panose="02070309020205020404" pitchFamily="49" charset="0"/>
-                <a:cs typeface="Courier New" panose="02070309020205020404" pitchFamily="49" charset="0"/>
-              </a:rPr>
-              <a:t>    int </a:t>
-            </a:r>
-            <a:r>
-              <a:rPr lang="en-US" dirty="0" err="1">
-                <a:latin typeface="Courier New" panose="02070309020205020404" pitchFamily="49" charset="0"/>
-                <a:cs typeface="Courier New" panose="02070309020205020404" pitchFamily="49" charset="0"/>
-              </a:rPr>
-              <a:t>i</a:t>
-            </a:r>
-            <a:r>
-              <a:rPr lang="en-US" dirty="0">
-                <a:latin typeface="Courier New" panose="02070309020205020404" pitchFamily="49" charset="0"/>
-                <a:cs typeface="Courier New" panose="02070309020205020404" pitchFamily="49" charset="0"/>
-              </a:rPr>
-              <a:t>; </a:t>
-            </a:r>
-          </a:p>
-          <a:p>
-            <a:r>
-              <a:rPr lang="en-US" dirty="0">
-                <a:latin typeface="Courier New" panose="02070309020205020404" pitchFamily="49" charset="0"/>
-                <a:cs typeface="Courier New" panose="02070309020205020404" pitchFamily="49" charset="0"/>
-              </a:rPr>
-              <a:t>    hand = </a:t>
-            </a:r>
-            <a:r>
-              <a:rPr lang="en-US" dirty="0" err="1">
-                <a:latin typeface="Courier New" panose="02070309020205020404" pitchFamily="49" charset="0"/>
-                <a:cs typeface="Courier New" panose="02070309020205020404" pitchFamily="49" charset="0"/>
-              </a:rPr>
-              <a:t>fopen</a:t>
-            </a:r>
-            <a:r>
-              <a:rPr lang="en-US" dirty="0">
-                <a:latin typeface="Courier New" panose="02070309020205020404" pitchFamily="49" charset="0"/>
-                <a:cs typeface="Courier New" panose="02070309020205020404" pitchFamily="49" charset="0"/>
-              </a:rPr>
-              <a:t>("</a:t>
-            </a:r>
-            <a:r>
-              <a:rPr lang="en-US" dirty="0" err="1">
-                <a:latin typeface="Courier New" panose="02070309020205020404" pitchFamily="49" charset="0"/>
-                <a:cs typeface="Courier New" panose="02070309020205020404" pitchFamily="49" charset="0"/>
-              </a:rPr>
-              <a:t>romeo.txt</a:t>
-            </a:r>
-            <a:r>
-              <a:rPr lang="en-US" dirty="0">
-                <a:latin typeface="Courier New" panose="02070309020205020404" pitchFamily="49" charset="0"/>
-                <a:cs typeface="Courier New" panose="02070309020205020404" pitchFamily="49" charset="0"/>
-              </a:rPr>
-              <a:t>", "r");</a:t>
-            </a:r>
-          </a:p>
-          <a:p>
-            <a:r>
-              <a:rPr lang="en-US" dirty="0">
-                <a:latin typeface="Courier New" panose="02070309020205020404" pitchFamily="49" charset="0"/>
-                <a:cs typeface="Courier New" panose="02070309020205020404" pitchFamily="49" charset="0"/>
-              </a:rPr>
-              <a:t>    while( </a:t>
-            </a:r>
-            <a:r>
-              <a:rPr lang="en-US" dirty="0" err="1">
-                <a:latin typeface="Courier New" panose="02070309020205020404" pitchFamily="49" charset="0"/>
-                <a:cs typeface="Courier New" panose="02070309020205020404" pitchFamily="49" charset="0"/>
-              </a:rPr>
-              <a:t>fgets</a:t>
-            </a:r>
-            <a:r>
-              <a:rPr lang="en-US" dirty="0">
-                <a:latin typeface="Courier New" panose="02070309020205020404" pitchFamily="49" charset="0"/>
-                <a:cs typeface="Courier New" panose="02070309020205020404" pitchFamily="49" charset="0"/>
-              </a:rPr>
-              <a:t>(line, 1000, hand) != NULL )</a:t>
-            </a:r>
-          </a:p>
-          <a:p>
-            <a:r>
-              <a:rPr lang="en-US" dirty="0">
-                <a:latin typeface="Courier New" panose="02070309020205020404" pitchFamily="49" charset="0"/>
-                <a:cs typeface="Courier New" panose="02070309020205020404" pitchFamily="49" charset="0"/>
-              </a:rPr>
-              <a:t>        for(</a:t>
-            </a:r>
-            <a:r>
-              <a:rPr lang="en-US" dirty="0" err="1">
-                <a:latin typeface="Courier New" panose="02070309020205020404" pitchFamily="49" charset="0"/>
-                <a:cs typeface="Courier New" panose="02070309020205020404" pitchFamily="49" charset="0"/>
-              </a:rPr>
-              <a:t>i</a:t>
-            </a:r>
-            <a:r>
-              <a:rPr lang="en-US" dirty="0">
-                <a:latin typeface="Courier New" panose="02070309020205020404" pitchFamily="49" charset="0"/>
-                <a:cs typeface="Courier New" panose="02070309020205020404" pitchFamily="49" charset="0"/>
-              </a:rPr>
-              <a:t>=0; </a:t>
-            </a:r>
-            <a:r>
-              <a:rPr lang="en-US" dirty="0" err="1">
-                <a:latin typeface="Courier New" panose="02070309020205020404" pitchFamily="49" charset="0"/>
-                <a:cs typeface="Courier New" panose="02070309020205020404" pitchFamily="49" charset="0"/>
-              </a:rPr>
-              <a:t>i</a:t>
-            </a:r>
-            <a:r>
-              <a:rPr lang="en-US" dirty="0">
-                <a:latin typeface="Courier New" panose="02070309020205020404" pitchFamily="49" charset="0"/>
-                <a:cs typeface="Courier New" panose="02070309020205020404" pitchFamily="49" charset="0"/>
-              </a:rPr>
-              <a:t>&lt;</a:t>
-            </a:r>
-            <a:r>
-              <a:rPr lang="en-US" dirty="0" err="1">
-                <a:latin typeface="Courier New" panose="02070309020205020404" pitchFamily="49" charset="0"/>
-                <a:cs typeface="Courier New" panose="02070309020205020404" pitchFamily="49" charset="0"/>
-              </a:rPr>
-              <a:t>strlen</a:t>
-            </a:r>
-            <a:r>
-              <a:rPr lang="en-US" dirty="0">
-                <a:latin typeface="Courier New" panose="02070309020205020404" pitchFamily="49" charset="0"/>
-                <a:cs typeface="Courier New" panose="02070309020205020404" pitchFamily="49" charset="0"/>
-              </a:rPr>
-              <a:t>(line); </a:t>
-            </a:r>
-            <a:r>
-              <a:rPr lang="en-US" dirty="0" err="1">
-                <a:latin typeface="Courier New" panose="02070309020205020404" pitchFamily="49" charset="0"/>
-                <a:cs typeface="Courier New" panose="02070309020205020404" pitchFamily="49" charset="0"/>
-              </a:rPr>
-              <a:t>i</a:t>
-            </a:r>
-            <a:r>
-              <a:rPr lang="en-US" dirty="0">
-                <a:latin typeface="Courier New" panose="02070309020205020404" pitchFamily="49" charset="0"/>
-                <a:cs typeface="Courier New" panose="02070309020205020404" pitchFamily="49" charset="0"/>
-              </a:rPr>
-              <a:t>++) </a:t>
-            </a:r>
-          </a:p>
-          <a:p>
-            <a:r>
-              <a:rPr lang="en-US" dirty="0">
-                <a:latin typeface="Courier New" panose="02070309020205020404" pitchFamily="49" charset="0"/>
-                <a:cs typeface="Courier New" panose="02070309020205020404" pitchFamily="49" charset="0"/>
-              </a:rPr>
-              <a:t>            </a:t>
-            </a:r>
-            <a:r>
-              <a:rPr lang="en-US" dirty="0" err="1">
-                <a:latin typeface="Courier New" panose="02070309020205020404" pitchFamily="49" charset="0"/>
-                <a:cs typeface="Courier New" panose="02070309020205020404" pitchFamily="49" charset="0"/>
-              </a:rPr>
-              <a:t>putchar</a:t>
-            </a:r>
-            <a:r>
-              <a:rPr lang="en-US" dirty="0">
-                <a:latin typeface="Courier New" panose="02070309020205020404" pitchFamily="49" charset="0"/>
-                <a:cs typeface="Courier New" panose="02070309020205020404" pitchFamily="49" charset="0"/>
-              </a:rPr>
-              <a:t>(</a:t>
-            </a:r>
-            <a:r>
-              <a:rPr lang="en-US" dirty="0" err="1">
-                <a:latin typeface="Courier New" panose="02070309020205020404" pitchFamily="49" charset="0"/>
-                <a:cs typeface="Courier New" panose="02070309020205020404" pitchFamily="49" charset="0"/>
-              </a:rPr>
-              <a:t>toupper</a:t>
-            </a:r>
-            <a:r>
-              <a:rPr lang="en-US" dirty="0">
-                <a:latin typeface="Courier New" panose="02070309020205020404" pitchFamily="49" charset="0"/>
-                <a:cs typeface="Courier New" panose="02070309020205020404" pitchFamily="49" charset="0"/>
-              </a:rPr>
-              <a:t>(line[</a:t>
-            </a:r>
-            <a:r>
-              <a:rPr lang="en-US" dirty="0" err="1">
-                <a:latin typeface="Courier New" panose="02070309020205020404" pitchFamily="49" charset="0"/>
-                <a:cs typeface="Courier New" panose="02070309020205020404" pitchFamily="49" charset="0"/>
-              </a:rPr>
-              <a:t>i</a:t>
-            </a:r>
-            <a:r>
-              <a:rPr lang="en-US" dirty="0">
-                <a:latin typeface="Courier New" panose="02070309020205020404" pitchFamily="49" charset="0"/>
-                <a:cs typeface="Courier New" panose="02070309020205020404" pitchFamily="49" charset="0"/>
-              </a:rPr>
-              <a:t>]));</a:t>
-            </a:r>
-          </a:p>
-          <a:p>
-            <a:r>
-              <a:rPr lang="en-US" dirty="0">
-                <a:latin typeface="Courier New" panose="02070309020205020404" pitchFamily="49" charset="0"/>
-                <a:cs typeface="Courier New" panose="02070309020205020404" pitchFamily="49" charset="0"/>
-              </a:rPr>
-              <a:t>}</a:t>
-            </a:r>
-          </a:p>
-        </p:txBody>
-      </p:sp>
-      <p:sp>
-        <p:nvSpPr>
-          <p:cNvPr id="7" name="TextBox 6">
-            <a:extLst>
-              <a:ext uri="{FF2B5EF4-FFF2-40B4-BE49-F238E27FC236}">
-                <a16:creationId xmlns:a16="http://schemas.microsoft.com/office/drawing/2014/main" id="{03B4458A-37BA-02AB-CE8C-B288D36FE6BF}"/>
-              </a:ext>
-            </a:extLst>
-          </p:cNvPr>
-          <p:cNvSpPr txBox="1"/>
-          <p:nvPr/>
-        </p:nvSpPr>
-        <p:spPr>
-          <a:xfrm>
-            <a:off x="2432883" y="4783747"/>
-            <a:ext cx="6801862" cy="1200329"/>
-          </a:xfrm>
-          <a:prstGeom prst="rect">
-            <a:avLst/>
-          </a:prstGeom>
-          <a:noFill/>
-        </p:spPr>
-        <p:txBody>
-          <a:bodyPr wrap="none" rtlCol="0">
-            <a:spAutoFit/>
-          </a:bodyPr>
-          <a:lstStyle/>
-          <a:p>
-            <a:r>
-              <a:rPr lang="en-US" dirty="0">
-                <a:latin typeface="Monaco" pitchFamily="2" charset="77"/>
-              </a:rPr>
-              <a:t>BUT SOFT WHAT LIGHT THROUGH YONDER WINDOW BREAKS</a:t>
-            </a:r>
-          </a:p>
-          <a:p>
-            <a:r>
-              <a:rPr lang="en-US" dirty="0">
-                <a:latin typeface="Monaco" pitchFamily="2" charset="77"/>
-              </a:rPr>
-              <a:t>IT IS THE EAST AND JULIET IS THE SUN</a:t>
-            </a:r>
-          </a:p>
-          <a:p>
-            <a:r>
-              <a:rPr lang="en-US" dirty="0">
-                <a:latin typeface="Monaco" pitchFamily="2" charset="77"/>
-              </a:rPr>
-              <a:t>ARISE FAIR SUN AND KILL THE ENVIOUS MOON</a:t>
-            </a:r>
-          </a:p>
-          <a:p>
-            <a:r>
-              <a:rPr lang="en-US" dirty="0">
-                <a:latin typeface="Monaco" pitchFamily="2" charset="77"/>
-              </a:rPr>
-              <a:t>WHO IS ALREADY SICK AND PALE WITH GRIEF</a:t>
-            </a:r>
-          </a:p>
-        </p:txBody>
-      </p:sp>
-      <p:sp>
-        <p:nvSpPr>
-          <p:cNvPr id="9" name="TextBox 8">
-            <a:extLst>
-              <a:ext uri="{FF2B5EF4-FFF2-40B4-BE49-F238E27FC236}">
-                <a16:creationId xmlns:a16="http://schemas.microsoft.com/office/drawing/2014/main" id="{C880686D-54E3-5C35-770B-778EBE0D0537}"/>
-              </a:ext>
-            </a:extLst>
-          </p:cNvPr>
-          <p:cNvSpPr txBox="1"/>
-          <p:nvPr/>
-        </p:nvSpPr>
-        <p:spPr>
-          <a:xfrm>
-            <a:off x="10460182" y="6323598"/>
-            <a:ext cx="1600199" cy="338554"/>
-          </a:xfrm>
-          <a:prstGeom prst="rect">
-            <a:avLst/>
-          </a:prstGeom>
-          <a:noFill/>
-        </p:spPr>
-        <p:txBody>
-          <a:bodyPr wrap="square">
-            <a:spAutoFit/>
-          </a:bodyPr>
-          <a:lstStyle/>
-          <a:p>
-            <a:r>
-              <a:rPr lang="en-US" sz="1600" dirty="0">
-                <a:solidFill>
-                  <a:srgbClr val="000000"/>
-                </a:solidFill>
-                <a:effectLst/>
-                <a:latin typeface="Menlo" panose="020B0609030804020204" pitchFamily="49" charset="0"/>
-              </a:rPr>
-              <a:t>cc_02_11.c</a:t>
-            </a:r>
-          </a:p>
-        </p:txBody>
-      </p:sp>
-    </p:spTree>
-    <p:extLst>
-      <p:ext uri="{BB962C8B-B14F-4D97-AF65-F5344CB8AC3E}">
-        <p14:creationId xmlns:p14="http://schemas.microsoft.com/office/powerpoint/2010/main" val="1459537303"/>
-      </p:ext>
-    </p:extLst>
-  </p:cSld>
-  <p:clrMapOvr>
-    <a:masterClrMapping/>
-  </p:clrMapOvr>
-</p:sld>
-</file>
-
-<file path=ppt/slides/slide23.xml><?xml version="1.0" encoding="utf-8"?>
-<p:sld xmlns:a="http://schemas.openxmlformats.org/drawingml/2006/main" xmlns:r="http://schemas.openxmlformats.org/officeDocument/2006/relationships" xmlns:p="http://schemas.openxmlformats.org/presentationml/2006/main">
-  <p:cSld>
-    <p:spTree>
-      <p:nvGrpSpPr>
-        <p:cNvPr id="1" name=""/>
-        <p:cNvGrpSpPr/>
-        <p:nvPr/>
-      </p:nvGrpSpPr>
-      <p:grpSpPr>
-        <a:xfrm>
-          <a:off x="0" y="0"/>
-          <a:ext cx="0" cy="0"/>
-          <a:chOff x="0" y="0"/>
-          <a:chExt cx="0" cy="0"/>
-        </a:xfrm>
-      </p:grpSpPr>
-      <p:sp>
-        <p:nvSpPr>
-          <p:cNvPr id="4" name="Title 3">
-            <a:extLst>
-              <a:ext uri="{FF2B5EF4-FFF2-40B4-BE49-F238E27FC236}">
-                <a16:creationId xmlns:a16="http://schemas.microsoft.com/office/drawing/2014/main" id="{C2B508E1-B5B9-9A0B-37F0-15F2BB303BFA}"/>
-              </a:ext>
-            </a:extLst>
-          </p:cNvPr>
-          <p:cNvSpPr>
-            <a:spLocks noGrp="1"/>
-          </p:cNvSpPr>
-          <p:nvPr>
-            <p:ph type="title"/>
-          </p:nvPr>
-        </p:nvSpPr>
-        <p:spPr/>
-        <p:txBody>
-          <a:bodyPr/>
-          <a:lstStyle/>
-          <a:p>
-            <a:r>
-              <a:rPr lang="en-US" dirty="0"/>
-              <a:t>Concatenation</a:t>
-            </a:r>
-          </a:p>
-        </p:txBody>
-      </p:sp>
-      <p:sp>
-        <p:nvSpPr>
-          <p:cNvPr id="5" name="TextBox 4">
-            <a:extLst>
-              <a:ext uri="{FF2B5EF4-FFF2-40B4-BE49-F238E27FC236}">
-                <a16:creationId xmlns:a16="http://schemas.microsoft.com/office/drawing/2014/main" id="{FDC36094-8775-EBE3-1FED-6DF8907EC500}"/>
-              </a:ext>
-            </a:extLst>
-          </p:cNvPr>
-          <p:cNvSpPr txBox="1"/>
-          <p:nvPr/>
-        </p:nvSpPr>
-        <p:spPr>
-          <a:xfrm>
-            <a:off x="838200" y="2577706"/>
-            <a:ext cx="4182555" cy="1200329"/>
-          </a:xfrm>
-          <a:prstGeom prst="rect">
-            <a:avLst/>
-          </a:prstGeom>
-          <a:noFill/>
-        </p:spPr>
-        <p:txBody>
-          <a:bodyPr wrap="none" rtlCol="0">
-            <a:spAutoFit/>
-          </a:bodyPr>
-          <a:lstStyle/>
-          <a:p>
-            <a:r>
-              <a:rPr lang="en-US" dirty="0">
-                <a:latin typeface="Courier New" panose="02070309020205020404" pitchFamily="49" charset="0"/>
-                <a:cs typeface="Courier New" panose="02070309020205020404" pitchFamily="49" charset="0"/>
-              </a:rPr>
-              <a:t>print('Enter two strings');</a:t>
-            </a:r>
-          </a:p>
-          <a:p>
-            <a:r>
-              <a:rPr lang="en-US" dirty="0">
-                <a:latin typeface="Courier New" panose="02070309020205020404" pitchFamily="49" charset="0"/>
-                <a:cs typeface="Courier New" panose="02070309020205020404" pitchFamily="49" charset="0"/>
-              </a:rPr>
-              <a:t>first = input()</a:t>
-            </a:r>
-          </a:p>
-          <a:p>
-            <a:r>
-              <a:rPr lang="en-US" dirty="0">
-                <a:latin typeface="Courier New" panose="02070309020205020404" pitchFamily="49" charset="0"/>
-                <a:cs typeface="Courier New" panose="02070309020205020404" pitchFamily="49" charset="0"/>
-              </a:rPr>
-              <a:t>second = input()</a:t>
-            </a:r>
-          </a:p>
-          <a:p>
-            <a:r>
-              <a:rPr lang="en-US" dirty="0">
-                <a:latin typeface="Courier New" panose="02070309020205020404" pitchFamily="49" charset="0"/>
-                <a:cs typeface="Courier New" panose="02070309020205020404" pitchFamily="49" charset="0"/>
-              </a:rPr>
-              <a:t>print(first + " &amp; " + second)</a:t>
-            </a:r>
-          </a:p>
-        </p:txBody>
-      </p:sp>
-      <p:sp>
-        <p:nvSpPr>
-          <p:cNvPr id="6" name="TextBox 5">
-            <a:extLst>
-              <a:ext uri="{FF2B5EF4-FFF2-40B4-BE49-F238E27FC236}">
-                <a16:creationId xmlns:a16="http://schemas.microsoft.com/office/drawing/2014/main" id="{C004B7C8-BBD4-1EE7-3894-3C801D6DC253}"/>
-              </a:ext>
-            </a:extLst>
-          </p:cNvPr>
-          <p:cNvSpPr txBox="1"/>
-          <p:nvPr/>
-        </p:nvSpPr>
-        <p:spPr>
-          <a:xfrm>
-            <a:off x="5665854" y="1367427"/>
-            <a:ext cx="6526146" cy="3416320"/>
-          </a:xfrm>
-          <a:prstGeom prst="rect">
-            <a:avLst/>
-          </a:prstGeom>
-          <a:noFill/>
-        </p:spPr>
-        <p:txBody>
-          <a:bodyPr wrap="none" rtlCol="0">
-            <a:spAutoFit/>
-          </a:bodyPr>
-          <a:lstStyle/>
-          <a:p>
-            <a:r>
-              <a:rPr lang="en-US" dirty="0">
-                <a:latin typeface="Courier New" panose="02070309020205020404" pitchFamily="49" charset="0"/>
-                <a:cs typeface="Courier New" panose="02070309020205020404" pitchFamily="49" charset="0"/>
-              </a:rPr>
-              <a:t>#include &lt;</a:t>
-            </a:r>
-            <a:r>
-              <a:rPr lang="en-US" dirty="0" err="1">
-                <a:latin typeface="Courier New" panose="02070309020205020404" pitchFamily="49" charset="0"/>
-                <a:cs typeface="Courier New" panose="02070309020205020404" pitchFamily="49" charset="0"/>
-              </a:rPr>
-              <a:t>stdio.h</a:t>
-            </a:r>
-            <a:r>
-              <a:rPr lang="en-US" dirty="0">
-                <a:latin typeface="Courier New" panose="02070309020205020404" pitchFamily="49" charset="0"/>
-                <a:cs typeface="Courier New" panose="02070309020205020404" pitchFamily="49" charset="0"/>
-              </a:rPr>
-              <a:t>&gt;</a:t>
-            </a:r>
-          </a:p>
-          <a:p>
-            <a:r>
-              <a:rPr lang="en-US" dirty="0">
-                <a:latin typeface="Courier New" panose="02070309020205020404" pitchFamily="49" charset="0"/>
-                <a:cs typeface="Courier New" panose="02070309020205020404" pitchFamily="49" charset="0"/>
-              </a:rPr>
-              <a:t>#include &lt;</a:t>
-            </a:r>
-            <a:r>
-              <a:rPr lang="en-US" dirty="0" err="1">
-                <a:latin typeface="Courier New" panose="02070309020205020404" pitchFamily="49" charset="0"/>
-                <a:cs typeface="Courier New" panose="02070309020205020404" pitchFamily="49" charset="0"/>
-              </a:rPr>
-              <a:t>string.h</a:t>
-            </a:r>
-            <a:r>
-              <a:rPr lang="en-US" dirty="0">
-                <a:latin typeface="Courier New" panose="02070309020205020404" pitchFamily="49" charset="0"/>
-                <a:cs typeface="Courier New" panose="02070309020205020404" pitchFamily="49" charset="0"/>
-              </a:rPr>
-              <a:t>&gt;</a:t>
-            </a:r>
-          </a:p>
-          <a:p>
-            <a:r>
-              <a:rPr lang="en-US" dirty="0">
-                <a:latin typeface="Courier New" panose="02070309020205020404" pitchFamily="49" charset="0"/>
-                <a:cs typeface="Courier New" panose="02070309020205020404" pitchFamily="49" charset="0"/>
-              </a:rPr>
-              <a:t>int main() {</a:t>
-            </a:r>
-          </a:p>
-          <a:p>
-            <a:r>
-              <a:rPr lang="en-US" dirty="0">
-                <a:latin typeface="Courier New" panose="02070309020205020404" pitchFamily="49" charset="0"/>
-                <a:cs typeface="Courier New" panose="02070309020205020404" pitchFamily="49" charset="0"/>
-              </a:rPr>
-              <a:t>    char first[100], second[100], </a:t>
-            </a:r>
-            <a:r>
-              <a:rPr lang="en-US" dirty="0" err="1">
-                <a:latin typeface="Courier New" panose="02070309020205020404" pitchFamily="49" charset="0"/>
-                <a:cs typeface="Courier New" panose="02070309020205020404" pitchFamily="49" charset="0"/>
-              </a:rPr>
-              <a:t>concat</a:t>
-            </a:r>
-            <a:r>
-              <a:rPr lang="en-US" dirty="0">
-                <a:latin typeface="Courier New" panose="02070309020205020404" pitchFamily="49" charset="0"/>
-                <a:cs typeface="Courier New" panose="02070309020205020404" pitchFamily="49" charset="0"/>
-              </a:rPr>
-              <a:t>[303];</a:t>
-            </a:r>
-          </a:p>
-          <a:p>
-            <a:r>
-              <a:rPr lang="en-US" dirty="0">
-                <a:latin typeface="Courier New" panose="02070309020205020404" pitchFamily="49" charset="0"/>
-                <a:cs typeface="Courier New" panose="02070309020205020404" pitchFamily="49" charset="0"/>
-              </a:rPr>
-              <a:t>    </a:t>
-            </a:r>
-            <a:r>
-              <a:rPr lang="en-US" dirty="0" err="1">
-                <a:latin typeface="Courier New" panose="02070309020205020404" pitchFamily="49" charset="0"/>
-                <a:cs typeface="Courier New" panose="02070309020205020404" pitchFamily="49" charset="0"/>
-              </a:rPr>
-              <a:t>printf</a:t>
-            </a:r>
-            <a:r>
-              <a:rPr lang="en-US" dirty="0">
-                <a:latin typeface="Courier New" panose="02070309020205020404" pitchFamily="49" charset="0"/>
-                <a:cs typeface="Courier New" panose="02070309020205020404" pitchFamily="49" charset="0"/>
-              </a:rPr>
-              <a:t>("Enter two strings\n");</a:t>
-            </a:r>
-          </a:p>
-          <a:p>
-            <a:r>
-              <a:rPr lang="en-US" dirty="0">
-                <a:latin typeface="Courier New" panose="02070309020205020404" pitchFamily="49" charset="0"/>
-                <a:cs typeface="Courier New" panose="02070309020205020404" pitchFamily="49" charset="0"/>
-              </a:rPr>
-              <a:t>    </a:t>
-            </a:r>
-            <a:r>
-              <a:rPr lang="en-US" dirty="0" err="1">
-                <a:latin typeface="Courier New" panose="02070309020205020404" pitchFamily="49" charset="0"/>
-                <a:cs typeface="Courier New" panose="02070309020205020404" pitchFamily="49" charset="0"/>
-              </a:rPr>
-              <a:t>scanf</a:t>
-            </a:r>
-            <a:r>
-              <a:rPr lang="en-US" dirty="0">
-                <a:latin typeface="Courier New" panose="02070309020205020404" pitchFamily="49" charset="0"/>
-                <a:cs typeface="Courier New" panose="02070309020205020404" pitchFamily="49" charset="0"/>
-              </a:rPr>
-              <a:t>("%100s", first);</a:t>
-            </a:r>
-          </a:p>
-          <a:p>
-            <a:r>
-              <a:rPr lang="en-US" dirty="0">
-                <a:latin typeface="Courier New" panose="02070309020205020404" pitchFamily="49" charset="0"/>
-                <a:cs typeface="Courier New" panose="02070309020205020404" pitchFamily="49" charset="0"/>
-              </a:rPr>
-              <a:t>    </a:t>
-            </a:r>
-            <a:r>
-              <a:rPr lang="en-US" dirty="0" err="1">
-                <a:latin typeface="Courier New" panose="02070309020205020404" pitchFamily="49" charset="0"/>
-                <a:cs typeface="Courier New" panose="02070309020205020404" pitchFamily="49" charset="0"/>
-              </a:rPr>
-              <a:t>scanf</a:t>
-            </a:r>
-            <a:r>
-              <a:rPr lang="en-US" dirty="0">
-                <a:latin typeface="Courier New" panose="02070309020205020404" pitchFamily="49" charset="0"/>
-                <a:cs typeface="Courier New" panose="02070309020205020404" pitchFamily="49" charset="0"/>
-              </a:rPr>
-              <a:t>("%100s", second);</a:t>
-            </a:r>
-          </a:p>
-          <a:p>
-            <a:r>
-              <a:rPr lang="en-US" dirty="0">
-                <a:latin typeface="Courier New" panose="02070309020205020404" pitchFamily="49" charset="0"/>
-                <a:cs typeface="Courier New" panose="02070309020205020404" pitchFamily="49" charset="0"/>
-              </a:rPr>
-              <a:t>    </a:t>
-            </a:r>
-            <a:r>
-              <a:rPr lang="en-US" dirty="0" err="1">
-                <a:latin typeface="Courier New" panose="02070309020205020404" pitchFamily="49" charset="0"/>
-                <a:cs typeface="Courier New" panose="02070309020205020404" pitchFamily="49" charset="0"/>
-              </a:rPr>
-              <a:t>strcpy</a:t>
-            </a:r>
-            <a:r>
-              <a:rPr lang="en-US" dirty="0">
-                <a:latin typeface="Courier New" panose="02070309020205020404" pitchFamily="49" charset="0"/>
-                <a:cs typeface="Courier New" panose="02070309020205020404" pitchFamily="49" charset="0"/>
-              </a:rPr>
-              <a:t>(</a:t>
-            </a:r>
-            <a:r>
-              <a:rPr lang="en-US" dirty="0" err="1">
-                <a:latin typeface="Courier New" panose="02070309020205020404" pitchFamily="49" charset="0"/>
-                <a:cs typeface="Courier New" panose="02070309020205020404" pitchFamily="49" charset="0"/>
-              </a:rPr>
-              <a:t>concat</a:t>
-            </a:r>
-            <a:r>
-              <a:rPr lang="en-US" dirty="0">
-                <a:latin typeface="Courier New" panose="02070309020205020404" pitchFamily="49" charset="0"/>
-                <a:cs typeface="Courier New" panose="02070309020205020404" pitchFamily="49" charset="0"/>
-              </a:rPr>
-              <a:t>, first);</a:t>
-            </a:r>
-          </a:p>
-          <a:p>
-            <a:r>
-              <a:rPr lang="en-US" dirty="0">
-                <a:latin typeface="Courier New" panose="02070309020205020404" pitchFamily="49" charset="0"/>
-                <a:cs typeface="Courier New" panose="02070309020205020404" pitchFamily="49" charset="0"/>
-              </a:rPr>
-              <a:t>    </a:t>
-            </a:r>
-            <a:r>
-              <a:rPr lang="en-US" dirty="0" err="1">
-                <a:latin typeface="Courier New" panose="02070309020205020404" pitchFamily="49" charset="0"/>
-                <a:cs typeface="Courier New" panose="02070309020205020404" pitchFamily="49" charset="0"/>
-              </a:rPr>
-              <a:t>strcat</a:t>
-            </a:r>
-            <a:r>
-              <a:rPr lang="en-US" dirty="0">
-                <a:latin typeface="Courier New" panose="02070309020205020404" pitchFamily="49" charset="0"/>
-                <a:cs typeface="Courier New" panose="02070309020205020404" pitchFamily="49" charset="0"/>
-              </a:rPr>
-              <a:t>(</a:t>
-            </a:r>
-            <a:r>
-              <a:rPr lang="en-US" dirty="0" err="1">
-                <a:latin typeface="Courier New" panose="02070309020205020404" pitchFamily="49" charset="0"/>
-                <a:cs typeface="Courier New" panose="02070309020205020404" pitchFamily="49" charset="0"/>
-              </a:rPr>
-              <a:t>concat</a:t>
-            </a:r>
-            <a:r>
-              <a:rPr lang="en-US" dirty="0">
-                <a:latin typeface="Courier New" panose="02070309020205020404" pitchFamily="49" charset="0"/>
-                <a:cs typeface="Courier New" panose="02070309020205020404" pitchFamily="49" charset="0"/>
-              </a:rPr>
-              <a:t>, " &amp; ");</a:t>
-            </a:r>
-          </a:p>
-          <a:p>
-            <a:r>
-              <a:rPr lang="en-US" dirty="0">
-                <a:latin typeface="Courier New" panose="02070309020205020404" pitchFamily="49" charset="0"/>
-                <a:cs typeface="Courier New" panose="02070309020205020404" pitchFamily="49" charset="0"/>
-              </a:rPr>
-              <a:t>    </a:t>
-            </a:r>
-            <a:r>
-              <a:rPr lang="en-US" dirty="0" err="1">
-                <a:latin typeface="Courier New" panose="02070309020205020404" pitchFamily="49" charset="0"/>
-                <a:cs typeface="Courier New" panose="02070309020205020404" pitchFamily="49" charset="0"/>
-              </a:rPr>
-              <a:t>strcat</a:t>
-            </a:r>
-            <a:r>
-              <a:rPr lang="en-US" dirty="0">
-                <a:latin typeface="Courier New" panose="02070309020205020404" pitchFamily="49" charset="0"/>
-                <a:cs typeface="Courier New" panose="02070309020205020404" pitchFamily="49" charset="0"/>
-              </a:rPr>
-              <a:t>(</a:t>
-            </a:r>
-            <a:r>
-              <a:rPr lang="en-US" dirty="0" err="1">
-                <a:latin typeface="Courier New" panose="02070309020205020404" pitchFamily="49" charset="0"/>
-                <a:cs typeface="Courier New" panose="02070309020205020404" pitchFamily="49" charset="0"/>
-              </a:rPr>
-              <a:t>concat</a:t>
-            </a:r>
-            <a:r>
-              <a:rPr lang="en-US" dirty="0">
-                <a:latin typeface="Courier New" panose="02070309020205020404" pitchFamily="49" charset="0"/>
-                <a:cs typeface="Courier New" panose="02070309020205020404" pitchFamily="49" charset="0"/>
-              </a:rPr>
-              <a:t>, second);</a:t>
-            </a:r>
-          </a:p>
-          <a:p>
-            <a:r>
-              <a:rPr lang="en-US" dirty="0">
-                <a:latin typeface="Courier New" panose="02070309020205020404" pitchFamily="49" charset="0"/>
-                <a:cs typeface="Courier New" panose="02070309020205020404" pitchFamily="49" charset="0"/>
-              </a:rPr>
-              <a:t>    </a:t>
-            </a:r>
-            <a:r>
-              <a:rPr lang="en-US" dirty="0" err="1">
-                <a:latin typeface="Courier New" panose="02070309020205020404" pitchFamily="49" charset="0"/>
-                <a:cs typeface="Courier New" panose="02070309020205020404" pitchFamily="49" charset="0"/>
-              </a:rPr>
-              <a:t>printf</a:t>
-            </a:r>
-            <a:r>
-              <a:rPr lang="en-US" dirty="0">
-                <a:latin typeface="Courier New" panose="02070309020205020404" pitchFamily="49" charset="0"/>
-                <a:cs typeface="Courier New" panose="02070309020205020404" pitchFamily="49" charset="0"/>
-              </a:rPr>
-              <a:t>("%s\n", </a:t>
-            </a:r>
-            <a:r>
-              <a:rPr lang="en-US" dirty="0" err="1">
-                <a:latin typeface="Courier New" panose="02070309020205020404" pitchFamily="49" charset="0"/>
-                <a:cs typeface="Courier New" panose="02070309020205020404" pitchFamily="49" charset="0"/>
-              </a:rPr>
-              <a:t>concat</a:t>
-            </a:r>
-            <a:r>
-              <a:rPr lang="en-US" dirty="0">
-                <a:latin typeface="Courier New" panose="02070309020205020404" pitchFamily="49" charset="0"/>
-                <a:cs typeface="Courier New" panose="02070309020205020404" pitchFamily="49" charset="0"/>
-              </a:rPr>
-              <a:t>);</a:t>
-            </a:r>
-          </a:p>
-          <a:p>
-            <a:r>
-              <a:rPr lang="en-US" dirty="0">
-                <a:latin typeface="Courier New" panose="02070309020205020404" pitchFamily="49" charset="0"/>
-                <a:cs typeface="Courier New" panose="02070309020205020404" pitchFamily="49" charset="0"/>
-              </a:rPr>
-              <a:t>}</a:t>
-            </a:r>
-          </a:p>
-        </p:txBody>
-      </p:sp>
-      <p:sp>
-        <p:nvSpPr>
-          <p:cNvPr id="7" name="TextBox 6">
-            <a:extLst>
-              <a:ext uri="{FF2B5EF4-FFF2-40B4-BE49-F238E27FC236}">
-                <a16:creationId xmlns:a16="http://schemas.microsoft.com/office/drawing/2014/main" id="{03B4458A-37BA-02AB-CE8C-B288D36FE6BF}"/>
-              </a:ext>
-            </a:extLst>
-          </p:cNvPr>
-          <p:cNvSpPr txBox="1"/>
-          <p:nvPr/>
-        </p:nvSpPr>
-        <p:spPr>
-          <a:xfrm>
-            <a:off x="1657029" y="4815385"/>
-            <a:ext cx="2803973" cy="1200329"/>
-          </a:xfrm>
-          <a:prstGeom prst="rect">
-            <a:avLst/>
-          </a:prstGeom>
-          <a:noFill/>
-        </p:spPr>
-        <p:txBody>
-          <a:bodyPr wrap="none" rtlCol="0">
-            <a:spAutoFit/>
-          </a:bodyPr>
-          <a:lstStyle/>
-          <a:p>
-            <a:r>
-              <a:rPr lang="en-US" dirty="0">
-                <a:latin typeface="Monaco" pitchFamily="2" charset="77"/>
-              </a:rPr>
-              <a:t>Enter two strings</a:t>
-            </a:r>
-          </a:p>
-          <a:p>
-            <a:r>
-              <a:rPr lang="en-US" u="sng" dirty="0">
-                <a:latin typeface="Monaco" pitchFamily="2" charset="77"/>
-              </a:rPr>
-              <a:t>Kernighan</a:t>
-            </a:r>
-          </a:p>
-          <a:p>
-            <a:r>
-              <a:rPr lang="en-US" u="sng" dirty="0">
-                <a:latin typeface="Monaco" pitchFamily="2" charset="77"/>
-              </a:rPr>
-              <a:t>Ritchie</a:t>
-            </a:r>
-          </a:p>
-          <a:p>
-            <a:r>
-              <a:rPr lang="en-US" dirty="0">
-                <a:latin typeface="Monaco" pitchFamily="2" charset="77"/>
-              </a:rPr>
-              <a:t>Kernighan &amp; Ritchie</a:t>
-            </a:r>
-          </a:p>
-        </p:txBody>
-      </p:sp>
-      <p:sp>
-        <p:nvSpPr>
-          <p:cNvPr id="8" name="TextBox 7">
-            <a:extLst>
-              <a:ext uri="{FF2B5EF4-FFF2-40B4-BE49-F238E27FC236}">
-                <a16:creationId xmlns:a16="http://schemas.microsoft.com/office/drawing/2014/main" id="{F7AC2D4A-1256-8DC4-CDEF-7E9063C86FCE}"/>
-              </a:ext>
-            </a:extLst>
-          </p:cNvPr>
-          <p:cNvSpPr txBox="1"/>
-          <p:nvPr/>
-        </p:nvSpPr>
-        <p:spPr>
-          <a:xfrm>
-            <a:off x="10460182" y="6323598"/>
-            <a:ext cx="1600199" cy="338554"/>
-          </a:xfrm>
-          <a:prstGeom prst="rect">
-            <a:avLst/>
-          </a:prstGeom>
-          <a:noFill/>
-        </p:spPr>
-        <p:txBody>
-          <a:bodyPr wrap="square">
-            <a:spAutoFit/>
-          </a:bodyPr>
-          <a:lstStyle/>
-          <a:p>
-            <a:r>
-              <a:rPr lang="en-US" sz="1600" dirty="0">
-                <a:solidFill>
-                  <a:srgbClr val="000000"/>
-                </a:solidFill>
-                <a:effectLst/>
-                <a:latin typeface="Menlo" panose="020B0609030804020204" pitchFamily="49" charset="0"/>
-              </a:rPr>
-              <a:t>cc_02_12.c</a:t>
-            </a:r>
-          </a:p>
-        </p:txBody>
-      </p:sp>
-    </p:spTree>
-    <p:extLst>
-      <p:ext uri="{BB962C8B-B14F-4D97-AF65-F5344CB8AC3E}">
-        <p14:creationId xmlns:p14="http://schemas.microsoft.com/office/powerpoint/2010/main" val="340733453"/>
-      </p:ext>
-    </p:extLst>
-  </p:cSld>
-  <p:clrMapOvr>
-    <a:masterClrMapping/>
-  </p:clrMapOvr>
-</p:sld>
-</file>
-
-<file path=ppt/slides/slide24.xml><?xml version="1.0" encoding="utf-8"?>
-<p:sld xmlns:a="http://schemas.openxmlformats.org/drawingml/2006/main" xmlns:r="http://schemas.openxmlformats.org/officeDocument/2006/relationships" xmlns:p="http://schemas.openxmlformats.org/presentationml/2006/main">
-  <p:cSld>
-    <p:spTree>
-      <p:nvGrpSpPr>
-        <p:cNvPr id="1" name=""/>
-        <p:cNvGrpSpPr/>
-        <p:nvPr/>
-      </p:nvGrpSpPr>
-      <p:grpSpPr>
-        <a:xfrm>
-          <a:off x="0" y="0"/>
-          <a:ext cx="0" cy="0"/>
-          <a:chOff x="0" y="0"/>
-          <a:chExt cx="0" cy="0"/>
-        </a:xfrm>
-      </p:grpSpPr>
-      <p:sp>
-        <p:nvSpPr>
-          <p:cNvPr id="4" name="Title 3">
-            <a:extLst>
-              <a:ext uri="{FF2B5EF4-FFF2-40B4-BE49-F238E27FC236}">
-                <a16:creationId xmlns:a16="http://schemas.microsoft.com/office/drawing/2014/main" id="{C2B508E1-B5B9-9A0B-37F0-15F2BB303BFA}"/>
-              </a:ext>
-            </a:extLst>
-          </p:cNvPr>
-          <p:cNvSpPr>
-            <a:spLocks noGrp="1"/>
-          </p:cNvSpPr>
-          <p:nvPr>
-            <p:ph type="title"/>
-          </p:nvPr>
-        </p:nvSpPr>
-        <p:spPr/>
-        <p:txBody>
-          <a:bodyPr/>
-          <a:lstStyle/>
-          <a:p>
-            <a:r>
-              <a:rPr lang="en-US" dirty="0"/>
-              <a:t>Right Strip</a:t>
-            </a:r>
-          </a:p>
-        </p:txBody>
-      </p:sp>
-      <p:sp>
-        <p:nvSpPr>
-          <p:cNvPr id="5" name="TextBox 4">
-            <a:extLst>
-              <a:ext uri="{FF2B5EF4-FFF2-40B4-BE49-F238E27FC236}">
-                <a16:creationId xmlns:a16="http://schemas.microsoft.com/office/drawing/2014/main" id="{FDC36094-8775-EBE3-1FED-6DF8907EC500}"/>
-              </a:ext>
-            </a:extLst>
-          </p:cNvPr>
-          <p:cNvSpPr txBox="1"/>
-          <p:nvPr/>
-        </p:nvSpPr>
-        <p:spPr>
-          <a:xfrm>
-            <a:off x="838200" y="2577706"/>
-            <a:ext cx="3906839" cy="646331"/>
-          </a:xfrm>
-          <a:prstGeom prst="rect">
-            <a:avLst/>
-          </a:prstGeom>
-          <a:noFill/>
-        </p:spPr>
-        <p:txBody>
-          <a:bodyPr wrap="none" rtlCol="0">
-            <a:spAutoFit/>
-          </a:bodyPr>
-          <a:lstStyle/>
-          <a:p>
-            <a:r>
-              <a:rPr lang="en-US" dirty="0">
-                <a:latin typeface="Courier New" panose="02070309020205020404" pitchFamily="49" charset="0"/>
-                <a:cs typeface="Courier New" panose="02070309020205020404" pitchFamily="49" charset="0"/>
-              </a:rPr>
-              <a:t>s1 = "   Hello   World    "</a:t>
-            </a:r>
-          </a:p>
-          <a:p>
-            <a:r>
-              <a:rPr lang="en-US" dirty="0">
-                <a:latin typeface="Courier New" panose="02070309020205020404" pitchFamily="49" charset="0"/>
-                <a:cs typeface="Courier New" panose="02070309020205020404" pitchFamily="49" charset="0"/>
-              </a:rPr>
-              <a:t>print('-'+s1.rstrip()+'-')</a:t>
-            </a:r>
-          </a:p>
-        </p:txBody>
-      </p:sp>
-      <p:sp>
-        <p:nvSpPr>
-          <p:cNvPr id="6" name="TextBox 5">
-            <a:extLst>
-              <a:ext uri="{FF2B5EF4-FFF2-40B4-BE49-F238E27FC236}">
-                <a16:creationId xmlns:a16="http://schemas.microsoft.com/office/drawing/2014/main" id="{C004B7C8-BBD4-1EE7-3894-3C801D6DC253}"/>
-              </a:ext>
-            </a:extLst>
-          </p:cNvPr>
-          <p:cNvSpPr txBox="1"/>
-          <p:nvPr/>
-        </p:nvSpPr>
-        <p:spPr>
-          <a:xfrm>
-            <a:off x="5951016" y="365125"/>
-            <a:ext cx="6109365" cy="5755422"/>
-          </a:xfrm>
-          <a:prstGeom prst="rect">
-            <a:avLst/>
-          </a:prstGeom>
-          <a:noFill/>
-        </p:spPr>
-        <p:txBody>
-          <a:bodyPr wrap="none" rtlCol="0">
-            <a:spAutoFit/>
-          </a:bodyPr>
-          <a:lstStyle/>
-          <a:p>
-            <a:r>
-              <a:rPr lang="en-US" sz="1600" dirty="0">
-                <a:latin typeface="Courier New" panose="02070309020205020404" pitchFamily="49" charset="0"/>
-                <a:cs typeface="Courier New" panose="02070309020205020404" pitchFamily="49" charset="0"/>
-              </a:rPr>
-              <a:t>#include &lt;</a:t>
-            </a:r>
-            <a:r>
-              <a:rPr lang="en-US" sz="1600" dirty="0" err="1">
-                <a:latin typeface="Courier New" panose="02070309020205020404" pitchFamily="49" charset="0"/>
-                <a:cs typeface="Courier New" panose="02070309020205020404" pitchFamily="49" charset="0"/>
-              </a:rPr>
-              <a:t>stdio.h</a:t>
-            </a:r>
-            <a:r>
-              <a:rPr lang="en-US" sz="1600" dirty="0">
-                <a:latin typeface="Courier New" panose="02070309020205020404" pitchFamily="49" charset="0"/>
-                <a:cs typeface="Courier New" panose="02070309020205020404" pitchFamily="49" charset="0"/>
-              </a:rPr>
-              <a:t>&gt;</a:t>
-            </a:r>
-          </a:p>
-          <a:p>
-            <a:r>
-              <a:rPr lang="en-US" sz="1600" dirty="0">
-                <a:latin typeface="Courier New" panose="02070309020205020404" pitchFamily="49" charset="0"/>
-                <a:cs typeface="Courier New" panose="02070309020205020404" pitchFamily="49" charset="0"/>
-              </a:rPr>
-              <a:t>#include &lt;</a:t>
-            </a:r>
-            <a:r>
-              <a:rPr lang="en-US" sz="1600" dirty="0" err="1">
-                <a:latin typeface="Courier New" panose="02070309020205020404" pitchFamily="49" charset="0"/>
-                <a:cs typeface="Courier New" panose="02070309020205020404" pitchFamily="49" charset="0"/>
-              </a:rPr>
-              <a:t>string.h</a:t>
-            </a:r>
-            <a:r>
-              <a:rPr lang="en-US" sz="1600" dirty="0">
-                <a:latin typeface="Courier New" panose="02070309020205020404" pitchFamily="49" charset="0"/>
-                <a:cs typeface="Courier New" panose="02070309020205020404" pitchFamily="49" charset="0"/>
-              </a:rPr>
-              <a:t>&gt;</a:t>
-            </a:r>
-          </a:p>
-          <a:p>
-            <a:r>
-              <a:rPr lang="en-US" sz="1600" dirty="0">
-                <a:latin typeface="Courier New" panose="02070309020205020404" pitchFamily="49" charset="0"/>
-                <a:cs typeface="Courier New" panose="02070309020205020404" pitchFamily="49" charset="0"/>
-              </a:rPr>
-              <a:t>int main() {</a:t>
-            </a:r>
-          </a:p>
-          <a:p>
-            <a:r>
-              <a:rPr lang="en-US" sz="1600" dirty="0">
-                <a:latin typeface="Courier New" panose="02070309020205020404" pitchFamily="49" charset="0"/>
-                <a:cs typeface="Courier New" panose="02070309020205020404" pitchFamily="49" charset="0"/>
-              </a:rPr>
-              <a:t>    char s1[] = "   Hello   World    ";</a:t>
-            </a:r>
-          </a:p>
-          <a:p>
-            <a:r>
-              <a:rPr lang="en-US" sz="1600" dirty="0">
-                <a:latin typeface="Courier New" panose="02070309020205020404" pitchFamily="49" charset="0"/>
-                <a:cs typeface="Courier New" panose="02070309020205020404" pitchFamily="49" charset="0"/>
-              </a:rPr>
-              <a:t>    void </a:t>
-            </a:r>
-            <a:r>
-              <a:rPr lang="en-US" sz="1600" dirty="0" err="1">
-                <a:latin typeface="Courier New" panose="02070309020205020404" pitchFamily="49" charset="0"/>
-                <a:cs typeface="Courier New" panose="02070309020205020404" pitchFamily="49" charset="0"/>
-              </a:rPr>
-              <a:t>py_rstrip</a:t>
-            </a:r>
-            <a:r>
-              <a:rPr lang="en-US" sz="1600" dirty="0">
-                <a:latin typeface="Courier New" panose="02070309020205020404" pitchFamily="49" charset="0"/>
-                <a:cs typeface="Courier New" panose="02070309020205020404" pitchFamily="49" charset="0"/>
-              </a:rPr>
-              <a:t>();</a:t>
-            </a:r>
-          </a:p>
-          <a:p>
-            <a:r>
-              <a:rPr lang="en-US" sz="1600" dirty="0">
-                <a:latin typeface="Courier New" panose="02070309020205020404" pitchFamily="49" charset="0"/>
-                <a:cs typeface="Courier New" panose="02070309020205020404" pitchFamily="49" charset="0"/>
-              </a:rPr>
-              <a:t>    </a:t>
-            </a:r>
-            <a:r>
-              <a:rPr lang="en-US" sz="1600" dirty="0" err="1">
-                <a:latin typeface="Courier New" panose="02070309020205020404" pitchFamily="49" charset="0"/>
-                <a:cs typeface="Courier New" panose="02070309020205020404" pitchFamily="49" charset="0"/>
-              </a:rPr>
-              <a:t>py_rstrip</a:t>
-            </a:r>
-            <a:r>
-              <a:rPr lang="en-US" sz="1600" dirty="0">
-                <a:latin typeface="Courier New" panose="02070309020205020404" pitchFamily="49" charset="0"/>
-                <a:cs typeface="Courier New" panose="02070309020205020404" pitchFamily="49" charset="0"/>
-              </a:rPr>
-              <a:t>(s1);</a:t>
-            </a:r>
-          </a:p>
-          <a:p>
-            <a:r>
-              <a:rPr lang="en-US" sz="1600" dirty="0">
-                <a:latin typeface="Courier New" panose="02070309020205020404" pitchFamily="49" charset="0"/>
-                <a:cs typeface="Courier New" panose="02070309020205020404" pitchFamily="49" charset="0"/>
-              </a:rPr>
-              <a:t>    </a:t>
-            </a:r>
-            <a:r>
-              <a:rPr lang="en-US" sz="1600" dirty="0" err="1">
-                <a:latin typeface="Courier New" panose="02070309020205020404" pitchFamily="49" charset="0"/>
-                <a:cs typeface="Courier New" panose="02070309020205020404" pitchFamily="49" charset="0"/>
-              </a:rPr>
-              <a:t>printf</a:t>
-            </a:r>
-            <a:r>
-              <a:rPr lang="en-US" sz="1600" dirty="0">
-                <a:latin typeface="Courier New" panose="02070309020205020404" pitchFamily="49" charset="0"/>
-                <a:cs typeface="Courier New" panose="02070309020205020404" pitchFamily="49" charset="0"/>
-              </a:rPr>
-              <a:t>("-%s-\n", s1);</a:t>
-            </a:r>
-          </a:p>
-          <a:p>
-            <a:r>
-              <a:rPr lang="en-US" sz="1600" dirty="0">
-                <a:latin typeface="Courier New" panose="02070309020205020404" pitchFamily="49" charset="0"/>
-                <a:cs typeface="Courier New" panose="02070309020205020404" pitchFamily="49" charset="0"/>
-              </a:rPr>
-              <a:t>}</a:t>
-            </a:r>
-          </a:p>
-          <a:p>
-            <a:endParaRPr lang="en-US" sz="1600" dirty="0">
-              <a:latin typeface="Courier New" panose="02070309020205020404" pitchFamily="49" charset="0"/>
-              <a:cs typeface="Courier New" panose="02070309020205020404" pitchFamily="49" charset="0"/>
-            </a:endParaRPr>
-          </a:p>
-          <a:p>
-            <a:r>
-              <a:rPr lang="en-US" sz="1600" dirty="0">
-                <a:latin typeface="Courier New" panose="02070309020205020404" pitchFamily="49" charset="0"/>
-                <a:cs typeface="Courier New" panose="02070309020205020404" pitchFamily="49" charset="0"/>
-              </a:rPr>
-              <a:t>void </a:t>
-            </a:r>
-            <a:r>
-              <a:rPr lang="en-US" sz="1600" dirty="0" err="1">
-                <a:latin typeface="Courier New" panose="02070309020205020404" pitchFamily="49" charset="0"/>
-                <a:cs typeface="Courier New" panose="02070309020205020404" pitchFamily="49" charset="0"/>
-              </a:rPr>
-              <a:t>py_rstrip</a:t>
-            </a:r>
-            <a:r>
-              <a:rPr lang="en-US" sz="1600" dirty="0">
-                <a:latin typeface="Courier New" panose="02070309020205020404" pitchFamily="49" charset="0"/>
-                <a:cs typeface="Courier New" panose="02070309020205020404" pitchFamily="49" charset="0"/>
-              </a:rPr>
-              <a:t>(</a:t>
-            </a:r>
-            <a:r>
-              <a:rPr lang="en-US" sz="1600" dirty="0" err="1">
-                <a:latin typeface="Courier New" panose="02070309020205020404" pitchFamily="49" charset="0"/>
-                <a:cs typeface="Courier New" panose="02070309020205020404" pitchFamily="49" charset="0"/>
-              </a:rPr>
-              <a:t>inp</a:t>
-            </a:r>
-            <a:r>
-              <a:rPr lang="en-US" sz="1600" dirty="0">
-                <a:latin typeface="Courier New" panose="02070309020205020404" pitchFamily="49" charset="0"/>
-                <a:cs typeface="Courier New" panose="02070309020205020404" pitchFamily="49" charset="0"/>
-              </a:rPr>
-              <a:t>)</a:t>
-            </a:r>
-          </a:p>
-          <a:p>
-            <a:r>
-              <a:rPr lang="en-US" sz="1600" dirty="0">
-                <a:latin typeface="Courier New" panose="02070309020205020404" pitchFamily="49" charset="0"/>
-                <a:cs typeface="Courier New" panose="02070309020205020404" pitchFamily="49" charset="0"/>
-              </a:rPr>
-              <a:t>    char </a:t>
-            </a:r>
-            <a:r>
-              <a:rPr lang="en-US" sz="1600" dirty="0" err="1">
-                <a:latin typeface="Courier New" panose="02070309020205020404" pitchFamily="49" charset="0"/>
-                <a:cs typeface="Courier New" panose="02070309020205020404" pitchFamily="49" charset="0"/>
-              </a:rPr>
-              <a:t>inp</a:t>
-            </a:r>
-            <a:r>
-              <a:rPr lang="en-US" sz="1600" dirty="0">
-                <a:latin typeface="Courier New" panose="02070309020205020404" pitchFamily="49" charset="0"/>
-                <a:cs typeface="Courier New" panose="02070309020205020404" pitchFamily="49" charset="0"/>
-              </a:rPr>
-              <a:t>[];</a:t>
-            </a:r>
-          </a:p>
-          <a:p>
-            <a:r>
-              <a:rPr lang="en-US" sz="1600" dirty="0">
-                <a:latin typeface="Courier New" panose="02070309020205020404" pitchFamily="49" charset="0"/>
-                <a:cs typeface="Courier New" panose="02070309020205020404" pitchFamily="49" charset="0"/>
-              </a:rPr>
-              <a:t>{   </a:t>
-            </a:r>
-          </a:p>
-          <a:p>
-            <a:r>
-              <a:rPr lang="en-US" sz="1600" dirty="0">
-                <a:latin typeface="Courier New" panose="02070309020205020404" pitchFamily="49" charset="0"/>
-                <a:cs typeface="Courier New" panose="02070309020205020404" pitchFamily="49" charset="0"/>
-              </a:rPr>
-              <a:t>    int </a:t>
-            </a:r>
-            <a:r>
-              <a:rPr lang="en-US" sz="1600" dirty="0" err="1">
-                <a:latin typeface="Courier New" panose="02070309020205020404" pitchFamily="49" charset="0"/>
-                <a:cs typeface="Courier New" panose="02070309020205020404" pitchFamily="49" charset="0"/>
-              </a:rPr>
-              <a:t>i</a:t>
-            </a:r>
-            <a:r>
-              <a:rPr lang="en-US" sz="1600" dirty="0">
-                <a:latin typeface="Courier New" panose="02070309020205020404" pitchFamily="49" charset="0"/>
-                <a:cs typeface="Courier New" panose="02070309020205020404" pitchFamily="49" charset="0"/>
-              </a:rPr>
-              <a:t>, j;</a:t>
-            </a:r>
-          </a:p>
-          <a:p>
-            <a:r>
-              <a:rPr lang="en-US" sz="1600" dirty="0">
-                <a:latin typeface="Courier New" panose="02070309020205020404" pitchFamily="49" charset="0"/>
-                <a:cs typeface="Courier New" panose="02070309020205020404" pitchFamily="49" charset="0"/>
-              </a:rPr>
-              <a:t>    for(</a:t>
-            </a:r>
-            <a:r>
-              <a:rPr lang="en-US" sz="1600" dirty="0" err="1">
-                <a:latin typeface="Courier New" panose="02070309020205020404" pitchFamily="49" charset="0"/>
-                <a:cs typeface="Courier New" panose="02070309020205020404" pitchFamily="49" charset="0"/>
-              </a:rPr>
-              <a:t>i</a:t>
-            </a:r>
-            <a:r>
-              <a:rPr lang="en-US" sz="1600" dirty="0">
-                <a:latin typeface="Courier New" panose="02070309020205020404" pitchFamily="49" charset="0"/>
-                <a:cs typeface="Courier New" panose="02070309020205020404" pitchFamily="49" charset="0"/>
-              </a:rPr>
-              <a:t>=0, j=0; </a:t>
-            </a:r>
-            <a:r>
-              <a:rPr lang="en-US" sz="1600" dirty="0" err="1">
-                <a:latin typeface="Courier New" panose="02070309020205020404" pitchFamily="49" charset="0"/>
-                <a:cs typeface="Courier New" panose="02070309020205020404" pitchFamily="49" charset="0"/>
-              </a:rPr>
-              <a:t>i</a:t>
-            </a:r>
-            <a:r>
-              <a:rPr lang="en-US" sz="1600" dirty="0">
-                <a:latin typeface="Courier New" panose="02070309020205020404" pitchFamily="49" charset="0"/>
-                <a:cs typeface="Courier New" panose="02070309020205020404" pitchFamily="49" charset="0"/>
-              </a:rPr>
-              <a:t>&lt;</a:t>
-            </a:r>
-            <a:r>
-              <a:rPr lang="en-US" sz="1600" dirty="0" err="1">
-                <a:latin typeface="Courier New" panose="02070309020205020404" pitchFamily="49" charset="0"/>
-                <a:cs typeface="Courier New" panose="02070309020205020404" pitchFamily="49" charset="0"/>
-              </a:rPr>
-              <a:t>strlen</a:t>
-            </a:r>
-            <a:r>
-              <a:rPr lang="en-US" sz="1600" dirty="0">
-                <a:latin typeface="Courier New" panose="02070309020205020404" pitchFamily="49" charset="0"/>
-                <a:cs typeface="Courier New" panose="02070309020205020404" pitchFamily="49" charset="0"/>
-              </a:rPr>
-              <a:t>(</a:t>
-            </a:r>
-            <a:r>
-              <a:rPr lang="en-US" sz="1600" dirty="0" err="1">
-                <a:latin typeface="Courier New" panose="02070309020205020404" pitchFamily="49" charset="0"/>
-                <a:cs typeface="Courier New" panose="02070309020205020404" pitchFamily="49" charset="0"/>
-              </a:rPr>
-              <a:t>inp</a:t>
-            </a:r>
-            <a:r>
-              <a:rPr lang="en-US" sz="1600" dirty="0">
-                <a:latin typeface="Courier New" panose="02070309020205020404" pitchFamily="49" charset="0"/>
-                <a:cs typeface="Courier New" panose="02070309020205020404" pitchFamily="49" charset="0"/>
-              </a:rPr>
-              <a:t>)-1; </a:t>
-            </a:r>
-            <a:r>
-              <a:rPr lang="en-US" sz="1600" dirty="0" err="1">
-                <a:latin typeface="Courier New" panose="02070309020205020404" pitchFamily="49" charset="0"/>
-                <a:cs typeface="Courier New" panose="02070309020205020404" pitchFamily="49" charset="0"/>
-              </a:rPr>
-              <a:t>i</a:t>
-            </a:r>
-            <a:r>
-              <a:rPr lang="en-US" sz="1600" dirty="0">
-                <a:latin typeface="Courier New" panose="02070309020205020404" pitchFamily="49" charset="0"/>
-                <a:cs typeface="Courier New" panose="02070309020205020404" pitchFamily="49" charset="0"/>
-              </a:rPr>
-              <a:t>++) {</a:t>
-            </a:r>
-          </a:p>
-          <a:p>
-            <a:r>
-              <a:rPr lang="en-US" sz="1600" dirty="0">
-                <a:latin typeface="Courier New" panose="02070309020205020404" pitchFamily="49" charset="0"/>
-                <a:cs typeface="Courier New" panose="02070309020205020404" pitchFamily="49" charset="0"/>
-              </a:rPr>
-              <a:t>        if ( </a:t>
-            </a:r>
-            <a:r>
-              <a:rPr lang="en-US" sz="1600" dirty="0" err="1">
-                <a:latin typeface="Courier New" panose="02070309020205020404" pitchFamily="49" charset="0"/>
-                <a:cs typeface="Courier New" panose="02070309020205020404" pitchFamily="49" charset="0"/>
-              </a:rPr>
-              <a:t>inp</a:t>
-            </a:r>
-            <a:r>
-              <a:rPr lang="en-US" sz="1600" dirty="0">
-                <a:latin typeface="Courier New" panose="02070309020205020404" pitchFamily="49" charset="0"/>
-                <a:cs typeface="Courier New" panose="02070309020205020404" pitchFamily="49" charset="0"/>
-              </a:rPr>
-              <a:t>[</a:t>
-            </a:r>
-            <a:r>
-              <a:rPr lang="en-US" sz="1600" dirty="0" err="1">
-                <a:latin typeface="Courier New" panose="02070309020205020404" pitchFamily="49" charset="0"/>
-                <a:cs typeface="Courier New" panose="02070309020205020404" pitchFamily="49" charset="0"/>
-              </a:rPr>
-              <a:t>i</a:t>
-            </a:r>
-            <a:r>
-              <a:rPr lang="en-US" sz="1600" dirty="0">
-                <a:latin typeface="Courier New" panose="02070309020205020404" pitchFamily="49" charset="0"/>
-                <a:cs typeface="Courier New" panose="02070309020205020404" pitchFamily="49" charset="0"/>
-              </a:rPr>
-              <a:t>] == '\n' || </a:t>
-            </a:r>
-          </a:p>
-          <a:p>
-            <a:r>
-              <a:rPr lang="en-US" sz="1600" dirty="0">
-                <a:latin typeface="Courier New" panose="02070309020205020404" pitchFamily="49" charset="0"/>
-                <a:cs typeface="Courier New" panose="02070309020205020404" pitchFamily="49" charset="0"/>
-              </a:rPr>
-              <a:t>             </a:t>
-            </a:r>
-            <a:r>
-              <a:rPr lang="en-US" sz="1600" dirty="0" err="1">
-                <a:latin typeface="Courier New" panose="02070309020205020404" pitchFamily="49" charset="0"/>
-                <a:cs typeface="Courier New" panose="02070309020205020404" pitchFamily="49" charset="0"/>
-              </a:rPr>
-              <a:t>inp</a:t>
-            </a:r>
-            <a:r>
-              <a:rPr lang="en-US" sz="1600" dirty="0">
-                <a:latin typeface="Courier New" panose="02070309020205020404" pitchFamily="49" charset="0"/>
-                <a:cs typeface="Courier New" panose="02070309020205020404" pitchFamily="49" charset="0"/>
-              </a:rPr>
-              <a:t>[</a:t>
-            </a:r>
-            <a:r>
-              <a:rPr lang="en-US" sz="1600" dirty="0" err="1">
-                <a:latin typeface="Courier New" panose="02070309020205020404" pitchFamily="49" charset="0"/>
-                <a:cs typeface="Courier New" panose="02070309020205020404" pitchFamily="49" charset="0"/>
-              </a:rPr>
-              <a:t>i</a:t>
-            </a:r>
-            <a:r>
-              <a:rPr lang="en-US" sz="1600" dirty="0">
-                <a:latin typeface="Courier New" panose="02070309020205020404" pitchFamily="49" charset="0"/>
-                <a:cs typeface="Courier New" panose="02070309020205020404" pitchFamily="49" charset="0"/>
-              </a:rPr>
-              <a:t>] == '\t' || </a:t>
-            </a:r>
-            <a:r>
-              <a:rPr lang="en-US" sz="1600" dirty="0" err="1">
-                <a:latin typeface="Courier New" panose="02070309020205020404" pitchFamily="49" charset="0"/>
-                <a:cs typeface="Courier New" panose="02070309020205020404" pitchFamily="49" charset="0"/>
-              </a:rPr>
-              <a:t>inp</a:t>
-            </a:r>
-            <a:r>
-              <a:rPr lang="en-US" sz="1600" dirty="0">
-                <a:latin typeface="Courier New" panose="02070309020205020404" pitchFamily="49" charset="0"/>
-                <a:cs typeface="Courier New" panose="02070309020205020404" pitchFamily="49" charset="0"/>
-              </a:rPr>
-              <a:t>[</a:t>
-            </a:r>
-            <a:r>
-              <a:rPr lang="en-US" sz="1600" dirty="0" err="1">
-                <a:latin typeface="Courier New" panose="02070309020205020404" pitchFamily="49" charset="0"/>
-                <a:cs typeface="Courier New" panose="02070309020205020404" pitchFamily="49" charset="0"/>
-              </a:rPr>
-              <a:t>i</a:t>
-            </a:r>
-            <a:r>
-              <a:rPr lang="en-US" sz="1600" dirty="0">
-                <a:latin typeface="Courier New" panose="02070309020205020404" pitchFamily="49" charset="0"/>
-                <a:cs typeface="Courier New" panose="02070309020205020404" pitchFamily="49" charset="0"/>
-              </a:rPr>
-              <a:t>] == ' ' ) {</a:t>
-            </a:r>
-          </a:p>
-          <a:p>
-            <a:r>
-              <a:rPr lang="en-US" sz="1600" dirty="0">
-                <a:latin typeface="Courier New" panose="02070309020205020404" pitchFamily="49" charset="0"/>
-                <a:cs typeface="Courier New" panose="02070309020205020404" pitchFamily="49" charset="0"/>
-              </a:rPr>
-              <a:t>            /* Whitespace skip  */</a:t>
-            </a:r>
-          </a:p>
-          <a:p>
-            <a:r>
-              <a:rPr lang="en-US" sz="1600" dirty="0">
-                <a:latin typeface="Courier New" panose="02070309020205020404" pitchFamily="49" charset="0"/>
-                <a:cs typeface="Courier New" panose="02070309020205020404" pitchFamily="49" charset="0"/>
-              </a:rPr>
-              <a:t>        } else {</a:t>
-            </a:r>
-          </a:p>
-          <a:p>
-            <a:r>
-              <a:rPr lang="en-US" sz="1600" dirty="0">
-                <a:latin typeface="Courier New" panose="02070309020205020404" pitchFamily="49" charset="0"/>
-                <a:cs typeface="Courier New" panose="02070309020205020404" pitchFamily="49" charset="0"/>
-              </a:rPr>
-              <a:t>            j = </a:t>
-            </a:r>
-            <a:r>
-              <a:rPr lang="en-US" sz="1600" dirty="0" err="1">
-                <a:latin typeface="Courier New" panose="02070309020205020404" pitchFamily="49" charset="0"/>
-                <a:cs typeface="Courier New" panose="02070309020205020404" pitchFamily="49" charset="0"/>
-              </a:rPr>
-              <a:t>i</a:t>
-            </a:r>
-            <a:r>
-              <a:rPr lang="en-US" sz="1600" dirty="0">
-                <a:latin typeface="Courier New" panose="02070309020205020404" pitchFamily="49" charset="0"/>
-                <a:cs typeface="Courier New" panose="02070309020205020404" pitchFamily="49" charset="0"/>
-              </a:rPr>
-              <a:t>; /* the last non-blank */</a:t>
-            </a:r>
-          </a:p>
-          <a:p>
-            <a:r>
-              <a:rPr lang="en-US" sz="1600" dirty="0">
-                <a:latin typeface="Courier New" panose="02070309020205020404" pitchFamily="49" charset="0"/>
-                <a:cs typeface="Courier New" panose="02070309020205020404" pitchFamily="49" charset="0"/>
-              </a:rPr>
-              <a:t>        }</a:t>
-            </a:r>
-          </a:p>
-          <a:p>
-            <a:r>
-              <a:rPr lang="en-US" sz="1600" dirty="0">
-                <a:latin typeface="Courier New" panose="02070309020205020404" pitchFamily="49" charset="0"/>
-                <a:cs typeface="Courier New" panose="02070309020205020404" pitchFamily="49" charset="0"/>
-              </a:rPr>
-              <a:t>    }</a:t>
-            </a:r>
-          </a:p>
-          <a:p>
-            <a:r>
-              <a:rPr lang="en-US" sz="1600" dirty="0">
-                <a:latin typeface="Courier New" panose="02070309020205020404" pitchFamily="49" charset="0"/>
-                <a:cs typeface="Courier New" panose="02070309020205020404" pitchFamily="49" charset="0"/>
-              </a:rPr>
-              <a:t>    if ( j+1 &lt; </a:t>
-            </a:r>
-            <a:r>
-              <a:rPr lang="en-US" sz="1600" dirty="0" err="1">
-                <a:latin typeface="Courier New" panose="02070309020205020404" pitchFamily="49" charset="0"/>
-                <a:cs typeface="Courier New" panose="02070309020205020404" pitchFamily="49" charset="0"/>
-              </a:rPr>
-              <a:t>strlen</a:t>
-            </a:r>
-            <a:r>
-              <a:rPr lang="en-US" sz="1600" dirty="0">
-                <a:latin typeface="Courier New" panose="02070309020205020404" pitchFamily="49" charset="0"/>
-                <a:cs typeface="Courier New" panose="02070309020205020404" pitchFamily="49" charset="0"/>
-              </a:rPr>
-              <a:t>(</a:t>
-            </a:r>
-            <a:r>
-              <a:rPr lang="en-US" sz="1600" dirty="0" err="1">
-                <a:latin typeface="Courier New" panose="02070309020205020404" pitchFamily="49" charset="0"/>
-                <a:cs typeface="Courier New" panose="02070309020205020404" pitchFamily="49" charset="0"/>
-              </a:rPr>
-              <a:t>inp</a:t>
-            </a:r>
-            <a:r>
-              <a:rPr lang="en-US" sz="1600" dirty="0">
-                <a:latin typeface="Courier New" panose="02070309020205020404" pitchFamily="49" charset="0"/>
-                <a:cs typeface="Courier New" panose="02070309020205020404" pitchFamily="49" charset="0"/>
-              </a:rPr>
-              <a:t>) ) </a:t>
-            </a:r>
-            <a:r>
-              <a:rPr lang="en-US" sz="1600" dirty="0" err="1">
-                <a:latin typeface="Courier New" panose="02070309020205020404" pitchFamily="49" charset="0"/>
-                <a:cs typeface="Courier New" panose="02070309020205020404" pitchFamily="49" charset="0"/>
-              </a:rPr>
-              <a:t>inp</a:t>
-            </a:r>
-            <a:r>
-              <a:rPr lang="en-US" sz="1600" dirty="0">
-                <a:latin typeface="Courier New" panose="02070309020205020404" pitchFamily="49" charset="0"/>
-                <a:cs typeface="Courier New" panose="02070309020205020404" pitchFamily="49" charset="0"/>
-              </a:rPr>
-              <a:t>[j+1] = '\0';</a:t>
-            </a:r>
-          </a:p>
-          <a:p>
-            <a:r>
-              <a:rPr lang="en-US" sz="1600" dirty="0">
-                <a:latin typeface="Courier New" panose="02070309020205020404" pitchFamily="49" charset="0"/>
-                <a:cs typeface="Courier New" panose="02070309020205020404" pitchFamily="49" charset="0"/>
-              </a:rPr>
-              <a:t>}</a:t>
-            </a:r>
-          </a:p>
-        </p:txBody>
-      </p:sp>
-      <p:sp>
-        <p:nvSpPr>
-          <p:cNvPr id="7" name="TextBox 6">
-            <a:extLst>
-              <a:ext uri="{FF2B5EF4-FFF2-40B4-BE49-F238E27FC236}">
-                <a16:creationId xmlns:a16="http://schemas.microsoft.com/office/drawing/2014/main" id="{03B4458A-37BA-02AB-CE8C-B288D36FE6BF}"/>
-              </a:ext>
-            </a:extLst>
-          </p:cNvPr>
-          <p:cNvSpPr txBox="1"/>
-          <p:nvPr/>
-        </p:nvSpPr>
-        <p:spPr>
-          <a:xfrm>
-            <a:off x="992011" y="4111055"/>
-            <a:ext cx="2666114" cy="369332"/>
-          </a:xfrm>
-          <a:prstGeom prst="rect">
-            <a:avLst/>
-          </a:prstGeom>
-          <a:noFill/>
-        </p:spPr>
-        <p:txBody>
-          <a:bodyPr wrap="none" rtlCol="0">
-            <a:spAutoFit/>
-          </a:bodyPr>
-          <a:lstStyle/>
-          <a:p>
-            <a:r>
-              <a:rPr lang="en-US" dirty="0">
-                <a:latin typeface="Monaco" pitchFamily="2" charset="77"/>
-              </a:rPr>
-              <a:t>-   Hello   World-</a:t>
-            </a:r>
-          </a:p>
-        </p:txBody>
-      </p:sp>
-      <p:sp>
-        <p:nvSpPr>
-          <p:cNvPr id="8" name="TextBox 7">
-            <a:extLst>
-              <a:ext uri="{FF2B5EF4-FFF2-40B4-BE49-F238E27FC236}">
-                <a16:creationId xmlns:a16="http://schemas.microsoft.com/office/drawing/2014/main" id="{F7AC2D4A-1256-8DC4-CDEF-7E9063C86FCE}"/>
-              </a:ext>
-            </a:extLst>
-          </p:cNvPr>
-          <p:cNvSpPr txBox="1"/>
-          <p:nvPr/>
-        </p:nvSpPr>
-        <p:spPr>
-          <a:xfrm>
-            <a:off x="10460182" y="6323598"/>
-            <a:ext cx="1600199" cy="338554"/>
-          </a:xfrm>
-          <a:prstGeom prst="rect">
-            <a:avLst/>
-          </a:prstGeom>
-          <a:noFill/>
-        </p:spPr>
-        <p:txBody>
-          <a:bodyPr wrap="square">
-            <a:spAutoFit/>
-          </a:bodyPr>
-          <a:lstStyle/>
-          <a:p>
-            <a:r>
-              <a:rPr lang="en-US" sz="1600" dirty="0">
-                <a:solidFill>
-                  <a:srgbClr val="000000"/>
-                </a:solidFill>
-                <a:effectLst/>
-                <a:latin typeface="Menlo" panose="020B0609030804020204" pitchFamily="49" charset="0"/>
-              </a:rPr>
-              <a:t>cc_02_13.c</a:t>
-            </a:r>
-          </a:p>
-        </p:txBody>
-      </p:sp>
-    </p:spTree>
-    <p:extLst>
-      <p:ext uri="{BB962C8B-B14F-4D97-AF65-F5344CB8AC3E}">
-        <p14:creationId xmlns:p14="http://schemas.microsoft.com/office/powerpoint/2010/main" val="1497677615"/>
-      </p:ext>
-    </p:extLst>
-  </p:cSld>
-  <p:clrMapOvr>
-    <a:masterClrMapping/>
-  </p:clrMapOvr>
-</p:sld>
-</file>
-
-<file path=ppt/slides/slide25.xml><?xml version="1.0" encoding="utf-8"?>
-<p:sld xmlns:a="http://schemas.openxmlformats.org/drawingml/2006/main" xmlns:r="http://schemas.openxmlformats.org/officeDocument/2006/relationships" xmlns:p="http://schemas.openxmlformats.org/presentationml/2006/main">
-  <p:cSld>
-    <p:spTree>
-      <p:nvGrpSpPr>
-        <p:cNvPr id="1" name=""/>
-        <p:cNvGrpSpPr/>
-        <p:nvPr/>
-      </p:nvGrpSpPr>
-      <p:grpSpPr>
-        <a:xfrm>
-          <a:off x="0" y="0"/>
-          <a:ext cx="0" cy="0"/>
-          <a:chOff x="0" y="0"/>
-          <a:chExt cx="0" cy="0"/>
-        </a:xfrm>
-      </p:grpSpPr>
-      <p:sp>
-        <p:nvSpPr>
-          <p:cNvPr id="4" name="Title 3">
-            <a:extLst>
-              <a:ext uri="{FF2B5EF4-FFF2-40B4-BE49-F238E27FC236}">
-                <a16:creationId xmlns:a16="http://schemas.microsoft.com/office/drawing/2014/main" id="{C2B508E1-B5B9-9A0B-37F0-15F2BB303BFA}"/>
-              </a:ext>
-            </a:extLst>
-          </p:cNvPr>
-          <p:cNvSpPr>
-            <a:spLocks noGrp="1"/>
-          </p:cNvSpPr>
-          <p:nvPr>
-            <p:ph type="title"/>
-          </p:nvPr>
-        </p:nvSpPr>
-        <p:spPr/>
-        <p:txBody>
-          <a:bodyPr/>
-          <a:lstStyle/>
-          <a:p>
-            <a:r>
-              <a:rPr lang="en-US" dirty="0"/>
-              <a:t>Left Strip</a:t>
-            </a:r>
-          </a:p>
-        </p:txBody>
-      </p:sp>
-      <p:sp>
-        <p:nvSpPr>
-          <p:cNvPr id="5" name="TextBox 4">
-            <a:extLst>
-              <a:ext uri="{FF2B5EF4-FFF2-40B4-BE49-F238E27FC236}">
-                <a16:creationId xmlns:a16="http://schemas.microsoft.com/office/drawing/2014/main" id="{FDC36094-8775-EBE3-1FED-6DF8907EC500}"/>
-              </a:ext>
-            </a:extLst>
-          </p:cNvPr>
-          <p:cNvSpPr txBox="1"/>
-          <p:nvPr/>
-        </p:nvSpPr>
-        <p:spPr>
-          <a:xfrm>
-            <a:off x="838200" y="2577706"/>
-            <a:ext cx="3906839" cy="646331"/>
-          </a:xfrm>
-          <a:prstGeom prst="rect">
-            <a:avLst/>
-          </a:prstGeom>
-          <a:noFill/>
-        </p:spPr>
-        <p:txBody>
-          <a:bodyPr wrap="none" rtlCol="0">
-            <a:spAutoFit/>
-          </a:bodyPr>
-          <a:lstStyle/>
-          <a:p>
-            <a:r>
-              <a:rPr lang="en-US" dirty="0">
-                <a:latin typeface="Courier New" panose="02070309020205020404" pitchFamily="49" charset="0"/>
-                <a:cs typeface="Courier New" panose="02070309020205020404" pitchFamily="49" charset="0"/>
-              </a:rPr>
-              <a:t>s1 = "   Hello   World    "</a:t>
-            </a:r>
-          </a:p>
-          <a:p>
-            <a:r>
-              <a:rPr lang="en-US" dirty="0">
-                <a:latin typeface="Courier New" panose="02070309020205020404" pitchFamily="49" charset="0"/>
-                <a:cs typeface="Courier New" panose="02070309020205020404" pitchFamily="49" charset="0"/>
-              </a:rPr>
-              <a:t>print('-'+s1.lstrip()+'-')</a:t>
-            </a:r>
-          </a:p>
-        </p:txBody>
-      </p:sp>
-      <p:sp>
-        <p:nvSpPr>
-          <p:cNvPr id="6" name="TextBox 5">
-            <a:extLst>
-              <a:ext uri="{FF2B5EF4-FFF2-40B4-BE49-F238E27FC236}">
-                <a16:creationId xmlns:a16="http://schemas.microsoft.com/office/drawing/2014/main" id="{C004B7C8-BBD4-1EE7-3894-3C801D6DC253}"/>
-              </a:ext>
-            </a:extLst>
-          </p:cNvPr>
-          <p:cNvSpPr txBox="1"/>
-          <p:nvPr/>
-        </p:nvSpPr>
-        <p:spPr>
-          <a:xfrm>
-            <a:off x="5580722" y="365125"/>
-            <a:ext cx="6479659" cy="5755422"/>
-          </a:xfrm>
-          <a:prstGeom prst="rect">
-            <a:avLst/>
-          </a:prstGeom>
-          <a:noFill/>
-        </p:spPr>
-        <p:txBody>
-          <a:bodyPr wrap="none" rtlCol="0">
-            <a:spAutoFit/>
-          </a:bodyPr>
-          <a:lstStyle/>
-          <a:p>
-            <a:r>
-              <a:rPr lang="en-US" sz="1600" dirty="0">
-                <a:latin typeface="Courier New" panose="02070309020205020404" pitchFamily="49" charset="0"/>
-                <a:cs typeface="Courier New" panose="02070309020205020404" pitchFamily="49" charset="0"/>
-              </a:rPr>
-              <a:t>#include &lt;</a:t>
-            </a:r>
-            <a:r>
-              <a:rPr lang="en-US" sz="1600" dirty="0" err="1">
-                <a:latin typeface="Courier New" panose="02070309020205020404" pitchFamily="49" charset="0"/>
-                <a:cs typeface="Courier New" panose="02070309020205020404" pitchFamily="49" charset="0"/>
-              </a:rPr>
-              <a:t>stdio.h</a:t>
-            </a:r>
-            <a:r>
-              <a:rPr lang="en-US" sz="1600" dirty="0">
-                <a:latin typeface="Courier New" panose="02070309020205020404" pitchFamily="49" charset="0"/>
-                <a:cs typeface="Courier New" panose="02070309020205020404" pitchFamily="49" charset="0"/>
-              </a:rPr>
-              <a:t>&gt;</a:t>
-            </a:r>
-          </a:p>
-          <a:p>
-            <a:r>
-              <a:rPr lang="en-US" sz="1600" dirty="0">
-                <a:latin typeface="Courier New" panose="02070309020205020404" pitchFamily="49" charset="0"/>
-                <a:cs typeface="Courier New" panose="02070309020205020404" pitchFamily="49" charset="0"/>
-              </a:rPr>
-              <a:t>#include &lt;</a:t>
-            </a:r>
-            <a:r>
-              <a:rPr lang="en-US" sz="1600" dirty="0" err="1">
-                <a:latin typeface="Courier New" panose="02070309020205020404" pitchFamily="49" charset="0"/>
-                <a:cs typeface="Courier New" panose="02070309020205020404" pitchFamily="49" charset="0"/>
-              </a:rPr>
-              <a:t>string.h</a:t>
-            </a:r>
-            <a:r>
-              <a:rPr lang="en-US" sz="1600" dirty="0">
-                <a:latin typeface="Courier New" panose="02070309020205020404" pitchFamily="49" charset="0"/>
-                <a:cs typeface="Courier New" panose="02070309020205020404" pitchFamily="49" charset="0"/>
-              </a:rPr>
-              <a:t>&gt;</a:t>
-            </a:r>
-          </a:p>
-          <a:p>
-            <a:r>
-              <a:rPr lang="en-US" sz="1600" dirty="0">
-                <a:latin typeface="Courier New" panose="02070309020205020404" pitchFamily="49" charset="0"/>
-                <a:cs typeface="Courier New" panose="02070309020205020404" pitchFamily="49" charset="0"/>
-              </a:rPr>
-              <a:t>#include &lt;</a:t>
-            </a:r>
-            <a:r>
-              <a:rPr lang="en-US" sz="1600" dirty="0" err="1">
-                <a:latin typeface="Courier New" panose="02070309020205020404" pitchFamily="49" charset="0"/>
-                <a:cs typeface="Courier New" panose="02070309020205020404" pitchFamily="49" charset="0"/>
-              </a:rPr>
-              <a:t>ctype.h</a:t>
-            </a:r>
-            <a:r>
-              <a:rPr lang="en-US" sz="1600" dirty="0">
-                <a:latin typeface="Courier New" panose="02070309020205020404" pitchFamily="49" charset="0"/>
-                <a:cs typeface="Courier New" panose="02070309020205020404" pitchFamily="49" charset="0"/>
-              </a:rPr>
-              <a:t>&gt;</a:t>
-            </a:r>
-          </a:p>
-          <a:p>
-            <a:r>
-              <a:rPr lang="en-US" sz="1600" dirty="0">
-                <a:latin typeface="Courier New" panose="02070309020205020404" pitchFamily="49" charset="0"/>
-                <a:cs typeface="Courier New" panose="02070309020205020404" pitchFamily="49" charset="0"/>
-              </a:rPr>
-              <a:t>int main() {</a:t>
-            </a:r>
-          </a:p>
-          <a:p>
-            <a:r>
-              <a:rPr lang="en-US" sz="1600" dirty="0">
-                <a:latin typeface="Courier New" panose="02070309020205020404" pitchFamily="49" charset="0"/>
-                <a:cs typeface="Courier New" panose="02070309020205020404" pitchFamily="49" charset="0"/>
-              </a:rPr>
-              <a:t>    char s1[] = "   Hello   World    ";</a:t>
-            </a:r>
-          </a:p>
-          <a:p>
-            <a:r>
-              <a:rPr lang="en-US" sz="1600" dirty="0">
-                <a:latin typeface="Courier New" panose="02070309020205020404" pitchFamily="49" charset="0"/>
-                <a:cs typeface="Courier New" panose="02070309020205020404" pitchFamily="49" charset="0"/>
-              </a:rPr>
-              <a:t>    void </a:t>
-            </a:r>
-            <a:r>
-              <a:rPr lang="en-US" sz="1600" dirty="0" err="1">
-                <a:latin typeface="Courier New" panose="02070309020205020404" pitchFamily="49" charset="0"/>
-                <a:cs typeface="Courier New" panose="02070309020205020404" pitchFamily="49" charset="0"/>
-              </a:rPr>
-              <a:t>py_lstrip</a:t>
-            </a:r>
-            <a:r>
-              <a:rPr lang="en-US" sz="1600" dirty="0">
-                <a:latin typeface="Courier New" panose="02070309020205020404" pitchFamily="49" charset="0"/>
-                <a:cs typeface="Courier New" panose="02070309020205020404" pitchFamily="49" charset="0"/>
-              </a:rPr>
-              <a:t>();</a:t>
-            </a:r>
-          </a:p>
-          <a:p>
-            <a:r>
-              <a:rPr lang="en-US" sz="1600" dirty="0">
-                <a:latin typeface="Courier New" panose="02070309020205020404" pitchFamily="49" charset="0"/>
-                <a:cs typeface="Courier New" panose="02070309020205020404" pitchFamily="49" charset="0"/>
-              </a:rPr>
-              <a:t>    </a:t>
-            </a:r>
-            <a:r>
-              <a:rPr lang="en-US" sz="1600" dirty="0" err="1">
-                <a:latin typeface="Courier New" panose="02070309020205020404" pitchFamily="49" charset="0"/>
-                <a:cs typeface="Courier New" panose="02070309020205020404" pitchFamily="49" charset="0"/>
-              </a:rPr>
-              <a:t>py_lstrip</a:t>
-            </a:r>
-            <a:r>
-              <a:rPr lang="en-US" sz="1600" dirty="0">
-                <a:latin typeface="Courier New" panose="02070309020205020404" pitchFamily="49" charset="0"/>
-                <a:cs typeface="Courier New" panose="02070309020205020404" pitchFamily="49" charset="0"/>
-              </a:rPr>
-              <a:t>(s1);</a:t>
-            </a:r>
-          </a:p>
-          <a:p>
-            <a:r>
-              <a:rPr lang="en-US" sz="1600" dirty="0">
-                <a:latin typeface="Courier New" panose="02070309020205020404" pitchFamily="49" charset="0"/>
-                <a:cs typeface="Courier New" panose="02070309020205020404" pitchFamily="49" charset="0"/>
-              </a:rPr>
-              <a:t>    </a:t>
-            </a:r>
-            <a:r>
-              <a:rPr lang="en-US" sz="1600" dirty="0" err="1">
-                <a:latin typeface="Courier New" panose="02070309020205020404" pitchFamily="49" charset="0"/>
-                <a:cs typeface="Courier New" panose="02070309020205020404" pitchFamily="49" charset="0"/>
-              </a:rPr>
-              <a:t>printf</a:t>
-            </a:r>
-            <a:r>
-              <a:rPr lang="en-US" sz="1600" dirty="0">
-                <a:latin typeface="Courier New" panose="02070309020205020404" pitchFamily="49" charset="0"/>
-                <a:cs typeface="Courier New" panose="02070309020205020404" pitchFamily="49" charset="0"/>
-              </a:rPr>
-              <a:t>("-%s-\n", s1);</a:t>
-            </a:r>
-          </a:p>
-          <a:p>
-            <a:r>
-              <a:rPr lang="en-US" sz="1600" dirty="0">
-                <a:latin typeface="Courier New" panose="02070309020205020404" pitchFamily="49" charset="0"/>
-                <a:cs typeface="Courier New" panose="02070309020205020404" pitchFamily="49" charset="0"/>
-              </a:rPr>
-              <a:t>}</a:t>
-            </a:r>
-          </a:p>
-          <a:p>
-            <a:endParaRPr lang="en-US" sz="1600" dirty="0">
-              <a:latin typeface="Courier New" panose="02070309020205020404" pitchFamily="49" charset="0"/>
-              <a:cs typeface="Courier New" panose="02070309020205020404" pitchFamily="49" charset="0"/>
-            </a:endParaRPr>
-          </a:p>
-          <a:p>
-            <a:r>
-              <a:rPr lang="en-US" sz="1600" dirty="0">
-                <a:latin typeface="Courier New" panose="02070309020205020404" pitchFamily="49" charset="0"/>
-                <a:cs typeface="Courier New" panose="02070309020205020404" pitchFamily="49" charset="0"/>
-              </a:rPr>
-              <a:t>void </a:t>
-            </a:r>
-            <a:r>
-              <a:rPr lang="en-US" sz="1600" dirty="0" err="1">
-                <a:latin typeface="Courier New" panose="02070309020205020404" pitchFamily="49" charset="0"/>
-                <a:cs typeface="Courier New" panose="02070309020205020404" pitchFamily="49" charset="0"/>
-              </a:rPr>
-              <a:t>py_lstrip</a:t>
-            </a:r>
-            <a:r>
-              <a:rPr lang="en-US" sz="1600" dirty="0">
-                <a:latin typeface="Courier New" panose="02070309020205020404" pitchFamily="49" charset="0"/>
-                <a:cs typeface="Courier New" panose="02070309020205020404" pitchFamily="49" charset="0"/>
-              </a:rPr>
-              <a:t>(</a:t>
-            </a:r>
-            <a:r>
-              <a:rPr lang="en-US" sz="1600" dirty="0" err="1">
-                <a:latin typeface="Courier New" panose="02070309020205020404" pitchFamily="49" charset="0"/>
-                <a:cs typeface="Courier New" panose="02070309020205020404" pitchFamily="49" charset="0"/>
-              </a:rPr>
-              <a:t>inp</a:t>
-            </a:r>
-            <a:r>
-              <a:rPr lang="en-US" sz="1600" dirty="0">
-                <a:latin typeface="Courier New" panose="02070309020205020404" pitchFamily="49" charset="0"/>
-                <a:cs typeface="Courier New" panose="02070309020205020404" pitchFamily="49" charset="0"/>
-              </a:rPr>
-              <a:t>)</a:t>
-            </a:r>
-          </a:p>
-          <a:p>
-            <a:r>
-              <a:rPr lang="en-US" sz="1600" dirty="0">
-                <a:latin typeface="Courier New" panose="02070309020205020404" pitchFamily="49" charset="0"/>
-                <a:cs typeface="Courier New" panose="02070309020205020404" pitchFamily="49" charset="0"/>
-              </a:rPr>
-              <a:t>    char </a:t>
-            </a:r>
-            <a:r>
-              <a:rPr lang="en-US" sz="1600" dirty="0" err="1">
-                <a:latin typeface="Courier New" panose="02070309020205020404" pitchFamily="49" charset="0"/>
-                <a:cs typeface="Courier New" panose="02070309020205020404" pitchFamily="49" charset="0"/>
-              </a:rPr>
-              <a:t>inp</a:t>
-            </a:r>
-            <a:r>
-              <a:rPr lang="en-US" sz="1600" dirty="0">
-                <a:latin typeface="Courier New" panose="02070309020205020404" pitchFamily="49" charset="0"/>
-                <a:cs typeface="Courier New" panose="02070309020205020404" pitchFamily="49" charset="0"/>
-              </a:rPr>
-              <a:t>[];</a:t>
-            </a:r>
-          </a:p>
-          <a:p>
-            <a:r>
-              <a:rPr lang="en-US" sz="1600" dirty="0">
-                <a:latin typeface="Courier New" panose="02070309020205020404" pitchFamily="49" charset="0"/>
-                <a:cs typeface="Courier New" panose="02070309020205020404" pitchFamily="49" charset="0"/>
-              </a:rPr>
-              <a:t>{</a:t>
-            </a:r>
-          </a:p>
-          <a:p>
-            <a:r>
-              <a:rPr lang="en-US" sz="1600" dirty="0">
-                <a:latin typeface="Courier New" panose="02070309020205020404" pitchFamily="49" charset="0"/>
-                <a:cs typeface="Courier New" panose="02070309020205020404" pitchFamily="49" charset="0"/>
-              </a:rPr>
-              <a:t>    int </a:t>
-            </a:r>
-            <a:r>
-              <a:rPr lang="en-US" sz="1600" dirty="0" err="1">
-                <a:latin typeface="Courier New" panose="02070309020205020404" pitchFamily="49" charset="0"/>
-                <a:cs typeface="Courier New" panose="02070309020205020404" pitchFamily="49" charset="0"/>
-              </a:rPr>
-              <a:t>i</a:t>
-            </a:r>
-            <a:r>
-              <a:rPr lang="en-US" sz="1600" dirty="0">
-                <a:latin typeface="Courier New" panose="02070309020205020404" pitchFamily="49" charset="0"/>
-                <a:cs typeface="Courier New" panose="02070309020205020404" pitchFamily="49" charset="0"/>
-              </a:rPr>
-              <a:t>, j;</a:t>
-            </a:r>
-          </a:p>
-          <a:p>
-            <a:r>
-              <a:rPr lang="en-US" sz="1600" dirty="0">
-                <a:latin typeface="Courier New" panose="02070309020205020404" pitchFamily="49" charset="0"/>
-                <a:cs typeface="Courier New" panose="02070309020205020404" pitchFamily="49" charset="0"/>
-              </a:rPr>
-              <a:t>    int found = 0;</a:t>
-            </a:r>
-          </a:p>
-          <a:p>
-            <a:r>
-              <a:rPr lang="en-US" sz="1600" dirty="0">
-                <a:latin typeface="Courier New" panose="02070309020205020404" pitchFamily="49" charset="0"/>
-                <a:cs typeface="Courier New" panose="02070309020205020404" pitchFamily="49" charset="0"/>
-              </a:rPr>
-              <a:t>    for(</a:t>
-            </a:r>
-            <a:r>
-              <a:rPr lang="en-US" sz="1600" dirty="0" err="1">
-                <a:latin typeface="Courier New" panose="02070309020205020404" pitchFamily="49" charset="0"/>
-                <a:cs typeface="Courier New" panose="02070309020205020404" pitchFamily="49" charset="0"/>
-              </a:rPr>
-              <a:t>i</a:t>
-            </a:r>
-            <a:r>
-              <a:rPr lang="en-US" sz="1600" dirty="0">
-                <a:latin typeface="Courier New" panose="02070309020205020404" pitchFamily="49" charset="0"/>
-                <a:cs typeface="Courier New" panose="02070309020205020404" pitchFamily="49" charset="0"/>
-              </a:rPr>
-              <a:t>=0, j=0; </a:t>
-            </a:r>
-            <a:r>
-              <a:rPr lang="en-US" sz="1600" dirty="0" err="1">
-                <a:latin typeface="Courier New" panose="02070309020205020404" pitchFamily="49" charset="0"/>
-                <a:cs typeface="Courier New" panose="02070309020205020404" pitchFamily="49" charset="0"/>
-              </a:rPr>
-              <a:t>i</a:t>
-            </a:r>
-            <a:r>
-              <a:rPr lang="en-US" sz="1600" dirty="0">
-                <a:latin typeface="Courier New" panose="02070309020205020404" pitchFamily="49" charset="0"/>
-                <a:cs typeface="Courier New" panose="02070309020205020404" pitchFamily="49" charset="0"/>
-              </a:rPr>
-              <a:t>&lt;</a:t>
-            </a:r>
-            <a:r>
-              <a:rPr lang="en-US" sz="1600" dirty="0" err="1">
-                <a:latin typeface="Courier New" panose="02070309020205020404" pitchFamily="49" charset="0"/>
-                <a:cs typeface="Courier New" panose="02070309020205020404" pitchFamily="49" charset="0"/>
-              </a:rPr>
-              <a:t>strlen</a:t>
-            </a:r>
-            <a:r>
-              <a:rPr lang="en-US" sz="1600" dirty="0">
-                <a:latin typeface="Courier New" panose="02070309020205020404" pitchFamily="49" charset="0"/>
-                <a:cs typeface="Courier New" panose="02070309020205020404" pitchFamily="49" charset="0"/>
-              </a:rPr>
-              <a:t>(</a:t>
-            </a:r>
-            <a:r>
-              <a:rPr lang="en-US" sz="1600" dirty="0" err="1">
-                <a:latin typeface="Courier New" panose="02070309020205020404" pitchFamily="49" charset="0"/>
-                <a:cs typeface="Courier New" panose="02070309020205020404" pitchFamily="49" charset="0"/>
-              </a:rPr>
-              <a:t>inp</a:t>
-            </a:r>
-            <a:r>
-              <a:rPr lang="en-US" sz="1600" dirty="0">
-                <a:latin typeface="Courier New" panose="02070309020205020404" pitchFamily="49" charset="0"/>
-                <a:cs typeface="Courier New" panose="02070309020205020404" pitchFamily="49" charset="0"/>
-              </a:rPr>
-              <a:t>)-1; </a:t>
-            </a:r>
-            <a:r>
-              <a:rPr lang="en-US" sz="1600" dirty="0" err="1">
-                <a:latin typeface="Courier New" panose="02070309020205020404" pitchFamily="49" charset="0"/>
-                <a:cs typeface="Courier New" panose="02070309020205020404" pitchFamily="49" charset="0"/>
-              </a:rPr>
-              <a:t>i</a:t>
-            </a:r>
-            <a:r>
-              <a:rPr lang="en-US" sz="1600" dirty="0">
-                <a:latin typeface="Courier New" panose="02070309020205020404" pitchFamily="49" charset="0"/>
-                <a:cs typeface="Courier New" panose="02070309020205020404" pitchFamily="49" charset="0"/>
-              </a:rPr>
-              <a:t>++) {</a:t>
-            </a:r>
-          </a:p>
-          <a:p>
-            <a:r>
-              <a:rPr lang="en-US" sz="1600" dirty="0">
-                <a:latin typeface="Courier New" panose="02070309020205020404" pitchFamily="49" charset="0"/>
-                <a:cs typeface="Courier New" panose="02070309020205020404" pitchFamily="49" charset="0"/>
-              </a:rPr>
-              <a:t>        if ( ! found &amp;&amp; </a:t>
-            </a:r>
-            <a:r>
-              <a:rPr lang="en-US" sz="1600" dirty="0" err="1">
-                <a:latin typeface="Courier New" panose="02070309020205020404" pitchFamily="49" charset="0"/>
-                <a:cs typeface="Courier New" panose="02070309020205020404" pitchFamily="49" charset="0"/>
-              </a:rPr>
-              <a:t>isspace</a:t>
-            </a:r>
-            <a:r>
-              <a:rPr lang="en-US" sz="1600" dirty="0">
-                <a:latin typeface="Courier New" panose="02070309020205020404" pitchFamily="49" charset="0"/>
-                <a:cs typeface="Courier New" panose="02070309020205020404" pitchFamily="49" charset="0"/>
-              </a:rPr>
-              <a:t>(</a:t>
-            </a:r>
-            <a:r>
-              <a:rPr lang="en-US" sz="1600" dirty="0" err="1">
-                <a:latin typeface="Courier New" panose="02070309020205020404" pitchFamily="49" charset="0"/>
-                <a:cs typeface="Courier New" panose="02070309020205020404" pitchFamily="49" charset="0"/>
-              </a:rPr>
-              <a:t>inp</a:t>
-            </a:r>
-            <a:r>
-              <a:rPr lang="en-US" sz="1600" dirty="0">
-                <a:latin typeface="Courier New" panose="02070309020205020404" pitchFamily="49" charset="0"/>
-                <a:cs typeface="Courier New" panose="02070309020205020404" pitchFamily="49" charset="0"/>
-              </a:rPr>
-              <a:t>[</a:t>
-            </a:r>
-            <a:r>
-              <a:rPr lang="en-US" sz="1600" dirty="0" err="1">
-                <a:latin typeface="Courier New" panose="02070309020205020404" pitchFamily="49" charset="0"/>
-                <a:cs typeface="Courier New" panose="02070309020205020404" pitchFamily="49" charset="0"/>
-              </a:rPr>
-              <a:t>i</a:t>
-            </a:r>
-            <a:r>
-              <a:rPr lang="en-US" sz="1600" dirty="0">
-                <a:latin typeface="Courier New" panose="02070309020205020404" pitchFamily="49" charset="0"/>
-                <a:cs typeface="Courier New" panose="02070309020205020404" pitchFamily="49" charset="0"/>
-              </a:rPr>
-              <a:t>]) ) continue;</a:t>
-            </a:r>
-          </a:p>
-          <a:p>
-            <a:r>
-              <a:rPr lang="en-US" sz="1600" dirty="0">
-                <a:latin typeface="Courier New" panose="02070309020205020404" pitchFamily="49" charset="0"/>
-                <a:cs typeface="Courier New" panose="02070309020205020404" pitchFamily="49" charset="0"/>
-              </a:rPr>
-              <a:t>        if ( </a:t>
-            </a:r>
-            <a:r>
-              <a:rPr lang="en-US" sz="1600" dirty="0" err="1">
-                <a:latin typeface="Courier New" panose="02070309020205020404" pitchFamily="49" charset="0"/>
-                <a:cs typeface="Courier New" panose="02070309020205020404" pitchFamily="49" charset="0"/>
-              </a:rPr>
-              <a:t>i</a:t>
-            </a:r>
-            <a:r>
-              <a:rPr lang="en-US" sz="1600" dirty="0">
-                <a:latin typeface="Courier New" panose="02070309020205020404" pitchFamily="49" charset="0"/>
-                <a:cs typeface="Courier New" panose="02070309020205020404" pitchFamily="49" charset="0"/>
-              </a:rPr>
-              <a:t> == j ) return;</a:t>
-            </a:r>
-          </a:p>
-          <a:p>
-            <a:r>
-              <a:rPr lang="en-US" sz="1600" dirty="0">
-                <a:latin typeface="Courier New" panose="02070309020205020404" pitchFamily="49" charset="0"/>
-                <a:cs typeface="Courier New" panose="02070309020205020404" pitchFamily="49" charset="0"/>
-              </a:rPr>
-              <a:t>        found = 1;</a:t>
-            </a:r>
-          </a:p>
-          <a:p>
-            <a:r>
-              <a:rPr lang="en-US" sz="1600" dirty="0">
-                <a:latin typeface="Courier New" panose="02070309020205020404" pitchFamily="49" charset="0"/>
-                <a:cs typeface="Courier New" panose="02070309020205020404" pitchFamily="49" charset="0"/>
-              </a:rPr>
-              <a:t>        </a:t>
-            </a:r>
-            <a:r>
-              <a:rPr lang="en-US" sz="1600" dirty="0" err="1">
-                <a:latin typeface="Courier New" panose="02070309020205020404" pitchFamily="49" charset="0"/>
-                <a:cs typeface="Courier New" panose="02070309020205020404" pitchFamily="49" charset="0"/>
-              </a:rPr>
-              <a:t>inp</a:t>
-            </a:r>
-            <a:r>
-              <a:rPr lang="en-US" sz="1600" dirty="0">
-                <a:latin typeface="Courier New" panose="02070309020205020404" pitchFamily="49" charset="0"/>
-                <a:cs typeface="Courier New" panose="02070309020205020404" pitchFamily="49" charset="0"/>
-              </a:rPr>
-              <a:t>[</a:t>
-            </a:r>
-            <a:r>
-              <a:rPr lang="en-US" sz="1600" dirty="0" err="1">
-                <a:latin typeface="Courier New" panose="02070309020205020404" pitchFamily="49" charset="0"/>
-                <a:cs typeface="Courier New" panose="02070309020205020404" pitchFamily="49" charset="0"/>
-              </a:rPr>
-              <a:t>j++</a:t>
-            </a:r>
-            <a:r>
-              <a:rPr lang="en-US" sz="1600" dirty="0">
-                <a:latin typeface="Courier New" panose="02070309020205020404" pitchFamily="49" charset="0"/>
-                <a:cs typeface="Courier New" panose="02070309020205020404" pitchFamily="49" charset="0"/>
-              </a:rPr>
-              <a:t>] = </a:t>
-            </a:r>
-            <a:r>
-              <a:rPr lang="en-US" sz="1600" dirty="0" err="1">
-                <a:latin typeface="Courier New" panose="02070309020205020404" pitchFamily="49" charset="0"/>
-                <a:cs typeface="Courier New" panose="02070309020205020404" pitchFamily="49" charset="0"/>
-              </a:rPr>
-              <a:t>inp</a:t>
-            </a:r>
-            <a:r>
-              <a:rPr lang="en-US" sz="1600" dirty="0">
-                <a:latin typeface="Courier New" panose="02070309020205020404" pitchFamily="49" charset="0"/>
-                <a:cs typeface="Courier New" panose="02070309020205020404" pitchFamily="49" charset="0"/>
-              </a:rPr>
-              <a:t>[</a:t>
-            </a:r>
-            <a:r>
-              <a:rPr lang="en-US" sz="1600" dirty="0" err="1">
-                <a:latin typeface="Courier New" panose="02070309020205020404" pitchFamily="49" charset="0"/>
-                <a:cs typeface="Courier New" panose="02070309020205020404" pitchFamily="49" charset="0"/>
-              </a:rPr>
-              <a:t>i</a:t>
-            </a:r>
-            <a:r>
-              <a:rPr lang="en-US" sz="1600" dirty="0">
-                <a:latin typeface="Courier New" panose="02070309020205020404" pitchFamily="49" charset="0"/>
-                <a:cs typeface="Courier New" panose="02070309020205020404" pitchFamily="49" charset="0"/>
-              </a:rPr>
-              <a:t>];</a:t>
-            </a:r>
-          </a:p>
-          <a:p>
-            <a:r>
-              <a:rPr lang="en-US" sz="1600" dirty="0">
-                <a:latin typeface="Courier New" panose="02070309020205020404" pitchFamily="49" charset="0"/>
-                <a:cs typeface="Courier New" panose="02070309020205020404" pitchFamily="49" charset="0"/>
-              </a:rPr>
-              <a:t>    }</a:t>
-            </a:r>
-          </a:p>
-          <a:p>
-            <a:r>
-              <a:rPr lang="en-US" sz="1600" dirty="0">
-                <a:latin typeface="Courier New" panose="02070309020205020404" pitchFamily="49" charset="0"/>
-                <a:cs typeface="Courier New" panose="02070309020205020404" pitchFamily="49" charset="0"/>
-              </a:rPr>
-              <a:t>    </a:t>
-            </a:r>
-            <a:r>
-              <a:rPr lang="en-US" sz="1600" dirty="0" err="1">
-                <a:latin typeface="Courier New" panose="02070309020205020404" pitchFamily="49" charset="0"/>
-                <a:cs typeface="Courier New" panose="02070309020205020404" pitchFamily="49" charset="0"/>
-              </a:rPr>
-              <a:t>inp</a:t>
-            </a:r>
-            <a:r>
-              <a:rPr lang="en-US" sz="1600" dirty="0">
-                <a:latin typeface="Courier New" panose="02070309020205020404" pitchFamily="49" charset="0"/>
-                <a:cs typeface="Courier New" panose="02070309020205020404" pitchFamily="49" charset="0"/>
-              </a:rPr>
-              <a:t>[++j] = '\0';</a:t>
-            </a:r>
-          </a:p>
-          <a:p>
-            <a:r>
-              <a:rPr lang="en-US" sz="1600" dirty="0">
-                <a:latin typeface="Courier New" panose="02070309020205020404" pitchFamily="49" charset="0"/>
-                <a:cs typeface="Courier New" panose="02070309020205020404" pitchFamily="49" charset="0"/>
-              </a:rPr>
-              <a:t>}</a:t>
-            </a:r>
-          </a:p>
-        </p:txBody>
-      </p:sp>
-      <p:sp>
-        <p:nvSpPr>
-          <p:cNvPr id="7" name="TextBox 6">
-            <a:extLst>
-              <a:ext uri="{FF2B5EF4-FFF2-40B4-BE49-F238E27FC236}">
-                <a16:creationId xmlns:a16="http://schemas.microsoft.com/office/drawing/2014/main" id="{03B4458A-37BA-02AB-CE8C-B288D36FE6BF}"/>
-              </a:ext>
-            </a:extLst>
-          </p:cNvPr>
-          <p:cNvSpPr txBox="1"/>
-          <p:nvPr/>
-        </p:nvSpPr>
-        <p:spPr>
-          <a:xfrm>
-            <a:off x="992011" y="4111055"/>
-            <a:ext cx="2803973" cy="369332"/>
-          </a:xfrm>
-          <a:prstGeom prst="rect">
-            <a:avLst/>
-          </a:prstGeom>
-          <a:noFill/>
-        </p:spPr>
-        <p:txBody>
-          <a:bodyPr wrap="none" rtlCol="0">
-            <a:spAutoFit/>
-          </a:bodyPr>
-          <a:lstStyle/>
-          <a:p>
-            <a:r>
-              <a:rPr lang="en-US" dirty="0">
-                <a:latin typeface="Monaco" pitchFamily="2" charset="77"/>
-              </a:rPr>
-              <a:t>-Hello   World    -</a:t>
-            </a:r>
-          </a:p>
-        </p:txBody>
-      </p:sp>
-      <p:sp>
-        <p:nvSpPr>
-          <p:cNvPr id="8" name="TextBox 7">
-            <a:extLst>
-              <a:ext uri="{FF2B5EF4-FFF2-40B4-BE49-F238E27FC236}">
-                <a16:creationId xmlns:a16="http://schemas.microsoft.com/office/drawing/2014/main" id="{F7AC2D4A-1256-8DC4-CDEF-7E9063C86FCE}"/>
-              </a:ext>
-            </a:extLst>
-          </p:cNvPr>
-          <p:cNvSpPr txBox="1"/>
-          <p:nvPr/>
-        </p:nvSpPr>
-        <p:spPr>
-          <a:xfrm>
-            <a:off x="10460182" y="6323598"/>
-            <a:ext cx="1600199" cy="338554"/>
-          </a:xfrm>
-          <a:prstGeom prst="rect">
-            <a:avLst/>
-          </a:prstGeom>
-          <a:noFill/>
-        </p:spPr>
-        <p:txBody>
-          <a:bodyPr wrap="square">
-            <a:spAutoFit/>
-          </a:bodyPr>
-          <a:lstStyle/>
-          <a:p>
-            <a:r>
-              <a:rPr lang="en-US" sz="1600" dirty="0">
-                <a:solidFill>
-                  <a:srgbClr val="000000"/>
-                </a:solidFill>
-                <a:effectLst/>
-                <a:latin typeface="Menlo" panose="020B0609030804020204" pitchFamily="49" charset="0"/>
-              </a:rPr>
-              <a:t>cc_02_14.c</a:t>
-            </a:r>
-          </a:p>
-        </p:txBody>
-      </p:sp>
-    </p:spTree>
-    <p:extLst>
-      <p:ext uri="{BB962C8B-B14F-4D97-AF65-F5344CB8AC3E}">
-        <p14:creationId xmlns:p14="http://schemas.microsoft.com/office/powerpoint/2010/main" val="1893154291"/>
-      </p:ext>
-    </p:extLst>
-  </p:cSld>
-  <p:clrMapOvr>
-    <a:masterClrMapping/>
-  </p:clrMapOvr>
-</p:sld>
-</file>
-
-<file path=ppt/slides/slide26.xml><?xml version="1.0" encoding="utf-8"?>
-<p:sld xmlns:a="http://schemas.openxmlformats.org/drawingml/2006/main" xmlns:r="http://schemas.openxmlformats.org/officeDocument/2006/relationships" xmlns:p="http://schemas.openxmlformats.org/presentationml/2006/main">
-  <p:cSld>
-    <p:spTree>
-      <p:nvGrpSpPr>
-        <p:cNvPr id="1" name=""/>
-        <p:cNvGrpSpPr/>
-        <p:nvPr/>
-      </p:nvGrpSpPr>
-      <p:grpSpPr>
-        <a:xfrm>
-          <a:off x="0" y="0"/>
-          <a:ext cx="0" cy="0"/>
-          <a:chOff x="0" y="0"/>
-          <a:chExt cx="0" cy="0"/>
-        </a:xfrm>
-      </p:grpSpPr>
-      <p:sp>
-        <p:nvSpPr>
-          <p:cNvPr id="4" name="Title 3">
-            <a:extLst>
-              <a:ext uri="{FF2B5EF4-FFF2-40B4-BE49-F238E27FC236}">
-                <a16:creationId xmlns:a16="http://schemas.microsoft.com/office/drawing/2014/main" id="{C2B508E1-B5B9-9A0B-37F0-15F2BB303BFA}"/>
-              </a:ext>
-            </a:extLst>
-          </p:cNvPr>
-          <p:cNvSpPr>
-            <a:spLocks noGrp="1"/>
-          </p:cNvSpPr>
-          <p:nvPr>
-            <p:ph type="title"/>
-          </p:nvPr>
-        </p:nvSpPr>
-        <p:spPr/>
-        <p:txBody>
-          <a:bodyPr/>
-          <a:lstStyle/>
-          <a:p>
-            <a:r>
-              <a:rPr lang="en-US" dirty="0"/>
-              <a:t>Dynamic Memory</a:t>
-            </a:r>
-          </a:p>
-        </p:txBody>
-      </p:sp>
-      <p:sp>
-        <p:nvSpPr>
-          <p:cNvPr id="5" name="TextBox 4">
-            <a:extLst>
-              <a:ext uri="{FF2B5EF4-FFF2-40B4-BE49-F238E27FC236}">
-                <a16:creationId xmlns:a16="http://schemas.microsoft.com/office/drawing/2014/main" id="{FDC36094-8775-EBE3-1FED-6DF8907EC500}"/>
-              </a:ext>
-            </a:extLst>
-          </p:cNvPr>
-          <p:cNvSpPr txBox="1"/>
-          <p:nvPr/>
-        </p:nvSpPr>
-        <p:spPr>
-          <a:xfrm>
-            <a:off x="621488" y="1690688"/>
-            <a:ext cx="4875053" cy="1569660"/>
-          </a:xfrm>
-          <a:prstGeom prst="rect">
-            <a:avLst/>
-          </a:prstGeom>
-          <a:noFill/>
-        </p:spPr>
-        <p:txBody>
-          <a:bodyPr wrap="none" rtlCol="0">
-            <a:spAutoFit/>
-          </a:bodyPr>
-          <a:lstStyle/>
-          <a:p>
-            <a:r>
-              <a:rPr lang="en-US" sz="1600" dirty="0">
-                <a:latin typeface="Courier New" panose="02070309020205020404" pitchFamily="49" charset="0"/>
-                <a:cs typeface="Courier New" panose="02070309020205020404" pitchFamily="49" charset="0"/>
-              </a:rPr>
-              <a:t>print('Enter two strings');</a:t>
-            </a:r>
-          </a:p>
-          <a:p>
-            <a:r>
-              <a:rPr lang="en-US" sz="1600" dirty="0">
-                <a:latin typeface="Courier New" panose="02070309020205020404" pitchFamily="49" charset="0"/>
-                <a:cs typeface="Courier New" panose="02070309020205020404" pitchFamily="49" charset="0"/>
-              </a:rPr>
-              <a:t>first = input()</a:t>
-            </a:r>
-          </a:p>
-          <a:p>
-            <a:r>
-              <a:rPr lang="en-US" sz="1600" dirty="0">
-                <a:latin typeface="Courier New" panose="02070309020205020404" pitchFamily="49" charset="0"/>
-                <a:cs typeface="Courier New" panose="02070309020205020404" pitchFamily="49" charset="0"/>
-              </a:rPr>
-              <a:t>second = input()</a:t>
-            </a:r>
-          </a:p>
-          <a:p>
-            <a:r>
-              <a:rPr lang="en-US" sz="1600" dirty="0" err="1">
-                <a:latin typeface="Courier New" panose="02070309020205020404" pitchFamily="49" charset="0"/>
-                <a:cs typeface="Courier New" panose="02070309020205020404" pitchFamily="49" charset="0"/>
-              </a:rPr>
-              <a:t>dest</a:t>
-            </a:r>
-            <a:r>
-              <a:rPr lang="en-US" sz="1600" dirty="0">
-                <a:latin typeface="Courier New" panose="02070309020205020404" pitchFamily="49" charset="0"/>
-                <a:cs typeface="Courier New" panose="02070309020205020404" pitchFamily="49" charset="0"/>
-              </a:rPr>
-              <a:t> = first + " &amp; " + second</a:t>
-            </a:r>
-          </a:p>
-          <a:p>
-            <a:r>
-              <a:rPr lang="en-US" sz="1600" dirty="0">
-                <a:latin typeface="Courier New" panose="02070309020205020404" pitchFamily="49" charset="0"/>
-                <a:cs typeface="Courier New" panose="02070309020205020404" pitchFamily="49" charset="0"/>
-              </a:rPr>
-              <a:t>print('We got',</a:t>
-            </a:r>
-            <a:r>
-              <a:rPr lang="en-US" sz="1600" dirty="0" err="1">
-                <a:latin typeface="Courier New" panose="02070309020205020404" pitchFamily="49" charset="0"/>
-                <a:cs typeface="Courier New" panose="02070309020205020404" pitchFamily="49" charset="0"/>
-              </a:rPr>
-              <a:t>len</a:t>
-            </a:r>
-            <a:r>
-              <a:rPr lang="en-US" sz="1600" dirty="0">
-                <a:latin typeface="Courier New" panose="02070309020205020404" pitchFamily="49" charset="0"/>
-                <a:cs typeface="Courier New" panose="02070309020205020404" pitchFamily="49" charset="0"/>
-              </a:rPr>
-              <a:t>(</a:t>
-            </a:r>
-            <a:r>
-              <a:rPr lang="en-US" sz="1600" dirty="0" err="1">
-                <a:latin typeface="Courier New" panose="02070309020205020404" pitchFamily="49" charset="0"/>
-                <a:cs typeface="Courier New" panose="02070309020205020404" pitchFamily="49" charset="0"/>
-              </a:rPr>
-              <a:t>dest</a:t>
-            </a:r>
-            <a:r>
-              <a:rPr lang="en-US" sz="1600" dirty="0">
-                <a:latin typeface="Courier New" panose="02070309020205020404" pitchFamily="49" charset="0"/>
-                <a:cs typeface="Courier New" panose="02070309020205020404" pitchFamily="49" charset="0"/>
-              </a:rPr>
-              <a:t>),'characters')</a:t>
-            </a:r>
-          </a:p>
-          <a:p>
-            <a:r>
-              <a:rPr lang="en-US" sz="1600" dirty="0">
-                <a:latin typeface="Courier New" panose="02070309020205020404" pitchFamily="49" charset="0"/>
-                <a:cs typeface="Courier New" panose="02070309020205020404" pitchFamily="49" charset="0"/>
-              </a:rPr>
-              <a:t>print(</a:t>
-            </a:r>
-            <a:r>
-              <a:rPr lang="en-US" sz="1600" dirty="0" err="1">
-                <a:latin typeface="Courier New" panose="02070309020205020404" pitchFamily="49" charset="0"/>
-                <a:cs typeface="Courier New" panose="02070309020205020404" pitchFamily="49" charset="0"/>
-              </a:rPr>
-              <a:t>dest</a:t>
-            </a:r>
-            <a:r>
-              <a:rPr lang="en-US" sz="1600" dirty="0">
-                <a:latin typeface="Courier New" panose="02070309020205020404" pitchFamily="49" charset="0"/>
-                <a:cs typeface="Courier New" panose="02070309020205020404" pitchFamily="49" charset="0"/>
-              </a:rPr>
-              <a:t>)</a:t>
-            </a:r>
-          </a:p>
-        </p:txBody>
-      </p:sp>
-      <p:sp>
-        <p:nvSpPr>
-          <p:cNvPr id="6" name="TextBox 5">
-            <a:extLst>
-              <a:ext uri="{FF2B5EF4-FFF2-40B4-BE49-F238E27FC236}">
-                <a16:creationId xmlns:a16="http://schemas.microsoft.com/office/drawing/2014/main" id="{C004B7C8-BBD4-1EE7-3894-3C801D6DC253}"/>
-              </a:ext>
-            </a:extLst>
-          </p:cNvPr>
-          <p:cNvSpPr txBox="1"/>
-          <p:nvPr/>
-        </p:nvSpPr>
-        <p:spPr>
-          <a:xfrm>
-            <a:off x="5580722" y="1289953"/>
-            <a:ext cx="6479659" cy="4524315"/>
-          </a:xfrm>
-          <a:prstGeom prst="rect">
-            <a:avLst/>
-          </a:prstGeom>
-          <a:noFill/>
-        </p:spPr>
-        <p:txBody>
-          <a:bodyPr wrap="none" rtlCol="0">
-            <a:spAutoFit/>
-          </a:bodyPr>
-          <a:lstStyle/>
-          <a:p>
-            <a:r>
-              <a:rPr lang="en-US" sz="1600" dirty="0">
-                <a:latin typeface="Courier New" panose="02070309020205020404" pitchFamily="49" charset="0"/>
-                <a:cs typeface="Courier New" panose="02070309020205020404" pitchFamily="49" charset="0"/>
-              </a:rPr>
-              <a:t>#include &lt;</a:t>
-            </a:r>
-            <a:r>
-              <a:rPr lang="en-US" sz="1600" dirty="0" err="1">
-                <a:latin typeface="Courier New" panose="02070309020205020404" pitchFamily="49" charset="0"/>
-                <a:cs typeface="Courier New" panose="02070309020205020404" pitchFamily="49" charset="0"/>
-              </a:rPr>
-              <a:t>stdio.h</a:t>
-            </a:r>
-            <a:r>
-              <a:rPr lang="en-US" sz="1600" dirty="0">
-                <a:latin typeface="Courier New" panose="02070309020205020404" pitchFamily="49" charset="0"/>
-                <a:cs typeface="Courier New" panose="02070309020205020404" pitchFamily="49" charset="0"/>
-              </a:rPr>
-              <a:t>&gt;</a:t>
-            </a:r>
-          </a:p>
-          <a:p>
-            <a:r>
-              <a:rPr lang="en-US" sz="1600" dirty="0">
-                <a:latin typeface="Courier New" panose="02070309020205020404" pitchFamily="49" charset="0"/>
-                <a:cs typeface="Courier New" panose="02070309020205020404" pitchFamily="49" charset="0"/>
-              </a:rPr>
-              <a:t>#include &lt;</a:t>
-            </a:r>
-            <a:r>
-              <a:rPr lang="en-US" sz="1600" dirty="0" err="1">
-                <a:latin typeface="Courier New" panose="02070309020205020404" pitchFamily="49" charset="0"/>
-                <a:cs typeface="Courier New" panose="02070309020205020404" pitchFamily="49" charset="0"/>
-              </a:rPr>
-              <a:t>string.h</a:t>
-            </a:r>
-            <a:r>
-              <a:rPr lang="en-US" sz="1600" dirty="0">
-                <a:latin typeface="Courier New" panose="02070309020205020404" pitchFamily="49" charset="0"/>
-                <a:cs typeface="Courier New" panose="02070309020205020404" pitchFamily="49" charset="0"/>
-              </a:rPr>
-              <a:t>&gt;</a:t>
-            </a:r>
-          </a:p>
-          <a:p>
-            <a:r>
-              <a:rPr lang="en-US" sz="1600" dirty="0">
-                <a:latin typeface="Courier New" panose="02070309020205020404" pitchFamily="49" charset="0"/>
-                <a:cs typeface="Courier New" panose="02070309020205020404" pitchFamily="49" charset="0"/>
-              </a:rPr>
-              <a:t>#include &lt;</a:t>
-            </a:r>
-            <a:r>
-              <a:rPr lang="en-US" sz="1600" dirty="0" err="1">
-                <a:latin typeface="Courier New" panose="02070309020205020404" pitchFamily="49" charset="0"/>
-                <a:cs typeface="Courier New" panose="02070309020205020404" pitchFamily="49" charset="0"/>
-              </a:rPr>
-              <a:t>stdlib.h</a:t>
-            </a:r>
-            <a:r>
-              <a:rPr lang="en-US" sz="1600" dirty="0">
-                <a:latin typeface="Courier New" panose="02070309020205020404" pitchFamily="49" charset="0"/>
-                <a:cs typeface="Courier New" panose="02070309020205020404" pitchFamily="49" charset="0"/>
-              </a:rPr>
-              <a:t>&gt;</a:t>
-            </a:r>
-          </a:p>
-          <a:p>
-            <a:r>
-              <a:rPr lang="en-US" sz="1600" dirty="0">
-                <a:latin typeface="Courier New" panose="02070309020205020404" pitchFamily="49" charset="0"/>
-                <a:cs typeface="Courier New" panose="02070309020205020404" pitchFamily="49" charset="0"/>
-              </a:rPr>
-              <a:t>int main() {</a:t>
-            </a:r>
-          </a:p>
-          <a:p>
-            <a:r>
-              <a:rPr lang="en-US" sz="1600" dirty="0">
-                <a:latin typeface="Courier New" panose="02070309020205020404" pitchFamily="49" charset="0"/>
-                <a:cs typeface="Courier New" panose="02070309020205020404" pitchFamily="49" charset="0"/>
-              </a:rPr>
-              <a:t>    char first[100], second[100], *</a:t>
-            </a:r>
-            <a:r>
-              <a:rPr lang="en-US" sz="1600" dirty="0" err="1">
-                <a:latin typeface="Courier New" panose="02070309020205020404" pitchFamily="49" charset="0"/>
-                <a:cs typeface="Courier New" panose="02070309020205020404" pitchFamily="49" charset="0"/>
-              </a:rPr>
-              <a:t>concat</a:t>
-            </a:r>
-            <a:r>
-              <a:rPr lang="en-US" sz="1600" dirty="0">
-                <a:latin typeface="Courier New" panose="02070309020205020404" pitchFamily="49" charset="0"/>
-                <a:cs typeface="Courier New" panose="02070309020205020404" pitchFamily="49" charset="0"/>
-              </a:rPr>
-              <a:t>;</a:t>
-            </a:r>
-          </a:p>
-          <a:p>
-            <a:r>
-              <a:rPr lang="en-US" sz="1600" dirty="0">
-                <a:latin typeface="Courier New" panose="02070309020205020404" pitchFamily="49" charset="0"/>
-                <a:cs typeface="Courier New" panose="02070309020205020404" pitchFamily="49" charset="0"/>
-              </a:rPr>
-              <a:t>    int needed;</a:t>
-            </a:r>
-          </a:p>
-          <a:p>
-            <a:r>
-              <a:rPr lang="en-US" sz="1600" dirty="0">
-                <a:latin typeface="Courier New" panose="02070309020205020404" pitchFamily="49" charset="0"/>
-                <a:cs typeface="Courier New" panose="02070309020205020404" pitchFamily="49" charset="0"/>
-              </a:rPr>
-              <a:t>    </a:t>
-            </a:r>
-            <a:r>
-              <a:rPr lang="en-US" sz="1600" dirty="0" err="1">
-                <a:latin typeface="Courier New" panose="02070309020205020404" pitchFamily="49" charset="0"/>
-                <a:cs typeface="Courier New" panose="02070309020205020404" pitchFamily="49" charset="0"/>
-              </a:rPr>
-              <a:t>printf</a:t>
-            </a:r>
-            <a:r>
-              <a:rPr lang="en-US" sz="1600" dirty="0">
-                <a:latin typeface="Courier New" panose="02070309020205020404" pitchFamily="49" charset="0"/>
-                <a:cs typeface="Courier New" panose="02070309020205020404" pitchFamily="49" charset="0"/>
-              </a:rPr>
-              <a:t>("Enter two strings\n");</a:t>
-            </a:r>
-          </a:p>
-          <a:p>
-            <a:r>
-              <a:rPr lang="en-US" sz="1600" dirty="0">
-                <a:latin typeface="Courier New" panose="02070309020205020404" pitchFamily="49" charset="0"/>
-                <a:cs typeface="Courier New" panose="02070309020205020404" pitchFamily="49" charset="0"/>
-              </a:rPr>
-              <a:t>    </a:t>
-            </a:r>
-            <a:r>
-              <a:rPr lang="en-US" sz="1600" dirty="0" err="1">
-                <a:latin typeface="Courier New" panose="02070309020205020404" pitchFamily="49" charset="0"/>
-                <a:cs typeface="Courier New" panose="02070309020205020404" pitchFamily="49" charset="0"/>
-              </a:rPr>
-              <a:t>scanf</a:t>
-            </a:r>
-            <a:r>
-              <a:rPr lang="en-US" sz="1600" dirty="0">
-                <a:latin typeface="Courier New" panose="02070309020205020404" pitchFamily="49" charset="0"/>
-                <a:cs typeface="Courier New" panose="02070309020205020404" pitchFamily="49" charset="0"/>
-              </a:rPr>
-              <a:t>("%100s", first);</a:t>
-            </a:r>
-          </a:p>
-          <a:p>
-            <a:r>
-              <a:rPr lang="en-US" sz="1600" dirty="0">
-                <a:latin typeface="Courier New" panose="02070309020205020404" pitchFamily="49" charset="0"/>
-                <a:cs typeface="Courier New" panose="02070309020205020404" pitchFamily="49" charset="0"/>
-              </a:rPr>
-              <a:t>    </a:t>
-            </a:r>
-            <a:r>
-              <a:rPr lang="en-US" sz="1600" dirty="0" err="1">
-                <a:latin typeface="Courier New" panose="02070309020205020404" pitchFamily="49" charset="0"/>
-                <a:cs typeface="Courier New" panose="02070309020205020404" pitchFamily="49" charset="0"/>
-              </a:rPr>
-              <a:t>scanf</a:t>
-            </a:r>
-            <a:r>
-              <a:rPr lang="en-US" sz="1600" dirty="0">
-                <a:latin typeface="Courier New" panose="02070309020205020404" pitchFamily="49" charset="0"/>
-                <a:cs typeface="Courier New" panose="02070309020205020404" pitchFamily="49" charset="0"/>
-              </a:rPr>
-              <a:t>("%100s", second);</a:t>
-            </a:r>
-          </a:p>
-          <a:p>
-            <a:r>
-              <a:rPr lang="en-US" sz="1600" dirty="0">
-                <a:latin typeface="Courier New" panose="02070309020205020404" pitchFamily="49" charset="0"/>
-                <a:cs typeface="Courier New" panose="02070309020205020404" pitchFamily="49" charset="0"/>
-              </a:rPr>
-              <a:t>    needed = </a:t>
-            </a:r>
-            <a:r>
-              <a:rPr lang="en-US" sz="1600" dirty="0" err="1">
-                <a:latin typeface="Courier New" panose="02070309020205020404" pitchFamily="49" charset="0"/>
-                <a:cs typeface="Courier New" panose="02070309020205020404" pitchFamily="49" charset="0"/>
-              </a:rPr>
-              <a:t>strlen</a:t>
-            </a:r>
-            <a:r>
-              <a:rPr lang="en-US" sz="1600" dirty="0">
-                <a:latin typeface="Courier New" panose="02070309020205020404" pitchFamily="49" charset="0"/>
-                <a:cs typeface="Courier New" panose="02070309020205020404" pitchFamily="49" charset="0"/>
-              </a:rPr>
-              <a:t>(first)+3+strlen(second)+1;</a:t>
-            </a:r>
-          </a:p>
-          <a:p>
-            <a:r>
-              <a:rPr lang="en-US" sz="1600" dirty="0">
-                <a:latin typeface="Courier New" panose="02070309020205020404" pitchFamily="49" charset="0"/>
-                <a:cs typeface="Courier New" panose="02070309020205020404" pitchFamily="49" charset="0"/>
-              </a:rPr>
-              <a:t>    </a:t>
-            </a:r>
-            <a:r>
-              <a:rPr lang="en-US" sz="1600" dirty="0" err="1">
-                <a:latin typeface="Courier New" panose="02070309020205020404" pitchFamily="49" charset="0"/>
-                <a:cs typeface="Courier New" panose="02070309020205020404" pitchFamily="49" charset="0"/>
-              </a:rPr>
-              <a:t>printf</a:t>
-            </a:r>
-            <a:r>
-              <a:rPr lang="en-US" sz="1600" dirty="0">
-                <a:latin typeface="Courier New" panose="02070309020205020404" pitchFamily="49" charset="0"/>
-                <a:cs typeface="Courier New" panose="02070309020205020404" pitchFamily="49" charset="0"/>
-              </a:rPr>
-              <a:t>("We need %d characters\</a:t>
-            </a:r>
-            <a:r>
-              <a:rPr lang="en-US" sz="1600" dirty="0" err="1">
-                <a:latin typeface="Courier New" panose="02070309020205020404" pitchFamily="49" charset="0"/>
-                <a:cs typeface="Courier New" panose="02070309020205020404" pitchFamily="49" charset="0"/>
-              </a:rPr>
-              <a:t>n",needed</a:t>
-            </a:r>
-            <a:r>
-              <a:rPr lang="en-US" sz="1600" dirty="0">
-                <a:latin typeface="Courier New" panose="02070309020205020404" pitchFamily="49" charset="0"/>
-                <a:cs typeface="Courier New" panose="02070309020205020404" pitchFamily="49" charset="0"/>
-              </a:rPr>
-              <a:t>);</a:t>
-            </a:r>
-          </a:p>
-          <a:p>
-            <a:r>
-              <a:rPr lang="en-US" sz="1600" dirty="0">
-                <a:latin typeface="Courier New" panose="02070309020205020404" pitchFamily="49" charset="0"/>
-                <a:cs typeface="Courier New" panose="02070309020205020404" pitchFamily="49" charset="0"/>
-              </a:rPr>
-              <a:t>    </a:t>
-            </a:r>
-            <a:r>
-              <a:rPr lang="en-US" sz="1600" dirty="0" err="1">
-                <a:latin typeface="Courier New" panose="02070309020205020404" pitchFamily="49" charset="0"/>
-                <a:cs typeface="Courier New" panose="02070309020205020404" pitchFamily="49" charset="0"/>
-              </a:rPr>
-              <a:t>concat</a:t>
-            </a:r>
-            <a:r>
-              <a:rPr lang="en-US" sz="1600" dirty="0">
-                <a:latin typeface="Courier New" panose="02070309020205020404" pitchFamily="49" charset="0"/>
-                <a:cs typeface="Courier New" panose="02070309020205020404" pitchFamily="49" charset="0"/>
-              </a:rPr>
-              <a:t> = (char *) </a:t>
-            </a:r>
-            <a:r>
-              <a:rPr lang="en-US" sz="1600" dirty="0" err="1">
-                <a:latin typeface="Courier New" panose="02070309020205020404" pitchFamily="49" charset="0"/>
-                <a:cs typeface="Courier New" panose="02070309020205020404" pitchFamily="49" charset="0"/>
-              </a:rPr>
-              <a:t>calloc</a:t>
-            </a:r>
-            <a:r>
-              <a:rPr lang="en-US" sz="1600" dirty="0">
-                <a:latin typeface="Courier New" panose="02070309020205020404" pitchFamily="49" charset="0"/>
-                <a:cs typeface="Courier New" panose="02070309020205020404" pitchFamily="49" charset="0"/>
-              </a:rPr>
-              <a:t>(needed, </a:t>
-            </a:r>
-            <a:r>
-              <a:rPr lang="en-US" sz="1600" dirty="0" err="1">
-                <a:latin typeface="Courier New" panose="02070309020205020404" pitchFamily="49" charset="0"/>
-                <a:cs typeface="Courier New" panose="02070309020205020404" pitchFamily="49" charset="0"/>
-              </a:rPr>
-              <a:t>sizeof</a:t>
-            </a:r>
-            <a:r>
-              <a:rPr lang="en-US" sz="1600" dirty="0">
-                <a:latin typeface="Courier New" panose="02070309020205020404" pitchFamily="49" charset="0"/>
-                <a:cs typeface="Courier New" panose="02070309020205020404" pitchFamily="49" charset="0"/>
-              </a:rPr>
-              <a:t>(char));</a:t>
-            </a:r>
-          </a:p>
-          <a:p>
-            <a:r>
-              <a:rPr lang="en-US" sz="1600" dirty="0">
-                <a:latin typeface="Courier New" panose="02070309020205020404" pitchFamily="49" charset="0"/>
-                <a:cs typeface="Courier New" panose="02070309020205020404" pitchFamily="49" charset="0"/>
-              </a:rPr>
-              <a:t>    </a:t>
-            </a:r>
-            <a:r>
-              <a:rPr lang="en-US" sz="1600" dirty="0" err="1">
-                <a:latin typeface="Courier New" panose="02070309020205020404" pitchFamily="49" charset="0"/>
-                <a:cs typeface="Courier New" panose="02070309020205020404" pitchFamily="49" charset="0"/>
-              </a:rPr>
-              <a:t>strcpy</a:t>
-            </a:r>
-            <a:r>
-              <a:rPr lang="en-US" sz="1600" dirty="0">
-                <a:latin typeface="Courier New" panose="02070309020205020404" pitchFamily="49" charset="0"/>
-                <a:cs typeface="Courier New" panose="02070309020205020404" pitchFamily="49" charset="0"/>
-              </a:rPr>
-              <a:t>(</a:t>
-            </a:r>
-            <a:r>
-              <a:rPr lang="en-US" sz="1600" dirty="0" err="1">
-                <a:latin typeface="Courier New" panose="02070309020205020404" pitchFamily="49" charset="0"/>
-                <a:cs typeface="Courier New" panose="02070309020205020404" pitchFamily="49" charset="0"/>
-              </a:rPr>
-              <a:t>concat</a:t>
-            </a:r>
-            <a:r>
-              <a:rPr lang="en-US" sz="1600" dirty="0">
-                <a:latin typeface="Courier New" panose="02070309020205020404" pitchFamily="49" charset="0"/>
-                <a:cs typeface="Courier New" panose="02070309020205020404" pitchFamily="49" charset="0"/>
-              </a:rPr>
-              <a:t>, first);</a:t>
-            </a:r>
-          </a:p>
-          <a:p>
-            <a:r>
-              <a:rPr lang="en-US" sz="1600" dirty="0">
-                <a:latin typeface="Courier New" panose="02070309020205020404" pitchFamily="49" charset="0"/>
-                <a:cs typeface="Courier New" panose="02070309020205020404" pitchFamily="49" charset="0"/>
-              </a:rPr>
-              <a:t>    </a:t>
-            </a:r>
-            <a:r>
-              <a:rPr lang="en-US" sz="1600" dirty="0" err="1">
-                <a:latin typeface="Courier New" panose="02070309020205020404" pitchFamily="49" charset="0"/>
-                <a:cs typeface="Courier New" panose="02070309020205020404" pitchFamily="49" charset="0"/>
-              </a:rPr>
-              <a:t>strcat</a:t>
-            </a:r>
-            <a:r>
-              <a:rPr lang="en-US" sz="1600" dirty="0">
-                <a:latin typeface="Courier New" panose="02070309020205020404" pitchFamily="49" charset="0"/>
-                <a:cs typeface="Courier New" panose="02070309020205020404" pitchFamily="49" charset="0"/>
-              </a:rPr>
-              <a:t>(</a:t>
-            </a:r>
-            <a:r>
-              <a:rPr lang="en-US" sz="1600" dirty="0" err="1">
-                <a:latin typeface="Courier New" panose="02070309020205020404" pitchFamily="49" charset="0"/>
-                <a:cs typeface="Courier New" panose="02070309020205020404" pitchFamily="49" charset="0"/>
-              </a:rPr>
-              <a:t>concat</a:t>
-            </a:r>
-            <a:r>
-              <a:rPr lang="en-US" sz="1600" dirty="0">
-                <a:latin typeface="Courier New" panose="02070309020205020404" pitchFamily="49" charset="0"/>
-                <a:cs typeface="Courier New" panose="02070309020205020404" pitchFamily="49" charset="0"/>
-              </a:rPr>
-              <a:t>, " &amp; ");</a:t>
-            </a:r>
-          </a:p>
-          <a:p>
-            <a:r>
-              <a:rPr lang="en-US" sz="1600" dirty="0">
-                <a:latin typeface="Courier New" panose="02070309020205020404" pitchFamily="49" charset="0"/>
-                <a:cs typeface="Courier New" panose="02070309020205020404" pitchFamily="49" charset="0"/>
-              </a:rPr>
-              <a:t>    </a:t>
-            </a:r>
-            <a:r>
-              <a:rPr lang="en-US" sz="1600" dirty="0" err="1">
-                <a:latin typeface="Courier New" panose="02070309020205020404" pitchFamily="49" charset="0"/>
-                <a:cs typeface="Courier New" panose="02070309020205020404" pitchFamily="49" charset="0"/>
-              </a:rPr>
-              <a:t>strcat</a:t>
-            </a:r>
-            <a:r>
-              <a:rPr lang="en-US" sz="1600" dirty="0">
-                <a:latin typeface="Courier New" panose="02070309020205020404" pitchFamily="49" charset="0"/>
-                <a:cs typeface="Courier New" panose="02070309020205020404" pitchFamily="49" charset="0"/>
-              </a:rPr>
-              <a:t>(</a:t>
-            </a:r>
-            <a:r>
-              <a:rPr lang="en-US" sz="1600" dirty="0" err="1">
-                <a:latin typeface="Courier New" panose="02070309020205020404" pitchFamily="49" charset="0"/>
-                <a:cs typeface="Courier New" panose="02070309020205020404" pitchFamily="49" charset="0"/>
-              </a:rPr>
-              <a:t>concat</a:t>
-            </a:r>
-            <a:r>
-              <a:rPr lang="en-US" sz="1600" dirty="0">
-                <a:latin typeface="Courier New" panose="02070309020205020404" pitchFamily="49" charset="0"/>
-                <a:cs typeface="Courier New" panose="02070309020205020404" pitchFamily="49" charset="0"/>
-              </a:rPr>
-              <a:t>, second);</a:t>
-            </a:r>
-          </a:p>
-          <a:p>
-            <a:r>
-              <a:rPr lang="en-US" sz="1600" dirty="0">
-                <a:latin typeface="Courier New" panose="02070309020205020404" pitchFamily="49" charset="0"/>
-                <a:cs typeface="Courier New" panose="02070309020205020404" pitchFamily="49" charset="0"/>
-              </a:rPr>
-              <a:t>    </a:t>
-            </a:r>
-            <a:r>
-              <a:rPr lang="en-US" sz="1600" dirty="0" err="1">
-                <a:latin typeface="Courier New" panose="02070309020205020404" pitchFamily="49" charset="0"/>
-                <a:cs typeface="Courier New" panose="02070309020205020404" pitchFamily="49" charset="0"/>
-              </a:rPr>
-              <a:t>printf</a:t>
-            </a:r>
-            <a:r>
-              <a:rPr lang="en-US" sz="1600" dirty="0">
-                <a:latin typeface="Courier New" panose="02070309020205020404" pitchFamily="49" charset="0"/>
-                <a:cs typeface="Courier New" panose="02070309020205020404" pitchFamily="49" charset="0"/>
-              </a:rPr>
-              <a:t>("%s\n", </a:t>
-            </a:r>
-            <a:r>
-              <a:rPr lang="en-US" sz="1600" dirty="0" err="1">
-                <a:latin typeface="Courier New" panose="02070309020205020404" pitchFamily="49" charset="0"/>
-                <a:cs typeface="Courier New" panose="02070309020205020404" pitchFamily="49" charset="0"/>
-              </a:rPr>
-              <a:t>concat</a:t>
-            </a:r>
-            <a:r>
-              <a:rPr lang="en-US" sz="1600" dirty="0">
-                <a:latin typeface="Courier New" panose="02070309020205020404" pitchFamily="49" charset="0"/>
-                <a:cs typeface="Courier New" panose="02070309020205020404" pitchFamily="49" charset="0"/>
-              </a:rPr>
-              <a:t>);</a:t>
-            </a:r>
-          </a:p>
-          <a:p>
-            <a:r>
-              <a:rPr lang="en-US" sz="1600">
-                <a:latin typeface="Courier New" panose="02070309020205020404" pitchFamily="49" charset="0"/>
-                <a:cs typeface="Courier New" panose="02070309020205020404" pitchFamily="49" charset="0"/>
-              </a:rPr>
-              <a:t>    free</a:t>
-            </a:r>
-            <a:r>
-              <a:rPr lang="en-US" sz="1600" dirty="0">
-                <a:latin typeface="Courier New" panose="02070309020205020404" pitchFamily="49" charset="0"/>
-                <a:cs typeface="Courier New" panose="02070309020205020404" pitchFamily="49" charset="0"/>
-              </a:rPr>
-              <a:t>(</a:t>
-            </a:r>
-            <a:r>
-              <a:rPr lang="en-US" sz="1600" dirty="0" err="1">
-                <a:latin typeface="Courier New" panose="02070309020205020404" pitchFamily="49" charset="0"/>
-                <a:cs typeface="Courier New" panose="02070309020205020404" pitchFamily="49" charset="0"/>
-              </a:rPr>
-              <a:t>concat</a:t>
-            </a:r>
-            <a:r>
-              <a:rPr lang="en-US" sz="1600" dirty="0">
-                <a:latin typeface="Courier New" panose="02070309020205020404" pitchFamily="49" charset="0"/>
-                <a:cs typeface="Courier New" panose="02070309020205020404" pitchFamily="49" charset="0"/>
-              </a:rPr>
-              <a:t>);</a:t>
-            </a:r>
-          </a:p>
-          <a:p>
-            <a:r>
-              <a:rPr lang="en-US" sz="1600" dirty="0">
-                <a:latin typeface="Courier New" panose="02070309020205020404" pitchFamily="49" charset="0"/>
-                <a:cs typeface="Courier New" panose="02070309020205020404" pitchFamily="49" charset="0"/>
-              </a:rPr>
-              <a:t>}</a:t>
-            </a:r>
-          </a:p>
-        </p:txBody>
-      </p:sp>
-      <p:sp>
-        <p:nvSpPr>
-          <p:cNvPr id="7" name="TextBox 6">
-            <a:extLst>
-              <a:ext uri="{FF2B5EF4-FFF2-40B4-BE49-F238E27FC236}">
-                <a16:creationId xmlns:a16="http://schemas.microsoft.com/office/drawing/2014/main" id="{03B4458A-37BA-02AB-CE8C-B288D36FE6BF}"/>
-              </a:ext>
-            </a:extLst>
-          </p:cNvPr>
-          <p:cNvSpPr txBox="1"/>
-          <p:nvPr/>
-        </p:nvSpPr>
-        <p:spPr>
-          <a:xfrm>
-            <a:off x="2544729" y="5154047"/>
-            <a:ext cx="2440092" cy="1169551"/>
-          </a:xfrm>
-          <a:prstGeom prst="rect">
-            <a:avLst/>
-          </a:prstGeom>
-          <a:noFill/>
-        </p:spPr>
-        <p:txBody>
-          <a:bodyPr wrap="none" rtlCol="0">
-            <a:spAutoFit/>
-          </a:bodyPr>
-          <a:lstStyle/>
-          <a:p>
-            <a:r>
-              <a:rPr lang="en-US" sz="1400" dirty="0">
-                <a:latin typeface="Monaco" pitchFamily="2" charset="77"/>
-              </a:rPr>
-              <a:t>Enter two strings</a:t>
-            </a:r>
-          </a:p>
-          <a:p>
-            <a:r>
-              <a:rPr lang="en-US" sz="1400" b="1" u="sng" dirty="0">
-                <a:latin typeface="Monaco" pitchFamily="2" charset="77"/>
-              </a:rPr>
-              <a:t>Kernighan</a:t>
-            </a:r>
-          </a:p>
-          <a:p>
-            <a:r>
-              <a:rPr lang="en-US" sz="1400" b="1" u="sng" dirty="0">
-                <a:latin typeface="Monaco" pitchFamily="2" charset="77"/>
-              </a:rPr>
-              <a:t>Ritchie</a:t>
-            </a:r>
-          </a:p>
-          <a:p>
-            <a:r>
-              <a:rPr lang="en-US" sz="1400" dirty="0">
-                <a:latin typeface="Monaco" pitchFamily="2" charset="77"/>
-              </a:rPr>
-              <a:t>We need 20 characters</a:t>
-            </a:r>
-          </a:p>
-          <a:p>
-            <a:r>
-              <a:rPr lang="en-US" sz="1400" dirty="0">
-                <a:latin typeface="Monaco" pitchFamily="2" charset="77"/>
-              </a:rPr>
-              <a:t>Kernighan &amp; Ritchie</a:t>
-            </a:r>
-          </a:p>
-        </p:txBody>
-      </p:sp>
-      <p:sp>
-        <p:nvSpPr>
-          <p:cNvPr id="8" name="TextBox 7">
-            <a:extLst>
-              <a:ext uri="{FF2B5EF4-FFF2-40B4-BE49-F238E27FC236}">
-                <a16:creationId xmlns:a16="http://schemas.microsoft.com/office/drawing/2014/main" id="{F7AC2D4A-1256-8DC4-CDEF-7E9063C86FCE}"/>
-              </a:ext>
-            </a:extLst>
-          </p:cNvPr>
-          <p:cNvSpPr txBox="1"/>
-          <p:nvPr/>
-        </p:nvSpPr>
-        <p:spPr>
-          <a:xfrm>
-            <a:off x="10460182" y="6323598"/>
-            <a:ext cx="1600199" cy="338554"/>
-          </a:xfrm>
-          <a:prstGeom prst="rect">
-            <a:avLst/>
-          </a:prstGeom>
-          <a:noFill/>
-        </p:spPr>
-        <p:txBody>
-          <a:bodyPr wrap="square">
-            <a:spAutoFit/>
-          </a:bodyPr>
-          <a:lstStyle/>
-          <a:p>
-            <a:r>
-              <a:rPr lang="en-US" sz="1600" dirty="0">
-                <a:solidFill>
-                  <a:srgbClr val="000000"/>
-                </a:solidFill>
-                <a:effectLst/>
-                <a:latin typeface="Menlo" panose="020B0609030804020204" pitchFamily="49" charset="0"/>
-              </a:rPr>
-              <a:t>cc_02_15.c</a:t>
-            </a:r>
-          </a:p>
-        </p:txBody>
-      </p:sp>
-      <p:sp>
-        <p:nvSpPr>
-          <p:cNvPr id="9" name="TextBox 8">
-            <a:extLst>
-              <a:ext uri="{FF2B5EF4-FFF2-40B4-BE49-F238E27FC236}">
-                <a16:creationId xmlns:a16="http://schemas.microsoft.com/office/drawing/2014/main" id="{C08C4188-93DA-C776-A207-F2056703C48C}"/>
-              </a:ext>
-            </a:extLst>
-          </p:cNvPr>
-          <p:cNvSpPr txBox="1"/>
-          <p:nvPr/>
-        </p:nvSpPr>
-        <p:spPr>
-          <a:xfrm>
-            <a:off x="674066" y="3629054"/>
-            <a:ext cx="2332690" cy="1169551"/>
-          </a:xfrm>
-          <a:prstGeom prst="rect">
-            <a:avLst/>
-          </a:prstGeom>
-          <a:noFill/>
-        </p:spPr>
-        <p:txBody>
-          <a:bodyPr wrap="none" rtlCol="0">
-            <a:spAutoFit/>
-          </a:bodyPr>
-          <a:lstStyle/>
-          <a:p>
-            <a:r>
-              <a:rPr lang="en-US" sz="1400" dirty="0">
-                <a:latin typeface="Monaco" pitchFamily="2" charset="77"/>
-              </a:rPr>
-              <a:t>Enter two strings</a:t>
-            </a:r>
-          </a:p>
-          <a:p>
-            <a:r>
-              <a:rPr lang="en-US" sz="1400" u="sng" dirty="0">
-                <a:latin typeface="Monaco" pitchFamily="2" charset="77"/>
-              </a:rPr>
-              <a:t>Kernighan</a:t>
-            </a:r>
-          </a:p>
-          <a:p>
-            <a:r>
-              <a:rPr lang="en-US" sz="1400" u="sng" dirty="0">
-                <a:latin typeface="Monaco" pitchFamily="2" charset="77"/>
-              </a:rPr>
-              <a:t>Ritchie</a:t>
-            </a:r>
-          </a:p>
-          <a:p>
-            <a:r>
-              <a:rPr lang="en-US" sz="1400" dirty="0">
-                <a:latin typeface="Monaco" pitchFamily="2" charset="77"/>
-              </a:rPr>
-              <a:t>We got 19 characters</a:t>
-            </a:r>
-          </a:p>
-          <a:p>
-            <a:r>
-              <a:rPr lang="en-US" sz="1400" dirty="0">
-                <a:latin typeface="Monaco" pitchFamily="2" charset="77"/>
-              </a:rPr>
-              <a:t>Kernighan &amp; Ritchie</a:t>
-            </a:r>
-          </a:p>
-        </p:txBody>
-      </p:sp>
-    </p:spTree>
-    <p:extLst>
-      <p:ext uri="{BB962C8B-B14F-4D97-AF65-F5344CB8AC3E}">
-        <p14:creationId xmlns:p14="http://schemas.microsoft.com/office/powerpoint/2010/main" val="4107769762"/>
-      </p:ext>
-    </p:extLst>
-  </p:cSld>
-  <p:clrMapOvr>
-    <a:masterClrMapping/>
-  </p:clrMapOvr>
-</p:sld>
-</file>
-
-<file path=ppt/slides/slide27.xml><?xml version="1.0" encoding="utf-8"?>
-<p:sld xmlns:a="http://schemas.openxmlformats.org/drawingml/2006/main" xmlns:r="http://schemas.openxmlformats.org/officeDocument/2006/relationships" xmlns:p="http://schemas.openxmlformats.org/presentationml/2006/main">
-  <p:cSld>
-    <p:spTree>
-      <p:nvGrpSpPr>
-        <p:cNvPr id="1" name=""/>
-        <p:cNvGrpSpPr/>
-        <p:nvPr/>
-      </p:nvGrpSpPr>
-      <p:grpSpPr>
-        <a:xfrm>
-          <a:off x="0" y="0"/>
-          <a:ext cx="0" cy="0"/>
-          <a:chOff x="0" y="0"/>
-          <a:chExt cx="0" cy="0"/>
-        </a:xfrm>
-      </p:grpSpPr>
-      <p:sp>
-        <p:nvSpPr>
-          <p:cNvPr id="3" name="Title 2">
-            <a:extLst>
-              <a:ext uri="{FF2B5EF4-FFF2-40B4-BE49-F238E27FC236}">
-                <a16:creationId xmlns:a16="http://schemas.microsoft.com/office/drawing/2014/main" id="{26D5DF8A-3D98-DC7E-85E8-EAC7EDC57520}"/>
-              </a:ext>
-            </a:extLst>
-          </p:cNvPr>
-          <p:cNvSpPr>
-            <a:spLocks noGrp="1"/>
-          </p:cNvSpPr>
-          <p:nvPr>
-            <p:ph type="title"/>
-          </p:nvPr>
-        </p:nvSpPr>
-        <p:spPr/>
-        <p:txBody>
-          <a:bodyPr/>
-          <a:lstStyle/>
-          <a:p>
-            <a:r>
-              <a:rPr lang="en-US" dirty="0"/>
               <a:t>Summary</a:t>
             </a:r>
           </a:p>
@@ -15579,12 +11943,6 @@
             <a:r>
               <a:rPr lang="en-US" dirty="0"/>
               <a:t>Float</a:t>
-            </a:r>
-          </a:p>
-          <a:p>
-            <a:r>
-              <a:rPr lang="en-US" dirty="0"/>
-              <a:t>Dynamic memory</a:t>
             </a:r>
           </a:p>
         </p:txBody>
@@ -15665,7 +12023,7 @@
 </p:sld>
 </file>
 
-<file path=ppt/slides/slide28.xml><?xml version="1.0" encoding="utf-8"?>
+<file path=ppt/slides/slide23.xml><?xml version="1.0" encoding="utf-8"?>
 <p:sld xmlns:a="http://schemas.openxmlformats.org/drawingml/2006/main" xmlns:r="http://schemas.openxmlformats.org/officeDocument/2006/relationships" xmlns:p="http://schemas.openxmlformats.org/presentationml/2006/main">
   <p:cSld>
     <p:spTree>

--- a/lectures/CC-02-Python.pptx
+++ b/lectures/CC-02-Python.pptx
@@ -281,7 +281,7 @@
           <a:p>
             <a:fld id="{C13A938A-C9BA-0346-A74F-83EB1631032C}" type="datetimeFigureOut">
               <a:rPr lang="en-US" smtClean="0"/>
-              <a:t>1/28/23</a:t>
+              <a:t>2/21/23</a:t>
             </a:fld>
             <a:endParaRPr lang="en-US"/>
           </a:p>
@@ -479,7 +479,7 @@
           <a:p>
             <a:fld id="{C13A938A-C9BA-0346-A74F-83EB1631032C}" type="datetimeFigureOut">
               <a:rPr lang="en-US" smtClean="0"/>
-              <a:t>1/28/23</a:t>
+              <a:t>2/21/23</a:t>
             </a:fld>
             <a:endParaRPr lang="en-US"/>
           </a:p>
@@ -687,7 +687,7 @@
           <a:p>
             <a:fld id="{C13A938A-C9BA-0346-A74F-83EB1631032C}" type="datetimeFigureOut">
               <a:rPr lang="en-US" smtClean="0"/>
-              <a:t>1/28/23</a:t>
+              <a:t>2/21/23</a:t>
             </a:fld>
             <a:endParaRPr lang="en-US"/>
           </a:p>
@@ -885,7 +885,7 @@
           <a:p>
             <a:fld id="{C13A938A-C9BA-0346-A74F-83EB1631032C}" type="datetimeFigureOut">
               <a:rPr lang="en-US" smtClean="0"/>
-              <a:t>1/28/23</a:t>
+              <a:t>2/21/23</a:t>
             </a:fld>
             <a:endParaRPr lang="en-US"/>
           </a:p>
@@ -1160,7 +1160,7 @@
           <a:p>
             <a:fld id="{C13A938A-C9BA-0346-A74F-83EB1631032C}" type="datetimeFigureOut">
               <a:rPr lang="en-US" smtClean="0"/>
-              <a:t>1/28/23</a:t>
+              <a:t>2/21/23</a:t>
             </a:fld>
             <a:endParaRPr lang="en-US"/>
           </a:p>
@@ -1425,7 +1425,7 @@
           <a:p>
             <a:fld id="{C13A938A-C9BA-0346-A74F-83EB1631032C}" type="datetimeFigureOut">
               <a:rPr lang="en-US" smtClean="0"/>
-              <a:t>1/28/23</a:t>
+              <a:t>2/21/23</a:t>
             </a:fld>
             <a:endParaRPr lang="en-US"/>
           </a:p>
@@ -1837,7 +1837,7 @@
           <a:p>
             <a:fld id="{C13A938A-C9BA-0346-A74F-83EB1631032C}" type="datetimeFigureOut">
               <a:rPr lang="en-US" smtClean="0"/>
-              <a:t>1/28/23</a:t>
+              <a:t>2/21/23</a:t>
             </a:fld>
             <a:endParaRPr lang="en-US"/>
           </a:p>
@@ -1978,7 +1978,7 @@
           <a:p>
             <a:fld id="{C13A938A-C9BA-0346-A74F-83EB1631032C}" type="datetimeFigureOut">
               <a:rPr lang="en-US" smtClean="0"/>
-              <a:t>1/28/23</a:t>
+              <a:t>2/21/23</a:t>
             </a:fld>
             <a:endParaRPr lang="en-US"/>
           </a:p>
@@ -2091,7 +2091,7 @@
           <a:p>
             <a:fld id="{C13A938A-C9BA-0346-A74F-83EB1631032C}" type="datetimeFigureOut">
               <a:rPr lang="en-US" smtClean="0"/>
-              <a:t>1/28/23</a:t>
+              <a:t>2/21/23</a:t>
             </a:fld>
             <a:endParaRPr lang="en-US"/>
           </a:p>
@@ -2402,7 +2402,7 @@
           <a:p>
             <a:fld id="{C13A938A-C9BA-0346-A74F-83EB1631032C}" type="datetimeFigureOut">
               <a:rPr lang="en-US" smtClean="0"/>
-              <a:t>1/28/23</a:t>
+              <a:t>2/21/23</a:t>
             </a:fld>
             <a:endParaRPr lang="en-US"/>
           </a:p>
@@ -2690,7 +2690,7 @@
           <a:p>
             <a:fld id="{C13A938A-C9BA-0346-A74F-83EB1631032C}" type="datetimeFigureOut">
               <a:rPr lang="en-US" smtClean="0"/>
-              <a:t>1/28/23</a:t>
+              <a:t>2/21/23</a:t>
             </a:fld>
             <a:endParaRPr lang="en-US"/>
           </a:p>
@@ -2931,7 +2931,7 @@
           <a:p>
             <a:fld id="{C13A938A-C9BA-0346-A74F-83EB1631032C}" type="datetimeFigureOut">
               <a:rPr lang="en-US" smtClean="0"/>
-              <a:t>1/28/23</a:t>
+              <a:t>2/21/23</a:t>
             </a:fld>
             <a:endParaRPr lang="en-US"/>
           </a:p>
@@ -6570,7 +6570,7 @@
           <a:p>
             <a:r>
               <a:rPr lang="en-US" dirty="0"/>
-              <a:t>Max / Min</a:t>
+              <a:t>Max / Min Python</a:t>
             </a:r>
           </a:p>
         </p:txBody>
@@ -7121,7 +7121,7 @@
           <a:p>
             <a:r>
               <a:rPr lang="en-US" dirty="0"/>
-              <a:t>Max / Min v2</a:t>
+              <a:t>Max / Min C</a:t>
             </a:r>
           </a:p>
         </p:txBody>

--- a/lectures/CC-02-Python.pptx
+++ b/lectures/CC-02-Python.pptx
@@ -281,7 +281,7 @@
           <a:p>
             <a:fld id="{C13A938A-C9BA-0346-A74F-83EB1631032C}" type="datetimeFigureOut">
               <a:rPr lang="en-US" smtClean="0"/>
-              <a:t>2/21/23</a:t>
+              <a:t>3/3/23</a:t>
             </a:fld>
             <a:endParaRPr lang="en-US"/>
           </a:p>
@@ -479,7 +479,7 @@
           <a:p>
             <a:fld id="{C13A938A-C9BA-0346-A74F-83EB1631032C}" type="datetimeFigureOut">
               <a:rPr lang="en-US" smtClean="0"/>
-              <a:t>2/21/23</a:t>
+              <a:t>3/3/23</a:t>
             </a:fld>
             <a:endParaRPr lang="en-US"/>
           </a:p>
@@ -687,7 +687,7 @@
           <a:p>
             <a:fld id="{C13A938A-C9BA-0346-A74F-83EB1631032C}" type="datetimeFigureOut">
               <a:rPr lang="en-US" smtClean="0"/>
-              <a:t>2/21/23</a:t>
+              <a:t>3/3/23</a:t>
             </a:fld>
             <a:endParaRPr lang="en-US"/>
           </a:p>
@@ -885,7 +885,7 @@
           <a:p>
             <a:fld id="{C13A938A-C9BA-0346-A74F-83EB1631032C}" type="datetimeFigureOut">
               <a:rPr lang="en-US" smtClean="0"/>
-              <a:t>2/21/23</a:t>
+              <a:t>3/3/23</a:t>
             </a:fld>
             <a:endParaRPr lang="en-US"/>
           </a:p>
@@ -1160,7 +1160,7 @@
           <a:p>
             <a:fld id="{C13A938A-C9BA-0346-A74F-83EB1631032C}" type="datetimeFigureOut">
               <a:rPr lang="en-US" smtClean="0"/>
-              <a:t>2/21/23</a:t>
+              <a:t>3/3/23</a:t>
             </a:fld>
             <a:endParaRPr lang="en-US"/>
           </a:p>
@@ -1425,7 +1425,7 @@
           <a:p>
             <a:fld id="{C13A938A-C9BA-0346-A74F-83EB1631032C}" type="datetimeFigureOut">
               <a:rPr lang="en-US" smtClean="0"/>
-              <a:t>2/21/23</a:t>
+              <a:t>3/3/23</a:t>
             </a:fld>
             <a:endParaRPr lang="en-US"/>
           </a:p>
@@ -1837,7 +1837,7 @@
           <a:p>
             <a:fld id="{C13A938A-C9BA-0346-A74F-83EB1631032C}" type="datetimeFigureOut">
               <a:rPr lang="en-US" smtClean="0"/>
-              <a:t>2/21/23</a:t>
+              <a:t>3/3/23</a:t>
             </a:fld>
             <a:endParaRPr lang="en-US"/>
           </a:p>
@@ -1978,7 +1978,7 @@
           <a:p>
             <a:fld id="{C13A938A-C9BA-0346-A74F-83EB1631032C}" type="datetimeFigureOut">
               <a:rPr lang="en-US" smtClean="0"/>
-              <a:t>2/21/23</a:t>
+              <a:t>3/3/23</a:t>
             </a:fld>
             <a:endParaRPr lang="en-US"/>
           </a:p>
@@ -2091,7 +2091,7 @@
           <a:p>
             <a:fld id="{C13A938A-C9BA-0346-A74F-83EB1631032C}" type="datetimeFigureOut">
               <a:rPr lang="en-US" smtClean="0"/>
-              <a:t>2/21/23</a:t>
+              <a:t>3/3/23</a:t>
             </a:fld>
             <a:endParaRPr lang="en-US"/>
           </a:p>
@@ -2402,7 +2402,7 @@
           <a:p>
             <a:fld id="{C13A938A-C9BA-0346-A74F-83EB1631032C}" type="datetimeFigureOut">
               <a:rPr lang="en-US" smtClean="0"/>
-              <a:t>2/21/23</a:t>
+              <a:t>3/3/23</a:t>
             </a:fld>
             <a:endParaRPr lang="en-US"/>
           </a:p>
@@ -2690,7 +2690,7 @@
           <a:p>
             <a:fld id="{C13A938A-C9BA-0346-A74F-83EB1631032C}" type="datetimeFigureOut">
               <a:rPr lang="en-US" smtClean="0"/>
-              <a:t>2/21/23</a:t>
+              <a:t>3/3/23</a:t>
             </a:fld>
             <a:endParaRPr lang="en-US"/>
           </a:p>
@@ -2931,7 +2931,7 @@
           <a:p>
             <a:fld id="{C13A938A-C9BA-0346-A74F-83EB1631032C}" type="datetimeFigureOut">
               <a:rPr lang="en-US" smtClean="0"/>
-              <a:t>2/21/23</a:t>
+              <a:t>3/3/23</a:t>
             </a:fld>
             <a:endParaRPr lang="en-US"/>
           </a:p>
@@ -3402,7 +3402,9 @@
         </p:nvSpPr>
         <p:spPr/>
         <p:txBody>
-          <a:bodyPr/>
+          <a:bodyPr>
+            <a:normAutofit lnSpcReduction="10000"/>
+          </a:bodyPr>
           <a:lstStyle/>
           <a:p>
             <a:r>
@@ -3415,6 +3417,19 @@
               <a:rPr lang="en-US" dirty="0"/>
               <a:t>www.cc4e.com</a:t>
             </a:r>
+          </a:p>
+          <a:p>
+            <a:r>
+              <a:rPr lang="en-US" dirty="0"/>
+              <a:t>code.cc4e.com (sample code)</a:t>
+            </a:r>
+          </a:p>
+          <a:p>
+            <a:r>
+              <a:rPr lang="en-US"/>
+              <a:t>online.dr-chuck.com</a:t>
+            </a:r>
+            <a:endParaRPr lang="en-US" dirty="0"/>
           </a:p>
         </p:txBody>
       </p:sp>

--- a/lectures/CC-02-Python.pptx
+++ b/lectures/CC-02-Python.pptx
@@ -281,7 +281,7 @@
           <a:p>
             <a:fld id="{C13A938A-C9BA-0346-A74F-83EB1631032C}" type="datetimeFigureOut">
               <a:rPr lang="en-US" smtClean="0"/>
-              <a:t>3/3/23</a:t>
+              <a:t>2/24/24</a:t>
             </a:fld>
             <a:endParaRPr lang="en-US"/>
           </a:p>
@@ -479,7 +479,7 @@
           <a:p>
             <a:fld id="{C13A938A-C9BA-0346-A74F-83EB1631032C}" type="datetimeFigureOut">
               <a:rPr lang="en-US" smtClean="0"/>
-              <a:t>3/3/23</a:t>
+              <a:t>2/24/24</a:t>
             </a:fld>
             <a:endParaRPr lang="en-US"/>
           </a:p>
@@ -687,7 +687,7 @@
           <a:p>
             <a:fld id="{C13A938A-C9BA-0346-A74F-83EB1631032C}" type="datetimeFigureOut">
               <a:rPr lang="en-US" smtClean="0"/>
-              <a:t>3/3/23</a:t>
+              <a:t>2/24/24</a:t>
             </a:fld>
             <a:endParaRPr lang="en-US"/>
           </a:p>
@@ -885,7 +885,7 @@
           <a:p>
             <a:fld id="{C13A938A-C9BA-0346-A74F-83EB1631032C}" type="datetimeFigureOut">
               <a:rPr lang="en-US" smtClean="0"/>
-              <a:t>3/3/23</a:t>
+              <a:t>2/24/24</a:t>
             </a:fld>
             <a:endParaRPr lang="en-US"/>
           </a:p>
@@ -1160,7 +1160,7 @@
           <a:p>
             <a:fld id="{C13A938A-C9BA-0346-A74F-83EB1631032C}" type="datetimeFigureOut">
               <a:rPr lang="en-US" smtClean="0"/>
-              <a:t>3/3/23</a:t>
+              <a:t>2/24/24</a:t>
             </a:fld>
             <a:endParaRPr lang="en-US"/>
           </a:p>
@@ -1425,7 +1425,7 @@
           <a:p>
             <a:fld id="{C13A938A-C9BA-0346-A74F-83EB1631032C}" type="datetimeFigureOut">
               <a:rPr lang="en-US" smtClean="0"/>
-              <a:t>3/3/23</a:t>
+              <a:t>2/24/24</a:t>
             </a:fld>
             <a:endParaRPr lang="en-US"/>
           </a:p>
@@ -1837,7 +1837,7 @@
           <a:p>
             <a:fld id="{C13A938A-C9BA-0346-A74F-83EB1631032C}" type="datetimeFigureOut">
               <a:rPr lang="en-US" smtClean="0"/>
-              <a:t>3/3/23</a:t>
+              <a:t>2/24/24</a:t>
             </a:fld>
             <a:endParaRPr lang="en-US"/>
           </a:p>
@@ -1978,7 +1978,7 @@
           <a:p>
             <a:fld id="{C13A938A-C9BA-0346-A74F-83EB1631032C}" type="datetimeFigureOut">
               <a:rPr lang="en-US" smtClean="0"/>
-              <a:t>3/3/23</a:t>
+              <a:t>2/24/24</a:t>
             </a:fld>
             <a:endParaRPr lang="en-US"/>
           </a:p>
@@ -2091,7 +2091,7 @@
           <a:p>
             <a:fld id="{C13A938A-C9BA-0346-A74F-83EB1631032C}" type="datetimeFigureOut">
               <a:rPr lang="en-US" smtClean="0"/>
-              <a:t>3/3/23</a:t>
+              <a:t>2/24/24</a:t>
             </a:fld>
             <a:endParaRPr lang="en-US"/>
           </a:p>
@@ -2402,7 +2402,7 @@
           <a:p>
             <a:fld id="{C13A938A-C9BA-0346-A74F-83EB1631032C}" type="datetimeFigureOut">
               <a:rPr lang="en-US" smtClean="0"/>
-              <a:t>3/3/23</a:t>
+              <a:t>2/24/24</a:t>
             </a:fld>
             <a:endParaRPr lang="en-US"/>
           </a:p>
@@ -2690,7 +2690,7 @@
           <a:p>
             <a:fld id="{C13A938A-C9BA-0346-A74F-83EB1631032C}" type="datetimeFigureOut">
               <a:rPr lang="en-US" smtClean="0"/>
-              <a:t>3/3/23</a:t>
+              <a:t>2/24/24</a:t>
             </a:fld>
             <a:endParaRPr lang="en-US"/>
           </a:p>
@@ -2931,7 +2931,7 @@
           <a:p>
             <a:fld id="{C13A938A-C9BA-0346-A74F-83EB1631032C}" type="datetimeFigureOut">
               <a:rPr lang="en-US" smtClean="0"/>
-              <a:t>3/3/23</a:t>
+              <a:t>2/24/24</a:t>
             </a:fld>
             <a:endParaRPr lang="en-US"/>
           </a:p>
@@ -3620,7 +3620,7 @@
                 <a:latin typeface="Courier New" panose="02070309020205020404" pitchFamily="49" charset="0"/>
                 <a:cs typeface="Courier New" panose="02070309020205020404" pitchFamily="49" charset="0"/>
               </a:rPr>
-              <a:t>print('x',3.5,'i',10)</a:t>
+              <a:t>print('x',3.5,'i',100)</a:t>
             </a:r>
           </a:p>
         </p:txBody>

--- a/lectures/CC-02-Python.pptx
+++ b/lectures/CC-02-Python.pptx
@@ -281,7 +281,7 @@
           <a:p>
             <a:fld id="{C13A938A-C9BA-0346-A74F-83EB1631032C}" type="datetimeFigureOut">
               <a:rPr lang="en-US" smtClean="0"/>
-              <a:t>2/24/24</a:t>
+              <a:t>6/6/24</a:t>
             </a:fld>
             <a:endParaRPr lang="en-US"/>
           </a:p>
@@ -479,7 +479,7 @@
           <a:p>
             <a:fld id="{C13A938A-C9BA-0346-A74F-83EB1631032C}" type="datetimeFigureOut">
               <a:rPr lang="en-US" smtClean="0"/>
-              <a:t>2/24/24</a:t>
+              <a:t>6/6/24</a:t>
             </a:fld>
             <a:endParaRPr lang="en-US"/>
           </a:p>
@@ -687,7 +687,7 @@
           <a:p>
             <a:fld id="{C13A938A-C9BA-0346-A74F-83EB1631032C}" type="datetimeFigureOut">
               <a:rPr lang="en-US" smtClean="0"/>
-              <a:t>2/24/24</a:t>
+              <a:t>6/6/24</a:t>
             </a:fld>
             <a:endParaRPr lang="en-US"/>
           </a:p>
@@ -885,7 +885,7 @@
           <a:p>
             <a:fld id="{C13A938A-C9BA-0346-A74F-83EB1631032C}" type="datetimeFigureOut">
               <a:rPr lang="en-US" smtClean="0"/>
-              <a:t>2/24/24</a:t>
+              <a:t>6/6/24</a:t>
             </a:fld>
             <a:endParaRPr lang="en-US"/>
           </a:p>
@@ -1160,7 +1160,7 @@
           <a:p>
             <a:fld id="{C13A938A-C9BA-0346-A74F-83EB1631032C}" type="datetimeFigureOut">
               <a:rPr lang="en-US" smtClean="0"/>
-              <a:t>2/24/24</a:t>
+              <a:t>6/6/24</a:t>
             </a:fld>
             <a:endParaRPr lang="en-US"/>
           </a:p>
@@ -1425,7 +1425,7 @@
           <a:p>
             <a:fld id="{C13A938A-C9BA-0346-A74F-83EB1631032C}" type="datetimeFigureOut">
               <a:rPr lang="en-US" smtClean="0"/>
-              <a:t>2/24/24</a:t>
+              <a:t>6/6/24</a:t>
             </a:fld>
             <a:endParaRPr lang="en-US"/>
           </a:p>
@@ -1837,7 +1837,7 @@
           <a:p>
             <a:fld id="{C13A938A-C9BA-0346-A74F-83EB1631032C}" type="datetimeFigureOut">
               <a:rPr lang="en-US" smtClean="0"/>
-              <a:t>2/24/24</a:t>
+              <a:t>6/6/24</a:t>
             </a:fld>
             <a:endParaRPr lang="en-US"/>
           </a:p>
@@ -1978,7 +1978,7 @@
           <a:p>
             <a:fld id="{C13A938A-C9BA-0346-A74F-83EB1631032C}" type="datetimeFigureOut">
               <a:rPr lang="en-US" smtClean="0"/>
-              <a:t>2/24/24</a:t>
+              <a:t>6/6/24</a:t>
             </a:fld>
             <a:endParaRPr lang="en-US"/>
           </a:p>
@@ -2091,7 +2091,7 @@
           <a:p>
             <a:fld id="{C13A938A-C9BA-0346-A74F-83EB1631032C}" type="datetimeFigureOut">
               <a:rPr lang="en-US" smtClean="0"/>
-              <a:t>2/24/24</a:t>
+              <a:t>6/6/24</a:t>
             </a:fld>
             <a:endParaRPr lang="en-US"/>
           </a:p>
@@ -2402,7 +2402,7 @@
           <a:p>
             <a:fld id="{C13A938A-C9BA-0346-A74F-83EB1631032C}" type="datetimeFigureOut">
               <a:rPr lang="en-US" smtClean="0"/>
-              <a:t>2/24/24</a:t>
+              <a:t>6/6/24</a:t>
             </a:fld>
             <a:endParaRPr lang="en-US"/>
           </a:p>
@@ -2690,7 +2690,7 @@
           <a:p>
             <a:fld id="{C13A938A-C9BA-0346-A74F-83EB1631032C}" type="datetimeFigureOut">
               <a:rPr lang="en-US" smtClean="0"/>
-              <a:t>2/24/24</a:t>
+              <a:t>6/6/24</a:t>
             </a:fld>
             <a:endParaRPr lang="en-US"/>
           </a:p>
@@ -2931,7 +2931,7 @@
           <a:p>
             <a:fld id="{C13A938A-C9BA-0346-A74F-83EB1631032C}" type="datetimeFigureOut">
               <a:rPr lang="en-US" smtClean="0"/>
-              <a:t>2/24/24</a:t>
+              <a:t>6/6/24</a:t>
             </a:fld>
             <a:endParaRPr lang="en-US"/>
           </a:p>
@@ -5086,7 +5086,7 @@
                 <a:latin typeface="Courier New" panose="02070309020205020404" pitchFamily="49" charset="0"/>
                 <a:cs typeface="Courier New" panose="02070309020205020404" pitchFamily="49" charset="0"/>
               </a:rPr>
-              <a:t>    char line[1000];</a:t>
+              <a:t>    char line[101];</a:t>
             </a:r>
             <a:endParaRPr lang="en-US" b="1" dirty="0">
               <a:latin typeface="Courier New" panose="02070309020205020404" pitchFamily="49" charset="0"/>
@@ -5136,7 +5136,7 @@
                 <a:latin typeface="Courier New" panose="02070309020205020404" pitchFamily="49" charset="0"/>
                 <a:cs typeface="Courier New" panose="02070309020205020404" pitchFamily="49" charset="0"/>
               </a:rPr>
-              <a:t>("%[^\n]1000s", line);</a:t>
+              <a:t>("%100[^\n]s", line);</a:t>
             </a:r>
           </a:p>
           <a:p>

--- a/lectures/CC-02-Python.pptx
+++ b/lectures/CC-02-Python.pptx
@@ -5086,7 +5086,7 @@
                 <a:latin typeface="Courier New" panose="02070309020205020404" pitchFamily="49" charset="0"/>
                 <a:cs typeface="Courier New" panose="02070309020205020404" pitchFamily="49" charset="0"/>
               </a:rPr>
-              <a:t>    char line[101];</a:t>
+              <a:t>    char line[1001];</a:t>
             </a:r>
             <a:endParaRPr lang="en-US" b="1" dirty="0">
               <a:latin typeface="Courier New" panose="02070309020205020404" pitchFamily="49" charset="0"/>
@@ -5136,7 +5136,7 @@
                 <a:latin typeface="Courier New" panose="02070309020205020404" pitchFamily="49" charset="0"/>
                 <a:cs typeface="Courier New" panose="02070309020205020404" pitchFamily="49" charset="0"/>
               </a:rPr>
-              <a:t>("%100[^\n]s", line);</a:t>
+              <a:t>("%1000[^\n]s", line);</a:t>
             </a:r>
           </a:p>
           <a:p>
